--- a/tex/figures/NewtonsLaws/Figures.pptx
+++ b/tex/figures/NewtonsLaws/Figures.pptx
@@ -6,6 +6,7 @@
   </p:sldMasterIdLst>
   <p:sldIdLst>
     <p:sldId id="263" r:id="rId2"/>
+    <p:sldId id="264" r:id="rId3"/>
   </p:sldIdLst>
   <p:sldSz cx="12192000" cy="6858000"/>
   <p:notesSz cx="6858000" cy="9144000"/>
@@ -3200,7 +3201,7 @@
         </p:nvGrpSpPr>
         <p:grpSpPr>
           <a:xfrm>
-            <a:off x="2735947" y="573940"/>
+            <a:off x="2317785" y="511355"/>
             <a:ext cx="1934955" cy="1339196"/>
             <a:chOff x="4996068" y="3201951"/>
             <a:chExt cx="1934955" cy="1339196"/>
@@ -4111,28 +4112,1534 @@
       </p:grpSp>
       <p:grpSp>
         <p:nvGrpSpPr>
-          <p:cNvPr id="45" name="Group 44"/>
+          <p:cNvPr id="68" name="Group 67"/>
           <p:cNvGrpSpPr/>
           <p:nvPr/>
         </p:nvGrpSpPr>
         <p:grpSpPr>
           <a:xfrm>
-            <a:off x="5389270" y="2988512"/>
-            <a:ext cx="667446" cy="1108967"/>
-            <a:chOff x="5678875" y="3201951"/>
-            <a:chExt cx="667446" cy="1108967"/>
+            <a:off x="5578981" y="2790432"/>
+            <a:ext cx="2741238" cy="1152860"/>
+            <a:chOff x="5560793" y="3188617"/>
+            <a:chExt cx="2741238" cy="1152860"/>
           </a:xfrm>
         </p:grpSpPr>
+        <p:grpSp>
+          <p:nvGrpSpPr>
+            <p:cNvPr id="25" name="Group 24"/>
+            <p:cNvGrpSpPr/>
+            <p:nvPr/>
+          </p:nvGrpSpPr>
+          <p:grpSpPr>
+            <a:xfrm>
+              <a:off x="5560793" y="3198006"/>
+              <a:ext cx="1064667" cy="1143471"/>
+              <a:chOff x="5045603" y="2979123"/>
+              <a:chExt cx="1064667" cy="1143471"/>
+            </a:xfrm>
+          </p:grpSpPr>
+          <p:grpSp>
+            <p:nvGrpSpPr>
+              <p:cNvPr id="45" name="Group 44"/>
+              <p:cNvGrpSpPr/>
+              <p:nvPr/>
+            </p:nvGrpSpPr>
+            <p:grpSpPr>
+              <a:xfrm>
+                <a:off x="5442824" y="2979123"/>
+                <a:ext cx="667446" cy="1108967"/>
+                <a:chOff x="5678875" y="3201951"/>
+                <a:chExt cx="667446" cy="1108967"/>
+              </a:xfrm>
+            </p:grpSpPr>
+            <p:sp>
+              <p:nvSpPr>
+                <p:cNvPr id="48" name="Rectangle 47"/>
+                <p:cNvSpPr/>
+                <p:nvPr/>
+              </p:nvSpPr>
+              <p:spPr>
+                <a:xfrm>
+                  <a:off x="5678875" y="3671801"/>
+                  <a:ext cx="569343" cy="629728"/>
+                </a:xfrm>
+                <a:prstGeom prst="rect">
+                  <a:avLst/>
+                </a:prstGeom>
+                <a:solidFill>
+                  <a:schemeClr val="bg2">
+                    <a:lumMod val="90000"/>
+                  </a:schemeClr>
+                </a:solidFill>
+                <a:ln w="38100">
+                  <a:solidFill>
+                    <a:schemeClr val="tx1"/>
+                  </a:solidFill>
+                </a:ln>
+              </p:spPr>
+              <p:style>
+                <a:lnRef idx="2">
+                  <a:schemeClr val="accent1">
+                    <a:shade val="50000"/>
+                  </a:schemeClr>
+                </a:lnRef>
+                <a:fillRef idx="1">
+                  <a:schemeClr val="accent1"/>
+                </a:fillRef>
+                <a:effectRef idx="0">
+                  <a:schemeClr val="accent1"/>
+                </a:effectRef>
+                <a:fontRef idx="minor">
+                  <a:schemeClr val="lt1"/>
+                </a:fontRef>
+              </p:style>
+              <p:txBody>
+                <a:bodyPr rtlCol="0" anchor="ctr"/>
+                <a:lstStyle/>
+                <a:p>
+                  <a:pPr algn="ctr"/>
+                  <a:endParaRPr lang="en-US"/>
+                </a:p>
+              </p:txBody>
+            </p:sp>
+            <p:cxnSp>
+              <p:nvCxnSpPr>
+                <p:cNvPr id="49" name="Straight Arrow Connector 48"/>
+                <p:cNvCxnSpPr/>
+                <p:nvPr/>
+              </p:nvCxnSpPr>
+              <p:spPr>
+                <a:xfrm flipV="1">
+                  <a:off x="5963546" y="3201951"/>
+                  <a:ext cx="0" cy="1108967"/>
+                </a:xfrm>
+                <a:prstGeom prst="straightConnector1">
+                  <a:avLst/>
+                </a:prstGeom>
+                <a:ln w="38100">
+                  <a:solidFill>
+                    <a:schemeClr val="tx1"/>
+                  </a:solidFill>
+                  <a:tailEnd type="triangle"/>
+                </a:ln>
+              </p:spPr>
+              <p:style>
+                <a:lnRef idx="1">
+                  <a:schemeClr val="accent1"/>
+                </a:lnRef>
+                <a:fillRef idx="0">
+                  <a:schemeClr val="accent1"/>
+                </a:fillRef>
+                <a:effectRef idx="0">
+                  <a:schemeClr val="accent1"/>
+                </a:effectRef>
+                <a:fontRef idx="minor">
+                  <a:schemeClr val="tx1"/>
+                </a:fontRef>
+              </p:style>
+            </p:cxnSp>
+            <mc:AlternateContent xmlns:mc="http://schemas.openxmlformats.org/markup-compatibility/2006" xmlns:a14="http://schemas.microsoft.com/office/drawing/2010/main">
+              <mc:Choice Requires="a14">
+                <p:sp>
+                  <p:nvSpPr>
+                    <p:cNvPr id="50" name="TextBox 49"/>
+                    <p:cNvSpPr txBox="1"/>
+                    <p:nvPr/>
+                  </p:nvSpPr>
+                  <p:spPr>
+                    <a:xfrm>
+                      <a:off x="6081954" y="3289533"/>
+                      <a:ext cx="264367" cy="345159"/>
+                    </a:xfrm>
+                    <a:prstGeom prst="rect">
+                      <a:avLst/>
+                    </a:prstGeom>
+                    <a:noFill/>
+                  </p:spPr>
+                  <p:txBody>
+                    <a:bodyPr wrap="none" lIns="0" tIns="0" rIns="0" bIns="0" rtlCol="0">
+                      <a:spAutoFit/>
+                    </a:bodyPr>
+                    <a:lstStyle/>
+                    <a:p>
+                      <a:pPr/>
+                      <a14:m>
+                        <m:oMathPara xmlns:m="http://schemas.openxmlformats.org/officeDocument/2006/math">
+                          <m:oMathParaPr>
+                            <m:jc m:val="centerGroup"/>
+                          </m:oMathParaPr>
+                          <m:oMath xmlns:m="http://schemas.openxmlformats.org/officeDocument/2006/math">
+                            <m:acc>
+                              <m:accPr>
+                                <m:chr m:val="⃗"/>
+                                <m:ctrlPr>
+                                  <a:rPr lang="en-US" sz="2000" b="0" i="1" smtClean="0">
+                                    <a:latin typeface="Cambria Math" panose="02040503050406030204" pitchFamily="18" charset="0"/>
+                                    <a:cs typeface="Arial" panose="020B0604020202020204" pitchFamily="34" charset="0"/>
+                                  </a:rPr>
+                                </m:ctrlPr>
+                              </m:accPr>
+                              <m:e>
+                                <m:r>
+                                  <a:rPr lang="en-US" sz="2000" b="0" i="1" smtClean="0">
+                                    <a:latin typeface="Cambria Math" panose="02040503050406030204" pitchFamily="18" charset="0"/>
+                                    <a:cs typeface="Arial" panose="020B0604020202020204" pitchFamily="34" charset="0"/>
+                                  </a:rPr>
+                                  <m:t>𝑁</m:t>
+                                </m:r>
+                              </m:e>
+                            </m:acc>
+                          </m:oMath>
+                        </m:oMathPara>
+                      </a14:m>
+                      <a:endParaRPr lang="en-US" sz="2000" dirty="0" smtClean="0">
+                        <a:latin typeface="Arial" panose="020B0604020202020204" pitchFamily="34" charset="0"/>
+                        <a:cs typeface="Arial" panose="020B0604020202020204" pitchFamily="34" charset="0"/>
+                      </a:endParaRPr>
+                    </a:p>
+                  </p:txBody>
+                </p:sp>
+              </mc:Choice>
+              <mc:Fallback xmlns="">
+                <p:sp>
+                  <p:nvSpPr>
+                    <p:cNvPr id="33" name="TextBox 32"/>
+                    <p:cNvSpPr txBox="1">
+                      <a:spLocks noRot="1" noChangeAspect="1" noMove="1" noResize="1" noEditPoints="1" noAdjustHandles="1" noChangeArrowheads="1" noChangeShapeType="1" noTextEdit="1"/>
+                    </p:cNvSpPr>
+                    <p:nvPr/>
+                  </p:nvSpPr>
+                  <p:spPr>
+                    <a:xfrm>
+                      <a:off x="6081954" y="3289533"/>
+                      <a:ext cx="264367" cy="345159"/>
+                    </a:xfrm>
+                    <a:prstGeom prst="rect">
+                      <a:avLst/>
+                    </a:prstGeom>
+                    <a:blipFill>
+                      <a:blip r:embed="rId11"/>
+                      <a:stretch>
+                        <a:fillRect l="-20930" r="-18605" b="-8929"/>
+                      </a:stretch>
+                    </a:blipFill>
+                  </p:spPr>
+                  <p:txBody>
+                    <a:bodyPr/>
+                    <a:lstStyle/>
+                    <a:p>
+                      <a:r>
+                        <a:rPr lang="en-US">
+                          <a:noFill/>
+                        </a:rPr>
+                        <a:t> </a:t>
+                      </a:r>
+                    </a:p>
+                  </p:txBody>
+                </p:sp>
+              </mc:Fallback>
+            </mc:AlternateContent>
+          </p:grpSp>
+          <p:cxnSp>
+            <p:nvCxnSpPr>
+              <p:cNvPr id="57" name="Straight Arrow Connector 56"/>
+              <p:cNvCxnSpPr/>
+              <p:nvPr/>
+            </p:nvCxnSpPr>
+            <p:spPr>
+              <a:xfrm flipH="1">
+                <a:off x="5045603" y="4113777"/>
+                <a:ext cx="675316" cy="8817"/>
+              </a:xfrm>
+              <a:prstGeom prst="straightConnector1">
+                <a:avLst/>
+              </a:prstGeom>
+              <a:ln w="38100">
+                <a:solidFill>
+                  <a:schemeClr val="tx1"/>
+                </a:solidFill>
+                <a:tailEnd type="triangle"/>
+              </a:ln>
+            </p:spPr>
+            <p:style>
+              <a:lnRef idx="1">
+                <a:schemeClr val="accent1"/>
+              </a:lnRef>
+              <a:fillRef idx="0">
+                <a:schemeClr val="accent1"/>
+              </a:fillRef>
+              <a:effectRef idx="0">
+                <a:schemeClr val="accent1"/>
+              </a:effectRef>
+              <a:fontRef idx="minor">
+                <a:schemeClr val="tx1"/>
+              </a:fontRef>
+            </p:style>
+          </p:cxnSp>
+          <mc:AlternateContent xmlns:mc="http://schemas.openxmlformats.org/markup-compatibility/2006">
+            <mc:Choice xmlns:a14="http://schemas.microsoft.com/office/drawing/2010/main" Requires="a14">
+              <p:sp>
+                <p:nvSpPr>
+                  <p:cNvPr id="58" name="TextBox 57"/>
+                  <p:cNvSpPr txBox="1"/>
+                  <p:nvPr/>
+                </p:nvSpPr>
+                <p:spPr>
+                  <a:xfrm>
+                    <a:off x="5104599" y="3658110"/>
+                    <a:ext cx="301493" cy="354071"/>
+                  </a:xfrm>
+                  <a:prstGeom prst="rect">
+                    <a:avLst/>
+                  </a:prstGeom>
+                  <a:noFill/>
+                </p:spPr>
+                <p:txBody>
+                  <a:bodyPr wrap="none" lIns="0" tIns="0" rIns="0" bIns="0" rtlCol="0">
+                    <a:spAutoFit/>
+                  </a:bodyPr>
+                  <a:lstStyle/>
+                  <a:p>
+                    <a:pPr/>
+                    <a14:m>
+                      <m:oMathPara xmlns:m="http://schemas.openxmlformats.org/officeDocument/2006/math">
+                        <m:oMathParaPr>
+                          <m:jc m:val="centerGroup"/>
+                        </m:oMathParaPr>
+                        <m:oMath xmlns:m="http://schemas.openxmlformats.org/officeDocument/2006/math">
+                          <m:sSub>
+                            <m:sSubPr>
+                              <m:ctrlPr>
+                                <a:rPr lang="en-US" sz="2000" b="0" i="1" smtClean="0">
+                                  <a:latin typeface="Cambria Math" panose="02040503050406030204" pitchFamily="18" charset="0"/>
+                                  <a:cs typeface="Arial" panose="020B0604020202020204" pitchFamily="34" charset="0"/>
+                                </a:rPr>
+                              </m:ctrlPr>
+                            </m:sSubPr>
+                            <m:e>
+                              <m:acc>
+                                <m:accPr>
+                                  <m:chr m:val="⃗"/>
+                                  <m:ctrlPr>
+                                    <a:rPr lang="en-US" sz="2000" b="0" i="1" smtClean="0">
+                                      <a:latin typeface="Cambria Math" panose="02040503050406030204" pitchFamily="18" charset="0"/>
+                                      <a:cs typeface="Arial" panose="020B0604020202020204" pitchFamily="34" charset="0"/>
+                                    </a:rPr>
+                                  </m:ctrlPr>
+                                </m:accPr>
+                                <m:e>
+                                  <m:r>
+                                    <a:rPr lang="en-US" sz="2000" b="0" i="1" smtClean="0">
+                                      <a:latin typeface="Cambria Math" panose="02040503050406030204" pitchFamily="18" charset="0"/>
+                                      <a:cs typeface="Arial" panose="020B0604020202020204" pitchFamily="34" charset="0"/>
+                                    </a:rPr>
+                                    <m:t>𝑓</m:t>
+                                  </m:r>
+                                </m:e>
+                              </m:acc>
+                            </m:e>
+                            <m:sub>
+                              <m:r>
+                                <a:rPr lang="en-US" sz="2000" b="0" i="1" smtClean="0">
+                                  <a:latin typeface="Cambria Math" panose="02040503050406030204" pitchFamily="18" charset="0"/>
+                                  <a:cs typeface="Arial" panose="020B0604020202020204" pitchFamily="34" charset="0"/>
+                                </a:rPr>
+                                <m:t>𝑘</m:t>
+                              </m:r>
+                            </m:sub>
+                          </m:sSub>
+                        </m:oMath>
+                      </m:oMathPara>
+                    </a14:m>
+                    <a:endParaRPr lang="en-US" sz="2000" dirty="0" smtClean="0">
+                      <a:latin typeface="Arial" panose="020B0604020202020204" pitchFamily="34" charset="0"/>
+                      <a:cs typeface="Arial" panose="020B0604020202020204" pitchFamily="34" charset="0"/>
+                    </a:endParaRPr>
+                  </a:p>
+                </p:txBody>
+              </p:sp>
+            </mc:Choice>
+            <mc:Fallback>
+              <p:sp>
+                <p:nvSpPr>
+                  <p:cNvPr id="58" name="TextBox 57"/>
+                  <p:cNvSpPr txBox="1">
+                    <a:spLocks noRot="1" noChangeAspect="1" noMove="1" noResize="1" noEditPoints="1" noAdjustHandles="1" noChangeArrowheads="1" noChangeShapeType="1" noTextEdit="1"/>
+                  </p:cNvSpPr>
+                  <p:nvPr/>
+                </p:nvSpPr>
+                <p:spPr>
+                  <a:xfrm>
+                    <a:off x="5104599" y="3658110"/>
+                    <a:ext cx="301493" cy="354071"/>
+                  </a:xfrm>
+                  <a:prstGeom prst="rect">
+                    <a:avLst/>
+                  </a:prstGeom>
+                  <a:blipFill>
+                    <a:blip r:embed="rId13"/>
+                    <a:stretch>
+                      <a:fillRect l="-28571" t="-34483" r="-73469" b="-31034"/>
+                    </a:stretch>
+                  </a:blipFill>
+                </p:spPr>
+                <p:txBody>
+                  <a:bodyPr/>
+                  <a:lstStyle/>
+                  <a:p>
+                    <a:r>
+                      <a:rPr lang="en-US">
+                        <a:noFill/>
+                      </a:rPr>
+                      <a:t> </a:t>
+                    </a:r>
+                  </a:p>
+                </p:txBody>
+              </p:sp>
+            </mc:Fallback>
+          </mc:AlternateContent>
+        </p:grpSp>
+        <p:grpSp>
+          <p:nvGrpSpPr>
+            <p:cNvPr id="59" name="Group 58"/>
+            <p:cNvGrpSpPr/>
+            <p:nvPr/>
+          </p:nvGrpSpPr>
+          <p:grpSpPr>
+            <a:xfrm>
+              <a:off x="7209222" y="3188617"/>
+              <a:ext cx="1092809" cy="1134606"/>
+              <a:chOff x="5017461" y="2979123"/>
+              <a:chExt cx="1092809" cy="1134606"/>
+            </a:xfrm>
+          </p:grpSpPr>
+          <p:grpSp>
+            <p:nvGrpSpPr>
+              <p:cNvPr id="60" name="Group 59"/>
+              <p:cNvGrpSpPr/>
+              <p:nvPr/>
+            </p:nvGrpSpPr>
+            <p:grpSpPr>
+              <a:xfrm>
+                <a:off x="5442824" y="2979123"/>
+                <a:ext cx="667446" cy="1108967"/>
+                <a:chOff x="5678875" y="3201951"/>
+                <a:chExt cx="667446" cy="1108967"/>
+              </a:xfrm>
+            </p:grpSpPr>
+            <p:sp>
+              <p:nvSpPr>
+                <p:cNvPr id="63" name="Rectangle 62"/>
+                <p:cNvSpPr/>
+                <p:nvPr/>
+              </p:nvSpPr>
+              <p:spPr>
+                <a:xfrm>
+                  <a:off x="5678875" y="3671801"/>
+                  <a:ext cx="569343" cy="629728"/>
+                </a:xfrm>
+                <a:prstGeom prst="rect">
+                  <a:avLst/>
+                </a:prstGeom>
+                <a:solidFill>
+                  <a:schemeClr val="bg2">
+                    <a:lumMod val="90000"/>
+                  </a:schemeClr>
+                </a:solidFill>
+                <a:ln w="38100">
+                  <a:solidFill>
+                    <a:schemeClr val="tx1"/>
+                  </a:solidFill>
+                </a:ln>
+              </p:spPr>
+              <p:style>
+                <a:lnRef idx="2">
+                  <a:schemeClr val="accent1">
+                    <a:shade val="50000"/>
+                  </a:schemeClr>
+                </a:lnRef>
+                <a:fillRef idx="1">
+                  <a:schemeClr val="accent1"/>
+                </a:fillRef>
+                <a:effectRef idx="0">
+                  <a:schemeClr val="accent1"/>
+                </a:effectRef>
+                <a:fontRef idx="minor">
+                  <a:schemeClr val="lt1"/>
+                </a:fontRef>
+              </p:style>
+              <p:txBody>
+                <a:bodyPr rtlCol="0" anchor="ctr"/>
+                <a:lstStyle/>
+                <a:p>
+                  <a:pPr algn="ctr"/>
+                  <a:endParaRPr lang="en-US"/>
+                </a:p>
+              </p:txBody>
+            </p:sp>
+            <p:cxnSp>
+              <p:nvCxnSpPr>
+                <p:cNvPr id="64" name="Straight Arrow Connector 63"/>
+                <p:cNvCxnSpPr/>
+                <p:nvPr/>
+              </p:nvCxnSpPr>
+              <p:spPr>
+                <a:xfrm flipV="1">
+                  <a:off x="5963546" y="3201951"/>
+                  <a:ext cx="0" cy="1108967"/>
+                </a:xfrm>
+                <a:prstGeom prst="straightConnector1">
+                  <a:avLst/>
+                </a:prstGeom>
+                <a:ln w="38100">
+                  <a:solidFill>
+                    <a:schemeClr val="tx1"/>
+                  </a:solidFill>
+                  <a:tailEnd type="triangle"/>
+                </a:ln>
+              </p:spPr>
+              <p:style>
+                <a:lnRef idx="1">
+                  <a:schemeClr val="accent1"/>
+                </a:lnRef>
+                <a:fillRef idx="0">
+                  <a:schemeClr val="accent1"/>
+                </a:fillRef>
+                <a:effectRef idx="0">
+                  <a:schemeClr val="accent1"/>
+                </a:effectRef>
+                <a:fontRef idx="minor">
+                  <a:schemeClr val="tx1"/>
+                </a:fontRef>
+              </p:style>
+            </p:cxnSp>
+            <mc:AlternateContent xmlns:mc="http://schemas.openxmlformats.org/markup-compatibility/2006" xmlns:a14="http://schemas.microsoft.com/office/drawing/2010/main">
+              <mc:Choice Requires="a14">
+                <p:sp>
+                  <p:nvSpPr>
+                    <p:cNvPr id="65" name="TextBox 64"/>
+                    <p:cNvSpPr txBox="1"/>
+                    <p:nvPr/>
+                  </p:nvSpPr>
+                  <p:spPr>
+                    <a:xfrm>
+                      <a:off x="6081954" y="3289533"/>
+                      <a:ext cx="264367" cy="345159"/>
+                    </a:xfrm>
+                    <a:prstGeom prst="rect">
+                      <a:avLst/>
+                    </a:prstGeom>
+                    <a:noFill/>
+                  </p:spPr>
+                  <p:txBody>
+                    <a:bodyPr wrap="none" lIns="0" tIns="0" rIns="0" bIns="0" rtlCol="0">
+                      <a:spAutoFit/>
+                    </a:bodyPr>
+                    <a:lstStyle/>
+                    <a:p>
+                      <a:pPr/>
+                      <a14:m>
+                        <m:oMathPara xmlns:m="http://schemas.openxmlformats.org/officeDocument/2006/math">
+                          <m:oMathParaPr>
+                            <m:jc m:val="centerGroup"/>
+                          </m:oMathParaPr>
+                          <m:oMath xmlns:m="http://schemas.openxmlformats.org/officeDocument/2006/math">
+                            <m:acc>
+                              <m:accPr>
+                                <m:chr m:val="⃗"/>
+                                <m:ctrlPr>
+                                  <a:rPr lang="en-US" sz="2000" b="0" i="1" smtClean="0">
+                                    <a:latin typeface="Cambria Math" panose="02040503050406030204" pitchFamily="18" charset="0"/>
+                                    <a:cs typeface="Arial" panose="020B0604020202020204" pitchFamily="34" charset="0"/>
+                                  </a:rPr>
+                                </m:ctrlPr>
+                              </m:accPr>
+                              <m:e>
+                                <m:r>
+                                  <a:rPr lang="en-US" sz="2000" b="0" i="1" smtClean="0">
+                                    <a:latin typeface="Cambria Math" panose="02040503050406030204" pitchFamily="18" charset="0"/>
+                                    <a:cs typeface="Arial" panose="020B0604020202020204" pitchFamily="34" charset="0"/>
+                                  </a:rPr>
+                                  <m:t>𝑁</m:t>
+                                </m:r>
+                              </m:e>
+                            </m:acc>
+                          </m:oMath>
+                        </m:oMathPara>
+                      </a14:m>
+                      <a:endParaRPr lang="en-US" sz="2000" dirty="0" smtClean="0">
+                        <a:latin typeface="Arial" panose="020B0604020202020204" pitchFamily="34" charset="0"/>
+                        <a:cs typeface="Arial" panose="020B0604020202020204" pitchFamily="34" charset="0"/>
+                      </a:endParaRPr>
+                    </a:p>
+                  </p:txBody>
+                </p:sp>
+              </mc:Choice>
+              <mc:Fallback xmlns="">
+                <p:sp>
+                  <p:nvSpPr>
+                    <p:cNvPr id="33" name="TextBox 32"/>
+                    <p:cNvSpPr txBox="1">
+                      <a:spLocks noRot="1" noChangeAspect="1" noMove="1" noResize="1" noEditPoints="1" noAdjustHandles="1" noChangeArrowheads="1" noChangeShapeType="1" noTextEdit="1"/>
+                    </p:cNvSpPr>
+                    <p:nvPr/>
+                  </p:nvSpPr>
+                  <p:spPr>
+                    <a:xfrm>
+                      <a:off x="6081954" y="3289533"/>
+                      <a:ext cx="264367" cy="345159"/>
+                    </a:xfrm>
+                    <a:prstGeom prst="rect">
+                      <a:avLst/>
+                    </a:prstGeom>
+                    <a:blipFill>
+                      <a:blip r:embed="rId11"/>
+                      <a:stretch>
+                        <a:fillRect l="-20930" r="-18605" b="-8929"/>
+                      </a:stretch>
+                    </a:blipFill>
+                  </p:spPr>
+                  <p:txBody>
+                    <a:bodyPr/>
+                    <a:lstStyle/>
+                    <a:p>
+                      <a:r>
+                        <a:rPr lang="en-US">
+                          <a:noFill/>
+                        </a:rPr>
+                        <a:t> </a:t>
+                      </a:r>
+                    </a:p>
+                  </p:txBody>
+                </p:sp>
+              </mc:Fallback>
+            </mc:AlternateContent>
+          </p:grpSp>
+          <p:cxnSp>
+            <p:nvCxnSpPr>
+              <p:cNvPr id="61" name="Straight Arrow Connector 60"/>
+              <p:cNvCxnSpPr/>
+              <p:nvPr/>
+            </p:nvCxnSpPr>
+            <p:spPr>
+              <a:xfrm flipH="1" flipV="1">
+                <a:off x="5017461" y="4112290"/>
+                <a:ext cx="710034" cy="1439"/>
+              </a:xfrm>
+              <a:prstGeom prst="straightConnector1">
+                <a:avLst/>
+              </a:prstGeom>
+              <a:ln w="38100">
+                <a:solidFill>
+                  <a:schemeClr val="tx1"/>
+                </a:solidFill>
+                <a:tailEnd type="triangle"/>
+              </a:ln>
+            </p:spPr>
+            <p:style>
+              <a:lnRef idx="1">
+                <a:schemeClr val="accent1"/>
+              </a:lnRef>
+              <a:fillRef idx="0">
+                <a:schemeClr val="accent1"/>
+              </a:fillRef>
+              <a:effectRef idx="0">
+                <a:schemeClr val="accent1"/>
+              </a:effectRef>
+              <a:fontRef idx="minor">
+                <a:schemeClr val="tx1"/>
+              </a:fontRef>
+            </p:style>
+          </p:cxnSp>
+          <mc:AlternateContent xmlns:mc="http://schemas.openxmlformats.org/markup-compatibility/2006">
+            <mc:Choice xmlns:a14="http://schemas.microsoft.com/office/drawing/2010/main" Requires="a14">
+              <p:sp>
+                <p:nvSpPr>
+                  <p:cNvPr id="62" name="TextBox 61"/>
+                  <p:cNvSpPr txBox="1"/>
+                  <p:nvPr/>
+                </p:nvSpPr>
+                <p:spPr>
+                  <a:xfrm>
+                    <a:off x="5104599" y="3658110"/>
+                    <a:ext cx="267381" cy="354071"/>
+                  </a:xfrm>
+                  <a:prstGeom prst="rect">
+                    <a:avLst/>
+                  </a:prstGeom>
+                  <a:noFill/>
+                </p:spPr>
+                <p:txBody>
+                  <a:bodyPr wrap="none" lIns="0" tIns="0" rIns="0" bIns="0" rtlCol="0">
+                    <a:spAutoFit/>
+                  </a:bodyPr>
+                  <a:lstStyle/>
+                  <a:p>
+                    <a:pPr/>
+                    <a14:m>
+                      <m:oMathPara xmlns:m="http://schemas.openxmlformats.org/officeDocument/2006/math">
+                        <m:oMathParaPr>
+                          <m:jc m:val="centerGroup"/>
+                        </m:oMathParaPr>
+                        <m:oMath xmlns:m="http://schemas.openxmlformats.org/officeDocument/2006/math">
+                          <m:sSub>
+                            <m:sSubPr>
+                              <m:ctrlPr>
+                                <a:rPr lang="en-US" sz="2000" b="0" i="1" smtClean="0">
+                                  <a:latin typeface="Cambria Math" panose="02040503050406030204" pitchFamily="18" charset="0"/>
+                                  <a:cs typeface="Arial" panose="020B0604020202020204" pitchFamily="34" charset="0"/>
+                                </a:rPr>
+                              </m:ctrlPr>
+                            </m:sSubPr>
+                            <m:e>
+                              <m:acc>
+                                <m:accPr>
+                                  <m:chr m:val="⃗"/>
+                                  <m:ctrlPr>
+                                    <a:rPr lang="en-US" sz="2000" b="0" i="1" smtClean="0">
+                                      <a:latin typeface="Cambria Math" panose="02040503050406030204" pitchFamily="18" charset="0"/>
+                                      <a:cs typeface="Arial" panose="020B0604020202020204" pitchFamily="34" charset="0"/>
+                                    </a:rPr>
+                                  </m:ctrlPr>
+                                </m:accPr>
+                                <m:e>
+                                  <m:r>
+                                    <a:rPr lang="en-US" sz="2000" b="0" i="1" smtClean="0">
+                                      <a:latin typeface="Cambria Math" panose="02040503050406030204" pitchFamily="18" charset="0"/>
+                                      <a:cs typeface="Arial" panose="020B0604020202020204" pitchFamily="34" charset="0"/>
+                                    </a:rPr>
+                                    <m:t>𝑓</m:t>
+                                  </m:r>
+                                </m:e>
+                              </m:acc>
+                            </m:e>
+                            <m:sub>
+                              <m:r>
+                                <a:rPr lang="en-US" sz="2000" b="0" i="1" smtClean="0">
+                                  <a:latin typeface="Cambria Math" panose="02040503050406030204" pitchFamily="18" charset="0"/>
+                                  <a:cs typeface="Arial" panose="020B0604020202020204" pitchFamily="34" charset="0"/>
+                                </a:rPr>
+                                <m:t>𝑠</m:t>
+                              </m:r>
+                            </m:sub>
+                          </m:sSub>
+                        </m:oMath>
+                      </m:oMathPara>
+                    </a14:m>
+                    <a:endParaRPr lang="en-US" sz="2000" dirty="0" smtClean="0">
+                      <a:latin typeface="Arial" panose="020B0604020202020204" pitchFamily="34" charset="0"/>
+                      <a:cs typeface="Arial" panose="020B0604020202020204" pitchFamily="34" charset="0"/>
+                    </a:endParaRPr>
+                  </a:p>
+                </p:txBody>
+              </p:sp>
+            </mc:Choice>
+            <mc:Fallback>
+              <p:sp>
+                <p:nvSpPr>
+                  <p:cNvPr id="62" name="TextBox 61"/>
+                  <p:cNvSpPr txBox="1">
+                    <a:spLocks noRot="1" noChangeAspect="1" noMove="1" noResize="1" noEditPoints="1" noAdjustHandles="1" noChangeArrowheads="1" noChangeShapeType="1" noTextEdit="1"/>
+                  </p:cNvSpPr>
+                  <p:nvPr/>
+                </p:nvSpPr>
+                <p:spPr>
+                  <a:xfrm>
+                    <a:off x="5104599" y="3658110"/>
+                    <a:ext cx="267381" cy="354071"/>
+                  </a:xfrm>
+                  <a:prstGeom prst="rect">
+                    <a:avLst/>
+                  </a:prstGeom>
+                  <a:blipFill>
+                    <a:blip r:embed="rId14"/>
+                    <a:stretch>
+                      <a:fillRect l="-31818" t="-32759" r="-81818" b="-32759"/>
+                    </a:stretch>
+                  </a:blipFill>
+                </p:spPr>
+                <p:txBody>
+                  <a:bodyPr/>
+                  <a:lstStyle/>
+                  <a:p>
+                    <a:r>
+                      <a:rPr lang="en-US">
+                        <a:noFill/>
+                      </a:rPr>
+                      <a:t> </a:t>
+                    </a:r>
+                  </a:p>
+                </p:txBody>
+              </p:sp>
+            </mc:Fallback>
+          </mc:AlternateContent>
+        </p:grpSp>
+        <p:cxnSp>
+          <p:nvCxnSpPr>
+            <p:cNvPr id="66" name="Straight Arrow Connector 65"/>
+            <p:cNvCxnSpPr/>
+            <p:nvPr/>
+          </p:nvCxnSpPr>
+          <p:spPr>
+            <a:xfrm flipV="1">
+              <a:off x="6961582" y="3841319"/>
+              <a:ext cx="673003" cy="3452"/>
+            </a:xfrm>
+            <a:prstGeom prst="straightConnector1">
+              <a:avLst/>
+            </a:prstGeom>
+            <a:ln w="38100">
+              <a:solidFill>
+                <a:schemeClr val="tx1"/>
+              </a:solidFill>
+              <a:tailEnd type="triangle"/>
+            </a:ln>
+          </p:spPr>
+          <p:style>
+            <a:lnRef idx="1">
+              <a:schemeClr val="accent1"/>
+            </a:lnRef>
+            <a:fillRef idx="0">
+              <a:schemeClr val="accent1"/>
+            </a:fillRef>
+            <a:effectRef idx="0">
+              <a:schemeClr val="accent1"/>
+            </a:effectRef>
+            <a:fontRef idx="minor">
+              <a:schemeClr val="tx1"/>
+            </a:fontRef>
+          </p:style>
+        </p:cxnSp>
+        <mc:AlternateContent xmlns:mc="http://schemas.openxmlformats.org/markup-compatibility/2006">
+          <mc:Choice xmlns:a14="http://schemas.microsoft.com/office/drawing/2010/main" Requires="a14">
+            <p:sp>
+              <p:nvSpPr>
+                <p:cNvPr id="67" name="TextBox 66"/>
+                <p:cNvSpPr txBox="1"/>
+                <p:nvPr/>
+              </p:nvSpPr>
+              <p:spPr>
+                <a:xfrm>
+                  <a:off x="7198735" y="3458167"/>
+                  <a:ext cx="237629" cy="345159"/>
+                </a:xfrm>
+                <a:prstGeom prst="rect">
+                  <a:avLst/>
+                </a:prstGeom>
+                <a:noFill/>
+              </p:spPr>
+              <p:txBody>
+                <a:bodyPr wrap="none" lIns="0" tIns="0" rIns="0" bIns="0" rtlCol="0">
+                  <a:spAutoFit/>
+                </a:bodyPr>
+                <a:lstStyle/>
+                <a:p>
+                  <a:pPr/>
+                  <a14:m>
+                    <m:oMathPara xmlns:m="http://schemas.openxmlformats.org/officeDocument/2006/math">
+                      <m:oMathParaPr>
+                        <m:jc m:val="centerGroup"/>
+                      </m:oMathParaPr>
+                      <m:oMath xmlns:m="http://schemas.openxmlformats.org/officeDocument/2006/math">
+                        <m:acc>
+                          <m:accPr>
+                            <m:chr m:val="⃗"/>
+                            <m:ctrlPr>
+                              <a:rPr lang="en-US" sz="2000" b="0" i="1" smtClean="0">
+                                <a:latin typeface="Cambria Math" panose="02040503050406030204" pitchFamily="18" charset="0"/>
+                                <a:cs typeface="Arial" panose="020B0604020202020204" pitchFamily="34" charset="0"/>
+                              </a:rPr>
+                            </m:ctrlPr>
+                          </m:accPr>
+                          <m:e>
+                            <m:r>
+                              <a:rPr lang="en-US" sz="2000" b="0" i="1" smtClean="0">
+                                <a:latin typeface="Cambria Math" panose="02040503050406030204" pitchFamily="18" charset="0"/>
+                                <a:cs typeface="Arial" panose="020B0604020202020204" pitchFamily="34" charset="0"/>
+                              </a:rPr>
+                              <m:t>𝐹</m:t>
+                            </m:r>
+                          </m:e>
+                        </m:acc>
+                      </m:oMath>
+                    </m:oMathPara>
+                  </a14:m>
+                  <a:endParaRPr lang="en-US" sz="2000" dirty="0" smtClean="0">
+                    <a:latin typeface="Arial" panose="020B0604020202020204" pitchFamily="34" charset="0"/>
+                    <a:cs typeface="Arial" panose="020B0604020202020204" pitchFamily="34" charset="0"/>
+                  </a:endParaRPr>
+                </a:p>
+              </p:txBody>
+            </p:sp>
+          </mc:Choice>
+          <mc:Fallback>
+            <p:sp>
+              <p:nvSpPr>
+                <p:cNvPr id="67" name="TextBox 66"/>
+                <p:cNvSpPr txBox="1">
+                  <a:spLocks noRot="1" noChangeAspect="1" noMove="1" noResize="1" noEditPoints="1" noAdjustHandles="1" noChangeArrowheads="1" noChangeShapeType="1" noTextEdit="1"/>
+                </p:cNvSpPr>
+                <p:nvPr/>
+              </p:nvSpPr>
+              <p:spPr>
+                <a:xfrm>
+                  <a:off x="7198735" y="3458167"/>
+                  <a:ext cx="237629" cy="345159"/>
+                </a:xfrm>
+                <a:prstGeom prst="rect">
+                  <a:avLst/>
+                </a:prstGeom>
+                <a:blipFill>
+                  <a:blip r:embed="rId15"/>
+                  <a:stretch>
+                    <a:fillRect l="-23077" t="-35088" r="-89744" b="-7018"/>
+                  </a:stretch>
+                </a:blipFill>
+              </p:spPr>
+              <p:txBody>
+                <a:bodyPr/>
+                <a:lstStyle/>
+                <a:p>
+                  <a:r>
+                    <a:rPr lang="en-US">
+                      <a:noFill/>
+                    </a:rPr>
+                    <a:t> </a:t>
+                  </a:r>
+                </a:p>
+              </p:txBody>
+            </p:sp>
+          </mc:Fallback>
+        </mc:AlternateContent>
+      </p:grpSp>
+      <p:grpSp>
+        <p:nvGrpSpPr>
+          <p:cNvPr id="69" name="Group 68"/>
+          <p:cNvGrpSpPr/>
+          <p:nvPr/>
+        </p:nvGrpSpPr>
+        <p:grpSpPr>
+          <a:xfrm>
+            <a:off x="549370" y="4666890"/>
+            <a:ext cx="2224718" cy="2146316"/>
+            <a:chOff x="1129904" y="708040"/>
+            <a:chExt cx="2224718" cy="2146316"/>
+          </a:xfrm>
+        </p:grpSpPr>
+        <p:grpSp>
+          <p:nvGrpSpPr>
+            <p:cNvPr id="70" name="Group 69"/>
+            <p:cNvGrpSpPr/>
+            <p:nvPr/>
+          </p:nvGrpSpPr>
+          <p:grpSpPr>
+            <a:xfrm>
+              <a:off x="1163211" y="708040"/>
+              <a:ext cx="2191411" cy="2146316"/>
+              <a:chOff x="1190506" y="680744"/>
+              <a:chExt cx="2191411" cy="2146316"/>
+            </a:xfrm>
+          </p:grpSpPr>
+          <p:cxnSp>
+            <p:nvCxnSpPr>
+              <p:cNvPr id="72" name="Straight Arrow Connector 71"/>
+              <p:cNvCxnSpPr/>
+              <p:nvPr/>
+            </p:nvCxnSpPr>
+            <p:spPr>
+              <a:xfrm flipV="1">
+                <a:off x="1516583" y="680744"/>
+                <a:ext cx="7684" cy="1859536"/>
+              </a:xfrm>
+              <a:prstGeom prst="straightConnector1">
+                <a:avLst/>
+              </a:prstGeom>
+              <a:ln w="38100">
+                <a:solidFill>
+                  <a:schemeClr val="tx1"/>
+                </a:solidFill>
+                <a:tailEnd type="triangle"/>
+              </a:ln>
+            </p:spPr>
+            <p:style>
+              <a:lnRef idx="1">
+                <a:schemeClr val="accent1"/>
+              </a:lnRef>
+              <a:fillRef idx="0">
+                <a:schemeClr val="accent1"/>
+              </a:fillRef>
+              <a:effectRef idx="0">
+                <a:schemeClr val="accent1"/>
+              </a:effectRef>
+              <a:fontRef idx="minor">
+                <a:schemeClr val="tx1"/>
+              </a:fontRef>
+            </p:style>
+          </p:cxnSp>
+          <p:cxnSp>
+            <p:nvCxnSpPr>
+              <p:cNvPr id="73" name="Straight Arrow Connector 72"/>
+              <p:cNvCxnSpPr/>
+              <p:nvPr/>
+            </p:nvCxnSpPr>
+            <p:spPr>
+              <a:xfrm flipV="1">
+                <a:off x="1507013" y="2535259"/>
+                <a:ext cx="1874904" cy="1"/>
+              </a:xfrm>
+              <a:prstGeom prst="straightConnector1">
+                <a:avLst/>
+              </a:prstGeom>
+              <a:ln w="38100">
+                <a:solidFill>
+                  <a:schemeClr val="tx1"/>
+                </a:solidFill>
+                <a:tailEnd type="triangle"/>
+              </a:ln>
+            </p:spPr>
+            <p:style>
+              <a:lnRef idx="1">
+                <a:schemeClr val="accent1"/>
+              </a:lnRef>
+              <a:fillRef idx="0">
+                <a:schemeClr val="accent1"/>
+              </a:fillRef>
+              <a:effectRef idx="0">
+                <a:schemeClr val="accent1"/>
+              </a:effectRef>
+              <a:fontRef idx="minor">
+                <a:schemeClr val="tx1"/>
+              </a:fontRef>
+            </p:style>
+          </p:cxnSp>
+          <mc:AlternateContent xmlns:mc="http://schemas.openxmlformats.org/markup-compatibility/2006" xmlns:a14="http://schemas.microsoft.com/office/drawing/2010/main">
+            <mc:Choice Requires="a14">
+              <p:sp>
+                <p:nvSpPr>
+                  <p:cNvPr id="74" name="Rectangle 73"/>
+                  <p:cNvSpPr/>
+                  <p:nvPr/>
+                </p:nvSpPr>
+                <p:spPr>
+                  <a:xfrm>
+                    <a:off x="2897675" y="2457728"/>
+                    <a:ext cx="367985" cy="369332"/>
+                  </a:xfrm>
+                  <a:prstGeom prst="rect">
+                    <a:avLst/>
+                  </a:prstGeom>
+                </p:spPr>
+                <p:txBody>
+                  <a:bodyPr wrap="none">
+                    <a:spAutoFit/>
+                  </a:bodyPr>
+                  <a:lstStyle/>
+                  <a:p>
+                    <a:pPr/>
+                    <a14:m>
+                      <m:oMathPara xmlns:m="http://schemas.openxmlformats.org/officeDocument/2006/math">
+                        <m:oMathParaPr>
+                          <m:jc m:val="centerGroup"/>
+                        </m:oMathParaPr>
+                        <m:oMath xmlns:m="http://schemas.openxmlformats.org/officeDocument/2006/math">
+                          <m:r>
+                            <a:rPr lang="en-US" i="1">
+                              <a:latin typeface="Cambria Math" panose="02040503050406030204" pitchFamily="18" charset="0"/>
+                              <a:cs typeface="Arial" panose="020B0604020202020204" pitchFamily="34" charset="0"/>
+                            </a:rPr>
+                            <m:t>𝑥</m:t>
+                          </m:r>
+                        </m:oMath>
+                      </m:oMathPara>
+                    </a14:m>
+                    <a:endParaRPr lang="en-CA" dirty="0"/>
+                  </a:p>
+                </p:txBody>
+              </p:sp>
+            </mc:Choice>
+            <mc:Fallback xmlns="">
+              <p:sp>
+                <p:nvSpPr>
+                  <p:cNvPr id="12" name="Rectangle 11"/>
+                  <p:cNvSpPr>
+                    <a:spLocks noRot="1" noChangeAspect="1" noMove="1" noResize="1" noEditPoints="1" noAdjustHandles="1" noChangeArrowheads="1" noChangeShapeType="1" noTextEdit="1"/>
+                  </p:cNvSpPr>
+                  <p:nvPr/>
+                </p:nvSpPr>
+                <p:spPr>
+                  <a:xfrm>
+                    <a:off x="2897675" y="2457728"/>
+                    <a:ext cx="367985" cy="369332"/>
+                  </a:xfrm>
+                  <a:prstGeom prst="rect">
+                    <a:avLst/>
+                  </a:prstGeom>
+                  <a:blipFill rotWithShape="0">
+                    <a:blip r:embed="rId2"/>
+                    <a:stretch>
+                      <a:fillRect/>
+                    </a:stretch>
+                  </a:blipFill>
+                </p:spPr>
+                <p:txBody>
+                  <a:bodyPr/>
+                  <a:lstStyle/>
+                  <a:p>
+                    <a:r>
+                      <a:rPr lang="en-CA">
+                        <a:noFill/>
+                      </a:rPr>
+                      <a:t> </a:t>
+                    </a:r>
+                  </a:p>
+                </p:txBody>
+              </p:sp>
+            </mc:Fallback>
+          </mc:AlternateContent>
+          <mc:AlternateContent xmlns:mc="http://schemas.openxmlformats.org/markup-compatibility/2006" xmlns:a14="http://schemas.microsoft.com/office/drawing/2010/main">
+            <mc:Choice Requires="a14">
+              <p:sp>
+                <p:nvSpPr>
+                  <p:cNvPr id="75" name="Rectangle 74"/>
+                  <p:cNvSpPr/>
+                  <p:nvPr/>
+                </p:nvSpPr>
+                <p:spPr>
+                  <a:xfrm>
+                    <a:off x="1190506" y="790545"/>
+                    <a:ext cx="371384" cy="369332"/>
+                  </a:xfrm>
+                  <a:prstGeom prst="rect">
+                    <a:avLst/>
+                  </a:prstGeom>
+                </p:spPr>
+                <p:txBody>
+                  <a:bodyPr wrap="none">
+                    <a:spAutoFit/>
+                  </a:bodyPr>
+                  <a:lstStyle/>
+                  <a:p>
+                    <a:pPr/>
+                    <a14:m>
+                      <m:oMathPara xmlns:m="http://schemas.openxmlformats.org/officeDocument/2006/math">
+                        <m:oMathParaPr>
+                          <m:jc m:val="centerGroup"/>
+                        </m:oMathParaPr>
+                        <m:oMath xmlns:m="http://schemas.openxmlformats.org/officeDocument/2006/math">
+                          <m:r>
+                            <a:rPr lang="en-US" b="0" i="1" smtClean="0">
+                              <a:latin typeface="Cambria Math" panose="02040503050406030204" pitchFamily="18" charset="0"/>
+                            </a:rPr>
+                            <m:t>𝑦</m:t>
+                          </m:r>
+                        </m:oMath>
+                      </m:oMathPara>
+                    </a14:m>
+                    <a:endParaRPr lang="en-CA" dirty="0"/>
+                  </a:p>
+                </p:txBody>
+              </p:sp>
+            </mc:Choice>
+            <mc:Fallback xmlns="">
+              <p:sp>
+                <p:nvSpPr>
+                  <p:cNvPr id="13" name="Rectangle 12"/>
+                  <p:cNvSpPr>
+                    <a:spLocks noRot="1" noChangeAspect="1" noMove="1" noResize="1" noEditPoints="1" noAdjustHandles="1" noChangeArrowheads="1" noChangeShapeType="1" noTextEdit="1"/>
+                  </p:cNvSpPr>
+                  <p:nvPr/>
+                </p:nvSpPr>
+                <p:spPr>
+                  <a:xfrm>
+                    <a:off x="1190506" y="790545"/>
+                    <a:ext cx="371384" cy="369332"/>
+                  </a:xfrm>
+                  <a:prstGeom prst="rect">
+                    <a:avLst/>
+                  </a:prstGeom>
+                  <a:blipFill rotWithShape="0">
+                    <a:blip r:embed="rId3"/>
+                    <a:stretch>
+                      <a:fillRect b="-6557"/>
+                    </a:stretch>
+                  </a:blipFill>
+                </p:spPr>
+                <p:txBody>
+                  <a:bodyPr/>
+                  <a:lstStyle/>
+                  <a:p>
+                    <a:r>
+                      <a:rPr lang="en-CA">
+                        <a:noFill/>
+                      </a:rPr>
+                      <a:t> </a:t>
+                    </a:r>
+                  </a:p>
+                </p:txBody>
+              </p:sp>
+            </mc:Fallback>
+          </mc:AlternateContent>
+          <mc:AlternateContent xmlns:mc="http://schemas.openxmlformats.org/markup-compatibility/2006" xmlns:a14="http://schemas.microsoft.com/office/drawing/2010/main">
+            <mc:Choice Requires="a14">
+              <p:sp>
+                <p:nvSpPr>
+                  <p:cNvPr id="76" name="Rectangle 75"/>
+                  <p:cNvSpPr/>
+                  <p:nvPr/>
+                </p:nvSpPr>
+                <p:spPr>
+                  <a:xfrm>
+                    <a:off x="1205483" y="2447020"/>
+                    <a:ext cx="367985" cy="369332"/>
+                  </a:xfrm>
+                  <a:prstGeom prst="rect">
+                    <a:avLst/>
+                  </a:prstGeom>
+                </p:spPr>
+                <p:txBody>
+                  <a:bodyPr wrap="none">
+                    <a:spAutoFit/>
+                  </a:bodyPr>
+                  <a:lstStyle/>
+                  <a:p>
+                    <a:pPr/>
+                    <a14:m>
+                      <m:oMathPara xmlns:m="http://schemas.openxmlformats.org/officeDocument/2006/math">
+                        <m:oMathParaPr>
+                          <m:jc m:val="centerGroup"/>
+                        </m:oMathParaPr>
+                        <m:oMath xmlns:m="http://schemas.openxmlformats.org/officeDocument/2006/math">
+                          <m:r>
+                            <a:rPr lang="en-US" b="0" i="1" smtClean="0">
+                              <a:latin typeface="Cambria Math" panose="02040503050406030204" pitchFamily="18" charset="0"/>
+                              <a:cs typeface="Arial" panose="020B0604020202020204" pitchFamily="34" charset="0"/>
+                            </a:rPr>
+                            <m:t>0</m:t>
+                          </m:r>
+                        </m:oMath>
+                      </m:oMathPara>
+                    </a14:m>
+                    <a:endParaRPr lang="en-CA" dirty="0"/>
+                  </a:p>
+                </p:txBody>
+              </p:sp>
+            </mc:Choice>
+            <mc:Fallback xmlns="">
+              <p:sp>
+                <p:nvSpPr>
+                  <p:cNvPr id="14" name="Rectangle 13"/>
+                  <p:cNvSpPr>
+                    <a:spLocks noRot="1" noChangeAspect="1" noMove="1" noResize="1" noEditPoints="1" noAdjustHandles="1" noChangeArrowheads="1" noChangeShapeType="1" noTextEdit="1"/>
+                  </p:cNvSpPr>
+                  <p:nvPr/>
+                </p:nvSpPr>
+                <p:spPr>
+                  <a:xfrm>
+                    <a:off x="1205483" y="2447020"/>
+                    <a:ext cx="367985" cy="369332"/>
+                  </a:xfrm>
+                  <a:prstGeom prst="rect">
+                    <a:avLst/>
+                  </a:prstGeom>
+                  <a:blipFill rotWithShape="0">
+                    <a:blip r:embed="rId4"/>
+                    <a:stretch>
+                      <a:fillRect/>
+                    </a:stretch>
+                  </a:blipFill>
+                </p:spPr>
+                <p:txBody>
+                  <a:bodyPr/>
+                  <a:lstStyle/>
+                  <a:p>
+                    <a:r>
+                      <a:rPr lang="en-CA">
+                        <a:noFill/>
+                      </a:rPr>
+                      <a:t> </a:t>
+                    </a:r>
+                  </a:p>
+                </p:txBody>
+              </p:sp>
+            </mc:Fallback>
+          </mc:AlternateContent>
+        </p:grpSp>
         <p:sp>
           <p:nvSpPr>
-            <p:cNvPr id="48" name="Rectangle 47"/>
+            <p:cNvPr id="71" name="Rectangle 70"/>
             <p:cNvSpPr/>
             <p:nvPr/>
           </p:nvSpPr>
           <p:spPr>
             <a:xfrm>
-              <a:off x="5678875" y="3671801"/>
-              <a:ext cx="569343" cy="629728"/>
+              <a:off x="1129904" y="1614682"/>
+              <a:ext cx="184731" cy="369332"/>
+            </a:xfrm>
+            <a:prstGeom prst="rect">
+              <a:avLst/>
+            </a:prstGeom>
+          </p:spPr>
+          <p:txBody>
+            <a:bodyPr wrap="none">
+              <a:spAutoFit/>
+            </a:bodyPr>
+            <a:lstStyle/>
+            <a:p>
+              <a:endParaRPr lang="en-CA" dirty="0"/>
+            </a:p>
+          </p:txBody>
+        </p:sp>
+      </p:grpSp>
+      <p:grpSp>
+        <p:nvGrpSpPr>
+          <p:cNvPr id="87" name="Group 86"/>
+          <p:cNvGrpSpPr/>
+          <p:nvPr/>
+        </p:nvGrpSpPr>
+        <p:grpSpPr>
+          <a:xfrm>
+            <a:off x="4559094" y="4460721"/>
+            <a:ext cx="319032" cy="315970"/>
+            <a:chOff x="6855696" y="5102145"/>
+            <a:chExt cx="319032" cy="315970"/>
+          </a:xfrm>
+        </p:grpSpPr>
+        <p:sp>
+          <p:nvSpPr>
+            <p:cNvPr id="88" name="Oval 87"/>
+            <p:cNvSpPr/>
+            <p:nvPr/>
+          </p:nvSpPr>
+          <p:spPr>
+            <a:xfrm>
+              <a:off x="6855696" y="5102145"/>
+              <a:ext cx="319032" cy="315970"/>
+            </a:xfrm>
+            <a:prstGeom prst="ellipse">
+              <a:avLst/>
+            </a:prstGeom>
+            <a:solidFill>
+              <a:schemeClr val="bg2">
+                <a:lumMod val="90000"/>
+              </a:schemeClr>
+            </a:solidFill>
+            <a:ln w="38100">
+              <a:solidFill>
+                <a:schemeClr val="tx1"/>
+              </a:solidFill>
+            </a:ln>
+          </p:spPr>
+          <p:style>
+            <a:lnRef idx="2">
+              <a:schemeClr val="accent1">
+                <a:shade val="50000"/>
+              </a:schemeClr>
+            </a:lnRef>
+            <a:fillRef idx="1">
+              <a:schemeClr val="accent1"/>
+            </a:fillRef>
+            <a:effectRef idx="0">
+              <a:schemeClr val="accent1"/>
+            </a:effectRef>
+            <a:fontRef idx="minor">
+              <a:schemeClr val="lt1"/>
+            </a:fontRef>
+          </p:style>
+          <p:txBody>
+            <a:bodyPr rtlCol="0" anchor="ctr"/>
+            <a:lstStyle/>
+            <a:p>
+              <a:pPr algn="ctr"/>
+              <a:endParaRPr lang="en-US"/>
+            </a:p>
+          </p:txBody>
+        </p:sp>
+        <p:sp>
+          <p:nvSpPr>
+            <p:cNvPr id="89" name="Oval 88"/>
+            <p:cNvSpPr/>
+            <p:nvPr/>
+          </p:nvSpPr>
+          <p:spPr>
+            <a:xfrm>
+              <a:off x="6992352" y="5237270"/>
+              <a:ext cx="45719" cy="45719"/>
+            </a:xfrm>
+            <a:prstGeom prst="ellipse">
+              <a:avLst/>
+            </a:prstGeom>
+            <a:solidFill>
+              <a:schemeClr val="tx1"/>
+            </a:solidFill>
+            <a:ln w="38100">
+              <a:solidFill>
+                <a:schemeClr val="tx1"/>
+              </a:solidFill>
+            </a:ln>
+          </p:spPr>
+          <p:style>
+            <a:lnRef idx="2">
+              <a:schemeClr val="accent1">
+                <a:shade val="50000"/>
+              </a:schemeClr>
+            </a:lnRef>
+            <a:fillRef idx="1">
+              <a:schemeClr val="accent1"/>
+            </a:fillRef>
+            <a:effectRef idx="0">
+              <a:schemeClr val="accent1"/>
+            </a:effectRef>
+            <a:fontRef idx="minor">
+              <a:schemeClr val="lt1"/>
+            </a:fontRef>
+          </p:style>
+          <p:txBody>
+            <a:bodyPr rtlCol="0" anchor="ctr"/>
+            <a:lstStyle/>
+            <a:p>
+              <a:pPr algn="ctr"/>
+              <a:endParaRPr lang="en-US"/>
+            </a:p>
+          </p:txBody>
+        </p:sp>
+      </p:grpSp>
+      <p:grpSp>
+        <p:nvGrpSpPr>
+          <p:cNvPr id="103" name="Group 102"/>
+          <p:cNvGrpSpPr/>
+          <p:nvPr/>
+        </p:nvGrpSpPr>
+        <p:grpSpPr>
+          <a:xfrm>
+            <a:off x="6463715" y="4755497"/>
+            <a:ext cx="1575996" cy="1582035"/>
+            <a:chOff x="6463715" y="4755497"/>
+            <a:chExt cx="1575996" cy="1582035"/>
+          </a:xfrm>
+        </p:grpSpPr>
+        <p:grpSp>
+          <p:nvGrpSpPr>
+            <p:cNvPr id="86" name="Group 85"/>
+            <p:cNvGrpSpPr/>
+            <p:nvPr/>
+          </p:nvGrpSpPr>
+          <p:grpSpPr>
+            <a:xfrm>
+              <a:off x="6855696" y="5102145"/>
+              <a:ext cx="319032" cy="315970"/>
+              <a:chOff x="6855696" y="5102145"/>
+              <a:chExt cx="319032" cy="315970"/>
+            </a:xfrm>
+          </p:grpSpPr>
+          <p:sp>
+            <p:nvSpPr>
+              <p:cNvPr id="84" name="Oval 83"/>
+              <p:cNvSpPr/>
+              <p:nvPr/>
+            </p:nvSpPr>
+            <p:spPr>
+              <a:xfrm>
+                <a:off x="6855696" y="5102145"/>
+                <a:ext cx="319032" cy="315970"/>
+              </a:xfrm>
+              <a:prstGeom prst="ellipse">
+                <a:avLst/>
+              </a:prstGeom>
+              <a:solidFill>
+                <a:schemeClr val="bg2">
+                  <a:lumMod val="90000"/>
+                </a:schemeClr>
+              </a:solidFill>
+              <a:ln w="38100">
+                <a:solidFill>
+                  <a:schemeClr val="tx1"/>
+                </a:solidFill>
+              </a:ln>
+            </p:spPr>
+            <p:style>
+              <a:lnRef idx="2">
+                <a:schemeClr val="accent1">
+                  <a:shade val="50000"/>
+                </a:schemeClr>
+              </a:lnRef>
+              <a:fillRef idx="1">
+                <a:schemeClr val="accent1"/>
+              </a:fillRef>
+              <a:effectRef idx="0">
+                <a:schemeClr val="accent1"/>
+              </a:effectRef>
+              <a:fontRef idx="minor">
+                <a:schemeClr val="lt1"/>
+              </a:fontRef>
+            </p:style>
+            <p:txBody>
+              <a:bodyPr rtlCol="0" anchor="ctr"/>
+              <a:lstStyle/>
+              <a:p>
+                <a:pPr algn="ctr"/>
+                <a:endParaRPr lang="en-US"/>
+              </a:p>
+            </p:txBody>
+          </p:sp>
+          <p:sp>
+            <p:nvSpPr>
+              <p:cNvPr id="85" name="Oval 84"/>
+              <p:cNvSpPr/>
+              <p:nvPr/>
+            </p:nvSpPr>
+            <p:spPr>
+              <a:xfrm>
+                <a:off x="6992352" y="5237270"/>
+                <a:ext cx="45719" cy="45719"/>
+              </a:xfrm>
+              <a:prstGeom prst="ellipse">
+                <a:avLst/>
+              </a:prstGeom>
+              <a:solidFill>
+                <a:schemeClr val="tx1"/>
+              </a:solidFill>
+              <a:ln w="38100">
+                <a:solidFill>
+                  <a:schemeClr val="tx1"/>
+                </a:solidFill>
+              </a:ln>
+            </p:spPr>
+            <p:style>
+              <a:lnRef idx="2">
+                <a:schemeClr val="accent1">
+                  <a:shade val="50000"/>
+                </a:schemeClr>
+              </a:lnRef>
+              <a:fillRef idx="1">
+                <a:schemeClr val="accent1"/>
+              </a:fillRef>
+              <a:effectRef idx="0">
+                <a:schemeClr val="accent1"/>
+              </a:effectRef>
+              <a:fontRef idx="minor">
+                <a:schemeClr val="lt1"/>
+              </a:fontRef>
+            </p:style>
+            <p:txBody>
+              <a:bodyPr rtlCol="0" anchor="ctr"/>
+              <a:lstStyle/>
+              <a:p>
+                <a:pPr algn="ctr"/>
+                <a:endParaRPr lang="en-US"/>
+              </a:p>
+            </p:txBody>
+          </p:sp>
+        </p:grpSp>
+        <p:sp>
+          <p:nvSpPr>
+            <p:cNvPr id="90" name="Rectangle 89"/>
+            <p:cNvSpPr/>
+            <p:nvPr/>
+          </p:nvSpPr>
+          <p:spPr>
+            <a:xfrm>
+              <a:off x="6742355" y="6099142"/>
+              <a:ext cx="239365" cy="238390"/>
             </a:xfrm>
             <a:prstGeom prst="rect">
               <a:avLst/>
@@ -4175,14 +5682,86 @@
         </p:sp>
         <p:cxnSp>
           <p:nvCxnSpPr>
-            <p:cNvPr id="49" name="Straight Arrow Connector 48"/>
+            <p:cNvPr id="92" name="Straight Connector 91"/>
+            <p:cNvCxnSpPr>
+              <a:stCxn id="84" idx="2"/>
+            </p:cNvCxnSpPr>
+            <p:nvPr/>
+          </p:nvCxnSpPr>
+          <p:spPr>
+            <a:xfrm>
+              <a:off x="6855696" y="5260130"/>
+              <a:ext cx="0" cy="839012"/>
+            </a:xfrm>
+            <a:prstGeom prst="line">
+              <a:avLst/>
+            </a:prstGeom>
+            <a:ln w="38100">
+              <a:solidFill>
+                <a:schemeClr val="tx1"/>
+              </a:solidFill>
+            </a:ln>
+          </p:spPr>
+          <p:style>
+            <a:lnRef idx="1">
+              <a:schemeClr val="accent1"/>
+            </a:lnRef>
+            <a:fillRef idx="0">
+              <a:schemeClr val="accent1"/>
+            </a:fillRef>
+            <a:effectRef idx="0">
+              <a:schemeClr val="accent1"/>
+            </a:effectRef>
+            <a:fontRef idx="minor">
+              <a:schemeClr val="tx1"/>
+            </a:fontRef>
+          </p:style>
+        </p:cxnSp>
+        <p:cxnSp>
+          <p:nvCxnSpPr>
+            <p:cNvPr id="94" name="Straight Connector 93"/>
             <p:cNvCxnSpPr/>
             <p:nvPr/>
           </p:nvCxnSpPr>
           <p:spPr>
             <a:xfrm flipV="1">
-              <a:off x="5963546" y="3201951"/>
-              <a:ext cx="0" cy="1108967"/>
+              <a:off x="7011174" y="5102144"/>
+              <a:ext cx="860207" cy="6144"/>
+            </a:xfrm>
+            <a:prstGeom prst="line">
+              <a:avLst/>
+            </a:prstGeom>
+            <a:ln w="38100">
+              <a:solidFill>
+                <a:schemeClr val="tx1"/>
+              </a:solidFill>
+            </a:ln>
+          </p:spPr>
+          <p:style>
+            <a:lnRef idx="1">
+              <a:schemeClr val="accent1"/>
+            </a:lnRef>
+            <a:fillRef idx="0">
+              <a:schemeClr val="accent1"/>
+            </a:fillRef>
+            <a:effectRef idx="0">
+              <a:schemeClr val="accent1"/>
+            </a:effectRef>
+            <a:fontRef idx="minor">
+              <a:schemeClr val="tx1"/>
+            </a:fontRef>
+          </p:style>
+        </p:cxnSp>
+        <p:cxnSp>
+          <p:nvCxnSpPr>
+            <p:cNvPr id="97" name="Straight Arrow Connector 96"/>
+            <p:cNvCxnSpPr/>
+            <p:nvPr/>
+          </p:nvCxnSpPr>
+          <p:spPr>
+            <a:xfrm flipV="1">
+              <a:off x="7366708" y="5103348"/>
+              <a:ext cx="673003" cy="3452"/>
             </a:xfrm>
             <a:prstGeom prst="straightConnector1">
               <a:avLst/>
@@ -4209,18 +5788,18 @@
             </a:fontRef>
           </p:style>
         </p:cxnSp>
-        <mc:AlternateContent xmlns:mc="http://schemas.openxmlformats.org/markup-compatibility/2006" xmlns:a14="http://schemas.microsoft.com/office/drawing/2010/main">
-          <mc:Choice Requires="a14">
+        <mc:AlternateContent xmlns:mc="http://schemas.openxmlformats.org/markup-compatibility/2006">
+          <mc:Choice xmlns:a14="http://schemas.microsoft.com/office/drawing/2010/main" Requires="a14">
             <p:sp>
               <p:nvSpPr>
-                <p:cNvPr id="50" name="TextBox 49"/>
+                <p:cNvPr id="98" name="TextBox 97"/>
                 <p:cNvSpPr txBox="1"/>
                 <p:nvPr/>
               </p:nvSpPr>
               <p:spPr>
                 <a:xfrm>
-                  <a:off x="6081954" y="3289533"/>
-                  <a:ext cx="264367" cy="345159"/>
+                  <a:off x="7599103" y="4755497"/>
+                  <a:ext cx="237629" cy="345159"/>
                 </a:xfrm>
                 <a:prstGeom prst="rect">
                   <a:avLst/>
@@ -4256,7 +5835,7 @@
                                 <a:latin typeface="Cambria Math" panose="02040503050406030204" pitchFamily="18" charset="0"/>
                                 <a:cs typeface="Arial" panose="020B0604020202020204" pitchFamily="34" charset="0"/>
                               </a:rPr>
-                              <m:t>𝑁</m:t>
+                              <m:t>𝐹</m:t>
                             </m:r>
                           </m:e>
                         </m:acc>
@@ -4271,10 +5850,10 @@
               </p:txBody>
             </p:sp>
           </mc:Choice>
-          <mc:Fallback xmlns="">
+          <mc:Fallback>
             <p:sp>
               <p:nvSpPr>
-                <p:cNvPr id="33" name="TextBox 32"/>
+                <p:cNvPr id="98" name="TextBox 97"/>
                 <p:cNvSpPr txBox="1">
                   <a:spLocks noRot="1" noChangeAspect="1" noMove="1" noResize="1" noEditPoints="1" noAdjustHandles="1" noChangeArrowheads="1" noChangeShapeType="1" noTextEdit="1"/>
                 </p:cNvSpPr>
@@ -4282,16 +5861,153 @@
               </p:nvSpPr>
               <p:spPr>
                 <a:xfrm>
-                  <a:off x="6081954" y="3289533"/>
-                  <a:ext cx="264367" cy="345159"/>
+                  <a:off x="7599103" y="4755497"/>
+                  <a:ext cx="237629" cy="345159"/>
                 </a:xfrm>
                 <a:prstGeom prst="rect">
                   <a:avLst/>
                 </a:prstGeom>
                 <a:blipFill>
-                  <a:blip r:embed="rId11"/>
+                  <a:blip r:embed="rId16"/>
                   <a:stretch>
-                    <a:fillRect l="-20930" r="-18605" b="-8929"/>
+                    <a:fillRect l="-23077" t="-33333" r="-89744" b="-8772"/>
+                  </a:stretch>
+                </a:blipFill>
+              </p:spPr>
+              <p:txBody>
+                <a:bodyPr/>
+                <a:lstStyle/>
+                <a:p>
+                  <a:r>
+                    <a:rPr lang="en-US">
+                      <a:noFill/>
+                    </a:rPr>
+                    <a:t> </a:t>
+                  </a:r>
+                </a:p>
+              </p:txBody>
+            </p:sp>
+          </mc:Fallback>
+        </mc:AlternateContent>
+        <p:cxnSp>
+          <p:nvCxnSpPr>
+            <p:cNvPr id="99" name="Straight Arrow Connector 98"/>
+            <p:cNvCxnSpPr/>
+            <p:nvPr/>
+          </p:nvCxnSpPr>
+          <p:spPr>
+            <a:xfrm flipH="1" flipV="1">
+              <a:off x="6851268" y="5568347"/>
+              <a:ext cx="2214" cy="530795"/>
+            </a:xfrm>
+            <a:prstGeom prst="straightConnector1">
+              <a:avLst/>
+            </a:prstGeom>
+            <a:ln w="38100">
+              <a:solidFill>
+                <a:schemeClr val="tx1"/>
+              </a:solidFill>
+              <a:tailEnd type="triangle"/>
+            </a:ln>
+          </p:spPr>
+          <p:style>
+            <a:lnRef idx="1">
+              <a:schemeClr val="accent1"/>
+            </a:lnRef>
+            <a:fillRef idx="0">
+              <a:schemeClr val="accent1"/>
+            </a:fillRef>
+            <a:effectRef idx="0">
+              <a:schemeClr val="accent1"/>
+            </a:effectRef>
+            <a:fontRef idx="minor">
+              <a:schemeClr val="tx1"/>
+            </a:fontRef>
+          </p:style>
+        </p:cxnSp>
+        <mc:AlternateContent xmlns:mc="http://schemas.openxmlformats.org/markup-compatibility/2006">
+          <mc:Choice xmlns:a14="http://schemas.microsoft.com/office/drawing/2010/main" Requires="a14">
+            <p:sp>
+              <p:nvSpPr>
+                <p:cNvPr id="102" name="TextBox 101"/>
+                <p:cNvSpPr txBox="1"/>
+                <p:nvPr/>
+              </p:nvSpPr>
+              <p:spPr>
+                <a:xfrm>
+                  <a:off x="6463715" y="5661164"/>
+                  <a:ext cx="228459" cy="345159"/>
+                </a:xfrm>
+                <a:prstGeom prst="rect">
+                  <a:avLst/>
+                </a:prstGeom>
+                <a:noFill/>
+              </p:spPr>
+              <p:txBody>
+                <a:bodyPr wrap="none" lIns="0" tIns="0" rIns="0" bIns="0" rtlCol="0">
+                  <a:spAutoFit/>
+                </a:bodyPr>
+                <a:lstStyle/>
+                <a:p>
+                  <a:pPr/>
+                  <a14:m>
+                    <m:oMathPara xmlns:m="http://schemas.openxmlformats.org/officeDocument/2006/math">
+                      <m:oMathParaPr>
+                        <m:jc m:val="centerGroup"/>
+                      </m:oMathParaPr>
+                      <m:oMath xmlns:m="http://schemas.openxmlformats.org/officeDocument/2006/math">
+                        <m:acc>
+                          <m:accPr>
+                            <m:chr m:val="⃗"/>
+                            <m:ctrlPr>
+                              <a:rPr lang="en-US" sz="2000" b="0" i="1" smtClean="0">
+                                <a:latin typeface="Cambria Math" panose="02040503050406030204" pitchFamily="18" charset="0"/>
+                                <a:cs typeface="Arial" panose="020B0604020202020204" pitchFamily="34" charset="0"/>
+                              </a:rPr>
+                            </m:ctrlPr>
+                          </m:accPr>
+                          <m:e>
+                            <m:r>
+                              <a:rPr lang="en-US" sz="2000" b="0" i="1" smtClean="0">
+                                <a:latin typeface="Cambria Math" panose="02040503050406030204" pitchFamily="18" charset="0"/>
+                                <a:cs typeface="Arial" panose="020B0604020202020204" pitchFamily="34" charset="0"/>
+                              </a:rPr>
+                              <m:t>𝑇</m:t>
+                            </m:r>
+                          </m:e>
+                        </m:acc>
+                      </m:oMath>
+                    </m:oMathPara>
+                  </a14:m>
+                  <a:endParaRPr lang="en-US" sz="2000" dirty="0" smtClean="0">
+                    <a:latin typeface="Arial" panose="020B0604020202020204" pitchFamily="34" charset="0"/>
+                    <a:cs typeface="Arial" panose="020B0604020202020204" pitchFamily="34" charset="0"/>
+                  </a:endParaRPr>
+                </a:p>
+              </p:txBody>
+            </p:sp>
+          </mc:Choice>
+          <mc:Fallback>
+            <p:sp>
+              <p:nvSpPr>
+                <p:cNvPr id="102" name="TextBox 101"/>
+                <p:cNvSpPr txBox="1">
+                  <a:spLocks noRot="1" noChangeAspect="1" noMove="1" noResize="1" noEditPoints="1" noAdjustHandles="1" noChangeArrowheads="1" noChangeShapeType="1" noTextEdit="1"/>
+                </p:cNvSpPr>
+                <p:nvPr/>
+              </p:nvSpPr>
+              <p:spPr>
+                <a:xfrm>
+                  <a:off x="6463715" y="5661164"/>
+                  <a:ext cx="228459" cy="345159"/>
+                </a:xfrm>
+                <a:prstGeom prst="rect">
+                  <a:avLst/>
+                </a:prstGeom>
+                <a:blipFill>
+                  <a:blip r:embed="rId17"/>
+                  <a:stretch>
+                    <a:fillRect l="-21053" r="-21053" b="-8929"/>
                   </a:stretch>
                 </a:blipFill>
               </p:spPr>
@@ -4311,16 +6027,1268 @@
           </mc:Fallback>
         </mc:AlternateContent>
       </p:grpSp>
+    </p:spTree>
+    <p:extLst>
+      <p:ext uri="{BB962C8B-B14F-4D97-AF65-F5344CB8AC3E}">
+        <p14:creationId xmlns:p14="http://schemas.microsoft.com/office/powerpoint/2010/main" val="567633518"/>
+      </p:ext>
+    </p:extLst>
+  </p:cSld>
+  <p:clrMapOvr>
+    <a:masterClrMapping/>
+  </p:clrMapOvr>
+  <p:timing>
+    <p:tnLst>
+      <p:par>
+        <p:cTn id="1" dur="indefinite" restart="never" nodeType="tmRoot"/>
+      </p:par>
+    </p:tnLst>
+  </p:timing>
+</p:sld>
+</file>
+
+<file path=ppt/slides/slide2.xml><?xml version="1.0" encoding="utf-8"?>
+<p:sld xmlns:a="http://schemas.openxmlformats.org/drawingml/2006/main" xmlns:r="http://schemas.openxmlformats.org/officeDocument/2006/relationships" xmlns:p="http://schemas.openxmlformats.org/presentationml/2006/main">
+  <p:cSld>
+    <p:spTree>
+      <p:nvGrpSpPr>
+        <p:cNvPr id="1" name=""/>
+        <p:cNvGrpSpPr/>
+        <p:nvPr/>
+      </p:nvGrpSpPr>
+      <p:grpSpPr>
+        <a:xfrm>
+          <a:off x="0" y="0"/>
+          <a:ext cx="0" cy="0"/>
+          <a:chOff x="0" y="0"/>
+          <a:chExt cx="0" cy="0"/>
+        </a:xfrm>
+      </p:grpSpPr>
+      <p:grpSp>
+        <p:nvGrpSpPr>
+          <p:cNvPr id="31" name="Group 30"/>
+          <p:cNvGrpSpPr/>
+          <p:nvPr/>
+        </p:nvGrpSpPr>
+        <p:grpSpPr>
+          <a:xfrm>
+            <a:off x="2317785" y="725864"/>
+            <a:ext cx="3466107" cy="3742441"/>
+            <a:chOff x="2317785" y="725864"/>
+            <a:chExt cx="3466107" cy="3742441"/>
+          </a:xfrm>
+        </p:grpSpPr>
+        <p:grpSp>
+          <p:nvGrpSpPr>
+            <p:cNvPr id="17" name="Group 16"/>
+            <p:cNvGrpSpPr/>
+            <p:nvPr/>
+          </p:nvGrpSpPr>
+          <p:grpSpPr>
+            <a:xfrm>
+              <a:off x="2317785" y="1008668"/>
+              <a:ext cx="1707460" cy="841883"/>
+              <a:chOff x="2317785" y="1008668"/>
+              <a:chExt cx="1707460" cy="841883"/>
+            </a:xfrm>
+          </p:grpSpPr>
+          <p:sp>
+            <p:nvSpPr>
+              <p:cNvPr id="7" name="Freeform 6"/>
+              <p:cNvSpPr/>
+              <p:nvPr/>
+            </p:nvSpPr>
+            <p:spPr>
+              <a:xfrm>
+                <a:off x="2441542" y="1252980"/>
+                <a:ext cx="1583703" cy="537328"/>
+              </a:xfrm>
+              <a:custGeom>
+                <a:avLst/>
+                <a:gdLst>
+                  <a:gd name="connsiteX0" fmla="*/ 0 w 10086681"/>
+                  <a:gd name="connsiteY0" fmla="*/ 931129 h 1873809"/>
+                  <a:gd name="connsiteX1" fmla="*/ 923827 w 10086681"/>
+                  <a:gd name="connsiteY1" fmla="*/ 26156 h 1873809"/>
+                  <a:gd name="connsiteX2" fmla="*/ 1838227 w 10086681"/>
+                  <a:gd name="connsiteY2" fmla="*/ 1836102 h 1873809"/>
+                  <a:gd name="connsiteX3" fmla="*/ 2771481 w 10086681"/>
+                  <a:gd name="connsiteY3" fmla="*/ 26156 h 1873809"/>
+                  <a:gd name="connsiteX4" fmla="*/ 3667027 w 10086681"/>
+                  <a:gd name="connsiteY4" fmla="*/ 1873809 h 1873809"/>
+                  <a:gd name="connsiteX5" fmla="*/ 4600281 w 10086681"/>
+                  <a:gd name="connsiteY5" fmla="*/ 26156 h 1873809"/>
+                  <a:gd name="connsiteX6" fmla="*/ 5486400 w 10086681"/>
+                  <a:gd name="connsiteY6" fmla="*/ 1854956 h 1873809"/>
+                  <a:gd name="connsiteX7" fmla="*/ 6400800 w 10086681"/>
+                  <a:gd name="connsiteY7" fmla="*/ 26156 h 1873809"/>
+                  <a:gd name="connsiteX8" fmla="*/ 7324627 w 10086681"/>
+                  <a:gd name="connsiteY8" fmla="*/ 1854956 h 1873809"/>
+                  <a:gd name="connsiteX9" fmla="*/ 8229600 w 10086681"/>
+                  <a:gd name="connsiteY9" fmla="*/ 26156 h 1873809"/>
+                  <a:gd name="connsiteX10" fmla="*/ 9134574 w 10086681"/>
+                  <a:gd name="connsiteY10" fmla="*/ 1854956 h 1873809"/>
+                  <a:gd name="connsiteX11" fmla="*/ 10086681 w 10086681"/>
+                  <a:gd name="connsiteY11" fmla="*/ 931129 h 1873809"/>
+                  <a:gd name="connsiteX12" fmla="*/ 10086681 w 10086681"/>
+                  <a:gd name="connsiteY12" fmla="*/ 931129 h 1873809"/>
+                </a:gdLst>
+                <a:ahLst/>
+                <a:cxnLst>
+                  <a:cxn ang="0">
+                    <a:pos x="connsiteX0" y="connsiteY0"/>
+                  </a:cxn>
+                  <a:cxn ang="0">
+                    <a:pos x="connsiteX1" y="connsiteY1"/>
+                  </a:cxn>
+                  <a:cxn ang="0">
+                    <a:pos x="connsiteX2" y="connsiteY2"/>
+                  </a:cxn>
+                  <a:cxn ang="0">
+                    <a:pos x="connsiteX3" y="connsiteY3"/>
+                  </a:cxn>
+                  <a:cxn ang="0">
+                    <a:pos x="connsiteX4" y="connsiteY4"/>
+                  </a:cxn>
+                  <a:cxn ang="0">
+                    <a:pos x="connsiteX5" y="connsiteY5"/>
+                  </a:cxn>
+                  <a:cxn ang="0">
+                    <a:pos x="connsiteX6" y="connsiteY6"/>
+                  </a:cxn>
+                  <a:cxn ang="0">
+                    <a:pos x="connsiteX7" y="connsiteY7"/>
+                  </a:cxn>
+                  <a:cxn ang="0">
+                    <a:pos x="connsiteX8" y="connsiteY8"/>
+                  </a:cxn>
+                  <a:cxn ang="0">
+                    <a:pos x="connsiteX9" y="connsiteY9"/>
+                  </a:cxn>
+                  <a:cxn ang="0">
+                    <a:pos x="connsiteX10" y="connsiteY10"/>
+                  </a:cxn>
+                  <a:cxn ang="0">
+                    <a:pos x="connsiteX11" y="connsiteY11"/>
+                  </a:cxn>
+                  <a:cxn ang="0">
+                    <a:pos x="connsiteX12" y="connsiteY12"/>
+                  </a:cxn>
+                </a:cxnLst>
+                <a:rect l="l" t="t" r="r" b="b"/>
+                <a:pathLst>
+                  <a:path w="10086681" h="1873809">
+                    <a:moveTo>
+                      <a:pt x="0" y="931129"/>
+                    </a:moveTo>
+                    <a:cubicBezTo>
+                      <a:pt x="308728" y="403228"/>
+                      <a:pt x="617456" y="-124673"/>
+                      <a:pt x="923827" y="26156"/>
+                    </a:cubicBezTo>
+                    <a:cubicBezTo>
+                      <a:pt x="1230198" y="176985"/>
+                      <a:pt x="1530285" y="1836102"/>
+                      <a:pt x="1838227" y="1836102"/>
+                    </a:cubicBezTo>
+                    <a:cubicBezTo>
+                      <a:pt x="2146169" y="1836102"/>
+                      <a:pt x="2466681" y="19871"/>
+                      <a:pt x="2771481" y="26156"/>
+                    </a:cubicBezTo>
+                    <a:cubicBezTo>
+                      <a:pt x="3076281" y="32440"/>
+                      <a:pt x="3362227" y="1873809"/>
+                      <a:pt x="3667027" y="1873809"/>
+                    </a:cubicBezTo>
+                    <a:cubicBezTo>
+                      <a:pt x="3971827" y="1873809"/>
+                      <a:pt x="4297052" y="29298"/>
+                      <a:pt x="4600281" y="26156"/>
+                    </a:cubicBezTo>
+                    <a:cubicBezTo>
+                      <a:pt x="4903510" y="23014"/>
+                      <a:pt x="5186314" y="1854956"/>
+                      <a:pt x="5486400" y="1854956"/>
+                    </a:cubicBezTo>
+                    <a:cubicBezTo>
+                      <a:pt x="5786486" y="1854956"/>
+                      <a:pt x="6094429" y="26156"/>
+                      <a:pt x="6400800" y="26156"/>
+                    </a:cubicBezTo>
+                    <a:cubicBezTo>
+                      <a:pt x="6707171" y="26156"/>
+                      <a:pt x="7019827" y="1854956"/>
+                      <a:pt x="7324627" y="1854956"/>
+                    </a:cubicBezTo>
+                    <a:cubicBezTo>
+                      <a:pt x="7629427" y="1854956"/>
+                      <a:pt x="7927942" y="26156"/>
+                      <a:pt x="8229600" y="26156"/>
+                    </a:cubicBezTo>
+                    <a:cubicBezTo>
+                      <a:pt x="8531258" y="26156"/>
+                      <a:pt x="8825061" y="1704127"/>
+                      <a:pt x="9134574" y="1854956"/>
+                    </a:cubicBezTo>
+                    <a:cubicBezTo>
+                      <a:pt x="9444087" y="2005785"/>
+                      <a:pt x="10086681" y="931129"/>
+                      <a:pt x="10086681" y="931129"/>
+                    </a:cubicBezTo>
+                    <a:lnTo>
+                      <a:pt x="10086681" y="931129"/>
+                    </a:lnTo>
+                  </a:path>
+                </a:pathLst>
+              </a:custGeom>
+              <a:noFill/>
+              <a:ln w="38100">
+                <a:solidFill>
+                  <a:schemeClr val="tx1"/>
+                </a:solidFill>
+              </a:ln>
+            </p:spPr>
+            <p:style>
+              <a:lnRef idx="2">
+                <a:schemeClr val="accent1">
+                  <a:shade val="50000"/>
+                </a:schemeClr>
+              </a:lnRef>
+              <a:fillRef idx="1">
+                <a:schemeClr val="accent1"/>
+              </a:fillRef>
+              <a:effectRef idx="0">
+                <a:schemeClr val="accent1"/>
+              </a:effectRef>
+              <a:fontRef idx="minor">
+                <a:schemeClr val="lt1"/>
+              </a:fontRef>
+            </p:style>
+            <p:txBody>
+              <a:bodyPr rtlCol="0" anchor="ctr"/>
+              <a:lstStyle/>
+              <a:p>
+                <a:pPr algn="ctr"/>
+                <a:endParaRPr lang="en-US"/>
+              </a:p>
+            </p:txBody>
+          </p:sp>
+          <p:sp>
+            <p:nvSpPr>
+              <p:cNvPr id="8" name="Rectangle 7"/>
+              <p:cNvSpPr/>
+              <p:nvPr/>
+            </p:nvSpPr>
+            <p:spPr>
+              <a:xfrm>
+                <a:off x="2317785" y="1008668"/>
+                <a:ext cx="123757" cy="841883"/>
+              </a:xfrm>
+              <a:prstGeom prst="rect">
+                <a:avLst/>
+              </a:prstGeom>
+              <a:solidFill>
+                <a:schemeClr val="tx1"/>
+              </a:solidFill>
+              <a:ln w="38100">
+                <a:solidFill>
+                  <a:schemeClr val="tx1"/>
+                </a:solidFill>
+              </a:ln>
+            </p:spPr>
+            <p:style>
+              <a:lnRef idx="2">
+                <a:schemeClr val="accent1">
+                  <a:shade val="50000"/>
+                </a:schemeClr>
+              </a:lnRef>
+              <a:fillRef idx="1">
+                <a:schemeClr val="accent1"/>
+              </a:fillRef>
+              <a:effectRef idx="0">
+                <a:schemeClr val="accent1"/>
+              </a:effectRef>
+              <a:fontRef idx="minor">
+                <a:schemeClr val="lt1"/>
+              </a:fontRef>
+            </p:style>
+            <p:txBody>
+              <a:bodyPr rtlCol="0" anchor="ctr"/>
+              <a:lstStyle/>
+              <a:p>
+                <a:pPr algn="ctr"/>
+                <a:endParaRPr lang="en-US"/>
+              </a:p>
+            </p:txBody>
+          </p:sp>
+        </p:grpSp>
+        <p:cxnSp>
+          <p:nvCxnSpPr>
+            <p:cNvPr id="10" name="Straight Arrow Connector 9"/>
+            <p:cNvCxnSpPr/>
+            <p:nvPr/>
+          </p:nvCxnSpPr>
+          <p:spPr>
+            <a:xfrm>
+              <a:off x="2806052" y="2034620"/>
+              <a:ext cx="2977840" cy="9975"/>
+            </a:xfrm>
+            <a:prstGeom prst="straightConnector1">
+              <a:avLst/>
+            </a:prstGeom>
+            <a:ln w="38100">
+              <a:solidFill>
+                <a:schemeClr val="tx1"/>
+              </a:solidFill>
+              <a:tailEnd type="triangle"/>
+            </a:ln>
+          </p:spPr>
+          <p:style>
+            <a:lnRef idx="1">
+              <a:schemeClr val="accent1"/>
+            </a:lnRef>
+            <a:fillRef idx="0">
+              <a:schemeClr val="accent1"/>
+            </a:fillRef>
+            <a:effectRef idx="0">
+              <a:schemeClr val="accent1"/>
+            </a:effectRef>
+            <a:fontRef idx="minor">
+              <a:schemeClr val="tx1"/>
+            </a:fontRef>
+          </p:style>
+        </p:cxnSp>
+        <mc:AlternateContent xmlns:mc="http://schemas.openxmlformats.org/markup-compatibility/2006">
+          <mc:Choice xmlns:a14="http://schemas.microsoft.com/office/drawing/2010/main" Requires="a14">
+            <p:sp>
+              <p:nvSpPr>
+                <p:cNvPr id="11" name="Rectangle 10"/>
+                <p:cNvSpPr/>
+                <p:nvPr/>
+              </p:nvSpPr>
+              <p:spPr>
+                <a:xfrm>
+                  <a:off x="5415907" y="2034620"/>
+                  <a:ext cx="367985" cy="369332"/>
+                </a:xfrm>
+                <a:prstGeom prst="rect">
+                  <a:avLst/>
+                </a:prstGeom>
+              </p:spPr>
+              <p:txBody>
+                <a:bodyPr wrap="none">
+                  <a:spAutoFit/>
+                </a:bodyPr>
+                <a:lstStyle/>
+                <a:p>
+                  <a:pPr/>
+                  <a14:m>
+                    <m:oMathPara xmlns:m="http://schemas.openxmlformats.org/officeDocument/2006/math">
+                      <m:oMathParaPr>
+                        <m:jc m:val="centerGroup"/>
+                      </m:oMathParaPr>
+                      <m:oMath xmlns:m="http://schemas.openxmlformats.org/officeDocument/2006/math">
+                        <m:r>
+                          <a:rPr lang="en-US" i="1">
+                            <a:latin typeface="Cambria Math" panose="02040503050406030204" pitchFamily="18" charset="0"/>
+                            <a:cs typeface="Arial" panose="020B0604020202020204" pitchFamily="34" charset="0"/>
+                          </a:rPr>
+                          <m:t>𝑥</m:t>
+                        </m:r>
+                      </m:oMath>
+                    </m:oMathPara>
+                  </a14:m>
+                  <a:endParaRPr lang="en-CA" dirty="0"/>
+                </a:p>
+              </p:txBody>
+            </p:sp>
+          </mc:Choice>
+          <mc:Fallback>
+            <p:sp>
+              <p:nvSpPr>
+                <p:cNvPr id="11" name="Rectangle 10"/>
+                <p:cNvSpPr>
+                  <a:spLocks noRot="1" noChangeAspect="1" noMove="1" noResize="1" noEditPoints="1" noAdjustHandles="1" noChangeArrowheads="1" noChangeShapeType="1" noTextEdit="1"/>
+                </p:cNvSpPr>
+                <p:nvPr/>
+              </p:nvSpPr>
+              <p:spPr>
+                <a:xfrm>
+                  <a:off x="5415907" y="2034620"/>
+                  <a:ext cx="367985" cy="369332"/>
+                </a:xfrm>
+                <a:prstGeom prst="rect">
+                  <a:avLst/>
+                </a:prstGeom>
+                <a:blipFill>
+                  <a:blip r:embed="rId2"/>
+                  <a:stretch>
+                    <a:fillRect/>
+                  </a:stretch>
+                </a:blipFill>
+              </p:spPr>
+              <p:txBody>
+                <a:bodyPr/>
+                <a:lstStyle/>
+                <a:p>
+                  <a:r>
+                    <a:rPr lang="en-US">
+                      <a:noFill/>
+                    </a:rPr>
+                    <a:t> </a:t>
+                  </a:r>
+                </a:p>
+              </p:txBody>
+            </p:sp>
+          </mc:Fallback>
+        </mc:AlternateContent>
+        <p:cxnSp>
+          <p:nvCxnSpPr>
+            <p:cNvPr id="14" name="Straight Connector 13"/>
+            <p:cNvCxnSpPr/>
+            <p:nvPr/>
+          </p:nvCxnSpPr>
+          <p:spPr>
+            <a:xfrm>
+              <a:off x="4025245" y="725864"/>
+              <a:ext cx="0" cy="3742441"/>
+            </a:xfrm>
+            <a:prstGeom prst="line">
+              <a:avLst/>
+            </a:prstGeom>
+            <a:ln w="38100">
+              <a:solidFill>
+                <a:schemeClr val="tx1"/>
+              </a:solidFill>
+              <a:prstDash val="dash"/>
+            </a:ln>
+          </p:spPr>
+          <p:style>
+            <a:lnRef idx="1">
+              <a:schemeClr val="accent1"/>
+            </a:lnRef>
+            <a:fillRef idx="0">
+              <a:schemeClr val="accent1"/>
+            </a:fillRef>
+            <a:effectRef idx="0">
+              <a:schemeClr val="accent1"/>
+            </a:effectRef>
+            <a:fontRef idx="minor">
+              <a:schemeClr val="tx1"/>
+            </a:fontRef>
+          </p:style>
+        </p:cxnSp>
+        <mc:AlternateContent xmlns:mc="http://schemas.openxmlformats.org/markup-compatibility/2006">
+          <mc:Choice xmlns:a14="http://schemas.microsoft.com/office/drawing/2010/main" Requires="a14">
+            <p:sp>
+              <p:nvSpPr>
+                <p:cNvPr id="16" name="TextBox 15"/>
+                <p:cNvSpPr txBox="1"/>
+                <p:nvPr/>
+              </p:nvSpPr>
+              <p:spPr>
+                <a:xfrm>
+                  <a:off x="4081772" y="2044595"/>
+                  <a:ext cx="213200" cy="307777"/>
+                </a:xfrm>
+                <a:prstGeom prst="rect">
+                  <a:avLst/>
+                </a:prstGeom>
+                <a:noFill/>
+              </p:spPr>
+              <p:txBody>
+                <a:bodyPr wrap="none" lIns="0" tIns="0" rIns="0" bIns="0" rtlCol="0">
+                  <a:spAutoFit/>
+                </a:bodyPr>
+                <a:lstStyle/>
+                <a:p>
+                  <a14:m>
+                    <m:oMathPara xmlns:m="http://schemas.openxmlformats.org/officeDocument/2006/math">
+                      <m:oMathParaPr>
+                        <m:jc m:val="centerGroup"/>
+                      </m:oMathParaPr>
+                      <m:oMath xmlns:m="http://schemas.openxmlformats.org/officeDocument/2006/math">
+                        <m:r>
+                          <a:rPr lang="en-US" sz="2000" b="0" i="1" smtClean="0">
+                            <a:latin typeface="Cambria Math" panose="02040503050406030204" pitchFamily="18" charset="0"/>
+                            <a:cs typeface="Arial" panose="020B0604020202020204" pitchFamily="34" charset="0"/>
+                          </a:rPr>
+                          <m:t>0</m:t>
+                        </m:r>
+                      </m:oMath>
+                    </m:oMathPara>
+                  </a14:m>
+                  <a:endParaRPr lang="en-US" sz="2000" dirty="0" smtClean="0">
+                    <a:latin typeface="Arial" panose="020B0604020202020204" pitchFamily="34" charset="0"/>
+                    <a:cs typeface="Arial" panose="020B0604020202020204" pitchFamily="34" charset="0"/>
+                  </a:endParaRPr>
+                </a:p>
+              </p:txBody>
+            </p:sp>
+          </mc:Choice>
+          <mc:Fallback>
+            <p:sp>
+              <p:nvSpPr>
+                <p:cNvPr id="16" name="TextBox 15"/>
+                <p:cNvSpPr txBox="1">
+                  <a:spLocks noRot="1" noChangeAspect="1" noMove="1" noResize="1" noEditPoints="1" noAdjustHandles="1" noChangeArrowheads="1" noChangeShapeType="1" noTextEdit="1"/>
+                </p:cNvSpPr>
+                <p:nvPr/>
+              </p:nvSpPr>
+              <p:spPr>
+                <a:xfrm>
+                  <a:off x="4081772" y="2044595"/>
+                  <a:ext cx="213200" cy="307777"/>
+                </a:xfrm>
+                <a:prstGeom prst="rect">
+                  <a:avLst/>
+                </a:prstGeom>
+                <a:blipFill>
+                  <a:blip r:embed="rId3"/>
+                  <a:stretch>
+                    <a:fillRect l="-25714" r="-22857" b="-9804"/>
+                  </a:stretch>
+                </a:blipFill>
+              </p:spPr>
+              <p:txBody>
+                <a:bodyPr/>
+                <a:lstStyle/>
+                <a:p>
+                  <a:r>
+                    <a:rPr lang="en-US">
+                      <a:noFill/>
+                    </a:rPr>
+                    <a:t> </a:t>
+                  </a:r>
+                </a:p>
+              </p:txBody>
+            </p:sp>
+          </mc:Fallback>
+        </mc:AlternateContent>
+        <p:grpSp>
+          <p:nvGrpSpPr>
+            <p:cNvPr id="18" name="Group 17"/>
+            <p:cNvGrpSpPr/>
+            <p:nvPr/>
+          </p:nvGrpSpPr>
+          <p:grpSpPr>
+            <a:xfrm>
+              <a:off x="2317785" y="2288907"/>
+              <a:ext cx="2471031" cy="841883"/>
+              <a:chOff x="2317785" y="1008668"/>
+              <a:chExt cx="2471031" cy="841883"/>
+            </a:xfrm>
+          </p:grpSpPr>
+          <p:sp>
+            <p:nvSpPr>
+              <p:cNvPr id="19" name="Freeform 18"/>
+              <p:cNvSpPr/>
+              <p:nvPr/>
+            </p:nvSpPr>
+            <p:spPr>
+              <a:xfrm>
+                <a:off x="2441542" y="1252980"/>
+                <a:ext cx="2347274" cy="537328"/>
+              </a:xfrm>
+              <a:custGeom>
+                <a:avLst/>
+                <a:gdLst>
+                  <a:gd name="connsiteX0" fmla="*/ 0 w 10086681"/>
+                  <a:gd name="connsiteY0" fmla="*/ 931129 h 1873809"/>
+                  <a:gd name="connsiteX1" fmla="*/ 923827 w 10086681"/>
+                  <a:gd name="connsiteY1" fmla="*/ 26156 h 1873809"/>
+                  <a:gd name="connsiteX2" fmla="*/ 1838227 w 10086681"/>
+                  <a:gd name="connsiteY2" fmla="*/ 1836102 h 1873809"/>
+                  <a:gd name="connsiteX3" fmla="*/ 2771481 w 10086681"/>
+                  <a:gd name="connsiteY3" fmla="*/ 26156 h 1873809"/>
+                  <a:gd name="connsiteX4" fmla="*/ 3667027 w 10086681"/>
+                  <a:gd name="connsiteY4" fmla="*/ 1873809 h 1873809"/>
+                  <a:gd name="connsiteX5" fmla="*/ 4600281 w 10086681"/>
+                  <a:gd name="connsiteY5" fmla="*/ 26156 h 1873809"/>
+                  <a:gd name="connsiteX6" fmla="*/ 5486400 w 10086681"/>
+                  <a:gd name="connsiteY6" fmla="*/ 1854956 h 1873809"/>
+                  <a:gd name="connsiteX7" fmla="*/ 6400800 w 10086681"/>
+                  <a:gd name="connsiteY7" fmla="*/ 26156 h 1873809"/>
+                  <a:gd name="connsiteX8" fmla="*/ 7324627 w 10086681"/>
+                  <a:gd name="connsiteY8" fmla="*/ 1854956 h 1873809"/>
+                  <a:gd name="connsiteX9" fmla="*/ 8229600 w 10086681"/>
+                  <a:gd name="connsiteY9" fmla="*/ 26156 h 1873809"/>
+                  <a:gd name="connsiteX10" fmla="*/ 9134574 w 10086681"/>
+                  <a:gd name="connsiteY10" fmla="*/ 1854956 h 1873809"/>
+                  <a:gd name="connsiteX11" fmla="*/ 10086681 w 10086681"/>
+                  <a:gd name="connsiteY11" fmla="*/ 931129 h 1873809"/>
+                  <a:gd name="connsiteX12" fmla="*/ 10086681 w 10086681"/>
+                  <a:gd name="connsiteY12" fmla="*/ 931129 h 1873809"/>
+                </a:gdLst>
+                <a:ahLst/>
+                <a:cxnLst>
+                  <a:cxn ang="0">
+                    <a:pos x="connsiteX0" y="connsiteY0"/>
+                  </a:cxn>
+                  <a:cxn ang="0">
+                    <a:pos x="connsiteX1" y="connsiteY1"/>
+                  </a:cxn>
+                  <a:cxn ang="0">
+                    <a:pos x="connsiteX2" y="connsiteY2"/>
+                  </a:cxn>
+                  <a:cxn ang="0">
+                    <a:pos x="connsiteX3" y="connsiteY3"/>
+                  </a:cxn>
+                  <a:cxn ang="0">
+                    <a:pos x="connsiteX4" y="connsiteY4"/>
+                  </a:cxn>
+                  <a:cxn ang="0">
+                    <a:pos x="connsiteX5" y="connsiteY5"/>
+                  </a:cxn>
+                  <a:cxn ang="0">
+                    <a:pos x="connsiteX6" y="connsiteY6"/>
+                  </a:cxn>
+                  <a:cxn ang="0">
+                    <a:pos x="connsiteX7" y="connsiteY7"/>
+                  </a:cxn>
+                  <a:cxn ang="0">
+                    <a:pos x="connsiteX8" y="connsiteY8"/>
+                  </a:cxn>
+                  <a:cxn ang="0">
+                    <a:pos x="connsiteX9" y="connsiteY9"/>
+                  </a:cxn>
+                  <a:cxn ang="0">
+                    <a:pos x="connsiteX10" y="connsiteY10"/>
+                  </a:cxn>
+                  <a:cxn ang="0">
+                    <a:pos x="connsiteX11" y="connsiteY11"/>
+                  </a:cxn>
+                  <a:cxn ang="0">
+                    <a:pos x="connsiteX12" y="connsiteY12"/>
+                  </a:cxn>
+                </a:cxnLst>
+                <a:rect l="l" t="t" r="r" b="b"/>
+                <a:pathLst>
+                  <a:path w="10086681" h="1873809">
+                    <a:moveTo>
+                      <a:pt x="0" y="931129"/>
+                    </a:moveTo>
+                    <a:cubicBezTo>
+                      <a:pt x="308728" y="403228"/>
+                      <a:pt x="617456" y="-124673"/>
+                      <a:pt x="923827" y="26156"/>
+                    </a:cubicBezTo>
+                    <a:cubicBezTo>
+                      <a:pt x="1230198" y="176985"/>
+                      <a:pt x="1530285" y="1836102"/>
+                      <a:pt x="1838227" y="1836102"/>
+                    </a:cubicBezTo>
+                    <a:cubicBezTo>
+                      <a:pt x="2146169" y="1836102"/>
+                      <a:pt x="2466681" y="19871"/>
+                      <a:pt x="2771481" y="26156"/>
+                    </a:cubicBezTo>
+                    <a:cubicBezTo>
+                      <a:pt x="3076281" y="32440"/>
+                      <a:pt x="3362227" y="1873809"/>
+                      <a:pt x="3667027" y="1873809"/>
+                    </a:cubicBezTo>
+                    <a:cubicBezTo>
+                      <a:pt x="3971827" y="1873809"/>
+                      <a:pt x="4297052" y="29298"/>
+                      <a:pt x="4600281" y="26156"/>
+                    </a:cubicBezTo>
+                    <a:cubicBezTo>
+                      <a:pt x="4903510" y="23014"/>
+                      <a:pt x="5186314" y="1854956"/>
+                      <a:pt x="5486400" y="1854956"/>
+                    </a:cubicBezTo>
+                    <a:cubicBezTo>
+                      <a:pt x="5786486" y="1854956"/>
+                      <a:pt x="6094429" y="26156"/>
+                      <a:pt x="6400800" y="26156"/>
+                    </a:cubicBezTo>
+                    <a:cubicBezTo>
+                      <a:pt x="6707171" y="26156"/>
+                      <a:pt x="7019827" y="1854956"/>
+                      <a:pt x="7324627" y="1854956"/>
+                    </a:cubicBezTo>
+                    <a:cubicBezTo>
+                      <a:pt x="7629427" y="1854956"/>
+                      <a:pt x="7927942" y="26156"/>
+                      <a:pt x="8229600" y="26156"/>
+                    </a:cubicBezTo>
+                    <a:cubicBezTo>
+                      <a:pt x="8531258" y="26156"/>
+                      <a:pt x="8825061" y="1704127"/>
+                      <a:pt x="9134574" y="1854956"/>
+                    </a:cubicBezTo>
+                    <a:cubicBezTo>
+                      <a:pt x="9444087" y="2005785"/>
+                      <a:pt x="10086681" y="931129"/>
+                      <a:pt x="10086681" y="931129"/>
+                    </a:cubicBezTo>
+                    <a:lnTo>
+                      <a:pt x="10086681" y="931129"/>
+                    </a:lnTo>
+                  </a:path>
+                </a:pathLst>
+              </a:custGeom>
+              <a:noFill/>
+              <a:ln w="38100">
+                <a:solidFill>
+                  <a:schemeClr val="tx1"/>
+                </a:solidFill>
+              </a:ln>
+            </p:spPr>
+            <p:style>
+              <a:lnRef idx="2">
+                <a:schemeClr val="accent1">
+                  <a:shade val="50000"/>
+                </a:schemeClr>
+              </a:lnRef>
+              <a:fillRef idx="1">
+                <a:schemeClr val="accent1"/>
+              </a:fillRef>
+              <a:effectRef idx="0">
+                <a:schemeClr val="accent1"/>
+              </a:effectRef>
+              <a:fontRef idx="minor">
+                <a:schemeClr val="lt1"/>
+              </a:fontRef>
+            </p:style>
+            <p:txBody>
+              <a:bodyPr rtlCol="0" anchor="ctr"/>
+              <a:lstStyle/>
+              <a:p>
+                <a:pPr algn="ctr"/>
+                <a:endParaRPr lang="en-US"/>
+              </a:p>
+            </p:txBody>
+          </p:sp>
+          <p:sp>
+            <p:nvSpPr>
+              <p:cNvPr id="20" name="Rectangle 19"/>
+              <p:cNvSpPr/>
+              <p:nvPr/>
+            </p:nvSpPr>
+            <p:spPr>
+              <a:xfrm>
+                <a:off x="2317785" y="1008668"/>
+                <a:ext cx="123757" cy="841883"/>
+              </a:xfrm>
+              <a:prstGeom prst="rect">
+                <a:avLst/>
+              </a:prstGeom>
+              <a:solidFill>
+                <a:schemeClr val="tx1"/>
+              </a:solidFill>
+              <a:ln w="38100">
+                <a:solidFill>
+                  <a:schemeClr val="tx1"/>
+                </a:solidFill>
+              </a:ln>
+            </p:spPr>
+            <p:style>
+              <a:lnRef idx="2">
+                <a:schemeClr val="accent1">
+                  <a:shade val="50000"/>
+                </a:schemeClr>
+              </a:lnRef>
+              <a:fillRef idx="1">
+                <a:schemeClr val="accent1"/>
+              </a:fillRef>
+              <a:effectRef idx="0">
+                <a:schemeClr val="accent1"/>
+              </a:effectRef>
+              <a:fontRef idx="minor">
+                <a:schemeClr val="lt1"/>
+              </a:fontRef>
+            </p:style>
+            <p:txBody>
+              <a:bodyPr rtlCol="0" anchor="ctr"/>
+              <a:lstStyle/>
+              <a:p>
+                <a:pPr algn="ctr"/>
+                <a:endParaRPr lang="en-US"/>
+              </a:p>
+            </p:txBody>
+          </p:sp>
+        </p:grpSp>
+        <p:grpSp>
+          <p:nvGrpSpPr>
+            <p:cNvPr id="21" name="Group 20"/>
+            <p:cNvGrpSpPr/>
+            <p:nvPr/>
+          </p:nvGrpSpPr>
+          <p:grpSpPr>
+            <a:xfrm>
+              <a:off x="2317785" y="3569146"/>
+              <a:ext cx="1066438" cy="841883"/>
+              <a:chOff x="2317785" y="1008668"/>
+              <a:chExt cx="1066438" cy="841883"/>
+            </a:xfrm>
+          </p:grpSpPr>
+          <p:sp>
+            <p:nvSpPr>
+              <p:cNvPr id="22" name="Freeform 21"/>
+              <p:cNvSpPr/>
+              <p:nvPr/>
+            </p:nvSpPr>
+            <p:spPr>
+              <a:xfrm>
+                <a:off x="2441543" y="1252980"/>
+                <a:ext cx="942680" cy="537328"/>
+              </a:xfrm>
+              <a:custGeom>
+                <a:avLst/>
+                <a:gdLst>
+                  <a:gd name="connsiteX0" fmla="*/ 0 w 10086681"/>
+                  <a:gd name="connsiteY0" fmla="*/ 931129 h 1873809"/>
+                  <a:gd name="connsiteX1" fmla="*/ 923827 w 10086681"/>
+                  <a:gd name="connsiteY1" fmla="*/ 26156 h 1873809"/>
+                  <a:gd name="connsiteX2" fmla="*/ 1838227 w 10086681"/>
+                  <a:gd name="connsiteY2" fmla="*/ 1836102 h 1873809"/>
+                  <a:gd name="connsiteX3" fmla="*/ 2771481 w 10086681"/>
+                  <a:gd name="connsiteY3" fmla="*/ 26156 h 1873809"/>
+                  <a:gd name="connsiteX4" fmla="*/ 3667027 w 10086681"/>
+                  <a:gd name="connsiteY4" fmla="*/ 1873809 h 1873809"/>
+                  <a:gd name="connsiteX5" fmla="*/ 4600281 w 10086681"/>
+                  <a:gd name="connsiteY5" fmla="*/ 26156 h 1873809"/>
+                  <a:gd name="connsiteX6" fmla="*/ 5486400 w 10086681"/>
+                  <a:gd name="connsiteY6" fmla="*/ 1854956 h 1873809"/>
+                  <a:gd name="connsiteX7" fmla="*/ 6400800 w 10086681"/>
+                  <a:gd name="connsiteY7" fmla="*/ 26156 h 1873809"/>
+                  <a:gd name="connsiteX8" fmla="*/ 7324627 w 10086681"/>
+                  <a:gd name="connsiteY8" fmla="*/ 1854956 h 1873809"/>
+                  <a:gd name="connsiteX9" fmla="*/ 8229600 w 10086681"/>
+                  <a:gd name="connsiteY9" fmla="*/ 26156 h 1873809"/>
+                  <a:gd name="connsiteX10" fmla="*/ 9134574 w 10086681"/>
+                  <a:gd name="connsiteY10" fmla="*/ 1854956 h 1873809"/>
+                  <a:gd name="connsiteX11" fmla="*/ 10086681 w 10086681"/>
+                  <a:gd name="connsiteY11" fmla="*/ 931129 h 1873809"/>
+                  <a:gd name="connsiteX12" fmla="*/ 10086681 w 10086681"/>
+                  <a:gd name="connsiteY12" fmla="*/ 931129 h 1873809"/>
+                </a:gdLst>
+                <a:ahLst/>
+                <a:cxnLst>
+                  <a:cxn ang="0">
+                    <a:pos x="connsiteX0" y="connsiteY0"/>
+                  </a:cxn>
+                  <a:cxn ang="0">
+                    <a:pos x="connsiteX1" y="connsiteY1"/>
+                  </a:cxn>
+                  <a:cxn ang="0">
+                    <a:pos x="connsiteX2" y="connsiteY2"/>
+                  </a:cxn>
+                  <a:cxn ang="0">
+                    <a:pos x="connsiteX3" y="connsiteY3"/>
+                  </a:cxn>
+                  <a:cxn ang="0">
+                    <a:pos x="connsiteX4" y="connsiteY4"/>
+                  </a:cxn>
+                  <a:cxn ang="0">
+                    <a:pos x="connsiteX5" y="connsiteY5"/>
+                  </a:cxn>
+                  <a:cxn ang="0">
+                    <a:pos x="connsiteX6" y="connsiteY6"/>
+                  </a:cxn>
+                  <a:cxn ang="0">
+                    <a:pos x="connsiteX7" y="connsiteY7"/>
+                  </a:cxn>
+                  <a:cxn ang="0">
+                    <a:pos x="connsiteX8" y="connsiteY8"/>
+                  </a:cxn>
+                  <a:cxn ang="0">
+                    <a:pos x="connsiteX9" y="connsiteY9"/>
+                  </a:cxn>
+                  <a:cxn ang="0">
+                    <a:pos x="connsiteX10" y="connsiteY10"/>
+                  </a:cxn>
+                  <a:cxn ang="0">
+                    <a:pos x="connsiteX11" y="connsiteY11"/>
+                  </a:cxn>
+                  <a:cxn ang="0">
+                    <a:pos x="connsiteX12" y="connsiteY12"/>
+                  </a:cxn>
+                </a:cxnLst>
+                <a:rect l="l" t="t" r="r" b="b"/>
+                <a:pathLst>
+                  <a:path w="10086681" h="1873809">
+                    <a:moveTo>
+                      <a:pt x="0" y="931129"/>
+                    </a:moveTo>
+                    <a:cubicBezTo>
+                      <a:pt x="308728" y="403228"/>
+                      <a:pt x="617456" y="-124673"/>
+                      <a:pt x="923827" y="26156"/>
+                    </a:cubicBezTo>
+                    <a:cubicBezTo>
+                      <a:pt x="1230198" y="176985"/>
+                      <a:pt x="1530285" y="1836102"/>
+                      <a:pt x="1838227" y="1836102"/>
+                    </a:cubicBezTo>
+                    <a:cubicBezTo>
+                      <a:pt x="2146169" y="1836102"/>
+                      <a:pt x="2466681" y="19871"/>
+                      <a:pt x="2771481" y="26156"/>
+                    </a:cubicBezTo>
+                    <a:cubicBezTo>
+                      <a:pt x="3076281" y="32440"/>
+                      <a:pt x="3362227" y="1873809"/>
+                      <a:pt x="3667027" y="1873809"/>
+                    </a:cubicBezTo>
+                    <a:cubicBezTo>
+                      <a:pt x="3971827" y="1873809"/>
+                      <a:pt x="4297052" y="29298"/>
+                      <a:pt x="4600281" y="26156"/>
+                    </a:cubicBezTo>
+                    <a:cubicBezTo>
+                      <a:pt x="4903510" y="23014"/>
+                      <a:pt x="5186314" y="1854956"/>
+                      <a:pt x="5486400" y="1854956"/>
+                    </a:cubicBezTo>
+                    <a:cubicBezTo>
+                      <a:pt x="5786486" y="1854956"/>
+                      <a:pt x="6094429" y="26156"/>
+                      <a:pt x="6400800" y="26156"/>
+                    </a:cubicBezTo>
+                    <a:cubicBezTo>
+                      <a:pt x="6707171" y="26156"/>
+                      <a:pt x="7019827" y="1854956"/>
+                      <a:pt x="7324627" y="1854956"/>
+                    </a:cubicBezTo>
+                    <a:cubicBezTo>
+                      <a:pt x="7629427" y="1854956"/>
+                      <a:pt x="7927942" y="26156"/>
+                      <a:pt x="8229600" y="26156"/>
+                    </a:cubicBezTo>
+                    <a:cubicBezTo>
+                      <a:pt x="8531258" y="26156"/>
+                      <a:pt x="8825061" y="1704127"/>
+                      <a:pt x="9134574" y="1854956"/>
+                    </a:cubicBezTo>
+                    <a:cubicBezTo>
+                      <a:pt x="9444087" y="2005785"/>
+                      <a:pt x="10086681" y="931129"/>
+                      <a:pt x="10086681" y="931129"/>
+                    </a:cubicBezTo>
+                    <a:lnTo>
+                      <a:pt x="10086681" y="931129"/>
+                    </a:lnTo>
+                  </a:path>
+                </a:pathLst>
+              </a:custGeom>
+              <a:noFill/>
+              <a:ln w="38100">
+                <a:solidFill>
+                  <a:schemeClr val="tx1"/>
+                </a:solidFill>
+              </a:ln>
+            </p:spPr>
+            <p:style>
+              <a:lnRef idx="2">
+                <a:schemeClr val="accent1">
+                  <a:shade val="50000"/>
+                </a:schemeClr>
+              </a:lnRef>
+              <a:fillRef idx="1">
+                <a:schemeClr val="accent1"/>
+              </a:fillRef>
+              <a:effectRef idx="0">
+                <a:schemeClr val="accent1"/>
+              </a:effectRef>
+              <a:fontRef idx="minor">
+                <a:schemeClr val="lt1"/>
+              </a:fontRef>
+            </p:style>
+            <p:txBody>
+              <a:bodyPr rtlCol="0" anchor="ctr"/>
+              <a:lstStyle/>
+              <a:p>
+                <a:pPr algn="ctr"/>
+                <a:endParaRPr lang="en-US"/>
+              </a:p>
+            </p:txBody>
+          </p:sp>
+          <p:sp>
+            <p:nvSpPr>
+              <p:cNvPr id="23" name="Rectangle 22"/>
+              <p:cNvSpPr/>
+              <p:nvPr/>
+            </p:nvSpPr>
+            <p:spPr>
+              <a:xfrm>
+                <a:off x="2317785" y="1008668"/>
+                <a:ext cx="123757" cy="841883"/>
+              </a:xfrm>
+              <a:prstGeom prst="rect">
+                <a:avLst/>
+              </a:prstGeom>
+              <a:solidFill>
+                <a:schemeClr val="tx1"/>
+              </a:solidFill>
+              <a:ln w="38100">
+                <a:solidFill>
+                  <a:schemeClr val="tx1"/>
+                </a:solidFill>
+              </a:ln>
+            </p:spPr>
+            <p:style>
+              <a:lnRef idx="2">
+                <a:schemeClr val="accent1">
+                  <a:shade val="50000"/>
+                </a:schemeClr>
+              </a:lnRef>
+              <a:fillRef idx="1">
+                <a:schemeClr val="accent1"/>
+              </a:fillRef>
+              <a:effectRef idx="0">
+                <a:schemeClr val="accent1"/>
+              </a:effectRef>
+              <a:fontRef idx="minor">
+                <a:schemeClr val="lt1"/>
+              </a:fontRef>
+            </p:style>
+            <p:txBody>
+              <a:bodyPr rtlCol="0" anchor="ctr"/>
+              <a:lstStyle/>
+              <a:p>
+                <a:pPr algn="ctr"/>
+                <a:endParaRPr lang="en-US"/>
+              </a:p>
+            </p:txBody>
+          </p:sp>
+        </p:grpSp>
+        <p:cxnSp>
+          <p:nvCxnSpPr>
+            <p:cNvPr id="25" name="Straight Arrow Connector 24"/>
+            <p:cNvCxnSpPr/>
+            <p:nvPr/>
+          </p:nvCxnSpPr>
+          <p:spPr>
+            <a:xfrm flipH="1" flipV="1">
+              <a:off x="4025245" y="2820737"/>
+              <a:ext cx="763571" cy="466"/>
+            </a:xfrm>
+            <a:prstGeom prst="straightConnector1">
+              <a:avLst/>
+            </a:prstGeom>
+            <a:ln w="38100">
+              <a:solidFill>
+                <a:srgbClr val="FF0000"/>
+              </a:solidFill>
+              <a:tailEnd type="triangle"/>
+            </a:ln>
+          </p:spPr>
+          <p:style>
+            <a:lnRef idx="1">
+              <a:schemeClr val="accent1"/>
+            </a:lnRef>
+            <a:fillRef idx="0">
+              <a:schemeClr val="accent1"/>
+            </a:fillRef>
+            <a:effectRef idx="0">
+              <a:schemeClr val="accent1"/>
+            </a:effectRef>
+            <a:fontRef idx="minor">
+              <a:schemeClr val="tx1"/>
+            </a:fontRef>
+          </p:style>
+        </p:cxnSp>
+        <p:sp>
+          <p:nvSpPr>
+            <p:cNvPr id="28" name="Rectangle 27"/>
+            <p:cNvSpPr/>
+            <p:nvPr/>
+          </p:nvSpPr>
+          <p:spPr>
+            <a:xfrm>
+              <a:off x="4025245" y="1301684"/>
+              <a:ext cx="405353" cy="488624"/>
+            </a:xfrm>
+            <a:prstGeom prst="rect">
+              <a:avLst/>
+            </a:prstGeom>
+            <a:solidFill>
+              <a:schemeClr val="bg2">
+                <a:lumMod val="90000"/>
+              </a:schemeClr>
+            </a:solidFill>
+            <a:ln w="38100">
+              <a:solidFill>
+                <a:schemeClr val="tx1"/>
+              </a:solidFill>
+            </a:ln>
+          </p:spPr>
+          <p:style>
+            <a:lnRef idx="2">
+              <a:schemeClr val="accent1">
+                <a:shade val="50000"/>
+              </a:schemeClr>
+            </a:lnRef>
+            <a:fillRef idx="1">
+              <a:schemeClr val="accent1"/>
+            </a:fillRef>
+            <a:effectRef idx="0">
+              <a:schemeClr val="accent1"/>
+            </a:effectRef>
+            <a:fontRef idx="minor">
+              <a:schemeClr val="lt1"/>
+            </a:fontRef>
+          </p:style>
+          <p:txBody>
+            <a:bodyPr rtlCol="0" anchor="ctr"/>
+            <a:lstStyle/>
+            <a:p>
+              <a:pPr algn="ctr"/>
+              <a:endParaRPr lang="en-US"/>
+            </a:p>
+          </p:txBody>
+        </p:sp>
+        <p:sp>
+          <p:nvSpPr>
+            <p:cNvPr id="29" name="Rectangle 28"/>
+            <p:cNvSpPr/>
+            <p:nvPr/>
+          </p:nvSpPr>
+          <p:spPr>
+            <a:xfrm>
+              <a:off x="4788816" y="2597084"/>
+              <a:ext cx="405353" cy="488624"/>
+            </a:xfrm>
+            <a:prstGeom prst="rect">
+              <a:avLst/>
+            </a:prstGeom>
+            <a:solidFill>
+              <a:schemeClr val="bg2">
+                <a:lumMod val="90000"/>
+              </a:schemeClr>
+            </a:solidFill>
+            <a:ln w="38100">
+              <a:solidFill>
+                <a:schemeClr val="tx1"/>
+              </a:solidFill>
+            </a:ln>
+          </p:spPr>
+          <p:style>
+            <a:lnRef idx="2">
+              <a:schemeClr val="accent1">
+                <a:shade val="50000"/>
+              </a:schemeClr>
+            </a:lnRef>
+            <a:fillRef idx="1">
+              <a:schemeClr val="accent1"/>
+            </a:fillRef>
+            <a:effectRef idx="0">
+              <a:schemeClr val="accent1"/>
+            </a:effectRef>
+            <a:fontRef idx="minor">
+              <a:schemeClr val="lt1"/>
+            </a:fontRef>
+          </p:style>
+          <p:txBody>
+            <a:bodyPr rtlCol="0" anchor="ctr"/>
+            <a:lstStyle/>
+            <a:p>
+              <a:pPr algn="ctr"/>
+              <a:endParaRPr lang="en-US"/>
+            </a:p>
+          </p:txBody>
+        </p:sp>
+        <p:sp>
+          <p:nvSpPr>
+            <p:cNvPr id="30" name="Rectangle 29"/>
+            <p:cNvSpPr/>
+            <p:nvPr/>
+          </p:nvSpPr>
+          <p:spPr>
+            <a:xfrm>
+              <a:off x="3412502" y="3862162"/>
+              <a:ext cx="405353" cy="488624"/>
+            </a:xfrm>
+            <a:prstGeom prst="rect">
+              <a:avLst/>
+            </a:prstGeom>
+            <a:solidFill>
+              <a:schemeClr val="bg2">
+                <a:lumMod val="90000"/>
+              </a:schemeClr>
+            </a:solidFill>
+            <a:ln w="38100">
+              <a:solidFill>
+                <a:schemeClr val="tx1"/>
+              </a:solidFill>
+            </a:ln>
+          </p:spPr>
+          <p:style>
+            <a:lnRef idx="2">
+              <a:schemeClr val="accent1">
+                <a:shade val="50000"/>
+              </a:schemeClr>
+            </a:lnRef>
+            <a:fillRef idx="1">
+              <a:schemeClr val="accent1"/>
+            </a:fillRef>
+            <a:effectRef idx="0">
+              <a:schemeClr val="accent1"/>
+            </a:effectRef>
+            <a:fontRef idx="minor">
+              <a:schemeClr val="lt1"/>
+            </a:fontRef>
+          </p:style>
+          <p:txBody>
+            <a:bodyPr rtlCol="0" anchor="ctr"/>
+            <a:lstStyle/>
+            <a:p>
+              <a:pPr algn="ctr"/>
+              <a:endParaRPr lang="en-US"/>
+            </a:p>
+          </p:txBody>
+        </p:sp>
+        <p:cxnSp>
+          <p:nvCxnSpPr>
+            <p:cNvPr id="26" name="Straight Arrow Connector 25"/>
+            <p:cNvCxnSpPr/>
+            <p:nvPr/>
+          </p:nvCxnSpPr>
+          <p:spPr>
+            <a:xfrm flipV="1">
+              <a:off x="3406726" y="4070657"/>
+              <a:ext cx="739149" cy="11465"/>
+            </a:xfrm>
+            <a:prstGeom prst="straightConnector1">
+              <a:avLst/>
+            </a:prstGeom>
+            <a:ln w="38100">
+              <a:solidFill>
+                <a:srgbClr val="FF0000"/>
+              </a:solidFill>
+              <a:tailEnd type="triangle"/>
+            </a:ln>
+          </p:spPr>
+          <p:style>
+            <a:lnRef idx="1">
+              <a:schemeClr val="accent1"/>
+            </a:lnRef>
+            <a:fillRef idx="0">
+              <a:schemeClr val="accent1"/>
+            </a:fillRef>
+            <a:effectRef idx="0">
+              <a:schemeClr val="accent1"/>
+            </a:effectRef>
+            <a:fontRef idx="minor">
+              <a:schemeClr val="tx1"/>
+            </a:fontRef>
+          </p:style>
+        </p:cxnSp>
+      </p:grpSp>
       <p:cxnSp>
         <p:nvCxnSpPr>
-          <p:cNvPr id="57" name="Straight Arrow Connector 56"/>
+          <p:cNvPr id="33" name="Straight Arrow Connector 32"/>
           <p:cNvCxnSpPr/>
           <p:nvPr/>
         </p:nvCxnSpPr>
         <p:spPr>
-          <a:xfrm flipH="1">
-            <a:off x="4998625" y="4079273"/>
-            <a:ext cx="675316" cy="8817"/>
+          <a:xfrm flipV="1">
+            <a:off x="3384223" y="4475691"/>
+            <a:ext cx="617560" cy="4713"/>
           </a:xfrm>
           <a:prstGeom prst="straightConnector1">
             <a:avLst/>
@@ -4329,6 +7297,44 @@
             <a:solidFill>
               <a:schemeClr val="tx1"/>
             </a:solidFill>
+            <a:headEnd type="triangle"/>
+            <a:tailEnd type="triangle"/>
+          </a:ln>
+        </p:spPr>
+        <p:style>
+          <a:lnRef idx="1">
+            <a:schemeClr val="accent1"/>
+          </a:lnRef>
+          <a:fillRef idx="0">
+            <a:schemeClr val="accent1"/>
+          </a:fillRef>
+          <a:effectRef idx="0">
+            <a:schemeClr val="accent1"/>
+          </a:effectRef>
+          <a:fontRef idx="minor">
+            <a:schemeClr val="tx1"/>
+          </a:fontRef>
+        </p:style>
+      </p:cxnSp>
+      <p:cxnSp>
+        <p:nvCxnSpPr>
+          <p:cNvPr id="34" name="Straight Arrow Connector 33"/>
+          <p:cNvCxnSpPr/>
+          <p:nvPr/>
+        </p:nvCxnSpPr>
+        <p:spPr>
+          <a:xfrm flipV="1">
+            <a:off x="4049875" y="3198729"/>
+            <a:ext cx="738941" cy="14321"/>
+          </a:xfrm>
+          <a:prstGeom prst="straightConnector1">
+            <a:avLst/>
+          </a:prstGeom>
+          <a:ln w="38100">
+            <a:solidFill>
+              <a:schemeClr val="tx1"/>
+            </a:solidFill>
+            <a:headEnd type="triangle"/>
             <a:tailEnd type="triangle"/>
           </a:ln>
         </p:spPr>
@@ -4351,22 +7357,21 @@
         <mc:Choice xmlns:a14="http://schemas.microsoft.com/office/drawing/2010/main" Requires="a14">
           <p:sp>
             <p:nvSpPr>
-              <p:cNvPr id="58" name="TextBox 57"/>
-              <p:cNvSpPr txBox="1"/>
+              <p:cNvPr id="38" name="Rectangle 37"/>
+              <p:cNvSpPr/>
               <p:nvPr/>
             </p:nvSpPr>
             <p:spPr>
               <a:xfrm>
-                <a:off x="5104599" y="3658110"/>
-                <a:ext cx="219099" cy="354071"/>
+                <a:off x="4223037" y="3130790"/>
+                <a:ext cx="367985" cy="369332"/>
               </a:xfrm>
               <a:prstGeom prst="rect">
                 <a:avLst/>
               </a:prstGeom>
-              <a:noFill/>
             </p:spPr>
             <p:txBody>
-              <a:bodyPr wrap="none" lIns="0" tIns="0" rIns="0" bIns="0" rtlCol="0">
+              <a:bodyPr wrap="none">
                 <a:spAutoFit/>
               </a:bodyPr>
               <a:lstStyle/>
@@ -4378,33 +7383,17 @@
                       <m:jc m:val="centerGroup"/>
                     </m:oMathParaPr>
                     <m:oMath xmlns:m="http://schemas.openxmlformats.org/officeDocument/2006/math">
-                      <m:acc>
-                        <m:accPr>
-                          <m:chr m:val="⃗"/>
-                          <m:ctrlPr>
-                            <a:rPr lang="en-US" sz="2000" b="0" i="1" smtClean="0">
-                              <a:latin typeface="Cambria Math" panose="02040503050406030204" pitchFamily="18" charset="0"/>
-                              <a:cs typeface="Arial" panose="020B0604020202020204" pitchFamily="34" charset="0"/>
-                            </a:rPr>
-                          </m:ctrlPr>
-                        </m:accPr>
-                        <m:e>
-                          <m:r>
-                            <a:rPr lang="en-US" sz="2000" b="0" i="1" smtClean="0">
-                              <a:latin typeface="Cambria Math" panose="02040503050406030204" pitchFamily="18" charset="0"/>
-                              <a:cs typeface="Arial" panose="020B0604020202020204" pitchFamily="34" charset="0"/>
-                            </a:rPr>
-                            <m:t>𝑓</m:t>
-                          </m:r>
-                        </m:e>
-                      </m:acc>
+                      <m:r>
+                        <a:rPr lang="en-US" i="1">
+                          <a:latin typeface="Cambria Math" panose="02040503050406030204" pitchFamily="18" charset="0"/>
+                          <a:cs typeface="Arial" panose="020B0604020202020204" pitchFamily="34" charset="0"/>
+                        </a:rPr>
+                        <m:t>𝑥</m:t>
+                      </m:r>
                     </m:oMath>
                   </m:oMathPara>
                 </a14:m>
-                <a:endParaRPr lang="en-US" sz="2000" dirty="0" smtClean="0">
-                  <a:latin typeface="Arial" panose="020B0604020202020204" pitchFamily="34" charset="0"/>
-                  <a:cs typeface="Arial" panose="020B0604020202020204" pitchFamily="34" charset="0"/>
-                </a:endParaRPr>
+                <a:endParaRPr lang="en-CA" dirty="0"/>
               </a:p>
             </p:txBody>
           </p:sp>
@@ -4412,24 +7401,108 @@
         <mc:Fallback>
           <p:sp>
             <p:nvSpPr>
-              <p:cNvPr id="58" name="TextBox 57"/>
-              <p:cNvSpPr txBox="1">
+              <p:cNvPr id="38" name="Rectangle 37"/>
+              <p:cNvSpPr>
                 <a:spLocks noRot="1" noChangeAspect="1" noMove="1" noResize="1" noEditPoints="1" noAdjustHandles="1" noChangeArrowheads="1" noChangeShapeType="1" noTextEdit="1"/>
               </p:cNvSpPr>
               <p:nvPr/>
             </p:nvSpPr>
             <p:spPr>
               <a:xfrm>
-                <a:off x="5104599" y="3658110"/>
-                <a:ext cx="219099" cy="354071"/>
+                <a:off x="4223037" y="3130790"/>
+                <a:ext cx="367985" cy="369332"/>
               </a:xfrm>
               <a:prstGeom prst="rect">
                 <a:avLst/>
               </a:prstGeom>
               <a:blipFill>
-                <a:blip r:embed="rId13"/>
+                <a:blip r:embed="rId4"/>
                 <a:stretch>
-                  <a:fillRect l="-36111" t="-32759" r="-102778" b="-32759"/>
+                  <a:fillRect/>
+                </a:stretch>
+              </a:blipFill>
+            </p:spPr>
+            <p:txBody>
+              <a:bodyPr/>
+              <a:lstStyle/>
+              <a:p>
+                <a:r>
+                  <a:rPr lang="en-US">
+                    <a:noFill/>
+                  </a:rPr>
+                  <a:t> </a:t>
+                </a:r>
+              </a:p>
+            </p:txBody>
+          </p:sp>
+        </mc:Fallback>
+      </mc:AlternateContent>
+      <mc:AlternateContent xmlns:mc="http://schemas.openxmlformats.org/markup-compatibility/2006">
+        <mc:Choice xmlns:a14="http://schemas.microsoft.com/office/drawing/2010/main" Requires="a14">
+          <p:sp>
+            <p:nvSpPr>
+              <p:cNvPr id="39" name="Rectangle 38"/>
+              <p:cNvSpPr/>
+              <p:nvPr/>
+            </p:nvSpPr>
+            <p:spPr>
+              <a:xfrm>
+                <a:off x="3492462" y="4448436"/>
+                <a:ext cx="367985" cy="369332"/>
+              </a:xfrm>
+              <a:prstGeom prst="rect">
+                <a:avLst/>
+              </a:prstGeom>
+            </p:spPr>
+            <p:txBody>
+              <a:bodyPr wrap="none">
+                <a:spAutoFit/>
+              </a:bodyPr>
+              <a:lstStyle/>
+              <a:p>
+                <a:pPr/>
+                <a14:m>
+                  <m:oMathPara xmlns:m="http://schemas.openxmlformats.org/officeDocument/2006/math">
+                    <m:oMathParaPr>
+                      <m:jc m:val="centerGroup"/>
+                    </m:oMathParaPr>
+                    <m:oMath xmlns:m="http://schemas.openxmlformats.org/officeDocument/2006/math">
+                      <m:r>
+                        <a:rPr lang="en-US" i="1">
+                          <a:latin typeface="Cambria Math" panose="02040503050406030204" pitchFamily="18" charset="0"/>
+                          <a:cs typeface="Arial" panose="020B0604020202020204" pitchFamily="34" charset="0"/>
+                        </a:rPr>
+                        <m:t>𝑥</m:t>
+                      </m:r>
+                    </m:oMath>
+                  </m:oMathPara>
+                </a14:m>
+                <a:endParaRPr lang="en-CA" dirty="0"/>
+              </a:p>
+            </p:txBody>
+          </p:sp>
+        </mc:Choice>
+        <mc:Fallback>
+          <p:sp>
+            <p:nvSpPr>
+              <p:cNvPr id="39" name="Rectangle 38"/>
+              <p:cNvSpPr>
+                <a:spLocks noRot="1" noChangeAspect="1" noMove="1" noResize="1" noEditPoints="1" noAdjustHandles="1" noChangeArrowheads="1" noChangeShapeType="1" noTextEdit="1"/>
+              </p:cNvSpPr>
+              <p:nvPr/>
+            </p:nvSpPr>
+            <p:spPr>
+              <a:xfrm>
+                <a:off x="3492462" y="4448436"/>
+                <a:ext cx="367985" cy="369332"/>
+              </a:xfrm>
+              <a:prstGeom prst="rect">
+                <a:avLst/>
+              </a:prstGeom>
+              <a:blipFill>
+                <a:blip r:embed="rId5"/>
+                <a:stretch>
+                  <a:fillRect/>
                 </a:stretch>
               </a:blipFill>
             </p:spPr>
@@ -4451,20 +7524,13 @@
     </p:spTree>
     <p:extLst>
       <p:ext uri="{BB962C8B-B14F-4D97-AF65-F5344CB8AC3E}">
-        <p14:creationId xmlns:p14="http://schemas.microsoft.com/office/powerpoint/2010/main" val="567633518"/>
+        <p14:creationId xmlns:p14="http://schemas.microsoft.com/office/powerpoint/2010/main" val="3603706640"/>
       </p:ext>
     </p:extLst>
   </p:cSld>
   <p:clrMapOvr>
     <a:masterClrMapping/>
   </p:clrMapOvr>
-  <p:timing>
-    <p:tnLst>
-      <p:par>
-        <p:cTn id="1" dur="indefinite" restart="never" nodeType="tmRoot"/>
-      </p:par>
-    </p:tnLst>
-  </p:timing>
 </p:sld>
 </file>
 

--- a/tex/figures/NewtonsLaws/Figures.pptx
+++ b/tex/figures/NewtonsLaws/Figures.pptx
@@ -7,6 +7,8 @@
   <p:sldIdLst>
     <p:sldId id="263" r:id="rId2"/>
     <p:sldId id="264" r:id="rId3"/>
+    <p:sldId id="265" r:id="rId4"/>
+    <p:sldId id="266" r:id="rId5"/>
   </p:sldIdLst>
   <p:sldSz cx="12192000" cy="6858000"/>
   <p:notesSz cx="6858000" cy="9144000"/>
@@ -244,7 +246,7 @@
           <a:p>
             <a:fld id="{F7249F8D-641B-4CAF-BAE5-10524742F6F1}" type="datetimeFigureOut">
               <a:rPr lang="en-CA" smtClean="0"/>
-              <a:t>2018-05-17</a:t>
+              <a:t>2018-05-18</a:t>
             </a:fld>
             <a:endParaRPr lang="en-CA"/>
           </a:p>
@@ -414,7 +416,7 @@
           <a:p>
             <a:fld id="{F7249F8D-641B-4CAF-BAE5-10524742F6F1}" type="datetimeFigureOut">
               <a:rPr lang="en-CA" smtClean="0"/>
-              <a:t>2018-05-17</a:t>
+              <a:t>2018-05-18</a:t>
             </a:fld>
             <a:endParaRPr lang="en-CA"/>
           </a:p>
@@ -594,7 +596,7 @@
           <a:p>
             <a:fld id="{F7249F8D-641B-4CAF-BAE5-10524742F6F1}" type="datetimeFigureOut">
               <a:rPr lang="en-CA" smtClean="0"/>
-              <a:t>2018-05-17</a:t>
+              <a:t>2018-05-18</a:t>
             </a:fld>
             <a:endParaRPr lang="en-CA"/>
           </a:p>
@@ -764,7 +766,7 @@
           <a:p>
             <a:fld id="{F7249F8D-641B-4CAF-BAE5-10524742F6F1}" type="datetimeFigureOut">
               <a:rPr lang="en-CA" smtClean="0"/>
-              <a:t>2018-05-17</a:t>
+              <a:t>2018-05-18</a:t>
             </a:fld>
             <a:endParaRPr lang="en-CA"/>
           </a:p>
@@ -1010,7 +1012,7 @@
           <a:p>
             <a:fld id="{F7249F8D-641B-4CAF-BAE5-10524742F6F1}" type="datetimeFigureOut">
               <a:rPr lang="en-CA" smtClean="0"/>
-              <a:t>2018-05-17</a:t>
+              <a:t>2018-05-18</a:t>
             </a:fld>
             <a:endParaRPr lang="en-CA"/>
           </a:p>
@@ -1242,7 +1244,7 @@
           <a:p>
             <a:fld id="{F7249F8D-641B-4CAF-BAE5-10524742F6F1}" type="datetimeFigureOut">
               <a:rPr lang="en-CA" smtClean="0"/>
-              <a:t>2018-05-17</a:t>
+              <a:t>2018-05-18</a:t>
             </a:fld>
             <a:endParaRPr lang="en-CA"/>
           </a:p>
@@ -1609,7 +1611,7 @@
           <a:p>
             <a:fld id="{F7249F8D-641B-4CAF-BAE5-10524742F6F1}" type="datetimeFigureOut">
               <a:rPr lang="en-CA" smtClean="0"/>
-              <a:t>2018-05-17</a:t>
+              <a:t>2018-05-18</a:t>
             </a:fld>
             <a:endParaRPr lang="en-CA"/>
           </a:p>
@@ -1727,7 +1729,7 @@
           <a:p>
             <a:fld id="{F7249F8D-641B-4CAF-BAE5-10524742F6F1}" type="datetimeFigureOut">
               <a:rPr lang="en-CA" smtClean="0"/>
-              <a:t>2018-05-17</a:t>
+              <a:t>2018-05-18</a:t>
             </a:fld>
             <a:endParaRPr lang="en-CA"/>
           </a:p>
@@ -1822,7 +1824,7 @@
           <a:p>
             <a:fld id="{F7249F8D-641B-4CAF-BAE5-10524742F6F1}" type="datetimeFigureOut">
               <a:rPr lang="en-CA" smtClean="0"/>
-              <a:t>2018-05-17</a:t>
+              <a:t>2018-05-18</a:t>
             </a:fld>
             <a:endParaRPr lang="en-CA"/>
           </a:p>
@@ -2099,7 +2101,7 @@
           <a:p>
             <a:fld id="{F7249F8D-641B-4CAF-BAE5-10524742F6F1}" type="datetimeFigureOut">
               <a:rPr lang="en-CA" smtClean="0"/>
-              <a:t>2018-05-17</a:t>
+              <a:t>2018-05-18</a:t>
             </a:fld>
             <a:endParaRPr lang="en-CA"/>
           </a:p>
@@ -2352,7 +2354,7 @@
           <a:p>
             <a:fld id="{F7249F8D-641B-4CAF-BAE5-10524742F6F1}" type="datetimeFigureOut">
               <a:rPr lang="en-CA" smtClean="0"/>
-              <a:t>2018-05-17</a:t>
+              <a:t>2018-05-18</a:t>
             </a:fld>
             <a:endParaRPr lang="en-CA"/>
           </a:p>
@@ -2565,7 +2567,7 @@
           <a:p>
             <a:fld id="{F7249F8D-641B-4CAF-BAE5-10524742F6F1}" type="datetimeFigureOut">
               <a:rPr lang="en-CA" smtClean="0"/>
-              <a:t>2018-05-17</a:t>
+              <a:t>2018-05-18</a:t>
             </a:fld>
             <a:endParaRPr lang="en-CA"/>
           </a:p>
@@ -4376,8 +4378,8 @@
               </a:fontRef>
             </p:style>
           </p:cxnSp>
-          <mc:AlternateContent xmlns:mc="http://schemas.openxmlformats.org/markup-compatibility/2006">
-            <mc:Choice xmlns:a14="http://schemas.microsoft.com/office/drawing/2010/main" Requires="a14">
+          <mc:AlternateContent xmlns:mc="http://schemas.openxmlformats.org/markup-compatibility/2006" xmlns:a14="http://schemas.microsoft.com/office/drawing/2010/main">
+            <mc:Choice Requires="a14">
               <p:sp>
                 <p:nvSpPr>
                   <p:cNvPr id="58" name="TextBox 57"/>
@@ -4459,7 +4461,7 @@
                 </p:txBody>
               </p:sp>
             </mc:Choice>
-            <mc:Fallback>
+            <mc:Fallback xmlns="">
               <p:sp>
                 <p:nvSpPr>
                   <p:cNvPr id="58" name="TextBox 57"/>
@@ -4751,8 +4753,8 @@
               </a:fontRef>
             </p:style>
           </p:cxnSp>
-          <mc:AlternateContent xmlns:mc="http://schemas.openxmlformats.org/markup-compatibility/2006">
-            <mc:Choice xmlns:a14="http://schemas.microsoft.com/office/drawing/2010/main" Requires="a14">
+          <mc:AlternateContent xmlns:mc="http://schemas.openxmlformats.org/markup-compatibility/2006" xmlns:a14="http://schemas.microsoft.com/office/drawing/2010/main">
+            <mc:Choice Requires="a14">
               <p:sp>
                 <p:nvSpPr>
                   <p:cNvPr id="62" name="TextBox 61"/>
@@ -4834,7 +4836,7 @@
                 </p:txBody>
               </p:sp>
             </mc:Choice>
-            <mc:Fallback>
+            <mc:Fallback xmlns="">
               <p:sp>
                 <p:nvSpPr>
                   <p:cNvPr id="62" name="TextBox 61"/>
@@ -4910,8 +4912,8 @@
             </a:fontRef>
           </p:style>
         </p:cxnSp>
-        <mc:AlternateContent xmlns:mc="http://schemas.openxmlformats.org/markup-compatibility/2006">
-          <mc:Choice xmlns:a14="http://schemas.microsoft.com/office/drawing/2010/main" Requires="a14">
+        <mc:AlternateContent xmlns:mc="http://schemas.openxmlformats.org/markup-compatibility/2006" xmlns:a14="http://schemas.microsoft.com/office/drawing/2010/main">
+          <mc:Choice Requires="a14">
             <p:sp>
               <p:nvSpPr>
                 <p:cNvPr id="67" name="TextBox 66"/>
@@ -4972,7 +4974,7 @@
               </p:txBody>
             </p:sp>
           </mc:Choice>
-          <mc:Fallback>
+          <mc:Fallback xmlns="">
             <p:sp>
               <p:nvSpPr>
                 <p:cNvPr id="67" name="TextBox 66"/>
@@ -5788,8 +5790,8 @@
             </a:fontRef>
           </p:style>
         </p:cxnSp>
-        <mc:AlternateContent xmlns:mc="http://schemas.openxmlformats.org/markup-compatibility/2006">
-          <mc:Choice xmlns:a14="http://schemas.microsoft.com/office/drawing/2010/main" Requires="a14">
+        <mc:AlternateContent xmlns:mc="http://schemas.openxmlformats.org/markup-compatibility/2006" xmlns:a14="http://schemas.microsoft.com/office/drawing/2010/main">
+          <mc:Choice Requires="a14">
             <p:sp>
               <p:nvSpPr>
                 <p:cNvPr id="98" name="TextBox 97"/>
@@ -5850,7 +5852,7 @@
               </p:txBody>
             </p:sp>
           </mc:Choice>
-          <mc:Fallback>
+          <mc:Fallback xmlns="">
             <p:sp>
               <p:nvSpPr>
                 <p:cNvPr id="98" name="TextBox 97"/>
@@ -5925,8 +5927,8 @@
             </a:fontRef>
           </p:style>
         </p:cxnSp>
-        <mc:AlternateContent xmlns:mc="http://schemas.openxmlformats.org/markup-compatibility/2006">
-          <mc:Choice xmlns:a14="http://schemas.microsoft.com/office/drawing/2010/main" Requires="a14">
+        <mc:AlternateContent xmlns:mc="http://schemas.openxmlformats.org/markup-compatibility/2006" xmlns:a14="http://schemas.microsoft.com/office/drawing/2010/main">
+          <mc:Choice Requires="a14">
             <p:sp>
               <p:nvSpPr>
                 <p:cNvPr id="102" name="TextBox 101"/>
@@ -5987,7 +5989,7 @@
               </p:txBody>
             </p:sp>
           </mc:Choice>
-          <mc:Fallback>
+          <mc:Fallback xmlns="">
             <p:sp>
               <p:nvSpPr>
                 <p:cNvPr id="102" name="TextBox 101"/>
@@ -6066,16 +6068,16 @@
       </p:grpSpPr>
       <p:grpSp>
         <p:nvGrpSpPr>
-          <p:cNvPr id="31" name="Group 30"/>
+          <p:cNvPr id="24" name="Group 23"/>
           <p:cNvGrpSpPr/>
           <p:nvPr/>
         </p:nvGrpSpPr>
         <p:grpSpPr>
           <a:xfrm>
-            <a:off x="2317785" y="725864"/>
-            <a:ext cx="3466107" cy="3742441"/>
-            <a:chOff x="2317785" y="725864"/>
-            <a:chExt cx="3466107" cy="3742441"/>
+            <a:off x="583252" y="659876"/>
+            <a:ext cx="6704479" cy="2789726"/>
+            <a:chOff x="2317785" y="1008668"/>
+            <a:chExt cx="6704479" cy="2789726"/>
           </a:xfrm>
         </p:grpSpPr>
         <p:grpSp>
@@ -6331,7 +6333,7 @@
           </p:nvCxnSpPr>
           <p:spPr>
             <a:xfrm>
-              <a:off x="2806052" y="2034620"/>
+              <a:off x="2438067" y="2226381"/>
               <a:ext cx="2977840" cy="9975"/>
             </a:xfrm>
             <a:prstGeom prst="straightConnector1">
@@ -6359,90 +6361,6 @@
             </a:fontRef>
           </p:style>
         </p:cxnSp>
-        <mc:AlternateContent xmlns:mc="http://schemas.openxmlformats.org/markup-compatibility/2006">
-          <mc:Choice xmlns:a14="http://schemas.microsoft.com/office/drawing/2010/main" Requires="a14">
-            <p:sp>
-              <p:nvSpPr>
-                <p:cNvPr id="11" name="Rectangle 10"/>
-                <p:cNvSpPr/>
-                <p:nvPr/>
-              </p:nvSpPr>
-              <p:spPr>
-                <a:xfrm>
-                  <a:off x="5415907" y="2034620"/>
-                  <a:ext cx="367985" cy="369332"/>
-                </a:xfrm>
-                <a:prstGeom prst="rect">
-                  <a:avLst/>
-                </a:prstGeom>
-              </p:spPr>
-              <p:txBody>
-                <a:bodyPr wrap="none">
-                  <a:spAutoFit/>
-                </a:bodyPr>
-                <a:lstStyle/>
-                <a:p>
-                  <a:pPr/>
-                  <a14:m>
-                    <m:oMathPara xmlns:m="http://schemas.openxmlformats.org/officeDocument/2006/math">
-                      <m:oMathParaPr>
-                        <m:jc m:val="centerGroup"/>
-                      </m:oMathParaPr>
-                      <m:oMath xmlns:m="http://schemas.openxmlformats.org/officeDocument/2006/math">
-                        <m:r>
-                          <a:rPr lang="en-US" i="1">
-                            <a:latin typeface="Cambria Math" panose="02040503050406030204" pitchFamily="18" charset="0"/>
-                            <a:cs typeface="Arial" panose="020B0604020202020204" pitchFamily="34" charset="0"/>
-                          </a:rPr>
-                          <m:t>𝑥</m:t>
-                        </m:r>
-                      </m:oMath>
-                    </m:oMathPara>
-                  </a14:m>
-                  <a:endParaRPr lang="en-CA" dirty="0"/>
-                </a:p>
-              </p:txBody>
-            </p:sp>
-          </mc:Choice>
-          <mc:Fallback>
-            <p:sp>
-              <p:nvSpPr>
-                <p:cNvPr id="11" name="Rectangle 10"/>
-                <p:cNvSpPr>
-                  <a:spLocks noRot="1" noChangeAspect="1" noMove="1" noResize="1" noEditPoints="1" noAdjustHandles="1" noChangeArrowheads="1" noChangeShapeType="1" noTextEdit="1"/>
-                </p:cNvSpPr>
-                <p:nvPr/>
-              </p:nvSpPr>
-              <p:spPr>
-                <a:xfrm>
-                  <a:off x="5415907" y="2034620"/>
-                  <a:ext cx="367985" cy="369332"/>
-                </a:xfrm>
-                <a:prstGeom prst="rect">
-                  <a:avLst/>
-                </a:prstGeom>
-                <a:blipFill>
-                  <a:blip r:embed="rId2"/>
-                  <a:stretch>
-                    <a:fillRect/>
-                  </a:stretch>
-                </a:blipFill>
-              </p:spPr>
-              <p:txBody>
-                <a:bodyPr/>
-                <a:lstStyle/>
-                <a:p>
-                  <a:r>
-                    <a:rPr lang="en-US">
-                      <a:noFill/>
-                    </a:rPr>
-                    <a:t> </a:t>
-                  </a:r>
-                </a:p>
-              </p:txBody>
-            </p:sp>
-          </mc:Fallback>
-        </mc:AlternateContent>
         <p:cxnSp>
           <p:nvCxnSpPr>
             <p:cNvPr id="14" name="Straight Connector 13"/>
@@ -6451,8 +6369,8 @@
           </p:nvCxnSpPr>
           <p:spPr>
             <a:xfrm>
-              <a:off x="4025245" y="725864"/>
-              <a:ext cx="0" cy="3742441"/>
+              <a:off x="4025245" y="1817008"/>
+              <a:ext cx="0" cy="419348"/>
             </a:xfrm>
             <a:prstGeom prst="line">
               <a:avLst/>
@@ -6461,7 +6379,7 @@
               <a:solidFill>
                 <a:schemeClr val="tx1"/>
               </a:solidFill>
-              <a:prstDash val="dash"/>
+              <a:prstDash val="sysDot"/>
             </a:ln>
           </p:spPr>
           <p:style>
@@ -6489,8 +6407,8 @@
               </p:nvSpPr>
               <p:spPr>
                 <a:xfrm>
-                  <a:off x="4081772" y="2044595"/>
-                  <a:ext cx="213200" cy="307777"/>
+                  <a:off x="3873031" y="2221726"/>
+                  <a:ext cx="107912" cy="307777"/>
                 </a:xfrm>
                 <a:prstGeom prst="rect">
                   <a:avLst/>
@@ -6498,11 +6416,12 @@
                 <a:noFill/>
               </p:spPr>
               <p:txBody>
-                <a:bodyPr wrap="none" lIns="0" tIns="0" rIns="0" bIns="0" rtlCol="0">
+                <a:bodyPr wrap="square" lIns="0" tIns="0" rIns="0" bIns="0" rtlCol="0">
                   <a:spAutoFit/>
                 </a:bodyPr>
                 <a:lstStyle/>
                 <a:p>
+                  <a:pPr/>
                   <a14:m>
                     <m:oMathPara xmlns:m="http://schemas.openxmlformats.org/officeDocument/2006/math">
                       <m:oMathParaPr>
@@ -6538,16 +6457,16 @@
               </p:nvSpPr>
               <p:spPr>
                 <a:xfrm>
-                  <a:off x="4081772" y="2044595"/>
-                  <a:ext cx="213200" cy="307777"/>
+                  <a:off x="3873031" y="2221726"/>
+                  <a:ext cx="107912" cy="307777"/>
                 </a:xfrm>
                 <a:prstGeom prst="rect">
                   <a:avLst/>
                 </a:prstGeom>
                 <a:blipFill>
-                  <a:blip r:embed="rId3"/>
+                  <a:blip r:embed="rId2"/>
                   <a:stretch>
-                    <a:fillRect l="-25714" r="-22857" b="-9804"/>
+                    <a:fillRect l="-83333" r="-105556" b="-9804"/>
                   </a:stretch>
                 </a:blipFill>
               </p:spPr>
@@ -6574,7 +6493,7 @@
           </p:nvGrpSpPr>
           <p:grpSpPr>
             <a:xfrm>
-              <a:off x="2317785" y="2288907"/>
+              <a:off x="2317785" y="2551944"/>
               <a:ext cx="2471031" cy="841883"/>
               <a:chOff x="2317785" y="1008668"/>
               <a:chExt cx="2471031" cy="841883"/>
@@ -6811,30 +6730,286 @@
             </p:txBody>
           </p:sp>
         </p:grpSp>
+        <p:cxnSp>
+          <p:nvCxnSpPr>
+            <p:cNvPr id="25" name="Straight Arrow Connector 24"/>
+            <p:cNvCxnSpPr/>
+            <p:nvPr/>
+          </p:nvCxnSpPr>
+          <p:spPr>
+            <a:xfrm flipH="1" flipV="1">
+              <a:off x="4025245" y="3083774"/>
+              <a:ext cx="763571" cy="466"/>
+            </a:xfrm>
+            <a:prstGeom prst="straightConnector1">
+              <a:avLst/>
+            </a:prstGeom>
+            <a:ln w="57150">
+              <a:solidFill>
+                <a:srgbClr val="FF0000"/>
+              </a:solidFill>
+              <a:tailEnd type="triangle"/>
+            </a:ln>
+          </p:spPr>
+          <p:style>
+            <a:lnRef idx="1">
+              <a:schemeClr val="accent1"/>
+            </a:lnRef>
+            <a:fillRef idx="0">
+              <a:schemeClr val="accent1"/>
+            </a:fillRef>
+            <a:effectRef idx="0">
+              <a:schemeClr val="accent1"/>
+            </a:effectRef>
+            <a:fontRef idx="minor">
+              <a:schemeClr val="tx1"/>
+            </a:fontRef>
+          </p:style>
+        </p:cxnSp>
+        <p:sp>
+          <p:nvSpPr>
+            <p:cNvPr id="28" name="Rectangle 27"/>
+            <p:cNvSpPr/>
+            <p:nvPr/>
+          </p:nvSpPr>
+          <p:spPr>
+            <a:xfrm>
+              <a:off x="4025245" y="1301684"/>
+              <a:ext cx="405353" cy="488624"/>
+            </a:xfrm>
+            <a:prstGeom prst="rect">
+              <a:avLst/>
+            </a:prstGeom>
+            <a:solidFill>
+              <a:schemeClr val="bg2">
+                <a:lumMod val="90000"/>
+              </a:schemeClr>
+            </a:solidFill>
+            <a:ln w="38100">
+              <a:solidFill>
+                <a:schemeClr val="tx1"/>
+              </a:solidFill>
+            </a:ln>
+          </p:spPr>
+          <p:style>
+            <a:lnRef idx="2">
+              <a:schemeClr val="accent1">
+                <a:shade val="50000"/>
+              </a:schemeClr>
+            </a:lnRef>
+            <a:fillRef idx="1">
+              <a:schemeClr val="accent1"/>
+            </a:fillRef>
+            <a:effectRef idx="0">
+              <a:schemeClr val="accent1"/>
+            </a:effectRef>
+            <a:fontRef idx="minor">
+              <a:schemeClr val="lt1"/>
+            </a:fontRef>
+          </p:style>
+          <p:txBody>
+            <a:bodyPr rtlCol="0" anchor="ctr"/>
+            <a:lstStyle/>
+            <a:p>
+              <a:pPr algn="ctr"/>
+              <a:endParaRPr lang="en-US"/>
+            </a:p>
+          </p:txBody>
+        </p:sp>
+        <p:sp>
+          <p:nvSpPr>
+            <p:cNvPr id="29" name="Rectangle 28"/>
+            <p:cNvSpPr/>
+            <p:nvPr/>
+          </p:nvSpPr>
+          <p:spPr>
+            <a:xfrm>
+              <a:off x="4788816" y="2860121"/>
+              <a:ext cx="405353" cy="488624"/>
+            </a:xfrm>
+            <a:prstGeom prst="rect">
+              <a:avLst/>
+            </a:prstGeom>
+            <a:solidFill>
+              <a:schemeClr val="bg2">
+                <a:lumMod val="90000"/>
+              </a:schemeClr>
+            </a:solidFill>
+            <a:ln w="38100">
+              <a:solidFill>
+                <a:schemeClr val="tx1"/>
+              </a:solidFill>
+            </a:ln>
+          </p:spPr>
+          <p:style>
+            <a:lnRef idx="2">
+              <a:schemeClr val="accent1">
+                <a:shade val="50000"/>
+              </a:schemeClr>
+            </a:lnRef>
+            <a:fillRef idx="1">
+              <a:schemeClr val="accent1"/>
+            </a:fillRef>
+            <a:effectRef idx="0">
+              <a:schemeClr val="accent1"/>
+            </a:effectRef>
+            <a:fontRef idx="minor">
+              <a:schemeClr val="lt1"/>
+            </a:fontRef>
+          </p:style>
+          <p:txBody>
+            <a:bodyPr rtlCol="0" anchor="ctr"/>
+            <a:lstStyle/>
+            <a:p>
+              <a:pPr algn="ctr"/>
+              <a:endParaRPr lang="en-US"/>
+            </a:p>
+          </p:txBody>
+        </p:sp>
+        <mc:AlternateContent xmlns:mc="http://schemas.openxmlformats.org/markup-compatibility/2006">
+          <mc:Choice xmlns:a14="http://schemas.microsoft.com/office/drawing/2010/main" Requires="a14">
+            <p:sp>
+              <p:nvSpPr>
+                <p:cNvPr id="38" name="Rectangle 37"/>
+                <p:cNvSpPr/>
+                <p:nvPr/>
+              </p:nvSpPr>
+              <p:spPr>
+                <a:xfrm>
+                  <a:off x="4623507" y="1828932"/>
+                  <a:ext cx="367985" cy="369332"/>
+                </a:xfrm>
+                <a:prstGeom prst="rect">
+                  <a:avLst/>
+                </a:prstGeom>
+              </p:spPr>
+              <p:txBody>
+                <a:bodyPr wrap="none">
+                  <a:spAutoFit/>
+                </a:bodyPr>
+                <a:lstStyle/>
+                <a:p>
+                  <a:pPr/>
+                  <a14:m>
+                    <m:oMathPara xmlns:m="http://schemas.openxmlformats.org/officeDocument/2006/math">
+                      <m:oMathParaPr>
+                        <m:jc m:val="centerGroup"/>
+                      </m:oMathParaPr>
+                      <m:oMath xmlns:m="http://schemas.openxmlformats.org/officeDocument/2006/math">
+                        <m:r>
+                          <a:rPr lang="en-US" i="1">
+                            <a:latin typeface="Cambria Math" panose="02040503050406030204" pitchFamily="18" charset="0"/>
+                            <a:cs typeface="Arial" panose="020B0604020202020204" pitchFamily="34" charset="0"/>
+                          </a:rPr>
+                          <m:t>𝑥</m:t>
+                        </m:r>
+                      </m:oMath>
+                    </m:oMathPara>
+                  </a14:m>
+                  <a:endParaRPr lang="en-CA" dirty="0"/>
+                </a:p>
+              </p:txBody>
+            </p:sp>
+          </mc:Choice>
+          <mc:Fallback>
+            <p:sp>
+              <p:nvSpPr>
+                <p:cNvPr id="38" name="Rectangle 37"/>
+                <p:cNvSpPr>
+                  <a:spLocks noRot="1" noChangeAspect="1" noMove="1" noResize="1" noEditPoints="1" noAdjustHandles="1" noChangeArrowheads="1" noChangeShapeType="1" noTextEdit="1"/>
+                </p:cNvSpPr>
+                <p:nvPr/>
+              </p:nvSpPr>
+              <p:spPr>
+                <a:xfrm>
+                  <a:off x="4623507" y="1828932"/>
+                  <a:ext cx="367985" cy="369332"/>
+                </a:xfrm>
+                <a:prstGeom prst="rect">
+                  <a:avLst/>
+                </a:prstGeom>
+                <a:blipFill>
+                  <a:blip r:embed="rId3"/>
+                  <a:stretch>
+                    <a:fillRect/>
+                  </a:stretch>
+                </a:blipFill>
+              </p:spPr>
+              <p:txBody>
+                <a:bodyPr/>
+                <a:lstStyle/>
+                <a:p>
+                  <a:r>
+                    <a:rPr lang="en-US">
+                      <a:noFill/>
+                    </a:rPr>
+                    <a:t> </a:t>
+                  </a:r>
+                </a:p>
+              </p:txBody>
+            </p:sp>
+          </mc:Fallback>
+        </mc:AlternateContent>
+        <p:cxnSp>
+          <p:nvCxnSpPr>
+            <p:cNvPr id="32" name="Straight Connector 31"/>
+            <p:cNvCxnSpPr/>
+            <p:nvPr/>
+          </p:nvCxnSpPr>
+          <p:spPr>
+            <a:xfrm>
+              <a:off x="4788816" y="2221726"/>
+              <a:ext cx="0" cy="843194"/>
+            </a:xfrm>
+            <a:prstGeom prst="line">
+              <a:avLst/>
+            </a:prstGeom>
+            <a:ln w="38100">
+              <a:solidFill>
+                <a:schemeClr val="tx1"/>
+              </a:solidFill>
+              <a:prstDash val="sysDot"/>
+            </a:ln>
+          </p:spPr>
+          <p:style>
+            <a:lnRef idx="1">
+              <a:schemeClr val="accent1"/>
+            </a:lnRef>
+            <a:fillRef idx="0">
+              <a:schemeClr val="accent1"/>
+            </a:fillRef>
+            <a:effectRef idx="0">
+              <a:schemeClr val="accent1"/>
+            </a:effectRef>
+            <a:fontRef idx="minor">
+              <a:schemeClr val="tx1"/>
+            </a:fontRef>
+          </p:style>
+        </p:cxnSp>
         <p:grpSp>
           <p:nvGrpSpPr>
-            <p:cNvPr id="21" name="Group 20"/>
+            <p:cNvPr id="35" name="Group 34"/>
             <p:cNvGrpSpPr/>
             <p:nvPr/>
           </p:nvGrpSpPr>
           <p:grpSpPr>
             <a:xfrm>
-              <a:off x="2317785" y="3569146"/>
-              <a:ext cx="1066438" cy="841883"/>
+              <a:off x="5924142" y="1026737"/>
+              <a:ext cx="1707460" cy="841883"/>
               <a:chOff x="2317785" y="1008668"/>
-              <a:chExt cx="1066438" cy="841883"/>
+              <a:chExt cx="1707460" cy="841883"/>
             </a:xfrm>
           </p:grpSpPr>
           <p:sp>
             <p:nvSpPr>
-              <p:cNvPr id="22" name="Freeform 21"/>
+              <p:cNvPr id="36" name="Freeform 35"/>
               <p:cNvSpPr/>
               <p:nvPr/>
             </p:nvSpPr>
             <p:spPr>
               <a:xfrm>
-                <a:off x="2441543" y="1252980"/>
-                <a:ext cx="942680" cy="537328"/>
+                <a:off x="2441542" y="1252980"/>
+                <a:ext cx="1583703" cy="537328"/>
               </a:xfrm>
               <a:custGeom>
                 <a:avLst/>
@@ -7009,7 +7184,7 @@
           </p:sp>
           <p:sp>
             <p:nvSpPr>
-              <p:cNvPr id="23" name="Rectangle 22"/>
+              <p:cNvPr id="37" name="Rectangle 36"/>
               <p:cNvSpPr/>
               <p:nvPr/>
             </p:nvSpPr>
@@ -7058,21 +7233,21 @@
         </p:grpSp>
         <p:cxnSp>
           <p:nvCxnSpPr>
-            <p:cNvPr id="25" name="Straight Arrow Connector 24"/>
+            <p:cNvPr id="40" name="Straight Arrow Connector 39"/>
             <p:cNvCxnSpPr/>
             <p:nvPr/>
           </p:nvCxnSpPr>
           <p:spPr>
-            <a:xfrm flipH="1" flipV="1">
-              <a:off x="4025245" y="2820737"/>
-              <a:ext cx="763571" cy="466"/>
+            <a:xfrm>
+              <a:off x="6044424" y="2244450"/>
+              <a:ext cx="2977840" cy="9975"/>
             </a:xfrm>
             <a:prstGeom prst="straightConnector1">
               <a:avLst/>
             </a:prstGeom>
             <a:ln w="38100">
               <a:solidFill>
-                <a:srgbClr val="FF0000"/>
+                <a:schemeClr val="tx1"/>
               </a:solidFill>
               <a:tailEnd type="triangle"/>
             </a:ln>
@@ -7092,15 +7267,321 @@
             </a:fontRef>
           </p:style>
         </p:cxnSp>
+        <p:cxnSp>
+          <p:nvCxnSpPr>
+            <p:cNvPr id="41" name="Straight Connector 40"/>
+            <p:cNvCxnSpPr/>
+            <p:nvPr/>
+          </p:nvCxnSpPr>
+          <p:spPr>
+            <a:xfrm>
+              <a:off x="7631602" y="1835077"/>
+              <a:ext cx="0" cy="419348"/>
+            </a:xfrm>
+            <a:prstGeom prst="line">
+              <a:avLst/>
+            </a:prstGeom>
+            <a:ln w="38100">
+              <a:solidFill>
+                <a:schemeClr val="tx1"/>
+              </a:solidFill>
+              <a:prstDash val="sysDot"/>
+            </a:ln>
+          </p:spPr>
+          <p:style>
+            <a:lnRef idx="1">
+              <a:schemeClr val="accent1"/>
+            </a:lnRef>
+            <a:fillRef idx="0">
+              <a:schemeClr val="accent1"/>
+            </a:fillRef>
+            <a:effectRef idx="0">
+              <a:schemeClr val="accent1"/>
+            </a:effectRef>
+            <a:fontRef idx="minor">
+              <a:schemeClr val="tx1"/>
+            </a:fontRef>
+          </p:style>
+        </p:cxnSp>
+        <mc:AlternateContent xmlns:mc="http://schemas.openxmlformats.org/markup-compatibility/2006">
+          <mc:Choice xmlns:a14="http://schemas.microsoft.com/office/drawing/2010/main" Requires="a14">
+            <p:sp>
+              <p:nvSpPr>
+                <p:cNvPr id="42" name="TextBox 41"/>
+                <p:cNvSpPr txBox="1"/>
+                <p:nvPr/>
+              </p:nvSpPr>
+              <p:spPr>
+                <a:xfrm>
+                  <a:off x="7479388" y="2239795"/>
+                  <a:ext cx="107912" cy="307777"/>
+                </a:xfrm>
+                <a:prstGeom prst="rect">
+                  <a:avLst/>
+                </a:prstGeom>
+                <a:noFill/>
+              </p:spPr>
+              <p:txBody>
+                <a:bodyPr wrap="square" lIns="0" tIns="0" rIns="0" bIns="0" rtlCol="0">
+                  <a:spAutoFit/>
+                </a:bodyPr>
+                <a:lstStyle/>
+                <a:p>
+                  <a:pPr/>
+                  <a14:m>
+                    <m:oMathPara xmlns:m="http://schemas.openxmlformats.org/officeDocument/2006/math">
+                      <m:oMathParaPr>
+                        <m:jc m:val="centerGroup"/>
+                      </m:oMathParaPr>
+                      <m:oMath xmlns:m="http://schemas.openxmlformats.org/officeDocument/2006/math">
+                        <m:r>
+                          <a:rPr lang="en-US" sz="2000" b="0" i="1" smtClean="0">
+                            <a:latin typeface="Cambria Math" panose="02040503050406030204" pitchFamily="18" charset="0"/>
+                            <a:cs typeface="Arial" panose="020B0604020202020204" pitchFamily="34" charset="0"/>
+                          </a:rPr>
+                          <m:t>0</m:t>
+                        </m:r>
+                      </m:oMath>
+                    </m:oMathPara>
+                  </a14:m>
+                  <a:endParaRPr lang="en-US" sz="2000" dirty="0" smtClean="0">
+                    <a:latin typeface="Arial" panose="020B0604020202020204" pitchFamily="34" charset="0"/>
+                    <a:cs typeface="Arial" panose="020B0604020202020204" pitchFamily="34" charset="0"/>
+                  </a:endParaRPr>
+                </a:p>
+              </p:txBody>
+            </p:sp>
+          </mc:Choice>
+          <mc:Fallback>
+            <p:sp>
+              <p:nvSpPr>
+                <p:cNvPr id="42" name="TextBox 41"/>
+                <p:cNvSpPr txBox="1">
+                  <a:spLocks noRot="1" noChangeAspect="1" noMove="1" noResize="1" noEditPoints="1" noAdjustHandles="1" noChangeArrowheads="1" noChangeShapeType="1" noTextEdit="1"/>
+                </p:cNvSpPr>
+                <p:nvPr/>
+              </p:nvSpPr>
+              <p:spPr>
+                <a:xfrm>
+                  <a:off x="7479388" y="2239795"/>
+                  <a:ext cx="107912" cy="307777"/>
+                </a:xfrm>
+                <a:prstGeom prst="rect">
+                  <a:avLst/>
+                </a:prstGeom>
+                <a:blipFill>
+                  <a:blip r:embed="rId4"/>
+                  <a:stretch>
+                    <a:fillRect l="-77778" r="-111111" b="-9804"/>
+                  </a:stretch>
+                </a:blipFill>
+              </p:spPr>
+              <p:txBody>
+                <a:bodyPr/>
+                <a:lstStyle/>
+                <a:p>
+                  <a:r>
+                    <a:rPr lang="en-US">
+                      <a:noFill/>
+                    </a:rPr>
+                    <a:t> </a:t>
+                  </a:r>
+                </a:p>
+              </p:txBody>
+            </p:sp>
+          </mc:Fallback>
+        </mc:AlternateContent>
         <p:sp>
           <p:nvSpPr>
-            <p:cNvPr id="28" name="Rectangle 27"/>
+            <p:cNvPr id="44" name="Freeform 43"/>
             <p:cNvSpPr/>
             <p:nvPr/>
           </p:nvSpPr>
           <p:spPr>
             <a:xfrm>
-              <a:off x="4025245" y="1301684"/>
+              <a:off x="6076362" y="2796256"/>
+              <a:ext cx="761679" cy="537328"/>
+            </a:xfrm>
+            <a:custGeom>
+              <a:avLst/>
+              <a:gdLst>
+                <a:gd name="connsiteX0" fmla="*/ 0 w 10086681"/>
+                <a:gd name="connsiteY0" fmla="*/ 931129 h 1873809"/>
+                <a:gd name="connsiteX1" fmla="*/ 923827 w 10086681"/>
+                <a:gd name="connsiteY1" fmla="*/ 26156 h 1873809"/>
+                <a:gd name="connsiteX2" fmla="*/ 1838227 w 10086681"/>
+                <a:gd name="connsiteY2" fmla="*/ 1836102 h 1873809"/>
+                <a:gd name="connsiteX3" fmla="*/ 2771481 w 10086681"/>
+                <a:gd name="connsiteY3" fmla="*/ 26156 h 1873809"/>
+                <a:gd name="connsiteX4" fmla="*/ 3667027 w 10086681"/>
+                <a:gd name="connsiteY4" fmla="*/ 1873809 h 1873809"/>
+                <a:gd name="connsiteX5" fmla="*/ 4600281 w 10086681"/>
+                <a:gd name="connsiteY5" fmla="*/ 26156 h 1873809"/>
+                <a:gd name="connsiteX6" fmla="*/ 5486400 w 10086681"/>
+                <a:gd name="connsiteY6" fmla="*/ 1854956 h 1873809"/>
+                <a:gd name="connsiteX7" fmla="*/ 6400800 w 10086681"/>
+                <a:gd name="connsiteY7" fmla="*/ 26156 h 1873809"/>
+                <a:gd name="connsiteX8" fmla="*/ 7324627 w 10086681"/>
+                <a:gd name="connsiteY8" fmla="*/ 1854956 h 1873809"/>
+                <a:gd name="connsiteX9" fmla="*/ 8229600 w 10086681"/>
+                <a:gd name="connsiteY9" fmla="*/ 26156 h 1873809"/>
+                <a:gd name="connsiteX10" fmla="*/ 9134574 w 10086681"/>
+                <a:gd name="connsiteY10" fmla="*/ 1854956 h 1873809"/>
+                <a:gd name="connsiteX11" fmla="*/ 10086681 w 10086681"/>
+                <a:gd name="connsiteY11" fmla="*/ 931129 h 1873809"/>
+                <a:gd name="connsiteX12" fmla="*/ 10086681 w 10086681"/>
+                <a:gd name="connsiteY12" fmla="*/ 931129 h 1873809"/>
+              </a:gdLst>
+              <a:ahLst/>
+              <a:cxnLst>
+                <a:cxn ang="0">
+                  <a:pos x="connsiteX0" y="connsiteY0"/>
+                </a:cxn>
+                <a:cxn ang="0">
+                  <a:pos x="connsiteX1" y="connsiteY1"/>
+                </a:cxn>
+                <a:cxn ang="0">
+                  <a:pos x="connsiteX2" y="connsiteY2"/>
+                </a:cxn>
+                <a:cxn ang="0">
+                  <a:pos x="connsiteX3" y="connsiteY3"/>
+                </a:cxn>
+                <a:cxn ang="0">
+                  <a:pos x="connsiteX4" y="connsiteY4"/>
+                </a:cxn>
+                <a:cxn ang="0">
+                  <a:pos x="connsiteX5" y="connsiteY5"/>
+                </a:cxn>
+                <a:cxn ang="0">
+                  <a:pos x="connsiteX6" y="connsiteY6"/>
+                </a:cxn>
+                <a:cxn ang="0">
+                  <a:pos x="connsiteX7" y="connsiteY7"/>
+                </a:cxn>
+                <a:cxn ang="0">
+                  <a:pos x="connsiteX8" y="connsiteY8"/>
+                </a:cxn>
+                <a:cxn ang="0">
+                  <a:pos x="connsiteX9" y="connsiteY9"/>
+                </a:cxn>
+                <a:cxn ang="0">
+                  <a:pos x="connsiteX10" y="connsiteY10"/>
+                </a:cxn>
+                <a:cxn ang="0">
+                  <a:pos x="connsiteX11" y="connsiteY11"/>
+                </a:cxn>
+                <a:cxn ang="0">
+                  <a:pos x="connsiteX12" y="connsiteY12"/>
+                </a:cxn>
+              </a:cxnLst>
+              <a:rect l="l" t="t" r="r" b="b"/>
+              <a:pathLst>
+                <a:path w="10086681" h="1873809">
+                  <a:moveTo>
+                    <a:pt x="0" y="931129"/>
+                  </a:moveTo>
+                  <a:cubicBezTo>
+                    <a:pt x="308728" y="403228"/>
+                    <a:pt x="617456" y="-124673"/>
+                    <a:pt x="923827" y="26156"/>
+                  </a:cubicBezTo>
+                  <a:cubicBezTo>
+                    <a:pt x="1230198" y="176985"/>
+                    <a:pt x="1530285" y="1836102"/>
+                    <a:pt x="1838227" y="1836102"/>
+                  </a:cubicBezTo>
+                  <a:cubicBezTo>
+                    <a:pt x="2146169" y="1836102"/>
+                    <a:pt x="2466681" y="19871"/>
+                    <a:pt x="2771481" y="26156"/>
+                  </a:cubicBezTo>
+                  <a:cubicBezTo>
+                    <a:pt x="3076281" y="32440"/>
+                    <a:pt x="3362227" y="1873809"/>
+                    <a:pt x="3667027" y="1873809"/>
+                  </a:cubicBezTo>
+                  <a:cubicBezTo>
+                    <a:pt x="3971827" y="1873809"/>
+                    <a:pt x="4297052" y="29298"/>
+                    <a:pt x="4600281" y="26156"/>
+                  </a:cubicBezTo>
+                  <a:cubicBezTo>
+                    <a:pt x="4903510" y="23014"/>
+                    <a:pt x="5186314" y="1854956"/>
+                    <a:pt x="5486400" y="1854956"/>
+                  </a:cubicBezTo>
+                  <a:cubicBezTo>
+                    <a:pt x="5786486" y="1854956"/>
+                    <a:pt x="6094429" y="26156"/>
+                    <a:pt x="6400800" y="26156"/>
+                  </a:cubicBezTo>
+                  <a:cubicBezTo>
+                    <a:pt x="6707171" y="26156"/>
+                    <a:pt x="7019827" y="1854956"/>
+                    <a:pt x="7324627" y="1854956"/>
+                  </a:cubicBezTo>
+                  <a:cubicBezTo>
+                    <a:pt x="7629427" y="1854956"/>
+                    <a:pt x="7927942" y="26156"/>
+                    <a:pt x="8229600" y="26156"/>
+                  </a:cubicBezTo>
+                  <a:cubicBezTo>
+                    <a:pt x="8531258" y="26156"/>
+                    <a:pt x="8825061" y="1704127"/>
+                    <a:pt x="9134574" y="1854956"/>
+                  </a:cubicBezTo>
+                  <a:cubicBezTo>
+                    <a:pt x="9444087" y="2005785"/>
+                    <a:pt x="10086681" y="931129"/>
+                    <a:pt x="10086681" y="931129"/>
+                  </a:cubicBezTo>
+                  <a:lnTo>
+                    <a:pt x="10086681" y="931129"/>
+                  </a:lnTo>
+                </a:path>
+              </a:pathLst>
+            </a:custGeom>
+            <a:noFill/>
+            <a:ln w="38100">
+              <a:solidFill>
+                <a:schemeClr val="tx1"/>
+              </a:solidFill>
+            </a:ln>
+          </p:spPr>
+          <p:style>
+            <a:lnRef idx="2">
+              <a:schemeClr val="accent1">
+                <a:shade val="50000"/>
+              </a:schemeClr>
+            </a:lnRef>
+            <a:fillRef idx="1">
+              <a:schemeClr val="accent1"/>
+            </a:fillRef>
+            <a:effectRef idx="0">
+              <a:schemeClr val="accent1"/>
+            </a:effectRef>
+            <a:fontRef idx="minor">
+              <a:schemeClr val="lt1"/>
+            </a:fontRef>
+          </p:style>
+          <p:txBody>
+            <a:bodyPr rtlCol="0" anchor="ctr"/>
+            <a:lstStyle/>
+            <a:p>
+              <a:pPr algn="ctr"/>
+              <a:endParaRPr lang="en-US"/>
+            </a:p>
+          </p:txBody>
+        </p:sp>
+        <p:sp>
+          <p:nvSpPr>
+            <p:cNvPr id="47" name="Rectangle 46"/>
+            <p:cNvSpPr/>
+            <p:nvPr/>
+          </p:nvSpPr>
+          <p:spPr>
+            <a:xfrm>
+              <a:off x="7631602" y="1319753"/>
               <a:ext cx="405353" cy="488624"/>
             </a:xfrm>
             <a:prstGeom prst="rect">
@@ -7144,13 +7625,13 @@
         </p:sp>
         <p:sp>
           <p:nvSpPr>
-            <p:cNvPr id="29" name="Rectangle 28"/>
+            <p:cNvPr id="48" name="Rectangle 47"/>
             <p:cNvSpPr/>
             <p:nvPr/>
           </p:nvSpPr>
           <p:spPr>
             <a:xfrm>
-              <a:off x="4788816" y="2597084"/>
+              <a:off x="6836878" y="2827552"/>
               <a:ext cx="405353" cy="488624"/>
             </a:xfrm>
             <a:prstGeom prst="rect">
@@ -7192,16 +7673,453 @@
             </a:p>
           </p:txBody>
         </p:sp>
+        <mc:AlternateContent xmlns:mc="http://schemas.openxmlformats.org/markup-compatibility/2006">
+          <mc:Choice xmlns:a14="http://schemas.microsoft.com/office/drawing/2010/main" Requires="a14">
+            <p:sp>
+              <p:nvSpPr>
+                <p:cNvPr id="49" name="Rectangle 48"/>
+                <p:cNvSpPr/>
+                <p:nvPr/>
+              </p:nvSpPr>
+              <p:spPr>
+                <a:xfrm>
+                  <a:off x="6636527" y="1906027"/>
+                  <a:ext cx="367985" cy="369332"/>
+                </a:xfrm>
+                <a:prstGeom prst="rect">
+                  <a:avLst/>
+                </a:prstGeom>
+              </p:spPr>
+              <p:txBody>
+                <a:bodyPr wrap="none">
+                  <a:spAutoFit/>
+                </a:bodyPr>
+                <a:lstStyle/>
+                <a:p>
+                  <a:pPr/>
+                  <a14:m>
+                    <m:oMathPara xmlns:m="http://schemas.openxmlformats.org/officeDocument/2006/math">
+                      <m:oMathParaPr>
+                        <m:jc m:val="centerGroup"/>
+                      </m:oMathParaPr>
+                      <m:oMath xmlns:m="http://schemas.openxmlformats.org/officeDocument/2006/math">
+                        <m:r>
+                          <a:rPr lang="en-US" i="1">
+                            <a:latin typeface="Cambria Math" panose="02040503050406030204" pitchFamily="18" charset="0"/>
+                            <a:cs typeface="Arial" panose="020B0604020202020204" pitchFamily="34" charset="0"/>
+                          </a:rPr>
+                          <m:t>𝑥</m:t>
+                        </m:r>
+                      </m:oMath>
+                    </m:oMathPara>
+                  </a14:m>
+                  <a:endParaRPr lang="en-CA" dirty="0"/>
+                </a:p>
+              </p:txBody>
+            </p:sp>
+          </mc:Choice>
+          <mc:Fallback>
+            <p:sp>
+              <p:nvSpPr>
+                <p:cNvPr id="49" name="Rectangle 48"/>
+                <p:cNvSpPr>
+                  <a:spLocks noRot="1" noChangeAspect="1" noMove="1" noResize="1" noEditPoints="1" noAdjustHandles="1" noChangeArrowheads="1" noChangeShapeType="1" noTextEdit="1"/>
+                </p:cNvSpPr>
+                <p:nvPr/>
+              </p:nvSpPr>
+              <p:spPr>
+                <a:xfrm>
+                  <a:off x="6636527" y="1906027"/>
+                  <a:ext cx="367985" cy="369332"/>
+                </a:xfrm>
+                <a:prstGeom prst="rect">
+                  <a:avLst/>
+                </a:prstGeom>
+                <a:blipFill>
+                  <a:blip r:embed="rId5"/>
+                  <a:stretch>
+                    <a:fillRect/>
+                  </a:stretch>
+                </a:blipFill>
+              </p:spPr>
+              <p:txBody>
+                <a:bodyPr/>
+                <a:lstStyle/>
+                <a:p>
+                  <a:r>
+                    <a:rPr lang="en-US">
+                      <a:noFill/>
+                    </a:rPr>
+                    <a:t> </a:t>
+                  </a:r>
+                </a:p>
+              </p:txBody>
+            </p:sp>
+          </mc:Fallback>
+        </mc:AlternateContent>
+        <p:cxnSp>
+          <p:nvCxnSpPr>
+            <p:cNvPr id="50" name="Straight Connector 49"/>
+            <p:cNvCxnSpPr/>
+            <p:nvPr/>
+          </p:nvCxnSpPr>
+          <p:spPr>
+            <a:xfrm>
+              <a:off x="6838041" y="2228670"/>
+              <a:ext cx="0" cy="843194"/>
+            </a:xfrm>
+            <a:prstGeom prst="line">
+              <a:avLst/>
+            </a:prstGeom>
+            <a:ln w="38100">
+              <a:solidFill>
+                <a:schemeClr val="tx1"/>
+              </a:solidFill>
+              <a:prstDash val="sysDot"/>
+            </a:ln>
+          </p:spPr>
+          <p:style>
+            <a:lnRef idx="1">
+              <a:schemeClr val="accent1"/>
+            </a:lnRef>
+            <a:fillRef idx="0">
+              <a:schemeClr val="accent1"/>
+            </a:fillRef>
+            <a:effectRef idx="0">
+              <a:schemeClr val="accent1"/>
+            </a:effectRef>
+            <a:fontRef idx="minor">
+              <a:schemeClr val="tx1"/>
+            </a:fontRef>
+          </p:style>
+        </p:cxnSp>
+        <p:cxnSp>
+          <p:nvCxnSpPr>
+            <p:cNvPr id="46" name="Straight Arrow Connector 45"/>
+            <p:cNvCxnSpPr/>
+            <p:nvPr/>
+          </p:nvCxnSpPr>
+          <p:spPr>
+            <a:xfrm flipV="1">
+              <a:off x="6841251" y="3071864"/>
+              <a:ext cx="738393" cy="7490"/>
+            </a:xfrm>
+            <a:prstGeom prst="straightConnector1">
+              <a:avLst/>
+            </a:prstGeom>
+            <a:ln w="57150">
+              <a:solidFill>
+                <a:srgbClr val="FF0000"/>
+              </a:solidFill>
+              <a:tailEnd type="triangle"/>
+            </a:ln>
+          </p:spPr>
+          <p:style>
+            <a:lnRef idx="1">
+              <a:schemeClr val="accent1"/>
+            </a:lnRef>
+            <a:fillRef idx="0">
+              <a:schemeClr val="accent1"/>
+            </a:fillRef>
+            <a:effectRef idx="0">
+              <a:schemeClr val="accent1"/>
+            </a:effectRef>
+            <a:fontRef idx="minor">
+              <a:schemeClr val="tx1"/>
+            </a:fontRef>
+          </p:style>
+        </p:cxnSp>
+        <mc:AlternateContent xmlns:mc="http://schemas.openxmlformats.org/markup-compatibility/2006">
+          <mc:Choice xmlns:a14="http://schemas.microsoft.com/office/drawing/2010/main" Requires="a14">
+            <p:sp>
+              <p:nvSpPr>
+                <p:cNvPr id="13" name="TextBox 12"/>
+                <p:cNvSpPr txBox="1"/>
+                <p:nvPr/>
+              </p:nvSpPr>
+              <p:spPr>
+                <a:xfrm>
+                  <a:off x="7039554" y="3427185"/>
+                  <a:ext cx="237629" cy="345159"/>
+                </a:xfrm>
+                <a:prstGeom prst="rect">
+                  <a:avLst/>
+                </a:prstGeom>
+                <a:noFill/>
+              </p:spPr>
+              <p:txBody>
+                <a:bodyPr wrap="none" lIns="0" tIns="0" rIns="0" bIns="0" rtlCol="0">
+                  <a:spAutoFit/>
+                </a:bodyPr>
+                <a:lstStyle/>
+                <a:p>
+                  <a14:m>
+                    <m:oMathPara xmlns:m="http://schemas.openxmlformats.org/officeDocument/2006/math">
+                      <m:oMathParaPr>
+                        <m:jc m:val="centerGroup"/>
+                      </m:oMathParaPr>
+                      <m:oMath xmlns:m="http://schemas.openxmlformats.org/officeDocument/2006/math">
+                        <m:acc>
+                          <m:accPr>
+                            <m:chr m:val="⃗"/>
+                            <m:ctrlPr>
+                              <a:rPr lang="en-US" sz="2000" b="0" i="1" smtClean="0">
+                                <a:solidFill>
+                                  <a:srgbClr val="FF0000"/>
+                                </a:solidFill>
+                                <a:latin typeface="Cambria Math" panose="02040503050406030204" pitchFamily="18" charset="0"/>
+                                <a:cs typeface="Arial" panose="020B0604020202020204" pitchFamily="34" charset="0"/>
+                              </a:rPr>
+                            </m:ctrlPr>
+                          </m:accPr>
+                          <m:e>
+                            <m:r>
+                              <a:rPr lang="en-US" sz="2000" b="0" i="1" smtClean="0">
+                                <a:solidFill>
+                                  <a:srgbClr val="FF0000"/>
+                                </a:solidFill>
+                                <a:latin typeface="Cambria Math" panose="02040503050406030204" pitchFamily="18" charset="0"/>
+                                <a:cs typeface="Arial" panose="020B0604020202020204" pitchFamily="34" charset="0"/>
+                              </a:rPr>
+                              <m:t>𝐹</m:t>
+                            </m:r>
+                          </m:e>
+                        </m:acc>
+                      </m:oMath>
+                    </m:oMathPara>
+                  </a14:m>
+                  <a:endParaRPr lang="en-US" sz="2000" dirty="0" smtClean="0">
+                    <a:solidFill>
+                      <a:srgbClr val="FF0000"/>
+                    </a:solidFill>
+                    <a:latin typeface="Arial" panose="020B0604020202020204" pitchFamily="34" charset="0"/>
+                    <a:cs typeface="Arial" panose="020B0604020202020204" pitchFamily="34" charset="0"/>
+                  </a:endParaRPr>
+                </a:p>
+              </p:txBody>
+            </p:sp>
+          </mc:Choice>
+          <mc:Fallback>
+            <p:sp>
+              <p:nvSpPr>
+                <p:cNvPr id="13" name="TextBox 12"/>
+                <p:cNvSpPr txBox="1">
+                  <a:spLocks noRot="1" noChangeAspect="1" noMove="1" noResize="1" noEditPoints="1" noAdjustHandles="1" noChangeArrowheads="1" noChangeShapeType="1" noTextEdit="1"/>
+                </p:cNvSpPr>
+                <p:nvPr/>
+              </p:nvSpPr>
+              <p:spPr>
+                <a:xfrm>
+                  <a:off x="7039554" y="3427185"/>
+                  <a:ext cx="237629" cy="345159"/>
+                </a:xfrm>
+                <a:prstGeom prst="rect">
+                  <a:avLst/>
+                </a:prstGeom>
+                <a:blipFill>
+                  <a:blip r:embed="rId6"/>
+                  <a:stretch>
+                    <a:fillRect l="-20513" t="-35088" r="-92308" b="-7018"/>
+                  </a:stretch>
+                </a:blipFill>
+              </p:spPr>
+              <p:txBody>
+                <a:bodyPr/>
+                <a:lstStyle/>
+                <a:p>
+                  <a:r>
+                    <a:rPr lang="en-US">
+                      <a:noFill/>
+                    </a:rPr>
+                    <a:t> </a:t>
+                  </a:r>
+                </a:p>
+              </p:txBody>
+            </p:sp>
+          </mc:Fallback>
+        </mc:AlternateContent>
+        <mc:AlternateContent xmlns:mc="http://schemas.openxmlformats.org/markup-compatibility/2006">
+          <mc:Choice xmlns:a14="http://schemas.microsoft.com/office/drawing/2010/main" Requires="a14">
+            <p:sp>
+              <p:nvSpPr>
+                <p:cNvPr id="51" name="TextBox 50"/>
+                <p:cNvSpPr txBox="1"/>
+                <p:nvPr/>
+              </p:nvSpPr>
+              <p:spPr>
+                <a:xfrm>
+                  <a:off x="4385878" y="3453235"/>
+                  <a:ext cx="237629" cy="345159"/>
+                </a:xfrm>
+                <a:prstGeom prst="rect">
+                  <a:avLst/>
+                </a:prstGeom>
+                <a:noFill/>
+              </p:spPr>
+              <p:txBody>
+                <a:bodyPr wrap="none" lIns="0" tIns="0" rIns="0" bIns="0" rtlCol="0">
+                  <a:spAutoFit/>
+                </a:bodyPr>
+                <a:lstStyle/>
+                <a:p>
+                  <a14:m>
+                    <m:oMathPara xmlns:m="http://schemas.openxmlformats.org/officeDocument/2006/math">
+                      <m:oMathParaPr>
+                        <m:jc m:val="centerGroup"/>
+                      </m:oMathParaPr>
+                      <m:oMath xmlns:m="http://schemas.openxmlformats.org/officeDocument/2006/math">
+                        <m:acc>
+                          <m:accPr>
+                            <m:chr m:val="⃗"/>
+                            <m:ctrlPr>
+                              <a:rPr lang="en-US" sz="2000" b="0" i="1" smtClean="0">
+                                <a:solidFill>
+                                  <a:srgbClr val="FF0000"/>
+                                </a:solidFill>
+                                <a:latin typeface="Cambria Math" panose="02040503050406030204" pitchFamily="18" charset="0"/>
+                                <a:cs typeface="Arial" panose="020B0604020202020204" pitchFamily="34" charset="0"/>
+                              </a:rPr>
+                            </m:ctrlPr>
+                          </m:accPr>
+                          <m:e>
+                            <m:r>
+                              <a:rPr lang="en-US" sz="2000" b="0" i="1" smtClean="0">
+                                <a:solidFill>
+                                  <a:srgbClr val="FF0000"/>
+                                </a:solidFill>
+                                <a:latin typeface="Cambria Math" panose="02040503050406030204" pitchFamily="18" charset="0"/>
+                                <a:cs typeface="Arial" panose="020B0604020202020204" pitchFamily="34" charset="0"/>
+                              </a:rPr>
+                              <m:t>𝐹</m:t>
+                            </m:r>
+                          </m:e>
+                        </m:acc>
+                      </m:oMath>
+                    </m:oMathPara>
+                  </a14:m>
+                  <a:endParaRPr lang="en-US" sz="2000" dirty="0" smtClean="0">
+                    <a:solidFill>
+                      <a:srgbClr val="FF0000"/>
+                    </a:solidFill>
+                    <a:latin typeface="Arial" panose="020B0604020202020204" pitchFamily="34" charset="0"/>
+                    <a:cs typeface="Arial" panose="020B0604020202020204" pitchFamily="34" charset="0"/>
+                  </a:endParaRPr>
+                </a:p>
+              </p:txBody>
+            </p:sp>
+          </mc:Choice>
+          <mc:Fallback>
+            <p:sp>
+              <p:nvSpPr>
+                <p:cNvPr id="51" name="TextBox 50"/>
+                <p:cNvSpPr txBox="1">
+                  <a:spLocks noRot="1" noChangeAspect="1" noMove="1" noResize="1" noEditPoints="1" noAdjustHandles="1" noChangeArrowheads="1" noChangeShapeType="1" noTextEdit="1"/>
+                </p:cNvSpPr>
+                <p:nvPr/>
+              </p:nvSpPr>
+              <p:spPr>
+                <a:xfrm>
+                  <a:off x="4385878" y="3453235"/>
+                  <a:ext cx="237629" cy="345159"/>
+                </a:xfrm>
+                <a:prstGeom prst="rect">
+                  <a:avLst/>
+                </a:prstGeom>
+                <a:blipFill>
+                  <a:blip r:embed="rId7"/>
+                  <a:stretch>
+                    <a:fillRect l="-23077" t="-33333" r="-89744" b="-8772"/>
+                  </a:stretch>
+                </a:blipFill>
+              </p:spPr>
+              <p:txBody>
+                <a:bodyPr/>
+                <a:lstStyle/>
+                <a:p>
+                  <a:r>
+                    <a:rPr lang="en-US">
+                      <a:noFill/>
+                    </a:rPr>
+                    <a:t> </a:t>
+                  </a:r>
+                </a:p>
+              </p:txBody>
+            </p:sp>
+          </mc:Fallback>
+        </mc:AlternateContent>
         <p:sp>
           <p:nvSpPr>
-            <p:cNvPr id="30" name="Rectangle 29"/>
+            <p:cNvPr id="52" name="Rectangle 51"/>
             <p:cNvSpPr/>
             <p:nvPr/>
           </p:nvSpPr>
           <p:spPr>
             <a:xfrm>
-              <a:off x="3412502" y="3862162"/>
-              <a:ext cx="405353" cy="488624"/>
+              <a:off x="5920666" y="2546298"/>
+              <a:ext cx="123757" cy="841883"/>
+            </a:xfrm>
+            <a:prstGeom prst="rect">
+              <a:avLst/>
+            </a:prstGeom>
+            <a:solidFill>
+              <a:schemeClr val="tx1"/>
+            </a:solidFill>
+            <a:ln w="38100">
+              <a:solidFill>
+                <a:schemeClr val="tx1"/>
+              </a:solidFill>
+            </a:ln>
+          </p:spPr>
+          <p:style>
+            <a:lnRef idx="2">
+              <a:schemeClr val="accent1">
+                <a:shade val="50000"/>
+              </a:schemeClr>
+            </a:lnRef>
+            <a:fillRef idx="1">
+              <a:schemeClr val="accent1"/>
+            </a:fillRef>
+            <a:effectRef idx="0">
+              <a:schemeClr val="accent1"/>
+            </a:effectRef>
+            <a:fontRef idx="minor">
+              <a:schemeClr val="lt1"/>
+            </a:fontRef>
+          </p:style>
+          <p:txBody>
+            <a:bodyPr rtlCol="0" anchor="ctr"/>
+            <a:lstStyle/>
+            <a:p>
+              <a:pPr algn="ctr"/>
+              <a:endParaRPr lang="en-US"/>
+            </a:p>
+          </p:txBody>
+        </p:sp>
+      </p:grpSp>
+      <p:grpSp>
+        <p:nvGrpSpPr>
+          <p:cNvPr id="27" name="Group 26"/>
+          <p:cNvGrpSpPr/>
+          <p:nvPr/>
+        </p:nvGrpSpPr>
+        <p:grpSpPr>
+          <a:xfrm>
+            <a:off x="1199470" y="4295408"/>
+            <a:ext cx="2182483" cy="1275658"/>
+            <a:chOff x="1402146" y="4391882"/>
+            <a:chExt cx="2182483" cy="1275658"/>
+          </a:xfrm>
+        </p:grpSpPr>
+        <p:sp>
+          <p:nvSpPr>
+            <p:cNvPr id="54" name="Rectangle 53"/>
+            <p:cNvSpPr/>
+            <p:nvPr/>
+          </p:nvSpPr>
+          <p:spPr>
+            <a:xfrm rot="1669539">
+              <a:off x="2140349" y="4391882"/>
+              <a:ext cx="569343" cy="629728"/>
             </a:xfrm>
             <a:prstGeom prst="rect">
               <a:avLst/>
@@ -7242,23 +8160,419 @@
             </a:p>
           </p:txBody>
         </p:sp>
+        <p:sp>
+          <p:nvSpPr>
+            <p:cNvPr id="57" name="Right Triangle 56"/>
+            <p:cNvSpPr/>
+            <p:nvPr/>
+          </p:nvSpPr>
+          <p:spPr>
+            <a:xfrm>
+              <a:off x="1402146" y="4545699"/>
+              <a:ext cx="2182483" cy="1121841"/>
+            </a:xfrm>
+            <a:prstGeom prst="rtTriangle">
+              <a:avLst/>
+            </a:prstGeom>
+            <a:solidFill>
+              <a:schemeClr val="bg2">
+                <a:lumMod val="50000"/>
+              </a:schemeClr>
+            </a:solidFill>
+            <a:ln w="38100">
+              <a:solidFill>
+                <a:schemeClr val="tx1"/>
+              </a:solidFill>
+            </a:ln>
+          </p:spPr>
+          <p:style>
+            <a:lnRef idx="2">
+              <a:schemeClr val="accent1">
+                <a:shade val="50000"/>
+              </a:schemeClr>
+            </a:lnRef>
+            <a:fillRef idx="1">
+              <a:schemeClr val="accent1"/>
+            </a:fillRef>
+            <a:effectRef idx="0">
+              <a:schemeClr val="accent1"/>
+            </a:effectRef>
+            <a:fontRef idx="minor">
+              <a:schemeClr val="lt1"/>
+            </a:fontRef>
+          </p:style>
+          <p:txBody>
+            <a:bodyPr rtlCol="0" anchor="ctr"/>
+            <a:lstStyle/>
+            <a:p>
+              <a:pPr algn="ctr"/>
+              <a:endParaRPr lang="en-US"/>
+            </a:p>
+          </p:txBody>
+        </p:sp>
+      </p:grpSp>
+      <p:grpSp>
+        <p:nvGrpSpPr>
+          <p:cNvPr id="64" name="Group 63"/>
+          <p:cNvGrpSpPr/>
+          <p:nvPr/>
+        </p:nvGrpSpPr>
+        <p:grpSpPr>
+          <a:xfrm>
+            <a:off x="6767237" y="4592679"/>
+            <a:ext cx="1934955" cy="869346"/>
+            <a:chOff x="6767237" y="4592679"/>
+            <a:chExt cx="1934955" cy="869346"/>
+          </a:xfrm>
+        </p:grpSpPr>
+        <p:sp>
+          <p:nvSpPr>
+            <p:cNvPr id="59" name="Rectangle 58"/>
+            <p:cNvSpPr/>
+            <p:nvPr/>
+          </p:nvSpPr>
+          <p:spPr>
+            <a:xfrm>
+              <a:off x="7450044" y="4592679"/>
+              <a:ext cx="569343" cy="629728"/>
+            </a:xfrm>
+            <a:prstGeom prst="rect">
+              <a:avLst/>
+            </a:prstGeom>
+            <a:solidFill>
+              <a:schemeClr val="bg2">
+                <a:lumMod val="90000"/>
+              </a:schemeClr>
+            </a:solidFill>
+            <a:ln w="38100">
+              <a:solidFill>
+                <a:schemeClr val="tx1"/>
+              </a:solidFill>
+            </a:ln>
+          </p:spPr>
+          <p:style>
+            <a:lnRef idx="2">
+              <a:schemeClr val="accent1">
+                <a:shade val="50000"/>
+              </a:schemeClr>
+            </a:lnRef>
+            <a:fillRef idx="1">
+              <a:schemeClr val="accent1"/>
+            </a:fillRef>
+            <a:effectRef idx="0">
+              <a:schemeClr val="accent1"/>
+            </a:effectRef>
+            <a:fontRef idx="minor">
+              <a:schemeClr val="lt1"/>
+            </a:fontRef>
+          </p:style>
+          <p:txBody>
+            <a:bodyPr rtlCol="0" anchor="ctr"/>
+            <a:lstStyle/>
+            <a:p>
+              <a:pPr algn="ctr"/>
+              <a:endParaRPr lang="en-US"/>
+            </a:p>
+          </p:txBody>
+        </p:sp>
+        <p:sp>
+          <p:nvSpPr>
+            <p:cNvPr id="62" name="Rectangle 61"/>
+            <p:cNvSpPr/>
+            <p:nvPr/>
+          </p:nvSpPr>
+          <p:spPr>
+            <a:xfrm>
+              <a:off x="6767237" y="5223169"/>
+              <a:ext cx="1934955" cy="238856"/>
+            </a:xfrm>
+            <a:prstGeom prst="rect">
+              <a:avLst/>
+            </a:prstGeom>
+            <a:solidFill>
+              <a:schemeClr val="bg2">
+                <a:lumMod val="50000"/>
+              </a:schemeClr>
+            </a:solidFill>
+            <a:ln w="38100">
+              <a:solidFill>
+                <a:schemeClr val="tx1"/>
+              </a:solidFill>
+            </a:ln>
+          </p:spPr>
+          <p:style>
+            <a:lnRef idx="2">
+              <a:schemeClr val="accent1">
+                <a:shade val="50000"/>
+              </a:schemeClr>
+            </a:lnRef>
+            <a:fillRef idx="1">
+              <a:schemeClr val="accent1"/>
+            </a:fillRef>
+            <a:effectRef idx="0">
+              <a:schemeClr val="accent1"/>
+            </a:effectRef>
+            <a:fontRef idx="minor">
+              <a:schemeClr val="lt1"/>
+            </a:fontRef>
+          </p:style>
+          <p:txBody>
+            <a:bodyPr rtlCol="0" anchor="ctr"/>
+            <a:lstStyle/>
+            <a:p>
+              <a:pPr algn="ctr"/>
+              <a:endParaRPr lang="en-US"/>
+            </a:p>
+          </p:txBody>
+        </p:sp>
+      </p:grpSp>
+      <p:grpSp>
+        <p:nvGrpSpPr>
+          <p:cNvPr id="77" name="Group 76"/>
+          <p:cNvGrpSpPr/>
+          <p:nvPr/>
+        </p:nvGrpSpPr>
+        <p:grpSpPr>
+          <a:xfrm>
+            <a:off x="3792928" y="3921489"/>
+            <a:ext cx="2182483" cy="1649577"/>
+            <a:chOff x="1199470" y="3921489"/>
+            <a:chExt cx="2182483" cy="1649577"/>
+          </a:xfrm>
+        </p:grpSpPr>
+        <mc:AlternateContent xmlns:mc="http://schemas.openxmlformats.org/markup-compatibility/2006">
+          <mc:Choice xmlns:a14="http://schemas.microsoft.com/office/drawing/2010/main" Requires="a14">
+            <p:sp>
+              <p:nvSpPr>
+                <p:cNvPr id="78" name="TextBox 77"/>
+                <p:cNvSpPr txBox="1"/>
+                <p:nvPr/>
+              </p:nvSpPr>
+              <p:spPr>
+                <a:xfrm>
+                  <a:off x="2604963" y="3921489"/>
+                  <a:ext cx="264367" cy="345159"/>
+                </a:xfrm>
+                <a:prstGeom prst="rect">
+                  <a:avLst/>
+                </a:prstGeom>
+                <a:noFill/>
+              </p:spPr>
+              <p:txBody>
+                <a:bodyPr wrap="none" lIns="0" tIns="0" rIns="0" bIns="0" rtlCol="0">
+                  <a:spAutoFit/>
+                </a:bodyPr>
+                <a:lstStyle/>
+                <a:p>
+                  <a:pPr/>
+                  <a14:m>
+                    <m:oMathPara xmlns:m="http://schemas.openxmlformats.org/officeDocument/2006/math">
+                      <m:oMathParaPr>
+                        <m:jc m:val="centerGroup"/>
+                      </m:oMathParaPr>
+                      <m:oMath xmlns:m="http://schemas.openxmlformats.org/officeDocument/2006/math">
+                        <m:acc>
+                          <m:accPr>
+                            <m:chr m:val="⃗"/>
+                            <m:ctrlPr>
+                              <a:rPr lang="en-US" sz="2000" b="0" i="1" smtClean="0">
+                                <a:latin typeface="Cambria Math" panose="02040503050406030204" pitchFamily="18" charset="0"/>
+                                <a:cs typeface="Arial" panose="020B0604020202020204" pitchFamily="34" charset="0"/>
+                              </a:rPr>
+                            </m:ctrlPr>
+                          </m:accPr>
+                          <m:e>
+                            <m:r>
+                              <a:rPr lang="en-US" sz="2000" b="0" i="1" smtClean="0">
+                                <a:latin typeface="Cambria Math" panose="02040503050406030204" pitchFamily="18" charset="0"/>
+                                <a:cs typeface="Arial" panose="020B0604020202020204" pitchFamily="34" charset="0"/>
+                              </a:rPr>
+                              <m:t>𝑁</m:t>
+                            </m:r>
+                          </m:e>
+                        </m:acc>
+                      </m:oMath>
+                    </m:oMathPara>
+                  </a14:m>
+                  <a:endParaRPr lang="en-US" sz="2000" dirty="0" smtClean="0">
+                    <a:latin typeface="Arial" panose="020B0604020202020204" pitchFamily="34" charset="0"/>
+                    <a:cs typeface="Arial" panose="020B0604020202020204" pitchFamily="34" charset="0"/>
+                  </a:endParaRPr>
+                </a:p>
+              </p:txBody>
+            </p:sp>
+          </mc:Choice>
+          <mc:Fallback>
+            <p:sp>
+              <p:nvSpPr>
+                <p:cNvPr id="78" name="TextBox 77"/>
+                <p:cNvSpPr txBox="1">
+                  <a:spLocks noRot="1" noChangeAspect="1" noMove="1" noResize="1" noEditPoints="1" noAdjustHandles="1" noChangeArrowheads="1" noChangeShapeType="1" noTextEdit="1"/>
+                </p:cNvSpPr>
+                <p:nvPr/>
+              </p:nvSpPr>
+              <p:spPr>
+                <a:xfrm>
+                  <a:off x="2604963" y="3921489"/>
+                  <a:ext cx="264367" cy="345159"/>
+                </a:xfrm>
+                <a:prstGeom prst="rect">
+                  <a:avLst/>
+                </a:prstGeom>
+                <a:blipFill>
+                  <a:blip r:embed="rId8"/>
+                  <a:stretch>
+                    <a:fillRect l="-20930" r="-18605" b="-8772"/>
+                  </a:stretch>
+                </a:blipFill>
+              </p:spPr>
+              <p:txBody>
+                <a:bodyPr/>
+                <a:lstStyle/>
+                <a:p>
+                  <a:r>
+                    <a:rPr lang="en-US">
+                      <a:noFill/>
+                    </a:rPr>
+                    <a:t> </a:t>
+                  </a:r>
+                </a:p>
+              </p:txBody>
+            </p:sp>
+          </mc:Fallback>
+        </mc:AlternateContent>
+        <p:grpSp>
+          <p:nvGrpSpPr>
+            <p:cNvPr id="79" name="Group 78"/>
+            <p:cNvGrpSpPr/>
+            <p:nvPr/>
+          </p:nvGrpSpPr>
+          <p:grpSpPr>
+            <a:xfrm>
+              <a:off x="1199470" y="4295408"/>
+              <a:ext cx="2182483" cy="1275658"/>
+              <a:chOff x="1402146" y="4391882"/>
+              <a:chExt cx="2182483" cy="1275658"/>
+            </a:xfrm>
+          </p:grpSpPr>
+          <p:sp>
+            <p:nvSpPr>
+              <p:cNvPr id="85" name="Rectangle 84"/>
+              <p:cNvSpPr/>
+              <p:nvPr/>
+            </p:nvSpPr>
+            <p:spPr>
+              <a:xfrm rot="1669539">
+                <a:off x="2140349" y="4391882"/>
+                <a:ext cx="569343" cy="629728"/>
+              </a:xfrm>
+              <a:prstGeom prst="rect">
+                <a:avLst/>
+              </a:prstGeom>
+              <a:solidFill>
+                <a:schemeClr val="bg2">
+                  <a:lumMod val="90000"/>
+                </a:schemeClr>
+              </a:solidFill>
+              <a:ln w="38100">
+                <a:solidFill>
+                  <a:schemeClr val="tx1"/>
+                </a:solidFill>
+              </a:ln>
+            </p:spPr>
+            <p:style>
+              <a:lnRef idx="2">
+                <a:schemeClr val="accent1">
+                  <a:shade val="50000"/>
+                </a:schemeClr>
+              </a:lnRef>
+              <a:fillRef idx="1">
+                <a:schemeClr val="accent1"/>
+              </a:fillRef>
+              <a:effectRef idx="0">
+                <a:schemeClr val="accent1"/>
+              </a:effectRef>
+              <a:fontRef idx="minor">
+                <a:schemeClr val="lt1"/>
+              </a:fontRef>
+            </p:style>
+            <p:txBody>
+              <a:bodyPr rtlCol="0" anchor="ctr"/>
+              <a:lstStyle/>
+              <a:p>
+                <a:pPr algn="ctr"/>
+                <a:endParaRPr lang="en-US"/>
+              </a:p>
+            </p:txBody>
+          </p:sp>
+          <p:sp>
+            <p:nvSpPr>
+              <p:cNvPr id="86" name="Right Triangle 85"/>
+              <p:cNvSpPr/>
+              <p:nvPr/>
+            </p:nvSpPr>
+            <p:spPr>
+              <a:xfrm>
+                <a:off x="1402146" y="4545699"/>
+                <a:ext cx="2182483" cy="1121841"/>
+              </a:xfrm>
+              <a:prstGeom prst="rtTriangle">
+                <a:avLst/>
+              </a:prstGeom>
+              <a:solidFill>
+                <a:schemeClr val="bg2">
+                  <a:lumMod val="50000"/>
+                </a:schemeClr>
+              </a:solidFill>
+              <a:ln w="38100">
+                <a:solidFill>
+                  <a:schemeClr val="tx1"/>
+                </a:solidFill>
+              </a:ln>
+            </p:spPr>
+            <p:style>
+              <a:lnRef idx="2">
+                <a:schemeClr val="accent1">
+                  <a:shade val="50000"/>
+                </a:schemeClr>
+              </a:lnRef>
+              <a:fillRef idx="1">
+                <a:schemeClr val="accent1"/>
+              </a:fillRef>
+              <a:effectRef idx="0">
+                <a:schemeClr val="accent1"/>
+              </a:effectRef>
+              <a:fontRef idx="minor">
+                <a:schemeClr val="lt1"/>
+              </a:fontRef>
+            </p:style>
+            <p:txBody>
+              <a:bodyPr rtlCol="0" anchor="ctr"/>
+              <a:lstStyle/>
+              <a:p>
+                <a:pPr algn="ctr"/>
+                <a:endParaRPr lang="en-US"/>
+              </a:p>
+            </p:txBody>
+          </p:sp>
+        </p:grpSp>
         <p:cxnSp>
           <p:nvCxnSpPr>
-            <p:cNvPr id="26" name="Straight Arrow Connector 25"/>
+            <p:cNvPr id="80" name="Straight Arrow Connector 79"/>
             <p:cNvCxnSpPr/>
             <p:nvPr/>
           </p:nvCxnSpPr>
           <p:spPr>
-            <a:xfrm flipV="1">
-              <a:off x="3406726" y="4070657"/>
-              <a:ext cx="739149" cy="11465"/>
+            <a:xfrm>
+              <a:off x="2222344" y="4574307"/>
+              <a:ext cx="0" cy="871675"/>
             </a:xfrm>
             <a:prstGeom prst="straightConnector1">
               <a:avLst/>
             </a:prstGeom>
             <a:ln w="38100">
               <a:solidFill>
-                <a:srgbClr val="FF0000"/>
+                <a:schemeClr val="tx1"/>
               </a:solidFill>
               <a:tailEnd type="triangle"/>
             </a:ln>
@@ -7278,167 +8592,3961 @@
             </a:fontRef>
           </p:style>
         </p:cxnSp>
+        <p:cxnSp>
+          <p:nvCxnSpPr>
+            <p:cNvPr id="81" name="Straight Arrow Connector 80"/>
+            <p:cNvCxnSpPr/>
+            <p:nvPr/>
+          </p:nvCxnSpPr>
+          <p:spPr>
+            <a:xfrm flipV="1">
+              <a:off x="2055802" y="3981187"/>
+              <a:ext cx="469818" cy="927438"/>
+            </a:xfrm>
+            <a:prstGeom prst="straightConnector1">
+              <a:avLst/>
+            </a:prstGeom>
+            <a:ln w="38100">
+              <a:solidFill>
+                <a:schemeClr val="tx1"/>
+              </a:solidFill>
+              <a:tailEnd type="triangle"/>
+            </a:ln>
+          </p:spPr>
+          <p:style>
+            <a:lnRef idx="1">
+              <a:schemeClr val="accent1"/>
+            </a:lnRef>
+            <a:fillRef idx="0">
+              <a:schemeClr val="accent1"/>
+            </a:fillRef>
+            <a:effectRef idx="0">
+              <a:schemeClr val="accent1"/>
+            </a:effectRef>
+            <a:fontRef idx="minor">
+              <a:schemeClr val="tx1"/>
+            </a:fontRef>
+          </p:style>
+        </p:cxnSp>
+        <p:cxnSp>
+          <p:nvCxnSpPr>
+            <p:cNvPr id="82" name="Straight Arrow Connector 81"/>
+            <p:cNvCxnSpPr/>
+            <p:nvPr/>
+          </p:nvCxnSpPr>
+          <p:spPr>
+            <a:xfrm flipH="1" flipV="1">
+              <a:off x="1612276" y="4478881"/>
+              <a:ext cx="503402" cy="262782"/>
+            </a:xfrm>
+            <a:prstGeom prst="straightConnector1">
+              <a:avLst/>
+            </a:prstGeom>
+            <a:ln w="38100">
+              <a:solidFill>
+                <a:schemeClr val="tx1"/>
+              </a:solidFill>
+              <a:tailEnd type="triangle"/>
+            </a:ln>
+          </p:spPr>
+          <p:style>
+            <a:lnRef idx="1">
+              <a:schemeClr val="accent1"/>
+            </a:lnRef>
+            <a:fillRef idx="0">
+              <a:schemeClr val="accent1"/>
+            </a:fillRef>
+            <a:effectRef idx="0">
+              <a:schemeClr val="accent1"/>
+            </a:effectRef>
+            <a:fontRef idx="minor">
+              <a:schemeClr val="tx1"/>
+            </a:fontRef>
+          </p:style>
+        </p:cxnSp>
+        <mc:AlternateContent xmlns:mc="http://schemas.openxmlformats.org/markup-compatibility/2006">
+          <mc:Choice xmlns:a14="http://schemas.microsoft.com/office/drawing/2010/main" Requires="a14">
+            <p:sp>
+              <p:nvSpPr>
+                <p:cNvPr id="83" name="TextBox 82"/>
+                <p:cNvSpPr txBox="1"/>
+                <p:nvPr/>
+              </p:nvSpPr>
+              <p:spPr>
+                <a:xfrm>
+                  <a:off x="1880646" y="4997438"/>
+                  <a:ext cx="303865" cy="377219"/>
+                </a:xfrm>
+                <a:prstGeom prst="rect">
+                  <a:avLst/>
+                </a:prstGeom>
+                <a:noFill/>
+              </p:spPr>
+              <p:txBody>
+                <a:bodyPr wrap="none" lIns="0" tIns="0" rIns="0" bIns="0" rtlCol="0">
+                  <a:spAutoFit/>
+                </a:bodyPr>
+                <a:lstStyle/>
+                <a:p>
+                  <a:pPr/>
+                  <a14:m>
+                    <m:oMathPara xmlns:m="http://schemas.openxmlformats.org/officeDocument/2006/math">
+                      <m:oMathParaPr>
+                        <m:jc m:val="centerGroup"/>
+                      </m:oMathParaPr>
+                      <m:oMath xmlns:m="http://schemas.openxmlformats.org/officeDocument/2006/math">
+                        <m:sSub>
+                          <m:sSubPr>
+                            <m:ctrlPr>
+                              <a:rPr lang="en-US" sz="2000" b="0" i="1" smtClean="0">
+                                <a:latin typeface="Cambria Math" panose="02040503050406030204" pitchFamily="18" charset="0"/>
+                                <a:cs typeface="Arial" panose="020B0604020202020204" pitchFamily="34" charset="0"/>
+                              </a:rPr>
+                            </m:ctrlPr>
+                          </m:sSubPr>
+                          <m:e>
+                            <m:acc>
+                              <m:accPr>
+                                <m:chr m:val="⃗"/>
+                                <m:ctrlPr>
+                                  <a:rPr lang="en-US" sz="2000" b="0" i="1" smtClean="0">
+                                    <a:latin typeface="Cambria Math" panose="02040503050406030204" pitchFamily="18" charset="0"/>
+                                    <a:cs typeface="Arial" panose="020B0604020202020204" pitchFamily="34" charset="0"/>
+                                  </a:rPr>
+                                </m:ctrlPr>
+                              </m:accPr>
+                              <m:e>
+                                <m:r>
+                                  <a:rPr lang="en-US" sz="2000" b="0" i="1" smtClean="0">
+                                    <a:latin typeface="Cambria Math" panose="02040503050406030204" pitchFamily="18" charset="0"/>
+                                    <a:cs typeface="Arial" panose="020B0604020202020204" pitchFamily="34" charset="0"/>
+                                  </a:rPr>
+                                  <m:t>𝐹</m:t>
+                                </m:r>
+                              </m:e>
+                            </m:acc>
+                          </m:e>
+                          <m:sub>
+                            <m:r>
+                              <a:rPr lang="en-US" sz="2000" b="0" i="1" smtClean="0">
+                                <a:latin typeface="Cambria Math" panose="02040503050406030204" pitchFamily="18" charset="0"/>
+                                <a:cs typeface="Arial" panose="020B0604020202020204" pitchFamily="34" charset="0"/>
+                              </a:rPr>
+                              <m:t>𝑔</m:t>
+                            </m:r>
+                          </m:sub>
+                        </m:sSub>
+                      </m:oMath>
+                    </m:oMathPara>
+                  </a14:m>
+                  <a:endParaRPr lang="en-US" sz="2000" dirty="0" smtClean="0">
+                    <a:latin typeface="Arial" panose="020B0604020202020204" pitchFamily="34" charset="0"/>
+                    <a:cs typeface="Arial" panose="020B0604020202020204" pitchFamily="34" charset="0"/>
+                  </a:endParaRPr>
+                </a:p>
+              </p:txBody>
+            </p:sp>
+          </mc:Choice>
+          <mc:Fallback>
+            <p:sp>
+              <p:nvSpPr>
+                <p:cNvPr id="83" name="TextBox 82"/>
+                <p:cNvSpPr txBox="1">
+                  <a:spLocks noRot="1" noChangeAspect="1" noMove="1" noResize="1" noEditPoints="1" noAdjustHandles="1" noChangeArrowheads="1" noChangeShapeType="1" noTextEdit="1"/>
+                </p:cNvSpPr>
+                <p:nvPr/>
+              </p:nvSpPr>
+              <p:spPr>
+                <a:xfrm>
+                  <a:off x="1880646" y="4997438"/>
+                  <a:ext cx="303865" cy="377219"/>
+                </a:xfrm>
+                <a:prstGeom prst="rect">
+                  <a:avLst/>
+                </a:prstGeom>
+                <a:blipFill>
+                  <a:blip r:embed="rId9"/>
+                  <a:stretch>
+                    <a:fillRect l="-18000" t="-32258" r="-70000" b="-17742"/>
+                  </a:stretch>
+                </a:blipFill>
+              </p:spPr>
+              <p:txBody>
+                <a:bodyPr/>
+                <a:lstStyle/>
+                <a:p>
+                  <a:r>
+                    <a:rPr lang="en-US">
+                      <a:noFill/>
+                    </a:rPr>
+                    <a:t> </a:t>
+                  </a:r>
+                </a:p>
+              </p:txBody>
+            </p:sp>
+          </mc:Fallback>
+        </mc:AlternateContent>
+        <mc:AlternateContent xmlns:mc="http://schemas.openxmlformats.org/markup-compatibility/2006">
+          <mc:Choice xmlns:a14="http://schemas.microsoft.com/office/drawing/2010/main" Requires="a14">
+            <p:sp>
+              <p:nvSpPr>
+                <p:cNvPr id="84" name="TextBox 83"/>
+                <p:cNvSpPr txBox="1"/>
+                <p:nvPr/>
+              </p:nvSpPr>
+              <p:spPr>
+                <a:xfrm>
+                  <a:off x="1621229" y="4076469"/>
+                  <a:ext cx="267381" cy="354071"/>
+                </a:xfrm>
+                <a:prstGeom prst="rect">
+                  <a:avLst/>
+                </a:prstGeom>
+                <a:noFill/>
+              </p:spPr>
+              <p:txBody>
+                <a:bodyPr wrap="none" lIns="0" tIns="0" rIns="0" bIns="0" rtlCol="0">
+                  <a:spAutoFit/>
+                </a:bodyPr>
+                <a:lstStyle/>
+                <a:p>
+                  <a:pPr/>
+                  <a14:m>
+                    <m:oMathPara xmlns:m="http://schemas.openxmlformats.org/officeDocument/2006/math">
+                      <m:oMathParaPr>
+                        <m:jc m:val="centerGroup"/>
+                      </m:oMathParaPr>
+                      <m:oMath xmlns:m="http://schemas.openxmlformats.org/officeDocument/2006/math">
+                        <m:sSub>
+                          <m:sSubPr>
+                            <m:ctrlPr>
+                              <a:rPr lang="en-US" sz="2000" b="0" i="1" smtClean="0">
+                                <a:latin typeface="Cambria Math" panose="02040503050406030204" pitchFamily="18" charset="0"/>
+                                <a:cs typeface="Arial" panose="020B0604020202020204" pitchFamily="34" charset="0"/>
+                              </a:rPr>
+                            </m:ctrlPr>
+                          </m:sSubPr>
+                          <m:e>
+                            <m:acc>
+                              <m:accPr>
+                                <m:chr m:val="⃗"/>
+                                <m:ctrlPr>
+                                  <a:rPr lang="en-US" sz="2000" b="0" i="1" smtClean="0">
+                                    <a:latin typeface="Cambria Math" panose="02040503050406030204" pitchFamily="18" charset="0"/>
+                                    <a:cs typeface="Arial" panose="020B0604020202020204" pitchFamily="34" charset="0"/>
+                                  </a:rPr>
+                                </m:ctrlPr>
+                              </m:accPr>
+                              <m:e>
+                                <m:r>
+                                  <a:rPr lang="en-US" sz="2000" b="0" i="1" smtClean="0">
+                                    <a:latin typeface="Cambria Math" panose="02040503050406030204" pitchFamily="18" charset="0"/>
+                                    <a:cs typeface="Arial" panose="020B0604020202020204" pitchFamily="34" charset="0"/>
+                                  </a:rPr>
+                                  <m:t>𝑓</m:t>
+                                </m:r>
+                              </m:e>
+                            </m:acc>
+                          </m:e>
+                          <m:sub>
+                            <m:r>
+                              <a:rPr lang="en-US" sz="2000" b="0" i="1" smtClean="0">
+                                <a:latin typeface="Cambria Math" panose="02040503050406030204" pitchFamily="18" charset="0"/>
+                                <a:cs typeface="Arial" panose="020B0604020202020204" pitchFamily="34" charset="0"/>
+                              </a:rPr>
+                              <m:t>𝑠</m:t>
+                            </m:r>
+                          </m:sub>
+                        </m:sSub>
+                      </m:oMath>
+                    </m:oMathPara>
+                  </a14:m>
+                  <a:endParaRPr lang="en-US" sz="2000" dirty="0" smtClean="0">
+                    <a:latin typeface="Arial" panose="020B0604020202020204" pitchFamily="34" charset="0"/>
+                    <a:cs typeface="Arial" panose="020B0604020202020204" pitchFamily="34" charset="0"/>
+                  </a:endParaRPr>
+                </a:p>
+              </p:txBody>
+            </p:sp>
+          </mc:Choice>
+          <mc:Fallback>
+            <p:sp>
+              <p:nvSpPr>
+                <p:cNvPr id="84" name="TextBox 83"/>
+                <p:cNvSpPr txBox="1">
+                  <a:spLocks noRot="1" noChangeAspect="1" noMove="1" noResize="1" noEditPoints="1" noAdjustHandles="1" noChangeArrowheads="1" noChangeShapeType="1" noTextEdit="1"/>
+                </p:cNvSpPr>
+                <p:nvPr/>
+              </p:nvSpPr>
+              <p:spPr>
+                <a:xfrm>
+                  <a:off x="1621229" y="4076469"/>
+                  <a:ext cx="267381" cy="354071"/>
+                </a:xfrm>
+                <a:prstGeom prst="rect">
+                  <a:avLst/>
+                </a:prstGeom>
+                <a:blipFill>
+                  <a:blip r:embed="rId10"/>
+                  <a:stretch>
+                    <a:fillRect l="-29545" t="-34483" r="-84091" b="-31034"/>
+                  </a:stretch>
+                </a:blipFill>
+              </p:spPr>
+              <p:txBody>
+                <a:bodyPr/>
+                <a:lstStyle/>
+                <a:p>
+                  <a:r>
+                    <a:rPr lang="en-US">
+                      <a:noFill/>
+                    </a:rPr>
+                    <a:t> </a:t>
+                  </a:r>
+                </a:p>
+              </p:txBody>
+            </p:sp>
+          </mc:Fallback>
+        </mc:AlternateContent>
       </p:grpSp>
-      <p:cxnSp>
-        <p:nvCxnSpPr>
-          <p:cNvPr id="33" name="Straight Arrow Connector 32"/>
-          <p:cNvCxnSpPr/>
+      <p:grpSp>
+        <p:nvGrpSpPr>
+          <p:cNvPr id="87" name="Group 86"/>
+          <p:cNvGrpSpPr/>
           <p:nvPr/>
-        </p:nvCxnSpPr>
+        </p:nvGrpSpPr>
+        <p:grpSpPr>
+          <a:xfrm>
+            <a:off x="9114055" y="4147748"/>
+            <a:ext cx="1934955" cy="1724792"/>
+            <a:chOff x="6767237" y="4157534"/>
+            <a:chExt cx="1934955" cy="1724792"/>
+          </a:xfrm>
+        </p:grpSpPr>
+        <mc:AlternateContent xmlns:mc="http://schemas.openxmlformats.org/markup-compatibility/2006">
+          <mc:Choice xmlns:a14="http://schemas.microsoft.com/office/drawing/2010/main" Requires="a14">
+            <p:sp>
+              <p:nvSpPr>
+                <p:cNvPr id="88" name="TextBox 87"/>
+                <p:cNvSpPr txBox="1"/>
+                <p:nvPr/>
+              </p:nvSpPr>
+              <p:spPr>
+                <a:xfrm>
+                  <a:off x="7936391" y="4157534"/>
+                  <a:ext cx="264367" cy="345159"/>
+                </a:xfrm>
+                <a:prstGeom prst="rect">
+                  <a:avLst/>
+                </a:prstGeom>
+                <a:noFill/>
+              </p:spPr>
+              <p:txBody>
+                <a:bodyPr wrap="none" lIns="0" tIns="0" rIns="0" bIns="0" rtlCol="0">
+                  <a:spAutoFit/>
+                </a:bodyPr>
+                <a:lstStyle/>
+                <a:p>
+                  <a:pPr/>
+                  <a14:m>
+                    <m:oMathPara xmlns:m="http://schemas.openxmlformats.org/officeDocument/2006/math">
+                      <m:oMathParaPr>
+                        <m:jc m:val="centerGroup"/>
+                      </m:oMathParaPr>
+                      <m:oMath xmlns:m="http://schemas.openxmlformats.org/officeDocument/2006/math">
+                        <m:acc>
+                          <m:accPr>
+                            <m:chr m:val="⃗"/>
+                            <m:ctrlPr>
+                              <a:rPr lang="en-US" sz="2000" b="0" i="1" smtClean="0">
+                                <a:latin typeface="Cambria Math" panose="02040503050406030204" pitchFamily="18" charset="0"/>
+                                <a:cs typeface="Arial" panose="020B0604020202020204" pitchFamily="34" charset="0"/>
+                              </a:rPr>
+                            </m:ctrlPr>
+                          </m:accPr>
+                          <m:e>
+                            <m:r>
+                              <a:rPr lang="en-US" sz="2000" b="0" i="1" smtClean="0">
+                                <a:latin typeface="Cambria Math" panose="02040503050406030204" pitchFamily="18" charset="0"/>
+                                <a:cs typeface="Arial" panose="020B0604020202020204" pitchFamily="34" charset="0"/>
+                              </a:rPr>
+                              <m:t>𝑁</m:t>
+                            </m:r>
+                          </m:e>
+                        </m:acc>
+                      </m:oMath>
+                    </m:oMathPara>
+                  </a14:m>
+                  <a:endParaRPr lang="en-US" sz="2000" dirty="0" smtClean="0">
+                    <a:latin typeface="Arial" panose="020B0604020202020204" pitchFamily="34" charset="0"/>
+                    <a:cs typeface="Arial" panose="020B0604020202020204" pitchFamily="34" charset="0"/>
+                  </a:endParaRPr>
+                </a:p>
+              </p:txBody>
+            </p:sp>
+          </mc:Choice>
+          <mc:Fallback>
+            <p:sp>
+              <p:nvSpPr>
+                <p:cNvPr id="88" name="TextBox 87"/>
+                <p:cNvSpPr txBox="1">
+                  <a:spLocks noRot="1" noChangeAspect="1" noMove="1" noResize="1" noEditPoints="1" noAdjustHandles="1" noChangeArrowheads="1" noChangeShapeType="1" noTextEdit="1"/>
+                </p:cNvSpPr>
+                <p:nvPr/>
+              </p:nvSpPr>
+              <p:spPr>
+                <a:xfrm>
+                  <a:off x="7936391" y="4157534"/>
+                  <a:ext cx="264367" cy="345159"/>
+                </a:xfrm>
+                <a:prstGeom prst="rect">
+                  <a:avLst/>
+                </a:prstGeom>
+                <a:blipFill>
+                  <a:blip r:embed="rId11"/>
+                  <a:stretch>
+                    <a:fillRect l="-20930" r="-18605" b="-8772"/>
+                  </a:stretch>
+                </a:blipFill>
+              </p:spPr>
+              <p:txBody>
+                <a:bodyPr/>
+                <a:lstStyle/>
+                <a:p>
+                  <a:r>
+                    <a:rPr lang="en-US">
+                      <a:noFill/>
+                    </a:rPr>
+                    <a:t> </a:t>
+                  </a:r>
+                </a:p>
+              </p:txBody>
+            </p:sp>
+          </mc:Fallback>
+        </mc:AlternateContent>
+        <p:grpSp>
+          <p:nvGrpSpPr>
+            <p:cNvPr id="89" name="Group 88"/>
+            <p:cNvGrpSpPr/>
+            <p:nvPr/>
+          </p:nvGrpSpPr>
+          <p:grpSpPr>
+            <a:xfrm>
+              <a:off x="6767237" y="4592679"/>
+              <a:ext cx="1934955" cy="869346"/>
+              <a:chOff x="6767237" y="4592679"/>
+              <a:chExt cx="1934955" cy="869346"/>
+            </a:xfrm>
+          </p:grpSpPr>
+          <p:sp>
+            <p:nvSpPr>
+              <p:cNvPr id="93" name="Rectangle 92"/>
+              <p:cNvSpPr/>
+              <p:nvPr/>
+            </p:nvSpPr>
+            <p:spPr>
+              <a:xfrm>
+                <a:off x="7450044" y="4592679"/>
+                <a:ext cx="569343" cy="629728"/>
+              </a:xfrm>
+              <a:prstGeom prst="rect">
+                <a:avLst/>
+              </a:prstGeom>
+              <a:solidFill>
+                <a:schemeClr val="bg2">
+                  <a:lumMod val="90000"/>
+                </a:schemeClr>
+              </a:solidFill>
+              <a:ln w="38100">
+                <a:solidFill>
+                  <a:schemeClr val="tx1"/>
+                </a:solidFill>
+              </a:ln>
+            </p:spPr>
+            <p:style>
+              <a:lnRef idx="2">
+                <a:schemeClr val="accent1">
+                  <a:shade val="50000"/>
+                </a:schemeClr>
+              </a:lnRef>
+              <a:fillRef idx="1">
+                <a:schemeClr val="accent1"/>
+              </a:fillRef>
+              <a:effectRef idx="0">
+                <a:schemeClr val="accent1"/>
+              </a:effectRef>
+              <a:fontRef idx="minor">
+                <a:schemeClr val="lt1"/>
+              </a:fontRef>
+            </p:style>
+            <p:txBody>
+              <a:bodyPr rtlCol="0" anchor="ctr"/>
+              <a:lstStyle/>
+              <a:p>
+                <a:pPr algn="ctr"/>
+                <a:endParaRPr lang="en-US"/>
+              </a:p>
+            </p:txBody>
+          </p:sp>
+          <p:sp>
+            <p:nvSpPr>
+              <p:cNvPr id="94" name="Rectangle 93"/>
+              <p:cNvSpPr/>
+              <p:nvPr/>
+            </p:nvSpPr>
+            <p:spPr>
+              <a:xfrm>
+                <a:off x="6767237" y="5223169"/>
+                <a:ext cx="1934955" cy="238856"/>
+              </a:xfrm>
+              <a:prstGeom prst="rect">
+                <a:avLst/>
+              </a:prstGeom>
+              <a:solidFill>
+                <a:schemeClr val="bg2">
+                  <a:lumMod val="50000"/>
+                </a:schemeClr>
+              </a:solidFill>
+              <a:ln w="38100">
+                <a:solidFill>
+                  <a:schemeClr val="tx1"/>
+                </a:solidFill>
+              </a:ln>
+            </p:spPr>
+            <p:style>
+              <a:lnRef idx="2">
+                <a:schemeClr val="accent1">
+                  <a:shade val="50000"/>
+                </a:schemeClr>
+              </a:lnRef>
+              <a:fillRef idx="1">
+                <a:schemeClr val="accent1"/>
+              </a:fillRef>
+              <a:effectRef idx="0">
+                <a:schemeClr val="accent1"/>
+              </a:effectRef>
+              <a:fontRef idx="minor">
+                <a:schemeClr val="lt1"/>
+              </a:fontRef>
+            </p:style>
+            <p:txBody>
+              <a:bodyPr rtlCol="0" anchor="ctr"/>
+              <a:lstStyle/>
+              <a:p>
+                <a:pPr algn="ctr"/>
+                <a:endParaRPr lang="en-US"/>
+              </a:p>
+            </p:txBody>
+          </p:sp>
+        </p:grpSp>
+        <p:cxnSp>
+          <p:nvCxnSpPr>
+            <p:cNvPr id="90" name="Straight Arrow Connector 89"/>
+            <p:cNvCxnSpPr/>
+            <p:nvPr/>
+          </p:nvCxnSpPr>
+          <p:spPr>
+            <a:xfrm>
+              <a:off x="7734715" y="4907543"/>
+              <a:ext cx="0" cy="974783"/>
+            </a:xfrm>
+            <a:prstGeom prst="straightConnector1">
+              <a:avLst/>
+            </a:prstGeom>
+            <a:ln w="38100">
+              <a:solidFill>
+                <a:schemeClr val="tx1"/>
+              </a:solidFill>
+              <a:tailEnd type="triangle"/>
+            </a:ln>
+          </p:spPr>
+          <p:style>
+            <a:lnRef idx="1">
+              <a:schemeClr val="accent1"/>
+            </a:lnRef>
+            <a:fillRef idx="0">
+              <a:schemeClr val="accent1"/>
+            </a:fillRef>
+            <a:effectRef idx="0">
+              <a:schemeClr val="accent1"/>
+            </a:effectRef>
+            <a:fontRef idx="minor">
+              <a:schemeClr val="tx1"/>
+            </a:fontRef>
+          </p:style>
+        </p:cxnSp>
+        <p:cxnSp>
+          <p:nvCxnSpPr>
+            <p:cNvPr id="91" name="Straight Arrow Connector 90"/>
+            <p:cNvCxnSpPr/>
+            <p:nvPr/>
+          </p:nvCxnSpPr>
+          <p:spPr>
+            <a:xfrm flipH="1" flipV="1">
+              <a:off x="7832400" y="4238933"/>
+              <a:ext cx="6307" cy="983474"/>
+            </a:xfrm>
+            <a:prstGeom prst="straightConnector1">
+              <a:avLst/>
+            </a:prstGeom>
+            <a:ln w="38100">
+              <a:solidFill>
+                <a:schemeClr val="tx1"/>
+              </a:solidFill>
+              <a:tailEnd type="triangle"/>
+            </a:ln>
+          </p:spPr>
+          <p:style>
+            <a:lnRef idx="1">
+              <a:schemeClr val="accent1"/>
+            </a:lnRef>
+            <a:fillRef idx="0">
+              <a:schemeClr val="accent1"/>
+            </a:fillRef>
+            <a:effectRef idx="0">
+              <a:schemeClr val="accent1"/>
+            </a:effectRef>
+            <a:fontRef idx="minor">
+              <a:schemeClr val="tx1"/>
+            </a:fontRef>
+          </p:style>
+        </p:cxnSp>
+        <mc:AlternateContent xmlns:mc="http://schemas.openxmlformats.org/markup-compatibility/2006">
+          <mc:Choice xmlns:a14="http://schemas.microsoft.com/office/drawing/2010/main" Requires="a14">
+            <p:sp>
+              <p:nvSpPr>
+                <p:cNvPr id="92" name="TextBox 91"/>
+                <p:cNvSpPr txBox="1"/>
+                <p:nvPr/>
+              </p:nvSpPr>
+              <p:spPr>
+                <a:xfrm>
+                  <a:off x="7408056" y="5451903"/>
+                  <a:ext cx="303865" cy="377219"/>
+                </a:xfrm>
+                <a:prstGeom prst="rect">
+                  <a:avLst/>
+                </a:prstGeom>
+                <a:noFill/>
+              </p:spPr>
+              <p:txBody>
+                <a:bodyPr wrap="none" lIns="0" tIns="0" rIns="0" bIns="0" rtlCol="0">
+                  <a:spAutoFit/>
+                </a:bodyPr>
+                <a:lstStyle/>
+                <a:p>
+                  <a14:m>
+                    <m:oMathPara xmlns:m="http://schemas.openxmlformats.org/officeDocument/2006/math">
+                      <m:oMathParaPr>
+                        <m:jc m:val="centerGroup"/>
+                      </m:oMathParaPr>
+                      <m:oMath xmlns:m="http://schemas.openxmlformats.org/officeDocument/2006/math">
+                        <m:sSub>
+                          <m:sSubPr>
+                            <m:ctrlPr>
+                              <a:rPr lang="en-US" sz="2000" b="0" i="1" smtClean="0">
+                                <a:latin typeface="Cambria Math" panose="02040503050406030204" pitchFamily="18" charset="0"/>
+                                <a:cs typeface="Arial" panose="020B0604020202020204" pitchFamily="34" charset="0"/>
+                              </a:rPr>
+                            </m:ctrlPr>
+                          </m:sSubPr>
+                          <m:e>
+                            <m:acc>
+                              <m:accPr>
+                                <m:chr m:val="⃗"/>
+                                <m:ctrlPr>
+                                  <a:rPr lang="en-US" sz="2000" b="0" i="1" smtClean="0">
+                                    <a:latin typeface="Cambria Math" panose="02040503050406030204" pitchFamily="18" charset="0"/>
+                                    <a:cs typeface="Arial" panose="020B0604020202020204" pitchFamily="34" charset="0"/>
+                                  </a:rPr>
+                                </m:ctrlPr>
+                              </m:accPr>
+                              <m:e>
+                                <m:r>
+                                  <a:rPr lang="en-US" sz="2000" b="0" i="1" smtClean="0">
+                                    <a:latin typeface="Cambria Math" panose="02040503050406030204" pitchFamily="18" charset="0"/>
+                                    <a:cs typeface="Arial" panose="020B0604020202020204" pitchFamily="34" charset="0"/>
+                                  </a:rPr>
+                                  <m:t>𝐹</m:t>
+                                </m:r>
+                              </m:e>
+                            </m:acc>
+                          </m:e>
+                          <m:sub>
+                            <m:r>
+                              <a:rPr lang="en-US" sz="2000" b="0" i="1" smtClean="0">
+                                <a:latin typeface="Cambria Math" panose="02040503050406030204" pitchFamily="18" charset="0"/>
+                                <a:cs typeface="Arial" panose="020B0604020202020204" pitchFamily="34" charset="0"/>
+                              </a:rPr>
+                              <m:t>𝑔</m:t>
+                            </m:r>
+                          </m:sub>
+                        </m:sSub>
+                      </m:oMath>
+                    </m:oMathPara>
+                  </a14:m>
+                  <a:endParaRPr lang="en-US" sz="2000" dirty="0" smtClean="0">
+                    <a:latin typeface="Arial" panose="020B0604020202020204" pitchFamily="34" charset="0"/>
+                    <a:cs typeface="Arial" panose="020B0604020202020204" pitchFamily="34" charset="0"/>
+                  </a:endParaRPr>
+                </a:p>
+              </p:txBody>
+            </p:sp>
+          </mc:Choice>
+          <mc:Fallback>
+            <p:sp>
+              <p:nvSpPr>
+                <p:cNvPr id="92" name="TextBox 91"/>
+                <p:cNvSpPr txBox="1">
+                  <a:spLocks noRot="1" noChangeAspect="1" noMove="1" noResize="1" noEditPoints="1" noAdjustHandles="1" noChangeArrowheads="1" noChangeShapeType="1" noTextEdit="1"/>
+                </p:cNvSpPr>
+                <p:nvPr/>
+              </p:nvSpPr>
+              <p:spPr>
+                <a:xfrm>
+                  <a:off x="7408056" y="5451903"/>
+                  <a:ext cx="303865" cy="377219"/>
+                </a:xfrm>
+                <a:prstGeom prst="rect">
+                  <a:avLst/>
+                </a:prstGeom>
+                <a:blipFill>
+                  <a:blip r:embed="rId12"/>
+                  <a:stretch>
+                    <a:fillRect l="-16000" t="-32258" r="-72000" b="-17742"/>
+                  </a:stretch>
+                </a:blipFill>
+              </p:spPr>
+              <p:txBody>
+                <a:bodyPr/>
+                <a:lstStyle/>
+                <a:p>
+                  <a:r>
+                    <a:rPr lang="en-US">
+                      <a:noFill/>
+                    </a:rPr>
+                    <a:t> </a:t>
+                  </a:r>
+                </a:p>
+              </p:txBody>
+            </p:sp>
+          </mc:Fallback>
+        </mc:AlternateContent>
+      </p:grpSp>
+    </p:spTree>
+    <p:extLst>
+      <p:ext uri="{BB962C8B-B14F-4D97-AF65-F5344CB8AC3E}">
+        <p14:creationId xmlns:p14="http://schemas.microsoft.com/office/powerpoint/2010/main" val="3603706640"/>
+      </p:ext>
+    </p:extLst>
+  </p:cSld>
+  <p:clrMapOvr>
+    <a:masterClrMapping/>
+  </p:clrMapOvr>
+  <p:timing>
+    <p:tnLst>
+      <p:par>
+        <p:cTn id="1" dur="indefinite" restart="never" nodeType="tmRoot"/>
+      </p:par>
+    </p:tnLst>
+  </p:timing>
+</p:sld>
+</file>
+
+<file path=ppt/slides/slide3.xml><?xml version="1.0" encoding="utf-8"?>
+<p:sld xmlns:a="http://schemas.openxmlformats.org/drawingml/2006/main" xmlns:r="http://schemas.openxmlformats.org/officeDocument/2006/relationships" xmlns:p="http://schemas.openxmlformats.org/presentationml/2006/main">
+  <p:cSld>
+    <p:spTree>
+      <p:nvGrpSpPr>
+        <p:cNvPr id="1" name=""/>
+        <p:cNvGrpSpPr/>
+        <p:nvPr/>
+      </p:nvGrpSpPr>
+      <p:grpSpPr>
+        <a:xfrm>
+          <a:off x="0" y="0"/>
+          <a:ext cx="0" cy="0"/>
+          <a:chOff x="0" y="0"/>
+          <a:chExt cx="0" cy="0"/>
+        </a:xfrm>
+      </p:grpSpPr>
+      <p:grpSp>
+        <p:nvGrpSpPr>
+          <p:cNvPr id="27" name="Group 26"/>
+          <p:cNvGrpSpPr/>
+          <p:nvPr/>
+        </p:nvGrpSpPr>
+        <p:grpSpPr>
+          <a:xfrm>
+            <a:off x="403470" y="2636889"/>
+            <a:ext cx="1934955" cy="1256951"/>
+            <a:chOff x="403470" y="2636889"/>
+            <a:chExt cx="1934955" cy="1256951"/>
+          </a:xfrm>
+        </p:grpSpPr>
+        <p:grpSp>
+          <p:nvGrpSpPr>
+            <p:cNvPr id="17" name="Group 16"/>
+            <p:cNvGrpSpPr/>
+            <p:nvPr/>
+          </p:nvGrpSpPr>
+          <p:grpSpPr>
+            <a:xfrm>
+              <a:off x="403470" y="2636889"/>
+              <a:ext cx="1934955" cy="1256951"/>
+              <a:chOff x="1760892" y="2809907"/>
+              <a:chExt cx="1934955" cy="1256951"/>
+            </a:xfrm>
+          </p:grpSpPr>
+          <p:sp>
+            <p:nvSpPr>
+              <p:cNvPr id="18" name="Rectangle 17"/>
+              <p:cNvSpPr/>
+              <p:nvPr/>
+            </p:nvSpPr>
+            <p:spPr>
+              <a:xfrm>
+                <a:off x="1760892" y="3828002"/>
+                <a:ext cx="1934955" cy="238856"/>
+              </a:xfrm>
+              <a:prstGeom prst="rect">
+                <a:avLst/>
+              </a:prstGeom>
+              <a:solidFill>
+                <a:schemeClr val="bg2">
+                  <a:lumMod val="50000"/>
+                </a:schemeClr>
+              </a:solidFill>
+              <a:ln w="38100">
+                <a:solidFill>
+                  <a:schemeClr val="tx1"/>
+                </a:solidFill>
+              </a:ln>
+            </p:spPr>
+            <p:style>
+              <a:lnRef idx="2">
+                <a:schemeClr val="accent1">
+                  <a:shade val="50000"/>
+                </a:schemeClr>
+              </a:lnRef>
+              <a:fillRef idx="1">
+                <a:schemeClr val="accent1"/>
+              </a:fillRef>
+              <a:effectRef idx="0">
+                <a:schemeClr val="accent1"/>
+              </a:effectRef>
+              <a:fontRef idx="minor">
+                <a:schemeClr val="lt1"/>
+              </a:fontRef>
+            </p:style>
+            <p:txBody>
+              <a:bodyPr rtlCol="0" anchor="ctr"/>
+              <a:lstStyle/>
+              <a:p>
+                <a:pPr algn="ctr"/>
+                <a:endParaRPr lang="en-US"/>
+              </a:p>
+            </p:txBody>
+          </p:sp>
+          <p:sp>
+            <p:nvSpPr>
+              <p:cNvPr id="19" name="Rectangle 18"/>
+              <p:cNvSpPr/>
+              <p:nvPr/>
+            </p:nvSpPr>
+            <p:spPr>
+              <a:xfrm rot="2610359">
+                <a:off x="2686012" y="2956586"/>
+                <a:ext cx="436892" cy="415541"/>
+              </a:xfrm>
+              <a:prstGeom prst="rect">
+                <a:avLst/>
+              </a:prstGeom>
+              <a:solidFill>
+                <a:schemeClr val="bg2">
+                  <a:lumMod val="90000"/>
+                </a:schemeClr>
+              </a:solidFill>
+              <a:ln w="38100">
+                <a:solidFill>
+                  <a:schemeClr val="tx1"/>
+                </a:solidFill>
+              </a:ln>
+            </p:spPr>
+            <p:style>
+              <a:lnRef idx="2">
+                <a:schemeClr val="accent1">
+                  <a:shade val="50000"/>
+                </a:schemeClr>
+              </a:lnRef>
+              <a:fillRef idx="1">
+                <a:schemeClr val="accent1"/>
+              </a:fillRef>
+              <a:effectRef idx="0">
+                <a:schemeClr val="accent1"/>
+              </a:effectRef>
+              <a:fontRef idx="minor">
+                <a:schemeClr val="lt1"/>
+              </a:fontRef>
+            </p:style>
+            <p:txBody>
+              <a:bodyPr rtlCol="0" anchor="ctr"/>
+              <a:lstStyle/>
+              <a:p>
+                <a:pPr algn="ctr"/>
+                <a:endParaRPr lang="en-US"/>
+              </a:p>
+            </p:txBody>
+          </p:sp>
+          <p:sp>
+            <p:nvSpPr>
+              <p:cNvPr id="20" name="Right Triangle 19"/>
+              <p:cNvSpPr/>
+              <p:nvPr/>
+            </p:nvSpPr>
+            <p:spPr>
+              <a:xfrm>
+                <a:off x="2234174" y="2809907"/>
+                <a:ext cx="1084082" cy="1018095"/>
+              </a:xfrm>
+              <a:prstGeom prst="rtTriangle">
+                <a:avLst/>
+              </a:prstGeom>
+              <a:solidFill>
+                <a:schemeClr val="bg2">
+                  <a:lumMod val="75000"/>
+                </a:schemeClr>
+              </a:solidFill>
+              <a:ln w="38100">
+                <a:solidFill>
+                  <a:schemeClr val="tx1"/>
+                </a:solidFill>
+              </a:ln>
+            </p:spPr>
+            <p:style>
+              <a:lnRef idx="2">
+                <a:schemeClr val="accent1">
+                  <a:shade val="50000"/>
+                </a:schemeClr>
+              </a:lnRef>
+              <a:fillRef idx="1">
+                <a:schemeClr val="accent1"/>
+              </a:fillRef>
+              <a:effectRef idx="0">
+                <a:schemeClr val="accent1"/>
+              </a:effectRef>
+              <a:fontRef idx="minor">
+                <a:schemeClr val="lt1"/>
+              </a:fontRef>
+            </p:style>
+            <p:txBody>
+              <a:bodyPr rtlCol="0" anchor="ctr"/>
+              <a:lstStyle/>
+              <a:p>
+                <a:pPr algn="ctr"/>
+                <a:endParaRPr lang="en-US"/>
+              </a:p>
+            </p:txBody>
+          </p:sp>
+        </p:grpSp>
+        <mc:AlternateContent xmlns:mc="http://schemas.openxmlformats.org/markup-compatibility/2006">
+          <mc:Choice xmlns:a14="http://schemas.microsoft.com/office/drawing/2010/main" Requires="a14">
+            <p:sp>
+              <p:nvSpPr>
+                <p:cNvPr id="25" name="TextBox 24"/>
+                <p:cNvSpPr txBox="1"/>
+                <p:nvPr/>
+              </p:nvSpPr>
+              <p:spPr>
+                <a:xfrm>
+                  <a:off x="1408003" y="2810395"/>
+                  <a:ext cx="289695" cy="307777"/>
+                </a:xfrm>
+                <a:prstGeom prst="rect">
+                  <a:avLst/>
+                </a:prstGeom>
+                <a:noFill/>
+              </p:spPr>
+              <p:txBody>
+                <a:bodyPr wrap="none" lIns="0" tIns="0" rIns="0" bIns="0" rtlCol="0">
+                  <a:spAutoFit/>
+                </a:bodyPr>
+                <a:lstStyle/>
+                <a:p>
+                  <a14:m>
+                    <m:oMathPara xmlns:m="http://schemas.openxmlformats.org/officeDocument/2006/math">
+                      <m:oMathParaPr>
+                        <m:jc m:val="centerGroup"/>
+                      </m:oMathParaPr>
+                      <m:oMath xmlns:m="http://schemas.openxmlformats.org/officeDocument/2006/math">
+                        <m:r>
+                          <a:rPr lang="en-US" sz="2000" b="0" i="1" smtClean="0">
+                            <a:latin typeface="Cambria Math" panose="02040503050406030204" pitchFamily="18" charset="0"/>
+                            <a:cs typeface="Arial" panose="020B0604020202020204" pitchFamily="34" charset="0"/>
+                          </a:rPr>
+                          <m:t>𝑚</m:t>
+                        </m:r>
+                      </m:oMath>
+                    </m:oMathPara>
+                  </a14:m>
+                  <a:endParaRPr lang="en-US" sz="2000" dirty="0" smtClean="0">
+                    <a:latin typeface="Arial" panose="020B0604020202020204" pitchFamily="34" charset="0"/>
+                    <a:cs typeface="Arial" panose="020B0604020202020204" pitchFamily="34" charset="0"/>
+                  </a:endParaRPr>
+                </a:p>
+              </p:txBody>
+            </p:sp>
+          </mc:Choice>
+          <mc:Fallback>
+            <p:sp>
+              <p:nvSpPr>
+                <p:cNvPr id="25" name="TextBox 24"/>
+                <p:cNvSpPr txBox="1">
+                  <a:spLocks noRot="1" noChangeAspect="1" noMove="1" noResize="1" noEditPoints="1" noAdjustHandles="1" noChangeArrowheads="1" noChangeShapeType="1" noTextEdit="1"/>
+                </p:cNvSpPr>
+                <p:nvPr/>
+              </p:nvSpPr>
+              <p:spPr>
+                <a:xfrm>
+                  <a:off x="1408003" y="2810395"/>
+                  <a:ext cx="289695" cy="307777"/>
+                </a:xfrm>
+                <a:prstGeom prst="rect">
+                  <a:avLst/>
+                </a:prstGeom>
+                <a:blipFill>
+                  <a:blip r:embed="rId2"/>
+                  <a:stretch>
+                    <a:fillRect l="-10638" r="-8511" b="-1961"/>
+                  </a:stretch>
+                </a:blipFill>
+              </p:spPr>
+              <p:txBody>
+                <a:bodyPr/>
+                <a:lstStyle/>
+                <a:p>
+                  <a:r>
+                    <a:rPr lang="en-US">
+                      <a:noFill/>
+                    </a:rPr>
+                    <a:t> </a:t>
+                  </a:r>
+                </a:p>
+              </p:txBody>
+            </p:sp>
+          </mc:Fallback>
+        </mc:AlternateContent>
+        <mc:AlternateContent xmlns:mc="http://schemas.openxmlformats.org/markup-compatibility/2006">
+          <mc:Choice xmlns:a14="http://schemas.microsoft.com/office/drawing/2010/main" Requires="a14">
+            <p:sp>
+              <p:nvSpPr>
+                <p:cNvPr id="26" name="TextBox 25"/>
+                <p:cNvSpPr txBox="1"/>
+                <p:nvPr/>
+              </p:nvSpPr>
+              <p:spPr>
+                <a:xfrm>
+                  <a:off x="1063238" y="3165924"/>
+                  <a:ext cx="294824" cy="307777"/>
+                </a:xfrm>
+                <a:prstGeom prst="rect">
+                  <a:avLst/>
+                </a:prstGeom>
+                <a:noFill/>
+              </p:spPr>
+              <p:txBody>
+                <a:bodyPr wrap="none" lIns="0" tIns="0" rIns="0" bIns="0" rtlCol="0">
+                  <a:spAutoFit/>
+                </a:bodyPr>
+                <a:lstStyle/>
+                <a:p>
+                  <a14:m>
+                    <m:oMathPara xmlns:m="http://schemas.openxmlformats.org/officeDocument/2006/math">
+                      <m:oMathParaPr>
+                        <m:jc m:val="centerGroup"/>
+                      </m:oMathParaPr>
+                      <m:oMath xmlns:m="http://schemas.openxmlformats.org/officeDocument/2006/math">
+                        <m:r>
+                          <a:rPr lang="en-US" sz="2000" b="0" i="1" smtClean="0">
+                            <a:latin typeface="Cambria Math" panose="02040503050406030204" pitchFamily="18" charset="0"/>
+                            <a:cs typeface="Arial" panose="020B0604020202020204" pitchFamily="34" charset="0"/>
+                          </a:rPr>
+                          <m:t>𝑀</m:t>
+                        </m:r>
+                      </m:oMath>
+                    </m:oMathPara>
+                  </a14:m>
+                  <a:endParaRPr lang="en-US" sz="2000" dirty="0" smtClean="0">
+                    <a:latin typeface="Arial" panose="020B0604020202020204" pitchFamily="34" charset="0"/>
+                    <a:cs typeface="Arial" panose="020B0604020202020204" pitchFamily="34" charset="0"/>
+                  </a:endParaRPr>
+                </a:p>
+              </p:txBody>
+            </p:sp>
+          </mc:Choice>
+          <mc:Fallback>
+            <p:sp>
+              <p:nvSpPr>
+                <p:cNvPr id="26" name="TextBox 25"/>
+                <p:cNvSpPr txBox="1">
+                  <a:spLocks noRot="1" noChangeAspect="1" noMove="1" noResize="1" noEditPoints="1" noAdjustHandles="1" noChangeArrowheads="1" noChangeShapeType="1" noTextEdit="1"/>
+                </p:cNvSpPr>
+                <p:nvPr/>
+              </p:nvSpPr>
+              <p:spPr>
+                <a:xfrm>
+                  <a:off x="1063238" y="3165924"/>
+                  <a:ext cx="294824" cy="307777"/>
+                </a:xfrm>
+                <a:prstGeom prst="rect">
+                  <a:avLst/>
+                </a:prstGeom>
+                <a:blipFill>
+                  <a:blip r:embed="rId3"/>
+                  <a:stretch>
+                    <a:fillRect l="-16327" r="-16327" b="-9804"/>
+                  </a:stretch>
+                </a:blipFill>
+              </p:spPr>
+              <p:txBody>
+                <a:bodyPr/>
+                <a:lstStyle/>
+                <a:p>
+                  <a:r>
+                    <a:rPr lang="en-US">
+                      <a:noFill/>
+                    </a:rPr>
+                    <a:t> </a:t>
+                  </a:r>
+                </a:p>
+              </p:txBody>
+            </p:sp>
+          </mc:Fallback>
+        </mc:AlternateContent>
+      </p:grpSp>
+      <p:grpSp>
+        <p:nvGrpSpPr>
+          <p:cNvPr id="74" name="Group 73"/>
+          <p:cNvGrpSpPr/>
+          <p:nvPr/>
+        </p:nvGrpSpPr>
+        <p:grpSpPr>
+          <a:xfrm>
+            <a:off x="3291980" y="2356444"/>
+            <a:ext cx="3479716" cy="2266123"/>
+            <a:chOff x="3291980" y="2356444"/>
+            <a:chExt cx="3479716" cy="2266123"/>
+          </a:xfrm>
+        </p:grpSpPr>
+        <p:sp>
+          <p:nvSpPr>
+            <p:cNvPr id="6" name="Rectangle 5"/>
+            <p:cNvSpPr/>
+            <p:nvPr/>
+          </p:nvSpPr>
+          <p:spPr>
+            <a:xfrm>
+              <a:off x="3291980" y="3929011"/>
+              <a:ext cx="1934955" cy="238856"/>
+            </a:xfrm>
+            <a:prstGeom prst="rect">
+              <a:avLst/>
+            </a:prstGeom>
+            <a:solidFill>
+              <a:schemeClr val="bg2">
+                <a:lumMod val="50000"/>
+              </a:schemeClr>
+            </a:solidFill>
+            <a:ln w="38100">
+              <a:solidFill>
+                <a:schemeClr val="tx1"/>
+              </a:solidFill>
+            </a:ln>
+          </p:spPr>
+          <p:style>
+            <a:lnRef idx="2">
+              <a:schemeClr val="accent1">
+                <a:shade val="50000"/>
+              </a:schemeClr>
+            </a:lnRef>
+            <a:fillRef idx="1">
+              <a:schemeClr val="accent1"/>
+            </a:fillRef>
+            <a:effectRef idx="0">
+              <a:schemeClr val="accent1"/>
+            </a:effectRef>
+            <a:fontRef idx="minor">
+              <a:schemeClr val="lt1"/>
+            </a:fontRef>
+          </p:style>
+          <p:txBody>
+            <a:bodyPr rtlCol="0" anchor="ctr"/>
+            <a:lstStyle/>
+            <a:p>
+              <a:pPr algn="ctr"/>
+              <a:endParaRPr lang="en-US"/>
+            </a:p>
+          </p:txBody>
+        </p:sp>
+        <p:sp>
+          <p:nvSpPr>
+            <p:cNvPr id="7" name="Rectangle 6"/>
+            <p:cNvSpPr/>
+            <p:nvPr/>
+          </p:nvSpPr>
+          <p:spPr>
+            <a:xfrm rot="2610359">
+              <a:off x="5717257" y="2969236"/>
+              <a:ext cx="436892" cy="415541"/>
+            </a:xfrm>
+            <a:prstGeom prst="rect">
+              <a:avLst/>
+            </a:prstGeom>
+            <a:solidFill>
+              <a:schemeClr val="bg2">
+                <a:lumMod val="90000"/>
+              </a:schemeClr>
+            </a:solidFill>
+            <a:ln w="38100">
+              <a:solidFill>
+                <a:schemeClr val="tx1"/>
+              </a:solidFill>
+            </a:ln>
+          </p:spPr>
+          <p:style>
+            <a:lnRef idx="2">
+              <a:schemeClr val="accent1">
+                <a:shade val="50000"/>
+              </a:schemeClr>
+            </a:lnRef>
+            <a:fillRef idx="1">
+              <a:schemeClr val="accent1"/>
+            </a:fillRef>
+            <a:effectRef idx="0">
+              <a:schemeClr val="accent1"/>
+            </a:effectRef>
+            <a:fontRef idx="minor">
+              <a:schemeClr val="lt1"/>
+            </a:fontRef>
+          </p:style>
+          <p:txBody>
+            <a:bodyPr rtlCol="0" anchor="ctr"/>
+            <a:lstStyle/>
+            <a:p>
+              <a:pPr algn="ctr"/>
+              <a:endParaRPr lang="en-US"/>
+            </a:p>
+          </p:txBody>
+        </p:sp>
+        <p:sp>
+          <p:nvSpPr>
+            <p:cNvPr id="9" name="Right Triangle 8"/>
+            <p:cNvSpPr/>
+            <p:nvPr/>
+          </p:nvSpPr>
+          <p:spPr>
+            <a:xfrm>
+              <a:off x="3765262" y="2910916"/>
+              <a:ext cx="1084082" cy="1018095"/>
+            </a:xfrm>
+            <a:prstGeom prst="rtTriangle">
+              <a:avLst/>
+            </a:prstGeom>
+            <a:solidFill>
+              <a:schemeClr val="bg2">
+                <a:lumMod val="75000"/>
+              </a:schemeClr>
+            </a:solidFill>
+            <a:ln w="38100">
+              <a:solidFill>
+                <a:schemeClr val="tx1"/>
+              </a:solidFill>
+            </a:ln>
+          </p:spPr>
+          <p:style>
+            <a:lnRef idx="2">
+              <a:schemeClr val="accent1">
+                <a:shade val="50000"/>
+              </a:schemeClr>
+            </a:lnRef>
+            <a:fillRef idx="1">
+              <a:schemeClr val="accent1"/>
+            </a:fillRef>
+            <a:effectRef idx="0">
+              <a:schemeClr val="accent1"/>
+            </a:effectRef>
+            <a:fontRef idx="minor">
+              <a:schemeClr val="lt1"/>
+            </a:fontRef>
+          </p:style>
+          <p:txBody>
+            <a:bodyPr rtlCol="0" anchor="ctr"/>
+            <a:lstStyle/>
+            <a:p>
+              <a:pPr algn="ctr"/>
+              <a:endParaRPr lang="en-US"/>
+            </a:p>
+          </p:txBody>
+        </p:sp>
+        <p:cxnSp>
+          <p:nvCxnSpPr>
+            <p:cNvPr id="11" name="Straight Arrow Connector 10"/>
+            <p:cNvCxnSpPr/>
+            <p:nvPr/>
+          </p:nvCxnSpPr>
+          <p:spPr>
+            <a:xfrm>
+              <a:off x="5950654" y="3156545"/>
+              <a:ext cx="3087" cy="822900"/>
+            </a:xfrm>
+            <a:prstGeom prst="straightConnector1">
+              <a:avLst/>
+            </a:prstGeom>
+            <a:ln w="38100">
+              <a:solidFill>
+                <a:schemeClr val="tx1"/>
+              </a:solidFill>
+              <a:tailEnd type="triangle"/>
+            </a:ln>
+          </p:spPr>
+          <p:style>
+            <a:lnRef idx="1">
+              <a:schemeClr val="accent1"/>
+            </a:lnRef>
+            <a:fillRef idx="0">
+              <a:schemeClr val="accent1"/>
+            </a:fillRef>
+            <a:effectRef idx="0">
+              <a:schemeClr val="accent1"/>
+            </a:effectRef>
+            <a:fontRef idx="minor">
+              <a:schemeClr val="tx1"/>
+            </a:fontRef>
+          </p:style>
+        </p:cxnSp>
+        <mc:AlternateContent xmlns:mc="http://schemas.openxmlformats.org/markup-compatibility/2006">
+          <mc:Choice xmlns:a14="http://schemas.microsoft.com/office/drawing/2010/main" Requires="a14">
+            <p:sp>
+              <p:nvSpPr>
+                <p:cNvPr id="12" name="TextBox 11"/>
+                <p:cNvSpPr txBox="1"/>
+                <p:nvPr/>
+              </p:nvSpPr>
+              <p:spPr>
+                <a:xfrm>
+                  <a:off x="6024074" y="3474109"/>
+                  <a:ext cx="426207" cy="377219"/>
+                </a:xfrm>
+                <a:prstGeom prst="rect">
+                  <a:avLst/>
+                </a:prstGeom>
+                <a:noFill/>
+              </p:spPr>
+              <p:txBody>
+                <a:bodyPr wrap="none" lIns="0" tIns="0" rIns="0" bIns="0" rtlCol="0">
+                  <a:spAutoFit/>
+                </a:bodyPr>
+                <a:lstStyle/>
+                <a:p>
+                  <a:pPr/>
+                  <a14:m>
+                    <m:oMathPara xmlns:m="http://schemas.openxmlformats.org/officeDocument/2006/math">
+                      <m:oMathParaPr>
+                        <m:jc m:val="centerGroup"/>
+                      </m:oMathParaPr>
+                      <m:oMath xmlns:m="http://schemas.openxmlformats.org/officeDocument/2006/math">
+                        <m:sSubSup>
+                          <m:sSubSupPr>
+                            <m:ctrlPr>
+                              <a:rPr lang="en-US" sz="2000" b="0" i="1" smtClean="0">
+                                <a:latin typeface="Cambria Math" panose="02040503050406030204" pitchFamily="18" charset="0"/>
+                                <a:cs typeface="Arial" panose="020B0604020202020204" pitchFamily="34" charset="0"/>
+                              </a:rPr>
+                            </m:ctrlPr>
+                          </m:sSubSupPr>
+                          <m:e>
+                            <m:acc>
+                              <m:accPr>
+                                <m:chr m:val="⃗"/>
+                                <m:ctrlPr>
+                                  <a:rPr lang="en-US" sz="2000" b="0" i="1" smtClean="0">
+                                    <a:latin typeface="Cambria Math" panose="02040503050406030204" pitchFamily="18" charset="0"/>
+                                    <a:cs typeface="Arial" panose="020B0604020202020204" pitchFamily="34" charset="0"/>
+                                  </a:rPr>
+                                </m:ctrlPr>
+                              </m:accPr>
+                              <m:e>
+                                <m:r>
+                                  <a:rPr lang="en-US" sz="2000" b="0" i="1" smtClean="0">
+                                    <a:latin typeface="Cambria Math" panose="02040503050406030204" pitchFamily="18" charset="0"/>
+                                    <a:cs typeface="Arial" panose="020B0604020202020204" pitchFamily="34" charset="0"/>
+                                  </a:rPr>
+                                  <m:t>𝐹</m:t>
+                                </m:r>
+                              </m:e>
+                            </m:acc>
+                          </m:e>
+                          <m:sub>
+                            <m:r>
+                              <a:rPr lang="en-US" sz="2000" b="0" i="1" smtClean="0">
+                                <a:latin typeface="Cambria Math" panose="02040503050406030204" pitchFamily="18" charset="0"/>
+                                <a:cs typeface="Arial" panose="020B0604020202020204" pitchFamily="34" charset="0"/>
+                              </a:rPr>
+                              <m:t>𝑔</m:t>
+                            </m:r>
+                          </m:sub>
+                          <m:sup>
+                            <m:r>
+                              <a:rPr lang="en-US" sz="2000" b="0" i="1" smtClean="0">
+                                <a:latin typeface="Cambria Math" panose="02040503050406030204" pitchFamily="18" charset="0"/>
+                                <a:cs typeface="Arial" panose="020B0604020202020204" pitchFamily="34" charset="0"/>
+                              </a:rPr>
+                              <m:t>𝑚</m:t>
+                            </m:r>
+                          </m:sup>
+                        </m:sSubSup>
+                      </m:oMath>
+                    </m:oMathPara>
+                  </a14:m>
+                  <a:endParaRPr lang="en-US" sz="2000" dirty="0" smtClean="0">
+                    <a:latin typeface="Arial" panose="020B0604020202020204" pitchFamily="34" charset="0"/>
+                    <a:cs typeface="Arial" panose="020B0604020202020204" pitchFamily="34" charset="0"/>
+                  </a:endParaRPr>
+                </a:p>
+              </p:txBody>
+            </p:sp>
+          </mc:Choice>
+          <mc:Fallback>
+            <p:sp>
+              <p:nvSpPr>
+                <p:cNvPr id="12" name="TextBox 11"/>
+                <p:cNvSpPr txBox="1">
+                  <a:spLocks noRot="1" noChangeAspect="1" noMove="1" noResize="1" noEditPoints="1" noAdjustHandles="1" noChangeArrowheads="1" noChangeShapeType="1" noTextEdit="1"/>
+                </p:cNvSpPr>
+                <p:nvPr/>
+              </p:nvSpPr>
+              <p:spPr>
+                <a:xfrm>
+                  <a:off x="6024074" y="3474109"/>
+                  <a:ext cx="426207" cy="377219"/>
+                </a:xfrm>
+                <a:prstGeom prst="rect">
+                  <a:avLst/>
+                </a:prstGeom>
+                <a:blipFill>
+                  <a:blip r:embed="rId4"/>
+                  <a:stretch>
+                    <a:fillRect l="-11429" t="-32258" r="-42857" b="-17742"/>
+                  </a:stretch>
+                </a:blipFill>
+              </p:spPr>
+              <p:txBody>
+                <a:bodyPr/>
+                <a:lstStyle/>
+                <a:p>
+                  <a:r>
+                    <a:rPr lang="en-US">
+                      <a:noFill/>
+                    </a:rPr>
+                    <a:t> </a:t>
+                  </a:r>
+                </a:p>
+              </p:txBody>
+            </p:sp>
+          </mc:Fallback>
+        </mc:AlternateContent>
+        <p:cxnSp>
+          <p:nvCxnSpPr>
+            <p:cNvPr id="14" name="Straight Arrow Connector 13"/>
+            <p:cNvCxnSpPr/>
+            <p:nvPr/>
+          </p:nvCxnSpPr>
+          <p:spPr>
+            <a:xfrm flipV="1">
+              <a:off x="5786851" y="2863694"/>
+              <a:ext cx="450327" cy="444262"/>
+            </a:xfrm>
+            <a:prstGeom prst="straightConnector1">
+              <a:avLst/>
+            </a:prstGeom>
+            <a:ln w="38100">
+              <a:solidFill>
+                <a:schemeClr val="tx1"/>
+              </a:solidFill>
+              <a:tailEnd type="triangle"/>
+            </a:ln>
+          </p:spPr>
+          <p:style>
+            <a:lnRef idx="1">
+              <a:schemeClr val="accent1"/>
+            </a:lnRef>
+            <a:fillRef idx="0">
+              <a:schemeClr val="accent1"/>
+            </a:fillRef>
+            <a:effectRef idx="0">
+              <a:schemeClr val="accent1"/>
+            </a:effectRef>
+            <a:fontRef idx="minor">
+              <a:schemeClr val="tx1"/>
+            </a:fontRef>
+          </p:style>
+        </p:cxnSp>
+        <mc:AlternateContent xmlns:mc="http://schemas.openxmlformats.org/markup-compatibility/2006">
+          <mc:Choice xmlns:a14="http://schemas.microsoft.com/office/drawing/2010/main" Requires="a14">
+            <p:sp>
+              <p:nvSpPr>
+                <p:cNvPr id="16" name="TextBox 15"/>
+                <p:cNvSpPr txBox="1"/>
+                <p:nvPr/>
+              </p:nvSpPr>
+              <p:spPr>
+                <a:xfrm>
+                  <a:off x="6310992" y="2703791"/>
+                  <a:ext cx="460704" cy="345159"/>
+                </a:xfrm>
+                <a:prstGeom prst="rect">
+                  <a:avLst/>
+                </a:prstGeom>
+                <a:noFill/>
+              </p:spPr>
+              <p:txBody>
+                <a:bodyPr wrap="none" lIns="0" tIns="0" rIns="0" bIns="0" rtlCol="0">
+                  <a:spAutoFit/>
+                </a:bodyPr>
+                <a:lstStyle/>
+                <a:p>
+                  <a14:m>
+                    <m:oMathPara xmlns:m="http://schemas.openxmlformats.org/officeDocument/2006/math">
+                      <m:oMathParaPr>
+                        <m:jc m:val="centerGroup"/>
+                      </m:oMathParaPr>
+                      <m:oMath xmlns:m="http://schemas.openxmlformats.org/officeDocument/2006/math">
+                        <m:sSup>
+                          <m:sSupPr>
+                            <m:ctrlPr>
+                              <a:rPr lang="en-US" sz="2000" b="0" i="1" smtClean="0">
+                                <a:latin typeface="Cambria Math" panose="02040503050406030204" pitchFamily="18" charset="0"/>
+                                <a:cs typeface="Arial" panose="020B0604020202020204" pitchFamily="34" charset="0"/>
+                              </a:rPr>
+                            </m:ctrlPr>
+                          </m:sSupPr>
+                          <m:e>
+                            <m:acc>
+                              <m:accPr>
+                                <m:chr m:val="⃗"/>
+                                <m:ctrlPr>
+                                  <a:rPr lang="en-US" sz="2000" b="0" i="1" smtClean="0">
+                                    <a:latin typeface="Cambria Math" panose="02040503050406030204" pitchFamily="18" charset="0"/>
+                                    <a:cs typeface="Arial" panose="020B0604020202020204" pitchFamily="34" charset="0"/>
+                                  </a:rPr>
+                                </m:ctrlPr>
+                              </m:accPr>
+                              <m:e>
+                                <m:r>
+                                  <a:rPr lang="en-US" sz="2000" b="0" i="1" smtClean="0">
+                                    <a:latin typeface="Cambria Math" panose="02040503050406030204" pitchFamily="18" charset="0"/>
+                                    <a:cs typeface="Arial" panose="020B0604020202020204" pitchFamily="34" charset="0"/>
+                                  </a:rPr>
+                                  <m:t>𝑁</m:t>
+                                </m:r>
+                              </m:e>
+                            </m:acc>
+                          </m:e>
+                          <m:sup>
+                            <m:r>
+                              <a:rPr lang="en-US" sz="2000" b="0" i="1" smtClean="0">
+                                <a:latin typeface="Cambria Math" panose="02040503050406030204" pitchFamily="18" charset="0"/>
+                                <a:cs typeface="Arial" panose="020B0604020202020204" pitchFamily="34" charset="0"/>
+                              </a:rPr>
+                              <m:t>𝑚</m:t>
+                            </m:r>
+                          </m:sup>
+                        </m:sSup>
+                      </m:oMath>
+                    </m:oMathPara>
+                  </a14:m>
+                  <a:endParaRPr lang="en-US" sz="2000" dirty="0" smtClean="0">
+                    <a:latin typeface="Arial" panose="020B0604020202020204" pitchFamily="34" charset="0"/>
+                    <a:cs typeface="Arial" panose="020B0604020202020204" pitchFamily="34" charset="0"/>
+                  </a:endParaRPr>
+                </a:p>
+              </p:txBody>
+            </p:sp>
+          </mc:Choice>
+          <mc:Fallback>
+            <p:sp>
+              <p:nvSpPr>
+                <p:cNvPr id="16" name="TextBox 15"/>
+                <p:cNvSpPr txBox="1">
+                  <a:spLocks noRot="1" noChangeAspect="1" noMove="1" noResize="1" noEditPoints="1" noAdjustHandles="1" noChangeArrowheads="1" noChangeShapeType="1" noTextEdit="1"/>
+                </p:cNvSpPr>
+                <p:nvPr/>
+              </p:nvSpPr>
+              <p:spPr>
+                <a:xfrm>
+                  <a:off x="6310992" y="2703791"/>
+                  <a:ext cx="460704" cy="345159"/>
+                </a:xfrm>
+                <a:prstGeom prst="rect">
+                  <a:avLst/>
+                </a:prstGeom>
+                <a:blipFill>
+                  <a:blip r:embed="rId5"/>
+                  <a:stretch>
+                    <a:fillRect l="-10526" b="-8929"/>
+                  </a:stretch>
+                </a:blipFill>
+              </p:spPr>
+              <p:txBody>
+                <a:bodyPr/>
+                <a:lstStyle/>
+                <a:p>
+                  <a:r>
+                    <a:rPr lang="en-US">
+                      <a:noFill/>
+                    </a:rPr>
+                    <a:t> </a:t>
+                  </a:r>
+                </a:p>
+              </p:txBody>
+            </p:sp>
+          </mc:Fallback>
+        </mc:AlternateContent>
+        <p:cxnSp>
+          <p:nvCxnSpPr>
+            <p:cNvPr id="28" name="Straight Arrow Connector 27"/>
+            <p:cNvCxnSpPr/>
+            <p:nvPr/>
+          </p:nvCxnSpPr>
+          <p:spPr>
+            <a:xfrm flipH="1" flipV="1">
+              <a:off x="5496719" y="2977817"/>
+              <a:ext cx="321536" cy="301360"/>
+            </a:xfrm>
+            <a:prstGeom prst="straightConnector1">
+              <a:avLst/>
+            </a:prstGeom>
+            <a:ln w="38100">
+              <a:solidFill>
+                <a:schemeClr val="tx1"/>
+              </a:solidFill>
+              <a:tailEnd type="triangle"/>
+            </a:ln>
+          </p:spPr>
+          <p:style>
+            <a:lnRef idx="1">
+              <a:schemeClr val="accent1"/>
+            </a:lnRef>
+            <a:fillRef idx="0">
+              <a:schemeClr val="accent1"/>
+            </a:fillRef>
+            <a:effectRef idx="0">
+              <a:schemeClr val="accent1"/>
+            </a:effectRef>
+            <a:fontRef idx="minor">
+              <a:schemeClr val="tx1"/>
+            </a:fontRef>
+          </p:style>
+        </p:cxnSp>
+        <mc:AlternateContent xmlns:mc="http://schemas.openxmlformats.org/markup-compatibility/2006">
+          <mc:Choice xmlns:a14="http://schemas.microsoft.com/office/drawing/2010/main" Requires="a14">
+            <p:sp>
+              <p:nvSpPr>
+                <p:cNvPr id="31" name="TextBox 30"/>
+                <p:cNvSpPr txBox="1"/>
+                <p:nvPr/>
+              </p:nvSpPr>
+              <p:spPr>
+                <a:xfrm>
+                  <a:off x="5334126" y="2601870"/>
+                  <a:ext cx="415818" cy="354071"/>
+                </a:xfrm>
+                <a:prstGeom prst="rect">
+                  <a:avLst/>
+                </a:prstGeom>
+                <a:noFill/>
+              </p:spPr>
+              <p:txBody>
+                <a:bodyPr wrap="none" lIns="0" tIns="0" rIns="0" bIns="0" rtlCol="0">
+                  <a:spAutoFit/>
+                </a:bodyPr>
+                <a:lstStyle/>
+                <a:p>
+                  <a:pPr/>
+                  <a14:m>
+                    <m:oMathPara xmlns:m="http://schemas.openxmlformats.org/officeDocument/2006/math">
+                      <m:oMathParaPr>
+                        <m:jc m:val="centerGroup"/>
+                      </m:oMathParaPr>
+                      <m:oMath xmlns:m="http://schemas.openxmlformats.org/officeDocument/2006/math">
+                        <m:sSubSup>
+                          <m:sSubSupPr>
+                            <m:ctrlPr>
+                              <a:rPr lang="en-US" sz="2000" b="0" i="1" smtClean="0">
+                                <a:latin typeface="Cambria Math" panose="02040503050406030204" pitchFamily="18" charset="0"/>
+                                <a:cs typeface="Arial" panose="020B0604020202020204" pitchFamily="34" charset="0"/>
+                              </a:rPr>
+                            </m:ctrlPr>
+                          </m:sSubSupPr>
+                          <m:e>
+                            <m:acc>
+                              <m:accPr>
+                                <m:chr m:val="⃗"/>
+                                <m:ctrlPr>
+                                  <a:rPr lang="en-US" sz="2000" b="0" i="1" smtClean="0">
+                                    <a:latin typeface="Cambria Math" panose="02040503050406030204" pitchFamily="18" charset="0"/>
+                                    <a:cs typeface="Arial" panose="020B0604020202020204" pitchFamily="34" charset="0"/>
+                                  </a:rPr>
+                                </m:ctrlPr>
+                              </m:accPr>
+                              <m:e>
+                                <m:r>
+                                  <a:rPr lang="en-US" sz="2000" b="0" i="1" smtClean="0">
+                                    <a:latin typeface="Cambria Math" panose="02040503050406030204" pitchFamily="18" charset="0"/>
+                                    <a:cs typeface="Arial" panose="020B0604020202020204" pitchFamily="34" charset="0"/>
+                                  </a:rPr>
+                                  <m:t>𝑓</m:t>
+                                </m:r>
+                              </m:e>
+                            </m:acc>
+                          </m:e>
+                          <m:sub>
+                            <m:r>
+                              <a:rPr lang="en-US" sz="2000" b="0" i="1" smtClean="0">
+                                <a:latin typeface="Cambria Math" panose="02040503050406030204" pitchFamily="18" charset="0"/>
+                                <a:cs typeface="Arial" panose="020B0604020202020204" pitchFamily="34" charset="0"/>
+                              </a:rPr>
+                              <m:t>𝑠</m:t>
+                            </m:r>
+                          </m:sub>
+                          <m:sup>
+                            <m:r>
+                              <a:rPr lang="en-US" sz="2000" b="0" i="1" smtClean="0">
+                                <a:latin typeface="Cambria Math" panose="02040503050406030204" pitchFamily="18" charset="0"/>
+                                <a:cs typeface="Arial" panose="020B0604020202020204" pitchFamily="34" charset="0"/>
+                              </a:rPr>
+                              <m:t>𝑚</m:t>
+                            </m:r>
+                          </m:sup>
+                        </m:sSubSup>
+                      </m:oMath>
+                    </m:oMathPara>
+                  </a14:m>
+                  <a:endParaRPr lang="en-US" sz="2000" dirty="0" smtClean="0">
+                    <a:latin typeface="Arial" panose="020B0604020202020204" pitchFamily="34" charset="0"/>
+                    <a:cs typeface="Arial" panose="020B0604020202020204" pitchFamily="34" charset="0"/>
+                  </a:endParaRPr>
+                </a:p>
+              </p:txBody>
+            </p:sp>
+          </mc:Choice>
+          <mc:Fallback>
+            <p:sp>
+              <p:nvSpPr>
+                <p:cNvPr id="31" name="TextBox 30"/>
+                <p:cNvSpPr txBox="1">
+                  <a:spLocks noRot="1" noChangeAspect="1" noMove="1" noResize="1" noEditPoints="1" noAdjustHandles="1" noChangeArrowheads="1" noChangeShapeType="1" noTextEdit="1"/>
+                </p:cNvSpPr>
+                <p:nvPr/>
+              </p:nvSpPr>
+              <p:spPr>
+                <a:xfrm>
+                  <a:off x="5334126" y="2601870"/>
+                  <a:ext cx="415818" cy="354071"/>
+                </a:xfrm>
+                <a:prstGeom prst="rect">
+                  <a:avLst/>
+                </a:prstGeom>
+                <a:blipFill>
+                  <a:blip r:embed="rId6"/>
+                  <a:stretch>
+                    <a:fillRect l="-19118" t="-34483" r="-48529" b="-31034"/>
+                  </a:stretch>
+                </a:blipFill>
+              </p:spPr>
+              <p:txBody>
+                <a:bodyPr/>
+                <a:lstStyle/>
+                <a:p>
+                  <a:r>
+                    <a:rPr lang="en-US">
+                      <a:noFill/>
+                    </a:rPr>
+                    <a:t> </a:t>
+                  </a:r>
+                </a:p>
+              </p:txBody>
+            </p:sp>
+          </mc:Fallback>
+        </mc:AlternateContent>
+        <p:cxnSp>
+          <p:nvCxnSpPr>
+            <p:cNvPr id="32" name="Straight Arrow Connector 31"/>
+            <p:cNvCxnSpPr/>
+            <p:nvPr/>
+          </p:nvCxnSpPr>
+          <p:spPr>
+            <a:xfrm flipH="1">
+              <a:off x="3814760" y="3363316"/>
+              <a:ext cx="455829" cy="432805"/>
+            </a:xfrm>
+            <a:prstGeom prst="straightConnector1">
+              <a:avLst/>
+            </a:prstGeom>
+            <a:ln w="38100">
+              <a:solidFill>
+                <a:schemeClr val="tx1"/>
+              </a:solidFill>
+              <a:tailEnd type="triangle"/>
+            </a:ln>
+          </p:spPr>
+          <p:style>
+            <a:lnRef idx="1">
+              <a:schemeClr val="accent1"/>
+            </a:lnRef>
+            <a:fillRef idx="0">
+              <a:schemeClr val="accent1"/>
+            </a:fillRef>
+            <a:effectRef idx="0">
+              <a:schemeClr val="accent1"/>
+            </a:effectRef>
+            <a:fontRef idx="minor">
+              <a:schemeClr val="tx1"/>
+            </a:fontRef>
+          </p:style>
+        </p:cxnSp>
+        <p:cxnSp>
+          <p:nvCxnSpPr>
+            <p:cNvPr id="34" name="Straight Arrow Connector 33"/>
+            <p:cNvCxnSpPr/>
+            <p:nvPr/>
+          </p:nvCxnSpPr>
+          <p:spPr>
+            <a:xfrm>
+              <a:off x="4142853" y="3659847"/>
+              <a:ext cx="10832" cy="859840"/>
+            </a:xfrm>
+            <a:prstGeom prst="straightConnector1">
+              <a:avLst/>
+            </a:prstGeom>
+            <a:ln w="38100">
+              <a:solidFill>
+                <a:schemeClr val="tx1"/>
+              </a:solidFill>
+              <a:tailEnd type="triangle"/>
+            </a:ln>
+          </p:spPr>
+          <p:style>
+            <a:lnRef idx="1">
+              <a:schemeClr val="accent1"/>
+            </a:lnRef>
+            <a:fillRef idx="0">
+              <a:schemeClr val="accent1"/>
+            </a:fillRef>
+            <a:effectRef idx="0">
+              <a:schemeClr val="accent1"/>
+            </a:effectRef>
+            <a:fontRef idx="minor">
+              <a:schemeClr val="tx1"/>
+            </a:fontRef>
+          </p:style>
+        </p:cxnSp>
+        <p:cxnSp>
+          <p:nvCxnSpPr>
+            <p:cNvPr id="36" name="Straight Arrow Connector 35"/>
+            <p:cNvCxnSpPr/>
+            <p:nvPr/>
+          </p:nvCxnSpPr>
+          <p:spPr>
+            <a:xfrm>
+              <a:off x="4327554" y="3334728"/>
+              <a:ext cx="295020" cy="277946"/>
+            </a:xfrm>
+            <a:prstGeom prst="straightConnector1">
+              <a:avLst/>
+            </a:prstGeom>
+            <a:ln w="38100">
+              <a:solidFill>
+                <a:schemeClr val="tx1"/>
+              </a:solidFill>
+              <a:tailEnd type="triangle"/>
+            </a:ln>
+          </p:spPr>
+          <p:style>
+            <a:lnRef idx="1">
+              <a:schemeClr val="accent1"/>
+            </a:lnRef>
+            <a:fillRef idx="0">
+              <a:schemeClr val="accent1"/>
+            </a:fillRef>
+            <a:effectRef idx="0">
+              <a:schemeClr val="accent1"/>
+            </a:effectRef>
+            <a:fontRef idx="minor">
+              <a:schemeClr val="tx1"/>
+            </a:fontRef>
+          </p:style>
+        </p:cxnSp>
+        <p:cxnSp>
+          <p:nvCxnSpPr>
+            <p:cNvPr id="57" name="Straight Arrow Connector 56"/>
+            <p:cNvCxnSpPr/>
+            <p:nvPr/>
+          </p:nvCxnSpPr>
+          <p:spPr>
+            <a:xfrm flipH="1" flipV="1">
+              <a:off x="4260876" y="2356444"/>
+              <a:ext cx="4006" cy="1573134"/>
+            </a:xfrm>
+            <a:prstGeom prst="straightConnector1">
+              <a:avLst/>
+            </a:prstGeom>
+            <a:ln w="38100">
+              <a:solidFill>
+                <a:schemeClr val="tx1"/>
+              </a:solidFill>
+              <a:tailEnd type="triangle"/>
+            </a:ln>
+          </p:spPr>
+          <p:style>
+            <a:lnRef idx="1">
+              <a:schemeClr val="accent1"/>
+            </a:lnRef>
+            <a:fillRef idx="0">
+              <a:schemeClr val="accent1"/>
+            </a:fillRef>
+            <a:effectRef idx="0">
+              <a:schemeClr val="accent1"/>
+            </a:effectRef>
+            <a:fontRef idx="minor">
+              <a:schemeClr val="tx1"/>
+            </a:fontRef>
+          </p:style>
+        </p:cxnSp>
+        <mc:AlternateContent xmlns:mc="http://schemas.openxmlformats.org/markup-compatibility/2006">
+          <mc:Choice xmlns:a14="http://schemas.microsoft.com/office/drawing/2010/main" Requires="a14">
+            <p:sp>
+              <p:nvSpPr>
+                <p:cNvPr id="60" name="TextBox 59"/>
+                <p:cNvSpPr txBox="1"/>
+                <p:nvPr/>
+              </p:nvSpPr>
+              <p:spPr>
+                <a:xfrm>
+                  <a:off x="4196367" y="4245348"/>
+                  <a:ext cx="426207" cy="377219"/>
+                </a:xfrm>
+                <a:prstGeom prst="rect">
+                  <a:avLst/>
+                </a:prstGeom>
+                <a:noFill/>
+              </p:spPr>
+              <p:txBody>
+                <a:bodyPr wrap="none" lIns="0" tIns="0" rIns="0" bIns="0" rtlCol="0">
+                  <a:spAutoFit/>
+                </a:bodyPr>
+                <a:lstStyle/>
+                <a:p>
+                  <a:pPr/>
+                  <a14:m>
+                    <m:oMathPara xmlns:m="http://schemas.openxmlformats.org/officeDocument/2006/math">
+                      <m:oMathParaPr>
+                        <m:jc m:val="centerGroup"/>
+                      </m:oMathParaPr>
+                      <m:oMath xmlns:m="http://schemas.openxmlformats.org/officeDocument/2006/math">
+                        <m:sSubSup>
+                          <m:sSubSupPr>
+                            <m:ctrlPr>
+                              <a:rPr lang="en-US" sz="2000" b="0" i="1" smtClean="0">
+                                <a:solidFill>
+                                  <a:schemeClr val="tx1"/>
+                                </a:solidFill>
+                                <a:latin typeface="Cambria Math" panose="02040503050406030204" pitchFamily="18" charset="0"/>
+                                <a:cs typeface="Arial" panose="020B0604020202020204" pitchFamily="34" charset="0"/>
+                              </a:rPr>
+                            </m:ctrlPr>
+                          </m:sSubSupPr>
+                          <m:e>
+                            <m:acc>
+                              <m:accPr>
+                                <m:chr m:val="⃗"/>
+                                <m:ctrlPr>
+                                  <a:rPr lang="en-US" sz="2000" b="0" i="1" smtClean="0">
+                                    <a:solidFill>
+                                      <a:schemeClr val="tx1"/>
+                                    </a:solidFill>
+                                    <a:latin typeface="Cambria Math" panose="02040503050406030204" pitchFamily="18" charset="0"/>
+                                    <a:cs typeface="Arial" panose="020B0604020202020204" pitchFamily="34" charset="0"/>
+                                  </a:rPr>
+                                </m:ctrlPr>
+                              </m:accPr>
+                              <m:e>
+                                <m:r>
+                                  <a:rPr lang="en-US" sz="2000" b="0" i="1" smtClean="0">
+                                    <a:solidFill>
+                                      <a:schemeClr val="tx1"/>
+                                    </a:solidFill>
+                                    <a:latin typeface="Cambria Math" panose="02040503050406030204" pitchFamily="18" charset="0"/>
+                                    <a:cs typeface="Arial" panose="020B0604020202020204" pitchFamily="34" charset="0"/>
+                                  </a:rPr>
+                                  <m:t>𝐹</m:t>
+                                </m:r>
+                              </m:e>
+                            </m:acc>
+                          </m:e>
+                          <m:sub>
+                            <m:r>
+                              <a:rPr lang="en-US" sz="2000" b="0" i="1" smtClean="0">
+                                <a:solidFill>
+                                  <a:schemeClr val="tx1"/>
+                                </a:solidFill>
+                                <a:latin typeface="Cambria Math" panose="02040503050406030204" pitchFamily="18" charset="0"/>
+                                <a:cs typeface="Arial" panose="020B0604020202020204" pitchFamily="34" charset="0"/>
+                              </a:rPr>
+                              <m:t>𝑔</m:t>
+                            </m:r>
+                          </m:sub>
+                          <m:sup>
+                            <m:r>
+                              <a:rPr lang="en-US" sz="2000" b="0" i="1" smtClean="0">
+                                <a:solidFill>
+                                  <a:schemeClr val="tx1"/>
+                                </a:solidFill>
+                                <a:latin typeface="Cambria Math" panose="02040503050406030204" pitchFamily="18" charset="0"/>
+                                <a:cs typeface="Arial" panose="020B0604020202020204" pitchFamily="34" charset="0"/>
+                              </a:rPr>
+                              <m:t>𝑀</m:t>
+                            </m:r>
+                          </m:sup>
+                        </m:sSubSup>
+                      </m:oMath>
+                    </m:oMathPara>
+                  </a14:m>
+                  <a:endParaRPr lang="en-US" sz="2000" dirty="0" smtClean="0">
+                    <a:solidFill>
+                      <a:schemeClr val="tx1"/>
+                    </a:solidFill>
+                    <a:latin typeface="Arial" panose="020B0604020202020204" pitchFamily="34" charset="0"/>
+                    <a:cs typeface="Arial" panose="020B0604020202020204" pitchFamily="34" charset="0"/>
+                  </a:endParaRPr>
+                </a:p>
+              </p:txBody>
+            </p:sp>
+          </mc:Choice>
+          <mc:Fallback>
+            <p:sp>
+              <p:nvSpPr>
+                <p:cNvPr id="60" name="TextBox 59"/>
+                <p:cNvSpPr txBox="1">
+                  <a:spLocks noRot="1" noChangeAspect="1" noMove="1" noResize="1" noEditPoints="1" noAdjustHandles="1" noChangeArrowheads="1" noChangeShapeType="1" noTextEdit="1"/>
+                </p:cNvSpPr>
+                <p:nvPr/>
+              </p:nvSpPr>
+              <p:spPr>
+                <a:xfrm>
+                  <a:off x="4196367" y="4245348"/>
+                  <a:ext cx="426207" cy="377219"/>
+                </a:xfrm>
+                <a:prstGeom prst="rect">
+                  <a:avLst/>
+                </a:prstGeom>
+                <a:blipFill>
+                  <a:blip r:embed="rId7"/>
+                  <a:stretch>
+                    <a:fillRect l="-10000" t="-30645" r="-44286" b="-17742"/>
+                  </a:stretch>
+                </a:blipFill>
+              </p:spPr>
+              <p:txBody>
+                <a:bodyPr/>
+                <a:lstStyle/>
+                <a:p>
+                  <a:r>
+                    <a:rPr lang="en-US">
+                      <a:noFill/>
+                    </a:rPr>
+                    <a:t> </a:t>
+                  </a:r>
+                </a:p>
+              </p:txBody>
+            </p:sp>
+          </mc:Fallback>
+        </mc:AlternateContent>
+        <mc:AlternateContent xmlns:mc="http://schemas.openxmlformats.org/markup-compatibility/2006">
+          <mc:Choice xmlns:a14="http://schemas.microsoft.com/office/drawing/2010/main" Requires="a14">
+            <p:sp>
+              <p:nvSpPr>
+                <p:cNvPr id="61" name="TextBox 60"/>
+                <p:cNvSpPr txBox="1"/>
+                <p:nvPr/>
+              </p:nvSpPr>
+              <p:spPr>
+                <a:xfrm>
+                  <a:off x="4679540" y="3207043"/>
+                  <a:ext cx="415818" cy="354071"/>
+                </a:xfrm>
+                <a:prstGeom prst="rect">
+                  <a:avLst/>
+                </a:prstGeom>
+                <a:noFill/>
+              </p:spPr>
+              <p:txBody>
+                <a:bodyPr wrap="none" lIns="0" tIns="0" rIns="0" bIns="0" rtlCol="0">
+                  <a:spAutoFit/>
+                </a:bodyPr>
+                <a:lstStyle/>
+                <a:p>
+                  <a:pPr/>
+                  <a14:m>
+                    <m:oMathPara xmlns:m="http://schemas.openxmlformats.org/officeDocument/2006/math">
+                      <m:oMathParaPr>
+                        <m:jc m:val="centerGroup"/>
+                      </m:oMathParaPr>
+                      <m:oMath xmlns:m="http://schemas.openxmlformats.org/officeDocument/2006/math">
+                        <m:sSubSup>
+                          <m:sSubSupPr>
+                            <m:ctrlPr>
+                              <a:rPr lang="en-US" sz="2000" b="0" i="1" smtClean="0">
+                                <a:solidFill>
+                                  <a:schemeClr val="tx1"/>
+                                </a:solidFill>
+                                <a:latin typeface="Cambria Math" panose="02040503050406030204" pitchFamily="18" charset="0"/>
+                                <a:cs typeface="Arial" panose="020B0604020202020204" pitchFamily="34" charset="0"/>
+                              </a:rPr>
+                            </m:ctrlPr>
+                          </m:sSubSupPr>
+                          <m:e>
+                            <m:acc>
+                              <m:accPr>
+                                <m:chr m:val="⃗"/>
+                                <m:ctrlPr>
+                                  <a:rPr lang="en-US" sz="2000" b="0" i="1" smtClean="0">
+                                    <a:solidFill>
+                                      <a:schemeClr val="tx1"/>
+                                    </a:solidFill>
+                                    <a:latin typeface="Cambria Math" panose="02040503050406030204" pitchFamily="18" charset="0"/>
+                                    <a:cs typeface="Arial" panose="020B0604020202020204" pitchFamily="34" charset="0"/>
+                                  </a:rPr>
+                                </m:ctrlPr>
+                              </m:accPr>
+                              <m:e>
+                                <m:r>
+                                  <a:rPr lang="en-US" sz="2000" b="0" i="1" smtClean="0">
+                                    <a:solidFill>
+                                      <a:schemeClr val="tx1"/>
+                                    </a:solidFill>
+                                    <a:latin typeface="Cambria Math" panose="02040503050406030204" pitchFamily="18" charset="0"/>
+                                    <a:cs typeface="Arial" panose="020B0604020202020204" pitchFamily="34" charset="0"/>
+                                  </a:rPr>
+                                  <m:t>𝑓</m:t>
+                                </m:r>
+                              </m:e>
+                            </m:acc>
+                          </m:e>
+                          <m:sub>
+                            <m:r>
+                              <a:rPr lang="en-US" sz="2000" b="0" i="1" smtClean="0">
+                                <a:solidFill>
+                                  <a:schemeClr val="tx1"/>
+                                </a:solidFill>
+                                <a:latin typeface="Cambria Math" panose="02040503050406030204" pitchFamily="18" charset="0"/>
+                                <a:cs typeface="Arial" panose="020B0604020202020204" pitchFamily="34" charset="0"/>
+                              </a:rPr>
+                              <m:t>𝑠</m:t>
+                            </m:r>
+                          </m:sub>
+                          <m:sup>
+                            <m:r>
+                              <a:rPr lang="en-US" sz="2000" b="0" i="1" smtClean="0">
+                                <a:solidFill>
+                                  <a:schemeClr val="tx1"/>
+                                </a:solidFill>
+                                <a:latin typeface="Cambria Math" panose="02040503050406030204" pitchFamily="18" charset="0"/>
+                                <a:cs typeface="Arial" panose="020B0604020202020204" pitchFamily="34" charset="0"/>
+                              </a:rPr>
+                              <m:t>𝑀</m:t>
+                            </m:r>
+                          </m:sup>
+                        </m:sSubSup>
+                      </m:oMath>
+                    </m:oMathPara>
+                  </a14:m>
+                  <a:endParaRPr lang="en-US" sz="2000" dirty="0" smtClean="0">
+                    <a:solidFill>
+                      <a:schemeClr val="tx1"/>
+                    </a:solidFill>
+                    <a:latin typeface="Arial" panose="020B0604020202020204" pitchFamily="34" charset="0"/>
+                    <a:cs typeface="Arial" panose="020B0604020202020204" pitchFamily="34" charset="0"/>
+                  </a:endParaRPr>
+                </a:p>
+              </p:txBody>
+            </p:sp>
+          </mc:Choice>
+          <mc:Fallback>
+            <p:sp>
+              <p:nvSpPr>
+                <p:cNvPr id="61" name="TextBox 60"/>
+                <p:cNvSpPr txBox="1">
+                  <a:spLocks noRot="1" noChangeAspect="1" noMove="1" noResize="1" noEditPoints="1" noAdjustHandles="1" noChangeArrowheads="1" noChangeShapeType="1" noTextEdit="1"/>
+                </p:cNvSpPr>
+                <p:nvPr/>
+              </p:nvSpPr>
+              <p:spPr>
+                <a:xfrm>
+                  <a:off x="4679540" y="3207043"/>
+                  <a:ext cx="415818" cy="354071"/>
+                </a:xfrm>
+                <a:prstGeom prst="rect">
+                  <a:avLst/>
+                </a:prstGeom>
+                <a:blipFill>
+                  <a:blip r:embed="rId8"/>
+                  <a:stretch>
+                    <a:fillRect l="-19118" t="-32759" r="-48529" b="-32759"/>
+                  </a:stretch>
+                </a:blipFill>
+              </p:spPr>
+              <p:txBody>
+                <a:bodyPr/>
+                <a:lstStyle/>
+                <a:p>
+                  <a:r>
+                    <a:rPr lang="en-US">
+                      <a:noFill/>
+                    </a:rPr>
+                    <a:t> </a:t>
+                  </a:r>
+                </a:p>
+              </p:txBody>
+            </p:sp>
+          </mc:Fallback>
+        </mc:AlternateContent>
+        <mc:AlternateContent xmlns:mc="http://schemas.openxmlformats.org/markup-compatibility/2006">
+          <mc:Choice xmlns:a14="http://schemas.microsoft.com/office/drawing/2010/main" Requires="a14">
+            <p:sp>
+              <p:nvSpPr>
+                <p:cNvPr id="62" name="TextBox 61"/>
+                <p:cNvSpPr txBox="1"/>
+                <p:nvPr/>
+              </p:nvSpPr>
+              <p:spPr>
+                <a:xfrm>
+                  <a:off x="3336601" y="3440094"/>
+                  <a:ext cx="460704" cy="345159"/>
+                </a:xfrm>
+                <a:prstGeom prst="rect">
+                  <a:avLst/>
+                </a:prstGeom>
+                <a:noFill/>
+              </p:spPr>
+              <p:txBody>
+                <a:bodyPr wrap="none" lIns="0" tIns="0" rIns="0" bIns="0" rtlCol="0">
+                  <a:spAutoFit/>
+                </a:bodyPr>
+                <a:lstStyle/>
+                <a:p>
+                  <a14:m>
+                    <m:oMathPara xmlns:m="http://schemas.openxmlformats.org/officeDocument/2006/math">
+                      <m:oMathParaPr>
+                        <m:jc m:val="centerGroup"/>
+                      </m:oMathParaPr>
+                      <m:oMath xmlns:m="http://schemas.openxmlformats.org/officeDocument/2006/math">
+                        <m:sSup>
+                          <m:sSupPr>
+                            <m:ctrlPr>
+                              <a:rPr lang="en-US" sz="2000" b="0" i="1" smtClean="0">
+                                <a:solidFill>
+                                  <a:schemeClr val="tx1"/>
+                                </a:solidFill>
+                                <a:latin typeface="Cambria Math" panose="02040503050406030204" pitchFamily="18" charset="0"/>
+                                <a:cs typeface="Arial" panose="020B0604020202020204" pitchFamily="34" charset="0"/>
+                              </a:rPr>
+                            </m:ctrlPr>
+                          </m:sSupPr>
+                          <m:e>
+                            <m:acc>
+                              <m:accPr>
+                                <m:chr m:val="⃗"/>
+                                <m:ctrlPr>
+                                  <a:rPr lang="en-US" sz="2000" b="0" i="1" smtClean="0">
+                                    <a:solidFill>
+                                      <a:schemeClr val="tx1"/>
+                                    </a:solidFill>
+                                    <a:latin typeface="Cambria Math" panose="02040503050406030204" pitchFamily="18" charset="0"/>
+                                    <a:cs typeface="Arial" panose="020B0604020202020204" pitchFamily="34" charset="0"/>
+                                  </a:rPr>
+                                </m:ctrlPr>
+                              </m:accPr>
+                              <m:e>
+                                <m:r>
+                                  <a:rPr lang="en-US" sz="2000" b="0" i="1" smtClean="0">
+                                    <a:solidFill>
+                                      <a:schemeClr val="tx1"/>
+                                    </a:solidFill>
+                                    <a:latin typeface="Cambria Math" panose="02040503050406030204" pitchFamily="18" charset="0"/>
+                                    <a:cs typeface="Arial" panose="020B0604020202020204" pitchFamily="34" charset="0"/>
+                                  </a:rPr>
+                                  <m:t>𝑁</m:t>
+                                </m:r>
+                              </m:e>
+                            </m:acc>
+                          </m:e>
+                          <m:sup>
+                            <m:r>
+                              <a:rPr lang="en-US" sz="2000" b="0" i="1" smtClean="0">
+                                <a:solidFill>
+                                  <a:schemeClr val="tx1"/>
+                                </a:solidFill>
+                                <a:latin typeface="Cambria Math" panose="02040503050406030204" pitchFamily="18" charset="0"/>
+                                <a:cs typeface="Arial" panose="020B0604020202020204" pitchFamily="34" charset="0"/>
+                              </a:rPr>
+                              <m:t>𝑀</m:t>
+                            </m:r>
+                          </m:sup>
+                        </m:sSup>
+                      </m:oMath>
+                    </m:oMathPara>
+                  </a14:m>
+                  <a:endParaRPr lang="en-US" sz="2000" dirty="0" smtClean="0">
+                    <a:solidFill>
+                      <a:schemeClr val="tx1"/>
+                    </a:solidFill>
+                    <a:latin typeface="Arial" panose="020B0604020202020204" pitchFamily="34" charset="0"/>
+                    <a:cs typeface="Arial" panose="020B0604020202020204" pitchFamily="34" charset="0"/>
+                  </a:endParaRPr>
+                </a:p>
+              </p:txBody>
+            </p:sp>
+          </mc:Choice>
+          <mc:Fallback>
+            <p:sp>
+              <p:nvSpPr>
+                <p:cNvPr id="62" name="TextBox 61"/>
+                <p:cNvSpPr txBox="1">
+                  <a:spLocks noRot="1" noChangeAspect="1" noMove="1" noResize="1" noEditPoints="1" noAdjustHandles="1" noChangeArrowheads="1" noChangeShapeType="1" noTextEdit="1"/>
+                </p:cNvSpPr>
+                <p:nvPr/>
+              </p:nvSpPr>
+              <p:spPr>
+                <a:xfrm>
+                  <a:off x="3336601" y="3440094"/>
+                  <a:ext cx="460704" cy="345159"/>
+                </a:xfrm>
+                <a:prstGeom prst="rect">
+                  <a:avLst/>
+                </a:prstGeom>
+                <a:blipFill>
+                  <a:blip r:embed="rId9"/>
+                  <a:stretch>
+                    <a:fillRect l="-9211" r="-2632" b="-8772"/>
+                  </a:stretch>
+                </a:blipFill>
+              </p:spPr>
+              <p:txBody>
+                <a:bodyPr/>
+                <a:lstStyle/>
+                <a:p>
+                  <a:r>
+                    <a:rPr lang="en-US">
+                      <a:noFill/>
+                    </a:rPr>
+                    <a:t> </a:t>
+                  </a:r>
+                </a:p>
+              </p:txBody>
+            </p:sp>
+          </mc:Fallback>
+        </mc:AlternateContent>
+        <mc:AlternateContent xmlns:mc="http://schemas.openxmlformats.org/markup-compatibility/2006">
+          <mc:Choice xmlns:a14="http://schemas.microsoft.com/office/drawing/2010/main" Requires="a14">
+            <p:sp>
+              <p:nvSpPr>
+                <p:cNvPr id="63" name="TextBox 62"/>
+                <p:cNvSpPr txBox="1"/>
+                <p:nvPr/>
+              </p:nvSpPr>
+              <p:spPr>
+                <a:xfrm>
+                  <a:off x="3776094" y="2561891"/>
+                  <a:ext cx="452432" cy="345351"/>
+                </a:xfrm>
+                <a:prstGeom prst="rect">
+                  <a:avLst/>
+                </a:prstGeom>
+                <a:noFill/>
+              </p:spPr>
+              <p:txBody>
+                <a:bodyPr wrap="none" lIns="0" tIns="0" rIns="0" bIns="0" rtlCol="0">
+                  <a:spAutoFit/>
+                </a:bodyPr>
+                <a:lstStyle/>
+                <a:p>
+                  <a14:m>
+                    <m:oMathPara xmlns:m="http://schemas.openxmlformats.org/officeDocument/2006/math">
+                      <m:oMathParaPr>
+                        <m:jc m:val="centerGroup"/>
+                      </m:oMathParaPr>
+                      <m:oMath xmlns:m="http://schemas.openxmlformats.org/officeDocument/2006/math">
+                        <m:sSubSup>
+                          <m:sSubSupPr>
+                            <m:ctrlPr>
+                              <a:rPr lang="en-US" sz="2000" b="0" i="1" smtClean="0">
+                                <a:solidFill>
+                                  <a:schemeClr val="tx1"/>
+                                </a:solidFill>
+                                <a:latin typeface="Cambria Math" panose="02040503050406030204" pitchFamily="18" charset="0"/>
+                                <a:cs typeface="Arial" panose="020B0604020202020204" pitchFamily="34" charset="0"/>
+                              </a:rPr>
+                            </m:ctrlPr>
+                          </m:sSubSupPr>
+                          <m:e>
+                            <m:acc>
+                              <m:accPr>
+                                <m:chr m:val="⃗"/>
+                                <m:ctrlPr>
+                                  <a:rPr lang="en-US" sz="2000" b="0" i="1" smtClean="0">
+                                    <a:solidFill>
+                                      <a:schemeClr val="tx1"/>
+                                    </a:solidFill>
+                                    <a:latin typeface="Cambria Math" panose="02040503050406030204" pitchFamily="18" charset="0"/>
+                                    <a:cs typeface="Arial" panose="020B0604020202020204" pitchFamily="34" charset="0"/>
+                                  </a:rPr>
+                                </m:ctrlPr>
+                              </m:accPr>
+                              <m:e>
+                                <m:r>
+                                  <a:rPr lang="en-US" sz="2000" b="0" i="1" smtClean="0">
+                                    <a:solidFill>
+                                      <a:schemeClr val="tx1"/>
+                                    </a:solidFill>
+                                    <a:latin typeface="Cambria Math" panose="02040503050406030204" pitchFamily="18" charset="0"/>
+                                    <a:cs typeface="Arial" panose="020B0604020202020204" pitchFamily="34" charset="0"/>
+                                  </a:rPr>
+                                  <m:t>𝑁</m:t>
+                                </m:r>
+                              </m:e>
+                            </m:acc>
+                          </m:e>
+                          <m:sub>
+                            <m:r>
+                              <a:rPr lang="en-US" sz="2000" b="0" i="1" smtClean="0">
+                                <a:solidFill>
+                                  <a:schemeClr val="tx1"/>
+                                </a:solidFill>
+                                <a:latin typeface="Cambria Math" panose="02040503050406030204" pitchFamily="18" charset="0"/>
+                                <a:cs typeface="Arial" panose="020B0604020202020204" pitchFamily="34" charset="0"/>
+                              </a:rPr>
+                              <m:t>2</m:t>
+                            </m:r>
+                          </m:sub>
+                          <m:sup>
+                            <m:r>
+                              <a:rPr lang="en-US" sz="2000" b="0" i="1" smtClean="0">
+                                <a:solidFill>
+                                  <a:schemeClr val="tx1"/>
+                                </a:solidFill>
+                                <a:latin typeface="Cambria Math" panose="02040503050406030204" pitchFamily="18" charset="0"/>
+                                <a:cs typeface="Arial" panose="020B0604020202020204" pitchFamily="34" charset="0"/>
+                              </a:rPr>
+                              <m:t>𝑀</m:t>
+                            </m:r>
+                          </m:sup>
+                        </m:sSubSup>
+                      </m:oMath>
+                    </m:oMathPara>
+                  </a14:m>
+                  <a:endParaRPr lang="en-US" sz="2000" dirty="0" smtClean="0">
+                    <a:solidFill>
+                      <a:schemeClr val="tx1"/>
+                    </a:solidFill>
+                    <a:latin typeface="Arial" panose="020B0604020202020204" pitchFamily="34" charset="0"/>
+                    <a:cs typeface="Arial" panose="020B0604020202020204" pitchFamily="34" charset="0"/>
+                  </a:endParaRPr>
+                </a:p>
+              </p:txBody>
+            </p:sp>
+          </mc:Choice>
+          <mc:Fallback>
+            <p:sp>
+              <p:nvSpPr>
+                <p:cNvPr id="63" name="TextBox 62"/>
+                <p:cNvSpPr txBox="1">
+                  <a:spLocks noRot="1" noChangeAspect="1" noMove="1" noResize="1" noEditPoints="1" noAdjustHandles="1" noChangeArrowheads="1" noChangeShapeType="1" noTextEdit="1"/>
+                </p:cNvSpPr>
+                <p:nvPr/>
+              </p:nvSpPr>
+              <p:spPr>
+                <a:xfrm>
+                  <a:off x="3776094" y="2561891"/>
+                  <a:ext cx="452432" cy="345351"/>
+                </a:xfrm>
+                <a:prstGeom prst="rect">
+                  <a:avLst/>
+                </a:prstGeom>
+                <a:blipFill>
+                  <a:blip r:embed="rId10"/>
+                  <a:stretch>
+                    <a:fillRect l="-10667" r="-2667" b="-19298"/>
+                  </a:stretch>
+                </a:blipFill>
+              </p:spPr>
+              <p:txBody>
+                <a:bodyPr/>
+                <a:lstStyle/>
+                <a:p>
+                  <a:r>
+                    <a:rPr lang="en-US">
+                      <a:noFill/>
+                    </a:rPr>
+                    <a:t> </a:t>
+                  </a:r>
+                </a:p>
+              </p:txBody>
+            </p:sp>
+          </mc:Fallback>
+        </mc:AlternateContent>
+      </p:grpSp>
+      <p:sp>
+        <p:nvSpPr>
+          <p:cNvPr id="85" name="Oval 84"/>
+          <p:cNvSpPr/>
+          <p:nvPr/>
+        </p:nvSpPr>
         <p:spPr>
-          <a:xfrm flipV="1">
-            <a:off x="3384223" y="4475691"/>
-            <a:ext cx="617560" cy="4713"/>
+          <a:xfrm>
+            <a:off x="5942238" y="1001767"/>
+            <a:ext cx="120943" cy="119766"/>
           </a:xfrm>
-          <a:prstGeom prst="straightConnector1">
+          <a:prstGeom prst="ellipse">
             <a:avLst/>
           </a:prstGeom>
+          <a:solidFill>
+            <a:schemeClr val="tx1"/>
+          </a:solidFill>
           <a:ln w="38100">
             <a:solidFill>
               <a:schemeClr val="tx1"/>
             </a:solidFill>
-            <a:headEnd type="triangle"/>
-            <a:tailEnd type="triangle"/>
           </a:ln>
         </p:spPr>
         <p:style>
-          <a:lnRef idx="1">
-            <a:schemeClr val="accent1"/>
+          <a:lnRef idx="2">
+            <a:schemeClr val="accent1">
+              <a:shade val="50000"/>
+            </a:schemeClr>
           </a:lnRef>
-          <a:fillRef idx="0">
+          <a:fillRef idx="1">
             <a:schemeClr val="accent1"/>
           </a:fillRef>
           <a:effectRef idx="0">
             <a:schemeClr val="accent1"/>
           </a:effectRef>
           <a:fontRef idx="minor">
-            <a:schemeClr val="tx1"/>
+            <a:schemeClr val="lt1"/>
           </a:fontRef>
         </p:style>
-      </p:cxnSp>
-      <p:cxnSp>
-        <p:nvCxnSpPr>
-          <p:cNvPr id="34" name="Straight Arrow Connector 33"/>
-          <p:cNvCxnSpPr/>
+        <p:txBody>
+          <a:bodyPr rtlCol="0" anchor="ctr"/>
+          <a:lstStyle/>
+          <a:p>
+            <a:pPr algn="ctr"/>
+            <a:endParaRPr lang="en-US"/>
+          </a:p>
+        </p:txBody>
+      </p:sp>
+      <p:grpSp>
+        <p:nvGrpSpPr>
+          <p:cNvPr id="92" name="Group 91"/>
+          <p:cNvGrpSpPr/>
           <p:nvPr/>
-        </p:nvCxnSpPr>
-        <p:spPr>
-          <a:xfrm flipV="1">
-            <a:off x="4049875" y="3198729"/>
-            <a:ext cx="738941" cy="14321"/>
+        </p:nvGrpSpPr>
+        <p:grpSpPr>
+          <a:xfrm>
+            <a:off x="7331662" y="1496122"/>
+            <a:ext cx="3274875" cy="2847883"/>
+            <a:chOff x="7331662" y="1496122"/>
+            <a:chExt cx="3274875" cy="2847883"/>
           </a:xfrm>
-          <a:prstGeom prst="straightConnector1">
-            <a:avLst/>
-          </a:prstGeom>
-          <a:ln w="38100">
+        </p:grpSpPr>
+        <p:cxnSp>
+          <p:nvCxnSpPr>
+            <p:cNvPr id="75" name="Straight Arrow Connector 74"/>
+            <p:cNvCxnSpPr/>
+            <p:nvPr/>
+          </p:nvCxnSpPr>
+          <p:spPr>
+            <a:xfrm flipH="1">
+              <a:off x="7600739" y="3194133"/>
+              <a:ext cx="455829" cy="432805"/>
+            </a:xfrm>
+            <a:prstGeom prst="straightConnector1">
+              <a:avLst/>
+            </a:prstGeom>
+            <a:ln w="38100">
+              <a:solidFill>
+                <a:schemeClr val="tx1"/>
+              </a:solidFill>
+              <a:tailEnd type="triangle"/>
+            </a:ln>
+          </p:spPr>
+          <p:style>
+            <a:lnRef idx="1">
+              <a:schemeClr val="accent1"/>
+            </a:lnRef>
+            <a:fillRef idx="0">
+              <a:schemeClr val="accent1"/>
+            </a:fillRef>
+            <a:effectRef idx="0">
+              <a:schemeClr val="accent1"/>
+            </a:effectRef>
+            <a:fontRef idx="minor">
+              <a:schemeClr val="tx1"/>
+            </a:fontRef>
+          </p:style>
+        </p:cxnSp>
+        <p:cxnSp>
+          <p:nvCxnSpPr>
+            <p:cNvPr id="76" name="Straight Arrow Connector 75"/>
+            <p:cNvCxnSpPr/>
+            <p:nvPr/>
+          </p:nvCxnSpPr>
+          <p:spPr>
+            <a:xfrm>
+              <a:off x="8111013" y="3225064"/>
+              <a:ext cx="10832" cy="859840"/>
+            </a:xfrm>
+            <a:prstGeom prst="straightConnector1">
+              <a:avLst/>
+            </a:prstGeom>
+            <a:ln w="38100">
+              <a:solidFill>
+                <a:schemeClr val="tx1"/>
+              </a:solidFill>
+              <a:tailEnd type="triangle"/>
+            </a:ln>
+          </p:spPr>
+          <p:style>
+            <a:lnRef idx="1">
+              <a:schemeClr val="accent1"/>
+            </a:lnRef>
+            <a:fillRef idx="0">
+              <a:schemeClr val="accent1"/>
+            </a:fillRef>
+            <a:effectRef idx="0">
+              <a:schemeClr val="accent1"/>
+            </a:effectRef>
+            <a:fontRef idx="minor">
+              <a:schemeClr val="tx1"/>
+            </a:fontRef>
+          </p:style>
+        </p:cxnSp>
+        <p:cxnSp>
+          <p:nvCxnSpPr>
+            <p:cNvPr id="77" name="Straight Arrow Connector 76"/>
+            <p:cNvCxnSpPr/>
+            <p:nvPr/>
+          </p:nvCxnSpPr>
+          <p:spPr>
+            <a:xfrm>
+              <a:off x="8171710" y="3195755"/>
+              <a:ext cx="295020" cy="277946"/>
+            </a:xfrm>
+            <a:prstGeom prst="straightConnector1">
+              <a:avLst/>
+            </a:prstGeom>
+            <a:ln w="38100">
+              <a:solidFill>
+                <a:schemeClr val="tx1"/>
+              </a:solidFill>
+              <a:tailEnd type="triangle"/>
+            </a:ln>
+          </p:spPr>
+          <p:style>
+            <a:lnRef idx="1">
+              <a:schemeClr val="accent1"/>
+            </a:lnRef>
+            <a:fillRef idx="0">
+              <a:schemeClr val="accent1"/>
+            </a:fillRef>
+            <a:effectRef idx="0">
+              <a:schemeClr val="accent1"/>
+            </a:effectRef>
+            <a:fontRef idx="minor">
+              <a:schemeClr val="tx1"/>
+            </a:fontRef>
+          </p:style>
+        </p:cxnSp>
+        <p:cxnSp>
+          <p:nvCxnSpPr>
+            <p:cNvPr id="78" name="Straight Arrow Connector 77"/>
+            <p:cNvCxnSpPr/>
+            <p:nvPr/>
+          </p:nvCxnSpPr>
+          <p:spPr>
+            <a:xfrm flipH="1" flipV="1">
+              <a:off x="8109010" y="1496122"/>
+              <a:ext cx="4006" cy="1573134"/>
+            </a:xfrm>
+            <a:prstGeom prst="straightConnector1">
+              <a:avLst/>
+            </a:prstGeom>
+            <a:ln w="38100">
+              <a:solidFill>
+                <a:schemeClr val="tx1"/>
+              </a:solidFill>
+              <a:tailEnd type="triangle"/>
+            </a:ln>
+          </p:spPr>
+          <p:style>
+            <a:lnRef idx="1">
+              <a:schemeClr val="accent1"/>
+            </a:lnRef>
+            <a:fillRef idx="0">
+              <a:schemeClr val="accent1"/>
+            </a:fillRef>
+            <a:effectRef idx="0">
+              <a:schemeClr val="accent1"/>
+            </a:effectRef>
+            <a:fontRef idx="minor">
+              <a:schemeClr val="tx1"/>
+            </a:fontRef>
+          </p:style>
+        </p:cxnSp>
+        <mc:AlternateContent xmlns:mc="http://schemas.openxmlformats.org/markup-compatibility/2006">
+          <mc:Choice xmlns:a14="http://schemas.microsoft.com/office/drawing/2010/main" Requires="a14">
+            <p:sp>
+              <p:nvSpPr>
+                <p:cNvPr id="79" name="TextBox 78"/>
+                <p:cNvSpPr txBox="1"/>
+                <p:nvPr/>
+              </p:nvSpPr>
+              <p:spPr>
+                <a:xfrm>
+                  <a:off x="8109010" y="3966786"/>
+                  <a:ext cx="426207" cy="377219"/>
+                </a:xfrm>
+                <a:prstGeom prst="rect">
+                  <a:avLst/>
+                </a:prstGeom>
+                <a:noFill/>
+              </p:spPr>
+              <p:txBody>
+                <a:bodyPr wrap="none" lIns="0" tIns="0" rIns="0" bIns="0" rtlCol="0">
+                  <a:spAutoFit/>
+                </a:bodyPr>
+                <a:lstStyle/>
+                <a:p>
+                  <a:pPr/>
+                  <a14:m>
+                    <m:oMathPara xmlns:m="http://schemas.openxmlformats.org/officeDocument/2006/math">
+                      <m:oMathParaPr>
+                        <m:jc m:val="centerGroup"/>
+                      </m:oMathParaPr>
+                      <m:oMath xmlns:m="http://schemas.openxmlformats.org/officeDocument/2006/math">
+                        <m:sSubSup>
+                          <m:sSubSupPr>
+                            <m:ctrlPr>
+                              <a:rPr lang="en-US" sz="2000" b="0" i="1" smtClean="0">
+                                <a:solidFill>
+                                  <a:schemeClr val="tx1"/>
+                                </a:solidFill>
+                                <a:latin typeface="Cambria Math" panose="02040503050406030204" pitchFamily="18" charset="0"/>
+                                <a:cs typeface="Arial" panose="020B0604020202020204" pitchFamily="34" charset="0"/>
+                              </a:rPr>
+                            </m:ctrlPr>
+                          </m:sSubSupPr>
+                          <m:e>
+                            <m:acc>
+                              <m:accPr>
+                                <m:chr m:val="⃗"/>
+                                <m:ctrlPr>
+                                  <a:rPr lang="en-US" sz="2000" b="0" i="1" smtClean="0">
+                                    <a:solidFill>
+                                      <a:schemeClr val="tx1"/>
+                                    </a:solidFill>
+                                    <a:latin typeface="Cambria Math" panose="02040503050406030204" pitchFamily="18" charset="0"/>
+                                    <a:cs typeface="Arial" panose="020B0604020202020204" pitchFamily="34" charset="0"/>
+                                  </a:rPr>
+                                </m:ctrlPr>
+                              </m:accPr>
+                              <m:e>
+                                <m:r>
+                                  <a:rPr lang="en-US" sz="2000" b="0" i="1" smtClean="0">
+                                    <a:solidFill>
+                                      <a:schemeClr val="tx1"/>
+                                    </a:solidFill>
+                                    <a:latin typeface="Cambria Math" panose="02040503050406030204" pitchFamily="18" charset="0"/>
+                                    <a:cs typeface="Arial" panose="020B0604020202020204" pitchFamily="34" charset="0"/>
+                                  </a:rPr>
+                                  <m:t>𝐹</m:t>
+                                </m:r>
+                              </m:e>
+                            </m:acc>
+                          </m:e>
+                          <m:sub>
+                            <m:r>
+                              <a:rPr lang="en-US" sz="2000" b="0" i="1" smtClean="0">
+                                <a:solidFill>
+                                  <a:schemeClr val="tx1"/>
+                                </a:solidFill>
+                                <a:latin typeface="Cambria Math" panose="02040503050406030204" pitchFamily="18" charset="0"/>
+                                <a:cs typeface="Arial" panose="020B0604020202020204" pitchFamily="34" charset="0"/>
+                              </a:rPr>
+                              <m:t>𝑔</m:t>
+                            </m:r>
+                          </m:sub>
+                          <m:sup>
+                            <m:r>
+                              <a:rPr lang="en-US" sz="2000" b="0" i="1" smtClean="0">
+                                <a:solidFill>
+                                  <a:schemeClr val="tx1"/>
+                                </a:solidFill>
+                                <a:latin typeface="Cambria Math" panose="02040503050406030204" pitchFamily="18" charset="0"/>
+                                <a:cs typeface="Arial" panose="020B0604020202020204" pitchFamily="34" charset="0"/>
+                              </a:rPr>
+                              <m:t>𝑀</m:t>
+                            </m:r>
+                          </m:sup>
+                        </m:sSubSup>
+                      </m:oMath>
+                    </m:oMathPara>
+                  </a14:m>
+                  <a:endParaRPr lang="en-US" sz="2000" dirty="0" smtClean="0">
+                    <a:solidFill>
+                      <a:schemeClr val="tx1"/>
+                    </a:solidFill>
+                    <a:latin typeface="Arial" panose="020B0604020202020204" pitchFamily="34" charset="0"/>
+                    <a:cs typeface="Arial" panose="020B0604020202020204" pitchFamily="34" charset="0"/>
+                  </a:endParaRPr>
+                </a:p>
+              </p:txBody>
+            </p:sp>
+          </mc:Choice>
+          <mc:Fallback>
+            <p:sp>
+              <p:nvSpPr>
+                <p:cNvPr id="79" name="TextBox 78"/>
+                <p:cNvSpPr txBox="1">
+                  <a:spLocks noRot="1" noChangeAspect="1" noMove="1" noResize="1" noEditPoints="1" noAdjustHandles="1" noChangeArrowheads="1" noChangeShapeType="1" noTextEdit="1"/>
+                </p:cNvSpPr>
+                <p:nvPr/>
+              </p:nvSpPr>
+              <p:spPr>
+                <a:xfrm>
+                  <a:off x="8109010" y="3966786"/>
+                  <a:ext cx="426207" cy="377219"/>
+                </a:xfrm>
+                <a:prstGeom prst="rect">
+                  <a:avLst/>
+                </a:prstGeom>
+                <a:blipFill>
+                  <a:blip r:embed="rId11"/>
+                  <a:stretch>
+                    <a:fillRect l="-10000" t="-32258" r="-44286" b="-17742"/>
+                  </a:stretch>
+                </a:blipFill>
+              </p:spPr>
+              <p:txBody>
+                <a:bodyPr/>
+                <a:lstStyle/>
+                <a:p>
+                  <a:r>
+                    <a:rPr lang="en-US">
+                      <a:noFill/>
+                    </a:rPr>
+                    <a:t> </a:t>
+                  </a:r>
+                </a:p>
+              </p:txBody>
+            </p:sp>
+          </mc:Fallback>
+        </mc:AlternateContent>
+        <mc:AlternateContent xmlns:mc="http://schemas.openxmlformats.org/markup-compatibility/2006">
+          <mc:Choice xmlns:a14="http://schemas.microsoft.com/office/drawing/2010/main" Requires="a14">
+            <p:sp>
+              <p:nvSpPr>
+                <p:cNvPr id="80" name="TextBox 79"/>
+                <p:cNvSpPr txBox="1"/>
+                <p:nvPr/>
+              </p:nvSpPr>
+              <p:spPr>
+                <a:xfrm>
+                  <a:off x="8411000" y="2941739"/>
+                  <a:ext cx="415818" cy="354071"/>
+                </a:xfrm>
+                <a:prstGeom prst="rect">
+                  <a:avLst/>
+                </a:prstGeom>
+                <a:noFill/>
+              </p:spPr>
+              <p:txBody>
+                <a:bodyPr wrap="none" lIns="0" tIns="0" rIns="0" bIns="0" rtlCol="0">
+                  <a:spAutoFit/>
+                </a:bodyPr>
+                <a:lstStyle/>
+                <a:p>
+                  <a:pPr/>
+                  <a14:m>
+                    <m:oMathPara xmlns:m="http://schemas.openxmlformats.org/officeDocument/2006/math">
+                      <m:oMathParaPr>
+                        <m:jc m:val="centerGroup"/>
+                      </m:oMathParaPr>
+                      <m:oMath xmlns:m="http://schemas.openxmlformats.org/officeDocument/2006/math">
+                        <m:sSubSup>
+                          <m:sSubSupPr>
+                            <m:ctrlPr>
+                              <a:rPr lang="en-US" sz="2000" b="0" i="1" smtClean="0">
+                                <a:solidFill>
+                                  <a:schemeClr val="tx1"/>
+                                </a:solidFill>
+                                <a:latin typeface="Cambria Math" panose="02040503050406030204" pitchFamily="18" charset="0"/>
+                                <a:cs typeface="Arial" panose="020B0604020202020204" pitchFamily="34" charset="0"/>
+                              </a:rPr>
+                            </m:ctrlPr>
+                          </m:sSubSupPr>
+                          <m:e>
+                            <m:acc>
+                              <m:accPr>
+                                <m:chr m:val="⃗"/>
+                                <m:ctrlPr>
+                                  <a:rPr lang="en-US" sz="2000" b="0" i="1" smtClean="0">
+                                    <a:solidFill>
+                                      <a:schemeClr val="tx1"/>
+                                    </a:solidFill>
+                                    <a:latin typeface="Cambria Math" panose="02040503050406030204" pitchFamily="18" charset="0"/>
+                                    <a:cs typeface="Arial" panose="020B0604020202020204" pitchFamily="34" charset="0"/>
+                                  </a:rPr>
+                                </m:ctrlPr>
+                              </m:accPr>
+                              <m:e>
+                                <m:r>
+                                  <a:rPr lang="en-US" sz="2000" b="0" i="1" smtClean="0">
+                                    <a:solidFill>
+                                      <a:schemeClr val="tx1"/>
+                                    </a:solidFill>
+                                    <a:latin typeface="Cambria Math" panose="02040503050406030204" pitchFamily="18" charset="0"/>
+                                    <a:cs typeface="Arial" panose="020B0604020202020204" pitchFamily="34" charset="0"/>
+                                  </a:rPr>
+                                  <m:t>𝑓</m:t>
+                                </m:r>
+                              </m:e>
+                            </m:acc>
+                          </m:e>
+                          <m:sub>
+                            <m:r>
+                              <a:rPr lang="en-US" sz="2000" b="0" i="1" smtClean="0">
+                                <a:solidFill>
+                                  <a:schemeClr val="tx1"/>
+                                </a:solidFill>
+                                <a:latin typeface="Cambria Math" panose="02040503050406030204" pitchFamily="18" charset="0"/>
+                                <a:cs typeface="Arial" panose="020B0604020202020204" pitchFamily="34" charset="0"/>
+                              </a:rPr>
+                              <m:t>𝑠</m:t>
+                            </m:r>
+                          </m:sub>
+                          <m:sup>
+                            <m:r>
+                              <a:rPr lang="en-US" sz="2000" b="0" i="1" smtClean="0">
+                                <a:solidFill>
+                                  <a:schemeClr val="tx1"/>
+                                </a:solidFill>
+                                <a:latin typeface="Cambria Math" panose="02040503050406030204" pitchFamily="18" charset="0"/>
+                                <a:cs typeface="Arial" panose="020B0604020202020204" pitchFamily="34" charset="0"/>
+                              </a:rPr>
+                              <m:t>𝑀</m:t>
+                            </m:r>
+                          </m:sup>
+                        </m:sSubSup>
+                      </m:oMath>
+                    </m:oMathPara>
+                  </a14:m>
+                  <a:endParaRPr lang="en-US" sz="2000" dirty="0" smtClean="0">
+                    <a:solidFill>
+                      <a:schemeClr val="tx1"/>
+                    </a:solidFill>
+                    <a:latin typeface="Arial" panose="020B0604020202020204" pitchFamily="34" charset="0"/>
+                    <a:cs typeface="Arial" panose="020B0604020202020204" pitchFamily="34" charset="0"/>
+                  </a:endParaRPr>
+                </a:p>
+              </p:txBody>
+            </p:sp>
+          </mc:Choice>
+          <mc:Fallback>
+            <p:sp>
+              <p:nvSpPr>
+                <p:cNvPr id="80" name="TextBox 79"/>
+                <p:cNvSpPr txBox="1">
+                  <a:spLocks noRot="1" noChangeAspect="1" noMove="1" noResize="1" noEditPoints="1" noAdjustHandles="1" noChangeArrowheads="1" noChangeShapeType="1" noTextEdit="1"/>
+                </p:cNvSpPr>
+                <p:nvPr/>
+              </p:nvSpPr>
+              <p:spPr>
+                <a:xfrm>
+                  <a:off x="8411000" y="2941739"/>
+                  <a:ext cx="415818" cy="354071"/>
+                </a:xfrm>
+                <a:prstGeom prst="rect">
+                  <a:avLst/>
+                </a:prstGeom>
+                <a:blipFill>
+                  <a:blip r:embed="rId12"/>
+                  <a:stretch>
+                    <a:fillRect l="-19118" t="-34483" r="-48529" b="-31034"/>
+                  </a:stretch>
+                </a:blipFill>
+              </p:spPr>
+              <p:txBody>
+                <a:bodyPr/>
+                <a:lstStyle/>
+                <a:p>
+                  <a:r>
+                    <a:rPr lang="en-US">
+                      <a:noFill/>
+                    </a:rPr>
+                    <a:t> </a:t>
+                  </a:r>
+                </a:p>
+              </p:txBody>
+            </p:sp>
+          </mc:Fallback>
+        </mc:AlternateContent>
+        <mc:AlternateContent xmlns:mc="http://schemas.openxmlformats.org/markup-compatibility/2006">
+          <mc:Choice xmlns:a14="http://schemas.microsoft.com/office/drawing/2010/main" Requires="a14">
+            <p:sp>
+              <p:nvSpPr>
+                <p:cNvPr id="81" name="TextBox 80"/>
+                <p:cNvSpPr txBox="1"/>
+                <p:nvPr/>
+              </p:nvSpPr>
+              <p:spPr>
+                <a:xfrm>
+                  <a:off x="7331662" y="3083464"/>
+                  <a:ext cx="460704" cy="345159"/>
+                </a:xfrm>
+                <a:prstGeom prst="rect">
+                  <a:avLst/>
+                </a:prstGeom>
+                <a:noFill/>
+              </p:spPr>
+              <p:txBody>
+                <a:bodyPr wrap="none" lIns="0" tIns="0" rIns="0" bIns="0" rtlCol="0">
+                  <a:spAutoFit/>
+                </a:bodyPr>
+                <a:lstStyle/>
+                <a:p>
+                  <a14:m>
+                    <m:oMathPara xmlns:m="http://schemas.openxmlformats.org/officeDocument/2006/math">
+                      <m:oMathParaPr>
+                        <m:jc m:val="centerGroup"/>
+                      </m:oMathParaPr>
+                      <m:oMath xmlns:m="http://schemas.openxmlformats.org/officeDocument/2006/math">
+                        <m:sSup>
+                          <m:sSupPr>
+                            <m:ctrlPr>
+                              <a:rPr lang="en-US" sz="2000" b="0" i="1" smtClean="0">
+                                <a:solidFill>
+                                  <a:schemeClr val="tx1"/>
+                                </a:solidFill>
+                                <a:latin typeface="Cambria Math" panose="02040503050406030204" pitchFamily="18" charset="0"/>
+                                <a:cs typeface="Arial" panose="020B0604020202020204" pitchFamily="34" charset="0"/>
+                              </a:rPr>
+                            </m:ctrlPr>
+                          </m:sSupPr>
+                          <m:e>
+                            <m:acc>
+                              <m:accPr>
+                                <m:chr m:val="⃗"/>
+                                <m:ctrlPr>
+                                  <a:rPr lang="en-US" sz="2000" b="0" i="1" smtClean="0">
+                                    <a:solidFill>
+                                      <a:schemeClr val="tx1"/>
+                                    </a:solidFill>
+                                    <a:latin typeface="Cambria Math" panose="02040503050406030204" pitchFamily="18" charset="0"/>
+                                    <a:cs typeface="Arial" panose="020B0604020202020204" pitchFamily="34" charset="0"/>
+                                  </a:rPr>
+                                </m:ctrlPr>
+                              </m:accPr>
+                              <m:e>
+                                <m:r>
+                                  <a:rPr lang="en-US" sz="2000" b="0" i="1" smtClean="0">
+                                    <a:solidFill>
+                                      <a:schemeClr val="tx1"/>
+                                    </a:solidFill>
+                                    <a:latin typeface="Cambria Math" panose="02040503050406030204" pitchFamily="18" charset="0"/>
+                                    <a:cs typeface="Arial" panose="020B0604020202020204" pitchFamily="34" charset="0"/>
+                                  </a:rPr>
+                                  <m:t>𝑁</m:t>
+                                </m:r>
+                              </m:e>
+                            </m:acc>
+                          </m:e>
+                          <m:sup>
+                            <m:r>
+                              <a:rPr lang="en-US" sz="2000" b="0" i="1" smtClean="0">
+                                <a:solidFill>
+                                  <a:schemeClr val="tx1"/>
+                                </a:solidFill>
+                                <a:latin typeface="Cambria Math" panose="02040503050406030204" pitchFamily="18" charset="0"/>
+                                <a:cs typeface="Arial" panose="020B0604020202020204" pitchFamily="34" charset="0"/>
+                              </a:rPr>
+                              <m:t>𝑀</m:t>
+                            </m:r>
+                          </m:sup>
+                        </m:sSup>
+                      </m:oMath>
+                    </m:oMathPara>
+                  </a14:m>
+                  <a:endParaRPr lang="en-US" sz="2000" dirty="0" smtClean="0">
+                    <a:solidFill>
+                      <a:schemeClr val="tx1"/>
+                    </a:solidFill>
+                    <a:latin typeface="Arial" panose="020B0604020202020204" pitchFamily="34" charset="0"/>
+                    <a:cs typeface="Arial" panose="020B0604020202020204" pitchFamily="34" charset="0"/>
+                  </a:endParaRPr>
+                </a:p>
+              </p:txBody>
+            </p:sp>
+          </mc:Choice>
+          <mc:Fallback>
+            <p:sp>
+              <p:nvSpPr>
+                <p:cNvPr id="81" name="TextBox 80"/>
+                <p:cNvSpPr txBox="1">
+                  <a:spLocks noRot="1" noChangeAspect="1" noMove="1" noResize="1" noEditPoints="1" noAdjustHandles="1" noChangeArrowheads="1" noChangeShapeType="1" noTextEdit="1"/>
+                </p:cNvSpPr>
+                <p:nvPr/>
+              </p:nvSpPr>
+              <p:spPr>
+                <a:xfrm>
+                  <a:off x="7331662" y="3083464"/>
+                  <a:ext cx="460704" cy="345159"/>
+                </a:xfrm>
+                <a:prstGeom prst="rect">
+                  <a:avLst/>
+                </a:prstGeom>
+                <a:blipFill>
+                  <a:blip r:embed="rId13"/>
+                  <a:stretch>
+                    <a:fillRect l="-10667" r="-2667" b="-8929"/>
+                  </a:stretch>
+                </a:blipFill>
+              </p:spPr>
+              <p:txBody>
+                <a:bodyPr/>
+                <a:lstStyle/>
+                <a:p>
+                  <a:r>
+                    <a:rPr lang="en-US">
+                      <a:noFill/>
+                    </a:rPr>
+                    <a:t> </a:t>
+                  </a:r>
+                </a:p>
+              </p:txBody>
+            </p:sp>
+          </mc:Fallback>
+        </mc:AlternateContent>
+        <mc:AlternateContent xmlns:mc="http://schemas.openxmlformats.org/markup-compatibility/2006">
+          <mc:Choice xmlns:a14="http://schemas.microsoft.com/office/drawing/2010/main" Requires="a14">
+            <p:sp>
+              <p:nvSpPr>
+                <p:cNvPr id="82" name="TextBox 81"/>
+                <p:cNvSpPr txBox="1"/>
+                <p:nvPr/>
+              </p:nvSpPr>
+              <p:spPr>
+                <a:xfrm>
+                  <a:off x="7656578" y="2245881"/>
+                  <a:ext cx="452432" cy="345351"/>
+                </a:xfrm>
+                <a:prstGeom prst="rect">
+                  <a:avLst/>
+                </a:prstGeom>
+                <a:noFill/>
+              </p:spPr>
+              <p:txBody>
+                <a:bodyPr wrap="none" lIns="0" tIns="0" rIns="0" bIns="0" rtlCol="0">
+                  <a:spAutoFit/>
+                </a:bodyPr>
+                <a:lstStyle/>
+                <a:p>
+                  <a14:m>
+                    <m:oMathPara xmlns:m="http://schemas.openxmlformats.org/officeDocument/2006/math">
+                      <m:oMathParaPr>
+                        <m:jc m:val="centerGroup"/>
+                      </m:oMathParaPr>
+                      <m:oMath xmlns:m="http://schemas.openxmlformats.org/officeDocument/2006/math">
+                        <m:sSubSup>
+                          <m:sSubSupPr>
+                            <m:ctrlPr>
+                              <a:rPr lang="en-US" sz="2000" b="0" i="1" smtClean="0">
+                                <a:solidFill>
+                                  <a:schemeClr val="tx1"/>
+                                </a:solidFill>
+                                <a:latin typeface="Cambria Math" panose="02040503050406030204" pitchFamily="18" charset="0"/>
+                                <a:cs typeface="Arial" panose="020B0604020202020204" pitchFamily="34" charset="0"/>
+                              </a:rPr>
+                            </m:ctrlPr>
+                          </m:sSubSupPr>
+                          <m:e>
+                            <m:acc>
+                              <m:accPr>
+                                <m:chr m:val="⃗"/>
+                                <m:ctrlPr>
+                                  <a:rPr lang="en-US" sz="2000" b="0" i="1" smtClean="0">
+                                    <a:solidFill>
+                                      <a:schemeClr val="tx1"/>
+                                    </a:solidFill>
+                                    <a:latin typeface="Cambria Math" panose="02040503050406030204" pitchFamily="18" charset="0"/>
+                                    <a:cs typeface="Arial" panose="020B0604020202020204" pitchFamily="34" charset="0"/>
+                                  </a:rPr>
+                                </m:ctrlPr>
+                              </m:accPr>
+                              <m:e>
+                                <m:r>
+                                  <a:rPr lang="en-US" sz="2000" b="0" i="1" smtClean="0">
+                                    <a:solidFill>
+                                      <a:schemeClr val="tx1"/>
+                                    </a:solidFill>
+                                    <a:latin typeface="Cambria Math" panose="02040503050406030204" pitchFamily="18" charset="0"/>
+                                    <a:cs typeface="Arial" panose="020B0604020202020204" pitchFamily="34" charset="0"/>
+                                  </a:rPr>
+                                  <m:t>𝑁</m:t>
+                                </m:r>
+                              </m:e>
+                            </m:acc>
+                          </m:e>
+                          <m:sub>
+                            <m:r>
+                              <a:rPr lang="en-US" sz="2000" b="0" i="1" smtClean="0">
+                                <a:solidFill>
+                                  <a:schemeClr val="tx1"/>
+                                </a:solidFill>
+                                <a:latin typeface="Cambria Math" panose="02040503050406030204" pitchFamily="18" charset="0"/>
+                                <a:cs typeface="Arial" panose="020B0604020202020204" pitchFamily="34" charset="0"/>
+                              </a:rPr>
+                              <m:t>2</m:t>
+                            </m:r>
+                          </m:sub>
+                          <m:sup>
+                            <m:r>
+                              <a:rPr lang="en-US" sz="2000" b="0" i="1" smtClean="0">
+                                <a:solidFill>
+                                  <a:schemeClr val="tx1"/>
+                                </a:solidFill>
+                                <a:latin typeface="Cambria Math" panose="02040503050406030204" pitchFamily="18" charset="0"/>
+                                <a:cs typeface="Arial" panose="020B0604020202020204" pitchFamily="34" charset="0"/>
+                              </a:rPr>
+                              <m:t>𝑀</m:t>
+                            </m:r>
+                          </m:sup>
+                        </m:sSubSup>
+                      </m:oMath>
+                    </m:oMathPara>
+                  </a14:m>
+                  <a:endParaRPr lang="en-US" sz="2000" dirty="0" smtClean="0">
+                    <a:solidFill>
+                      <a:schemeClr val="tx1"/>
+                    </a:solidFill>
+                    <a:latin typeface="Arial" panose="020B0604020202020204" pitchFamily="34" charset="0"/>
+                    <a:cs typeface="Arial" panose="020B0604020202020204" pitchFamily="34" charset="0"/>
+                  </a:endParaRPr>
+                </a:p>
+              </p:txBody>
+            </p:sp>
+          </mc:Choice>
+          <mc:Fallback>
+            <p:sp>
+              <p:nvSpPr>
+                <p:cNvPr id="82" name="TextBox 81"/>
+                <p:cNvSpPr txBox="1">
+                  <a:spLocks noRot="1" noChangeAspect="1" noMove="1" noResize="1" noEditPoints="1" noAdjustHandles="1" noChangeArrowheads="1" noChangeShapeType="1" noTextEdit="1"/>
+                </p:cNvSpPr>
+                <p:nvPr/>
+              </p:nvSpPr>
+              <p:spPr>
+                <a:xfrm>
+                  <a:off x="7656578" y="2245881"/>
+                  <a:ext cx="452432" cy="345351"/>
+                </a:xfrm>
+                <a:prstGeom prst="rect">
+                  <a:avLst/>
+                </a:prstGeom>
+                <a:blipFill>
+                  <a:blip r:embed="rId14"/>
+                  <a:stretch>
+                    <a:fillRect l="-10811" r="-2703" b="-19298"/>
+                  </a:stretch>
+                </a:blipFill>
+              </p:spPr>
+              <p:txBody>
+                <a:bodyPr/>
+                <a:lstStyle/>
+                <a:p>
+                  <a:r>
+                    <a:rPr lang="en-US">
+                      <a:noFill/>
+                    </a:rPr>
+                    <a:t> </a:t>
+                  </a:r>
+                </a:p>
+              </p:txBody>
+            </p:sp>
+          </mc:Fallback>
+        </mc:AlternateContent>
+        <p:sp>
+          <p:nvSpPr>
+            <p:cNvPr id="83" name="Oval 82"/>
+            <p:cNvSpPr/>
+            <p:nvPr/>
+          </p:nvSpPr>
+          <p:spPr>
+            <a:xfrm>
+              <a:off x="8051951" y="3087277"/>
+              <a:ext cx="120943" cy="119766"/>
+            </a:xfrm>
+            <a:prstGeom prst="ellipse">
+              <a:avLst/>
+            </a:prstGeom>
             <a:solidFill>
               <a:schemeClr val="tx1"/>
             </a:solidFill>
-            <a:headEnd type="triangle"/>
-            <a:tailEnd type="triangle"/>
-          </a:ln>
-        </p:spPr>
-        <p:style>
-          <a:lnRef idx="1">
-            <a:schemeClr val="accent1"/>
-          </a:lnRef>
-          <a:fillRef idx="0">
-            <a:schemeClr val="accent1"/>
-          </a:fillRef>
-          <a:effectRef idx="0">
-            <a:schemeClr val="accent1"/>
-          </a:effectRef>
-          <a:fontRef idx="minor">
-            <a:schemeClr val="tx1"/>
-          </a:fontRef>
-        </p:style>
-      </p:cxnSp>
-      <mc:AlternateContent xmlns:mc="http://schemas.openxmlformats.org/markup-compatibility/2006">
-        <mc:Choice xmlns:a14="http://schemas.microsoft.com/office/drawing/2010/main" Requires="a14">
-          <p:sp>
-            <p:nvSpPr>
-              <p:cNvPr id="38" name="Rectangle 37"/>
-              <p:cNvSpPr/>
-              <p:nvPr/>
-            </p:nvSpPr>
-            <p:spPr>
-              <a:xfrm>
-                <a:off x="4223037" y="3130790"/>
-                <a:ext cx="367985" cy="369332"/>
-              </a:xfrm>
-              <a:prstGeom prst="rect">
-                <a:avLst/>
-              </a:prstGeom>
-            </p:spPr>
-            <p:txBody>
-              <a:bodyPr wrap="none">
-                <a:spAutoFit/>
-              </a:bodyPr>
-              <a:lstStyle/>
-              <a:p>
-                <a:pPr/>
-                <a14:m>
-                  <m:oMathPara xmlns:m="http://schemas.openxmlformats.org/officeDocument/2006/math">
-                    <m:oMathParaPr>
-                      <m:jc m:val="centerGroup"/>
-                    </m:oMathParaPr>
-                    <m:oMath xmlns:m="http://schemas.openxmlformats.org/officeDocument/2006/math">
-                      <m:r>
-                        <a:rPr lang="en-US" i="1">
-                          <a:latin typeface="Cambria Math" panose="02040503050406030204" pitchFamily="18" charset="0"/>
-                          <a:cs typeface="Arial" panose="020B0604020202020204" pitchFamily="34" charset="0"/>
-                        </a:rPr>
-                        <m:t>𝑥</m:t>
-                      </m:r>
-                    </m:oMath>
-                  </m:oMathPara>
-                </a14:m>
-                <a:endParaRPr lang="en-CA" dirty="0"/>
-              </a:p>
-            </p:txBody>
-          </p:sp>
-        </mc:Choice>
-        <mc:Fallback>
-          <p:sp>
-            <p:nvSpPr>
-              <p:cNvPr id="38" name="Rectangle 37"/>
-              <p:cNvSpPr>
-                <a:spLocks noRot="1" noChangeAspect="1" noMove="1" noResize="1" noEditPoints="1" noAdjustHandles="1" noChangeArrowheads="1" noChangeShapeType="1" noTextEdit="1"/>
-              </p:cNvSpPr>
-              <p:nvPr/>
-            </p:nvSpPr>
-            <p:spPr>
-              <a:xfrm>
-                <a:off x="4223037" y="3130790"/>
-                <a:ext cx="367985" cy="369332"/>
-              </a:xfrm>
-              <a:prstGeom prst="rect">
-                <a:avLst/>
-              </a:prstGeom>
-              <a:blipFill>
-                <a:blip r:embed="rId4"/>
-                <a:stretch>
-                  <a:fillRect/>
-                </a:stretch>
-              </a:blipFill>
-            </p:spPr>
-            <p:txBody>
-              <a:bodyPr/>
-              <a:lstStyle/>
-              <a:p>
-                <a:r>
-                  <a:rPr lang="en-US">
-                    <a:noFill/>
-                  </a:rPr>
-                  <a:t> </a:t>
-                </a:r>
-              </a:p>
-            </p:txBody>
-          </p:sp>
-        </mc:Fallback>
-      </mc:AlternateContent>
-      <mc:AlternateContent xmlns:mc="http://schemas.openxmlformats.org/markup-compatibility/2006">
-        <mc:Choice xmlns:a14="http://schemas.microsoft.com/office/drawing/2010/main" Requires="a14">
+            <a:ln w="38100">
+              <a:solidFill>
+                <a:schemeClr val="tx1"/>
+              </a:solidFill>
+            </a:ln>
+          </p:spPr>
+          <p:style>
+            <a:lnRef idx="2">
+              <a:schemeClr val="accent1">
+                <a:shade val="50000"/>
+              </a:schemeClr>
+            </a:lnRef>
+            <a:fillRef idx="1">
+              <a:schemeClr val="accent1"/>
+            </a:fillRef>
+            <a:effectRef idx="0">
+              <a:schemeClr val="accent1"/>
+            </a:effectRef>
+            <a:fontRef idx="minor">
+              <a:schemeClr val="lt1"/>
+            </a:fontRef>
+          </p:style>
+          <p:txBody>
+            <a:bodyPr rtlCol="0" anchor="ctr"/>
+            <a:lstStyle/>
+            <a:p>
+              <a:pPr algn="ctr"/>
+              <a:endParaRPr lang="en-US"/>
+            </a:p>
+          </p:txBody>
+        </p:sp>
+        <p:sp>
+          <p:nvSpPr>
+            <p:cNvPr id="84" name="Oval 83"/>
+            <p:cNvSpPr/>
+            <p:nvPr/>
+          </p:nvSpPr>
+          <p:spPr>
+            <a:xfrm>
+              <a:off x="9562348" y="3114916"/>
+              <a:ext cx="120943" cy="119766"/>
+            </a:xfrm>
+            <a:prstGeom prst="ellipse">
+              <a:avLst/>
+            </a:prstGeom>
+            <a:solidFill>
+              <a:schemeClr val="tx1"/>
+            </a:solidFill>
+            <a:ln w="38100">
+              <a:solidFill>
+                <a:schemeClr val="tx1"/>
+              </a:solidFill>
+            </a:ln>
+          </p:spPr>
+          <p:style>
+            <a:lnRef idx="2">
+              <a:schemeClr val="accent1">
+                <a:shade val="50000"/>
+              </a:schemeClr>
+            </a:lnRef>
+            <a:fillRef idx="1">
+              <a:schemeClr val="accent1"/>
+            </a:fillRef>
+            <a:effectRef idx="0">
+              <a:schemeClr val="accent1"/>
+            </a:effectRef>
+            <a:fontRef idx="minor">
+              <a:schemeClr val="lt1"/>
+            </a:fontRef>
+          </p:style>
+          <p:txBody>
+            <a:bodyPr rtlCol="0" anchor="ctr"/>
+            <a:lstStyle/>
+            <a:p>
+              <a:pPr algn="ctr"/>
+              <a:endParaRPr lang="en-US"/>
+            </a:p>
+          </p:txBody>
+        </p:sp>
+        <p:cxnSp>
+          <p:nvCxnSpPr>
+            <p:cNvPr id="86" name="Straight Arrow Connector 85"/>
+            <p:cNvCxnSpPr/>
+            <p:nvPr/>
+          </p:nvCxnSpPr>
+          <p:spPr>
+            <a:xfrm>
+              <a:off x="9619732" y="3234682"/>
+              <a:ext cx="3087" cy="822900"/>
+            </a:xfrm>
+            <a:prstGeom prst="straightConnector1">
+              <a:avLst/>
+            </a:prstGeom>
+            <a:ln w="38100">
+              <a:solidFill>
+                <a:schemeClr val="tx1"/>
+              </a:solidFill>
+              <a:tailEnd type="triangle"/>
+            </a:ln>
+          </p:spPr>
+          <p:style>
+            <a:lnRef idx="1">
+              <a:schemeClr val="accent1"/>
+            </a:lnRef>
+            <a:fillRef idx="0">
+              <a:schemeClr val="accent1"/>
+            </a:fillRef>
+            <a:effectRef idx="0">
+              <a:schemeClr val="accent1"/>
+            </a:effectRef>
+            <a:fontRef idx="minor">
+              <a:schemeClr val="tx1"/>
+            </a:fontRef>
+          </p:style>
+        </p:cxnSp>
+        <mc:AlternateContent xmlns:mc="http://schemas.openxmlformats.org/markup-compatibility/2006">
+          <mc:Choice xmlns:a14="http://schemas.microsoft.com/office/drawing/2010/main" Requires="a14">
+            <p:sp>
+              <p:nvSpPr>
+                <p:cNvPr id="87" name="TextBox 86"/>
+                <p:cNvSpPr txBox="1"/>
+                <p:nvPr/>
+              </p:nvSpPr>
+              <p:spPr>
+                <a:xfrm>
+                  <a:off x="9662383" y="3429106"/>
+                  <a:ext cx="426207" cy="377219"/>
+                </a:xfrm>
+                <a:prstGeom prst="rect">
+                  <a:avLst/>
+                </a:prstGeom>
+                <a:noFill/>
+              </p:spPr>
+              <p:txBody>
+                <a:bodyPr wrap="none" lIns="0" tIns="0" rIns="0" bIns="0" rtlCol="0">
+                  <a:spAutoFit/>
+                </a:bodyPr>
+                <a:lstStyle/>
+                <a:p>
+                  <a:pPr/>
+                  <a14:m>
+                    <m:oMathPara xmlns:m="http://schemas.openxmlformats.org/officeDocument/2006/math">
+                      <m:oMathParaPr>
+                        <m:jc m:val="centerGroup"/>
+                      </m:oMathParaPr>
+                      <m:oMath xmlns:m="http://schemas.openxmlformats.org/officeDocument/2006/math">
+                        <m:sSubSup>
+                          <m:sSubSupPr>
+                            <m:ctrlPr>
+                              <a:rPr lang="en-US" sz="2000" b="0" i="1" smtClean="0">
+                                <a:latin typeface="Cambria Math" panose="02040503050406030204" pitchFamily="18" charset="0"/>
+                                <a:cs typeface="Arial" panose="020B0604020202020204" pitchFamily="34" charset="0"/>
+                              </a:rPr>
+                            </m:ctrlPr>
+                          </m:sSubSupPr>
+                          <m:e>
+                            <m:acc>
+                              <m:accPr>
+                                <m:chr m:val="⃗"/>
+                                <m:ctrlPr>
+                                  <a:rPr lang="en-US" sz="2000" b="0" i="1" smtClean="0">
+                                    <a:latin typeface="Cambria Math" panose="02040503050406030204" pitchFamily="18" charset="0"/>
+                                    <a:cs typeface="Arial" panose="020B0604020202020204" pitchFamily="34" charset="0"/>
+                                  </a:rPr>
+                                </m:ctrlPr>
+                              </m:accPr>
+                              <m:e>
+                                <m:r>
+                                  <a:rPr lang="en-US" sz="2000" b="0" i="1" smtClean="0">
+                                    <a:latin typeface="Cambria Math" panose="02040503050406030204" pitchFamily="18" charset="0"/>
+                                    <a:cs typeface="Arial" panose="020B0604020202020204" pitchFamily="34" charset="0"/>
+                                  </a:rPr>
+                                  <m:t>𝐹</m:t>
+                                </m:r>
+                              </m:e>
+                            </m:acc>
+                          </m:e>
+                          <m:sub>
+                            <m:r>
+                              <a:rPr lang="en-US" sz="2000" b="0" i="1" smtClean="0">
+                                <a:latin typeface="Cambria Math" panose="02040503050406030204" pitchFamily="18" charset="0"/>
+                                <a:cs typeface="Arial" panose="020B0604020202020204" pitchFamily="34" charset="0"/>
+                              </a:rPr>
+                              <m:t>𝑔</m:t>
+                            </m:r>
+                          </m:sub>
+                          <m:sup>
+                            <m:r>
+                              <a:rPr lang="en-US" sz="2000" b="0" i="1" smtClean="0">
+                                <a:latin typeface="Cambria Math" panose="02040503050406030204" pitchFamily="18" charset="0"/>
+                                <a:cs typeface="Arial" panose="020B0604020202020204" pitchFamily="34" charset="0"/>
+                              </a:rPr>
+                              <m:t>𝑚</m:t>
+                            </m:r>
+                          </m:sup>
+                        </m:sSubSup>
+                      </m:oMath>
+                    </m:oMathPara>
+                  </a14:m>
+                  <a:endParaRPr lang="en-US" sz="2000" dirty="0" smtClean="0">
+                    <a:latin typeface="Arial" panose="020B0604020202020204" pitchFamily="34" charset="0"/>
+                    <a:cs typeface="Arial" panose="020B0604020202020204" pitchFamily="34" charset="0"/>
+                  </a:endParaRPr>
+                </a:p>
+              </p:txBody>
+            </p:sp>
+          </mc:Choice>
+          <mc:Fallback>
+            <p:sp>
+              <p:nvSpPr>
+                <p:cNvPr id="87" name="TextBox 86"/>
+                <p:cNvSpPr txBox="1">
+                  <a:spLocks noRot="1" noChangeAspect="1" noMove="1" noResize="1" noEditPoints="1" noAdjustHandles="1" noChangeArrowheads="1" noChangeShapeType="1" noTextEdit="1"/>
+                </p:cNvSpPr>
+                <p:nvPr/>
+              </p:nvSpPr>
+              <p:spPr>
+                <a:xfrm>
+                  <a:off x="9662383" y="3429106"/>
+                  <a:ext cx="426207" cy="377219"/>
+                </a:xfrm>
+                <a:prstGeom prst="rect">
+                  <a:avLst/>
+                </a:prstGeom>
+                <a:blipFill>
+                  <a:blip r:embed="rId15"/>
+                  <a:stretch>
+                    <a:fillRect l="-11429" t="-32787" r="-42857" b="-19672"/>
+                  </a:stretch>
+                </a:blipFill>
+              </p:spPr>
+              <p:txBody>
+                <a:bodyPr/>
+                <a:lstStyle/>
+                <a:p>
+                  <a:r>
+                    <a:rPr lang="en-US">
+                      <a:noFill/>
+                    </a:rPr>
+                    <a:t> </a:t>
+                  </a:r>
+                </a:p>
+              </p:txBody>
+            </p:sp>
+          </mc:Fallback>
+        </mc:AlternateContent>
+        <p:cxnSp>
+          <p:nvCxnSpPr>
+            <p:cNvPr id="88" name="Straight Arrow Connector 87"/>
+            <p:cNvCxnSpPr/>
+            <p:nvPr/>
+          </p:nvCxnSpPr>
+          <p:spPr>
+            <a:xfrm flipV="1">
+              <a:off x="9662383" y="2734566"/>
+              <a:ext cx="450327" cy="444262"/>
+            </a:xfrm>
+            <a:prstGeom prst="straightConnector1">
+              <a:avLst/>
+            </a:prstGeom>
+            <a:ln w="38100">
+              <a:solidFill>
+                <a:schemeClr val="tx1"/>
+              </a:solidFill>
+              <a:tailEnd type="triangle"/>
+            </a:ln>
+          </p:spPr>
+          <p:style>
+            <a:lnRef idx="1">
+              <a:schemeClr val="accent1"/>
+            </a:lnRef>
+            <a:fillRef idx="0">
+              <a:schemeClr val="accent1"/>
+            </a:fillRef>
+            <a:effectRef idx="0">
+              <a:schemeClr val="accent1"/>
+            </a:effectRef>
+            <a:fontRef idx="minor">
+              <a:schemeClr val="tx1"/>
+            </a:fontRef>
+          </p:style>
+        </p:cxnSp>
+        <mc:AlternateContent xmlns:mc="http://schemas.openxmlformats.org/markup-compatibility/2006">
+          <mc:Choice xmlns:a14="http://schemas.microsoft.com/office/drawing/2010/main" Requires="a14">
+            <p:sp>
+              <p:nvSpPr>
+                <p:cNvPr id="89" name="TextBox 88"/>
+                <p:cNvSpPr txBox="1"/>
+                <p:nvPr/>
+              </p:nvSpPr>
+              <p:spPr>
+                <a:xfrm>
+                  <a:off x="10145833" y="2501960"/>
+                  <a:ext cx="460704" cy="345159"/>
+                </a:xfrm>
+                <a:prstGeom prst="rect">
+                  <a:avLst/>
+                </a:prstGeom>
+                <a:noFill/>
+              </p:spPr>
+              <p:txBody>
+                <a:bodyPr wrap="none" lIns="0" tIns="0" rIns="0" bIns="0" rtlCol="0">
+                  <a:spAutoFit/>
+                </a:bodyPr>
+                <a:lstStyle/>
+                <a:p>
+                  <a14:m>
+                    <m:oMathPara xmlns:m="http://schemas.openxmlformats.org/officeDocument/2006/math">
+                      <m:oMathParaPr>
+                        <m:jc m:val="centerGroup"/>
+                      </m:oMathParaPr>
+                      <m:oMath xmlns:m="http://schemas.openxmlformats.org/officeDocument/2006/math">
+                        <m:sSup>
+                          <m:sSupPr>
+                            <m:ctrlPr>
+                              <a:rPr lang="en-US" sz="2000" b="0" i="1" smtClean="0">
+                                <a:latin typeface="Cambria Math" panose="02040503050406030204" pitchFamily="18" charset="0"/>
+                                <a:cs typeface="Arial" panose="020B0604020202020204" pitchFamily="34" charset="0"/>
+                              </a:rPr>
+                            </m:ctrlPr>
+                          </m:sSupPr>
+                          <m:e>
+                            <m:acc>
+                              <m:accPr>
+                                <m:chr m:val="⃗"/>
+                                <m:ctrlPr>
+                                  <a:rPr lang="en-US" sz="2000" b="0" i="1" smtClean="0">
+                                    <a:latin typeface="Cambria Math" panose="02040503050406030204" pitchFamily="18" charset="0"/>
+                                    <a:cs typeface="Arial" panose="020B0604020202020204" pitchFamily="34" charset="0"/>
+                                  </a:rPr>
+                                </m:ctrlPr>
+                              </m:accPr>
+                              <m:e>
+                                <m:r>
+                                  <a:rPr lang="en-US" sz="2000" b="0" i="1" smtClean="0">
+                                    <a:latin typeface="Cambria Math" panose="02040503050406030204" pitchFamily="18" charset="0"/>
+                                    <a:cs typeface="Arial" panose="020B0604020202020204" pitchFamily="34" charset="0"/>
+                                  </a:rPr>
+                                  <m:t>𝑁</m:t>
+                                </m:r>
+                              </m:e>
+                            </m:acc>
+                          </m:e>
+                          <m:sup>
+                            <m:r>
+                              <a:rPr lang="en-US" sz="2000" b="0" i="1" smtClean="0">
+                                <a:latin typeface="Cambria Math" panose="02040503050406030204" pitchFamily="18" charset="0"/>
+                                <a:cs typeface="Arial" panose="020B0604020202020204" pitchFamily="34" charset="0"/>
+                              </a:rPr>
+                              <m:t>𝑚</m:t>
+                            </m:r>
+                          </m:sup>
+                        </m:sSup>
+                      </m:oMath>
+                    </m:oMathPara>
+                  </a14:m>
+                  <a:endParaRPr lang="en-US" sz="2000" dirty="0" smtClean="0">
+                    <a:latin typeface="Arial" panose="020B0604020202020204" pitchFamily="34" charset="0"/>
+                    <a:cs typeface="Arial" panose="020B0604020202020204" pitchFamily="34" charset="0"/>
+                  </a:endParaRPr>
+                </a:p>
+              </p:txBody>
+            </p:sp>
+          </mc:Choice>
+          <mc:Fallback>
+            <p:sp>
+              <p:nvSpPr>
+                <p:cNvPr id="89" name="TextBox 88"/>
+                <p:cNvSpPr txBox="1">
+                  <a:spLocks noRot="1" noChangeAspect="1" noMove="1" noResize="1" noEditPoints="1" noAdjustHandles="1" noChangeArrowheads="1" noChangeShapeType="1" noTextEdit="1"/>
+                </p:cNvSpPr>
+                <p:nvPr/>
+              </p:nvSpPr>
+              <p:spPr>
+                <a:xfrm>
+                  <a:off x="10145833" y="2501960"/>
+                  <a:ext cx="460704" cy="345159"/>
+                </a:xfrm>
+                <a:prstGeom prst="rect">
+                  <a:avLst/>
+                </a:prstGeom>
+                <a:blipFill>
+                  <a:blip r:embed="rId16"/>
+                  <a:stretch>
+                    <a:fillRect l="-10526" b="-8772"/>
+                  </a:stretch>
+                </a:blipFill>
+              </p:spPr>
+              <p:txBody>
+                <a:bodyPr/>
+                <a:lstStyle/>
+                <a:p>
+                  <a:r>
+                    <a:rPr lang="en-US">
+                      <a:noFill/>
+                    </a:rPr>
+                    <a:t> </a:t>
+                  </a:r>
+                </a:p>
+              </p:txBody>
+            </p:sp>
+          </mc:Fallback>
+        </mc:AlternateContent>
+        <p:cxnSp>
+          <p:nvCxnSpPr>
+            <p:cNvPr id="90" name="Straight Arrow Connector 89"/>
+            <p:cNvCxnSpPr/>
+            <p:nvPr/>
+          </p:nvCxnSpPr>
+          <p:spPr>
+            <a:xfrm flipH="1" flipV="1">
+              <a:off x="9230728" y="2851883"/>
+              <a:ext cx="321536" cy="301360"/>
+            </a:xfrm>
+            <a:prstGeom prst="straightConnector1">
+              <a:avLst/>
+            </a:prstGeom>
+            <a:ln w="38100">
+              <a:solidFill>
+                <a:schemeClr val="tx1"/>
+              </a:solidFill>
+              <a:tailEnd type="triangle"/>
+            </a:ln>
+          </p:spPr>
+          <p:style>
+            <a:lnRef idx="1">
+              <a:schemeClr val="accent1"/>
+            </a:lnRef>
+            <a:fillRef idx="0">
+              <a:schemeClr val="accent1"/>
+            </a:fillRef>
+            <a:effectRef idx="0">
+              <a:schemeClr val="accent1"/>
+            </a:effectRef>
+            <a:fontRef idx="minor">
+              <a:schemeClr val="tx1"/>
+            </a:fontRef>
+          </p:style>
+        </p:cxnSp>
+        <mc:AlternateContent xmlns:mc="http://schemas.openxmlformats.org/markup-compatibility/2006">
+          <mc:Choice xmlns:a14="http://schemas.microsoft.com/office/drawing/2010/main" Requires="a14">
+            <p:sp>
+              <p:nvSpPr>
+                <p:cNvPr id="91" name="TextBox 90"/>
+                <p:cNvSpPr txBox="1"/>
+                <p:nvPr/>
+              </p:nvSpPr>
+              <p:spPr>
+                <a:xfrm>
+                  <a:off x="9230728" y="2428278"/>
+                  <a:ext cx="415818" cy="354071"/>
+                </a:xfrm>
+                <a:prstGeom prst="rect">
+                  <a:avLst/>
+                </a:prstGeom>
+                <a:noFill/>
+              </p:spPr>
+              <p:txBody>
+                <a:bodyPr wrap="none" lIns="0" tIns="0" rIns="0" bIns="0" rtlCol="0">
+                  <a:spAutoFit/>
+                </a:bodyPr>
+                <a:lstStyle/>
+                <a:p>
+                  <a:pPr/>
+                  <a14:m>
+                    <m:oMathPara xmlns:m="http://schemas.openxmlformats.org/officeDocument/2006/math">
+                      <m:oMathParaPr>
+                        <m:jc m:val="centerGroup"/>
+                      </m:oMathParaPr>
+                      <m:oMath xmlns:m="http://schemas.openxmlformats.org/officeDocument/2006/math">
+                        <m:sSubSup>
+                          <m:sSubSupPr>
+                            <m:ctrlPr>
+                              <a:rPr lang="en-US" sz="2000" b="0" i="1" smtClean="0">
+                                <a:latin typeface="Cambria Math" panose="02040503050406030204" pitchFamily="18" charset="0"/>
+                                <a:cs typeface="Arial" panose="020B0604020202020204" pitchFamily="34" charset="0"/>
+                              </a:rPr>
+                            </m:ctrlPr>
+                          </m:sSubSupPr>
+                          <m:e>
+                            <m:acc>
+                              <m:accPr>
+                                <m:chr m:val="⃗"/>
+                                <m:ctrlPr>
+                                  <a:rPr lang="en-US" sz="2000" b="0" i="1" smtClean="0">
+                                    <a:latin typeface="Cambria Math" panose="02040503050406030204" pitchFamily="18" charset="0"/>
+                                    <a:cs typeface="Arial" panose="020B0604020202020204" pitchFamily="34" charset="0"/>
+                                  </a:rPr>
+                                </m:ctrlPr>
+                              </m:accPr>
+                              <m:e>
+                                <m:r>
+                                  <a:rPr lang="en-US" sz="2000" b="0" i="1" smtClean="0">
+                                    <a:latin typeface="Cambria Math" panose="02040503050406030204" pitchFamily="18" charset="0"/>
+                                    <a:cs typeface="Arial" panose="020B0604020202020204" pitchFamily="34" charset="0"/>
+                                  </a:rPr>
+                                  <m:t>𝑓</m:t>
+                                </m:r>
+                              </m:e>
+                            </m:acc>
+                          </m:e>
+                          <m:sub>
+                            <m:r>
+                              <a:rPr lang="en-US" sz="2000" b="0" i="1" smtClean="0">
+                                <a:latin typeface="Cambria Math" panose="02040503050406030204" pitchFamily="18" charset="0"/>
+                                <a:cs typeface="Arial" panose="020B0604020202020204" pitchFamily="34" charset="0"/>
+                              </a:rPr>
+                              <m:t>𝑠</m:t>
+                            </m:r>
+                          </m:sub>
+                          <m:sup>
+                            <m:r>
+                              <a:rPr lang="en-US" sz="2000" b="0" i="1" smtClean="0">
+                                <a:latin typeface="Cambria Math" panose="02040503050406030204" pitchFamily="18" charset="0"/>
+                                <a:cs typeface="Arial" panose="020B0604020202020204" pitchFamily="34" charset="0"/>
+                              </a:rPr>
+                              <m:t>𝑚</m:t>
+                            </m:r>
+                          </m:sup>
+                        </m:sSubSup>
+                      </m:oMath>
+                    </m:oMathPara>
+                  </a14:m>
+                  <a:endParaRPr lang="en-US" sz="2000" dirty="0" smtClean="0">
+                    <a:latin typeface="Arial" panose="020B0604020202020204" pitchFamily="34" charset="0"/>
+                    <a:cs typeface="Arial" panose="020B0604020202020204" pitchFamily="34" charset="0"/>
+                  </a:endParaRPr>
+                </a:p>
+              </p:txBody>
+            </p:sp>
+          </mc:Choice>
+          <mc:Fallback>
+            <p:sp>
+              <p:nvSpPr>
+                <p:cNvPr id="91" name="TextBox 90"/>
+                <p:cNvSpPr txBox="1">
+                  <a:spLocks noRot="1" noChangeAspect="1" noMove="1" noResize="1" noEditPoints="1" noAdjustHandles="1" noChangeArrowheads="1" noChangeShapeType="1" noTextEdit="1"/>
+                </p:cNvSpPr>
+                <p:nvPr/>
+              </p:nvSpPr>
+              <p:spPr>
+                <a:xfrm>
+                  <a:off x="9230728" y="2428278"/>
+                  <a:ext cx="415818" cy="354071"/>
+                </a:xfrm>
+                <a:prstGeom prst="rect">
+                  <a:avLst/>
+                </a:prstGeom>
+                <a:blipFill>
+                  <a:blip r:embed="rId17"/>
+                  <a:stretch>
+                    <a:fillRect l="-19118" t="-32759" r="-48529" b="-32759"/>
+                  </a:stretch>
+                </a:blipFill>
+              </p:spPr>
+              <p:txBody>
+                <a:bodyPr/>
+                <a:lstStyle/>
+                <a:p>
+                  <a:r>
+                    <a:rPr lang="en-US">
+                      <a:noFill/>
+                    </a:rPr>
+                    <a:t> </a:t>
+                  </a:r>
+                </a:p>
+              </p:txBody>
+            </p:sp>
+          </mc:Fallback>
+        </mc:AlternateContent>
+      </p:grpSp>
+    </p:spTree>
+    <p:extLst>
+      <p:ext uri="{BB962C8B-B14F-4D97-AF65-F5344CB8AC3E}">
+        <p14:creationId xmlns:p14="http://schemas.microsoft.com/office/powerpoint/2010/main" val="3739153698"/>
+      </p:ext>
+    </p:extLst>
+  </p:cSld>
+  <p:clrMapOvr>
+    <a:masterClrMapping/>
+  </p:clrMapOvr>
+  <p:timing>
+    <p:tnLst>
+      <p:par>
+        <p:cTn id="1" dur="indefinite" restart="never" nodeType="tmRoot"/>
+      </p:par>
+    </p:tnLst>
+  </p:timing>
+</p:sld>
+</file>
+
+<file path=ppt/slides/slide4.xml><?xml version="1.0" encoding="utf-8"?>
+<p:sld xmlns:a="http://schemas.openxmlformats.org/drawingml/2006/main" xmlns:r="http://schemas.openxmlformats.org/officeDocument/2006/relationships" xmlns:p="http://schemas.openxmlformats.org/presentationml/2006/main">
+  <p:cSld>
+    <p:spTree>
+      <p:nvGrpSpPr>
+        <p:cNvPr id="1" name=""/>
+        <p:cNvGrpSpPr/>
+        <p:nvPr/>
+      </p:nvGrpSpPr>
+      <p:grpSpPr>
+        <a:xfrm>
+          <a:off x="0" y="0"/>
+          <a:ext cx="0" cy="0"/>
+          <a:chOff x="0" y="0"/>
+          <a:chExt cx="0" cy="0"/>
+        </a:xfrm>
+      </p:grpSpPr>
+      <p:grpSp>
+        <p:nvGrpSpPr>
+          <p:cNvPr id="91" name="Group 90"/>
+          <p:cNvGrpSpPr/>
+          <p:nvPr/>
+        </p:nvGrpSpPr>
+        <p:grpSpPr>
+          <a:xfrm>
+            <a:off x="760624" y="2395153"/>
+            <a:ext cx="2007850" cy="1972801"/>
+            <a:chOff x="876752" y="2636889"/>
+            <a:chExt cx="2007850" cy="1972801"/>
+          </a:xfrm>
+        </p:grpSpPr>
+        <p:grpSp>
+          <p:nvGrpSpPr>
+            <p:cNvPr id="88" name="Group 87"/>
+            <p:cNvGrpSpPr/>
+            <p:nvPr/>
+          </p:nvGrpSpPr>
+          <p:grpSpPr>
+            <a:xfrm>
+              <a:off x="876752" y="2636889"/>
+              <a:ext cx="2007850" cy="1972801"/>
+              <a:chOff x="876752" y="2636889"/>
+              <a:chExt cx="2007850" cy="1972801"/>
+            </a:xfrm>
+          </p:grpSpPr>
           <p:sp>
             <p:nvSpPr>
               <p:cNvPr id="39" name="Rectangle 38"/>
@@ -7446,85 +12554,2765 @@
               <p:nvPr/>
             </p:nvSpPr>
             <p:spPr>
-              <a:xfrm>
-                <a:off x="3492462" y="4448436"/>
-                <a:ext cx="367985" cy="369332"/>
+              <a:xfrm rot="2610359">
+                <a:off x="1319163" y="2783568"/>
+                <a:ext cx="436892" cy="415541"/>
               </a:xfrm>
               <a:prstGeom prst="rect">
                 <a:avLst/>
               </a:prstGeom>
+              <a:solidFill>
+                <a:schemeClr val="bg2">
+                  <a:lumMod val="90000"/>
+                </a:schemeClr>
+              </a:solidFill>
+              <a:ln w="38100">
+                <a:solidFill>
+                  <a:schemeClr val="tx1"/>
+                </a:solidFill>
+              </a:ln>
             </p:spPr>
+            <p:style>
+              <a:lnRef idx="2">
+                <a:schemeClr val="accent1">
+                  <a:shade val="50000"/>
+                </a:schemeClr>
+              </a:lnRef>
+              <a:fillRef idx="1">
+                <a:schemeClr val="accent1"/>
+              </a:fillRef>
+              <a:effectRef idx="0">
+                <a:schemeClr val="accent1"/>
+              </a:effectRef>
+              <a:fontRef idx="minor">
+                <a:schemeClr val="lt1"/>
+              </a:fontRef>
+            </p:style>
             <p:txBody>
-              <a:bodyPr wrap="none">
-                <a:spAutoFit/>
-              </a:bodyPr>
+              <a:bodyPr rtlCol="0" anchor="ctr"/>
               <a:lstStyle/>
               <a:p>
-                <a:pPr/>
-                <a14:m>
-                  <m:oMathPara xmlns:m="http://schemas.openxmlformats.org/officeDocument/2006/math">
-                    <m:oMathParaPr>
-                      <m:jc m:val="centerGroup"/>
-                    </m:oMathParaPr>
-                    <m:oMath xmlns:m="http://schemas.openxmlformats.org/officeDocument/2006/math">
-                      <m:r>
-                        <a:rPr lang="en-US" i="1">
-                          <a:latin typeface="Cambria Math" panose="02040503050406030204" pitchFamily="18" charset="0"/>
-                          <a:cs typeface="Arial" panose="020B0604020202020204" pitchFamily="34" charset="0"/>
-                        </a:rPr>
-                        <m:t>𝑥</m:t>
-                      </m:r>
-                    </m:oMath>
-                  </m:oMathPara>
-                </a14:m>
-                <a:endParaRPr lang="en-CA" dirty="0"/>
+                <a:pPr algn="ctr"/>
+                <a:endParaRPr lang="en-US"/>
               </a:p>
             </p:txBody>
           </p:sp>
-        </mc:Choice>
-        <mc:Fallback>
           <p:sp>
             <p:nvSpPr>
-              <p:cNvPr id="39" name="Rectangle 38"/>
-              <p:cNvSpPr>
-                <a:spLocks noRot="1" noChangeAspect="1" noMove="1" noResize="1" noEditPoints="1" noAdjustHandles="1" noChangeArrowheads="1" noChangeShapeType="1" noTextEdit="1"/>
-              </p:cNvSpPr>
+              <p:cNvPr id="40" name="Right Triangle 39"/>
+              <p:cNvSpPr/>
               <p:nvPr/>
             </p:nvSpPr>
             <p:spPr>
               <a:xfrm>
-                <a:off x="3492462" y="4448436"/>
-                <a:ext cx="367985" cy="369332"/>
+                <a:off x="876752" y="2636889"/>
+                <a:ext cx="2007850" cy="1942019"/>
+              </a:xfrm>
+              <a:prstGeom prst="rtTriangle">
+                <a:avLst/>
+              </a:prstGeom>
+              <a:solidFill>
+                <a:schemeClr val="bg2">
+                  <a:lumMod val="75000"/>
+                </a:schemeClr>
+              </a:solidFill>
+              <a:ln w="38100">
+                <a:solidFill>
+                  <a:schemeClr val="tx1"/>
+                </a:solidFill>
+              </a:ln>
+            </p:spPr>
+            <p:style>
+              <a:lnRef idx="2">
+                <a:schemeClr val="accent1">
+                  <a:shade val="50000"/>
+                </a:schemeClr>
+              </a:lnRef>
+              <a:fillRef idx="1">
+                <a:schemeClr val="accent1"/>
+              </a:fillRef>
+              <a:effectRef idx="0">
+                <a:schemeClr val="accent1"/>
+              </a:effectRef>
+              <a:fontRef idx="minor">
+                <a:schemeClr val="lt1"/>
+              </a:fontRef>
+            </p:style>
+            <p:txBody>
+              <a:bodyPr rtlCol="0" anchor="ctr"/>
+              <a:lstStyle/>
+              <a:p>
+                <a:pPr algn="ctr"/>
+                <a:endParaRPr lang="en-US"/>
+              </a:p>
+            </p:txBody>
+          </p:sp>
+          <mc:AlternateContent xmlns:mc="http://schemas.openxmlformats.org/markup-compatibility/2006">
+            <mc:Choice xmlns:a14="http://schemas.microsoft.com/office/drawing/2010/main" Requires="a14">
+              <p:sp>
+                <p:nvSpPr>
+                  <p:cNvPr id="36" name="TextBox 35"/>
+                  <p:cNvSpPr txBox="1"/>
+                  <p:nvPr/>
+                </p:nvSpPr>
+                <p:spPr>
+                  <a:xfrm>
+                    <a:off x="1338099" y="2837449"/>
+                    <a:ext cx="399019" cy="307777"/>
+                  </a:xfrm>
+                  <a:prstGeom prst="rect">
+                    <a:avLst/>
+                  </a:prstGeom>
+                  <a:noFill/>
+                </p:spPr>
+                <p:txBody>
+                  <a:bodyPr wrap="none" lIns="0" tIns="0" rIns="0" bIns="0" rtlCol="0">
+                    <a:spAutoFit/>
+                  </a:bodyPr>
+                  <a:lstStyle/>
+                  <a:p>
+                    <a14:m>
+                      <m:oMathPara xmlns:m="http://schemas.openxmlformats.org/officeDocument/2006/math">
+                        <m:oMathParaPr>
+                          <m:jc m:val="centerGroup"/>
+                        </m:oMathParaPr>
+                        <m:oMath xmlns:m="http://schemas.openxmlformats.org/officeDocument/2006/math">
+                          <m:sSub>
+                            <m:sSubPr>
+                              <m:ctrlPr>
+                                <a:rPr lang="en-US" sz="2000" b="0" i="1" smtClean="0">
+                                  <a:latin typeface="Cambria Math" panose="02040503050406030204" pitchFamily="18" charset="0"/>
+                                  <a:cs typeface="Arial" panose="020B0604020202020204" pitchFamily="34" charset="0"/>
+                                </a:rPr>
+                              </m:ctrlPr>
+                            </m:sSubPr>
+                            <m:e>
+                              <m:r>
+                                <a:rPr lang="en-US" sz="2000" b="0" i="1" smtClean="0">
+                                  <a:latin typeface="Cambria Math" panose="02040503050406030204" pitchFamily="18" charset="0"/>
+                                  <a:cs typeface="Arial" panose="020B0604020202020204" pitchFamily="34" charset="0"/>
+                                </a:rPr>
+                                <m:t>𝑚</m:t>
+                              </m:r>
+                            </m:e>
+                            <m:sub>
+                              <m:r>
+                                <a:rPr lang="en-US" sz="2000" b="0" i="1" smtClean="0">
+                                  <a:latin typeface="Cambria Math" panose="02040503050406030204" pitchFamily="18" charset="0"/>
+                                  <a:cs typeface="Arial" panose="020B0604020202020204" pitchFamily="34" charset="0"/>
+                                </a:rPr>
+                                <m:t>1</m:t>
+                              </m:r>
+                            </m:sub>
+                          </m:sSub>
+                        </m:oMath>
+                      </m:oMathPara>
+                    </a14:m>
+                    <a:endParaRPr lang="en-US" sz="2000" dirty="0" smtClean="0">
+                      <a:latin typeface="Arial" panose="020B0604020202020204" pitchFamily="34" charset="0"/>
+                      <a:cs typeface="Arial" panose="020B0604020202020204" pitchFamily="34" charset="0"/>
+                    </a:endParaRPr>
+                  </a:p>
+                </p:txBody>
+              </p:sp>
+            </mc:Choice>
+            <mc:Fallback>
+              <p:sp>
+                <p:nvSpPr>
+                  <p:cNvPr id="36" name="TextBox 35"/>
+                  <p:cNvSpPr txBox="1">
+                    <a:spLocks noRot="1" noChangeAspect="1" noMove="1" noResize="1" noEditPoints="1" noAdjustHandles="1" noChangeArrowheads="1" noChangeShapeType="1" noTextEdit="1"/>
+                  </p:cNvSpPr>
+                  <p:nvPr/>
+                </p:nvSpPr>
+                <p:spPr>
+                  <a:xfrm>
+                    <a:off x="1338099" y="2837449"/>
+                    <a:ext cx="399019" cy="307777"/>
+                  </a:xfrm>
+                  <a:prstGeom prst="rect">
+                    <a:avLst/>
+                  </a:prstGeom>
+                  <a:blipFill>
+                    <a:blip r:embed="rId2"/>
+                    <a:stretch>
+                      <a:fillRect l="-6061" r="-3030" b="-20000"/>
+                    </a:stretch>
+                  </a:blipFill>
+                </p:spPr>
+                <p:txBody>
+                  <a:bodyPr/>
+                  <a:lstStyle/>
+                  <a:p>
+                    <a:r>
+                      <a:rPr lang="en-US">
+                        <a:noFill/>
+                      </a:rPr>
+                      <a:t> </a:t>
+                    </a:r>
+                  </a:p>
+                </p:txBody>
+              </p:sp>
+            </mc:Fallback>
+          </mc:AlternateContent>
+          <p:sp>
+            <p:nvSpPr>
+              <p:cNvPr id="41" name="Rectangle 40"/>
+              <p:cNvSpPr/>
+              <p:nvPr/>
+            </p:nvSpPr>
+            <p:spPr>
+              <a:xfrm rot="2610359">
+                <a:off x="2199375" y="3632352"/>
+                <a:ext cx="436892" cy="415541"/>
               </a:xfrm>
               <a:prstGeom prst="rect">
                 <a:avLst/>
               </a:prstGeom>
-              <a:blipFill>
-                <a:blip r:embed="rId5"/>
-                <a:stretch>
-                  <a:fillRect/>
-                </a:stretch>
-              </a:blipFill>
+              <a:solidFill>
+                <a:schemeClr val="bg2">
+                  <a:lumMod val="90000"/>
+                </a:schemeClr>
+              </a:solidFill>
+              <a:ln w="38100">
+                <a:solidFill>
+                  <a:schemeClr val="tx1"/>
+                </a:solidFill>
+              </a:ln>
             </p:spPr>
+            <p:style>
+              <a:lnRef idx="2">
+                <a:schemeClr val="accent1">
+                  <a:shade val="50000"/>
+                </a:schemeClr>
+              </a:lnRef>
+              <a:fillRef idx="1">
+                <a:schemeClr val="accent1"/>
+              </a:fillRef>
+              <a:effectRef idx="0">
+                <a:schemeClr val="accent1"/>
+              </a:effectRef>
+              <a:fontRef idx="minor">
+                <a:schemeClr val="lt1"/>
+              </a:fontRef>
+            </p:style>
             <p:txBody>
-              <a:bodyPr/>
+              <a:bodyPr rtlCol="0" anchor="ctr"/>
               <a:lstStyle/>
               <a:p>
-                <a:r>
-                  <a:rPr lang="en-US">
-                    <a:noFill/>
-                  </a:rPr>
-                  <a:t> </a:t>
-                </a:r>
+                <a:pPr algn="ctr"/>
+                <a:endParaRPr lang="en-US"/>
               </a:p>
             </p:txBody>
           </p:sp>
-        </mc:Fallback>
-      </mc:AlternateContent>
+          <mc:AlternateContent xmlns:mc="http://schemas.openxmlformats.org/markup-compatibility/2006">
+            <mc:Choice xmlns:a14="http://schemas.microsoft.com/office/drawing/2010/main" Requires="a14">
+              <p:sp>
+                <p:nvSpPr>
+                  <p:cNvPr id="42" name="TextBox 41"/>
+                  <p:cNvSpPr txBox="1"/>
+                  <p:nvPr/>
+                </p:nvSpPr>
+                <p:spPr>
+                  <a:xfrm>
+                    <a:off x="2226988" y="3629792"/>
+                    <a:ext cx="404983" cy="307777"/>
+                  </a:xfrm>
+                  <a:prstGeom prst="rect">
+                    <a:avLst/>
+                  </a:prstGeom>
+                  <a:noFill/>
+                </p:spPr>
+                <p:txBody>
+                  <a:bodyPr wrap="none" lIns="0" tIns="0" rIns="0" bIns="0" rtlCol="0">
+                    <a:spAutoFit/>
+                  </a:bodyPr>
+                  <a:lstStyle/>
+                  <a:p>
+                    <a14:m>
+                      <m:oMathPara xmlns:m="http://schemas.openxmlformats.org/officeDocument/2006/math">
+                        <m:oMathParaPr>
+                          <m:jc m:val="centerGroup"/>
+                        </m:oMathParaPr>
+                        <m:oMath xmlns:m="http://schemas.openxmlformats.org/officeDocument/2006/math">
+                          <m:sSub>
+                            <m:sSubPr>
+                              <m:ctrlPr>
+                                <a:rPr lang="en-US" sz="2000" b="0" i="1" smtClean="0">
+                                  <a:latin typeface="Cambria Math" panose="02040503050406030204" pitchFamily="18" charset="0"/>
+                                  <a:cs typeface="Arial" panose="020B0604020202020204" pitchFamily="34" charset="0"/>
+                                </a:rPr>
+                              </m:ctrlPr>
+                            </m:sSubPr>
+                            <m:e>
+                              <m:r>
+                                <a:rPr lang="en-US" sz="2000" b="0" i="1" smtClean="0">
+                                  <a:latin typeface="Cambria Math" panose="02040503050406030204" pitchFamily="18" charset="0"/>
+                                  <a:cs typeface="Arial" panose="020B0604020202020204" pitchFamily="34" charset="0"/>
+                                </a:rPr>
+                                <m:t>𝑚</m:t>
+                              </m:r>
+                            </m:e>
+                            <m:sub>
+                              <m:r>
+                                <a:rPr lang="en-US" sz="2000" b="0" i="1" smtClean="0">
+                                  <a:latin typeface="Cambria Math" panose="02040503050406030204" pitchFamily="18" charset="0"/>
+                                  <a:cs typeface="Arial" panose="020B0604020202020204" pitchFamily="34" charset="0"/>
+                                </a:rPr>
+                                <m:t>2</m:t>
+                              </m:r>
+                            </m:sub>
+                          </m:sSub>
+                        </m:oMath>
+                      </m:oMathPara>
+                    </a14:m>
+                    <a:endParaRPr lang="en-US" sz="2000" dirty="0" smtClean="0">
+                      <a:latin typeface="Arial" panose="020B0604020202020204" pitchFamily="34" charset="0"/>
+                      <a:cs typeface="Arial" panose="020B0604020202020204" pitchFamily="34" charset="0"/>
+                    </a:endParaRPr>
+                  </a:p>
+                </p:txBody>
+              </p:sp>
+            </mc:Choice>
+            <mc:Fallback>
+              <p:sp>
+                <p:nvSpPr>
+                  <p:cNvPr id="42" name="TextBox 41"/>
+                  <p:cNvSpPr txBox="1">
+                    <a:spLocks noRot="1" noChangeAspect="1" noMove="1" noResize="1" noEditPoints="1" noAdjustHandles="1" noChangeArrowheads="1" noChangeShapeType="1" noTextEdit="1"/>
+                  </p:cNvSpPr>
+                  <p:nvPr/>
+                </p:nvSpPr>
+                <p:spPr>
+                  <a:xfrm>
+                    <a:off x="2226988" y="3629792"/>
+                    <a:ext cx="404983" cy="307777"/>
+                  </a:xfrm>
+                  <a:prstGeom prst="rect">
+                    <a:avLst/>
+                  </a:prstGeom>
+                  <a:blipFill>
+                    <a:blip r:embed="rId3"/>
+                    <a:stretch>
+                      <a:fillRect l="-5970" r="-4478" b="-20000"/>
+                    </a:stretch>
+                  </a:blipFill>
+                </p:spPr>
+                <p:txBody>
+                  <a:bodyPr/>
+                  <a:lstStyle/>
+                  <a:p>
+                    <a:r>
+                      <a:rPr lang="en-US">
+                        <a:noFill/>
+                      </a:rPr>
+                      <a:t> </a:t>
+                    </a:r>
+                  </a:p>
+                </p:txBody>
+              </p:sp>
+            </mc:Fallback>
+          </mc:AlternateContent>
+          <p:cxnSp>
+            <p:nvCxnSpPr>
+              <p:cNvPr id="44" name="Straight Connector 43"/>
+              <p:cNvCxnSpPr>
+                <a:stCxn id="39" idx="3"/>
+                <a:endCxn id="41" idx="1"/>
+              </p:cNvCxnSpPr>
+              <p:nvPr/>
+            </p:nvCxnSpPr>
+            <p:spPr>
+              <a:xfrm>
+                <a:off x="1696048" y="3141724"/>
+                <a:ext cx="563333" cy="548014"/>
+              </a:xfrm>
+              <a:prstGeom prst="line">
+                <a:avLst/>
+              </a:prstGeom>
+              <a:ln w="38100">
+                <a:solidFill>
+                  <a:schemeClr val="tx1"/>
+                </a:solidFill>
+              </a:ln>
+            </p:spPr>
+            <p:style>
+              <a:lnRef idx="1">
+                <a:schemeClr val="accent1"/>
+              </a:lnRef>
+              <a:fillRef idx="0">
+                <a:schemeClr val="accent1"/>
+              </a:fillRef>
+              <a:effectRef idx="0">
+                <a:schemeClr val="accent1"/>
+              </a:effectRef>
+              <a:fontRef idx="minor">
+                <a:schemeClr val="tx1"/>
+              </a:fontRef>
+            </p:style>
+          </p:cxnSp>
+          <mc:AlternateContent xmlns:mc="http://schemas.openxmlformats.org/markup-compatibility/2006">
+            <mc:Choice xmlns:a14="http://schemas.microsoft.com/office/drawing/2010/main" Requires="a14">
+              <p:sp>
+                <p:nvSpPr>
+                  <p:cNvPr id="27" name="Rectangle 26"/>
+                  <p:cNvSpPr/>
+                  <p:nvPr/>
+                </p:nvSpPr>
+                <p:spPr>
+                  <a:xfrm>
+                    <a:off x="2146519" y="4209580"/>
+                    <a:ext cx="394147" cy="400110"/>
+                  </a:xfrm>
+                  <a:prstGeom prst="rect">
+                    <a:avLst/>
+                  </a:prstGeom>
+                </p:spPr>
+                <p:txBody>
+                  <a:bodyPr wrap="none">
+                    <a:spAutoFit/>
+                  </a:bodyPr>
+                  <a:lstStyle/>
+                  <a:p>
+                    <a:pPr/>
+                    <a14:m>
+                      <m:oMathPara xmlns:m="http://schemas.openxmlformats.org/officeDocument/2006/math">
+                        <m:oMathParaPr>
+                          <m:jc m:val="centerGroup"/>
+                        </m:oMathParaPr>
+                        <m:oMath xmlns:m="http://schemas.openxmlformats.org/officeDocument/2006/math">
+                          <m:r>
+                            <a:rPr lang="en-US" sz="2000" i="1" smtClean="0">
+                              <a:latin typeface="Cambria Math" panose="02040503050406030204" pitchFamily="18" charset="0"/>
+                            </a:rPr>
+                            <m:t>𝜃</m:t>
+                          </m:r>
+                        </m:oMath>
+                      </m:oMathPara>
+                    </a14:m>
+                    <a:endParaRPr lang="en-CA" sz="2000" dirty="0"/>
+                  </a:p>
+                </p:txBody>
+              </p:sp>
+            </mc:Choice>
+            <mc:Fallback>
+              <p:sp>
+                <p:nvSpPr>
+                  <p:cNvPr id="27" name="Rectangle 26"/>
+                  <p:cNvSpPr>
+                    <a:spLocks noRot="1" noChangeAspect="1" noMove="1" noResize="1" noEditPoints="1" noAdjustHandles="1" noChangeArrowheads="1" noChangeShapeType="1" noTextEdit="1"/>
+                  </p:cNvSpPr>
+                  <p:nvPr/>
+                </p:nvSpPr>
+                <p:spPr>
+                  <a:xfrm>
+                    <a:off x="2146519" y="4209580"/>
+                    <a:ext cx="394147" cy="400110"/>
+                  </a:xfrm>
+                  <a:prstGeom prst="rect">
+                    <a:avLst/>
+                  </a:prstGeom>
+                  <a:blipFill>
+                    <a:blip r:embed="rId4"/>
+                    <a:stretch>
+                      <a:fillRect/>
+                    </a:stretch>
+                  </a:blipFill>
+                </p:spPr>
+                <p:txBody>
+                  <a:bodyPr/>
+                  <a:lstStyle/>
+                  <a:p>
+                    <a:r>
+                      <a:rPr lang="en-US">
+                        <a:noFill/>
+                      </a:rPr>
+                      <a:t> </a:t>
+                    </a:r>
+                  </a:p>
+                </p:txBody>
+              </p:sp>
+            </mc:Fallback>
+          </mc:AlternateContent>
+        </p:grpSp>
+        <p:sp>
+          <p:nvSpPr>
+            <p:cNvPr id="89" name="Right Arrow 88"/>
+            <p:cNvSpPr/>
+            <p:nvPr/>
+          </p:nvSpPr>
+          <p:spPr>
+            <a:xfrm rot="2596491">
+              <a:off x="2038482" y="2939475"/>
+              <a:ext cx="700928" cy="118979"/>
+            </a:xfrm>
+            <a:prstGeom prst="rightArrow">
+              <a:avLst/>
+            </a:prstGeom>
+            <a:solidFill>
+              <a:schemeClr val="tx1"/>
+            </a:solidFill>
+            <a:ln w="38100">
+              <a:solidFill>
+                <a:schemeClr val="tx1"/>
+              </a:solidFill>
+            </a:ln>
+          </p:spPr>
+          <p:style>
+            <a:lnRef idx="2">
+              <a:schemeClr val="accent1">
+                <a:shade val="50000"/>
+              </a:schemeClr>
+            </a:lnRef>
+            <a:fillRef idx="1">
+              <a:schemeClr val="accent1"/>
+            </a:fillRef>
+            <a:effectRef idx="0">
+              <a:schemeClr val="accent1"/>
+            </a:effectRef>
+            <a:fontRef idx="minor">
+              <a:schemeClr val="lt1"/>
+            </a:fontRef>
+          </p:style>
+          <p:txBody>
+            <a:bodyPr rtlCol="0" anchor="ctr"/>
+            <a:lstStyle/>
+            <a:p>
+              <a:pPr algn="ctr"/>
+              <a:endParaRPr lang="en-US"/>
+            </a:p>
+          </p:txBody>
+        </p:sp>
+        <mc:AlternateContent xmlns:mc="http://schemas.openxmlformats.org/markup-compatibility/2006">
+          <mc:Choice xmlns:a14="http://schemas.microsoft.com/office/drawing/2010/main" Requires="a14">
+            <p:sp>
+              <p:nvSpPr>
+                <p:cNvPr id="90" name="TextBox 89"/>
+                <p:cNvSpPr txBox="1"/>
+                <p:nvPr/>
+              </p:nvSpPr>
+              <p:spPr>
+                <a:xfrm>
+                  <a:off x="2379319" y="2653041"/>
+                  <a:ext cx="219483" cy="307777"/>
+                </a:xfrm>
+                <a:prstGeom prst="rect">
+                  <a:avLst/>
+                </a:prstGeom>
+                <a:noFill/>
+              </p:spPr>
+              <p:txBody>
+                <a:bodyPr wrap="none" lIns="0" tIns="0" rIns="0" bIns="0" rtlCol="0">
+                  <a:spAutoFit/>
+                </a:bodyPr>
+                <a:lstStyle/>
+                <a:p>
+                  <a14:m>
+                    <m:oMathPara xmlns:m="http://schemas.openxmlformats.org/officeDocument/2006/math">
+                      <m:oMathParaPr>
+                        <m:jc m:val="centerGroup"/>
+                      </m:oMathParaPr>
+                      <m:oMath xmlns:m="http://schemas.openxmlformats.org/officeDocument/2006/math">
+                        <m:acc>
+                          <m:accPr>
+                            <m:chr m:val="⃗"/>
+                            <m:ctrlPr>
+                              <a:rPr lang="en-US" sz="2000" b="0" i="1" smtClean="0">
+                                <a:latin typeface="Cambria Math" panose="02040503050406030204" pitchFamily="18" charset="0"/>
+                                <a:cs typeface="Arial" panose="020B0604020202020204" pitchFamily="34" charset="0"/>
+                              </a:rPr>
+                            </m:ctrlPr>
+                          </m:accPr>
+                          <m:e>
+                            <m:r>
+                              <a:rPr lang="en-US" sz="2000" b="0" i="1" smtClean="0">
+                                <a:latin typeface="Cambria Math" panose="02040503050406030204" pitchFamily="18" charset="0"/>
+                                <a:cs typeface="Arial" panose="020B0604020202020204" pitchFamily="34" charset="0"/>
+                              </a:rPr>
+                              <m:t>𝑎</m:t>
+                            </m:r>
+                          </m:e>
+                        </m:acc>
+                      </m:oMath>
+                    </m:oMathPara>
+                  </a14:m>
+                  <a:endParaRPr lang="en-US" sz="2000" dirty="0" smtClean="0">
+                    <a:latin typeface="Arial" panose="020B0604020202020204" pitchFamily="34" charset="0"/>
+                    <a:cs typeface="Arial" panose="020B0604020202020204" pitchFamily="34" charset="0"/>
+                  </a:endParaRPr>
+                </a:p>
+              </p:txBody>
+            </p:sp>
+          </mc:Choice>
+          <mc:Fallback>
+            <p:sp>
+              <p:nvSpPr>
+                <p:cNvPr id="90" name="TextBox 89"/>
+                <p:cNvSpPr txBox="1">
+                  <a:spLocks noRot="1" noChangeAspect="1" noMove="1" noResize="1" noEditPoints="1" noAdjustHandles="1" noChangeArrowheads="1" noChangeShapeType="1" noTextEdit="1"/>
+                </p:cNvSpPr>
+                <p:nvPr/>
+              </p:nvSpPr>
+              <p:spPr>
+                <a:xfrm>
+                  <a:off x="2379319" y="2653041"/>
+                  <a:ext cx="219483" cy="307777"/>
+                </a:xfrm>
+                <a:prstGeom prst="rect">
+                  <a:avLst/>
+                </a:prstGeom>
+                <a:blipFill>
+                  <a:blip r:embed="rId5"/>
+                  <a:stretch>
+                    <a:fillRect l="-19444" t="-36000" r="-94444" b="-6000"/>
+                  </a:stretch>
+                </a:blipFill>
+              </p:spPr>
+              <p:txBody>
+                <a:bodyPr/>
+                <a:lstStyle/>
+                <a:p>
+                  <a:r>
+                    <a:rPr lang="en-US">
+                      <a:noFill/>
+                    </a:rPr>
+                    <a:t> </a:t>
+                  </a:r>
+                </a:p>
+              </p:txBody>
+            </p:sp>
+          </mc:Fallback>
+        </mc:AlternateContent>
+      </p:grpSp>
+      <p:grpSp>
+        <p:nvGrpSpPr>
+          <p:cNvPr id="119" name="Group 118"/>
+          <p:cNvGrpSpPr/>
+          <p:nvPr/>
+        </p:nvGrpSpPr>
+        <p:grpSpPr>
+          <a:xfrm>
+            <a:off x="3853081" y="1973581"/>
+            <a:ext cx="3325310" cy="2450706"/>
+            <a:chOff x="3853081" y="1973581"/>
+            <a:chExt cx="3325310" cy="2450706"/>
+          </a:xfrm>
+        </p:grpSpPr>
+        <p:grpSp>
+          <p:nvGrpSpPr>
+            <p:cNvPr id="110" name="Group 109"/>
+            <p:cNvGrpSpPr/>
+            <p:nvPr/>
+          </p:nvGrpSpPr>
+          <p:grpSpPr>
+            <a:xfrm>
+              <a:off x="3896953" y="1973581"/>
+              <a:ext cx="3281438" cy="2450706"/>
+              <a:chOff x="3896953" y="1973581"/>
+              <a:chExt cx="3281438" cy="2450706"/>
+            </a:xfrm>
+          </p:grpSpPr>
+          <p:sp>
+            <p:nvSpPr>
+              <p:cNvPr id="45" name="Oval 44"/>
+              <p:cNvSpPr/>
+              <p:nvPr/>
+            </p:nvSpPr>
+            <p:spPr>
+              <a:xfrm>
+                <a:off x="4264267" y="3076128"/>
+                <a:ext cx="120943" cy="119766"/>
+              </a:xfrm>
+              <a:prstGeom prst="ellipse">
+                <a:avLst/>
+              </a:prstGeom>
+              <a:solidFill>
+                <a:schemeClr val="tx1"/>
+              </a:solidFill>
+              <a:ln w="38100">
+                <a:solidFill>
+                  <a:schemeClr val="tx1"/>
+                </a:solidFill>
+              </a:ln>
+            </p:spPr>
+            <p:style>
+              <a:lnRef idx="2">
+                <a:schemeClr val="accent1">
+                  <a:shade val="50000"/>
+                </a:schemeClr>
+              </a:lnRef>
+              <a:fillRef idx="1">
+                <a:schemeClr val="accent1"/>
+              </a:fillRef>
+              <a:effectRef idx="0">
+                <a:schemeClr val="accent1"/>
+              </a:effectRef>
+              <a:fontRef idx="minor">
+                <a:schemeClr val="lt1"/>
+              </a:fontRef>
+            </p:style>
+            <p:txBody>
+              <a:bodyPr rtlCol="0" anchor="ctr"/>
+              <a:lstStyle/>
+              <a:p>
+                <a:pPr algn="ctr"/>
+                <a:endParaRPr lang="en-US"/>
+              </a:p>
+            </p:txBody>
+          </p:sp>
+          <p:sp>
+            <p:nvSpPr>
+              <p:cNvPr id="46" name="Oval 45"/>
+              <p:cNvSpPr/>
+              <p:nvPr/>
+            </p:nvSpPr>
+            <p:spPr>
+              <a:xfrm>
+                <a:off x="6121290" y="3026010"/>
+                <a:ext cx="120943" cy="119766"/>
+              </a:xfrm>
+              <a:prstGeom prst="ellipse">
+                <a:avLst/>
+              </a:prstGeom>
+              <a:solidFill>
+                <a:schemeClr val="tx1"/>
+              </a:solidFill>
+              <a:ln w="38100">
+                <a:solidFill>
+                  <a:schemeClr val="tx1"/>
+                </a:solidFill>
+              </a:ln>
+            </p:spPr>
+            <p:style>
+              <a:lnRef idx="2">
+                <a:schemeClr val="accent1">
+                  <a:shade val="50000"/>
+                </a:schemeClr>
+              </a:lnRef>
+              <a:fillRef idx="1">
+                <a:schemeClr val="accent1"/>
+              </a:fillRef>
+              <a:effectRef idx="0">
+                <a:schemeClr val="accent1"/>
+              </a:effectRef>
+              <a:fontRef idx="minor">
+                <a:schemeClr val="lt1"/>
+              </a:fontRef>
+            </p:style>
+            <p:txBody>
+              <a:bodyPr rtlCol="0" anchor="ctr"/>
+              <a:lstStyle/>
+              <a:p>
+                <a:pPr algn="ctr"/>
+                <a:endParaRPr lang="en-US"/>
+              </a:p>
+            </p:txBody>
+          </p:sp>
+          <p:cxnSp>
+            <p:nvCxnSpPr>
+              <p:cNvPr id="48" name="Straight Arrow Connector 47"/>
+              <p:cNvCxnSpPr/>
+              <p:nvPr/>
+            </p:nvCxnSpPr>
+            <p:spPr>
+              <a:xfrm flipH="1" flipV="1">
+                <a:off x="4102380" y="2916549"/>
+                <a:ext cx="162530" cy="164830"/>
+              </a:xfrm>
+              <a:prstGeom prst="straightConnector1">
+                <a:avLst/>
+              </a:prstGeom>
+              <a:ln w="38100">
+                <a:solidFill>
+                  <a:schemeClr val="tx1"/>
+                </a:solidFill>
+                <a:tailEnd type="triangle"/>
+              </a:ln>
+            </p:spPr>
+            <p:style>
+              <a:lnRef idx="1">
+                <a:schemeClr val="accent1"/>
+              </a:lnRef>
+              <a:fillRef idx="0">
+                <a:schemeClr val="accent1"/>
+              </a:fillRef>
+              <a:effectRef idx="0">
+                <a:schemeClr val="accent1"/>
+              </a:effectRef>
+              <a:fontRef idx="minor">
+                <a:schemeClr val="tx1"/>
+              </a:fontRef>
+            </p:style>
+          </p:cxnSp>
+          <p:cxnSp>
+            <p:nvCxnSpPr>
+              <p:cNvPr id="49" name="Straight Arrow Connector 48"/>
+              <p:cNvCxnSpPr/>
+              <p:nvPr/>
+            </p:nvCxnSpPr>
+            <p:spPr>
+              <a:xfrm flipH="1">
+                <a:off x="4324738" y="3198439"/>
+                <a:ext cx="1899" cy="655716"/>
+              </a:xfrm>
+              <a:prstGeom prst="straightConnector1">
+                <a:avLst/>
+              </a:prstGeom>
+              <a:ln w="38100">
+                <a:solidFill>
+                  <a:schemeClr val="tx1"/>
+                </a:solidFill>
+                <a:tailEnd type="triangle"/>
+              </a:ln>
+            </p:spPr>
+            <p:style>
+              <a:lnRef idx="1">
+                <a:schemeClr val="accent1"/>
+              </a:lnRef>
+              <a:fillRef idx="0">
+                <a:schemeClr val="accent1"/>
+              </a:fillRef>
+              <a:effectRef idx="0">
+                <a:schemeClr val="accent1"/>
+              </a:effectRef>
+              <a:fontRef idx="minor">
+                <a:schemeClr val="tx1"/>
+              </a:fontRef>
+            </p:style>
+          </p:cxnSp>
+          <p:cxnSp>
+            <p:nvCxnSpPr>
+              <p:cNvPr id="51" name="Straight Arrow Connector 50"/>
+              <p:cNvCxnSpPr/>
+              <p:nvPr/>
+            </p:nvCxnSpPr>
+            <p:spPr>
+              <a:xfrm flipV="1">
+                <a:off x="4373081" y="2738443"/>
+                <a:ext cx="314421" cy="339366"/>
+              </a:xfrm>
+              <a:prstGeom prst="straightConnector1">
+                <a:avLst/>
+              </a:prstGeom>
+              <a:ln w="38100">
+                <a:solidFill>
+                  <a:schemeClr val="tx1"/>
+                </a:solidFill>
+                <a:tailEnd type="triangle"/>
+              </a:ln>
+            </p:spPr>
+            <p:style>
+              <a:lnRef idx="1">
+                <a:schemeClr val="accent1"/>
+              </a:lnRef>
+              <a:fillRef idx="0">
+                <a:schemeClr val="accent1"/>
+              </a:fillRef>
+              <a:effectRef idx="0">
+                <a:schemeClr val="accent1"/>
+              </a:effectRef>
+              <a:fontRef idx="minor">
+                <a:schemeClr val="tx1"/>
+              </a:fontRef>
+            </p:style>
+          </p:cxnSp>
+          <p:cxnSp>
+            <p:nvCxnSpPr>
+              <p:cNvPr id="54" name="Straight Arrow Connector 53"/>
+              <p:cNvCxnSpPr/>
+              <p:nvPr/>
+            </p:nvCxnSpPr>
+            <p:spPr>
+              <a:xfrm>
+                <a:off x="4370265" y="3180773"/>
+                <a:ext cx="324488" cy="301645"/>
+              </a:xfrm>
+              <a:prstGeom prst="straightConnector1">
+                <a:avLst/>
+              </a:prstGeom>
+              <a:ln w="38100">
+                <a:solidFill>
+                  <a:schemeClr val="tx1"/>
+                </a:solidFill>
+                <a:tailEnd type="triangle"/>
+              </a:ln>
+            </p:spPr>
+            <p:style>
+              <a:lnRef idx="1">
+                <a:schemeClr val="accent1"/>
+              </a:lnRef>
+              <a:fillRef idx="0">
+                <a:schemeClr val="accent1"/>
+              </a:fillRef>
+              <a:effectRef idx="0">
+                <a:schemeClr val="accent1"/>
+              </a:effectRef>
+              <a:fontRef idx="minor">
+                <a:schemeClr val="tx1"/>
+              </a:fontRef>
+            </p:style>
+          </p:cxnSp>
+          <p:cxnSp>
+            <p:nvCxnSpPr>
+              <p:cNvPr id="57" name="Straight Arrow Connector 56"/>
+              <p:cNvCxnSpPr/>
+              <p:nvPr/>
+            </p:nvCxnSpPr>
+            <p:spPr>
+              <a:xfrm flipH="1" flipV="1">
+                <a:off x="5809161" y="2804660"/>
+                <a:ext cx="300068" cy="276650"/>
+              </a:xfrm>
+              <a:prstGeom prst="straightConnector1">
+                <a:avLst/>
+              </a:prstGeom>
+              <a:ln w="38100">
+                <a:solidFill>
+                  <a:schemeClr val="tx1"/>
+                </a:solidFill>
+                <a:tailEnd type="triangle"/>
+              </a:ln>
+            </p:spPr>
+            <p:style>
+              <a:lnRef idx="1">
+                <a:schemeClr val="accent1"/>
+              </a:lnRef>
+              <a:fillRef idx="0">
+                <a:schemeClr val="accent1"/>
+              </a:fillRef>
+              <a:effectRef idx="0">
+                <a:schemeClr val="accent1"/>
+              </a:effectRef>
+              <a:fontRef idx="minor">
+                <a:schemeClr val="tx1"/>
+              </a:fontRef>
+            </p:style>
+          </p:cxnSp>
+          <p:cxnSp>
+            <p:nvCxnSpPr>
+              <p:cNvPr id="58" name="Straight Arrow Connector 57"/>
+              <p:cNvCxnSpPr/>
+              <p:nvPr/>
+            </p:nvCxnSpPr>
+            <p:spPr>
+              <a:xfrm flipH="1" flipV="1">
+                <a:off x="5916145" y="2791127"/>
+                <a:ext cx="253983" cy="223166"/>
+              </a:xfrm>
+              <a:prstGeom prst="straightConnector1">
+                <a:avLst/>
+              </a:prstGeom>
+              <a:ln w="38100">
+                <a:solidFill>
+                  <a:schemeClr val="tx1"/>
+                </a:solidFill>
+                <a:tailEnd type="triangle"/>
+              </a:ln>
+            </p:spPr>
+            <p:style>
+              <a:lnRef idx="1">
+                <a:schemeClr val="accent1"/>
+              </a:lnRef>
+              <a:fillRef idx="0">
+                <a:schemeClr val="accent1"/>
+              </a:fillRef>
+              <a:effectRef idx="0">
+                <a:schemeClr val="accent1"/>
+              </a:effectRef>
+              <a:fontRef idx="minor">
+                <a:schemeClr val="tx1"/>
+              </a:fontRef>
+            </p:style>
+          </p:cxnSp>
+          <p:cxnSp>
+            <p:nvCxnSpPr>
+              <p:cNvPr id="72" name="Straight Arrow Connector 71"/>
+              <p:cNvCxnSpPr/>
+              <p:nvPr/>
+            </p:nvCxnSpPr>
+            <p:spPr>
+              <a:xfrm>
+                <a:off x="6192247" y="3164456"/>
+                <a:ext cx="255" cy="886884"/>
+              </a:xfrm>
+              <a:prstGeom prst="straightConnector1">
+                <a:avLst/>
+              </a:prstGeom>
+              <a:ln w="38100">
+                <a:solidFill>
+                  <a:schemeClr val="tx1"/>
+                </a:solidFill>
+                <a:tailEnd type="triangle"/>
+              </a:ln>
+            </p:spPr>
+            <p:style>
+              <a:lnRef idx="1">
+                <a:schemeClr val="accent1"/>
+              </a:lnRef>
+              <a:fillRef idx="0">
+                <a:schemeClr val="accent1"/>
+              </a:fillRef>
+              <a:effectRef idx="0">
+                <a:schemeClr val="accent1"/>
+              </a:effectRef>
+              <a:fontRef idx="minor">
+                <a:schemeClr val="tx1"/>
+              </a:fontRef>
+            </p:style>
+          </p:cxnSp>
+          <p:cxnSp>
+            <p:nvCxnSpPr>
+              <p:cNvPr id="74" name="Straight Arrow Connector 73"/>
+              <p:cNvCxnSpPr/>
+              <p:nvPr/>
+            </p:nvCxnSpPr>
+            <p:spPr>
+              <a:xfrm flipV="1">
+                <a:off x="6201236" y="2644454"/>
+                <a:ext cx="452183" cy="451355"/>
+              </a:xfrm>
+              <a:prstGeom prst="straightConnector1">
+                <a:avLst/>
+              </a:prstGeom>
+              <a:ln w="38100">
+                <a:solidFill>
+                  <a:schemeClr val="tx1"/>
+                </a:solidFill>
+                <a:tailEnd type="triangle"/>
+              </a:ln>
+            </p:spPr>
+            <p:style>
+              <a:lnRef idx="1">
+                <a:schemeClr val="accent1"/>
+              </a:lnRef>
+              <a:fillRef idx="0">
+                <a:schemeClr val="accent1"/>
+              </a:fillRef>
+              <a:effectRef idx="0">
+                <a:schemeClr val="accent1"/>
+              </a:effectRef>
+              <a:fontRef idx="minor">
+                <a:schemeClr val="tx1"/>
+              </a:fontRef>
+            </p:style>
+          </p:cxnSp>
+          <mc:AlternateContent xmlns:mc="http://schemas.openxmlformats.org/markup-compatibility/2006">
+            <mc:Choice xmlns:a14="http://schemas.microsoft.com/office/drawing/2010/main" Requires="a14">
+              <p:sp>
+                <p:nvSpPr>
+                  <p:cNvPr id="76" name="TextBox 75"/>
+                  <p:cNvSpPr txBox="1"/>
+                  <p:nvPr/>
+                </p:nvSpPr>
+                <p:spPr>
+                  <a:xfrm>
+                    <a:off x="4011136" y="2481543"/>
+                    <a:ext cx="404983" cy="354071"/>
+                  </a:xfrm>
+                  <a:prstGeom prst="rect">
+                    <a:avLst/>
+                  </a:prstGeom>
+                  <a:noFill/>
+                </p:spPr>
+                <p:txBody>
+                  <a:bodyPr wrap="none" lIns="0" tIns="0" rIns="0" bIns="0" rtlCol="0">
+                    <a:spAutoFit/>
+                  </a:bodyPr>
+                  <a:lstStyle/>
+                  <a:p>
+                    <a14:m>
+                      <m:oMathPara xmlns:m="http://schemas.openxmlformats.org/officeDocument/2006/math">
+                        <m:oMathParaPr>
+                          <m:jc m:val="centerGroup"/>
+                        </m:oMathParaPr>
+                        <m:oMath xmlns:m="http://schemas.openxmlformats.org/officeDocument/2006/math">
+                          <m:sSub>
+                            <m:sSubPr>
+                              <m:ctrlPr>
+                                <a:rPr lang="en-US" sz="2000" b="0" i="1" smtClean="0">
+                                  <a:latin typeface="Cambria Math" panose="02040503050406030204" pitchFamily="18" charset="0"/>
+                                  <a:cs typeface="Arial" panose="020B0604020202020204" pitchFamily="34" charset="0"/>
+                                </a:rPr>
+                              </m:ctrlPr>
+                            </m:sSubPr>
+                            <m:e>
+                              <m:acc>
+                                <m:accPr>
+                                  <m:chr m:val="⃗"/>
+                                  <m:ctrlPr>
+                                    <a:rPr lang="en-US" sz="2000" b="0" i="1" smtClean="0">
+                                      <a:latin typeface="Cambria Math" panose="02040503050406030204" pitchFamily="18" charset="0"/>
+                                      <a:cs typeface="Arial" panose="020B0604020202020204" pitchFamily="34" charset="0"/>
+                                    </a:rPr>
+                                  </m:ctrlPr>
+                                </m:accPr>
+                                <m:e>
+                                  <m:r>
+                                    <a:rPr lang="en-US" sz="2000" b="0" i="1" smtClean="0">
+                                      <a:latin typeface="Cambria Math" panose="02040503050406030204" pitchFamily="18" charset="0"/>
+                                      <a:cs typeface="Arial" panose="020B0604020202020204" pitchFamily="34" charset="0"/>
+                                    </a:rPr>
+                                    <m:t>𝑓</m:t>
+                                  </m:r>
+                                </m:e>
+                              </m:acc>
+                            </m:e>
+                            <m:sub>
+                              <m:r>
+                                <a:rPr lang="en-US" sz="2000" b="0" i="1" smtClean="0">
+                                  <a:latin typeface="Cambria Math" panose="02040503050406030204" pitchFamily="18" charset="0"/>
+                                  <a:cs typeface="Arial" panose="020B0604020202020204" pitchFamily="34" charset="0"/>
+                                </a:rPr>
+                                <m:t>𝑘</m:t>
+                              </m:r>
+                              <m:r>
+                                <a:rPr lang="en-US" sz="2000" b="0" i="1" smtClean="0">
+                                  <a:latin typeface="Cambria Math" panose="02040503050406030204" pitchFamily="18" charset="0"/>
+                                  <a:cs typeface="Arial" panose="020B0604020202020204" pitchFamily="34" charset="0"/>
+                                </a:rPr>
+                                <m:t>1</m:t>
+                              </m:r>
+                            </m:sub>
+                          </m:sSub>
+                        </m:oMath>
+                      </m:oMathPara>
+                    </a14:m>
+                    <a:endParaRPr lang="en-US" sz="2000" dirty="0" smtClean="0">
+                      <a:latin typeface="Arial" panose="020B0604020202020204" pitchFamily="34" charset="0"/>
+                      <a:cs typeface="Arial" panose="020B0604020202020204" pitchFamily="34" charset="0"/>
+                    </a:endParaRPr>
+                  </a:p>
+                </p:txBody>
+              </p:sp>
+            </mc:Choice>
+            <mc:Fallback>
+              <p:sp>
+                <p:nvSpPr>
+                  <p:cNvPr id="76" name="TextBox 75"/>
+                  <p:cNvSpPr txBox="1">
+                    <a:spLocks noRot="1" noChangeAspect="1" noMove="1" noResize="1" noEditPoints="1" noAdjustHandles="1" noChangeArrowheads="1" noChangeShapeType="1" noTextEdit="1"/>
+                  </p:cNvSpPr>
+                  <p:nvPr/>
+                </p:nvSpPr>
+                <p:spPr>
+                  <a:xfrm>
+                    <a:off x="4011136" y="2481543"/>
+                    <a:ext cx="404983" cy="354071"/>
+                  </a:xfrm>
+                  <a:prstGeom prst="rect">
+                    <a:avLst/>
+                  </a:prstGeom>
+                  <a:blipFill>
+                    <a:blip r:embed="rId6"/>
+                    <a:stretch>
+                      <a:fillRect l="-21212" t="-32759" r="-51515" b="-32759"/>
+                    </a:stretch>
+                  </a:blipFill>
+                </p:spPr>
+                <p:txBody>
+                  <a:bodyPr/>
+                  <a:lstStyle/>
+                  <a:p>
+                    <a:r>
+                      <a:rPr lang="en-US">
+                        <a:noFill/>
+                      </a:rPr>
+                      <a:t> </a:t>
+                    </a:r>
+                  </a:p>
+                </p:txBody>
+              </p:sp>
+            </mc:Fallback>
+          </mc:AlternateContent>
+          <mc:AlternateContent xmlns:mc="http://schemas.openxmlformats.org/markup-compatibility/2006">
+            <mc:Choice xmlns:a14="http://schemas.microsoft.com/office/drawing/2010/main" Requires="a14">
+              <p:sp>
+                <p:nvSpPr>
+                  <p:cNvPr id="78" name="TextBox 77"/>
+                  <p:cNvSpPr txBox="1"/>
+                  <p:nvPr/>
+                </p:nvSpPr>
+                <p:spPr>
+                  <a:xfrm>
+                    <a:off x="4645158" y="2809573"/>
+                    <a:ext cx="350481" cy="345159"/>
+                  </a:xfrm>
+                  <a:prstGeom prst="rect">
+                    <a:avLst/>
+                  </a:prstGeom>
+                  <a:noFill/>
+                </p:spPr>
+                <p:txBody>
+                  <a:bodyPr wrap="none" lIns="0" tIns="0" rIns="0" bIns="0" rtlCol="0">
+                    <a:spAutoFit/>
+                  </a:bodyPr>
+                  <a:lstStyle/>
+                  <a:p>
+                    <a14:m>
+                      <m:oMathPara xmlns:m="http://schemas.openxmlformats.org/officeDocument/2006/math">
+                        <m:oMathParaPr>
+                          <m:jc m:val="centerGroup"/>
+                        </m:oMathParaPr>
+                        <m:oMath xmlns:m="http://schemas.openxmlformats.org/officeDocument/2006/math">
+                          <m:sSub>
+                            <m:sSubPr>
+                              <m:ctrlPr>
+                                <a:rPr lang="en-US" sz="2000" b="0" i="1" smtClean="0">
+                                  <a:latin typeface="Cambria Math" panose="02040503050406030204" pitchFamily="18" charset="0"/>
+                                  <a:cs typeface="Arial" panose="020B0604020202020204" pitchFamily="34" charset="0"/>
+                                </a:rPr>
+                              </m:ctrlPr>
+                            </m:sSubPr>
+                            <m:e>
+                              <m:acc>
+                                <m:accPr>
+                                  <m:chr m:val="⃗"/>
+                                  <m:ctrlPr>
+                                    <a:rPr lang="en-US" sz="2000" b="0" i="1" smtClean="0">
+                                      <a:latin typeface="Cambria Math" panose="02040503050406030204" pitchFamily="18" charset="0"/>
+                                      <a:cs typeface="Arial" panose="020B0604020202020204" pitchFamily="34" charset="0"/>
+                                    </a:rPr>
+                                  </m:ctrlPr>
+                                </m:accPr>
+                                <m:e>
+                                  <m:r>
+                                    <a:rPr lang="en-US" sz="2000" b="0" i="1" smtClean="0">
+                                      <a:latin typeface="Cambria Math" panose="02040503050406030204" pitchFamily="18" charset="0"/>
+                                      <a:cs typeface="Arial" panose="020B0604020202020204" pitchFamily="34" charset="0"/>
+                                    </a:rPr>
+                                    <m:t>𝑁</m:t>
+                                  </m:r>
+                                </m:e>
+                              </m:acc>
+                            </m:e>
+                            <m:sub>
+                              <m:r>
+                                <a:rPr lang="en-US" sz="2000" b="0" i="1" smtClean="0">
+                                  <a:latin typeface="Cambria Math" panose="02040503050406030204" pitchFamily="18" charset="0"/>
+                                  <a:cs typeface="Arial" panose="020B0604020202020204" pitchFamily="34" charset="0"/>
+                                </a:rPr>
+                                <m:t>1</m:t>
+                              </m:r>
+                            </m:sub>
+                          </m:sSub>
+                        </m:oMath>
+                      </m:oMathPara>
+                    </a14:m>
+                    <a:endParaRPr lang="en-US" sz="2000" dirty="0" smtClean="0">
+                      <a:latin typeface="Arial" panose="020B0604020202020204" pitchFamily="34" charset="0"/>
+                      <a:cs typeface="Arial" panose="020B0604020202020204" pitchFamily="34" charset="0"/>
+                    </a:endParaRPr>
+                  </a:p>
+                </p:txBody>
+              </p:sp>
+            </mc:Choice>
+            <mc:Fallback>
+              <p:sp>
+                <p:nvSpPr>
+                  <p:cNvPr id="78" name="TextBox 77"/>
+                  <p:cNvSpPr txBox="1">
+                    <a:spLocks noRot="1" noChangeAspect="1" noMove="1" noResize="1" noEditPoints="1" noAdjustHandles="1" noChangeArrowheads="1" noChangeShapeType="1" noTextEdit="1"/>
+                  </p:cNvSpPr>
+                  <p:nvPr/>
+                </p:nvSpPr>
+                <p:spPr>
+                  <a:xfrm>
+                    <a:off x="4645158" y="2809573"/>
+                    <a:ext cx="350481" cy="345159"/>
+                  </a:xfrm>
+                  <a:prstGeom prst="rect">
+                    <a:avLst/>
+                  </a:prstGeom>
+                  <a:blipFill>
+                    <a:blip r:embed="rId7"/>
+                    <a:stretch>
+                      <a:fillRect l="-14035" r="-7018" b="-15789"/>
+                    </a:stretch>
+                  </a:blipFill>
+                </p:spPr>
+                <p:txBody>
+                  <a:bodyPr/>
+                  <a:lstStyle/>
+                  <a:p>
+                    <a:r>
+                      <a:rPr lang="en-US">
+                        <a:noFill/>
+                      </a:rPr>
+                      <a:t> </a:t>
+                    </a:r>
+                  </a:p>
+                </p:txBody>
+              </p:sp>
+            </mc:Fallback>
+          </mc:AlternateContent>
+          <mc:AlternateContent xmlns:mc="http://schemas.openxmlformats.org/markup-compatibility/2006">
+            <mc:Choice xmlns:a14="http://schemas.microsoft.com/office/drawing/2010/main" Requires="a14">
+              <p:sp>
+                <p:nvSpPr>
+                  <p:cNvPr id="79" name="TextBox 78"/>
+                  <p:cNvSpPr txBox="1"/>
+                  <p:nvPr/>
+                </p:nvSpPr>
+                <p:spPr>
+                  <a:xfrm>
+                    <a:off x="6602465" y="2583679"/>
+                    <a:ext cx="356443" cy="345159"/>
+                  </a:xfrm>
+                  <a:prstGeom prst="rect">
+                    <a:avLst/>
+                  </a:prstGeom>
+                  <a:noFill/>
+                </p:spPr>
+                <p:txBody>
+                  <a:bodyPr wrap="none" lIns="0" tIns="0" rIns="0" bIns="0" rtlCol="0">
+                    <a:spAutoFit/>
+                  </a:bodyPr>
+                  <a:lstStyle/>
+                  <a:p>
+                    <a14:m>
+                      <m:oMathPara xmlns:m="http://schemas.openxmlformats.org/officeDocument/2006/math">
+                        <m:oMathParaPr>
+                          <m:jc m:val="centerGroup"/>
+                        </m:oMathParaPr>
+                        <m:oMath xmlns:m="http://schemas.openxmlformats.org/officeDocument/2006/math">
+                          <m:sSub>
+                            <m:sSubPr>
+                              <m:ctrlPr>
+                                <a:rPr lang="en-US" sz="2000" b="0" i="1" smtClean="0">
+                                  <a:latin typeface="Cambria Math" panose="02040503050406030204" pitchFamily="18" charset="0"/>
+                                  <a:cs typeface="Arial" panose="020B0604020202020204" pitchFamily="34" charset="0"/>
+                                </a:rPr>
+                              </m:ctrlPr>
+                            </m:sSubPr>
+                            <m:e>
+                              <m:acc>
+                                <m:accPr>
+                                  <m:chr m:val="⃗"/>
+                                  <m:ctrlPr>
+                                    <a:rPr lang="en-US" sz="2000" b="0" i="1" smtClean="0">
+                                      <a:latin typeface="Cambria Math" panose="02040503050406030204" pitchFamily="18" charset="0"/>
+                                      <a:cs typeface="Arial" panose="020B0604020202020204" pitchFamily="34" charset="0"/>
+                                    </a:rPr>
+                                  </m:ctrlPr>
+                                </m:accPr>
+                                <m:e>
+                                  <m:r>
+                                    <a:rPr lang="en-US" sz="2000" b="0" i="1" smtClean="0">
+                                      <a:latin typeface="Cambria Math" panose="02040503050406030204" pitchFamily="18" charset="0"/>
+                                      <a:cs typeface="Arial" panose="020B0604020202020204" pitchFamily="34" charset="0"/>
+                                    </a:rPr>
+                                    <m:t>𝑁</m:t>
+                                  </m:r>
+                                </m:e>
+                              </m:acc>
+                            </m:e>
+                            <m:sub>
+                              <m:r>
+                                <a:rPr lang="en-US" sz="2000" b="0" i="1" smtClean="0">
+                                  <a:latin typeface="Cambria Math" panose="02040503050406030204" pitchFamily="18" charset="0"/>
+                                  <a:cs typeface="Arial" panose="020B0604020202020204" pitchFamily="34" charset="0"/>
+                                </a:rPr>
+                                <m:t>2</m:t>
+                              </m:r>
+                            </m:sub>
+                          </m:sSub>
+                        </m:oMath>
+                      </m:oMathPara>
+                    </a14:m>
+                    <a:endParaRPr lang="en-US" sz="2000" dirty="0" smtClean="0">
+                      <a:latin typeface="Arial" panose="020B0604020202020204" pitchFamily="34" charset="0"/>
+                      <a:cs typeface="Arial" panose="020B0604020202020204" pitchFamily="34" charset="0"/>
+                    </a:endParaRPr>
+                  </a:p>
+                </p:txBody>
+              </p:sp>
+            </mc:Choice>
+            <mc:Fallback>
+              <p:sp>
+                <p:nvSpPr>
+                  <p:cNvPr id="79" name="TextBox 78"/>
+                  <p:cNvSpPr txBox="1">
+                    <a:spLocks noRot="1" noChangeAspect="1" noMove="1" noResize="1" noEditPoints="1" noAdjustHandles="1" noChangeArrowheads="1" noChangeShapeType="1" noTextEdit="1"/>
+                  </p:cNvSpPr>
+                  <p:nvPr/>
+                </p:nvSpPr>
+                <p:spPr>
+                  <a:xfrm>
+                    <a:off x="6602465" y="2583679"/>
+                    <a:ext cx="356443" cy="345159"/>
+                  </a:xfrm>
+                  <a:prstGeom prst="rect">
+                    <a:avLst/>
+                  </a:prstGeom>
+                  <a:blipFill>
+                    <a:blip r:embed="rId8"/>
+                    <a:stretch>
+                      <a:fillRect l="-13559" r="-6780" b="-17857"/>
+                    </a:stretch>
+                  </a:blipFill>
+                </p:spPr>
+                <p:txBody>
+                  <a:bodyPr/>
+                  <a:lstStyle/>
+                  <a:p>
+                    <a:r>
+                      <a:rPr lang="en-US">
+                        <a:noFill/>
+                      </a:rPr>
+                      <a:t> </a:t>
+                    </a:r>
+                  </a:p>
+                </p:txBody>
+              </p:sp>
+            </mc:Fallback>
+          </mc:AlternateContent>
+          <mc:AlternateContent xmlns:mc="http://schemas.openxmlformats.org/markup-compatibility/2006">
+            <mc:Choice xmlns:a14="http://schemas.microsoft.com/office/drawing/2010/main" Requires="a14">
+              <p:sp>
+                <p:nvSpPr>
+                  <p:cNvPr id="80" name="TextBox 79"/>
+                  <p:cNvSpPr txBox="1"/>
+                  <p:nvPr/>
+                </p:nvSpPr>
+                <p:spPr>
+                  <a:xfrm>
+                    <a:off x="3896953" y="3637920"/>
+                    <a:ext cx="431721" cy="377219"/>
+                  </a:xfrm>
+                  <a:prstGeom prst="rect">
+                    <a:avLst/>
+                  </a:prstGeom>
+                  <a:noFill/>
+                </p:spPr>
+                <p:txBody>
+                  <a:bodyPr wrap="none" lIns="0" tIns="0" rIns="0" bIns="0" rtlCol="0">
+                    <a:spAutoFit/>
+                  </a:bodyPr>
+                  <a:lstStyle/>
+                  <a:p>
+                    <a14:m>
+                      <m:oMathPara xmlns:m="http://schemas.openxmlformats.org/officeDocument/2006/math">
+                        <m:oMathParaPr>
+                          <m:jc m:val="centerGroup"/>
+                        </m:oMathParaPr>
+                        <m:oMath xmlns:m="http://schemas.openxmlformats.org/officeDocument/2006/math">
+                          <m:sSub>
+                            <m:sSubPr>
+                              <m:ctrlPr>
+                                <a:rPr lang="en-US" sz="2000" b="0" i="1" smtClean="0">
+                                  <a:latin typeface="Cambria Math" panose="02040503050406030204" pitchFamily="18" charset="0"/>
+                                  <a:cs typeface="Arial" panose="020B0604020202020204" pitchFamily="34" charset="0"/>
+                                </a:rPr>
+                              </m:ctrlPr>
+                            </m:sSubPr>
+                            <m:e>
+                              <m:acc>
+                                <m:accPr>
+                                  <m:chr m:val="⃗"/>
+                                  <m:ctrlPr>
+                                    <a:rPr lang="en-US" sz="2000" b="0" i="1" smtClean="0">
+                                      <a:latin typeface="Cambria Math" panose="02040503050406030204" pitchFamily="18" charset="0"/>
+                                      <a:cs typeface="Arial" panose="020B0604020202020204" pitchFamily="34" charset="0"/>
+                                    </a:rPr>
+                                  </m:ctrlPr>
+                                </m:accPr>
+                                <m:e>
+                                  <m:r>
+                                    <a:rPr lang="en-US" sz="2000" b="0" i="1" smtClean="0">
+                                      <a:latin typeface="Cambria Math" panose="02040503050406030204" pitchFamily="18" charset="0"/>
+                                      <a:cs typeface="Arial" panose="020B0604020202020204" pitchFamily="34" charset="0"/>
+                                    </a:rPr>
+                                    <m:t>𝐹</m:t>
+                                  </m:r>
+                                </m:e>
+                              </m:acc>
+                            </m:e>
+                            <m:sub>
+                              <m:r>
+                                <a:rPr lang="en-US" sz="2000" b="0" i="1" smtClean="0">
+                                  <a:latin typeface="Cambria Math" panose="02040503050406030204" pitchFamily="18" charset="0"/>
+                                  <a:cs typeface="Arial" panose="020B0604020202020204" pitchFamily="34" charset="0"/>
+                                </a:rPr>
+                                <m:t>𝑔</m:t>
+                              </m:r>
+                              <m:r>
+                                <a:rPr lang="en-US" sz="2000" b="0" i="1" smtClean="0">
+                                  <a:latin typeface="Cambria Math" panose="02040503050406030204" pitchFamily="18" charset="0"/>
+                                  <a:cs typeface="Arial" panose="020B0604020202020204" pitchFamily="34" charset="0"/>
+                                </a:rPr>
+                                <m:t>1</m:t>
+                              </m:r>
+                            </m:sub>
+                          </m:sSub>
+                        </m:oMath>
+                      </m:oMathPara>
+                    </a14:m>
+                    <a:endParaRPr lang="en-US" sz="2000" dirty="0" smtClean="0">
+                      <a:latin typeface="Arial" panose="020B0604020202020204" pitchFamily="34" charset="0"/>
+                      <a:cs typeface="Arial" panose="020B0604020202020204" pitchFamily="34" charset="0"/>
+                    </a:endParaRPr>
+                  </a:p>
+                </p:txBody>
+              </p:sp>
+            </mc:Choice>
+            <mc:Fallback>
+              <p:sp>
+                <p:nvSpPr>
+                  <p:cNvPr id="80" name="TextBox 79"/>
+                  <p:cNvSpPr txBox="1">
+                    <a:spLocks noRot="1" noChangeAspect="1" noMove="1" noResize="1" noEditPoints="1" noAdjustHandles="1" noChangeArrowheads="1" noChangeShapeType="1" noTextEdit="1"/>
+                  </p:cNvSpPr>
+                  <p:nvPr/>
+                </p:nvSpPr>
+                <p:spPr>
+                  <a:xfrm>
+                    <a:off x="3896953" y="3637920"/>
+                    <a:ext cx="431721" cy="377219"/>
+                  </a:xfrm>
+                  <a:prstGeom prst="rect">
+                    <a:avLst/>
+                  </a:prstGeom>
+                  <a:blipFill>
+                    <a:blip r:embed="rId9"/>
+                    <a:stretch>
+                      <a:fillRect l="-11268" t="-32258" r="-40845" b="-20968"/>
+                    </a:stretch>
+                  </a:blipFill>
+                </p:spPr>
+                <p:txBody>
+                  <a:bodyPr/>
+                  <a:lstStyle/>
+                  <a:p>
+                    <a:r>
+                      <a:rPr lang="en-US">
+                        <a:noFill/>
+                      </a:rPr>
+                      <a:t> </a:t>
+                    </a:r>
+                  </a:p>
+                </p:txBody>
+              </p:sp>
+            </mc:Fallback>
+          </mc:AlternateContent>
+          <mc:AlternateContent xmlns:mc="http://schemas.openxmlformats.org/markup-compatibility/2006">
+            <mc:Choice xmlns:a14="http://schemas.microsoft.com/office/drawing/2010/main" Requires="a14">
+              <p:sp>
+                <p:nvSpPr>
+                  <p:cNvPr id="81" name="TextBox 80"/>
+                  <p:cNvSpPr txBox="1"/>
+                  <p:nvPr/>
+                </p:nvSpPr>
+                <p:spPr>
+                  <a:xfrm>
+                    <a:off x="5743334" y="3654997"/>
+                    <a:ext cx="431721" cy="377219"/>
+                  </a:xfrm>
+                  <a:prstGeom prst="rect">
+                    <a:avLst/>
+                  </a:prstGeom>
+                  <a:noFill/>
+                </p:spPr>
+                <p:txBody>
+                  <a:bodyPr wrap="none" lIns="0" tIns="0" rIns="0" bIns="0" rtlCol="0">
+                    <a:spAutoFit/>
+                  </a:bodyPr>
+                  <a:lstStyle/>
+                  <a:p>
+                    <a14:m>
+                      <m:oMathPara xmlns:m="http://schemas.openxmlformats.org/officeDocument/2006/math">
+                        <m:oMathParaPr>
+                          <m:jc m:val="centerGroup"/>
+                        </m:oMathParaPr>
+                        <m:oMath xmlns:m="http://schemas.openxmlformats.org/officeDocument/2006/math">
+                          <m:sSub>
+                            <m:sSubPr>
+                              <m:ctrlPr>
+                                <a:rPr lang="en-US" sz="2000" b="0" i="1" smtClean="0">
+                                  <a:latin typeface="Cambria Math" panose="02040503050406030204" pitchFamily="18" charset="0"/>
+                                  <a:cs typeface="Arial" panose="020B0604020202020204" pitchFamily="34" charset="0"/>
+                                </a:rPr>
+                              </m:ctrlPr>
+                            </m:sSubPr>
+                            <m:e>
+                              <m:acc>
+                                <m:accPr>
+                                  <m:chr m:val="⃗"/>
+                                  <m:ctrlPr>
+                                    <a:rPr lang="en-US" sz="2000" b="0" i="1" smtClean="0">
+                                      <a:latin typeface="Cambria Math" panose="02040503050406030204" pitchFamily="18" charset="0"/>
+                                      <a:cs typeface="Arial" panose="020B0604020202020204" pitchFamily="34" charset="0"/>
+                                    </a:rPr>
+                                  </m:ctrlPr>
+                                </m:accPr>
+                                <m:e>
+                                  <m:r>
+                                    <a:rPr lang="en-US" sz="2000" b="0" i="1" smtClean="0">
+                                      <a:latin typeface="Cambria Math" panose="02040503050406030204" pitchFamily="18" charset="0"/>
+                                      <a:cs typeface="Arial" panose="020B0604020202020204" pitchFamily="34" charset="0"/>
+                                    </a:rPr>
+                                    <m:t>𝐹</m:t>
+                                  </m:r>
+                                </m:e>
+                              </m:acc>
+                            </m:e>
+                            <m:sub>
+                              <m:r>
+                                <a:rPr lang="en-US" sz="2000" b="0" i="1" smtClean="0">
+                                  <a:latin typeface="Cambria Math" panose="02040503050406030204" pitchFamily="18" charset="0"/>
+                                  <a:cs typeface="Arial" panose="020B0604020202020204" pitchFamily="34" charset="0"/>
+                                </a:rPr>
+                                <m:t>𝑔</m:t>
+                              </m:r>
+                              <m:r>
+                                <a:rPr lang="en-US" sz="2000" b="0" i="1" smtClean="0">
+                                  <a:latin typeface="Cambria Math" panose="02040503050406030204" pitchFamily="18" charset="0"/>
+                                  <a:cs typeface="Arial" panose="020B0604020202020204" pitchFamily="34" charset="0"/>
+                                </a:rPr>
+                                <m:t>2</m:t>
+                              </m:r>
+                            </m:sub>
+                          </m:sSub>
+                        </m:oMath>
+                      </m:oMathPara>
+                    </a14:m>
+                    <a:endParaRPr lang="en-US" sz="2000" dirty="0" smtClean="0">
+                      <a:latin typeface="Arial" panose="020B0604020202020204" pitchFamily="34" charset="0"/>
+                      <a:cs typeface="Arial" panose="020B0604020202020204" pitchFamily="34" charset="0"/>
+                    </a:endParaRPr>
+                  </a:p>
+                </p:txBody>
+              </p:sp>
+            </mc:Choice>
+            <mc:Fallback>
+              <p:sp>
+                <p:nvSpPr>
+                  <p:cNvPr id="81" name="TextBox 80"/>
+                  <p:cNvSpPr txBox="1">
+                    <a:spLocks noRot="1" noChangeAspect="1" noMove="1" noResize="1" noEditPoints="1" noAdjustHandles="1" noChangeArrowheads="1" noChangeShapeType="1" noTextEdit="1"/>
+                  </p:cNvSpPr>
+                  <p:nvPr/>
+                </p:nvSpPr>
+                <p:spPr>
+                  <a:xfrm>
+                    <a:off x="5743334" y="3654997"/>
+                    <a:ext cx="431721" cy="377219"/>
+                  </a:xfrm>
+                  <a:prstGeom prst="rect">
+                    <a:avLst/>
+                  </a:prstGeom>
+                  <a:blipFill>
+                    <a:blip r:embed="rId10"/>
+                    <a:stretch>
+                      <a:fillRect l="-11268" t="-32787" r="-40845" b="-22951"/>
+                    </a:stretch>
+                  </a:blipFill>
+                </p:spPr>
+                <p:txBody>
+                  <a:bodyPr/>
+                  <a:lstStyle/>
+                  <a:p>
+                    <a:r>
+                      <a:rPr lang="en-US">
+                        <a:noFill/>
+                      </a:rPr>
+                      <a:t> </a:t>
+                    </a:r>
+                  </a:p>
+                </p:txBody>
+              </p:sp>
+            </mc:Fallback>
+          </mc:AlternateContent>
+          <mc:AlternateContent xmlns:mc="http://schemas.openxmlformats.org/markup-compatibility/2006">
+            <mc:Choice xmlns:a14="http://schemas.microsoft.com/office/drawing/2010/main" Requires="a14">
+              <p:sp>
+                <p:nvSpPr>
+                  <p:cNvPr id="82" name="TextBox 81"/>
+                  <p:cNvSpPr txBox="1"/>
+                  <p:nvPr/>
+                </p:nvSpPr>
+                <p:spPr>
+                  <a:xfrm>
+                    <a:off x="5952741" y="2388841"/>
+                    <a:ext cx="404983" cy="354071"/>
+                  </a:xfrm>
+                  <a:prstGeom prst="rect">
+                    <a:avLst/>
+                  </a:prstGeom>
+                  <a:noFill/>
+                </p:spPr>
+                <p:txBody>
+                  <a:bodyPr wrap="none" lIns="0" tIns="0" rIns="0" bIns="0" rtlCol="0">
+                    <a:spAutoFit/>
+                  </a:bodyPr>
+                  <a:lstStyle/>
+                  <a:p>
+                    <a14:m>
+                      <m:oMathPara xmlns:m="http://schemas.openxmlformats.org/officeDocument/2006/math">
+                        <m:oMathParaPr>
+                          <m:jc m:val="centerGroup"/>
+                        </m:oMathParaPr>
+                        <m:oMath xmlns:m="http://schemas.openxmlformats.org/officeDocument/2006/math">
+                          <m:sSub>
+                            <m:sSubPr>
+                              <m:ctrlPr>
+                                <a:rPr lang="en-US" sz="2000" b="0" i="1" smtClean="0">
+                                  <a:latin typeface="Cambria Math" panose="02040503050406030204" pitchFamily="18" charset="0"/>
+                                  <a:cs typeface="Arial" panose="020B0604020202020204" pitchFamily="34" charset="0"/>
+                                </a:rPr>
+                              </m:ctrlPr>
+                            </m:sSubPr>
+                            <m:e>
+                              <m:acc>
+                                <m:accPr>
+                                  <m:chr m:val="⃗"/>
+                                  <m:ctrlPr>
+                                    <a:rPr lang="en-US" sz="2000" b="0" i="1" smtClean="0">
+                                      <a:latin typeface="Cambria Math" panose="02040503050406030204" pitchFamily="18" charset="0"/>
+                                      <a:cs typeface="Arial" panose="020B0604020202020204" pitchFamily="34" charset="0"/>
+                                    </a:rPr>
+                                  </m:ctrlPr>
+                                </m:accPr>
+                                <m:e>
+                                  <m:r>
+                                    <a:rPr lang="en-US" sz="2000" b="0" i="1" smtClean="0">
+                                      <a:latin typeface="Cambria Math" panose="02040503050406030204" pitchFamily="18" charset="0"/>
+                                      <a:cs typeface="Arial" panose="020B0604020202020204" pitchFamily="34" charset="0"/>
+                                    </a:rPr>
+                                    <m:t>𝑓</m:t>
+                                  </m:r>
+                                </m:e>
+                              </m:acc>
+                            </m:e>
+                            <m:sub>
+                              <m:r>
+                                <a:rPr lang="en-US" sz="2000" b="0" i="1" smtClean="0">
+                                  <a:latin typeface="Cambria Math" panose="02040503050406030204" pitchFamily="18" charset="0"/>
+                                  <a:cs typeface="Arial" panose="020B0604020202020204" pitchFamily="34" charset="0"/>
+                                </a:rPr>
+                                <m:t>𝑘</m:t>
+                              </m:r>
+                              <m:r>
+                                <a:rPr lang="en-US" sz="2000" b="0" i="1" smtClean="0">
+                                  <a:latin typeface="Cambria Math" panose="02040503050406030204" pitchFamily="18" charset="0"/>
+                                  <a:cs typeface="Arial" panose="020B0604020202020204" pitchFamily="34" charset="0"/>
+                                </a:rPr>
+                                <m:t>2</m:t>
+                              </m:r>
+                            </m:sub>
+                          </m:sSub>
+                        </m:oMath>
+                      </m:oMathPara>
+                    </a14:m>
+                    <a:endParaRPr lang="en-US" sz="2000" dirty="0" smtClean="0">
+                      <a:latin typeface="Arial" panose="020B0604020202020204" pitchFamily="34" charset="0"/>
+                      <a:cs typeface="Arial" panose="020B0604020202020204" pitchFamily="34" charset="0"/>
+                    </a:endParaRPr>
+                  </a:p>
+                </p:txBody>
+              </p:sp>
+            </mc:Choice>
+            <mc:Fallback>
+              <p:sp>
+                <p:nvSpPr>
+                  <p:cNvPr id="82" name="TextBox 81"/>
+                  <p:cNvSpPr txBox="1">
+                    <a:spLocks noRot="1" noChangeAspect="1" noMove="1" noResize="1" noEditPoints="1" noAdjustHandles="1" noChangeArrowheads="1" noChangeShapeType="1" noTextEdit="1"/>
+                  </p:cNvSpPr>
+                  <p:nvPr/>
+                </p:nvSpPr>
+                <p:spPr>
+                  <a:xfrm>
+                    <a:off x="5952741" y="2388841"/>
+                    <a:ext cx="404983" cy="354071"/>
+                  </a:xfrm>
+                  <a:prstGeom prst="rect">
+                    <a:avLst/>
+                  </a:prstGeom>
+                  <a:blipFill>
+                    <a:blip r:embed="rId11"/>
+                    <a:stretch>
+                      <a:fillRect l="-19403" t="-34483" r="-50746" b="-31034"/>
+                    </a:stretch>
+                  </a:blipFill>
+                </p:spPr>
+                <p:txBody>
+                  <a:bodyPr/>
+                  <a:lstStyle/>
+                  <a:p>
+                    <a:r>
+                      <a:rPr lang="en-US">
+                        <a:noFill/>
+                      </a:rPr>
+                      <a:t> </a:t>
+                    </a:r>
+                  </a:p>
+                </p:txBody>
+              </p:sp>
+            </mc:Fallback>
+          </mc:AlternateContent>
+          <mc:AlternateContent xmlns:mc="http://schemas.openxmlformats.org/markup-compatibility/2006">
+            <mc:Choice xmlns:a14="http://schemas.microsoft.com/office/drawing/2010/main" Requires="a14">
+              <p:sp>
+                <p:nvSpPr>
+                  <p:cNvPr id="83" name="TextBox 82"/>
+                  <p:cNvSpPr txBox="1"/>
+                  <p:nvPr/>
+                </p:nvSpPr>
+                <p:spPr>
+                  <a:xfrm>
+                    <a:off x="4616386" y="3482418"/>
+                    <a:ext cx="228460" cy="345159"/>
+                  </a:xfrm>
+                  <a:prstGeom prst="rect">
+                    <a:avLst/>
+                  </a:prstGeom>
+                  <a:noFill/>
+                </p:spPr>
+                <p:txBody>
+                  <a:bodyPr wrap="none" lIns="0" tIns="0" rIns="0" bIns="0" rtlCol="0">
+                    <a:spAutoFit/>
+                  </a:bodyPr>
+                  <a:lstStyle/>
+                  <a:p>
+                    <a14:m>
+                      <m:oMathPara xmlns:m="http://schemas.openxmlformats.org/officeDocument/2006/math">
+                        <m:oMathParaPr>
+                          <m:jc m:val="centerGroup"/>
+                        </m:oMathParaPr>
+                        <m:oMath xmlns:m="http://schemas.openxmlformats.org/officeDocument/2006/math">
+                          <m:acc>
+                            <m:accPr>
+                              <m:chr m:val="⃗"/>
+                              <m:ctrlPr>
+                                <a:rPr lang="en-US" sz="2000" b="0" i="1" smtClean="0">
+                                  <a:latin typeface="Cambria Math" panose="02040503050406030204" pitchFamily="18" charset="0"/>
+                                  <a:cs typeface="Arial" panose="020B0604020202020204" pitchFamily="34" charset="0"/>
+                                </a:rPr>
+                              </m:ctrlPr>
+                            </m:accPr>
+                            <m:e>
+                              <m:r>
+                                <a:rPr lang="en-US" sz="2000" b="0" i="1" smtClean="0">
+                                  <a:latin typeface="Cambria Math" panose="02040503050406030204" pitchFamily="18" charset="0"/>
+                                  <a:cs typeface="Arial" panose="020B0604020202020204" pitchFamily="34" charset="0"/>
+                                </a:rPr>
+                                <m:t>𝑇</m:t>
+                              </m:r>
+                            </m:e>
+                          </m:acc>
+                        </m:oMath>
+                      </m:oMathPara>
+                    </a14:m>
+                    <a:endParaRPr lang="en-US" sz="2000" dirty="0" smtClean="0">
+                      <a:latin typeface="Arial" panose="020B0604020202020204" pitchFamily="34" charset="0"/>
+                      <a:cs typeface="Arial" panose="020B0604020202020204" pitchFamily="34" charset="0"/>
+                    </a:endParaRPr>
+                  </a:p>
+                </p:txBody>
+              </p:sp>
+            </mc:Choice>
+            <mc:Fallback>
+              <p:sp>
+                <p:nvSpPr>
+                  <p:cNvPr id="83" name="TextBox 82"/>
+                  <p:cNvSpPr txBox="1">
+                    <a:spLocks noRot="1" noChangeAspect="1" noMove="1" noResize="1" noEditPoints="1" noAdjustHandles="1" noChangeArrowheads="1" noChangeShapeType="1" noTextEdit="1"/>
+                  </p:cNvSpPr>
+                  <p:nvPr/>
+                </p:nvSpPr>
+                <p:spPr>
+                  <a:xfrm>
+                    <a:off x="4616386" y="3482418"/>
+                    <a:ext cx="228460" cy="345159"/>
+                  </a:xfrm>
+                  <a:prstGeom prst="rect">
+                    <a:avLst/>
+                  </a:prstGeom>
+                  <a:blipFill>
+                    <a:blip r:embed="rId12"/>
+                    <a:stretch>
+                      <a:fillRect l="-21053" r="-21053" b="-8772"/>
+                    </a:stretch>
+                  </a:blipFill>
+                </p:spPr>
+                <p:txBody>
+                  <a:bodyPr/>
+                  <a:lstStyle/>
+                  <a:p>
+                    <a:r>
+                      <a:rPr lang="en-US">
+                        <a:noFill/>
+                      </a:rPr>
+                      <a:t> </a:t>
+                    </a:r>
+                  </a:p>
+                </p:txBody>
+              </p:sp>
+            </mc:Fallback>
+          </mc:AlternateContent>
+          <mc:AlternateContent xmlns:mc="http://schemas.openxmlformats.org/markup-compatibility/2006">
+            <mc:Choice xmlns:a14="http://schemas.microsoft.com/office/drawing/2010/main" Requires="a14">
+              <p:sp>
+                <p:nvSpPr>
+                  <p:cNvPr id="84" name="TextBox 83"/>
+                  <p:cNvSpPr txBox="1"/>
+                  <p:nvPr/>
+                </p:nvSpPr>
+                <p:spPr>
+                  <a:xfrm>
+                    <a:off x="5590276" y="2995527"/>
+                    <a:ext cx="420821" cy="345159"/>
+                  </a:xfrm>
+                  <a:prstGeom prst="rect">
+                    <a:avLst/>
+                  </a:prstGeom>
+                  <a:noFill/>
+                </p:spPr>
+                <p:txBody>
+                  <a:bodyPr wrap="none" lIns="0" tIns="0" rIns="0" bIns="0" rtlCol="0">
+                    <a:spAutoFit/>
+                  </a:bodyPr>
+                  <a:lstStyle/>
+                  <a:p>
+                    <a14:m>
+                      <m:oMathPara xmlns:m="http://schemas.openxmlformats.org/officeDocument/2006/math">
+                        <m:oMathParaPr>
+                          <m:jc m:val="centerGroup"/>
+                        </m:oMathParaPr>
+                        <m:oMath xmlns:m="http://schemas.openxmlformats.org/officeDocument/2006/math">
+                          <m:r>
+                            <a:rPr lang="en-US" sz="2000" b="0" i="1" smtClean="0">
+                              <a:latin typeface="Cambria Math" panose="02040503050406030204" pitchFamily="18" charset="0"/>
+                              <a:cs typeface="Arial" panose="020B0604020202020204" pitchFamily="34" charset="0"/>
+                            </a:rPr>
+                            <m:t>−</m:t>
+                          </m:r>
+                          <m:acc>
+                            <m:accPr>
+                              <m:chr m:val="⃗"/>
+                              <m:ctrlPr>
+                                <a:rPr lang="en-US" sz="2000" b="0" i="1" smtClean="0">
+                                  <a:latin typeface="Cambria Math" panose="02040503050406030204" pitchFamily="18" charset="0"/>
+                                  <a:cs typeface="Arial" panose="020B0604020202020204" pitchFamily="34" charset="0"/>
+                                </a:rPr>
+                              </m:ctrlPr>
+                            </m:accPr>
+                            <m:e>
+                              <m:r>
+                                <a:rPr lang="en-US" sz="2000" b="0" i="1" smtClean="0">
+                                  <a:latin typeface="Cambria Math" panose="02040503050406030204" pitchFamily="18" charset="0"/>
+                                  <a:cs typeface="Arial" panose="020B0604020202020204" pitchFamily="34" charset="0"/>
+                                </a:rPr>
+                                <m:t>𝑇</m:t>
+                              </m:r>
+                            </m:e>
+                          </m:acc>
+                        </m:oMath>
+                      </m:oMathPara>
+                    </a14:m>
+                    <a:endParaRPr lang="en-US" sz="2000" dirty="0" smtClean="0">
+                      <a:latin typeface="Arial" panose="020B0604020202020204" pitchFamily="34" charset="0"/>
+                      <a:cs typeface="Arial" panose="020B0604020202020204" pitchFamily="34" charset="0"/>
+                    </a:endParaRPr>
+                  </a:p>
+                </p:txBody>
+              </p:sp>
+            </mc:Choice>
+            <mc:Fallback>
+              <p:sp>
+                <p:nvSpPr>
+                  <p:cNvPr id="84" name="TextBox 83"/>
+                  <p:cNvSpPr txBox="1">
+                    <a:spLocks noRot="1" noChangeAspect="1" noMove="1" noResize="1" noEditPoints="1" noAdjustHandles="1" noChangeArrowheads="1" noChangeShapeType="1" noTextEdit="1"/>
+                  </p:cNvSpPr>
+                  <p:nvPr/>
+                </p:nvSpPr>
+                <p:spPr>
+                  <a:xfrm>
+                    <a:off x="5590276" y="2995527"/>
+                    <a:ext cx="420821" cy="345159"/>
+                  </a:xfrm>
+                  <a:prstGeom prst="rect">
+                    <a:avLst/>
+                  </a:prstGeom>
+                  <a:blipFill>
+                    <a:blip r:embed="rId13"/>
+                    <a:stretch>
+                      <a:fillRect l="-1449" r="-11594" b="-8772"/>
+                    </a:stretch>
+                  </a:blipFill>
+                </p:spPr>
+                <p:txBody>
+                  <a:bodyPr/>
+                  <a:lstStyle/>
+                  <a:p>
+                    <a:r>
+                      <a:rPr lang="en-US">
+                        <a:noFill/>
+                      </a:rPr>
+                      <a:t> </a:t>
+                    </a:r>
+                  </a:p>
+                </p:txBody>
+              </p:sp>
+            </mc:Fallback>
+          </mc:AlternateContent>
+          <mc:AlternateContent xmlns:mc="http://schemas.openxmlformats.org/markup-compatibility/2006">
+            <mc:Choice xmlns:a14="http://schemas.microsoft.com/office/drawing/2010/main" Requires="a14">
+              <p:sp>
+                <p:nvSpPr>
+                  <p:cNvPr id="85" name="TextBox 84"/>
+                  <p:cNvSpPr txBox="1"/>
+                  <p:nvPr/>
+                </p:nvSpPr>
+                <p:spPr>
+                  <a:xfrm>
+                    <a:off x="4170756" y="4113054"/>
+                    <a:ext cx="399019" cy="307777"/>
+                  </a:xfrm>
+                  <a:prstGeom prst="rect">
+                    <a:avLst/>
+                  </a:prstGeom>
+                  <a:noFill/>
+                </p:spPr>
+                <p:txBody>
+                  <a:bodyPr wrap="none" lIns="0" tIns="0" rIns="0" bIns="0" rtlCol="0">
+                    <a:spAutoFit/>
+                  </a:bodyPr>
+                  <a:lstStyle/>
+                  <a:p>
+                    <a14:m>
+                      <m:oMathPara xmlns:m="http://schemas.openxmlformats.org/officeDocument/2006/math">
+                        <m:oMathParaPr>
+                          <m:jc m:val="centerGroup"/>
+                        </m:oMathParaPr>
+                        <m:oMath xmlns:m="http://schemas.openxmlformats.org/officeDocument/2006/math">
+                          <m:sSub>
+                            <m:sSubPr>
+                              <m:ctrlPr>
+                                <a:rPr lang="en-US" sz="2000" b="0" i="1" smtClean="0">
+                                  <a:latin typeface="Cambria Math" panose="02040503050406030204" pitchFamily="18" charset="0"/>
+                                  <a:cs typeface="Arial" panose="020B0604020202020204" pitchFamily="34" charset="0"/>
+                                </a:rPr>
+                              </m:ctrlPr>
+                            </m:sSubPr>
+                            <m:e>
+                              <m:r>
+                                <a:rPr lang="en-US" sz="2000" b="0" i="1" smtClean="0">
+                                  <a:latin typeface="Cambria Math" panose="02040503050406030204" pitchFamily="18" charset="0"/>
+                                  <a:cs typeface="Arial" panose="020B0604020202020204" pitchFamily="34" charset="0"/>
+                                </a:rPr>
+                                <m:t>𝑚</m:t>
+                              </m:r>
+                            </m:e>
+                            <m:sub>
+                              <m:r>
+                                <a:rPr lang="en-US" sz="2000" b="0" i="1" smtClean="0">
+                                  <a:latin typeface="Cambria Math" panose="02040503050406030204" pitchFamily="18" charset="0"/>
+                                  <a:cs typeface="Arial" panose="020B0604020202020204" pitchFamily="34" charset="0"/>
+                                </a:rPr>
+                                <m:t>1</m:t>
+                              </m:r>
+                            </m:sub>
+                          </m:sSub>
+                        </m:oMath>
+                      </m:oMathPara>
+                    </a14:m>
+                    <a:endParaRPr lang="en-US" sz="2000" dirty="0" smtClean="0">
+                      <a:latin typeface="Arial" panose="020B0604020202020204" pitchFamily="34" charset="0"/>
+                      <a:cs typeface="Arial" panose="020B0604020202020204" pitchFamily="34" charset="0"/>
+                    </a:endParaRPr>
+                  </a:p>
+                </p:txBody>
+              </p:sp>
+            </mc:Choice>
+            <mc:Fallback>
+              <p:sp>
+                <p:nvSpPr>
+                  <p:cNvPr id="85" name="TextBox 84"/>
+                  <p:cNvSpPr txBox="1">
+                    <a:spLocks noRot="1" noChangeAspect="1" noMove="1" noResize="1" noEditPoints="1" noAdjustHandles="1" noChangeArrowheads="1" noChangeShapeType="1" noTextEdit="1"/>
+                  </p:cNvSpPr>
+                  <p:nvPr/>
+                </p:nvSpPr>
+                <p:spPr>
+                  <a:xfrm>
+                    <a:off x="4170756" y="4113054"/>
+                    <a:ext cx="399019" cy="307777"/>
+                  </a:xfrm>
+                  <a:prstGeom prst="rect">
+                    <a:avLst/>
+                  </a:prstGeom>
+                  <a:blipFill>
+                    <a:blip r:embed="rId14"/>
+                    <a:stretch>
+                      <a:fillRect l="-6061" r="-3030" b="-20000"/>
+                    </a:stretch>
+                  </a:blipFill>
+                </p:spPr>
+                <p:txBody>
+                  <a:bodyPr/>
+                  <a:lstStyle/>
+                  <a:p>
+                    <a:r>
+                      <a:rPr lang="en-US">
+                        <a:noFill/>
+                      </a:rPr>
+                      <a:t> </a:t>
+                    </a:r>
+                  </a:p>
+                </p:txBody>
+              </p:sp>
+            </mc:Fallback>
+          </mc:AlternateContent>
+          <mc:AlternateContent xmlns:mc="http://schemas.openxmlformats.org/markup-compatibility/2006">
+            <mc:Choice xmlns:a14="http://schemas.microsoft.com/office/drawing/2010/main" Requires="a14">
+              <p:sp>
+                <p:nvSpPr>
+                  <p:cNvPr id="86" name="TextBox 85"/>
+                  <p:cNvSpPr txBox="1"/>
+                  <p:nvPr/>
+                </p:nvSpPr>
+                <p:spPr>
+                  <a:xfrm>
+                    <a:off x="6038707" y="4116510"/>
+                    <a:ext cx="404983" cy="307777"/>
+                  </a:xfrm>
+                  <a:prstGeom prst="rect">
+                    <a:avLst/>
+                  </a:prstGeom>
+                  <a:noFill/>
+                </p:spPr>
+                <p:txBody>
+                  <a:bodyPr wrap="none" lIns="0" tIns="0" rIns="0" bIns="0" rtlCol="0">
+                    <a:spAutoFit/>
+                  </a:bodyPr>
+                  <a:lstStyle/>
+                  <a:p>
+                    <a14:m>
+                      <m:oMathPara xmlns:m="http://schemas.openxmlformats.org/officeDocument/2006/math">
+                        <m:oMathParaPr>
+                          <m:jc m:val="centerGroup"/>
+                        </m:oMathParaPr>
+                        <m:oMath xmlns:m="http://schemas.openxmlformats.org/officeDocument/2006/math">
+                          <m:sSub>
+                            <m:sSubPr>
+                              <m:ctrlPr>
+                                <a:rPr lang="en-US" sz="2000" b="0" i="1" smtClean="0">
+                                  <a:latin typeface="Cambria Math" panose="02040503050406030204" pitchFamily="18" charset="0"/>
+                                  <a:cs typeface="Arial" panose="020B0604020202020204" pitchFamily="34" charset="0"/>
+                                </a:rPr>
+                              </m:ctrlPr>
+                            </m:sSubPr>
+                            <m:e>
+                              <m:r>
+                                <a:rPr lang="en-US" sz="2000" b="0" i="1" smtClean="0">
+                                  <a:latin typeface="Cambria Math" panose="02040503050406030204" pitchFamily="18" charset="0"/>
+                                  <a:cs typeface="Arial" panose="020B0604020202020204" pitchFamily="34" charset="0"/>
+                                </a:rPr>
+                                <m:t>𝑚</m:t>
+                              </m:r>
+                            </m:e>
+                            <m:sub>
+                              <m:r>
+                                <a:rPr lang="en-US" sz="2000" b="0" i="1" smtClean="0">
+                                  <a:latin typeface="Cambria Math" panose="02040503050406030204" pitchFamily="18" charset="0"/>
+                                  <a:cs typeface="Arial" panose="020B0604020202020204" pitchFamily="34" charset="0"/>
+                                </a:rPr>
+                                <m:t>2</m:t>
+                              </m:r>
+                            </m:sub>
+                          </m:sSub>
+                        </m:oMath>
+                      </m:oMathPara>
+                    </a14:m>
+                    <a:endParaRPr lang="en-US" sz="2000" dirty="0" smtClean="0">
+                      <a:latin typeface="Arial" panose="020B0604020202020204" pitchFamily="34" charset="0"/>
+                      <a:cs typeface="Arial" panose="020B0604020202020204" pitchFamily="34" charset="0"/>
+                    </a:endParaRPr>
+                  </a:p>
+                </p:txBody>
+              </p:sp>
+            </mc:Choice>
+            <mc:Fallback>
+              <p:sp>
+                <p:nvSpPr>
+                  <p:cNvPr id="86" name="TextBox 85"/>
+                  <p:cNvSpPr txBox="1">
+                    <a:spLocks noRot="1" noChangeAspect="1" noMove="1" noResize="1" noEditPoints="1" noAdjustHandles="1" noChangeArrowheads="1" noChangeShapeType="1" noTextEdit="1"/>
+                  </p:cNvSpPr>
+                  <p:nvPr/>
+                </p:nvSpPr>
+                <p:spPr>
+                  <a:xfrm>
+                    <a:off x="6038707" y="4116510"/>
+                    <a:ext cx="404983" cy="307777"/>
+                  </a:xfrm>
+                  <a:prstGeom prst="rect">
+                    <a:avLst/>
+                  </a:prstGeom>
+                  <a:blipFill>
+                    <a:blip r:embed="rId15"/>
+                    <a:stretch>
+                      <a:fillRect l="-7576" r="-4545" b="-19608"/>
+                    </a:stretch>
+                  </a:blipFill>
+                </p:spPr>
+                <p:txBody>
+                  <a:bodyPr/>
+                  <a:lstStyle/>
+                  <a:p>
+                    <a:r>
+                      <a:rPr lang="en-US">
+                        <a:noFill/>
+                      </a:rPr>
+                      <a:t> </a:t>
+                    </a:r>
+                  </a:p>
+                </p:txBody>
+              </p:sp>
+            </mc:Fallback>
+          </mc:AlternateContent>
+          <p:sp>
+            <p:nvSpPr>
+              <p:cNvPr id="92" name="Right Arrow 91"/>
+              <p:cNvSpPr/>
+              <p:nvPr/>
+            </p:nvSpPr>
+            <p:spPr>
+              <a:xfrm rot="2596491">
+                <a:off x="4330800" y="2260015"/>
+                <a:ext cx="700928" cy="118979"/>
+              </a:xfrm>
+              <a:prstGeom prst="rightArrow">
+                <a:avLst/>
+              </a:prstGeom>
+              <a:solidFill>
+                <a:schemeClr val="tx1"/>
+              </a:solidFill>
+              <a:ln w="38100">
+                <a:solidFill>
+                  <a:schemeClr val="tx1"/>
+                </a:solidFill>
+              </a:ln>
+            </p:spPr>
+            <p:style>
+              <a:lnRef idx="2">
+                <a:schemeClr val="accent1">
+                  <a:shade val="50000"/>
+                </a:schemeClr>
+              </a:lnRef>
+              <a:fillRef idx="1">
+                <a:schemeClr val="accent1"/>
+              </a:fillRef>
+              <a:effectRef idx="0">
+                <a:schemeClr val="accent1"/>
+              </a:effectRef>
+              <a:fontRef idx="minor">
+                <a:schemeClr val="lt1"/>
+              </a:fontRef>
+            </p:style>
+            <p:txBody>
+              <a:bodyPr rtlCol="0" anchor="ctr"/>
+              <a:lstStyle/>
+              <a:p>
+                <a:pPr algn="ctr"/>
+                <a:endParaRPr lang="en-US"/>
+              </a:p>
+            </p:txBody>
+          </p:sp>
+          <mc:AlternateContent xmlns:mc="http://schemas.openxmlformats.org/markup-compatibility/2006">
+            <mc:Choice xmlns:a14="http://schemas.microsoft.com/office/drawing/2010/main" Requires="a14">
+              <p:sp>
+                <p:nvSpPr>
+                  <p:cNvPr id="93" name="TextBox 92"/>
+                  <p:cNvSpPr txBox="1"/>
+                  <p:nvPr/>
+                </p:nvSpPr>
+                <p:spPr>
+                  <a:xfrm>
+                    <a:off x="4671637" y="1973581"/>
+                    <a:ext cx="219483" cy="307777"/>
+                  </a:xfrm>
+                  <a:prstGeom prst="rect">
+                    <a:avLst/>
+                  </a:prstGeom>
+                  <a:noFill/>
+                </p:spPr>
+                <p:txBody>
+                  <a:bodyPr wrap="none" lIns="0" tIns="0" rIns="0" bIns="0" rtlCol="0">
+                    <a:spAutoFit/>
+                  </a:bodyPr>
+                  <a:lstStyle/>
+                  <a:p>
+                    <a14:m>
+                      <m:oMathPara xmlns:m="http://schemas.openxmlformats.org/officeDocument/2006/math">
+                        <m:oMathParaPr>
+                          <m:jc m:val="centerGroup"/>
+                        </m:oMathParaPr>
+                        <m:oMath xmlns:m="http://schemas.openxmlformats.org/officeDocument/2006/math">
+                          <m:acc>
+                            <m:accPr>
+                              <m:chr m:val="⃗"/>
+                              <m:ctrlPr>
+                                <a:rPr lang="en-US" sz="2000" b="0" i="1" smtClean="0">
+                                  <a:latin typeface="Cambria Math" panose="02040503050406030204" pitchFamily="18" charset="0"/>
+                                  <a:cs typeface="Arial" panose="020B0604020202020204" pitchFamily="34" charset="0"/>
+                                </a:rPr>
+                              </m:ctrlPr>
+                            </m:accPr>
+                            <m:e>
+                              <m:r>
+                                <a:rPr lang="en-US" sz="2000" b="0" i="1" smtClean="0">
+                                  <a:latin typeface="Cambria Math" panose="02040503050406030204" pitchFamily="18" charset="0"/>
+                                  <a:cs typeface="Arial" panose="020B0604020202020204" pitchFamily="34" charset="0"/>
+                                </a:rPr>
+                                <m:t>𝑎</m:t>
+                              </m:r>
+                            </m:e>
+                          </m:acc>
+                        </m:oMath>
+                      </m:oMathPara>
+                    </a14:m>
+                    <a:endParaRPr lang="en-US" sz="2000" dirty="0" smtClean="0">
+                      <a:latin typeface="Arial" panose="020B0604020202020204" pitchFamily="34" charset="0"/>
+                      <a:cs typeface="Arial" panose="020B0604020202020204" pitchFamily="34" charset="0"/>
+                    </a:endParaRPr>
+                  </a:p>
+                </p:txBody>
+              </p:sp>
+            </mc:Choice>
+            <mc:Fallback>
+              <p:sp>
+                <p:nvSpPr>
+                  <p:cNvPr id="93" name="TextBox 92"/>
+                  <p:cNvSpPr txBox="1">
+                    <a:spLocks noRot="1" noChangeAspect="1" noMove="1" noResize="1" noEditPoints="1" noAdjustHandles="1" noChangeArrowheads="1" noChangeShapeType="1" noTextEdit="1"/>
+                  </p:cNvSpPr>
+                  <p:nvPr/>
+                </p:nvSpPr>
+                <p:spPr>
+                  <a:xfrm>
+                    <a:off x="4671637" y="1973581"/>
+                    <a:ext cx="219483" cy="307777"/>
+                  </a:xfrm>
+                  <a:prstGeom prst="rect">
+                    <a:avLst/>
+                  </a:prstGeom>
+                  <a:blipFill>
+                    <a:blip r:embed="rId16"/>
+                    <a:stretch>
+                      <a:fillRect l="-19444" t="-36000" r="-94444" b="-6000"/>
+                    </a:stretch>
+                  </a:blipFill>
+                </p:spPr>
+                <p:txBody>
+                  <a:bodyPr/>
+                  <a:lstStyle/>
+                  <a:p>
+                    <a:r>
+                      <a:rPr lang="en-US">
+                        <a:noFill/>
+                      </a:rPr>
+                      <a:t> </a:t>
+                    </a:r>
+                  </a:p>
+                </p:txBody>
+              </p:sp>
+            </mc:Fallback>
+          </mc:AlternateContent>
+          <p:sp>
+            <p:nvSpPr>
+              <p:cNvPr id="94" name="Right Arrow 93"/>
+              <p:cNvSpPr/>
+              <p:nvPr/>
+            </p:nvSpPr>
+            <p:spPr>
+              <a:xfrm rot="2596491">
+                <a:off x="6440342" y="2285774"/>
+                <a:ext cx="700928" cy="118979"/>
+              </a:xfrm>
+              <a:prstGeom prst="rightArrow">
+                <a:avLst/>
+              </a:prstGeom>
+              <a:solidFill>
+                <a:schemeClr val="tx1"/>
+              </a:solidFill>
+              <a:ln w="38100">
+                <a:solidFill>
+                  <a:schemeClr val="tx1"/>
+                </a:solidFill>
+              </a:ln>
+            </p:spPr>
+            <p:style>
+              <a:lnRef idx="2">
+                <a:schemeClr val="accent1">
+                  <a:shade val="50000"/>
+                </a:schemeClr>
+              </a:lnRef>
+              <a:fillRef idx="1">
+                <a:schemeClr val="accent1"/>
+              </a:fillRef>
+              <a:effectRef idx="0">
+                <a:schemeClr val="accent1"/>
+              </a:effectRef>
+              <a:fontRef idx="minor">
+                <a:schemeClr val="lt1"/>
+              </a:fontRef>
+            </p:style>
+            <p:txBody>
+              <a:bodyPr rtlCol="0" anchor="ctr"/>
+              <a:lstStyle/>
+              <a:p>
+                <a:pPr algn="ctr"/>
+                <a:endParaRPr lang="en-US"/>
+              </a:p>
+            </p:txBody>
+          </p:sp>
+          <mc:AlternateContent xmlns:mc="http://schemas.openxmlformats.org/markup-compatibility/2006">
+            <mc:Choice xmlns:a14="http://schemas.microsoft.com/office/drawing/2010/main" Requires="a14">
+              <p:sp>
+                <p:nvSpPr>
+                  <p:cNvPr id="95" name="TextBox 94"/>
+                  <p:cNvSpPr txBox="1"/>
+                  <p:nvPr/>
+                </p:nvSpPr>
+                <p:spPr>
+                  <a:xfrm>
+                    <a:off x="6958908" y="2008767"/>
+                    <a:ext cx="219483" cy="307777"/>
+                  </a:xfrm>
+                  <a:prstGeom prst="rect">
+                    <a:avLst/>
+                  </a:prstGeom>
+                  <a:noFill/>
+                </p:spPr>
+                <p:txBody>
+                  <a:bodyPr wrap="none" lIns="0" tIns="0" rIns="0" bIns="0" rtlCol="0">
+                    <a:spAutoFit/>
+                  </a:bodyPr>
+                  <a:lstStyle/>
+                  <a:p>
+                    <a14:m>
+                      <m:oMathPara xmlns:m="http://schemas.openxmlformats.org/officeDocument/2006/math">
+                        <m:oMathParaPr>
+                          <m:jc m:val="centerGroup"/>
+                        </m:oMathParaPr>
+                        <m:oMath xmlns:m="http://schemas.openxmlformats.org/officeDocument/2006/math">
+                          <m:acc>
+                            <m:accPr>
+                              <m:chr m:val="⃗"/>
+                              <m:ctrlPr>
+                                <a:rPr lang="en-US" sz="2000" b="0" i="1" smtClean="0">
+                                  <a:latin typeface="Cambria Math" panose="02040503050406030204" pitchFamily="18" charset="0"/>
+                                  <a:cs typeface="Arial" panose="020B0604020202020204" pitchFamily="34" charset="0"/>
+                                </a:rPr>
+                              </m:ctrlPr>
+                            </m:accPr>
+                            <m:e>
+                              <m:r>
+                                <a:rPr lang="en-US" sz="2000" b="0" i="1" smtClean="0">
+                                  <a:latin typeface="Cambria Math" panose="02040503050406030204" pitchFamily="18" charset="0"/>
+                                  <a:cs typeface="Arial" panose="020B0604020202020204" pitchFamily="34" charset="0"/>
+                                </a:rPr>
+                                <m:t>𝑎</m:t>
+                              </m:r>
+                            </m:e>
+                          </m:acc>
+                        </m:oMath>
+                      </m:oMathPara>
+                    </a14:m>
+                    <a:endParaRPr lang="en-US" sz="2000" dirty="0" smtClean="0">
+                      <a:latin typeface="Arial" panose="020B0604020202020204" pitchFamily="34" charset="0"/>
+                      <a:cs typeface="Arial" panose="020B0604020202020204" pitchFamily="34" charset="0"/>
+                    </a:endParaRPr>
+                  </a:p>
+                </p:txBody>
+              </p:sp>
+            </mc:Choice>
+            <mc:Fallback>
+              <p:sp>
+                <p:nvSpPr>
+                  <p:cNvPr id="95" name="TextBox 94"/>
+                  <p:cNvSpPr txBox="1">
+                    <a:spLocks noRot="1" noChangeAspect="1" noMove="1" noResize="1" noEditPoints="1" noAdjustHandles="1" noChangeArrowheads="1" noChangeShapeType="1" noTextEdit="1"/>
+                  </p:cNvSpPr>
+                  <p:nvPr/>
+                </p:nvSpPr>
+                <p:spPr>
+                  <a:xfrm>
+                    <a:off x="6958908" y="2008767"/>
+                    <a:ext cx="219483" cy="307777"/>
+                  </a:xfrm>
+                  <a:prstGeom prst="rect">
+                    <a:avLst/>
+                  </a:prstGeom>
+                  <a:blipFill>
+                    <a:blip r:embed="rId17"/>
+                    <a:stretch>
+                      <a:fillRect l="-22222" t="-36000" r="-91667" b="-6000"/>
+                    </a:stretch>
+                  </a:blipFill>
+                </p:spPr>
+                <p:txBody>
+                  <a:bodyPr/>
+                  <a:lstStyle/>
+                  <a:p>
+                    <a:r>
+                      <a:rPr lang="en-US">
+                        <a:noFill/>
+                      </a:rPr>
+                      <a:t> </a:t>
+                    </a:r>
+                  </a:p>
+                </p:txBody>
+              </p:sp>
+            </mc:Fallback>
+          </mc:AlternateContent>
+        </p:grpSp>
+        <p:cxnSp>
+          <p:nvCxnSpPr>
+            <p:cNvPr id="114" name="Straight Connector 113"/>
+            <p:cNvCxnSpPr/>
+            <p:nvPr/>
+          </p:nvCxnSpPr>
+          <p:spPr>
+            <a:xfrm flipH="1">
+              <a:off x="3853081" y="3145776"/>
+              <a:ext cx="451627" cy="450686"/>
+            </a:xfrm>
+            <a:prstGeom prst="line">
+              <a:avLst/>
+            </a:prstGeom>
+            <a:ln w="19050">
+              <a:solidFill>
+                <a:schemeClr val="tx1"/>
+              </a:solidFill>
+              <a:prstDash val="sysDot"/>
+            </a:ln>
+          </p:spPr>
+          <p:style>
+            <a:lnRef idx="1">
+              <a:schemeClr val="accent1"/>
+            </a:lnRef>
+            <a:fillRef idx="0">
+              <a:schemeClr val="accent1"/>
+            </a:fillRef>
+            <a:effectRef idx="0">
+              <a:schemeClr val="accent1"/>
+            </a:effectRef>
+            <a:fontRef idx="minor">
+              <a:schemeClr val="tx1"/>
+            </a:fontRef>
+          </p:style>
+        </p:cxnSp>
+        <p:cxnSp>
+          <p:nvCxnSpPr>
+            <p:cNvPr id="116" name="Straight Connector 115"/>
+            <p:cNvCxnSpPr/>
+            <p:nvPr/>
+          </p:nvCxnSpPr>
+          <p:spPr>
+            <a:xfrm flipH="1">
+              <a:off x="5710104" y="3137294"/>
+              <a:ext cx="451627" cy="450686"/>
+            </a:xfrm>
+            <a:prstGeom prst="line">
+              <a:avLst/>
+            </a:prstGeom>
+            <a:ln w="19050">
+              <a:solidFill>
+                <a:schemeClr val="tx1"/>
+              </a:solidFill>
+              <a:prstDash val="sysDot"/>
+            </a:ln>
+          </p:spPr>
+          <p:style>
+            <a:lnRef idx="1">
+              <a:schemeClr val="accent1"/>
+            </a:lnRef>
+            <a:fillRef idx="0">
+              <a:schemeClr val="accent1"/>
+            </a:fillRef>
+            <a:effectRef idx="0">
+              <a:schemeClr val="accent1"/>
+            </a:effectRef>
+            <a:fontRef idx="minor">
+              <a:schemeClr val="tx1"/>
+            </a:fontRef>
+          </p:style>
+        </p:cxnSp>
+        <mc:AlternateContent xmlns:mc="http://schemas.openxmlformats.org/markup-compatibility/2006">
+          <mc:Choice xmlns:a14="http://schemas.microsoft.com/office/drawing/2010/main" Requires="a14">
+            <p:sp>
+              <p:nvSpPr>
+                <p:cNvPr id="117" name="Rectangle 116"/>
+                <p:cNvSpPr/>
+                <p:nvPr/>
+              </p:nvSpPr>
+              <p:spPr>
+                <a:xfrm>
+                  <a:off x="4020093" y="3243045"/>
+                  <a:ext cx="394147" cy="400110"/>
+                </a:xfrm>
+                <a:prstGeom prst="rect">
+                  <a:avLst/>
+                </a:prstGeom>
+              </p:spPr>
+              <p:txBody>
+                <a:bodyPr wrap="none">
+                  <a:spAutoFit/>
+                </a:bodyPr>
+                <a:lstStyle/>
+                <a:p>
+                  <a:pPr/>
+                  <a14:m>
+                    <m:oMathPara xmlns:m="http://schemas.openxmlformats.org/officeDocument/2006/math">
+                      <m:oMathParaPr>
+                        <m:jc m:val="centerGroup"/>
+                      </m:oMathParaPr>
+                      <m:oMath xmlns:m="http://schemas.openxmlformats.org/officeDocument/2006/math">
+                        <m:r>
+                          <a:rPr lang="en-US" sz="2000" i="1" smtClean="0">
+                            <a:latin typeface="Cambria Math" panose="02040503050406030204" pitchFamily="18" charset="0"/>
+                          </a:rPr>
+                          <m:t>𝜃</m:t>
+                        </m:r>
+                      </m:oMath>
+                    </m:oMathPara>
+                  </a14:m>
+                  <a:endParaRPr lang="en-CA" sz="2000" dirty="0"/>
+                </a:p>
+              </p:txBody>
+            </p:sp>
+          </mc:Choice>
+          <mc:Fallback>
+            <p:sp>
+              <p:nvSpPr>
+                <p:cNvPr id="117" name="Rectangle 116"/>
+                <p:cNvSpPr>
+                  <a:spLocks noRot="1" noChangeAspect="1" noMove="1" noResize="1" noEditPoints="1" noAdjustHandles="1" noChangeArrowheads="1" noChangeShapeType="1" noTextEdit="1"/>
+                </p:cNvSpPr>
+                <p:nvPr/>
+              </p:nvSpPr>
+              <p:spPr>
+                <a:xfrm>
+                  <a:off x="4020093" y="3243045"/>
+                  <a:ext cx="394147" cy="400110"/>
+                </a:xfrm>
+                <a:prstGeom prst="rect">
+                  <a:avLst/>
+                </a:prstGeom>
+                <a:blipFill>
+                  <a:blip r:embed="rId18"/>
+                  <a:stretch>
+                    <a:fillRect/>
+                  </a:stretch>
+                </a:blipFill>
+              </p:spPr>
+              <p:txBody>
+                <a:bodyPr/>
+                <a:lstStyle/>
+                <a:p>
+                  <a:r>
+                    <a:rPr lang="en-US">
+                      <a:noFill/>
+                    </a:rPr>
+                    <a:t> </a:t>
+                  </a:r>
+                </a:p>
+              </p:txBody>
+            </p:sp>
+          </mc:Fallback>
+        </mc:AlternateContent>
+        <mc:AlternateContent xmlns:mc="http://schemas.openxmlformats.org/markup-compatibility/2006">
+          <mc:Choice xmlns:a14="http://schemas.microsoft.com/office/drawing/2010/main" Requires="a14">
+            <p:sp>
+              <p:nvSpPr>
+                <p:cNvPr id="118" name="Rectangle 117"/>
+                <p:cNvSpPr/>
+                <p:nvPr/>
+              </p:nvSpPr>
+              <p:spPr>
+                <a:xfrm>
+                  <a:off x="5867126" y="3212740"/>
+                  <a:ext cx="394147" cy="400110"/>
+                </a:xfrm>
+                <a:prstGeom prst="rect">
+                  <a:avLst/>
+                </a:prstGeom>
+              </p:spPr>
+              <p:txBody>
+                <a:bodyPr wrap="none">
+                  <a:spAutoFit/>
+                </a:bodyPr>
+                <a:lstStyle/>
+                <a:p>
+                  <a:pPr/>
+                  <a14:m>
+                    <m:oMathPara xmlns:m="http://schemas.openxmlformats.org/officeDocument/2006/math">
+                      <m:oMathParaPr>
+                        <m:jc m:val="centerGroup"/>
+                      </m:oMathParaPr>
+                      <m:oMath xmlns:m="http://schemas.openxmlformats.org/officeDocument/2006/math">
+                        <m:r>
+                          <a:rPr lang="en-US" sz="2000" i="1" smtClean="0">
+                            <a:latin typeface="Cambria Math" panose="02040503050406030204" pitchFamily="18" charset="0"/>
+                          </a:rPr>
+                          <m:t>𝜃</m:t>
+                        </m:r>
+                      </m:oMath>
+                    </m:oMathPara>
+                  </a14:m>
+                  <a:endParaRPr lang="en-CA" sz="2000" dirty="0"/>
+                </a:p>
+              </p:txBody>
+            </p:sp>
+          </mc:Choice>
+          <mc:Fallback>
+            <p:sp>
+              <p:nvSpPr>
+                <p:cNvPr id="118" name="Rectangle 117"/>
+                <p:cNvSpPr>
+                  <a:spLocks noRot="1" noChangeAspect="1" noMove="1" noResize="1" noEditPoints="1" noAdjustHandles="1" noChangeArrowheads="1" noChangeShapeType="1" noTextEdit="1"/>
+                </p:cNvSpPr>
+                <p:nvPr/>
+              </p:nvSpPr>
+              <p:spPr>
+                <a:xfrm>
+                  <a:off x="5867126" y="3212740"/>
+                  <a:ext cx="394147" cy="400110"/>
+                </a:xfrm>
+                <a:prstGeom prst="rect">
+                  <a:avLst/>
+                </a:prstGeom>
+                <a:blipFill>
+                  <a:blip r:embed="rId19"/>
+                  <a:stretch>
+                    <a:fillRect/>
+                  </a:stretch>
+                </a:blipFill>
+              </p:spPr>
+              <p:txBody>
+                <a:bodyPr/>
+                <a:lstStyle/>
+                <a:p>
+                  <a:r>
+                    <a:rPr lang="en-US">
+                      <a:noFill/>
+                    </a:rPr>
+                    <a:t> </a:t>
+                  </a:r>
+                </a:p>
+              </p:txBody>
+            </p:sp>
+          </mc:Fallback>
+        </mc:AlternateContent>
+      </p:grpSp>
     </p:spTree>
     <p:extLst>
       <p:ext uri="{BB962C8B-B14F-4D97-AF65-F5344CB8AC3E}">
-        <p14:creationId xmlns:p14="http://schemas.microsoft.com/office/powerpoint/2010/main" val="3603706640"/>
+        <p14:creationId xmlns:p14="http://schemas.microsoft.com/office/powerpoint/2010/main" val="1333425517"/>
       </p:ext>
     </p:extLst>
   </p:cSld>

--- a/tex/figures/NewtonsLaws/Figures.pptx
+++ b/tex/figures/NewtonsLaws/Figures.pptx
@@ -246,7 +246,7 @@
           <a:p>
             <a:fld id="{F7249F8D-641B-4CAF-BAE5-10524742F6F1}" type="datetimeFigureOut">
               <a:rPr lang="en-CA" smtClean="0"/>
-              <a:t>2018-05-18</a:t>
+              <a:t>2018-05-21</a:t>
             </a:fld>
             <a:endParaRPr lang="en-CA"/>
           </a:p>
@@ -416,7 +416,7 @@
           <a:p>
             <a:fld id="{F7249F8D-641B-4CAF-BAE5-10524742F6F1}" type="datetimeFigureOut">
               <a:rPr lang="en-CA" smtClean="0"/>
-              <a:t>2018-05-18</a:t>
+              <a:t>2018-05-21</a:t>
             </a:fld>
             <a:endParaRPr lang="en-CA"/>
           </a:p>
@@ -596,7 +596,7 @@
           <a:p>
             <a:fld id="{F7249F8D-641B-4CAF-BAE5-10524742F6F1}" type="datetimeFigureOut">
               <a:rPr lang="en-CA" smtClean="0"/>
-              <a:t>2018-05-18</a:t>
+              <a:t>2018-05-21</a:t>
             </a:fld>
             <a:endParaRPr lang="en-CA"/>
           </a:p>
@@ -766,7 +766,7 @@
           <a:p>
             <a:fld id="{F7249F8D-641B-4CAF-BAE5-10524742F6F1}" type="datetimeFigureOut">
               <a:rPr lang="en-CA" smtClean="0"/>
-              <a:t>2018-05-18</a:t>
+              <a:t>2018-05-21</a:t>
             </a:fld>
             <a:endParaRPr lang="en-CA"/>
           </a:p>
@@ -1012,7 +1012,7 @@
           <a:p>
             <a:fld id="{F7249F8D-641B-4CAF-BAE5-10524742F6F1}" type="datetimeFigureOut">
               <a:rPr lang="en-CA" smtClean="0"/>
-              <a:t>2018-05-18</a:t>
+              <a:t>2018-05-21</a:t>
             </a:fld>
             <a:endParaRPr lang="en-CA"/>
           </a:p>
@@ -1244,7 +1244,7 @@
           <a:p>
             <a:fld id="{F7249F8D-641B-4CAF-BAE5-10524742F6F1}" type="datetimeFigureOut">
               <a:rPr lang="en-CA" smtClean="0"/>
-              <a:t>2018-05-18</a:t>
+              <a:t>2018-05-21</a:t>
             </a:fld>
             <a:endParaRPr lang="en-CA"/>
           </a:p>
@@ -1611,7 +1611,7 @@
           <a:p>
             <a:fld id="{F7249F8D-641B-4CAF-BAE5-10524742F6F1}" type="datetimeFigureOut">
               <a:rPr lang="en-CA" smtClean="0"/>
-              <a:t>2018-05-18</a:t>
+              <a:t>2018-05-21</a:t>
             </a:fld>
             <a:endParaRPr lang="en-CA"/>
           </a:p>
@@ -1729,7 +1729,7 @@
           <a:p>
             <a:fld id="{F7249F8D-641B-4CAF-BAE5-10524742F6F1}" type="datetimeFigureOut">
               <a:rPr lang="en-CA" smtClean="0"/>
-              <a:t>2018-05-18</a:t>
+              <a:t>2018-05-21</a:t>
             </a:fld>
             <a:endParaRPr lang="en-CA"/>
           </a:p>
@@ -1824,7 +1824,7 @@
           <a:p>
             <a:fld id="{F7249F8D-641B-4CAF-BAE5-10524742F6F1}" type="datetimeFigureOut">
               <a:rPr lang="en-CA" smtClean="0"/>
-              <a:t>2018-05-18</a:t>
+              <a:t>2018-05-21</a:t>
             </a:fld>
             <a:endParaRPr lang="en-CA"/>
           </a:p>
@@ -2101,7 +2101,7 @@
           <a:p>
             <a:fld id="{F7249F8D-641B-4CAF-BAE5-10524742F6F1}" type="datetimeFigureOut">
               <a:rPr lang="en-CA" smtClean="0"/>
-              <a:t>2018-05-18</a:t>
+              <a:t>2018-05-21</a:t>
             </a:fld>
             <a:endParaRPr lang="en-CA"/>
           </a:p>
@@ -2354,7 +2354,7 @@
           <a:p>
             <a:fld id="{F7249F8D-641B-4CAF-BAE5-10524742F6F1}" type="datetimeFigureOut">
               <a:rPr lang="en-CA" smtClean="0"/>
-              <a:t>2018-05-18</a:t>
+              <a:t>2018-05-21</a:t>
             </a:fld>
             <a:endParaRPr lang="en-CA"/>
           </a:p>
@@ -2567,7 +2567,7 @@
           <a:p>
             <a:fld id="{F7249F8D-641B-4CAF-BAE5-10524742F6F1}" type="datetimeFigureOut">
               <a:rPr lang="en-CA" smtClean="0"/>
-              <a:t>2018-05-18</a:t>
+              <a:t>2018-05-21</a:t>
             </a:fld>
             <a:endParaRPr lang="en-CA"/>
           </a:p>
@@ -6397,8 +6397,8 @@
             </a:fontRef>
           </p:style>
         </p:cxnSp>
-        <mc:AlternateContent xmlns:mc="http://schemas.openxmlformats.org/markup-compatibility/2006">
-          <mc:Choice xmlns:a14="http://schemas.microsoft.com/office/drawing/2010/main" Requires="a14">
+        <mc:AlternateContent xmlns:mc="http://schemas.openxmlformats.org/markup-compatibility/2006" xmlns:a14="http://schemas.microsoft.com/office/drawing/2010/main">
+          <mc:Choice Requires="a14">
             <p:sp>
               <p:nvSpPr>
                 <p:cNvPr id="16" name="TextBox 15"/>
@@ -6446,7 +6446,7 @@
               </p:txBody>
             </p:sp>
           </mc:Choice>
-          <mc:Fallback>
+          <mc:Fallback xmlns="">
             <p:sp>
               <p:nvSpPr>
                 <p:cNvPr id="16" name="TextBox 15"/>
@@ -6866,8 +6866,8 @@
             </a:p>
           </p:txBody>
         </p:sp>
-        <mc:AlternateContent xmlns:mc="http://schemas.openxmlformats.org/markup-compatibility/2006">
-          <mc:Choice xmlns:a14="http://schemas.microsoft.com/office/drawing/2010/main" Requires="a14">
+        <mc:AlternateContent xmlns:mc="http://schemas.openxmlformats.org/markup-compatibility/2006" xmlns:a14="http://schemas.microsoft.com/office/drawing/2010/main">
+          <mc:Choice Requires="a14">
             <p:sp>
               <p:nvSpPr>
                 <p:cNvPr id="38" name="Rectangle 37"/>
@@ -6911,7 +6911,7 @@
               </p:txBody>
             </p:sp>
           </mc:Choice>
-          <mc:Fallback>
+          <mc:Fallback xmlns="">
             <p:sp>
               <p:nvSpPr>
                 <p:cNvPr id="38" name="Rectangle 37"/>
@@ -7303,8 +7303,8 @@
             </a:fontRef>
           </p:style>
         </p:cxnSp>
-        <mc:AlternateContent xmlns:mc="http://schemas.openxmlformats.org/markup-compatibility/2006">
-          <mc:Choice xmlns:a14="http://schemas.microsoft.com/office/drawing/2010/main" Requires="a14">
+        <mc:AlternateContent xmlns:mc="http://schemas.openxmlformats.org/markup-compatibility/2006" xmlns:a14="http://schemas.microsoft.com/office/drawing/2010/main">
+          <mc:Choice Requires="a14">
             <p:sp>
               <p:nvSpPr>
                 <p:cNvPr id="42" name="TextBox 41"/>
@@ -7352,7 +7352,7 @@
               </p:txBody>
             </p:sp>
           </mc:Choice>
-          <mc:Fallback>
+          <mc:Fallback xmlns="">
             <p:sp>
               <p:nvSpPr>
                 <p:cNvPr id="42" name="TextBox 41"/>
@@ -7673,8 +7673,8 @@
             </a:p>
           </p:txBody>
         </p:sp>
-        <mc:AlternateContent xmlns:mc="http://schemas.openxmlformats.org/markup-compatibility/2006">
-          <mc:Choice xmlns:a14="http://schemas.microsoft.com/office/drawing/2010/main" Requires="a14">
+        <mc:AlternateContent xmlns:mc="http://schemas.openxmlformats.org/markup-compatibility/2006" xmlns:a14="http://schemas.microsoft.com/office/drawing/2010/main">
+          <mc:Choice Requires="a14">
             <p:sp>
               <p:nvSpPr>
                 <p:cNvPr id="49" name="Rectangle 48"/>
@@ -7718,7 +7718,7 @@
               </p:txBody>
             </p:sp>
           </mc:Choice>
-          <mc:Fallback>
+          <mc:Fallback xmlns="">
             <p:sp>
               <p:nvSpPr>
                 <p:cNvPr id="49" name="Rectangle 48"/>
@@ -7829,8 +7829,8 @@
             </a:fontRef>
           </p:style>
         </p:cxnSp>
-        <mc:AlternateContent xmlns:mc="http://schemas.openxmlformats.org/markup-compatibility/2006">
-          <mc:Choice xmlns:a14="http://schemas.microsoft.com/office/drawing/2010/main" Requires="a14">
+        <mc:AlternateContent xmlns:mc="http://schemas.openxmlformats.org/markup-compatibility/2006" xmlns:a14="http://schemas.microsoft.com/office/drawing/2010/main">
+          <mc:Choice Requires="a14">
             <p:sp>
               <p:nvSpPr>
                 <p:cNvPr id="13" name="TextBox 12"/>
@@ -7853,6 +7853,7 @@
                 </a:bodyPr>
                 <a:lstStyle/>
                 <a:p>
+                  <a:pPr/>
                   <a14:m>
                     <m:oMathPara xmlns:m="http://schemas.openxmlformats.org/officeDocument/2006/math">
                       <m:oMathParaPr>
@@ -7899,7 +7900,7 @@
               </p:txBody>
             </p:sp>
           </mc:Choice>
-          <mc:Fallback>
+          <mc:Fallback xmlns="">
             <p:sp>
               <p:nvSpPr>
                 <p:cNvPr id="13" name="TextBox 12"/>
@@ -7938,8 +7939,8 @@
             </p:sp>
           </mc:Fallback>
         </mc:AlternateContent>
-        <mc:AlternateContent xmlns:mc="http://schemas.openxmlformats.org/markup-compatibility/2006">
-          <mc:Choice xmlns:a14="http://schemas.microsoft.com/office/drawing/2010/main" Requires="a14">
+        <mc:AlternateContent xmlns:mc="http://schemas.openxmlformats.org/markup-compatibility/2006" xmlns:a14="http://schemas.microsoft.com/office/drawing/2010/main">
+          <mc:Choice Requires="a14">
             <p:sp>
               <p:nvSpPr>
                 <p:cNvPr id="51" name="TextBox 50"/>
@@ -7962,6 +7963,7 @@
                 </a:bodyPr>
                 <a:lstStyle/>
                 <a:p>
+                  <a:pPr/>
                   <a14:m>
                     <m:oMathPara xmlns:m="http://schemas.openxmlformats.org/officeDocument/2006/math">
                       <m:oMathParaPr>
@@ -8008,7 +8010,7 @@
               </p:txBody>
             </p:sp>
           </mc:Choice>
-          <mc:Fallback>
+          <mc:Fallback xmlns="">
             <p:sp>
               <p:nvSpPr>
                 <p:cNvPr id="51" name="TextBox 50"/>
@@ -8340,8 +8342,8 @@
             <a:chExt cx="2182483" cy="1649577"/>
           </a:xfrm>
         </p:grpSpPr>
-        <mc:AlternateContent xmlns:mc="http://schemas.openxmlformats.org/markup-compatibility/2006">
-          <mc:Choice xmlns:a14="http://schemas.microsoft.com/office/drawing/2010/main" Requires="a14">
+        <mc:AlternateContent xmlns:mc="http://schemas.openxmlformats.org/markup-compatibility/2006" xmlns:a14="http://schemas.microsoft.com/office/drawing/2010/main">
+          <mc:Choice Requires="a14">
             <p:sp>
               <p:nvSpPr>
                 <p:cNvPr id="78" name="TextBox 77"/>
@@ -8402,7 +8404,7 @@
               </p:txBody>
             </p:sp>
           </mc:Choice>
-          <mc:Fallback>
+          <mc:Fallback xmlns="">
             <p:sp>
               <p:nvSpPr>
                 <p:cNvPr id="78" name="TextBox 77"/>
@@ -8664,8 +8666,8 @@
             </a:fontRef>
           </p:style>
         </p:cxnSp>
-        <mc:AlternateContent xmlns:mc="http://schemas.openxmlformats.org/markup-compatibility/2006">
-          <mc:Choice xmlns:a14="http://schemas.microsoft.com/office/drawing/2010/main" Requires="a14">
+        <mc:AlternateContent xmlns:mc="http://schemas.openxmlformats.org/markup-compatibility/2006" xmlns:a14="http://schemas.microsoft.com/office/drawing/2010/main">
+          <mc:Choice Requires="a14">
             <p:sp>
               <p:nvSpPr>
                 <p:cNvPr id="83" name="TextBox 82"/>
@@ -8747,7 +8749,7 @@
               </p:txBody>
             </p:sp>
           </mc:Choice>
-          <mc:Fallback>
+          <mc:Fallback xmlns="">
             <p:sp>
               <p:nvSpPr>
                 <p:cNvPr id="83" name="TextBox 82"/>
@@ -8786,8 +8788,8 @@
             </p:sp>
           </mc:Fallback>
         </mc:AlternateContent>
-        <mc:AlternateContent xmlns:mc="http://schemas.openxmlformats.org/markup-compatibility/2006">
-          <mc:Choice xmlns:a14="http://schemas.microsoft.com/office/drawing/2010/main" Requires="a14">
+        <mc:AlternateContent xmlns:mc="http://schemas.openxmlformats.org/markup-compatibility/2006" xmlns:a14="http://schemas.microsoft.com/office/drawing/2010/main">
+          <mc:Choice Requires="a14">
             <p:sp>
               <p:nvSpPr>
                 <p:cNvPr id="84" name="TextBox 83"/>
@@ -8869,7 +8871,7 @@
               </p:txBody>
             </p:sp>
           </mc:Choice>
-          <mc:Fallback>
+          <mc:Fallback xmlns="">
             <p:sp>
               <p:nvSpPr>
                 <p:cNvPr id="84" name="TextBox 83"/>
@@ -8923,8 +8925,8 @@
             <a:chExt cx="1934955" cy="1724792"/>
           </a:xfrm>
         </p:grpSpPr>
-        <mc:AlternateContent xmlns:mc="http://schemas.openxmlformats.org/markup-compatibility/2006">
-          <mc:Choice xmlns:a14="http://schemas.microsoft.com/office/drawing/2010/main" Requires="a14">
+        <mc:AlternateContent xmlns:mc="http://schemas.openxmlformats.org/markup-compatibility/2006" xmlns:a14="http://schemas.microsoft.com/office/drawing/2010/main">
+          <mc:Choice Requires="a14">
             <p:sp>
               <p:nvSpPr>
                 <p:cNvPr id="88" name="TextBox 87"/>
@@ -8985,7 +8987,7 @@
               </p:txBody>
             </p:sp>
           </mc:Choice>
-          <mc:Fallback>
+          <mc:Fallback xmlns="">
             <p:sp>
               <p:nvSpPr>
                 <p:cNvPr id="88" name="TextBox 87"/>
@@ -9211,8 +9213,8 @@
             </a:fontRef>
           </p:style>
         </p:cxnSp>
-        <mc:AlternateContent xmlns:mc="http://schemas.openxmlformats.org/markup-compatibility/2006">
-          <mc:Choice xmlns:a14="http://schemas.microsoft.com/office/drawing/2010/main" Requires="a14">
+        <mc:AlternateContent xmlns:mc="http://schemas.openxmlformats.org/markup-compatibility/2006" xmlns:a14="http://schemas.microsoft.com/office/drawing/2010/main">
+          <mc:Choice Requires="a14">
             <p:sp>
               <p:nvSpPr>
                 <p:cNvPr id="92" name="TextBox 91"/>
@@ -9235,6 +9237,7 @@
                 </a:bodyPr>
                 <a:lstStyle/>
                 <a:p>
+                  <a:pPr/>
                   <a14:m>
                     <m:oMathPara xmlns:m="http://schemas.openxmlformats.org/officeDocument/2006/math">
                       <m:oMathParaPr>
@@ -9293,7 +9296,7 @@
               </p:txBody>
             </p:sp>
           </mc:Choice>
-          <mc:Fallback>
+          <mc:Fallback xmlns="">
             <p:sp>
               <p:nvSpPr>
                 <p:cNvPr id="92" name="TextBox 91"/>
@@ -9549,8 +9552,8 @@
             </p:txBody>
           </p:sp>
         </p:grpSp>
-        <mc:AlternateContent xmlns:mc="http://schemas.openxmlformats.org/markup-compatibility/2006">
-          <mc:Choice xmlns:a14="http://schemas.microsoft.com/office/drawing/2010/main" Requires="a14">
+        <mc:AlternateContent xmlns:mc="http://schemas.openxmlformats.org/markup-compatibility/2006" xmlns:a14="http://schemas.microsoft.com/office/drawing/2010/main">
+          <mc:Choice Requires="a14">
             <p:sp>
               <p:nvSpPr>
                 <p:cNvPr id="25" name="TextBox 24"/>
@@ -9573,6 +9576,7 @@
                 </a:bodyPr>
                 <a:lstStyle/>
                 <a:p>
+                  <a:pPr/>
                   <a14:m>
                     <m:oMathPara xmlns:m="http://schemas.openxmlformats.org/officeDocument/2006/math">
                       <m:oMathParaPr>
@@ -9597,7 +9601,7 @@
               </p:txBody>
             </p:sp>
           </mc:Choice>
-          <mc:Fallback>
+          <mc:Fallback xmlns="">
             <p:sp>
               <p:nvSpPr>
                 <p:cNvPr id="25" name="TextBox 24"/>
@@ -9636,8 +9640,8 @@
             </p:sp>
           </mc:Fallback>
         </mc:AlternateContent>
-        <mc:AlternateContent xmlns:mc="http://schemas.openxmlformats.org/markup-compatibility/2006">
-          <mc:Choice xmlns:a14="http://schemas.microsoft.com/office/drawing/2010/main" Requires="a14">
+        <mc:AlternateContent xmlns:mc="http://schemas.openxmlformats.org/markup-compatibility/2006" xmlns:a14="http://schemas.microsoft.com/office/drawing/2010/main">
+          <mc:Choice Requires="a14">
             <p:sp>
               <p:nvSpPr>
                 <p:cNvPr id="26" name="TextBox 25"/>
@@ -9660,6 +9664,7 @@
                 </a:bodyPr>
                 <a:lstStyle/>
                 <a:p>
+                  <a:pPr/>
                   <a14:m>
                     <m:oMathPara xmlns:m="http://schemas.openxmlformats.org/officeDocument/2006/math">
                       <m:oMathParaPr>
@@ -9684,7 +9689,7 @@
               </p:txBody>
             </p:sp>
           </mc:Choice>
-          <mc:Fallback>
+          <mc:Fallback xmlns="">
             <p:sp>
               <p:nvSpPr>
                 <p:cNvPr id="26" name="TextBox 25"/>
@@ -9924,8 +9929,8 @@
             </a:fontRef>
           </p:style>
         </p:cxnSp>
-        <mc:AlternateContent xmlns:mc="http://schemas.openxmlformats.org/markup-compatibility/2006">
-          <mc:Choice xmlns:a14="http://schemas.microsoft.com/office/drawing/2010/main" Requires="a14">
+        <mc:AlternateContent xmlns:mc="http://schemas.openxmlformats.org/markup-compatibility/2006" xmlns:a14="http://schemas.microsoft.com/office/drawing/2010/main">
+          <mc:Choice Requires="a14">
             <p:sp>
               <p:nvSpPr>
                 <p:cNvPr id="12" name="TextBox 11"/>
@@ -10016,7 +10021,7 @@
               </p:txBody>
             </p:sp>
           </mc:Choice>
-          <mc:Fallback>
+          <mc:Fallback xmlns="">
             <p:sp>
               <p:nvSpPr>
                 <p:cNvPr id="12" name="TextBox 11"/>
@@ -10091,8 +10096,8 @@
             </a:fontRef>
           </p:style>
         </p:cxnSp>
-        <mc:AlternateContent xmlns:mc="http://schemas.openxmlformats.org/markup-compatibility/2006">
-          <mc:Choice xmlns:a14="http://schemas.microsoft.com/office/drawing/2010/main" Requires="a14">
+        <mc:AlternateContent xmlns:mc="http://schemas.openxmlformats.org/markup-compatibility/2006" xmlns:a14="http://schemas.microsoft.com/office/drawing/2010/main">
+          <mc:Choice Requires="a14">
             <p:sp>
               <p:nvSpPr>
                 <p:cNvPr id="16" name="TextBox 15"/>
@@ -10115,6 +10120,7 @@
                 </a:bodyPr>
                 <a:lstStyle/>
                 <a:p>
+                  <a:pPr/>
                   <a14:m>
                     <m:oMathPara xmlns:m="http://schemas.openxmlformats.org/officeDocument/2006/math">
                       <m:oMathParaPr>
@@ -10173,7 +10179,7 @@
               </p:txBody>
             </p:sp>
           </mc:Choice>
-          <mc:Fallback>
+          <mc:Fallback xmlns="">
             <p:sp>
               <p:nvSpPr>
                 <p:cNvPr id="16" name="TextBox 15"/>
@@ -10248,8 +10254,8 @@
             </a:fontRef>
           </p:style>
         </p:cxnSp>
-        <mc:AlternateContent xmlns:mc="http://schemas.openxmlformats.org/markup-compatibility/2006">
-          <mc:Choice xmlns:a14="http://schemas.microsoft.com/office/drawing/2010/main" Requires="a14">
+        <mc:AlternateContent xmlns:mc="http://schemas.openxmlformats.org/markup-compatibility/2006" xmlns:a14="http://schemas.microsoft.com/office/drawing/2010/main">
+          <mc:Choice Requires="a14">
             <p:sp>
               <p:nvSpPr>
                 <p:cNvPr id="31" name="TextBox 30"/>
@@ -10340,7 +10346,7 @@
               </p:txBody>
             </p:sp>
           </mc:Choice>
-          <mc:Fallback>
+          <mc:Fallback xmlns="">
             <p:sp>
               <p:nvSpPr>
                 <p:cNvPr id="31" name="TextBox 30"/>
@@ -10523,8 +10529,8 @@
             </a:fontRef>
           </p:style>
         </p:cxnSp>
-        <mc:AlternateContent xmlns:mc="http://schemas.openxmlformats.org/markup-compatibility/2006">
-          <mc:Choice xmlns:a14="http://schemas.microsoft.com/office/drawing/2010/main" Requires="a14">
+        <mc:AlternateContent xmlns:mc="http://schemas.openxmlformats.org/markup-compatibility/2006" xmlns:a14="http://schemas.microsoft.com/office/drawing/2010/main">
+          <mc:Choice Requires="a14">
             <p:sp>
               <p:nvSpPr>
                 <p:cNvPr id="60" name="TextBox 59"/>
@@ -10633,7 +10639,7 @@
               </p:txBody>
             </p:sp>
           </mc:Choice>
-          <mc:Fallback>
+          <mc:Fallback xmlns="">
             <p:sp>
               <p:nvSpPr>
                 <p:cNvPr id="60" name="TextBox 59"/>
@@ -10672,8 +10678,8 @@
             </p:sp>
           </mc:Fallback>
         </mc:AlternateContent>
-        <mc:AlternateContent xmlns:mc="http://schemas.openxmlformats.org/markup-compatibility/2006">
-          <mc:Choice xmlns:a14="http://schemas.microsoft.com/office/drawing/2010/main" Requires="a14">
+        <mc:AlternateContent xmlns:mc="http://schemas.openxmlformats.org/markup-compatibility/2006" xmlns:a14="http://schemas.microsoft.com/office/drawing/2010/main">
+          <mc:Choice Requires="a14">
             <p:sp>
               <p:nvSpPr>
                 <p:cNvPr id="61" name="TextBox 60"/>
@@ -10782,7 +10788,7 @@
               </p:txBody>
             </p:sp>
           </mc:Choice>
-          <mc:Fallback>
+          <mc:Fallback xmlns="">
             <p:sp>
               <p:nvSpPr>
                 <p:cNvPr id="61" name="TextBox 60"/>
@@ -10821,8 +10827,8 @@
             </p:sp>
           </mc:Fallback>
         </mc:AlternateContent>
-        <mc:AlternateContent xmlns:mc="http://schemas.openxmlformats.org/markup-compatibility/2006">
-          <mc:Choice xmlns:a14="http://schemas.microsoft.com/office/drawing/2010/main" Requires="a14">
+        <mc:AlternateContent xmlns:mc="http://schemas.openxmlformats.org/markup-compatibility/2006" xmlns:a14="http://schemas.microsoft.com/office/drawing/2010/main">
+          <mc:Choice Requires="a14">
             <p:sp>
               <p:nvSpPr>
                 <p:cNvPr id="62" name="TextBox 61"/>
@@ -10845,6 +10851,7 @@
                 </a:bodyPr>
                 <a:lstStyle/>
                 <a:p>
+                  <a:pPr/>
                   <a14:m>
                     <m:oMathPara xmlns:m="http://schemas.openxmlformats.org/officeDocument/2006/math">
                       <m:oMathParaPr>
@@ -10918,7 +10925,7 @@
               </p:txBody>
             </p:sp>
           </mc:Choice>
-          <mc:Fallback>
+          <mc:Fallback xmlns="">
             <p:sp>
               <p:nvSpPr>
                 <p:cNvPr id="62" name="TextBox 61"/>
@@ -10957,8 +10964,8 @@
             </p:sp>
           </mc:Fallback>
         </mc:AlternateContent>
-        <mc:AlternateContent xmlns:mc="http://schemas.openxmlformats.org/markup-compatibility/2006">
-          <mc:Choice xmlns:a14="http://schemas.microsoft.com/office/drawing/2010/main" Requires="a14">
+        <mc:AlternateContent xmlns:mc="http://schemas.openxmlformats.org/markup-compatibility/2006" xmlns:a14="http://schemas.microsoft.com/office/drawing/2010/main">
+          <mc:Choice Requires="a14">
             <p:sp>
               <p:nvSpPr>
                 <p:cNvPr id="63" name="TextBox 62"/>
@@ -10981,6 +10988,7 @@
                 </a:bodyPr>
                 <a:lstStyle/>
                 <a:p>
+                  <a:pPr/>
                   <a14:m>
                     <m:oMathPara xmlns:m="http://schemas.openxmlformats.org/officeDocument/2006/math">
                       <m:oMathParaPr>
@@ -11066,7 +11074,7 @@
               </p:txBody>
             </p:sp>
           </mc:Choice>
-          <mc:Fallback>
+          <mc:Fallback xmlns="">
             <p:sp>
               <p:nvSpPr>
                 <p:cNvPr id="63" name="TextBox 62"/>
@@ -11312,8 +11320,8 @@
             </a:fontRef>
           </p:style>
         </p:cxnSp>
-        <mc:AlternateContent xmlns:mc="http://schemas.openxmlformats.org/markup-compatibility/2006">
-          <mc:Choice xmlns:a14="http://schemas.microsoft.com/office/drawing/2010/main" Requires="a14">
+        <mc:AlternateContent xmlns:mc="http://schemas.openxmlformats.org/markup-compatibility/2006" xmlns:a14="http://schemas.microsoft.com/office/drawing/2010/main">
+          <mc:Choice Requires="a14">
             <p:sp>
               <p:nvSpPr>
                 <p:cNvPr id="79" name="TextBox 78"/>
@@ -11422,7 +11430,7 @@
               </p:txBody>
             </p:sp>
           </mc:Choice>
-          <mc:Fallback>
+          <mc:Fallback xmlns="">
             <p:sp>
               <p:nvSpPr>
                 <p:cNvPr id="79" name="TextBox 78"/>
@@ -11461,8 +11469,8 @@
             </p:sp>
           </mc:Fallback>
         </mc:AlternateContent>
-        <mc:AlternateContent xmlns:mc="http://schemas.openxmlformats.org/markup-compatibility/2006">
-          <mc:Choice xmlns:a14="http://schemas.microsoft.com/office/drawing/2010/main" Requires="a14">
+        <mc:AlternateContent xmlns:mc="http://schemas.openxmlformats.org/markup-compatibility/2006" xmlns:a14="http://schemas.microsoft.com/office/drawing/2010/main">
+          <mc:Choice Requires="a14">
             <p:sp>
               <p:nvSpPr>
                 <p:cNvPr id="80" name="TextBox 79"/>
@@ -11571,7 +11579,7 @@
               </p:txBody>
             </p:sp>
           </mc:Choice>
-          <mc:Fallback>
+          <mc:Fallback xmlns="">
             <p:sp>
               <p:nvSpPr>
                 <p:cNvPr id="80" name="TextBox 79"/>
@@ -11610,8 +11618,8 @@
             </p:sp>
           </mc:Fallback>
         </mc:AlternateContent>
-        <mc:AlternateContent xmlns:mc="http://schemas.openxmlformats.org/markup-compatibility/2006">
-          <mc:Choice xmlns:a14="http://schemas.microsoft.com/office/drawing/2010/main" Requires="a14">
+        <mc:AlternateContent xmlns:mc="http://schemas.openxmlformats.org/markup-compatibility/2006" xmlns:a14="http://schemas.microsoft.com/office/drawing/2010/main">
+          <mc:Choice Requires="a14">
             <p:sp>
               <p:nvSpPr>
                 <p:cNvPr id="81" name="TextBox 80"/>
@@ -11634,6 +11642,7 @@
                 </a:bodyPr>
                 <a:lstStyle/>
                 <a:p>
+                  <a:pPr/>
                   <a14:m>
                     <m:oMathPara xmlns:m="http://schemas.openxmlformats.org/officeDocument/2006/math">
                       <m:oMathParaPr>
@@ -11707,7 +11716,7 @@
               </p:txBody>
             </p:sp>
           </mc:Choice>
-          <mc:Fallback>
+          <mc:Fallback xmlns="">
             <p:sp>
               <p:nvSpPr>
                 <p:cNvPr id="81" name="TextBox 80"/>
@@ -11746,8 +11755,8 @@
             </p:sp>
           </mc:Fallback>
         </mc:AlternateContent>
-        <mc:AlternateContent xmlns:mc="http://schemas.openxmlformats.org/markup-compatibility/2006">
-          <mc:Choice xmlns:a14="http://schemas.microsoft.com/office/drawing/2010/main" Requires="a14">
+        <mc:AlternateContent xmlns:mc="http://schemas.openxmlformats.org/markup-compatibility/2006" xmlns:a14="http://schemas.microsoft.com/office/drawing/2010/main">
+          <mc:Choice Requires="a14">
             <p:sp>
               <p:nvSpPr>
                 <p:cNvPr id="82" name="TextBox 81"/>
@@ -11770,6 +11779,7 @@
                 </a:bodyPr>
                 <a:lstStyle/>
                 <a:p>
+                  <a:pPr/>
                   <a14:m>
                     <m:oMathPara xmlns:m="http://schemas.openxmlformats.org/officeDocument/2006/math">
                       <m:oMathParaPr>
@@ -11855,7 +11865,7 @@
               </p:txBody>
             </p:sp>
           </mc:Choice>
-          <mc:Fallback>
+          <mc:Fallback xmlns="">
             <p:sp>
               <p:nvSpPr>
                 <p:cNvPr id="82" name="TextBox 81"/>
@@ -12026,8 +12036,8 @@
             </a:fontRef>
           </p:style>
         </p:cxnSp>
-        <mc:AlternateContent xmlns:mc="http://schemas.openxmlformats.org/markup-compatibility/2006">
-          <mc:Choice xmlns:a14="http://schemas.microsoft.com/office/drawing/2010/main" Requires="a14">
+        <mc:AlternateContent xmlns:mc="http://schemas.openxmlformats.org/markup-compatibility/2006" xmlns:a14="http://schemas.microsoft.com/office/drawing/2010/main">
+          <mc:Choice Requires="a14">
             <p:sp>
               <p:nvSpPr>
                 <p:cNvPr id="87" name="TextBox 86"/>
@@ -12118,7 +12128,7 @@
               </p:txBody>
             </p:sp>
           </mc:Choice>
-          <mc:Fallback>
+          <mc:Fallback xmlns="">
             <p:sp>
               <p:nvSpPr>
                 <p:cNvPr id="87" name="TextBox 86"/>
@@ -12193,8 +12203,8 @@
             </a:fontRef>
           </p:style>
         </p:cxnSp>
-        <mc:AlternateContent xmlns:mc="http://schemas.openxmlformats.org/markup-compatibility/2006">
-          <mc:Choice xmlns:a14="http://schemas.microsoft.com/office/drawing/2010/main" Requires="a14">
+        <mc:AlternateContent xmlns:mc="http://schemas.openxmlformats.org/markup-compatibility/2006" xmlns:a14="http://schemas.microsoft.com/office/drawing/2010/main">
+          <mc:Choice Requires="a14">
             <p:sp>
               <p:nvSpPr>
                 <p:cNvPr id="89" name="TextBox 88"/>
@@ -12217,6 +12227,7 @@
                 </a:bodyPr>
                 <a:lstStyle/>
                 <a:p>
+                  <a:pPr/>
                   <a14:m>
                     <m:oMathPara xmlns:m="http://schemas.openxmlformats.org/officeDocument/2006/math">
                       <m:oMathParaPr>
@@ -12275,7 +12286,7 @@
               </p:txBody>
             </p:sp>
           </mc:Choice>
-          <mc:Fallback>
+          <mc:Fallback xmlns="">
             <p:sp>
               <p:nvSpPr>
                 <p:cNvPr id="89" name="TextBox 88"/>
@@ -12350,8 +12361,8 @@
             </a:fontRef>
           </p:style>
         </p:cxnSp>
-        <mc:AlternateContent xmlns:mc="http://schemas.openxmlformats.org/markup-compatibility/2006">
-          <mc:Choice xmlns:a14="http://schemas.microsoft.com/office/drawing/2010/main" Requires="a14">
+        <mc:AlternateContent xmlns:mc="http://schemas.openxmlformats.org/markup-compatibility/2006" xmlns:a14="http://schemas.microsoft.com/office/drawing/2010/main">
+          <mc:Choice Requires="a14">
             <p:sp>
               <p:nvSpPr>
                 <p:cNvPr id="91" name="TextBox 90"/>
@@ -12442,7 +12453,7 @@
               </p:txBody>
             </p:sp>
           </mc:Choice>
-          <mc:Fallback>
+          <mc:Fallback xmlns="">
             <p:sp>
               <p:nvSpPr>
                 <p:cNvPr id="91" name="TextBox 90"/>
@@ -12647,8 +12658,8 @@
               </a:p>
             </p:txBody>
           </p:sp>
-          <mc:AlternateContent xmlns:mc="http://schemas.openxmlformats.org/markup-compatibility/2006">
-            <mc:Choice xmlns:a14="http://schemas.microsoft.com/office/drawing/2010/main" Requires="a14">
+          <mc:AlternateContent xmlns:mc="http://schemas.openxmlformats.org/markup-compatibility/2006" xmlns:a14="http://schemas.microsoft.com/office/drawing/2010/main">
+            <mc:Choice Requires="a14">
               <p:sp>
                 <p:nvSpPr>
                   <p:cNvPr id="36" name="TextBox 35"/>
@@ -12671,6 +12682,7 @@
                   </a:bodyPr>
                   <a:lstStyle/>
                   <a:p>
+                    <a:pPr/>
                     <a14:m>
                       <m:oMathPara xmlns:m="http://schemas.openxmlformats.org/officeDocument/2006/math">
                         <m:oMathParaPr>
@@ -12716,7 +12728,7 @@
                 </p:txBody>
               </p:sp>
             </mc:Choice>
-            <mc:Fallback>
+            <mc:Fallback xmlns="">
               <p:sp>
                 <p:nvSpPr>
                   <p:cNvPr id="36" name="TextBox 35"/>
@@ -12805,8 +12817,8 @@
               </a:p>
             </p:txBody>
           </p:sp>
-          <mc:AlternateContent xmlns:mc="http://schemas.openxmlformats.org/markup-compatibility/2006">
-            <mc:Choice xmlns:a14="http://schemas.microsoft.com/office/drawing/2010/main" Requires="a14">
+          <mc:AlternateContent xmlns:mc="http://schemas.openxmlformats.org/markup-compatibility/2006" xmlns:a14="http://schemas.microsoft.com/office/drawing/2010/main">
+            <mc:Choice Requires="a14">
               <p:sp>
                 <p:nvSpPr>
                   <p:cNvPr id="42" name="TextBox 41"/>
@@ -12829,6 +12841,7 @@
                   </a:bodyPr>
                   <a:lstStyle/>
                   <a:p>
+                    <a:pPr/>
                     <a14:m>
                       <m:oMathPara xmlns:m="http://schemas.openxmlformats.org/officeDocument/2006/math">
                         <m:oMathParaPr>
@@ -12874,7 +12887,7 @@
                 </p:txBody>
               </p:sp>
             </mc:Choice>
-            <mc:Fallback>
+            <mc:Fallback xmlns="">
               <p:sp>
                 <p:nvSpPr>
                   <p:cNvPr id="42" name="TextBox 41"/>
@@ -12951,8 +12964,8 @@
               </a:fontRef>
             </p:style>
           </p:cxnSp>
-          <mc:AlternateContent xmlns:mc="http://schemas.openxmlformats.org/markup-compatibility/2006">
-            <mc:Choice xmlns:a14="http://schemas.microsoft.com/office/drawing/2010/main" Requires="a14">
+          <mc:AlternateContent xmlns:mc="http://schemas.openxmlformats.org/markup-compatibility/2006" xmlns:a14="http://schemas.microsoft.com/office/drawing/2010/main">
+            <mc:Choice Requires="a14">
               <p:sp>
                 <p:nvSpPr>
                   <p:cNvPr id="27" name="Rectangle 26"/>
@@ -12995,7 +13008,7 @@
                 </p:txBody>
               </p:sp>
             </mc:Choice>
-            <mc:Fallback>
+            <mc:Fallback xmlns="">
               <p:sp>
                 <p:nvSpPr>
                   <p:cNvPr id="27" name="Rectangle 26"/>
@@ -13083,8 +13096,8 @@
             </a:p>
           </p:txBody>
         </p:sp>
-        <mc:AlternateContent xmlns:mc="http://schemas.openxmlformats.org/markup-compatibility/2006">
-          <mc:Choice xmlns:a14="http://schemas.microsoft.com/office/drawing/2010/main" Requires="a14">
+        <mc:AlternateContent xmlns:mc="http://schemas.openxmlformats.org/markup-compatibility/2006" xmlns:a14="http://schemas.microsoft.com/office/drawing/2010/main">
+          <mc:Choice Requires="a14">
             <p:sp>
               <p:nvSpPr>
                 <p:cNvPr id="90" name="TextBox 89"/>
@@ -13107,6 +13120,7 @@
                 </a:bodyPr>
                 <a:lstStyle/>
                 <a:p>
+                  <a:pPr/>
                   <a14:m>
                     <m:oMathPara xmlns:m="http://schemas.openxmlformats.org/officeDocument/2006/math">
                       <m:oMathParaPr>
@@ -13144,7 +13158,7 @@
               </p:txBody>
             </p:sp>
           </mc:Choice>
-          <mc:Fallback>
+          <mc:Fallback xmlns="">
             <p:sp>
               <p:nvSpPr>
                 <p:cNvPr id="90" name="TextBox 89"/>
@@ -13192,7 +13206,7 @@
         </p:nvGrpSpPr>
         <p:grpSpPr>
           <a:xfrm>
-            <a:off x="3853081" y="1973581"/>
+            <a:off x="3260596" y="1056005"/>
             <a:ext cx="3325310" cy="2450706"/>
             <a:chOff x="3853081" y="1973581"/>
             <a:chExt cx="3325310" cy="2450706"/>
@@ -13596,8 +13610,8 @@
               </a:fontRef>
             </p:style>
           </p:cxnSp>
-          <mc:AlternateContent xmlns:mc="http://schemas.openxmlformats.org/markup-compatibility/2006">
-            <mc:Choice xmlns:a14="http://schemas.microsoft.com/office/drawing/2010/main" Requires="a14">
+          <mc:AlternateContent xmlns:mc="http://schemas.openxmlformats.org/markup-compatibility/2006" xmlns:a14="http://schemas.microsoft.com/office/drawing/2010/main">
+            <mc:Choice Requires="a14">
               <p:sp>
                 <p:nvSpPr>
                   <p:cNvPr id="76" name="TextBox 75"/>
@@ -13620,6 +13634,7 @@
                   </a:bodyPr>
                   <a:lstStyle/>
                   <a:p>
+                    <a:pPr/>
                     <a14:m>
                       <m:oMathPara xmlns:m="http://schemas.openxmlformats.org/officeDocument/2006/math">
                         <m:oMathParaPr>
@@ -13685,7 +13700,7 @@
                 </p:txBody>
               </p:sp>
             </mc:Choice>
-            <mc:Fallback>
+            <mc:Fallback xmlns="">
               <p:sp>
                 <p:nvSpPr>
                   <p:cNvPr id="76" name="TextBox 75"/>
@@ -13724,8 +13739,8 @@
               </p:sp>
             </mc:Fallback>
           </mc:AlternateContent>
-          <mc:AlternateContent xmlns:mc="http://schemas.openxmlformats.org/markup-compatibility/2006">
-            <mc:Choice xmlns:a14="http://schemas.microsoft.com/office/drawing/2010/main" Requires="a14">
+          <mc:AlternateContent xmlns:mc="http://schemas.openxmlformats.org/markup-compatibility/2006" xmlns:a14="http://schemas.microsoft.com/office/drawing/2010/main">
+            <mc:Choice Requires="a14">
               <p:sp>
                 <p:nvSpPr>
                   <p:cNvPr id="78" name="TextBox 77"/>
@@ -13748,6 +13763,7 @@
                   </a:bodyPr>
                   <a:lstStyle/>
                   <a:p>
+                    <a:pPr/>
                     <a14:m>
                       <m:oMathPara xmlns:m="http://schemas.openxmlformats.org/officeDocument/2006/math">
                         <m:oMathParaPr>
@@ -13806,7 +13822,7 @@
                 </p:txBody>
               </p:sp>
             </mc:Choice>
-            <mc:Fallback>
+            <mc:Fallback xmlns="">
               <p:sp>
                 <p:nvSpPr>
                   <p:cNvPr id="78" name="TextBox 77"/>
@@ -13845,8 +13861,8 @@
               </p:sp>
             </mc:Fallback>
           </mc:AlternateContent>
-          <mc:AlternateContent xmlns:mc="http://schemas.openxmlformats.org/markup-compatibility/2006">
-            <mc:Choice xmlns:a14="http://schemas.microsoft.com/office/drawing/2010/main" Requires="a14">
+          <mc:AlternateContent xmlns:mc="http://schemas.openxmlformats.org/markup-compatibility/2006" xmlns:a14="http://schemas.microsoft.com/office/drawing/2010/main">
+            <mc:Choice Requires="a14">
               <p:sp>
                 <p:nvSpPr>
                   <p:cNvPr id="79" name="TextBox 78"/>
@@ -13869,6 +13885,7 @@
                   </a:bodyPr>
                   <a:lstStyle/>
                   <a:p>
+                    <a:pPr/>
                     <a14:m>
                       <m:oMathPara xmlns:m="http://schemas.openxmlformats.org/officeDocument/2006/math">
                         <m:oMathParaPr>
@@ -13927,7 +13944,7 @@
                 </p:txBody>
               </p:sp>
             </mc:Choice>
-            <mc:Fallback>
+            <mc:Fallback xmlns="">
               <p:sp>
                 <p:nvSpPr>
                   <p:cNvPr id="79" name="TextBox 78"/>
@@ -13966,8 +13983,8 @@
               </p:sp>
             </mc:Fallback>
           </mc:AlternateContent>
-          <mc:AlternateContent xmlns:mc="http://schemas.openxmlformats.org/markup-compatibility/2006">
-            <mc:Choice xmlns:a14="http://schemas.microsoft.com/office/drawing/2010/main" Requires="a14">
+          <mc:AlternateContent xmlns:mc="http://schemas.openxmlformats.org/markup-compatibility/2006" xmlns:a14="http://schemas.microsoft.com/office/drawing/2010/main">
+            <mc:Choice Requires="a14">
               <p:sp>
                 <p:nvSpPr>
                   <p:cNvPr id="80" name="TextBox 79"/>
@@ -13990,6 +14007,7 @@
                   </a:bodyPr>
                   <a:lstStyle/>
                   <a:p>
+                    <a:pPr/>
                     <a14:m>
                       <m:oMathPara xmlns:m="http://schemas.openxmlformats.org/officeDocument/2006/math">
                         <m:oMathParaPr>
@@ -14055,7 +14073,7 @@
                 </p:txBody>
               </p:sp>
             </mc:Choice>
-            <mc:Fallback>
+            <mc:Fallback xmlns="">
               <p:sp>
                 <p:nvSpPr>
                   <p:cNvPr id="80" name="TextBox 79"/>
@@ -14094,8 +14112,8 @@
               </p:sp>
             </mc:Fallback>
           </mc:AlternateContent>
-          <mc:AlternateContent xmlns:mc="http://schemas.openxmlformats.org/markup-compatibility/2006">
-            <mc:Choice xmlns:a14="http://schemas.microsoft.com/office/drawing/2010/main" Requires="a14">
+          <mc:AlternateContent xmlns:mc="http://schemas.openxmlformats.org/markup-compatibility/2006" xmlns:a14="http://schemas.microsoft.com/office/drawing/2010/main">
+            <mc:Choice Requires="a14">
               <p:sp>
                 <p:nvSpPr>
                   <p:cNvPr id="81" name="TextBox 80"/>
@@ -14118,6 +14136,7 @@
                   </a:bodyPr>
                   <a:lstStyle/>
                   <a:p>
+                    <a:pPr/>
                     <a14:m>
                       <m:oMathPara xmlns:m="http://schemas.openxmlformats.org/officeDocument/2006/math">
                         <m:oMathParaPr>
@@ -14183,7 +14202,7 @@
                 </p:txBody>
               </p:sp>
             </mc:Choice>
-            <mc:Fallback>
+            <mc:Fallback xmlns="">
               <p:sp>
                 <p:nvSpPr>
                   <p:cNvPr id="81" name="TextBox 80"/>
@@ -14222,8 +14241,8 @@
               </p:sp>
             </mc:Fallback>
           </mc:AlternateContent>
-          <mc:AlternateContent xmlns:mc="http://schemas.openxmlformats.org/markup-compatibility/2006">
-            <mc:Choice xmlns:a14="http://schemas.microsoft.com/office/drawing/2010/main" Requires="a14">
+          <mc:AlternateContent xmlns:mc="http://schemas.openxmlformats.org/markup-compatibility/2006" xmlns:a14="http://schemas.microsoft.com/office/drawing/2010/main">
+            <mc:Choice Requires="a14">
               <p:sp>
                 <p:nvSpPr>
                   <p:cNvPr id="82" name="TextBox 81"/>
@@ -14246,6 +14265,7 @@
                   </a:bodyPr>
                   <a:lstStyle/>
                   <a:p>
+                    <a:pPr/>
                     <a14:m>
                       <m:oMathPara xmlns:m="http://schemas.openxmlformats.org/officeDocument/2006/math">
                         <m:oMathParaPr>
@@ -14311,7 +14331,7 @@
                 </p:txBody>
               </p:sp>
             </mc:Choice>
-            <mc:Fallback>
+            <mc:Fallback xmlns="">
               <p:sp>
                 <p:nvSpPr>
                   <p:cNvPr id="82" name="TextBox 81"/>
@@ -14350,8 +14370,8 @@
               </p:sp>
             </mc:Fallback>
           </mc:AlternateContent>
-          <mc:AlternateContent xmlns:mc="http://schemas.openxmlformats.org/markup-compatibility/2006">
-            <mc:Choice xmlns:a14="http://schemas.microsoft.com/office/drawing/2010/main" Requires="a14">
+          <mc:AlternateContent xmlns:mc="http://schemas.openxmlformats.org/markup-compatibility/2006" xmlns:a14="http://schemas.microsoft.com/office/drawing/2010/main">
+            <mc:Choice Requires="a14">
               <p:sp>
                 <p:nvSpPr>
                   <p:cNvPr id="83" name="TextBox 82"/>
@@ -14374,6 +14394,7 @@
                   </a:bodyPr>
                   <a:lstStyle/>
                   <a:p>
+                    <a:pPr/>
                     <a14:m>
                       <m:oMathPara xmlns:m="http://schemas.openxmlformats.org/officeDocument/2006/math">
                         <m:oMathParaPr>
@@ -14411,7 +14432,7 @@
                 </p:txBody>
               </p:sp>
             </mc:Choice>
-            <mc:Fallback>
+            <mc:Fallback xmlns="">
               <p:sp>
                 <p:nvSpPr>
                   <p:cNvPr id="83" name="TextBox 82"/>
@@ -14450,8 +14471,8 @@
               </p:sp>
             </mc:Fallback>
           </mc:AlternateContent>
-          <mc:AlternateContent xmlns:mc="http://schemas.openxmlformats.org/markup-compatibility/2006">
-            <mc:Choice xmlns:a14="http://schemas.microsoft.com/office/drawing/2010/main" Requires="a14">
+          <mc:AlternateContent xmlns:mc="http://schemas.openxmlformats.org/markup-compatibility/2006" xmlns:a14="http://schemas.microsoft.com/office/drawing/2010/main">
+            <mc:Choice Requires="a14">
               <p:sp>
                 <p:nvSpPr>
                   <p:cNvPr id="84" name="TextBox 83"/>
@@ -14474,6 +14495,7 @@
                   </a:bodyPr>
                   <a:lstStyle/>
                   <a:p>
+                    <a:pPr/>
                     <a14:m>
                       <m:oMathPara xmlns:m="http://schemas.openxmlformats.org/officeDocument/2006/math">
                         <m:oMathParaPr>
@@ -14518,7 +14540,7 @@
                 </p:txBody>
               </p:sp>
             </mc:Choice>
-            <mc:Fallback>
+            <mc:Fallback xmlns="">
               <p:sp>
                 <p:nvSpPr>
                   <p:cNvPr id="84" name="TextBox 83"/>
@@ -14557,8 +14579,8 @@
               </p:sp>
             </mc:Fallback>
           </mc:AlternateContent>
-          <mc:AlternateContent xmlns:mc="http://schemas.openxmlformats.org/markup-compatibility/2006">
-            <mc:Choice xmlns:a14="http://schemas.microsoft.com/office/drawing/2010/main" Requires="a14">
+          <mc:AlternateContent xmlns:mc="http://schemas.openxmlformats.org/markup-compatibility/2006" xmlns:a14="http://schemas.microsoft.com/office/drawing/2010/main">
+            <mc:Choice Requires="a14">
               <p:sp>
                 <p:nvSpPr>
                   <p:cNvPr id="85" name="TextBox 84"/>
@@ -14581,6 +14603,7 @@
                   </a:bodyPr>
                   <a:lstStyle/>
                   <a:p>
+                    <a:pPr/>
                     <a14:m>
                       <m:oMathPara xmlns:m="http://schemas.openxmlformats.org/officeDocument/2006/math">
                         <m:oMathParaPr>
@@ -14626,7 +14649,7 @@
                 </p:txBody>
               </p:sp>
             </mc:Choice>
-            <mc:Fallback>
+            <mc:Fallback xmlns="">
               <p:sp>
                 <p:nvSpPr>
                   <p:cNvPr id="85" name="TextBox 84"/>
@@ -14665,8 +14688,8 @@
               </p:sp>
             </mc:Fallback>
           </mc:AlternateContent>
-          <mc:AlternateContent xmlns:mc="http://schemas.openxmlformats.org/markup-compatibility/2006">
-            <mc:Choice xmlns:a14="http://schemas.microsoft.com/office/drawing/2010/main" Requires="a14">
+          <mc:AlternateContent xmlns:mc="http://schemas.openxmlformats.org/markup-compatibility/2006" xmlns:a14="http://schemas.microsoft.com/office/drawing/2010/main">
+            <mc:Choice Requires="a14">
               <p:sp>
                 <p:nvSpPr>
                   <p:cNvPr id="86" name="TextBox 85"/>
@@ -14689,6 +14712,7 @@
                   </a:bodyPr>
                   <a:lstStyle/>
                   <a:p>
+                    <a:pPr/>
                     <a14:m>
                       <m:oMathPara xmlns:m="http://schemas.openxmlformats.org/officeDocument/2006/math">
                         <m:oMathParaPr>
@@ -14734,7 +14758,7 @@
                 </p:txBody>
               </p:sp>
             </mc:Choice>
-            <mc:Fallback>
+            <mc:Fallback xmlns="">
               <p:sp>
                 <p:nvSpPr>
                   <p:cNvPr id="86" name="TextBox 85"/>
@@ -14821,8 +14845,8 @@
               </a:p>
             </p:txBody>
           </p:sp>
-          <mc:AlternateContent xmlns:mc="http://schemas.openxmlformats.org/markup-compatibility/2006">
-            <mc:Choice xmlns:a14="http://schemas.microsoft.com/office/drawing/2010/main" Requires="a14">
+          <mc:AlternateContent xmlns:mc="http://schemas.openxmlformats.org/markup-compatibility/2006" xmlns:a14="http://schemas.microsoft.com/office/drawing/2010/main">
+            <mc:Choice Requires="a14">
               <p:sp>
                 <p:nvSpPr>
                   <p:cNvPr id="93" name="TextBox 92"/>
@@ -14845,6 +14869,7 @@
                   </a:bodyPr>
                   <a:lstStyle/>
                   <a:p>
+                    <a:pPr/>
                     <a14:m>
                       <m:oMathPara xmlns:m="http://schemas.openxmlformats.org/officeDocument/2006/math">
                         <m:oMathParaPr>
@@ -14882,7 +14907,7 @@
                 </p:txBody>
               </p:sp>
             </mc:Choice>
-            <mc:Fallback>
+            <mc:Fallback xmlns="">
               <p:sp>
                 <p:nvSpPr>
                   <p:cNvPr id="93" name="TextBox 92"/>
@@ -14969,8 +14994,8 @@
               </a:p>
             </p:txBody>
           </p:sp>
-          <mc:AlternateContent xmlns:mc="http://schemas.openxmlformats.org/markup-compatibility/2006">
-            <mc:Choice xmlns:a14="http://schemas.microsoft.com/office/drawing/2010/main" Requires="a14">
+          <mc:AlternateContent xmlns:mc="http://schemas.openxmlformats.org/markup-compatibility/2006" xmlns:a14="http://schemas.microsoft.com/office/drawing/2010/main">
+            <mc:Choice Requires="a14">
               <p:sp>
                 <p:nvSpPr>
                   <p:cNvPr id="95" name="TextBox 94"/>
@@ -14993,6 +15018,7 @@
                   </a:bodyPr>
                   <a:lstStyle/>
                   <a:p>
+                    <a:pPr/>
                     <a14:m>
                       <m:oMathPara xmlns:m="http://schemas.openxmlformats.org/officeDocument/2006/math">
                         <m:oMathParaPr>
@@ -15030,7 +15056,7 @@
                 </p:txBody>
               </p:sp>
             </mc:Choice>
-            <mc:Fallback>
+            <mc:Fallback xmlns="">
               <p:sp>
                 <p:nvSpPr>
                   <p:cNvPr id="95" name="TextBox 94"/>
@@ -15142,8 +15168,8 @@
             </a:fontRef>
           </p:style>
         </p:cxnSp>
-        <mc:AlternateContent xmlns:mc="http://schemas.openxmlformats.org/markup-compatibility/2006">
-          <mc:Choice xmlns:a14="http://schemas.microsoft.com/office/drawing/2010/main" Requires="a14">
+        <mc:AlternateContent xmlns:mc="http://schemas.openxmlformats.org/markup-compatibility/2006" xmlns:a14="http://schemas.microsoft.com/office/drawing/2010/main">
+          <mc:Choice Requires="a14">
             <p:sp>
               <p:nvSpPr>
                 <p:cNvPr id="117" name="Rectangle 116"/>
@@ -15186,7 +15212,7 @@
               </p:txBody>
             </p:sp>
           </mc:Choice>
-          <mc:Fallback>
+          <mc:Fallback xmlns="">
             <p:sp>
               <p:nvSpPr>
                 <p:cNvPr id="117" name="Rectangle 116"/>
@@ -15225,8 +15251,8 @@
             </p:sp>
           </mc:Fallback>
         </mc:AlternateContent>
-        <mc:AlternateContent xmlns:mc="http://schemas.openxmlformats.org/markup-compatibility/2006">
-          <mc:Choice xmlns:a14="http://schemas.microsoft.com/office/drawing/2010/main" Requires="a14">
+        <mc:AlternateContent xmlns:mc="http://schemas.openxmlformats.org/markup-compatibility/2006" xmlns:a14="http://schemas.microsoft.com/office/drawing/2010/main">
+          <mc:Choice Requires="a14">
             <p:sp>
               <p:nvSpPr>
                 <p:cNvPr id="118" name="Rectangle 117"/>
@@ -15269,7 +15295,7 @@
               </p:txBody>
             </p:sp>
           </mc:Choice>
-          <mc:Fallback>
+          <mc:Fallback xmlns="">
             <p:sp>
               <p:nvSpPr>
                 <p:cNvPr id="118" name="Rectangle 117"/>
@@ -15308,6 +15334,2884 @@
             </p:sp>
           </mc:Fallback>
         </mc:AlternateContent>
+      </p:grpSp>
+      <p:sp>
+        <p:nvSpPr>
+          <p:cNvPr id="59" name="Oval 58"/>
+          <p:cNvSpPr/>
+          <p:nvPr/>
+        </p:nvSpPr>
+        <p:spPr>
+          <a:xfrm>
+            <a:off x="10642149" y="3021541"/>
+            <a:ext cx="120943" cy="119766"/>
+          </a:xfrm>
+          <a:prstGeom prst="ellipse">
+            <a:avLst/>
+          </a:prstGeom>
+          <a:solidFill>
+            <a:schemeClr val="tx1"/>
+          </a:solidFill>
+          <a:ln w="38100">
+            <a:solidFill>
+              <a:schemeClr val="tx1"/>
+            </a:solidFill>
+          </a:ln>
+        </p:spPr>
+        <p:style>
+          <a:lnRef idx="2">
+            <a:schemeClr val="accent1">
+              <a:shade val="50000"/>
+            </a:schemeClr>
+          </a:lnRef>
+          <a:fillRef idx="1">
+            <a:schemeClr val="accent1"/>
+          </a:fillRef>
+          <a:effectRef idx="0">
+            <a:schemeClr val="accent1"/>
+          </a:effectRef>
+          <a:fontRef idx="minor">
+            <a:schemeClr val="lt1"/>
+          </a:fontRef>
+        </p:style>
+        <p:txBody>
+          <a:bodyPr rtlCol="0" anchor="ctr"/>
+          <a:lstStyle/>
+          <a:p>
+            <a:pPr algn="ctr"/>
+            <a:endParaRPr lang="en-US"/>
+          </a:p>
+        </p:txBody>
+      </p:sp>
+      <p:cxnSp>
+        <p:nvCxnSpPr>
+          <p:cNvPr id="64" name="Straight Arrow Connector 63"/>
+          <p:cNvCxnSpPr/>
+          <p:nvPr/>
+        </p:nvCxnSpPr>
+        <p:spPr>
+          <a:xfrm flipH="1" flipV="1">
+            <a:off x="10330020" y="2800191"/>
+            <a:ext cx="300068" cy="276650"/>
+          </a:xfrm>
+          <a:prstGeom prst="straightConnector1">
+            <a:avLst/>
+          </a:prstGeom>
+          <a:ln w="38100">
+            <a:solidFill>
+              <a:schemeClr val="tx1"/>
+            </a:solidFill>
+            <a:tailEnd type="triangle"/>
+          </a:ln>
+        </p:spPr>
+        <p:style>
+          <a:lnRef idx="1">
+            <a:schemeClr val="accent1"/>
+          </a:lnRef>
+          <a:fillRef idx="0">
+            <a:schemeClr val="accent1"/>
+          </a:fillRef>
+          <a:effectRef idx="0">
+            <a:schemeClr val="accent1"/>
+          </a:effectRef>
+          <a:fontRef idx="minor">
+            <a:schemeClr val="tx1"/>
+          </a:fontRef>
+        </p:style>
+      </p:cxnSp>
+      <p:cxnSp>
+        <p:nvCxnSpPr>
+          <p:cNvPr id="65" name="Straight Arrow Connector 64"/>
+          <p:cNvCxnSpPr/>
+          <p:nvPr/>
+        </p:nvCxnSpPr>
+        <p:spPr>
+          <a:xfrm flipH="1" flipV="1">
+            <a:off x="10437004" y="2786658"/>
+            <a:ext cx="253983" cy="223166"/>
+          </a:xfrm>
+          <a:prstGeom prst="straightConnector1">
+            <a:avLst/>
+          </a:prstGeom>
+          <a:ln w="38100">
+            <a:solidFill>
+              <a:schemeClr val="tx1"/>
+            </a:solidFill>
+            <a:tailEnd type="triangle"/>
+          </a:ln>
+        </p:spPr>
+        <p:style>
+          <a:lnRef idx="1">
+            <a:schemeClr val="accent1"/>
+          </a:lnRef>
+          <a:fillRef idx="0">
+            <a:schemeClr val="accent1"/>
+          </a:fillRef>
+          <a:effectRef idx="0">
+            <a:schemeClr val="accent1"/>
+          </a:effectRef>
+          <a:fontRef idx="minor">
+            <a:schemeClr val="tx1"/>
+          </a:fontRef>
+        </p:style>
+      </p:cxnSp>
+      <p:cxnSp>
+        <p:nvCxnSpPr>
+          <p:cNvPr id="66" name="Straight Arrow Connector 65"/>
+          <p:cNvCxnSpPr/>
+          <p:nvPr/>
+        </p:nvCxnSpPr>
+        <p:spPr>
+          <a:xfrm>
+            <a:off x="10713106" y="3159987"/>
+            <a:ext cx="255" cy="886884"/>
+          </a:xfrm>
+          <a:prstGeom prst="straightConnector1">
+            <a:avLst/>
+          </a:prstGeom>
+          <a:ln w="38100">
+            <a:solidFill>
+              <a:schemeClr val="tx1"/>
+            </a:solidFill>
+            <a:tailEnd type="triangle"/>
+          </a:ln>
+        </p:spPr>
+        <p:style>
+          <a:lnRef idx="1">
+            <a:schemeClr val="accent1"/>
+          </a:lnRef>
+          <a:fillRef idx="0">
+            <a:schemeClr val="accent1"/>
+          </a:fillRef>
+          <a:effectRef idx="0">
+            <a:schemeClr val="accent1"/>
+          </a:effectRef>
+          <a:fontRef idx="minor">
+            <a:schemeClr val="tx1"/>
+          </a:fontRef>
+        </p:style>
+      </p:cxnSp>
+      <p:cxnSp>
+        <p:nvCxnSpPr>
+          <p:cNvPr id="67" name="Straight Arrow Connector 66"/>
+          <p:cNvCxnSpPr/>
+          <p:nvPr/>
+        </p:nvCxnSpPr>
+        <p:spPr>
+          <a:xfrm flipV="1">
+            <a:off x="10722095" y="2639985"/>
+            <a:ext cx="452183" cy="451355"/>
+          </a:xfrm>
+          <a:prstGeom prst="straightConnector1">
+            <a:avLst/>
+          </a:prstGeom>
+          <a:ln w="38100">
+            <a:solidFill>
+              <a:schemeClr val="tx1"/>
+            </a:solidFill>
+            <a:tailEnd type="triangle"/>
+          </a:ln>
+        </p:spPr>
+        <p:style>
+          <a:lnRef idx="1">
+            <a:schemeClr val="accent1"/>
+          </a:lnRef>
+          <a:fillRef idx="0">
+            <a:schemeClr val="accent1"/>
+          </a:fillRef>
+          <a:effectRef idx="0">
+            <a:schemeClr val="accent1"/>
+          </a:effectRef>
+          <a:fontRef idx="minor">
+            <a:schemeClr val="tx1"/>
+          </a:fontRef>
+        </p:style>
+      </p:cxnSp>
+      <mc:AlternateContent xmlns:mc="http://schemas.openxmlformats.org/markup-compatibility/2006">
+        <mc:Choice xmlns:a14="http://schemas.microsoft.com/office/drawing/2010/main" Requires="a14">
+          <p:sp>
+            <p:nvSpPr>
+              <p:cNvPr id="70" name="TextBox 69"/>
+              <p:cNvSpPr txBox="1"/>
+              <p:nvPr/>
+            </p:nvSpPr>
+            <p:spPr>
+              <a:xfrm>
+                <a:off x="11123324" y="2579210"/>
+                <a:ext cx="356443" cy="345159"/>
+              </a:xfrm>
+              <a:prstGeom prst="rect">
+                <a:avLst/>
+              </a:prstGeom>
+              <a:noFill/>
+            </p:spPr>
+            <p:txBody>
+              <a:bodyPr wrap="none" lIns="0" tIns="0" rIns="0" bIns="0" rtlCol="0">
+                <a:spAutoFit/>
+              </a:bodyPr>
+              <a:lstStyle/>
+              <a:p>
+                <a:pPr/>
+                <a14:m>
+                  <m:oMathPara xmlns:m="http://schemas.openxmlformats.org/officeDocument/2006/math">
+                    <m:oMathParaPr>
+                      <m:jc m:val="centerGroup"/>
+                    </m:oMathParaPr>
+                    <m:oMath xmlns:m="http://schemas.openxmlformats.org/officeDocument/2006/math">
+                      <m:sSub>
+                        <m:sSubPr>
+                          <m:ctrlPr>
+                            <a:rPr lang="en-US" sz="2000" b="0" i="1" smtClean="0">
+                              <a:latin typeface="Cambria Math" panose="02040503050406030204" pitchFamily="18" charset="0"/>
+                              <a:cs typeface="Arial" panose="020B0604020202020204" pitchFamily="34" charset="0"/>
+                            </a:rPr>
+                          </m:ctrlPr>
+                        </m:sSubPr>
+                        <m:e>
+                          <m:acc>
+                            <m:accPr>
+                              <m:chr m:val="⃗"/>
+                              <m:ctrlPr>
+                                <a:rPr lang="en-US" sz="2000" b="0" i="1" smtClean="0">
+                                  <a:latin typeface="Cambria Math" panose="02040503050406030204" pitchFamily="18" charset="0"/>
+                                  <a:cs typeface="Arial" panose="020B0604020202020204" pitchFamily="34" charset="0"/>
+                                </a:rPr>
+                              </m:ctrlPr>
+                            </m:accPr>
+                            <m:e>
+                              <m:r>
+                                <a:rPr lang="en-US" sz="2000" b="0" i="1" smtClean="0">
+                                  <a:latin typeface="Cambria Math" panose="02040503050406030204" pitchFamily="18" charset="0"/>
+                                  <a:cs typeface="Arial" panose="020B0604020202020204" pitchFamily="34" charset="0"/>
+                                </a:rPr>
+                                <m:t>𝑁</m:t>
+                              </m:r>
+                            </m:e>
+                          </m:acc>
+                        </m:e>
+                        <m:sub>
+                          <m:r>
+                            <a:rPr lang="en-US" sz="2000" b="0" i="1" smtClean="0">
+                              <a:latin typeface="Cambria Math" panose="02040503050406030204" pitchFamily="18" charset="0"/>
+                              <a:cs typeface="Arial" panose="020B0604020202020204" pitchFamily="34" charset="0"/>
+                            </a:rPr>
+                            <m:t>2</m:t>
+                          </m:r>
+                        </m:sub>
+                      </m:sSub>
+                    </m:oMath>
+                  </m:oMathPara>
+                </a14:m>
+                <a:endParaRPr lang="en-US" sz="2000" dirty="0" smtClean="0">
+                  <a:latin typeface="Arial" panose="020B0604020202020204" pitchFamily="34" charset="0"/>
+                  <a:cs typeface="Arial" panose="020B0604020202020204" pitchFamily="34" charset="0"/>
+                </a:endParaRPr>
+              </a:p>
+            </p:txBody>
+          </p:sp>
+        </mc:Choice>
+        <mc:Fallback>
+          <p:sp>
+            <p:nvSpPr>
+              <p:cNvPr id="70" name="TextBox 69"/>
+              <p:cNvSpPr txBox="1">
+                <a:spLocks noRot="1" noChangeAspect="1" noMove="1" noResize="1" noEditPoints="1" noAdjustHandles="1" noChangeArrowheads="1" noChangeShapeType="1" noTextEdit="1"/>
+              </p:cNvSpPr>
+              <p:nvPr/>
+            </p:nvSpPr>
+            <p:spPr>
+              <a:xfrm>
+                <a:off x="11123324" y="2579210"/>
+                <a:ext cx="356443" cy="345159"/>
+              </a:xfrm>
+              <a:prstGeom prst="rect">
+                <a:avLst/>
+              </a:prstGeom>
+              <a:blipFill>
+                <a:blip r:embed="rId20"/>
+                <a:stretch>
+                  <a:fillRect l="-15517" r="-6897" b="-17544"/>
+                </a:stretch>
+              </a:blipFill>
+            </p:spPr>
+            <p:txBody>
+              <a:bodyPr/>
+              <a:lstStyle/>
+              <a:p>
+                <a:r>
+                  <a:rPr lang="en-US">
+                    <a:noFill/>
+                  </a:rPr>
+                  <a:t> </a:t>
+                </a:r>
+              </a:p>
+            </p:txBody>
+          </p:sp>
+        </mc:Fallback>
+      </mc:AlternateContent>
+      <mc:AlternateContent xmlns:mc="http://schemas.openxmlformats.org/markup-compatibility/2006">
+        <mc:Choice xmlns:a14="http://schemas.microsoft.com/office/drawing/2010/main" Requires="a14">
+          <p:sp>
+            <p:nvSpPr>
+              <p:cNvPr id="73" name="TextBox 72"/>
+              <p:cNvSpPr txBox="1"/>
+              <p:nvPr/>
+            </p:nvSpPr>
+            <p:spPr>
+              <a:xfrm>
+                <a:off x="10264193" y="3650528"/>
+                <a:ext cx="431721" cy="377219"/>
+              </a:xfrm>
+              <a:prstGeom prst="rect">
+                <a:avLst/>
+              </a:prstGeom>
+              <a:noFill/>
+            </p:spPr>
+            <p:txBody>
+              <a:bodyPr wrap="none" lIns="0" tIns="0" rIns="0" bIns="0" rtlCol="0">
+                <a:spAutoFit/>
+              </a:bodyPr>
+              <a:lstStyle/>
+              <a:p>
+                <a:pPr/>
+                <a14:m>
+                  <m:oMathPara xmlns:m="http://schemas.openxmlformats.org/officeDocument/2006/math">
+                    <m:oMathParaPr>
+                      <m:jc m:val="centerGroup"/>
+                    </m:oMathParaPr>
+                    <m:oMath xmlns:m="http://schemas.openxmlformats.org/officeDocument/2006/math">
+                      <m:sSub>
+                        <m:sSubPr>
+                          <m:ctrlPr>
+                            <a:rPr lang="en-US" sz="2000" b="0" i="1" smtClean="0">
+                              <a:latin typeface="Cambria Math" panose="02040503050406030204" pitchFamily="18" charset="0"/>
+                              <a:cs typeface="Arial" panose="020B0604020202020204" pitchFamily="34" charset="0"/>
+                            </a:rPr>
+                          </m:ctrlPr>
+                        </m:sSubPr>
+                        <m:e>
+                          <m:acc>
+                            <m:accPr>
+                              <m:chr m:val="⃗"/>
+                              <m:ctrlPr>
+                                <a:rPr lang="en-US" sz="2000" b="0" i="1" smtClean="0">
+                                  <a:latin typeface="Cambria Math" panose="02040503050406030204" pitchFamily="18" charset="0"/>
+                                  <a:cs typeface="Arial" panose="020B0604020202020204" pitchFamily="34" charset="0"/>
+                                </a:rPr>
+                              </m:ctrlPr>
+                            </m:accPr>
+                            <m:e>
+                              <m:r>
+                                <a:rPr lang="en-US" sz="2000" b="0" i="1" smtClean="0">
+                                  <a:latin typeface="Cambria Math" panose="02040503050406030204" pitchFamily="18" charset="0"/>
+                                  <a:cs typeface="Arial" panose="020B0604020202020204" pitchFamily="34" charset="0"/>
+                                </a:rPr>
+                                <m:t>𝐹</m:t>
+                              </m:r>
+                            </m:e>
+                          </m:acc>
+                        </m:e>
+                        <m:sub>
+                          <m:r>
+                            <a:rPr lang="en-US" sz="2000" b="0" i="1" smtClean="0">
+                              <a:latin typeface="Cambria Math" panose="02040503050406030204" pitchFamily="18" charset="0"/>
+                              <a:cs typeface="Arial" panose="020B0604020202020204" pitchFamily="34" charset="0"/>
+                            </a:rPr>
+                            <m:t>𝑔</m:t>
+                          </m:r>
+                          <m:r>
+                            <a:rPr lang="en-US" sz="2000" b="0" i="1" smtClean="0">
+                              <a:latin typeface="Cambria Math" panose="02040503050406030204" pitchFamily="18" charset="0"/>
+                              <a:cs typeface="Arial" panose="020B0604020202020204" pitchFamily="34" charset="0"/>
+                            </a:rPr>
+                            <m:t>2</m:t>
+                          </m:r>
+                        </m:sub>
+                      </m:sSub>
+                    </m:oMath>
+                  </m:oMathPara>
+                </a14:m>
+                <a:endParaRPr lang="en-US" sz="2000" dirty="0" smtClean="0">
+                  <a:latin typeface="Arial" panose="020B0604020202020204" pitchFamily="34" charset="0"/>
+                  <a:cs typeface="Arial" panose="020B0604020202020204" pitchFamily="34" charset="0"/>
+                </a:endParaRPr>
+              </a:p>
+            </p:txBody>
+          </p:sp>
+        </mc:Choice>
+        <mc:Fallback>
+          <p:sp>
+            <p:nvSpPr>
+              <p:cNvPr id="73" name="TextBox 72"/>
+              <p:cNvSpPr txBox="1">
+                <a:spLocks noRot="1" noChangeAspect="1" noMove="1" noResize="1" noEditPoints="1" noAdjustHandles="1" noChangeArrowheads="1" noChangeShapeType="1" noTextEdit="1"/>
+              </p:cNvSpPr>
+              <p:nvPr/>
+            </p:nvSpPr>
+            <p:spPr>
+              <a:xfrm>
+                <a:off x="10264193" y="3650528"/>
+                <a:ext cx="431721" cy="377219"/>
+              </a:xfrm>
+              <a:prstGeom prst="rect">
+                <a:avLst/>
+              </a:prstGeom>
+              <a:blipFill>
+                <a:blip r:embed="rId21"/>
+                <a:stretch>
+                  <a:fillRect l="-12676" t="-32258" r="-39437" b="-20968"/>
+                </a:stretch>
+              </a:blipFill>
+            </p:spPr>
+            <p:txBody>
+              <a:bodyPr/>
+              <a:lstStyle/>
+              <a:p>
+                <a:r>
+                  <a:rPr lang="en-US">
+                    <a:noFill/>
+                  </a:rPr>
+                  <a:t> </a:t>
+                </a:r>
+              </a:p>
+            </p:txBody>
+          </p:sp>
+        </mc:Fallback>
+      </mc:AlternateContent>
+      <mc:AlternateContent xmlns:mc="http://schemas.openxmlformats.org/markup-compatibility/2006">
+        <mc:Choice xmlns:a14="http://schemas.microsoft.com/office/drawing/2010/main" Requires="a14">
+          <p:sp>
+            <p:nvSpPr>
+              <p:cNvPr id="75" name="TextBox 74"/>
+              <p:cNvSpPr txBox="1"/>
+              <p:nvPr/>
+            </p:nvSpPr>
+            <p:spPr>
+              <a:xfrm>
+                <a:off x="10473600" y="2384372"/>
+                <a:ext cx="404983" cy="354071"/>
+              </a:xfrm>
+              <a:prstGeom prst="rect">
+                <a:avLst/>
+              </a:prstGeom>
+              <a:noFill/>
+            </p:spPr>
+            <p:txBody>
+              <a:bodyPr wrap="none" lIns="0" tIns="0" rIns="0" bIns="0" rtlCol="0">
+                <a:spAutoFit/>
+              </a:bodyPr>
+              <a:lstStyle/>
+              <a:p>
+                <a:pPr/>
+                <a14:m>
+                  <m:oMathPara xmlns:m="http://schemas.openxmlformats.org/officeDocument/2006/math">
+                    <m:oMathParaPr>
+                      <m:jc m:val="centerGroup"/>
+                    </m:oMathParaPr>
+                    <m:oMath xmlns:m="http://schemas.openxmlformats.org/officeDocument/2006/math">
+                      <m:sSub>
+                        <m:sSubPr>
+                          <m:ctrlPr>
+                            <a:rPr lang="en-US" sz="2000" b="0" i="1" smtClean="0">
+                              <a:latin typeface="Cambria Math" panose="02040503050406030204" pitchFamily="18" charset="0"/>
+                              <a:cs typeface="Arial" panose="020B0604020202020204" pitchFamily="34" charset="0"/>
+                            </a:rPr>
+                          </m:ctrlPr>
+                        </m:sSubPr>
+                        <m:e>
+                          <m:acc>
+                            <m:accPr>
+                              <m:chr m:val="⃗"/>
+                              <m:ctrlPr>
+                                <a:rPr lang="en-US" sz="2000" b="0" i="1" smtClean="0">
+                                  <a:latin typeface="Cambria Math" panose="02040503050406030204" pitchFamily="18" charset="0"/>
+                                  <a:cs typeface="Arial" panose="020B0604020202020204" pitchFamily="34" charset="0"/>
+                                </a:rPr>
+                              </m:ctrlPr>
+                            </m:accPr>
+                            <m:e>
+                              <m:r>
+                                <a:rPr lang="en-US" sz="2000" b="0" i="1" smtClean="0">
+                                  <a:latin typeface="Cambria Math" panose="02040503050406030204" pitchFamily="18" charset="0"/>
+                                  <a:cs typeface="Arial" panose="020B0604020202020204" pitchFamily="34" charset="0"/>
+                                </a:rPr>
+                                <m:t>𝑓</m:t>
+                              </m:r>
+                            </m:e>
+                          </m:acc>
+                        </m:e>
+                        <m:sub>
+                          <m:r>
+                            <a:rPr lang="en-US" sz="2000" b="0" i="1" smtClean="0">
+                              <a:latin typeface="Cambria Math" panose="02040503050406030204" pitchFamily="18" charset="0"/>
+                              <a:cs typeface="Arial" panose="020B0604020202020204" pitchFamily="34" charset="0"/>
+                            </a:rPr>
+                            <m:t>𝑘</m:t>
+                          </m:r>
+                          <m:r>
+                            <a:rPr lang="en-US" sz="2000" b="0" i="1" smtClean="0">
+                              <a:latin typeface="Cambria Math" panose="02040503050406030204" pitchFamily="18" charset="0"/>
+                              <a:cs typeface="Arial" panose="020B0604020202020204" pitchFamily="34" charset="0"/>
+                            </a:rPr>
+                            <m:t>2</m:t>
+                          </m:r>
+                        </m:sub>
+                      </m:sSub>
+                    </m:oMath>
+                  </m:oMathPara>
+                </a14:m>
+                <a:endParaRPr lang="en-US" sz="2000" dirty="0" smtClean="0">
+                  <a:latin typeface="Arial" panose="020B0604020202020204" pitchFamily="34" charset="0"/>
+                  <a:cs typeface="Arial" panose="020B0604020202020204" pitchFamily="34" charset="0"/>
+                </a:endParaRPr>
+              </a:p>
+            </p:txBody>
+          </p:sp>
+        </mc:Choice>
+        <mc:Fallback>
+          <p:sp>
+            <p:nvSpPr>
+              <p:cNvPr id="75" name="TextBox 74"/>
+              <p:cNvSpPr txBox="1">
+                <a:spLocks noRot="1" noChangeAspect="1" noMove="1" noResize="1" noEditPoints="1" noAdjustHandles="1" noChangeArrowheads="1" noChangeShapeType="1" noTextEdit="1"/>
+              </p:cNvSpPr>
+              <p:nvPr/>
+            </p:nvSpPr>
+            <p:spPr>
+              <a:xfrm>
+                <a:off x="10473600" y="2384372"/>
+                <a:ext cx="404983" cy="354071"/>
+              </a:xfrm>
+              <a:prstGeom prst="rect">
+                <a:avLst/>
+              </a:prstGeom>
+              <a:blipFill>
+                <a:blip r:embed="rId22"/>
+                <a:stretch>
+                  <a:fillRect l="-19403" t="-32759" r="-50746" b="-32759"/>
+                </a:stretch>
+              </a:blipFill>
+            </p:spPr>
+            <p:txBody>
+              <a:bodyPr/>
+              <a:lstStyle/>
+              <a:p>
+                <a:r>
+                  <a:rPr lang="en-US">
+                    <a:noFill/>
+                  </a:rPr>
+                  <a:t> </a:t>
+                </a:r>
+              </a:p>
+            </p:txBody>
+          </p:sp>
+        </mc:Fallback>
+      </mc:AlternateContent>
+      <mc:AlternateContent xmlns:mc="http://schemas.openxmlformats.org/markup-compatibility/2006">
+        <mc:Choice xmlns:a14="http://schemas.microsoft.com/office/drawing/2010/main" Requires="a14">
+          <p:sp>
+            <p:nvSpPr>
+              <p:cNvPr id="87" name="TextBox 86"/>
+              <p:cNvSpPr txBox="1"/>
+              <p:nvPr/>
+            </p:nvSpPr>
+            <p:spPr>
+              <a:xfrm>
+                <a:off x="10111135" y="2991058"/>
+                <a:ext cx="420821" cy="345159"/>
+              </a:xfrm>
+              <a:prstGeom prst="rect">
+                <a:avLst/>
+              </a:prstGeom>
+              <a:noFill/>
+            </p:spPr>
+            <p:txBody>
+              <a:bodyPr wrap="none" lIns="0" tIns="0" rIns="0" bIns="0" rtlCol="0">
+                <a:spAutoFit/>
+              </a:bodyPr>
+              <a:lstStyle/>
+              <a:p>
+                <a:pPr/>
+                <a14:m>
+                  <m:oMathPara xmlns:m="http://schemas.openxmlformats.org/officeDocument/2006/math">
+                    <m:oMathParaPr>
+                      <m:jc m:val="centerGroup"/>
+                    </m:oMathParaPr>
+                    <m:oMath xmlns:m="http://schemas.openxmlformats.org/officeDocument/2006/math">
+                      <m:r>
+                        <a:rPr lang="en-US" sz="2000" b="0" i="1" smtClean="0">
+                          <a:latin typeface="Cambria Math" panose="02040503050406030204" pitchFamily="18" charset="0"/>
+                          <a:cs typeface="Arial" panose="020B0604020202020204" pitchFamily="34" charset="0"/>
+                        </a:rPr>
+                        <m:t>−</m:t>
+                      </m:r>
+                      <m:acc>
+                        <m:accPr>
+                          <m:chr m:val="⃗"/>
+                          <m:ctrlPr>
+                            <a:rPr lang="en-US" sz="2000" b="0" i="1" smtClean="0">
+                              <a:latin typeface="Cambria Math" panose="02040503050406030204" pitchFamily="18" charset="0"/>
+                              <a:cs typeface="Arial" panose="020B0604020202020204" pitchFamily="34" charset="0"/>
+                            </a:rPr>
+                          </m:ctrlPr>
+                        </m:accPr>
+                        <m:e>
+                          <m:r>
+                            <a:rPr lang="en-US" sz="2000" b="0" i="1" smtClean="0">
+                              <a:latin typeface="Cambria Math" panose="02040503050406030204" pitchFamily="18" charset="0"/>
+                              <a:cs typeface="Arial" panose="020B0604020202020204" pitchFamily="34" charset="0"/>
+                            </a:rPr>
+                            <m:t>𝑇</m:t>
+                          </m:r>
+                        </m:e>
+                      </m:acc>
+                    </m:oMath>
+                  </m:oMathPara>
+                </a14:m>
+                <a:endParaRPr lang="en-US" sz="2000" dirty="0" smtClean="0">
+                  <a:latin typeface="Arial" panose="020B0604020202020204" pitchFamily="34" charset="0"/>
+                  <a:cs typeface="Arial" panose="020B0604020202020204" pitchFamily="34" charset="0"/>
+                </a:endParaRPr>
+              </a:p>
+            </p:txBody>
+          </p:sp>
+        </mc:Choice>
+        <mc:Fallback>
+          <p:sp>
+            <p:nvSpPr>
+              <p:cNvPr id="87" name="TextBox 86"/>
+              <p:cNvSpPr txBox="1">
+                <a:spLocks noRot="1" noChangeAspect="1" noMove="1" noResize="1" noEditPoints="1" noAdjustHandles="1" noChangeArrowheads="1" noChangeShapeType="1" noTextEdit="1"/>
+              </p:cNvSpPr>
+              <p:nvPr/>
+            </p:nvSpPr>
+            <p:spPr>
+              <a:xfrm>
+                <a:off x="10111135" y="2991058"/>
+                <a:ext cx="420821" cy="345159"/>
+              </a:xfrm>
+              <a:prstGeom prst="rect">
+                <a:avLst/>
+              </a:prstGeom>
+              <a:blipFill>
+                <a:blip r:embed="rId23"/>
+                <a:stretch>
+                  <a:fillRect l="-2899" r="-10145" b="-8929"/>
+                </a:stretch>
+              </a:blipFill>
+            </p:spPr>
+            <p:txBody>
+              <a:bodyPr/>
+              <a:lstStyle/>
+              <a:p>
+                <a:r>
+                  <a:rPr lang="en-US">
+                    <a:noFill/>
+                  </a:rPr>
+                  <a:t> </a:t>
+                </a:r>
+              </a:p>
+            </p:txBody>
+          </p:sp>
+        </mc:Fallback>
+      </mc:AlternateContent>
+      <mc:AlternateContent xmlns:mc="http://schemas.openxmlformats.org/markup-compatibility/2006">
+        <mc:Choice xmlns:a14="http://schemas.microsoft.com/office/drawing/2010/main" Requires="a14">
+          <p:sp>
+            <p:nvSpPr>
+              <p:cNvPr id="97" name="TextBox 96"/>
+              <p:cNvSpPr txBox="1"/>
+              <p:nvPr/>
+            </p:nvSpPr>
+            <p:spPr>
+              <a:xfrm>
+                <a:off x="10559566" y="4112041"/>
+                <a:ext cx="404983" cy="307777"/>
+              </a:xfrm>
+              <a:prstGeom prst="rect">
+                <a:avLst/>
+              </a:prstGeom>
+              <a:noFill/>
+            </p:spPr>
+            <p:txBody>
+              <a:bodyPr wrap="none" lIns="0" tIns="0" rIns="0" bIns="0" rtlCol="0">
+                <a:spAutoFit/>
+              </a:bodyPr>
+              <a:lstStyle/>
+              <a:p>
+                <a:pPr/>
+                <a14:m>
+                  <m:oMathPara xmlns:m="http://schemas.openxmlformats.org/officeDocument/2006/math">
+                    <m:oMathParaPr>
+                      <m:jc m:val="centerGroup"/>
+                    </m:oMathParaPr>
+                    <m:oMath xmlns:m="http://schemas.openxmlformats.org/officeDocument/2006/math">
+                      <m:sSub>
+                        <m:sSubPr>
+                          <m:ctrlPr>
+                            <a:rPr lang="en-US" sz="2000" b="0" i="1" smtClean="0">
+                              <a:latin typeface="Cambria Math" panose="02040503050406030204" pitchFamily="18" charset="0"/>
+                              <a:cs typeface="Arial" panose="020B0604020202020204" pitchFamily="34" charset="0"/>
+                            </a:rPr>
+                          </m:ctrlPr>
+                        </m:sSubPr>
+                        <m:e>
+                          <m:r>
+                            <a:rPr lang="en-US" sz="2000" b="0" i="1" smtClean="0">
+                              <a:latin typeface="Cambria Math" panose="02040503050406030204" pitchFamily="18" charset="0"/>
+                              <a:cs typeface="Arial" panose="020B0604020202020204" pitchFamily="34" charset="0"/>
+                            </a:rPr>
+                            <m:t>𝑚</m:t>
+                          </m:r>
+                        </m:e>
+                        <m:sub>
+                          <m:r>
+                            <a:rPr lang="en-US" sz="2000" b="0" i="1" smtClean="0">
+                              <a:latin typeface="Cambria Math" panose="02040503050406030204" pitchFamily="18" charset="0"/>
+                              <a:cs typeface="Arial" panose="020B0604020202020204" pitchFamily="34" charset="0"/>
+                            </a:rPr>
+                            <m:t>2</m:t>
+                          </m:r>
+                        </m:sub>
+                      </m:sSub>
+                    </m:oMath>
+                  </m:oMathPara>
+                </a14:m>
+                <a:endParaRPr lang="en-US" sz="2000" dirty="0" smtClean="0">
+                  <a:latin typeface="Arial" panose="020B0604020202020204" pitchFamily="34" charset="0"/>
+                  <a:cs typeface="Arial" panose="020B0604020202020204" pitchFamily="34" charset="0"/>
+                </a:endParaRPr>
+              </a:p>
+            </p:txBody>
+          </p:sp>
+        </mc:Choice>
+        <mc:Fallback>
+          <p:sp>
+            <p:nvSpPr>
+              <p:cNvPr id="97" name="TextBox 96"/>
+              <p:cNvSpPr txBox="1">
+                <a:spLocks noRot="1" noChangeAspect="1" noMove="1" noResize="1" noEditPoints="1" noAdjustHandles="1" noChangeArrowheads="1" noChangeShapeType="1" noTextEdit="1"/>
+              </p:cNvSpPr>
+              <p:nvPr/>
+            </p:nvSpPr>
+            <p:spPr>
+              <a:xfrm>
+                <a:off x="10559566" y="4112041"/>
+                <a:ext cx="404983" cy="307777"/>
+              </a:xfrm>
+              <a:prstGeom prst="rect">
+                <a:avLst/>
+              </a:prstGeom>
+              <a:blipFill>
+                <a:blip r:embed="rId24"/>
+                <a:stretch>
+                  <a:fillRect l="-5970" r="-4478" b="-20000"/>
+                </a:stretch>
+              </a:blipFill>
+            </p:spPr>
+            <p:txBody>
+              <a:bodyPr/>
+              <a:lstStyle/>
+              <a:p>
+                <a:r>
+                  <a:rPr lang="en-US">
+                    <a:noFill/>
+                  </a:rPr>
+                  <a:t> </a:t>
+                </a:r>
+              </a:p>
+            </p:txBody>
+          </p:sp>
+        </mc:Fallback>
+      </mc:AlternateContent>
+      <p:sp>
+        <p:nvSpPr>
+          <p:cNvPr id="100" name="Right Arrow 99"/>
+          <p:cNvSpPr/>
+          <p:nvPr/>
+        </p:nvSpPr>
+        <p:spPr>
+          <a:xfrm rot="2596491">
+            <a:off x="10961201" y="2281305"/>
+            <a:ext cx="700928" cy="118979"/>
+          </a:xfrm>
+          <a:prstGeom prst="rightArrow">
+            <a:avLst/>
+          </a:prstGeom>
+          <a:solidFill>
+            <a:schemeClr val="tx1"/>
+          </a:solidFill>
+          <a:ln w="38100">
+            <a:solidFill>
+              <a:schemeClr val="tx1"/>
+            </a:solidFill>
+          </a:ln>
+        </p:spPr>
+        <p:style>
+          <a:lnRef idx="2">
+            <a:schemeClr val="accent1">
+              <a:shade val="50000"/>
+            </a:schemeClr>
+          </a:lnRef>
+          <a:fillRef idx="1">
+            <a:schemeClr val="accent1"/>
+          </a:fillRef>
+          <a:effectRef idx="0">
+            <a:schemeClr val="accent1"/>
+          </a:effectRef>
+          <a:fontRef idx="minor">
+            <a:schemeClr val="lt1"/>
+          </a:fontRef>
+        </p:style>
+        <p:txBody>
+          <a:bodyPr rtlCol="0" anchor="ctr"/>
+          <a:lstStyle/>
+          <a:p>
+            <a:pPr algn="ctr"/>
+            <a:endParaRPr lang="en-US"/>
+          </a:p>
+        </p:txBody>
+      </p:sp>
+      <mc:AlternateContent xmlns:mc="http://schemas.openxmlformats.org/markup-compatibility/2006">
+        <mc:Choice xmlns:a14="http://schemas.microsoft.com/office/drawing/2010/main" Requires="a14">
+          <p:sp>
+            <p:nvSpPr>
+              <p:cNvPr id="101" name="TextBox 100"/>
+              <p:cNvSpPr txBox="1"/>
+              <p:nvPr/>
+            </p:nvSpPr>
+            <p:spPr>
+              <a:xfrm>
+                <a:off x="11479767" y="2004298"/>
+                <a:ext cx="219483" cy="307777"/>
+              </a:xfrm>
+              <a:prstGeom prst="rect">
+                <a:avLst/>
+              </a:prstGeom>
+              <a:noFill/>
+            </p:spPr>
+            <p:txBody>
+              <a:bodyPr wrap="none" lIns="0" tIns="0" rIns="0" bIns="0" rtlCol="0">
+                <a:spAutoFit/>
+              </a:bodyPr>
+              <a:lstStyle/>
+              <a:p>
+                <a:pPr/>
+                <a14:m>
+                  <m:oMathPara xmlns:m="http://schemas.openxmlformats.org/officeDocument/2006/math">
+                    <m:oMathParaPr>
+                      <m:jc m:val="centerGroup"/>
+                    </m:oMathParaPr>
+                    <m:oMath xmlns:m="http://schemas.openxmlformats.org/officeDocument/2006/math">
+                      <m:acc>
+                        <m:accPr>
+                          <m:chr m:val="⃗"/>
+                          <m:ctrlPr>
+                            <a:rPr lang="en-US" sz="2000" b="0" i="1" smtClean="0">
+                              <a:latin typeface="Cambria Math" panose="02040503050406030204" pitchFamily="18" charset="0"/>
+                              <a:cs typeface="Arial" panose="020B0604020202020204" pitchFamily="34" charset="0"/>
+                            </a:rPr>
+                          </m:ctrlPr>
+                        </m:accPr>
+                        <m:e>
+                          <m:r>
+                            <a:rPr lang="en-US" sz="2000" b="0" i="1" smtClean="0">
+                              <a:latin typeface="Cambria Math" panose="02040503050406030204" pitchFamily="18" charset="0"/>
+                              <a:cs typeface="Arial" panose="020B0604020202020204" pitchFamily="34" charset="0"/>
+                            </a:rPr>
+                            <m:t>𝑎</m:t>
+                          </m:r>
+                        </m:e>
+                      </m:acc>
+                    </m:oMath>
+                  </m:oMathPara>
+                </a14:m>
+                <a:endParaRPr lang="en-US" sz="2000" dirty="0" smtClean="0">
+                  <a:latin typeface="Arial" panose="020B0604020202020204" pitchFamily="34" charset="0"/>
+                  <a:cs typeface="Arial" panose="020B0604020202020204" pitchFamily="34" charset="0"/>
+                </a:endParaRPr>
+              </a:p>
+            </p:txBody>
+          </p:sp>
+        </mc:Choice>
+        <mc:Fallback>
+          <p:sp>
+            <p:nvSpPr>
+              <p:cNvPr id="101" name="TextBox 100"/>
+              <p:cNvSpPr txBox="1">
+                <a:spLocks noRot="1" noChangeAspect="1" noMove="1" noResize="1" noEditPoints="1" noAdjustHandles="1" noChangeArrowheads="1" noChangeShapeType="1" noTextEdit="1"/>
+              </p:cNvSpPr>
+              <p:nvPr/>
+            </p:nvSpPr>
+            <p:spPr>
+              <a:xfrm>
+                <a:off x="11479767" y="2004298"/>
+                <a:ext cx="219483" cy="307777"/>
+              </a:xfrm>
+              <a:prstGeom prst="rect">
+                <a:avLst/>
+              </a:prstGeom>
+              <a:blipFill>
+                <a:blip r:embed="rId25"/>
+                <a:stretch>
+                  <a:fillRect l="-19444" t="-36000" r="-94444" b="-6000"/>
+                </a:stretch>
+              </a:blipFill>
+            </p:spPr>
+            <p:txBody>
+              <a:bodyPr/>
+              <a:lstStyle/>
+              <a:p>
+                <a:r>
+                  <a:rPr lang="en-US">
+                    <a:noFill/>
+                  </a:rPr>
+                  <a:t> </a:t>
+                </a:r>
+              </a:p>
+            </p:txBody>
+          </p:sp>
+        </mc:Fallback>
+      </mc:AlternateContent>
+      <p:cxnSp>
+        <p:nvCxnSpPr>
+          <p:cNvPr id="52" name="Straight Connector 51"/>
+          <p:cNvCxnSpPr/>
+          <p:nvPr/>
+        </p:nvCxnSpPr>
+        <p:spPr>
+          <a:xfrm flipH="1">
+            <a:off x="10230963" y="3132825"/>
+            <a:ext cx="451627" cy="450686"/>
+          </a:xfrm>
+          <a:prstGeom prst="line">
+            <a:avLst/>
+          </a:prstGeom>
+          <a:ln w="19050">
+            <a:solidFill>
+              <a:schemeClr val="tx1"/>
+            </a:solidFill>
+            <a:prstDash val="sysDot"/>
+          </a:ln>
+        </p:spPr>
+        <p:style>
+          <a:lnRef idx="1">
+            <a:schemeClr val="accent1"/>
+          </a:lnRef>
+          <a:fillRef idx="0">
+            <a:schemeClr val="accent1"/>
+          </a:fillRef>
+          <a:effectRef idx="0">
+            <a:schemeClr val="accent1"/>
+          </a:effectRef>
+          <a:fontRef idx="minor">
+            <a:schemeClr val="tx1"/>
+          </a:fontRef>
+        </p:style>
+      </p:cxnSp>
+      <mc:AlternateContent xmlns:mc="http://schemas.openxmlformats.org/markup-compatibility/2006">
+        <mc:Choice xmlns:a14="http://schemas.microsoft.com/office/drawing/2010/main" Requires="a14">
+          <p:sp>
+            <p:nvSpPr>
+              <p:cNvPr id="55" name="Rectangle 54"/>
+              <p:cNvSpPr/>
+              <p:nvPr/>
+            </p:nvSpPr>
+            <p:spPr>
+              <a:xfrm>
+                <a:off x="10387985" y="3208271"/>
+                <a:ext cx="394147" cy="400110"/>
+              </a:xfrm>
+              <a:prstGeom prst="rect">
+                <a:avLst/>
+              </a:prstGeom>
+            </p:spPr>
+            <p:txBody>
+              <a:bodyPr wrap="none">
+                <a:spAutoFit/>
+              </a:bodyPr>
+              <a:lstStyle/>
+              <a:p>
+                <a:pPr/>
+                <a14:m>
+                  <m:oMathPara xmlns:m="http://schemas.openxmlformats.org/officeDocument/2006/math">
+                    <m:oMathParaPr>
+                      <m:jc m:val="centerGroup"/>
+                    </m:oMathParaPr>
+                    <m:oMath xmlns:m="http://schemas.openxmlformats.org/officeDocument/2006/math">
+                      <m:r>
+                        <a:rPr lang="en-US" sz="2000" i="1" smtClean="0">
+                          <a:latin typeface="Cambria Math" panose="02040503050406030204" pitchFamily="18" charset="0"/>
+                        </a:rPr>
+                        <m:t>𝜃</m:t>
+                      </m:r>
+                    </m:oMath>
+                  </m:oMathPara>
+                </a14:m>
+                <a:endParaRPr lang="en-CA" sz="2000" dirty="0"/>
+              </a:p>
+            </p:txBody>
+          </p:sp>
+        </mc:Choice>
+        <mc:Fallback>
+          <p:sp>
+            <p:nvSpPr>
+              <p:cNvPr id="55" name="Rectangle 54"/>
+              <p:cNvSpPr>
+                <a:spLocks noRot="1" noChangeAspect="1" noMove="1" noResize="1" noEditPoints="1" noAdjustHandles="1" noChangeArrowheads="1" noChangeShapeType="1" noTextEdit="1"/>
+              </p:cNvSpPr>
+              <p:nvPr/>
+            </p:nvSpPr>
+            <p:spPr>
+              <a:xfrm>
+                <a:off x="10387985" y="3208271"/>
+                <a:ext cx="394147" cy="400110"/>
+              </a:xfrm>
+              <a:prstGeom prst="rect">
+                <a:avLst/>
+              </a:prstGeom>
+              <a:blipFill>
+                <a:blip r:embed="rId26"/>
+                <a:stretch>
+                  <a:fillRect/>
+                </a:stretch>
+              </a:blipFill>
+            </p:spPr>
+            <p:txBody>
+              <a:bodyPr/>
+              <a:lstStyle/>
+              <a:p>
+                <a:r>
+                  <a:rPr lang="en-US">
+                    <a:noFill/>
+                  </a:rPr>
+                  <a:t> </a:t>
+                </a:r>
+              </a:p>
+            </p:txBody>
+          </p:sp>
+        </mc:Fallback>
+      </mc:AlternateContent>
+      <p:grpSp>
+        <p:nvGrpSpPr>
+          <p:cNvPr id="102" name="Group 101"/>
+          <p:cNvGrpSpPr/>
+          <p:nvPr/>
+        </p:nvGrpSpPr>
+        <p:grpSpPr>
+          <a:xfrm>
+            <a:off x="3515451" y="5365940"/>
+            <a:ext cx="898789" cy="709995"/>
+            <a:chOff x="758520" y="708040"/>
+            <a:chExt cx="2596102" cy="2135605"/>
+          </a:xfrm>
+        </p:grpSpPr>
+        <p:grpSp>
+          <p:nvGrpSpPr>
+            <p:cNvPr id="103" name="Group 102"/>
+            <p:cNvGrpSpPr/>
+            <p:nvPr/>
+          </p:nvGrpSpPr>
+          <p:grpSpPr>
+            <a:xfrm>
+              <a:off x="758520" y="708040"/>
+              <a:ext cx="2596102" cy="2135605"/>
+              <a:chOff x="785815" y="680744"/>
+              <a:chExt cx="2596102" cy="2135605"/>
+            </a:xfrm>
+          </p:grpSpPr>
+          <p:cxnSp>
+            <p:nvCxnSpPr>
+              <p:cNvPr id="105" name="Straight Arrow Connector 104"/>
+              <p:cNvCxnSpPr/>
+              <p:nvPr/>
+            </p:nvCxnSpPr>
+            <p:spPr>
+              <a:xfrm flipV="1">
+                <a:off x="1516583" y="680744"/>
+                <a:ext cx="7683" cy="1859535"/>
+              </a:xfrm>
+              <a:prstGeom prst="straightConnector1">
+                <a:avLst/>
+              </a:prstGeom>
+              <a:ln w="38100">
+                <a:solidFill>
+                  <a:schemeClr val="tx1"/>
+                </a:solidFill>
+                <a:tailEnd type="triangle"/>
+              </a:ln>
+            </p:spPr>
+            <p:style>
+              <a:lnRef idx="1">
+                <a:schemeClr val="accent1"/>
+              </a:lnRef>
+              <a:fillRef idx="0">
+                <a:schemeClr val="accent1"/>
+              </a:fillRef>
+              <a:effectRef idx="0">
+                <a:schemeClr val="accent1"/>
+              </a:effectRef>
+              <a:fontRef idx="minor">
+                <a:schemeClr val="tx1"/>
+              </a:fontRef>
+            </p:style>
+          </p:cxnSp>
+          <p:cxnSp>
+            <p:nvCxnSpPr>
+              <p:cNvPr id="106" name="Straight Arrow Connector 105"/>
+              <p:cNvCxnSpPr/>
+              <p:nvPr/>
+            </p:nvCxnSpPr>
+            <p:spPr>
+              <a:xfrm flipV="1">
+                <a:off x="1507013" y="2535259"/>
+                <a:ext cx="1874904" cy="1"/>
+              </a:xfrm>
+              <a:prstGeom prst="straightConnector1">
+                <a:avLst/>
+              </a:prstGeom>
+              <a:ln w="38100">
+                <a:solidFill>
+                  <a:schemeClr val="tx1"/>
+                </a:solidFill>
+                <a:tailEnd type="triangle"/>
+              </a:ln>
+            </p:spPr>
+            <p:style>
+              <a:lnRef idx="1">
+                <a:schemeClr val="accent1"/>
+              </a:lnRef>
+              <a:fillRef idx="0">
+                <a:schemeClr val="accent1"/>
+              </a:fillRef>
+              <a:effectRef idx="0">
+                <a:schemeClr val="accent1"/>
+              </a:effectRef>
+              <a:fontRef idx="minor">
+                <a:schemeClr val="tx1"/>
+              </a:fontRef>
+            </p:style>
+          </p:cxnSp>
+          <mc:AlternateContent xmlns:mc="http://schemas.openxmlformats.org/markup-compatibility/2006">
+            <mc:Choice xmlns:a14="http://schemas.microsoft.com/office/drawing/2010/main" Requires="a14">
+              <p:sp>
+                <p:nvSpPr>
+                  <p:cNvPr id="107" name="Rectangle 106"/>
+                  <p:cNvSpPr/>
+                  <p:nvPr/>
+                </p:nvSpPr>
+                <p:spPr>
+                  <a:xfrm>
+                    <a:off x="2697555" y="2447016"/>
+                    <a:ext cx="367985" cy="369333"/>
+                  </a:xfrm>
+                  <a:prstGeom prst="rect">
+                    <a:avLst/>
+                  </a:prstGeom>
+                </p:spPr>
+                <p:txBody>
+                  <a:bodyPr wrap="none">
+                    <a:spAutoFit/>
+                  </a:bodyPr>
+                  <a:lstStyle/>
+                  <a:p>
+                    <a:pPr/>
+                    <a14:m>
+                      <m:oMathPara xmlns:m="http://schemas.openxmlformats.org/officeDocument/2006/math">
+                        <m:oMathParaPr>
+                          <m:jc m:val="centerGroup"/>
+                        </m:oMathParaPr>
+                        <m:oMath xmlns:m="http://schemas.openxmlformats.org/officeDocument/2006/math">
+                          <m:r>
+                            <a:rPr lang="en-US" i="1">
+                              <a:latin typeface="Cambria Math" panose="02040503050406030204" pitchFamily="18" charset="0"/>
+                              <a:cs typeface="Arial" panose="020B0604020202020204" pitchFamily="34" charset="0"/>
+                            </a:rPr>
+                            <m:t>𝑥</m:t>
+                          </m:r>
+                        </m:oMath>
+                      </m:oMathPara>
+                    </a14:m>
+                    <a:endParaRPr lang="en-CA" dirty="0"/>
+                  </a:p>
+                </p:txBody>
+              </p:sp>
+            </mc:Choice>
+            <mc:Fallback>
+              <p:sp>
+                <p:nvSpPr>
+                  <p:cNvPr id="107" name="Rectangle 106"/>
+                  <p:cNvSpPr>
+                    <a:spLocks noRot="1" noChangeAspect="1" noMove="1" noResize="1" noEditPoints="1" noAdjustHandles="1" noChangeArrowheads="1" noChangeShapeType="1" noTextEdit="1"/>
+                  </p:cNvSpPr>
+                  <p:nvPr/>
+                </p:nvSpPr>
+                <p:spPr>
+                  <a:xfrm>
+                    <a:off x="2697555" y="2447016"/>
+                    <a:ext cx="367985" cy="369333"/>
+                  </a:xfrm>
+                  <a:prstGeom prst="rect">
+                    <a:avLst/>
+                  </a:prstGeom>
+                  <a:blipFill>
+                    <a:blip r:embed="rId27"/>
+                    <a:stretch>
+                      <a:fillRect r="-95238" b="-160000"/>
+                    </a:stretch>
+                  </a:blipFill>
+                </p:spPr>
+                <p:txBody>
+                  <a:bodyPr/>
+                  <a:lstStyle/>
+                  <a:p>
+                    <a:r>
+                      <a:rPr lang="en-US">
+                        <a:noFill/>
+                      </a:rPr>
+                      <a:t> </a:t>
+                    </a:r>
+                  </a:p>
+                </p:txBody>
+              </p:sp>
+            </mc:Fallback>
+          </mc:AlternateContent>
+          <mc:AlternateContent xmlns:mc="http://schemas.openxmlformats.org/markup-compatibility/2006">
+            <mc:Choice xmlns:a14="http://schemas.microsoft.com/office/drawing/2010/main" Requires="a14">
+              <p:sp>
+                <p:nvSpPr>
+                  <p:cNvPr id="108" name="Rectangle 107"/>
+                  <p:cNvSpPr/>
+                  <p:nvPr/>
+                </p:nvSpPr>
+                <p:spPr>
+                  <a:xfrm>
+                    <a:off x="785815" y="912420"/>
+                    <a:ext cx="371385" cy="369333"/>
+                  </a:xfrm>
+                  <a:prstGeom prst="rect">
+                    <a:avLst/>
+                  </a:prstGeom>
+                </p:spPr>
+                <p:txBody>
+                  <a:bodyPr wrap="none">
+                    <a:spAutoFit/>
+                  </a:bodyPr>
+                  <a:lstStyle/>
+                  <a:p>
+                    <a:pPr/>
+                    <a14:m>
+                      <m:oMathPara xmlns:m="http://schemas.openxmlformats.org/officeDocument/2006/math">
+                        <m:oMathParaPr>
+                          <m:jc m:val="centerGroup"/>
+                        </m:oMathParaPr>
+                        <m:oMath xmlns:m="http://schemas.openxmlformats.org/officeDocument/2006/math">
+                          <m:r>
+                            <a:rPr lang="en-US" b="0" i="1" smtClean="0">
+                              <a:latin typeface="Cambria Math" panose="02040503050406030204" pitchFamily="18" charset="0"/>
+                            </a:rPr>
+                            <m:t>𝑦</m:t>
+                          </m:r>
+                        </m:oMath>
+                      </m:oMathPara>
+                    </a14:m>
+                    <a:endParaRPr lang="en-CA" dirty="0"/>
+                  </a:p>
+                </p:txBody>
+              </p:sp>
+            </mc:Choice>
+            <mc:Fallback>
+              <p:sp>
+                <p:nvSpPr>
+                  <p:cNvPr id="108" name="Rectangle 107"/>
+                  <p:cNvSpPr>
+                    <a:spLocks noRot="1" noChangeAspect="1" noMove="1" noResize="1" noEditPoints="1" noAdjustHandles="1" noChangeArrowheads="1" noChangeShapeType="1" noTextEdit="1"/>
+                  </p:cNvSpPr>
+                  <p:nvPr/>
+                </p:nvSpPr>
+                <p:spPr>
+                  <a:xfrm>
+                    <a:off x="785815" y="912420"/>
+                    <a:ext cx="371385" cy="369333"/>
+                  </a:xfrm>
+                  <a:prstGeom prst="rect">
+                    <a:avLst/>
+                  </a:prstGeom>
+                  <a:blipFill>
+                    <a:blip r:embed="rId28"/>
+                    <a:stretch>
+                      <a:fillRect l="-19048" r="-114286" b="-220000"/>
+                    </a:stretch>
+                  </a:blipFill>
+                </p:spPr>
+                <p:txBody>
+                  <a:bodyPr/>
+                  <a:lstStyle/>
+                  <a:p>
+                    <a:r>
+                      <a:rPr lang="en-US">
+                        <a:noFill/>
+                      </a:rPr>
+                      <a:t> </a:t>
+                    </a:r>
+                  </a:p>
+                </p:txBody>
+              </p:sp>
+            </mc:Fallback>
+          </mc:AlternateContent>
+          <mc:AlternateContent xmlns:mc="http://schemas.openxmlformats.org/markup-compatibility/2006">
+            <mc:Choice xmlns:a14="http://schemas.microsoft.com/office/drawing/2010/main" Requires="a14">
+              <p:sp>
+                <p:nvSpPr>
+                  <p:cNvPr id="109" name="Rectangle 108"/>
+                  <p:cNvSpPr/>
+                  <p:nvPr/>
+                </p:nvSpPr>
+                <p:spPr>
+                  <a:xfrm>
+                    <a:off x="1006642" y="2350591"/>
+                    <a:ext cx="367985" cy="369333"/>
+                  </a:xfrm>
+                  <a:prstGeom prst="rect">
+                    <a:avLst/>
+                  </a:prstGeom>
+                </p:spPr>
+                <p:txBody>
+                  <a:bodyPr wrap="none">
+                    <a:spAutoFit/>
+                  </a:bodyPr>
+                  <a:lstStyle/>
+                  <a:p>
+                    <a:pPr/>
+                    <a14:m>
+                      <m:oMathPara xmlns:m="http://schemas.openxmlformats.org/officeDocument/2006/math">
+                        <m:oMathParaPr>
+                          <m:jc m:val="centerGroup"/>
+                        </m:oMathParaPr>
+                        <m:oMath xmlns:m="http://schemas.openxmlformats.org/officeDocument/2006/math">
+                          <m:r>
+                            <a:rPr lang="en-US" b="0" i="1" smtClean="0">
+                              <a:latin typeface="Cambria Math" panose="02040503050406030204" pitchFamily="18" charset="0"/>
+                              <a:cs typeface="Arial" panose="020B0604020202020204" pitchFamily="34" charset="0"/>
+                            </a:rPr>
+                            <m:t>0</m:t>
+                          </m:r>
+                        </m:oMath>
+                      </m:oMathPara>
+                    </a14:m>
+                    <a:endParaRPr lang="en-CA" dirty="0"/>
+                  </a:p>
+                </p:txBody>
+              </p:sp>
+            </mc:Choice>
+            <mc:Fallback>
+              <p:sp>
+                <p:nvSpPr>
+                  <p:cNvPr id="109" name="Rectangle 108"/>
+                  <p:cNvSpPr>
+                    <a:spLocks noRot="1" noChangeAspect="1" noMove="1" noResize="1" noEditPoints="1" noAdjustHandles="1" noChangeArrowheads="1" noChangeShapeType="1" noTextEdit="1"/>
+                  </p:cNvSpPr>
+                  <p:nvPr/>
+                </p:nvSpPr>
+                <p:spPr>
+                  <a:xfrm>
+                    <a:off x="1006642" y="2350591"/>
+                    <a:ext cx="367985" cy="369333"/>
+                  </a:xfrm>
+                  <a:prstGeom prst="rect">
+                    <a:avLst/>
+                  </a:prstGeom>
+                  <a:blipFill>
+                    <a:blip r:embed="rId29"/>
+                    <a:stretch>
+                      <a:fillRect l="-14286" r="-114286" b="-180000"/>
+                    </a:stretch>
+                  </a:blipFill>
+                </p:spPr>
+                <p:txBody>
+                  <a:bodyPr/>
+                  <a:lstStyle/>
+                  <a:p>
+                    <a:r>
+                      <a:rPr lang="en-US">
+                        <a:noFill/>
+                      </a:rPr>
+                      <a:t> </a:t>
+                    </a:r>
+                  </a:p>
+                </p:txBody>
+              </p:sp>
+            </mc:Fallback>
+          </mc:AlternateContent>
+        </p:grpSp>
+        <p:sp>
+          <p:nvSpPr>
+            <p:cNvPr id="104" name="Rectangle 103"/>
+            <p:cNvSpPr/>
+            <p:nvPr/>
+          </p:nvSpPr>
+          <p:spPr>
+            <a:xfrm>
+              <a:off x="1129904" y="1614682"/>
+              <a:ext cx="184731" cy="369332"/>
+            </a:xfrm>
+            <a:prstGeom prst="rect">
+              <a:avLst/>
+            </a:prstGeom>
+          </p:spPr>
+          <p:txBody>
+            <a:bodyPr wrap="none">
+              <a:spAutoFit/>
+            </a:bodyPr>
+            <a:lstStyle/>
+            <a:p>
+              <a:endParaRPr lang="en-CA" dirty="0"/>
+            </a:p>
+          </p:txBody>
+        </p:sp>
+      </p:grpSp>
+      <p:grpSp>
+        <p:nvGrpSpPr>
+          <p:cNvPr id="2" name="Group 1"/>
+          <p:cNvGrpSpPr/>
+          <p:nvPr/>
+        </p:nvGrpSpPr>
+        <p:grpSpPr>
+          <a:xfrm>
+            <a:off x="7205694" y="1887084"/>
+            <a:ext cx="1869768" cy="2556447"/>
+            <a:chOff x="7312230" y="1973581"/>
+            <a:chExt cx="1869768" cy="2556447"/>
+          </a:xfrm>
+        </p:grpSpPr>
+        <p:sp>
+          <p:nvSpPr>
+            <p:cNvPr id="56" name="Oval 55"/>
+            <p:cNvSpPr/>
+            <p:nvPr/>
+          </p:nvSpPr>
+          <p:spPr>
+            <a:xfrm>
+              <a:off x="8414537" y="3076128"/>
+              <a:ext cx="120943" cy="119766"/>
+            </a:xfrm>
+            <a:prstGeom prst="ellipse">
+              <a:avLst/>
+            </a:prstGeom>
+            <a:solidFill>
+              <a:schemeClr val="tx1"/>
+            </a:solidFill>
+            <a:ln w="38100">
+              <a:solidFill>
+                <a:schemeClr val="tx1"/>
+              </a:solidFill>
+            </a:ln>
+          </p:spPr>
+          <p:style>
+            <a:lnRef idx="2">
+              <a:schemeClr val="accent1">
+                <a:shade val="50000"/>
+              </a:schemeClr>
+            </a:lnRef>
+            <a:fillRef idx="1">
+              <a:schemeClr val="accent1"/>
+            </a:fillRef>
+            <a:effectRef idx="0">
+              <a:schemeClr val="accent1"/>
+            </a:effectRef>
+            <a:fontRef idx="minor">
+              <a:schemeClr val="lt1"/>
+            </a:fontRef>
+          </p:style>
+          <p:txBody>
+            <a:bodyPr rtlCol="0" anchor="ctr"/>
+            <a:lstStyle/>
+            <a:p>
+              <a:pPr algn="ctr"/>
+              <a:endParaRPr lang="en-US"/>
+            </a:p>
+          </p:txBody>
+        </p:sp>
+        <p:cxnSp>
+          <p:nvCxnSpPr>
+            <p:cNvPr id="60" name="Straight Arrow Connector 59"/>
+            <p:cNvCxnSpPr/>
+            <p:nvPr/>
+          </p:nvCxnSpPr>
+          <p:spPr>
+            <a:xfrm flipH="1" flipV="1">
+              <a:off x="8252650" y="2916549"/>
+              <a:ext cx="162530" cy="164830"/>
+            </a:xfrm>
+            <a:prstGeom prst="straightConnector1">
+              <a:avLst/>
+            </a:prstGeom>
+            <a:ln w="38100">
+              <a:solidFill>
+                <a:schemeClr val="tx1"/>
+              </a:solidFill>
+              <a:tailEnd type="triangle"/>
+            </a:ln>
+          </p:spPr>
+          <p:style>
+            <a:lnRef idx="1">
+              <a:schemeClr val="accent1"/>
+            </a:lnRef>
+            <a:fillRef idx="0">
+              <a:schemeClr val="accent1"/>
+            </a:fillRef>
+            <a:effectRef idx="0">
+              <a:schemeClr val="accent1"/>
+            </a:effectRef>
+            <a:fontRef idx="minor">
+              <a:schemeClr val="tx1"/>
+            </a:fontRef>
+          </p:style>
+        </p:cxnSp>
+        <p:cxnSp>
+          <p:nvCxnSpPr>
+            <p:cNvPr id="61" name="Straight Arrow Connector 60"/>
+            <p:cNvCxnSpPr/>
+            <p:nvPr/>
+          </p:nvCxnSpPr>
+          <p:spPr>
+            <a:xfrm flipH="1">
+              <a:off x="8475008" y="3198439"/>
+              <a:ext cx="1899" cy="655716"/>
+            </a:xfrm>
+            <a:prstGeom prst="straightConnector1">
+              <a:avLst/>
+            </a:prstGeom>
+            <a:ln w="38100">
+              <a:solidFill>
+                <a:schemeClr val="tx1"/>
+              </a:solidFill>
+              <a:tailEnd type="triangle"/>
+            </a:ln>
+          </p:spPr>
+          <p:style>
+            <a:lnRef idx="1">
+              <a:schemeClr val="accent1"/>
+            </a:lnRef>
+            <a:fillRef idx="0">
+              <a:schemeClr val="accent1"/>
+            </a:fillRef>
+            <a:effectRef idx="0">
+              <a:schemeClr val="accent1"/>
+            </a:effectRef>
+            <a:fontRef idx="minor">
+              <a:schemeClr val="tx1"/>
+            </a:fontRef>
+          </p:style>
+        </p:cxnSp>
+        <p:cxnSp>
+          <p:nvCxnSpPr>
+            <p:cNvPr id="62" name="Straight Arrow Connector 61"/>
+            <p:cNvCxnSpPr/>
+            <p:nvPr/>
+          </p:nvCxnSpPr>
+          <p:spPr>
+            <a:xfrm flipV="1">
+              <a:off x="8523351" y="2738443"/>
+              <a:ext cx="314421" cy="339366"/>
+            </a:xfrm>
+            <a:prstGeom prst="straightConnector1">
+              <a:avLst/>
+            </a:prstGeom>
+            <a:ln w="38100">
+              <a:solidFill>
+                <a:schemeClr val="tx1"/>
+              </a:solidFill>
+              <a:tailEnd type="triangle"/>
+            </a:ln>
+          </p:spPr>
+          <p:style>
+            <a:lnRef idx="1">
+              <a:schemeClr val="accent1"/>
+            </a:lnRef>
+            <a:fillRef idx="0">
+              <a:schemeClr val="accent1"/>
+            </a:fillRef>
+            <a:effectRef idx="0">
+              <a:schemeClr val="accent1"/>
+            </a:effectRef>
+            <a:fontRef idx="minor">
+              <a:schemeClr val="tx1"/>
+            </a:fontRef>
+          </p:style>
+        </p:cxnSp>
+        <p:cxnSp>
+          <p:nvCxnSpPr>
+            <p:cNvPr id="63" name="Straight Arrow Connector 62"/>
+            <p:cNvCxnSpPr/>
+            <p:nvPr/>
+          </p:nvCxnSpPr>
+          <p:spPr>
+            <a:xfrm>
+              <a:off x="8520535" y="3180773"/>
+              <a:ext cx="324488" cy="301645"/>
+            </a:xfrm>
+            <a:prstGeom prst="straightConnector1">
+              <a:avLst/>
+            </a:prstGeom>
+            <a:ln w="38100">
+              <a:solidFill>
+                <a:schemeClr val="tx1"/>
+              </a:solidFill>
+              <a:tailEnd type="triangle"/>
+            </a:ln>
+          </p:spPr>
+          <p:style>
+            <a:lnRef idx="1">
+              <a:schemeClr val="accent1"/>
+            </a:lnRef>
+            <a:fillRef idx="0">
+              <a:schemeClr val="accent1"/>
+            </a:fillRef>
+            <a:effectRef idx="0">
+              <a:schemeClr val="accent1"/>
+            </a:effectRef>
+            <a:fontRef idx="minor">
+              <a:schemeClr val="tx1"/>
+            </a:fontRef>
+          </p:style>
+        </p:cxnSp>
+        <mc:AlternateContent xmlns:mc="http://schemas.openxmlformats.org/markup-compatibility/2006">
+          <mc:Choice xmlns:a14="http://schemas.microsoft.com/office/drawing/2010/main" Requires="a14">
+            <p:sp>
+              <p:nvSpPr>
+                <p:cNvPr id="68" name="TextBox 67"/>
+                <p:cNvSpPr txBox="1"/>
+                <p:nvPr/>
+              </p:nvSpPr>
+              <p:spPr>
+                <a:xfrm>
+                  <a:off x="8161406" y="2481543"/>
+                  <a:ext cx="404983" cy="354071"/>
+                </a:xfrm>
+                <a:prstGeom prst="rect">
+                  <a:avLst/>
+                </a:prstGeom>
+                <a:noFill/>
+              </p:spPr>
+              <p:txBody>
+                <a:bodyPr wrap="none" lIns="0" tIns="0" rIns="0" bIns="0" rtlCol="0">
+                  <a:spAutoFit/>
+                </a:bodyPr>
+                <a:lstStyle/>
+                <a:p>
+                  <a:pPr/>
+                  <a14:m>
+                    <m:oMathPara xmlns:m="http://schemas.openxmlformats.org/officeDocument/2006/math">
+                      <m:oMathParaPr>
+                        <m:jc m:val="centerGroup"/>
+                      </m:oMathParaPr>
+                      <m:oMath xmlns:m="http://schemas.openxmlformats.org/officeDocument/2006/math">
+                        <m:sSub>
+                          <m:sSubPr>
+                            <m:ctrlPr>
+                              <a:rPr lang="en-US" sz="2000" b="0" i="1" smtClean="0">
+                                <a:latin typeface="Cambria Math" panose="02040503050406030204" pitchFamily="18" charset="0"/>
+                                <a:cs typeface="Arial" panose="020B0604020202020204" pitchFamily="34" charset="0"/>
+                              </a:rPr>
+                            </m:ctrlPr>
+                          </m:sSubPr>
+                          <m:e>
+                            <m:acc>
+                              <m:accPr>
+                                <m:chr m:val="⃗"/>
+                                <m:ctrlPr>
+                                  <a:rPr lang="en-US" sz="2000" b="0" i="1" smtClean="0">
+                                    <a:latin typeface="Cambria Math" panose="02040503050406030204" pitchFamily="18" charset="0"/>
+                                    <a:cs typeface="Arial" panose="020B0604020202020204" pitchFamily="34" charset="0"/>
+                                  </a:rPr>
+                                </m:ctrlPr>
+                              </m:accPr>
+                              <m:e>
+                                <m:r>
+                                  <a:rPr lang="en-US" sz="2000" b="0" i="1" smtClean="0">
+                                    <a:latin typeface="Cambria Math" panose="02040503050406030204" pitchFamily="18" charset="0"/>
+                                    <a:cs typeface="Arial" panose="020B0604020202020204" pitchFamily="34" charset="0"/>
+                                  </a:rPr>
+                                  <m:t>𝑓</m:t>
+                                </m:r>
+                              </m:e>
+                            </m:acc>
+                          </m:e>
+                          <m:sub>
+                            <m:r>
+                              <a:rPr lang="en-US" sz="2000" b="0" i="1" smtClean="0">
+                                <a:latin typeface="Cambria Math" panose="02040503050406030204" pitchFamily="18" charset="0"/>
+                                <a:cs typeface="Arial" panose="020B0604020202020204" pitchFamily="34" charset="0"/>
+                              </a:rPr>
+                              <m:t>𝑘</m:t>
+                            </m:r>
+                            <m:r>
+                              <a:rPr lang="en-US" sz="2000" b="0" i="1" smtClean="0">
+                                <a:latin typeface="Cambria Math" panose="02040503050406030204" pitchFamily="18" charset="0"/>
+                                <a:cs typeface="Arial" panose="020B0604020202020204" pitchFamily="34" charset="0"/>
+                              </a:rPr>
+                              <m:t>1</m:t>
+                            </m:r>
+                          </m:sub>
+                        </m:sSub>
+                      </m:oMath>
+                    </m:oMathPara>
+                  </a14:m>
+                  <a:endParaRPr lang="en-US" sz="2000" dirty="0" smtClean="0">
+                    <a:latin typeface="Arial" panose="020B0604020202020204" pitchFamily="34" charset="0"/>
+                    <a:cs typeface="Arial" panose="020B0604020202020204" pitchFamily="34" charset="0"/>
+                  </a:endParaRPr>
+                </a:p>
+              </p:txBody>
+            </p:sp>
+          </mc:Choice>
+          <mc:Fallback>
+            <p:sp>
+              <p:nvSpPr>
+                <p:cNvPr id="68" name="TextBox 67"/>
+                <p:cNvSpPr txBox="1">
+                  <a:spLocks noRot="1" noChangeAspect="1" noMove="1" noResize="1" noEditPoints="1" noAdjustHandles="1" noChangeArrowheads="1" noChangeShapeType="1" noTextEdit="1"/>
+                </p:cNvSpPr>
+                <p:nvPr/>
+              </p:nvSpPr>
+              <p:spPr>
+                <a:xfrm>
+                  <a:off x="8161406" y="2481543"/>
+                  <a:ext cx="404983" cy="354071"/>
+                </a:xfrm>
+                <a:prstGeom prst="rect">
+                  <a:avLst/>
+                </a:prstGeom>
+                <a:blipFill>
+                  <a:blip r:embed="rId30"/>
+                  <a:stretch>
+                    <a:fillRect l="-19403" t="-34483" r="-50746" b="-31034"/>
+                  </a:stretch>
+                </a:blipFill>
+              </p:spPr>
+              <p:txBody>
+                <a:bodyPr/>
+                <a:lstStyle/>
+                <a:p>
+                  <a:r>
+                    <a:rPr lang="en-US">
+                      <a:noFill/>
+                    </a:rPr>
+                    <a:t> </a:t>
+                  </a:r>
+                </a:p>
+              </p:txBody>
+            </p:sp>
+          </mc:Fallback>
+        </mc:AlternateContent>
+        <mc:AlternateContent xmlns:mc="http://schemas.openxmlformats.org/markup-compatibility/2006">
+          <mc:Choice xmlns:a14="http://schemas.microsoft.com/office/drawing/2010/main" Requires="a14">
+            <p:sp>
+              <p:nvSpPr>
+                <p:cNvPr id="69" name="TextBox 68"/>
+                <p:cNvSpPr txBox="1"/>
+                <p:nvPr/>
+              </p:nvSpPr>
+              <p:spPr>
+                <a:xfrm>
+                  <a:off x="8795428" y="2809573"/>
+                  <a:ext cx="350481" cy="345159"/>
+                </a:xfrm>
+                <a:prstGeom prst="rect">
+                  <a:avLst/>
+                </a:prstGeom>
+                <a:noFill/>
+              </p:spPr>
+              <p:txBody>
+                <a:bodyPr wrap="none" lIns="0" tIns="0" rIns="0" bIns="0" rtlCol="0">
+                  <a:spAutoFit/>
+                </a:bodyPr>
+                <a:lstStyle/>
+                <a:p>
+                  <a:pPr/>
+                  <a14:m>
+                    <m:oMathPara xmlns:m="http://schemas.openxmlformats.org/officeDocument/2006/math">
+                      <m:oMathParaPr>
+                        <m:jc m:val="centerGroup"/>
+                      </m:oMathParaPr>
+                      <m:oMath xmlns:m="http://schemas.openxmlformats.org/officeDocument/2006/math">
+                        <m:sSub>
+                          <m:sSubPr>
+                            <m:ctrlPr>
+                              <a:rPr lang="en-US" sz="2000" b="0" i="1" smtClean="0">
+                                <a:latin typeface="Cambria Math" panose="02040503050406030204" pitchFamily="18" charset="0"/>
+                                <a:cs typeface="Arial" panose="020B0604020202020204" pitchFamily="34" charset="0"/>
+                              </a:rPr>
+                            </m:ctrlPr>
+                          </m:sSubPr>
+                          <m:e>
+                            <m:acc>
+                              <m:accPr>
+                                <m:chr m:val="⃗"/>
+                                <m:ctrlPr>
+                                  <a:rPr lang="en-US" sz="2000" b="0" i="1" smtClean="0">
+                                    <a:latin typeface="Cambria Math" panose="02040503050406030204" pitchFamily="18" charset="0"/>
+                                    <a:cs typeface="Arial" panose="020B0604020202020204" pitchFamily="34" charset="0"/>
+                                  </a:rPr>
+                                </m:ctrlPr>
+                              </m:accPr>
+                              <m:e>
+                                <m:r>
+                                  <a:rPr lang="en-US" sz="2000" b="0" i="1" smtClean="0">
+                                    <a:latin typeface="Cambria Math" panose="02040503050406030204" pitchFamily="18" charset="0"/>
+                                    <a:cs typeface="Arial" panose="020B0604020202020204" pitchFamily="34" charset="0"/>
+                                  </a:rPr>
+                                  <m:t>𝑁</m:t>
+                                </m:r>
+                              </m:e>
+                            </m:acc>
+                          </m:e>
+                          <m:sub>
+                            <m:r>
+                              <a:rPr lang="en-US" sz="2000" b="0" i="1" smtClean="0">
+                                <a:latin typeface="Cambria Math" panose="02040503050406030204" pitchFamily="18" charset="0"/>
+                                <a:cs typeface="Arial" panose="020B0604020202020204" pitchFamily="34" charset="0"/>
+                              </a:rPr>
+                              <m:t>1</m:t>
+                            </m:r>
+                          </m:sub>
+                        </m:sSub>
+                      </m:oMath>
+                    </m:oMathPara>
+                  </a14:m>
+                  <a:endParaRPr lang="en-US" sz="2000" dirty="0" smtClean="0">
+                    <a:latin typeface="Arial" panose="020B0604020202020204" pitchFamily="34" charset="0"/>
+                    <a:cs typeface="Arial" panose="020B0604020202020204" pitchFamily="34" charset="0"/>
+                  </a:endParaRPr>
+                </a:p>
+              </p:txBody>
+            </p:sp>
+          </mc:Choice>
+          <mc:Fallback>
+            <p:sp>
+              <p:nvSpPr>
+                <p:cNvPr id="69" name="TextBox 68"/>
+                <p:cNvSpPr txBox="1">
+                  <a:spLocks noRot="1" noChangeAspect="1" noMove="1" noResize="1" noEditPoints="1" noAdjustHandles="1" noChangeArrowheads="1" noChangeShapeType="1" noTextEdit="1"/>
+                </p:cNvSpPr>
+                <p:nvPr/>
+              </p:nvSpPr>
+              <p:spPr>
+                <a:xfrm>
+                  <a:off x="8795428" y="2809573"/>
+                  <a:ext cx="350481" cy="345159"/>
+                </a:xfrm>
+                <a:prstGeom prst="rect">
+                  <a:avLst/>
+                </a:prstGeom>
+                <a:blipFill>
+                  <a:blip r:embed="rId31"/>
+                  <a:stretch>
+                    <a:fillRect l="-13793" r="-5172" b="-17857"/>
+                  </a:stretch>
+                </a:blipFill>
+              </p:spPr>
+              <p:txBody>
+                <a:bodyPr/>
+                <a:lstStyle/>
+                <a:p>
+                  <a:r>
+                    <a:rPr lang="en-US">
+                      <a:noFill/>
+                    </a:rPr>
+                    <a:t> </a:t>
+                  </a:r>
+                </a:p>
+              </p:txBody>
+            </p:sp>
+          </mc:Fallback>
+        </mc:AlternateContent>
+        <mc:AlternateContent xmlns:mc="http://schemas.openxmlformats.org/markup-compatibility/2006">
+          <mc:Choice xmlns:a14="http://schemas.microsoft.com/office/drawing/2010/main" Requires="a14">
+            <p:sp>
+              <p:nvSpPr>
+                <p:cNvPr id="71" name="TextBox 70"/>
+                <p:cNvSpPr txBox="1"/>
+                <p:nvPr/>
+              </p:nvSpPr>
+              <p:spPr>
+                <a:xfrm>
+                  <a:off x="8047223" y="3637920"/>
+                  <a:ext cx="431721" cy="377219"/>
+                </a:xfrm>
+                <a:prstGeom prst="rect">
+                  <a:avLst/>
+                </a:prstGeom>
+                <a:noFill/>
+              </p:spPr>
+              <p:txBody>
+                <a:bodyPr wrap="none" lIns="0" tIns="0" rIns="0" bIns="0" rtlCol="0">
+                  <a:spAutoFit/>
+                </a:bodyPr>
+                <a:lstStyle/>
+                <a:p>
+                  <a:pPr/>
+                  <a14:m>
+                    <m:oMathPara xmlns:m="http://schemas.openxmlformats.org/officeDocument/2006/math">
+                      <m:oMathParaPr>
+                        <m:jc m:val="centerGroup"/>
+                      </m:oMathParaPr>
+                      <m:oMath xmlns:m="http://schemas.openxmlformats.org/officeDocument/2006/math">
+                        <m:sSub>
+                          <m:sSubPr>
+                            <m:ctrlPr>
+                              <a:rPr lang="en-US" sz="2000" b="0" i="1" smtClean="0">
+                                <a:latin typeface="Cambria Math" panose="02040503050406030204" pitchFamily="18" charset="0"/>
+                                <a:cs typeface="Arial" panose="020B0604020202020204" pitchFamily="34" charset="0"/>
+                              </a:rPr>
+                            </m:ctrlPr>
+                          </m:sSubPr>
+                          <m:e>
+                            <m:acc>
+                              <m:accPr>
+                                <m:chr m:val="⃗"/>
+                                <m:ctrlPr>
+                                  <a:rPr lang="en-US" sz="2000" b="0" i="1" smtClean="0">
+                                    <a:latin typeface="Cambria Math" panose="02040503050406030204" pitchFamily="18" charset="0"/>
+                                    <a:cs typeface="Arial" panose="020B0604020202020204" pitchFamily="34" charset="0"/>
+                                  </a:rPr>
+                                </m:ctrlPr>
+                              </m:accPr>
+                              <m:e>
+                                <m:r>
+                                  <a:rPr lang="en-US" sz="2000" b="0" i="1" smtClean="0">
+                                    <a:latin typeface="Cambria Math" panose="02040503050406030204" pitchFamily="18" charset="0"/>
+                                    <a:cs typeface="Arial" panose="020B0604020202020204" pitchFamily="34" charset="0"/>
+                                  </a:rPr>
+                                  <m:t>𝐹</m:t>
+                                </m:r>
+                              </m:e>
+                            </m:acc>
+                          </m:e>
+                          <m:sub>
+                            <m:r>
+                              <a:rPr lang="en-US" sz="2000" b="0" i="1" smtClean="0">
+                                <a:latin typeface="Cambria Math" panose="02040503050406030204" pitchFamily="18" charset="0"/>
+                                <a:cs typeface="Arial" panose="020B0604020202020204" pitchFamily="34" charset="0"/>
+                              </a:rPr>
+                              <m:t>𝑔</m:t>
+                            </m:r>
+                            <m:r>
+                              <a:rPr lang="en-US" sz="2000" b="0" i="1" smtClean="0">
+                                <a:latin typeface="Cambria Math" panose="02040503050406030204" pitchFamily="18" charset="0"/>
+                                <a:cs typeface="Arial" panose="020B0604020202020204" pitchFamily="34" charset="0"/>
+                              </a:rPr>
+                              <m:t>1</m:t>
+                            </m:r>
+                          </m:sub>
+                        </m:sSub>
+                      </m:oMath>
+                    </m:oMathPara>
+                  </a14:m>
+                  <a:endParaRPr lang="en-US" sz="2000" dirty="0" smtClean="0">
+                    <a:latin typeface="Arial" panose="020B0604020202020204" pitchFamily="34" charset="0"/>
+                    <a:cs typeface="Arial" panose="020B0604020202020204" pitchFamily="34" charset="0"/>
+                  </a:endParaRPr>
+                </a:p>
+              </p:txBody>
+            </p:sp>
+          </mc:Choice>
+          <mc:Fallback>
+            <p:sp>
+              <p:nvSpPr>
+                <p:cNvPr id="71" name="TextBox 70"/>
+                <p:cNvSpPr txBox="1">
+                  <a:spLocks noRot="1" noChangeAspect="1" noMove="1" noResize="1" noEditPoints="1" noAdjustHandles="1" noChangeArrowheads="1" noChangeShapeType="1" noTextEdit="1"/>
+                </p:cNvSpPr>
+                <p:nvPr/>
+              </p:nvSpPr>
+              <p:spPr>
+                <a:xfrm>
+                  <a:off x="8047223" y="3637920"/>
+                  <a:ext cx="431721" cy="377219"/>
+                </a:xfrm>
+                <a:prstGeom prst="rect">
+                  <a:avLst/>
+                </a:prstGeom>
+                <a:blipFill>
+                  <a:blip r:embed="rId32"/>
+                  <a:stretch>
+                    <a:fillRect l="-12857" t="-32787" r="-41429" b="-22951"/>
+                  </a:stretch>
+                </a:blipFill>
+              </p:spPr>
+              <p:txBody>
+                <a:bodyPr/>
+                <a:lstStyle/>
+                <a:p>
+                  <a:r>
+                    <a:rPr lang="en-US">
+                      <a:noFill/>
+                    </a:rPr>
+                    <a:t> </a:t>
+                  </a:r>
+                </a:p>
+              </p:txBody>
+            </p:sp>
+          </mc:Fallback>
+        </mc:AlternateContent>
+        <mc:AlternateContent xmlns:mc="http://schemas.openxmlformats.org/markup-compatibility/2006">
+          <mc:Choice xmlns:a14="http://schemas.microsoft.com/office/drawing/2010/main" Requires="a14">
+            <p:sp>
+              <p:nvSpPr>
+                <p:cNvPr id="77" name="TextBox 76"/>
+                <p:cNvSpPr txBox="1"/>
+                <p:nvPr/>
+              </p:nvSpPr>
+              <p:spPr>
+                <a:xfrm>
+                  <a:off x="8766656" y="3482418"/>
+                  <a:ext cx="228460" cy="345159"/>
+                </a:xfrm>
+                <a:prstGeom prst="rect">
+                  <a:avLst/>
+                </a:prstGeom>
+                <a:noFill/>
+              </p:spPr>
+              <p:txBody>
+                <a:bodyPr wrap="none" lIns="0" tIns="0" rIns="0" bIns="0" rtlCol="0">
+                  <a:spAutoFit/>
+                </a:bodyPr>
+                <a:lstStyle/>
+                <a:p>
+                  <a:pPr/>
+                  <a14:m>
+                    <m:oMathPara xmlns:m="http://schemas.openxmlformats.org/officeDocument/2006/math">
+                      <m:oMathParaPr>
+                        <m:jc m:val="centerGroup"/>
+                      </m:oMathParaPr>
+                      <m:oMath xmlns:m="http://schemas.openxmlformats.org/officeDocument/2006/math">
+                        <m:acc>
+                          <m:accPr>
+                            <m:chr m:val="⃗"/>
+                            <m:ctrlPr>
+                              <a:rPr lang="en-US" sz="2000" b="0" i="1" smtClean="0">
+                                <a:latin typeface="Cambria Math" panose="02040503050406030204" pitchFamily="18" charset="0"/>
+                                <a:cs typeface="Arial" panose="020B0604020202020204" pitchFamily="34" charset="0"/>
+                              </a:rPr>
+                            </m:ctrlPr>
+                          </m:accPr>
+                          <m:e>
+                            <m:r>
+                              <a:rPr lang="en-US" sz="2000" b="0" i="1" smtClean="0">
+                                <a:latin typeface="Cambria Math" panose="02040503050406030204" pitchFamily="18" charset="0"/>
+                                <a:cs typeface="Arial" panose="020B0604020202020204" pitchFamily="34" charset="0"/>
+                              </a:rPr>
+                              <m:t>𝑇</m:t>
+                            </m:r>
+                          </m:e>
+                        </m:acc>
+                      </m:oMath>
+                    </m:oMathPara>
+                  </a14:m>
+                  <a:endParaRPr lang="en-US" sz="2000" dirty="0" smtClean="0">
+                    <a:latin typeface="Arial" panose="020B0604020202020204" pitchFamily="34" charset="0"/>
+                    <a:cs typeface="Arial" panose="020B0604020202020204" pitchFamily="34" charset="0"/>
+                  </a:endParaRPr>
+                </a:p>
+              </p:txBody>
+            </p:sp>
+          </mc:Choice>
+          <mc:Fallback>
+            <p:sp>
+              <p:nvSpPr>
+                <p:cNvPr id="77" name="TextBox 76"/>
+                <p:cNvSpPr txBox="1">
+                  <a:spLocks noRot="1" noChangeAspect="1" noMove="1" noResize="1" noEditPoints="1" noAdjustHandles="1" noChangeArrowheads="1" noChangeShapeType="1" noTextEdit="1"/>
+                </p:cNvSpPr>
+                <p:nvPr/>
+              </p:nvSpPr>
+              <p:spPr>
+                <a:xfrm>
+                  <a:off x="8766656" y="3482418"/>
+                  <a:ext cx="228460" cy="345159"/>
+                </a:xfrm>
+                <a:prstGeom prst="rect">
+                  <a:avLst/>
+                </a:prstGeom>
+                <a:blipFill>
+                  <a:blip r:embed="rId33"/>
+                  <a:stretch>
+                    <a:fillRect l="-24324" r="-21622" b="-8772"/>
+                  </a:stretch>
+                </a:blipFill>
+              </p:spPr>
+              <p:txBody>
+                <a:bodyPr/>
+                <a:lstStyle/>
+                <a:p>
+                  <a:r>
+                    <a:rPr lang="en-US">
+                      <a:noFill/>
+                    </a:rPr>
+                    <a:t> </a:t>
+                  </a:r>
+                </a:p>
+              </p:txBody>
+            </p:sp>
+          </mc:Fallback>
+        </mc:AlternateContent>
+        <mc:AlternateContent xmlns:mc="http://schemas.openxmlformats.org/markup-compatibility/2006">
+          <mc:Choice xmlns:a14="http://schemas.microsoft.com/office/drawing/2010/main" Requires="a14">
+            <p:sp>
+              <p:nvSpPr>
+                <p:cNvPr id="96" name="TextBox 95"/>
+                <p:cNvSpPr txBox="1"/>
+                <p:nvPr/>
+              </p:nvSpPr>
+              <p:spPr>
+                <a:xfrm>
+                  <a:off x="8321026" y="4113054"/>
+                  <a:ext cx="399019" cy="307777"/>
+                </a:xfrm>
+                <a:prstGeom prst="rect">
+                  <a:avLst/>
+                </a:prstGeom>
+                <a:noFill/>
+              </p:spPr>
+              <p:txBody>
+                <a:bodyPr wrap="none" lIns="0" tIns="0" rIns="0" bIns="0" rtlCol="0">
+                  <a:spAutoFit/>
+                </a:bodyPr>
+                <a:lstStyle/>
+                <a:p>
+                  <a:pPr/>
+                  <a14:m>
+                    <m:oMathPara xmlns:m="http://schemas.openxmlformats.org/officeDocument/2006/math">
+                      <m:oMathParaPr>
+                        <m:jc m:val="centerGroup"/>
+                      </m:oMathParaPr>
+                      <m:oMath xmlns:m="http://schemas.openxmlformats.org/officeDocument/2006/math">
+                        <m:sSub>
+                          <m:sSubPr>
+                            <m:ctrlPr>
+                              <a:rPr lang="en-US" sz="2000" b="0" i="1" smtClean="0">
+                                <a:latin typeface="Cambria Math" panose="02040503050406030204" pitchFamily="18" charset="0"/>
+                                <a:cs typeface="Arial" panose="020B0604020202020204" pitchFamily="34" charset="0"/>
+                              </a:rPr>
+                            </m:ctrlPr>
+                          </m:sSubPr>
+                          <m:e>
+                            <m:r>
+                              <a:rPr lang="en-US" sz="2000" b="0" i="1" smtClean="0">
+                                <a:latin typeface="Cambria Math" panose="02040503050406030204" pitchFamily="18" charset="0"/>
+                                <a:cs typeface="Arial" panose="020B0604020202020204" pitchFamily="34" charset="0"/>
+                              </a:rPr>
+                              <m:t>𝑚</m:t>
+                            </m:r>
+                          </m:e>
+                          <m:sub>
+                            <m:r>
+                              <a:rPr lang="en-US" sz="2000" b="0" i="1" smtClean="0">
+                                <a:latin typeface="Cambria Math" panose="02040503050406030204" pitchFamily="18" charset="0"/>
+                                <a:cs typeface="Arial" panose="020B0604020202020204" pitchFamily="34" charset="0"/>
+                              </a:rPr>
+                              <m:t>1</m:t>
+                            </m:r>
+                          </m:sub>
+                        </m:sSub>
+                      </m:oMath>
+                    </m:oMathPara>
+                  </a14:m>
+                  <a:endParaRPr lang="en-US" sz="2000" dirty="0" smtClean="0">
+                    <a:latin typeface="Arial" panose="020B0604020202020204" pitchFamily="34" charset="0"/>
+                    <a:cs typeface="Arial" panose="020B0604020202020204" pitchFamily="34" charset="0"/>
+                  </a:endParaRPr>
+                </a:p>
+              </p:txBody>
+            </p:sp>
+          </mc:Choice>
+          <mc:Fallback>
+            <p:sp>
+              <p:nvSpPr>
+                <p:cNvPr id="96" name="TextBox 95"/>
+                <p:cNvSpPr txBox="1">
+                  <a:spLocks noRot="1" noChangeAspect="1" noMove="1" noResize="1" noEditPoints="1" noAdjustHandles="1" noChangeArrowheads="1" noChangeShapeType="1" noTextEdit="1"/>
+                </p:cNvSpPr>
+                <p:nvPr/>
+              </p:nvSpPr>
+              <p:spPr>
+                <a:xfrm>
+                  <a:off x="8321026" y="4113054"/>
+                  <a:ext cx="399019" cy="307777"/>
+                </a:xfrm>
+                <a:prstGeom prst="rect">
+                  <a:avLst/>
+                </a:prstGeom>
+                <a:blipFill>
+                  <a:blip r:embed="rId34"/>
+                  <a:stretch>
+                    <a:fillRect l="-7692" r="-4615" b="-20000"/>
+                  </a:stretch>
+                </a:blipFill>
+              </p:spPr>
+              <p:txBody>
+                <a:bodyPr/>
+                <a:lstStyle/>
+                <a:p>
+                  <a:r>
+                    <a:rPr lang="en-US">
+                      <a:noFill/>
+                    </a:rPr>
+                    <a:t> </a:t>
+                  </a:r>
+                </a:p>
+              </p:txBody>
+            </p:sp>
+          </mc:Fallback>
+        </mc:AlternateContent>
+        <p:sp>
+          <p:nvSpPr>
+            <p:cNvPr id="98" name="Right Arrow 97"/>
+            <p:cNvSpPr/>
+            <p:nvPr/>
+          </p:nvSpPr>
+          <p:spPr>
+            <a:xfrm rot="2596491">
+              <a:off x="8481070" y="2260015"/>
+              <a:ext cx="700928" cy="118979"/>
+            </a:xfrm>
+            <a:prstGeom prst="rightArrow">
+              <a:avLst/>
+            </a:prstGeom>
+            <a:solidFill>
+              <a:schemeClr val="tx1"/>
+            </a:solidFill>
+            <a:ln w="38100">
+              <a:solidFill>
+                <a:schemeClr val="tx1"/>
+              </a:solidFill>
+            </a:ln>
+          </p:spPr>
+          <p:style>
+            <a:lnRef idx="2">
+              <a:schemeClr val="accent1">
+                <a:shade val="50000"/>
+              </a:schemeClr>
+            </a:lnRef>
+            <a:fillRef idx="1">
+              <a:schemeClr val="accent1"/>
+            </a:fillRef>
+            <a:effectRef idx="0">
+              <a:schemeClr val="accent1"/>
+            </a:effectRef>
+            <a:fontRef idx="minor">
+              <a:schemeClr val="lt1"/>
+            </a:fontRef>
+          </p:style>
+          <p:txBody>
+            <a:bodyPr rtlCol="0" anchor="ctr"/>
+            <a:lstStyle/>
+            <a:p>
+              <a:pPr algn="ctr"/>
+              <a:endParaRPr lang="en-US"/>
+            </a:p>
+          </p:txBody>
+        </p:sp>
+        <mc:AlternateContent xmlns:mc="http://schemas.openxmlformats.org/markup-compatibility/2006">
+          <mc:Choice xmlns:a14="http://schemas.microsoft.com/office/drawing/2010/main" Requires="a14">
+            <p:sp>
+              <p:nvSpPr>
+                <p:cNvPr id="99" name="TextBox 98"/>
+                <p:cNvSpPr txBox="1"/>
+                <p:nvPr/>
+              </p:nvSpPr>
+              <p:spPr>
+                <a:xfrm>
+                  <a:off x="8821907" y="1973581"/>
+                  <a:ext cx="219483" cy="307777"/>
+                </a:xfrm>
+                <a:prstGeom prst="rect">
+                  <a:avLst/>
+                </a:prstGeom>
+                <a:noFill/>
+              </p:spPr>
+              <p:txBody>
+                <a:bodyPr wrap="none" lIns="0" tIns="0" rIns="0" bIns="0" rtlCol="0">
+                  <a:spAutoFit/>
+                </a:bodyPr>
+                <a:lstStyle/>
+                <a:p>
+                  <a:pPr/>
+                  <a14:m>
+                    <m:oMathPara xmlns:m="http://schemas.openxmlformats.org/officeDocument/2006/math">
+                      <m:oMathParaPr>
+                        <m:jc m:val="centerGroup"/>
+                      </m:oMathParaPr>
+                      <m:oMath xmlns:m="http://schemas.openxmlformats.org/officeDocument/2006/math">
+                        <m:acc>
+                          <m:accPr>
+                            <m:chr m:val="⃗"/>
+                            <m:ctrlPr>
+                              <a:rPr lang="en-US" sz="2000" b="0" i="1" smtClean="0">
+                                <a:latin typeface="Cambria Math" panose="02040503050406030204" pitchFamily="18" charset="0"/>
+                                <a:cs typeface="Arial" panose="020B0604020202020204" pitchFamily="34" charset="0"/>
+                              </a:rPr>
+                            </m:ctrlPr>
+                          </m:accPr>
+                          <m:e>
+                            <m:r>
+                              <a:rPr lang="en-US" sz="2000" b="0" i="1" smtClean="0">
+                                <a:latin typeface="Cambria Math" panose="02040503050406030204" pitchFamily="18" charset="0"/>
+                                <a:cs typeface="Arial" panose="020B0604020202020204" pitchFamily="34" charset="0"/>
+                              </a:rPr>
+                              <m:t>𝑎</m:t>
+                            </m:r>
+                          </m:e>
+                        </m:acc>
+                      </m:oMath>
+                    </m:oMathPara>
+                  </a14:m>
+                  <a:endParaRPr lang="en-US" sz="2000" dirty="0" smtClean="0">
+                    <a:latin typeface="Arial" panose="020B0604020202020204" pitchFamily="34" charset="0"/>
+                    <a:cs typeface="Arial" panose="020B0604020202020204" pitchFamily="34" charset="0"/>
+                  </a:endParaRPr>
+                </a:p>
+              </p:txBody>
+            </p:sp>
+          </mc:Choice>
+          <mc:Fallback>
+            <p:sp>
+              <p:nvSpPr>
+                <p:cNvPr id="99" name="TextBox 98"/>
+                <p:cNvSpPr txBox="1">
+                  <a:spLocks noRot="1" noChangeAspect="1" noMove="1" noResize="1" noEditPoints="1" noAdjustHandles="1" noChangeArrowheads="1" noChangeShapeType="1" noTextEdit="1"/>
+                </p:cNvSpPr>
+                <p:nvPr/>
+              </p:nvSpPr>
+              <p:spPr>
+                <a:xfrm>
+                  <a:off x="8821907" y="1973581"/>
+                  <a:ext cx="219483" cy="307777"/>
+                </a:xfrm>
+                <a:prstGeom prst="rect">
+                  <a:avLst/>
+                </a:prstGeom>
+                <a:blipFill>
+                  <a:blip r:embed="rId35"/>
+                  <a:stretch>
+                    <a:fillRect l="-22222" t="-36000" r="-91667" b="-6000"/>
+                  </a:stretch>
+                </a:blipFill>
+              </p:spPr>
+              <p:txBody>
+                <a:bodyPr/>
+                <a:lstStyle/>
+                <a:p>
+                  <a:r>
+                    <a:rPr lang="en-US">
+                      <a:noFill/>
+                    </a:rPr>
+                    <a:t> </a:t>
+                  </a:r>
+                </a:p>
+              </p:txBody>
+            </p:sp>
+          </mc:Fallback>
+        </mc:AlternateContent>
+        <p:cxnSp>
+          <p:nvCxnSpPr>
+            <p:cNvPr id="50" name="Straight Connector 49"/>
+            <p:cNvCxnSpPr/>
+            <p:nvPr/>
+          </p:nvCxnSpPr>
+          <p:spPr>
+            <a:xfrm flipH="1">
+              <a:off x="8003351" y="3145776"/>
+              <a:ext cx="451627" cy="450686"/>
+            </a:xfrm>
+            <a:prstGeom prst="line">
+              <a:avLst/>
+            </a:prstGeom>
+            <a:ln w="19050">
+              <a:solidFill>
+                <a:schemeClr val="tx1"/>
+              </a:solidFill>
+              <a:prstDash val="sysDot"/>
+            </a:ln>
+          </p:spPr>
+          <p:style>
+            <a:lnRef idx="1">
+              <a:schemeClr val="accent1"/>
+            </a:lnRef>
+            <a:fillRef idx="0">
+              <a:schemeClr val="accent1"/>
+            </a:fillRef>
+            <a:effectRef idx="0">
+              <a:schemeClr val="accent1"/>
+            </a:effectRef>
+            <a:fontRef idx="minor">
+              <a:schemeClr val="tx1"/>
+            </a:fontRef>
+          </p:style>
+        </p:cxnSp>
+        <mc:AlternateContent xmlns:mc="http://schemas.openxmlformats.org/markup-compatibility/2006">
+          <mc:Choice xmlns:a14="http://schemas.microsoft.com/office/drawing/2010/main" Requires="a14">
+            <p:sp>
+              <p:nvSpPr>
+                <p:cNvPr id="53" name="Rectangle 52"/>
+                <p:cNvSpPr/>
+                <p:nvPr/>
+              </p:nvSpPr>
+              <p:spPr>
+                <a:xfrm>
+                  <a:off x="8170363" y="3243045"/>
+                  <a:ext cx="394147" cy="400110"/>
+                </a:xfrm>
+                <a:prstGeom prst="rect">
+                  <a:avLst/>
+                </a:prstGeom>
+              </p:spPr>
+              <p:txBody>
+                <a:bodyPr wrap="none">
+                  <a:spAutoFit/>
+                </a:bodyPr>
+                <a:lstStyle/>
+                <a:p>
+                  <a:pPr/>
+                  <a14:m>
+                    <m:oMathPara xmlns:m="http://schemas.openxmlformats.org/officeDocument/2006/math">
+                      <m:oMathParaPr>
+                        <m:jc m:val="centerGroup"/>
+                      </m:oMathParaPr>
+                      <m:oMath xmlns:m="http://schemas.openxmlformats.org/officeDocument/2006/math">
+                        <m:r>
+                          <a:rPr lang="en-US" sz="2000" i="1" smtClean="0">
+                            <a:latin typeface="Cambria Math" panose="02040503050406030204" pitchFamily="18" charset="0"/>
+                          </a:rPr>
+                          <m:t>𝜃</m:t>
+                        </m:r>
+                      </m:oMath>
+                    </m:oMathPara>
+                  </a14:m>
+                  <a:endParaRPr lang="en-CA" sz="2000" dirty="0"/>
+                </a:p>
+              </p:txBody>
+            </p:sp>
+          </mc:Choice>
+          <mc:Fallback>
+            <p:sp>
+              <p:nvSpPr>
+                <p:cNvPr id="53" name="Rectangle 52"/>
+                <p:cNvSpPr>
+                  <a:spLocks noRot="1" noChangeAspect="1" noMove="1" noResize="1" noEditPoints="1" noAdjustHandles="1" noChangeArrowheads="1" noChangeShapeType="1" noTextEdit="1"/>
+                </p:cNvSpPr>
+                <p:nvPr/>
+              </p:nvSpPr>
+              <p:spPr>
+                <a:xfrm>
+                  <a:off x="8170363" y="3243045"/>
+                  <a:ext cx="394147" cy="400110"/>
+                </a:xfrm>
+                <a:prstGeom prst="rect">
+                  <a:avLst/>
+                </a:prstGeom>
+                <a:blipFill>
+                  <a:blip r:embed="rId36"/>
+                  <a:stretch>
+                    <a:fillRect/>
+                  </a:stretch>
+                </a:blipFill>
+              </p:spPr>
+              <p:txBody>
+                <a:bodyPr/>
+                <a:lstStyle/>
+                <a:p>
+                  <a:r>
+                    <a:rPr lang="en-US">
+                      <a:noFill/>
+                    </a:rPr>
+                    <a:t> </a:t>
+                  </a:r>
+                </a:p>
+              </p:txBody>
+            </p:sp>
+          </mc:Fallback>
+        </mc:AlternateContent>
+        <p:grpSp>
+          <p:nvGrpSpPr>
+            <p:cNvPr id="111" name="Group 110"/>
+            <p:cNvGrpSpPr/>
+            <p:nvPr/>
+          </p:nvGrpSpPr>
+          <p:grpSpPr>
+            <a:xfrm rot="2579501">
+              <a:off x="7312230" y="3820033"/>
+              <a:ext cx="898789" cy="709995"/>
+              <a:chOff x="758520" y="708040"/>
+              <a:chExt cx="2596102" cy="2135605"/>
+            </a:xfrm>
+          </p:grpSpPr>
+          <p:grpSp>
+            <p:nvGrpSpPr>
+              <p:cNvPr id="112" name="Group 111"/>
+              <p:cNvGrpSpPr/>
+              <p:nvPr/>
+            </p:nvGrpSpPr>
+            <p:grpSpPr>
+              <a:xfrm>
+                <a:off x="758520" y="708040"/>
+                <a:ext cx="2596102" cy="2135605"/>
+                <a:chOff x="785815" y="680744"/>
+                <a:chExt cx="2596102" cy="2135605"/>
+              </a:xfrm>
+            </p:grpSpPr>
+            <p:cxnSp>
+              <p:nvCxnSpPr>
+                <p:cNvPr id="115" name="Straight Arrow Connector 114"/>
+                <p:cNvCxnSpPr/>
+                <p:nvPr/>
+              </p:nvCxnSpPr>
+              <p:spPr>
+                <a:xfrm flipV="1">
+                  <a:off x="1516583" y="680744"/>
+                  <a:ext cx="7683" cy="1859535"/>
+                </a:xfrm>
+                <a:prstGeom prst="straightConnector1">
+                  <a:avLst/>
+                </a:prstGeom>
+                <a:ln w="38100">
+                  <a:solidFill>
+                    <a:schemeClr val="tx1"/>
+                  </a:solidFill>
+                  <a:tailEnd type="triangle"/>
+                </a:ln>
+              </p:spPr>
+              <p:style>
+                <a:lnRef idx="1">
+                  <a:schemeClr val="accent1"/>
+                </a:lnRef>
+                <a:fillRef idx="0">
+                  <a:schemeClr val="accent1"/>
+                </a:fillRef>
+                <a:effectRef idx="0">
+                  <a:schemeClr val="accent1"/>
+                </a:effectRef>
+                <a:fontRef idx="minor">
+                  <a:schemeClr val="tx1"/>
+                </a:fontRef>
+              </p:style>
+            </p:cxnSp>
+            <p:cxnSp>
+              <p:nvCxnSpPr>
+                <p:cNvPr id="120" name="Straight Arrow Connector 119"/>
+                <p:cNvCxnSpPr/>
+                <p:nvPr/>
+              </p:nvCxnSpPr>
+              <p:spPr>
+                <a:xfrm flipV="1">
+                  <a:off x="1507013" y="2535259"/>
+                  <a:ext cx="1874904" cy="1"/>
+                </a:xfrm>
+                <a:prstGeom prst="straightConnector1">
+                  <a:avLst/>
+                </a:prstGeom>
+                <a:ln w="38100">
+                  <a:solidFill>
+                    <a:schemeClr val="tx1"/>
+                  </a:solidFill>
+                  <a:tailEnd type="triangle"/>
+                </a:ln>
+              </p:spPr>
+              <p:style>
+                <a:lnRef idx="1">
+                  <a:schemeClr val="accent1"/>
+                </a:lnRef>
+                <a:fillRef idx="0">
+                  <a:schemeClr val="accent1"/>
+                </a:fillRef>
+                <a:effectRef idx="0">
+                  <a:schemeClr val="accent1"/>
+                </a:effectRef>
+                <a:fontRef idx="minor">
+                  <a:schemeClr val="tx1"/>
+                </a:fontRef>
+              </p:style>
+            </p:cxnSp>
+            <mc:AlternateContent xmlns:mc="http://schemas.openxmlformats.org/markup-compatibility/2006">
+              <mc:Choice xmlns:a14="http://schemas.microsoft.com/office/drawing/2010/main" Requires="a14">
+                <p:sp>
+                  <p:nvSpPr>
+                    <p:cNvPr id="121" name="Rectangle 120"/>
+                    <p:cNvSpPr/>
+                    <p:nvPr/>
+                  </p:nvSpPr>
+                  <p:spPr>
+                    <a:xfrm>
+                      <a:off x="2697555" y="2447016"/>
+                      <a:ext cx="367985" cy="369333"/>
+                    </a:xfrm>
+                    <a:prstGeom prst="rect">
+                      <a:avLst/>
+                    </a:prstGeom>
+                  </p:spPr>
+                  <p:txBody>
+                    <a:bodyPr wrap="none">
+                      <a:spAutoFit/>
+                    </a:bodyPr>
+                    <a:lstStyle/>
+                    <a:p>
+                      <a:pPr/>
+                      <a14:m>
+                        <m:oMathPara xmlns:m="http://schemas.openxmlformats.org/officeDocument/2006/math">
+                          <m:oMathParaPr>
+                            <m:jc m:val="centerGroup"/>
+                          </m:oMathParaPr>
+                          <m:oMath xmlns:m="http://schemas.openxmlformats.org/officeDocument/2006/math">
+                            <m:r>
+                              <a:rPr lang="en-US" i="1">
+                                <a:latin typeface="Cambria Math" panose="02040503050406030204" pitchFamily="18" charset="0"/>
+                                <a:cs typeface="Arial" panose="020B0604020202020204" pitchFamily="34" charset="0"/>
+                              </a:rPr>
+                              <m:t>𝑥</m:t>
+                            </m:r>
+                          </m:oMath>
+                        </m:oMathPara>
+                      </a14:m>
+                      <a:endParaRPr lang="en-CA" dirty="0"/>
+                    </a:p>
+                  </p:txBody>
+                </p:sp>
+              </mc:Choice>
+              <mc:Fallback>
+                <p:sp>
+                  <p:nvSpPr>
+                    <p:cNvPr id="121" name="Rectangle 120"/>
+                    <p:cNvSpPr>
+                      <a:spLocks noRot="1" noChangeAspect="1" noMove="1" noResize="1" noEditPoints="1" noAdjustHandles="1" noChangeArrowheads="1" noChangeShapeType="1" noTextEdit="1"/>
+                    </p:cNvSpPr>
+                    <p:nvPr/>
+                  </p:nvSpPr>
+                  <p:spPr>
+                    <a:xfrm>
+                      <a:off x="2697555" y="2447016"/>
+                      <a:ext cx="367985" cy="369333"/>
+                    </a:xfrm>
+                    <a:prstGeom prst="rect">
+                      <a:avLst/>
+                    </a:prstGeom>
+                    <a:blipFill>
+                      <a:blip r:embed="rId37"/>
+                      <a:stretch>
+                        <a:fillRect l="-70000" r="-3333" b="-120000"/>
+                      </a:stretch>
+                    </a:blipFill>
+                  </p:spPr>
+                  <p:txBody>
+                    <a:bodyPr/>
+                    <a:lstStyle/>
+                    <a:p>
+                      <a:r>
+                        <a:rPr lang="en-US">
+                          <a:noFill/>
+                        </a:rPr>
+                        <a:t> </a:t>
+                      </a:r>
+                    </a:p>
+                  </p:txBody>
+                </p:sp>
+              </mc:Fallback>
+            </mc:AlternateContent>
+            <mc:AlternateContent xmlns:mc="http://schemas.openxmlformats.org/markup-compatibility/2006">
+              <mc:Choice xmlns:a14="http://schemas.microsoft.com/office/drawing/2010/main" Requires="a14">
+                <p:sp>
+                  <p:nvSpPr>
+                    <p:cNvPr id="122" name="Rectangle 121"/>
+                    <p:cNvSpPr/>
+                    <p:nvPr/>
+                  </p:nvSpPr>
+                  <p:spPr>
+                    <a:xfrm>
+                      <a:off x="785815" y="912420"/>
+                      <a:ext cx="371385" cy="369333"/>
+                    </a:xfrm>
+                    <a:prstGeom prst="rect">
+                      <a:avLst/>
+                    </a:prstGeom>
+                  </p:spPr>
+                  <p:txBody>
+                    <a:bodyPr wrap="none">
+                      <a:spAutoFit/>
+                    </a:bodyPr>
+                    <a:lstStyle/>
+                    <a:p>
+                      <a:pPr/>
+                      <a14:m>
+                        <m:oMathPara xmlns:m="http://schemas.openxmlformats.org/officeDocument/2006/math">
+                          <m:oMathParaPr>
+                            <m:jc m:val="centerGroup"/>
+                          </m:oMathParaPr>
+                          <m:oMath xmlns:m="http://schemas.openxmlformats.org/officeDocument/2006/math">
+                            <m:r>
+                              <a:rPr lang="en-US" b="0" i="1" smtClean="0">
+                                <a:latin typeface="Cambria Math" panose="02040503050406030204" pitchFamily="18" charset="0"/>
+                              </a:rPr>
+                              <m:t>𝑦</m:t>
+                            </m:r>
+                          </m:oMath>
+                        </m:oMathPara>
+                      </a14:m>
+                      <a:endParaRPr lang="en-CA" dirty="0"/>
+                    </a:p>
+                  </p:txBody>
+                </p:sp>
+              </mc:Choice>
+              <mc:Fallback>
+                <p:sp>
+                  <p:nvSpPr>
+                    <p:cNvPr id="122" name="Rectangle 121"/>
+                    <p:cNvSpPr>
+                      <a:spLocks noRot="1" noChangeAspect="1" noMove="1" noResize="1" noEditPoints="1" noAdjustHandles="1" noChangeArrowheads="1" noChangeShapeType="1" noTextEdit="1"/>
+                    </p:cNvSpPr>
+                    <p:nvPr/>
+                  </p:nvSpPr>
+                  <p:spPr>
+                    <a:xfrm>
+                      <a:off x="785815" y="912420"/>
+                      <a:ext cx="371385" cy="369333"/>
+                    </a:xfrm>
+                    <a:prstGeom prst="rect">
+                      <a:avLst/>
+                    </a:prstGeom>
+                    <a:blipFill>
+                      <a:blip r:embed="rId38"/>
+                      <a:stretch>
+                        <a:fillRect l="-106667" r="-20000" b="-160000"/>
+                      </a:stretch>
+                    </a:blipFill>
+                  </p:spPr>
+                  <p:txBody>
+                    <a:bodyPr/>
+                    <a:lstStyle/>
+                    <a:p>
+                      <a:r>
+                        <a:rPr lang="en-US">
+                          <a:noFill/>
+                        </a:rPr>
+                        <a:t> </a:t>
+                      </a:r>
+                    </a:p>
+                  </p:txBody>
+                </p:sp>
+              </mc:Fallback>
+            </mc:AlternateContent>
+            <mc:AlternateContent xmlns:mc="http://schemas.openxmlformats.org/markup-compatibility/2006">
+              <mc:Choice xmlns:a14="http://schemas.microsoft.com/office/drawing/2010/main" Requires="a14">
+                <p:sp>
+                  <p:nvSpPr>
+                    <p:cNvPr id="123" name="Rectangle 122"/>
+                    <p:cNvSpPr/>
+                    <p:nvPr/>
+                  </p:nvSpPr>
+                  <p:spPr>
+                    <a:xfrm>
+                      <a:off x="1006642" y="2350591"/>
+                      <a:ext cx="367985" cy="369333"/>
+                    </a:xfrm>
+                    <a:prstGeom prst="rect">
+                      <a:avLst/>
+                    </a:prstGeom>
+                  </p:spPr>
+                  <p:txBody>
+                    <a:bodyPr wrap="none">
+                      <a:spAutoFit/>
+                    </a:bodyPr>
+                    <a:lstStyle/>
+                    <a:p>
+                      <a:pPr/>
+                      <a14:m>
+                        <m:oMathPara xmlns:m="http://schemas.openxmlformats.org/officeDocument/2006/math">
+                          <m:oMathParaPr>
+                            <m:jc m:val="centerGroup"/>
+                          </m:oMathParaPr>
+                          <m:oMath xmlns:m="http://schemas.openxmlformats.org/officeDocument/2006/math">
+                            <m:r>
+                              <a:rPr lang="en-US" b="0" i="1" smtClean="0">
+                                <a:latin typeface="Cambria Math" panose="02040503050406030204" pitchFamily="18" charset="0"/>
+                                <a:cs typeface="Arial" panose="020B0604020202020204" pitchFamily="34" charset="0"/>
+                              </a:rPr>
+                              <m:t>0</m:t>
+                            </m:r>
+                          </m:oMath>
+                        </m:oMathPara>
+                      </a14:m>
+                      <a:endParaRPr lang="en-CA" dirty="0"/>
+                    </a:p>
+                  </p:txBody>
+                </p:sp>
+              </mc:Choice>
+              <mc:Fallback>
+                <p:sp>
+                  <p:nvSpPr>
+                    <p:cNvPr id="123" name="Rectangle 122"/>
+                    <p:cNvSpPr>
+                      <a:spLocks noRot="1" noChangeAspect="1" noMove="1" noResize="1" noEditPoints="1" noAdjustHandles="1" noChangeArrowheads="1" noChangeShapeType="1" noTextEdit="1"/>
+                    </p:cNvSpPr>
+                    <p:nvPr/>
+                  </p:nvSpPr>
+                  <p:spPr>
+                    <a:xfrm>
+                      <a:off x="1006642" y="2350591"/>
+                      <a:ext cx="367985" cy="369333"/>
+                    </a:xfrm>
+                    <a:prstGeom prst="rect">
+                      <a:avLst/>
+                    </a:prstGeom>
+                    <a:blipFill>
+                      <a:blip r:embed="rId39"/>
+                      <a:stretch>
+                        <a:fillRect l="-86667" r="-36667" b="-140000"/>
+                      </a:stretch>
+                    </a:blipFill>
+                  </p:spPr>
+                  <p:txBody>
+                    <a:bodyPr/>
+                    <a:lstStyle/>
+                    <a:p>
+                      <a:r>
+                        <a:rPr lang="en-US">
+                          <a:noFill/>
+                        </a:rPr>
+                        <a:t> </a:t>
+                      </a:r>
+                    </a:p>
+                  </p:txBody>
+                </p:sp>
+              </mc:Fallback>
+            </mc:AlternateContent>
+          </p:grpSp>
+          <p:sp>
+            <p:nvSpPr>
+              <p:cNvPr id="113" name="Rectangle 112"/>
+              <p:cNvSpPr/>
+              <p:nvPr/>
+            </p:nvSpPr>
+            <p:spPr>
+              <a:xfrm>
+                <a:off x="1129904" y="1614682"/>
+                <a:ext cx="184731" cy="369332"/>
+              </a:xfrm>
+              <a:prstGeom prst="rect">
+                <a:avLst/>
+              </a:prstGeom>
+            </p:spPr>
+            <p:txBody>
+              <a:bodyPr wrap="none">
+                <a:spAutoFit/>
+              </a:bodyPr>
+              <a:lstStyle/>
+              <a:p>
+                <a:endParaRPr lang="en-CA" dirty="0"/>
+              </a:p>
+            </p:txBody>
+          </p:sp>
+        </p:grpSp>
       </p:grpSp>
     </p:spTree>
     <p:extLst>

--- a/tex/figures/NewtonsLaws/Figures.pptx
+++ b/tex/figures/NewtonsLaws/Figures.pptx
@@ -9,6 +9,7 @@
     <p:sldId id="264" r:id="rId3"/>
     <p:sldId id="265" r:id="rId4"/>
     <p:sldId id="266" r:id="rId5"/>
+    <p:sldId id="267" r:id="rId6"/>
   </p:sldIdLst>
   <p:sldSz cx="12192000" cy="6858000"/>
   <p:notesSz cx="6858000" cy="9144000"/>
@@ -15527,8 +15528,8 @@
           </a:fontRef>
         </p:style>
       </p:cxnSp>
-      <mc:AlternateContent xmlns:mc="http://schemas.openxmlformats.org/markup-compatibility/2006">
-        <mc:Choice xmlns:a14="http://schemas.microsoft.com/office/drawing/2010/main" Requires="a14">
+      <mc:AlternateContent xmlns:mc="http://schemas.openxmlformats.org/markup-compatibility/2006" xmlns:a14="http://schemas.microsoft.com/office/drawing/2010/main">
+        <mc:Choice Requires="a14">
           <p:sp>
             <p:nvSpPr>
               <p:cNvPr id="70" name="TextBox 69"/>
@@ -15610,7 +15611,7 @@
             </p:txBody>
           </p:sp>
         </mc:Choice>
-        <mc:Fallback>
+        <mc:Fallback xmlns="">
           <p:sp>
             <p:nvSpPr>
               <p:cNvPr id="70" name="TextBox 69"/>
@@ -15649,8 +15650,8 @@
           </p:sp>
         </mc:Fallback>
       </mc:AlternateContent>
-      <mc:AlternateContent xmlns:mc="http://schemas.openxmlformats.org/markup-compatibility/2006">
-        <mc:Choice xmlns:a14="http://schemas.microsoft.com/office/drawing/2010/main" Requires="a14">
+      <mc:AlternateContent xmlns:mc="http://schemas.openxmlformats.org/markup-compatibility/2006" xmlns:a14="http://schemas.microsoft.com/office/drawing/2010/main">
+        <mc:Choice Requires="a14">
           <p:sp>
             <p:nvSpPr>
               <p:cNvPr id="73" name="TextBox 72"/>
@@ -15739,7 +15740,7 @@
             </p:txBody>
           </p:sp>
         </mc:Choice>
-        <mc:Fallback>
+        <mc:Fallback xmlns="">
           <p:sp>
             <p:nvSpPr>
               <p:cNvPr id="73" name="TextBox 72"/>
@@ -15778,8 +15779,8 @@
           </p:sp>
         </mc:Fallback>
       </mc:AlternateContent>
-      <mc:AlternateContent xmlns:mc="http://schemas.openxmlformats.org/markup-compatibility/2006">
-        <mc:Choice xmlns:a14="http://schemas.microsoft.com/office/drawing/2010/main" Requires="a14">
+      <mc:AlternateContent xmlns:mc="http://schemas.openxmlformats.org/markup-compatibility/2006" xmlns:a14="http://schemas.microsoft.com/office/drawing/2010/main">
+        <mc:Choice Requires="a14">
           <p:sp>
             <p:nvSpPr>
               <p:cNvPr id="75" name="TextBox 74"/>
@@ -15868,7 +15869,7 @@
             </p:txBody>
           </p:sp>
         </mc:Choice>
-        <mc:Fallback>
+        <mc:Fallback xmlns="">
           <p:sp>
             <p:nvSpPr>
               <p:cNvPr id="75" name="TextBox 74"/>
@@ -15907,8 +15908,8 @@
           </p:sp>
         </mc:Fallback>
       </mc:AlternateContent>
-      <mc:AlternateContent xmlns:mc="http://schemas.openxmlformats.org/markup-compatibility/2006">
-        <mc:Choice xmlns:a14="http://schemas.microsoft.com/office/drawing/2010/main" Requires="a14">
+      <mc:AlternateContent xmlns:mc="http://schemas.openxmlformats.org/markup-compatibility/2006" xmlns:a14="http://schemas.microsoft.com/office/drawing/2010/main">
+        <mc:Choice Requires="a14">
           <p:sp>
             <p:nvSpPr>
               <p:cNvPr id="87" name="TextBox 86"/>
@@ -15976,7 +15977,7 @@
             </p:txBody>
           </p:sp>
         </mc:Choice>
-        <mc:Fallback>
+        <mc:Fallback xmlns="">
           <p:sp>
             <p:nvSpPr>
               <p:cNvPr id="87" name="TextBox 86"/>
@@ -16015,8 +16016,8 @@
           </p:sp>
         </mc:Fallback>
       </mc:AlternateContent>
-      <mc:AlternateContent xmlns:mc="http://schemas.openxmlformats.org/markup-compatibility/2006">
-        <mc:Choice xmlns:a14="http://schemas.microsoft.com/office/drawing/2010/main" Requires="a14">
+      <mc:AlternateContent xmlns:mc="http://schemas.openxmlformats.org/markup-compatibility/2006" xmlns:a14="http://schemas.microsoft.com/office/drawing/2010/main">
+        <mc:Choice Requires="a14">
           <p:sp>
             <p:nvSpPr>
               <p:cNvPr id="97" name="TextBox 96"/>
@@ -16085,7 +16086,7 @@
             </p:txBody>
           </p:sp>
         </mc:Choice>
-        <mc:Fallback>
+        <mc:Fallback xmlns="">
           <p:sp>
             <p:nvSpPr>
               <p:cNvPr id="97" name="TextBox 96"/>
@@ -16172,8 +16173,8 @@
           </a:p>
         </p:txBody>
       </p:sp>
-      <mc:AlternateContent xmlns:mc="http://schemas.openxmlformats.org/markup-compatibility/2006">
-        <mc:Choice xmlns:a14="http://schemas.microsoft.com/office/drawing/2010/main" Requires="a14">
+      <mc:AlternateContent xmlns:mc="http://schemas.openxmlformats.org/markup-compatibility/2006" xmlns:a14="http://schemas.microsoft.com/office/drawing/2010/main">
+        <mc:Choice Requires="a14">
           <p:sp>
             <p:nvSpPr>
               <p:cNvPr id="101" name="TextBox 100"/>
@@ -16234,7 +16235,7 @@
             </p:txBody>
           </p:sp>
         </mc:Choice>
-        <mc:Fallback>
+        <mc:Fallback xmlns="">
           <p:sp>
             <p:nvSpPr>
               <p:cNvPr id="101" name="TextBox 100"/>
@@ -16309,8 +16310,8 @@
           </a:fontRef>
         </p:style>
       </p:cxnSp>
-      <mc:AlternateContent xmlns:mc="http://schemas.openxmlformats.org/markup-compatibility/2006">
-        <mc:Choice xmlns:a14="http://schemas.microsoft.com/office/drawing/2010/main" Requires="a14">
+      <mc:AlternateContent xmlns:mc="http://schemas.openxmlformats.org/markup-compatibility/2006" xmlns:a14="http://schemas.microsoft.com/office/drawing/2010/main">
+        <mc:Choice Requires="a14">
           <p:sp>
             <p:nvSpPr>
               <p:cNvPr id="55" name="Rectangle 54"/>
@@ -16353,7 +16354,7 @@
             </p:txBody>
           </p:sp>
         </mc:Choice>
-        <mc:Fallback>
+        <mc:Fallback xmlns="">
           <p:sp>
             <p:nvSpPr>
               <p:cNvPr id="55" name="Rectangle 54"/>
@@ -16492,8 +16493,8 @@
               </a:fontRef>
             </p:style>
           </p:cxnSp>
-          <mc:AlternateContent xmlns:mc="http://schemas.openxmlformats.org/markup-compatibility/2006">
-            <mc:Choice xmlns:a14="http://schemas.microsoft.com/office/drawing/2010/main" Requires="a14">
+          <mc:AlternateContent xmlns:mc="http://schemas.openxmlformats.org/markup-compatibility/2006" xmlns:a14="http://schemas.microsoft.com/office/drawing/2010/main">
+            <mc:Choice Requires="a14">
               <p:sp>
                 <p:nvSpPr>
                   <p:cNvPr id="107" name="Rectangle 106"/>
@@ -16537,7 +16538,7 @@
                 </p:txBody>
               </p:sp>
             </mc:Choice>
-            <mc:Fallback>
+            <mc:Fallback xmlns="">
               <p:sp>
                 <p:nvSpPr>
                   <p:cNvPr id="107" name="Rectangle 106"/>
@@ -16576,8 +16577,8 @@
               </p:sp>
             </mc:Fallback>
           </mc:AlternateContent>
-          <mc:AlternateContent xmlns:mc="http://schemas.openxmlformats.org/markup-compatibility/2006">
-            <mc:Choice xmlns:a14="http://schemas.microsoft.com/office/drawing/2010/main" Requires="a14">
+          <mc:AlternateContent xmlns:mc="http://schemas.openxmlformats.org/markup-compatibility/2006" xmlns:a14="http://schemas.microsoft.com/office/drawing/2010/main">
+            <mc:Choice Requires="a14">
               <p:sp>
                 <p:nvSpPr>
                   <p:cNvPr id="108" name="Rectangle 107"/>
@@ -16620,7 +16621,7 @@
                 </p:txBody>
               </p:sp>
             </mc:Choice>
-            <mc:Fallback>
+            <mc:Fallback xmlns="">
               <p:sp>
                 <p:nvSpPr>
                   <p:cNvPr id="108" name="Rectangle 107"/>
@@ -16659,8 +16660,8 @@
               </p:sp>
             </mc:Fallback>
           </mc:AlternateContent>
-          <mc:AlternateContent xmlns:mc="http://schemas.openxmlformats.org/markup-compatibility/2006">
-            <mc:Choice xmlns:a14="http://schemas.microsoft.com/office/drawing/2010/main" Requires="a14">
+          <mc:AlternateContent xmlns:mc="http://schemas.openxmlformats.org/markup-compatibility/2006" xmlns:a14="http://schemas.microsoft.com/office/drawing/2010/main">
+            <mc:Choice Requires="a14">
               <p:sp>
                 <p:nvSpPr>
                   <p:cNvPr id="109" name="Rectangle 108"/>
@@ -16704,7 +16705,7 @@
                 </p:txBody>
               </p:sp>
             </mc:Choice>
-            <mc:Fallback>
+            <mc:Fallback xmlns="">
               <p:sp>
                 <p:nvSpPr>
                   <p:cNvPr id="109" name="Rectangle 108"/>
@@ -16976,8 +16977,8 @@
             </a:fontRef>
           </p:style>
         </p:cxnSp>
-        <mc:AlternateContent xmlns:mc="http://schemas.openxmlformats.org/markup-compatibility/2006">
-          <mc:Choice xmlns:a14="http://schemas.microsoft.com/office/drawing/2010/main" Requires="a14">
+        <mc:AlternateContent xmlns:mc="http://schemas.openxmlformats.org/markup-compatibility/2006" xmlns:a14="http://schemas.microsoft.com/office/drawing/2010/main">
+          <mc:Choice Requires="a14">
             <p:sp>
               <p:nvSpPr>
                 <p:cNvPr id="68" name="TextBox 67"/>
@@ -17066,7 +17067,7 @@
               </p:txBody>
             </p:sp>
           </mc:Choice>
-          <mc:Fallback>
+          <mc:Fallback xmlns="">
             <p:sp>
               <p:nvSpPr>
                 <p:cNvPr id="68" name="TextBox 67"/>
@@ -17105,8 +17106,8 @@
             </p:sp>
           </mc:Fallback>
         </mc:AlternateContent>
-        <mc:AlternateContent xmlns:mc="http://schemas.openxmlformats.org/markup-compatibility/2006">
-          <mc:Choice xmlns:a14="http://schemas.microsoft.com/office/drawing/2010/main" Requires="a14">
+        <mc:AlternateContent xmlns:mc="http://schemas.openxmlformats.org/markup-compatibility/2006" xmlns:a14="http://schemas.microsoft.com/office/drawing/2010/main">
+          <mc:Choice Requires="a14">
             <p:sp>
               <p:nvSpPr>
                 <p:cNvPr id="69" name="TextBox 68"/>
@@ -17188,7 +17189,7 @@
               </p:txBody>
             </p:sp>
           </mc:Choice>
-          <mc:Fallback>
+          <mc:Fallback xmlns="">
             <p:sp>
               <p:nvSpPr>
                 <p:cNvPr id="69" name="TextBox 68"/>
@@ -17227,8 +17228,8 @@
             </p:sp>
           </mc:Fallback>
         </mc:AlternateContent>
-        <mc:AlternateContent xmlns:mc="http://schemas.openxmlformats.org/markup-compatibility/2006">
-          <mc:Choice xmlns:a14="http://schemas.microsoft.com/office/drawing/2010/main" Requires="a14">
+        <mc:AlternateContent xmlns:mc="http://schemas.openxmlformats.org/markup-compatibility/2006" xmlns:a14="http://schemas.microsoft.com/office/drawing/2010/main">
+          <mc:Choice Requires="a14">
             <p:sp>
               <p:nvSpPr>
                 <p:cNvPr id="71" name="TextBox 70"/>
@@ -17317,7 +17318,7 @@
               </p:txBody>
             </p:sp>
           </mc:Choice>
-          <mc:Fallback>
+          <mc:Fallback xmlns="">
             <p:sp>
               <p:nvSpPr>
                 <p:cNvPr id="71" name="TextBox 70"/>
@@ -17356,8 +17357,8 @@
             </p:sp>
           </mc:Fallback>
         </mc:AlternateContent>
-        <mc:AlternateContent xmlns:mc="http://schemas.openxmlformats.org/markup-compatibility/2006">
-          <mc:Choice xmlns:a14="http://schemas.microsoft.com/office/drawing/2010/main" Requires="a14">
+        <mc:AlternateContent xmlns:mc="http://schemas.openxmlformats.org/markup-compatibility/2006" xmlns:a14="http://schemas.microsoft.com/office/drawing/2010/main">
+          <mc:Choice Requires="a14">
             <p:sp>
               <p:nvSpPr>
                 <p:cNvPr id="77" name="TextBox 76"/>
@@ -17418,7 +17419,7 @@
               </p:txBody>
             </p:sp>
           </mc:Choice>
-          <mc:Fallback>
+          <mc:Fallback xmlns="">
             <p:sp>
               <p:nvSpPr>
                 <p:cNvPr id="77" name="TextBox 76"/>
@@ -17457,8 +17458,8 @@
             </p:sp>
           </mc:Fallback>
         </mc:AlternateContent>
-        <mc:AlternateContent xmlns:mc="http://schemas.openxmlformats.org/markup-compatibility/2006">
-          <mc:Choice xmlns:a14="http://schemas.microsoft.com/office/drawing/2010/main" Requires="a14">
+        <mc:AlternateContent xmlns:mc="http://schemas.openxmlformats.org/markup-compatibility/2006" xmlns:a14="http://schemas.microsoft.com/office/drawing/2010/main">
+          <mc:Choice Requires="a14">
             <p:sp>
               <p:nvSpPr>
                 <p:cNvPr id="96" name="TextBox 95"/>
@@ -17527,7 +17528,7 @@
               </p:txBody>
             </p:sp>
           </mc:Choice>
-          <mc:Fallback>
+          <mc:Fallback xmlns="">
             <p:sp>
               <p:nvSpPr>
                 <p:cNvPr id="96" name="TextBox 95"/>
@@ -17614,8 +17615,8 @@
             </a:p>
           </p:txBody>
         </p:sp>
-        <mc:AlternateContent xmlns:mc="http://schemas.openxmlformats.org/markup-compatibility/2006">
-          <mc:Choice xmlns:a14="http://schemas.microsoft.com/office/drawing/2010/main" Requires="a14">
+        <mc:AlternateContent xmlns:mc="http://schemas.openxmlformats.org/markup-compatibility/2006" xmlns:a14="http://schemas.microsoft.com/office/drawing/2010/main">
+          <mc:Choice Requires="a14">
             <p:sp>
               <p:nvSpPr>
                 <p:cNvPr id="99" name="TextBox 98"/>
@@ -17676,7 +17677,7 @@
               </p:txBody>
             </p:sp>
           </mc:Choice>
-          <mc:Fallback>
+          <mc:Fallback xmlns="">
             <p:sp>
               <p:nvSpPr>
                 <p:cNvPr id="99" name="TextBox 98"/>
@@ -17751,8 +17752,8 @@
             </a:fontRef>
           </p:style>
         </p:cxnSp>
-        <mc:AlternateContent xmlns:mc="http://schemas.openxmlformats.org/markup-compatibility/2006">
-          <mc:Choice xmlns:a14="http://schemas.microsoft.com/office/drawing/2010/main" Requires="a14">
+        <mc:AlternateContent xmlns:mc="http://schemas.openxmlformats.org/markup-compatibility/2006" xmlns:a14="http://schemas.microsoft.com/office/drawing/2010/main">
+          <mc:Choice Requires="a14">
             <p:sp>
               <p:nvSpPr>
                 <p:cNvPr id="53" name="Rectangle 52"/>
@@ -17795,7 +17796,7 @@
               </p:txBody>
             </p:sp>
           </mc:Choice>
-          <mc:Fallback>
+          <mc:Fallback xmlns="">
             <p:sp>
               <p:nvSpPr>
                 <p:cNvPr id="53" name="Rectangle 52"/>
@@ -17934,8 +17935,8 @@
                 </a:fontRef>
               </p:style>
             </p:cxnSp>
-            <mc:AlternateContent xmlns:mc="http://schemas.openxmlformats.org/markup-compatibility/2006">
-              <mc:Choice xmlns:a14="http://schemas.microsoft.com/office/drawing/2010/main" Requires="a14">
+            <mc:AlternateContent xmlns:mc="http://schemas.openxmlformats.org/markup-compatibility/2006" xmlns:a14="http://schemas.microsoft.com/office/drawing/2010/main">
+              <mc:Choice Requires="a14">
                 <p:sp>
                   <p:nvSpPr>
                     <p:cNvPr id="121" name="Rectangle 120"/>
@@ -17979,7 +17980,7 @@
                   </p:txBody>
                 </p:sp>
               </mc:Choice>
-              <mc:Fallback>
+              <mc:Fallback xmlns="">
                 <p:sp>
                   <p:nvSpPr>
                     <p:cNvPr id="121" name="Rectangle 120"/>
@@ -18018,8 +18019,8 @@
                 </p:sp>
               </mc:Fallback>
             </mc:AlternateContent>
-            <mc:AlternateContent xmlns:mc="http://schemas.openxmlformats.org/markup-compatibility/2006">
-              <mc:Choice xmlns:a14="http://schemas.microsoft.com/office/drawing/2010/main" Requires="a14">
+            <mc:AlternateContent xmlns:mc="http://schemas.openxmlformats.org/markup-compatibility/2006" xmlns:a14="http://schemas.microsoft.com/office/drawing/2010/main">
+              <mc:Choice Requires="a14">
                 <p:sp>
                   <p:nvSpPr>
                     <p:cNvPr id="122" name="Rectangle 121"/>
@@ -18062,7 +18063,7 @@
                   </p:txBody>
                 </p:sp>
               </mc:Choice>
-              <mc:Fallback>
+              <mc:Fallback xmlns="">
                 <p:sp>
                   <p:nvSpPr>
                     <p:cNvPr id="122" name="Rectangle 121"/>
@@ -18101,8 +18102,8 @@
                 </p:sp>
               </mc:Fallback>
             </mc:AlternateContent>
-            <mc:AlternateContent xmlns:mc="http://schemas.openxmlformats.org/markup-compatibility/2006">
-              <mc:Choice xmlns:a14="http://schemas.microsoft.com/office/drawing/2010/main" Requires="a14">
+            <mc:AlternateContent xmlns:mc="http://schemas.openxmlformats.org/markup-compatibility/2006" xmlns:a14="http://schemas.microsoft.com/office/drawing/2010/main">
+              <mc:Choice Requires="a14">
                 <p:sp>
                   <p:nvSpPr>
                     <p:cNvPr id="123" name="Rectangle 122"/>
@@ -18146,7 +18147,7 @@
                   </p:txBody>
                 </p:sp>
               </mc:Choice>
-              <mc:Fallback>
+              <mc:Fallback xmlns="">
                 <p:sp>
                   <p:nvSpPr>
                     <p:cNvPr id="123" name="Rectangle 122"/>
@@ -18217,6 +18218,3990 @@
     <p:extLst>
       <p:ext uri="{BB962C8B-B14F-4D97-AF65-F5344CB8AC3E}">
         <p14:creationId xmlns:p14="http://schemas.microsoft.com/office/powerpoint/2010/main" val="1333425517"/>
+      </p:ext>
+    </p:extLst>
+  </p:cSld>
+  <p:clrMapOvr>
+    <a:masterClrMapping/>
+  </p:clrMapOvr>
+</p:sld>
+</file>
+
+<file path=ppt/slides/slide5.xml><?xml version="1.0" encoding="utf-8"?>
+<p:sld xmlns:a="http://schemas.openxmlformats.org/drawingml/2006/main" xmlns:r="http://schemas.openxmlformats.org/officeDocument/2006/relationships" xmlns:p="http://schemas.openxmlformats.org/presentationml/2006/main">
+  <p:cSld>
+    <p:spTree>
+      <p:nvGrpSpPr>
+        <p:cNvPr id="1" name=""/>
+        <p:cNvGrpSpPr/>
+        <p:nvPr/>
+      </p:nvGrpSpPr>
+      <p:grpSpPr>
+        <a:xfrm>
+          <a:off x="0" y="0"/>
+          <a:ext cx="0" cy="0"/>
+          <a:chOff x="0" y="0"/>
+          <a:chExt cx="0" cy="0"/>
+        </a:xfrm>
+      </p:grpSpPr>
+      <p:grpSp>
+        <p:nvGrpSpPr>
+          <p:cNvPr id="35" name="Group 34"/>
+          <p:cNvGrpSpPr/>
+          <p:nvPr/>
+        </p:nvGrpSpPr>
+        <p:grpSpPr>
+          <a:xfrm>
+            <a:off x="2841758" y="557878"/>
+            <a:ext cx="5688992" cy="2919031"/>
+            <a:chOff x="2841758" y="557878"/>
+            <a:chExt cx="5688992" cy="2919031"/>
+          </a:xfrm>
+        </p:grpSpPr>
+        <p:sp>
+          <p:nvSpPr>
+            <p:cNvPr id="4" name="Right Triangle 3"/>
+            <p:cNvSpPr/>
+            <p:nvPr/>
+          </p:nvSpPr>
+          <p:spPr>
+            <a:xfrm rot="16200000">
+              <a:off x="3526190" y="1171745"/>
+              <a:ext cx="1620732" cy="2989596"/>
+            </a:xfrm>
+            <a:prstGeom prst="rtTriangle">
+              <a:avLst/>
+            </a:prstGeom>
+            <a:solidFill>
+              <a:schemeClr val="bg2">
+                <a:lumMod val="75000"/>
+              </a:schemeClr>
+            </a:solidFill>
+            <a:ln w="38100">
+              <a:solidFill>
+                <a:schemeClr val="bg2">
+                  <a:lumMod val="75000"/>
+                </a:schemeClr>
+              </a:solidFill>
+            </a:ln>
+          </p:spPr>
+          <p:style>
+            <a:lnRef idx="2">
+              <a:schemeClr val="accent1">
+                <a:shade val="50000"/>
+              </a:schemeClr>
+            </a:lnRef>
+            <a:fillRef idx="1">
+              <a:schemeClr val="accent1"/>
+            </a:fillRef>
+            <a:effectRef idx="0">
+              <a:schemeClr val="accent1"/>
+            </a:effectRef>
+            <a:fontRef idx="minor">
+              <a:schemeClr val="lt1"/>
+            </a:fontRef>
+          </p:style>
+          <p:txBody>
+            <a:bodyPr rtlCol="0" anchor="ctr"/>
+            <a:lstStyle/>
+            <a:p>
+              <a:pPr algn="ctr"/>
+              <a:endParaRPr lang="en-US"/>
+            </a:p>
+          </p:txBody>
+        </p:sp>
+        <p:sp>
+          <p:nvSpPr>
+            <p:cNvPr id="7" name="Rectangle 6"/>
+            <p:cNvSpPr/>
+            <p:nvPr/>
+          </p:nvSpPr>
+          <p:spPr>
+            <a:xfrm>
+              <a:off x="5831353" y="1856177"/>
+              <a:ext cx="2699397" cy="1615258"/>
+            </a:xfrm>
+            <a:prstGeom prst="rect">
+              <a:avLst/>
+            </a:prstGeom>
+            <a:solidFill>
+              <a:schemeClr val="bg2">
+                <a:lumMod val="75000"/>
+              </a:schemeClr>
+            </a:solidFill>
+            <a:ln w="38100">
+              <a:solidFill>
+                <a:schemeClr val="bg2">
+                  <a:lumMod val="75000"/>
+                </a:schemeClr>
+              </a:solidFill>
+            </a:ln>
+          </p:spPr>
+          <p:style>
+            <a:lnRef idx="2">
+              <a:schemeClr val="accent1">
+                <a:shade val="50000"/>
+              </a:schemeClr>
+            </a:lnRef>
+            <a:fillRef idx="1">
+              <a:schemeClr val="accent1"/>
+            </a:fillRef>
+            <a:effectRef idx="0">
+              <a:schemeClr val="accent1"/>
+            </a:effectRef>
+            <a:fontRef idx="minor">
+              <a:schemeClr val="lt1"/>
+            </a:fontRef>
+          </p:style>
+          <p:txBody>
+            <a:bodyPr rtlCol="0" anchor="ctr"/>
+            <a:lstStyle/>
+            <a:p>
+              <a:pPr algn="ctr"/>
+              <a:endParaRPr lang="en-US"/>
+            </a:p>
+          </p:txBody>
+        </p:sp>
+        <p:sp>
+          <p:nvSpPr>
+            <p:cNvPr id="9" name="Rectangle 8"/>
+            <p:cNvSpPr/>
+            <p:nvPr/>
+          </p:nvSpPr>
+          <p:spPr>
+            <a:xfrm>
+              <a:off x="7014050" y="1199123"/>
+              <a:ext cx="657054" cy="651579"/>
+            </a:xfrm>
+            <a:prstGeom prst="rect">
+              <a:avLst/>
+            </a:prstGeom>
+            <a:noFill/>
+            <a:ln w="38100">
+              <a:solidFill>
+                <a:schemeClr val="tx1"/>
+              </a:solidFill>
+            </a:ln>
+          </p:spPr>
+          <p:style>
+            <a:lnRef idx="2">
+              <a:schemeClr val="accent1">
+                <a:shade val="50000"/>
+              </a:schemeClr>
+            </a:lnRef>
+            <a:fillRef idx="1">
+              <a:schemeClr val="accent1"/>
+            </a:fillRef>
+            <a:effectRef idx="0">
+              <a:schemeClr val="accent1"/>
+            </a:effectRef>
+            <a:fontRef idx="minor">
+              <a:schemeClr val="lt1"/>
+            </a:fontRef>
+          </p:style>
+          <p:txBody>
+            <a:bodyPr rtlCol="0" anchor="ctr"/>
+            <a:lstStyle/>
+            <a:p>
+              <a:pPr algn="ctr"/>
+              <a:endParaRPr lang="en-US"/>
+            </a:p>
+          </p:txBody>
+        </p:sp>
+        <p:sp>
+          <p:nvSpPr>
+            <p:cNvPr id="10" name="Rectangle 9"/>
+            <p:cNvSpPr/>
+            <p:nvPr/>
+          </p:nvSpPr>
+          <p:spPr>
+            <a:xfrm rot="19856227">
+              <a:off x="3900380" y="1983850"/>
+              <a:ext cx="697188" cy="661790"/>
+            </a:xfrm>
+            <a:prstGeom prst="rect">
+              <a:avLst/>
+            </a:prstGeom>
+            <a:noFill/>
+            <a:ln w="38100">
+              <a:solidFill>
+                <a:schemeClr val="tx1"/>
+              </a:solidFill>
+            </a:ln>
+          </p:spPr>
+          <p:style>
+            <a:lnRef idx="2">
+              <a:schemeClr val="accent1">
+                <a:shade val="50000"/>
+              </a:schemeClr>
+            </a:lnRef>
+            <a:fillRef idx="1">
+              <a:schemeClr val="accent1"/>
+            </a:fillRef>
+            <a:effectRef idx="0">
+              <a:schemeClr val="accent1"/>
+            </a:effectRef>
+            <a:fontRef idx="minor">
+              <a:schemeClr val="lt1"/>
+            </a:fontRef>
+          </p:style>
+          <p:txBody>
+            <a:bodyPr rtlCol="0" anchor="ctr"/>
+            <a:lstStyle/>
+            <a:p>
+              <a:pPr algn="ctr"/>
+              <a:endParaRPr lang="en-US"/>
+            </a:p>
+          </p:txBody>
+        </p:sp>
+        <p:grpSp>
+          <p:nvGrpSpPr>
+            <p:cNvPr id="11" name="Group 10"/>
+            <p:cNvGrpSpPr/>
+            <p:nvPr/>
+          </p:nvGrpSpPr>
+          <p:grpSpPr>
+            <a:xfrm>
+              <a:off x="5588976" y="1512832"/>
+              <a:ext cx="319032" cy="315970"/>
+              <a:chOff x="6855696" y="5102145"/>
+              <a:chExt cx="319032" cy="315970"/>
+            </a:xfrm>
+          </p:grpSpPr>
+          <p:sp>
+            <p:nvSpPr>
+              <p:cNvPr id="12" name="Oval 11"/>
+              <p:cNvSpPr/>
+              <p:nvPr/>
+            </p:nvSpPr>
+            <p:spPr>
+              <a:xfrm>
+                <a:off x="6855696" y="5102145"/>
+                <a:ext cx="319032" cy="315970"/>
+              </a:xfrm>
+              <a:prstGeom prst="ellipse">
+                <a:avLst/>
+              </a:prstGeom>
+              <a:solidFill>
+                <a:schemeClr val="bg2">
+                  <a:lumMod val="90000"/>
+                </a:schemeClr>
+              </a:solidFill>
+              <a:ln w="38100">
+                <a:solidFill>
+                  <a:schemeClr val="tx1"/>
+                </a:solidFill>
+              </a:ln>
+            </p:spPr>
+            <p:style>
+              <a:lnRef idx="2">
+                <a:schemeClr val="accent1">
+                  <a:shade val="50000"/>
+                </a:schemeClr>
+              </a:lnRef>
+              <a:fillRef idx="1">
+                <a:schemeClr val="accent1"/>
+              </a:fillRef>
+              <a:effectRef idx="0">
+                <a:schemeClr val="accent1"/>
+              </a:effectRef>
+              <a:fontRef idx="minor">
+                <a:schemeClr val="lt1"/>
+              </a:fontRef>
+            </p:style>
+            <p:txBody>
+              <a:bodyPr rtlCol="0" anchor="ctr"/>
+              <a:lstStyle/>
+              <a:p>
+                <a:pPr algn="ctr"/>
+                <a:endParaRPr lang="en-US"/>
+              </a:p>
+            </p:txBody>
+          </p:sp>
+          <p:sp>
+            <p:nvSpPr>
+              <p:cNvPr id="13" name="Oval 12"/>
+              <p:cNvSpPr/>
+              <p:nvPr/>
+            </p:nvSpPr>
+            <p:spPr>
+              <a:xfrm>
+                <a:off x="6992352" y="5237270"/>
+                <a:ext cx="45719" cy="45719"/>
+              </a:xfrm>
+              <a:prstGeom prst="ellipse">
+                <a:avLst/>
+              </a:prstGeom>
+              <a:solidFill>
+                <a:schemeClr val="tx1"/>
+              </a:solidFill>
+              <a:ln w="38100">
+                <a:solidFill>
+                  <a:schemeClr val="tx1"/>
+                </a:solidFill>
+              </a:ln>
+            </p:spPr>
+            <p:style>
+              <a:lnRef idx="2">
+                <a:schemeClr val="accent1">
+                  <a:shade val="50000"/>
+                </a:schemeClr>
+              </a:lnRef>
+              <a:fillRef idx="1">
+                <a:schemeClr val="accent1"/>
+              </a:fillRef>
+              <a:effectRef idx="0">
+                <a:schemeClr val="accent1"/>
+              </a:effectRef>
+              <a:fontRef idx="minor">
+                <a:schemeClr val="lt1"/>
+              </a:fontRef>
+            </p:style>
+            <p:txBody>
+              <a:bodyPr rtlCol="0" anchor="ctr"/>
+              <a:lstStyle/>
+              <a:p>
+                <a:pPr algn="ctr"/>
+                <a:endParaRPr lang="en-US"/>
+              </a:p>
+            </p:txBody>
+          </p:sp>
+        </p:grpSp>
+        <p:cxnSp>
+          <p:nvCxnSpPr>
+            <p:cNvPr id="15" name="Straight Connector 14"/>
+            <p:cNvCxnSpPr>
+              <a:stCxn id="9" idx="1"/>
+            </p:cNvCxnSpPr>
+            <p:nvPr/>
+          </p:nvCxnSpPr>
+          <p:spPr>
+            <a:xfrm flipH="1" flipV="1">
+              <a:off x="5748492" y="1512833"/>
+              <a:ext cx="1265558" cy="12080"/>
+            </a:xfrm>
+            <a:prstGeom prst="line">
+              <a:avLst/>
+            </a:prstGeom>
+            <a:ln w="38100">
+              <a:solidFill>
+                <a:schemeClr val="tx1"/>
+              </a:solidFill>
+            </a:ln>
+          </p:spPr>
+          <p:style>
+            <a:lnRef idx="1">
+              <a:schemeClr val="accent1"/>
+            </a:lnRef>
+            <a:fillRef idx="0">
+              <a:schemeClr val="accent1"/>
+            </a:fillRef>
+            <a:effectRef idx="0">
+              <a:schemeClr val="accent1"/>
+            </a:effectRef>
+            <a:fontRef idx="minor">
+              <a:schemeClr val="tx1"/>
+            </a:fontRef>
+          </p:style>
+        </p:cxnSp>
+        <p:cxnSp>
+          <p:nvCxnSpPr>
+            <p:cNvPr id="16" name="Straight Connector 15"/>
+            <p:cNvCxnSpPr>
+              <a:stCxn id="12" idx="1"/>
+              <a:endCxn id="10" idx="3"/>
+            </p:cNvCxnSpPr>
+            <p:nvPr/>
+          </p:nvCxnSpPr>
+          <p:spPr>
+            <a:xfrm flipH="1">
+              <a:off x="4553676" y="1559105"/>
+              <a:ext cx="1082021" cy="586304"/>
+            </a:xfrm>
+            <a:prstGeom prst="line">
+              <a:avLst/>
+            </a:prstGeom>
+            <a:ln w="38100">
+              <a:solidFill>
+                <a:schemeClr val="tx1"/>
+              </a:solidFill>
+            </a:ln>
+          </p:spPr>
+          <p:style>
+            <a:lnRef idx="1">
+              <a:schemeClr val="accent1"/>
+            </a:lnRef>
+            <a:fillRef idx="0">
+              <a:schemeClr val="accent1"/>
+            </a:fillRef>
+            <a:effectRef idx="0">
+              <a:schemeClr val="accent1"/>
+            </a:effectRef>
+            <a:fontRef idx="minor">
+              <a:schemeClr val="tx1"/>
+            </a:fontRef>
+          </p:style>
+        </p:cxnSp>
+        <p:cxnSp>
+          <p:nvCxnSpPr>
+            <p:cNvPr id="26" name="Straight Connector 25"/>
+            <p:cNvCxnSpPr/>
+            <p:nvPr/>
+          </p:nvCxnSpPr>
+          <p:spPr>
+            <a:xfrm>
+              <a:off x="5729920" y="1647957"/>
+              <a:ext cx="101432" cy="202745"/>
+            </a:xfrm>
+            <a:prstGeom prst="line">
+              <a:avLst/>
+            </a:prstGeom>
+            <a:ln w="38100">
+              <a:solidFill>
+                <a:schemeClr val="tx1"/>
+              </a:solidFill>
+            </a:ln>
+          </p:spPr>
+          <p:style>
+            <a:lnRef idx="1">
+              <a:schemeClr val="accent1"/>
+            </a:lnRef>
+            <a:fillRef idx="0">
+              <a:schemeClr val="accent1"/>
+            </a:fillRef>
+            <a:effectRef idx="0">
+              <a:schemeClr val="accent1"/>
+            </a:effectRef>
+            <a:fontRef idx="minor">
+              <a:schemeClr val="tx1"/>
+            </a:fontRef>
+          </p:style>
+        </p:cxnSp>
+        <mc:AlternateContent xmlns:mc="http://schemas.openxmlformats.org/markup-compatibility/2006">
+          <mc:Choice xmlns:a14="http://schemas.microsoft.com/office/drawing/2010/main" Requires="a14">
+            <p:sp>
+              <p:nvSpPr>
+                <p:cNvPr id="28" name="TextBox 27"/>
+                <p:cNvSpPr txBox="1"/>
+                <p:nvPr/>
+              </p:nvSpPr>
+              <p:spPr>
+                <a:xfrm>
+                  <a:off x="4081855" y="2145409"/>
+                  <a:ext cx="399020" cy="307777"/>
+                </a:xfrm>
+                <a:prstGeom prst="rect">
+                  <a:avLst/>
+                </a:prstGeom>
+                <a:noFill/>
+              </p:spPr>
+              <p:txBody>
+                <a:bodyPr wrap="none" lIns="0" tIns="0" rIns="0" bIns="0" rtlCol="0">
+                  <a:spAutoFit/>
+                </a:bodyPr>
+                <a:lstStyle/>
+                <a:p>
+                  <a14:m>
+                    <m:oMathPara xmlns:m="http://schemas.openxmlformats.org/officeDocument/2006/math">
+                      <m:oMathParaPr>
+                        <m:jc m:val="centerGroup"/>
+                      </m:oMathParaPr>
+                      <m:oMath xmlns:m="http://schemas.openxmlformats.org/officeDocument/2006/math">
+                        <m:sSub>
+                          <m:sSubPr>
+                            <m:ctrlPr>
+                              <a:rPr lang="en-US" sz="2000" b="0" i="1" smtClean="0">
+                                <a:latin typeface="Cambria Math" panose="02040503050406030204" pitchFamily="18" charset="0"/>
+                                <a:cs typeface="Arial" panose="020B0604020202020204" pitchFamily="34" charset="0"/>
+                              </a:rPr>
+                            </m:ctrlPr>
+                          </m:sSubPr>
+                          <m:e>
+                            <m:r>
+                              <a:rPr lang="en-US" sz="2000" b="0" i="1" smtClean="0">
+                                <a:latin typeface="Cambria Math" panose="02040503050406030204" pitchFamily="18" charset="0"/>
+                                <a:cs typeface="Arial" panose="020B0604020202020204" pitchFamily="34" charset="0"/>
+                              </a:rPr>
+                              <m:t>𝑚</m:t>
+                            </m:r>
+                          </m:e>
+                          <m:sub>
+                            <m:r>
+                              <a:rPr lang="en-US" sz="2000" b="0" i="1" smtClean="0">
+                                <a:latin typeface="Cambria Math" panose="02040503050406030204" pitchFamily="18" charset="0"/>
+                                <a:cs typeface="Arial" panose="020B0604020202020204" pitchFamily="34" charset="0"/>
+                              </a:rPr>
+                              <m:t>1</m:t>
+                            </m:r>
+                          </m:sub>
+                        </m:sSub>
+                      </m:oMath>
+                    </m:oMathPara>
+                  </a14:m>
+                  <a:endParaRPr lang="en-US" sz="2000" dirty="0" smtClean="0">
+                    <a:latin typeface="Arial" panose="020B0604020202020204" pitchFamily="34" charset="0"/>
+                    <a:cs typeface="Arial" panose="020B0604020202020204" pitchFamily="34" charset="0"/>
+                  </a:endParaRPr>
+                </a:p>
+              </p:txBody>
+            </p:sp>
+          </mc:Choice>
+          <mc:Fallback>
+            <p:sp>
+              <p:nvSpPr>
+                <p:cNvPr id="28" name="TextBox 27"/>
+                <p:cNvSpPr txBox="1">
+                  <a:spLocks noRot="1" noChangeAspect="1" noMove="1" noResize="1" noEditPoints="1" noAdjustHandles="1" noChangeArrowheads="1" noChangeShapeType="1" noTextEdit="1"/>
+                </p:cNvSpPr>
+                <p:nvPr/>
+              </p:nvSpPr>
+              <p:spPr>
+                <a:xfrm>
+                  <a:off x="4081855" y="2145409"/>
+                  <a:ext cx="399020" cy="307777"/>
+                </a:xfrm>
+                <a:prstGeom prst="rect">
+                  <a:avLst/>
+                </a:prstGeom>
+                <a:blipFill>
+                  <a:blip r:embed="rId2"/>
+                  <a:stretch>
+                    <a:fillRect l="-7692" r="-4615" b="-20000"/>
+                  </a:stretch>
+                </a:blipFill>
+              </p:spPr>
+              <p:txBody>
+                <a:bodyPr/>
+                <a:lstStyle/>
+                <a:p>
+                  <a:r>
+                    <a:rPr lang="en-US">
+                      <a:noFill/>
+                    </a:rPr>
+                    <a:t> </a:t>
+                  </a:r>
+                </a:p>
+              </p:txBody>
+            </p:sp>
+          </mc:Fallback>
+        </mc:AlternateContent>
+        <mc:AlternateContent xmlns:mc="http://schemas.openxmlformats.org/markup-compatibility/2006">
+          <mc:Choice xmlns:a14="http://schemas.microsoft.com/office/drawing/2010/main" Requires="a14">
+            <p:sp>
+              <p:nvSpPr>
+                <p:cNvPr id="29" name="TextBox 28"/>
+                <p:cNvSpPr txBox="1"/>
+                <p:nvPr/>
+              </p:nvSpPr>
+              <p:spPr>
+                <a:xfrm>
+                  <a:off x="7143067" y="1340180"/>
+                  <a:ext cx="404983" cy="307777"/>
+                </a:xfrm>
+                <a:prstGeom prst="rect">
+                  <a:avLst/>
+                </a:prstGeom>
+                <a:noFill/>
+              </p:spPr>
+              <p:txBody>
+                <a:bodyPr wrap="none" lIns="0" tIns="0" rIns="0" bIns="0" rtlCol="0">
+                  <a:spAutoFit/>
+                </a:bodyPr>
+                <a:lstStyle/>
+                <a:p>
+                  <a14:m>
+                    <m:oMathPara xmlns:m="http://schemas.openxmlformats.org/officeDocument/2006/math">
+                      <m:oMathParaPr>
+                        <m:jc m:val="centerGroup"/>
+                      </m:oMathParaPr>
+                      <m:oMath xmlns:m="http://schemas.openxmlformats.org/officeDocument/2006/math">
+                        <m:sSub>
+                          <m:sSubPr>
+                            <m:ctrlPr>
+                              <a:rPr lang="en-US" sz="2000" b="0" i="1" smtClean="0">
+                                <a:latin typeface="Cambria Math" panose="02040503050406030204" pitchFamily="18" charset="0"/>
+                                <a:cs typeface="Arial" panose="020B0604020202020204" pitchFamily="34" charset="0"/>
+                              </a:rPr>
+                            </m:ctrlPr>
+                          </m:sSubPr>
+                          <m:e>
+                            <m:r>
+                              <a:rPr lang="en-US" sz="2000" b="0" i="1" smtClean="0">
+                                <a:latin typeface="Cambria Math" panose="02040503050406030204" pitchFamily="18" charset="0"/>
+                                <a:cs typeface="Arial" panose="020B0604020202020204" pitchFamily="34" charset="0"/>
+                              </a:rPr>
+                              <m:t>𝑚</m:t>
+                            </m:r>
+                          </m:e>
+                          <m:sub>
+                            <m:r>
+                              <a:rPr lang="en-US" sz="2000" b="0" i="1" smtClean="0">
+                                <a:latin typeface="Cambria Math" panose="02040503050406030204" pitchFamily="18" charset="0"/>
+                                <a:cs typeface="Arial" panose="020B0604020202020204" pitchFamily="34" charset="0"/>
+                              </a:rPr>
+                              <m:t>2</m:t>
+                            </m:r>
+                          </m:sub>
+                        </m:sSub>
+                      </m:oMath>
+                    </m:oMathPara>
+                  </a14:m>
+                  <a:endParaRPr lang="en-US" sz="2000" dirty="0" smtClean="0">
+                    <a:latin typeface="Arial" panose="020B0604020202020204" pitchFamily="34" charset="0"/>
+                    <a:cs typeface="Arial" panose="020B0604020202020204" pitchFamily="34" charset="0"/>
+                  </a:endParaRPr>
+                </a:p>
+              </p:txBody>
+            </p:sp>
+          </mc:Choice>
+          <mc:Fallback>
+            <p:sp>
+              <p:nvSpPr>
+                <p:cNvPr id="29" name="TextBox 28"/>
+                <p:cNvSpPr txBox="1">
+                  <a:spLocks noRot="1" noChangeAspect="1" noMove="1" noResize="1" noEditPoints="1" noAdjustHandles="1" noChangeArrowheads="1" noChangeShapeType="1" noTextEdit="1"/>
+                </p:cNvSpPr>
+                <p:nvPr/>
+              </p:nvSpPr>
+              <p:spPr>
+                <a:xfrm>
+                  <a:off x="7143067" y="1340180"/>
+                  <a:ext cx="404983" cy="307777"/>
+                </a:xfrm>
+                <a:prstGeom prst="rect">
+                  <a:avLst/>
+                </a:prstGeom>
+                <a:blipFill>
+                  <a:blip r:embed="rId3"/>
+                  <a:stretch>
+                    <a:fillRect l="-7576" r="-4545" b="-20000"/>
+                  </a:stretch>
+                </a:blipFill>
+              </p:spPr>
+              <p:txBody>
+                <a:bodyPr/>
+                <a:lstStyle/>
+                <a:p>
+                  <a:r>
+                    <a:rPr lang="en-US">
+                      <a:noFill/>
+                    </a:rPr>
+                    <a:t> </a:t>
+                  </a:r>
+                </a:p>
+              </p:txBody>
+            </p:sp>
+          </mc:Fallback>
+        </mc:AlternateContent>
+        <p:sp>
+          <p:nvSpPr>
+            <p:cNvPr id="30" name="Right Arrow 29"/>
+            <p:cNvSpPr/>
+            <p:nvPr/>
+          </p:nvSpPr>
+          <p:spPr>
+            <a:xfrm rot="9036539">
+              <a:off x="3611864" y="1723445"/>
+              <a:ext cx="700928" cy="118979"/>
+            </a:xfrm>
+            <a:prstGeom prst="rightArrow">
+              <a:avLst/>
+            </a:prstGeom>
+            <a:solidFill>
+              <a:schemeClr val="tx1"/>
+            </a:solidFill>
+            <a:ln w="38100">
+              <a:solidFill>
+                <a:schemeClr val="tx1"/>
+              </a:solidFill>
+            </a:ln>
+          </p:spPr>
+          <p:style>
+            <a:lnRef idx="2">
+              <a:schemeClr val="accent1">
+                <a:shade val="50000"/>
+              </a:schemeClr>
+            </a:lnRef>
+            <a:fillRef idx="1">
+              <a:schemeClr val="accent1"/>
+            </a:fillRef>
+            <a:effectRef idx="0">
+              <a:schemeClr val="accent1"/>
+            </a:effectRef>
+            <a:fontRef idx="minor">
+              <a:schemeClr val="lt1"/>
+            </a:fontRef>
+          </p:style>
+          <p:txBody>
+            <a:bodyPr rtlCol="0" anchor="ctr"/>
+            <a:lstStyle/>
+            <a:p>
+              <a:pPr algn="ctr"/>
+              <a:endParaRPr lang="en-US" dirty="0"/>
+            </a:p>
+          </p:txBody>
+        </p:sp>
+        <p:sp>
+          <p:nvSpPr>
+            <p:cNvPr id="31" name="Right Arrow 30"/>
+            <p:cNvSpPr/>
+            <p:nvPr/>
+          </p:nvSpPr>
+          <p:spPr>
+            <a:xfrm rot="10800000">
+              <a:off x="6992113" y="877399"/>
+              <a:ext cx="700928" cy="118979"/>
+            </a:xfrm>
+            <a:prstGeom prst="rightArrow">
+              <a:avLst/>
+            </a:prstGeom>
+            <a:solidFill>
+              <a:schemeClr val="tx1"/>
+            </a:solidFill>
+            <a:ln w="38100">
+              <a:solidFill>
+                <a:schemeClr val="tx1"/>
+              </a:solidFill>
+            </a:ln>
+          </p:spPr>
+          <p:style>
+            <a:lnRef idx="2">
+              <a:schemeClr val="accent1">
+                <a:shade val="50000"/>
+              </a:schemeClr>
+            </a:lnRef>
+            <a:fillRef idx="1">
+              <a:schemeClr val="accent1"/>
+            </a:fillRef>
+            <a:effectRef idx="0">
+              <a:schemeClr val="accent1"/>
+            </a:effectRef>
+            <a:fontRef idx="minor">
+              <a:schemeClr val="lt1"/>
+            </a:fontRef>
+          </p:style>
+          <p:txBody>
+            <a:bodyPr rtlCol="0" anchor="ctr"/>
+            <a:lstStyle/>
+            <a:p>
+              <a:pPr algn="ctr"/>
+              <a:endParaRPr lang="en-US"/>
+            </a:p>
+          </p:txBody>
+        </p:sp>
+        <mc:AlternateContent xmlns:mc="http://schemas.openxmlformats.org/markup-compatibility/2006">
+          <mc:Choice xmlns:a14="http://schemas.microsoft.com/office/drawing/2010/main" Requires="a14">
+            <p:sp>
+              <p:nvSpPr>
+                <p:cNvPr id="32" name="TextBox 31"/>
+                <p:cNvSpPr txBox="1"/>
+                <p:nvPr/>
+              </p:nvSpPr>
+              <p:spPr>
+                <a:xfrm>
+                  <a:off x="3744186" y="1358943"/>
+                  <a:ext cx="326884" cy="307777"/>
+                </a:xfrm>
+                <a:prstGeom prst="rect">
+                  <a:avLst/>
+                </a:prstGeom>
+                <a:noFill/>
+              </p:spPr>
+              <p:txBody>
+                <a:bodyPr wrap="none" lIns="0" tIns="0" rIns="0" bIns="0" rtlCol="0">
+                  <a:spAutoFit/>
+                </a:bodyPr>
+                <a:lstStyle/>
+                <a:p>
+                  <a14:m>
+                    <m:oMathPara xmlns:m="http://schemas.openxmlformats.org/officeDocument/2006/math">
+                      <m:oMathParaPr>
+                        <m:jc m:val="centerGroup"/>
+                      </m:oMathParaPr>
+                      <m:oMath xmlns:m="http://schemas.openxmlformats.org/officeDocument/2006/math">
+                        <m:sSub>
+                          <m:sSubPr>
+                            <m:ctrlPr>
+                              <a:rPr lang="en-US" sz="2000" b="0" i="1" smtClean="0">
+                                <a:latin typeface="Cambria Math" panose="02040503050406030204" pitchFamily="18" charset="0"/>
+                                <a:cs typeface="Arial" panose="020B0604020202020204" pitchFamily="34" charset="0"/>
+                              </a:rPr>
+                            </m:ctrlPr>
+                          </m:sSubPr>
+                          <m:e>
+                            <m:acc>
+                              <m:accPr>
+                                <m:chr m:val="⃗"/>
+                                <m:ctrlPr>
+                                  <a:rPr lang="en-US" sz="2000" b="0" i="1" smtClean="0">
+                                    <a:latin typeface="Cambria Math" panose="02040503050406030204" pitchFamily="18" charset="0"/>
+                                    <a:cs typeface="Arial" panose="020B0604020202020204" pitchFamily="34" charset="0"/>
+                                  </a:rPr>
+                                </m:ctrlPr>
+                              </m:accPr>
+                              <m:e>
+                                <m:r>
+                                  <a:rPr lang="en-US" sz="2000" b="0" i="1" smtClean="0">
+                                    <a:latin typeface="Cambria Math" panose="02040503050406030204" pitchFamily="18" charset="0"/>
+                                    <a:cs typeface="Arial" panose="020B0604020202020204" pitchFamily="34" charset="0"/>
+                                  </a:rPr>
+                                  <m:t>𝑎</m:t>
+                                </m:r>
+                              </m:e>
+                            </m:acc>
+                          </m:e>
+                          <m:sub>
+                            <m:r>
+                              <a:rPr lang="en-US" sz="2000" b="0" i="1" smtClean="0">
+                                <a:latin typeface="Cambria Math" panose="02040503050406030204" pitchFamily="18" charset="0"/>
+                                <a:cs typeface="Arial" panose="020B0604020202020204" pitchFamily="34" charset="0"/>
+                              </a:rPr>
+                              <m:t>1</m:t>
+                            </m:r>
+                          </m:sub>
+                        </m:sSub>
+                      </m:oMath>
+                    </m:oMathPara>
+                  </a14:m>
+                  <a:endParaRPr lang="en-US" sz="2000" dirty="0" smtClean="0">
+                    <a:latin typeface="Arial" panose="020B0604020202020204" pitchFamily="34" charset="0"/>
+                    <a:cs typeface="Arial" panose="020B0604020202020204" pitchFamily="34" charset="0"/>
+                  </a:endParaRPr>
+                </a:p>
+              </p:txBody>
+            </p:sp>
+          </mc:Choice>
+          <mc:Fallback>
+            <p:sp>
+              <p:nvSpPr>
+                <p:cNvPr id="32" name="TextBox 31"/>
+                <p:cNvSpPr txBox="1">
+                  <a:spLocks noRot="1" noChangeAspect="1" noMove="1" noResize="1" noEditPoints="1" noAdjustHandles="1" noChangeArrowheads="1" noChangeShapeType="1" noTextEdit="1"/>
+                </p:cNvSpPr>
+                <p:nvPr/>
+              </p:nvSpPr>
+              <p:spPr>
+                <a:xfrm>
+                  <a:off x="3744186" y="1358943"/>
+                  <a:ext cx="326884" cy="307777"/>
+                </a:xfrm>
+                <a:prstGeom prst="rect">
+                  <a:avLst/>
+                </a:prstGeom>
+                <a:blipFill>
+                  <a:blip r:embed="rId4"/>
+                  <a:stretch>
+                    <a:fillRect l="-12963" t="-36000" r="-61111" b="-20000"/>
+                  </a:stretch>
+                </a:blipFill>
+              </p:spPr>
+              <p:txBody>
+                <a:bodyPr/>
+                <a:lstStyle/>
+                <a:p>
+                  <a:r>
+                    <a:rPr lang="en-US">
+                      <a:noFill/>
+                    </a:rPr>
+                    <a:t> </a:t>
+                  </a:r>
+                </a:p>
+              </p:txBody>
+            </p:sp>
+          </mc:Fallback>
+        </mc:AlternateContent>
+        <mc:AlternateContent xmlns:mc="http://schemas.openxmlformats.org/markup-compatibility/2006">
+          <mc:Choice xmlns:a14="http://schemas.microsoft.com/office/drawing/2010/main" Requires="a14">
+            <p:sp>
+              <p:nvSpPr>
+                <p:cNvPr id="33" name="TextBox 32"/>
+                <p:cNvSpPr txBox="1"/>
+                <p:nvPr/>
+              </p:nvSpPr>
+              <p:spPr>
+                <a:xfrm>
+                  <a:off x="7221166" y="557878"/>
+                  <a:ext cx="332847" cy="307777"/>
+                </a:xfrm>
+                <a:prstGeom prst="rect">
+                  <a:avLst/>
+                </a:prstGeom>
+                <a:noFill/>
+              </p:spPr>
+              <p:txBody>
+                <a:bodyPr wrap="none" lIns="0" tIns="0" rIns="0" bIns="0" rtlCol="0">
+                  <a:spAutoFit/>
+                </a:bodyPr>
+                <a:lstStyle/>
+                <a:p>
+                  <a14:m>
+                    <m:oMathPara xmlns:m="http://schemas.openxmlformats.org/officeDocument/2006/math">
+                      <m:oMathParaPr>
+                        <m:jc m:val="centerGroup"/>
+                      </m:oMathParaPr>
+                      <m:oMath xmlns:m="http://schemas.openxmlformats.org/officeDocument/2006/math">
+                        <m:sSub>
+                          <m:sSubPr>
+                            <m:ctrlPr>
+                              <a:rPr lang="en-US" sz="2000" b="0" i="1" smtClean="0">
+                                <a:latin typeface="Cambria Math" panose="02040503050406030204" pitchFamily="18" charset="0"/>
+                                <a:cs typeface="Arial" panose="020B0604020202020204" pitchFamily="34" charset="0"/>
+                              </a:rPr>
+                            </m:ctrlPr>
+                          </m:sSubPr>
+                          <m:e>
+                            <m:acc>
+                              <m:accPr>
+                                <m:chr m:val="⃗"/>
+                                <m:ctrlPr>
+                                  <a:rPr lang="en-US" sz="2000" b="0" i="1" smtClean="0">
+                                    <a:latin typeface="Cambria Math" panose="02040503050406030204" pitchFamily="18" charset="0"/>
+                                    <a:cs typeface="Arial" panose="020B0604020202020204" pitchFamily="34" charset="0"/>
+                                  </a:rPr>
+                                </m:ctrlPr>
+                              </m:accPr>
+                              <m:e>
+                                <m:r>
+                                  <a:rPr lang="en-US" sz="2000" b="0" i="1" smtClean="0">
+                                    <a:latin typeface="Cambria Math" panose="02040503050406030204" pitchFamily="18" charset="0"/>
+                                    <a:cs typeface="Arial" panose="020B0604020202020204" pitchFamily="34" charset="0"/>
+                                  </a:rPr>
+                                  <m:t>𝑎</m:t>
+                                </m:r>
+                              </m:e>
+                            </m:acc>
+                          </m:e>
+                          <m:sub>
+                            <m:r>
+                              <a:rPr lang="en-US" sz="2000" b="0" i="1" smtClean="0">
+                                <a:latin typeface="Cambria Math" panose="02040503050406030204" pitchFamily="18" charset="0"/>
+                                <a:cs typeface="Arial" panose="020B0604020202020204" pitchFamily="34" charset="0"/>
+                              </a:rPr>
+                              <m:t>2</m:t>
+                            </m:r>
+                          </m:sub>
+                        </m:sSub>
+                      </m:oMath>
+                    </m:oMathPara>
+                  </a14:m>
+                  <a:endParaRPr lang="en-US" sz="2000" dirty="0" smtClean="0">
+                    <a:latin typeface="Arial" panose="020B0604020202020204" pitchFamily="34" charset="0"/>
+                    <a:cs typeface="Arial" panose="020B0604020202020204" pitchFamily="34" charset="0"/>
+                  </a:endParaRPr>
+                </a:p>
+              </p:txBody>
+            </p:sp>
+          </mc:Choice>
+          <mc:Fallback>
+            <p:sp>
+              <p:nvSpPr>
+                <p:cNvPr id="33" name="TextBox 32"/>
+                <p:cNvSpPr txBox="1">
+                  <a:spLocks noRot="1" noChangeAspect="1" noMove="1" noResize="1" noEditPoints="1" noAdjustHandles="1" noChangeArrowheads="1" noChangeShapeType="1" noTextEdit="1"/>
+                </p:cNvSpPr>
+                <p:nvPr/>
+              </p:nvSpPr>
+              <p:spPr>
+                <a:xfrm>
+                  <a:off x="7221166" y="557878"/>
+                  <a:ext cx="332847" cy="307777"/>
+                </a:xfrm>
+                <a:prstGeom prst="rect">
+                  <a:avLst/>
+                </a:prstGeom>
+                <a:blipFill>
+                  <a:blip r:embed="rId5"/>
+                  <a:stretch>
+                    <a:fillRect l="-14815" t="-36000" r="-61111" b="-20000"/>
+                  </a:stretch>
+                </a:blipFill>
+              </p:spPr>
+              <p:txBody>
+                <a:bodyPr/>
+                <a:lstStyle/>
+                <a:p>
+                  <a:r>
+                    <a:rPr lang="en-US">
+                      <a:noFill/>
+                    </a:rPr>
+                    <a:t> </a:t>
+                  </a:r>
+                </a:p>
+              </p:txBody>
+            </p:sp>
+          </mc:Fallback>
+        </mc:AlternateContent>
+        <mc:AlternateContent xmlns:mc="http://schemas.openxmlformats.org/markup-compatibility/2006">
+          <mc:Choice xmlns:a14="http://schemas.microsoft.com/office/drawing/2010/main" Requires="a14">
+            <p:sp>
+              <p:nvSpPr>
+                <p:cNvPr id="34" name="TextBox 33"/>
+                <p:cNvSpPr txBox="1"/>
+                <p:nvPr/>
+              </p:nvSpPr>
+              <p:spPr>
+                <a:xfrm>
+                  <a:off x="3389273" y="3163658"/>
+                  <a:ext cx="222304" cy="307777"/>
+                </a:xfrm>
+                <a:prstGeom prst="rect">
+                  <a:avLst/>
+                </a:prstGeom>
+                <a:noFill/>
+              </p:spPr>
+              <p:txBody>
+                <a:bodyPr wrap="none" lIns="0" tIns="0" rIns="0" bIns="0" rtlCol="0">
+                  <a:spAutoFit/>
+                </a:bodyPr>
+                <a:lstStyle/>
+                <a:p>
+                  <a14:m>
+                    <m:oMathPara xmlns:m="http://schemas.openxmlformats.org/officeDocument/2006/math">
+                      <m:oMathParaPr>
+                        <m:jc m:val="centerGroup"/>
+                      </m:oMathParaPr>
+                      <m:oMath xmlns:m="http://schemas.openxmlformats.org/officeDocument/2006/math">
+                        <m:r>
+                          <a:rPr lang="en-US" sz="2000" b="0" i="1" smtClean="0">
+                            <a:latin typeface="Cambria Math" panose="02040503050406030204" pitchFamily="18" charset="0"/>
+                            <a:cs typeface="Arial" panose="020B0604020202020204" pitchFamily="34" charset="0"/>
+                          </a:rPr>
+                          <m:t>𝜃</m:t>
+                        </m:r>
+                      </m:oMath>
+                    </m:oMathPara>
+                  </a14:m>
+                  <a:endParaRPr lang="en-US" sz="2000" dirty="0" smtClean="0">
+                    <a:latin typeface="Arial" panose="020B0604020202020204" pitchFamily="34" charset="0"/>
+                    <a:cs typeface="Arial" panose="020B0604020202020204" pitchFamily="34" charset="0"/>
+                  </a:endParaRPr>
+                </a:p>
+              </p:txBody>
+            </p:sp>
+          </mc:Choice>
+          <mc:Fallback>
+            <p:sp>
+              <p:nvSpPr>
+                <p:cNvPr id="34" name="TextBox 33"/>
+                <p:cNvSpPr txBox="1">
+                  <a:spLocks noRot="1" noChangeAspect="1" noMove="1" noResize="1" noEditPoints="1" noAdjustHandles="1" noChangeArrowheads="1" noChangeShapeType="1" noTextEdit="1"/>
+                </p:cNvSpPr>
+                <p:nvPr/>
+              </p:nvSpPr>
+              <p:spPr>
+                <a:xfrm>
+                  <a:off x="3389273" y="3163658"/>
+                  <a:ext cx="222304" cy="307777"/>
+                </a:xfrm>
+                <a:prstGeom prst="rect">
+                  <a:avLst/>
+                </a:prstGeom>
+                <a:blipFill>
+                  <a:blip r:embed="rId6"/>
+                  <a:stretch>
+                    <a:fillRect l="-25000" r="-25000" b="-12000"/>
+                  </a:stretch>
+                </a:blipFill>
+              </p:spPr>
+              <p:txBody>
+                <a:bodyPr/>
+                <a:lstStyle/>
+                <a:p>
+                  <a:r>
+                    <a:rPr lang="en-US">
+                      <a:noFill/>
+                    </a:rPr>
+                    <a:t> </a:t>
+                  </a:r>
+                </a:p>
+              </p:txBody>
+            </p:sp>
+          </mc:Fallback>
+        </mc:AlternateContent>
+      </p:grpSp>
+      <p:grpSp>
+        <p:nvGrpSpPr>
+          <p:cNvPr id="122" name="Group 121"/>
+          <p:cNvGrpSpPr/>
+          <p:nvPr/>
+        </p:nvGrpSpPr>
+        <p:grpSpPr>
+          <a:xfrm>
+            <a:off x="2456484" y="3949069"/>
+            <a:ext cx="2402574" cy="2398815"/>
+            <a:chOff x="2456484" y="3949069"/>
+            <a:chExt cx="2402574" cy="2398815"/>
+          </a:xfrm>
+        </p:grpSpPr>
+        <p:sp>
+          <p:nvSpPr>
+            <p:cNvPr id="37" name="Oval 36"/>
+            <p:cNvSpPr/>
+            <p:nvPr/>
+          </p:nvSpPr>
+          <p:spPr>
+            <a:xfrm>
+              <a:off x="3848252" y="5123023"/>
+              <a:ext cx="120943" cy="119766"/>
+            </a:xfrm>
+            <a:prstGeom prst="ellipse">
+              <a:avLst/>
+            </a:prstGeom>
+            <a:solidFill>
+              <a:schemeClr val="tx1"/>
+            </a:solidFill>
+            <a:ln w="38100">
+              <a:solidFill>
+                <a:schemeClr val="tx1"/>
+              </a:solidFill>
+            </a:ln>
+          </p:spPr>
+          <p:style>
+            <a:lnRef idx="2">
+              <a:schemeClr val="accent1">
+                <a:shade val="50000"/>
+              </a:schemeClr>
+            </a:lnRef>
+            <a:fillRef idx="1">
+              <a:schemeClr val="accent1"/>
+            </a:fillRef>
+            <a:effectRef idx="0">
+              <a:schemeClr val="accent1"/>
+            </a:effectRef>
+            <a:fontRef idx="minor">
+              <a:schemeClr val="lt1"/>
+            </a:fontRef>
+          </p:style>
+          <p:txBody>
+            <a:bodyPr rtlCol="0" anchor="ctr"/>
+            <a:lstStyle/>
+            <a:p>
+              <a:pPr algn="ctr"/>
+              <a:endParaRPr lang="en-US"/>
+            </a:p>
+          </p:txBody>
+        </p:sp>
+        <p:cxnSp>
+          <p:nvCxnSpPr>
+            <p:cNvPr id="38" name="Straight Arrow Connector 37"/>
+            <p:cNvCxnSpPr/>
+            <p:nvPr/>
+          </p:nvCxnSpPr>
+          <p:spPr>
+            <a:xfrm flipV="1">
+              <a:off x="3929882" y="4844910"/>
+              <a:ext cx="407484" cy="275302"/>
+            </a:xfrm>
+            <a:prstGeom prst="straightConnector1">
+              <a:avLst/>
+            </a:prstGeom>
+            <a:ln w="38100">
+              <a:solidFill>
+                <a:schemeClr val="tx1"/>
+              </a:solidFill>
+              <a:tailEnd type="triangle"/>
+            </a:ln>
+          </p:spPr>
+          <p:style>
+            <a:lnRef idx="1">
+              <a:schemeClr val="accent1"/>
+            </a:lnRef>
+            <a:fillRef idx="0">
+              <a:schemeClr val="accent1"/>
+            </a:fillRef>
+            <a:effectRef idx="0">
+              <a:schemeClr val="accent1"/>
+            </a:effectRef>
+            <a:fontRef idx="minor">
+              <a:schemeClr val="tx1"/>
+            </a:fontRef>
+          </p:style>
+        </p:cxnSp>
+        <p:cxnSp>
+          <p:nvCxnSpPr>
+            <p:cNvPr id="39" name="Straight Arrow Connector 38"/>
+            <p:cNvCxnSpPr/>
+            <p:nvPr/>
+          </p:nvCxnSpPr>
+          <p:spPr>
+            <a:xfrm flipH="1">
+              <a:off x="3902089" y="5210549"/>
+              <a:ext cx="1899" cy="655716"/>
+            </a:xfrm>
+            <a:prstGeom prst="straightConnector1">
+              <a:avLst/>
+            </a:prstGeom>
+            <a:ln w="38100">
+              <a:solidFill>
+                <a:schemeClr val="tx1"/>
+              </a:solidFill>
+              <a:tailEnd type="triangle"/>
+            </a:ln>
+          </p:spPr>
+          <p:style>
+            <a:lnRef idx="1">
+              <a:schemeClr val="accent1"/>
+            </a:lnRef>
+            <a:fillRef idx="0">
+              <a:schemeClr val="accent1"/>
+            </a:fillRef>
+            <a:effectRef idx="0">
+              <a:schemeClr val="accent1"/>
+            </a:effectRef>
+            <a:fontRef idx="minor">
+              <a:schemeClr val="tx1"/>
+            </a:fontRef>
+          </p:style>
+        </p:cxnSp>
+        <p:cxnSp>
+          <p:nvCxnSpPr>
+            <p:cNvPr id="40" name="Straight Arrow Connector 39"/>
+            <p:cNvCxnSpPr/>
+            <p:nvPr/>
+          </p:nvCxnSpPr>
+          <p:spPr>
+            <a:xfrm flipH="1" flipV="1">
+              <a:off x="3513037" y="4489074"/>
+              <a:ext cx="350060" cy="643365"/>
+            </a:xfrm>
+            <a:prstGeom prst="straightConnector1">
+              <a:avLst/>
+            </a:prstGeom>
+            <a:ln w="38100">
+              <a:solidFill>
+                <a:schemeClr val="tx1"/>
+              </a:solidFill>
+              <a:tailEnd type="triangle"/>
+            </a:ln>
+          </p:spPr>
+          <p:style>
+            <a:lnRef idx="1">
+              <a:schemeClr val="accent1"/>
+            </a:lnRef>
+            <a:fillRef idx="0">
+              <a:schemeClr val="accent1"/>
+            </a:fillRef>
+            <a:effectRef idx="0">
+              <a:schemeClr val="accent1"/>
+            </a:effectRef>
+            <a:fontRef idx="minor">
+              <a:schemeClr val="tx1"/>
+            </a:fontRef>
+          </p:style>
+        </p:cxnSp>
+        <p:cxnSp>
+          <p:nvCxnSpPr>
+            <p:cNvPr id="41" name="Straight Arrow Connector 40"/>
+            <p:cNvCxnSpPr/>
+            <p:nvPr/>
+          </p:nvCxnSpPr>
+          <p:spPr>
+            <a:xfrm flipV="1">
+              <a:off x="3967481" y="4890052"/>
+              <a:ext cx="508409" cy="302619"/>
+            </a:xfrm>
+            <a:prstGeom prst="straightConnector1">
+              <a:avLst/>
+            </a:prstGeom>
+            <a:ln w="38100">
+              <a:solidFill>
+                <a:schemeClr val="tx1"/>
+              </a:solidFill>
+              <a:tailEnd type="triangle"/>
+            </a:ln>
+          </p:spPr>
+          <p:style>
+            <a:lnRef idx="1">
+              <a:schemeClr val="accent1"/>
+            </a:lnRef>
+            <a:fillRef idx="0">
+              <a:schemeClr val="accent1"/>
+            </a:fillRef>
+            <a:effectRef idx="0">
+              <a:schemeClr val="accent1"/>
+            </a:effectRef>
+            <a:fontRef idx="minor">
+              <a:schemeClr val="tx1"/>
+            </a:fontRef>
+          </p:style>
+        </p:cxnSp>
+        <mc:AlternateContent xmlns:mc="http://schemas.openxmlformats.org/markup-compatibility/2006">
+          <mc:Choice xmlns:a14="http://schemas.microsoft.com/office/drawing/2010/main" Requires="a14">
+            <p:sp>
+              <p:nvSpPr>
+                <p:cNvPr id="42" name="TextBox 41"/>
+                <p:cNvSpPr txBox="1"/>
+                <p:nvPr/>
+              </p:nvSpPr>
+              <p:spPr>
+                <a:xfrm>
+                  <a:off x="3998225" y="4420153"/>
+                  <a:ext cx="404983" cy="354071"/>
+                </a:xfrm>
+                <a:prstGeom prst="rect">
+                  <a:avLst/>
+                </a:prstGeom>
+                <a:noFill/>
+              </p:spPr>
+              <p:txBody>
+                <a:bodyPr wrap="none" lIns="0" tIns="0" rIns="0" bIns="0" rtlCol="0">
+                  <a:spAutoFit/>
+                </a:bodyPr>
+                <a:lstStyle/>
+                <a:p>
+                  <a:pPr/>
+                  <a14:m>
+                    <m:oMathPara xmlns:m="http://schemas.openxmlformats.org/officeDocument/2006/math">
+                      <m:oMathParaPr>
+                        <m:jc m:val="centerGroup"/>
+                      </m:oMathParaPr>
+                      <m:oMath xmlns:m="http://schemas.openxmlformats.org/officeDocument/2006/math">
+                        <m:sSub>
+                          <m:sSubPr>
+                            <m:ctrlPr>
+                              <a:rPr lang="en-US" sz="2000" b="0" i="1" smtClean="0">
+                                <a:latin typeface="Cambria Math" panose="02040503050406030204" pitchFamily="18" charset="0"/>
+                                <a:cs typeface="Arial" panose="020B0604020202020204" pitchFamily="34" charset="0"/>
+                              </a:rPr>
+                            </m:ctrlPr>
+                          </m:sSubPr>
+                          <m:e>
+                            <m:acc>
+                              <m:accPr>
+                                <m:chr m:val="⃗"/>
+                                <m:ctrlPr>
+                                  <a:rPr lang="en-US" sz="2000" b="0" i="1" smtClean="0">
+                                    <a:latin typeface="Cambria Math" panose="02040503050406030204" pitchFamily="18" charset="0"/>
+                                    <a:cs typeface="Arial" panose="020B0604020202020204" pitchFamily="34" charset="0"/>
+                                  </a:rPr>
+                                </m:ctrlPr>
+                              </m:accPr>
+                              <m:e>
+                                <m:r>
+                                  <a:rPr lang="en-US" sz="2000" b="0" i="1" smtClean="0">
+                                    <a:latin typeface="Cambria Math" panose="02040503050406030204" pitchFamily="18" charset="0"/>
+                                    <a:cs typeface="Arial" panose="020B0604020202020204" pitchFamily="34" charset="0"/>
+                                  </a:rPr>
+                                  <m:t>𝑓</m:t>
+                                </m:r>
+                              </m:e>
+                            </m:acc>
+                          </m:e>
+                          <m:sub>
+                            <m:r>
+                              <a:rPr lang="en-US" sz="2000" b="0" i="1" smtClean="0">
+                                <a:latin typeface="Cambria Math" panose="02040503050406030204" pitchFamily="18" charset="0"/>
+                                <a:cs typeface="Arial" panose="020B0604020202020204" pitchFamily="34" charset="0"/>
+                              </a:rPr>
+                              <m:t>𝑘</m:t>
+                            </m:r>
+                            <m:r>
+                              <a:rPr lang="en-US" sz="2000" b="0" i="1" smtClean="0">
+                                <a:latin typeface="Cambria Math" panose="02040503050406030204" pitchFamily="18" charset="0"/>
+                                <a:cs typeface="Arial" panose="020B0604020202020204" pitchFamily="34" charset="0"/>
+                              </a:rPr>
+                              <m:t>1</m:t>
+                            </m:r>
+                          </m:sub>
+                        </m:sSub>
+                      </m:oMath>
+                    </m:oMathPara>
+                  </a14:m>
+                  <a:endParaRPr lang="en-US" sz="2000" dirty="0" smtClean="0">
+                    <a:latin typeface="Arial" panose="020B0604020202020204" pitchFamily="34" charset="0"/>
+                    <a:cs typeface="Arial" panose="020B0604020202020204" pitchFamily="34" charset="0"/>
+                  </a:endParaRPr>
+                </a:p>
+              </p:txBody>
+            </p:sp>
+          </mc:Choice>
+          <mc:Fallback>
+            <p:sp>
+              <p:nvSpPr>
+                <p:cNvPr id="42" name="TextBox 41"/>
+                <p:cNvSpPr txBox="1">
+                  <a:spLocks noRot="1" noChangeAspect="1" noMove="1" noResize="1" noEditPoints="1" noAdjustHandles="1" noChangeArrowheads="1" noChangeShapeType="1" noTextEdit="1"/>
+                </p:cNvSpPr>
+                <p:nvPr/>
+              </p:nvSpPr>
+              <p:spPr>
+                <a:xfrm>
+                  <a:off x="3998225" y="4420153"/>
+                  <a:ext cx="404983" cy="354071"/>
+                </a:xfrm>
+                <a:prstGeom prst="rect">
+                  <a:avLst/>
+                </a:prstGeom>
+                <a:blipFill>
+                  <a:blip r:embed="rId7"/>
+                  <a:stretch>
+                    <a:fillRect l="-21212" t="-32759" r="-51515" b="-32759"/>
+                  </a:stretch>
+                </a:blipFill>
+              </p:spPr>
+              <p:txBody>
+                <a:bodyPr/>
+                <a:lstStyle/>
+                <a:p>
+                  <a:r>
+                    <a:rPr lang="en-US">
+                      <a:noFill/>
+                    </a:rPr>
+                    <a:t> </a:t>
+                  </a:r>
+                </a:p>
+              </p:txBody>
+            </p:sp>
+          </mc:Fallback>
+        </mc:AlternateContent>
+        <mc:AlternateContent xmlns:mc="http://schemas.openxmlformats.org/markup-compatibility/2006">
+          <mc:Choice xmlns:a14="http://schemas.microsoft.com/office/drawing/2010/main" Requires="a14">
+            <p:sp>
+              <p:nvSpPr>
+                <p:cNvPr id="43" name="TextBox 42"/>
+                <p:cNvSpPr txBox="1"/>
+                <p:nvPr/>
+              </p:nvSpPr>
+              <p:spPr>
+                <a:xfrm>
+                  <a:off x="3180073" y="4477495"/>
+                  <a:ext cx="350481" cy="345159"/>
+                </a:xfrm>
+                <a:prstGeom prst="rect">
+                  <a:avLst/>
+                </a:prstGeom>
+                <a:noFill/>
+              </p:spPr>
+              <p:txBody>
+                <a:bodyPr wrap="none" lIns="0" tIns="0" rIns="0" bIns="0" rtlCol="0">
+                  <a:spAutoFit/>
+                </a:bodyPr>
+                <a:lstStyle/>
+                <a:p>
+                  <a:pPr/>
+                  <a14:m>
+                    <m:oMathPara xmlns:m="http://schemas.openxmlformats.org/officeDocument/2006/math">
+                      <m:oMathParaPr>
+                        <m:jc m:val="centerGroup"/>
+                      </m:oMathParaPr>
+                      <m:oMath xmlns:m="http://schemas.openxmlformats.org/officeDocument/2006/math">
+                        <m:sSub>
+                          <m:sSubPr>
+                            <m:ctrlPr>
+                              <a:rPr lang="en-US" sz="2000" b="0" i="1" smtClean="0">
+                                <a:latin typeface="Cambria Math" panose="02040503050406030204" pitchFamily="18" charset="0"/>
+                                <a:cs typeface="Arial" panose="020B0604020202020204" pitchFamily="34" charset="0"/>
+                              </a:rPr>
+                            </m:ctrlPr>
+                          </m:sSubPr>
+                          <m:e>
+                            <m:acc>
+                              <m:accPr>
+                                <m:chr m:val="⃗"/>
+                                <m:ctrlPr>
+                                  <a:rPr lang="en-US" sz="2000" b="0" i="1" smtClean="0">
+                                    <a:latin typeface="Cambria Math" panose="02040503050406030204" pitchFamily="18" charset="0"/>
+                                    <a:cs typeface="Arial" panose="020B0604020202020204" pitchFamily="34" charset="0"/>
+                                  </a:rPr>
+                                </m:ctrlPr>
+                              </m:accPr>
+                              <m:e>
+                                <m:r>
+                                  <a:rPr lang="en-US" sz="2000" b="0" i="1" smtClean="0">
+                                    <a:latin typeface="Cambria Math" panose="02040503050406030204" pitchFamily="18" charset="0"/>
+                                    <a:cs typeface="Arial" panose="020B0604020202020204" pitchFamily="34" charset="0"/>
+                                  </a:rPr>
+                                  <m:t>𝑁</m:t>
+                                </m:r>
+                              </m:e>
+                            </m:acc>
+                          </m:e>
+                          <m:sub>
+                            <m:r>
+                              <a:rPr lang="en-US" sz="2000" b="0" i="1" smtClean="0">
+                                <a:latin typeface="Cambria Math" panose="02040503050406030204" pitchFamily="18" charset="0"/>
+                                <a:cs typeface="Arial" panose="020B0604020202020204" pitchFamily="34" charset="0"/>
+                              </a:rPr>
+                              <m:t>1</m:t>
+                            </m:r>
+                          </m:sub>
+                        </m:sSub>
+                      </m:oMath>
+                    </m:oMathPara>
+                  </a14:m>
+                  <a:endParaRPr lang="en-US" sz="2000" dirty="0" smtClean="0">
+                    <a:latin typeface="Arial" panose="020B0604020202020204" pitchFamily="34" charset="0"/>
+                    <a:cs typeface="Arial" panose="020B0604020202020204" pitchFamily="34" charset="0"/>
+                  </a:endParaRPr>
+                </a:p>
+              </p:txBody>
+            </p:sp>
+          </mc:Choice>
+          <mc:Fallback>
+            <p:sp>
+              <p:nvSpPr>
+                <p:cNvPr id="43" name="TextBox 42"/>
+                <p:cNvSpPr txBox="1">
+                  <a:spLocks noRot="1" noChangeAspect="1" noMove="1" noResize="1" noEditPoints="1" noAdjustHandles="1" noChangeArrowheads="1" noChangeShapeType="1" noTextEdit="1"/>
+                </p:cNvSpPr>
+                <p:nvPr/>
+              </p:nvSpPr>
+              <p:spPr>
+                <a:xfrm>
+                  <a:off x="3180073" y="4477495"/>
+                  <a:ext cx="350481" cy="345159"/>
+                </a:xfrm>
+                <a:prstGeom prst="rect">
+                  <a:avLst/>
+                </a:prstGeom>
+                <a:blipFill>
+                  <a:blip r:embed="rId8"/>
+                  <a:stretch>
+                    <a:fillRect l="-15789" r="-7018" b="-15789"/>
+                  </a:stretch>
+                </a:blipFill>
+              </p:spPr>
+              <p:txBody>
+                <a:bodyPr/>
+                <a:lstStyle/>
+                <a:p>
+                  <a:r>
+                    <a:rPr lang="en-US">
+                      <a:noFill/>
+                    </a:rPr>
+                    <a:t> </a:t>
+                  </a:r>
+                </a:p>
+              </p:txBody>
+            </p:sp>
+          </mc:Fallback>
+        </mc:AlternateContent>
+        <mc:AlternateContent xmlns:mc="http://schemas.openxmlformats.org/markup-compatibility/2006">
+          <mc:Choice xmlns:a14="http://schemas.microsoft.com/office/drawing/2010/main" Requires="a14">
+            <p:sp>
+              <p:nvSpPr>
+                <p:cNvPr id="44" name="TextBox 43"/>
+                <p:cNvSpPr txBox="1"/>
+                <p:nvPr/>
+              </p:nvSpPr>
+              <p:spPr>
+                <a:xfrm>
+                  <a:off x="3464968" y="5267993"/>
+                  <a:ext cx="431721" cy="377219"/>
+                </a:xfrm>
+                <a:prstGeom prst="rect">
+                  <a:avLst/>
+                </a:prstGeom>
+                <a:noFill/>
+              </p:spPr>
+              <p:txBody>
+                <a:bodyPr wrap="none" lIns="0" tIns="0" rIns="0" bIns="0" rtlCol="0">
+                  <a:spAutoFit/>
+                </a:bodyPr>
+                <a:lstStyle/>
+                <a:p>
+                  <a:pPr/>
+                  <a14:m>
+                    <m:oMathPara xmlns:m="http://schemas.openxmlformats.org/officeDocument/2006/math">
+                      <m:oMathParaPr>
+                        <m:jc m:val="centerGroup"/>
+                      </m:oMathParaPr>
+                      <m:oMath xmlns:m="http://schemas.openxmlformats.org/officeDocument/2006/math">
+                        <m:sSub>
+                          <m:sSubPr>
+                            <m:ctrlPr>
+                              <a:rPr lang="en-US" sz="2000" b="0" i="1" smtClean="0">
+                                <a:latin typeface="Cambria Math" panose="02040503050406030204" pitchFamily="18" charset="0"/>
+                                <a:cs typeface="Arial" panose="020B0604020202020204" pitchFamily="34" charset="0"/>
+                              </a:rPr>
+                            </m:ctrlPr>
+                          </m:sSubPr>
+                          <m:e>
+                            <m:acc>
+                              <m:accPr>
+                                <m:chr m:val="⃗"/>
+                                <m:ctrlPr>
+                                  <a:rPr lang="en-US" sz="2000" b="0" i="1" smtClean="0">
+                                    <a:latin typeface="Cambria Math" panose="02040503050406030204" pitchFamily="18" charset="0"/>
+                                    <a:cs typeface="Arial" panose="020B0604020202020204" pitchFamily="34" charset="0"/>
+                                  </a:rPr>
+                                </m:ctrlPr>
+                              </m:accPr>
+                              <m:e>
+                                <m:r>
+                                  <a:rPr lang="en-US" sz="2000" b="0" i="1" smtClean="0">
+                                    <a:latin typeface="Cambria Math" panose="02040503050406030204" pitchFamily="18" charset="0"/>
+                                    <a:cs typeface="Arial" panose="020B0604020202020204" pitchFamily="34" charset="0"/>
+                                  </a:rPr>
+                                  <m:t>𝐹</m:t>
+                                </m:r>
+                              </m:e>
+                            </m:acc>
+                          </m:e>
+                          <m:sub>
+                            <m:r>
+                              <a:rPr lang="en-US" sz="2000" b="0" i="1" smtClean="0">
+                                <a:latin typeface="Cambria Math" panose="02040503050406030204" pitchFamily="18" charset="0"/>
+                                <a:cs typeface="Arial" panose="020B0604020202020204" pitchFamily="34" charset="0"/>
+                              </a:rPr>
+                              <m:t>𝑔</m:t>
+                            </m:r>
+                            <m:r>
+                              <a:rPr lang="en-US" sz="2000" b="0" i="1" smtClean="0">
+                                <a:latin typeface="Cambria Math" panose="02040503050406030204" pitchFamily="18" charset="0"/>
+                                <a:cs typeface="Arial" panose="020B0604020202020204" pitchFamily="34" charset="0"/>
+                              </a:rPr>
+                              <m:t>1</m:t>
+                            </m:r>
+                          </m:sub>
+                        </m:sSub>
+                      </m:oMath>
+                    </m:oMathPara>
+                  </a14:m>
+                  <a:endParaRPr lang="en-US" sz="2000" dirty="0" smtClean="0">
+                    <a:latin typeface="Arial" panose="020B0604020202020204" pitchFamily="34" charset="0"/>
+                    <a:cs typeface="Arial" panose="020B0604020202020204" pitchFamily="34" charset="0"/>
+                  </a:endParaRPr>
+                </a:p>
+              </p:txBody>
+            </p:sp>
+          </mc:Choice>
+          <mc:Fallback>
+            <p:sp>
+              <p:nvSpPr>
+                <p:cNvPr id="44" name="TextBox 43"/>
+                <p:cNvSpPr txBox="1">
+                  <a:spLocks noRot="1" noChangeAspect="1" noMove="1" noResize="1" noEditPoints="1" noAdjustHandles="1" noChangeArrowheads="1" noChangeShapeType="1" noTextEdit="1"/>
+                </p:cNvSpPr>
+                <p:nvPr/>
+              </p:nvSpPr>
+              <p:spPr>
+                <a:xfrm>
+                  <a:off x="3464968" y="5267993"/>
+                  <a:ext cx="431721" cy="377219"/>
+                </a:xfrm>
+                <a:prstGeom prst="rect">
+                  <a:avLst/>
+                </a:prstGeom>
+                <a:blipFill>
+                  <a:blip r:embed="rId9"/>
+                  <a:stretch>
+                    <a:fillRect l="-11268" t="-30645" r="-40845" b="-20968"/>
+                  </a:stretch>
+                </a:blipFill>
+              </p:spPr>
+              <p:txBody>
+                <a:bodyPr/>
+                <a:lstStyle/>
+                <a:p>
+                  <a:r>
+                    <a:rPr lang="en-US">
+                      <a:noFill/>
+                    </a:rPr>
+                    <a:t> </a:t>
+                  </a:r>
+                </a:p>
+              </p:txBody>
+            </p:sp>
+          </mc:Fallback>
+        </mc:AlternateContent>
+        <mc:AlternateContent xmlns:mc="http://schemas.openxmlformats.org/markup-compatibility/2006">
+          <mc:Choice xmlns:a14="http://schemas.microsoft.com/office/drawing/2010/main" Requires="a14">
+            <p:sp>
+              <p:nvSpPr>
+                <p:cNvPr id="45" name="TextBox 44"/>
+                <p:cNvSpPr txBox="1"/>
+                <p:nvPr/>
+              </p:nvSpPr>
+              <p:spPr>
+                <a:xfrm>
+                  <a:off x="4550127" y="4772529"/>
+                  <a:ext cx="308931" cy="345159"/>
+                </a:xfrm>
+                <a:prstGeom prst="rect">
+                  <a:avLst/>
+                </a:prstGeom>
+                <a:noFill/>
+              </p:spPr>
+              <p:txBody>
+                <a:bodyPr wrap="none" lIns="0" tIns="0" rIns="0" bIns="0" rtlCol="0">
+                  <a:spAutoFit/>
+                </a:bodyPr>
+                <a:lstStyle/>
+                <a:p>
+                  <a:pPr/>
+                  <a14:m>
+                    <m:oMathPara xmlns:m="http://schemas.openxmlformats.org/officeDocument/2006/math">
+                      <m:oMathParaPr>
+                        <m:jc m:val="centerGroup"/>
+                      </m:oMathParaPr>
+                      <m:oMath xmlns:m="http://schemas.openxmlformats.org/officeDocument/2006/math">
+                        <m:sSub>
+                          <m:sSubPr>
+                            <m:ctrlPr>
+                              <a:rPr lang="en-US" sz="2000" b="0" i="1" smtClean="0">
+                                <a:latin typeface="Cambria Math" panose="02040503050406030204" pitchFamily="18" charset="0"/>
+                                <a:cs typeface="Arial" panose="020B0604020202020204" pitchFamily="34" charset="0"/>
+                              </a:rPr>
+                            </m:ctrlPr>
+                          </m:sSubPr>
+                          <m:e>
+                            <m:acc>
+                              <m:accPr>
+                                <m:chr m:val="⃗"/>
+                                <m:ctrlPr>
+                                  <a:rPr lang="en-US" sz="2000" b="0" i="1" smtClean="0">
+                                    <a:latin typeface="Cambria Math" panose="02040503050406030204" pitchFamily="18" charset="0"/>
+                                    <a:cs typeface="Arial" panose="020B0604020202020204" pitchFamily="34" charset="0"/>
+                                  </a:rPr>
+                                </m:ctrlPr>
+                              </m:accPr>
+                              <m:e>
+                                <m:r>
+                                  <a:rPr lang="en-US" sz="2000" b="0" i="1" smtClean="0">
+                                    <a:latin typeface="Cambria Math" panose="02040503050406030204" pitchFamily="18" charset="0"/>
+                                    <a:cs typeface="Arial" panose="020B0604020202020204" pitchFamily="34" charset="0"/>
+                                  </a:rPr>
+                                  <m:t>𝑇</m:t>
+                                </m:r>
+                              </m:e>
+                            </m:acc>
+                          </m:e>
+                          <m:sub>
+                            <m:r>
+                              <a:rPr lang="en-US" sz="2000" b="0" i="1" smtClean="0">
+                                <a:latin typeface="Cambria Math" panose="02040503050406030204" pitchFamily="18" charset="0"/>
+                                <a:cs typeface="Arial" panose="020B0604020202020204" pitchFamily="34" charset="0"/>
+                              </a:rPr>
+                              <m:t>1</m:t>
+                            </m:r>
+                          </m:sub>
+                        </m:sSub>
+                      </m:oMath>
+                    </m:oMathPara>
+                  </a14:m>
+                  <a:endParaRPr lang="en-US" sz="2000" dirty="0" smtClean="0">
+                    <a:latin typeface="Arial" panose="020B0604020202020204" pitchFamily="34" charset="0"/>
+                    <a:cs typeface="Arial" panose="020B0604020202020204" pitchFamily="34" charset="0"/>
+                  </a:endParaRPr>
+                </a:p>
+              </p:txBody>
+            </p:sp>
+          </mc:Choice>
+          <mc:Fallback>
+            <p:sp>
+              <p:nvSpPr>
+                <p:cNvPr id="45" name="TextBox 44"/>
+                <p:cNvSpPr txBox="1">
+                  <a:spLocks noRot="1" noChangeAspect="1" noMove="1" noResize="1" noEditPoints="1" noAdjustHandles="1" noChangeArrowheads="1" noChangeShapeType="1" noTextEdit="1"/>
+                </p:cNvSpPr>
+                <p:nvPr/>
+              </p:nvSpPr>
+              <p:spPr>
+                <a:xfrm>
+                  <a:off x="4550127" y="4772529"/>
+                  <a:ext cx="308931" cy="345159"/>
+                </a:xfrm>
+                <a:prstGeom prst="rect">
+                  <a:avLst/>
+                </a:prstGeom>
+                <a:blipFill>
+                  <a:blip r:embed="rId10"/>
+                  <a:stretch>
+                    <a:fillRect l="-15686" r="-3922" b="-15789"/>
+                  </a:stretch>
+                </a:blipFill>
+              </p:spPr>
+              <p:txBody>
+                <a:bodyPr/>
+                <a:lstStyle/>
+                <a:p>
+                  <a:r>
+                    <a:rPr lang="en-US">
+                      <a:noFill/>
+                    </a:rPr>
+                    <a:t> </a:t>
+                  </a:r>
+                </a:p>
+              </p:txBody>
+            </p:sp>
+          </mc:Fallback>
+        </mc:AlternateContent>
+        <mc:AlternateContent xmlns:mc="http://schemas.openxmlformats.org/markup-compatibility/2006">
+          <mc:Choice xmlns:a14="http://schemas.microsoft.com/office/drawing/2010/main" Requires="a14">
+            <p:sp>
+              <p:nvSpPr>
+                <p:cNvPr id="46" name="TextBox 45"/>
+                <p:cNvSpPr txBox="1"/>
+                <p:nvPr/>
+              </p:nvSpPr>
+              <p:spPr>
+                <a:xfrm>
+                  <a:off x="3752088" y="6040107"/>
+                  <a:ext cx="399019" cy="307777"/>
+                </a:xfrm>
+                <a:prstGeom prst="rect">
+                  <a:avLst/>
+                </a:prstGeom>
+                <a:noFill/>
+              </p:spPr>
+              <p:txBody>
+                <a:bodyPr wrap="none" lIns="0" tIns="0" rIns="0" bIns="0" rtlCol="0">
+                  <a:spAutoFit/>
+                </a:bodyPr>
+                <a:lstStyle/>
+                <a:p>
+                  <a:pPr/>
+                  <a14:m>
+                    <m:oMathPara xmlns:m="http://schemas.openxmlformats.org/officeDocument/2006/math">
+                      <m:oMathParaPr>
+                        <m:jc m:val="centerGroup"/>
+                      </m:oMathParaPr>
+                      <m:oMath xmlns:m="http://schemas.openxmlformats.org/officeDocument/2006/math">
+                        <m:sSub>
+                          <m:sSubPr>
+                            <m:ctrlPr>
+                              <a:rPr lang="en-US" sz="2000" b="0" i="1" smtClean="0">
+                                <a:latin typeface="Cambria Math" panose="02040503050406030204" pitchFamily="18" charset="0"/>
+                                <a:cs typeface="Arial" panose="020B0604020202020204" pitchFamily="34" charset="0"/>
+                              </a:rPr>
+                            </m:ctrlPr>
+                          </m:sSubPr>
+                          <m:e>
+                            <m:r>
+                              <a:rPr lang="en-US" sz="2000" b="0" i="1" smtClean="0">
+                                <a:latin typeface="Cambria Math" panose="02040503050406030204" pitchFamily="18" charset="0"/>
+                                <a:cs typeface="Arial" panose="020B0604020202020204" pitchFamily="34" charset="0"/>
+                              </a:rPr>
+                              <m:t>𝑚</m:t>
+                            </m:r>
+                          </m:e>
+                          <m:sub>
+                            <m:r>
+                              <a:rPr lang="en-US" sz="2000" b="0" i="1" smtClean="0">
+                                <a:latin typeface="Cambria Math" panose="02040503050406030204" pitchFamily="18" charset="0"/>
+                                <a:cs typeface="Arial" panose="020B0604020202020204" pitchFamily="34" charset="0"/>
+                              </a:rPr>
+                              <m:t>1</m:t>
+                            </m:r>
+                          </m:sub>
+                        </m:sSub>
+                      </m:oMath>
+                    </m:oMathPara>
+                  </a14:m>
+                  <a:endParaRPr lang="en-US" sz="2000" dirty="0" smtClean="0">
+                    <a:latin typeface="Arial" panose="020B0604020202020204" pitchFamily="34" charset="0"/>
+                    <a:cs typeface="Arial" panose="020B0604020202020204" pitchFamily="34" charset="0"/>
+                  </a:endParaRPr>
+                </a:p>
+              </p:txBody>
+            </p:sp>
+          </mc:Choice>
+          <mc:Fallback>
+            <p:sp>
+              <p:nvSpPr>
+                <p:cNvPr id="46" name="TextBox 45"/>
+                <p:cNvSpPr txBox="1">
+                  <a:spLocks noRot="1" noChangeAspect="1" noMove="1" noResize="1" noEditPoints="1" noAdjustHandles="1" noChangeArrowheads="1" noChangeShapeType="1" noTextEdit="1"/>
+                </p:cNvSpPr>
+                <p:nvPr/>
+              </p:nvSpPr>
+              <p:spPr>
+                <a:xfrm>
+                  <a:off x="3752088" y="6040107"/>
+                  <a:ext cx="399019" cy="307777"/>
+                </a:xfrm>
+                <a:prstGeom prst="rect">
+                  <a:avLst/>
+                </a:prstGeom>
+                <a:blipFill>
+                  <a:blip r:embed="rId11"/>
+                  <a:stretch>
+                    <a:fillRect l="-7692" r="-3077" b="-20000"/>
+                  </a:stretch>
+                </a:blipFill>
+              </p:spPr>
+              <p:txBody>
+                <a:bodyPr/>
+                <a:lstStyle/>
+                <a:p>
+                  <a:r>
+                    <a:rPr lang="en-US">
+                      <a:noFill/>
+                    </a:rPr>
+                    <a:t> </a:t>
+                  </a:r>
+                </a:p>
+              </p:txBody>
+            </p:sp>
+          </mc:Fallback>
+        </mc:AlternateContent>
+        <p:cxnSp>
+          <p:nvCxnSpPr>
+            <p:cNvPr id="49" name="Straight Connector 48"/>
+            <p:cNvCxnSpPr/>
+            <p:nvPr/>
+          </p:nvCxnSpPr>
+          <p:spPr>
+            <a:xfrm flipH="1" flipV="1">
+              <a:off x="3903002" y="5182906"/>
+              <a:ext cx="469975" cy="693833"/>
+            </a:xfrm>
+            <a:prstGeom prst="line">
+              <a:avLst/>
+            </a:prstGeom>
+            <a:ln w="19050">
+              <a:solidFill>
+                <a:schemeClr val="tx1"/>
+              </a:solidFill>
+              <a:prstDash val="sysDot"/>
+            </a:ln>
+          </p:spPr>
+          <p:style>
+            <a:lnRef idx="1">
+              <a:schemeClr val="accent1"/>
+            </a:lnRef>
+            <a:fillRef idx="0">
+              <a:schemeClr val="accent1"/>
+            </a:fillRef>
+            <a:effectRef idx="0">
+              <a:schemeClr val="accent1"/>
+            </a:effectRef>
+            <a:fontRef idx="minor">
+              <a:schemeClr val="tx1"/>
+            </a:fontRef>
+          </p:style>
+        </p:cxnSp>
+        <mc:AlternateContent xmlns:mc="http://schemas.openxmlformats.org/markup-compatibility/2006">
+          <mc:Choice xmlns:a14="http://schemas.microsoft.com/office/drawing/2010/main" Requires="a14">
+            <p:sp>
+              <p:nvSpPr>
+                <p:cNvPr id="50" name="Rectangle 49"/>
+                <p:cNvSpPr/>
+                <p:nvPr/>
+              </p:nvSpPr>
+              <p:spPr>
+                <a:xfrm>
+                  <a:off x="3863097" y="5530009"/>
+                  <a:ext cx="394147" cy="400110"/>
+                </a:xfrm>
+                <a:prstGeom prst="rect">
+                  <a:avLst/>
+                </a:prstGeom>
+              </p:spPr>
+              <p:txBody>
+                <a:bodyPr wrap="none">
+                  <a:spAutoFit/>
+                </a:bodyPr>
+                <a:lstStyle/>
+                <a:p>
+                  <a:pPr/>
+                  <a14:m>
+                    <m:oMathPara xmlns:m="http://schemas.openxmlformats.org/officeDocument/2006/math">
+                      <m:oMathParaPr>
+                        <m:jc m:val="centerGroup"/>
+                      </m:oMathParaPr>
+                      <m:oMath xmlns:m="http://schemas.openxmlformats.org/officeDocument/2006/math">
+                        <m:r>
+                          <a:rPr lang="en-US" sz="2000" i="1" smtClean="0">
+                            <a:latin typeface="Cambria Math" panose="02040503050406030204" pitchFamily="18" charset="0"/>
+                          </a:rPr>
+                          <m:t>𝜃</m:t>
+                        </m:r>
+                      </m:oMath>
+                    </m:oMathPara>
+                  </a14:m>
+                  <a:endParaRPr lang="en-CA" sz="2000" dirty="0"/>
+                </a:p>
+              </p:txBody>
+            </p:sp>
+          </mc:Choice>
+          <mc:Fallback>
+            <p:sp>
+              <p:nvSpPr>
+                <p:cNvPr id="50" name="Rectangle 49"/>
+                <p:cNvSpPr>
+                  <a:spLocks noRot="1" noChangeAspect="1" noMove="1" noResize="1" noEditPoints="1" noAdjustHandles="1" noChangeArrowheads="1" noChangeShapeType="1" noTextEdit="1"/>
+                </p:cNvSpPr>
+                <p:nvPr/>
+              </p:nvSpPr>
+              <p:spPr>
+                <a:xfrm>
+                  <a:off x="3863097" y="5530009"/>
+                  <a:ext cx="394147" cy="400110"/>
+                </a:xfrm>
+                <a:prstGeom prst="rect">
+                  <a:avLst/>
+                </a:prstGeom>
+                <a:blipFill>
+                  <a:blip r:embed="rId12"/>
+                  <a:stretch>
+                    <a:fillRect/>
+                  </a:stretch>
+                </a:blipFill>
+              </p:spPr>
+              <p:txBody>
+                <a:bodyPr/>
+                <a:lstStyle/>
+                <a:p>
+                  <a:r>
+                    <a:rPr lang="en-US">
+                      <a:noFill/>
+                    </a:rPr>
+                    <a:t> </a:t>
+                  </a:r>
+                </a:p>
+              </p:txBody>
+            </p:sp>
+          </mc:Fallback>
+        </mc:AlternateContent>
+        <p:grpSp>
+          <p:nvGrpSpPr>
+            <p:cNvPr id="51" name="Group 50"/>
+            <p:cNvGrpSpPr/>
+            <p:nvPr/>
+          </p:nvGrpSpPr>
+          <p:grpSpPr>
+            <a:xfrm rot="19741560">
+              <a:off x="2456484" y="5120726"/>
+              <a:ext cx="809200" cy="982636"/>
+              <a:chOff x="-188596" y="641381"/>
+              <a:chExt cx="2337329" cy="2955686"/>
+            </a:xfrm>
+          </p:grpSpPr>
+          <p:grpSp>
+            <p:nvGrpSpPr>
+              <p:cNvPr id="52" name="Group 51"/>
+              <p:cNvGrpSpPr/>
+              <p:nvPr/>
+            </p:nvGrpSpPr>
+            <p:grpSpPr>
+              <a:xfrm>
+                <a:off x="-188596" y="641381"/>
+                <a:ext cx="2337329" cy="2955686"/>
+                <a:chOff x="-161301" y="614085"/>
+                <a:chExt cx="2337329" cy="2955686"/>
+              </a:xfrm>
+            </p:grpSpPr>
+            <p:cxnSp>
+              <p:nvCxnSpPr>
+                <p:cNvPr id="54" name="Straight Arrow Connector 53"/>
+                <p:cNvCxnSpPr/>
+                <p:nvPr/>
+              </p:nvCxnSpPr>
+              <p:spPr>
+                <a:xfrm flipV="1">
+                  <a:off x="1516583" y="680744"/>
+                  <a:ext cx="7683" cy="1859535"/>
+                </a:xfrm>
+                <a:prstGeom prst="straightConnector1">
+                  <a:avLst/>
+                </a:prstGeom>
+                <a:ln w="38100">
+                  <a:solidFill>
+                    <a:schemeClr val="tx1"/>
+                  </a:solidFill>
+                  <a:tailEnd type="triangle"/>
+                </a:ln>
+              </p:spPr>
+              <p:style>
+                <a:lnRef idx="1">
+                  <a:schemeClr val="accent1"/>
+                </a:lnRef>
+                <a:fillRef idx="0">
+                  <a:schemeClr val="accent1"/>
+                </a:fillRef>
+                <a:effectRef idx="0">
+                  <a:schemeClr val="accent1"/>
+                </a:effectRef>
+                <a:fontRef idx="minor">
+                  <a:schemeClr val="tx1"/>
+                </a:fontRef>
+              </p:style>
+            </p:cxnSp>
+            <p:cxnSp>
+              <p:nvCxnSpPr>
+                <p:cNvPr id="55" name="Straight Arrow Connector 54"/>
+                <p:cNvCxnSpPr/>
+                <p:nvPr/>
+              </p:nvCxnSpPr>
+              <p:spPr>
+                <a:xfrm rot="2125221" flipH="1">
+                  <a:off x="5727" y="2023155"/>
+                  <a:ext cx="1369175" cy="1008046"/>
+                </a:xfrm>
+                <a:prstGeom prst="straightConnector1">
+                  <a:avLst/>
+                </a:prstGeom>
+                <a:ln w="38100">
+                  <a:solidFill>
+                    <a:schemeClr val="tx1"/>
+                  </a:solidFill>
+                  <a:tailEnd type="triangle"/>
+                </a:ln>
+              </p:spPr>
+              <p:style>
+                <a:lnRef idx="1">
+                  <a:schemeClr val="accent1"/>
+                </a:lnRef>
+                <a:fillRef idx="0">
+                  <a:schemeClr val="accent1"/>
+                </a:fillRef>
+                <a:effectRef idx="0">
+                  <a:schemeClr val="accent1"/>
+                </a:effectRef>
+                <a:fontRef idx="minor">
+                  <a:schemeClr val="tx1"/>
+                </a:fontRef>
+              </p:style>
+            </p:cxnSp>
+            <mc:AlternateContent xmlns:mc="http://schemas.openxmlformats.org/markup-compatibility/2006">
+              <mc:Choice xmlns:a14="http://schemas.microsoft.com/office/drawing/2010/main" Requires="a14">
+                <p:sp>
+                  <p:nvSpPr>
+                    <p:cNvPr id="56" name="Rectangle 55"/>
+                    <p:cNvSpPr/>
+                    <p:nvPr/>
+                  </p:nvSpPr>
+                  <p:spPr>
+                    <a:xfrm>
+                      <a:off x="-161301" y="2458852"/>
+                      <a:ext cx="798822" cy="1110919"/>
+                    </a:xfrm>
+                    <a:prstGeom prst="rect">
+                      <a:avLst/>
+                    </a:prstGeom>
+                  </p:spPr>
+                  <p:txBody>
+                    <a:bodyPr wrap="square">
+                      <a:spAutoFit/>
+                    </a:bodyPr>
+                    <a:lstStyle/>
+                    <a:p>
+                      <a:pPr/>
+                      <a14:m>
+                        <m:oMathPara xmlns:m="http://schemas.openxmlformats.org/officeDocument/2006/math">
+                          <m:oMathParaPr>
+                            <m:jc m:val="centerGroup"/>
+                          </m:oMathParaPr>
+                          <m:oMath xmlns:m="http://schemas.openxmlformats.org/officeDocument/2006/math">
+                            <m:r>
+                              <a:rPr lang="en-US" i="1">
+                                <a:latin typeface="Cambria Math" panose="02040503050406030204" pitchFamily="18" charset="0"/>
+                                <a:cs typeface="Arial" panose="020B0604020202020204" pitchFamily="34" charset="0"/>
+                              </a:rPr>
+                              <m:t>𝑥</m:t>
+                            </m:r>
+                          </m:oMath>
+                        </m:oMathPara>
+                      </a14:m>
+                      <a:endParaRPr lang="en-CA" dirty="0"/>
+                    </a:p>
+                  </p:txBody>
+                </p:sp>
+              </mc:Choice>
+              <mc:Fallback>
+                <p:sp>
+                  <p:nvSpPr>
+                    <p:cNvPr id="56" name="Rectangle 55"/>
+                    <p:cNvSpPr>
+                      <a:spLocks noRot="1" noChangeAspect="1" noMove="1" noResize="1" noEditPoints="1" noAdjustHandles="1" noChangeArrowheads="1" noChangeShapeType="1" noTextEdit="1"/>
+                    </p:cNvSpPr>
+                    <p:nvPr/>
+                  </p:nvSpPr>
+                  <p:spPr>
+                    <a:xfrm>
+                      <a:off x="-161301" y="2458852"/>
+                      <a:ext cx="798822" cy="1110919"/>
+                    </a:xfrm>
+                    <a:prstGeom prst="rect">
+                      <a:avLst/>
+                    </a:prstGeom>
+                    <a:blipFill>
+                      <a:blip r:embed="rId13"/>
+                      <a:stretch>
+                        <a:fillRect/>
+                      </a:stretch>
+                    </a:blipFill>
+                  </p:spPr>
+                  <p:txBody>
+                    <a:bodyPr/>
+                    <a:lstStyle/>
+                    <a:p>
+                      <a:r>
+                        <a:rPr lang="en-US">
+                          <a:noFill/>
+                        </a:rPr>
+                        <a:t> </a:t>
+                      </a:r>
+                    </a:p>
+                  </p:txBody>
+                </p:sp>
+              </mc:Fallback>
+            </mc:AlternateContent>
+            <mc:AlternateContent xmlns:mc="http://schemas.openxmlformats.org/markup-compatibility/2006">
+              <mc:Choice xmlns:a14="http://schemas.microsoft.com/office/drawing/2010/main" Requires="a14">
+                <p:sp>
+                  <p:nvSpPr>
+                    <p:cNvPr id="57" name="Rectangle 56"/>
+                    <p:cNvSpPr/>
+                    <p:nvPr/>
+                  </p:nvSpPr>
+                  <p:spPr>
+                    <a:xfrm>
+                      <a:off x="1450436" y="614085"/>
+                      <a:ext cx="725592" cy="1110919"/>
+                    </a:xfrm>
+                    <a:prstGeom prst="rect">
+                      <a:avLst/>
+                    </a:prstGeom>
+                  </p:spPr>
+                  <p:txBody>
+                    <a:bodyPr wrap="square">
+                      <a:spAutoFit/>
+                    </a:bodyPr>
+                    <a:lstStyle/>
+                    <a:p>
+                      <a:pPr/>
+                      <a14:m>
+                        <m:oMathPara xmlns:m="http://schemas.openxmlformats.org/officeDocument/2006/math">
+                          <m:oMathParaPr>
+                            <m:jc m:val="centerGroup"/>
+                          </m:oMathParaPr>
+                          <m:oMath xmlns:m="http://schemas.openxmlformats.org/officeDocument/2006/math">
+                            <m:r>
+                              <a:rPr lang="en-US" b="0" i="1" smtClean="0">
+                                <a:latin typeface="Cambria Math" panose="02040503050406030204" pitchFamily="18" charset="0"/>
+                              </a:rPr>
+                              <m:t>𝑦</m:t>
+                            </m:r>
+                          </m:oMath>
+                        </m:oMathPara>
+                      </a14:m>
+                      <a:endParaRPr lang="en-CA" dirty="0"/>
+                    </a:p>
+                  </p:txBody>
+                </p:sp>
+              </mc:Choice>
+              <mc:Fallback>
+                <p:sp>
+                  <p:nvSpPr>
+                    <p:cNvPr id="57" name="Rectangle 56"/>
+                    <p:cNvSpPr>
+                      <a:spLocks noRot="1" noChangeAspect="1" noMove="1" noResize="1" noEditPoints="1" noAdjustHandles="1" noChangeArrowheads="1" noChangeShapeType="1" noTextEdit="1"/>
+                    </p:cNvSpPr>
+                    <p:nvPr/>
+                  </p:nvSpPr>
+                  <p:spPr>
+                    <a:xfrm>
+                      <a:off x="1450436" y="614085"/>
+                      <a:ext cx="725592" cy="1110919"/>
+                    </a:xfrm>
+                    <a:prstGeom prst="rect">
+                      <a:avLst/>
+                    </a:prstGeom>
+                    <a:blipFill>
+                      <a:blip r:embed="rId14"/>
+                      <a:stretch>
+                        <a:fillRect r="-13433" b="-2703"/>
+                      </a:stretch>
+                    </a:blipFill>
+                  </p:spPr>
+                  <p:txBody>
+                    <a:bodyPr/>
+                    <a:lstStyle/>
+                    <a:p>
+                      <a:r>
+                        <a:rPr lang="en-US">
+                          <a:noFill/>
+                        </a:rPr>
+                        <a:t> </a:t>
+                      </a:r>
+                    </a:p>
+                  </p:txBody>
+                </p:sp>
+              </mc:Fallback>
+            </mc:AlternateContent>
+            <mc:AlternateContent xmlns:mc="http://schemas.openxmlformats.org/markup-compatibility/2006">
+              <mc:Choice xmlns:a14="http://schemas.microsoft.com/office/drawing/2010/main" Requires="a14">
+                <p:sp>
+                  <p:nvSpPr>
+                    <p:cNvPr id="58" name="Rectangle 57"/>
+                    <p:cNvSpPr/>
+                    <p:nvPr/>
+                  </p:nvSpPr>
+                  <p:spPr>
+                    <a:xfrm>
+                      <a:off x="1281190" y="2358642"/>
+                      <a:ext cx="780492" cy="1110919"/>
+                    </a:xfrm>
+                    <a:prstGeom prst="rect">
+                      <a:avLst/>
+                    </a:prstGeom>
+                  </p:spPr>
+                  <p:txBody>
+                    <a:bodyPr wrap="square">
+                      <a:spAutoFit/>
+                    </a:bodyPr>
+                    <a:lstStyle/>
+                    <a:p>
+                      <a:pPr/>
+                      <a14:m>
+                        <m:oMathPara xmlns:m="http://schemas.openxmlformats.org/officeDocument/2006/math">
+                          <m:oMathParaPr>
+                            <m:jc m:val="centerGroup"/>
+                          </m:oMathParaPr>
+                          <m:oMath xmlns:m="http://schemas.openxmlformats.org/officeDocument/2006/math">
+                            <m:r>
+                              <a:rPr lang="en-US" b="0" i="1" smtClean="0">
+                                <a:latin typeface="Cambria Math" panose="02040503050406030204" pitchFamily="18" charset="0"/>
+                                <a:cs typeface="Arial" panose="020B0604020202020204" pitchFamily="34" charset="0"/>
+                              </a:rPr>
+                              <m:t>0</m:t>
+                            </m:r>
+                          </m:oMath>
+                        </m:oMathPara>
+                      </a14:m>
+                      <a:endParaRPr lang="en-CA" dirty="0"/>
+                    </a:p>
+                  </p:txBody>
+                </p:sp>
+              </mc:Choice>
+              <mc:Fallback>
+                <p:sp>
+                  <p:nvSpPr>
+                    <p:cNvPr id="58" name="Rectangle 57"/>
+                    <p:cNvSpPr>
+                      <a:spLocks noRot="1" noChangeAspect="1" noMove="1" noResize="1" noEditPoints="1" noAdjustHandles="1" noChangeArrowheads="1" noChangeShapeType="1" noTextEdit="1"/>
+                    </p:cNvSpPr>
+                    <p:nvPr/>
+                  </p:nvSpPr>
+                  <p:spPr>
+                    <a:xfrm>
+                      <a:off x="1281190" y="2358642"/>
+                      <a:ext cx="780492" cy="1110919"/>
+                    </a:xfrm>
+                    <a:prstGeom prst="rect">
+                      <a:avLst/>
+                    </a:prstGeom>
+                    <a:blipFill>
+                      <a:blip r:embed="rId15"/>
+                      <a:stretch>
+                        <a:fillRect r="-1429"/>
+                      </a:stretch>
+                    </a:blipFill>
+                  </p:spPr>
+                  <p:txBody>
+                    <a:bodyPr/>
+                    <a:lstStyle/>
+                    <a:p>
+                      <a:r>
+                        <a:rPr lang="en-US">
+                          <a:noFill/>
+                        </a:rPr>
+                        <a:t> </a:t>
+                      </a:r>
+                    </a:p>
+                  </p:txBody>
+                </p:sp>
+              </mc:Fallback>
+            </mc:AlternateContent>
+          </p:grpSp>
+          <p:sp>
+            <p:nvSpPr>
+              <p:cNvPr id="53" name="Rectangle 52"/>
+              <p:cNvSpPr/>
+              <p:nvPr/>
+            </p:nvSpPr>
+            <p:spPr>
+              <a:xfrm>
+                <a:off x="1129904" y="1614682"/>
+                <a:ext cx="184731" cy="369332"/>
+              </a:xfrm>
+              <a:prstGeom prst="rect">
+                <a:avLst/>
+              </a:prstGeom>
+            </p:spPr>
+            <p:txBody>
+              <a:bodyPr wrap="none">
+                <a:spAutoFit/>
+              </a:bodyPr>
+              <a:lstStyle/>
+              <a:p>
+                <a:endParaRPr lang="en-CA" dirty="0"/>
+              </a:p>
+            </p:txBody>
+          </p:sp>
+        </p:grpSp>
+        <p:sp>
+          <p:nvSpPr>
+            <p:cNvPr id="107" name="Right Arrow 106"/>
+            <p:cNvSpPr/>
+            <p:nvPr/>
+          </p:nvSpPr>
+          <p:spPr>
+            <a:xfrm rot="9036539">
+              <a:off x="2701527" y="4313571"/>
+              <a:ext cx="700928" cy="118979"/>
+            </a:xfrm>
+            <a:prstGeom prst="rightArrow">
+              <a:avLst/>
+            </a:prstGeom>
+            <a:solidFill>
+              <a:schemeClr val="tx1"/>
+            </a:solidFill>
+            <a:ln w="38100">
+              <a:solidFill>
+                <a:schemeClr val="tx1"/>
+              </a:solidFill>
+            </a:ln>
+          </p:spPr>
+          <p:style>
+            <a:lnRef idx="2">
+              <a:schemeClr val="accent1">
+                <a:shade val="50000"/>
+              </a:schemeClr>
+            </a:lnRef>
+            <a:fillRef idx="1">
+              <a:schemeClr val="accent1"/>
+            </a:fillRef>
+            <a:effectRef idx="0">
+              <a:schemeClr val="accent1"/>
+            </a:effectRef>
+            <a:fontRef idx="minor">
+              <a:schemeClr val="lt1"/>
+            </a:fontRef>
+          </p:style>
+          <p:txBody>
+            <a:bodyPr rtlCol="0" anchor="ctr"/>
+            <a:lstStyle/>
+            <a:p>
+              <a:pPr algn="ctr"/>
+              <a:endParaRPr lang="en-US" dirty="0"/>
+            </a:p>
+          </p:txBody>
+        </p:sp>
+        <mc:AlternateContent xmlns:mc="http://schemas.openxmlformats.org/markup-compatibility/2006">
+          <mc:Choice xmlns:a14="http://schemas.microsoft.com/office/drawing/2010/main" Requires="a14">
+            <p:sp>
+              <p:nvSpPr>
+                <p:cNvPr id="108" name="TextBox 107"/>
+                <p:cNvSpPr txBox="1"/>
+                <p:nvPr/>
+              </p:nvSpPr>
+              <p:spPr>
+                <a:xfrm>
+                  <a:off x="2833849" y="3949069"/>
+                  <a:ext cx="326884" cy="307777"/>
+                </a:xfrm>
+                <a:prstGeom prst="rect">
+                  <a:avLst/>
+                </a:prstGeom>
+                <a:noFill/>
+              </p:spPr>
+              <p:txBody>
+                <a:bodyPr wrap="none" lIns="0" tIns="0" rIns="0" bIns="0" rtlCol="0">
+                  <a:spAutoFit/>
+                </a:bodyPr>
+                <a:lstStyle/>
+                <a:p>
+                  <a14:m>
+                    <m:oMathPara xmlns:m="http://schemas.openxmlformats.org/officeDocument/2006/math">
+                      <m:oMathParaPr>
+                        <m:jc m:val="centerGroup"/>
+                      </m:oMathParaPr>
+                      <m:oMath xmlns:m="http://schemas.openxmlformats.org/officeDocument/2006/math">
+                        <m:sSub>
+                          <m:sSubPr>
+                            <m:ctrlPr>
+                              <a:rPr lang="en-US" sz="2000" b="0" i="1" smtClean="0">
+                                <a:latin typeface="Cambria Math" panose="02040503050406030204" pitchFamily="18" charset="0"/>
+                                <a:cs typeface="Arial" panose="020B0604020202020204" pitchFamily="34" charset="0"/>
+                              </a:rPr>
+                            </m:ctrlPr>
+                          </m:sSubPr>
+                          <m:e>
+                            <m:acc>
+                              <m:accPr>
+                                <m:chr m:val="⃗"/>
+                                <m:ctrlPr>
+                                  <a:rPr lang="en-US" sz="2000" b="0" i="1" smtClean="0">
+                                    <a:latin typeface="Cambria Math" panose="02040503050406030204" pitchFamily="18" charset="0"/>
+                                    <a:cs typeface="Arial" panose="020B0604020202020204" pitchFamily="34" charset="0"/>
+                                  </a:rPr>
+                                </m:ctrlPr>
+                              </m:accPr>
+                              <m:e>
+                                <m:r>
+                                  <a:rPr lang="en-US" sz="2000" b="0" i="1" smtClean="0">
+                                    <a:latin typeface="Cambria Math" panose="02040503050406030204" pitchFamily="18" charset="0"/>
+                                    <a:cs typeface="Arial" panose="020B0604020202020204" pitchFamily="34" charset="0"/>
+                                  </a:rPr>
+                                  <m:t>𝑎</m:t>
+                                </m:r>
+                              </m:e>
+                            </m:acc>
+                          </m:e>
+                          <m:sub>
+                            <m:r>
+                              <a:rPr lang="en-US" sz="2000" b="0" i="1" smtClean="0">
+                                <a:latin typeface="Cambria Math" panose="02040503050406030204" pitchFamily="18" charset="0"/>
+                                <a:cs typeface="Arial" panose="020B0604020202020204" pitchFamily="34" charset="0"/>
+                              </a:rPr>
+                              <m:t>1</m:t>
+                            </m:r>
+                          </m:sub>
+                        </m:sSub>
+                      </m:oMath>
+                    </m:oMathPara>
+                  </a14:m>
+                  <a:endParaRPr lang="en-US" sz="2000" dirty="0" smtClean="0">
+                    <a:latin typeface="Arial" panose="020B0604020202020204" pitchFamily="34" charset="0"/>
+                    <a:cs typeface="Arial" panose="020B0604020202020204" pitchFamily="34" charset="0"/>
+                  </a:endParaRPr>
+                </a:p>
+              </p:txBody>
+            </p:sp>
+          </mc:Choice>
+          <mc:Fallback>
+            <p:sp>
+              <p:nvSpPr>
+                <p:cNvPr id="108" name="TextBox 107"/>
+                <p:cNvSpPr txBox="1">
+                  <a:spLocks noRot="1" noChangeAspect="1" noMove="1" noResize="1" noEditPoints="1" noAdjustHandles="1" noChangeArrowheads="1" noChangeShapeType="1" noTextEdit="1"/>
+                </p:cNvSpPr>
+                <p:nvPr/>
+              </p:nvSpPr>
+              <p:spPr>
+                <a:xfrm>
+                  <a:off x="2833849" y="3949069"/>
+                  <a:ext cx="326884" cy="307777"/>
+                </a:xfrm>
+                <a:prstGeom prst="rect">
+                  <a:avLst/>
+                </a:prstGeom>
+                <a:blipFill>
+                  <a:blip r:embed="rId16"/>
+                  <a:stretch>
+                    <a:fillRect l="-15094" t="-36000" r="-62264" b="-20000"/>
+                  </a:stretch>
+                </a:blipFill>
+              </p:spPr>
+              <p:txBody>
+                <a:bodyPr/>
+                <a:lstStyle/>
+                <a:p>
+                  <a:r>
+                    <a:rPr lang="en-US">
+                      <a:noFill/>
+                    </a:rPr>
+                    <a:t> </a:t>
+                  </a:r>
+                </a:p>
+              </p:txBody>
+            </p:sp>
+          </mc:Fallback>
+        </mc:AlternateContent>
+      </p:grpSp>
+      <p:grpSp>
+        <p:nvGrpSpPr>
+          <p:cNvPr id="123" name="Group 122"/>
+          <p:cNvGrpSpPr/>
+          <p:nvPr/>
+        </p:nvGrpSpPr>
+        <p:grpSpPr>
+          <a:xfrm>
+            <a:off x="5225462" y="3576414"/>
+            <a:ext cx="2322588" cy="2891804"/>
+            <a:chOff x="5225462" y="3576414"/>
+            <a:chExt cx="2322588" cy="2891804"/>
+          </a:xfrm>
+        </p:grpSpPr>
+        <mc:AlternateContent xmlns:mc="http://schemas.openxmlformats.org/markup-compatibility/2006">
+          <mc:Choice xmlns:a14="http://schemas.microsoft.com/office/drawing/2010/main" Requires="a14">
+            <p:sp>
+              <p:nvSpPr>
+                <p:cNvPr id="112" name="TextBox 111"/>
+                <p:cNvSpPr txBox="1"/>
+                <p:nvPr/>
+              </p:nvSpPr>
+              <p:spPr>
+                <a:xfrm>
+                  <a:off x="6589990" y="3576414"/>
+                  <a:ext cx="332847" cy="307777"/>
+                </a:xfrm>
+                <a:prstGeom prst="rect">
+                  <a:avLst/>
+                </a:prstGeom>
+                <a:noFill/>
+              </p:spPr>
+              <p:txBody>
+                <a:bodyPr wrap="none" lIns="0" tIns="0" rIns="0" bIns="0" rtlCol="0">
+                  <a:spAutoFit/>
+                </a:bodyPr>
+                <a:lstStyle/>
+                <a:p>
+                  <a14:m>
+                    <m:oMathPara xmlns:m="http://schemas.openxmlformats.org/officeDocument/2006/math">
+                      <m:oMathParaPr>
+                        <m:jc m:val="centerGroup"/>
+                      </m:oMathParaPr>
+                      <m:oMath xmlns:m="http://schemas.openxmlformats.org/officeDocument/2006/math">
+                        <m:sSub>
+                          <m:sSubPr>
+                            <m:ctrlPr>
+                              <a:rPr lang="en-US" sz="2000" b="0" i="1" smtClean="0">
+                                <a:latin typeface="Cambria Math" panose="02040503050406030204" pitchFamily="18" charset="0"/>
+                                <a:cs typeface="Arial" panose="020B0604020202020204" pitchFamily="34" charset="0"/>
+                              </a:rPr>
+                            </m:ctrlPr>
+                          </m:sSubPr>
+                          <m:e>
+                            <m:acc>
+                              <m:accPr>
+                                <m:chr m:val="⃗"/>
+                                <m:ctrlPr>
+                                  <a:rPr lang="en-US" sz="2000" b="0" i="1" smtClean="0">
+                                    <a:latin typeface="Cambria Math" panose="02040503050406030204" pitchFamily="18" charset="0"/>
+                                    <a:cs typeface="Arial" panose="020B0604020202020204" pitchFamily="34" charset="0"/>
+                                  </a:rPr>
+                                </m:ctrlPr>
+                              </m:accPr>
+                              <m:e>
+                                <m:r>
+                                  <a:rPr lang="en-US" sz="2000" b="0" i="1" smtClean="0">
+                                    <a:latin typeface="Cambria Math" panose="02040503050406030204" pitchFamily="18" charset="0"/>
+                                    <a:cs typeface="Arial" panose="020B0604020202020204" pitchFamily="34" charset="0"/>
+                                  </a:rPr>
+                                  <m:t>𝑎</m:t>
+                                </m:r>
+                              </m:e>
+                            </m:acc>
+                          </m:e>
+                          <m:sub>
+                            <m:r>
+                              <a:rPr lang="en-US" sz="2000" b="0" i="1" smtClean="0">
+                                <a:latin typeface="Cambria Math" panose="02040503050406030204" pitchFamily="18" charset="0"/>
+                                <a:cs typeface="Arial" panose="020B0604020202020204" pitchFamily="34" charset="0"/>
+                              </a:rPr>
+                              <m:t>2</m:t>
+                            </m:r>
+                          </m:sub>
+                        </m:sSub>
+                      </m:oMath>
+                    </m:oMathPara>
+                  </a14:m>
+                  <a:endParaRPr lang="en-US" sz="2000" dirty="0" smtClean="0">
+                    <a:latin typeface="Arial" panose="020B0604020202020204" pitchFamily="34" charset="0"/>
+                    <a:cs typeface="Arial" panose="020B0604020202020204" pitchFamily="34" charset="0"/>
+                  </a:endParaRPr>
+                </a:p>
+              </p:txBody>
+            </p:sp>
+          </mc:Choice>
+          <mc:Fallback>
+            <p:sp>
+              <p:nvSpPr>
+                <p:cNvPr id="112" name="TextBox 111"/>
+                <p:cNvSpPr txBox="1">
+                  <a:spLocks noRot="1" noChangeAspect="1" noMove="1" noResize="1" noEditPoints="1" noAdjustHandles="1" noChangeArrowheads="1" noChangeShapeType="1" noTextEdit="1"/>
+                </p:cNvSpPr>
+                <p:nvPr/>
+              </p:nvSpPr>
+              <p:spPr>
+                <a:xfrm>
+                  <a:off x="6589990" y="3576414"/>
+                  <a:ext cx="332847" cy="307777"/>
+                </a:xfrm>
+                <a:prstGeom prst="rect">
+                  <a:avLst/>
+                </a:prstGeom>
+                <a:blipFill>
+                  <a:blip r:embed="rId17"/>
+                  <a:stretch>
+                    <a:fillRect l="-12727" t="-36000" r="-60000" b="-20000"/>
+                  </a:stretch>
+                </a:blipFill>
+              </p:spPr>
+              <p:txBody>
+                <a:bodyPr/>
+                <a:lstStyle/>
+                <a:p>
+                  <a:r>
+                    <a:rPr lang="en-US">
+                      <a:noFill/>
+                    </a:rPr>
+                    <a:t> </a:t>
+                  </a:r>
+                </a:p>
+              </p:txBody>
+            </p:sp>
+          </mc:Fallback>
+        </mc:AlternateContent>
+        <p:grpSp>
+          <p:nvGrpSpPr>
+            <p:cNvPr id="121" name="Group 120"/>
+            <p:cNvGrpSpPr/>
+            <p:nvPr/>
+          </p:nvGrpSpPr>
+          <p:grpSpPr>
+            <a:xfrm>
+              <a:off x="5225462" y="3895935"/>
+              <a:ext cx="2322588" cy="2572283"/>
+              <a:chOff x="5225462" y="3895935"/>
+              <a:chExt cx="2322588" cy="2572283"/>
+            </a:xfrm>
+          </p:grpSpPr>
+          <p:grpSp>
+            <p:nvGrpSpPr>
+              <p:cNvPr id="109" name="Group 108"/>
+              <p:cNvGrpSpPr/>
+              <p:nvPr/>
+            </p:nvGrpSpPr>
+            <p:grpSpPr>
+              <a:xfrm>
+                <a:off x="6007124" y="4116518"/>
+                <a:ext cx="1540926" cy="2351700"/>
+                <a:chOff x="6441374" y="3855856"/>
+                <a:chExt cx="1540926" cy="2351700"/>
+              </a:xfrm>
+            </p:grpSpPr>
+            <p:sp>
+              <p:nvSpPr>
+                <p:cNvPr id="72" name="Oval 71"/>
+                <p:cNvSpPr/>
+                <p:nvPr/>
+              </p:nvSpPr>
+              <p:spPr>
+                <a:xfrm>
+                  <a:off x="7138975" y="4809279"/>
+                  <a:ext cx="120943" cy="119766"/>
+                </a:xfrm>
+                <a:prstGeom prst="ellipse">
+                  <a:avLst/>
+                </a:prstGeom>
+                <a:solidFill>
+                  <a:schemeClr val="tx1"/>
+                </a:solidFill>
+                <a:ln w="38100">
+                  <a:solidFill>
+                    <a:schemeClr val="tx1"/>
+                  </a:solidFill>
+                </a:ln>
+              </p:spPr>
+              <p:style>
+                <a:lnRef idx="2">
+                  <a:schemeClr val="accent1">
+                    <a:shade val="50000"/>
+                  </a:schemeClr>
+                </a:lnRef>
+                <a:fillRef idx="1">
+                  <a:schemeClr val="accent1"/>
+                </a:fillRef>
+                <a:effectRef idx="0">
+                  <a:schemeClr val="accent1"/>
+                </a:effectRef>
+                <a:fontRef idx="minor">
+                  <a:schemeClr val="lt1"/>
+                </a:fontRef>
+              </p:style>
+              <p:txBody>
+                <a:bodyPr rtlCol="0" anchor="ctr"/>
+                <a:lstStyle/>
+                <a:p>
+                  <a:pPr algn="ctr"/>
+                  <a:endParaRPr lang="en-US"/>
+                </a:p>
+              </p:txBody>
+            </p:sp>
+            <p:cxnSp>
+              <p:nvCxnSpPr>
+                <p:cNvPr id="73" name="Straight Arrow Connector 72"/>
+                <p:cNvCxnSpPr/>
+                <p:nvPr/>
+              </p:nvCxnSpPr>
+              <p:spPr>
+                <a:xfrm flipH="1">
+                  <a:off x="6441374" y="4880566"/>
+                  <a:ext cx="687786" cy="14499"/>
+                </a:xfrm>
+                <a:prstGeom prst="straightConnector1">
+                  <a:avLst/>
+                </a:prstGeom>
+                <a:ln w="38100">
+                  <a:solidFill>
+                    <a:schemeClr val="tx1"/>
+                  </a:solidFill>
+                  <a:tailEnd type="triangle"/>
+                </a:ln>
+              </p:spPr>
+              <p:style>
+                <a:lnRef idx="1">
+                  <a:schemeClr val="accent1"/>
+                </a:lnRef>
+                <a:fillRef idx="0">
+                  <a:schemeClr val="accent1"/>
+                </a:fillRef>
+                <a:effectRef idx="0">
+                  <a:schemeClr val="accent1"/>
+                </a:effectRef>
+                <a:fontRef idx="minor">
+                  <a:schemeClr val="tx1"/>
+                </a:fontRef>
+              </p:style>
+            </p:cxnSp>
+            <p:cxnSp>
+              <p:nvCxnSpPr>
+                <p:cNvPr id="74" name="Straight Arrow Connector 73"/>
+                <p:cNvCxnSpPr/>
+                <p:nvPr/>
+              </p:nvCxnSpPr>
+              <p:spPr>
+                <a:xfrm>
+                  <a:off x="7279549" y="4879078"/>
+                  <a:ext cx="460837" cy="0"/>
+                </a:xfrm>
+                <a:prstGeom prst="straightConnector1">
+                  <a:avLst/>
+                </a:prstGeom>
+                <a:ln w="38100">
+                  <a:solidFill>
+                    <a:schemeClr val="tx1"/>
+                  </a:solidFill>
+                  <a:tailEnd type="triangle"/>
+                </a:ln>
+              </p:spPr>
+              <p:style>
+                <a:lnRef idx="1">
+                  <a:schemeClr val="accent1"/>
+                </a:lnRef>
+                <a:fillRef idx="0">
+                  <a:schemeClr val="accent1"/>
+                </a:fillRef>
+                <a:effectRef idx="0">
+                  <a:schemeClr val="accent1"/>
+                </a:effectRef>
+                <a:fontRef idx="minor">
+                  <a:schemeClr val="tx1"/>
+                </a:fontRef>
+              </p:style>
+            </p:cxnSp>
+            <p:cxnSp>
+              <p:nvCxnSpPr>
+                <p:cNvPr id="75" name="Straight Arrow Connector 74"/>
+                <p:cNvCxnSpPr/>
+                <p:nvPr/>
+              </p:nvCxnSpPr>
+              <p:spPr>
+                <a:xfrm>
+                  <a:off x="7209932" y="4947725"/>
+                  <a:ext cx="255" cy="886884"/>
+                </a:xfrm>
+                <a:prstGeom prst="straightConnector1">
+                  <a:avLst/>
+                </a:prstGeom>
+                <a:ln w="38100">
+                  <a:solidFill>
+                    <a:schemeClr val="tx1"/>
+                  </a:solidFill>
+                  <a:tailEnd type="triangle"/>
+                </a:ln>
+              </p:spPr>
+              <p:style>
+                <a:lnRef idx="1">
+                  <a:schemeClr val="accent1"/>
+                </a:lnRef>
+                <a:fillRef idx="0">
+                  <a:schemeClr val="accent1"/>
+                </a:fillRef>
+                <a:effectRef idx="0">
+                  <a:schemeClr val="accent1"/>
+                </a:effectRef>
+                <a:fontRef idx="minor">
+                  <a:schemeClr val="tx1"/>
+                </a:fontRef>
+              </p:style>
+            </p:cxnSp>
+            <p:cxnSp>
+              <p:nvCxnSpPr>
+                <p:cNvPr id="76" name="Straight Arrow Connector 75"/>
+                <p:cNvCxnSpPr/>
+                <p:nvPr/>
+              </p:nvCxnSpPr>
+              <p:spPr>
+                <a:xfrm flipV="1">
+                  <a:off x="7210396" y="3855856"/>
+                  <a:ext cx="1123" cy="950756"/>
+                </a:xfrm>
+                <a:prstGeom prst="straightConnector1">
+                  <a:avLst/>
+                </a:prstGeom>
+                <a:ln w="38100">
+                  <a:solidFill>
+                    <a:schemeClr val="tx1"/>
+                  </a:solidFill>
+                  <a:tailEnd type="triangle"/>
+                </a:ln>
+              </p:spPr>
+              <p:style>
+                <a:lnRef idx="1">
+                  <a:schemeClr val="accent1"/>
+                </a:lnRef>
+                <a:fillRef idx="0">
+                  <a:schemeClr val="accent1"/>
+                </a:fillRef>
+                <a:effectRef idx="0">
+                  <a:schemeClr val="accent1"/>
+                </a:effectRef>
+                <a:fontRef idx="minor">
+                  <a:schemeClr val="tx1"/>
+                </a:fontRef>
+              </p:style>
+            </p:cxnSp>
+            <mc:AlternateContent xmlns:mc="http://schemas.openxmlformats.org/markup-compatibility/2006">
+              <mc:Choice xmlns:a14="http://schemas.microsoft.com/office/drawing/2010/main" Requires="a14">
+                <p:sp>
+                  <p:nvSpPr>
+                    <p:cNvPr id="77" name="TextBox 76"/>
+                    <p:cNvSpPr txBox="1"/>
+                    <p:nvPr/>
+                  </p:nvSpPr>
+                  <p:spPr>
+                    <a:xfrm>
+                      <a:off x="7299552" y="3952590"/>
+                      <a:ext cx="356443" cy="345159"/>
+                    </a:xfrm>
+                    <a:prstGeom prst="rect">
+                      <a:avLst/>
+                    </a:prstGeom>
+                    <a:noFill/>
+                  </p:spPr>
+                  <p:txBody>
+                    <a:bodyPr wrap="none" lIns="0" tIns="0" rIns="0" bIns="0" rtlCol="0">
+                      <a:spAutoFit/>
+                    </a:bodyPr>
+                    <a:lstStyle/>
+                    <a:p>
+                      <a:pPr/>
+                      <a14:m>
+                        <m:oMathPara xmlns:m="http://schemas.openxmlformats.org/officeDocument/2006/math">
+                          <m:oMathParaPr>
+                            <m:jc m:val="centerGroup"/>
+                          </m:oMathParaPr>
+                          <m:oMath xmlns:m="http://schemas.openxmlformats.org/officeDocument/2006/math">
+                            <m:sSub>
+                              <m:sSubPr>
+                                <m:ctrlPr>
+                                  <a:rPr lang="en-US" sz="2000" b="0" i="1" smtClean="0">
+                                    <a:latin typeface="Cambria Math" panose="02040503050406030204" pitchFamily="18" charset="0"/>
+                                    <a:cs typeface="Arial" panose="020B0604020202020204" pitchFamily="34" charset="0"/>
+                                  </a:rPr>
+                                </m:ctrlPr>
+                              </m:sSubPr>
+                              <m:e>
+                                <m:acc>
+                                  <m:accPr>
+                                    <m:chr m:val="⃗"/>
+                                    <m:ctrlPr>
+                                      <a:rPr lang="en-US" sz="2000" b="0" i="1" smtClean="0">
+                                        <a:latin typeface="Cambria Math" panose="02040503050406030204" pitchFamily="18" charset="0"/>
+                                        <a:cs typeface="Arial" panose="020B0604020202020204" pitchFamily="34" charset="0"/>
+                                      </a:rPr>
+                                    </m:ctrlPr>
+                                  </m:accPr>
+                                  <m:e>
+                                    <m:r>
+                                      <a:rPr lang="en-US" sz="2000" b="0" i="1" smtClean="0">
+                                        <a:latin typeface="Cambria Math" panose="02040503050406030204" pitchFamily="18" charset="0"/>
+                                        <a:cs typeface="Arial" panose="020B0604020202020204" pitchFamily="34" charset="0"/>
+                                      </a:rPr>
+                                      <m:t>𝑁</m:t>
+                                    </m:r>
+                                  </m:e>
+                                </m:acc>
+                              </m:e>
+                              <m:sub>
+                                <m:r>
+                                  <a:rPr lang="en-US" sz="2000" b="0" i="1" smtClean="0">
+                                    <a:latin typeface="Cambria Math" panose="02040503050406030204" pitchFamily="18" charset="0"/>
+                                    <a:cs typeface="Arial" panose="020B0604020202020204" pitchFamily="34" charset="0"/>
+                                  </a:rPr>
+                                  <m:t>2</m:t>
+                                </m:r>
+                              </m:sub>
+                            </m:sSub>
+                          </m:oMath>
+                        </m:oMathPara>
+                      </a14:m>
+                      <a:endParaRPr lang="en-US" sz="2000" dirty="0" smtClean="0">
+                        <a:latin typeface="Arial" panose="020B0604020202020204" pitchFamily="34" charset="0"/>
+                        <a:cs typeface="Arial" panose="020B0604020202020204" pitchFamily="34" charset="0"/>
+                      </a:endParaRPr>
+                    </a:p>
+                  </p:txBody>
+                </p:sp>
+              </mc:Choice>
+              <mc:Fallback>
+                <p:sp>
+                  <p:nvSpPr>
+                    <p:cNvPr id="77" name="TextBox 76"/>
+                    <p:cNvSpPr txBox="1">
+                      <a:spLocks noRot="1" noChangeAspect="1" noMove="1" noResize="1" noEditPoints="1" noAdjustHandles="1" noChangeArrowheads="1" noChangeShapeType="1" noTextEdit="1"/>
+                    </p:cNvSpPr>
+                    <p:nvPr/>
+                  </p:nvSpPr>
+                  <p:spPr>
+                    <a:xfrm>
+                      <a:off x="7299552" y="3952590"/>
+                      <a:ext cx="356443" cy="345159"/>
+                    </a:xfrm>
+                    <a:prstGeom prst="rect">
+                      <a:avLst/>
+                    </a:prstGeom>
+                    <a:blipFill>
+                      <a:blip r:embed="rId18"/>
+                      <a:stretch>
+                        <a:fillRect l="-13559" r="-6780" b="-17544"/>
+                      </a:stretch>
+                    </a:blipFill>
+                  </p:spPr>
+                  <p:txBody>
+                    <a:bodyPr/>
+                    <a:lstStyle/>
+                    <a:p>
+                      <a:r>
+                        <a:rPr lang="en-US">
+                          <a:noFill/>
+                        </a:rPr>
+                        <a:t> </a:t>
+                      </a:r>
+                    </a:p>
+                  </p:txBody>
+                </p:sp>
+              </mc:Fallback>
+            </mc:AlternateContent>
+            <mc:AlternateContent xmlns:mc="http://schemas.openxmlformats.org/markup-compatibility/2006">
+              <mc:Choice xmlns:a14="http://schemas.microsoft.com/office/drawing/2010/main" Requires="a14">
+                <p:sp>
+                  <p:nvSpPr>
+                    <p:cNvPr id="78" name="TextBox 77"/>
+                    <p:cNvSpPr txBox="1"/>
+                    <p:nvPr/>
+                  </p:nvSpPr>
+                  <p:spPr>
+                    <a:xfrm>
+                      <a:off x="6730967" y="5406478"/>
+                      <a:ext cx="431721" cy="377219"/>
+                    </a:xfrm>
+                    <a:prstGeom prst="rect">
+                      <a:avLst/>
+                    </a:prstGeom>
+                    <a:noFill/>
+                  </p:spPr>
+                  <p:txBody>
+                    <a:bodyPr wrap="none" lIns="0" tIns="0" rIns="0" bIns="0" rtlCol="0">
+                      <a:spAutoFit/>
+                    </a:bodyPr>
+                    <a:lstStyle/>
+                    <a:p>
+                      <a:pPr/>
+                      <a14:m>
+                        <m:oMathPara xmlns:m="http://schemas.openxmlformats.org/officeDocument/2006/math">
+                          <m:oMathParaPr>
+                            <m:jc m:val="centerGroup"/>
+                          </m:oMathParaPr>
+                          <m:oMath xmlns:m="http://schemas.openxmlformats.org/officeDocument/2006/math">
+                            <m:sSub>
+                              <m:sSubPr>
+                                <m:ctrlPr>
+                                  <a:rPr lang="en-US" sz="2000" b="0" i="1" smtClean="0">
+                                    <a:latin typeface="Cambria Math" panose="02040503050406030204" pitchFamily="18" charset="0"/>
+                                    <a:cs typeface="Arial" panose="020B0604020202020204" pitchFamily="34" charset="0"/>
+                                  </a:rPr>
+                                </m:ctrlPr>
+                              </m:sSubPr>
+                              <m:e>
+                                <m:acc>
+                                  <m:accPr>
+                                    <m:chr m:val="⃗"/>
+                                    <m:ctrlPr>
+                                      <a:rPr lang="en-US" sz="2000" b="0" i="1" smtClean="0">
+                                        <a:latin typeface="Cambria Math" panose="02040503050406030204" pitchFamily="18" charset="0"/>
+                                        <a:cs typeface="Arial" panose="020B0604020202020204" pitchFamily="34" charset="0"/>
+                                      </a:rPr>
+                                    </m:ctrlPr>
+                                  </m:accPr>
+                                  <m:e>
+                                    <m:r>
+                                      <a:rPr lang="en-US" sz="2000" b="0" i="1" smtClean="0">
+                                        <a:latin typeface="Cambria Math" panose="02040503050406030204" pitchFamily="18" charset="0"/>
+                                        <a:cs typeface="Arial" panose="020B0604020202020204" pitchFamily="34" charset="0"/>
+                                      </a:rPr>
+                                      <m:t>𝐹</m:t>
+                                    </m:r>
+                                  </m:e>
+                                </m:acc>
+                              </m:e>
+                              <m:sub>
+                                <m:r>
+                                  <a:rPr lang="en-US" sz="2000" b="0" i="1" smtClean="0">
+                                    <a:latin typeface="Cambria Math" panose="02040503050406030204" pitchFamily="18" charset="0"/>
+                                    <a:cs typeface="Arial" panose="020B0604020202020204" pitchFamily="34" charset="0"/>
+                                  </a:rPr>
+                                  <m:t>𝑔</m:t>
+                                </m:r>
+                                <m:r>
+                                  <a:rPr lang="en-US" sz="2000" b="0" i="1" smtClean="0">
+                                    <a:latin typeface="Cambria Math" panose="02040503050406030204" pitchFamily="18" charset="0"/>
+                                    <a:cs typeface="Arial" panose="020B0604020202020204" pitchFamily="34" charset="0"/>
+                                  </a:rPr>
+                                  <m:t>2</m:t>
+                                </m:r>
+                              </m:sub>
+                            </m:sSub>
+                          </m:oMath>
+                        </m:oMathPara>
+                      </a14:m>
+                      <a:endParaRPr lang="en-US" sz="2000" dirty="0" smtClean="0">
+                        <a:latin typeface="Arial" panose="020B0604020202020204" pitchFamily="34" charset="0"/>
+                        <a:cs typeface="Arial" panose="020B0604020202020204" pitchFamily="34" charset="0"/>
+                      </a:endParaRPr>
+                    </a:p>
+                  </p:txBody>
+                </p:sp>
+              </mc:Choice>
+              <mc:Fallback>
+                <p:sp>
+                  <p:nvSpPr>
+                    <p:cNvPr id="78" name="TextBox 77"/>
+                    <p:cNvSpPr txBox="1">
+                      <a:spLocks noRot="1" noChangeAspect="1" noMove="1" noResize="1" noEditPoints="1" noAdjustHandles="1" noChangeArrowheads="1" noChangeShapeType="1" noTextEdit="1"/>
+                    </p:cNvSpPr>
+                    <p:nvPr/>
+                  </p:nvSpPr>
+                  <p:spPr>
+                    <a:xfrm>
+                      <a:off x="6730967" y="5406478"/>
+                      <a:ext cx="431721" cy="377219"/>
+                    </a:xfrm>
+                    <a:prstGeom prst="rect">
+                      <a:avLst/>
+                    </a:prstGeom>
+                    <a:blipFill>
+                      <a:blip r:embed="rId19"/>
+                      <a:stretch>
+                        <a:fillRect l="-12676" t="-32258" r="-39437" b="-20968"/>
+                      </a:stretch>
+                    </a:blipFill>
+                  </p:spPr>
+                  <p:txBody>
+                    <a:bodyPr/>
+                    <a:lstStyle/>
+                    <a:p>
+                      <a:r>
+                        <a:rPr lang="en-US">
+                          <a:noFill/>
+                        </a:rPr>
+                        <a:t> </a:t>
+                      </a:r>
+                    </a:p>
+                  </p:txBody>
+                </p:sp>
+              </mc:Fallback>
+            </mc:AlternateContent>
+            <mc:AlternateContent xmlns:mc="http://schemas.openxmlformats.org/markup-compatibility/2006">
+              <mc:Choice xmlns:a14="http://schemas.microsoft.com/office/drawing/2010/main" Requires="a14">
+                <p:sp>
+                  <p:nvSpPr>
+                    <p:cNvPr id="79" name="TextBox 78"/>
+                    <p:cNvSpPr txBox="1"/>
+                    <p:nvPr/>
+                  </p:nvSpPr>
+                  <p:spPr>
+                    <a:xfrm>
+                      <a:off x="7577317" y="4962203"/>
+                      <a:ext cx="404983" cy="354071"/>
+                    </a:xfrm>
+                    <a:prstGeom prst="rect">
+                      <a:avLst/>
+                    </a:prstGeom>
+                    <a:noFill/>
+                  </p:spPr>
+                  <p:txBody>
+                    <a:bodyPr wrap="none" lIns="0" tIns="0" rIns="0" bIns="0" rtlCol="0">
+                      <a:spAutoFit/>
+                    </a:bodyPr>
+                    <a:lstStyle/>
+                    <a:p>
+                      <a:pPr/>
+                      <a14:m>
+                        <m:oMathPara xmlns:m="http://schemas.openxmlformats.org/officeDocument/2006/math">
+                          <m:oMathParaPr>
+                            <m:jc m:val="centerGroup"/>
+                          </m:oMathParaPr>
+                          <m:oMath xmlns:m="http://schemas.openxmlformats.org/officeDocument/2006/math">
+                            <m:sSub>
+                              <m:sSubPr>
+                                <m:ctrlPr>
+                                  <a:rPr lang="en-US" sz="2000" b="0" i="1" smtClean="0">
+                                    <a:latin typeface="Cambria Math" panose="02040503050406030204" pitchFamily="18" charset="0"/>
+                                    <a:cs typeface="Arial" panose="020B0604020202020204" pitchFamily="34" charset="0"/>
+                                  </a:rPr>
+                                </m:ctrlPr>
+                              </m:sSubPr>
+                              <m:e>
+                                <m:acc>
+                                  <m:accPr>
+                                    <m:chr m:val="⃗"/>
+                                    <m:ctrlPr>
+                                      <a:rPr lang="en-US" sz="2000" b="0" i="1" smtClean="0">
+                                        <a:latin typeface="Cambria Math" panose="02040503050406030204" pitchFamily="18" charset="0"/>
+                                        <a:cs typeface="Arial" panose="020B0604020202020204" pitchFamily="34" charset="0"/>
+                                      </a:rPr>
+                                    </m:ctrlPr>
+                                  </m:accPr>
+                                  <m:e>
+                                    <m:r>
+                                      <a:rPr lang="en-US" sz="2000" b="0" i="1" smtClean="0">
+                                        <a:latin typeface="Cambria Math" panose="02040503050406030204" pitchFamily="18" charset="0"/>
+                                        <a:cs typeface="Arial" panose="020B0604020202020204" pitchFamily="34" charset="0"/>
+                                      </a:rPr>
+                                      <m:t>𝑓</m:t>
+                                    </m:r>
+                                  </m:e>
+                                </m:acc>
+                              </m:e>
+                              <m:sub>
+                                <m:r>
+                                  <a:rPr lang="en-US" sz="2000" b="0" i="1" smtClean="0">
+                                    <a:latin typeface="Cambria Math" panose="02040503050406030204" pitchFamily="18" charset="0"/>
+                                    <a:cs typeface="Arial" panose="020B0604020202020204" pitchFamily="34" charset="0"/>
+                                  </a:rPr>
+                                  <m:t>𝑘</m:t>
+                                </m:r>
+                                <m:r>
+                                  <a:rPr lang="en-US" sz="2000" b="0" i="1" smtClean="0">
+                                    <a:latin typeface="Cambria Math" panose="02040503050406030204" pitchFamily="18" charset="0"/>
+                                    <a:cs typeface="Arial" panose="020B0604020202020204" pitchFamily="34" charset="0"/>
+                                  </a:rPr>
+                                  <m:t>2</m:t>
+                                </m:r>
+                              </m:sub>
+                            </m:sSub>
+                          </m:oMath>
+                        </m:oMathPara>
+                      </a14:m>
+                      <a:endParaRPr lang="en-US" sz="2000" dirty="0" smtClean="0">
+                        <a:latin typeface="Arial" panose="020B0604020202020204" pitchFamily="34" charset="0"/>
+                        <a:cs typeface="Arial" panose="020B0604020202020204" pitchFamily="34" charset="0"/>
+                      </a:endParaRPr>
+                    </a:p>
+                  </p:txBody>
+                </p:sp>
+              </mc:Choice>
+              <mc:Fallback>
+                <p:sp>
+                  <p:nvSpPr>
+                    <p:cNvPr id="79" name="TextBox 78"/>
+                    <p:cNvSpPr txBox="1">
+                      <a:spLocks noRot="1" noChangeAspect="1" noMove="1" noResize="1" noEditPoints="1" noAdjustHandles="1" noChangeArrowheads="1" noChangeShapeType="1" noTextEdit="1"/>
+                    </p:cNvSpPr>
+                    <p:nvPr/>
+                  </p:nvSpPr>
+                  <p:spPr>
+                    <a:xfrm>
+                      <a:off x="7577317" y="4962203"/>
+                      <a:ext cx="404983" cy="354071"/>
+                    </a:xfrm>
+                    <a:prstGeom prst="rect">
+                      <a:avLst/>
+                    </a:prstGeom>
+                    <a:blipFill>
+                      <a:blip r:embed="rId20"/>
+                      <a:stretch>
+                        <a:fillRect l="-21212" t="-34483" r="-51515" b="-31034"/>
+                      </a:stretch>
+                    </a:blipFill>
+                  </p:spPr>
+                  <p:txBody>
+                    <a:bodyPr/>
+                    <a:lstStyle/>
+                    <a:p>
+                      <a:r>
+                        <a:rPr lang="en-US">
+                          <a:noFill/>
+                        </a:rPr>
+                        <a:t> </a:t>
+                      </a:r>
+                    </a:p>
+                  </p:txBody>
+                </p:sp>
+              </mc:Fallback>
+            </mc:AlternateContent>
+            <mc:AlternateContent xmlns:mc="http://schemas.openxmlformats.org/markup-compatibility/2006">
+              <mc:Choice xmlns:a14="http://schemas.microsoft.com/office/drawing/2010/main" Requires="a14">
+                <p:sp>
+                  <p:nvSpPr>
+                    <p:cNvPr id="81" name="TextBox 80"/>
+                    <p:cNvSpPr txBox="1"/>
+                    <p:nvPr/>
+                  </p:nvSpPr>
+                  <p:spPr>
+                    <a:xfrm>
+                      <a:off x="7056392" y="5899779"/>
+                      <a:ext cx="404983" cy="307777"/>
+                    </a:xfrm>
+                    <a:prstGeom prst="rect">
+                      <a:avLst/>
+                    </a:prstGeom>
+                    <a:noFill/>
+                  </p:spPr>
+                  <p:txBody>
+                    <a:bodyPr wrap="none" lIns="0" tIns="0" rIns="0" bIns="0" rtlCol="0">
+                      <a:spAutoFit/>
+                    </a:bodyPr>
+                    <a:lstStyle/>
+                    <a:p>
+                      <a:pPr/>
+                      <a14:m>
+                        <m:oMathPara xmlns:m="http://schemas.openxmlformats.org/officeDocument/2006/math">
+                          <m:oMathParaPr>
+                            <m:jc m:val="centerGroup"/>
+                          </m:oMathParaPr>
+                          <m:oMath xmlns:m="http://schemas.openxmlformats.org/officeDocument/2006/math">
+                            <m:sSub>
+                              <m:sSubPr>
+                                <m:ctrlPr>
+                                  <a:rPr lang="en-US" sz="2000" b="0" i="1" smtClean="0">
+                                    <a:latin typeface="Cambria Math" panose="02040503050406030204" pitchFamily="18" charset="0"/>
+                                    <a:cs typeface="Arial" panose="020B0604020202020204" pitchFamily="34" charset="0"/>
+                                  </a:rPr>
+                                </m:ctrlPr>
+                              </m:sSubPr>
+                              <m:e>
+                                <m:r>
+                                  <a:rPr lang="en-US" sz="2000" b="0" i="1" smtClean="0">
+                                    <a:latin typeface="Cambria Math" panose="02040503050406030204" pitchFamily="18" charset="0"/>
+                                    <a:cs typeface="Arial" panose="020B0604020202020204" pitchFamily="34" charset="0"/>
+                                  </a:rPr>
+                                  <m:t>𝑚</m:t>
+                                </m:r>
+                              </m:e>
+                              <m:sub>
+                                <m:r>
+                                  <a:rPr lang="en-US" sz="2000" b="0" i="1" smtClean="0">
+                                    <a:latin typeface="Cambria Math" panose="02040503050406030204" pitchFamily="18" charset="0"/>
+                                    <a:cs typeface="Arial" panose="020B0604020202020204" pitchFamily="34" charset="0"/>
+                                  </a:rPr>
+                                  <m:t>2</m:t>
+                                </m:r>
+                              </m:sub>
+                            </m:sSub>
+                          </m:oMath>
+                        </m:oMathPara>
+                      </a14:m>
+                      <a:endParaRPr lang="en-US" sz="2000" dirty="0" smtClean="0">
+                        <a:latin typeface="Arial" panose="020B0604020202020204" pitchFamily="34" charset="0"/>
+                        <a:cs typeface="Arial" panose="020B0604020202020204" pitchFamily="34" charset="0"/>
+                      </a:endParaRPr>
+                    </a:p>
+                  </p:txBody>
+                </p:sp>
+              </mc:Choice>
+              <mc:Fallback>
+                <p:sp>
+                  <p:nvSpPr>
+                    <p:cNvPr id="81" name="TextBox 80"/>
+                    <p:cNvSpPr txBox="1">
+                      <a:spLocks noRot="1" noChangeAspect="1" noMove="1" noResize="1" noEditPoints="1" noAdjustHandles="1" noChangeArrowheads="1" noChangeShapeType="1" noTextEdit="1"/>
+                    </p:cNvSpPr>
+                    <p:nvPr/>
+                  </p:nvSpPr>
+                  <p:spPr>
+                    <a:xfrm>
+                      <a:off x="7056392" y="5899779"/>
+                      <a:ext cx="404983" cy="307777"/>
+                    </a:xfrm>
+                    <a:prstGeom prst="rect">
+                      <a:avLst/>
+                    </a:prstGeom>
+                    <a:blipFill>
+                      <a:blip r:embed="rId21"/>
+                      <a:stretch>
+                        <a:fillRect l="-5970" r="-4478" b="-20000"/>
+                      </a:stretch>
+                    </a:blipFill>
+                  </p:spPr>
+                  <p:txBody>
+                    <a:bodyPr/>
+                    <a:lstStyle/>
+                    <a:p>
+                      <a:r>
+                        <a:rPr lang="en-US">
+                          <a:noFill/>
+                        </a:rPr>
+                        <a:t> </a:t>
+                      </a:r>
+                    </a:p>
+                  </p:txBody>
+                </p:sp>
+              </mc:Fallback>
+            </mc:AlternateContent>
+            <mc:AlternateContent xmlns:mc="http://schemas.openxmlformats.org/markup-compatibility/2006">
+              <mc:Choice xmlns:a14="http://schemas.microsoft.com/office/drawing/2010/main" Requires="a14">
+                <p:sp>
+                  <p:nvSpPr>
+                    <p:cNvPr id="106" name="TextBox 105"/>
+                    <p:cNvSpPr txBox="1"/>
+                    <p:nvPr/>
+                  </p:nvSpPr>
+                  <p:spPr>
+                    <a:xfrm>
+                      <a:off x="6476818" y="4469270"/>
+                      <a:ext cx="314893" cy="345159"/>
+                    </a:xfrm>
+                    <a:prstGeom prst="rect">
+                      <a:avLst/>
+                    </a:prstGeom>
+                    <a:noFill/>
+                  </p:spPr>
+                  <p:txBody>
+                    <a:bodyPr wrap="none" lIns="0" tIns="0" rIns="0" bIns="0" rtlCol="0">
+                      <a:spAutoFit/>
+                    </a:bodyPr>
+                    <a:lstStyle/>
+                    <a:p>
+                      <a:pPr/>
+                      <a14:m>
+                        <m:oMathPara xmlns:m="http://schemas.openxmlformats.org/officeDocument/2006/math">
+                          <m:oMathParaPr>
+                            <m:jc m:val="centerGroup"/>
+                          </m:oMathParaPr>
+                          <m:oMath xmlns:m="http://schemas.openxmlformats.org/officeDocument/2006/math">
+                            <m:sSub>
+                              <m:sSubPr>
+                                <m:ctrlPr>
+                                  <a:rPr lang="en-US" sz="2000" b="0" i="1" smtClean="0">
+                                    <a:latin typeface="Cambria Math" panose="02040503050406030204" pitchFamily="18" charset="0"/>
+                                    <a:cs typeface="Arial" panose="020B0604020202020204" pitchFamily="34" charset="0"/>
+                                  </a:rPr>
+                                </m:ctrlPr>
+                              </m:sSubPr>
+                              <m:e>
+                                <m:acc>
+                                  <m:accPr>
+                                    <m:chr m:val="⃗"/>
+                                    <m:ctrlPr>
+                                      <a:rPr lang="en-US" sz="2000" b="0" i="1" smtClean="0">
+                                        <a:latin typeface="Cambria Math" panose="02040503050406030204" pitchFamily="18" charset="0"/>
+                                        <a:cs typeface="Arial" panose="020B0604020202020204" pitchFamily="34" charset="0"/>
+                                      </a:rPr>
+                                    </m:ctrlPr>
+                                  </m:accPr>
+                                  <m:e>
+                                    <m:r>
+                                      <a:rPr lang="en-US" sz="2000" b="0" i="1" smtClean="0">
+                                        <a:latin typeface="Cambria Math" panose="02040503050406030204" pitchFamily="18" charset="0"/>
+                                        <a:cs typeface="Arial" panose="020B0604020202020204" pitchFamily="34" charset="0"/>
+                                      </a:rPr>
+                                      <m:t>𝑇</m:t>
+                                    </m:r>
+                                  </m:e>
+                                </m:acc>
+                              </m:e>
+                              <m:sub>
+                                <m:r>
+                                  <a:rPr lang="en-US" sz="2000" b="0" i="1" smtClean="0">
+                                    <a:latin typeface="Cambria Math" panose="02040503050406030204" pitchFamily="18" charset="0"/>
+                                    <a:cs typeface="Arial" panose="020B0604020202020204" pitchFamily="34" charset="0"/>
+                                  </a:rPr>
+                                  <m:t>2</m:t>
+                                </m:r>
+                              </m:sub>
+                            </m:sSub>
+                          </m:oMath>
+                        </m:oMathPara>
+                      </a14:m>
+                      <a:endParaRPr lang="en-US" sz="2000" dirty="0" smtClean="0">
+                        <a:latin typeface="Arial" panose="020B0604020202020204" pitchFamily="34" charset="0"/>
+                        <a:cs typeface="Arial" panose="020B0604020202020204" pitchFamily="34" charset="0"/>
+                      </a:endParaRPr>
+                    </a:p>
+                  </p:txBody>
+                </p:sp>
+              </mc:Choice>
+              <mc:Fallback>
+                <p:sp>
+                  <p:nvSpPr>
+                    <p:cNvPr id="106" name="TextBox 105"/>
+                    <p:cNvSpPr txBox="1">
+                      <a:spLocks noRot="1" noChangeAspect="1" noMove="1" noResize="1" noEditPoints="1" noAdjustHandles="1" noChangeArrowheads="1" noChangeShapeType="1" noTextEdit="1"/>
+                    </p:cNvSpPr>
+                    <p:nvPr/>
+                  </p:nvSpPr>
+                  <p:spPr>
+                    <a:xfrm>
+                      <a:off x="6476818" y="4469270"/>
+                      <a:ext cx="314893" cy="345159"/>
+                    </a:xfrm>
+                    <a:prstGeom prst="rect">
+                      <a:avLst/>
+                    </a:prstGeom>
+                    <a:blipFill>
+                      <a:blip r:embed="rId22"/>
+                      <a:stretch>
+                        <a:fillRect l="-15385" r="-5769" b="-15789"/>
+                      </a:stretch>
+                    </a:blipFill>
+                  </p:spPr>
+                  <p:txBody>
+                    <a:bodyPr/>
+                    <a:lstStyle/>
+                    <a:p>
+                      <a:r>
+                        <a:rPr lang="en-US">
+                          <a:noFill/>
+                        </a:rPr>
+                        <a:t> </a:t>
+                      </a:r>
+                    </a:p>
+                  </p:txBody>
+                </p:sp>
+              </mc:Fallback>
+            </mc:AlternateContent>
+          </p:grpSp>
+          <p:sp>
+            <p:nvSpPr>
+              <p:cNvPr id="111" name="Right Arrow 110"/>
+              <p:cNvSpPr/>
+              <p:nvPr/>
+            </p:nvSpPr>
+            <p:spPr>
+              <a:xfrm rot="10800000">
+                <a:off x="6360937" y="3895935"/>
+                <a:ext cx="700928" cy="118979"/>
+              </a:xfrm>
+              <a:prstGeom prst="rightArrow">
+                <a:avLst/>
+              </a:prstGeom>
+              <a:solidFill>
+                <a:schemeClr val="tx1"/>
+              </a:solidFill>
+              <a:ln w="38100">
+                <a:solidFill>
+                  <a:schemeClr val="tx1"/>
+                </a:solidFill>
+              </a:ln>
+            </p:spPr>
+            <p:style>
+              <a:lnRef idx="2">
+                <a:schemeClr val="accent1">
+                  <a:shade val="50000"/>
+                </a:schemeClr>
+              </a:lnRef>
+              <a:fillRef idx="1">
+                <a:schemeClr val="accent1"/>
+              </a:fillRef>
+              <a:effectRef idx="0">
+                <a:schemeClr val="accent1"/>
+              </a:effectRef>
+              <a:fontRef idx="minor">
+                <a:schemeClr val="lt1"/>
+              </a:fontRef>
+            </p:style>
+            <p:txBody>
+              <a:bodyPr rtlCol="0" anchor="ctr"/>
+              <a:lstStyle/>
+              <a:p>
+                <a:pPr algn="ctr"/>
+                <a:endParaRPr lang="en-US"/>
+              </a:p>
+            </p:txBody>
+          </p:sp>
+          <p:grpSp>
+            <p:nvGrpSpPr>
+              <p:cNvPr id="113" name="Group 112"/>
+              <p:cNvGrpSpPr/>
+              <p:nvPr/>
+            </p:nvGrpSpPr>
+            <p:grpSpPr>
+              <a:xfrm>
+                <a:off x="5225462" y="5179527"/>
+                <a:ext cx="809200" cy="982636"/>
+                <a:chOff x="-188596" y="641381"/>
+                <a:chExt cx="2337329" cy="2955686"/>
+              </a:xfrm>
+            </p:grpSpPr>
+            <p:grpSp>
+              <p:nvGrpSpPr>
+                <p:cNvPr id="114" name="Group 113"/>
+                <p:cNvGrpSpPr/>
+                <p:nvPr/>
+              </p:nvGrpSpPr>
+              <p:grpSpPr>
+                <a:xfrm>
+                  <a:off x="-188596" y="641381"/>
+                  <a:ext cx="2337329" cy="2955686"/>
+                  <a:chOff x="-161301" y="614085"/>
+                  <a:chExt cx="2337329" cy="2955686"/>
+                </a:xfrm>
+              </p:grpSpPr>
+              <p:cxnSp>
+                <p:nvCxnSpPr>
+                  <p:cNvPr id="116" name="Straight Arrow Connector 115"/>
+                  <p:cNvCxnSpPr/>
+                  <p:nvPr/>
+                </p:nvCxnSpPr>
+                <p:spPr>
+                  <a:xfrm flipV="1">
+                    <a:off x="1516583" y="680744"/>
+                    <a:ext cx="7683" cy="1859535"/>
+                  </a:xfrm>
+                  <a:prstGeom prst="straightConnector1">
+                    <a:avLst/>
+                  </a:prstGeom>
+                  <a:ln w="38100">
+                    <a:solidFill>
+                      <a:schemeClr val="tx1"/>
+                    </a:solidFill>
+                    <a:tailEnd type="triangle"/>
+                  </a:ln>
+                </p:spPr>
+                <p:style>
+                  <a:lnRef idx="1">
+                    <a:schemeClr val="accent1"/>
+                  </a:lnRef>
+                  <a:fillRef idx="0">
+                    <a:schemeClr val="accent1"/>
+                  </a:fillRef>
+                  <a:effectRef idx="0">
+                    <a:schemeClr val="accent1"/>
+                  </a:effectRef>
+                  <a:fontRef idx="minor">
+                    <a:schemeClr val="tx1"/>
+                  </a:fontRef>
+                </p:style>
+              </p:cxnSp>
+              <p:cxnSp>
+                <p:nvCxnSpPr>
+                  <p:cNvPr id="117" name="Straight Arrow Connector 116"/>
+                  <p:cNvCxnSpPr/>
+                  <p:nvPr/>
+                </p:nvCxnSpPr>
+                <p:spPr>
+                  <a:xfrm rot="2125221" flipH="1">
+                    <a:off x="5727" y="2023155"/>
+                    <a:ext cx="1369175" cy="1008046"/>
+                  </a:xfrm>
+                  <a:prstGeom prst="straightConnector1">
+                    <a:avLst/>
+                  </a:prstGeom>
+                  <a:ln w="38100">
+                    <a:solidFill>
+                      <a:schemeClr val="tx1"/>
+                    </a:solidFill>
+                    <a:tailEnd type="triangle"/>
+                  </a:ln>
+                </p:spPr>
+                <p:style>
+                  <a:lnRef idx="1">
+                    <a:schemeClr val="accent1"/>
+                  </a:lnRef>
+                  <a:fillRef idx="0">
+                    <a:schemeClr val="accent1"/>
+                  </a:fillRef>
+                  <a:effectRef idx="0">
+                    <a:schemeClr val="accent1"/>
+                  </a:effectRef>
+                  <a:fontRef idx="minor">
+                    <a:schemeClr val="tx1"/>
+                  </a:fontRef>
+                </p:style>
+              </p:cxnSp>
+              <mc:AlternateContent xmlns:mc="http://schemas.openxmlformats.org/markup-compatibility/2006">
+                <mc:Choice xmlns:a14="http://schemas.microsoft.com/office/drawing/2010/main" Requires="a14">
+                  <p:sp>
+                    <p:nvSpPr>
+                      <p:cNvPr id="118" name="Rectangle 117"/>
+                      <p:cNvSpPr/>
+                      <p:nvPr/>
+                    </p:nvSpPr>
+                    <p:spPr>
+                      <a:xfrm>
+                        <a:off x="-161301" y="2458852"/>
+                        <a:ext cx="798822" cy="1110919"/>
+                      </a:xfrm>
+                      <a:prstGeom prst="rect">
+                        <a:avLst/>
+                      </a:prstGeom>
+                    </p:spPr>
+                    <p:txBody>
+                      <a:bodyPr wrap="square">
+                        <a:spAutoFit/>
+                      </a:bodyPr>
+                      <a:lstStyle/>
+                      <a:p>
+                        <a:pPr/>
+                        <a14:m>
+                          <m:oMathPara xmlns:m="http://schemas.openxmlformats.org/officeDocument/2006/math">
+                            <m:oMathParaPr>
+                              <m:jc m:val="centerGroup"/>
+                            </m:oMathParaPr>
+                            <m:oMath xmlns:m="http://schemas.openxmlformats.org/officeDocument/2006/math">
+                              <m:r>
+                                <a:rPr lang="en-US" i="1">
+                                  <a:latin typeface="Cambria Math" panose="02040503050406030204" pitchFamily="18" charset="0"/>
+                                  <a:cs typeface="Arial" panose="020B0604020202020204" pitchFamily="34" charset="0"/>
+                                </a:rPr>
+                                <m:t>𝑥</m:t>
+                              </m:r>
+                            </m:oMath>
+                          </m:oMathPara>
+                        </a14:m>
+                        <a:endParaRPr lang="en-CA" dirty="0"/>
+                      </a:p>
+                    </p:txBody>
+                  </p:sp>
+                </mc:Choice>
+                <mc:Fallback>
+                  <p:sp>
+                    <p:nvSpPr>
+                      <p:cNvPr id="118" name="Rectangle 117"/>
+                      <p:cNvSpPr>
+                        <a:spLocks noRot="1" noChangeAspect="1" noMove="1" noResize="1" noEditPoints="1" noAdjustHandles="1" noChangeArrowheads="1" noChangeShapeType="1" noTextEdit="1"/>
+                      </p:cNvSpPr>
+                      <p:nvPr/>
+                    </p:nvSpPr>
+                    <p:spPr>
+                      <a:xfrm>
+                        <a:off x="-161301" y="2458852"/>
+                        <a:ext cx="798822" cy="1110919"/>
+                      </a:xfrm>
+                      <a:prstGeom prst="rect">
+                        <a:avLst/>
+                      </a:prstGeom>
+                      <a:blipFill>
+                        <a:blip r:embed="rId23"/>
+                        <a:stretch>
+                          <a:fillRect/>
+                        </a:stretch>
+                      </a:blipFill>
+                    </p:spPr>
+                    <p:txBody>
+                      <a:bodyPr/>
+                      <a:lstStyle/>
+                      <a:p>
+                        <a:r>
+                          <a:rPr lang="en-US">
+                            <a:noFill/>
+                          </a:rPr>
+                          <a:t> </a:t>
+                        </a:r>
+                      </a:p>
+                    </p:txBody>
+                  </p:sp>
+                </mc:Fallback>
+              </mc:AlternateContent>
+              <mc:AlternateContent xmlns:mc="http://schemas.openxmlformats.org/markup-compatibility/2006">
+                <mc:Choice xmlns:a14="http://schemas.microsoft.com/office/drawing/2010/main" Requires="a14">
+                  <p:sp>
+                    <p:nvSpPr>
+                      <p:cNvPr id="119" name="Rectangle 118"/>
+                      <p:cNvSpPr/>
+                      <p:nvPr/>
+                    </p:nvSpPr>
+                    <p:spPr>
+                      <a:xfrm>
+                        <a:off x="1450436" y="614085"/>
+                        <a:ext cx="725592" cy="1110919"/>
+                      </a:xfrm>
+                      <a:prstGeom prst="rect">
+                        <a:avLst/>
+                      </a:prstGeom>
+                    </p:spPr>
+                    <p:txBody>
+                      <a:bodyPr wrap="square">
+                        <a:spAutoFit/>
+                      </a:bodyPr>
+                      <a:lstStyle/>
+                      <a:p>
+                        <a:pPr/>
+                        <a14:m>
+                          <m:oMathPara xmlns:m="http://schemas.openxmlformats.org/officeDocument/2006/math">
+                            <m:oMathParaPr>
+                              <m:jc m:val="centerGroup"/>
+                            </m:oMathParaPr>
+                            <m:oMath xmlns:m="http://schemas.openxmlformats.org/officeDocument/2006/math">
+                              <m:r>
+                                <a:rPr lang="en-US" b="0" i="1" smtClean="0">
+                                  <a:latin typeface="Cambria Math" panose="02040503050406030204" pitchFamily="18" charset="0"/>
+                                </a:rPr>
+                                <m:t>𝑦</m:t>
+                              </m:r>
+                            </m:oMath>
+                          </m:oMathPara>
+                        </a14:m>
+                        <a:endParaRPr lang="en-CA" dirty="0"/>
+                      </a:p>
+                    </p:txBody>
+                  </p:sp>
+                </mc:Choice>
+                <mc:Fallback>
+                  <p:sp>
+                    <p:nvSpPr>
+                      <p:cNvPr id="119" name="Rectangle 118"/>
+                      <p:cNvSpPr>
+                        <a:spLocks noRot="1" noChangeAspect="1" noMove="1" noResize="1" noEditPoints="1" noAdjustHandles="1" noChangeArrowheads="1" noChangeShapeType="1" noTextEdit="1"/>
+                      </p:cNvSpPr>
+                      <p:nvPr/>
+                    </p:nvSpPr>
+                    <p:spPr>
+                      <a:xfrm>
+                        <a:off x="1450436" y="614085"/>
+                        <a:ext cx="725592" cy="1110919"/>
+                      </a:xfrm>
+                      <a:prstGeom prst="rect">
+                        <a:avLst/>
+                      </a:prstGeom>
+                      <a:blipFill>
+                        <a:blip r:embed="rId24"/>
+                        <a:stretch>
+                          <a:fillRect r="-21951" b="-6667"/>
+                        </a:stretch>
+                      </a:blipFill>
+                    </p:spPr>
+                    <p:txBody>
+                      <a:bodyPr/>
+                      <a:lstStyle/>
+                      <a:p>
+                        <a:r>
+                          <a:rPr lang="en-US">
+                            <a:noFill/>
+                          </a:rPr>
+                          <a:t> </a:t>
+                        </a:r>
+                      </a:p>
+                    </p:txBody>
+                  </p:sp>
+                </mc:Fallback>
+              </mc:AlternateContent>
+              <mc:AlternateContent xmlns:mc="http://schemas.openxmlformats.org/markup-compatibility/2006">
+                <mc:Choice xmlns:a14="http://schemas.microsoft.com/office/drawing/2010/main" Requires="a14">
+                  <p:sp>
+                    <p:nvSpPr>
+                      <p:cNvPr id="120" name="Rectangle 119"/>
+                      <p:cNvSpPr/>
+                      <p:nvPr/>
+                    </p:nvSpPr>
+                    <p:spPr>
+                      <a:xfrm>
+                        <a:off x="1281190" y="2358642"/>
+                        <a:ext cx="780492" cy="1110919"/>
+                      </a:xfrm>
+                      <a:prstGeom prst="rect">
+                        <a:avLst/>
+                      </a:prstGeom>
+                    </p:spPr>
+                    <p:txBody>
+                      <a:bodyPr wrap="square">
+                        <a:spAutoFit/>
+                      </a:bodyPr>
+                      <a:lstStyle/>
+                      <a:p>
+                        <a:pPr/>
+                        <a14:m>
+                          <m:oMathPara xmlns:m="http://schemas.openxmlformats.org/officeDocument/2006/math">
+                            <m:oMathParaPr>
+                              <m:jc m:val="centerGroup"/>
+                            </m:oMathParaPr>
+                            <m:oMath xmlns:m="http://schemas.openxmlformats.org/officeDocument/2006/math">
+                              <m:r>
+                                <a:rPr lang="en-US" b="0" i="1" smtClean="0">
+                                  <a:latin typeface="Cambria Math" panose="02040503050406030204" pitchFamily="18" charset="0"/>
+                                  <a:cs typeface="Arial" panose="020B0604020202020204" pitchFamily="34" charset="0"/>
+                                </a:rPr>
+                                <m:t>0</m:t>
+                              </m:r>
+                            </m:oMath>
+                          </m:oMathPara>
+                        </a14:m>
+                        <a:endParaRPr lang="en-CA" dirty="0"/>
+                      </a:p>
+                    </p:txBody>
+                  </p:sp>
+                </mc:Choice>
+                <mc:Fallback>
+                  <p:sp>
+                    <p:nvSpPr>
+                      <p:cNvPr id="120" name="Rectangle 119"/>
+                      <p:cNvSpPr>
+                        <a:spLocks noRot="1" noChangeAspect="1" noMove="1" noResize="1" noEditPoints="1" noAdjustHandles="1" noChangeArrowheads="1" noChangeShapeType="1" noTextEdit="1"/>
+                      </p:cNvSpPr>
+                      <p:nvPr/>
+                    </p:nvSpPr>
+                    <p:spPr>
+                      <a:xfrm>
+                        <a:off x="1281190" y="2358642"/>
+                        <a:ext cx="780492" cy="1110919"/>
+                      </a:xfrm>
+                      <a:prstGeom prst="rect">
+                        <a:avLst/>
+                      </a:prstGeom>
+                      <a:blipFill>
+                        <a:blip r:embed="rId25"/>
+                        <a:stretch>
+                          <a:fillRect r="-13636"/>
+                        </a:stretch>
+                      </a:blipFill>
+                    </p:spPr>
+                    <p:txBody>
+                      <a:bodyPr/>
+                      <a:lstStyle/>
+                      <a:p>
+                        <a:r>
+                          <a:rPr lang="en-US">
+                            <a:noFill/>
+                          </a:rPr>
+                          <a:t> </a:t>
+                        </a:r>
+                      </a:p>
+                    </p:txBody>
+                  </p:sp>
+                </mc:Fallback>
+              </mc:AlternateContent>
+            </p:grpSp>
+            <p:sp>
+              <p:nvSpPr>
+                <p:cNvPr id="115" name="Rectangle 114"/>
+                <p:cNvSpPr/>
+                <p:nvPr/>
+              </p:nvSpPr>
+              <p:spPr>
+                <a:xfrm>
+                  <a:off x="1129904" y="1614682"/>
+                  <a:ext cx="184731" cy="369332"/>
+                </a:xfrm>
+                <a:prstGeom prst="rect">
+                  <a:avLst/>
+                </a:prstGeom>
+              </p:spPr>
+              <p:txBody>
+                <a:bodyPr wrap="none">
+                  <a:spAutoFit/>
+                </a:bodyPr>
+                <a:lstStyle/>
+                <a:p>
+                  <a:endParaRPr lang="en-CA" dirty="0"/>
+                </a:p>
+              </p:txBody>
+            </p:sp>
+          </p:grpSp>
+        </p:grpSp>
+      </p:grpSp>
+    </p:spTree>
+    <p:extLst>
+      <p:ext uri="{BB962C8B-B14F-4D97-AF65-F5344CB8AC3E}">
+        <p14:creationId xmlns:p14="http://schemas.microsoft.com/office/powerpoint/2010/main" val="1275345062"/>
       </p:ext>
     </p:extLst>
   </p:cSld>

--- a/tex/figures/NewtonsLaws/Figures.pptx
+++ b/tex/figures/NewtonsLaws/Figures.pptx
@@ -10,6 +10,9 @@
     <p:sldId id="265" r:id="rId4"/>
     <p:sldId id="266" r:id="rId5"/>
     <p:sldId id="267" r:id="rId6"/>
+    <p:sldId id="268" r:id="rId7"/>
+    <p:sldId id="269" r:id="rId8"/>
+    <p:sldId id="270" r:id="rId9"/>
   </p:sldIdLst>
   <p:sldSz cx="12192000" cy="6858000"/>
   <p:notesSz cx="6858000" cy="9144000"/>
@@ -158,7 +161,7 @@
           </a:lstStyle>
           <a:p>
             <a:r>
-              <a:rPr lang="en-US" smtClean="0"/>
+              <a:rPr lang="en-US"/>
               <a:t>Click to edit Master title style</a:t>
             </a:r>
             <a:endParaRPr lang="en-CA"/>
@@ -223,7 +226,7 @@
           </a:lstStyle>
           <a:p>
             <a:r>
-              <a:rPr lang="en-US" smtClean="0"/>
+              <a:rPr lang="en-US"/>
               <a:t>Click to edit Master subtitle style</a:t>
             </a:r>
             <a:endParaRPr lang="en-CA"/>
@@ -247,7 +250,7 @@
           <a:p>
             <a:fld id="{F7249F8D-641B-4CAF-BAE5-10524742F6F1}" type="datetimeFigureOut">
               <a:rPr lang="en-CA" smtClean="0"/>
-              <a:t>2018-05-21</a:t>
+              <a:t>2018-05-24</a:t>
             </a:fld>
             <a:endParaRPr lang="en-CA"/>
           </a:p>
@@ -341,7 +344,7 @@
           <a:lstStyle/>
           <a:p>
             <a:r>
-              <a:rPr lang="en-US" smtClean="0"/>
+              <a:rPr lang="en-US"/>
               <a:t>Click to edit Master title style</a:t>
             </a:r>
             <a:endParaRPr lang="en-CA"/>
@@ -365,35 +368,35 @@
           <a:p>
             <a:pPr lvl="0"/>
             <a:r>
-              <a:rPr lang="en-US" smtClean="0"/>
+              <a:rPr lang="en-US"/>
               <a:t>Click to edit Master text styles</a:t>
             </a:r>
           </a:p>
           <a:p>
             <a:pPr lvl="1"/>
             <a:r>
-              <a:rPr lang="en-US" smtClean="0"/>
+              <a:rPr lang="en-US"/>
               <a:t>Second level</a:t>
             </a:r>
           </a:p>
           <a:p>
             <a:pPr lvl="2"/>
             <a:r>
-              <a:rPr lang="en-US" smtClean="0"/>
+              <a:rPr lang="en-US"/>
               <a:t>Third level</a:t>
             </a:r>
           </a:p>
           <a:p>
             <a:pPr lvl="3"/>
             <a:r>
-              <a:rPr lang="en-US" smtClean="0"/>
+              <a:rPr lang="en-US"/>
               <a:t>Fourth level</a:t>
             </a:r>
           </a:p>
           <a:p>
             <a:pPr lvl="4"/>
             <a:r>
-              <a:rPr lang="en-US" smtClean="0"/>
+              <a:rPr lang="en-US"/>
               <a:t>Fifth level</a:t>
             </a:r>
             <a:endParaRPr lang="en-CA"/>
@@ -417,7 +420,7 @@
           <a:p>
             <a:fld id="{F7249F8D-641B-4CAF-BAE5-10524742F6F1}" type="datetimeFigureOut">
               <a:rPr lang="en-CA" smtClean="0"/>
-              <a:t>2018-05-21</a:t>
+              <a:t>2018-05-24</a:t>
             </a:fld>
             <a:endParaRPr lang="en-CA"/>
           </a:p>
@@ -516,7 +519,7 @@
           <a:lstStyle/>
           <a:p>
             <a:r>
-              <a:rPr lang="en-US" smtClean="0"/>
+              <a:rPr lang="en-US"/>
               <a:t>Click to edit Master title style</a:t>
             </a:r>
             <a:endParaRPr lang="en-CA"/>
@@ -545,35 +548,35 @@
           <a:p>
             <a:pPr lvl="0"/>
             <a:r>
-              <a:rPr lang="en-US" smtClean="0"/>
+              <a:rPr lang="en-US"/>
               <a:t>Click to edit Master text styles</a:t>
             </a:r>
           </a:p>
           <a:p>
             <a:pPr lvl="1"/>
             <a:r>
-              <a:rPr lang="en-US" smtClean="0"/>
+              <a:rPr lang="en-US"/>
               <a:t>Second level</a:t>
             </a:r>
           </a:p>
           <a:p>
             <a:pPr lvl="2"/>
             <a:r>
-              <a:rPr lang="en-US" smtClean="0"/>
+              <a:rPr lang="en-US"/>
               <a:t>Third level</a:t>
             </a:r>
           </a:p>
           <a:p>
             <a:pPr lvl="3"/>
             <a:r>
-              <a:rPr lang="en-US" smtClean="0"/>
+              <a:rPr lang="en-US"/>
               <a:t>Fourth level</a:t>
             </a:r>
           </a:p>
           <a:p>
             <a:pPr lvl="4"/>
             <a:r>
-              <a:rPr lang="en-US" smtClean="0"/>
+              <a:rPr lang="en-US"/>
               <a:t>Fifth level</a:t>
             </a:r>
             <a:endParaRPr lang="en-CA"/>
@@ -597,7 +600,7 @@
           <a:p>
             <a:fld id="{F7249F8D-641B-4CAF-BAE5-10524742F6F1}" type="datetimeFigureOut">
               <a:rPr lang="en-CA" smtClean="0"/>
-              <a:t>2018-05-21</a:t>
+              <a:t>2018-05-24</a:t>
             </a:fld>
             <a:endParaRPr lang="en-CA"/>
           </a:p>
@@ -691,7 +694,7 @@
           <a:lstStyle/>
           <a:p>
             <a:r>
-              <a:rPr lang="en-US" smtClean="0"/>
+              <a:rPr lang="en-US"/>
               <a:t>Click to edit Master title style</a:t>
             </a:r>
             <a:endParaRPr lang="en-CA"/>
@@ -715,35 +718,35 @@
           <a:p>
             <a:pPr lvl="0"/>
             <a:r>
-              <a:rPr lang="en-US" smtClean="0"/>
+              <a:rPr lang="en-US"/>
               <a:t>Click to edit Master text styles</a:t>
             </a:r>
           </a:p>
           <a:p>
             <a:pPr lvl="1"/>
             <a:r>
-              <a:rPr lang="en-US" smtClean="0"/>
+              <a:rPr lang="en-US"/>
               <a:t>Second level</a:t>
             </a:r>
           </a:p>
           <a:p>
             <a:pPr lvl="2"/>
             <a:r>
-              <a:rPr lang="en-US" smtClean="0"/>
+              <a:rPr lang="en-US"/>
               <a:t>Third level</a:t>
             </a:r>
           </a:p>
           <a:p>
             <a:pPr lvl="3"/>
             <a:r>
-              <a:rPr lang="en-US" smtClean="0"/>
+              <a:rPr lang="en-US"/>
               <a:t>Fourth level</a:t>
             </a:r>
           </a:p>
           <a:p>
             <a:pPr lvl="4"/>
             <a:r>
-              <a:rPr lang="en-US" smtClean="0"/>
+              <a:rPr lang="en-US"/>
               <a:t>Fifth level</a:t>
             </a:r>
             <a:endParaRPr lang="en-CA"/>
@@ -767,7 +770,7 @@
           <a:p>
             <a:fld id="{F7249F8D-641B-4CAF-BAE5-10524742F6F1}" type="datetimeFigureOut">
               <a:rPr lang="en-CA" smtClean="0"/>
-              <a:t>2018-05-21</a:t>
+              <a:t>2018-05-24</a:t>
             </a:fld>
             <a:endParaRPr lang="en-CA"/>
           </a:p>
@@ -870,7 +873,7 @@
           </a:lstStyle>
           <a:p>
             <a:r>
-              <a:rPr lang="en-US" smtClean="0"/>
+              <a:rPr lang="en-US"/>
               <a:t>Click to edit Master title style</a:t>
             </a:r>
             <a:endParaRPr lang="en-CA"/>
@@ -990,7 +993,7 @@
           <a:p>
             <a:pPr lvl="0"/>
             <a:r>
-              <a:rPr lang="en-US" smtClean="0"/>
+              <a:rPr lang="en-US"/>
               <a:t>Click to edit Master text styles</a:t>
             </a:r>
           </a:p>
@@ -1013,7 +1016,7 @@
           <a:p>
             <a:fld id="{F7249F8D-641B-4CAF-BAE5-10524742F6F1}" type="datetimeFigureOut">
               <a:rPr lang="en-CA" smtClean="0"/>
-              <a:t>2018-05-21</a:t>
+              <a:t>2018-05-24</a:t>
             </a:fld>
             <a:endParaRPr lang="en-CA"/>
           </a:p>
@@ -1107,7 +1110,7 @@
           <a:lstStyle/>
           <a:p>
             <a:r>
-              <a:rPr lang="en-US" smtClean="0"/>
+              <a:rPr lang="en-US"/>
               <a:t>Click to edit Master title style</a:t>
             </a:r>
             <a:endParaRPr lang="en-CA"/>
@@ -1136,35 +1139,35 @@
           <a:p>
             <a:pPr lvl="0"/>
             <a:r>
-              <a:rPr lang="en-US" smtClean="0"/>
+              <a:rPr lang="en-US"/>
               <a:t>Click to edit Master text styles</a:t>
             </a:r>
           </a:p>
           <a:p>
             <a:pPr lvl="1"/>
             <a:r>
-              <a:rPr lang="en-US" smtClean="0"/>
+              <a:rPr lang="en-US"/>
               <a:t>Second level</a:t>
             </a:r>
           </a:p>
           <a:p>
             <a:pPr lvl="2"/>
             <a:r>
-              <a:rPr lang="en-US" smtClean="0"/>
+              <a:rPr lang="en-US"/>
               <a:t>Third level</a:t>
             </a:r>
           </a:p>
           <a:p>
             <a:pPr lvl="3"/>
             <a:r>
-              <a:rPr lang="en-US" smtClean="0"/>
+              <a:rPr lang="en-US"/>
               <a:t>Fourth level</a:t>
             </a:r>
           </a:p>
           <a:p>
             <a:pPr lvl="4"/>
             <a:r>
-              <a:rPr lang="en-US" smtClean="0"/>
+              <a:rPr lang="en-US"/>
               <a:t>Fifth level</a:t>
             </a:r>
             <a:endParaRPr lang="en-CA"/>
@@ -1193,35 +1196,35 @@
           <a:p>
             <a:pPr lvl="0"/>
             <a:r>
-              <a:rPr lang="en-US" smtClean="0"/>
+              <a:rPr lang="en-US"/>
               <a:t>Click to edit Master text styles</a:t>
             </a:r>
           </a:p>
           <a:p>
             <a:pPr lvl="1"/>
             <a:r>
-              <a:rPr lang="en-US" smtClean="0"/>
+              <a:rPr lang="en-US"/>
               <a:t>Second level</a:t>
             </a:r>
           </a:p>
           <a:p>
             <a:pPr lvl="2"/>
             <a:r>
-              <a:rPr lang="en-US" smtClean="0"/>
+              <a:rPr lang="en-US"/>
               <a:t>Third level</a:t>
             </a:r>
           </a:p>
           <a:p>
             <a:pPr lvl="3"/>
             <a:r>
-              <a:rPr lang="en-US" smtClean="0"/>
+              <a:rPr lang="en-US"/>
               <a:t>Fourth level</a:t>
             </a:r>
           </a:p>
           <a:p>
             <a:pPr lvl="4"/>
             <a:r>
-              <a:rPr lang="en-US" smtClean="0"/>
+              <a:rPr lang="en-US"/>
               <a:t>Fifth level</a:t>
             </a:r>
             <a:endParaRPr lang="en-CA"/>
@@ -1245,7 +1248,7 @@
           <a:p>
             <a:fld id="{F7249F8D-641B-4CAF-BAE5-10524742F6F1}" type="datetimeFigureOut">
               <a:rPr lang="en-CA" smtClean="0"/>
-              <a:t>2018-05-21</a:t>
+              <a:t>2018-05-24</a:t>
             </a:fld>
             <a:endParaRPr lang="en-CA"/>
           </a:p>
@@ -1344,7 +1347,7 @@
           <a:lstStyle/>
           <a:p>
             <a:r>
-              <a:rPr lang="en-US" smtClean="0"/>
+              <a:rPr lang="en-US"/>
               <a:t>Click to edit Master title style</a:t>
             </a:r>
             <a:endParaRPr lang="en-CA"/>
@@ -1410,7 +1413,7 @@
           <a:p>
             <a:pPr lvl="0"/>
             <a:r>
-              <a:rPr lang="en-US" smtClean="0"/>
+              <a:rPr lang="en-US"/>
               <a:t>Click to edit Master text styles</a:t>
             </a:r>
           </a:p>
@@ -1438,35 +1441,35 @@
           <a:p>
             <a:pPr lvl="0"/>
             <a:r>
-              <a:rPr lang="en-US" smtClean="0"/>
+              <a:rPr lang="en-US"/>
               <a:t>Click to edit Master text styles</a:t>
             </a:r>
           </a:p>
           <a:p>
             <a:pPr lvl="1"/>
             <a:r>
-              <a:rPr lang="en-US" smtClean="0"/>
+              <a:rPr lang="en-US"/>
               <a:t>Second level</a:t>
             </a:r>
           </a:p>
           <a:p>
             <a:pPr lvl="2"/>
             <a:r>
-              <a:rPr lang="en-US" smtClean="0"/>
+              <a:rPr lang="en-US"/>
               <a:t>Third level</a:t>
             </a:r>
           </a:p>
           <a:p>
             <a:pPr lvl="3"/>
             <a:r>
-              <a:rPr lang="en-US" smtClean="0"/>
+              <a:rPr lang="en-US"/>
               <a:t>Fourth level</a:t>
             </a:r>
           </a:p>
           <a:p>
             <a:pPr lvl="4"/>
             <a:r>
-              <a:rPr lang="en-US" smtClean="0"/>
+              <a:rPr lang="en-US"/>
               <a:t>Fifth level</a:t>
             </a:r>
             <a:endParaRPr lang="en-CA"/>
@@ -1532,7 +1535,7 @@
           <a:p>
             <a:pPr lvl="0"/>
             <a:r>
-              <a:rPr lang="en-US" smtClean="0"/>
+              <a:rPr lang="en-US"/>
               <a:t>Click to edit Master text styles</a:t>
             </a:r>
           </a:p>
@@ -1560,35 +1563,35 @@
           <a:p>
             <a:pPr lvl="0"/>
             <a:r>
-              <a:rPr lang="en-US" smtClean="0"/>
+              <a:rPr lang="en-US"/>
               <a:t>Click to edit Master text styles</a:t>
             </a:r>
           </a:p>
           <a:p>
             <a:pPr lvl="1"/>
             <a:r>
-              <a:rPr lang="en-US" smtClean="0"/>
+              <a:rPr lang="en-US"/>
               <a:t>Second level</a:t>
             </a:r>
           </a:p>
           <a:p>
             <a:pPr lvl="2"/>
             <a:r>
-              <a:rPr lang="en-US" smtClean="0"/>
+              <a:rPr lang="en-US"/>
               <a:t>Third level</a:t>
             </a:r>
           </a:p>
           <a:p>
             <a:pPr lvl="3"/>
             <a:r>
-              <a:rPr lang="en-US" smtClean="0"/>
+              <a:rPr lang="en-US"/>
               <a:t>Fourth level</a:t>
             </a:r>
           </a:p>
           <a:p>
             <a:pPr lvl="4"/>
             <a:r>
-              <a:rPr lang="en-US" smtClean="0"/>
+              <a:rPr lang="en-US"/>
               <a:t>Fifth level</a:t>
             </a:r>
             <a:endParaRPr lang="en-CA"/>
@@ -1612,7 +1615,7 @@
           <a:p>
             <a:fld id="{F7249F8D-641B-4CAF-BAE5-10524742F6F1}" type="datetimeFigureOut">
               <a:rPr lang="en-CA" smtClean="0"/>
-              <a:t>2018-05-21</a:t>
+              <a:t>2018-05-24</a:t>
             </a:fld>
             <a:endParaRPr lang="en-CA"/>
           </a:p>
@@ -1706,7 +1709,7 @@
           <a:lstStyle/>
           <a:p>
             <a:r>
-              <a:rPr lang="en-US" smtClean="0"/>
+              <a:rPr lang="en-US"/>
               <a:t>Click to edit Master title style</a:t>
             </a:r>
             <a:endParaRPr lang="en-CA"/>
@@ -1730,7 +1733,7 @@
           <a:p>
             <a:fld id="{F7249F8D-641B-4CAF-BAE5-10524742F6F1}" type="datetimeFigureOut">
               <a:rPr lang="en-CA" smtClean="0"/>
-              <a:t>2018-05-21</a:t>
+              <a:t>2018-05-24</a:t>
             </a:fld>
             <a:endParaRPr lang="en-CA"/>
           </a:p>
@@ -1825,7 +1828,7 @@
           <a:p>
             <a:fld id="{F7249F8D-641B-4CAF-BAE5-10524742F6F1}" type="datetimeFigureOut">
               <a:rPr lang="en-CA" smtClean="0"/>
-              <a:t>2018-05-21</a:t>
+              <a:t>2018-05-24</a:t>
             </a:fld>
             <a:endParaRPr lang="en-CA"/>
           </a:p>
@@ -1928,7 +1931,7 @@
           </a:lstStyle>
           <a:p>
             <a:r>
-              <a:rPr lang="en-US" smtClean="0"/>
+              <a:rPr lang="en-US"/>
               <a:t>Click to edit Master title style</a:t>
             </a:r>
             <a:endParaRPr lang="en-CA"/>
@@ -1985,35 +1988,35 @@
           <a:p>
             <a:pPr lvl="0"/>
             <a:r>
-              <a:rPr lang="en-US" smtClean="0"/>
+              <a:rPr lang="en-US"/>
               <a:t>Click to edit Master text styles</a:t>
             </a:r>
           </a:p>
           <a:p>
             <a:pPr lvl="1"/>
             <a:r>
-              <a:rPr lang="en-US" smtClean="0"/>
+              <a:rPr lang="en-US"/>
               <a:t>Second level</a:t>
             </a:r>
           </a:p>
           <a:p>
             <a:pPr lvl="2"/>
             <a:r>
-              <a:rPr lang="en-US" smtClean="0"/>
+              <a:rPr lang="en-US"/>
               <a:t>Third level</a:t>
             </a:r>
           </a:p>
           <a:p>
             <a:pPr lvl="3"/>
             <a:r>
-              <a:rPr lang="en-US" smtClean="0"/>
+              <a:rPr lang="en-US"/>
               <a:t>Fourth level</a:t>
             </a:r>
           </a:p>
           <a:p>
             <a:pPr lvl="4"/>
             <a:r>
-              <a:rPr lang="en-US" smtClean="0"/>
+              <a:rPr lang="en-US"/>
               <a:t>Fifth level</a:t>
             </a:r>
             <a:endParaRPr lang="en-CA"/>
@@ -2079,7 +2082,7 @@
           <a:p>
             <a:pPr lvl="0"/>
             <a:r>
-              <a:rPr lang="en-US" smtClean="0"/>
+              <a:rPr lang="en-US"/>
               <a:t>Click to edit Master text styles</a:t>
             </a:r>
           </a:p>
@@ -2102,7 +2105,7 @@
           <a:p>
             <a:fld id="{F7249F8D-641B-4CAF-BAE5-10524742F6F1}" type="datetimeFigureOut">
               <a:rPr lang="en-CA" smtClean="0"/>
-              <a:t>2018-05-21</a:t>
+              <a:t>2018-05-24</a:t>
             </a:fld>
             <a:endParaRPr lang="en-CA"/>
           </a:p>
@@ -2205,7 +2208,7 @@
           </a:lstStyle>
           <a:p>
             <a:r>
-              <a:rPr lang="en-US" smtClean="0"/>
+              <a:rPr lang="en-US"/>
               <a:t>Click to edit Master title style</a:t>
             </a:r>
             <a:endParaRPr lang="en-CA"/>
@@ -2332,7 +2335,7 @@
           <a:p>
             <a:pPr lvl="0"/>
             <a:r>
-              <a:rPr lang="en-US" smtClean="0"/>
+              <a:rPr lang="en-US"/>
               <a:t>Click to edit Master text styles</a:t>
             </a:r>
           </a:p>
@@ -2355,7 +2358,7 @@
           <a:p>
             <a:fld id="{F7249F8D-641B-4CAF-BAE5-10524742F6F1}" type="datetimeFigureOut">
               <a:rPr lang="en-CA" smtClean="0"/>
-              <a:t>2018-05-21</a:t>
+              <a:t>2018-05-24</a:t>
             </a:fld>
             <a:endParaRPr lang="en-CA"/>
           </a:p>
@@ -2464,7 +2467,7 @@
           <a:lstStyle/>
           <a:p>
             <a:r>
-              <a:rPr lang="en-US" smtClean="0"/>
+              <a:rPr lang="en-US"/>
               <a:t>Click to edit Master title style</a:t>
             </a:r>
             <a:endParaRPr lang="en-CA"/>
@@ -2498,35 +2501,35 @@
           <a:p>
             <a:pPr lvl="0"/>
             <a:r>
-              <a:rPr lang="en-US" smtClean="0"/>
+              <a:rPr lang="en-US"/>
               <a:t>Click to edit Master text styles</a:t>
             </a:r>
           </a:p>
           <a:p>
             <a:pPr lvl="1"/>
             <a:r>
-              <a:rPr lang="en-US" smtClean="0"/>
+              <a:rPr lang="en-US"/>
               <a:t>Second level</a:t>
             </a:r>
           </a:p>
           <a:p>
             <a:pPr lvl="2"/>
             <a:r>
-              <a:rPr lang="en-US" smtClean="0"/>
+              <a:rPr lang="en-US"/>
               <a:t>Third level</a:t>
             </a:r>
           </a:p>
           <a:p>
             <a:pPr lvl="3"/>
             <a:r>
-              <a:rPr lang="en-US" smtClean="0"/>
+              <a:rPr lang="en-US"/>
               <a:t>Fourth level</a:t>
             </a:r>
           </a:p>
           <a:p>
             <a:pPr lvl="4"/>
             <a:r>
-              <a:rPr lang="en-US" smtClean="0"/>
+              <a:rPr lang="en-US"/>
               <a:t>Fifth level</a:t>
             </a:r>
             <a:endParaRPr lang="en-CA"/>
@@ -2568,7 +2571,7 @@
           <a:p>
             <a:fld id="{F7249F8D-641B-4CAF-BAE5-10524742F6F1}" type="datetimeFigureOut">
               <a:rPr lang="en-CA" smtClean="0"/>
-              <a:t>2018-05-21</a:t>
+              <a:t>2018-05-24</a:t>
             </a:fld>
             <a:endParaRPr lang="en-CA"/>
           </a:p>
@@ -3148,7 +3151,7 @@
                       </m:oMath>
                     </m:oMathPara>
                   </a14:m>
-                  <a:endParaRPr lang="en-US" sz="2000" dirty="0" smtClean="0">
+                  <a:endParaRPr lang="en-US" sz="2000" dirty="0">
                     <a:latin typeface="Arial" panose="020B0604020202020204" pitchFamily="34" charset="0"/>
                     <a:cs typeface="Arial" panose="020B0604020202020204" pitchFamily="34" charset="0"/>
                   </a:endParaRPr>
@@ -3350,7 +3353,7 @@
                       </m:oMath>
                     </m:oMathPara>
                   </a14:m>
-                  <a:endParaRPr lang="en-US" sz="2000" dirty="0" smtClean="0">
+                  <a:endParaRPr lang="en-US" sz="2000" dirty="0">
                     <a:latin typeface="Arial" panose="020B0604020202020204" pitchFamily="34" charset="0"/>
                     <a:cs typeface="Arial" panose="020B0604020202020204" pitchFamily="34" charset="0"/>
                   </a:endParaRPr>
@@ -3602,7 +3605,7 @@
                       </m:oMath>
                     </m:oMathPara>
                   </a14:m>
-                  <a:endParaRPr lang="en-US" sz="2000" dirty="0" smtClean="0">
+                  <a:endParaRPr lang="en-US" sz="2000" dirty="0">
                     <a:latin typeface="Arial" panose="020B0604020202020204" pitchFamily="34" charset="0"/>
                     <a:cs typeface="Arial" panose="020B0604020202020204" pitchFamily="34" charset="0"/>
                   </a:endParaRPr>
@@ -4295,7 +4298,7 @@
                           </m:oMath>
                         </m:oMathPara>
                       </a14:m>
-                      <a:endParaRPr lang="en-US" sz="2000" dirty="0" smtClean="0">
+                      <a:endParaRPr lang="en-US" sz="2000" dirty="0">
                         <a:latin typeface="Arial" panose="020B0604020202020204" pitchFamily="34" charset="0"/>
                         <a:cs typeface="Arial" panose="020B0604020202020204" pitchFamily="34" charset="0"/>
                       </a:endParaRPr>
@@ -4454,7 +4457,7 @@
                         </m:oMath>
                       </m:oMathPara>
                     </a14:m>
-                    <a:endParaRPr lang="en-US" sz="2000" dirty="0" smtClean="0">
+                    <a:endParaRPr lang="en-US" sz="2000" dirty="0">
                       <a:latin typeface="Arial" panose="020B0604020202020204" pitchFamily="34" charset="0"/>
                       <a:cs typeface="Arial" panose="020B0604020202020204" pitchFamily="34" charset="0"/>
                     </a:endParaRPr>
@@ -4670,7 +4673,7 @@
                           </m:oMath>
                         </m:oMathPara>
                       </a14:m>
-                      <a:endParaRPr lang="en-US" sz="2000" dirty="0" smtClean="0">
+                      <a:endParaRPr lang="en-US" sz="2000" dirty="0">
                         <a:latin typeface="Arial" panose="020B0604020202020204" pitchFamily="34" charset="0"/>
                         <a:cs typeface="Arial" panose="020B0604020202020204" pitchFamily="34" charset="0"/>
                       </a:endParaRPr>
@@ -4829,7 +4832,7 @@
                         </m:oMath>
                       </m:oMathPara>
                     </a14:m>
-                    <a:endParaRPr lang="en-US" sz="2000" dirty="0" smtClean="0">
+                    <a:endParaRPr lang="en-US" sz="2000" dirty="0">
                       <a:latin typeface="Arial" panose="020B0604020202020204" pitchFamily="34" charset="0"/>
                       <a:cs typeface="Arial" panose="020B0604020202020204" pitchFamily="34" charset="0"/>
                     </a:endParaRPr>
@@ -4967,7 +4970,7 @@
                       </m:oMath>
                     </m:oMathPara>
                   </a14:m>
-                  <a:endParaRPr lang="en-US" sz="2000" dirty="0" smtClean="0">
+                  <a:endParaRPr lang="en-US" sz="2000" dirty="0">
                     <a:latin typeface="Arial" panose="020B0604020202020204" pitchFamily="34" charset="0"/>
                     <a:cs typeface="Arial" panose="020B0604020202020204" pitchFamily="34" charset="0"/>
                   </a:endParaRPr>
@@ -5845,7 +5848,7 @@
                       </m:oMath>
                     </m:oMathPara>
                   </a14:m>
-                  <a:endParaRPr lang="en-US" sz="2000" dirty="0" smtClean="0">
+                  <a:endParaRPr lang="en-US" sz="2000" dirty="0">
                     <a:latin typeface="Arial" panose="020B0604020202020204" pitchFamily="34" charset="0"/>
                     <a:cs typeface="Arial" panose="020B0604020202020204" pitchFamily="34" charset="0"/>
                   </a:endParaRPr>
@@ -5982,7 +5985,7 @@
                       </m:oMath>
                     </m:oMathPara>
                   </a14:m>
-                  <a:endParaRPr lang="en-US" sz="2000" dirty="0" smtClean="0">
+                  <a:endParaRPr lang="en-US" sz="2000" dirty="0">
                     <a:latin typeface="Arial" panose="020B0604020202020204" pitchFamily="34" charset="0"/>
                     <a:cs typeface="Arial" panose="020B0604020202020204" pitchFamily="34" charset="0"/>
                   </a:endParaRPr>
@@ -6040,13 +6043,6 @@
   <p:clrMapOvr>
     <a:masterClrMapping/>
   </p:clrMapOvr>
-  <p:timing>
-    <p:tnLst>
-      <p:par>
-        <p:cTn id="1" dur="indefinite" restart="never" nodeType="tmRoot"/>
-      </p:par>
-    </p:tnLst>
-  </p:timing>
 </p:sld>
 </file>
 
@@ -6439,7 +6435,7 @@
                       </m:oMath>
                     </m:oMathPara>
                   </a14:m>
-                  <a:endParaRPr lang="en-US" sz="2000" dirty="0" smtClean="0">
+                  <a:endParaRPr lang="en-US" sz="2000" dirty="0">
                     <a:latin typeface="Arial" panose="020B0604020202020204" pitchFamily="34" charset="0"/>
                     <a:cs typeface="Arial" panose="020B0604020202020204" pitchFamily="34" charset="0"/>
                   </a:endParaRPr>
@@ -7345,7 +7341,7 @@
                       </m:oMath>
                     </m:oMathPara>
                   </a14:m>
-                  <a:endParaRPr lang="en-US" sz="2000" dirty="0" smtClean="0">
+                  <a:endParaRPr lang="en-US" sz="2000" dirty="0">
                     <a:latin typeface="Arial" panose="020B0604020202020204" pitchFamily="34" charset="0"/>
                     <a:cs typeface="Arial" panose="020B0604020202020204" pitchFamily="34" charset="0"/>
                   </a:endParaRPr>
@@ -7890,7 +7886,7 @@
                       </m:oMath>
                     </m:oMathPara>
                   </a14:m>
-                  <a:endParaRPr lang="en-US" sz="2000" dirty="0" smtClean="0">
+                  <a:endParaRPr lang="en-US" sz="2000" dirty="0">
                     <a:solidFill>
                       <a:srgbClr val="FF0000"/>
                     </a:solidFill>
@@ -8000,7 +7996,7 @@
                       </m:oMath>
                     </m:oMathPara>
                   </a14:m>
-                  <a:endParaRPr lang="en-US" sz="2000" dirty="0" smtClean="0">
+                  <a:endParaRPr lang="en-US" sz="2000" dirty="0">
                     <a:solidFill>
                       <a:srgbClr val="FF0000"/>
                     </a:solidFill>
@@ -8397,7 +8393,7 @@
                       </m:oMath>
                     </m:oMathPara>
                   </a14:m>
-                  <a:endParaRPr lang="en-US" sz="2000" dirty="0" smtClean="0">
+                  <a:endParaRPr lang="en-US" sz="2000" dirty="0">
                     <a:latin typeface="Arial" panose="020B0604020202020204" pitchFamily="34" charset="0"/>
                     <a:cs typeface="Arial" panose="020B0604020202020204" pitchFamily="34" charset="0"/>
                   </a:endParaRPr>
@@ -8742,7 +8738,7 @@
                       </m:oMath>
                     </m:oMathPara>
                   </a14:m>
-                  <a:endParaRPr lang="en-US" sz="2000" dirty="0" smtClean="0">
+                  <a:endParaRPr lang="en-US" sz="2000" dirty="0">
                     <a:latin typeface="Arial" panose="020B0604020202020204" pitchFamily="34" charset="0"/>
                     <a:cs typeface="Arial" panose="020B0604020202020204" pitchFamily="34" charset="0"/>
                   </a:endParaRPr>
@@ -8864,7 +8860,7 @@
                       </m:oMath>
                     </m:oMathPara>
                   </a14:m>
-                  <a:endParaRPr lang="en-US" sz="2000" dirty="0" smtClean="0">
+                  <a:endParaRPr lang="en-US" sz="2000" dirty="0">
                     <a:latin typeface="Arial" panose="020B0604020202020204" pitchFamily="34" charset="0"/>
                     <a:cs typeface="Arial" panose="020B0604020202020204" pitchFamily="34" charset="0"/>
                   </a:endParaRPr>
@@ -8980,7 +8976,7 @@
                       </m:oMath>
                     </m:oMathPara>
                   </a14:m>
-                  <a:endParaRPr lang="en-US" sz="2000" dirty="0" smtClean="0">
+                  <a:endParaRPr lang="en-US" sz="2000" dirty="0">
                     <a:latin typeface="Arial" panose="020B0604020202020204" pitchFamily="34" charset="0"/>
                     <a:cs typeface="Arial" panose="020B0604020202020204" pitchFamily="34" charset="0"/>
                   </a:endParaRPr>
@@ -9289,7 +9285,7 @@
                       </m:oMath>
                     </m:oMathPara>
                   </a14:m>
-                  <a:endParaRPr lang="en-US" sz="2000" dirty="0" smtClean="0">
+                  <a:endParaRPr lang="en-US" sz="2000" dirty="0">
                     <a:latin typeface="Arial" panose="020B0604020202020204" pitchFamily="34" charset="0"/>
                     <a:cs typeface="Arial" panose="020B0604020202020204" pitchFamily="34" charset="0"/>
                   </a:endParaRPr>
@@ -9347,13 +9343,6 @@
   <p:clrMapOvr>
     <a:masterClrMapping/>
   </p:clrMapOvr>
-  <p:timing>
-    <p:tnLst>
-      <p:par>
-        <p:cTn id="1" dur="indefinite" restart="never" nodeType="tmRoot"/>
-      </p:par>
-    </p:tnLst>
-  </p:timing>
 </p:sld>
 </file>
 
@@ -9594,7 +9583,7 @@
                       </m:oMath>
                     </m:oMathPara>
                   </a14:m>
-                  <a:endParaRPr lang="en-US" sz="2000" dirty="0" smtClean="0">
+                  <a:endParaRPr lang="en-US" sz="2000" dirty="0">
                     <a:latin typeface="Arial" panose="020B0604020202020204" pitchFamily="34" charset="0"/>
                     <a:cs typeface="Arial" panose="020B0604020202020204" pitchFamily="34" charset="0"/>
                   </a:endParaRPr>
@@ -9682,7 +9671,7 @@
                       </m:oMath>
                     </m:oMathPara>
                   </a14:m>
-                  <a:endParaRPr lang="en-US" sz="2000" dirty="0" smtClean="0">
+                  <a:endParaRPr lang="en-US" sz="2000" dirty="0">
                     <a:latin typeface="Arial" panose="020B0604020202020204" pitchFamily="34" charset="0"/>
                     <a:cs typeface="Arial" panose="020B0604020202020204" pitchFamily="34" charset="0"/>
                   </a:endParaRPr>
@@ -10014,7 +10003,7 @@
                       </m:oMath>
                     </m:oMathPara>
                   </a14:m>
-                  <a:endParaRPr lang="en-US" sz="2000" dirty="0" smtClean="0">
+                  <a:endParaRPr lang="en-US" sz="2000" dirty="0">
                     <a:latin typeface="Arial" panose="020B0604020202020204" pitchFamily="34" charset="0"/>
                     <a:cs typeface="Arial" panose="020B0604020202020204" pitchFamily="34" charset="0"/>
                   </a:endParaRPr>
@@ -10172,7 +10161,7 @@
                       </m:oMath>
                     </m:oMathPara>
                   </a14:m>
-                  <a:endParaRPr lang="en-US" sz="2000" dirty="0" smtClean="0">
+                  <a:endParaRPr lang="en-US" sz="2000" dirty="0">
                     <a:latin typeface="Arial" panose="020B0604020202020204" pitchFamily="34" charset="0"/>
                     <a:cs typeface="Arial" panose="020B0604020202020204" pitchFamily="34" charset="0"/>
                   </a:endParaRPr>
@@ -10339,7 +10328,7 @@
                       </m:oMath>
                     </m:oMathPara>
                   </a14:m>
-                  <a:endParaRPr lang="en-US" sz="2000" dirty="0" smtClean="0">
+                  <a:endParaRPr lang="en-US" sz="2000" dirty="0">
                     <a:latin typeface="Arial" panose="020B0604020202020204" pitchFamily="34" charset="0"/>
                     <a:cs typeface="Arial" panose="020B0604020202020204" pitchFamily="34" charset="0"/>
                   </a:endParaRPr>
@@ -10629,7 +10618,7 @@
                       </m:oMath>
                     </m:oMathPara>
                   </a14:m>
-                  <a:endParaRPr lang="en-US" sz="2000" dirty="0" smtClean="0">
+                  <a:endParaRPr lang="en-US" sz="2000" dirty="0">
                     <a:solidFill>
                       <a:schemeClr val="tx1"/>
                     </a:solidFill>
@@ -10778,7 +10767,7 @@
                       </m:oMath>
                     </m:oMathPara>
                   </a14:m>
-                  <a:endParaRPr lang="en-US" sz="2000" dirty="0" smtClean="0">
+                  <a:endParaRPr lang="en-US" sz="2000" dirty="0">
                     <a:solidFill>
                       <a:schemeClr val="tx1"/>
                     </a:solidFill>
@@ -10915,7 +10904,7 @@
                       </m:oMath>
                     </m:oMathPara>
                   </a14:m>
-                  <a:endParaRPr lang="en-US" sz="2000" dirty="0" smtClean="0">
+                  <a:endParaRPr lang="en-US" sz="2000" dirty="0">
                     <a:solidFill>
                       <a:schemeClr val="tx1"/>
                     </a:solidFill>
@@ -11064,7 +11053,7 @@
                       </m:oMath>
                     </m:oMathPara>
                   </a14:m>
-                  <a:endParaRPr lang="en-US" sz="2000" dirty="0" smtClean="0">
+                  <a:endParaRPr lang="en-US" sz="2000" dirty="0">
                     <a:solidFill>
                       <a:schemeClr val="tx1"/>
                     </a:solidFill>
@@ -11420,7 +11409,7 @@
                       </m:oMath>
                     </m:oMathPara>
                   </a14:m>
-                  <a:endParaRPr lang="en-US" sz="2000" dirty="0" smtClean="0">
+                  <a:endParaRPr lang="en-US" sz="2000" dirty="0">
                     <a:solidFill>
                       <a:schemeClr val="tx1"/>
                     </a:solidFill>
@@ -11569,7 +11558,7 @@
                       </m:oMath>
                     </m:oMathPara>
                   </a14:m>
-                  <a:endParaRPr lang="en-US" sz="2000" dirty="0" smtClean="0">
+                  <a:endParaRPr lang="en-US" sz="2000" dirty="0">
                     <a:solidFill>
                       <a:schemeClr val="tx1"/>
                     </a:solidFill>
@@ -11706,7 +11695,7 @@
                       </m:oMath>
                     </m:oMathPara>
                   </a14:m>
-                  <a:endParaRPr lang="en-US" sz="2000" dirty="0" smtClean="0">
+                  <a:endParaRPr lang="en-US" sz="2000" dirty="0">
                     <a:solidFill>
                       <a:schemeClr val="tx1"/>
                     </a:solidFill>
@@ -11855,7 +11844,7 @@
                       </m:oMath>
                     </m:oMathPara>
                   </a14:m>
-                  <a:endParaRPr lang="en-US" sz="2000" dirty="0" smtClean="0">
+                  <a:endParaRPr lang="en-US" sz="2000" dirty="0">
                     <a:solidFill>
                       <a:schemeClr val="tx1"/>
                     </a:solidFill>
@@ -12121,7 +12110,7 @@
                       </m:oMath>
                     </m:oMathPara>
                   </a14:m>
-                  <a:endParaRPr lang="en-US" sz="2000" dirty="0" smtClean="0">
+                  <a:endParaRPr lang="en-US" sz="2000" dirty="0">
                     <a:latin typeface="Arial" panose="020B0604020202020204" pitchFamily="34" charset="0"/>
                     <a:cs typeface="Arial" panose="020B0604020202020204" pitchFamily="34" charset="0"/>
                   </a:endParaRPr>
@@ -12279,7 +12268,7 @@
                       </m:oMath>
                     </m:oMathPara>
                   </a14:m>
-                  <a:endParaRPr lang="en-US" sz="2000" dirty="0" smtClean="0">
+                  <a:endParaRPr lang="en-US" sz="2000" dirty="0">
                     <a:latin typeface="Arial" panose="020B0604020202020204" pitchFamily="34" charset="0"/>
                     <a:cs typeface="Arial" panose="020B0604020202020204" pitchFamily="34" charset="0"/>
                   </a:endParaRPr>
@@ -12446,7 +12435,7 @@
                       </m:oMath>
                     </m:oMathPara>
                   </a14:m>
-                  <a:endParaRPr lang="en-US" sz="2000" dirty="0" smtClean="0">
+                  <a:endParaRPr lang="en-US" sz="2000" dirty="0">
                     <a:latin typeface="Arial" panose="020B0604020202020204" pitchFamily="34" charset="0"/>
                     <a:cs typeface="Arial" panose="020B0604020202020204" pitchFamily="34" charset="0"/>
                   </a:endParaRPr>
@@ -12504,13 +12493,6 @@
   <p:clrMapOvr>
     <a:masterClrMapping/>
   </p:clrMapOvr>
-  <p:timing>
-    <p:tnLst>
-      <p:par>
-        <p:cTn id="1" dur="indefinite" restart="never" nodeType="tmRoot"/>
-      </p:par>
-    </p:tnLst>
-  </p:timing>
 </p:sld>
 </file>
 
@@ -12721,7 +12703,7 @@
                         </m:oMath>
                       </m:oMathPara>
                     </a14:m>
-                    <a:endParaRPr lang="en-US" sz="2000" dirty="0" smtClean="0">
+                    <a:endParaRPr lang="en-US" sz="2000" dirty="0">
                       <a:latin typeface="Arial" panose="020B0604020202020204" pitchFamily="34" charset="0"/>
                       <a:cs typeface="Arial" panose="020B0604020202020204" pitchFamily="34" charset="0"/>
                     </a:endParaRPr>
@@ -12880,7 +12862,7 @@
                         </m:oMath>
                       </m:oMathPara>
                     </a14:m>
-                    <a:endParaRPr lang="en-US" sz="2000" dirty="0" smtClean="0">
+                    <a:endParaRPr lang="en-US" sz="2000" dirty="0">
                       <a:latin typeface="Arial" panose="020B0604020202020204" pitchFamily="34" charset="0"/>
                       <a:cs typeface="Arial" panose="020B0604020202020204" pitchFamily="34" charset="0"/>
                     </a:endParaRPr>
@@ -13151,7 +13133,7 @@
                       </m:oMath>
                     </m:oMathPara>
                   </a14:m>
-                  <a:endParaRPr lang="en-US" sz="2000" dirty="0" smtClean="0">
+                  <a:endParaRPr lang="en-US" sz="2000" dirty="0">
                     <a:latin typeface="Arial" panose="020B0604020202020204" pitchFamily="34" charset="0"/>
                     <a:cs typeface="Arial" panose="020B0604020202020204" pitchFamily="34" charset="0"/>
                   </a:endParaRPr>
@@ -13693,7 +13675,7 @@
                         </m:oMath>
                       </m:oMathPara>
                     </a14:m>
-                    <a:endParaRPr lang="en-US" sz="2000" dirty="0" smtClean="0">
+                    <a:endParaRPr lang="en-US" sz="2000" dirty="0">
                       <a:latin typeface="Arial" panose="020B0604020202020204" pitchFamily="34" charset="0"/>
                       <a:cs typeface="Arial" panose="020B0604020202020204" pitchFamily="34" charset="0"/>
                     </a:endParaRPr>
@@ -13815,7 +13797,7 @@
                         </m:oMath>
                       </m:oMathPara>
                     </a14:m>
-                    <a:endParaRPr lang="en-US" sz="2000" dirty="0" smtClean="0">
+                    <a:endParaRPr lang="en-US" sz="2000" dirty="0">
                       <a:latin typeface="Arial" panose="020B0604020202020204" pitchFamily="34" charset="0"/>
                       <a:cs typeface="Arial" panose="020B0604020202020204" pitchFamily="34" charset="0"/>
                     </a:endParaRPr>
@@ -13937,7 +13919,7 @@
                         </m:oMath>
                       </m:oMathPara>
                     </a14:m>
-                    <a:endParaRPr lang="en-US" sz="2000" dirty="0" smtClean="0">
+                    <a:endParaRPr lang="en-US" sz="2000" dirty="0">
                       <a:latin typeface="Arial" panose="020B0604020202020204" pitchFamily="34" charset="0"/>
                       <a:cs typeface="Arial" panose="020B0604020202020204" pitchFamily="34" charset="0"/>
                     </a:endParaRPr>
@@ -14066,7 +14048,7 @@
                         </m:oMath>
                       </m:oMathPara>
                     </a14:m>
-                    <a:endParaRPr lang="en-US" sz="2000" dirty="0" smtClean="0">
+                    <a:endParaRPr lang="en-US" sz="2000" dirty="0">
                       <a:latin typeface="Arial" panose="020B0604020202020204" pitchFamily="34" charset="0"/>
                       <a:cs typeface="Arial" panose="020B0604020202020204" pitchFamily="34" charset="0"/>
                     </a:endParaRPr>
@@ -14195,7 +14177,7 @@
                         </m:oMath>
                       </m:oMathPara>
                     </a14:m>
-                    <a:endParaRPr lang="en-US" sz="2000" dirty="0" smtClean="0">
+                    <a:endParaRPr lang="en-US" sz="2000" dirty="0">
                       <a:latin typeface="Arial" panose="020B0604020202020204" pitchFamily="34" charset="0"/>
                       <a:cs typeface="Arial" panose="020B0604020202020204" pitchFamily="34" charset="0"/>
                     </a:endParaRPr>
@@ -14324,7 +14306,7 @@
                         </m:oMath>
                       </m:oMathPara>
                     </a14:m>
-                    <a:endParaRPr lang="en-US" sz="2000" dirty="0" smtClean="0">
+                    <a:endParaRPr lang="en-US" sz="2000" dirty="0">
                       <a:latin typeface="Arial" panose="020B0604020202020204" pitchFamily="34" charset="0"/>
                       <a:cs typeface="Arial" panose="020B0604020202020204" pitchFamily="34" charset="0"/>
                     </a:endParaRPr>
@@ -14425,7 +14407,7 @@
                         </m:oMath>
                       </m:oMathPara>
                     </a14:m>
-                    <a:endParaRPr lang="en-US" sz="2000" dirty="0" smtClean="0">
+                    <a:endParaRPr lang="en-US" sz="2000" dirty="0">
                       <a:latin typeface="Arial" panose="020B0604020202020204" pitchFamily="34" charset="0"/>
                       <a:cs typeface="Arial" panose="020B0604020202020204" pitchFamily="34" charset="0"/>
                     </a:endParaRPr>
@@ -14533,7 +14515,7 @@
                         </m:oMath>
                       </m:oMathPara>
                     </a14:m>
-                    <a:endParaRPr lang="en-US" sz="2000" dirty="0" smtClean="0">
+                    <a:endParaRPr lang="en-US" sz="2000" dirty="0">
                       <a:latin typeface="Arial" panose="020B0604020202020204" pitchFamily="34" charset="0"/>
                       <a:cs typeface="Arial" panose="020B0604020202020204" pitchFamily="34" charset="0"/>
                     </a:endParaRPr>
@@ -14642,7 +14624,7 @@
                         </m:oMath>
                       </m:oMathPara>
                     </a14:m>
-                    <a:endParaRPr lang="en-US" sz="2000" dirty="0" smtClean="0">
+                    <a:endParaRPr lang="en-US" sz="2000" dirty="0">
                       <a:latin typeface="Arial" panose="020B0604020202020204" pitchFamily="34" charset="0"/>
                       <a:cs typeface="Arial" panose="020B0604020202020204" pitchFamily="34" charset="0"/>
                     </a:endParaRPr>
@@ -14751,7 +14733,7 @@
                         </m:oMath>
                       </m:oMathPara>
                     </a14:m>
-                    <a:endParaRPr lang="en-US" sz="2000" dirty="0" smtClean="0">
+                    <a:endParaRPr lang="en-US" sz="2000" dirty="0">
                       <a:latin typeface="Arial" panose="020B0604020202020204" pitchFamily="34" charset="0"/>
                       <a:cs typeface="Arial" panose="020B0604020202020204" pitchFamily="34" charset="0"/>
                     </a:endParaRPr>
@@ -14900,7 +14882,7 @@
                         </m:oMath>
                       </m:oMathPara>
                     </a14:m>
-                    <a:endParaRPr lang="en-US" sz="2000" dirty="0" smtClean="0">
+                    <a:endParaRPr lang="en-US" sz="2000" dirty="0">
                       <a:latin typeface="Arial" panose="020B0604020202020204" pitchFamily="34" charset="0"/>
                       <a:cs typeface="Arial" panose="020B0604020202020204" pitchFamily="34" charset="0"/>
                     </a:endParaRPr>
@@ -15049,7 +15031,7 @@
                         </m:oMath>
                       </m:oMathPara>
                     </a14:m>
-                    <a:endParaRPr lang="en-US" sz="2000" dirty="0" smtClean="0">
+                    <a:endParaRPr lang="en-US" sz="2000" dirty="0">
                       <a:latin typeface="Arial" panose="020B0604020202020204" pitchFamily="34" charset="0"/>
                       <a:cs typeface="Arial" panose="020B0604020202020204" pitchFamily="34" charset="0"/>
                     </a:endParaRPr>
@@ -15603,7 +15585,7 @@
                     </m:oMath>
                   </m:oMathPara>
                 </a14:m>
-                <a:endParaRPr lang="en-US" sz="2000" dirty="0" smtClean="0">
+                <a:endParaRPr lang="en-US" sz="2000" dirty="0">
                   <a:latin typeface="Arial" panose="020B0604020202020204" pitchFamily="34" charset="0"/>
                   <a:cs typeface="Arial" panose="020B0604020202020204" pitchFamily="34" charset="0"/>
                 </a:endParaRPr>
@@ -15732,7 +15714,7 @@
                     </m:oMath>
                   </m:oMathPara>
                 </a14:m>
-                <a:endParaRPr lang="en-US" sz="2000" dirty="0" smtClean="0">
+                <a:endParaRPr lang="en-US" sz="2000" dirty="0">
                   <a:latin typeface="Arial" panose="020B0604020202020204" pitchFamily="34" charset="0"/>
                   <a:cs typeface="Arial" panose="020B0604020202020204" pitchFamily="34" charset="0"/>
                 </a:endParaRPr>
@@ -15861,7 +15843,7 @@
                     </m:oMath>
                   </m:oMathPara>
                 </a14:m>
-                <a:endParaRPr lang="en-US" sz="2000" dirty="0" smtClean="0">
+                <a:endParaRPr lang="en-US" sz="2000" dirty="0">
                   <a:latin typeface="Arial" panose="020B0604020202020204" pitchFamily="34" charset="0"/>
                   <a:cs typeface="Arial" panose="020B0604020202020204" pitchFamily="34" charset="0"/>
                 </a:endParaRPr>
@@ -15969,7 +15951,7 @@
                     </m:oMath>
                   </m:oMathPara>
                 </a14:m>
-                <a:endParaRPr lang="en-US" sz="2000" dirty="0" smtClean="0">
+                <a:endParaRPr lang="en-US" sz="2000" dirty="0">
                   <a:latin typeface="Arial" panose="020B0604020202020204" pitchFamily="34" charset="0"/>
                   <a:cs typeface="Arial" panose="020B0604020202020204" pitchFamily="34" charset="0"/>
                 </a:endParaRPr>
@@ -16078,7 +16060,7 @@
                     </m:oMath>
                   </m:oMathPara>
                 </a14:m>
-                <a:endParaRPr lang="en-US" sz="2000" dirty="0" smtClean="0">
+                <a:endParaRPr lang="en-US" sz="2000" dirty="0">
                   <a:latin typeface="Arial" panose="020B0604020202020204" pitchFamily="34" charset="0"/>
                   <a:cs typeface="Arial" panose="020B0604020202020204" pitchFamily="34" charset="0"/>
                 </a:endParaRPr>
@@ -16227,7 +16209,7 @@
                     </m:oMath>
                   </m:oMathPara>
                 </a14:m>
-                <a:endParaRPr lang="en-US" sz="2000" dirty="0" smtClean="0">
+                <a:endParaRPr lang="en-US" sz="2000" dirty="0">
                   <a:latin typeface="Arial" panose="020B0604020202020204" pitchFamily="34" charset="0"/>
                   <a:cs typeface="Arial" panose="020B0604020202020204" pitchFamily="34" charset="0"/>
                 </a:endParaRPr>
@@ -17059,7 +17041,7 @@
                       </m:oMath>
                     </m:oMathPara>
                   </a14:m>
-                  <a:endParaRPr lang="en-US" sz="2000" dirty="0" smtClean="0">
+                  <a:endParaRPr lang="en-US" sz="2000" dirty="0">
                     <a:latin typeface="Arial" panose="020B0604020202020204" pitchFamily="34" charset="0"/>
                     <a:cs typeface="Arial" panose="020B0604020202020204" pitchFamily="34" charset="0"/>
                   </a:endParaRPr>
@@ -17181,7 +17163,7 @@
                       </m:oMath>
                     </m:oMathPara>
                   </a14:m>
-                  <a:endParaRPr lang="en-US" sz="2000" dirty="0" smtClean="0">
+                  <a:endParaRPr lang="en-US" sz="2000" dirty="0">
                     <a:latin typeface="Arial" panose="020B0604020202020204" pitchFamily="34" charset="0"/>
                     <a:cs typeface="Arial" panose="020B0604020202020204" pitchFamily="34" charset="0"/>
                   </a:endParaRPr>
@@ -17310,7 +17292,7 @@
                       </m:oMath>
                     </m:oMathPara>
                   </a14:m>
-                  <a:endParaRPr lang="en-US" sz="2000" dirty="0" smtClean="0">
+                  <a:endParaRPr lang="en-US" sz="2000" dirty="0">
                     <a:latin typeface="Arial" panose="020B0604020202020204" pitchFamily="34" charset="0"/>
                     <a:cs typeface="Arial" panose="020B0604020202020204" pitchFamily="34" charset="0"/>
                   </a:endParaRPr>
@@ -17411,7 +17393,7 @@
                       </m:oMath>
                     </m:oMathPara>
                   </a14:m>
-                  <a:endParaRPr lang="en-US" sz="2000" dirty="0" smtClean="0">
+                  <a:endParaRPr lang="en-US" sz="2000" dirty="0">
                     <a:latin typeface="Arial" panose="020B0604020202020204" pitchFamily="34" charset="0"/>
                     <a:cs typeface="Arial" panose="020B0604020202020204" pitchFamily="34" charset="0"/>
                   </a:endParaRPr>
@@ -17520,7 +17502,7 @@
                       </m:oMath>
                     </m:oMathPara>
                   </a14:m>
-                  <a:endParaRPr lang="en-US" sz="2000" dirty="0" smtClean="0">
+                  <a:endParaRPr lang="en-US" sz="2000" dirty="0">
                     <a:latin typeface="Arial" panose="020B0604020202020204" pitchFamily="34" charset="0"/>
                     <a:cs typeface="Arial" panose="020B0604020202020204" pitchFamily="34" charset="0"/>
                   </a:endParaRPr>
@@ -17669,7 +17651,7 @@
                       </m:oMath>
                     </m:oMathPara>
                   </a14:m>
-                  <a:endParaRPr lang="en-US" sz="2000" dirty="0" smtClean="0">
+                  <a:endParaRPr lang="en-US" sz="2000" dirty="0">
                     <a:latin typeface="Arial" panose="020B0604020202020204" pitchFamily="34" charset="0"/>
                     <a:cs typeface="Arial" panose="020B0604020202020204" pitchFamily="34" charset="0"/>
                   </a:endParaRPr>
@@ -18677,8 +18659,8 @@
             </a:fontRef>
           </p:style>
         </p:cxnSp>
-        <mc:AlternateContent xmlns:mc="http://schemas.openxmlformats.org/markup-compatibility/2006">
-          <mc:Choice xmlns:a14="http://schemas.microsoft.com/office/drawing/2010/main" Requires="a14">
+        <mc:AlternateContent xmlns:mc="http://schemas.openxmlformats.org/markup-compatibility/2006" xmlns:a14="http://schemas.microsoft.com/office/drawing/2010/main">
+          <mc:Choice Requires="a14">
             <p:sp>
               <p:nvSpPr>
                 <p:cNvPr id="28" name="TextBox 27"/>
@@ -18701,6 +18683,7 @@
                 </a:bodyPr>
                 <a:lstStyle/>
                 <a:p>
+                  <a:pPr/>
                   <a14:m>
                     <m:oMathPara xmlns:m="http://schemas.openxmlformats.org/officeDocument/2006/math">
                       <m:oMathParaPr>
@@ -18738,7 +18721,7 @@
                       </m:oMath>
                     </m:oMathPara>
                   </a14:m>
-                  <a:endParaRPr lang="en-US" sz="2000" dirty="0" smtClean="0">
+                  <a:endParaRPr lang="en-US" sz="2000" dirty="0">
                     <a:latin typeface="Arial" panose="020B0604020202020204" pitchFamily="34" charset="0"/>
                     <a:cs typeface="Arial" panose="020B0604020202020204" pitchFamily="34" charset="0"/>
                   </a:endParaRPr>
@@ -18746,7 +18729,7 @@
               </p:txBody>
             </p:sp>
           </mc:Choice>
-          <mc:Fallback>
+          <mc:Fallback xmlns="">
             <p:sp>
               <p:nvSpPr>
                 <p:cNvPr id="28" name="TextBox 27"/>
@@ -18785,8 +18768,8 @@
             </p:sp>
           </mc:Fallback>
         </mc:AlternateContent>
-        <mc:AlternateContent xmlns:mc="http://schemas.openxmlformats.org/markup-compatibility/2006">
-          <mc:Choice xmlns:a14="http://schemas.microsoft.com/office/drawing/2010/main" Requires="a14">
+        <mc:AlternateContent xmlns:mc="http://schemas.openxmlformats.org/markup-compatibility/2006" xmlns:a14="http://schemas.microsoft.com/office/drawing/2010/main">
+          <mc:Choice Requires="a14">
             <p:sp>
               <p:nvSpPr>
                 <p:cNvPr id="29" name="TextBox 28"/>
@@ -18809,6 +18792,7 @@
                 </a:bodyPr>
                 <a:lstStyle/>
                 <a:p>
+                  <a:pPr/>
                   <a14:m>
                     <m:oMathPara xmlns:m="http://schemas.openxmlformats.org/officeDocument/2006/math">
                       <m:oMathParaPr>
@@ -18846,7 +18830,7 @@
                       </m:oMath>
                     </m:oMathPara>
                   </a14:m>
-                  <a:endParaRPr lang="en-US" sz="2000" dirty="0" smtClean="0">
+                  <a:endParaRPr lang="en-US" sz="2000" dirty="0">
                     <a:latin typeface="Arial" panose="020B0604020202020204" pitchFamily="34" charset="0"/>
                     <a:cs typeface="Arial" panose="020B0604020202020204" pitchFamily="34" charset="0"/>
                   </a:endParaRPr>
@@ -18854,7 +18838,7 @@
               </p:txBody>
             </p:sp>
           </mc:Choice>
-          <mc:Fallback>
+          <mc:Fallback xmlns="">
             <p:sp>
               <p:nvSpPr>
                 <p:cNvPr id="29" name="TextBox 28"/>
@@ -18989,8 +18973,8 @@
             </a:p>
           </p:txBody>
         </p:sp>
-        <mc:AlternateContent xmlns:mc="http://schemas.openxmlformats.org/markup-compatibility/2006">
-          <mc:Choice xmlns:a14="http://schemas.microsoft.com/office/drawing/2010/main" Requires="a14">
+        <mc:AlternateContent xmlns:mc="http://schemas.openxmlformats.org/markup-compatibility/2006" xmlns:a14="http://schemas.microsoft.com/office/drawing/2010/main">
+          <mc:Choice Requires="a14">
             <p:sp>
               <p:nvSpPr>
                 <p:cNvPr id="32" name="TextBox 31"/>
@@ -19013,6 +18997,7 @@
                 </a:bodyPr>
                 <a:lstStyle/>
                 <a:p>
+                  <a:pPr/>
                   <a14:m>
                     <m:oMathPara xmlns:m="http://schemas.openxmlformats.org/officeDocument/2006/math">
                       <m:oMathParaPr>
@@ -19063,7 +19048,7 @@
                       </m:oMath>
                     </m:oMathPara>
                   </a14:m>
-                  <a:endParaRPr lang="en-US" sz="2000" dirty="0" smtClean="0">
+                  <a:endParaRPr lang="en-US" sz="2000" dirty="0">
                     <a:latin typeface="Arial" panose="020B0604020202020204" pitchFamily="34" charset="0"/>
                     <a:cs typeface="Arial" panose="020B0604020202020204" pitchFamily="34" charset="0"/>
                   </a:endParaRPr>
@@ -19071,7 +19056,7 @@
               </p:txBody>
             </p:sp>
           </mc:Choice>
-          <mc:Fallback>
+          <mc:Fallback xmlns="">
             <p:sp>
               <p:nvSpPr>
                 <p:cNvPr id="32" name="TextBox 31"/>
@@ -19110,8 +19095,8 @@
             </p:sp>
           </mc:Fallback>
         </mc:AlternateContent>
-        <mc:AlternateContent xmlns:mc="http://schemas.openxmlformats.org/markup-compatibility/2006">
-          <mc:Choice xmlns:a14="http://schemas.microsoft.com/office/drawing/2010/main" Requires="a14">
+        <mc:AlternateContent xmlns:mc="http://schemas.openxmlformats.org/markup-compatibility/2006" xmlns:a14="http://schemas.microsoft.com/office/drawing/2010/main">
+          <mc:Choice Requires="a14">
             <p:sp>
               <p:nvSpPr>
                 <p:cNvPr id="33" name="TextBox 32"/>
@@ -19134,6 +19119,7 @@
                 </a:bodyPr>
                 <a:lstStyle/>
                 <a:p>
+                  <a:pPr/>
                   <a14:m>
                     <m:oMathPara xmlns:m="http://schemas.openxmlformats.org/officeDocument/2006/math">
                       <m:oMathParaPr>
@@ -19184,7 +19170,7 @@
                       </m:oMath>
                     </m:oMathPara>
                   </a14:m>
-                  <a:endParaRPr lang="en-US" sz="2000" dirty="0" smtClean="0">
+                  <a:endParaRPr lang="en-US" sz="2000" dirty="0">
                     <a:latin typeface="Arial" panose="020B0604020202020204" pitchFamily="34" charset="0"/>
                     <a:cs typeface="Arial" panose="020B0604020202020204" pitchFamily="34" charset="0"/>
                   </a:endParaRPr>
@@ -19192,7 +19178,7 @@
               </p:txBody>
             </p:sp>
           </mc:Choice>
-          <mc:Fallback>
+          <mc:Fallback xmlns="">
             <p:sp>
               <p:nvSpPr>
                 <p:cNvPr id="33" name="TextBox 32"/>
@@ -19231,8 +19217,8 @@
             </p:sp>
           </mc:Fallback>
         </mc:AlternateContent>
-        <mc:AlternateContent xmlns:mc="http://schemas.openxmlformats.org/markup-compatibility/2006">
-          <mc:Choice xmlns:a14="http://schemas.microsoft.com/office/drawing/2010/main" Requires="a14">
+        <mc:AlternateContent xmlns:mc="http://schemas.openxmlformats.org/markup-compatibility/2006" xmlns:a14="http://schemas.microsoft.com/office/drawing/2010/main">
+          <mc:Choice Requires="a14">
             <p:sp>
               <p:nvSpPr>
                 <p:cNvPr id="34" name="TextBox 33"/>
@@ -19255,6 +19241,7 @@
                 </a:bodyPr>
                 <a:lstStyle/>
                 <a:p>
+                  <a:pPr/>
                   <a14:m>
                     <m:oMathPara xmlns:m="http://schemas.openxmlformats.org/officeDocument/2006/math">
                       <m:oMathParaPr>
@@ -19271,7 +19258,7 @@
                       </m:oMath>
                     </m:oMathPara>
                   </a14:m>
-                  <a:endParaRPr lang="en-US" sz="2000" dirty="0" smtClean="0">
+                  <a:endParaRPr lang="en-US" sz="2000" dirty="0">
                     <a:latin typeface="Arial" panose="020B0604020202020204" pitchFamily="34" charset="0"/>
                     <a:cs typeface="Arial" panose="020B0604020202020204" pitchFamily="34" charset="0"/>
                   </a:endParaRPr>
@@ -19279,7 +19266,7 @@
               </p:txBody>
             </p:sp>
           </mc:Choice>
-          <mc:Fallback>
+          <mc:Fallback xmlns="">
             <p:sp>
               <p:nvSpPr>
                 <p:cNvPr id="34" name="TextBox 33"/>
@@ -19525,8 +19512,8 @@
             </a:fontRef>
           </p:style>
         </p:cxnSp>
-        <mc:AlternateContent xmlns:mc="http://schemas.openxmlformats.org/markup-compatibility/2006">
-          <mc:Choice xmlns:a14="http://schemas.microsoft.com/office/drawing/2010/main" Requires="a14">
+        <mc:AlternateContent xmlns:mc="http://schemas.openxmlformats.org/markup-compatibility/2006" xmlns:a14="http://schemas.microsoft.com/office/drawing/2010/main">
+          <mc:Choice Requires="a14">
             <p:sp>
               <p:nvSpPr>
                 <p:cNvPr id="42" name="TextBox 41"/>
@@ -19607,7 +19594,7 @@
                       </m:oMath>
                     </m:oMathPara>
                   </a14:m>
-                  <a:endParaRPr lang="en-US" sz="2000" dirty="0" smtClean="0">
+                  <a:endParaRPr lang="en-US" sz="2000" dirty="0">
                     <a:latin typeface="Arial" panose="020B0604020202020204" pitchFamily="34" charset="0"/>
                     <a:cs typeface="Arial" panose="020B0604020202020204" pitchFamily="34" charset="0"/>
                   </a:endParaRPr>
@@ -19615,7 +19602,7 @@
               </p:txBody>
             </p:sp>
           </mc:Choice>
-          <mc:Fallback>
+          <mc:Fallback xmlns="">
             <p:sp>
               <p:nvSpPr>
                 <p:cNvPr id="42" name="TextBox 41"/>
@@ -19654,8 +19641,8 @@
             </p:sp>
           </mc:Fallback>
         </mc:AlternateContent>
-        <mc:AlternateContent xmlns:mc="http://schemas.openxmlformats.org/markup-compatibility/2006">
-          <mc:Choice xmlns:a14="http://schemas.microsoft.com/office/drawing/2010/main" Requires="a14">
+        <mc:AlternateContent xmlns:mc="http://schemas.openxmlformats.org/markup-compatibility/2006" xmlns:a14="http://schemas.microsoft.com/office/drawing/2010/main">
+          <mc:Choice Requires="a14">
             <p:sp>
               <p:nvSpPr>
                 <p:cNvPr id="43" name="TextBox 42"/>
@@ -19729,7 +19716,7 @@
                       </m:oMath>
                     </m:oMathPara>
                   </a14:m>
-                  <a:endParaRPr lang="en-US" sz="2000" dirty="0" smtClean="0">
+                  <a:endParaRPr lang="en-US" sz="2000" dirty="0">
                     <a:latin typeface="Arial" panose="020B0604020202020204" pitchFamily="34" charset="0"/>
                     <a:cs typeface="Arial" panose="020B0604020202020204" pitchFamily="34" charset="0"/>
                   </a:endParaRPr>
@@ -19737,7 +19724,7 @@
               </p:txBody>
             </p:sp>
           </mc:Choice>
-          <mc:Fallback>
+          <mc:Fallback xmlns="">
             <p:sp>
               <p:nvSpPr>
                 <p:cNvPr id="43" name="TextBox 42"/>
@@ -19776,8 +19763,8 @@
             </p:sp>
           </mc:Fallback>
         </mc:AlternateContent>
-        <mc:AlternateContent xmlns:mc="http://schemas.openxmlformats.org/markup-compatibility/2006">
-          <mc:Choice xmlns:a14="http://schemas.microsoft.com/office/drawing/2010/main" Requires="a14">
+        <mc:AlternateContent xmlns:mc="http://schemas.openxmlformats.org/markup-compatibility/2006" xmlns:a14="http://schemas.microsoft.com/office/drawing/2010/main">
+          <mc:Choice Requires="a14">
             <p:sp>
               <p:nvSpPr>
                 <p:cNvPr id="44" name="TextBox 43"/>
@@ -19858,7 +19845,7 @@
                       </m:oMath>
                     </m:oMathPara>
                   </a14:m>
-                  <a:endParaRPr lang="en-US" sz="2000" dirty="0" smtClean="0">
+                  <a:endParaRPr lang="en-US" sz="2000" dirty="0">
                     <a:latin typeface="Arial" panose="020B0604020202020204" pitchFamily="34" charset="0"/>
                     <a:cs typeface="Arial" panose="020B0604020202020204" pitchFamily="34" charset="0"/>
                   </a:endParaRPr>
@@ -19866,7 +19853,7 @@
               </p:txBody>
             </p:sp>
           </mc:Choice>
-          <mc:Fallback>
+          <mc:Fallback xmlns="">
             <p:sp>
               <p:nvSpPr>
                 <p:cNvPr id="44" name="TextBox 43"/>
@@ -19905,8 +19892,8 @@
             </p:sp>
           </mc:Fallback>
         </mc:AlternateContent>
-        <mc:AlternateContent xmlns:mc="http://schemas.openxmlformats.org/markup-compatibility/2006">
-          <mc:Choice xmlns:a14="http://schemas.microsoft.com/office/drawing/2010/main" Requires="a14">
+        <mc:AlternateContent xmlns:mc="http://schemas.openxmlformats.org/markup-compatibility/2006" xmlns:a14="http://schemas.microsoft.com/office/drawing/2010/main">
+          <mc:Choice Requires="a14">
             <p:sp>
               <p:nvSpPr>
                 <p:cNvPr id="45" name="TextBox 44"/>
@@ -19980,7 +19967,7 @@
                       </m:oMath>
                     </m:oMathPara>
                   </a14:m>
-                  <a:endParaRPr lang="en-US" sz="2000" dirty="0" smtClean="0">
+                  <a:endParaRPr lang="en-US" sz="2000" dirty="0">
                     <a:latin typeface="Arial" panose="020B0604020202020204" pitchFamily="34" charset="0"/>
                     <a:cs typeface="Arial" panose="020B0604020202020204" pitchFamily="34" charset="0"/>
                   </a:endParaRPr>
@@ -19988,7 +19975,7 @@
               </p:txBody>
             </p:sp>
           </mc:Choice>
-          <mc:Fallback>
+          <mc:Fallback xmlns="">
             <p:sp>
               <p:nvSpPr>
                 <p:cNvPr id="45" name="TextBox 44"/>
@@ -20027,8 +20014,8 @@
             </p:sp>
           </mc:Fallback>
         </mc:AlternateContent>
-        <mc:AlternateContent xmlns:mc="http://schemas.openxmlformats.org/markup-compatibility/2006">
-          <mc:Choice xmlns:a14="http://schemas.microsoft.com/office/drawing/2010/main" Requires="a14">
+        <mc:AlternateContent xmlns:mc="http://schemas.openxmlformats.org/markup-compatibility/2006" xmlns:a14="http://schemas.microsoft.com/office/drawing/2010/main">
+          <mc:Choice Requires="a14">
             <p:sp>
               <p:nvSpPr>
                 <p:cNvPr id="46" name="TextBox 45"/>
@@ -20089,7 +20076,7 @@
                       </m:oMath>
                     </m:oMathPara>
                   </a14:m>
-                  <a:endParaRPr lang="en-US" sz="2000" dirty="0" smtClean="0">
+                  <a:endParaRPr lang="en-US" sz="2000" dirty="0">
                     <a:latin typeface="Arial" panose="020B0604020202020204" pitchFamily="34" charset="0"/>
                     <a:cs typeface="Arial" panose="020B0604020202020204" pitchFamily="34" charset="0"/>
                   </a:endParaRPr>
@@ -20097,7 +20084,7 @@
               </p:txBody>
             </p:sp>
           </mc:Choice>
-          <mc:Fallback>
+          <mc:Fallback xmlns="">
             <p:sp>
               <p:nvSpPr>
                 <p:cNvPr id="46" name="TextBox 45"/>
@@ -20172,8 +20159,8 @@
             </a:fontRef>
           </p:style>
         </p:cxnSp>
-        <mc:AlternateContent xmlns:mc="http://schemas.openxmlformats.org/markup-compatibility/2006">
-          <mc:Choice xmlns:a14="http://schemas.microsoft.com/office/drawing/2010/main" Requires="a14">
+        <mc:AlternateContent xmlns:mc="http://schemas.openxmlformats.org/markup-compatibility/2006" xmlns:a14="http://schemas.microsoft.com/office/drawing/2010/main">
+          <mc:Choice Requires="a14">
             <p:sp>
               <p:nvSpPr>
                 <p:cNvPr id="50" name="Rectangle 49"/>
@@ -20216,7 +20203,7 @@
               </p:txBody>
             </p:sp>
           </mc:Choice>
-          <mc:Fallback>
+          <mc:Fallback xmlns="">
             <p:sp>
               <p:nvSpPr>
                 <p:cNvPr id="50" name="Rectangle 49"/>
@@ -20355,8 +20342,8 @@
                 </a:fontRef>
               </p:style>
             </p:cxnSp>
-            <mc:AlternateContent xmlns:mc="http://schemas.openxmlformats.org/markup-compatibility/2006">
-              <mc:Choice xmlns:a14="http://schemas.microsoft.com/office/drawing/2010/main" Requires="a14">
+            <mc:AlternateContent xmlns:mc="http://schemas.openxmlformats.org/markup-compatibility/2006" xmlns:a14="http://schemas.microsoft.com/office/drawing/2010/main">
+              <mc:Choice Requires="a14">
                 <p:sp>
                   <p:nvSpPr>
                     <p:cNvPr id="56" name="Rectangle 55"/>
@@ -20400,7 +20387,7 @@
                   </p:txBody>
                 </p:sp>
               </mc:Choice>
-              <mc:Fallback>
+              <mc:Fallback xmlns="">
                 <p:sp>
                   <p:nvSpPr>
                     <p:cNvPr id="56" name="Rectangle 55"/>
@@ -20439,8 +20426,8 @@
                 </p:sp>
               </mc:Fallback>
             </mc:AlternateContent>
-            <mc:AlternateContent xmlns:mc="http://schemas.openxmlformats.org/markup-compatibility/2006">
-              <mc:Choice xmlns:a14="http://schemas.microsoft.com/office/drawing/2010/main" Requires="a14">
+            <mc:AlternateContent xmlns:mc="http://schemas.openxmlformats.org/markup-compatibility/2006" xmlns:a14="http://schemas.microsoft.com/office/drawing/2010/main">
+              <mc:Choice Requires="a14">
                 <p:sp>
                   <p:nvSpPr>
                     <p:cNvPr id="57" name="Rectangle 56"/>
@@ -20483,7 +20470,7 @@
                   </p:txBody>
                 </p:sp>
               </mc:Choice>
-              <mc:Fallback>
+              <mc:Fallback xmlns="">
                 <p:sp>
                   <p:nvSpPr>
                     <p:cNvPr id="57" name="Rectangle 56"/>
@@ -20522,8 +20509,8 @@
                 </p:sp>
               </mc:Fallback>
             </mc:AlternateContent>
-            <mc:AlternateContent xmlns:mc="http://schemas.openxmlformats.org/markup-compatibility/2006">
-              <mc:Choice xmlns:a14="http://schemas.microsoft.com/office/drawing/2010/main" Requires="a14">
+            <mc:AlternateContent xmlns:mc="http://schemas.openxmlformats.org/markup-compatibility/2006" xmlns:a14="http://schemas.microsoft.com/office/drawing/2010/main">
+              <mc:Choice Requires="a14">
                 <p:sp>
                   <p:nvSpPr>
                     <p:cNvPr id="58" name="Rectangle 57"/>
@@ -20567,7 +20554,7 @@
                   </p:txBody>
                 </p:sp>
               </mc:Choice>
-              <mc:Fallback>
+              <mc:Fallback xmlns="">
                 <p:sp>
                   <p:nvSpPr>
                     <p:cNvPr id="58" name="Rectangle 57"/>
@@ -20681,8 +20668,8 @@
             </a:p>
           </p:txBody>
         </p:sp>
-        <mc:AlternateContent xmlns:mc="http://schemas.openxmlformats.org/markup-compatibility/2006">
-          <mc:Choice xmlns:a14="http://schemas.microsoft.com/office/drawing/2010/main" Requires="a14">
+        <mc:AlternateContent xmlns:mc="http://schemas.openxmlformats.org/markup-compatibility/2006" xmlns:a14="http://schemas.microsoft.com/office/drawing/2010/main">
+          <mc:Choice Requires="a14">
             <p:sp>
               <p:nvSpPr>
                 <p:cNvPr id="108" name="TextBox 107"/>
@@ -20705,6 +20692,7 @@
                 </a:bodyPr>
                 <a:lstStyle/>
                 <a:p>
+                  <a:pPr/>
                   <a14:m>
                     <m:oMathPara xmlns:m="http://schemas.openxmlformats.org/officeDocument/2006/math">
                       <m:oMathParaPr>
@@ -20755,7 +20743,7 @@
                       </m:oMath>
                     </m:oMathPara>
                   </a14:m>
-                  <a:endParaRPr lang="en-US" sz="2000" dirty="0" smtClean="0">
+                  <a:endParaRPr lang="en-US" sz="2000" dirty="0">
                     <a:latin typeface="Arial" panose="020B0604020202020204" pitchFamily="34" charset="0"/>
                     <a:cs typeface="Arial" panose="020B0604020202020204" pitchFamily="34" charset="0"/>
                   </a:endParaRPr>
@@ -20763,7 +20751,7 @@
               </p:txBody>
             </p:sp>
           </mc:Choice>
-          <mc:Fallback>
+          <mc:Fallback xmlns="">
             <p:sp>
               <p:nvSpPr>
                 <p:cNvPr id="108" name="TextBox 107"/>
@@ -20817,8 +20805,8 @@
             <a:chExt cx="2322588" cy="2891804"/>
           </a:xfrm>
         </p:grpSpPr>
-        <mc:AlternateContent xmlns:mc="http://schemas.openxmlformats.org/markup-compatibility/2006">
-          <mc:Choice xmlns:a14="http://schemas.microsoft.com/office/drawing/2010/main" Requires="a14">
+        <mc:AlternateContent xmlns:mc="http://schemas.openxmlformats.org/markup-compatibility/2006" xmlns:a14="http://schemas.microsoft.com/office/drawing/2010/main">
+          <mc:Choice Requires="a14">
             <p:sp>
               <p:nvSpPr>
                 <p:cNvPr id="112" name="TextBox 111"/>
@@ -20841,6 +20829,7 @@
                 </a:bodyPr>
                 <a:lstStyle/>
                 <a:p>
+                  <a:pPr/>
                   <a14:m>
                     <m:oMathPara xmlns:m="http://schemas.openxmlformats.org/officeDocument/2006/math">
                       <m:oMathParaPr>
@@ -20891,7 +20880,7 @@
                       </m:oMath>
                     </m:oMathPara>
                   </a14:m>
-                  <a:endParaRPr lang="en-US" sz="2000" dirty="0" smtClean="0">
+                  <a:endParaRPr lang="en-US" sz="2000" dirty="0">
                     <a:latin typeface="Arial" panose="020B0604020202020204" pitchFamily="34" charset="0"/>
                     <a:cs typeface="Arial" panose="020B0604020202020204" pitchFamily="34" charset="0"/>
                   </a:endParaRPr>
@@ -20899,7 +20888,7 @@
               </p:txBody>
             </p:sp>
           </mc:Choice>
-          <mc:Fallback>
+          <mc:Fallback xmlns="">
             <p:sp>
               <p:nvSpPr>
                 <p:cNvPr id="112" name="TextBox 111"/>
@@ -21158,8 +21147,8 @@
                 </a:fontRef>
               </p:style>
             </p:cxnSp>
-            <mc:AlternateContent xmlns:mc="http://schemas.openxmlformats.org/markup-compatibility/2006">
-              <mc:Choice xmlns:a14="http://schemas.microsoft.com/office/drawing/2010/main" Requires="a14">
+            <mc:AlternateContent xmlns:mc="http://schemas.openxmlformats.org/markup-compatibility/2006" xmlns:a14="http://schemas.microsoft.com/office/drawing/2010/main">
+              <mc:Choice Requires="a14">
                 <p:sp>
                   <p:nvSpPr>
                     <p:cNvPr id="77" name="TextBox 76"/>
@@ -21233,7 +21222,7 @@
                           </m:oMath>
                         </m:oMathPara>
                       </a14:m>
-                      <a:endParaRPr lang="en-US" sz="2000" dirty="0" smtClean="0">
+                      <a:endParaRPr lang="en-US" sz="2000" dirty="0">
                         <a:latin typeface="Arial" panose="020B0604020202020204" pitchFamily="34" charset="0"/>
                         <a:cs typeface="Arial" panose="020B0604020202020204" pitchFamily="34" charset="0"/>
                       </a:endParaRPr>
@@ -21241,7 +21230,7 @@
                   </p:txBody>
                 </p:sp>
               </mc:Choice>
-              <mc:Fallback>
+              <mc:Fallback xmlns="">
                 <p:sp>
                   <p:nvSpPr>
                     <p:cNvPr id="77" name="TextBox 76"/>
@@ -21280,8 +21269,8 @@
                 </p:sp>
               </mc:Fallback>
             </mc:AlternateContent>
-            <mc:AlternateContent xmlns:mc="http://schemas.openxmlformats.org/markup-compatibility/2006">
-              <mc:Choice xmlns:a14="http://schemas.microsoft.com/office/drawing/2010/main" Requires="a14">
+            <mc:AlternateContent xmlns:mc="http://schemas.openxmlformats.org/markup-compatibility/2006" xmlns:a14="http://schemas.microsoft.com/office/drawing/2010/main">
+              <mc:Choice Requires="a14">
                 <p:sp>
                   <p:nvSpPr>
                     <p:cNvPr id="78" name="TextBox 77"/>
@@ -21362,7 +21351,7 @@
                           </m:oMath>
                         </m:oMathPara>
                       </a14:m>
-                      <a:endParaRPr lang="en-US" sz="2000" dirty="0" smtClean="0">
+                      <a:endParaRPr lang="en-US" sz="2000" dirty="0">
                         <a:latin typeface="Arial" panose="020B0604020202020204" pitchFamily="34" charset="0"/>
                         <a:cs typeface="Arial" panose="020B0604020202020204" pitchFamily="34" charset="0"/>
                       </a:endParaRPr>
@@ -21370,7 +21359,7 @@
                   </p:txBody>
                 </p:sp>
               </mc:Choice>
-              <mc:Fallback>
+              <mc:Fallback xmlns="">
                 <p:sp>
                   <p:nvSpPr>
                     <p:cNvPr id="78" name="TextBox 77"/>
@@ -21409,8 +21398,8 @@
                 </p:sp>
               </mc:Fallback>
             </mc:AlternateContent>
-            <mc:AlternateContent xmlns:mc="http://schemas.openxmlformats.org/markup-compatibility/2006">
-              <mc:Choice xmlns:a14="http://schemas.microsoft.com/office/drawing/2010/main" Requires="a14">
+            <mc:AlternateContent xmlns:mc="http://schemas.openxmlformats.org/markup-compatibility/2006" xmlns:a14="http://schemas.microsoft.com/office/drawing/2010/main">
+              <mc:Choice Requires="a14">
                 <p:sp>
                   <p:nvSpPr>
                     <p:cNvPr id="79" name="TextBox 78"/>
@@ -21491,7 +21480,7 @@
                           </m:oMath>
                         </m:oMathPara>
                       </a14:m>
-                      <a:endParaRPr lang="en-US" sz="2000" dirty="0" smtClean="0">
+                      <a:endParaRPr lang="en-US" sz="2000" dirty="0">
                         <a:latin typeface="Arial" panose="020B0604020202020204" pitchFamily="34" charset="0"/>
                         <a:cs typeface="Arial" panose="020B0604020202020204" pitchFamily="34" charset="0"/>
                       </a:endParaRPr>
@@ -21499,7 +21488,7 @@
                   </p:txBody>
                 </p:sp>
               </mc:Choice>
-              <mc:Fallback>
+              <mc:Fallback xmlns="">
                 <p:sp>
                   <p:nvSpPr>
                     <p:cNvPr id="79" name="TextBox 78"/>
@@ -21538,8 +21527,8 @@
                 </p:sp>
               </mc:Fallback>
             </mc:AlternateContent>
-            <mc:AlternateContent xmlns:mc="http://schemas.openxmlformats.org/markup-compatibility/2006">
-              <mc:Choice xmlns:a14="http://schemas.microsoft.com/office/drawing/2010/main" Requires="a14">
+            <mc:AlternateContent xmlns:mc="http://schemas.openxmlformats.org/markup-compatibility/2006" xmlns:a14="http://schemas.microsoft.com/office/drawing/2010/main">
+              <mc:Choice Requires="a14">
                 <p:sp>
                   <p:nvSpPr>
                     <p:cNvPr id="81" name="TextBox 80"/>
@@ -21600,7 +21589,7 @@
                           </m:oMath>
                         </m:oMathPara>
                       </a14:m>
-                      <a:endParaRPr lang="en-US" sz="2000" dirty="0" smtClean="0">
+                      <a:endParaRPr lang="en-US" sz="2000" dirty="0">
                         <a:latin typeface="Arial" panose="020B0604020202020204" pitchFamily="34" charset="0"/>
                         <a:cs typeface="Arial" panose="020B0604020202020204" pitchFamily="34" charset="0"/>
                       </a:endParaRPr>
@@ -21608,7 +21597,7 @@
                   </p:txBody>
                 </p:sp>
               </mc:Choice>
-              <mc:Fallback>
+              <mc:Fallback xmlns="">
                 <p:sp>
                   <p:nvSpPr>
                     <p:cNvPr id="81" name="TextBox 80"/>
@@ -21647,8 +21636,8 @@
                 </p:sp>
               </mc:Fallback>
             </mc:AlternateContent>
-            <mc:AlternateContent xmlns:mc="http://schemas.openxmlformats.org/markup-compatibility/2006">
-              <mc:Choice xmlns:a14="http://schemas.microsoft.com/office/drawing/2010/main" Requires="a14">
+            <mc:AlternateContent xmlns:mc="http://schemas.openxmlformats.org/markup-compatibility/2006" xmlns:a14="http://schemas.microsoft.com/office/drawing/2010/main">
+              <mc:Choice Requires="a14">
                 <p:sp>
                   <p:nvSpPr>
                     <p:cNvPr id="106" name="TextBox 105"/>
@@ -21722,7 +21711,7 @@
                           </m:oMath>
                         </m:oMathPara>
                       </a14:m>
-                      <a:endParaRPr lang="en-US" sz="2000" dirty="0" smtClean="0">
+                      <a:endParaRPr lang="en-US" sz="2000" dirty="0">
                         <a:latin typeface="Arial" panose="020B0604020202020204" pitchFamily="34" charset="0"/>
                         <a:cs typeface="Arial" panose="020B0604020202020204" pitchFamily="34" charset="0"/>
                       </a:endParaRPr>
@@ -21730,7 +21719,7 @@
                   </p:txBody>
                 </p:sp>
               </mc:Choice>
-              <mc:Fallback>
+              <mc:Fallback xmlns="">
                 <p:sp>
                   <p:nvSpPr>
                     <p:cNvPr id="106" name="TextBox 105"/>
@@ -21918,8 +21907,8 @@
                   </a:fontRef>
                 </p:style>
               </p:cxnSp>
-              <mc:AlternateContent xmlns:mc="http://schemas.openxmlformats.org/markup-compatibility/2006">
-                <mc:Choice xmlns:a14="http://schemas.microsoft.com/office/drawing/2010/main" Requires="a14">
+              <mc:AlternateContent xmlns:mc="http://schemas.openxmlformats.org/markup-compatibility/2006" xmlns:a14="http://schemas.microsoft.com/office/drawing/2010/main">
+                <mc:Choice Requires="a14">
                   <p:sp>
                     <p:nvSpPr>
                       <p:cNvPr id="118" name="Rectangle 117"/>
@@ -21963,7 +21952,7 @@
                     </p:txBody>
                   </p:sp>
                 </mc:Choice>
-                <mc:Fallback>
+                <mc:Fallback xmlns="">
                   <p:sp>
                     <p:nvSpPr>
                       <p:cNvPr id="118" name="Rectangle 117"/>
@@ -22002,8 +21991,8 @@
                   </p:sp>
                 </mc:Fallback>
               </mc:AlternateContent>
-              <mc:AlternateContent xmlns:mc="http://schemas.openxmlformats.org/markup-compatibility/2006">
-                <mc:Choice xmlns:a14="http://schemas.microsoft.com/office/drawing/2010/main" Requires="a14">
+              <mc:AlternateContent xmlns:mc="http://schemas.openxmlformats.org/markup-compatibility/2006" xmlns:a14="http://schemas.microsoft.com/office/drawing/2010/main">
+                <mc:Choice Requires="a14">
                   <p:sp>
                     <p:nvSpPr>
                       <p:cNvPr id="119" name="Rectangle 118"/>
@@ -22046,7 +22035,7 @@
                     </p:txBody>
                   </p:sp>
                 </mc:Choice>
-                <mc:Fallback>
+                <mc:Fallback xmlns="">
                   <p:sp>
                     <p:nvSpPr>
                       <p:cNvPr id="119" name="Rectangle 118"/>
@@ -22085,8 +22074,8 @@
                   </p:sp>
                 </mc:Fallback>
               </mc:AlternateContent>
-              <mc:AlternateContent xmlns:mc="http://schemas.openxmlformats.org/markup-compatibility/2006">
-                <mc:Choice xmlns:a14="http://schemas.microsoft.com/office/drawing/2010/main" Requires="a14">
+              <mc:AlternateContent xmlns:mc="http://schemas.openxmlformats.org/markup-compatibility/2006" xmlns:a14="http://schemas.microsoft.com/office/drawing/2010/main">
+                <mc:Choice Requires="a14">
                   <p:sp>
                     <p:nvSpPr>
                       <p:cNvPr id="120" name="Rectangle 119"/>
@@ -22130,7 +22119,7 @@
                     </p:txBody>
                   </p:sp>
                 </mc:Choice>
-                <mc:Fallback>
+                <mc:Fallback xmlns="">
                   <p:sp>
                     <p:nvSpPr>
                       <p:cNvPr id="120" name="Rectangle 119"/>
@@ -22202,6 +22191,1543 @@
     <p:extLst>
       <p:ext uri="{BB962C8B-B14F-4D97-AF65-F5344CB8AC3E}">
         <p14:creationId xmlns:p14="http://schemas.microsoft.com/office/powerpoint/2010/main" val="1275345062"/>
+      </p:ext>
+    </p:extLst>
+  </p:cSld>
+  <p:clrMapOvr>
+    <a:masterClrMapping/>
+  </p:clrMapOvr>
+</p:sld>
+</file>
+
+<file path=ppt/slides/slide6.xml><?xml version="1.0" encoding="utf-8"?>
+<p:sld xmlns:a="http://schemas.openxmlformats.org/drawingml/2006/main" xmlns:r="http://schemas.openxmlformats.org/officeDocument/2006/relationships" xmlns:p="http://schemas.openxmlformats.org/presentationml/2006/main">
+  <p:cSld>
+    <p:spTree>
+      <p:nvGrpSpPr>
+        <p:cNvPr id="1" name=""/>
+        <p:cNvGrpSpPr/>
+        <p:nvPr/>
+      </p:nvGrpSpPr>
+      <p:grpSpPr>
+        <a:xfrm>
+          <a:off x="0" y="0"/>
+          <a:ext cx="0" cy="0"/>
+          <a:chOff x="0" y="0"/>
+          <a:chExt cx="0" cy="0"/>
+        </a:xfrm>
+      </p:grpSpPr>
+      <p:grpSp>
+        <p:nvGrpSpPr>
+          <p:cNvPr id="30" name="Group 29">
+            <a:extLst>
+              <a:ext uri="{FF2B5EF4-FFF2-40B4-BE49-F238E27FC236}">
+                <a16:creationId xmlns:a16="http://schemas.microsoft.com/office/drawing/2014/main" id="{C1C95B96-AC90-B64B-8483-EF53BE5118A4}"/>
+              </a:ext>
+            </a:extLst>
+          </p:cNvPr>
+          <p:cNvGrpSpPr/>
+          <p:nvPr/>
+        </p:nvGrpSpPr>
+        <p:grpSpPr>
+          <a:xfrm>
+            <a:off x="2449681" y="1290755"/>
+            <a:ext cx="5422084" cy="3376806"/>
+            <a:chOff x="2449681" y="1290755"/>
+            <a:chExt cx="5422084" cy="3376806"/>
+          </a:xfrm>
+        </p:grpSpPr>
+        <p:pic>
+          <p:nvPicPr>
+            <p:cNvPr id="29" name="Picture 28">
+              <a:extLst>
+                <a:ext uri="{FF2B5EF4-FFF2-40B4-BE49-F238E27FC236}">
+                  <a16:creationId xmlns:a16="http://schemas.microsoft.com/office/drawing/2014/main" id="{38A1AE2B-38CA-E043-A449-393654621C8A}"/>
+                </a:ext>
+              </a:extLst>
+            </p:cNvPr>
+            <p:cNvPicPr>
+              <a:picLocks noChangeAspect="1"/>
+            </p:cNvPicPr>
+            <p:nvPr/>
+          </p:nvPicPr>
+          <p:blipFill rotWithShape="1">
+            <a:blip r:embed="rId2">
+              <a:extLst>
+                <a:ext uri="{28A0092B-C50C-407E-A947-70E740481C1C}">
+                  <a14:useLocalDpi xmlns:a14="http://schemas.microsoft.com/office/drawing/2010/main" val="0"/>
+                </a:ext>
+              </a:extLst>
+            </a:blip>
+            <a:srcRect l="3063" t="16667" b="47222"/>
+            <a:stretch/>
+          </p:blipFill>
+          <p:spPr>
+            <a:xfrm rot="21163497">
+              <a:off x="4893440" y="1290755"/>
+              <a:ext cx="2978325" cy="1973412"/>
+            </a:xfrm>
+            <a:prstGeom prst="rect">
+              <a:avLst/>
+            </a:prstGeom>
+          </p:spPr>
+        </p:pic>
+        <p:sp>
+          <p:nvSpPr>
+            <p:cNvPr id="18" name="Right Triangle 17">
+              <a:extLst>
+                <a:ext uri="{FF2B5EF4-FFF2-40B4-BE49-F238E27FC236}">
+                  <a16:creationId xmlns:a16="http://schemas.microsoft.com/office/drawing/2014/main" id="{928BF4D9-398D-AB45-BE56-AFD737E099AB}"/>
+                </a:ext>
+              </a:extLst>
+            </p:cNvPr>
+            <p:cNvSpPr/>
+            <p:nvPr/>
+          </p:nvSpPr>
+          <p:spPr>
+            <a:xfrm flipH="1">
+              <a:off x="3821224" y="2419349"/>
+              <a:ext cx="3164930" cy="2101121"/>
+            </a:xfrm>
+            <a:prstGeom prst="rtTriangle">
+              <a:avLst/>
+            </a:prstGeom>
+            <a:solidFill>
+              <a:schemeClr val="bg2">
+                <a:lumMod val="75000"/>
+              </a:schemeClr>
+            </a:solidFill>
+            <a:ln w="38100">
+              <a:solidFill>
+                <a:schemeClr val="tx1"/>
+              </a:solidFill>
+            </a:ln>
+          </p:spPr>
+          <p:style>
+            <a:lnRef idx="2">
+              <a:schemeClr val="accent1">
+                <a:shade val="50000"/>
+              </a:schemeClr>
+            </a:lnRef>
+            <a:fillRef idx="1">
+              <a:schemeClr val="accent1"/>
+            </a:fillRef>
+            <a:effectRef idx="0">
+              <a:schemeClr val="accent1"/>
+            </a:effectRef>
+            <a:fontRef idx="minor">
+              <a:schemeClr val="lt1"/>
+            </a:fontRef>
+          </p:style>
+          <p:txBody>
+            <a:bodyPr rtlCol="0" anchor="ctr"/>
+            <a:lstStyle/>
+            <a:p>
+              <a:pPr algn="ctr"/>
+              <a:endParaRPr lang="en-US"/>
+            </a:p>
+          </p:txBody>
+        </p:sp>
+        <p:pic>
+          <p:nvPicPr>
+            <p:cNvPr id="26" name="Picture 25">
+              <a:extLst>
+                <a:ext uri="{FF2B5EF4-FFF2-40B4-BE49-F238E27FC236}">
+                  <a16:creationId xmlns:a16="http://schemas.microsoft.com/office/drawing/2014/main" id="{2C26DF25-1021-8547-A20E-74B278796CE4}"/>
+                </a:ext>
+              </a:extLst>
+            </p:cNvPr>
+            <p:cNvPicPr>
+              <a:picLocks noChangeAspect="1"/>
+            </p:cNvPicPr>
+            <p:nvPr/>
+          </p:nvPicPr>
+          <p:blipFill>
+            <a:blip r:embed="rId3">
+              <a:extLst>
+                <a:ext uri="{28A0092B-C50C-407E-A947-70E740481C1C}">
+                  <a14:useLocalDpi xmlns:a14="http://schemas.microsoft.com/office/drawing/2010/main" val="0"/>
+                </a:ext>
+              </a:extLst>
+            </a:blip>
+            <a:stretch>
+              <a:fillRect/>
+            </a:stretch>
+          </p:blipFill>
+          <p:spPr>
+            <a:xfrm rot="802031">
+              <a:off x="2449681" y="3408540"/>
+              <a:ext cx="1729055" cy="1259021"/>
+            </a:xfrm>
+            <a:prstGeom prst="rect">
+              <a:avLst/>
+            </a:prstGeom>
+          </p:spPr>
+        </p:pic>
+      </p:grpSp>
+    </p:spTree>
+    <p:extLst>
+      <p:ext uri="{BB962C8B-B14F-4D97-AF65-F5344CB8AC3E}">
+        <p14:creationId xmlns:p14="http://schemas.microsoft.com/office/powerpoint/2010/main" val="1819297336"/>
+      </p:ext>
+    </p:extLst>
+  </p:cSld>
+  <p:clrMapOvr>
+    <a:masterClrMapping/>
+  </p:clrMapOvr>
+</p:sld>
+</file>
+
+<file path=ppt/slides/slide7.xml><?xml version="1.0" encoding="utf-8"?>
+<p:sld xmlns:a="http://schemas.openxmlformats.org/drawingml/2006/main" xmlns:r="http://schemas.openxmlformats.org/officeDocument/2006/relationships" xmlns:p="http://schemas.openxmlformats.org/presentationml/2006/main">
+  <p:cSld>
+    <p:spTree>
+      <p:nvGrpSpPr>
+        <p:cNvPr id="1" name=""/>
+        <p:cNvGrpSpPr/>
+        <p:nvPr/>
+      </p:nvGrpSpPr>
+      <p:grpSpPr>
+        <a:xfrm>
+          <a:off x="0" y="0"/>
+          <a:ext cx="0" cy="0"/>
+          <a:chOff x="0" y="0"/>
+          <a:chExt cx="0" cy="0"/>
+        </a:xfrm>
+      </p:grpSpPr>
+      <p:grpSp>
+        <p:nvGrpSpPr>
+          <p:cNvPr id="45" name="Group 44">
+            <a:extLst>
+              <a:ext uri="{FF2B5EF4-FFF2-40B4-BE49-F238E27FC236}">
+                <a16:creationId xmlns:a16="http://schemas.microsoft.com/office/drawing/2014/main" id="{FC5A6692-B7EC-3844-8D7C-034AFFF9B39B}"/>
+              </a:ext>
+            </a:extLst>
+          </p:cNvPr>
+          <p:cNvGrpSpPr/>
+          <p:nvPr/>
+        </p:nvGrpSpPr>
+        <p:grpSpPr>
+          <a:xfrm>
+            <a:off x="3997738" y="1832128"/>
+            <a:ext cx="3219230" cy="3091351"/>
+            <a:chOff x="3997738" y="1832128"/>
+            <a:chExt cx="3219230" cy="3091351"/>
+          </a:xfrm>
+        </p:grpSpPr>
+        <p:pic>
+          <p:nvPicPr>
+            <p:cNvPr id="11" name="Picture 10">
+              <a:extLst>
+                <a:ext uri="{FF2B5EF4-FFF2-40B4-BE49-F238E27FC236}">
+                  <a16:creationId xmlns:a16="http://schemas.microsoft.com/office/drawing/2014/main" id="{6E038F89-4878-EB4A-BA5C-CB11572A8241}"/>
+                </a:ext>
+              </a:extLst>
+            </p:cNvPr>
+            <p:cNvPicPr>
+              <a:picLocks noChangeAspect="1"/>
+            </p:cNvPicPr>
+            <p:nvPr/>
+          </p:nvPicPr>
+          <p:blipFill>
+            <a:blip r:embed="rId2">
+              <a:extLst>
+                <a:ext uri="{28A0092B-C50C-407E-A947-70E740481C1C}">
+                  <a14:useLocalDpi xmlns:a14="http://schemas.microsoft.com/office/drawing/2010/main" val="0"/>
+                </a:ext>
+              </a:extLst>
+            </a:blip>
+            <a:stretch>
+              <a:fillRect/>
+            </a:stretch>
+          </p:blipFill>
+          <p:spPr>
+            <a:xfrm rot="18157257">
+              <a:off x="4888501" y="2365787"/>
+              <a:ext cx="2328467" cy="2328467"/>
+            </a:xfrm>
+            <a:prstGeom prst="rect">
+              <a:avLst/>
+            </a:prstGeom>
+          </p:spPr>
+        </p:pic>
+        <mc:AlternateContent xmlns:mc="http://schemas.openxmlformats.org/markup-compatibility/2006">
+          <mc:Choice xmlns:a14="http://schemas.microsoft.com/office/drawing/2010/main" Requires="a14">
+            <p:sp>
+              <p:nvSpPr>
+                <p:cNvPr id="21" name="TextBox 20">
+                  <a:extLst>
+                    <a:ext uri="{FF2B5EF4-FFF2-40B4-BE49-F238E27FC236}">
+                      <a16:creationId xmlns:a16="http://schemas.microsoft.com/office/drawing/2014/main" id="{7ACDE5F2-2527-2647-B344-5CBFE0A9CE97}"/>
+                    </a:ext>
+                  </a:extLst>
+                </p:cNvPr>
+                <p:cNvSpPr txBox="1"/>
+                <p:nvPr/>
+              </p:nvSpPr>
+              <p:spPr>
+                <a:xfrm rot="19798298">
+                  <a:off x="5120673" y="1832128"/>
+                  <a:ext cx="395365" cy="307777"/>
+                </a:xfrm>
+                <a:prstGeom prst="rect">
+                  <a:avLst/>
+                </a:prstGeom>
+                <a:noFill/>
+              </p:spPr>
+              <p:txBody>
+                <a:bodyPr wrap="none" lIns="0" tIns="0" rIns="0" bIns="0" rtlCol="0">
+                  <a:spAutoFit/>
+                </a:bodyPr>
+                <a:lstStyle/>
+                <a:p>
+                  <a:pPr/>
+                  <a14:m>
+                    <m:oMathPara xmlns:m="http://schemas.openxmlformats.org/officeDocument/2006/math">
+                      <m:oMathParaPr>
+                        <m:jc m:val="centerGroup"/>
+                      </m:oMathParaPr>
+                      <m:oMath xmlns:m="http://schemas.openxmlformats.org/officeDocument/2006/math">
+                        <m:sSub>
+                          <m:sSubPr>
+                            <m:ctrlPr>
+                              <a:rPr lang="en-US" sz="2000" b="0" i="1" smtClean="0">
+                                <a:latin typeface="Cambria Math" panose="02040503050406030204" pitchFamily="18" charset="0"/>
+                                <a:cs typeface="Arial" panose="020B0604020202020204" pitchFamily="34" charset="0"/>
+                              </a:rPr>
+                            </m:ctrlPr>
+                          </m:sSubPr>
+                          <m:e>
+                            <m:acc>
+                              <m:accPr>
+                                <m:chr m:val="⃗"/>
+                                <m:ctrlPr>
+                                  <a:rPr lang="en-US" sz="2000" b="0" i="1" smtClean="0">
+                                    <a:latin typeface="Cambria Math" panose="02040503050406030204" pitchFamily="18" charset="0"/>
+                                    <a:cs typeface="Arial" panose="020B0604020202020204" pitchFamily="34" charset="0"/>
+                                  </a:rPr>
+                                </m:ctrlPr>
+                              </m:accPr>
+                              <m:e>
+                                <m:r>
+                                  <a:rPr lang="en-US" sz="2000" b="0" i="1" smtClean="0">
+                                    <a:latin typeface="Cambria Math" panose="02040503050406030204" pitchFamily="18" charset="0"/>
+                                    <a:cs typeface="Arial" panose="020B0604020202020204" pitchFamily="34" charset="0"/>
+                                  </a:rPr>
+                                  <m:t>𝑎</m:t>
+                                </m:r>
+                              </m:e>
+                            </m:acc>
+                          </m:e>
+                          <m:sub/>
+                        </m:sSub>
+                      </m:oMath>
+                    </m:oMathPara>
+                  </a14:m>
+                  <a:endParaRPr lang="en-US" sz="2000" dirty="0">
+                    <a:latin typeface="Arial" panose="020B0604020202020204" pitchFamily="34" charset="0"/>
+                    <a:cs typeface="Arial" panose="020B0604020202020204" pitchFamily="34" charset="0"/>
+                  </a:endParaRPr>
+                </a:p>
+              </p:txBody>
+            </p:sp>
+          </mc:Choice>
+          <mc:Fallback>
+            <p:sp>
+              <p:nvSpPr>
+                <p:cNvPr id="21" name="TextBox 20">
+                  <a:extLst>
+                    <a:ext uri="{FF2B5EF4-FFF2-40B4-BE49-F238E27FC236}">
+                      <a16:creationId xmlns:a16="http://schemas.microsoft.com/office/drawing/2014/main" id="{7ACDE5F2-2527-2647-B344-5CBFE0A9CE97}"/>
+                    </a:ext>
+                  </a:extLst>
+                </p:cNvPr>
+                <p:cNvSpPr txBox="1">
+                  <a:spLocks noRot="1" noChangeAspect="1" noMove="1" noResize="1" noEditPoints="1" noAdjustHandles="1" noChangeArrowheads="1" noChangeShapeType="1" noTextEdit="1"/>
+                </p:cNvSpPr>
+                <p:nvPr/>
+              </p:nvSpPr>
+              <p:spPr>
+                <a:xfrm rot="19798298">
+                  <a:off x="5120673" y="1832128"/>
+                  <a:ext cx="395365" cy="307777"/>
+                </a:xfrm>
+                <a:prstGeom prst="rect">
+                  <a:avLst/>
+                </a:prstGeom>
+                <a:blipFill>
+                  <a:blip r:embed="rId3"/>
+                  <a:stretch>
+                    <a:fillRect l="-17500" b="-10811"/>
+                  </a:stretch>
+                </a:blipFill>
+              </p:spPr>
+              <p:txBody>
+                <a:bodyPr/>
+                <a:lstStyle/>
+                <a:p>
+                  <a:r>
+                    <a:rPr lang="en-US">
+                      <a:noFill/>
+                    </a:rPr>
+                    <a:t> </a:t>
+                  </a:r>
+                </a:p>
+              </p:txBody>
+            </p:sp>
+          </mc:Fallback>
+        </mc:AlternateContent>
+        <p:grpSp>
+          <p:nvGrpSpPr>
+            <p:cNvPr id="22" name="Group 21">
+              <a:extLst>
+                <a:ext uri="{FF2B5EF4-FFF2-40B4-BE49-F238E27FC236}">
+                  <a16:creationId xmlns:a16="http://schemas.microsoft.com/office/drawing/2014/main" id="{F44CCC53-F799-1C43-88F4-D900DDDCBC32}"/>
+                </a:ext>
+              </a:extLst>
+            </p:cNvPr>
+            <p:cNvGrpSpPr/>
+            <p:nvPr/>
+          </p:nvGrpSpPr>
+          <p:grpSpPr>
+            <a:xfrm rot="19798298">
+              <a:off x="3997738" y="2329671"/>
+              <a:ext cx="2809800" cy="2593808"/>
+              <a:chOff x="4634760" y="3895935"/>
+              <a:chExt cx="2809800" cy="2593808"/>
+            </a:xfrm>
+          </p:grpSpPr>
+          <p:grpSp>
+            <p:nvGrpSpPr>
+              <p:cNvPr id="23" name="Group 22">
+                <a:extLst>
+                  <a:ext uri="{FF2B5EF4-FFF2-40B4-BE49-F238E27FC236}">
+                    <a16:creationId xmlns:a16="http://schemas.microsoft.com/office/drawing/2014/main" id="{BA7C5257-B392-F34E-8E96-B26B7D52BBD1}"/>
+                  </a:ext>
+                </a:extLst>
+              </p:cNvPr>
+              <p:cNvGrpSpPr/>
+              <p:nvPr/>
+            </p:nvGrpSpPr>
+            <p:grpSpPr>
+              <a:xfrm>
+                <a:off x="6433200" y="4116518"/>
+                <a:ext cx="1011360" cy="2373225"/>
+                <a:chOff x="6867450" y="3855856"/>
+                <a:chExt cx="1011360" cy="2373225"/>
+              </a:xfrm>
+            </p:grpSpPr>
+            <p:sp>
+              <p:nvSpPr>
+                <p:cNvPr id="33" name="Oval 32">
+                  <a:extLst>
+                    <a:ext uri="{FF2B5EF4-FFF2-40B4-BE49-F238E27FC236}">
+                      <a16:creationId xmlns:a16="http://schemas.microsoft.com/office/drawing/2014/main" id="{323F7A6C-9D0D-6242-A6B0-A0759B73FEB4}"/>
+                    </a:ext>
+                  </a:extLst>
+                </p:cNvPr>
+                <p:cNvSpPr/>
+                <p:nvPr/>
+              </p:nvSpPr>
+              <p:spPr>
+                <a:xfrm>
+                  <a:off x="7138975" y="4809279"/>
+                  <a:ext cx="120943" cy="119766"/>
+                </a:xfrm>
+                <a:prstGeom prst="ellipse">
+                  <a:avLst/>
+                </a:prstGeom>
+                <a:solidFill>
+                  <a:schemeClr val="tx1"/>
+                </a:solidFill>
+                <a:ln w="38100">
+                  <a:solidFill>
+                    <a:schemeClr val="tx1"/>
+                  </a:solidFill>
+                </a:ln>
+              </p:spPr>
+              <p:style>
+                <a:lnRef idx="2">
+                  <a:schemeClr val="accent1">
+                    <a:shade val="50000"/>
+                  </a:schemeClr>
+                </a:lnRef>
+                <a:fillRef idx="1">
+                  <a:schemeClr val="accent1"/>
+                </a:fillRef>
+                <a:effectRef idx="0">
+                  <a:schemeClr val="accent1"/>
+                </a:effectRef>
+                <a:fontRef idx="minor">
+                  <a:schemeClr val="lt1"/>
+                </a:fontRef>
+              </p:style>
+              <p:txBody>
+                <a:bodyPr rtlCol="0" anchor="ctr"/>
+                <a:lstStyle/>
+                <a:p>
+                  <a:pPr algn="ctr"/>
+                  <a:endParaRPr lang="en-US"/>
+                </a:p>
+              </p:txBody>
+            </p:sp>
+            <p:cxnSp>
+              <p:nvCxnSpPr>
+                <p:cNvPr id="35" name="Straight Arrow Connector 34">
+                  <a:extLst>
+                    <a:ext uri="{FF2B5EF4-FFF2-40B4-BE49-F238E27FC236}">
+                      <a16:creationId xmlns:a16="http://schemas.microsoft.com/office/drawing/2014/main" id="{444F722A-0A62-A34A-96B4-6801DA2D8EA0}"/>
+                    </a:ext>
+                  </a:extLst>
+                </p:cNvPr>
+                <p:cNvCxnSpPr/>
+                <p:nvPr/>
+              </p:nvCxnSpPr>
+              <p:spPr>
+                <a:xfrm>
+                  <a:off x="7279549" y="4879078"/>
+                  <a:ext cx="460837" cy="0"/>
+                </a:xfrm>
+                <a:prstGeom prst="straightConnector1">
+                  <a:avLst/>
+                </a:prstGeom>
+                <a:ln w="38100">
+                  <a:solidFill>
+                    <a:schemeClr val="tx1"/>
+                  </a:solidFill>
+                  <a:tailEnd type="triangle"/>
+                </a:ln>
+              </p:spPr>
+              <p:style>
+                <a:lnRef idx="1">
+                  <a:schemeClr val="accent1"/>
+                </a:lnRef>
+                <a:fillRef idx="0">
+                  <a:schemeClr val="accent1"/>
+                </a:fillRef>
+                <a:effectRef idx="0">
+                  <a:schemeClr val="accent1"/>
+                </a:effectRef>
+                <a:fontRef idx="minor">
+                  <a:schemeClr val="tx1"/>
+                </a:fontRef>
+              </p:style>
+            </p:cxnSp>
+            <p:cxnSp>
+              <p:nvCxnSpPr>
+                <p:cNvPr id="36" name="Straight Arrow Connector 35">
+                  <a:extLst>
+                    <a:ext uri="{FF2B5EF4-FFF2-40B4-BE49-F238E27FC236}">
+                      <a16:creationId xmlns:a16="http://schemas.microsoft.com/office/drawing/2014/main" id="{3EE20AF3-C253-4E4F-B7FC-F2A1F09956DF}"/>
+                    </a:ext>
+                  </a:extLst>
+                </p:cNvPr>
+                <p:cNvCxnSpPr>
+                  <a:cxnSpLocks/>
+                </p:cNvCxnSpPr>
+                <p:nvPr/>
+              </p:nvCxnSpPr>
+              <p:spPr>
+                <a:xfrm rot="1801702">
+                  <a:off x="6888205" y="5034189"/>
+                  <a:ext cx="644097" cy="1113043"/>
+                </a:xfrm>
+                <a:prstGeom prst="straightConnector1">
+                  <a:avLst/>
+                </a:prstGeom>
+                <a:ln w="38100">
+                  <a:solidFill>
+                    <a:schemeClr val="tx1"/>
+                  </a:solidFill>
+                  <a:tailEnd type="triangle"/>
+                </a:ln>
+              </p:spPr>
+              <p:style>
+                <a:lnRef idx="1">
+                  <a:schemeClr val="accent1"/>
+                </a:lnRef>
+                <a:fillRef idx="0">
+                  <a:schemeClr val="accent1"/>
+                </a:fillRef>
+                <a:effectRef idx="0">
+                  <a:schemeClr val="accent1"/>
+                </a:effectRef>
+                <a:fontRef idx="minor">
+                  <a:schemeClr val="tx1"/>
+                </a:fontRef>
+              </p:style>
+            </p:cxnSp>
+            <p:cxnSp>
+              <p:nvCxnSpPr>
+                <p:cNvPr id="37" name="Straight Arrow Connector 36">
+                  <a:extLst>
+                    <a:ext uri="{FF2B5EF4-FFF2-40B4-BE49-F238E27FC236}">
+                      <a16:creationId xmlns:a16="http://schemas.microsoft.com/office/drawing/2014/main" id="{2EC26C49-A617-0441-922C-1D95EAE50009}"/>
+                    </a:ext>
+                  </a:extLst>
+                </p:cNvPr>
+                <p:cNvCxnSpPr/>
+                <p:nvPr/>
+              </p:nvCxnSpPr>
+              <p:spPr>
+                <a:xfrm flipV="1">
+                  <a:off x="7210396" y="3855856"/>
+                  <a:ext cx="1123" cy="950756"/>
+                </a:xfrm>
+                <a:prstGeom prst="straightConnector1">
+                  <a:avLst/>
+                </a:prstGeom>
+                <a:ln w="38100">
+                  <a:solidFill>
+                    <a:schemeClr val="tx1"/>
+                  </a:solidFill>
+                  <a:tailEnd type="triangle"/>
+                </a:ln>
+              </p:spPr>
+              <p:style>
+                <a:lnRef idx="1">
+                  <a:schemeClr val="accent1"/>
+                </a:lnRef>
+                <a:fillRef idx="0">
+                  <a:schemeClr val="accent1"/>
+                </a:fillRef>
+                <a:effectRef idx="0">
+                  <a:schemeClr val="accent1"/>
+                </a:effectRef>
+                <a:fontRef idx="minor">
+                  <a:schemeClr val="tx1"/>
+                </a:fontRef>
+              </p:style>
+            </p:cxnSp>
+            <mc:AlternateContent xmlns:mc="http://schemas.openxmlformats.org/markup-compatibility/2006">
+              <mc:Choice xmlns:a14="http://schemas.microsoft.com/office/drawing/2010/main" Requires="a14">
+                <p:sp>
+                  <p:nvSpPr>
+                    <p:cNvPr id="38" name="TextBox 37">
+                      <a:extLst>
+                        <a:ext uri="{FF2B5EF4-FFF2-40B4-BE49-F238E27FC236}">
+                          <a16:creationId xmlns:a16="http://schemas.microsoft.com/office/drawing/2014/main" id="{461AC47C-60CA-484F-BC1F-AFA78455187A}"/>
+                        </a:ext>
+                      </a:extLst>
+                    </p:cNvPr>
+                    <p:cNvSpPr txBox="1"/>
+                    <p:nvPr/>
+                  </p:nvSpPr>
+                  <p:spPr>
+                    <a:xfrm>
+                      <a:off x="7299552" y="3952590"/>
+                      <a:ext cx="440249" cy="345159"/>
+                    </a:xfrm>
+                    <a:prstGeom prst="rect">
+                      <a:avLst/>
+                    </a:prstGeom>
+                    <a:noFill/>
+                  </p:spPr>
+                  <p:txBody>
+                    <a:bodyPr wrap="none" lIns="0" tIns="0" rIns="0" bIns="0" rtlCol="0">
+                      <a:spAutoFit/>
+                    </a:bodyPr>
+                    <a:lstStyle/>
+                    <a:p>
+                      <a:pPr/>
+                      <a14:m>
+                        <m:oMathPara xmlns:m="http://schemas.openxmlformats.org/officeDocument/2006/math">
+                          <m:oMathParaPr>
+                            <m:jc m:val="centerGroup"/>
+                          </m:oMathParaPr>
+                          <m:oMath xmlns:m="http://schemas.openxmlformats.org/officeDocument/2006/math">
+                            <m:sSub>
+                              <m:sSubPr>
+                                <m:ctrlPr>
+                                  <a:rPr lang="en-US" sz="2000" b="0" i="1" smtClean="0">
+                                    <a:latin typeface="Cambria Math" panose="02040503050406030204" pitchFamily="18" charset="0"/>
+                                    <a:cs typeface="Arial" panose="020B0604020202020204" pitchFamily="34" charset="0"/>
+                                  </a:rPr>
+                                </m:ctrlPr>
+                              </m:sSubPr>
+                              <m:e>
+                                <m:acc>
+                                  <m:accPr>
+                                    <m:chr m:val="⃗"/>
+                                    <m:ctrlPr>
+                                      <a:rPr lang="en-US" sz="2000" b="0" i="1" smtClean="0">
+                                        <a:latin typeface="Cambria Math" panose="02040503050406030204" pitchFamily="18" charset="0"/>
+                                        <a:cs typeface="Arial" panose="020B0604020202020204" pitchFamily="34" charset="0"/>
+                                      </a:rPr>
+                                    </m:ctrlPr>
+                                  </m:accPr>
+                                  <m:e>
+                                    <m:r>
+                                      <a:rPr lang="en-US" sz="2000" b="0" i="1" smtClean="0">
+                                        <a:latin typeface="Cambria Math" panose="02040503050406030204" pitchFamily="18" charset="0"/>
+                                        <a:cs typeface="Arial" panose="020B0604020202020204" pitchFamily="34" charset="0"/>
+                                      </a:rPr>
+                                      <m:t>𝑁</m:t>
+                                    </m:r>
+                                  </m:e>
+                                </m:acc>
+                              </m:e>
+                              <m:sub/>
+                            </m:sSub>
+                          </m:oMath>
+                        </m:oMathPara>
+                      </a14:m>
+                      <a:endParaRPr lang="en-US" sz="2000" dirty="0">
+                        <a:latin typeface="Arial" panose="020B0604020202020204" pitchFamily="34" charset="0"/>
+                        <a:cs typeface="Arial" panose="020B0604020202020204" pitchFamily="34" charset="0"/>
+                      </a:endParaRPr>
+                    </a:p>
+                  </p:txBody>
+                </p:sp>
+              </mc:Choice>
+              <mc:Fallback>
+                <p:sp>
+                  <p:nvSpPr>
+                    <p:cNvPr id="38" name="TextBox 37">
+                      <a:extLst>
+                        <a:ext uri="{FF2B5EF4-FFF2-40B4-BE49-F238E27FC236}">
+                          <a16:creationId xmlns:a16="http://schemas.microsoft.com/office/drawing/2014/main" id="{461AC47C-60CA-484F-BC1F-AFA78455187A}"/>
+                        </a:ext>
+                      </a:extLst>
+                    </p:cNvPr>
+                    <p:cNvSpPr txBox="1">
+                      <a:spLocks noRot="1" noChangeAspect="1" noMove="1" noResize="1" noEditPoints="1" noAdjustHandles="1" noChangeArrowheads="1" noChangeShapeType="1" noTextEdit="1"/>
+                    </p:cNvSpPr>
+                    <p:nvPr/>
+                  </p:nvSpPr>
+                  <p:spPr>
+                    <a:xfrm>
+                      <a:off x="7299552" y="3952590"/>
+                      <a:ext cx="440249" cy="345159"/>
+                    </a:xfrm>
+                    <a:prstGeom prst="rect">
+                      <a:avLst/>
+                    </a:prstGeom>
+                    <a:blipFill>
+                      <a:blip r:embed="rId4"/>
+                      <a:stretch>
+                        <a:fillRect l="-2326" b="-7143"/>
+                      </a:stretch>
+                    </a:blipFill>
+                  </p:spPr>
+                  <p:txBody>
+                    <a:bodyPr/>
+                    <a:lstStyle/>
+                    <a:p>
+                      <a:r>
+                        <a:rPr lang="en-US">
+                          <a:noFill/>
+                        </a:rPr>
+                        <a:t> </a:t>
+                      </a:r>
+                    </a:p>
+                  </p:txBody>
+                </p:sp>
+              </mc:Fallback>
+            </mc:AlternateContent>
+            <mc:AlternateContent xmlns:mc="http://schemas.openxmlformats.org/markup-compatibility/2006">
+              <mc:Choice xmlns:a14="http://schemas.microsoft.com/office/drawing/2010/main" Requires="a14">
+                <p:sp>
+                  <p:nvSpPr>
+                    <p:cNvPr id="39" name="TextBox 38">
+                      <a:extLst>
+                        <a:ext uri="{FF2B5EF4-FFF2-40B4-BE49-F238E27FC236}">
+                          <a16:creationId xmlns:a16="http://schemas.microsoft.com/office/drawing/2014/main" id="{39C7D327-0ADF-C74B-B9B3-997E02673332}"/>
+                        </a:ext>
+                      </a:extLst>
+                    </p:cNvPr>
+                    <p:cNvSpPr txBox="1"/>
+                    <p:nvPr/>
+                  </p:nvSpPr>
+                  <p:spPr>
+                    <a:xfrm>
+                      <a:off x="6867450" y="5851862"/>
+                      <a:ext cx="167383" cy="377219"/>
+                    </a:xfrm>
+                    <a:prstGeom prst="rect">
+                      <a:avLst/>
+                    </a:prstGeom>
+                    <a:noFill/>
+                  </p:spPr>
+                  <p:txBody>
+                    <a:bodyPr wrap="square" lIns="0" tIns="0" rIns="0" bIns="0" rtlCol="0">
+                      <a:spAutoFit/>
+                    </a:bodyPr>
+                    <a:lstStyle/>
+                    <a:p>
+                      <a:pPr/>
+                      <a14:m>
+                        <m:oMathPara xmlns:m="http://schemas.openxmlformats.org/officeDocument/2006/math">
+                          <m:oMathParaPr>
+                            <m:jc m:val="centerGroup"/>
+                          </m:oMathParaPr>
+                          <m:oMath xmlns:m="http://schemas.openxmlformats.org/officeDocument/2006/math">
+                            <m:sSub>
+                              <m:sSubPr>
+                                <m:ctrlPr>
+                                  <a:rPr lang="en-US" sz="2000" b="0" i="1" smtClean="0">
+                                    <a:latin typeface="Cambria Math" panose="02040503050406030204" pitchFamily="18" charset="0"/>
+                                    <a:cs typeface="Arial" panose="020B0604020202020204" pitchFamily="34" charset="0"/>
+                                  </a:rPr>
+                                </m:ctrlPr>
+                              </m:sSubPr>
+                              <m:e>
+                                <m:acc>
+                                  <m:accPr>
+                                    <m:chr m:val="⃗"/>
+                                    <m:ctrlPr>
+                                      <a:rPr lang="en-US" sz="2000" b="0" i="1" smtClean="0">
+                                        <a:latin typeface="Cambria Math" panose="02040503050406030204" pitchFamily="18" charset="0"/>
+                                        <a:cs typeface="Arial" panose="020B0604020202020204" pitchFamily="34" charset="0"/>
+                                      </a:rPr>
+                                    </m:ctrlPr>
+                                  </m:accPr>
+                                  <m:e>
+                                    <m:r>
+                                      <a:rPr lang="en-US" sz="2000" b="0" i="1" smtClean="0">
+                                        <a:latin typeface="Cambria Math" panose="02040503050406030204" pitchFamily="18" charset="0"/>
+                                        <a:cs typeface="Arial" panose="020B0604020202020204" pitchFamily="34" charset="0"/>
+                                      </a:rPr>
+                                      <m:t>𝐹</m:t>
+                                    </m:r>
+                                  </m:e>
+                                </m:acc>
+                              </m:e>
+                              <m:sub>
+                                <m:r>
+                                  <a:rPr lang="en-US" sz="2000" b="0" i="1" smtClean="0">
+                                    <a:latin typeface="Cambria Math" panose="02040503050406030204" pitchFamily="18" charset="0"/>
+                                    <a:cs typeface="Arial" panose="020B0604020202020204" pitchFamily="34" charset="0"/>
+                                  </a:rPr>
+                                  <m:t>𝑔</m:t>
+                                </m:r>
+                              </m:sub>
+                            </m:sSub>
+                          </m:oMath>
+                        </m:oMathPara>
+                      </a14:m>
+                      <a:endParaRPr lang="en-US" sz="2000" dirty="0">
+                        <a:latin typeface="Arial" panose="020B0604020202020204" pitchFamily="34" charset="0"/>
+                        <a:cs typeface="Arial" panose="020B0604020202020204" pitchFamily="34" charset="0"/>
+                      </a:endParaRPr>
+                    </a:p>
+                  </p:txBody>
+                </p:sp>
+              </mc:Choice>
+              <mc:Fallback>
+                <p:sp>
+                  <p:nvSpPr>
+                    <p:cNvPr id="39" name="TextBox 38">
+                      <a:extLst>
+                        <a:ext uri="{FF2B5EF4-FFF2-40B4-BE49-F238E27FC236}">
+                          <a16:creationId xmlns:a16="http://schemas.microsoft.com/office/drawing/2014/main" id="{39C7D327-0ADF-C74B-B9B3-997E02673332}"/>
+                        </a:ext>
+                      </a:extLst>
+                    </p:cNvPr>
+                    <p:cNvSpPr txBox="1">
+                      <a:spLocks noRot="1" noChangeAspect="1" noMove="1" noResize="1" noEditPoints="1" noAdjustHandles="1" noChangeArrowheads="1" noChangeShapeType="1" noTextEdit="1"/>
+                    </p:cNvSpPr>
+                    <p:nvPr/>
+                  </p:nvSpPr>
+                  <p:spPr>
+                    <a:xfrm>
+                      <a:off x="6867450" y="5851862"/>
+                      <a:ext cx="167383" cy="377219"/>
+                    </a:xfrm>
+                    <a:prstGeom prst="rect">
+                      <a:avLst/>
+                    </a:prstGeom>
+                    <a:blipFill>
+                      <a:blip r:embed="rId5"/>
+                      <a:stretch>
+                        <a:fillRect l="-37037" t="-27273" r="-37037" b="-9091"/>
+                      </a:stretch>
+                    </a:blipFill>
+                  </p:spPr>
+                  <p:txBody>
+                    <a:bodyPr/>
+                    <a:lstStyle/>
+                    <a:p>
+                      <a:r>
+                        <a:rPr lang="en-US">
+                          <a:noFill/>
+                        </a:rPr>
+                        <a:t> </a:t>
+                      </a:r>
+                    </a:p>
+                  </p:txBody>
+                </p:sp>
+              </mc:Fallback>
+            </mc:AlternateContent>
+            <mc:AlternateContent xmlns:mc="http://schemas.openxmlformats.org/markup-compatibility/2006">
+              <mc:Choice xmlns:a14="http://schemas.microsoft.com/office/drawing/2010/main" Requires="a14">
+                <p:sp>
+                  <p:nvSpPr>
+                    <p:cNvPr id="40" name="TextBox 39">
+                      <a:extLst>
+                        <a:ext uri="{FF2B5EF4-FFF2-40B4-BE49-F238E27FC236}">
+                          <a16:creationId xmlns:a16="http://schemas.microsoft.com/office/drawing/2014/main" id="{225DAFEB-9AE1-614F-BF85-33F76B0A7D42}"/>
+                        </a:ext>
+                      </a:extLst>
+                    </p:cNvPr>
+                    <p:cNvSpPr txBox="1"/>
+                    <p:nvPr/>
+                  </p:nvSpPr>
+                  <p:spPr>
+                    <a:xfrm>
+                      <a:off x="7577317" y="4962203"/>
+                      <a:ext cx="301493" cy="354071"/>
+                    </a:xfrm>
+                    <a:prstGeom prst="rect">
+                      <a:avLst/>
+                    </a:prstGeom>
+                    <a:noFill/>
+                  </p:spPr>
+                  <p:txBody>
+                    <a:bodyPr wrap="none" lIns="0" tIns="0" rIns="0" bIns="0" rtlCol="0">
+                      <a:spAutoFit/>
+                    </a:bodyPr>
+                    <a:lstStyle/>
+                    <a:p>
+                      <a:pPr/>
+                      <a14:m>
+                        <m:oMathPara xmlns:m="http://schemas.openxmlformats.org/officeDocument/2006/math">
+                          <m:oMathParaPr>
+                            <m:jc m:val="centerGroup"/>
+                          </m:oMathParaPr>
+                          <m:oMath xmlns:m="http://schemas.openxmlformats.org/officeDocument/2006/math">
+                            <m:sSub>
+                              <m:sSubPr>
+                                <m:ctrlPr>
+                                  <a:rPr lang="en-US" sz="2000" b="0" i="1" smtClean="0">
+                                    <a:latin typeface="Cambria Math" panose="02040503050406030204" pitchFamily="18" charset="0"/>
+                                    <a:cs typeface="Arial" panose="020B0604020202020204" pitchFamily="34" charset="0"/>
+                                  </a:rPr>
+                                </m:ctrlPr>
+                              </m:sSubPr>
+                              <m:e>
+                                <m:acc>
+                                  <m:accPr>
+                                    <m:chr m:val="⃗"/>
+                                    <m:ctrlPr>
+                                      <a:rPr lang="en-US" sz="2000" b="0" i="1" smtClean="0">
+                                        <a:latin typeface="Cambria Math" panose="02040503050406030204" pitchFamily="18" charset="0"/>
+                                        <a:cs typeface="Arial" panose="020B0604020202020204" pitchFamily="34" charset="0"/>
+                                      </a:rPr>
+                                    </m:ctrlPr>
+                                  </m:accPr>
+                                  <m:e>
+                                    <m:r>
+                                      <a:rPr lang="en-US" sz="2000" b="0" i="1" smtClean="0">
+                                        <a:latin typeface="Cambria Math" panose="02040503050406030204" pitchFamily="18" charset="0"/>
+                                        <a:cs typeface="Arial" panose="020B0604020202020204" pitchFamily="34" charset="0"/>
+                                      </a:rPr>
+                                      <m:t>𝑓</m:t>
+                                    </m:r>
+                                  </m:e>
+                                </m:acc>
+                              </m:e>
+                              <m:sub>
+                                <m:r>
+                                  <a:rPr lang="en-US" sz="2000" b="0" i="1" smtClean="0">
+                                    <a:latin typeface="Cambria Math" panose="02040503050406030204" pitchFamily="18" charset="0"/>
+                                    <a:cs typeface="Arial" panose="020B0604020202020204" pitchFamily="34" charset="0"/>
+                                  </a:rPr>
+                                  <m:t>𝑘</m:t>
+                                </m:r>
+                              </m:sub>
+                            </m:sSub>
+                          </m:oMath>
+                        </m:oMathPara>
+                      </a14:m>
+                      <a:endParaRPr lang="en-US" sz="2000" dirty="0">
+                        <a:latin typeface="Arial" panose="020B0604020202020204" pitchFamily="34" charset="0"/>
+                        <a:cs typeface="Arial" panose="020B0604020202020204" pitchFamily="34" charset="0"/>
+                      </a:endParaRPr>
+                    </a:p>
+                  </p:txBody>
+                </p:sp>
+              </mc:Choice>
+              <mc:Fallback>
+                <p:sp>
+                  <p:nvSpPr>
+                    <p:cNvPr id="40" name="TextBox 39">
+                      <a:extLst>
+                        <a:ext uri="{FF2B5EF4-FFF2-40B4-BE49-F238E27FC236}">
+                          <a16:creationId xmlns:a16="http://schemas.microsoft.com/office/drawing/2014/main" id="{225DAFEB-9AE1-614F-BF85-33F76B0A7D42}"/>
+                        </a:ext>
+                      </a:extLst>
+                    </p:cNvPr>
+                    <p:cNvSpPr txBox="1">
+                      <a:spLocks noRot="1" noChangeAspect="1" noMove="1" noResize="1" noEditPoints="1" noAdjustHandles="1" noChangeArrowheads="1" noChangeShapeType="1" noTextEdit="1"/>
+                    </p:cNvSpPr>
+                    <p:nvPr/>
+                  </p:nvSpPr>
+                  <p:spPr>
+                    <a:xfrm>
+                      <a:off x="7577317" y="4962203"/>
+                      <a:ext cx="301493" cy="354071"/>
+                    </a:xfrm>
+                    <a:prstGeom prst="rect">
+                      <a:avLst/>
+                    </a:prstGeom>
+                    <a:blipFill>
+                      <a:blip r:embed="rId6"/>
+                      <a:stretch>
+                        <a:fillRect l="-20000" t="-13514" r="-11429" b="-27027"/>
+                      </a:stretch>
+                    </a:blipFill>
+                  </p:spPr>
+                  <p:txBody>
+                    <a:bodyPr/>
+                    <a:lstStyle/>
+                    <a:p>
+                      <a:r>
+                        <a:rPr lang="en-US">
+                          <a:noFill/>
+                        </a:rPr>
+                        <a:t> </a:t>
+                      </a:r>
+                    </a:p>
+                  </p:txBody>
+                </p:sp>
+              </mc:Fallback>
+            </mc:AlternateContent>
+          </p:grpSp>
+          <p:sp>
+            <p:nvSpPr>
+              <p:cNvPr id="24" name="Right Arrow 23">
+                <a:extLst>
+                  <a:ext uri="{FF2B5EF4-FFF2-40B4-BE49-F238E27FC236}">
+                    <a16:creationId xmlns:a16="http://schemas.microsoft.com/office/drawing/2014/main" id="{CB81FF16-BB43-2447-8D02-82EE1033B8B1}"/>
+                  </a:ext>
+                </a:extLst>
+              </p:cNvPr>
+              <p:cNvSpPr/>
+              <p:nvPr/>
+            </p:nvSpPr>
+            <p:spPr>
+              <a:xfrm rot="10800000">
+                <a:off x="6360937" y="3895935"/>
+                <a:ext cx="700928" cy="118979"/>
+              </a:xfrm>
+              <a:prstGeom prst="rightArrow">
+                <a:avLst/>
+              </a:prstGeom>
+              <a:solidFill>
+                <a:schemeClr val="tx1"/>
+              </a:solidFill>
+              <a:ln w="38100">
+                <a:solidFill>
+                  <a:schemeClr val="tx1"/>
+                </a:solidFill>
+              </a:ln>
+            </p:spPr>
+            <p:style>
+              <a:lnRef idx="2">
+                <a:schemeClr val="accent1">
+                  <a:shade val="50000"/>
+                </a:schemeClr>
+              </a:lnRef>
+              <a:fillRef idx="1">
+                <a:schemeClr val="accent1"/>
+              </a:fillRef>
+              <a:effectRef idx="0">
+                <a:schemeClr val="accent1"/>
+              </a:effectRef>
+              <a:fontRef idx="minor">
+                <a:schemeClr val="lt1"/>
+              </a:fontRef>
+            </p:style>
+            <p:txBody>
+              <a:bodyPr rtlCol="0" anchor="ctr"/>
+              <a:lstStyle/>
+              <a:p>
+                <a:pPr algn="ctr"/>
+                <a:endParaRPr lang="en-US"/>
+              </a:p>
+            </p:txBody>
+          </p:sp>
+          <p:grpSp>
+            <p:nvGrpSpPr>
+              <p:cNvPr id="25" name="Group 24">
+                <a:extLst>
+                  <a:ext uri="{FF2B5EF4-FFF2-40B4-BE49-F238E27FC236}">
+                    <a16:creationId xmlns:a16="http://schemas.microsoft.com/office/drawing/2014/main" id="{C6DAD89D-1791-E24B-B727-FFFDD5C50887}"/>
+                  </a:ext>
+                </a:extLst>
+              </p:cNvPr>
+              <p:cNvGrpSpPr/>
+              <p:nvPr/>
+            </p:nvGrpSpPr>
+            <p:grpSpPr>
+              <a:xfrm>
+                <a:off x="4634760" y="5114594"/>
+                <a:ext cx="1277214" cy="989145"/>
+                <a:chOff x="-1894806" y="446068"/>
+                <a:chExt cx="3689164" cy="2975266"/>
+              </a:xfrm>
+            </p:grpSpPr>
+            <p:grpSp>
+              <p:nvGrpSpPr>
+                <p:cNvPr id="26" name="Group 25">
+                  <a:extLst>
+                    <a:ext uri="{FF2B5EF4-FFF2-40B4-BE49-F238E27FC236}">
+                      <a16:creationId xmlns:a16="http://schemas.microsoft.com/office/drawing/2014/main" id="{DCA0813E-7ADF-4945-ADCB-FE804BF47A9A}"/>
+                    </a:ext>
+                  </a:extLst>
+                </p:cNvPr>
+                <p:cNvGrpSpPr/>
+                <p:nvPr/>
+              </p:nvGrpSpPr>
+              <p:grpSpPr>
+                <a:xfrm>
+                  <a:off x="-1894806" y="446068"/>
+                  <a:ext cx="3689164" cy="2975266"/>
+                  <a:chOff x="-1867511" y="418772"/>
+                  <a:chExt cx="3689164" cy="2975266"/>
+                </a:xfrm>
+              </p:grpSpPr>
+              <p:cxnSp>
+                <p:nvCxnSpPr>
+                  <p:cNvPr id="28" name="Straight Arrow Connector 27">
+                    <a:extLst>
+                      <a:ext uri="{FF2B5EF4-FFF2-40B4-BE49-F238E27FC236}">
+                        <a16:creationId xmlns:a16="http://schemas.microsoft.com/office/drawing/2014/main" id="{876336EC-4079-9843-A820-6B428174B18E}"/>
+                      </a:ext>
+                    </a:extLst>
+                  </p:cNvPr>
+                  <p:cNvCxnSpPr/>
+                  <p:nvPr/>
+                </p:nvCxnSpPr>
+                <p:spPr>
+                  <a:xfrm flipV="1">
+                    <a:off x="20569" y="566672"/>
+                    <a:ext cx="7683" cy="1859536"/>
+                  </a:xfrm>
+                  <a:prstGeom prst="straightConnector1">
+                    <a:avLst/>
+                  </a:prstGeom>
+                  <a:ln w="38100">
+                    <a:solidFill>
+                      <a:schemeClr val="tx1"/>
+                    </a:solidFill>
+                    <a:tailEnd type="triangle"/>
+                  </a:ln>
+                </p:spPr>
+                <p:style>
+                  <a:lnRef idx="1">
+                    <a:schemeClr val="accent1"/>
+                  </a:lnRef>
+                  <a:fillRef idx="0">
+                    <a:schemeClr val="accent1"/>
+                  </a:fillRef>
+                  <a:effectRef idx="0">
+                    <a:schemeClr val="accent1"/>
+                  </a:effectRef>
+                  <a:fontRef idx="minor">
+                    <a:schemeClr val="tx1"/>
+                  </a:fontRef>
+                </p:style>
+              </p:cxnSp>
+              <p:cxnSp>
+                <p:nvCxnSpPr>
+                  <p:cNvPr id="29" name="Straight Arrow Connector 28">
+                    <a:extLst>
+                      <a:ext uri="{FF2B5EF4-FFF2-40B4-BE49-F238E27FC236}">
+                        <a16:creationId xmlns:a16="http://schemas.microsoft.com/office/drawing/2014/main" id="{5F38E39A-9097-AE46-9FC5-63EBD27A6464}"/>
+                      </a:ext>
+                    </a:extLst>
+                  </p:cNvPr>
+                  <p:cNvCxnSpPr/>
+                  <p:nvPr/>
+                </p:nvCxnSpPr>
+                <p:spPr>
+                  <a:xfrm rot="2125221" flipH="1">
+                    <a:off x="-1457439" y="1901770"/>
+                    <a:ext cx="1369175" cy="1008046"/>
+                  </a:xfrm>
+                  <a:prstGeom prst="straightConnector1">
+                    <a:avLst/>
+                  </a:prstGeom>
+                  <a:ln w="38100">
+                    <a:solidFill>
+                      <a:schemeClr val="tx1"/>
+                    </a:solidFill>
+                    <a:tailEnd type="triangle"/>
+                  </a:ln>
+                </p:spPr>
+                <p:style>
+                  <a:lnRef idx="1">
+                    <a:schemeClr val="accent1"/>
+                  </a:lnRef>
+                  <a:fillRef idx="0">
+                    <a:schemeClr val="accent1"/>
+                  </a:fillRef>
+                  <a:effectRef idx="0">
+                    <a:schemeClr val="accent1"/>
+                  </a:effectRef>
+                  <a:fontRef idx="minor">
+                    <a:schemeClr val="tx1"/>
+                  </a:fontRef>
+                </p:style>
+              </p:cxnSp>
+              <mc:AlternateContent xmlns:mc="http://schemas.openxmlformats.org/markup-compatibility/2006">
+                <mc:Choice xmlns:a14="http://schemas.microsoft.com/office/drawing/2010/main" Requires="a14">
+                  <p:sp>
+                    <p:nvSpPr>
+                      <p:cNvPr id="30" name="Rectangle 29">
+                        <a:extLst>
+                          <a:ext uri="{FF2B5EF4-FFF2-40B4-BE49-F238E27FC236}">
+                            <a16:creationId xmlns:a16="http://schemas.microsoft.com/office/drawing/2014/main" id="{630EC946-B333-9A4F-AC44-298CF0F7D91B}"/>
+                          </a:ext>
+                        </a:extLst>
+                      </p:cNvPr>
+                      <p:cNvSpPr/>
+                      <p:nvPr/>
+                    </p:nvSpPr>
+                    <p:spPr>
+                      <a:xfrm>
+                        <a:off x="-1867511" y="2283118"/>
+                        <a:ext cx="838654" cy="1110920"/>
+                      </a:xfrm>
+                      <a:prstGeom prst="rect">
+                        <a:avLst/>
+                      </a:prstGeom>
+                    </p:spPr>
+                    <p:txBody>
+                      <a:bodyPr wrap="square">
+                        <a:spAutoFit/>
+                      </a:bodyPr>
+                      <a:lstStyle/>
+                      <a:p>
+                        <a:pPr/>
+                        <a14:m>
+                          <m:oMathPara xmlns:m="http://schemas.openxmlformats.org/officeDocument/2006/math">
+                            <m:oMathParaPr>
+                              <m:jc m:val="centerGroup"/>
+                            </m:oMathParaPr>
+                            <m:oMath xmlns:m="http://schemas.openxmlformats.org/officeDocument/2006/math">
+                              <m:r>
+                                <a:rPr lang="en-US" i="1">
+                                  <a:latin typeface="Cambria Math" panose="02040503050406030204" pitchFamily="18" charset="0"/>
+                                  <a:cs typeface="Arial" panose="020B0604020202020204" pitchFamily="34" charset="0"/>
+                                </a:rPr>
+                                <m:t>𝑥</m:t>
+                              </m:r>
+                            </m:oMath>
+                          </m:oMathPara>
+                        </a14:m>
+                        <a:endParaRPr lang="en-CA" dirty="0"/>
+                      </a:p>
+                    </p:txBody>
+                  </p:sp>
+                </mc:Choice>
+                <mc:Fallback>
+                  <p:sp>
+                    <p:nvSpPr>
+                      <p:cNvPr id="30" name="Rectangle 29">
+                        <a:extLst>
+                          <a:ext uri="{FF2B5EF4-FFF2-40B4-BE49-F238E27FC236}">
+                            <a16:creationId xmlns:a16="http://schemas.microsoft.com/office/drawing/2014/main" id="{630EC946-B333-9A4F-AC44-298CF0F7D91B}"/>
+                          </a:ext>
+                        </a:extLst>
+                      </p:cNvPr>
+                      <p:cNvSpPr>
+                        <a:spLocks noRot="1" noChangeAspect="1" noMove="1" noResize="1" noEditPoints="1" noAdjustHandles="1" noChangeArrowheads="1" noChangeShapeType="1" noTextEdit="1"/>
+                      </p:cNvSpPr>
+                      <p:nvPr/>
+                    </p:nvSpPr>
+                    <p:spPr>
+                      <a:xfrm>
+                        <a:off x="-1867511" y="2283118"/>
+                        <a:ext cx="838654" cy="1110920"/>
+                      </a:xfrm>
+                      <a:prstGeom prst="rect">
+                        <a:avLst/>
+                      </a:prstGeom>
+                      <a:blipFill>
+                        <a:blip r:embed="rId7"/>
+                        <a:stretch>
+                          <a:fillRect/>
+                        </a:stretch>
+                      </a:blipFill>
+                    </p:spPr>
+                    <p:txBody>
+                      <a:bodyPr/>
+                      <a:lstStyle/>
+                      <a:p>
+                        <a:r>
+                          <a:rPr lang="en-US">
+                            <a:noFill/>
+                          </a:rPr>
+                          <a:t> </a:t>
+                        </a:r>
+                      </a:p>
+                    </p:txBody>
+                  </p:sp>
+                </mc:Fallback>
+              </mc:AlternateContent>
+              <mc:AlternateContent xmlns:mc="http://schemas.openxmlformats.org/markup-compatibility/2006">
+                <mc:Choice xmlns:a14="http://schemas.microsoft.com/office/drawing/2010/main" Requires="a14">
+                  <p:sp>
+                    <p:nvSpPr>
+                      <p:cNvPr id="31" name="Rectangle 30">
+                        <a:extLst>
+                          <a:ext uri="{FF2B5EF4-FFF2-40B4-BE49-F238E27FC236}">
+                            <a16:creationId xmlns:a16="http://schemas.microsoft.com/office/drawing/2014/main" id="{E8CDAE90-9434-104D-948E-4A69E3F1300E}"/>
+                          </a:ext>
+                        </a:extLst>
+                      </p:cNvPr>
+                      <p:cNvSpPr/>
+                      <p:nvPr/>
+                    </p:nvSpPr>
+                    <p:spPr>
+                      <a:xfrm>
+                        <a:off x="-731063" y="418772"/>
+                        <a:ext cx="2552716" cy="1110920"/>
+                      </a:xfrm>
+                      <a:prstGeom prst="rect">
+                        <a:avLst/>
+                      </a:prstGeom>
+                    </p:spPr>
+                    <p:txBody>
+                      <a:bodyPr wrap="square">
+                        <a:spAutoFit/>
+                      </a:bodyPr>
+                      <a:lstStyle/>
+                      <a:p>
+                        <a:pPr/>
+                        <a14:m>
+                          <m:oMathPara xmlns:m="http://schemas.openxmlformats.org/officeDocument/2006/math">
+                            <m:oMathParaPr>
+                              <m:jc m:val="centerGroup"/>
+                            </m:oMathParaPr>
+                            <m:oMath xmlns:m="http://schemas.openxmlformats.org/officeDocument/2006/math">
+                              <m:r>
+                                <a:rPr lang="en-US" b="0" i="1" smtClean="0">
+                                  <a:latin typeface="Cambria Math" panose="02040503050406030204" pitchFamily="18" charset="0"/>
+                                </a:rPr>
+                                <m:t>𝑦</m:t>
+                              </m:r>
+                            </m:oMath>
+                          </m:oMathPara>
+                        </a14:m>
+                        <a:endParaRPr lang="en-CA" dirty="0"/>
+                      </a:p>
+                    </p:txBody>
+                  </p:sp>
+                </mc:Choice>
+                <mc:Fallback>
+                  <p:sp>
+                    <p:nvSpPr>
+                      <p:cNvPr id="31" name="Rectangle 30">
+                        <a:extLst>
+                          <a:ext uri="{FF2B5EF4-FFF2-40B4-BE49-F238E27FC236}">
+                            <a16:creationId xmlns:a16="http://schemas.microsoft.com/office/drawing/2014/main" id="{E8CDAE90-9434-104D-948E-4A69E3F1300E}"/>
+                          </a:ext>
+                        </a:extLst>
+                      </p:cNvPr>
+                      <p:cNvSpPr>
+                        <a:spLocks noRot="1" noChangeAspect="1" noMove="1" noResize="1" noEditPoints="1" noAdjustHandles="1" noChangeArrowheads="1" noChangeShapeType="1" noTextEdit="1"/>
+                      </p:cNvSpPr>
+                      <p:nvPr/>
+                    </p:nvSpPr>
+                    <p:spPr>
+                      <a:xfrm>
+                        <a:off x="-731063" y="418772"/>
+                        <a:ext cx="2552716" cy="1110920"/>
+                      </a:xfrm>
+                      <a:prstGeom prst="rect">
+                        <a:avLst/>
+                      </a:prstGeom>
+                      <a:blipFill>
+                        <a:blip r:embed="rId8"/>
+                        <a:stretch>
+                          <a:fillRect/>
+                        </a:stretch>
+                      </a:blipFill>
+                    </p:spPr>
+                    <p:txBody>
+                      <a:bodyPr/>
+                      <a:lstStyle/>
+                      <a:p>
+                        <a:r>
+                          <a:rPr lang="en-US">
+                            <a:noFill/>
+                          </a:rPr>
+                          <a:t> </a:t>
+                        </a:r>
+                      </a:p>
+                    </p:txBody>
+                  </p:sp>
+                </mc:Fallback>
+              </mc:AlternateContent>
+              <mc:AlternateContent xmlns:mc="http://schemas.openxmlformats.org/markup-compatibility/2006">
+                <mc:Choice xmlns:a14="http://schemas.microsoft.com/office/drawing/2010/main" Requires="a14">
+                  <p:sp>
+                    <p:nvSpPr>
+                      <p:cNvPr id="32" name="Rectangle 31">
+                        <a:extLst>
+                          <a:ext uri="{FF2B5EF4-FFF2-40B4-BE49-F238E27FC236}">
+                            <a16:creationId xmlns:a16="http://schemas.microsoft.com/office/drawing/2014/main" id="{DA144D58-2321-4F41-B9A4-977538748BB0}"/>
+                          </a:ext>
+                        </a:extLst>
+                      </p:cNvPr>
+                      <p:cNvSpPr/>
+                      <p:nvPr/>
+                    </p:nvSpPr>
+                    <p:spPr>
+                      <a:xfrm>
+                        <a:off x="-865278" y="1896207"/>
+                        <a:ext cx="2341937" cy="1110920"/>
+                      </a:xfrm>
+                      <a:prstGeom prst="rect">
+                        <a:avLst/>
+                      </a:prstGeom>
+                    </p:spPr>
+                    <p:txBody>
+                      <a:bodyPr wrap="square">
+                        <a:spAutoFit/>
+                      </a:bodyPr>
+                      <a:lstStyle/>
+                      <a:p>
+                        <a:pPr/>
+                        <a14:m>
+                          <m:oMathPara xmlns:m="http://schemas.openxmlformats.org/officeDocument/2006/math">
+                            <m:oMathParaPr>
+                              <m:jc m:val="centerGroup"/>
+                            </m:oMathParaPr>
+                            <m:oMath xmlns:m="http://schemas.openxmlformats.org/officeDocument/2006/math">
+                              <m:r>
+                                <a:rPr lang="en-US" b="0" i="1" smtClean="0">
+                                  <a:latin typeface="Cambria Math" panose="02040503050406030204" pitchFamily="18" charset="0"/>
+                                  <a:cs typeface="Arial" panose="020B0604020202020204" pitchFamily="34" charset="0"/>
+                                </a:rPr>
+                                <m:t>0</m:t>
+                              </m:r>
+                            </m:oMath>
+                          </m:oMathPara>
+                        </a14:m>
+                        <a:endParaRPr lang="en-CA" dirty="0"/>
+                      </a:p>
+                    </p:txBody>
+                  </p:sp>
+                </mc:Choice>
+                <mc:Fallback>
+                  <p:sp>
+                    <p:nvSpPr>
+                      <p:cNvPr id="32" name="Rectangle 31">
+                        <a:extLst>
+                          <a:ext uri="{FF2B5EF4-FFF2-40B4-BE49-F238E27FC236}">
+                            <a16:creationId xmlns:a16="http://schemas.microsoft.com/office/drawing/2014/main" id="{DA144D58-2321-4F41-B9A4-977538748BB0}"/>
+                          </a:ext>
+                        </a:extLst>
+                      </p:cNvPr>
+                      <p:cNvSpPr>
+                        <a:spLocks noRot="1" noChangeAspect="1" noMove="1" noResize="1" noEditPoints="1" noAdjustHandles="1" noChangeArrowheads="1" noChangeShapeType="1" noTextEdit="1"/>
+                      </p:cNvSpPr>
+                      <p:nvPr/>
+                    </p:nvSpPr>
+                    <p:spPr>
+                      <a:xfrm>
+                        <a:off x="-865278" y="1896207"/>
+                        <a:ext cx="2341937" cy="1110920"/>
+                      </a:xfrm>
+                      <a:prstGeom prst="rect">
+                        <a:avLst/>
+                      </a:prstGeom>
+                      <a:blipFill>
+                        <a:blip r:embed="rId9"/>
+                        <a:stretch>
+                          <a:fillRect/>
+                        </a:stretch>
+                      </a:blipFill>
+                    </p:spPr>
+                    <p:txBody>
+                      <a:bodyPr/>
+                      <a:lstStyle/>
+                      <a:p>
+                        <a:r>
+                          <a:rPr lang="en-US">
+                            <a:noFill/>
+                          </a:rPr>
+                          <a:t> </a:t>
+                        </a:r>
+                      </a:p>
+                    </p:txBody>
+                  </p:sp>
+                </mc:Fallback>
+              </mc:AlternateContent>
+            </p:grpSp>
+            <p:sp>
+              <p:nvSpPr>
+                <p:cNvPr id="27" name="Rectangle 26">
+                  <a:extLst>
+                    <a:ext uri="{FF2B5EF4-FFF2-40B4-BE49-F238E27FC236}">
+                      <a16:creationId xmlns:a16="http://schemas.microsoft.com/office/drawing/2014/main" id="{0ECEF687-1215-6C46-BE49-A29144639DD6}"/>
+                    </a:ext>
+                  </a:extLst>
+                </p:cNvPr>
+                <p:cNvSpPr/>
+                <p:nvPr/>
+              </p:nvSpPr>
+              <p:spPr>
+                <a:xfrm>
+                  <a:off x="1129904" y="1614682"/>
+                  <a:ext cx="184731" cy="369332"/>
+                </a:xfrm>
+                <a:prstGeom prst="rect">
+                  <a:avLst/>
+                </a:prstGeom>
+              </p:spPr>
+              <p:txBody>
+                <a:bodyPr wrap="none">
+                  <a:spAutoFit/>
+                </a:bodyPr>
+                <a:lstStyle/>
+                <a:p>
+                  <a:endParaRPr lang="en-CA" dirty="0"/>
+                </a:p>
+              </p:txBody>
+            </p:sp>
+          </p:grpSp>
+        </p:grpSp>
+      </p:grpSp>
+    </p:spTree>
+    <p:extLst>
+      <p:ext uri="{BB962C8B-B14F-4D97-AF65-F5344CB8AC3E}">
+        <p14:creationId xmlns:p14="http://schemas.microsoft.com/office/powerpoint/2010/main" val="84189185"/>
+      </p:ext>
+    </p:extLst>
+  </p:cSld>
+  <p:clrMapOvr>
+    <a:masterClrMapping/>
+  </p:clrMapOvr>
+</p:sld>
+</file>
+
+<file path=ppt/slides/slide8.xml><?xml version="1.0" encoding="utf-8"?>
+<p:sld xmlns:a="http://schemas.openxmlformats.org/drawingml/2006/main" xmlns:r="http://schemas.openxmlformats.org/officeDocument/2006/relationships" xmlns:p="http://schemas.openxmlformats.org/presentationml/2006/main">
+  <p:cSld>
+    <p:spTree>
+      <p:nvGrpSpPr>
+        <p:cNvPr id="1" name=""/>
+        <p:cNvGrpSpPr/>
+        <p:nvPr/>
+      </p:nvGrpSpPr>
+      <p:grpSpPr>
+        <a:xfrm>
+          <a:off x="0" y="0"/>
+          <a:ext cx="0" cy="0"/>
+          <a:chOff x="0" y="0"/>
+          <a:chExt cx="0" cy="0"/>
+        </a:xfrm>
+      </p:grpSpPr>
+    </p:spTree>
+    <p:extLst>
+      <p:ext uri="{BB962C8B-B14F-4D97-AF65-F5344CB8AC3E}">
+        <p14:creationId xmlns:p14="http://schemas.microsoft.com/office/powerpoint/2010/main" val="158896140"/>
       </p:ext>
     </p:extLst>
   </p:cSld>

--- a/tex/figures/NewtonsLaws/Figures.pptx
+++ b/tex/figures/NewtonsLaws/Figures.pptx
@@ -10,9 +10,9 @@
     <p:sldId id="265" r:id="rId4"/>
     <p:sldId id="266" r:id="rId5"/>
     <p:sldId id="267" r:id="rId6"/>
-    <p:sldId id="268" r:id="rId7"/>
-    <p:sldId id="269" r:id="rId8"/>
-    <p:sldId id="270" r:id="rId9"/>
+    <p:sldId id="270" r:id="rId7"/>
+    <p:sldId id="268" r:id="rId8"/>
+    <p:sldId id="269" r:id="rId9"/>
   </p:sldIdLst>
   <p:sldSz cx="12192000" cy="6858000"/>
   <p:notesSz cx="6858000" cy="9144000"/>
@@ -250,7 +250,7 @@
           <a:p>
             <a:fld id="{F7249F8D-641B-4CAF-BAE5-10524742F6F1}" type="datetimeFigureOut">
               <a:rPr lang="en-CA" smtClean="0"/>
-              <a:t>2018-05-24</a:t>
+              <a:t>2018-05-28</a:t>
             </a:fld>
             <a:endParaRPr lang="en-CA"/>
           </a:p>
@@ -420,7 +420,7 @@
           <a:p>
             <a:fld id="{F7249F8D-641B-4CAF-BAE5-10524742F6F1}" type="datetimeFigureOut">
               <a:rPr lang="en-CA" smtClean="0"/>
-              <a:t>2018-05-24</a:t>
+              <a:t>2018-05-28</a:t>
             </a:fld>
             <a:endParaRPr lang="en-CA"/>
           </a:p>
@@ -600,7 +600,7 @@
           <a:p>
             <a:fld id="{F7249F8D-641B-4CAF-BAE5-10524742F6F1}" type="datetimeFigureOut">
               <a:rPr lang="en-CA" smtClean="0"/>
-              <a:t>2018-05-24</a:t>
+              <a:t>2018-05-28</a:t>
             </a:fld>
             <a:endParaRPr lang="en-CA"/>
           </a:p>
@@ -770,7 +770,7 @@
           <a:p>
             <a:fld id="{F7249F8D-641B-4CAF-BAE5-10524742F6F1}" type="datetimeFigureOut">
               <a:rPr lang="en-CA" smtClean="0"/>
-              <a:t>2018-05-24</a:t>
+              <a:t>2018-05-28</a:t>
             </a:fld>
             <a:endParaRPr lang="en-CA"/>
           </a:p>
@@ -1016,7 +1016,7 @@
           <a:p>
             <a:fld id="{F7249F8D-641B-4CAF-BAE5-10524742F6F1}" type="datetimeFigureOut">
               <a:rPr lang="en-CA" smtClean="0"/>
-              <a:t>2018-05-24</a:t>
+              <a:t>2018-05-28</a:t>
             </a:fld>
             <a:endParaRPr lang="en-CA"/>
           </a:p>
@@ -1248,7 +1248,7 @@
           <a:p>
             <a:fld id="{F7249F8D-641B-4CAF-BAE5-10524742F6F1}" type="datetimeFigureOut">
               <a:rPr lang="en-CA" smtClean="0"/>
-              <a:t>2018-05-24</a:t>
+              <a:t>2018-05-28</a:t>
             </a:fld>
             <a:endParaRPr lang="en-CA"/>
           </a:p>
@@ -1615,7 +1615,7 @@
           <a:p>
             <a:fld id="{F7249F8D-641B-4CAF-BAE5-10524742F6F1}" type="datetimeFigureOut">
               <a:rPr lang="en-CA" smtClean="0"/>
-              <a:t>2018-05-24</a:t>
+              <a:t>2018-05-28</a:t>
             </a:fld>
             <a:endParaRPr lang="en-CA"/>
           </a:p>
@@ -1733,7 +1733,7 @@
           <a:p>
             <a:fld id="{F7249F8D-641B-4CAF-BAE5-10524742F6F1}" type="datetimeFigureOut">
               <a:rPr lang="en-CA" smtClean="0"/>
-              <a:t>2018-05-24</a:t>
+              <a:t>2018-05-28</a:t>
             </a:fld>
             <a:endParaRPr lang="en-CA"/>
           </a:p>
@@ -1828,7 +1828,7 @@
           <a:p>
             <a:fld id="{F7249F8D-641B-4CAF-BAE5-10524742F6F1}" type="datetimeFigureOut">
               <a:rPr lang="en-CA" smtClean="0"/>
-              <a:t>2018-05-24</a:t>
+              <a:t>2018-05-28</a:t>
             </a:fld>
             <a:endParaRPr lang="en-CA"/>
           </a:p>
@@ -2105,7 +2105,7 @@
           <a:p>
             <a:fld id="{F7249F8D-641B-4CAF-BAE5-10524742F6F1}" type="datetimeFigureOut">
               <a:rPr lang="en-CA" smtClean="0"/>
-              <a:t>2018-05-24</a:t>
+              <a:t>2018-05-28</a:t>
             </a:fld>
             <a:endParaRPr lang="en-CA"/>
           </a:p>
@@ -2358,7 +2358,7 @@
           <a:p>
             <a:fld id="{F7249F8D-641B-4CAF-BAE5-10524742F6F1}" type="datetimeFigureOut">
               <a:rPr lang="en-CA" smtClean="0"/>
-              <a:t>2018-05-24</a:t>
+              <a:t>2018-05-28</a:t>
             </a:fld>
             <a:endParaRPr lang="en-CA"/>
           </a:p>
@@ -2571,7 +2571,7 @@
           <a:p>
             <a:fld id="{F7249F8D-641B-4CAF-BAE5-10524742F6F1}" type="datetimeFigureOut">
               <a:rPr lang="en-CA" smtClean="0"/>
-              <a:t>2018-05-24</a:t>
+              <a:t>2018-05-28</a:t>
             </a:fld>
             <a:endParaRPr lang="en-CA"/>
           </a:p>
@@ -22219,6 +22219,3727 @@
       </p:grpSpPr>
       <p:grpSp>
         <p:nvGrpSpPr>
+          <p:cNvPr id="22" name="Group 21"/>
+          <p:cNvGrpSpPr/>
+          <p:nvPr/>
+        </p:nvGrpSpPr>
+        <p:grpSpPr>
+          <a:xfrm>
+            <a:off x="821802" y="802789"/>
+            <a:ext cx="2384385" cy="2241353"/>
+            <a:chOff x="1493134" y="930111"/>
+            <a:chExt cx="2384385" cy="2241353"/>
+          </a:xfrm>
+        </p:grpSpPr>
+        <p:sp>
+          <p:nvSpPr>
+            <p:cNvPr id="2" name="Rectangle 1"/>
+            <p:cNvSpPr/>
+            <p:nvPr/>
+          </p:nvSpPr>
+          <p:spPr>
+            <a:xfrm>
+              <a:off x="1493134" y="1608882"/>
+              <a:ext cx="2384385" cy="1562582"/>
+            </a:xfrm>
+            <a:prstGeom prst="rect">
+              <a:avLst/>
+            </a:prstGeom>
+            <a:noFill/>
+            <a:ln w="38100">
+              <a:solidFill>
+                <a:schemeClr val="tx1"/>
+              </a:solidFill>
+            </a:ln>
+          </p:spPr>
+          <p:style>
+            <a:lnRef idx="2">
+              <a:schemeClr val="accent1">
+                <a:shade val="50000"/>
+              </a:schemeClr>
+            </a:lnRef>
+            <a:fillRef idx="1">
+              <a:schemeClr val="accent1"/>
+            </a:fillRef>
+            <a:effectRef idx="0">
+              <a:schemeClr val="accent1"/>
+            </a:effectRef>
+            <a:fontRef idx="minor">
+              <a:schemeClr val="lt1"/>
+            </a:fontRef>
+          </p:style>
+          <p:txBody>
+            <a:bodyPr rtlCol="0" anchor="ctr"/>
+            <a:lstStyle/>
+            <a:p>
+              <a:pPr algn="ctr"/>
+              <a:endParaRPr lang="en-US"/>
+            </a:p>
+          </p:txBody>
+        </p:sp>
+        <p:sp>
+          <p:nvSpPr>
+            <p:cNvPr id="3" name="Oval 2"/>
+            <p:cNvSpPr/>
+            <p:nvPr/>
+          </p:nvSpPr>
+          <p:spPr>
+            <a:xfrm>
+              <a:off x="1991434" y="2534854"/>
+              <a:ext cx="120943" cy="119766"/>
+            </a:xfrm>
+            <a:prstGeom prst="ellipse">
+              <a:avLst/>
+            </a:prstGeom>
+            <a:solidFill>
+              <a:schemeClr val="tx1"/>
+            </a:solidFill>
+            <a:ln w="38100">
+              <a:solidFill>
+                <a:schemeClr val="tx1"/>
+              </a:solidFill>
+            </a:ln>
+          </p:spPr>
+          <p:style>
+            <a:lnRef idx="2">
+              <a:schemeClr val="accent1">
+                <a:shade val="50000"/>
+              </a:schemeClr>
+            </a:lnRef>
+            <a:fillRef idx="1">
+              <a:schemeClr val="accent1"/>
+            </a:fillRef>
+            <a:effectRef idx="0">
+              <a:schemeClr val="accent1"/>
+            </a:effectRef>
+            <a:fontRef idx="minor">
+              <a:schemeClr val="lt1"/>
+            </a:fontRef>
+          </p:style>
+          <p:txBody>
+            <a:bodyPr rtlCol="0" anchor="ctr"/>
+            <a:lstStyle/>
+            <a:p>
+              <a:pPr algn="ctr"/>
+              <a:endParaRPr lang="en-US"/>
+            </a:p>
+          </p:txBody>
+        </p:sp>
+        <p:cxnSp>
+          <p:nvCxnSpPr>
+            <p:cNvPr id="5" name="Straight Connector 4"/>
+            <p:cNvCxnSpPr>
+              <a:stCxn id="2" idx="0"/>
+            </p:cNvCxnSpPr>
+            <p:nvPr/>
+          </p:nvCxnSpPr>
+          <p:spPr>
+            <a:xfrm flipH="1">
+              <a:off x="2080844" y="1608882"/>
+              <a:ext cx="604483" cy="925972"/>
+            </a:xfrm>
+            <a:prstGeom prst="line">
+              <a:avLst/>
+            </a:prstGeom>
+            <a:ln w="38100">
+              <a:solidFill>
+                <a:schemeClr val="tx1"/>
+              </a:solidFill>
+            </a:ln>
+          </p:spPr>
+          <p:style>
+            <a:lnRef idx="1">
+              <a:schemeClr val="accent1"/>
+            </a:lnRef>
+            <a:fillRef idx="0">
+              <a:schemeClr val="accent1"/>
+            </a:fillRef>
+            <a:effectRef idx="0">
+              <a:schemeClr val="accent1"/>
+            </a:effectRef>
+            <a:fontRef idx="minor">
+              <a:schemeClr val="tx1"/>
+            </a:fontRef>
+          </p:style>
+        </p:cxnSp>
+        <p:cxnSp>
+          <p:nvCxnSpPr>
+            <p:cNvPr id="6" name="Straight Connector 5"/>
+            <p:cNvCxnSpPr/>
+            <p:nvPr/>
+          </p:nvCxnSpPr>
+          <p:spPr>
+            <a:xfrm flipH="1">
+              <a:off x="2679538" y="1608882"/>
+              <a:ext cx="8976" cy="1331088"/>
+            </a:xfrm>
+            <a:prstGeom prst="line">
+              <a:avLst/>
+            </a:prstGeom>
+            <a:ln w="28575">
+              <a:solidFill>
+                <a:schemeClr val="tx1"/>
+              </a:solidFill>
+              <a:prstDash val="sysDot"/>
+            </a:ln>
+          </p:spPr>
+          <p:style>
+            <a:lnRef idx="1">
+              <a:schemeClr val="accent1"/>
+            </a:lnRef>
+            <a:fillRef idx="0">
+              <a:schemeClr val="accent1"/>
+            </a:fillRef>
+            <a:effectRef idx="0">
+              <a:schemeClr val="accent1"/>
+            </a:effectRef>
+            <a:fontRef idx="minor">
+              <a:schemeClr val="tx1"/>
+            </a:fontRef>
+          </p:style>
+        </p:cxnSp>
+        <mc:AlternateContent xmlns:mc="http://schemas.openxmlformats.org/markup-compatibility/2006">
+          <mc:Choice xmlns:a14="http://schemas.microsoft.com/office/drawing/2010/main" Requires="a14">
+            <p:sp>
+              <p:nvSpPr>
+                <p:cNvPr id="9" name="TextBox 8"/>
+                <p:cNvSpPr txBox="1"/>
+                <p:nvPr/>
+              </p:nvSpPr>
+              <p:spPr>
+                <a:xfrm>
+                  <a:off x="2391873" y="2082396"/>
+                  <a:ext cx="222304" cy="307777"/>
+                </a:xfrm>
+                <a:prstGeom prst="rect">
+                  <a:avLst/>
+                </a:prstGeom>
+                <a:noFill/>
+              </p:spPr>
+              <p:txBody>
+                <a:bodyPr wrap="none" lIns="0" tIns="0" rIns="0" bIns="0" rtlCol="0">
+                  <a:spAutoFit/>
+                </a:bodyPr>
+                <a:lstStyle/>
+                <a:p>
+                  <a14:m>
+                    <m:oMathPara xmlns:m="http://schemas.openxmlformats.org/officeDocument/2006/math">
+                      <m:oMathParaPr>
+                        <m:jc m:val="centerGroup"/>
+                      </m:oMathParaPr>
+                      <m:oMath xmlns:m="http://schemas.openxmlformats.org/officeDocument/2006/math">
+                        <m:r>
+                          <a:rPr lang="en-US" sz="2000" b="0" i="1" smtClean="0">
+                            <a:latin typeface="Cambria Math" panose="02040503050406030204" pitchFamily="18" charset="0"/>
+                            <a:cs typeface="Arial" panose="020B0604020202020204" pitchFamily="34" charset="0"/>
+                          </a:rPr>
+                          <m:t>𝜃</m:t>
+                        </m:r>
+                      </m:oMath>
+                    </m:oMathPara>
+                  </a14:m>
+                  <a:endParaRPr lang="en-US" sz="2000" dirty="0" smtClean="0">
+                    <a:latin typeface="Arial" panose="020B0604020202020204" pitchFamily="34" charset="0"/>
+                    <a:cs typeface="Arial" panose="020B0604020202020204" pitchFamily="34" charset="0"/>
+                  </a:endParaRPr>
+                </a:p>
+              </p:txBody>
+            </p:sp>
+          </mc:Choice>
+          <mc:Fallback>
+            <p:sp>
+              <p:nvSpPr>
+                <p:cNvPr id="9" name="TextBox 8"/>
+                <p:cNvSpPr txBox="1">
+                  <a:spLocks noRot="1" noChangeAspect="1" noMove="1" noResize="1" noEditPoints="1" noAdjustHandles="1" noChangeArrowheads="1" noChangeShapeType="1" noTextEdit="1"/>
+                </p:cNvSpPr>
+                <p:nvPr/>
+              </p:nvSpPr>
+              <p:spPr>
+                <a:xfrm>
+                  <a:off x="2391873" y="2082396"/>
+                  <a:ext cx="222304" cy="307777"/>
+                </a:xfrm>
+                <a:prstGeom prst="rect">
+                  <a:avLst/>
+                </a:prstGeom>
+                <a:blipFill>
+                  <a:blip r:embed="rId2"/>
+                  <a:stretch>
+                    <a:fillRect l="-24324" r="-21622" b="-12000"/>
+                  </a:stretch>
+                </a:blipFill>
+              </p:spPr>
+              <p:txBody>
+                <a:bodyPr/>
+                <a:lstStyle/>
+                <a:p>
+                  <a:r>
+                    <a:rPr lang="en-US">
+                      <a:noFill/>
+                    </a:rPr>
+                    <a:t> </a:t>
+                  </a:r>
+                </a:p>
+              </p:txBody>
+            </p:sp>
+          </mc:Fallback>
+        </mc:AlternateContent>
+        <p:sp>
+          <p:nvSpPr>
+            <p:cNvPr id="18" name="Right Arrow 17"/>
+            <p:cNvSpPr/>
+            <p:nvPr/>
+          </p:nvSpPr>
+          <p:spPr>
+            <a:xfrm>
+              <a:off x="2391873" y="1203766"/>
+              <a:ext cx="700928" cy="118979"/>
+            </a:xfrm>
+            <a:prstGeom prst="rightArrow">
+              <a:avLst/>
+            </a:prstGeom>
+            <a:solidFill>
+              <a:schemeClr val="tx1"/>
+            </a:solidFill>
+            <a:ln w="38100">
+              <a:solidFill>
+                <a:schemeClr val="tx1"/>
+              </a:solidFill>
+            </a:ln>
+          </p:spPr>
+          <p:style>
+            <a:lnRef idx="2">
+              <a:schemeClr val="accent1">
+                <a:shade val="50000"/>
+              </a:schemeClr>
+            </a:lnRef>
+            <a:fillRef idx="1">
+              <a:schemeClr val="accent1"/>
+            </a:fillRef>
+            <a:effectRef idx="0">
+              <a:schemeClr val="accent1"/>
+            </a:effectRef>
+            <a:fontRef idx="minor">
+              <a:schemeClr val="lt1"/>
+            </a:fontRef>
+          </p:style>
+          <p:txBody>
+            <a:bodyPr rtlCol="0" anchor="ctr"/>
+            <a:lstStyle/>
+            <a:p>
+              <a:pPr algn="ctr"/>
+              <a:endParaRPr lang="en-US" dirty="0"/>
+            </a:p>
+          </p:txBody>
+        </p:sp>
+        <mc:AlternateContent xmlns:mc="http://schemas.openxmlformats.org/markup-compatibility/2006">
+          <mc:Choice xmlns:a14="http://schemas.microsoft.com/office/drawing/2010/main" Requires="a14">
+            <p:sp>
+              <p:nvSpPr>
+                <p:cNvPr id="19" name="TextBox 18"/>
+                <p:cNvSpPr txBox="1"/>
+                <p:nvPr/>
+              </p:nvSpPr>
+              <p:spPr>
+                <a:xfrm>
+                  <a:off x="3415625" y="2832381"/>
+                  <a:ext cx="459293" cy="307777"/>
+                </a:xfrm>
+                <a:prstGeom prst="rect">
+                  <a:avLst/>
+                </a:prstGeom>
+                <a:noFill/>
+              </p:spPr>
+              <p:txBody>
+                <a:bodyPr wrap="none" lIns="0" tIns="0" rIns="0" bIns="0" rtlCol="0">
+                  <a:spAutoFit/>
+                </a:bodyPr>
+                <a:lstStyle/>
+                <a:p>
+                  <a14:m>
+                    <m:oMathPara xmlns:m="http://schemas.openxmlformats.org/officeDocument/2006/math">
+                      <m:oMathParaPr>
+                        <m:jc m:val="centerGroup"/>
+                      </m:oMathParaPr>
+                      <m:oMath xmlns:m="http://schemas.openxmlformats.org/officeDocument/2006/math">
+                        <m:r>
+                          <a:rPr lang="en-US" sz="2000" b="0" i="1" smtClean="0">
+                            <a:latin typeface="Cambria Math" panose="02040503050406030204" pitchFamily="18" charset="0"/>
+                            <a:cs typeface="Arial" panose="020B0604020202020204" pitchFamily="34" charset="0"/>
+                          </a:rPr>
+                          <m:t>𝑐𝑎𝑟</m:t>
+                        </m:r>
+                      </m:oMath>
+                    </m:oMathPara>
+                  </a14:m>
+                  <a:endParaRPr lang="en-US" sz="2000" dirty="0" smtClean="0">
+                    <a:latin typeface="Arial" panose="020B0604020202020204" pitchFamily="34" charset="0"/>
+                    <a:cs typeface="Arial" panose="020B0604020202020204" pitchFamily="34" charset="0"/>
+                  </a:endParaRPr>
+                </a:p>
+              </p:txBody>
+            </p:sp>
+          </mc:Choice>
+          <mc:Fallback>
+            <p:sp>
+              <p:nvSpPr>
+                <p:cNvPr id="19" name="TextBox 18"/>
+                <p:cNvSpPr txBox="1">
+                  <a:spLocks noRot="1" noChangeAspect="1" noMove="1" noResize="1" noEditPoints="1" noAdjustHandles="1" noChangeArrowheads="1" noChangeShapeType="1" noTextEdit="1"/>
+                </p:cNvSpPr>
+                <p:nvPr/>
+              </p:nvSpPr>
+              <p:spPr>
+                <a:xfrm>
+                  <a:off x="3415625" y="2832381"/>
+                  <a:ext cx="459293" cy="307777"/>
+                </a:xfrm>
+                <a:prstGeom prst="rect">
+                  <a:avLst/>
+                </a:prstGeom>
+                <a:blipFill>
+                  <a:blip r:embed="rId3"/>
+                  <a:stretch>
+                    <a:fillRect l="-5263" r="-3947" b="-2000"/>
+                  </a:stretch>
+                </a:blipFill>
+              </p:spPr>
+              <p:txBody>
+                <a:bodyPr/>
+                <a:lstStyle/>
+                <a:p>
+                  <a:r>
+                    <a:rPr lang="en-US">
+                      <a:noFill/>
+                    </a:rPr>
+                    <a:t> </a:t>
+                  </a:r>
+                </a:p>
+              </p:txBody>
+            </p:sp>
+          </mc:Fallback>
+        </mc:AlternateContent>
+        <mc:AlternateContent xmlns:mc="http://schemas.openxmlformats.org/markup-compatibility/2006">
+          <mc:Choice xmlns:a14="http://schemas.microsoft.com/office/drawing/2010/main" Requires="a14">
+            <p:sp>
+              <p:nvSpPr>
+                <p:cNvPr id="20" name="TextBox 19"/>
+                <p:cNvSpPr txBox="1"/>
+                <p:nvPr/>
+              </p:nvSpPr>
+              <p:spPr>
+                <a:xfrm>
+                  <a:off x="2632595" y="930111"/>
+                  <a:ext cx="219483" cy="307777"/>
+                </a:xfrm>
+                <a:prstGeom prst="rect">
+                  <a:avLst/>
+                </a:prstGeom>
+                <a:noFill/>
+              </p:spPr>
+              <p:txBody>
+                <a:bodyPr wrap="none" lIns="0" tIns="0" rIns="0" bIns="0" rtlCol="0">
+                  <a:spAutoFit/>
+                </a:bodyPr>
+                <a:lstStyle/>
+                <a:p>
+                  <a14:m>
+                    <m:oMathPara xmlns:m="http://schemas.openxmlformats.org/officeDocument/2006/math">
+                      <m:oMathParaPr>
+                        <m:jc m:val="centerGroup"/>
+                      </m:oMathParaPr>
+                      <m:oMath xmlns:m="http://schemas.openxmlformats.org/officeDocument/2006/math">
+                        <m:acc>
+                          <m:accPr>
+                            <m:chr m:val="⃗"/>
+                            <m:ctrlPr>
+                              <a:rPr lang="en-US" sz="2000" b="0" i="1" smtClean="0">
+                                <a:latin typeface="Cambria Math" panose="02040503050406030204" pitchFamily="18" charset="0"/>
+                                <a:cs typeface="Arial" panose="020B0604020202020204" pitchFamily="34" charset="0"/>
+                              </a:rPr>
+                            </m:ctrlPr>
+                          </m:accPr>
+                          <m:e>
+                            <m:r>
+                              <a:rPr lang="en-US" sz="2000" b="0" i="1" smtClean="0">
+                                <a:latin typeface="Cambria Math" panose="02040503050406030204" pitchFamily="18" charset="0"/>
+                                <a:cs typeface="Arial" panose="020B0604020202020204" pitchFamily="34" charset="0"/>
+                              </a:rPr>
+                              <m:t>𝑎</m:t>
+                            </m:r>
+                          </m:e>
+                        </m:acc>
+                      </m:oMath>
+                    </m:oMathPara>
+                  </a14:m>
+                  <a:endParaRPr lang="en-US" sz="2000" dirty="0" smtClean="0">
+                    <a:latin typeface="Arial" panose="020B0604020202020204" pitchFamily="34" charset="0"/>
+                    <a:cs typeface="Arial" panose="020B0604020202020204" pitchFamily="34" charset="0"/>
+                  </a:endParaRPr>
+                </a:p>
+              </p:txBody>
+            </p:sp>
+          </mc:Choice>
+          <mc:Fallback>
+            <p:sp>
+              <p:nvSpPr>
+                <p:cNvPr id="20" name="TextBox 19"/>
+                <p:cNvSpPr txBox="1">
+                  <a:spLocks noRot="1" noChangeAspect="1" noMove="1" noResize="1" noEditPoints="1" noAdjustHandles="1" noChangeArrowheads="1" noChangeShapeType="1" noTextEdit="1"/>
+                </p:cNvSpPr>
+                <p:nvPr/>
+              </p:nvSpPr>
+              <p:spPr>
+                <a:xfrm>
+                  <a:off x="2632595" y="930111"/>
+                  <a:ext cx="219483" cy="307777"/>
+                </a:xfrm>
+                <a:prstGeom prst="rect">
+                  <a:avLst/>
+                </a:prstGeom>
+                <a:blipFill>
+                  <a:blip r:embed="rId4"/>
+                  <a:stretch>
+                    <a:fillRect l="-22222" t="-36000" r="-91667" b="-6000"/>
+                  </a:stretch>
+                </a:blipFill>
+              </p:spPr>
+              <p:txBody>
+                <a:bodyPr/>
+                <a:lstStyle/>
+                <a:p>
+                  <a:r>
+                    <a:rPr lang="en-US">
+                      <a:noFill/>
+                    </a:rPr>
+                    <a:t> </a:t>
+                  </a:r>
+                </a:p>
+              </p:txBody>
+            </p:sp>
+          </mc:Fallback>
+        </mc:AlternateContent>
+        <mc:AlternateContent xmlns:mc="http://schemas.openxmlformats.org/markup-compatibility/2006">
+          <mc:Choice xmlns:a14="http://schemas.microsoft.com/office/drawing/2010/main" Requires="a14">
+            <p:sp>
+              <p:nvSpPr>
+                <p:cNvPr id="21" name="TextBox 20"/>
+                <p:cNvSpPr txBox="1"/>
+                <p:nvPr/>
+              </p:nvSpPr>
+              <p:spPr>
+                <a:xfrm>
+                  <a:off x="1739061" y="2236284"/>
+                  <a:ext cx="289695" cy="307777"/>
+                </a:xfrm>
+                <a:prstGeom prst="rect">
+                  <a:avLst/>
+                </a:prstGeom>
+                <a:noFill/>
+              </p:spPr>
+              <p:txBody>
+                <a:bodyPr wrap="none" lIns="0" tIns="0" rIns="0" bIns="0" rtlCol="0">
+                  <a:spAutoFit/>
+                </a:bodyPr>
+                <a:lstStyle/>
+                <a:p>
+                  <a14:m>
+                    <m:oMathPara xmlns:m="http://schemas.openxmlformats.org/officeDocument/2006/math">
+                      <m:oMathParaPr>
+                        <m:jc m:val="centerGroup"/>
+                      </m:oMathParaPr>
+                      <m:oMath xmlns:m="http://schemas.openxmlformats.org/officeDocument/2006/math">
+                        <m:r>
+                          <a:rPr lang="en-US" sz="2000" b="0" i="1" smtClean="0">
+                            <a:latin typeface="Cambria Math" panose="02040503050406030204" pitchFamily="18" charset="0"/>
+                            <a:cs typeface="Arial" panose="020B0604020202020204" pitchFamily="34" charset="0"/>
+                          </a:rPr>
+                          <m:t>𝑚</m:t>
+                        </m:r>
+                      </m:oMath>
+                    </m:oMathPara>
+                  </a14:m>
+                  <a:endParaRPr lang="en-US" sz="2000" dirty="0" smtClean="0">
+                    <a:latin typeface="Arial" panose="020B0604020202020204" pitchFamily="34" charset="0"/>
+                    <a:cs typeface="Arial" panose="020B0604020202020204" pitchFamily="34" charset="0"/>
+                  </a:endParaRPr>
+                </a:p>
+              </p:txBody>
+            </p:sp>
+          </mc:Choice>
+          <mc:Fallback>
+            <p:sp>
+              <p:nvSpPr>
+                <p:cNvPr id="21" name="TextBox 20"/>
+                <p:cNvSpPr txBox="1">
+                  <a:spLocks noRot="1" noChangeAspect="1" noMove="1" noResize="1" noEditPoints="1" noAdjustHandles="1" noChangeArrowheads="1" noChangeShapeType="1" noTextEdit="1"/>
+                </p:cNvSpPr>
+                <p:nvPr/>
+              </p:nvSpPr>
+              <p:spPr>
+                <a:xfrm>
+                  <a:off x="1739061" y="2236284"/>
+                  <a:ext cx="289695" cy="307777"/>
+                </a:xfrm>
+                <a:prstGeom prst="rect">
+                  <a:avLst/>
+                </a:prstGeom>
+                <a:blipFill>
+                  <a:blip r:embed="rId5"/>
+                  <a:stretch>
+                    <a:fillRect l="-8333" r="-8333" b="-2000"/>
+                  </a:stretch>
+                </a:blipFill>
+              </p:spPr>
+              <p:txBody>
+                <a:bodyPr/>
+                <a:lstStyle/>
+                <a:p>
+                  <a:r>
+                    <a:rPr lang="en-US">
+                      <a:noFill/>
+                    </a:rPr>
+                    <a:t> </a:t>
+                  </a:r>
+                </a:p>
+              </p:txBody>
+            </p:sp>
+          </mc:Fallback>
+        </mc:AlternateContent>
+      </p:grpSp>
+      <p:grpSp>
+        <p:nvGrpSpPr>
+          <p:cNvPr id="49" name="Group 48"/>
+          <p:cNvGrpSpPr/>
+          <p:nvPr/>
+        </p:nvGrpSpPr>
+        <p:grpSpPr>
+          <a:xfrm>
+            <a:off x="4061420" y="717932"/>
+            <a:ext cx="1833467" cy="2400962"/>
+            <a:chOff x="4061420" y="717932"/>
+            <a:chExt cx="1833467" cy="2400962"/>
+          </a:xfrm>
+        </p:grpSpPr>
+        <p:grpSp>
+          <p:nvGrpSpPr>
+            <p:cNvPr id="43" name="Group 42"/>
+            <p:cNvGrpSpPr/>
+            <p:nvPr/>
+          </p:nvGrpSpPr>
+          <p:grpSpPr>
+            <a:xfrm>
+              <a:off x="4061420" y="717932"/>
+              <a:ext cx="1833467" cy="2400962"/>
+              <a:chOff x="4061420" y="717932"/>
+              <a:chExt cx="1833467" cy="2400962"/>
+            </a:xfrm>
+          </p:grpSpPr>
+          <p:sp>
+            <p:nvSpPr>
+              <p:cNvPr id="23" name="Oval 22"/>
+              <p:cNvSpPr/>
+              <p:nvPr/>
+            </p:nvSpPr>
+            <p:spPr>
+              <a:xfrm>
+                <a:off x="5172109" y="2079380"/>
+                <a:ext cx="120943" cy="119766"/>
+              </a:xfrm>
+              <a:prstGeom prst="ellipse">
+                <a:avLst/>
+              </a:prstGeom>
+              <a:solidFill>
+                <a:schemeClr val="tx1"/>
+              </a:solidFill>
+              <a:ln w="38100">
+                <a:solidFill>
+                  <a:schemeClr val="tx1"/>
+                </a:solidFill>
+              </a:ln>
+            </p:spPr>
+            <p:style>
+              <a:lnRef idx="2">
+                <a:schemeClr val="accent1">
+                  <a:shade val="50000"/>
+                </a:schemeClr>
+              </a:lnRef>
+              <a:fillRef idx="1">
+                <a:schemeClr val="accent1"/>
+              </a:fillRef>
+              <a:effectRef idx="0">
+                <a:schemeClr val="accent1"/>
+              </a:effectRef>
+              <a:fontRef idx="minor">
+                <a:schemeClr val="lt1"/>
+              </a:fontRef>
+            </p:style>
+            <p:txBody>
+              <a:bodyPr rtlCol="0" anchor="ctr"/>
+              <a:lstStyle/>
+              <a:p>
+                <a:pPr algn="ctr"/>
+                <a:endParaRPr lang="en-US"/>
+              </a:p>
+            </p:txBody>
+          </p:sp>
+          <p:cxnSp>
+            <p:nvCxnSpPr>
+              <p:cNvPr id="25" name="Straight Arrow Connector 24"/>
+              <p:cNvCxnSpPr/>
+              <p:nvPr/>
+            </p:nvCxnSpPr>
+            <p:spPr>
+              <a:xfrm flipH="1">
+                <a:off x="5232580" y="2199146"/>
+                <a:ext cx="2517" cy="837156"/>
+              </a:xfrm>
+              <a:prstGeom prst="straightConnector1">
+                <a:avLst/>
+              </a:prstGeom>
+              <a:ln w="38100">
+                <a:solidFill>
+                  <a:schemeClr val="tx1"/>
+                </a:solidFill>
+                <a:tailEnd type="triangle"/>
+              </a:ln>
+            </p:spPr>
+            <p:style>
+              <a:lnRef idx="1">
+                <a:schemeClr val="accent1"/>
+              </a:lnRef>
+              <a:fillRef idx="0">
+                <a:schemeClr val="accent1"/>
+              </a:fillRef>
+              <a:effectRef idx="0">
+                <a:schemeClr val="accent1"/>
+              </a:effectRef>
+              <a:fontRef idx="minor">
+                <a:schemeClr val="tx1"/>
+              </a:fontRef>
+            </p:style>
+          </p:cxnSp>
+          <p:cxnSp>
+            <p:nvCxnSpPr>
+              <p:cNvPr id="27" name="Straight Arrow Connector 26"/>
+              <p:cNvCxnSpPr/>
+              <p:nvPr/>
+            </p:nvCxnSpPr>
+            <p:spPr>
+              <a:xfrm flipV="1">
+                <a:off x="5232580" y="1306245"/>
+                <a:ext cx="533020" cy="819434"/>
+              </a:xfrm>
+              <a:prstGeom prst="straightConnector1">
+                <a:avLst/>
+              </a:prstGeom>
+              <a:ln w="38100">
+                <a:solidFill>
+                  <a:schemeClr val="tx1"/>
+                </a:solidFill>
+                <a:tailEnd type="triangle"/>
+              </a:ln>
+            </p:spPr>
+            <p:style>
+              <a:lnRef idx="1">
+                <a:schemeClr val="accent1"/>
+              </a:lnRef>
+              <a:fillRef idx="0">
+                <a:schemeClr val="accent1"/>
+              </a:fillRef>
+              <a:effectRef idx="0">
+                <a:schemeClr val="accent1"/>
+              </a:effectRef>
+              <a:fontRef idx="minor">
+                <a:schemeClr val="tx1"/>
+              </a:fontRef>
+            </p:style>
+          </p:cxnSp>
+          <mc:AlternateContent xmlns:mc="http://schemas.openxmlformats.org/markup-compatibility/2006">
+            <mc:Choice xmlns:a14="http://schemas.microsoft.com/office/drawing/2010/main" Requires="a14">
+              <p:sp>
+                <p:nvSpPr>
+                  <p:cNvPr id="31" name="TextBox 30"/>
+                  <p:cNvSpPr txBox="1"/>
+                  <p:nvPr/>
+                </p:nvSpPr>
+                <p:spPr>
+                  <a:xfrm>
+                    <a:off x="5666427" y="1472311"/>
+                    <a:ext cx="228460" cy="345159"/>
+                  </a:xfrm>
+                  <a:prstGeom prst="rect">
+                    <a:avLst/>
+                  </a:prstGeom>
+                  <a:noFill/>
+                </p:spPr>
+                <p:txBody>
+                  <a:bodyPr wrap="none" lIns="0" tIns="0" rIns="0" bIns="0" rtlCol="0">
+                    <a:spAutoFit/>
+                  </a:bodyPr>
+                  <a:lstStyle/>
+                  <a:p>
+                    <a14:m>
+                      <m:oMathPara xmlns:m="http://schemas.openxmlformats.org/officeDocument/2006/math">
+                        <m:oMathParaPr>
+                          <m:jc m:val="centerGroup"/>
+                        </m:oMathParaPr>
+                        <m:oMath xmlns:m="http://schemas.openxmlformats.org/officeDocument/2006/math">
+                          <m:acc>
+                            <m:accPr>
+                              <m:chr m:val="⃗"/>
+                              <m:ctrlPr>
+                                <a:rPr lang="en-US" sz="2000" b="0" i="1" smtClean="0">
+                                  <a:latin typeface="Cambria Math" panose="02040503050406030204" pitchFamily="18" charset="0"/>
+                                  <a:cs typeface="Arial" panose="020B0604020202020204" pitchFamily="34" charset="0"/>
+                                </a:rPr>
+                              </m:ctrlPr>
+                            </m:accPr>
+                            <m:e>
+                              <m:r>
+                                <a:rPr lang="en-US" sz="2000" b="0" i="1" smtClean="0">
+                                  <a:latin typeface="Cambria Math" panose="02040503050406030204" pitchFamily="18" charset="0"/>
+                                  <a:cs typeface="Arial" panose="020B0604020202020204" pitchFamily="34" charset="0"/>
+                                </a:rPr>
+                                <m:t>𝑇</m:t>
+                              </m:r>
+                            </m:e>
+                          </m:acc>
+                        </m:oMath>
+                      </m:oMathPara>
+                    </a14:m>
+                    <a:endParaRPr lang="en-US" sz="2000" b="0" dirty="0" smtClean="0">
+                      <a:latin typeface="Arial" panose="020B0604020202020204" pitchFamily="34" charset="0"/>
+                      <a:cs typeface="Arial" panose="020B0604020202020204" pitchFamily="34" charset="0"/>
+                    </a:endParaRPr>
+                  </a:p>
+                </p:txBody>
+              </p:sp>
+            </mc:Choice>
+            <mc:Fallback>
+              <p:sp>
+                <p:nvSpPr>
+                  <p:cNvPr id="31" name="TextBox 30"/>
+                  <p:cNvSpPr txBox="1">
+                    <a:spLocks noRot="1" noChangeAspect="1" noMove="1" noResize="1" noEditPoints="1" noAdjustHandles="1" noChangeArrowheads="1" noChangeShapeType="1" noTextEdit="1"/>
+                  </p:cNvSpPr>
+                  <p:nvPr/>
+                </p:nvSpPr>
+                <p:spPr>
+                  <a:xfrm>
+                    <a:off x="5666427" y="1472311"/>
+                    <a:ext cx="228460" cy="345159"/>
+                  </a:xfrm>
+                  <a:prstGeom prst="rect">
+                    <a:avLst/>
+                  </a:prstGeom>
+                  <a:blipFill>
+                    <a:blip r:embed="rId6"/>
+                    <a:stretch>
+                      <a:fillRect l="-24324" r="-21622" b="-8929"/>
+                    </a:stretch>
+                  </a:blipFill>
+                </p:spPr>
+                <p:txBody>
+                  <a:bodyPr/>
+                  <a:lstStyle/>
+                  <a:p>
+                    <a:r>
+                      <a:rPr lang="en-US">
+                        <a:noFill/>
+                      </a:rPr>
+                      <a:t> </a:t>
+                    </a:r>
+                  </a:p>
+                </p:txBody>
+              </p:sp>
+            </mc:Fallback>
+          </mc:AlternateContent>
+          <mc:AlternateContent xmlns:mc="http://schemas.openxmlformats.org/markup-compatibility/2006">
+            <mc:Choice xmlns:a14="http://schemas.microsoft.com/office/drawing/2010/main" Requires="a14">
+              <p:sp>
+                <p:nvSpPr>
+                  <p:cNvPr id="32" name="TextBox 31"/>
+                  <p:cNvSpPr txBox="1"/>
+                  <p:nvPr/>
+                </p:nvSpPr>
+                <p:spPr>
+                  <a:xfrm>
+                    <a:off x="4808277" y="2523605"/>
+                    <a:ext cx="303865" cy="377219"/>
+                  </a:xfrm>
+                  <a:prstGeom prst="rect">
+                    <a:avLst/>
+                  </a:prstGeom>
+                  <a:noFill/>
+                </p:spPr>
+                <p:txBody>
+                  <a:bodyPr wrap="none" lIns="0" tIns="0" rIns="0" bIns="0" rtlCol="0">
+                    <a:spAutoFit/>
+                  </a:bodyPr>
+                  <a:lstStyle/>
+                  <a:p>
+                    <a14:m>
+                      <m:oMathPara xmlns:m="http://schemas.openxmlformats.org/officeDocument/2006/math">
+                        <m:oMathParaPr>
+                          <m:jc m:val="centerGroup"/>
+                        </m:oMathParaPr>
+                        <m:oMath xmlns:m="http://schemas.openxmlformats.org/officeDocument/2006/math">
+                          <m:sSub>
+                            <m:sSubPr>
+                              <m:ctrlPr>
+                                <a:rPr lang="en-US" sz="2000" b="0" i="1" smtClean="0">
+                                  <a:latin typeface="Cambria Math" panose="02040503050406030204" pitchFamily="18" charset="0"/>
+                                  <a:cs typeface="Arial" panose="020B0604020202020204" pitchFamily="34" charset="0"/>
+                                </a:rPr>
+                              </m:ctrlPr>
+                            </m:sSubPr>
+                            <m:e>
+                              <m:acc>
+                                <m:accPr>
+                                  <m:chr m:val="⃗"/>
+                                  <m:ctrlPr>
+                                    <a:rPr lang="en-US" sz="2000" b="0" i="1" smtClean="0">
+                                      <a:latin typeface="Cambria Math" panose="02040503050406030204" pitchFamily="18" charset="0"/>
+                                      <a:cs typeface="Arial" panose="020B0604020202020204" pitchFamily="34" charset="0"/>
+                                    </a:rPr>
+                                  </m:ctrlPr>
+                                </m:accPr>
+                                <m:e>
+                                  <m:r>
+                                    <a:rPr lang="en-US" sz="2000" b="0" i="1" smtClean="0">
+                                      <a:latin typeface="Cambria Math" panose="02040503050406030204" pitchFamily="18" charset="0"/>
+                                      <a:cs typeface="Arial" panose="020B0604020202020204" pitchFamily="34" charset="0"/>
+                                    </a:rPr>
+                                    <m:t>𝐹</m:t>
+                                  </m:r>
+                                </m:e>
+                              </m:acc>
+                            </m:e>
+                            <m:sub>
+                              <m:r>
+                                <a:rPr lang="en-US" sz="2000" b="0" i="1" smtClean="0">
+                                  <a:latin typeface="Cambria Math" panose="02040503050406030204" pitchFamily="18" charset="0"/>
+                                  <a:cs typeface="Arial" panose="020B0604020202020204" pitchFamily="34" charset="0"/>
+                                </a:rPr>
+                                <m:t>𝑔</m:t>
+                              </m:r>
+                            </m:sub>
+                          </m:sSub>
+                        </m:oMath>
+                      </m:oMathPara>
+                    </a14:m>
+                    <a:endParaRPr lang="en-US" sz="2000" dirty="0" smtClean="0">
+                      <a:latin typeface="Arial" panose="020B0604020202020204" pitchFamily="34" charset="0"/>
+                      <a:cs typeface="Arial" panose="020B0604020202020204" pitchFamily="34" charset="0"/>
+                    </a:endParaRPr>
+                  </a:p>
+                </p:txBody>
+              </p:sp>
+            </mc:Choice>
+            <mc:Fallback>
+              <p:sp>
+                <p:nvSpPr>
+                  <p:cNvPr id="32" name="TextBox 31"/>
+                  <p:cNvSpPr txBox="1">
+                    <a:spLocks noRot="1" noChangeAspect="1" noMove="1" noResize="1" noEditPoints="1" noAdjustHandles="1" noChangeArrowheads="1" noChangeShapeType="1" noTextEdit="1"/>
+                  </p:cNvSpPr>
+                  <p:nvPr/>
+                </p:nvSpPr>
+                <p:spPr>
+                  <a:xfrm>
+                    <a:off x="4808277" y="2523605"/>
+                    <a:ext cx="303865" cy="377219"/>
+                  </a:xfrm>
+                  <a:prstGeom prst="rect">
+                    <a:avLst/>
+                  </a:prstGeom>
+                  <a:blipFill>
+                    <a:blip r:embed="rId7"/>
+                    <a:stretch>
+                      <a:fillRect l="-18000" t="-32258" r="-70000" b="-17742"/>
+                    </a:stretch>
+                  </a:blipFill>
+                </p:spPr>
+                <p:txBody>
+                  <a:bodyPr/>
+                  <a:lstStyle/>
+                  <a:p>
+                    <a:r>
+                      <a:rPr lang="en-US">
+                        <a:noFill/>
+                      </a:rPr>
+                      <a:t> </a:t>
+                    </a:r>
+                  </a:p>
+                </p:txBody>
+              </p:sp>
+            </mc:Fallback>
+          </mc:AlternateContent>
+          <p:sp>
+            <p:nvSpPr>
+              <p:cNvPr id="33" name="Right Arrow 32"/>
+              <p:cNvSpPr/>
+              <p:nvPr/>
+            </p:nvSpPr>
+            <p:spPr>
+              <a:xfrm>
+                <a:off x="5126077" y="991587"/>
+                <a:ext cx="700928" cy="118979"/>
+              </a:xfrm>
+              <a:prstGeom prst="rightArrow">
+                <a:avLst/>
+              </a:prstGeom>
+              <a:solidFill>
+                <a:schemeClr val="tx1"/>
+              </a:solidFill>
+              <a:ln w="38100">
+                <a:solidFill>
+                  <a:schemeClr val="tx1"/>
+                </a:solidFill>
+              </a:ln>
+            </p:spPr>
+            <p:style>
+              <a:lnRef idx="2">
+                <a:schemeClr val="accent1">
+                  <a:shade val="50000"/>
+                </a:schemeClr>
+              </a:lnRef>
+              <a:fillRef idx="1">
+                <a:schemeClr val="accent1"/>
+              </a:fillRef>
+              <a:effectRef idx="0">
+                <a:schemeClr val="accent1"/>
+              </a:effectRef>
+              <a:fontRef idx="minor">
+                <a:schemeClr val="lt1"/>
+              </a:fontRef>
+            </p:style>
+            <p:txBody>
+              <a:bodyPr rtlCol="0" anchor="ctr"/>
+              <a:lstStyle/>
+              <a:p>
+                <a:pPr algn="ctr"/>
+                <a:endParaRPr lang="en-US" dirty="0"/>
+              </a:p>
+            </p:txBody>
+          </p:sp>
+          <mc:AlternateContent xmlns:mc="http://schemas.openxmlformats.org/markup-compatibility/2006">
+            <mc:Choice xmlns:a14="http://schemas.microsoft.com/office/drawing/2010/main" Requires="a14">
+              <p:sp>
+                <p:nvSpPr>
+                  <p:cNvPr id="34" name="TextBox 33"/>
+                  <p:cNvSpPr txBox="1"/>
+                  <p:nvPr/>
+                </p:nvSpPr>
+                <p:spPr>
+                  <a:xfrm>
+                    <a:off x="5366799" y="717932"/>
+                    <a:ext cx="219483" cy="307777"/>
+                  </a:xfrm>
+                  <a:prstGeom prst="rect">
+                    <a:avLst/>
+                  </a:prstGeom>
+                  <a:noFill/>
+                </p:spPr>
+                <p:txBody>
+                  <a:bodyPr wrap="none" lIns="0" tIns="0" rIns="0" bIns="0" rtlCol="0">
+                    <a:spAutoFit/>
+                  </a:bodyPr>
+                  <a:lstStyle/>
+                  <a:p>
+                    <a14:m>
+                      <m:oMathPara xmlns:m="http://schemas.openxmlformats.org/officeDocument/2006/math">
+                        <m:oMathParaPr>
+                          <m:jc m:val="centerGroup"/>
+                        </m:oMathParaPr>
+                        <m:oMath xmlns:m="http://schemas.openxmlformats.org/officeDocument/2006/math">
+                          <m:acc>
+                            <m:accPr>
+                              <m:chr m:val="⃗"/>
+                              <m:ctrlPr>
+                                <a:rPr lang="en-US" sz="2000" b="0" i="1" smtClean="0">
+                                  <a:latin typeface="Cambria Math" panose="02040503050406030204" pitchFamily="18" charset="0"/>
+                                  <a:cs typeface="Arial" panose="020B0604020202020204" pitchFamily="34" charset="0"/>
+                                </a:rPr>
+                              </m:ctrlPr>
+                            </m:accPr>
+                            <m:e>
+                              <m:r>
+                                <a:rPr lang="en-US" sz="2000" b="0" i="1" smtClean="0">
+                                  <a:latin typeface="Cambria Math" panose="02040503050406030204" pitchFamily="18" charset="0"/>
+                                  <a:cs typeface="Arial" panose="020B0604020202020204" pitchFamily="34" charset="0"/>
+                                </a:rPr>
+                                <m:t>𝑎</m:t>
+                              </m:r>
+                            </m:e>
+                          </m:acc>
+                        </m:oMath>
+                      </m:oMathPara>
+                    </a14:m>
+                    <a:endParaRPr lang="en-US" sz="2000" dirty="0" smtClean="0">
+                      <a:latin typeface="Arial" panose="020B0604020202020204" pitchFamily="34" charset="0"/>
+                      <a:cs typeface="Arial" panose="020B0604020202020204" pitchFamily="34" charset="0"/>
+                    </a:endParaRPr>
+                  </a:p>
+                </p:txBody>
+              </p:sp>
+            </mc:Choice>
+            <mc:Fallback>
+              <p:sp>
+                <p:nvSpPr>
+                  <p:cNvPr id="34" name="TextBox 33"/>
+                  <p:cNvSpPr txBox="1">
+                    <a:spLocks noRot="1" noChangeAspect="1" noMove="1" noResize="1" noEditPoints="1" noAdjustHandles="1" noChangeArrowheads="1" noChangeShapeType="1" noTextEdit="1"/>
+                  </p:cNvSpPr>
+                  <p:nvPr/>
+                </p:nvSpPr>
+                <p:spPr>
+                  <a:xfrm>
+                    <a:off x="5366799" y="717932"/>
+                    <a:ext cx="219483" cy="307777"/>
+                  </a:xfrm>
+                  <a:prstGeom prst="rect">
+                    <a:avLst/>
+                  </a:prstGeom>
+                  <a:blipFill>
+                    <a:blip r:embed="rId8"/>
+                    <a:stretch>
+                      <a:fillRect l="-19444" t="-36000" r="-94444" b="-6000"/>
+                    </a:stretch>
+                  </a:blipFill>
+                </p:spPr>
+                <p:txBody>
+                  <a:bodyPr/>
+                  <a:lstStyle/>
+                  <a:p>
+                    <a:r>
+                      <a:rPr lang="en-US">
+                        <a:noFill/>
+                      </a:rPr>
+                      <a:t> </a:t>
+                    </a:r>
+                  </a:p>
+                </p:txBody>
+              </p:sp>
+            </mc:Fallback>
+          </mc:AlternateContent>
+          <p:grpSp>
+            <p:nvGrpSpPr>
+              <p:cNvPr id="35" name="Group 34"/>
+              <p:cNvGrpSpPr/>
+              <p:nvPr/>
+            </p:nvGrpSpPr>
+            <p:grpSpPr>
+              <a:xfrm>
+                <a:off x="4061420" y="2408899"/>
+                <a:ext cx="898789" cy="709995"/>
+                <a:chOff x="758520" y="708040"/>
+                <a:chExt cx="2596102" cy="2135605"/>
+              </a:xfrm>
+            </p:grpSpPr>
+            <p:grpSp>
+              <p:nvGrpSpPr>
+                <p:cNvPr id="36" name="Group 35"/>
+                <p:cNvGrpSpPr/>
+                <p:nvPr/>
+              </p:nvGrpSpPr>
+              <p:grpSpPr>
+                <a:xfrm>
+                  <a:off x="758520" y="708040"/>
+                  <a:ext cx="2596102" cy="2135605"/>
+                  <a:chOff x="785815" y="680744"/>
+                  <a:chExt cx="2596102" cy="2135605"/>
+                </a:xfrm>
+              </p:grpSpPr>
+              <p:cxnSp>
+                <p:nvCxnSpPr>
+                  <p:cNvPr id="38" name="Straight Arrow Connector 37"/>
+                  <p:cNvCxnSpPr/>
+                  <p:nvPr/>
+                </p:nvCxnSpPr>
+                <p:spPr>
+                  <a:xfrm flipV="1">
+                    <a:off x="1516583" y="680744"/>
+                    <a:ext cx="7683" cy="1859535"/>
+                  </a:xfrm>
+                  <a:prstGeom prst="straightConnector1">
+                    <a:avLst/>
+                  </a:prstGeom>
+                  <a:ln w="38100">
+                    <a:solidFill>
+                      <a:schemeClr val="tx1"/>
+                    </a:solidFill>
+                    <a:tailEnd type="triangle"/>
+                  </a:ln>
+                </p:spPr>
+                <p:style>
+                  <a:lnRef idx="1">
+                    <a:schemeClr val="accent1"/>
+                  </a:lnRef>
+                  <a:fillRef idx="0">
+                    <a:schemeClr val="accent1"/>
+                  </a:fillRef>
+                  <a:effectRef idx="0">
+                    <a:schemeClr val="accent1"/>
+                  </a:effectRef>
+                  <a:fontRef idx="minor">
+                    <a:schemeClr val="tx1"/>
+                  </a:fontRef>
+                </p:style>
+              </p:cxnSp>
+              <p:cxnSp>
+                <p:nvCxnSpPr>
+                  <p:cNvPr id="39" name="Straight Arrow Connector 38"/>
+                  <p:cNvCxnSpPr/>
+                  <p:nvPr/>
+                </p:nvCxnSpPr>
+                <p:spPr>
+                  <a:xfrm flipV="1">
+                    <a:off x="1507013" y="2535259"/>
+                    <a:ext cx="1874904" cy="1"/>
+                  </a:xfrm>
+                  <a:prstGeom prst="straightConnector1">
+                    <a:avLst/>
+                  </a:prstGeom>
+                  <a:ln w="38100">
+                    <a:solidFill>
+                      <a:schemeClr val="tx1"/>
+                    </a:solidFill>
+                    <a:tailEnd type="triangle"/>
+                  </a:ln>
+                </p:spPr>
+                <p:style>
+                  <a:lnRef idx="1">
+                    <a:schemeClr val="accent1"/>
+                  </a:lnRef>
+                  <a:fillRef idx="0">
+                    <a:schemeClr val="accent1"/>
+                  </a:fillRef>
+                  <a:effectRef idx="0">
+                    <a:schemeClr val="accent1"/>
+                  </a:effectRef>
+                  <a:fontRef idx="minor">
+                    <a:schemeClr val="tx1"/>
+                  </a:fontRef>
+                </p:style>
+              </p:cxnSp>
+              <mc:AlternateContent xmlns:mc="http://schemas.openxmlformats.org/markup-compatibility/2006" xmlns:a14="http://schemas.microsoft.com/office/drawing/2010/main">
+                <mc:Choice Requires="a14">
+                  <p:sp>
+                    <p:nvSpPr>
+                      <p:cNvPr id="40" name="Rectangle 39"/>
+                      <p:cNvSpPr/>
+                      <p:nvPr/>
+                    </p:nvSpPr>
+                    <p:spPr>
+                      <a:xfrm>
+                        <a:off x="2697555" y="2447016"/>
+                        <a:ext cx="367985" cy="369333"/>
+                      </a:xfrm>
+                      <a:prstGeom prst="rect">
+                        <a:avLst/>
+                      </a:prstGeom>
+                    </p:spPr>
+                    <p:txBody>
+                      <a:bodyPr wrap="none">
+                        <a:spAutoFit/>
+                      </a:bodyPr>
+                      <a:lstStyle/>
+                      <a:p>
+                        <a:pPr/>
+                        <a14:m>
+                          <m:oMathPara xmlns:m="http://schemas.openxmlformats.org/officeDocument/2006/math">
+                            <m:oMathParaPr>
+                              <m:jc m:val="centerGroup"/>
+                            </m:oMathParaPr>
+                            <m:oMath xmlns:m="http://schemas.openxmlformats.org/officeDocument/2006/math">
+                              <m:r>
+                                <a:rPr lang="en-US" i="1">
+                                  <a:latin typeface="Cambria Math" panose="02040503050406030204" pitchFamily="18" charset="0"/>
+                                  <a:cs typeface="Arial" panose="020B0604020202020204" pitchFamily="34" charset="0"/>
+                                </a:rPr>
+                                <m:t>𝑥</m:t>
+                              </m:r>
+                            </m:oMath>
+                          </m:oMathPara>
+                        </a14:m>
+                        <a:endParaRPr lang="en-CA" dirty="0"/>
+                      </a:p>
+                    </p:txBody>
+                  </p:sp>
+                </mc:Choice>
+                <mc:Fallback xmlns="">
+                  <p:sp>
+                    <p:nvSpPr>
+                      <p:cNvPr id="107" name="Rectangle 106"/>
+                      <p:cNvSpPr>
+                        <a:spLocks noRot="1" noChangeAspect="1" noMove="1" noResize="1" noEditPoints="1" noAdjustHandles="1" noChangeArrowheads="1" noChangeShapeType="1" noTextEdit="1"/>
+                      </p:cNvSpPr>
+                      <p:nvPr/>
+                    </p:nvSpPr>
+                    <p:spPr>
+                      <a:xfrm>
+                        <a:off x="2697555" y="2447016"/>
+                        <a:ext cx="367985" cy="369333"/>
+                      </a:xfrm>
+                      <a:prstGeom prst="rect">
+                        <a:avLst/>
+                      </a:prstGeom>
+                      <a:blipFill>
+                        <a:blip r:embed="rId27"/>
+                        <a:stretch>
+                          <a:fillRect r="-95238" b="-160000"/>
+                        </a:stretch>
+                      </a:blipFill>
+                    </p:spPr>
+                    <p:txBody>
+                      <a:bodyPr/>
+                      <a:lstStyle/>
+                      <a:p>
+                        <a:r>
+                          <a:rPr lang="en-US">
+                            <a:noFill/>
+                          </a:rPr>
+                          <a:t> </a:t>
+                        </a:r>
+                      </a:p>
+                    </p:txBody>
+                  </p:sp>
+                </mc:Fallback>
+              </mc:AlternateContent>
+              <mc:AlternateContent xmlns:mc="http://schemas.openxmlformats.org/markup-compatibility/2006" xmlns:a14="http://schemas.microsoft.com/office/drawing/2010/main">
+                <mc:Choice Requires="a14">
+                  <p:sp>
+                    <p:nvSpPr>
+                      <p:cNvPr id="41" name="Rectangle 40"/>
+                      <p:cNvSpPr/>
+                      <p:nvPr/>
+                    </p:nvSpPr>
+                    <p:spPr>
+                      <a:xfrm>
+                        <a:off x="785815" y="912420"/>
+                        <a:ext cx="371385" cy="369333"/>
+                      </a:xfrm>
+                      <a:prstGeom prst="rect">
+                        <a:avLst/>
+                      </a:prstGeom>
+                    </p:spPr>
+                    <p:txBody>
+                      <a:bodyPr wrap="none">
+                        <a:spAutoFit/>
+                      </a:bodyPr>
+                      <a:lstStyle/>
+                      <a:p>
+                        <a:pPr/>
+                        <a14:m>
+                          <m:oMathPara xmlns:m="http://schemas.openxmlformats.org/officeDocument/2006/math">
+                            <m:oMathParaPr>
+                              <m:jc m:val="centerGroup"/>
+                            </m:oMathParaPr>
+                            <m:oMath xmlns:m="http://schemas.openxmlformats.org/officeDocument/2006/math">
+                              <m:r>
+                                <a:rPr lang="en-US" b="0" i="1" smtClean="0">
+                                  <a:latin typeface="Cambria Math" panose="02040503050406030204" pitchFamily="18" charset="0"/>
+                                </a:rPr>
+                                <m:t>𝑦</m:t>
+                              </m:r>
+                            </m:oMath>
+                          </m:oMathPara>
+                        </a14:m>
+                        <a:endParaRPr lang="en-CA" dirty="0"/>
+                      </a:p>
+                    </p:txBody>
+                  </p:sp>
+                </mc:Choice>
+                <mc:Fallback xmlns="">
+                  <p:sp>
+                    <p:nvSpPr>
+                      <p:cNvPr id="108" name="Rectangle 107"/>
+                      <p:cNvSpPr>
+                        <a:spLocks noRot="1" noChangeAspect="1" noMove="1" noResize="1" noEditPoints="1" noAdjustHandles="1" noChangeArrowheads="1" noChangeShapeType="1" noTextEdit="1"/>
+                      </p:cNvSpPr>
+                      <p:nvPr/>
+                    </p:nvSpPr>
+                    <p:spPr>
+                      <a:xfrm>
+                        <a:off x="785815" y="912420"/>
+                        <a:ext cx="371385" cy="369333"/>
+                      </a:xfrm>
+                      <a:prstGeom prst="rect">
+                        <a:avLst/>
+                      </a:prstGeom>
+                      <a:blipFill>
+                        <a:blip r:embed="rId28"/>
+                        <a:stretch>
+                          <a:fillRect l="-19048" r="-114286" b="-220000"/>
+                        </a:stretch>
+                      </a:blipFill>
+                    </p:spPr>
+                    <p:txBody>
+                      <a:bodyPr/>
+                      <a:lstStyle/>
+                      <a:p>
+                        <a:r>
+                          <a:rPr lang="en-US">
+                            <a:noFill/>
+                          </a:rPr>
+                          <a:t> </a:t>
+                        </a:r>
+                      </a:p>
+                    </p:txBody>
+                  </p:sp>
+                </mc:Fallback>
+              </mc:AlternateContent>
+              <mc:AlternateContent xmlns:mc="http://schemas.openxmlformats.org/markup-compatibility/2006" xmlns:a14="http://schemas.microsoft.com/office/drawing/2010/main">
+                <mc:Choice Requires="a14">
+                  <p:sp>
+                    <p:nvSpPr>
+                      <p:cNvPr id="42" name="Rectangle 41"/>
+                      <p:cNvSpPr/>
+                      <p:nvPr/>
+                    </p:nvSpPr>
+                    <p:spPr>
+                      <a:xfrm>
+                        <a:off x="1006642" y="2350591"/>
+                        <a:ext cx="367985" cy="369333"/>
+                      </a:xfrm>
+                      <a:prstGeom prst="rect">
+                        <a:avLst/>
+                      </a:prstGeom>
+                    </p:spPr>
+                    <p:txBody>
+                      <a:bodyPr wrap="none">
+                        <a:spAutoFit/>
+                      </a:bodyPr>
+                      <a:lstStyle/>
+                      <a:p>
+                        <a:pPr/>
+                        <a14:m>
+                          <m:oMathPara xmlns:m="http://schemas.openxmlformats.org/officeDocument/2006/math">
+                            <m:oMathParaPr>
+                              <m:jc m:val="centerGroup"/>
+                            </m:oMathParaPr>
+                            <m:oMath xmlns:m="http://schemas.openxmlformats.org/officeDocument/2006/math">
+                              <m:r>
+                                <a:rPr lang="en-US" b="0" i="1" smtClean="0">
+                                  <a:latin typeface="Cambria Math" panose="02040503050406030204" pitchFamily="18" charset="0"/>
+                                  <a:cs typeface="Arial" panose="020B0604020202020204" pitchFamily="34" charset="0"/>
+                                </a:rPr>
+                                <m:t>0</m:t>
+                              </m:r>
+                            </m:oMath>
+                          </m:oMathPara>
+                        </a14:m>
+                        <a:endParaRPr lang="en-CA" dirty="0"/>
+                      </a:p>
+                    </p:txBody>
+                  </p:sp>
+                </mc:Choice>
+                <mc:Fallback xmlns="">
+                  <p:sp>
+                    <p:nvSpPr>
+                      <p:cNvPr id="109" name="Rectangle 108"/>
+                      <p:cNvSpPr>
+                        <a:spLocks noRot="1" noChangeAspect="1" noMove="1" noResize="1" noEditPoints="1" noAdjustHandles="1" noChangeArrowheads="1" noChangeShapeType="1" noTextEdit="1"/>
+                      </p:cNvSpPr>
+                      <p:nvPr/>
+                    </p:nvSpPr>
+                    <p:spPr>
+                      <a:xfrm>
+                        <a:off x="1006642" y="2350591"/>
+                        <a:ext cx="367985" cy="369333"/>
+                      </a:xfrm>
+                      <a:prstGeom prst="rect">
+                        <a:avLst/>
+                      </a:prstGeom>
+                      <a:blipFill>
+                        <a:blip r:embed="rId29"/>
+                        <a:stretch>
+                          <a:fillRect l="-14286" r="-114286" b="-180000"/>
+                        </a:stretch>
+                      </a:blipFill>
+                    </p:spPr>
+                    <p:txBody>
+                      <a:bodyPr/>
+                      <a:lstStyle/>
+                      <a:p>
+                        <a:r>
+                          <a:rPr lang="en-US">
+                            <a:noFill/>
+                          </a:rPr>
+                          <a:t> </a:t>
+                        </a:r>
+                      </a:p>
+                    </p:txBody>
+                  </p:sp>
+                </mc:Fallback>
+              </mc:AlternateContent>
+            </p:grpSp>
+            <p:sp>
+              <p:nvSpPr>
+                <p:cNvPr id="37" name="Rectangle 36"/>
+                <p:cNvSpPr/>
+                <p:nvPr/>
+              </p:nvSpPr>
+              <p:spPr>
+                <a:xfrm>
+                  <a:off x="1129904" y="1614682"/>
+                  <a:ext cx="184731" cy="369332"/>
+                </a:xfrm>
+                <a:prstGeom prst="rect">
+                  <a:avLst/>
+                </a:prstGeom>
+              </p:spPr>
+              <p:txBody>
+                <a:bodyPr wrap="none">
+                  <a:spAutoFit/>
+                </a:bodyPr>
+                <a:lstStyle/>
+                <a:p>
+                  <a:endParaRPr lang="en-CA" dirty="0"/>
+                </a:p>
+              </p:txBody>
+            </p:sp>
+          </p:grpSp>
+        </p:grpSp>
+        <p:cxnSp>
+          <p:nvCxnSpPr>
+            <p:cNvPr id="45" name="Straight Connector 44"/>
+            <p:cNvCxnSpPr/>
+            <p:nvPr/>
+          </p:nvCxnSpPr>
+          <p:spPr>
+            <a:xfrm flipH="1">
+              <a:off x="5217524" y="1215342"/>
+              <a:ext cx="2658" cy="907284"/>
+            </a:xfrm>
+            <a:prstGeom prst="line">
+              <a:avLst/>
+            </a:prstGeom>
+            <a:ln w="28575">
+              <a:solidFill>
+                <a:schemeClr val="tx1"/>
+              </a:solidFill>
+              <a:prstDash val="sysDot"/>
+            </a:ln>
+          </p:spPr>
+          <p:style>
+            <a:lnRef idx="1">
+              <a:schemeClr val="accent1"/>
+            </a:lnRef>
+            <a:fillRef idx="0">
+              <a:schemeClr val="accent1"/>
+            </a:fillRef>
+            <a:effectRef idx="0">
+              <a:schemeClr val="accent1"/>
+            </a:effectRef>
+            <a:fontRef idx="minor">
+              <a:schemeClr val="tx1"/>
+            </a:fontRef>
+          </p:style>
+        </p:cxnSp>
+        <mc:AlternateContent xmlns:mc="http://schemas.openxmlformats.org/markup-compatibility/2006">
+          <mc:Choice xmlns:a14="http://schemas.microsoft.com/office/drawing/2010/main" Requires="a14">
+            <p:sp>
+              <p:nvSpPr>
+                <p:cNvPr id="47" name="TextBox 46"/>
+                <p:cNvSpPr txBox="1"/>
+                <p:nvPr/>
+              </p:nvSpPr>
+              <p:spPr>
+                <a:xfrm>
+                  <a:off x="5241950" y="1519875"/>
+                  <a:ext cx="222304" cy="307777"/>
+                </a:xfrm>
+                <a:prstGeom prst="rect">
+                  <a:avLst/>
+                </a:prstGeom>
+                <a:noFill/>
+              </p:spPr>
+              <p:txBody>
+                <a:bodyPr wrap="none" lIns="0" tIns="0" rIns="0" bIns="0" rtlCol="0">
+                  <a:spAutoFit/>
+                </a:bodyPr>
+                <a:lstStyle/>
+                <a:p>
+                  <a14:m>
+                    <m:oMathPara xmlns:m="http://schemas.openxmlformats.org/officeDocument/2006/math">
+                      <m:oMathParaPr>
+                        <m:jc m:val="centerGroup"/>
+                      </m:oMathParaPr>
+                      <m:oMath xmlns:m="http://schemas.openxmlformats.org/officeDocument/2006/math">
+                        <m:r>
+                          <a:rPr lang="en-US" sz="2000" b="0" i="1" smtClean="0">
+                            <a:latin typeface="Cambria Math" panose="02040503050406030204" pitchFamily="18" charset="0"/>
+                            <a:cs typeface="Arial" panose="020B0604020202020204" pitchFamily="34" charset="0"/>
+                          </a:rPr>
+                          <m:t>𝜃</m:t>
+                        </m:r>
+                      </m:oMath>
+                    </m:oMathPara>
+                  </a14:m>
+                  <a:endParaRPr lang="en-US" sz="2000" dirty="0" smtClean="0">
+                    <a:latin typeface="Arial" panose="020B0604020202020204" pitchFamily="34" charset="0"/>
+                    <a:cs typeface="Arial" panose="020B0604020202020204" pitchFamily="34" charset="0"/>
+                  </a:endParaRPr>
+                </a:p>
+              </p:txBody>
+            </p:sp>
+          </mc:Choice>
+          <mc:Fallback>
+            <p:sp>
+              <p:nvSpPr>
+                <p:cNvPr id="47" name="TextBox 46"/>
+                <p:cNvSpPr txBox="1">
+                  <a:spLocks noRot="1" noChangeAspect="1" noMove="1" noResize="1" noEditPoints="1" noAdjustHandles="1" noChangeArrowheads="1" noChangeShapeType="1" noTextEdit="1"/>
+                </p:cNvSpPr>
+                <p:nvPr/>
+              </p:nvSpPr>
+              <p:spPr>
+                <a:xfrm>
+                  <a:off x="5241950" y="1519875"/>
+                  <a:ext cx="222304" cy="307777"/>
+                </a:xfrm>
+                <a:prstGeom prst="rect">
+                  <a:avLst/>
+                </a:prstGeom>
+                <a:blipFill>
+                  <a:blip r:embed="rId30"/>
+                  <a:stretch>
+                    <a:fillRect l="-25000" r="-25000" b="-9804"/>
+                  </a:stretch>
+                </a:blipFill>
+              </p:spPr>
+              <p:txBody>
+                <a:bodyPr/>
+                <a:lstStyle/>
+                <a:p>
+                  <a:r>
+                    <a:rPr lang="en-US">
+                      <a:noFill/>
+                    </a:rPr>
+                    <a:t> </a:t>
+                  </a:r>
+                </a:p>
+              </p:txBody>
+            </p:sp>
+          </mc:Fallback>
+        </mc:AlternateContent>
+      </p:grpSp>
+      <p:grpSp>
+        <p:nvGrpSpPr>
+          <p:cNvPr id="75" name="Group 74"/>
+          <p:cNvGrpSpPr/>
+          <p:nvPr/>
+        </p:nvGrpSpPr>
+        <p:grpSpPr>
+          <a:xfrm>
+            <a:off x="7145572" y="904485"/>
+            <a:ext cx="2514214" cy="2240542"/>
+            <a:chOff x="7145572" y="904485"/>
+            <a:chExt cx="2514214" cy="2240542"/>
+          </a:xfrm>
+        </p:grpSpPr>
+        <p:grpSp>
+          <p:nvGrpSpPr>
+            <p:cNvPr id="73" name="Group 72"/>
+            <p:cNvGrpSpPr/>
+            <p:nvPr/>
+          </p:nvGrpSpPr>
+          <p:grpSpPr>
+            <a:xfrm>
+              <a:off x="7246575" y="1241475"/>
+              <a:ext cx="1833467" cy="1903552"/>
+              <a:chOff x="7246575" y="1241475"/>
+              <a:chExt cx="1833467" cy="1903552"/>
+            </a:xfrm>
+          </p:grpSpPr>
+          <p:grpSp>
+            <p:nvGrpSpPr>
+              <p:cNvPr id="50" name="Group 49"/>
+              <p:cNvGrpSpPr/>
+              <p:nvPr/>
+            </p:nvGrpSpPr>
+            <p:grpSpPr>
+              <a:xfrm>
+                <a:off x="7246575" y="1241475"/>
+                <a:ext cx="1833467" cy="1903552"/>
+                <a:chOff x="4061420" y="1215342"/>
+                <a:chExt cx="1833467" cy="1903552"/>
+              </a:xfrm>
+            </p:grpSpPr>
+            <p:grpSp>
+              <p:nvGrpSpPr>
+                <p:cNvPr id="51" name="Group 50"/>
+                <p:cNvGrpSpPr/>
+                <p:nvPr/>
+              </p:nvGrpSpPr>
+              <p:grpSpPr>
+                <a:xfrm>
+                  <a:off x="4061420" y="1306245"/>
+                  <a:ext cx="1833467" cy="1812649"/>
+                  <a:chOff x="4061420" y="1306245"/>
+                  <a:chExt cx="1833467" cy="1812649"/>
+                </a:xfrm>
+              </p:grpSpPr>
+              <p:sp>
+                <p:nvSpPr>
+                  <p:cNvPr id="54" name="Oval 53"/>
+                  <p:cNvSpPr/>
+                  <p:nvPr/>
+                </p:nvSpPr>
+                <p:spPr>
+                  <a:xfrm>
+                    <a:off x="5172109" y="2079380"/>
+                    <a:ext cx="120943" cy="119766"/>
+                  </a:xfrm>
+                  <a:prstGeom prst="ellipse">
+                    <a:avLst/>
+                  </a:prstGeom>
+                  <a:solidFill>
+                    <a:schemeClr val="tx1"/>
+                  </a:solidFill>
+                  <a:ln w="38100">
+                    <a:solidFill>
+                      <a:schemeClr val="tx1"/>
+                    </a:solidFill>
+                  </a:ln>
+                </p:spPr>
+                <p:style>
+                  <a:lnRef idx="2">
+                    <a:schemeClr val="accent1">
+                      <a:shade val="50000"/>
+                    </a:schemeClr>
+                  </a:lnRef>
+                  <a:fillRef idx="1">
+                    <a:schemeClr val="accent1"/>
+                  </a:fillRef>
+                  <a:effectRef idx="0">
+                    <a:schemeClr val="accent1"/>
+                  </a:effectRef>
+                  <a:fontRef idx="minor">
+                    <a:schemeClr val="lt1"/>
+                  </a:fontRef>
+                </p:style>
+                <p:txBody>
+                  <a:bodyPr rtlCol="0" anchor="ctr"/>
+                  <a:lstStyle/>
+                  <a:p>
+                    <a:pPr algn="ctr"/>
+                    <a:endParaRPr lang="en-US"/>
+                  </a:p>
+                </p:txBody>
+              </p:sp>
+              <p:cxnSp>
+                <p:nvCxnSpPr>
+                  <p:cNvPr id="55" name="Straight Arrow Connector 54"/>
+                  <p:cNvCxnSpPr/>
+                  <p:nvPr/>
+                </p:nvCxnSpPr>
+                <p:spPr>
+                  <a:xfrm flipH="1">
+                    <a:off x="5232580" y="2199146"/>
+                    <a:ext cx="2517" cy="837156"/>
+                  </a:xfrm>
+                  <a:prstGeom prst="straightConnector1">
+                    <a:avLst/>
+                  </a:prstGeom>
+                  <a:ln w="38100">
+                    <a:solidFill>
+                      <a:schemeClr val="tx1"/>
+                    </a:solidFill>
+                    <a:tailEnd type="triangle"/>
+                  </a:ln>
+                </p:spPr>
+                <p:style>
+                  <a:lnRef idx="1">
+                    <a:schemeClr val="accent1"/>
+                  </a:lnRef>
+                  <a:fillRef idx="0">
+                    <a:schemeClr val="accent1"/>
+                  </a:fillRef>
+                  <a:effectRef idx="0">
+                    <a:schemeClr val="accent1"/>
+                  </a:effectRef>
+                  <a:fontRef idx="minor">
+                    <a:schemeClr val="tx1"/>
+                  </a:fontRef>
+                </p:style>
+              </p:cxnSp>
+              <p:cxnSp>
+                <p:nvCxnSpPr>
+                  <p:cNvPr id="56" name="Straight Arrow Connector 55"/>
+                  <p:cNvCxnSpPr/>
+                  <p:nvPr/>
+                </p:nvCxnSpPr>
+                <p:spPr>
+                  <a:xfrm flipV="1">
+                    <a:off x="5232580" y="1306245"/>
+                    <a:ext cx="533020" cy="819434"/>
+                  </a:xfrm>
+                  <a:prstGeom prst="straightConnector1">
+                    <a:avLst/>
+                  </a:prstGeom>
+                  <a:ln w="38100">
+                    <a:solidFill>
+                      <a:schemeClr val="tx1"/>
+                    </a:solidFill>
+                    <a:tailEnd type="triangle"/>
+                  </a:ln>
+                </p:spPr>
+                <p:style>
+                  <a:lnRef idx="1">
+                    <a:schemeClr val="accent1"/>
+                  </a:lnRef>
+                  <a:fillRef idx="0">
+                    <a:schemeClr val="accent1"/>
+                  </a:fillRef>
+                  <a:effectRef idx="0">
+                    <a:schemeClr val="accent1"/>
+                  </a:effectRef>
+                  <a:fontRef idx="minor">
+                    <a:schemeClr val="tx1"/>
+                  </a:fontRef>
+                </p:style>
+              </p:cxnSp>
+              <mc:AlternateContent xmlns:mc="http://schemas.openxmlformats.org/markup-compatibility/2006">
+                <mc:Choice xmlns:a14="http://schemas.microsoft.com/office/drawing/2010/main" Requires="a14">
+                  <p:sp>
+                    <p:nvSpPr>
+                      <p:cNvPr id="57" name="TextBox 56"/>
+                      <p:cNvSpPr txBox="1"/>
+                      <p:nvPr/>
+                    </p:nvSpPr>
+                    <p:spPr>
+                      <a:xfrm>
+                        <a:off x="5666427" y="1472311"/>
+                        <a:ext cx="228460" cy="345159"/>
+                      </a:xfrm>
+                      <a:prstGeom prst="rect">
+                        <a:avLst/>
+                      </a:prstGeom>
+                      <a:noFill/>
+                    </p:spPr>
+                    <p:txBody>
+                      <a:bodyPr wrap="none" lIns="0" tIns="0" rIns="0" bIns="0" rtlCol="0">
+                        <a:spAutoFit/>
+                      </a:bodyPr>
+                      <a:lstStyle/>
+                      <a:p>
+                        <a14:m>
+                          <m:oMathPara xmlns:m="http://schemas.openxmlformats.org/officeDocument/2006/math">
+                            <m:oMathParaPr>
+                              <m:jc m:val="centerGroup"/>
+                            </m:oMathParaPr>
+                            <m:oMath xmlns:m="http://schemas.openxmlformats.org/officeDocument/2006/math">
+                              <m:acc>
+                                <m:accPr>
+                                  <m:chr m:val="⃗"/>
+                                  <m:ctrlPr>
+                                    <a:rPr lang="en-US" sz="2000" b="0" i="1" smtClean="0">
+                                      <a:latin typeface="Cambria Math" panose="02040503050406030204" pitchFamily="18" charset="0"/>
+                                      <a:cs typeface="Arial" panose="020B0604020202020204" pitchFamily="34" charset="0"/>
+                                    </a:rPr>
+                                  </m:ctrlPr>
+                                </m:accPr>
+                                <m:e>
+                                  <m:r>
+                                    <a:rPr lang="en-US" sz="2000" b="0" i="1" smtClean="0">
+                                      <a:latin typeface="Cambria Math" panose="02040503050406030204" pitchFamily="18" charset="0"/>
+                                      <a:cs typeface="Arial" panose="020B0604020202020204" pitchFamily="34" charset="0"/>
+                                    </a:rPr>
+                                    <m:t>𝑇</m:t>
+                                  </m:r>
+                                </m:e>
+                              </m:acc>
+                            </m:oMath>
+                          </m:oMathPara>
+                        </a14:m>
+                        <a:endParaRPr lang="en-US" sz="2000" b="0" dirty="0" smtClean="0">
+                          <a:latin typeface="Arial" panose="020B0604020202020204" pitchFamily="34" charset="0"/>
+                          <a:cs typeface="Arial" panose="020B0604020202020204" pitchFamily="34" charset="0"/>
+                        </a:endParaRPr>
+                      </a:p>
+                    </p:txBody>
+                  </p:sp>
+                </mc:Choice>
+                <mc:Fallback>
+                  <p:sp>
+                    <p:nvSpPr>
+                      <p:cNvPr id="57" name="TextBox 56"/>
+                      <p:cNvSpPr txBox="1">
+                        <a:spLocks noRot="1" noChangeAspect="1" noMove="1" noResize="1" noEditPoints="1" noAdjustHandles="1" noChangeArrowheads="1" noChangeShapeType="1" noTextEdit="1"/>
+                      </p:cNvSpPr>
+                      <p:nvPr/>
+                    </p:nvSpPr>
+                    <p:spPr>
+                      <a:xfrm>
+                        <a:off x="5666427" y="1472311"/>
+                        <a:ext cx="228460" cy="345159"/>
+                      </a:xfrm>
+                      <a:prstGeom prst="rect">
+                        <a:avLst/>
+                      </a:prstGeom>
+                      <a:blipFill>
+                        <a:blip r:embed="rId31"/>
+                        <a:stretch>
+                          <a:fillRect l="-21053" r="-21053" b="-8929"/>
+                        </a:stretch>
+                      </a:blipFill>
+                    </p:spPr>
+                    <p:txBody>
+                      <a:bodyPr/>
+                      <a:lstStyle/>
+                      <a:p>
+                        <a:r>
+                          <a:rPr lang="en-US">
+                            <a:noFill/>
+                          </a:rPr>
+                          <a:t> </a:t>
+                        </a:r>
+                      </a:p>
+                    </p:txBody>
+                  </p:sp>
+                </mc:Fallback>
+              </mc:AlternateContent>
+              <mc:AlternateContent xmlns:mc="http://schemas.openxmlformats.org/markup-compatibility/2006">
+                <mc:Choice xmlns:a14="http://schemas.microsoft.com/office/drawing/2010/main" Requires="a14">
+                  <p:sp>
+                    <p:nvSpPr>
+                      <p:cNvPr id="58" name="TextBox 57"/>
+                      <p:cNvSpPr txBox="1"/>
+                      <p:nvPr/>
+                    </p:nvSpPr>
+                    <p:spPr>
+                      <a:xfrm>
+                        <a:off x="4808277" y="2523605"/>
+                        <a:ext cx="303865" cy="377219"/>
+                      </a:xfrm>
+                      <a:prstGeom prst="rect">
+                        <a:avLst/>
+                      </a:prstGeom>
+                      <a:noFill/>
+                    </p:spPr>
+                    <p:txBody>
+                      <a:bodyPr wrap="none" lIns="0" tIns="0" rIns="0" bIns="0" rtlCol="0">
+                        <a:spAutoFit/>
+                      </a:bodyPr>
+                      <a:lstStyle/>
+                      <a:p>
+                        <a14:m>
+                          <m:oMathPara xmlns:m="http://schemas.openxmlformats.org/officeDocument/2006/math">
+                            <m:oMathParaPr>
+                              <m:jc m:val="centerGroup"/>
+                            </m:oMathParaPr>
+                            <m:oMath xmlns:m="http://schemas.openxmlformats.org/officeDocument/2006/math">
+                              <m:sSub>
+                                <m:sSubPr>
+                                  <m:ctrlPr>
+                                    <a:rPr lang="en-US" sz="2000" b="0" i="1" smtClean="0">
+                                      <a:latin typeface="Cambria Math" panose="02040503050406030204" pitchFamily="18" charset="0"/>
+                                      <a:cs typeface="Arial" panose="020B0604020202020204" pitchFamily="34" charset="0"/>
+                                    </a:rPr>
+                                  </m:ctrlPr>
+                                </m:sSubPr>
+                                <m:e>
+                                  <m:acc>
+                                    <m:accPr>
+                                      <m:chr m:val="⃗"/>
+                                      <m:ctrlPr>
+                                        <a:rPr lang="en-US" sz="2000" b="0" i="1" smtClean="0">
+                                          <a:latin typeface="Cambria Math" panose="02040503050406030204" pitchFamily="18" charset="0"/>
+                                          <a:cs typeface="Arial" panose="020B0604020202020204" pitchFamily="34" charset="0"/>
+                                        </a:rPr>
+                                      </m:ctrlPr>
+                                    </m:accPr>
+                                    <m:e>
+                                      <m:r>
+                                        <a:rPr lang="en-US" sz="2000" b="0" i="1" smtClean="0">
+                                          <a:latin typeface="Cambria Math" panose="02040503050406030204" pitchFamily="18" charset="0"/>
+                                          <a:cs typeface="Arial" panose="020B0604020202020204" pitchFamily="34" charset="0"/>
+                                        </a:rPr>
+                                        <m:t>𝐹</m:t>
+                                      </m:r>
+                                    </m:e>
+                                  </m:acc>
+                                </m:e>
+                                <m:sub>
+                                  <m:r>
+                                    <a:rPr lang="en-US" sz="2000" b="0" i="1" smtClean="0">
+                                      <a:latin typeface="Cambria Math" panose="02040503050406030204" pitchFamily="18" charset="0"/>
+                                      <a:cs typeface="Arial" panose="020B0604020202020204" pitchFamily="34" charset="0"/>
+                                    </a:rPr>
+                                    <m:t>𝑔</m:t>
+                                  </m:r>
+                                </m:sub>
+                              </m:sSub>
+                            </m:oMath>
+                          </m:oMathPara>
+                        </a14:m>
+                        <a:endParaRPr lang="en-US" sz="2000" dirty="0" smtClean="0">
+                          <a:latin typeface="Arial" panose="020B0604020202020204" pitchFamily="34" charset="0"/>
+                          <a:cs typeface="Arial" panose="020B0604020202020204" pitchFamily="34" charset="0"/>
+                        </a:endParaRPr>
+                      </a:p>
+                    </p:txBody>
+                  </p:sp>
+                </mc:Choice>
+                <mc:Fallback>
+                  <p:sp>
+                    <p:nvSpPr>
+                      <p:cNvPr id="58" name="TextBox 57"/>
+                      <p:cNvSpPr txBox="1">
+                        <a:spLocks noRot="1" noChangeAspect="1" noMove="1" noResize="1" noEditPoints="1" noAdjustHandles="1" noChangeArrowheads="1" noChangeShapeType="1" noTextEdit="1"/>
+                      </p:cNvSpPr>
+                      <p:nvPr/>
+                    </p:nvSpPr>
+                    <p:spPr>
+                      <a:xfrm>
+                        <a:off x="4808277" y="2523605"/>
+                        <a:ext cx="303865" cy="377219"/>
+                      </a:xfrm>
+                      <a:prstGeom prst="rect">
+                        <a:avLst/>
+                      </a:prstGeom>
+                      <a:blipFill>
+                        <a:blip r:embed="rId32"/>
+                        <a:stretch>
+                          <a:fillRect l="-16000" t="-30645" r="-72000" b="-17742"/>
+                        </a:stretch>
+                      </a:blipFill>
+                    </p:spPr>
+                    <p:txBody>
+                      <a:bodyPr/>
+                      <a:lstStyle/>
+                      <a:p>
+                        <a:r>
+                          <a:rPr lang="en-US">
+                            <a:noFill/>
+                          </a:rPr>
+                          <a:t> </a:t>
+                        </a:r>
+                      </a:p>
+                    </p:txBody>
+                  </p:sp>
+                </mc:Fallback>
+              </mc:AlternateContent>
+              <p:grpSp>
+                <p:nvGrpSpPr>
+                  <p:cNvPr id="61" name="Group 60"/>
+                  <p:cNvGrpSpPr/>
+                  <p:nvPr/>
+                </p:nvGrpSpPr>
+                <p:grpSpPr>
+                  <a:xfrm>
+                    <a:off x="4061420" y="2408899"/>
+                    <a:ext cx="898789" cy="709995"/>
+                    <a:chOff x="758520" y="708040"/>
+                    <a:chExt cx="2596102" cy="2135605"/>
+                  </a:xfrm>
+                </p:grpSpPr>
+                <p:grpSp>
+                  <p:nvGrpSpPr>
+                    <p:cNvPr id="62" name="Group 61"/>
+                    <p:cNvGrpSpPr/>
+                    <p:nvPr/>
+                  </p:nvGrpSpPr>
+                  <p:grpSpPr>
+                    <a:xfrm>
+                      <a:off x="758520" y="708040"/>
+                      <a:ext cx="2596102" cy="2135605"/>
+                      <a:chOff x="785815" y="680744"/>
+                      <a:chExt cx="2596102" cy="2135605"/>
+                    </a:xfrm>
+                  </p:grpSpPr>
+                  <p:cxnSp>
+                    <p:nvCxnSpPr>
+                      <p:cNvPr id="64" name="Straight Arrow Connector 63"/>
+                      <p:cNvCxnSpPr/>
+                      <p:nvPr/>
+                    </p:nvCxnSpPr>
+                    <p:spPr>
+                      <a:xfrm flipV="1">
+                        <a:off x="1516583" y="680744"/>
+                        <a:ext cx="7683" cy="1859535"/>
+                      </a:xfrm>
+                      <a:prstGeom prst="straightConnector1">
+                        <a:avLst/>
+                      </a:prstGeom>
+                      <a:ln w="38100">
+                        <a:solidFill>
+                          <a:schemeClr val="tx1"/>
+                        </a:solidFill>
+                        <a:tailEnd type="triangle"/>
+                      </a:ln>
+                    </p:spPr>
+                    <p:style>
+                      <a:lnRef idx="1">
+                        <a:schemeClr val="accent1"/>
+                      </a:lnRef>
+                      <a:fillRef idx="0">
+                        <a:schemeClr val="accent1"/>
+                      </a:fillRef>
+                      <a:effectRef idx="0">
+                        <a:schemeClr val="accent1"/>
+                      </a:effectRef>
+                      <a:fontRef idx="minor">
+                        <a:schemeClr val="tx1"/>
+                      </a:fontRef>
+                    </p:style>
+                  </p:cxnSp>
+                  <p:cxnSp>
+                    <p:nvCxnSpPr>
+                      <p:cNvPr id="65" name="Straight Arrow Connector 64"/>
+                      <p:cNvCxnSpPr/>
+                      <p:nvPr/>
+                    </p:nvCxnSpPr>
+                    <p:spPr>
+                      <a:xfrm flipV="1">
+                        <a:off x="1507013" y="2535259"/>
+                        <a:ext cx="1874904" cy="1"/>
+                      </a:xfrm>
+                      <a:prstGeom prst="straightConnector1">
+                        <a:avLst/>
+                      </a:prstGeom>
+                      <a:ln w="38100">
+                        <a:solidFill>
+                          <a:schemeClr val="tx1"/>
+                        </a:solidFill>
+                        <a:tailEnd type="triangle"/>
+                      </a:ln>
+                    </p:spPr>
+                    <p:style>
+                      <a:lnRef idx="1">
+                        <a:schemeClr val="accent1"/>
+                      </a:lnRef>
+                      <a:fillRef idx="0">
+                        <a:schemeClr val="accent1"/>
+                      </a:fillRef>
+                      <a:effectRef idx="0">
+                        <a:schemeClr val="accent1"/>
+                      </a:effectRef>
+                      <a:fontRef idx="minor">
+                        <a:schemeClr val="tx1"/>
+                      </a:fontRef>
+                    </p:style>
+                  </p:cxnSp>
+                  <mc:AlternateContent xmlns:mc="http://schemas.openxmlformats.org/markup-compatibility/2006" xmlns:a14="http://schemas.microsoft.com/office/drawing/2010/main">
+                    <mc:Choice Requires="a14">
+                      <p:sp>
+                        <p:nvSpPr>
+                          <p:cNvPr id="66" name="Rectangle 65"/>
+                          <p:cNvSpPr/>
+                          <p:nvPr/>
+                        </p:nvSpPr>
+                        <p:spPr>
+                          <a:xfrm>
+                            <a:off x="2697555" y="2447016"/>
+                            <a:ext cx="367985" cy="369333"/>
+                          </a:xfrm>
+                          <a:prstGeom prst="rect">
+                            <a:avLst/>
+                          </a:prstGeom>
+                        </p:spPr>
+                        <p:txBody>
+                          <a:bodyPr wrap="none">
+                            <a:spAutoFit/>
+                          </a:bodyPr>
+                          <a:lstStyle/>
+                          <a:p>
+                            <a:pPr/>
+                            <a14:m>
+                              <m:oMathPara xmlns:m="http://schemas.openxmlformats.org/officeDocument/2006/math">
+                                <m:oMathParaPr>
+                                  <m:jc m:val="centerGroup"/>
+                                </m:oMathParaPr>
+                                <m:oMath xmlns:m="http://schemas.openxmlformats.org/officeDocument/2006/math">
+                                  <m:r>
+                                    <a:rPr lang="en-US" i="1">
+                                      <a:latin typeface="Cambria Math" panose="02040503050406030204" pitchFamily="18" charset="0"/>
+                                      <a:cs typeface="Arial" panose="020B0604020202020204" pitchFamily="34" charset="0"/>
+                                    </a:rPr>
+                                    <m:t>𝑥</m:t>
+                                  </m:r>
+                                </m:oMath>
+                              </m:oMathPara>
+                            </a14:m>
+                            <a:endParaRPr lang="en-CA" dirty="0"/>
+                          </a:p>
+                        </p:txBody>
+                      </p:sp>
+                    </mc:Choice>
+                    <mc:Fallback xmlns="">
+                      <p:sp>
+                        <p:nvSpPr>
+                          <p:cNvPr id="107" name="Rectangle 106"/>
+                          <p:cNvSpPr>
+                            <a:spLocks noRot="1" noChangeAspect="1" noMove="1" noResize="1" noEditPoints="1" noAdjustHandles="1" noChangeArrowheads="1" noChangeShapeType="1" noTextEdit="1"/>
+                          </p:cNvSpPr>
+                          <p:nvPr/>
+                        </p:nvSpPr>
+                        <p:spPr>
+                          <a:xfrm>
+                            <a:off x="2697555" y="2447016"/>
+                            <a:ext cx="367985" cy="369333"/>
+                          </a:xfrm>
+                          <a:prstGeom prst="rect">
+                            <a:avLst/>
+                          </a:prstGeom>
+                          <a:blipFill>
+                            <a:blip r:embed="rId27"/>
+                            <a:stretch>
+                              <a:fillRect r="-95238" b="-160000"/>
+                            </a:stretch>
+                          </a:blipFill>
+                        </p:spPr>
+                        <p:txBody>
+                          <a:bodyPr/>
+                          <a:lstStyle/>
+                          <a:p>
+                            <a:r>
+                              <a:rPr lang="en-US">
+                                <a:noFill/>
+                              </a:rPr>
+                              <a:t> </a:t>
+                            </a:r>
+                          </a:p>
+                        </p:txBody>
+                      </p:sp>
+                    </mc:Fallback>
+                  </mc:AlternateContent>
+                  <mc:AlternateContent xmlns:mc="http://schemas.openxmlformats.org/markup-compatibility/2006" xmlns:a14="http://schemas.microsoft.com/office/drawing/2010/main">
+                    <mc:Choice Requires="a14">
+                      <p:sp>
+                        <p:nvSpPr>
+                          <p:cNvPr id="67" name="Rectangle 66"/>
+                          <p:cNvSpPr/>
+                          <p:nvPr/>
+                        </p:nvSpPr>
+                        <p:spPr>
+                          <a:xfrm>
+                            <a:off x="785815" y="912420"/>
+                            <a:ext cx="371385" cy="369333"/>
+                          </a:xfrm>
+                          <a:prstGeom prst="rect">
+                            <a:avLst/>
+                          </a:prstGeom>
+                        </p:spPr>
+                        <p:txBody>
+                          <a:bodyPr wrap="none">
+                            <a:spAutoFit/>
+                          </a:bodyPr>
+                          <a:lstStyle/>
+                          <a:p>
+                            <a:pPr/>
+                            <a14:m>
+                              <m:oMathPara xmlns:m="http://schemas.openxmlformats.org/officeDocument/2006/math">
+                                <m:oMathParaPr>
+                                  <m:jc m:val="centerGroup"/>
+                                </m:oMathParaPr>
+                                <m:oMath xmlns:m="http://schemas.openxmlformats.org/officeDocument/2006/math">
+                                  <m:r>
+                                    <a:rPr lang="en-US" b="0" i="1" smtClean="0">
+                                      <a:latin typeface="Cambria Math" panose="02040503050406030204" pitchFamily="18" charset="0"/>
+                                    </a:rPr>
+                                    <m:t>𝑦</m:t>
+                                  </m:r>
+                                </m:oMath>
+                              </m:oMathPara>
+                            </a14:m>
+                            <a:endParaRPr lang="en-CA" dirty="0"/>
+                          </a:p>
+                        </p:txBody>
+                      </p:sp>
+                    </mc:Choice>
+                    <mc:Fallback xmlns="">
+                      <p:sp>
+                        <p:nvSpPr>
+                          <p:cNvPr id="108" name="Rectangle 107"/>
+                          <p:cNvSpPr>
+                            <a:spLocks noRot="1" noChangeAspect="1" noMove="1" noResize="1" noEditPoints="1" noAdjustHandles="1" noChangeArrowheads="1" noChangeShapeType="1" noTextEdit="1"/>
+                          </p:cNvSpPr>
+                          <p:nvPr/>
+                        </p:nvSpPr>
+                        <p:spPr>
+                          <a:xfrm>
+                            <a:off x="785815" y="912420"/>
+                            <a:ext cx="371385" cy="369333"/>
+                          </a:xfrm>
+                          <a:prstGeom prst="rect">
+                            <a:avLst/>
+                          </a:prstGeom>
+                          <a:blipFill>
+                            <a:blip r:embed="rId28"/>
+                            <a:stretch>
+                              <a:fillRect l="-19048" r="-114286" b="-220000"/>
+                            </a:stretch>
+                          </a:blipFill>
+                        </p:spPr>
+                        <p:txBody>
+                          <a:bodyPr/>
+                          <a:lstStyle/>
+                          <a:p>
+                            <a:r>
+                              <a:rPr lang="en-US">
+                                <a:noFill/>
+                              </a:rPr>
+                              <a:t> </a:t>
+                            </a:r>
+                          </a:p>
+                        </p:txBody>
+                      </p:sp>
+                    </mc:Fallback>
+                  </mc:AlternateContent>
+                  <mc:AlternateContent xmlns:mc="http://schemas.openxmlformats.org/markup-compatibility/2006" xmlns:a14="http://schemas.microsoft.com/office/drawing/2010/main">
+                    <mc:Choice Requires="a14">
+                      <p:sp>
+                        <p:nvSpPr>
+                          <p:cNvPr id="68" name="Rectangle 67"/>
+                          <p:cNvSpPr/>
+                          <p:nvPr/>
+                        </p:nvSpPr>
+                        <p:spPr>
+                          <a:xfrm>
+                            <a:off x="1006642" y="2350591"/>
+                            <a:ext cx="367985" cy="369333"/>
+                          </a:xfrm>
+                          <a:prstGeom prst="rect">
+                            <a:avLst/>
+                          </a:prstGeom>
+                        </p:spPr>
+                        <p:txBody>
+                          <a:bodyPr wrap="none">
+                            <a:spAutoFit/>
+                          </a:bodyPr>
+                          <a:lstStyle/>
+                          <a:p>
+                            <a:pPr/>
+                            <a14:m>
+                              <m:oMathPara xmlns:m="http://schemas.openxmlformats.org/officeDocument/2006/math">
+                                <m:oMathParaPr>
+                                  <m:jc m:val="centerGroup"/>
+                                </m:oMathParaPr>
+                                <m:oMath xmlns:m="http://schemas.openxmlformats.org/officeDocument/2006/math">
+                                  <m:r>
+                                    <a:rPr lang="en-US" b="0" i="1" smtClean="0">
+                                      <a:latin typeface="Cambria Math" panose="02040503050406030204" pitchFamily="18" charset="0"/>
+                                      <a:cs typeface="Arial" panose="020B0604020202020204" pitchFamily="34" charset="0"/>
+                                    </a:rPr>
+                                    <m:t>0</m:t>
+                                  </m:r>
+                                </m:oMath>
+                              </m:oMathPara>
+                            </a14:m>
+                            <a:endParaRPr lang="en-CA" dirty="0"/>
+                          </a:p>
+                        </p:txBody>
+                      </p:sp>
+                    </mc:Choice>
+                    <mc:Fallback xmlns="">
+                      <p:sp>
+                        <p:nvSpPr>
+                          <p:cNvPr id="109" name="Rectangle 108"/>
+                          <p:cNvSpPr>
+                            <a:spLocks noRot="1" noChangeAspect="1" noMove="1" noResize="1" noEditPoints="1" noAdjustHandles="1" noChangeArrowheads="1" noChangeShapeType="1" noTextEdit="1"/>
+                          </p:cNvSpPr>
+                          <p:nvPr/>
+                        </p:nvSpPr>
+                        <p:spPr>
+                          <a:xfrm>
+                            <a:off x="1006642" y="2350591"/>
+                            <a:ext cx="367985" cy="369333"/>
+                          </a:xfrm>
+                          <a:prstGeom prst="rect">
+                            <a:avLst/>
+                          </a:prstGeom>
+                          <a:blipFill>
+                            <a:blip r:embed="rId29"/>
+                            <a:stretch>
+                              <a:fillRect l="-14286" r="-114286" b="-180000"/>
+                            </a:stretch>
+                          </a:blipFill>
+                        </p:spPr>
+                        <p:txBody>
+                          <a:bodyPr/>
+                          <a:lstStyle/>
+                          <a:p>
+                            <a:r>
+                              <a:rPr lang="en-US">
+                                <a:noFill/>
+                              </a:rPr>
+                              <a:t> </a:t>
+                            </a:r>
+                          </a:p>
+                        </p:txBody>
+                      </p:sp>
+                    </mc:Fallback>
+                  </mc:AlternateContent>
+                </p:grpSp>
+                <p:sp>
+                  <p:nvSpPr>
+                    <p:cNvPr id="63" name="Rectangle 62"/>
+                    <p:cNvSpPr/>
+                    <p:nvPr/>
+                  </p:nvSpPr>
+                  <p:spPr>
+                    <a:xfrm>
+                      <a:off x="1129904" y="1614682"/>
+                      <a:ext cx="184731" cy="369332"/>
+                    </a:xfrm>
+                    <a:prstGeom prst="rect">
+                      <a:avLst/>
+                    </a:prstGeom>
+                  </p:spPr>
+                  <p:txBody>
+                    <a:bodyPr wrap="none">
+                      <a:spAutoFit/>
+                    </a:bodyPr>
+                    <a:lstStyle/>
+                    <a:p>
+                      <a:endParaRPr lang="en-CA" dirty="0"/>
+                    </a:p>
+                  </p:txBody>
+                </p:sp>
+              </p:grpSp>
+            </p:grpSp>
+            <p:cxnSp>
+              <p:nvCxnSpPr>
+                <p:cNvPr id="52" name="Straight Connector 51"/>
+                <p:cNvCxnSpPr/>
+                <p:nvPr/>
+              </p:nvCxnSpPr>
+              <p:spPr>
+                <a:xfrm flipH="1">
+                  <a:off x="5217524" y="1215342"/>
+                  <a:ext cx="2658" cy="907284"/>
+                </a:xfrm>
+                <a:prstGeom prst="line">
+                  <a:avLst/>
+                </a:prstGeom>
+                <a:ln w="28575">
+                  <a:solidFill>
+                    <a:schemeClr val="tx1"/>
+                  </a:solidFill>
+                  <a:prstDash val="sysDot"/>
+                </a:ln>
+              </p:spPr>
+              <p:style>
+                <a:lnRef idx="1">
+                  <a:schemeClr val="accent1"/>
+                </a:lnRef>
+                <a:fillRef idx="0">
+                  <a:schemeClr val="accent1"/>
+                </a:fillRef>
+                <a:effectRef idx="0">
+                  <a:schemeClr val="accent1"/>
+                </a:effectRef>
+                <a:fontRef idx="minor">
+                  <a:schemeClr val="tx1"/>
+                </a:fontRef>
+              </p:style>
+            </p:cxnSp>
+            <mc:AlternateContent xmlns:mc="http://schemas.openxmlformats.org/markup-compatibility/2006">
+              <mc:Choice xmlns:a14="http://schemas.microsoft.com/office/drawing/2010/main" Requires="a14">
+                <p:sp>
+                  <p:nvSpPr>
+                    <p:cNvPr id="53" name="TextBox 52"/>
+                    <p:cNvSpPr txBox="1"/>
+                    <p:nvPr/>
+                  </p:nvSpPr>
+                  <p:spPr>
+                    <a:xfrm>
+                      <a:off x="5241950" y="1519875"/>
+                      <a:ext cx="222304" cy="307777"/>
+                    </a:xfrm>
+                    <a:prstGeom prst="rect">
+                      <a:avLst/>
+                    </a:prstGeom>
+                    <a:noFill/>
+                  </p:spPr>
+                  <p:txBody>
+                    <a:bodyPr wrap="none" lIns="0" tIns="0" rIns="0" bIns="0" rtlCol="0">
+                      <a:spAutoFit/>
+                    </a:bodyPr>
+                    <a:lstStyle/>
+                    <a:p>
+                      <a14:m>
+                        <m:oMathPara xmlns:m="http://schemas.openxmlformats.org/officeDocument/2006/math">
+                          <m:oMathParaPr>
+                            <m:jc m:val="centerGroup"/>
+                          </m:oMathParaPr>
+                          <m:oMath xmlns:m="http://schemas.openxmlformats.org/officeDocument/2006/math">
+                            <m:r>
+                              <a:rPr lang="en-US" sz="2000" b="0" i="1" smtClean="0">
+                                <a:latin typeface="Cambria Math" panose="02040503050406030204" pitchFamily="18" charset="0"/>
+                                <a:cs typeface="Arial" panose="020B0604020202020204" pitchFamily="34" charset="0"/>
+                              </a:rPr>
+                              <m:t>𝜃</m:t>
+                            </m:r>
+                          </m:oMath>
+                        </m:oMathPara>
+                      </a14:m>
+                      <a:endParaRPr lang="en-US" sz="2000" dirty="0" smtClean="0">
+                        <a:latin typeface="Arial" panose="020B0604020202020204" pitchFamily="34" charset="0"/>
+                        <a:cs typeface="Arial" panose="020B0604020202020204" pitchFamily="34" charset="0"/>
+                      </a:endParaRPr>
+                    </a:p>
+                  </p:txBody>
+                </p:sp>
+              </mc:Choice>
+              <mc:Fallback>
+                <p:sp>
+                  <p:nvSpPr>
+                    <p:cNvPr id="53" name="TextBox 52"/>
+                    <p:cNvSpPr txBox="1">
+                      <a:spLocks noRot="1" noChangeAspect="1" noMove="1" noResize="1" noEditPoints="1" noAdjustHandles="1" noChangeArrowheads="1" noChangeShapeType="1" noTextEdit="1"/>
+                    </p:cNvSpPr>
+                    <p:nvPr/>
+                  </p:nvSpPr>
+                  <p:spPr>
+                    <a:xfrm>
+                      <a:off x="5241950" y="1519875"/>
+                      <a:ext cx="222304" cy="307777"/>
+                    </a:xfrm>
+                    <a:prstGeom prst="rect">
+                      <a:avLst/>
+                    </a:prstGeom>
+                    <a:blipFill>
+                      <a:blip r:embed="rId33"/>
+                      <a:stretch>
+                        <a:fillRect l="-24324" r="-21622" b="-12000"/>
+                      </a:stretch>
+                    </a:blipFill>
+                  </p:spPr>
+                  <p:txBody>
+                    <a:bodyPr/>
+                    <a:lstStyle/>
+                    <a:p>
+                      <a:r>
+                        <a:rPr lang="en-US">
+                          <a:noFill/>
+                        </a:rPr>
+                        <a:t> </a:t>
+                      </a:r>
+                    </a:p>
+                  </p:txBody>
+                </p:sp>
+              </mc:Fallback>
+            </mc:AlternateContent>
+          </p:grpSp>
+          <p:cxnSp>
+            <p:nvCxnSpPr>
+              <p:cNvPr id="69" name="Straight Arrow Connector 68"/>
+              <p:cNvCxnSpPr/>
+              <p:nvPr/>
+            </p:nvCxnSpPr>
+            <p:spPr>
+              <a:xfrm flipH="1">
+                <a:off x="7812469" y="2161926"/>
+                <a:ext cx="560313" cy="21608"/>
+              </a:xfrm>
+              <a:prstGeom prst="straightConnector1">
+                <a:avLst/>
+              </a:prstGeom>
+              <a:ln w="38100">
+                <a:solidFill>
+                  <a:schemeClr val="tx1"/>
+                </a:solidFill>
+                <a:tailEnd type="triangle"/>
+              </a:ln>
+            </p:spPr>
+            <p:style>
+              <a:lnRef idx="1">
+                <a:schemeClr val="accent1"/>
+              </a:lnRef>
+              <a:fillRef idx="0">
+                <a:schemeClr val="accent1"/>
+              </a:fillRef>
+              <a:effectRef idx="0">
+                <a:schemeClr val="accent1"/>
+              </a:effectRef>
+              <a:fontRef idx="minor">
+                <a:schemeClr val="tx1"/>
+              </a:fontRef>
+            </p:style>
+          </p:cxnSp>
+          <mc:AlternateContent xmlns:mc="http://schemas.openxmlformats.org/markup-compatibility/2006">
+            <mc:Choice xmlns:a14="http://schemas.microsoft.com/office/drawing/2010/main" Requires="a14">
+              <p:sp>
+                <p:nvSpPr>
+                  <p:cNvPr id="72" name="TextBox 71"/>
+                  <p:cNvSpPr txBox="1"/>
+                  <p:nvPr/>
+                </p:nvSpPr>
+                <p:spPr>
+                  <a:xfrm>
+                    <a:off x="7997335" y="1708866"/>
+                    <a:ext cx="256847" cy="345159"/>
+                  </a:xfrm>
+                  <a:prstGeom prst="rect">
+                    <a:avLst/>
+                  </a:prstGeom>
+                  <a:noFill/>
+                </p:spPr>
+                <p:txBody>
+                  <a:bodyPr wrap="square" lIns="0" tIns="0" rIns="0" bIns="0" rtlCol="0">
+                    <a:spAutoFit/>
+                  </a:bodyPr>
+                  <a:lstStyle/>
+                  <a:p>
+                    <a14:m>
+                      <m:oMathPara xmlns:m="http://schemas.openxmlformats.org/officeDocument/2006/math">
+                        <m:oMathParaPr>
+                          <m:jc m:val="centerGroup"/>
+                        </m:oMathParaPr>
+                        <m:oMath xmlns:m="http://schemas.openxmlformats.org/officeDocument/2006/math">
+                          <m:sSub>
+                            <m:sSubPr>
+                              <m:ctrlPr>
+                                <a:rPr lang="en-US" sz="2000" b="0" i="1" smtClean="0">
+                                  <a:latin typeface="Cambria Math" panose="02040503050406030204" pitchFamily="18" charset="0"/>
+                                  <a:cs typeface="Arial" panose="020B0604020202020204" pitchFamily="34" charset="0"/>
+                                </a:rPr>
+                              </m:ctrlPr>
+                            </m:sSubPr>
+                            <m:e>
+                              <m:acc>
+                                <m:accPr>
+                                  <m:chr m:val="⃗"/>
+                                  <m:ctrlPr>
+                                    <a:rPr lang="en-US" sz="2000" b="0" i="1" smtClean="0">
+                                      <a:latin typeface="Cambria Math" panose="02040503050406030204" pitchFamily="18" charset="0"/>
+                                      <a:cs typeface="Arial" panose="020B0604020202020204" pitchFamily="34" charset="0"/>
+                                    </a:rPr>
+                                  </m:ctrlPr>
+                                </m:accPr>
+                                <m:e>
+                                  <m:r>
+                                    <a:rPr lang="en-US" sz="2000" b="0" i="1" smtClean="0">
+                                      <a:latin typeface="Cambria Math" panose="02040503050406030204" pitchFamily="18" charset="0"/>
+                                      <a:cs typeface="Arial" panose="020B0604020202020204" pitchFamily="34" charset="0"/>
+                                    </a:rPr>
+                                    <m:t>𝐹</m:t>
+                                  </m:r>
+                                </m:e>
+                              </m:acc>
+                            </m:e>
+                            <m:sub>
+                              <m:r>
+                                <a:rPr lang="en-US" sz="2000" b="0" i="1" smtClean="0">
+                                  <a:latin typeface="Cambria Math" panose="02040503050406030204" pitchFamily="18" charset="0"/>
+                                  <a:cs typeface="Arial" panose="020B0604020202020204" pitchFamily="34" charset="0"/>
+                                </a:rPr>
+                                <m:t>𝐼</m:t>
+                              </m:r>
+                            </m:sub>
+                          </m:sSub>
+                        </m:oMath>
+                      </m:oMathPara>
+                    </a14:m>
+                    <a:endParaRPr lang="en-US" sz="2000" dirty="0" smtClean="0">
+                      <a:latin typeface="Arial" panose="020B0604020202020204" pitchFamily="34" charset="0"/>
+                      <a:cs typeface="Arial" panose="020B0604020202020204" pitchFamily="34" charset="0"/>
+                    </a:endParaRPr>
+                  </a:p>
+                </p:txBody>
+              </p:sp>
+            </mc:Choice>
+            <mc:Fallback>
+              <p:sp>
+                <p:nvSpPr>
+                  <p:cNvPr id="72" name="TextBox 71"/>
+                  <p:cNvSpPr txBox="1">
+                    <a:spLocks noRot="1" noChangeAspect="1" noMove="1" noResize="1" noEditPoints="1" noAdjustHandles="1" noChangeArrowheads="1" noChangeShapeType="1" noTextEdit="1"/>
+                  </p:cNvSpPr>
+                  <p:nvPr/>
+                </p:nvSpPr>
+                <p:spPr>
+                  <a:xfrm>
+                    <a:off x="7997335" y="1708866"/>
+                    <a:ext cx="256847" cy="345159"/>
+                  </a:xfrm>
+                  <a:prstGeom prst="rect">
+                    <a:avLst/>
+                  </a:prstGeom>
+                  <a:blipFill>
+                    <a:blip r:embed="rId34"/>
+                    <a:stretch>
+                      <a:fillRect l="-28571" t="-33333" r="-76190" b="-17544"/>
+                    </a:stretch>
+                  </a:blipFill>
+                </p:spPr>
+                <p:txBody>
+                  <a:bodyPr/>
+                  <a:lstStyle/>
+                  <a:p>
+                    <a:r>
+                      <a:rPr lang="en-US">
+                        <a:noFill/>
+                      </a:rPr>
+                      <a:t> </a:t>
+                    </a:r>
+                  </a:p>
+                </p:txBody>
+              </p:sp>
+            </mc:Fallback>
+          </mc:AlternateContent>
+        </p:grpSp>
+        <mc:AlternateContent xmlns:mc="http://schemas.openxmlformats.org/markup-compatibility/2006">
+          <mc:Choice xmlns:a14="http://schemas.microsoft.com/office/drawing/2010/main" Requires="a14">
+            <p:sp>
+              <p:nvSpPr>
+                <p:cNvPr id="74" name="TextBox 73"/>
+                <p:cNvSpPr txBox="1"/>
+                <p:nvPr/>
+              </p:nvSpPr>
+              <p:spPr>
+                <a:xfrm>
+                  <a:off x="7145572" y="904485"/>
+                  <a:ext cx="2514214" cy="307777"/>
+                </a:xfrm>
+                <a:prstGeom prst="rect">
+                  <a:avLst/>
+                </a:prstGeom>
+                <a:noFill/>
+              </p:spPr>
+              <p:txBody>
+                <a:bodyPr wrap="none" lIns="0" tIns="0" rIns="0" bIns="0" rtlCol="0">
+                  <a:spAutoFit/>
+                </a:bodyPr>
+                <a:lstStyle/>
+                <a:p>
+                  <a14:m>
+                    <m:oMathPara xmlns:m="http://schemas.openxmlformats.org/officeDocument/2006/math">
+                      <m:oMathParaPr>
+                        <m:jc m:val="centerGroup"/>
+                      </m:oMathParaPr>
+                      <m:oMath xmlns:m="http://schemas.openxmlformats.org/officeDocument/2006/math">
+                        <m:r>
+                          <a:rPr lang="en-US" sz="2000" b="0" i="1" smtClean="0">
+                            <a:latin typeface="Cambria Math" panose="02040503050406030204" pitchFamily="18" charset="0"/>
+                            <a:cs typeface="Arial" panose="020B0604020202020204" pitchFamily="34" charset="0"/>
+                          </a:rPr>
+                          <m:t>𝑛𝑜𝑛</m:t>
+                        </m:r>
+                        <m:r>
+                          <a:rPr lang="en-US" sz="2000" b="0" i="1" smtClean="0">
+                            <a:latin typeface="Cambria Math" panose="02040503050406030204" pitchFamily="18" charset="0"/>
+                            <a:cs typeface="Arial" panose="020B0604020202020204" pitchFamily="34" charset="0"/>
+                          </a:rPr>
+                          <m:t>−</m:t>
+                        </m:r>
+                        <m:r>
+                          <a:rPr lang="en-US" sz="2000" b="0" i="1" smtClean="0">
+                            <a:latin typeface="Cambria Math" panose="02040503050406030204" pitchFamily="18" charset="0"/>
+                            <a:cs typeface="Arial" panose="020B0604020202020204" pitchFamily="34" charset="0"/>
+                          </a:rPr>
+                          <m:t>𝑖𝑛𝑒𝑟𝑡𝑖𝑎𝑙</m:t>
+                        </m:r>
+                        <m:r>
+                          <a:rPr lang="en-US" sz="2000" b="0" i="1" smtClean="0">
+                            <a:latin typeface="Cambria Math" panose="02040503050406030204" pitchFamily="18" charset="0"/>
+                            <a:cs typeface="Arial" panose="020B0604020202020204" pitchFamily="34" charset="0"/>
+                          </a:rPr>
+                          <m:t> </m:t>
+                        </m:r>
+                        <m:r>
+                          <a:rPr lang="en-US" sz="2000" b="0" i="1" smtClean="0">
+                            <a:latin typeface="Cambria Math" panose="02040503050406030204" pitchFamily="18" charset="0"/>
+                            <a:cs typeface="Arial" panose="020B0604020202020204" pitchFamily="34" charset="0"/>
+                          </a:rPr>
+                          <m:t>𝑓𝑟𝑎𝑚𝑒</m:t>
+                        </m:r>
+                      </m:oMath>
+                    </m:oMathPara>
+                  </a14:m>
+                  <a:endParaRPr lang="en-US" sz="2000" dirty="0" smtClean="0">
+                    <a:latin typeface="Arial" panose="020B0604020202020204" pitchFamily="34" charset="0"/>
+                    <a:cs typeface="Arial" panose="020B0604020202020204" pitchFamily="34" charset="0"/>
+                  </a:endParaRPr>
+                </a:p>
+              </p:txBody>
+            </p:sp>
+          </mc:Choice>
+          <mc:Fallback>
+            <p:sp>
+              <p:nvSpPr>
+                <p:cNvPr id="74" name="TextBox 73"/>
+                <p:cNvSpPr txBox="1">
+                  <a:spLocks noRot="1" noChangeAspect="1" noMove="1" noResize="1" noEditPoints="1" noAdjustHandles="1" noChangeArrowheads="1" noChangeShapeType="1" noTextEdit="1"/>
+                </p:cNvSpPr>
+                <p:nvPr/>
+              </p:nvSpPr>
+              <p:spPr>
+                <a:xfrm>
+                  <a:off x="7145572" y="904485"/>
+                  <a:ext cx="2514214" cy="307777"/>
+                </a:xfrm>
+                <a:prstGeom prst="rect">
+                  <a:avLst/>
+                </a:prstGeom>
+                <a:blipFill>
+                  <a:blip r:embed="rId35"/>
+                  <a:stretch>
+                    <a:fillRect l="-484" r="-2663" b="-37255"/>
+                  </a:stretch>
+                </a:blipFill>
+              </p:spPr>
+              <p:txBody>
+                <a:bodyPr/>
+                <a:lstStyle/>
+                <a:p>
+                  <a:r>
+                    <a:rPr lang="en-US">
+                      <a:noFill/>
+                    </a:rPr>
+                    <a:t> </a:t>
+                  </a:r>
+                </a:p>
+              </p:txBody>
+            </p:sp>
+          </mc:Fallback>
+        </mc:AlternateContent>
+      </p:grpSp>
+      <p:grpSp>
+        <p:nvGrpSpPr>
+          <p:cNvPr id="104" name="Group 103"/>
+          <p:cNvGrpSpPr/>
+          <p:nvPr/>
+        </p:nvGrpSpPr>
+        <p:grpSpPr>
+          <a:xfrm>
+            <a:off x="274114" y="4020390"/>
+            <a:ext cx="1234882" cy="2251113"/>
+            <a:chOff x="274114" y="4020390"/>
+            <a:chExt cx="1234882" cy="2251113"/>
+          </a:xfrm>
+        </p:grpSpPr>
+        <p:grpSp>
+          <p:nvGrpSpPr>
+            <p:cNvPr id="95" name="Group 94"/>
+            <p:cNvGrpSpPr/>
+            <p:nvPr/>
+          </p:nvGrpSpPr>
+          <p:grpSpPr>
+            <a:xfrm>
+              <a:off x="723509" y="4020390"/>
+              <a:ext cx="785487" cy="1776350"/>
+              <a:chOff x="723509" y="4020390"/>
+              <a:chExt cx="785487" cy="1776350"/>
+            </a:xfrm>
+          </p:grpSpPr>
+          <p:sp>
+            <p:nvSpPr>
+              <p:cNvPr id="79" name="Oval 78"/>
+              <p:cNvSpPr/>
+              <p:nvPr/>
+            </p:nvSpPr>
+            <p:spPr>
+              <a:xfrm>
+                <a:off x="1091633" y="4636218"/>
+                <a:ext cx="120943" cy="119766"/>
+              </a:xfrm>
+              <a:prstGeom prst="ellipse">
+                <a:avLst/>
+              </a:prstGeom>
+              <a:solidFill>
+                <a:schemeClr val="tx1"/>
+              </a:solidFill>
+              <a:ln w="38100">
+                <a:solidFill>
+                  <a:schemeClr val="tx1"/>
+                </a:solidFill>
+              </a:ln>
+            </p:spPr>
+            <p:style>
+              <a:lnRef idx="2">
+                <a:schemeClr val="accent1">
+                  <a:shade val="50000"/>
+                </a:schemeClr>
+              </a:lnRef>
+              <a:fillRef idx="1">
+                <a:schemeClr val="accent1"/>
+              </a:fillRef>
+              <a:effectRef idx="0">
+                <a:schemeClr val="accent1"/>
+              </a:effectRef>
+              <a:fontRef idx="minor">
+                <a:schemeClr val="lt1"/>
+              </a:fontRef>
+            </p:style>
+            <p:txBody>
+              <a:bodyPr rtlCol="0" anchor="ctr"/>
+              <a:lstStyle/>
+              <a:p>
+                <a:pPr algn="ctr"/>
+                <a:endParaRPr lang="en-US"/>
+              </a:p>
+            </p:txBody>
+          </p:sp>
+          <p:cxnSp>
+            <p:nvCxnSpPr>
+              <p:cNvPr id="80" name="Straight Arrow Connector 79"/>
+              <p:cNvCxnSpPr/>
+              <p:nvPr/>
+            </p:nvCxnSpPr>
+            <p:spPr>
+              <a:xfrm>
+                <a:off x="1146820" y="4755984"/>
+                <a:ext cx="5284" cy="1040756"/>
+              </a:xfrm>
+              <a:prstGeom prst="straightConnector1">
+                <a:avLst/>
+              </a:prstGeom>
+              <a:ln w="38100">
+                <a:solidFill>
+                  <a:schemeClr val="tx1"/>
+                </a:solidFill>
+                <a:tailEnd type="triangle"/>
+              </a:ln>
+            </p:spPr>
+            <p:style>
+              <a:lnRef idx="1">
+                <a:schemeClr val="accent1"/>
+              </a:lnRef>
+              <a:fillRef idx="0">
+                <a:schemeClr val="accent1"/>
+              </a:fillRef>
+              <a:effectRef idx="0">
+                <a:schemeClr val="accent1"/>
+              </a:effectRef>
+              <a:fontRef idx="minor">
+                <a:schemeClr val="tx1"/>
+              </a:fontRef>
+            </p:style>
+          </p:cxnSp>
+          <mc:AlternateContent xmlns:mc="http://schemas.openxmlformats.org/markup-compatibility/2006">
+            <mc:Choice xmlns:a14="http://schemas.microsoft.com/office/drawing/2010/main" Requires="a14">
+              <p:sp>
+                <p:nvSpPr>
+                  <p:cNvPr id="81" name="TextBox 80"/>
+                  <p:cNvSpPr txBox="1"/>
+                  <p:nvPr/>
+                </p:nvSpPr>
+                <p:spPr>
+                  <a:xfrm>
+                    <a:off x="782483" y="5105805"/>
+                    <a:ext cx="303865" cy="377219"/>
+                  </a:xfrm>
+                  <a:prstGeom prst="rect">
+                    <a:avLst/>
+                  </a:prstGeom>
+                  <a:noFill/>
+                </p:spPr>
+                <p:txBody>
+                  <a:bodyPr wrap="none" lIns="0" tIns="0" rIns="0" bIns="0" rtlCol="0">
+                    <a:spAutoFit/>
+                  </a:bodyPr>
+                  <a:lstStyle/>
+                  <a:p>
+                    <a14:m>
+                      <m:oMathPara xmlns:m="http://schemas.openxmlformats.org/officeDocument/2006/math">
+                        <m:oMathParaPr>
+                          <m:jc m:val="centerGroup"/>
+                        </m:oMathParaPr>
+                        <m:oMath xmlns:m="http://schemas.openxmlformats.org/officeDocument/2006/math">
+                          <m:sSub>
+                            <m:sSubPr>
+                              <m:ctrlPr>
+                                <a:rPr lang="en-US" sz="2000" b="0" i="1" smtClean="0">
+                                  <a:latin typeface="Cambria Math" panose="02040503050406030204" pitchFamily="18" charset="0"/>
+                                  <a:cs typeface="Arial" panose="020B0604020202020204" pitchFamily="34" charset="0"/>
+                                </a:rPr>
+                              </m:ctrlPr>
+                            </m:sSubPr>
+                            <m:e>
+                              <m:acc>
+                                <m:accPr>
+                                  <m:chr m:val="⃗"/>
+                                  <m:ctrlPr>
+                                    <a:rPr lang="en-US" sz="2000" b="0" i="1" smtClean="0">
+                                      <a:latin typeface="Cambria Math" panose="02040503050406030204" pitchFamily="18" charset="0"/>
+                                      <a:cs typeface="Arial" panose="020B0604020202020204" pitchFamily="34" charset="0"/>
+                                    </a:rPr>
+                                  </m:ctrlPr>
+                                </m:accPr>
+                                <m:e>
+                                  <m:r>
+                                    <a:rPr lang="en-US" sz="2000" b="0" i="1" smtClean="0">
+                                      <a:latin typeface="Cambria Math" panose="02040503050406030204" pitchFamily="18" charset="0"/>
+                                      <a:cs typeface="Arial" panose="020B0604020202020204" pitchFamily="34" charset="0"/>
+                                    </a:rPr>
+                                    <m:t>𝐹</m:t>
+                                  </m:r>
+                                </m:e>
+                              </m:acc>
+                            </m:e>
+                            <m:sub>
+                              <m:r>
+                                <a:rPr lang="en-US" sz="2000" b="0" i="1" smtClean="0">
+                                  <a:latin typeface="Cambria Math" panose="02040503050406030204" pitchFamily="18" charset="0"/>
+                                  <a:cs typeface="Arial" panose="020B0604020202020204" pitchFamily="34" charset="0"/>
+                                </a:rPr>
+                                <m:t>𝑔</m:t>
+                              </m:r>
+                            </m:sub>
+                          </m:sSub>
+                        </m:oMath>
+                      </m:oMathPara>
+                    </a14:m>
+                    <a:endParaRPr lang="en-US" sz="2000" dirty="0" smtClean="0">
+                      <a:latin typeface="Arial" panose="020B0604020202020204" pitchFamily="34" charset="0"/>
+                      <a:cs typeface="Arial" panose="020B0604020202020204" pitchFamily="34" charset="0"/>
+                    </a:endParaRPr>
+                  </a:p>
+                </p:txBody>
+              </p:sp>
+            </mc:Choice>
+            <mc:Fallback>
+              <p:sp>
+                <p:nvSpPr>
+                  <p:cNvPr id="81" name="TextBox 80"/>
+                  <p:cNvSpPr txBox="1">
+                    <a:spLocks noRot="1" noChangeAspect="1" noMove="1" noResize="1" noEditPoints="1" noAdjustHandles="1" noChangeArrowheads="1" noChangeShapeType="1" noTextEdit="1"/>
+                  </p:cNvSpPr>
+                  <p:nvPr/>
+                </p:nvSpPr>
+                <p:spPr>
+                  <a:xfrm>
+                    <a:off x="782483" y="5105805"/>
+                    <a:ext cx="303865" cy="377219"/>
+                  </a:xfrm>
+                  <a:prstGeom prst="rect">
+                    <a:avLst/>
+                  </a:prstGeom>
+                  <a:blipFill>
+                    <a:blip r:embed="rId36"/>
+                    <a:stretch>
+                      <a:fillRect l="-16000" t="-32787" r="-72000" b="-19672"/>
+                    </a:stretch>
+                  </a:blipFill>
+                </p:spPr>
+                <p:txBody>
+                  <a:bodyPr/>
+                  <a:lstStyle/>
+                  <a:p>
+                    <a:r>
+                      <a:rPr lang="en-US">
+                        <a:noFill/>
+                      </a:rPr>
+                      <a:t> </a:t>
+                    </a:r>
+                  </a:p>
+                </p:txBody>
+              </p:sp>
+            </mc:Fallback>
+          </mc:AlternateContent>
+          <p:cxnSp>
+            <p:nvCxnSpPr>
+              <p:cNvPr id="82" name="Straight Arrow Connector 81"/>
+              <p:cNvCxnSpPr/>
+              <p:nvPr/>
+            </p:nvCxnSpPr>
+            <p:spPr>
+              <a:xfrm flipH="1" flipV="1">
+                <a:off x="1108661" y="4330519"/>
+                <a:ext cx="965" cy="369179"/>
+              </a:xfrm>
+              <a:prstGeom prst="straightConnector1">
+                <a:avLst/>
+              </a:prstGeom>
+              <a:ln w="38100">
+                <a:solidFill>
+                  <a:schemeClr val="tx1"/>
+                </a:solidFill>
+                <a:tailEnd type="triangle"/>
+              </a:ln>
+            </p:spPr>
+            <p:style>
+              <a:lnRef idx="1">
+                <a:schemeClr val="accent1"/>
+              </a:lnRef>
+              <a:fillRef idx="0">
+                <a:schemeClr val="accent1"/>
+              </a:fillRef>
+              <a:effectRef idx="0">
+                <a:schemeClr val="accent1"/>
+              </a:effectRef>
+              <a:fontRef idx="minor">
+                <a:schemeClr val="tx1"/>
+              </a:fontRef>
+            </p:style>
+          </p:cxnSp>
+          <p:cxnSp>
+            <p:nvCxnSpPr>
+              <p:cNvPr id="84" name="Straight Arrow Connector 83"/>
+              <p:cNvCxnSpPr/>
+              <p:nvPr/>
+            </p:nvCxnSpPr>
+            <p:spPr>
+              <a:xfrm flipV="1">
+                <a:off x="1191991" y="4020390"/>
+                <a:ext cx="9010" cy="666558"/>
+              </a:xfrm>
+              <a:prstGeom prst="straightConnector1">
+                <a:avLst/>
+              </a:prstGeom>
+              <a:ln w="38100">
+                <a:solidFill>
+                  <a:schemeClr val="tx1"/>
+                </a:solidFill>
+                <a:tailEnd type="triangle"/>
+              </a:ln>
+            </p:spPr>
+            <p:style>
+              <a:lnRef idx="1">
+                <a:schemeClr val="accent1"/>
+              </a:lnRef>
+              <a:fillRef idx="0">
+                <a:schemeClr val="accent1"/>
+              </a:fillRef>
+              <a:effectRef idx="0">
+                <a:schemeClr val="accent1"/>
+              </a:effectRef>
+              <a:fontRef idx="minor">
+                <a:schemeClr val="tx1"/>
+              </a:fontRef>
+            </p:style>
+          </p:cxnSp>
+          <mc:AlternateContent xmlns:mc="http://schemas.openxmlformats.org/markup-compatibility/2006">
+            <mc:Choice xmlns:a14="http://schemas.microsoft.com/office/drawing/2010/main" Requires="a14">
+              <p:sp>
+                <p:nvSpPr>
+                  <p:cNvPr id="93" name="TextBox 92"/>
+                  <p:cNvSpPr txBox="1"/>
+                  <p:nvPr/>
+                </p:nvSpPr>
+                <p:spPr>
+                  <a:xfrm>
+                    <a:off x="723509" y="4291059"/>
+                    <a:ext cx="256847" cy="345159"/>
+                  </a:xfrm>
+                  <a:prstGeom prst="rect">
+                    <a:avLst/>
+                  </a:prstGeom>
+                  <a:noFill/>
+                </p:spPr>
+                <p:txBody>
+                  <a:bodyPr wrap="square" lIns="0" tIns="0" rIns="0" bIns="0" rtlCol="0">
+                    <a:spAutoFit/>
+                  </a:bodyPr>
+                  <a:lstStyle/>
+                  <a:p>
+                    <a14:m>
+                      <m:oMathPara xmlns:m="http://schemas.openxmlformats.org/officeDocument/2006/math">
+                        <m:oMathParaPr>
+                          <m:jc m:val="centerGroup"/>
+                        </m:oMathParaPr>
+                        <m:oMath xmlns:m="http://schemas.openxmlformats.org/officeDocument/2006/math">
+                          <m:sSub>
+                            <m:sSubPr>
+                              <m:ctrlPr>
+                                <a:rPr lang="en-US" sz="2000" b="0" i="1" smtClean="0">
+                                  <a:latin typeface="Cambria Math" panose="02040503050406030204" pitchFamily="18" charset="0"/>
+                                  <a:cs typeface="Arial" panose="020B0604020202020204" pitchFamily="34" charset="0"/>
+                                </a:rPr>
+                              </m:ctrlPr>
+                            </m:sSubPr>
+                            <m:e>
+                              <m:acc>
+                                <m:accPr>
+                                  <m:chr m:val="⃗"/>
+                                  <m:ctrlPr>
+                                    <a:rPr lang="en-US" sz="2000" b="0" i="1" smtClean="0">
+                                      <a:latin typeface="Cambria Math" panose="02040503050406030204" pitchFamily="18" charset="0"/>
+                                      <a:cs typeface="Arial" panose="020B0604020202020204" pitchFamily="34" charset="0"/>
+                                    </a:rPr>
+                                  </m:ctrlPr>
+                                </m:accPr>
+                                <m:e>
+                                  <m:r>
+                                    <a:rPr lang="en-US" sz="2000" b="0" i="1" smtClean="0">
+                                      <a:latin typeface="Cambria Math" panose="02040503050406030204" pitchFamily="18" charset="0"/>
+                                      <a:cs typeface="Arial" panose="020B0604020202020204" pitchFamily="34" charset="0"/>
+                                    </a:rPr>
+                                    <m:t>𝐹</m:t>
+                                  </m:r>
+                                </m:e>
+                              </m:acc>
+                            </m:e>
+                            <m:sub>
+                              <m:r>
+                                <a:rPr lang="en-US" sz="2000" b="0" i="1" smtClean="0">
+                                  <a:latin typeface="Cambria Math" panose="02040503050406030204" pitchFamily="18" charset="0"/>
+                                  <a:cs typeface="Arial" panose="020B0604020202020204" pitchFamily="34" charset="0"/>
+                                </a:rPr>
+                                <m:t>𝐼</m:t>
+                              </m:r>
+                            </m:sub>
+                          </m:sSub>
+                        </m:oMath>
+                      </m:oMathPara>
+                    </a14:m>
+                    <a:endParaRPr lang="en-US" sz="2000" dirty="0" smtClean="0">
+                      <a:latin typeface="Arial" panose="020B0604020202020204" pitchFamily="34" charset="0"/>
+                      <a:cs typeface="Arial" panose="020B0604020202020204" pitchFamily="34" charset="0"/>
+                    </a:endParaRPr>
+                  </a:p>
+                </p:txBody>
+              </p:sp>
+            </mc:Choice>
+            <mc:Fallback>
+              <p:sp>
+                <p:nvSpPr>
+                  <p:cNvPr id="93" name="TextBox 92"/>
+                  <p:cNvSpPr txBox="1">
+                    <a:spLocks noRot="1" noChangeAspect="1" noMove="1" noResize="1" noEditPoints="1" noAdjustHandles="1" noChangeArrowheads="1" noChangeShapeType="1" noTextEdit="1"/>
+                  </p:cNvSpPr>
+                  <p:nvPr/>
+                </p:nvSpPr>
+                <p:spPr>
+                  <a:xfrm>
+                    <a:off x="723509" y="4291059"/>
+                    <a:ext cx="256847" cy="345159"/>
+                  </a:xfrm>
+                  <a:prstGeom prst="rect">
+                    <a:avLst/>
+                  </a:prstGeom>
+                  <a:blipFill>
+                    <a:blip r:embed="rId37"/>
+                    <a:stretch>
+                      <a:fillRect l="-28571" t="-35088" r="-76190" b="-15789"/>
+                    </a:stretch>
+                  </a:blipFill>
+                </p:spPr>
+                <p:txBody>
+                  <a:bodyPr/>
+                  <a:lstStyle/>
+                  <a:p>
+                    <a:r>
+                      <a:rPr lang="en-US">
+                        <a:noFill/>
+                      </a:rPr>
+                      <a:t> </a:t>
+                    </a:r>
+                  </a:p>
+                </p:txBody>
+              </p:sp>
+            </mc:Fallback>
+          </mc:AlternateContent>
+          <mc:AlternateContent xmlns:mc="http://schemas.openxmlformats.org/markup-compatibility/2006">
+            <mc:Choice xmlns:a14="http://schemas.microsoft.com/office/drawing/2010/main" Requires="a14">
+              <p:sp>
+                <p:nvSpPr>
+                  <p:cNvPr id="94" name="TextBox 93"/>
+                  <p:cNvSpPr txBox="1"/>
+                  <p:nvPr/>
+                </p:nvSpPr>
+                <p:spPr>
+                  <a:xfrm>
+                    <a:off x="1252149" y="4157843"/>
+                    <a:ext cx="256847" cy="345351"/>
+                  </a:xfrm>
+                  <a:prstGeom prst="rect">
+                    <a:avLst/>
+                  </a:prstGeom>
+                  <a:noFill/>
+                </p:spPr>
+                <p:txBody>
+                  <a:bodyPr wrap="square" lIns="0" tIns="0" rIns="0" bIns="0" rtlCol="0">
+                    <a:spAutoFit/>
+                  </a:bodyPr>
+                  <a:lstStyle/>
+                  <a:p>
+                    <a14:m>
+                      <m:oMathPara xmlns:m="http://schemas.openxmlformats.org/officeDocument/2006/math">
+                        <m:oMathParaPr>
+                          <m:jc m:val="centerGroup"/>
+                        </m:oMathParaPr>
+                        <m:oMath xmlns:m="http://schemas.openxmlformats.org/officeDocument/2006/math">
+                          <m:acc>
+                            <m:accPr>
+                              <m:chr m:val="⃗"/>
+                              <m:ctrlPr>
+                                <a:rPr lang="en-US" sz="2000" b="0" i="1" smtClean="0">
+                                  <a:latin typeface="Cambria Math" panose="02040503050406030204" pitchFamily="18" charset="0"/>
+                                  <a:cs typeface="Arial" panose="020B0604020202020204" pitchFamily="34" charset="0"/>
+                                </a:rPr>
+                              </m:ctrlPr>
+                            </m:accPr>
+                            <m:e>
+                              <m:r>
+                                <a:rPr lang="en-US" sz="2000" b="0" i="1" smtClean="0">
+                                  <a:latin typeface="Cambria Math" panose="02040503050406030204" pitchFamily="18" charset="0"/>
+                                  <a:cs typeface="Arial" panose="020B0604020202020204" pitchFamily="34" charset="0"/>
+                                </a:rPr>
+                                <m:t>𝑁</m:t>
+                              </m:r>
+                            </m:e>
+                          </m:acc>
+                        </m:oMath>
+                      </m:oMathPara>
+                    </a14:m>
+                    <a:endParaRPr lang="en-US" sz="2000" dirty="0" smtClean="0">
+                      <a:latin typeface="Arial" panose="020B0604020202020204" pitchFamily="34" charset="0"/>
+                      <a:cs typeface="Arial" panose="020B0604020202020204" pitchFamily="34" charset="0"/>
+                    </a:endParaRPr>
+                  </a:p>
+                </p:txBody>
+              </p:sp>
+            </mc:Choice>
+            <mc:Fallback>
+              <p:sp>
+                <p:nvSpPr>
+                  <p:cNvPr id="94" name="TextBox 93"/>
+                  <p:cNvSpPr txBox="1">
+                    <a:spLocks noRot="1" noChangeAspect="1" noMove="1" noResize="1" noEditPoints="1" noAdjustHandles="1" noChangeArrowheads="1" noChangeShapeType="1" noTextEdit="1"/>
+                  </p:cNvSpPr>
+                  <p:nvPr/>
+                </p:nvSpPr>
+                <p:spPr>
+                  <a:xfrm>
+                    <a:off x="1252149" y="4157843"/>
+                    <a:ext cx="256847" cy="345351"/>
+                  </a:xfrm>
+                  <a:prstGeom prst="rect">
+                    <a:avLst/>
+                  </a:prstGeom>
+                  <a:blipFill>
+                    <a:blip r:embed="rId38"/>
+                    <a:stretch>
+                      <a:fillRect l="-20930" r="-18605" b="-8772"/>
+                    </a:stretch>
+                  </a:blipFill>
+                </p:spPr>
+                <p:txBody>
+                  <a:bodyPr/>
+                  <a:lstStyle/>
+                  <a:p>
+                    <a:r>
+                      <a:rPr lang="en-US">
+                        <a:noFill/>
+                      </a:rPr>
+                      <a:t> </a:t>
+                    </a:r>
+                  </a:p>
+                </p:txBody>
+              </p:sp>
+            </mc:Fallback>
+          </mc:AlternateContent>
+        </p:grpSp>
+        <p:grpSp>
+          <p:nvGrpSpPr>
+            <p:cNvPr id="96" name="Group 95"/>
+            <p:cNvGrpSpPr/>
+            <p:nvPr/>
+          </p:nvGrpSpPr>
+          <p:grpSpPr>
+            <a:xfrm>
+              <a:off x="274114" y="5561508"/>
+              <a:ext cx="898789" cy="709995"/>
+              <a:chOff x="758520" y="708040"/>
+              <a:chExt cx="2596102" cy="2135605"/>
+            </a:xfrm>
+          </p:grpSpPr>
+          <p:grpSp>
+            <p:nvGrpSpPr>
+              <p:cNvPr id="97" name="Group 96"/>
+              <p:cNvGrpSpPr/>
+              <p:nvPr/>
+            </p:nvGrpSpPr>
+            <p:grpSpPr>
+              <a:xfrm>
+                <a:off x="758520" y="708040"/>
+                <a:ext cx="2596102" cy="2135605"/>
+                <a:chOff x="785815" y="680744"/>
+                <a:chExt cx="2596102" cy="2135605"/>
+              </a:xfrm>
+            </p:grpSpPr>
+            <p:cxnSp>
+              <p:nvCxnSpPr>
+                <p:cNvPr id="99" name="Straight Arrow Connector 98"/>
+                <p:cNvCxnSpPr/>
+                <p:nvPr/>
+              </p:nvCxnSpPr>
+              <p:spPr>
+                <a:xfrm flipV="1">
+                  <a:off x="1516583" y="680744"/>
+                  <a:ext cx="7683" cy="1859535"/>
+                </a:xfrm>
+                <a:prstGeom prst="straightConnector1">
+                  <a:avLst/>
+                </a:prstGeom>
+                <a:ln w="38100">
+                  <a:solidFill>
+                    <a:schemeClr val="tx1"/>
+                  </a:solidFill>
+                  <a:tailEnd type="triangle"/>
+                </a:ln>
+              </p:spPr>
+              <p:style>
+                <a:lnRef idx="1">
+                  <a:schemeClr val="accent1"/>
+                </a:lnRef>
+                <a:fillRef idx="0">
+                  <a:schemeClr val="accent1"/>
+                </a:fillRef>
+                <a:effectRef idx="0">
+                  <a:schemeClr val="accent1"/>
+                </a:effectRef>
+                <a:fontRef idx="minor">
+                  <a:schemeClr val="tx1"/>
+                </a:fontRef>
+              </p:style>
+            </p:cxnSp>
+            <p:cxnSp>
+              <p:nvCxnSpPr>
+                <p:cNvPr id="100" name="Straight Arrow Connector 99"/>
+                <p:cNvCxnSpPr/>
+                <p:nvPr/>
+              </p:nvCxnSpPr>
+              <p:spPr>
+                <a:xfrm flipV="1">
+                  <a:off x="1507013" y="2535259"/>
+                  <a:ext cx="1874904" cy="1"/>
+                </a:xfrm>
+                <a:prstGeom prst="straightConnector1">
+                  <a:avLst/>
+                </a:prstGeom>
+                <a:ln w="38100">
+                  <a:solidFill>
+                    <a:schemeClr val="tx1"/>
+                  </a:solidFill>
+                  <a:tailEnd type="triangle"/>
+                </a:ln>
+              </p:spPr>
+              <p:style>
+                <a:lnRef idx="1">
+                  <a:schemeClr val="accent1"/>
+                </a:lnRef>
+                <a:fillRef idx="0">
+                  <a:schemeClr val="accent1"/>
+                </a:fillRef>
+                <a:effectRef idx="0">
+                  <a:schemeClr val="accent1"/>
+                </a:effectRef>
+                <a:fontRef idx="minor">
+                  <a:schemeClr val="tx1"/>
+                </a:fontRef>
+              </p:style>
+            </p:cxnSp>
+            <mc:AlternateContent xmlns:mc="http://schemas.openxmlformats.org/markup-compatibility/2006" xmlns:a14="http://schemas.microsoft.com/office/drawing/2010/main">
+              <mc:Choice Requires="a14">
+                <p:sp>
+                  <p:nvSpPr>
+                    <p:cNvPr id="101" name="Rectangle 100"/>
+                    <p:cNvSpPr/>
+                    <p:nvPr/>
+                  </p:nvSpPr>
+                  <p:spPr>
+                    <a:xfrm>
+                      <a:off x="2697555" y="2447016"/>
+                      <a:ext cx="367985" cy="369333"/>
+                    </a:xfrm>
+                    <a:prstGeom prst="rect">
+                      <a:avLst/>
+                    </a:prstGeom>
+                  </p:spPr>
+                  <p:txBody>
+                    <a:bodyPr wrap="none">
+                      <a:spAutoFit/>
+                    </a:bodyPr>
+                    <a:lstStyle/>
+                    <a:p>
+                      <a:pPr/>
+                      <a14:m>
+                        <m:oMathPara xmlns:m="http://schemas.openxmlformats.org/officeDocument/2006/math">
+                          <m:oMathParaPr>
+                            <m:jc m:val="centerGroup"/>
+                          </m:oMathParaPr>
+                          <m:oMath xmlns:m="http://schemas.openxmlformats.org/officeDocument/2006/math">
+                            <m:r>
+                              <a:rPr lang="en-US" i="1">
+                                <a:latin typeface="Cambria Math" panose="02040503050406030204" pitchFamily="18" charset="0"/>
+                                <a:cs typeface="Arial" panose="020B0604020202020204" pitchFamily="34" charset="0"/>
+                              </a:rPr>
+                              <m:t>𝑥</m:t>
+                            </m:r>
+                          </m:oMath>
+                        </m:oMathPara>
+                      </a14:m>
+                      <a:endParaRPr lang="en-CA" dirty="0"/>
+                    </a:p>
+                  </p:txBody>
+                </p:sp>
+              </mc:Choice>
+              <mc:Fallback xmlns="">
+                <p:sp>
+                  <p:nvSpPr>
+                    <p:cNvPr id="107" name="Rectangle 106"/>
+                    <p:cNvSpPr>
+                      <a:spLocks noRot="1" noChangeAspect="1" noMove="1" noResize="1" noEditPoints="1" noAdjustHandles="1" noChangeArrowheads="1" noChangeShapeType="1" noTextEdit="1"/>
+                    </p:cNvSpPr>
+                    <p:nvPr/>
+                  </p:nvSpPr>
+                  <p:spPr>
+                    <a:xfrm>
+                      <a:off x="2697555" y="2447016"/>
+                      <a:ext cx="367985" cy="369333"/>
+                    </a:xfrm>
+                    <a:prstGeom prst="rect">
+                      <a:avLst/>
+                    </a:prstGeom>
+                    <a:blipFill>
+                      <a:blip r:embed="rId27"/>
+                      <a:stretch>
+                        <a:fillRect r="-95238" b="-160000"/>
+                      </a:stretch>
+                    </a:blipFill>
+                  </p:spPr>
+                  <p:txBody>
+                    <a:bodyPr/>
+                    <a:lstStyle/>
+                    <a:p>
+                      <a:r>
+                        <a:rPr lang="en-US">
+                          <a:noFill/>
+                        </a:rPr>
+                        <a:t> </a:t>
+                      </a:r>
+                    </a:p>
+                  </p:txBody>
+                </p:sp>
+              </mc:Fallback>
+            </mc:AlternateContent>
+            <mc:AlternateContent xmlns:mc="http://schemas.openxmlformats.org/markup-compatibility/2006" xmlns:a14="http://schemas.microsoft.com/office/drawing/2010/main">
+              <mc:Choice Requires="a14">
+                <p:sp>
+                  <p:nvSpPr>
+                    <p:cNvPr id="102" name="Rectangle 101"/>
+                    <p:cNvSpPr/>
+                    <p:nvPr/>
+                  </p:nvSpPr>
+                  <p:spPr>
+                    <a:xfrm>
+                      <a:off x="785815" y="912420"/>
+                      <a:ext cx="371385" cy="369333"/>
+                    </a:xfrm>
+                    <a:prstGeom prst="rect">
+                      <a:avLst/>
+                    </a:prstGeom>
+                  </p:spPr>
+                  <p:txBody>
+                    <a:bodyPr wrap="none">
+                      <a:spAutoFit/>
+                    </a:bodyPr>
+                    <a:lstStyle/>
+                    <a:p>
+                      <a:pPr/>
+                      <a14:m>
+                        <m:oMathPara xmlns:m="http://schemas.openxmlformats.org/officeDocument/2006/math">
+                          <m:oMathParaPr>
+                            <m:jc m:val="centerGroup"/>
+                          </m:oMathParaPr>
+                          <m:oMath xmlns:m="http://schemas.openxmlformats.org/officeDocument/2006/math">
+                            <m:r>
+                              <a:rPr lang="en-US" b="0" i="1" smtClean="0">
+                                <a:latin typeface="Cambria Math" panose="02040503050406030204" pitchFamily="18" charset="0"/>
+                              </a:rPr>
+                              <m:t>𝑦</m:t>
+                            </m:r>
+                          </m:oMath>
+                        </m:oMathPara>
+                      </a14:m>
+                      <a:endParaRPr lang="en-CA" dirty="0"/>
+                    </a:p>
+                  </p:txBody>
+                </p:sp>
+              </mc:Choice>
+              <mc:Fallback xmlns="">
+                <p:sp>
+                  <p:nvSpPr>
+                    <p:cNvPr id="108" name="Rectangle 107"/>
+                    <p:cNvSpPr>
+                      <a:spLocks noRot="1" noChangeAspect="1" noMove="1" noResize="1" noEditPoints="1" noAdjustHandles="1" noChangeArrowheads="1" noChangeShapeType="1" noTextEdit="1"/>
+                    </p:cNvSpPr>
+                    <p:nvPr/>
+                  </p:nvSpPr>
+                  <p:spPr>
+                    <a:xfrm>
+                      <a:off x="785815" y="912420"/>
+                      <a:ext cx="371385" cy="369333"/>
+                    </a:xfrm>
+                    <a:prstGeom prst="rect">
+                      <a:avLst/>
+                    </a:prstGeom>
+                    <a:blipFill>
+                      <a:blip r:embed="rId28"/>
+                      <a:stretch>
+                        <a:fillRect l="-19048" r="-114286" b="-220000"/>
+                      </a:stretch>
+                    </a:blipFill>
+                  </p:spPr>
+                  <p:txBody>
+                    <a:bodyPr/>
+                    <a:lstStyle/>
+                    <a:p>
+                      <a:r>
+                        <a:rPr lang="en-US">
+                          <a:noFill/>
+                        </a:rPr>
+                        <a:t> </a:t>
+                      </a:r>
+                    </a:p>
+                  </p:txBody>
+                </p:sp>
+              </mc:Fallback>
+            </mc:AlternateContent>
+            <mc:AlternateContent xmlns:mc="http://schemas.openxmlformats.org/markup-compatibility/2006" xmlns:a14="http://schemas.microsoft.com/office/drawing/2010/main">
+              <mc:Choice Requires="a14">
+                <p:sp>
+                  <p:nvSpPr>
+                    <p:cNvPr id="103" name="Rectangle 102"/>
+                    <p:cNvSpPr/>
+                    <p:nvPr/>
+                  </p:nvSpPr>
+                  <p:spPr>
+                    <a:xfrm>
+                      <a:off x="1006642" y="2350591"/>
+                      <a:ext cx="367985" cy="369333"/>
+                    </a:xfrm>
+                    <a:prstGeom prst="rect">
+                      <a:avLst/>
+                    </a:prstGeom>
+                  </p:spPr>
+                  <p:txBody>
+                    <a:bodyPr wrap="none">
+                      <a:spAutoFit/>
+                    </a:bodyPr>
+                    <a:lstStyle/>
+                    <a:p>
+                      <a:pPr/>
+                      <a14:m>
+                        <m:oMathPara xmlns:m="http://schemas.openxmlformats.org/officeDocument/2006/math">
+                          <m:oMathParaPr>
+                            <m:jc m:val="centerGroup"/>
+                          </m:oMathParaPr>
+                          <m:oMath xmlns:m="http://schemas.openxmlformats.org/officeDocument/2006/math">
+                            <m:r>
+                              <a:rPr lang="en-US" b="0" i="1" smtClean="0">
+                                <a:latin typeface="Cambria Math" panose="02040503050406030204" pitchFamily="18" charset="0"/>
+                                <a:cs typeface="Arial" panose="020B0604020202020204" pitchFamily="34" charset="0"/>
+                              </a:rPr>
+                              <m:t>0</m:t>
+                            </m:r>
+                          </m:oMath>
+                        </m:oMathPara>
+                      </a14:m>
+                      <a:endParaRPr lang="en-CA" dirty="0"/>
+                    </a:p>
+                  </p:txBody>
+                </p:sp>
+              </mc:Choice>
+              <mc:Fallback xmlns="">
+                <p:sp>
+                  <p:nvSpPr>
+                    <p:cNvPr id="109" name="Rectangle 108"/>
+                    <p:cNvSpPr>
+                      <a:spLocks noRot="1" noChangeAspect="1" noMove="1" noResize="1" noEditPoints="1" noAdjustHandles="1" noChangeArrowheads="1" noChangeShapeType="1" noTextEdit="1"/>
+                    </p:cNvSpPr>
+                    <p:nvPr/>
+                  </p:nvSpPr>
+                  <p:spPr>
+                    <a:xfrm>
+                      <a:off x="1006642" y="2350591"/>
+                      <a:ext cx="367985" cy="369333"/>
+                    </a:xfrm>
+                    <a:prstGeom prst="rect">
+                      <a:avLst/>
+                    </a:prstGeom>
+                    <a:blipFill>
+                      <a:blip r:embed="rId29"/>
+                      <a:stretch>
+                        <a:fillRect l="-14286" r="-114286" b="-180000"/>
+                      </a:stretch>
+                    </a:blipFill>
+                  </p:spPr>
+                  <p:txBody>
+                    <a:bodyPr/>
+                    <a:lstStyle/>
+                    <a:p>
+                      <a:r>
+                        <a:rPr lang="en-US">
+                          <a:noFill/>
+                        </a:rPr>
+                        <a:t> </a:t>
+                      </a:r>
+                    </a:p>
+                  </p:txBody>
+                </p:sp>
+              </mc:Fallback>
+            </mc:AlternateContent>
+          </p:grpSp>
+          <p:sp>
+            <p:nvSpPr>
+              <p:cNvPr id="98" name="Rectangle 97"/>
+              <p:cNvSpPr/>
+              <p:nvPr/>
+            </p:nvSpPr>
+            <p:spPr>
+              <a:xfrm>
+                <a:off x="1129904" y="1614682"/>
+                <a:ext cx="184731" cy="369332"/>
+              </a:xfrm>
+              <a:prstGeom prst="rect">
+                <a:avLst/>
+              </a:prstGeom>
+            </p:spPr>
+            <p:txBody>
+              <a:bodyPr wrap="none">
+                <a:spAutoFit/>
+              </a:bodyPr>
+              <a:lstStyle/>
+              <a:p>
+                <a:endParaRPr lang="en-CA" dirty="0"/>
+              </a:p>
+            </p:txBody>
+          </p:sp>
+        </p:grpSp>
+      </p:grpSp>
+    </p:spTree>
+    <p:extLst>
+      <p:ext uri="{BB962C8B-B14F-4D97-AF65-F5344CB8AC3E}">
+        <p14:creationId xmlns:p14="http://schemas.microsoft.com/office/powerpoint/2010/main" val="158896140"/>
+      </p:ext>
+    </p:extLst>
+  </p:cSld>
+  <p:clrMapOvr>
+    <a:masterClrMapping/>
+  </p:clrMapOvr>
+</p:sld>
+</file>
+
+<file path=ppt/slides/slide7.xml><?xml version="1.0" encoding="utf-8"?>
+<p:sld xmlns:a="http://schemas.openxmlformats.org/drawingml/2006/main" xmlns:r="http://schemas.openxmlformats.org/officeDocument/2006/relationships" xmlns:p="http://schemas.openxmlformats.org/presentationml/2006/main">
+  <p:cSld>
+    <p:spTree>
+      <p:nvGrpSpPr>
+        <p:cNvPr id="1" name=""/>
+        <p:cNvGrpSpPr/>
+        <p:nvPr/>
+      </p:nvGrpSpPr>
+      <p:grpSpPr>
+        <a:xfrm>
+          <a:off x="0" y="0"/>
+          <a:ext cx="0" cy="0"/>
+          <a:chOff x="0" y="0"/>
+          <a:chExt cx="0" cy="0"/>
+        </a:xfrm>
+      </p:grpSpPr>
+      <p:grpSp>
+        <p:nvGrpSpPr>
           <p:cNvPr id="30" name="Group 29">
             <a:extLst>
               <a:ext uri="{FF2B5EF4-FFF2-40B4-BE49-F238E27FC236}">
@@ -22252,7 +25973,7 @@
             <p:nvPr/>
           </p:nvPicPr>
           <p:blipFill rotWithShape="1">
-            <a:blip r:embed="rId2">
+            <a:blip r:embed="rId2" cstate="print">
               <a:extLst>
                 <a:ext uri="{28A0092B-C50C-407E-A947-70E740481C1C}">
                   <a14:useLocalDpi xmlns:a14="http://schemas.microsoft.com/office/drawing/2010/main" val="0"/>
@@ -22343,7 +26064,7 @@
             <p:nvPr/>
           </p:nvPicPr>
           <p:blipFill>
-            <a:blip r:embed="rId3">
+            <a:blip r:embed="rId3" cstate="print">
               <a:extLst>
                 <a:ext uri="{28A0092B-C50C-407E-A947-70E740481C1C}">
                   <a14:useLocalDpi xmlns:a14="http://schemas.microsoft.com/office/drawing/2010/main" val="0"/>
@@ -22378,7 +26099,7 @@
 </p:sld>
 </file>
 
-<file path=ppt/slides/slide7.xml><?xml version="1.0" encoding="utf-8"?>
+<file path=ppt/slides/slide8.xml><?xml version="1.0" encoding="utf-8"?>
 <p:sld xmlns:a="http://schemas.openxmlformats.org/drawingml/2006/main" xmlns:r="http://schemas.openxmlformats.org/officeDocument/2006/relationships" xmlns:p="http://schemas.openxmlformats.org/presentationml/2006/main">
   <p:cSld>
     <p:spTree>
@@ -22451,8 +26172,8 @@
             </a:prstGeom>
           </p:spPr>
         </p:pic>
-        <mc:AlternateContent xmlns:mc="http://schemas.openxmlformats.org/markup-compatibility/2006">
-          <mc:Choice xmlns:a14="http://schemas.microsoft.com/office/drawing/2010/main" Requires="a14">
+        <mc:AlternateContent xmlns:mc="http://schemas.openxmlformats.org/markup-compatibility/2006" xmlns:a14="http://schemas.microsoft.com/office/drawing/2010/main">
+          <mc:Choice Requires="a14">
             <p:sp>
               <p:nvSpPr>
                 <p:cNvPr id="21" name="TextBox 20">
@@ -22532,7 +26253,7 @@
               </p:txBody>
             </p:sp>
           </mc:Choice>
-          <mc:Fallback>
+          <mc:Fallback xmlns="">
             <p:sp>
               <p:nvSpPr>
                 <p:cNvPr id="21" name="TextBox 20">
@@ -22799,8 +26520,8 @@
                 </a:fontRef>
               </p:style>
             </p:cxnSp>
-            <mc:AlternateContent xmlns:mc="http://schemas.openxmlformats.org/markup-compatibility/2006">
-              <mc:Choice xmlns:a14="http://schemas.microsoft.com/office/drawing/2010/main" Requires="a14">
+            <mc:AlternateContent xmlns:mc="http://schemas.openxmlformats.org/markup-compatibility/2006" xmlns:a14="http://schemas.microsoft.com/office/drawing/2010/main">
+              <mc:Choice Requires="a14">
                 <p:sp>
                   <p:nvSpPr>
                     <p:cNvPr id="38" name="TextBox 37">
@@ -22880,7 +26601,7 @@
                   </p:txBody>
                 </p:sp>
               </mc:Choice>
-              <mc:Fallback>
+              <mc:Fallback xmlns="">
                 <p:sp>
                   <p:nvSpPr>
                     <p:cNvPr id="38" name="TextBox 37">
@@ -22925,8 +26646,8 @@
                 </p:sp>
               </mc:Fallback>
             </mc:AlternateContent>
-            <mc:AlternateContent xmlns:mc="http://schemas.openxmlformats.org/markup-compatibility/2006">
-              <mc:Choice xmlns:a14="http://schemas.microsoft.com/office/drawing/2010/main" Requires="a14">
+            <mc:AlternateContent xmlns:mc="http://schemas.openxmlformats.org/markup-compatibility/2006" xmlns:a14="http://schemas.microsoft.com/office/drawing/2010/main">
+              <mc:Choice Requires="a14">
                 <p:sp>
                   <p:nvSpPr>
                     <p:cNvPr id="39" name="TextBox 38">
@@ -23014,7 +26735,7 @@
                   </p:txBody>
                 </p:sp>
               </mc:Choice>
-              <mc:Fallback>
+              <mc:Fallback xmlns="">
                 <p:sp>
                   <p:nvSpPr>
                     <p:cNvPr id="39" name="TextBox 38">
@@ -23059,8 +26780,8 @@
                 </p:sp>
               </mc:Fallback>
             </mc:AlternateContent>
-            <mc:AlternateContent xmlns:mc="http://schemas.openxmlformats.org/markup-compatibility/2006">
-              <mc:Choice xmlns:a14="http://schemas.microsoft.com/office/drawing/2010/main" Requires="a14">
+            <mc:AlternateContent xmlns:mc="http://schemas.openxmlformats.org/markup-compatibility/2006" xmlns:a14="http://schemas.microsoft.com/office/drawing/2010/main">
+              <mc:Choice Requires="a14">
                 <p:sp>
                   <p:nvSpPr>
                     <p:cNvPr id="40" name="TextBox 39">
@@ -23148,7 +26869,7 @@
                   </p:txBody>
                 </p:sp>
               </mc:Choice>
-              <mc:Fallback>
+              <mc:Fallback xmlns="">
                 <p:sp>
                   <p:nvSpPr>
                     <p:cNvPr id="40" name="TextBox 39">
@@ -23372,8 +27093,8 @@
                   </a:fontRef>
                 </p:style>
               </p:cxnSp>
-              <mc:AlternateContent xmlns:mc="http://schemas.openxmlformats.org/markup-compatibility/2006">
-                <mc:Choice xmlns:a14="http://schemas.microsoft.com/office/drawing/2010/main" Requires="a14">
+              <mc:AlternateContent xmlns:mc="http://schemas.openxmlformats.org/markup-compatibility/2006" xmlns:a14="http://schemas.microsoft.com/office/drawing/2010/main">
+                <mc:Choice Requires="a14">
                   <p:sp>
                     <p:nvSpPr>
                       <p:cNvPr id="30" name="Rectangle 29">
@@ -23423,7 +27144,7 @@
                     </p:txBody>
                   </p:sp>
                 </mc:Choice>
-                <mc:Fallback>
+                <mc:Fallback xmlns="">
                   <p:sp>
                     <p:nvSpPr>
                       <p:cNvPr id="30" name="Rectangle 29">
@@ -23468,8 +27189,8 @@
                   </p:sp>
                 </mc:Fallback>
               </mc:AlternateContent>
-              <mc:AlternateContent xmlns:mc="http://schemas.openxmlformats.org/markup-compatibility/2006">
-                <mc:Choice xmlns:a14="http://schemas.microsoft.com/office/drawing/2010/main" Requires="a14">
+              <mc:AlternateContent xmlns:mc="http://schemas.openxmlformats.org/markup-compatibility/2006" xmlns:a14="http://schemas.microsoft.com/office/drawing/2010/main">
+                <mc:Choice Requires="a14">
                   <p:sp>
                     <p:nvSpPr>
                       <p:cNvPr id="31" name="Rectangle 30">
@@ -23518,7 +27239,7 @@
                     </p:txBody>
                   </p:sp>
                 </mc:Choice>
-                <mc:Fallback>
+                <mc:Fallback xmlns="">
                   <p:sp>
                     <p:nvSpPr>
                       <p:cNvPr id="31" name="Rectangle 30">
@@ -23563,8 +27284,8 @@
                   </p:sp>
                 </mc:Fallback>
               </mc:AlternateContent>
-              <mc:AlternateContent xmlns:mc="http://schemas.openxmlformats.org/markup-compatibility/2006">
-                <mc:Choice xmlns:a14="http://schemas.microsoft.com/office/drawing/2010/main" Requires="a14">
+              <mc:AlternateContent xmlns:mc="http://schemas.openxmlformats.org/markup-compatibility/2006" xmlns:a14="http://schemas.microsoft.com/office/drawing/2010/main">
+                <mc:Choice Requires="a14">
                   <p:sp>
                     <p:nvSpPr>
                       <p:cNvPr id="32" name="Rectangle 31">
@@ -23614,7 +27335,7 @@
                     </p:txBody>
                   </p:sp>
                 </mc:Choice>
-                <mc:Fallback>
+                <mc:Fallback xmlns="">
                   <p:sp>
                     <p:nvSpPr>
                       <p:cNvPr id="32" name="Rectangle 31">
@@ -23698,36 +27419,6 @@
     <p:extLst>
       <p:ext uri="{BB962C8B-B14F-4D97-AF65-F5344CB8AC3E}">
         <p14:creationId xmlns:p14="http://schemas.microsoft.com/office/powerpoint/2010/main" val="84189185"/>
-      </p:ext>
-    </p:extLst>
-  </p:cSld>
-  <p:clrMapOvr>
-    <a:masterClrMapping/>
-  </p:clrMapOvr>
-</p:sld>
-</file>
-
-<file path=ppt/slides/slide8.xml><?xml version="1.0" encoding="utf-8"?>
-<p:sld xmlns:a="http://schemas.openxmlformats.org/drawingml/2006/main" xmlns:r="http://schemas.openxmlformats.org/officeDocument/2006/relationships" xmlns:p="http://schemas.openxmlformats.org/presentationml/2006/main">
-  <p:cSld>
-    <p:spTree>
-      <p:nvGrpSpPr>
-        <p:cNvPr id="1" name=""/>
-        <p:cNvGrpSpPr/>
-        <p:nvPr/>
-      </p:nvGrpSpPr>
-      <p:grpSpPr>
-        <a:xfrm>
-          <a:off x="0" y="0"/>
-          <a:ext cx="0" cy="0"/>
-          <a:chOff x="0" y="0"/>
-          <a:chExt cx="0" cy="0"/>
-        </a:xfrm>
-      </p:grpSpPr>
-    </p:spTree>
-    <p:extLst>
-      <p:ext uri="{BB962C8B-B14F-4D97-AF65-F5344CB8AC3E}">
-        <p14:creationId xmlns:p14="http://schemas.microsoft.com/office/powerpoint/2010/main" val="158896140"/>
       </p:ext>
     </p:extLst>
   </p:cSld>

--- a/tex/figures/NewtonsLaws/Figures.pptx
+++ b/tex/figures/NewtonsLaws/Figures.pptx
@@ -12,7 +12,6 @@
     <p:sldId id="267" r:id="rId6"/>
     <p:sldId id="270" r:id="rId7"/>
     <p:sldId id="268" r:id="rId8"/>
-    <p:sldId id="269" r:id="rId9"/>
   </p:sldIdLst>
   <p:sldSz cx="12192000" cy="6858000"/>
   <p:notesSz cx="6858000" cy="9144000"/>
@@ -250,7 +249,7 @@
           <a:p>
             <a:fld id="{F7249F8D-641B-4CAF-BAE5-10524742F6F1}" type="datetimeFigureOut">
               <a:rPr lang="en-CA" smtClean="0"/>
-              <a:t>2018-05-28</a:t>
+              <a:t>2018-07-06</a:t>
             </a:fld>
             <a:endParaRPr lang="en-CA"/>
           </a:p>
@@ -420,7 +419,7 @@
           <a:p>
             <a:fld id="{F7249F8D-641B-4CAF-BAE5-10524742F6F1}" type="datetimeFigureOut">
               <a:rPr lang="en-CA" smtClean="0"/>
-              <a:t>2018-05-28</a:t>
+              <a:t>2018-07-06</a:t>
             </a:fld>
             <a:endParaRPr lang="en-CA"/>
           </a:p>
@@ -600,7 +599,7 @@
           <a:p>
             <a:fld id="{F7249F8D-641B-4CAF-BAE5-10524742F6F1}" type="datetimeFigureOut">
               <a:rPr lang="en-CA" smtClean="0"/>
-              <a:t>2018-05-28</a:t>
+              <a:t>2018-07-06</a:t>
             </a:fld>
             <a:endParaRPr lang="en-CA"/>
           </a:p>
@@ -770,7 +769,7 @@
           <a:p>
             <a:fld id="{F7249F8D-641B-4CAF-BAE5-10524742F6F1}" type="datetimeFigureOut">
               <a:rPr lang="en-CA" smtClean="0"/>
-              <a:t>2018-05-28</a:t>
+              <a:t>2018-07-06</a:t>
             </a:fld>
             <a:endParaRPr lang="en-CA"/>
           </a:p>
@@ -1016,7 +1015,7 @@
           <a:p>
             <a:fld id="{F7249F8D-641B-4CAF-BAE5-10524742F6F1}" type="datetimeFigureOut">
               <a:rPr lang="en-CA" smtClean="0"/>
-              <a:t>2018-05-28</a:t>
+              <a:t>2018-07-06</a:t>
             </a:fld>
             <a:endParaRPr lang="en-CA"/>
           </a:p>
@@ -1248,7 +1247,7 @@
           <a:p>
             <a:fld id="{F7249F8D-641B-4CAF-BAE5-10524742F6F1}" type="datetimeFigureOut">
               <a:rPr lang="en-CA" smtClean="0"/>
-              <a:t>2018-05-28</a:t>
+              <a:t>2018-07-06</a:t>
             </a:fld>
             <a:endParaRPr lang="en-CA"/>
           </a:p>
@@ -1615,7 +1614,7 @@
           <a:p>
             <a:fld id="{F7249F8D-641B-4CAF-BAE5-10524742F6F1}" type="datetimeFigureOut">
               <a:rPr lang="en-CA" smtClean="0"/>
-              <a:t>2018-05-28</a:t>
+              <a:t>2018-07-06</a:t>
             </a:fld>
             <a:endParaRPr lang="en-CA"/>
           </a:p>
@@ -1733,7 +1732,7 @@
           <a:p>
             <a:fld id="{F7249F8D-641B-4CAF-BAE5-10524742F6F1}" type="datetimeFigureOut">
               <a:rPr lang="en-CA" smtClean="0"/>
-              <a:t>2018-05-28</a:t>
+              <a:t>2018-07-06</a:t>
             </a:fld>
             <a:endParaRPr lang="en-CA"/>
           </a:p>
@@ -1828,7 +1827,7 @@
           <a:p>
             <a:fld id="{F7249F8D-641B-4CAF-BAE5-10524742F6F1}" type="datetimeFigureOut">
               <a:rPr lang="en-CA" smtClean="0"/>
-              <a:t>2018-05-28</a:t>
+              <a:t>2018-07-06</a:t>
             </a:fld>
             <a:endParaRPr lang="en-CA"/>
           </a:p>
@@ -2105,7 +2104,7 @@
           <a:p>
             <a:fld id="{F7249F8D-641B-4CAF-BAE5-10524742F6F1}" type="datetimeFigureOut">
               <a:rPr lang="en-CA" smtClean="0"/>
-              <a:t>2018-05-28</a:t>
+              <a:t>2018-07-06</a:t>
             </a:fld>
             <a:endParaRPr lang="en-CA"/>
           </a:p>
@@ -2358,7 +2357,7 @@
           <a:p>
             <a:fld id="{F7249F8D-641B-4CAF-BAE5-10524742F6F1}" type="datetimeFigureOut">
               <a:rPr lang="en-CA" smtClean="0"/>
-              <a:t>2018-05-28</a:t>
+              <a:t>2018-07-06</a:t>
             </a:fld>
             <a:endParaRPr lang="en-CA"/>
           </a:p>
@@ -2571,7 +2570,7 @@
           <a:p>
             <a:fld id="{F7249F8D-641B-4CAF-BAE5-10524742F6F1}" type="datetimeFigureOut">
               <a:rPr lang="en-CA" smtClean="0"/>
-              <a:t>2018-05-28</a:t>
+              <a:t>2018-07-06</a:t>
             </a:fld>
             <a:endParaRPr lang="en-CA"/>
           </a:p>
@@ -3111,7 +3110,7 @@
                           <m:sSubPr>
                             <m:ctrlPr>
                               <a:rPr lang="en-US" sz="2000" b="0" i="1" smtClean="0">
-                                <a:latin typeface="Cambria Math" panose="02040503050406030204" pitchFamily="18" charset="0"/>
+                                <a:latin typeface="Cambria Math" charset="0"/>
                                 <a:cs typeface="Arial" panose="020B0604020202020204" pitchFamily="34" charset="0"/>
                               </a:rPr>
                             </m:ctrlPr>
@@ -3122,7 +3121,7 @@
                                 <m:chr m:val="⃗"/>
                                 <m:ctrlPr>
                                   <a:rPr lang="en-US" sz="2000" b="0" i="1" smtClean="0">
-                                    <a:latin typeface="Cambria Math" panose="02040503050406030204" pitchFamily="18" charset="0"/>
+                                    <a:latin typeface="Cambria Math" charset="0"/>
                                     <a:cs typeface="Arial" panose="020B0604020202020204" pitchFamily="34" charset="0"/>
                                   </a:rPr>
                                 </m:ctrlPr>
@@ -3335,7 +3334,7 @@
                             <m:chr m:val="⃗"/>
                             <m:ctrlPr>
                               <a:rPr lang="en-US" sz="2000" b="0" i="1" smtClean="0">
-                                <a:latin typeface="Cambria Math" panose="02040503050406030204" pitchFamily="18" charset="0"/>
+                                <a:latin typeface="Cambria Math" charset="0"/>
                                 <a:cs typeface="Arial" panose="020B0604020202020204" pitchFamily="34" charset="0"/>
                               </a:rPr>
                             </m:ctrlPr>
@@ -3587,7 +3586,7 @@
                             <m:chr m:val="⃗"/>
                             <m:ctrlPr>
                               <a:rPr lang="en-US" sz="2000" b="0" i="1" smtClean="0">
-                                <a:latin typeface="Cambria Math" panose="02040503050406030204" pitchFamily="18" charset="0"/>
+                                <a:latin typeface="Cambria Math" charset="0"/>
                                 <a:cs typeface="Arial" panose="020B0604020202020204" pitchFamily="34" charset="0"/>
                               </a:rPr>
                             </m:ctrlPr>
@@ -4280,7 +4279,7 @@
                                 <m:chr m:val="⃗"/>
                                 <m:ctrlPr>
                                   <a:rPr lang="en-US" sz="2000" b="0" i="1" smtClean="0">
-                                    <a:latin typeface="Cambria Math" panose="02040503050406030204" pitchFamily="18" charset="0"/>
+                                    <a:latin typeface="Cambria Math" charset="0"/>
                                     <a:cs typeface="Arial" panose="020B0604020202020204" pitchFamily="34" charset="0"/>
                                   </a:rPr>
                                 </m:ctrlPr>
@@ -4417,7 +4416,7 @@
                             <m:sSubPr>
                               <m:ctrlPr>
                                 <a:rPr lang="en-US" sz="2000" b="0" i="1" smtClean="0">
-                                  <a:latin typeface="Cambria Math" panose="02040503050406030204" pitchFamily="18" charset="0"/>
+                                  <a:latin typeface="Cambria Math" charset="0"/>
                                   <a:cs typeface="Arial" panose="020B0604020202020204" pitchFamily="34" charset="0"/>
                                 </a:rPr>
                               </m:ctrlPr>
@@ -4428,7 +4427,7 @@
                                   <m:chr m:val="⃗"/>
                                   <m:ctrlPr>
                                     <a:rPr lang="en-US" sz="2000" b="0" i="1" smtClean="0">
-                                      <a:latin typeface="Cambria Math" panose="02040503050406030204" pitchFamily="18" charset="0"/>
+                                      <a:latin typeface="Cambria Math" charset="0"/>
                                       <a:cs typeface="Arial" panose="020B0604020202020204" pitchFamily="34" charset="0"/>
                                     </a:rPr>
                                   </m:ctrlPr>
@@ -4655,7 +4654,7 @@
                                 <m:chr m:val="⃗"/>
                                 <m:ctrlPr>
                                   <a:rPr lang="en-US" sz="2000" b="0" i="1" smtClean="0">
-                                    <a:latin typeface="Cambria Math" panose="02040503050406030204" pitchFamily="18" charset="0"/>
+                                    <a:latin typeface="Cambria Math" charset="0"/>
                                     <a:cs typeface="Arial" panose="020B0604020202020204" pitchFamily="34" charset="0"/>
                                   </a:rPr>
                                 </m:ctrlPr>
@@ -4792,7 +4791,7 @@
                             <m:sSubPr>
                               <m:ctrlPr>
                                 <a:rPr lang="en-US" sz="2000" b="0" i="1" smtClean="0">
-                                  <a:latin typeface="Cambria Math" panose="02040503050406030204" pitchFamily="18" charset="0"/>
+                                  <a:latin typeface="Cambria Math" charset="0"/>
                                   <a:cs typeface="Arial" panose="020B0604020202020204" pitchFamily="34" charset="0"/>
                                 </a:rPr>
                               </m:ctrlPr>
@@ -4803,7 +4802,7 @@
                                   <m:chr m:val="⃗"/>
                                   <m:ctrlPr>
                                     <a:rPr lang="en-US" sz="2000" b="0" i="1" smtClean="0">
-                                      <a:latin typeface="Cambria Math" panose="02040503050406030204" pitchFamily="18" charset="0"/>
+                                      <a:latin typeface="Cambria Math" charset="0"/>
                                       <a:cs typeface="Arial" panose="020B0604020202020204" pitchFamily="34" charset="0"/>
                                     </a:rPr>
                                   </m:ctrlPr>
@@ -4952,7 +4951,7 @@
                             <m:chr m:val="⃗"/>
                             <m:ctrlPr>
                               <a:rPr lang="en-US" sz="2000" b="0" i="1" smtClean="0">
-                                <a:latin typeface="Cambria Math" panose="02040503050406030204" pitchFamily="18" charset="0"/>
+                                <a:latin typeface="Cambria Math" charset="0"/>
                                 <a:cs typeface="Arial" panose="020B0604020202020204" pitchFamily="34" charset="0"/>
                               </a:rPr>
                             </m:ctrlPr>
@@ -5830,7 +5829,7 @@
                             <m:chr m:val="⃗"/>
                             <m:ctrlPr>
                               <a:rPr lang="en-US" sz="2000" b="0" i="1" smtClean="0">
-                                <a:latin typeface="Cambria Math" panose="02040503050406030204" pitchFamily="18" charset="0"/>
+                                <a:latin typeface="Cambria Math" charset="0"/>
                                 <a:cs typeface="Arial" panose="020B0604020202020204" pitchFamily="34" charset="0"/>
                               </a:rPr>
                             </m:ctrlPr>
@@ -5967,7 +5966,7 @@
                             <m:chr m:val="⃗"/>
                             <m:ctrlPr>
                               <a:rPr lang="en-US" sz="2000" b="0" i="1" smtClean="0">
-                                <a:latin typeface="Cambria Math" panose="02040503050406030204" pitchFamily="18" charset="0"/>
+                                <a:latin typeface="Cambria Math" charset="0"/>
                                 <a:cs typeface="Arial" panose="020B0604020202020204" pitchFamily="34" charset="0"/>
                               </a:rPr>
                             </m:ctrlPr>
@@ -7865,7 +7864,7 @@
                                 <a:solidFill>
                                   <a:srgbClr val="FF0000"/>
                                 </a:solidFill>
-                                <a:latin typeface="Cambria Math" panose="02040503050406030204" pitchFamily="18" charset="0"/>
+                                <a:latin typeface="Cambria Math" charset="0"/>
                                 <a:cs typeface="Arial" panose="020B0604020202020204" pitchFamily="34" charset="0"/>
                               </a:rPr>
                             </m:ctrlPr>
@@ -7975,7 +7974,7 @@
                                 <a:solidFill>
                                   <a:srgbClr val="FF0000"/>
                                 </a:solidFill>
-                                <a:latin typeface="Cambria Math" panose="02040503050406030204" pitchFamily="18" charset="0"/>
+                                <a:latin typeface="Cambria Math" charset="0"/>
                                 <a:cs typeface="Arial" panose="020B0604020202020204" pitchFamily="34" charset="0"/>
                               </a:rPr>
                             </m:ctrlPr>
@@ -8375,7 +8374,7 @@
                             <m:chr m:val="⃗"/>
                             <m:ctrlPr>
                               <a:rPr lang="en-US" sz="2000" b="0" i="1" smtClean="0">
-                                <a:latin typeface="Cambria Math" panose="02040503050406030204" pitchFamily="18" charset="0"/>
+                                <a:latin typeface="Cambria Math" charset="0"/>
                                 <a:cs typeface="Arial" panose="020B0604020202020204" pitchFamily="34" charset="0"/>
                               </a:rPr>
                             </m:ctrlPr>
@@ -8698,7 +8697,7 @@
                           <m:sSubPr>
                             <m:ctrlPr>
                               <a:rPr lang="en-US" sz="2000" b="0" i="1" smtClean="0">
-                                <a:latin typeface="Cambria Math" panose="02040503050406030204" pitchFamily="18" charset="0"/>
+                                <a:latin typeface="Cambria Math" charset="0"/>
                                 <a:cs typeface="Arial" panose="020B0604020202020204" pitchFamily="34" charset="0"/>
                               </a:rPr>
                             </m:ctrlPr>
@@ -8709,7 +8708,7 @@
                                 <m:chr m:val="⃗"/>
                                 <m:ctrlPr>
                                   <a:rPr lang="en-US" sz="2000" b="0" i="1" smtClean="0">
-                                    <a:latin typeface="Cambria Math" panose="02040503050406030204" pitchFamily="18" charset="0"/>
+                                    <a:latin typeface="Cambria Math" charset="0"/>
                                     <a:cs typeface="Arial" panose="020B0604020202020204" pitchFamily="34" charset="0"/>
                                   </a:rPr>
                                 </m:ctrlPr>
@@ -8820,7 +8819,7 @@
                           <m:sSubPr>
                             <m:ctrlPr>
                               <a:rPr lang="en-US" sz="2000" b="0" i="1" smtClean="0">
-                                <a:latin typeface="Cambria Math" panose="02040503050406030204" pitchFamily="18" charset="0"/>
+                                <a:latin typeface="Cambria Math" charset="0"/>
                                 <a:cs typeface="Arial" panose="020B0604020202020204" pitchFamily="34" charset="0"/>
                               </a:rPr>
                             </m:ctrlPr>
@@ -8831,7 +8830,7 @@
                                 <m:chr m:val="⃗"/>
                                 <m:ctrlPr>
                                   <a:rPr lang="en-US" sz="2000" b="0" i="1" smtClean="0">
-                                    <a:latin typeface="Cambria Math" panose="02040503050406030204" pitchFamily="18" charset="0"/>
+                                    <a:latin typeface="Cambria Math" charset="0"/>
                                     <a:cs typeface="Arial" panose="020B0604020202020204" pitchFamily="34" charset="0"/>
                                   </a:rPr>
                                 </m:ctrlPr>
@@ -8958,7 +8957,7 @@
                             <m:chr m:val="⃗"/>
                             <m:ctrlPr>
                               <a:rPr lang="en-US" sz="2000" b="0" i="1" smtClean="0">
-                                <a:latin typeface="Cambria Math" panose="02040503050406030204" pitchFamily="18" charset="0"/>
+                                <a:latin typeface="Cambria Math" charset="0"/>
                                 <a:cs typeface="Arial" panose="020B0604020202020204" pitchFamily="34" charset="0"/>
                               </a:rPr>
                             </m:ctrlPr>
@@ -9245,7 +9244,7 @@
                           <m:sSubPr>
                             <m:ctrlPr>
                               <a:rPr lang="en-US" sz="2000" b="0" i="1" smtClean="0">
-                                <a:latin typeface="Cambria Math" panose="02040503050406030204" pitchFamily="18" charset="0"/>
+                                <a:latin typeface="Cambria Math" charset="0"/>
                                 <a:cs typeface="Arial" panose="020B0604020202020204" pitchFamily="34" charset="0"/>
                               </a:rPr>
                             </m:ctrlPr>
@@ -9256,7 +9255,7 @@
                                 <m:chr m:val="⃗"/>
                                 <m:ctrlPr>
                                   <a:rPr lang="en-US" sz="2000" b="0" i="1" smtClean="0">
-                                    <a:latin typeface="Cambria Math" panose="02040503050406030204" pitchFamily="18" charset="0"/>
+                                    <a:latin typeface="Cambria Math" charset="0"/>
                                     <a:cs typeface="Arial" panose="020B0604020202020204" pitchFamily="34" charset="0"/>
                                   </a:rPr>
                                 </m:ctrlPr>
@@ -9954,7 +9953,7 @@
                           <m:sSubSupPr>
                             <m:ctrlPr>
                               <a:rPr lang="en-US" sz="2000" b="0" i="1" smtClean="0">
-                                <a:latin typeface="Cambria Math" panose="02040503050406030204" pitchFamily="18" charset="0"/>
+                                <a:latin typeface="Cambria Math" charset="0"/>
                                 <a:cs typeface="Arial" panose="020B0604020202020204" pitchFamily="34" charset="0"/>
                               </a:rPr>
                             </m:ctrlPr>
@@ -9965,7 +9964,7 @@
                                 <m:chr m:val="⃗"/>
                                 <m:ctrlPr>
                                   <a:rPr lang="en-US" sz="2000" b="0" i="1" smtClean="0">
-                                    <a:latin typeface="Cambria Math" panose="02040503050406030204" pitchFamily="18" charset="0"/>
+                                    <a:latin typeface="Cambria Math" charset="0"/>
                                     <a:cs typeface="Arial" panose="020B0604020202020204" pitchFamily="34" charset="0"/>
                                   </a:rPr>
                                 </m:ctrlPr>
@@ -10121,7 +10120,7 @@
                           <m:sSupPr>
                             <m:ctrlPr>
                               <a:rPr lang="en-US" sz="2000" b="0" i="1" smtClean="0">
-                                <a:latin typeface="Cambria Math" panose="02040503050406030204" pitchFamily="18" charset="0"/>
+                                <a:latin typeface="Cambria Math" charset="0"/>
                                 <a:cs typeface="Arial" panose="020B0604020202020204" pitchFamily="34" charset="0"/>
                               </a:rPr>
                             </m:ctrlPr>
@@ -10132,7 +10131,7 @@
                                 <m:chr m:val="⃗"/>
                                 <m:ctrlPr>
                                   <a:rPr lang="en-US" sz="2000" b="0" i="1" smtClean="0">
-                                    <a:latin typeface="Cambria Math" panose="02040503050406030204" pitchFamily="18" charset="0"/>
+                                    <a:latin typeface="Cambria Math" charset="0"/>
                                     <a:cs typeface="Arial" panose="020B0604020202020204" pitchFamily="34" charset="0"/>
                                   </a:rPr>
                                 </m:ctrlPr>
@@ -10279,7 +10278,7 @@
                           <m:sSubSupPr>
                             <m:ctrlPr>
                               <a:rPr lang="en-US" sz="2000" b="0" i="1" smtClean="0">
-                                <a:latin typeface="Cambria Math" panose="02040503050406030204" pitchFamily="18" charset="0"/>
+                                <a:latin typeface="Cambria Math" charset="0"/>
                                 <a:cs typeface="Arial" panose="020B0604020202020204" pitchFamily="34" charset="0"/>
                               </a:rPr>
                             </m:ctrlPr>
@@ -10290,7 +10289,7 @@
                                 <m:chr m:val="⃗"/>
                                 <m:ctrlPr>
                                   <a:rPr lang="en-US" sz="2000" b="0" i="1" smtClean="0">
-                                    <a:latin typeface="Cambria Math" panose="02040503050406030204" pitchFamily="18" charset="0"/>
+                                    <a:latin typeface="Cambria Math" charset="0"/>
                                     <a:cs typeface="Arial" panose="020B0604020202020204" pitchFamily="34" charset="0"/>
                                   </a:rPr>
                                 </m:ctrlPr>
@@ -10557,7 +10556,7 @@
                                 <a:solidFill>
                                   <a:schemeClr val="tx1"/>
                                 </a:solidFill>
-                                <a:latin typeface="Cambria Math" panose="02040503050406030204" pitchFamily="18" charset="0"/>
+                                <a:latin typeface="Cambria Math" charset="0"/>
                                 <a:cs typeface="Arial" panose="020B0604020202020204" pitchFamily="34" charset="0"/>
                               </a:rPr>
                             </m:ctrlPr>
@@ -10571,7 +10570,7 @@
                                     <a:solidFill>
                                       <a:schemeClr val="tx1"/>
                                     </a:solidFill>
-                                    <a:latin typeface="Cambria Math" panose="02040503050406030204" pitchFamily="18" charset="0"/>
+                                    <a:latin typeface="Cambria Math" charset="0"/>
                                     <a:cs typeface="Arial" panose="020B0604020202020204" pitchFamily="34" charset="0"/>
                                   </a:rPr>
                                 </m:ctrlPr>
@@ -10706,7 +10705,7 @@
                                 <a:solidFill>
                                   <a:schemeClr val="tx1"/>
                                 </a:solidFill>
-                                <a:latin typeface="Cambria Math" panose="02040503050406030204" pitchFamily="18" charset="0"/>
+                                <a:latin typeface="Cambria Math" charset="0"/>
                                 <a:cs typeface="Arial" panose="020B0604020202020204" pitchFamily="34" charset="0"/>
                               </a:rPr>
                             </m:ctrlPr>
@@ -10720,7 +10719,7 @@
                                     <a:solidFill>
                                       <a:schemeClr val="tx1"/>
                                     </a:solidFill>
-                                    <a:latin typeface="Cambria Math" panose="02040503050406030204" pitchFamily="18" charset="0"/>
+                                    <a:latin typeface="Cambria Math" charset="0"/>
                                     <a:cs typeface="Arial" panose="020B0604020202020204" pitchFamily="34" charset="0"/>
                                   </a:rPr>
                                 </m:ctrlPr>
@@ -10855,7 +10854,7 @@
                                 <a:solidFill>
                                   <a:schemeClr val="tx1"/>
                                 </a:solidFill>
-                                <a:latin typeface="Cambria Math" panose="02040503050406030204" pitchFamily="18" charset="0"/>
+                                <a:latin typeface="Cambria Math" charset="0"/>
                                 <a:cs typeface="Arial" panose="020B0604020202020204" pitchFamily="34" charset="0"/>
                               </a:rPr>
                             </m:ctrlPr>
@@ -10869,7 +10868,7 @@
                                     <a:solidFill>
                                       <a:schemeClr val="tx1"/>
                                     </a:solidFill>
-                                    <a:latin typeface="Cambria Math" panose="02040503050406030204" pitchFamily="18" charset="0"/>
+                                    <a:latin typeface="Cambria Math" charset="0"/>
                                     <a:cs typeface="Arial" panose="020B0604020202020204" pitchFamily="34" charset="0"/>
                                   </a:rPr>
                                 </m:ctrlPr>
@@ -10992,7 +10991,7 @@
                                 <a:solidFill>
                                   <a:schemeClr val="tx1"/>
                                 </a:solidFill>
-                                <a:latin typeface="Cambria Math" panose="02040503050406030204" pitchFamily="18" charset="0"/>
+                                <a:latin typeface="Cambria Math" charset="0"/>
                                 <a:cs typeface="Arial" panose="020B0604020202020204" pitchFamily="34" charset="0"/>
                               </a:rPr>
                             </m:ctrlPr>
@@ -11006,7 +11005,7 @@
                                     <a:solidFill>
                                       <a:schemeClr val="tx1"/>
                                     </a:solidFill>
-                                    <a:latin typeface="Cambria Math" panose="02040503050406030204" pitchFamily="18" charset="0"/>
+                                    <a:latin typeface="Cambria Math" charset="0"/>
                                     <a:cs typeface="Arial" panose="020B0604020202020204" pitchFamily="34" charset="0"/>
                                   </a:rPr>
                                 </m:ctrlPr>
@@ -11348,7 +11347,7 @@
                                 <a:solidFill>
                                   <a:schemeClr val="tx1"/>
                                 </a:solidFill>
-                                <a:latin typeface="Cambria Math" panose="02040503050406030204" pitchFamily="18" charset="0"/>
+                                <a:latin typeface="Cambria Math" charset="0"/>
                                 <a:cs typeface="Arial" panose="020B0604020202020204" pitchFamily="34" charset="0"/>
                               </a:rPr>
                             </m:ctrlPr>
@@ -11362,7 +11361,7 @@
                                     <a:solidFill>
                                       <a:schemeClr val="tx1"/>
                                     </a:solidFill>
-                                    <a:latin typeface="Cambria Math" panose="02040503050406030204" pitchFamily="18" charset="0"/>
+                                    <a:latin typeface="Cambria Math" charset="0"/>
                                     <a:cs typeface="Arial" panose="020B0604020202020204" pitchFamily="34" charset="0"/>
                                   </a:rPr>
                                 </m:ctrlPr>
@@ -11497,7 +11496,7 @@
                                 <a:solidFill>
                                   <a:schemeClr val="tx1"/>
                                 </a:solidFill>
-                                <a:latin typeface="Cambria Math" panose="02040503050406030204" pitchFamily="18" charset="0"/>
+                                <a:latin typeface="Cambria Math" charset="0"/>
                                 <a:cs typeface="Arial" panose="020B0604020202020204" pitchFamily="34" charset="0"/>
                               </a:rPr>
                             </m:ctrlPr>
@@ -11511,7 +11510,7 @@
                                     <a:solidFill>
                                       <a:schemeClr val="tx1"/>
                                     </a:solidFill>
-                                    <a:latin typeface="Cambria Math" panose="02040503050406030204" pitchFamily="18" charset="0"/>
+                                    <a:latin typeface="Cambria Math" charset="0"/>
                                     <a:cs typeface="Arial" panose="020B0604020202020204" pitchFamily="34" charset="0"/>
                                   </a:rPr>
                                 </m:ctrlPr>
@@ -11646,7 +11645,7 @@
                                 <a:solidFill>
                                   <a:schemeClr val="tx1"/>
                                 </a:solidFill>
-                                <a:latin typeface="Cambria Math" panose="02040503050406030204" pitchFamily="18" charset="0"/>
+                                <a:latin typeface="Cambria Math" charset="0"/>
                                 <a:cs typeface="Arial" panose="020B0604020202020204" pitchFamily="34" charset="0"/>
                               </a:rPr>
                             </m:ctrlPr>
@@ -11660,7 +11659,7 @@
                                     <a:solidFill>
                                       <a:schemeClr val="tx1"/>
                                     </a:solidFill>
-                                    <a:latin typeface="Cambria Math" panose="02040503050406030204" pitchFamily="18" charset="0"/>
+                                    <a:latin typeface="Cambria Math" charset="0"/>
                                     <a:cs typeface="Arial" panose="020B0604020202020204" pitchFamily="34" charset="0"/>
                                   </a:rPr>
                                 </m:ctrlPr>
@@ -11783,7 +11782,7 @@
                                 <a:solidFill>
                                   <a:schemeClr val="tx1"/>
                                 </a:solidFill>
-                                <a:latin typeface="Cambria Math" panose="02040503050406030204" pitchFamily="18" charset="0"/>
+                                <a:latin typeface="Cambria Math" charset="0"/>
                                 <a:cs typeface="Arial" panose="020B0604020202020204" pitchFamily="34" charset="0"/>
                               </a:rPr>
                             </m:ctrlPr>
@@ -11797,7 +11796,7 @@
                                     <a:solidFill>
                                       <a:schemeClr val="tx1"/>
                                     </a:solidFill>
-                                    <a:latin typeface="Cambria Math" panose="02040503050406030204" pitchFamily="18" charset="0"/>
+                                    <a:latin typeface="Cambria Math" charset="0"/>
                                     <a:cs typeface="Arial" panose="020B0604020202020204" pitchFamily="34" charset="0"/>
                                   </a:rPr>
                                 </m:ctrlPr>
@@ -12061,7 +12060,7 @@
                           <m:sSubSupPr>
                             <m:ctrlPr>
                               <a:rPr lang="en-US" sz="2000" b="0" i="1" smtClean="0">
-                                <a:latin typeface="Cambria Math" panose="02040503050406030204" pitchFamily="18" charset="0"/>
+                                <a:latin typeface="Cambria Math" charset="0"/>
                                 <a:cs typeface="Arial" panose="020B0604020202020204" pitchFamily="34" charset="0"/>
                               </a:rPr>
                             </m:ctrlPr>
@@ -12072,7 +12071,7 @@
                                 <m:chr m:val="⃗"/>
                                 <m:ctrlPr>
                                   <a:rPr lang="en-US" sz="2000" b="0" i="1" smtClean="0">
-                                    <a:latin typeface="Cambria Math" panose="02040503050406030204" pitchFamily="18" charset="0"/>
+                                    <a:latin typeface="Cambria Math" charset="0"/>
                                     <a:cs typeface="Arial" panose="020B0604020202020204" pitchFamily="34" charset="0"/>
                                   </a:rPr>
                                 </m:ctrlPr>
@@ -12228,7 +12227,7 @@
                           <m:sSupPr>
                             <m:ctrlPr>
                               <a:rPr lang="en-US" sz="2000" b="0" i="1" smtClean="0">
-                                <a:latin typeface="Cambria Math" panose="02040503050406030204" pitchFamily="18" charset="0"/>
+                                <a:latin typeface="Cambria Math" charset="0"/>
                                 <a:cs typeface="Arial" panose="020B0604020202020204" pitchFamily="34" charset="0"/>
                               </a:rPr>
                             </m:ctrlPr>
@@ -12239,7 +12238,7 @@
                                 <m:chr m:val="⃗"/>
                                 <m:ctrlPr>
                                   <a:rPr lang="en-US" sz="2000" b="0" i="1" smtClean="0">
-                                    <a:latin typeface="Cambria Math" panose="02040503050406030204" pitchFamily="18" charset="0"/>
+                                    <a:latin typeface="Cambria Math" charset="0"/>
                                     <a:cs typeface="Arial" panose="020B0604020202020204" pitchFamily="34" charset="0"/>
                                   </a:rPr>
                                 </m:ctrlPr>
@@ -12386,7 +12385,7 @@
                           <m:sSubSupPr>
                             <m:ctrlPr>
                               <a:rPr lang="en-US" sz="2000" b="0" i="1" smtClean="0">
-                                <a:latin typeface="Cambria Math" panose="02040503050406030204" pitchFamily="18" charset="0"/>
+                                <a:latin typeface="Cambria Math" charset="0"/>
                                 <a:cs typeface="Arial" panose="020B0604020202020204" pitchFamily="34" charset="0"/>
                               </a:rPr>
                             </m:ctrlPr>
@@ -12397,7 +12396,7 @@
                                 <m:chr m:val="⃗"/>
                                 <m:ctrlPr>
                                   <a:rPr lang="en-US" sz="2000" b="0" i="1" smtClean="0">
-                                    <a:latin typeface="Cambria Math" panose="02040503050406030204" pitchFamily="18" charset="0"/>
+                                    <a:latin typeface="Cambria Math" charset="0"/>
                                     <a:cs typeface="Arial" panose="020B0604020202020204" pitchFamily="34" charset="0"/>
                                   </a:rPr>
                                 </m:ctrlPr>
@@ -12676,7 +12675,7 @@
                             <m:sSubPr>
                               <m:ctrlPr>
                                 <a:rPr lang="en-US" sz="2000" b="0" i="1" smtClean="0">
-                                  <a:latin typeface="Cambria Math" panose="02040503050406030204" pitchFamily="18" charset="0"/>
+                                  <a:latin typeface="Cambria Math" charset="0"/>
                                   <a:cs typeface="Arial" panose="020B0604020202020204" pitchFamily="34" charset="0"/>
                                 </a:rPr>
                               </m:ctrlPr>
@@ -12835,7 +12834,7 @@
                             <m:sSubPr>
                               <m:ctrlPr>
                                 <a:rPr lang="en-US" sz="2000" b="0" i="1" smtClean="0">
-                                  <a:latin typeface="Cambria Math" panose="02040503050406030204" pitchFamily="18" charset="0"/>
+                                  <a:latin typeface="Cambria Math" charset="0"/>
                                   <a:cs typeface="Arial" panose="020B0604020202020204" pitchFamily="34" charset="0"/>
                                 </a:rPr>
                               </m:ctrlPr>
@@ -13115,7 +13114,7 @@
                             <m:chr m:val="⃗"/>
                             <m:ctrlPr>
                               <a:rPr lang="en-US" sz="2000" b="0" i="1" smtClean="0">
-                                <a:latin typeface="Cambria Math" panose="02040503050406030204" pitchFamily="18" charset="0"/>
+                                <a:latin typeface="Cambria Math" charset="0"/>
                                 <a:cs typeface="Arial" panose="020B0604020202020204" pitchFamily="34" charset="0"/>
                               </a:rPr>
                             </m:ctrlPr>
@@ -13628,7 +13627,7 @@
                             <m:sSubPr>
                               <m:ctrlPr>
                                 <a:rPr lang="en-US" sz="2000" b="0" i="1" smtClean="0">
-                                  <a:latin typeface="Cambria Math" panose="02040503050406030204" pitchFamily="18" charset="0"/>
+                                  <a:latin typeface="Cambria Math" charset="0"/>
                                   <a:cs typeface="Arial" panose="020B0604020202020204" pitchFamily="34" charset="0"/>
                                 </a:rPr>
                               </m:ctrlPr>
@@ -13639,7 +13638,7 @@
                                   <m:chr m:val="⃗"/>
                                   <m:ctrlPr>
                                     <a:rPr lang="en-US" sz="2000" b="0" i="1" smtClean="0">
-                                      <a:latin typeface="Cambria Math" panose="02040503050406030204" pitchFamily="18" charset="0"/>
+                                      <a:latin typeface="Cambria Math" charset="0"/>
                                       <a:cs typeface="Arial" panose="020B0604020202020204" pitchFamily="34" charset="0"/>
                                     </a:rPr>
                                   </m:ctrlPr>
@@ -13757,7 +13756,7 @@
                             <m:sSubPr>
                               <m:ctrlPr>
                                 <a:rPr lang="en-US" sz="2000" b="0" i="1" smtClean="0">
-                                  <a:latin typeface="Cambria Math" panose="02040503050406030204" pitchFamily="18" charset="0"/>
+                                  <a:latin typeface="Cambria Math" charset="0"/>
                                   <a:cs typeface="Arial" panose="020B0604020202020204" pitchFamily="34" charset="0"/>
                                 </a:rPr>
                               </m:ctrlPr>
@@ -13768,7 +13767,7 @@
                                   <m:chr m:val="⃗"/>
                                   <m:ctrlPr>
                                     <a:rPr lang="en-US" sz="2000" b="0" i="1" smtClean="0">
-                                      <a:latin typeface="Cambria Math" panose="02040503050406030204" pitchFamily="18" charset="0"/>
+                                      <a:latin typeface="Cambria Math" charset="0"/>
                                       <a:cs typeface="Arial" panose="020B0604020202020204" pitchFamily="34" charset="0"/>
                                     </a:rPr>
                                   </m:ctrlPr>
@@ -13879,7 +13878,7 @@
                             <m:sSubPr>
                               <m:ctrlPr>
                                 <a:rPr lang="en-US" sz="2000" b="0" i="1" smtClean="0">
-                                  <a:latin typeface="Cambria Math" panose="02040503050406030204" pitchFamily="18" charset="0"/>
+                                  <a:latin typeface="Cambria Math" charset="0"/>
                                   <a:cs typeface="Arial" panose="020B0604020202020204" pitchFamily="34" charset="0"/>
                                 </a:rPr>
                               </m:ctrlPr>
@@ -13890,7 +13889,7 @@
                                   <m:chr m:val="⃗"/>
                                   <m:ctrlPr>
                                     <a:rPr lang="en-US" sz="2000" b="0" i="1" smtClean="0">
-                                      <a:latin typeface="Cambria Math" panose="02040503050406030204" pitchFamily="18" charset="0"/>
+                                      <a:latin typeface="Cambria Math" charset="0"/>
                                       <a:cs typeface="Arial" panose="020B0604020202020204" pitchFamily="34" charset="0"/>
                                     </a:rPr>
                                   </m:ctrlPr>
@@ -14001,7 +14000,7 @@
                             <m:sSubPr>
                               <m:ctrlPr>
                                 <a:rPr lang="en-US" sz="2000" b="0" i="1" smtClean="0">
-                                  <a:latin typeface="Cambria Math" panose="02040503050406030204" pitchFamily="18" charset="0"/>
+                                  <a:latin typeface="Cambria Math" charset="0"/>
                                   <a:cs typeface="Arial" panose="020B0604020202020204" pitchFamily="34" charset="0"/>
                                 </a:rPr>
                               </m:ctrlPr>
@@ -14012,7 +14011,7 @@
                                   <m:chr m:val="⃗"/>
                                   <m:ctrlPr>
                                     <a:rPr lang="en-US" sz="2000" b="0" i="1" smtClean="0">
-                                      <a:latin typeface="Cambria Math" panose="02040503050406030204" pitchFamily="18" charset="0"/>
+                                      <a:latin typeface="Cambria Math" charset="0"/>
                                       <a:cs typeface="Arial" panose="020B0604020202020204" pitchFamily="34" charset="0"/>
                                     </a:rPr>
                                   </m:ctrlPr>
@@ -14130,7 +14129,7 @@
                             <m:sSubPr>
                               <m:ctrlPr>
                                 <a:rPr lang="en-US" sz="2000" b="0" i="1" smtClean="0">
-                                  <a:latin typeface="Cambria Math" panose="02040503050406030204" pitchFamily="18" charset="0"/>
+                                  <a:latin typeface="Cambria Math" charset="0"/>
                                   <a:cs typeface="Arial" panose="020B0604020202020204" pitchFamily="34" charset="0"/>
                                 </a:rPr>
                               </m:ctrlPr>
@@ -14141,7 +14140,7 @@
                                   <m:chr m:val="⃗"/>
                                   <m:ctrlPr>
                                     <a:rPr lang="en-US" sz="2000" b="0" i="1" smtClean="0">
-                                      <a:latin typeface="Cambria Math" panose="02040503050406030204" pitchFamily="18" charset="0"/>
+                                      <a:latin typeface="Cambria Math" charset="0"/>
                                       <a:cs typeface="Arial" panose="020B0604020202020204" pitchFamily="34" charset="0"/>
                                     </a:rPr>
                                   </m:ctrlPr>
@@ -14259,7 +14258,7 @@
                             <m:sSubPr>
                               <m:ctrlPr>
                                 <a:rPr lang="en-US" sz="2000" b="0" i="1" smtClean="0">
-                                  <a:latin typeface="Cambria Math" panose="02040503050406030204" pitchFamily="18" charset="0"/>
+                                  <a:latin typeface="Cambria Math" charset="0"/>
                                   <a:cs typeface="Arial" panose="020B0604020202020204" pitchFamily="34" charset="0"/>
                                 </a:rPr>
                               </m:ctrlPr>
@@ -14270,7 +14269,7 @@
                                   <m:chr m:val="⃗"/>
                                   <m:ctrlPr>
                                     <a:rPr lang="en-US" sz="2000" b="0" i="1" smtClean="0">
-                                      <a:latin typeface="Cambria Math" panose="02040503050406030204" pitchFamily="18" charset="0"/>
+                                      <a:latin typeface="Cambria Math" charset="0"/>
                                       <a:cs typeface="Arial" panose="020B0604020202020204" pitchFamily="34" charset="0"/>
                                     </a:rPr>
                                   </m:ctrlPr>
@@ -14389,7 +14388,7 @@
                               <m:chr m:val="⃗"/>
                               <m:ctrlPr>
                                 <a:rPr lang="en-US" sz="2000" b="0" i="1" smtClean="0">
-                                  <a:latin typeface="Cambria Math" panose="02040503050406030204" pitchFamily="18" charset="0"/>
+                                  <a:latin typeface="Cambria Math" charset="0"/>
                                   <a:cs typeface="Arial" panose="020B0604020202020204" pitchFamily="34" charset="0"/>
                                 </a:rPr>
                               </m:ctrlPr>
@@ -14497,7 +14496,7 @@
                               <m:chr m:val="⃗"/>
                               <m:ctrlPr>
                                 <a:rPr lang="en-US" sz="2000" b="0" i="1" smtClean="0">
-                                  <a:latin typeface="Cambria Math" panose="02040503050406030204" pitchFamily="18" charset="0"/>
+                                  <a:latin typeface="Cambria Math" charset="0"/>
                                   <a:cs typeface="Arial" panose="020B0604020202020204" pitchFamily="34" charset="0"/>
                                 </a:rPr>
                               </m:ctrlPr>
@@ -14597,7 +14596,7 @@
                             <m:sSubPr>
                               <m:ctrlPr>
                                 <a:rPr lang="en-US" sz="2000" b="0" i="1" smtClean="0">
-                                  <a:latin typeface="Cambria Math" panose="02040503050406030204" pitchFamily="18" charset="0"/>
+                                  <a:latin typeface="Cambria Math" charset="0"/>
                                   <a:cs typeface="Arial" panose="020B0604020202020204" pitchFamily="34" charset="0"/>
                                 </a:rPr>
                               </m:ctrlPr>
@@ -14706,7 +14705,7 @@
                             <m:sSubPr>
                               <m:ctrlPr>
                                 <a:rPr lang="en-US" sz="2000" b="0" i="1" smtClean="0">
-                                  <a:latin typeface="Cambria Math" panose="02040503050406030204" pitchFamily="18" charset="0"/>
+                                  <a:latin typeface="Cambria Math" charset="0"/>
                                   <a:cs typeface="Arial" panose="020B0604020202020204" pitchFamily="34" charset="0"/>
                                 </a:rPr>
                               </m:ctrlPr>
@@ -14864,7 +14863,7 @@
                               <m:chr m:val="⃗"/>
                               <m:ctrlPr>
                                 <a:rPr lang="en-US" sz="2000" b="0" i="1" smtClean="0">
-                                  <a:latin typeface="Cambria Math" panose="02040503050406030204" pitchFamily="18" charset="0"/>
+                                  <a:latin typeface="Cambria Math" charset="0"/>
                                   <a:cs typeface="Arial" panose="020B0604020202020204" pitchFamily="34" charset="0"/>
                                 </a:rPr>
                               </m:ctrlPr>
@@ -15013,7 +15012,7 @@
                               <m:chr m:val="⃗"/>
                               <m:ctrlPr>
                                 <a:rPr lang="en-US" sz="2000" b="0" i="1" smtClean="0">
-                                  <a:latin typeface="Cambria Math" panose="02040503050406030204" pitchFamily="18" charset="0"/>
+                                  <a:latin typeface="Cambria Math" charset="0"/>
                                   <a:cs typeface="Arial" panose="020B0604020202020204" pitchFamily="34" charset="0"/>
                                 </a:rPr>
                               </m:ctrlPr>
@@ -15545,7 +15544,7 @@
                         <m:sSubPr>
                           <m:ctrlPr>
                             <a:rPr lang="en-US" sz="2000" b="0" i="1" smtClean="0">
-                              <a:latin typeface="Cambria Math" panose="02040503050406030204" pitchFamily="18" charset="0"/>
+                              <a:latin typeface="Cambria Math" charset="0"/>
                               <a:cs typeface="Arial" panose="020B0604020202020204" pitchFamily="34" charset="0"/>
                             </a:rPr>
                           </m:ctrlPr>
@@ -15556,7 +15555,7 @@
                               <m:chr m:val="⃗"/>
                               <m:ctrlPr>
                                 <a:rPr lang="en-US" sz="2000" b="0" i="1" smtClean="0">
-                                  <a:latin typeface="Cambria Math" panose="02040503050406030204" pitchFamily="18" charset="0"/>
+                                  <a:latin typeface="Cambria Math" charset="0"/>
                                   <a:cs typeface="Arial" panose="020B0604020202020204" pitchFamily="34" charset="0"/>
                                 </a:rPr>
                               </m:ctrlPr>
@@ -15667,7 +15666,7 @@
                         <m:sSubPr>
                           <m:ctrlPr>
                             <a:rPr lang="en-US" sz="2000" b="0" i="1" smtClean="0">
-                              <a:latin typeface="Cambria Math" panose="02040503050406030204" pitchFamily="18" charset="0"/>
+                              <a:latin typeface="Cambria Math" charset="0"/>
                               <a:cs typeface="Arial" panose="020B0604020202020204" pitchFamily="34" charset="0"/>
                             </a:rPr>
                           </m:ctrlPr>
@@ -15678,7 +15677,7 @@
                               <m:chr m:val="⃗"/>
                               <m:ctrlPr>
                                 <a:rPr lang="en-US" sz="2000" b="0" i="1" smtClean="0">
-                                  <a:latin typeface="Cambria Math" panose="02040503050406030204" pitchFamily="18" charset="0"/>
+                                  <a:latin typeface="Cambria Math" charset="0"/>
                                   <a:cs typeface="Arial" panose="020B0604020202020204" pitchFamily="34" charset="0"/>
                                 </a:rPr>
                               </m:ctrlPr>
@@ -15796,7 +15795,7 @@
                         <m:sSubPr>
                           <m:ctrlPr>
                             <a:rPr lang="en-US" sz="2000" b="0" i="1" smtClean="0">
-                              <a:latin typeface="Cambria Math" panose="02040503050406030204" pitchFamily="18" charset="0"/>
+                              <a:latin typeface="Cambria Math" charset="0"/>
                               <a:cs typeface="Arial" panose="020B0604020202020204" pitchFamily="34" charset="0"/>
                             </a:rPr>
                           </m:ctrlPr>
@@ -15807,7 +15806,7 @@
                               <m:chr m:val="⃗"/>
                               <m:ctrlPr>
                                 <a:rPr lang="en-US" sz="2000" b="0" i="1" smtClean="0">
-                                  <a:latin typeface="Cambria Math" panose="02040503050406030204" pitchFamily="18" charset="0"/>
+                                  <a:latin typeface="Cambria Math" charset="0"/>
                                   <a:cs typeface="Arial" panose="020B0604020202020204" pitchFamily="34" charset="0"/>
                                 </a:rPr>
                               </m:ctrlPr>
@@ -15933,7 +15932,7 @@
                           <m:chr m:val="⃗"/>
                           <m:ctrlPr>
                             <a:rPr lang="en-US" sz="2000" b="0" i="1" smtClean="0">
-                              <a:latin typeface="Cambria Math" panose="02040503050406030204" pitchFamily="18" charset="0"/>
+                              <a:latin typeface="Cambria Math" charset="0"/>
                               <a:cs typeface="Arial" panose="020B0604020202020204" pitchFamily="34" charset="0"/>
                             </a:rPr>
                           </m:ctrlPr>
@@ -16033,7 +16032,7 @@
                         <m:sSubPr>
                           <m:ctrlPr>
                             <a:rPr lang="en-US" sz="2000" b="0" i="1" smtClean="0">
-                              <a:latin typeface="Cambria Math" panose="02040503050406030204" pitchFamily="18" charset="0"/>
+                              <a:latin typeface="Cambria Math" charset="0"/>
                               <a:cs typeface="Arial" panose="020B0604020202020204" pitchFamily="34" charset="0"/>
                             </a:rPr>
                           </m:ctrlPr>
@@ -16191,7 +16190,7 @@
                           <m:chr m:val="⃗"/>
                           <m:ctrlPr>
                             <a:rPr lang="en-US" sz="2000" b="0" i="1" smtClean="0">
-                              <a:latin typeface="Cambria Math" panose="02040503050406030204" pitchFamily="18" charset="0"/>
+                              <a:latin typeface="Cambria Math" charset="0"/>
                               <a:cs typeface="Arial" panose="020B0604020202020204" pitchFamily="34" charset="0"/>
                             </a:rPr>
                           </m:ctrlPr>
@@ -16994,7 +16993,7 @@
                           <m:sSubPr>
                             <m:ctrlPr>
                               <a:rPr lang="en-US" sz="2000" b="0" i="1" smtClean="0">
-                                <a:latin typeface="Cambria Math" panose="02040503050406030204" pitchFamily="18" charset="0"/>
+                                <a:latin typeface="Cambria Math" charset="0"/>
                                 <a:cs typeface="Arial" panose="020B0604020202020204" pitchFamily="34" charset="0"/>
                               </a:rPr>
                             </m:ctrlPr>
@@ -17005,7 +17004,7 @@
                                 <m:chr m:val="⃗"/>
                                 <m:ctrlPr>
                                   <a:rPr lang="en-US" sz="2000" b="0" i="1" smtClean="0">
-                                    <a:latin typeface="Cambria Math" panose="02040503050406030204" pitchFamily="18" charset="0"/>
+                                    <a:latin typeface="Cambria Math" charset="0"/>
                                     <a:cs typeface="Arial" panose="020B0604020202020204" pitchFamily="34" charset="0"/>
                                   </a:rPr>
                                 </m:ctrlPr>
@@ -17123,7 +17122,7 @@
                           <m:sSubPr>
                             <m:ctrlPr>
                               <a:rPr lang="en-US" sz="2000" b="0" i="1" smtClean="0">
-                                <a:latin typeface="Cambria Math" panose="02040503050406030204" pitchFamily="18" charset="0"/>
+                                <a:latin typeface="Cambria Math" charset="0"/>
                                 <a:cs typeface="Arial" panose="020B0604020202020204" pitchFamily="34" charset="0"/>
                               </a:rPr>
                             </m:ctrlPr>
@@ -17134,7 +17133,7 @@
                                 <m:chr m:val="⃗"/>
                                 <m:ctrlPr>
                                   <a:rPr lang="en-US" sz="2000" b="0" i="1" smtClean="0">
-                                    <a:latin typeface="Cambria Math" panose="02040503050406030204" pitchFamily="18" charset="0"/>
+                                    <a:latin typeface="Cambria Math" charset="0"/>
                                     <a:cs typeface="Arial" panose="020B0604020202020204" pitchFamily="34" charset="0"/>
                                   </a:rPr>
                                 </m:ctrlPr>
@@ -17245,7 +17244,7 @@
                           <m:sSubPr>
                             <m:ctrlPr>
                               <a:rPr lang="en-US" sz="2000" b="0" i="1" smtClean="0">
-                                <a:latin typeface="Cambria Math" panose="02040503050406030204" pitchFamily="18" charset="0"/>
+                                <a:latin typeface="Cambria Math" charset="0"/>
                                 <a:cs typeface="Arial" panose="020B0604020202020204" pitchFamily="34" charset="0"/>
                               </a:rPr>
                             </m:ctrlPr>
@@ -17256,7 +17255,7 @@
                                 <m:chr m:val="⃗"/>
                                 <m:ctrlPr>
                                   <a:rPr lang="en-US" sz="2000" b="0" i="1" smtClean="0">
-                                    <a:latin typeface="Cambria Math" panose="02040503050406030204" pitchFamily="18" charset="0"/>
+                                    <a:latin typeface="Cambria Math" charset="0"/>
                                     <a:cs typeface="Arial" panose="020B0604020202020204" pitchFamily="34" charset="0"/>
                                   </a:rPr>
                                 </m:ctrlPr>
@@ -17375,7 +17374,7 @@
                             <m:chr m:val="⃗"/>
                             <m:ctrlPr>
                               <a:rPr lang="en-US" sz="2000" b="0" i="1" smtClean="0">
-                                <a:latin typeface="Cambria Math" panose="02040503050406030204" pitchFamily="18" charset="0"/>
+                                <a:latin typeface="Cambria Math" charset="0"/>
                                 <a:cs typeface="Arial" panose="020B0604020202020204" pitchFamily="34" charset="0"/>
                               </a:rPr>
                             </m:ctrlPr>
@@ -17475,7 +17474,7 @@
                           <m:sSubPr>
                             <m:ctrlPr>
                               <a:rPr lang="en-US" sz="2000" b="0" i="1" smtClean="0">
-                                <a:latin typeface="Cambria Math" panose="02040503050406030204" pitchFamily="18" charset="0"/>
+                                <a:latin typeface="Cambria Math" charset="0"/>
                                 <a:cs typeface="Arial" panose="020B0604020202020204" pitchFamily="34" charset="0"/>
                               </a:rPr>
                             </m:ctrlPr>
@@ -17633,7 +17632,7 @@
                             <m:chr m:val="⃗"/>
                             <m:ctrlPr>
                               <a:rPr lang="en-US" sz="2000" b="0" i="1" smtClean="0">
-                                <a:latin typeface="Cambria Math" panose="02040503050406030204" pitchFamily="18" charset="0"/>
+                                <a:latin typeface="Cambria Math" charset="0"/>
                                 <a:cs typeface="Arial" panose="020B0604020202020204" pitchFamily="34" charset="0"/>
                               </a:rPr>
                             </m:ctrlPr>
@@ -18694,7 +18693,7 @@
                           <m:sSubPr>
                             <m:ctrlPr>
                               <a:rPr lang="en-US" sz="2000" b="0" i="1" smtClean="0">
-                                <a:latin typeface="Cambria Math" panose="02040503050406030204" pitchFamily="18" charset="0"/>
+                                <a:latin typeface="Cambria Math" charset="0"/>
                                 <a:cs typeface="Arial" panose="020B0604020202020204" pitchFamily="34" charset="0"/>
                               </a:rPr>
                             </m:ctrlPr>
@@ -18803,7 +18802,7 @@
                           <m:sSubPr>
                             <m:ctrlPr>
                               <a:rPr lang="en-US" sz="2000" b="0" i="1" smtClean="0">
-                                <a:latin typeface="Cambria Math" panose="02040503050406030204" pitchFamily="18" charset="0"/>
+                                <a:latin typeface="Cambria Math" charset="0"/>
                                 <a:cs typeface="Arial" panose="020B0604020202020204" pitchFamily="34" charset="0"/>
                               </a:rPr>
                             </m:ctrlPr>
@@ -19008,7 +19007,7 @@
                           <m:sSubPr>
                             <m:ctrlPr>
                               <a:rPr lang="en-US" sz="2000" b="0" i="1" smtClean="0">
-                                <a:latin typeface="Cambria Math" panose="02040503050406030204" pitchFamily="18" charset="0"/>
+                                <a:latin typeface="Cambria Math" charset="0"/>
                                 <a:cs typeface="Arial" panose="020B0604020202020204" pitchFamily="34" charset="0"/>
                               </a:rPr>
                             </m:ctrlPr>
@@ -19019,7 +19018,7 @@
                                 <m:chr m:val="⃗"/>
                                 <m:ctrlPr>
                                   <a:rPr lang="en-US" sz="2000" b="0" i="1" smtClean="0">
-                                    <a:latin typeface="Cambria Math" panose="02040503050406030204" pitchFamily="18" charset="0"/>
+                                    <a:latin typeface="Cambria Math" charset="0"/>
                                     <a:cs typeface="Arial" panose="020B0604020202020204" pitchFamily="34" charset="0"/>
                                   </a:rPr>
                                 </m:ctrlPr>
@@ -19130,7 +19129,7 @@
                           <m:sSubPr>
                             <m:ctrlPr>
                               <a:rPr lang="en-US" sz="2000" b="0" i="1" smtClean="0">
-                                <a:latin typeface="Cambria Math" panose="02040503050406030204" pitchFamily="18" charset="0"/>
+                                <a:latin typeface="Cambria Math" charset="0"/>
                                 <a:cs typeface="Arial" panose="020B0604020202020204" pitchFamily="34" charset="0"/>
                               </a:rPr>
                             </m:ctrlPr>
@@ -19141,7 +19140,7 @@
                                 <m:chr m:val="⃗"/>
                                 <m:ctrlPr>
                                   <a:rPr lang="en-US" sz="2000" b="0" i="1" smtClean="0">
-                                    <a:latin typeface="Cambria Math" panose="02040503050406030204" pitchFamily="18" charset="0"/>
+                                    <a:latin typeface="Cambria Math" charset="0"/>
                                     <a:cs typeface="Arial" panose="020B0604020202020204" pitchFamily="34" charset="0"/>
                                   </a:rPr>
                                 </m:ctrlPr>
@@ -19547,7 +19546,7 @@
                           <m:sSubPr>
                             <m:ctrlPr>
                               <a:rPr lang="en-US" sz="2000" b="0" i="1" smtClean="0">
-                                <a:latin typeface="Cambria Math" panose="02040503050406030204" pitchFamily="18" charset="0"/>
+                                <a:latin typeface="Cambria Math" charset="0"/>
                                 <a:cs typeface="Arial" panose="020B0604020202020204" pitchFamily="34" charset="0"/>
                               </a:rPr>
                             </m:ctrlPr>
@@ -19558,7 +19557,7 @@
                                 <m:chr m:val="⃗"/>
                                 <m:ctrlPr>
                                   <a:rPr lang="en-US" sz="2000" b="0" i="1" smtClean="0">
-                                    <a:latin typeface="Cambria Math" panose="02040503050406030204" pitchFamily="18" charset="0"/>
+                                    <a:latin typeface="Cambria Math" charset="0"/>
                                     <a:cs typeface="Arial" panose="020B0604020202020204" pitchFamily="34" charset="0"/>
                                   </a:rPr>
                                 </m:ctrlPr>
@@ -19676,7 +19675,7 @@
                           <m:sSubPr>
                             <m:ctrlPr>
                               <a:rPr lang="en-US" sz="2000" b="0" i="1" smtClean="0">
-                                <a:latin typeface="Cambria Math" panose="02040503050406030204" pitchFamily="18" charset="0"/>
+                                <a:latin typeface="Cambria Math" charset="0"/>
                                 <a:cs typeface="Arial" panose="020B0604020202020204" pitchFamily="34" charset="0"/>
                               </a:rPr>
                             </m:ctrlPr>
@@ -19687,7 +19686,7 @@
                                 <m:chr m:val="⃗"/>
                                 <m:ctrlPr>
                                   <a:rPr lang="en-US" sz="2000" b="0" i="1" smtClean="0">
-                                    <a:latin typeface="Cambria Math" panose="02040503050406030204" pitchFamily="18" charset="0"/>
+                                    <a:latin typeface="Cambria Math" charset="0"/>
                                     <a:cs typeface="Arial" panose="020B0604020202020204" pitchFamily="34" charset="0"/>
                                   </a:rPr>
                                 </m:ctrlPr>
@@ -19798,7 +19797,7 @@
                           <m:sSubPr>
                             <m:ctrlPr>
                               <a:rPr lang="en-US" sz="2000" b="0" i="1" smtClean="0">
-                                <a:latin typeface="Cambria Math" panose="02040503050406030204" pitchFamily="18" charset="0"/>
+                                <a:latin typeface="Cambria Math" charset="0"/>
                                 <a:cs typeface="Arial" panose="020B0604020202020204" pitchFamily="34" charset="0"/>
                               </a:rPr>
                             </m:ctrlPr>
@@ -19809,7 +19808,7 @@
                                 <m:chr m:val="⃗"/>
                                 <m:ctrlPr>
                                   <a:rPr lang="en-US" sz="2000" b="0" i="1" smtClean="0">
-                                    <a:latin typeface="Cambria Math" panose="02040503050406030204" pitchFamily="18" charset="0"/>
+                                    <a:latin typeface="Cambria Math" charset="0"/>
                                     <a:cs typeface="Arial" panose="020B0604020202020204" pitchFamily="34" charset="0"/>
                                   </a:rPr>
                                 </m:ctrlPr>
@@ -19927,7 +19926,7 @@
                           <m:sSubPr>
                             <m:ctrlPr>
                               <a:rPr lang="en-US" sz="2000" b="0" i="1" smtClean="0">
-                                <a:latin typeface="Cambria Math" panose="02040503050406030204" pitchFamily="18" charset="0"/>
+                                <a:latin typeface="Cambria Math" charset="0"/>
                                 <a:cs typeface="Arial" panose="020B0604020202020204" pitchFamily="34" charset="0"/>
                               </a:rPr>
                             </m:ctrlPr>
@@ -19938,7 +19937,7 @@
                                 <m:chr m:val="⃗"/>
                                 <m:ctrlPr>
                                   <a:rPr lang="en-US" sz="2000" b="0" i="1" smtClean="0">
-                                    <a:latin typeface="Cambria Math" panose="02040503050406030204" pitchFamily="18" charset="0"/>
+                                    <a:latin typeface="Cambria Math" charset="0"/>
                                     <a:cs typeface="Arial" panose="020B0604020202020204" pitchFamily="34" charset="0"/>
                                   </a:rPr>
                                 </m:ctrlPr>
@@ -20049,7 +20048,7 @@
                           <m:sSubPr>
                             <m:ctrlPr>
                               <a:rPr lang="en-US" sz="2000" b="0" i="1" smtClean="0">
-                                <a:latin typeface="Cambria Math" panose="02040503050406030204" pitchFamily="18" charset="0"/>
+                                <a:latin typeface="Cambria Math" charset="0"/>
                                 <a:cs typeface="Arial" panose="020B0604020202020204" pitchFamily="34" charset="0"/>
                               </a:rPr>
                             </m:ctrlPr>
@@ -20703,7 +20702,7 @@
                           <m:sSubPr>
                             <m:ctrlPr>
                               <a:rPr lang="en-US" sz="2000" b="0" i="1" smtClean="0">
-                                <a:latin typeface="Cambria Math" panose="02040503050406030204" pitchFamily="18" charset="0"/>
+                                <a:latin typeface="Cambria Math" charset="0"/>
                                 <a:cs typeface="Arial" panose="020B0604020202020204" pitchFamily="34" charset="0"/>
                               </a:rPr>
                             </m:ctrlPr>
@@ -20714,7 +20713,7 @@
                                 <m:chr m:val="⃗"/>
                                 <m:ctrlPr>
                                   <a:rPr lang="en-US" sz="2000" b="0" i="1" smtClean="0">
-                                    <a:latin typeface="Cambria Math" panose="02040503050406030204" pitchFamily="18" charset="0"/>
+                                    <a:latin typeface="Cambria Math" charset="0"/>
                                     <a:cs typeface="Arial" panose="020B0604020202020204" pitchFamily="34" charset="0"/>
                                   </a:rPr>
                                 </m:ctrlPr>
@@ -20840,7 +20839,7 @@
                           <m:sSubPr>
                             <m:ctrlPr>
                               <a:rPr lang="en-US" sz="2000" b="0" i="1" smtClean="0">
-                                <a:latin typeface="Cambria Math" panose="02040503050406030204" pitchFamily="18" charset="0"/>
+                                <a:latin typeface="Cambria Math" charset="0"/>
                                 <a:cs typeface="Arial" panose="020B0604020202020204" pitchFamily="34" charset="0"/>
                               </a:rPr>
                             </m:ctrlPr>
@@ -20851,7 +20850,7 @@
                                 <m:chr m:val="⃗"/>
                                 <m:ctrlPr>
                                   <a:rPr lang="en-US" sz="2000" b="0" i="1" smtClean="0">
-                                    <a:latin typeface="Cambria Math" panose="02040503050406030204" pitchFamily="18" charset="0"/>
+                                    <a:latin typeface="Cambria Math" charset="0"/>
                                     <a:cs typeface="Arial" panose="020B0604020202020204" pitchFamily="34" charset="0"/>
                                   </a:rPr>
                                 </m:ctrlPr>
@@ -21182,7 +21181,7 @@
                               <m:sSubPr>
                                 <m:ctrlPr>
                                   <a:rPr lang="en-US" sz="2000" b="0" i="1" smtClean="0">
-                                    <a:latin typeface="Cambria Math" panose="02040503050406030204" pitchFamily="18" charset="0"/>
+                                    <a:latin typeface="Cambria Math" charset="0"/>
                                     <a:cs typeface="Arial" panose="020B0604020202020204" pitchFamily="34" charset="0"/>
                                   </a:rPr>
                                 </m:ctrlPr>
@@ -21193,7 +21192,7 @@
                                     <m:chr m:val="⃗"/>
                                     <m:ctrlPr>
                                       <a:rPr lang="en-US" sz="2000" b="0" i="1" smtClean="0">
-                                        <a:latin typeface="Cambria Math" panose="02040503050406030204" pitchFamily="18" charset="0"/>
+                                        <a:latin typeface="Cambria Math" charset="0"/>
                                         <a:cs typeface="Arial" panose="020B0604020202020204" pitchFamily="34" charset="0"/>
                                       </a:rPr>
                                     </m:ctrlPr>
@@ -21304,7 +21303,7 @@
                               <m:sSubPr>
                                 <m:ctrlPr>
                                   <a:rPr lang="en-US" sz="2000" b="0" i="1" smtClean="0">
-                                    <a:latin typeface="Cambria Math" panose="02040503050406030204" pitchFamily="18" charset="0"/>
+                                    <a:latin typeface="Cambria Math" charset="0"/>
                                     <a:cs typeface="Arial" panose="020B0604020202020204" pitchFamily="34" charset="0"/>
                                   </a:rPr>
                                 </m:ctrlPr>
@@ -21315,7 +21314,7 @@
                                     <m:chr m:val="⃗"/>
                                     <m:ctrlPr>
                                       <a:rPr lang="en-US" sz="2000" b="0" i="1" smtClean="0">
-                                        <a:latin typeface="Cambria Math" panose="02040503050406030204" pitchFamily="18" charset="0"/>
+                                        <a:latin typeface="Cambria Math" charset="0"/>
                                         <a:cs typeface="Arial" panose="020B0604020202020204" pitchFamily="34" charset="0"/>
                                       </a:rPr>
                                     </m:ctrlPr>
@@ -21433,7 +21432,7 @@
                               <m:sSubPr>
                                 <m:ctrlPr>
                                   <a:rPr lang="en-US" sz="2000" b="0" i="1" smtClean="0">
-                                    <a:latin typeface="Cambria Math" panose="02040503050406030204" pitchFamily="18" charset="0"/>
+                                    <a:latin typeface="Cambria Math" charset="0"/>
                                     <a:cs typeface="Arial" panose="020B0604020202020204" pitchFamily="34" charset="0"/>
                                   </a:rPr>
                                 </m:ctrlPr>
@@ -21444,7 +21443,7 @@
                                     <m:chr m:val="⃗"/>
                                     <m:ctrlPr>
                                       <a:rPr lang="en-US" sz="2000" b="0" i="1" smtClean="0">
-                                        <a:latin typeface="Cambria Math" panose="02040503050406030204" pitchFamily="18" charset="0"/>
+                                        <a:latin typeface="Cambria Math" charset="0"/>
                                         <a:cs typeface="Arial" panose="020B0604020202020204" pitchFamily="34" charset="0"/>
                                       </a:rPr>
                                     </m:ctrlPr>
@@ -21562,7 +21561,7 @@
                               <m:sSubPr>
                                 <m:ctrlPr>
                                   <a:rPr lang="en-US" sz="2000" b="0" i="1" smtClean="0">
-                                    <a:latin typeface="Cambria Math" panose="02040503050406030204" pitchFamily="18" charset="0"/>
+                                    <a:latin typeface="Cambria Math" charset="0"/>
                                     <a:cs typeface="Arial" panose="020B0604020202020204" pitchFamily="34" charset="0"/>
                                   </a:rPr>
                                 </m:ctrlPr>
@@ -21671,7 +21670,7 @@
                               <m:sSubPr>
                                 <m:ctrlPr>
                                   <a:rPr lang="en-US" sz="2000" b="0" i="1" smtClean="0">
-                                    <a:latin typeface="Cambria Math" panose="02040503050406030204" pitchFamily="18" charset="0"/>
+                                    <a:latin typeface="Cambria Math" charset="0"/>
                                     <a:cs typeface="Arial" panose="020B0604020202020204" pitchFamily="34" charset="0"/>
                                   </a:rPr>
                                 </m:ctrlPr>
@@ -21682,7 +21681,7 @@
                                     <m:chr m:val="⃗"/>
                                     <m:ctrlPr>
                                       <a:rPr lang="en-US" sz="2000" b="0" i="1" smtClean="0">
-                                        <a:latin typeface="Cambria Math" panose="02040503050406030204" pitchFamily="18" charset="0"/>
+                                        <a:latin typeface="Cambria Math" charset="0"/>
                                         <a:cs typeface="Arial" panose="020B0604020202020204" pitchFamily="34" charset="0"/>
                                       </a:rPr>
                                     </m:ctrlPr>
@@ -22398,8 +22397,8 @@
             </a:fontRef>
           </p:style>
         </p:cxnSp>
-        <mc:AlternateContent xmlns:mc="http://schemas.openxmlformats.org/markup-compatibility/2006">
-          <mc:Choice xmlns:a14="http://schemas.microsoft.com/office/drawing/2010/main" Requires="a14">
+        <mc:AlternateContent xmlns:mc="http://schemas.openxmlformats.org/markup-compatibility/2006" xmlns:a14="http://schemas.microsoft.com/office/drawing/2010/main">
+          <mc:Choice Requires="a14">
             <p:sp>
               <p:nvSpPr>
                 <p:cNvPr id="9" name="TextBox 8"/>
@@ -22422,6 +22421,7 @@
                 </a:bodyPr>
                 <a:lstStyle/>
                 <a:p>
+                  <a:pPr/>
                   <a14:m>
                     <m:oMathPara xmlns:m="http://schemas.openxmlformats.org/officeDocument/2006/math">
                       <m:oMathParaPr>
@@ -22446,7 +22446,7 @@
               </p:txBody>
             </p:sp>
           </mc:Choice>
-          <mc:Fallback>
+          <mc:Fallback xmlns="">
             <p:sp>
               <p:nvSpPr>
                 <p:cNvPr id="9" name="TextBox 8"/>
@@ -22533,8 +22533,8 @@
             </a:p>
           </p:txBody>
         </p:sp>
-        <mc:AlternateContent xmlns:mc="http://schemas.openxmlformats.org/markup-compatibility/2006">
-          <mc:Choice xmlns:a14="http://schemas.microsoft.com/office/drawing/2010/main" Requires="a14">
+        <mc:AlternateContent xmlns:mc="http://schemas.openxmlformats.org/markup-compatibility/2006" xmlns:a14="http://schemas.microsoft.com/office/drawing/2010/main">
+          <mc:Choice Requires="a14">
             <p:sp>
               <p:nvSpPr>
                 <p:cNvPr id="19" name="TextBox 18"/>
@@ -22557,6 +22557,7 @@
                 </a:bodyPr>
                 <a:lstStyle/>
                 <a:p>
+                  <a:pPr/>
                   <a14:m>
                     <m:oMathPara xmlns:m="http://schemas.openxmlformats.org/officeDocument/2006/math">
                       <m:oMathParaPr>
@@ -22581,7 +22582,7 @@
               </p:txBody>
             </p:sp>
           </mc:Choice>
-          <mc:Fallback>
+          <mc:Fallback xmlns="">
             <p:sp>
               <p:nvSpPr>
                 <p:cNvPr id="19" name="TextBox 18"/>
@@ -22620,8 +22621,8 @@
             </p:sp>
           </mc:Fallback>
         </mc:AlternateContent>
-        <mc:AlternateContent xmlns:mc="http://schemas.openxmlformats.org/markup-compatibility/2006">
-          <mc:Choice xmlns:a14="http://schemas.microsoft.com/office/drawing/2010/main" Requires="a14">
+        <mc:AlternateContent xmlns:mc="http://schemas.openxmlformats.org/markup-compatibility/2006" xmlns:a14="http://schemas.microsoft.com/office/drawing/2010/main">
+          <mc:Choice Requires="a14">
             <p:sp>
               <p:nvSpPr>
                 <p:cNvPr id="20" name="TextBox 19"/>
@@ -22644,6 +22645,7 @@
                 </a:bodyPr>
                 <a:lstStyle/>
                 <a:p>
+                  <a:pPr/>
                   <a14:m>
                     <m:oMathPara xmlns:m="http://schemas.openxmlformats.org/officeDocument/2006/math">
                       <m:oMathParaPr>
@@ -22655,7 +22657,7 @@
                             <m:chr m:val="⃗"/>
                             <m:ctrlPr>
                               <a:rPr lang="en-US" sz="2000" b="0" i="1" smtClean="0">
-                                <a:latin typeface="Cambria Math" panose="02040503050406030204" pitchFamily="18" charset="0"/>
+                                <a:latin typeface="Cambria Math" charset="0"/>
                                 <a:cs typeface="Arial" panose="020B0604020202020204" pitchFamily="34" charset="0"/>
                               </a:rPr>
                             </m:ctrlPr>
@@ -22681,7 +22683,7 @@
               </p:txBody>
             </p:sp>
           </mc:Choice>
-          <mc:Fallback>
+          <mc:Fallback xmlns="">
             <p:sp>
               <p:nvSpPr>
                 <p:cNvPr id="20" name="TextBox 19"/>
@@ -22720,8 +22722,8 @@
             </p:sp>
           </mc:Fallback>
         </mc:AlternateContent>
-        <mc:AlternateContent xmlns:mc="http://schemas.openxmlformats.org/markup-compatibility/2006">
-          <mc:Choice xmlns:a14="http://schemas.microsoft.com/office/drawing/2010/main" Requires="a14">
+        <mc:AlternateContent xmlns:mc="http://schemas.openxmlformats.org/markup-compatibility/2006" xmlns:a14="http://schemas.microsoft.com/office/drawing/2010/main">
+          <mc:Choice Requires="a14">
             <p:sp>
               <p:nvSpPr>
                 <p:cNvPr id="21" name="TextBox 20"/>
@@ -22744,6 +22746,7 @@
                 </a:bodyPr>
                 <a:lstStyle/>
                 <a:p>
+                  <a:pPr/>
                   <a14:m>
                     <m:oMathPara xmlns:m="http://schemas.openxmlformats.org/officeDocument/2006/math">
                       <m:oMathParaPr>
@@ -22768,7 +22771,7 @@
               </p:txBody>
             </p:sp>
           </mc:Choice>
-          <mc:Fallback>
+          <mc:Fallback xmlns="">
             <p:sp>
               <p:nvSpPr>
                 <p:cNvPr id="21" name="TextBox 20"/>
@@ -22956,8 +22959,8 @@
               </a:fontRef>
             </p:style>
           </p:cxnSp>
-          <mc:AlternateContent xmlns:mc="http://schemas.openxmlformats.org/markup-compatibility/2006">
-            <mc:Choice xmlns:a14="http://schemas.microsoft.com/office/drawing/2010/main" Requires="a14">
+          <mc:AlternateContent xmlns:mc="http://schemas.openxmlformats.org/markup-compatibility/2006" xmlns:a14="http://schemas.microsoft.com/office/drawing/2010/main">
+            <mc:Choice Requires="a14">
               <p:sp>
                 <p:nvSpPr>
                   <p:cNvPr id="31" name="TextBox 30"/>
@@ -22980,6 +22983,7 @@
                   </a:bodyPr>
                   <a:lstStyle/>
                   <a:p>
+                    <a:pPr/>
                     <a14:m>
                       <m:oMathPara xmlns:m="http://schemas.openxmlformats.org/officeDocument/2006/math">
                         <m:oMathParaPr>
@@ -22991,7 +22995,7 @@
                               <m:chr m:val="⃗"/>
                               <m:ctrlPr>
                                 <a:rPr lang="en-US" sz="2000" b="0" i="1" smtClean="0">
-                                  <a:latin typeface="Cambria Math" panose="02040503050406030204" pitchFamily="18" charset="0"/>
+                                  <a:latin typeface="Cambria Math" charset="0"/>
                                   <a:cs typeface="Arial" panose="020B0604020202020204" pitchFamily="34" charset="0"/>
                                 </a:rPr>
                               </m:ctrlPr>
@@ -23017,7 +23021,7 @@
                 </p:txBody>
               </p:sp>
             </mc:Choice>
-            <mc:Fallback>
+            <mc:Fallback xmlns="">
               <p:sp>
                 <p:nvSpPr>
                   <p:cNvPr id="31" name="TextBox 30"/>
@@ -23056,8 +23060,8 @@
               </p:sp>
             </mc:Fallback>
           </mc:AlternateContent>
-          <mc:AlternateContent xmlns:mc="http://schemas.openxmlformats.org/markup-compatibility/2006">
-            <mc:Choice xmlns:a14="http://schemas.microsoft.com/office/drawing/2010/main" Requires="a14">
+          <mc:AlternateContent xmlns:mc="http://schemas.openxmlformats.org/markup-compatibility/2006" xmlns:a14="http://schemas.microsoft.com/office/drawing/2010/main">
+            <mc:Choice Requires="a14">
               <p:sp>
                 <p:nvSpPr>
                   <p:cNvPr id="32" name="TextBox 31"/>
@@ -23080,6 +23084,7 @@
                   </a:bodyPr>
                   <a:lstStyle/>
                   <a:p>
+                    <a:pPr/>
                     <a14:m>
                       <m:oMathPara xmlns:m="http://schemas.openxmlformats.org/officeDocument/2006/math">
                         <m:oMathParaPr>
@@ -23090,7 +23095,7 @@
                             <m:sSubPr>
                               <m:ctrlPr>
                                 <a:rPr lang="en-US" sz="2000" b="0" i="1" smtClean="0">
-                                  <a:latin typeface="Cambria Math" panose="02040503050406030204" pitchFamily="18" charset="0"/>
+                                  <a:latin typeface="Cambria Math" charset="0"/>
                                   <a:cs typeface="Arial" panose="020B0604020202020204" pitchFamily="34" charset="0"/>
                                 </a:rPr>
                               </m:ctrlPr>
@@ -23101,7 +23106,7 @@
                                   <m:chr m:val="⃗"/>
                                   <m:ctrlPr>
                                     <a:rPr lang="en-US" sz="2000" b="0" i="1" smtClean="0">
-                                      <a:latin typeface="Cambria Math" panose="02040503050406030204" pitchFamily="18" charset="0"/>
+                                      <a:latin typeface="Cambria Math" charset="0"/>
                                       <a:cs typeface="Arial" panose="020B0604020202020204" pitchFamily="34" charset="0"/>
                                     </a:rPr>
                                   </m:ctrlPr>
@@ -23138,7 +23143,7 @@
                 </p:txBody>
               </p:sp>
             </mc:Choice>
-            <mc:Fallback>
+            <mc:Fallback xmlns="">
               <p:sp>
                 <p:nvSpPr>
                   <p:cNvPr id="32" name="TextBox 31"/>
@@ -23225,8 +23230,8 @@
               </a:p>
             </p:txBody>
           </p:sp>
-          <mc:AlternateContent xmlns:mc="http://schemas.openxmlformats.org/markup-compatibility/2006">
-            <mc:Choice xmlns:a14="http://schemas.microsoft.com/office/drawing/2010/main" Requires="a14">
+          <mc:AlternateContent xmlns:mc="http://schemas.openxmlformats.org/markup-compatibility/2006" xmlns:a14="http://schemas.microsoft.com/office/drawing/2010/main">
+            <mc:Choice Requires="a14">
               <p:sp>
                 <p:nvSpPr>
                   <p:cNvPr id="34" name="TextBox 33"/>
@@ -23249,6 +23254,7 @@
                   </a:bodyPr>
                   <a:lstStyle/>
                   <a:p>
+                    <a:pPr/>
                     <a14:m>
                       <m:oMathPara xmlns:m="http://schemas.openxmlformats.org/officeDocument/2006/math">
                         <m:oMathParaPr>
@@ -23260,7 +23266,7 @@
                               <m:chr m:val="⃗"/>
                               <m:ctrlPr>
                                 <a:rPr lang="en-US" sz="2000" b="0" i="1" smtClean="0">
-                                  <a:latin typeface="Cambria Math" panose="02040503050406030204" pitchFamily="18" charset="0"/>
+                                  <a:latin typeface="Cambria Math" charset="0"/>
                                   <a:cs typeface="Arial" panose="020B0604020202020204" pitchFamily="34" charset="0"/>
                                 </a:rPr>
                               </m:ctrlPr>
@@ -23286,7 +23292,7 @@
                 </p:txBody>
               </p:sp>
             </mc:Choice>
-            <mc:Fallback>
+            <mc:Fallback xmlns="">
               <p:sp>
                 <p:nvSpPr>
                   <p:cNvPr id="34" name="TextBox 33"/>
@@ -23740,8 +23746,8 @@
             </a:fontRef>
           </p:style>
         </p:cxnSp>
-        <mc:AlternateContent xmlns:mc="http://schemas.openxmlformats.org/markup-compatibility/2006">
-          <mc:Choice xmlns:a14="http://schemas.microsoft.com/office/drawing/2010/main" Requires="a14">
+        <mc:AlternateContent xmlns:mc="http://schemas.openxmlformats.org/markup-compatibility/2006" xmlns:a14="http://schemas.microsoft.com/office/drawing/2010/main">
+          <mc:Choice Requires="a14">
             <p:sp>
               <p:nvSpPr>
                 <p:cNvPr id="47" name="TextBox 46"/>
@@ -23764,6 +23770,7 @@
                 </a:bodyPr>
                 <a:lstStyle/>
                 <a:p>
+                  <a:pPr/>
                   <a14:m>
                     <m:oMathPara xmlns:m="http://schemas.openxmlformats.org/officeDocument/2006/math">
                       <m:oMathParaPr>
@@ -23788,7 +23795,7 @@
               </p:txBody>
             </p:sp>
           </mc:Choice>
-          <mc:Fallback>
+          <mc:Fallback xmlns="">
             <p:sp>
               <p:nvSpPr>
                 <p:cNvPr id="47" name="TextBox 46"/>
@@ -24004,8 +24011,8 @@
                   </a:fontRef>
                 </p:style>
               </p:cxnSp>
-              <mc:AlternateContent xmlns:mc="http://schemas.openxmlformats.org/markup-compatibility/2006">
-                <mc:Choice xmlns:a14="http://schemas.microsoft.com/office/drawing/2010/main" Requires="a14">
+              <mc:AlternateContent xmlns:mc="http://schemas.openxmlformats.org/markup-compatibility/2006" xmlns:a14="http://schemas.microsoft.com/office/drawing/2010/main">
+                <mc:Choice Requires="a14">
                   <p:sp>
                     <p:nvSpPr>
                       <p:cNvPr id="57" name="TextBox 56"/>
@@ -24028,6 +24035,7 @@
                       </a:bodyPr>
                       <a:lstStyle/>
                       <a:p>
+                        <a:pPr/>
                         <a14:m>
                           <m:oMathPara xmlns:m="http://schemas.openxmlformats.org/officeDocument/2006/math">
                             <m:oMathParaPr>
@@ -24039,7 +24047,7 @@
                                   <m:chr m:val="⃗"/>
                                   <m:ctrlPr>
                                     <a:rPr lang="en-US" sz="2000" b="0" i="1" smtClean="0">
-                                      <a:latin typeface="Cambria Math" panose="02040503050406030204" pitchFamily="18" charset="0"/>
+                                      <a:latin typeface="Cambria Math" charset="0"/>
                                       <a:cs typeface="Arial" panose="020B0604020202020204" pitchFamily="34" charset="0"/>
                                     </a:rPr>
                                   </m:ctrlPr>
@@ -24065,7 +24073,7 @@
                     </p:txBody>
                   </p:sp>
                 </mc:Choice>
-                <mc:Fallback>
+                <mc:Fallback xmlns="">
                   <p:sp>
                     <p:nvSpPr>
                       <p:cNvPr id="57" name="TextBox 56"/>
@@ -24104,8 +24112,8 @@
                   </p:sp>
                 </mc:Fallback>
               </mc:AlternateContent>
-              <mc:AlternateContent xmlns:mc="http://schemas.openxmlformats.org/markup-compatibility/2006">
-                <mc:Choice xmlns:a14="http://schemas.microsoft.com/office/drawing/2010/main" Requires="a14">
+              <mc:AlternateContent xmlns:mc="http://schemas.openxmlformats.org/markup-compatibility/2006" xmlns:a14="http://schemas.microsoft.com/office/drawing/2010/main">
+                <mc:Choice Requires="a14">
                   <p:sp>
                     <p:nvSpPr>
                       <p:cNvPr id="58" name="TextBox 57"/>
@@ -24128,6 +24136,7 @@
                       </a:bodyPr>
                       <a:lstStyle/>
                       <a:p>
+                        <a:pPr/>
                         <a14:m>
                           <m:oMathPara xmlns:m="http://schemas.openxmlformats.org/officeDocument/2006/math">
                             <m:oMathParaPr>
@@ -24138,7 +24147,7 @@
                                 <m:sSubPr>
                                   <m:ctrlPr>
                                     <a:rPr lang="en-US" sz="2000" b="0" i="1" smtClean="0">
-                                      <a:latin typeface="Cambria Math" panose="02040503050406030204" pitchFamily="18" charset="0"/>
+                                      <a:latin typeface="Cambria Math" charset="0"/>
                                       <a:cs typeface="Arial" panose="020B0604020202020204" pitchFamily="34" charset="0"/>
                                     </a:rPr>
                                   </m:ctrlPr>
@@ -24149,7 +24158,7 @@
                                       <m:chr m:val="⃗"/>
                                       <m:ctrlPr>
                                         <a:rPr lang="en-US" sz="2000" b="0" i="1" smtClean="0">
-                                          <a:latin typeface="Cambria Math" panose="02040503050406030204" pitchFamily="18" charset="0"/>
+                                          <a:latin typeface="Cambria Math" charset="0"/>
                                           <a:cs typeface="Arial" panose="020B0604020202020204" pitchFamily="34" charset="0"/>
                                         </a:rPr>
                                       </m:ctrlPr>
@@ -24186,7 +24195,7 @@
                     </p:txBody>
                   </p:sp>
                 </mc:Choice>
-                <mc:Fallback>
+                <mc:Fallback xmlns="">
                   <p:sp>
                     <p:nvSpPr>
                       <p:cNvPr id="58" name="TextBox 57"/>
@@ -24640,8 +24649,8 @@
                 </a:fontRef>
               </p:style>
             </p:cxnSp>
-            <mc:AlternateContent xmlns:mc="http://schemas.openxmlformats.org/markup-compatibility/2006">
-              <mc:Choice xmlns:a14="http://schemas.microsoft.com/office/drawing/2010/main" Requires="a14">
+            <mc:AlternateContent xmlns:mc="http://schemas.openxmlformats.org/markup-compatibility/2006" xmlns:a14="http://schemas.microsoft.com/office/drawing/2010/main">
+              <mc:Choice Requires="a14">
                 <p:sp>
                   <p:nvSpPr>
                     <p:cNvPr id="53" name="TextBox 52"/>
@@ -24664,6 +24673,7 @@
                     </a:bodyPr>
                     <a:lstStyle/>
                     <a:p>
+                      <a:pPr/>
                       <a14:m>
                         <m:oMathPara xmlns:m="http://schemas.openxmlformats.org/officeDocument/2006/math">
                           <m:oMathParaPr>
@@ -24688,7 +24698,7 @@
                   </p:txBody>
                 </p:sp>
               </mc:Choice>
-              <mc:Fallback>
+              <mc:Fallback xmlns="">
                 <p:sp>
                   <p:nvSpPr>
                     <p:cNvPr id="53" name="TextBox 52"/>
@@ -24764,8 +24774,8 @@
               </a:fontRef>
             </p:style>
           </p:cxnSp>
-          <mc:AlternateContent xmlns:mc="http://schemas.openxmlformats.org/markup-compatibility/2006">
-            <mc:Choice xmlns:a14="http://schemas.microsoft.com/office/drawing/2010/main" Requires="a14">
+          <mc:AlternateContent xmlns:mc="http://schemas.openxmlformats.org/markup-compatibility/2006" xmlns:a14="http://schemas.microsoft.com/office/drawing/2010/main">
+            <mc:Choice Requires="a14">
               <p:sp>
                 <p:nvSpPr>
                   <p:cNvPr id="72" name="TextBox 71"/>
@@ -24788,6 +24798,7 @@
                   </a:bodyPr>
                   <a:lstStyle/>
                   <a:p>
+                    <a:pPr/>
                     <a14:m>
                       <m:oMathPara xmlns:m="http://schemas.openxmlformats.org/officeDocument/2006/math">
                         <m:oMathParaPr>
@@ -24798,7 +24809,7 @@
                             <m:sSubPr>
                               <m:ctrlPr>
                                 <a:rPr lang="en-US" sz="2000" b="0" i="1" smtClean="0">
-                                  <a:latin typeface="Cambria Math" panose="02040503050406030204" pitchFamily="18" charset="0"/>
+                                  <a:latin typeface="Cambria Math" charset="0"/>
                                   <a:cs typeface="Arial" panose="020B0604020202020204" pitchFamily="34" charset="0"/>
                                 </a:rPr>
                               </m:ctrlPr>
@@ -24809,7 +24820,7 @@
                                   <m:chr m:val="⃗"/>
                                   <m:ctrlPr>
                                     <a:rPr lang="en-US" sz="2000" b="0" i="1" smtClean="0">
-                                      <a:latin typeface="Cambria Math" panose="02040503050406030204" pitchFamily="18" charset="0"/>
+                                      <a:latin typeface="Cambria Math" charset="0"/>
                                       <a:cs typeface="Arial" panose="020B0604020202020204" pitchFamily="34" charset="0"/>
                                     </a:rPr>
                                   </m:ctrlPr>
@@ -24846,7 +24857,7 @@
                 </p:txBody>
               </p:sp>
             </mc:Choice>
-            <mc:Fallback>
+            <mc:Fallback xmlns="">
               <p:sp>
                 <p:nvSpPr>
                   <p:cNvPr id="72" name="TextBox 71"/>
@@ -24886,8 +24897,8 @@
             </mc:Fallback>
           </mc:AlternateContent>
         </p:grpSp>
-        <mc:AlternateContent xmlns:mc="http://schemas.openxmlformats.org/markup-compatibility/2006">
-          <mc:Choice xmlns:a14="http://schemas.microsoft.com/office/drawing/2010/main" Requires="a14">
+        <mc:AlternateContent xmlns:mc="http://schemas.openxmlformats.org/markup-compatibility/2006" xmlns:a14="http://schemas.microsoft.com/office/drawing/2010/main">
+          <mc:Choice Requires="a14">
             <p:sp>
               <p:nvSpPr>
                 <p:cNvPr id="74" name="TextBox 73"/>
@@ -24910,6 +24921,7 @@
                 </a:bodyPr>
                 <a:lstStyle/>
                 <a:p>
+                  <a:pPr/>
                   <a14:m>
                     <m:oMathPara xmlns:m="http://schemas.openxmlformats.org/officeDocument/2006/math">
                       <m:oMathParaPr>
@@ -24962,7 +24974,7 @@
               </p:txBody>
             </p:sp>
           </mc:Choice>
-          <mc:Fallback>
+          <mc:Fallback xmlns="">
             <p:sp>
               <p:nvSpPr>
                 <p:cNvPr id="74" name="TextBox 73"/>
@@ -25114,8 +25126,8 @@
               </a:fontRef>
             </p:style>
           </p:cxnSp>
-          <mc:AlternateContent xmlns:mc="http://schemas.openxmlformats.org/markup-compatibility/2006">
-            <mc:Choice xmlns:a14="http://schemas.microsoft.com/office/drawing/2010/main" Requires="a14">
+          <mc:AlternateContent xmlns:mc="http://schemas.openxmlformats.org/markup-compatibility/2006" xmlns:a14="http://schemas.microsoft.com/office/drawing/2010/main">
+            <mc:Choice Requires="a14">
               <p:sp>
                 <p:nvSpPr>
                   <p:cNvPr id="81" name="TextBox 80"/>
@@ -25138,6 +25150,7 @@
                   </a:bodyPr>
                   <a:lstStyle/>
                   <a:p>
+                    <a:pPr/>
                     <a14:m>
                       <m:oMathPara xmlns:m="http://schemas.openxmlformats.org/officeDocument/2006/math">
                         <m:oMathParaPr>
@@ -25148,7 +25161,7 @@
                             <m:sSubPr>
                               <m:ctrlPr>
                                 <a:rPr lang="en-US" sz="2000" b="0" i="1" smtClean="0">
-                                  <a:latin typeface="Cambria Math" panose="02040503050406030204" pitchFamily="18" charset="0"/>
+                                  <a:latin typeface="Cambria Math" charset="0"/>
                                   <a:cs typeface="Arial" panose="020B0604020202020204" pitchFamily="34" charset="0"/>
                                 </a:rPr>
                               </m:ctrlPr>
@@ -25159,7 +25172,7 @@
                                   <m:chr m:val="⃗"/>
                                   <m:ctrlPr>
                                     <a:rPr lang="en-US" sz="2000" b="0" i="1" smtClean="0">
-                                      <a:latin typeface="Cambria Math" panose="02040503050406030204" pitchFamily="18" charset="0"/>
+                                      <a:latin typeface="Cambria Math" charset="0"/>
                                       <a:cs typeface="Arial" panose="020B0604020202020204" pitchFamily="34" charset="0"/>
                                     </a:rPr>
                                   </m:ctrlPr>
@@ -25196,7 +25209,7 @@
                 </p:txBody>
               </p:sp>
             </mc:Choice>
-            <mc:Fallback>
+            <mc:Fallback xmlns="">
               <p:sp>
                 <p:nvSpPr>
                   <p:cNvPr id="81" name="TextBox 80"/>
@@ -25307,8 +25320,8 @@
               </a:fontRef>
             </p:style>
           </p:cxnSp>
-          <mc:AlternateContent xmlns:mc="http://schemas.openxmlformats.org/markup-compatibility/2006">
-            <mc:Choice xmlns:a14="http://schemas.microsoft.com/office/drawing/2010/main" Requires="a14">
+          <mc:AlternateContent xmlns:mc="http://schemas.openxmlformats.org/markup-compatibility/2006" xmlns:a14="http://schemas.microsoft.com/office/drawing/2010/main">
+            <mc:Choice Requires="a14">
               <p:sp>
                 <p:nvSpPr>
                   <p:cNvPr id="93" name="TextBox 92"/>
@@ -25331,6 +25344,7 @@
                   </a:bodyPr>
                   <a:lstStyle/>
                   <a:p>
+                    <a:pPr/>
                     <a14:m>
                       <m:oMathPara xmlns:m="http://schemas.openxmlformats.org/officeDocument/2006/math">
                         <m:oMathParaPr>
@@ -25341,7 +25355,7 @@
                             <m:sSubPr>
                               <m:ctrlPr>
                                 <a:rPr lang="en-US" sz="2000" b="0" i="1" smtClean="0">
-                                  <a:latin typeface="Cambria Math" panose="02040503050406030204" pitchFamily="18" charset="0"/>
+                                  <a:latin typeface="Cambria Math" charset="0"/>
                                   <a:cs typeface="Arial" panose="020B0604020202020204" pitchFamily="34" charset="0"/>
                                 </a:rPr>
                               </m:ctrlPr>
@@ -25352,7 +25366,7 @@
                                   <m:chr m:val="⃗"/>
                                   <m:ctrlPr>
                                     <a:rPr lang="en-US" sz="2000" b="0" i="1" smtClean="0">
-                                      <a:latin typeface="Cambria Math" panose="02040503050406030204" pitchFamily="18" charset="0"/>
+                                      <a:latin typeface="Cambria Math" charset="0"/>
                                       <a:cs typeface="Arial" panose="020B0604020202020204" pitchFamily="34" charset="0"/>
                                     </a:rPr>
                                   </m:ctrlPr>
@@ -25389,7 +25403,7 @@
                 </p:txBody>
               </p:sp>
             </mc:Choice>
-            <mc:Fallback>
+            <mc:Fallback xmlns="">
               <p:sp>
                 <p:nvSpPr>
                   <p:cNvPr id="93" name="TextBox 92"/>
@@ -25428,8 +25442,8 @@
               </p:sp>
             </mc:Fallback>
           </mc:AlternateContent>
-          <mc:AlternateContent xmlns:mc="http://schemas.openxmlformats.org/markup-compatibility/2006">
-            <mc:Choice xmlns:a14="http://schemas.microsoft.com/office/drawing/2010/main" Requires="a14">
+          <mc:AlternateContent xmlns:mc="http://schemas.openxmlformats.org/markup-compatibility/2006" xmlns:a14="http://schemas.microsoft.com/office/drawing/2010/main">
+            <mc:Choice Requires="a14">
               <p:sp>
                 <p:nvSpPr>
                   <p:cNvPr id="94" name="TextBox 93"/>
@@ -25452,6 +25466,7 @@
                   </a:bodyPr>
                   <a:lstStyle/>
                   <a:p>
+                    <a:pPr/>
                     <a14:m>
                       <m:oMathPara xmlns:m="http://schemas.openxmlformats.org/officeDocument/2006/math">
                         <m:oMathParaPr>
@@ -25463,7 +25478,7 @@
                               <m:chr m:val="⃗"/>
                               <m:ctrlPr>
                                 <a:rPr lang="en-US" sz="2000" b="0" i="1" smtClean="0">
-                                  <a:latin typeface="Cambria Math" panose="02040503050406030204" pitchFamily="18" charset="0"/>
+                                  <a:latin typeface="Cambria Math" charset="0"/>
                                   <a:cs typeface="Arial" panose="020B0604020202020204" pitchFamily="34" charset="0"/>
                                 </a:rPr>
                               </m:ctrlPr>
@@ -25489,7 +25504,7 @@
                 </p:txBody>
               </p:sp>
             </mc:Choice>
-            <mc:Fallback>
+            <mc:Fallback xmlns="">
               <p:sp>
                 <p:nvSpPr>
                   <p:cNvPr id="94" name="TextBox 93"/>
@@ -25940,65 +25955,24 @@
       </p:grpSpPr>
       <p:grpSp>
         <p:nvGrpSpPr>
-          <p:cNvPr id="30" name="Group 29">
-            <a:extLst>
-              <a:ext uri="{FF2B5EF4-FFF2-40B4-BE49-F238E27FC236}">
-                <a16:creationId xmlns:a16="http://schemas.microsoft.com/office/drawing/2014/main" id="{C1C95B96-AC90-B64B-8483-EF53BE5118A4}"/>
-              </a:ext>
-            </a:extLst>
-          </p:cNvPr>
+          <p:cNvPr id="4" name="Group 3"/>
           <p:cNvGrpSpPr/>
           <p:nvPr/>
         </p:nvGrpSpPr>
         <p:grpSpPr>
           <a:xfrm>
-            <a:off x="2449681" y="1290755"/>
-            <a:ext cx="5422084" cy="3376806"/>
-            <a:chOff x="2449681" y="1290755"/>
-            <a:chExt cx="5422084" cy="3376806"/>
+            <a:off x="2303814" y="1344335"/>
+            <a:ext cx="4350574" cy="3176135"/>
+            <a:chOff x="2303814" y="1344335"/>
+            <a:chExt cx="4350574" cy="3176135"/>
           </a:xfrm>
         </p:grpSpPr>
-        <p:pic>
-          <p:nvPicPr>
-            <p:cNvPr id="29" name="Picture 28">
-              <a:extLst>
-                <a:ext uri="{FF2B5EF4-FFF2-40B4-BE49-F238E27FC236}">
-                  <a16:creationId xmlns:a16="http://schemas.microsoft.com/office/drawing/2014/main" id="{38A1AE2B-38CA-E043-A449-393654621C8A}"/>
-                </a:ext>
-              </a:extLst>
-            </p:cNvPr>
-            <p:cNvPicPr>
-              <a:picLocks noChangeAspect="1"/>
-            </p:cNvPicPr>
-            <p:nvPr/>
-          </p:nvPicPr>
-          <p:blipFill rotWithShape="1">
-            <a:blip r:embed="rId2" cstate="print">
-              <a:extLst>
-                <a:ext uri="{28A0092B-C50C-407E-A947-70E740481C1C}">
-                  <a14:useLocalDpi xmlns:a14="http://schemas.microsoft.com/office/drawing/2010/main" val="0"/>
-                </a:ext>
-              </a:extLst>
-            </a:blip>
-            <a:srcRect l="3063" t="16667" b="47222"/>
-            <a:stretch/>
-          </p:blipFill>
-          <p:spPr>
-            <a:xfrm rot="21163497">
-              <a:off x="4893440" y="1290755"/>
-              <a:ext cx="2978325" cy="1973412"/>
-            </a:xfrm>
-            <a:prstGeom prst="rect">
-              <a:avLst/>
-            </a:prstGeom>
-          </p:spPr>
-        </p:pic>
         <p:sp>
           <p:nvSpPr>
             <p:cNvPr id="18" name="Right Triangle 17">
               <a:extLst>
                 <a:ext uri="{FF2B5EF4-FFF2-40B4-BE49-F238E27FC236}">
-                  <a16:creationId xmlns:a16="http://schemas.microsoft.com/office/drawing/2014/main" id="{928BF4D9-398D-AB45-BE56-AFD737E099AB}"/>
+                  <a16:creationId xmlns="" xmlns:a16="http://schemas.microsoft.com/office/drawing/2014/main" id="{928BF4D9-398D-AB45-BE56-AFD737E099AB}"/>
                 </a:ext>
               </a:extLst>
             </p:cNvPr>
@@ -26007,16 +25981,14 @@
           </p:nvSpPr>
           <p:spPr>
             <a:xfrm flipH="1">
-              <a:off x="3821224" y="2419349"/>
-              <a:ext cx="3164930" cy="2101121"/>
+              <a:off x="2303814" y="2419349"/>
+              <a:ext cx="4350574" cy="2101121"/>
             </a:xfrm>
             <a:prstGeom prst="rtTriangle">
               <a:avLst/>
             </a:prstGeom>
             <a:solidFill>
-              <a:schemeClr val="bg2">
-                <a:lumMod val="75000"/>
-              </a:schemeClr>
+              <a:schemeClr val="bg1"/>
             </a:solidFill>
             <a:ln w="38100">
               <a:solidFill>
@@ -26049,147 +26021,18 @@
             </a:p>
           </p:txBody>
         </p:sp>
-        <p:pic>
-          <p:nvPicPr>
-            <p:cNvPr id="26" name="Picture 25">
-              <a:extLst>
-                <a:ext uri="{FF2B5EF4-FFF2-40B4-BE49-F238E27FC236}">
-                  <a16:creationId xmlns:a16="http://schemas.microsoft.com/office/drawing/2014/main" id="{2C26DF25-1021-8547-A20E-74B278796CE4}"/>
-                </a:ext>
-              </a:extLst>
-            </p:cNvPr>
-            <p:cNvPicPr>
-              <a:picLocks noChangeAspect="1"/>
-            </p:cNvPicPr>
-            <p:nvPr/>
-          </p:nvPicPr>
-          <p:blipFill>
-            <a:blip r:embed="rId3" cstate="print">
-              <a:extLst>
-                <a:ext uri="{28A0092B-C50C-407E-A947-70E740481C1C}">
-                  <a14:useLocalDpi xmlns:a14="http://schemas.microsoft.com/office/drawing/2010/main" val="0"/>
-                </a:ext>
-              </a:extLst>
-            </a:blip>
-            <a:stretch>
-              <a:fillRect/>
-            </a:stretch>
-          </p:blipFill>
-          <p:spPr>
-            <a:xfrm rot="802031">
-              <a:off x="2449681" y="3408540"/>
-              <a:ext cx="1729055" cy="1259021"/>
-            </a:xfrm>
-            <a:prstGeom prst="rect">
-              <a:avLst/>
-            </a:prstGeom>
-          </p:spPr>
-        </p:pic>
-      </p:grpSp>
-    </p:spTree>
-    <p:extLst>
-      <p:ext uri="{BB962C8B-B14F-4D97-AF65-F5344CB8AC3E}">
-        <p14:creationId xmlns:p14="http://schemas.microsoft.com/office/powerpoint/2010/main" val="1819297336"/>
-      </p:ext>
-    </p:extLst>
-  </p:cSld>
-  <p:clrMapOvr>
-    <a:masterClrMapping/>
-  </p:clrMapOvr>
-</p:sld>
-</file>
-
-<file path=ppt/slides/slide8.xml><?xml version="1.0" encoding="utf-8"?>
-<p:sld xmlns:a="http://schemas.openxmlformats.org/drawingml/2006/main" xmlns:r="http://schemas.openxmlformats.org/officeDocument/2006/relationships" xmlns:p="http://schemas.openxmlformats.org/presentationml/2006/main">
-  <p:cSld>
-    <p:spTree>
-      <p:nvGrpSpPr>
-        <p:cNvPr id="1" name=""/>
-        <p:cNvGrpSpPr/>
-        <p:nvPr/>
-      </p:nvGrpSpPr>
-      <p:grpSpPr>
-        <a:xfrm>
-          <a:off x="0" y="0"/>
-          <a:ext cx="0" cy="0"/>
-          <a:chOff x="0" y="0"/>
-          <a:chExt cx="0" cy="0"/>
-        </a:xfrm>
-      </p:grpSpPr>
-      <p:grpSp>
-        <p:nvGrpSpPr>
-          <p:cNvPr id="45" name="Group 44">
-            <a:extLst>
-              <a:ext uri="{FF2B5EF4-FFF2-40B4-BE49-F238E27FC236}">
-                <a16:creationId xmlns:a16="http://schemas.microsoft.com/office/drawing/2014/main" id="{FC5A6692-B7EC-3844-8D7C-034AFFF9B39B}"/>
-              </a:ext>
-            </a:extLst>
-          </p:cNvPr>
-          <p:cNvGrpSpPr/>
-          <p:nvPr/>
-        </p:nvGrpSpPr>
-        <p:grpSpPr>
-          <a:xfrm>
-            <a:off x="3997738" y="1832128"/>
-            <a:ext cx="3219230" cy="3091351"/>
-            <a:chOff x="3997738" y="1832128"/>
-            <a:chExt cx="3219230" cy="3091351"/>
-          </a:xfrm>
-        </p:grpSpPr>
-        <p:pic>
-          <p:nvPicPr>
-            <p:cNvPr id="11" name="Picture 10">
-              <a:extLst>
-                <a:ext uri="{FF2B5EF4-FFF2-40B4-BE49-F238E27FC236}">
-                  <a16:creationId xmlns:a16="http://schemas.microsoft.com/office/drawing/2014/main" id="{6E038F89-4878-EB4A-BA5C-CB11572A8241}"/>
-                </a:ext>
-              </a:extLst>
-            </p:cNvPr>
-            <p:cNvPicPr>
-              <a:picLocks noChangeAspect="1"/>
-            </p:cNvPicPr>
-            <p:nvPr/>
-          </p:nvPicPr>
-          <p:blipFill>
-            <a:blip r:embed="rId2">
-              <a:extLst>
-                <a:ext uri="{28A0092B-C50C-407E-A947-70E740481C1C}">
-                  <a14:useLocalDpi xmlns:a14="http://schemas.microsoft.com/office/drawing/2010/main" val="0"/>
-                </a:ext>
-              </a:extLst>
-            </a:blip>
-            <a:stretch>
-              <a:fillRect/>
-            </a:stretch>
-          </p:blipFill>
-          <p:spPr>
-            <a:xfrm rot="18157257">
-              <a:off x="4888501" y="2365787"/>
-              <a:ext cx="2328467" cy="2328467"/>
-            </a:xfrm>
-            <a:prstGeom prst="rect">
-              <a:avLst/>
-            </a:prstGeom>
-          </p:spPr>
-        </p:pic>
         <mc:AlternateContent xmlns:mc="http://schemas.openxmlformats.org/markup-compatibility/2006" xmlns:a14="http://schemas.microsoft.com/office/drawing/2010/main">
           <mc:Choice Requires="a14">
             <p:sp>
               <p:nvSpPr>
-                <p:cNvPr id="21" name="TextBox 20">
-                  <a:extLst>
-                    <a:ext uri="{FF2B5EF4-FFF2-40B4-BE49-F238E27FC236}">
-                      <a16:creationId xmlns:a16="http://schemas.microsoft.com/office/drawing/2014/main" id="{7ACDE5F2-2527-2647-B344-5CBFE0A9CE97}"/>
-                    </a:ext>
-                  </a:extLst>
-                </p:cNvPr>
+                <p:cNvPr id="2" name="TextBox 1"/>
                 <p:cNvSpPr txBox="1"/>
                 <p:nvPr/>
               </p:nvSpPr>
               <p:spPr>
-                <a:xfrm rot="19798298">
-                  <a:off x="5120673" y="1832128"/>
-                  <a:ext cx="395365" cy="307777"/>
+                <a:xfrm>
+                  <a:off x="2933206" y="4188942"/>
+                  <a:ext cx="222305" cy="307777"/>
                 </a:xfrm>
                 <a:prstGeom prst="rect">
                   <a:avLst/>
@@ -26209,43 +26052,18 @@
                         <m:jc m:val="centerGroup"/>
                       </m:oMathParaPr>
                       <m:oMath xmlns:m="http://schemas.openxmlformats.org/officeDocument/2006/math">
-                        <m:sSub>
-                          <m:sSubPr>
-                            <m:ctrlPr>
-                              <a:rPr lang="en-US" sz="2000" b="0" i="1" smtClean="0">
-                                <a:latin typeface="Cambria Math" panose="02040503050406030204" pitchFamily="18" charset="0"/>
-                                <a:cs typeface="Arial" panose="020B0604020202020204" pitchFamily="34" charset="0"/>
-                              </a:rPr>
-                            </m:ctrlPr>
-                          </m:sSubPr>
-                          <m:e>
-                            <m:acc>
-                              <m:accPr>
-                                <m:chr m:val="⃗"/>
-                                <m:ctrlPr>
-                                  <a:rPr lang="en-US" sz="2000" b="0" i="1" smtClean="0">
-                                    <a:latin typeface="Cambria Math" panose="02040503050406030204" pitchFamily="18" charset="0"/>
-                                    <a:cs typeface="Arial" panose="020B0604020202020204" pitchFamily="34" charset="0"/>
-                                  </a:rPr>
-                                </m:ctrlPr>
-                              </m:accPr>
-                              <m:e>
-                                <m:r>
-                                  <a:rPr lang="en-US" sz="2000" b="0" i="1" smtClean="0">
-                                    <a:latin typeface="Cambria Math" panose="02040503050406030204" pitchFamily="18" charset="0"/>
-                                    <a:cs typeface="Arial" panose="020B0604020202020204" pitchFamily="34" charset="0"/>
-                                  </a:rPr>
-                                  <m:t>𝑎</m:t>
-                                </m:r>
-                              </m:e>
-                            </m:acc>
-                          </m:e>
-                          <m:sub/>
-                        </m:sSub>
+                        <m:r>
+                          <a:rPr lang="en-US" sz="2000" i="1" smtClean="0">
+                            <a:latin typeface="Cambria Math" charset="0"/>
+                            <a:ea typeface="Cambria Math" charset="0"/>
+                            <a:cs typeface="Cambria Math" charset="0"/>
+                          </a:rPr>
+                          <m:t>𝜃</m:t>
+                        </m:r>
                       </m:oMath>
                     </m:oMathPara>
                   </a14:m>
-                  <a:endParaRPr lang="en-US" sz="2000" dirty="0">
+                  <a:endParaRPr lang="en-US" sz="2000" dirty="0" smtClean="0">
                     <a:latin typeface="Arial" panose="020B0604020202020204" pitchFamily="34" charset="0"/>
                     <a:cs typeface="Arial" panose="020B0604020202020204" pitchFamily="34" charset="0"/>
                   </a:endParaRPr>
@@ -26256,30 +26074,24 @@
           <mc:Fallback xmlns="">
             <p:sp>
               <p:nvSpPr>
-                <p:cNvPr id="21" name="TextBox 20">
-                  <a:extLst>
-                    <a:ext uri="{FF2B5EF4-FFF2-40B4-BE49-F238E27FC236}">
-                      <a16:creationId xmlns:a16="http://schemas.microsoft.com/office/drawing/2014/main" id="{7ACDE5F2-2527-2647-B344-5CBFE0A9CE97}"/>
-                    </a:ext>
-                  </a:extLst>
-                </p:cNvPr>
+                <p:cNvPr id="2" name="TextBox 1"/>
                 <p:cNvSpPr txBox="1">
                   <a:spLocks noRot="1" noChangeAspect="1" noMove="1" noResize="1" noEditPoints="1" noAdjustHandles="1" noChangeArrowheads="1" noChangeShapeType="1" noTextEdit="1"/>
                 </p:cNvSpPr>
                 <p:nvPr/>
               </p:nvSpPr>
               <p:spPr>
-                <a:xfrm rot="19798298">
-                  <a:off x="5120673" y="1832128"/>
-                  <a:ext cx="395365" cy="307777"/>
+                <a:xfrm>
+                  <a:off x="2933206" y="4188942"/>
+                  <a:ext cx="222305" cy="307777"/>
                 </a:xfrm>
                 <a:prstGeom prst="rect">
                   <a:avLst/>
                 </a:prstGeom>
-                <a:blipFill>
-                  <a:blip r:embed="rId3"/>
+                <a:blipFill rotWithShape="0">
+                  <a:blip r:embed="rId2"/>
                   <a:stretch>
-                    <a:fillRect l="-17500" b="-10811"/>
+                    <a:fillRect l="-24324" r="-21622" b="-9804"/>
                   </a:stretch>
                 </a:blipFill>
               </p:spPr>
@@ -26298,1127 +26110,40 @@
             </p:sp>
           </mc:Fallback>
         </mc:AlternateContent>
-        <p:grpSp>
-          <p:nvGrpSpPr>
-            <p:cNvPr id="22" name="Group 21">
+        <p:pic>
+          <p:nvPicPr>
+            <p:cNvPr id="3" name="Picture 2"/>
+            <p:cNvPicPr>
+              <a:picLocks noChangeAspect="1"/>
+            </p:cNvPicPr>
+            <p:nvPr/>
+          </p:nvPicPr>
+          <p:blipFill rotWithShape="1">
+            <a:blip r:embed="rId3">
               <a:extLst>
-                <a:ext uri="{FF2B5EF4-FFF2-40B4-BE49-F238E27FC236}">
-                  <a16:creationId xmlns:a16="http://schemas.microsoft.com/office/drawing/2014/main" id="{F44CCC53-F799-1C43-88F4-D900DDDCBC32}"/>
+                <a:ext uri="{28A0092B-C50C-407E-A947-70E740481C1C}">
+                  <a14:useLocalDpi xmlns:a14="http://schemas.microsoft.com/office/drawing/2010/main" val="0"/>
                 </a:ext>
               </a:extLst>
-            </p:cNvPr>
-            <p:cNvGrpSpPr/>
-            <p:nvPr/>
-          </p:nvGrpSpPr>
-          <p:grpSpPr>
-            <a:xfrm rot="19798298">
-              <a:off x="3997738" y="2329671"/>
-              <a:ext cx="2809800" cy="2593808"/>
-              <a:chOff x="4634760" y="3895935"/>
-              <a:chExt cx="2809800" cy="2593808"/>
+            </a:blip>
+            <a:srcRect l="30993" t="8119" r="29776" b="23812"/>
+            <a:stretch/>
+          </p:blipFill>
+          <p:spPr>
+            <a:xfrm rot="20019333">
+              <a:off x="4605772" y="1344335"/>
+              <a:ext cx="1653962" cy="1627680"/>
             </a:xfrm>
-          </p:grpSpPr>
-          <p:grpSp>
-            <p:nvGrpSpPr>
-              <p:cNvPr id="23" name="Group 22">
-                <a:extLst>
-                  <a:ext uri="{FF2B5EF4-FFF2-40B4-BE49-F238E27FC236}">
-                    <a16:creationId xmlns:a16="http://schemas.microsoft.com/office/drawing/2014/main" id="{BA7C5257-B392-F34E-8E96-B26B7D52BBD1}"/>
-                  </a:ext>
-                </a:extLst>
-              </p:cNvPr>
-              <p:cNvGrpSpPr/>
-              <p:nvPr/>
-            </p:nvGrpSpPr>
-            <p:grpSpPr>
-              <a:xfrm>
-                <a:off x="6433200" y="4116518"/>
-                <a:ext cx="1011360" cy="2373225"/>
-                <a:chOff x="6867450" y="3855856"/>
-                <a:chExt cx="1011360" cy="2373225"/>
-              </a:xfrm>
-            </p:grpSpPr>
-            <p:sp>
-              <p:nvSpPr>
-                <p:cNvPr id="33" name="Oval 32">
-                  <a:extLst>
-                    <a:ext uri="{FF2B5EF4-FFF2-40B4-BE49-F238E27FC236}">
-                      <a16:creationId xmlns:a16="http://schemas.microsoft.com/office/drawing/2014/main" id="{323F7A6C-9D0D-6242-A6B0-A0759B73FEB4}"/>
-                    </a:ext>
-                  </a:extLst>
-                </p:cNvPr>
-                <p:cNvSpPr/>
-                <p:nvPr/>
-              </p:nvSpPr>
-              <p:spPr>
-                <a:xfrm>
-                  <a:off x="7138975" y="4809279"/>
-                  <a:ext cx="120943" cy="119766"/>
-                </a:xfrm>
-                <a:prstGeom prst="ellipse">
-                  <a:avLst/>
-                </a:prstGeom>
-                <a:solidFill>
-                  <a:schemeClr val="tx1"/>
-                </a:solidFill>
-                <a:ln w="38100">
-                  <a:solidFill>
-                    <a:schemeClr val="tx1"/>
-                  </a:solidFill>
-                </a:ln>
-              </p:spPr>
-              <p:style>
-                <a:lnRef idx="2">
-                  <a:schemeClr val="accent1">
-                    <a:shade val="50000"/>
-                  </a:schemeClr>
-                </a:lnRef>
-                <a:fillRef idx="1">
-                  <a:schemeClr val="accent1"/>
-                </a:fillRef>
-                <a:effectRef idx="0">
-                  <a:schemeClr val="accent1"/>
-                </a:effectRef>
-                <a:fontRef idx="minor">
-                  <a:schemeClr val="lt1"/>
-                </a:fontRef>
-              </p:style>
-              <p:txBody>
-                <a:bodyPr rtlCol="0" anchor="ctr"/>
-                <a:lstStyle/>
-                <a:p>
-                  <a:pPr algn="ctr"/>
-                  <a:endParaRPr lang="en-US"/>
-                </a:p>
-              </p:txBody>
-            </p:sp>
-            <p:cxnSp>
-              <p:nvCxnSpPr>
-                <p:cNvPr id="35" name="Straight Arrow Connector 34">
-                  <a:extLst>
-                    <a:ext uri="{FF2B5EF4-FFF2-40B4-BE49-F238E27FC236}">
-                      <a16:creationId xmlns:a16="http://schemas.microsoft.com/office/drawing/2014/main" id="{444F722A-0A62-A34A-96B4-6801DA2D8EA0}"/>
-                    </a:ext>
-                  </a:extLst>
-                </p:cNvPr>
-                <p:cNvCxnSpPr/>
-                <p:nvPr/>
-              </p:nvCxnSpPr>
-              <p:spPr>
-                <a:xfrm>
-                  <a:off x="7279549" y="4879078"/>
-                  <a:ext cx="460837" cy="0"/>
-                </a:xfrm>
-                <a:prstGeom prst="straightConnector1">
-                  <a:avLst/>
-                </a:prstGeom>
-                <a:ln w="38100">
-                  <a:solidFill>
-                    <a:schemeClr val="tx1"/>
-                  </a:solidFill>
-                  <a:tailEnd type="triangle"/>
-                </a:ln>
-              </p:spPr>
-              <p:style>
-                <a:lnRef idx="1">
-                  <a:schemeClr val="accent1"/>
-                </a:lnRef>
-                <a:fillRef idx="0">
-                  <a:schemeClr val="accent1"/>
-                </a:fillRef>
-                <a:effectRef idx="0">
-                  <a:schemeClr val="accent1"/>
-                </a:effectRef>
-                <a:fontRef idx="minor">
-                  <a:schemeClr val="tx1"/>
-                </a:fontRef>
-              </p:style>
-            </p:cxnSp>
-            <p:cxnSp>
-              <p:nvCxnSpPr>
-                <p:cNvPr id="36" name="Straight Arrow Connector 35">
-                  <a:extLst>
-                    <a:ext uri="{FF2B5EF4-FFF2-40B4-BE49-F238E27FC236}">
-                      <a16:creationId xmlns:a16="http://schemas.microsoft.com/office/drawing/2014/main" id="{3EE20AF3-C253-4E4F-B7FC-F2A1F09956DF}"/>
-                    </a:ext>
-                  </a:extLst>
-                </p:cNvPr>
-                <p:cNvCxnSpPr>
-                  <a:cxnSpLocks/>
-                </p:cNvCxnSpPr>
-                <p:nvPr/>
-              </p:nvCxnSpPr>
-              <p:spPr>
-                <a:xfrm rot="1801702">
-                  <a:off x="6888205" y="5034189"/>
-                  <a:ext cx="644097" cy="1113043"/>
-                </a:xfrm>
-                <a:prstGeom prst="straightConnector1">
-                  <a:avLst/>
-                </a:prstGeom>
-                <a:ln w="38100">
-                  <a:solidFill>
-                    <a:schemeClr val="tx1"/>
-                  </a:solidFill>
-                  <a:tailEnd type="triangle"/>
-                </a:ln>
-              </p:spPr>
-              <p:style>
-                <a:lnRef idx="1">
-                  <a:schemeClr val="accent1"/>
-                </a:lnRef>
-                <a:fillRef idx="0">
-                  <a:schemeClr val="accent1"/>
-                </a:fillRef>
-                <a:effectRef idx="0">
-                  <a:schemeClr val="accent1"/>
-                </a:effectRef>
-                <a:fontRef idx="minor">
-                  <a:schemeClr val="tx1"/>
-                </a:fontRef>
-              </p:style>
-            </p:cxnSp>
-            <p:cxnSp>
-              <p:nvCxnSpPr>
-                <p:cNvPr id="37" name="Straight Arrow Connector 36">
-                  <a:extLst>
-                    <a:ext uri="{FF2B5EF4-FFF2-40B4-BE49-F238E27FC236}">
-                      <a16:creationId xmlns:a16="http://schemas.microsoft.com/office/drawing/2014/main" id="{2EC26C49-A617-0441-922C-1D95EAE50009}"/>
-                    </a:ext>
-                  </a:extLst>
-                </p:cNvPr>
-                <p:cNvCxnSpPr/>
-                <p:nvPr/>
-              </p:nvCxnSpPr>
-              <p:spPr>
-                <a:xfrm flipV="1">
-                  <a:off x="7210396" y="3855856"/>
-                  <a:ext cx="1123" cy="950756"/>
-                </a:xfrm>
-                <a:prstGeom prst="straightConnector1">
-                  <a:avLst/>
-                </a:prstGeom>
-                <a:ln w="38100">
-                  <a:solidFill>
-                    <a:schemeClr val="tx1"/>
-                  </a:solidFill>
-                  <a:tailEnd type="triangle"/>
-                </a:ln>
-              </p:spPr>
-              <p:style>
-                <a:lnRef idx="1">
-                  <a:schemeClr val="accent1"/>
-                </a:lnRef>
-                <a:fillRef idx="0">
-                  <a:schemeClr val="accent1"/>
-                </a:fillRef>
-                <a:effectRef idx="0">
-                  <a:schemeClr val="accent1"/>
-                </a:effectRef>
-                <a:fontRef idx="minor">
-                  <a:schemeClr val="tx1"/>
-                </a:fontRef>
-              </p:style>
-            </p:cxnSp>
-            <mc:AlternateContent xmlns:mc="http://schemas.openxmlformats.org/markup-compatibility/2006" xmlns:a14="http://schemas.microsoft.com/office/drawing/2010/main">
-              <mc:Choice Requires="a14">
-                <p:sp>
-                  <p:nvSpPr>
-                    <p:cNvPr id="38" name="TextBox 37">
-                      <a:extLst>
-                        <a:ext uri="{FF2B5EF4-FFF2-40B4-BE49-F238E27FC236}">
-                          <a16:creationId xmlns:a16="http://schemas.microsoft.com/office/drawing/2014/main" id="{461AC47C-60CA-484F-BC1F-AFA78455187A}"/>
-                        </a:ext>
-                      </a:extLst>
-                    </p:cNvPr>
-                    <p:cNvSpPr txBox="1"/>
-                    <p:nvPr/>
-                  </p:nvSpPr>
-                  <p:spPr>
-                    <a:xfrm>
-                      <a:off x="7299552" y="3952590"/>
-                      <a:ext cx="440249" cy="345159"/>
-                    </a:xfrm>
-                    <a:prstGeom prst="rect">
-                      <a:avLst/>
-                    </a:prstGeom>
-                    <a:noFill/>
-                  </p:spPr>
-                  <p:txBody>
-                    <a:bodyPr wrap="none" lIns="0" tIns="0" rIns="0" bIns="0" rtlCol="0">
-                      <a:spAutoFit/>
-                    </a:bodyPr>
-                    <a:lstStyle/>
-                    <a:p>
-                      <a:pPr/>
-                      <a14:m>
-                        <m:oMathPara xmlns:m="http://schemas.openxmlformats.org/officeDocument/2006/math">
-                          <m:oMathParaPr>
-                            <m:jc m:val="centerGroup"/>
-                          </m:oMathParaPr>
-                          <m:oMath xmlns:m="http://schemas.openxmlformats.org/officeDocument/2006/math">
-                            <m:sSub>
-                              <m:sSubPr>
-                                <m:ctrlPr>
-                                  <a:rPr lang="en-US" sz="2000" b="0" i="1" smtClean="0">
-                                    <a:latin typeface="Cambria Math" panose="02040503050406030204" pitchFamily="18" charset="0"/>
-                                    <a:cs typeface="Arial" panose="020B0604020202020204" pitchFamily="34" charset="0"/>
-                                  </a:rPr>
-                                </m:ctrlPr>
-                              </m:sSubPr>
-                              <m:e>
-                                <m:acc>
-                                  <m:accPr>
-                                    <m:chr m:val="⃗"/>
-                                    <m:ctrlPr>
-                                      <a:rPr lang="en-US" sz="2000" b="0" i="1" smtClean="0">
-                                        <a:latin typeface="Cambria Math" panose="02040503050406030204" pitchFamily="18" charset="0"/>
-                                        <a:cs typeface="Arial" panose="020B0604020202020204" pitchFamily="34" charset="0"/>
-                                      </a:rPr>
-                                    </m:ctrlPr>
-                                  </m:accPr>
-                                  <m:e>
-                                    <m:r>
-                                      <a:rPr lang="en-US" sz="2000" b="0" i="1" smtClean="0">
-                                        <a:latin typeface="Cambria Math" panose="02040503050406030204" pitchFamily="18" charset="0"/>
-                                        <a:cs typeface="Arial" panose="020B0604020202020204" pitchFamily="34" charset="0"/>
-                                      </a:rPr>
-                                      <m:t>𝑁</m:t>
-                                    </m:r>
-                                  </m:e>
-                                </m:acc>
-                              </m:e>
-                              <m:sub/>
-                            </m:sSub>
-                          </m:oMath>
-                        </m:oMathPara>
-                      </a14:m>
-                      <a:endParaRPr lang="en-US" sz="2000" dirty="0">
-                        <a:latin typeface="Arial" panose="020B0604020202020204" pitchFamily="34" charset="0"/>
-                        <a:cs typeface="Arial" panose="020B0604020202020204" pitchFamily="34" charset="0"/>
-                      </a:endParaRPr>
-                    </a:p>
-                  </p:txBody>
-                </p:sp>
-              </mc:Choice>
-              <mc:Fallback xmlns="">
-                <p:sp>
-                  <p:nvSpPr>
-                    <p:cNvPr id="38" name="TextBox 37">
-                      <a:extLst>
-                        <a:ext uri="{FF2B5EF4-FFF2-40B4-BE49-F238E27FC236}">
-                          <a16:creationId xmlns:a16="http://schemas.microsoft.com/office/drawing/2014/main" id="{461AC47C-60CA-484F-BC1F-AFA78455187A}"/>
-                        </a:ext>
-                      </a:extLst>
-                    </p:cNvPr>
-                    <p:cNvSpPr txBox="1">
-                      <a:spLocks noRot="1" noChangeAspect="1" noMove="1" noResize="1" noEditPoints="1" noAdjustHandles="1" noChangeArrowheads="1" noChangeShapeType="1" noTextEdit="1"/>
-                    </p:cNvSpPr>
-                    <p:nvPr/>
-                  </p:nvSpPr>
-                  <p:spPr>
-                    <a:xfrm>
-                      <a:off x="7299552" y="3952590"/>
-                      <a:ext cx="440249" cy="345159"/>
-                    </a:xfrm>
-                    <a:prstGeom prst="rect">
-                      <a:avLst/>
-                    </a:prstGeom>
-                    <a:blipFill>
-                      <a:blip r:embed="rId4"/>
-                      <a:stretch>
-                        <a:fillRect l="-2326" b="-7143"/>
-                      </a:stretch>
-                    </a:blipFill>
-                  </p:spPr>
-                  <p:txBody>
-                    <a:bodyPr/>
-                    <a:lstStyle/>
-                    <a:p>
-                      <a:r>
-                        <a:rPr lang="en-US">
-                          <a:noFill/>
-                        </a:rPr>
-                        <a:t> </a:t>
-                      </a:r>
-                    </a:p>
-                  </p:txBody>
-                </p:sp>
-              </mc:Fallback>
-            </mc:AlternateContent>
-            <mc:AlternateContent xmlns:mc="http://schemas.openxmlformats.org/markup-compatibility/2006" xmlns:a14="http://schemas.microsoft.com/office/drawing/2010/main">
-              <mc:Choice Requires="a14">
-                <p:sp>
-                  <p:nvSpPr>
-                    <p:cNvPr id="39" name="TextBox 38">
-                      <a:extLst>
-                        <a:ext uri="{FF2B5EF4-FFF2-40B4-BE49-F238E27FC236}">
-                          <a16:creationId xmlns:a16="http://schemas.microsoft.com/office/drawing/2014/main" id="{39C7D327-0ADF-C74B-B9B3-997E02673332}"/>
-                        </a:ext>
-                      </a:extLst>
-                    </p:cNvPr>
-                    <p:cNvSpPr txBox="1"/>
-                    <p:nvPr/>
-                  </p:nvSpPr>
-                  <p:spPr>
-                    <a:xfrm>
-                      <a:off x="6867450" y="5851862"/>
-                      <a:ext cx="167383" cy="377219"/>
-                    </a:xfrm>
-                    <a:prstGeom prst="rect">
-                      <a:avLst/>
-                    </a:prstGeom>
-                    <a:noFill/>
-                  </p:spPr>
-                  <p:txBody>
-                    <a:bodyPr wrap="square" lIns="0" tIns="0" rIns="0" bIns="0" rtlCol="0">
-                      <a:spAutoFit/>
-                    </a:bodyPr>
-                    <a:lstStyle/>
-                    <a:p>
-                      <a:pPr/>
-                      <a14:m>
-                        <m:oMathPara xmlns:m="http://schemas.openxmlformats.org/officeDocument/2006/math">
-                          <m:oMathParaPr>
-                            <m:jc m:val="centerGroup"/>
-                          </m:oMathParaPr>
-                          <m:oMath xmlns:m="http://schemas.openxmlformats.org/officeDocument/2006/math">
-                            <m:sSub>
-                              <m:sSubPr>
-                                <m:ctrlPr>
-                                  <a:rPr lang="en-US" sz="2000" b="0" i="1" smtClean="0">
-                                    <a:latin typeface="Cambria Math" panose="02040503050406030204" pitchFamily="18" charset="0"/>
-                                    <a:cs typeface="Arial" panose="020B0604020202020204" pitchFamily="34" charset="0"/>
-                                  </a:rPr>
-                                </m:ctrlPr>
-                              </m:sSubPr>
-                              <m:e>
-                                <m:acc>
-                                  <m:accPr>
-                                    <m:chr m:val="⃗"/>
-                                    <m:ctrlPr>
-                                      <a:rPr lang="en-US" sz="2000" b="0" i="1" smtClean="0">
-                                        <a:latin typeface="Cambria Math" panose="02040503050406030204" pitchFamily="18" charset="0"/>
-                                        <a:cs typeface="Arial" panose="020B0604020202020204" pitchFamily="34" charset="0"/>
-                                      </a:rPr>
-                                    </m:ctrlPr>
-                                  </m:accPr>
-                                  <m:e>
-                                    <m:r>
-                                      <a:rPr lang="en-US" sz="2000" b="0" i="1" smtClean="0">
-                                        <a:latin typeface="Cambria Math" panose="02040503050406030204" pitchFamily="18" charset="0"/>
-                                        <a:cs typeface="Arial" panose="020B0604020202020204" pitchFamily="34" charset="0"/>
-                                      </a:rPr>
-                                      <m:t>𝐹</m:t>
-                                    </m:r>
-                                  </m:e>
-                                </m:acc>
-                              </m:e>
-                              <m:sub>
-                                <m:r>
-                                  <a:rPr lang="en-US" sz="2000" b="0" i="1" smtClean="0">
-                                    <a:latin typeface="Cambria Math" panose="02040503050406030204" pitchFamily="18" charset="0"/>
-                                    <a:cs typeface="Arial" panose="020B0604020202020204" pitchFamily="34" charset="0"/>
-                                  </a:rPr>
-                                  <m:t>𝑔</m:t>
-                                </m:r>
-                              </m:sub>
-                            </m:sSub>
-                          </m:oMath>
-                        </m:oMathPara>
-                      </a14:m>
-                      <a:endParaRPr lang="en-US" sz="2000" dirty="0">
-                        <a:latin typeface="Arial" panose="020B0604020202020204" pitchFamily="34" charset="0"/>
-                        <a:cs typeface="Arial" panose="020B0604020202020204" pitchFamily="34" charset="0"/>
-                      </a:endParaRPr>
-                    </a:p>
-                  </p:txBody>
-                </p:sp>
-              </mc:Choice>
-              <mc:Fallback xmlns="">
-                <p:sp>
-                  <p:nvSpPr>
-                    <p:cNvPr id="39" name="TextBox 38">
-                      <a:extLst>
-                        <a:ext uri="{FF2B5EF4-FFF2-40B4-BE49-F238E27FC236}">
-                          <a16:creationId xmlns:a16="http://schemas.microsoft.com/office/drawing/2014/main" id="{39C7D327-0ADF-C74B-B9B3-997E02673332}"/>
-                        </a:ext>
-                      </a:extLst>
-                    </p:cNvPr>
-                    <p:cNvSpPr txBox="1">
-                      <a:spLocks noRot="1" noChangeAspect="1" noMove="1" noResize="1" noEditPoints="1" noAdjustHandles="1" noChangeArrowheads="1" noChangeShapeType="1" noTextEdit="1"/>
-                    </p:cNvSpPr>
-                    <p:nvPr/>
-                  </p:nvSpPr>
-                  <p:spPr>
-                    <a:xfrm>
-                      <a:off x="6867450" y="5851862"/>
-                      <a:ext cx="167383" cy="377219"/>
-                    </a:xfrm>
-                    <a:prstGeom prst="rect">
-                      <a:avLst/>
-                    </a:prstGeom>
-                    <a:blipFill>
-                      <a:blip r:embed="rId5"/>
-                      <a:stretch>
-                        <a:fillRect l="-37037" t="-27273" r="-37037" b="-9091"/>
-                      </a:stretch>
-                    </a:blipFill>
-                  </p:spPr>
-                  <p:txBody>
-                    <a:bodyPr/>
-                    <a:lstStyle/>
-                    <a:p>
-                      <a:r>
-                        <a:rPr lang="en-US">
-                          <a:noFill/>
-                        </a:rPr>
-                        <a:t> </a:t>
-                      </a:r>
-                    </a:p>
-                  </p:txBody>
-                </p:sp>
-              </mc:Fallback>
-            </mc:AlternateContent>
-            <mc:AlternateContent xmlns:mc="http://schemas.openxmlformats.org/markup-compatibility/2006" xmlns:a14="http://schemas.microsoft.com/office/drawing/2010/main">
-              <mc:Choice Requires="a14">
-                <p:sp>
-                  <p:nvSpPr>
-                    <p:cNvPr id="40" name="TextBox 39">
-                      <a:extLst>
-                        <a:ext uri="{FF2B5EF4-FFF2-40B4-BE49-F238E27FC236}">
-                          <a16:creationId xmlns:a16="http://schemas.microsoft.com/office/drawing/2014/main" id="{225DAFEB-9AE1-614F-BF85-33F76B0A7D42}"/>
-                        </a:ext>
-                      </a:extLst>
-                    </p:cNvPr>
-                    <p:cNvSpPr txBox="1"/>
-                    <p:nvPr/>
-                  </p:nvSpPr>
-                  <p:spPr>
-                    <a:xfrm>
-                      <a:off x="7577317" y="4962203"/>
-                      <a:ext cx="301493" cy="354071"/>
-                    </a:xfrm>
-                    <a:prstGeom prst="rect">
-                      <a:avLst/>
-                    </a:prstGeom>
-                    <a:noFill/>
-                  </p:spPr>
-                  <p:txBody>
-                    <a:bodyPr wrap="none" lIns="0" tIns="0" rIns="0" bIns="0" rtlCol="0">
-                      <a:spAutoFit/>
-                    </a:bodyPr>
-                    <a:lstStyle/>
-                    <a:p>
-                      <a:pPr/>
-                      <a14:m>
-                        <m:oMathPara xmlns:m="http://schemas.openxmlformats.org/officeDocument/2006/math">
-                          <m:oMathParaPr>
-                            <m:jc m:val="centerGroup"/>
-                          </m:oMathParaPr>
-                          <m:oMath xmlns:m="http://schemas.openxmlformats.org/officeDocument/2006/math">
-                            <m:sSub>
-                              <m:sSubPr>
-                                <m:ctrlPr>
-                                  <a:rPr lang="en-US" sz="2000" b="0" i="1" smtClean="0">
-                                    <a:latin typeface="Cambria Math" panose="02040503050406030204" pitchFamily="18" charset="0"/>
-                                    <a:cs typeface="Arial" panose="020B0604020202020204" pitchFamily="34" charset="0"/>
-                                  </a:rPr>
-                                </m:ctrlPr>
-                              </m:sSubPr>
-                              <m:e>
-                                <m:acc>
-                                  <m:accPr>
-                                    <m:chr m:val="⃗"/>
-                                    <m:ctrlPr>
-                                      <a:rPr lang="en-US" sz="2000" b="0" i="1" smtClean="0">
-                                        <a:latin typeface="Cambria Math" panose="02040503050406030204" pitchFamily="18" charset="0"/>
-                                        <a:cs typeface="Arial" panose="020B0604020202020204" pitchFamily="34" charset="0"/>
-                                      </a:rPr>
-                                    </m:ctrlPr>
-                                  </m:accPr>
-                                  <m:e>
-                                    <m:r>
-                                      <a:rPr lang="en-US" sz="2000" b="0" i="1" smtClean="0">
-                                        <a:latin typeface="Cambria Math" panose="02040503050406030204" pitchFamily="18" charset="0"/>
-                                        <a:cs typeface="Arial" panose="020B0604020202020204" pitchFamily="34" charset="0"/>
-                                      </a:rPr>
-                                      <m:t>𝑓</m:t>
-                                    </m:r>
-                                  </m:e>
-                                </m:acc>
-                              </m:e>
-                              <m:sub>
-                                <m:r>
-                                  <a:rPr lang="en-US" sz="2000" b="0" i="1" smtClean="0">
-                                    <a:latin typeface="Cambria Math" panose="02040503050406030204" pitchFamily="18" charset="0"/>
-                                    <a:cs typeface="Arial" panose="020B0604020202020204" pitchFamily="34" charset="0"/>
-                                  </a:rPr>
-                                  <m:t>𝑘</m:t>
-                                </m:r>
-                              </m:sub>
-                            </m:sSub>
-                          </m:oMath>
-                        </m:oMathPara>
-                      </a14:m>
-                      <a:endParaRPr lang="en-US" sz="2000" dirty="0">
-                        <a:latin typeface="Arial" panose="020B0604020202020204" pitchFamily="34" charset="0"/>
-                        <a:cs typeface="Arial" panose="020B0604020202020204" pitchFamily="34" charset="0"/>
-                      </a:endParaRPr>
-                    </a:p>
-                  </p:txBody>
-                </p:sp>
-              </mc:Choice>
-              <mc:Fallback xmlns="">
-                <p:sp>
-                  <p:nvSpPr>
-                    <p:cNvPr id="40" name="TextBox 39">
-                      <a:extLst>
-                        <a:ext uri="{FF2B5EF4-FFF2-40B4-BE49-F238E27FC236}">
-                          <a16:creationId xmlns:a16="http://schemas.microsoft.com/office/drawing/2014/main" id="{225DAFEB-9AE1-614F-BF85-33F76B0A7D42}"/>
-                        </a:ext>
-                      </a:extLst>
-                    </p:cNvPr>
-                    <p:cNvSpPr txBox="1">
-                      <a:spLocks noRot="1" noChangeAspect="1" noMove="1" noResize="1" noEditPoints="1" noAdjustHandles="1" noChangeArrowheads="1" noChangeShapeType="1" noTextEdit="1"/>
-                    </p:cNvSpPr>
-                    <p:nvPr/>
-                  </p:nvSpPr>
-                  <p:spPr>
-                    <a:xfrm>
-                      <a:off x="7577317" y="4962203"/>
-                      <a:ext cx="301493" cy="354071"/>
-                    </a:xfrm>
-                    <a:prstGeom prst="rect">
-                      <a:avLst/>
-                    </a:prstGeom>
-                    <a:blipFill>
-                      <a:blip r:embed="rId6"/>
-                      <a:stretch>
-                        <a:fillRect l="-20000" t="-13514" r="-11429" b="-27027"/>
-                      </a:stretch>
-                    </a:blipFill>
-                  </p:spPr>
-                  <p:txBody>
-                    <a:bodyPr/>
-                    <a:lstStyle/>
-                    <a:p>
-                      <a:r>
-                        <a:rPr lang="en-US">
-                          <a:noFill/>
-                        </a:rPr>
-                        <a:t> </a:t>
-                      </a:r>
-                    </a:p>
-                  </p:txBody>
-                </p:sp>
-              </mc:Fallback>
-            </mc:AlternateContent>
-          </p:grpSp>
-          <p:sp>
-            <p:nvSpPr>
-              <p:cNvPr id="24" name="Right Arrow 23">
-                <a:extLst>
-                  <a:ext uri="{FF2B5EF4-FFF2-40B4-BE49-F238E27FC236}">
-                    <a16:creationId xmlns:a16="http://schemas.microsoft.com/office/drawing/2014/main" id="{CB81FF16-BB43-2447-8D02-82EE1033B8B1}"/>
-                  </a:ext>
-                </a:extLst>
-              </p:cNvPr>
-              <p:cNvSpPr/>
-              <p:nvPr/>
-            </p:nvSpPr>
-            <p:spPr>
-              <a:xfrm rot="10800000">
-                <a:off x="6360937" y="3895935"/>
-                <a:ext cx="700928" cy="118979"/>
-              </a:xfrm>
-              <a:prstGeom prst="rightArrow">
-                <a:avLst/>
-              </a:prstGeom>
-              <a:solidFill>
-                <a:schemeClr val="tx1"/>
-              </a:solidFill>
-              <a:ln w="38100">
-                <a:solidFill>
-                  <a:schemeClr val="tx1"/>
-                </a:solidFill>
-              </a:ln>
-            </p:spPr>
-            <p:style>
-              <a:lnRef idx="2">
-                <a:schemeClr val="accent1">
-                  <a:shade val="50000"/>
-                </a:schemeClr>
-              </a:lnRef>
-              <a:fillRef idx="1">
-                <a:schemeClr val="accent1"/>
-              </a:fillRef>
-              <a:effectRef idx="0">
-                <a:schemeClr val="accent1"/>
-              </a:effectRef>
-              <a:fontRef idx="minor">
-                <a:schemeClr val="lt1"/>
-              </a:fontRef>
-            </p:style>
-            <p:txBody>
-              <a:bodyPr rtlCol="0" anchor="ctr"/>
-              <a:lstStyle/>
-              <a:p>
-                <a:pPr algn="ctr"/>
-                <a:endParaRPr lang="en-US"/>
-              </a:p>
-            </p:txBody>
-          </p:sp>
-          <p:grpSp>
-            <p:nvGrpSpPr>
-              <p:cNvPr id="25" name="Group 24">
-                <a:extLst>
-                  <a:ext uri="{FF2B5EF4-FFF2-40B4-BE49-F238E27FC236}">
-                    <a16:creationId xmlns:a16="http://schemas.microsoft.com/office/drawing/2014/main" id="{C6DAD89D-1791-E24B-B727-FFFDD5C50887}"/>
-                  </a:ext>
-                </a:extLst>
-              </p:cNvPr>
-              <p:cNvGrpSpPr/>
-              <p:nvPr/>
-            </p:nvGrpSpPr>
-            <p:grpSpPr>
-              <a:xfrm>
-                <a:off x="4634760" y="5114594"/>
-                <a:ext cx="1277214" cy="989145"/>
-                <a:chOff x="-1894806" y="446068"/>
-                <a:chExt cx="3689164" cy="2975266"/>
-              </a:xfrm>
-            </p:grpSpPr>
-            <p:grpSp>
-              <p:nvGrpSpPr>
-                <p:cNvPr id="26" name="Group 25">
-                  <a:extLst>
-                    <a:ext uri="{FF2B5EF4-FFF2-40B4-BE49-F238E27FC236}">
-                      <a16:creationId xmlns:a16="http://schemas.microsoft.com/office/drawing/2014/main" id="{DCA0813E-7ADF-4945-ADCB-FE804BF47A9A}"/>
-                    </a:ext>
-                  </a:extLst>
-                </p:cNvPr>
-                <p:cNvGrpSpPr/>
-                <p:nvPr/>
-              </p:nvGrpSpPr>
-              <p:grpSpPr>
-                <a:xfrm>
-                  <a:off x="-1894806" y="446068"/>
-                  <a:ext cx="3689164" cy="2975266"/>
-                  <a:chOff x="-1867511" y="418772"/>
-                  <a:chExt cx="3689164" cy="2975266"/>
-                </a:xfrm>
-              </p:grpSpPr>
-              <p:cxnSp>
-                <p:nvCxnSpPr>
-                  <p:cNvPr id="28" name="Straight Arrow Connector 27">
-                    <a:extLst>
-                      <a:ext uri="{FF2B5EF4-FFF2-40B4-BE49-F238E27FC236}">
-                        <a16:creationId xmlns:a16="http://schemas.microsoft.com/office/drawing/2014/main" id="{876336EC-4079-9843-A820-6B428174B18E}"/>
-                      </a:ext>
-                    </a:extLst>
-                  </p:cNvPr>
-                  <p:cNvCxnSpPr/>
-                  <p:nvPr/>
-                </p:nvCxnSpPr>
-                <p:spPr>
-                  <a:xfrm flipV="1">
-                    <a:off x="20569" y="566672"/>
-                    <a:ext cx="7683" cy="1859536"/>
-                  </a:xfrm>
-                  <a:prstGeom prst="straightConnector1">
-                    <a:avLst/>
-                  </a:prstGeom>
-                  <a:ln w="38100">
-                    <a:solidFill>
-                      <a:schemeClr val="tx1"/>
-                    </a:solidFill>
-                    <a:tailEnd type="triangle"/>
-                  </a:ln>
-                </p:spPr>
-                <p:style>
-                  <a:lnRef idx="1">
-                    <a:schemeClr val="accent1"/>
-                  </a:lnRef>
-                  <a:fillRef idx="0">
-                    <a:schemeClr val="accent1"/>
-                  </a:fillRef>
-                  <a:effectRef idx="0">
-                    <a:schemeClr val="accent1"/>
-                  </a:effectRef>
-                  <a:fontRef idx="minor">
-                    <a:schemeClr val="tx1"/>
-                  </a:fontRef>
-                </p:style>
-              </p:cxnSp>
-              <p:cxnSp>
-                <p:nvCxnSpPr>
-                  <p:cNvPr id="29" name="Straight Arrow Connector 28">
-                    <a:extLst>
-                      <a:ext uri="{FF2B5EF4-FFF2-40B4-BE49-F238E27FC236}">
-                        <a16:creationId xmlns:a16="http://schemas.microsoft.com/office/drawing/2014/main" id="{5F38E39A-9097-AE46-9FC5-63EBD27A6464}"/>
-                      </a:ext>
-                    </a:extLst>
-                  </p:cNvPr>
-                  <p:cNvCxnSpPr/>
-                  <p:nvPr/>
-                </p:nvCxnSpPr>
-                <p:spPr>
-                  <a:xfrm rot="2125221" flipH="1">
-                    <a:off x="-1457439" y="1901770"/>
-                    <a:ext cx="1369175" cy="1008046"/>
-                  </a:xfrm>
-                  <a:prstGeom prst="straightConnector1">
-                    <a:avLst/>
-                  </a:prstGeom>
-                  <a:ln w="38100">
-                    <a:solidFill>
-                      <a:schemeClr val="tx1"/>
-                    </a:solidFill>
-                    <a:tailEnd type="triangle"/>
-                  </a:ln>
-                </p:spPr>
-                <p:style>
-                  <a:lnRef idx="1">
-                    <a:schemeClr val="accent1"/>
-                  </a:lnRef>
-                  <a:fillRef idx="0">
-                    <a:schemeClr val="accent1"/>
-                  </a:fillRef>
-                  <a:effectRef idx="0">
-                    <a:schemeClr val="accent1"/>
-                  </a:effectRef>
-                  <a:fontRef idx="minor">
-                    <a:schemeClr val="tx1"/>
-                  </a:fontRef>
-                </p:style>
-              </p:cxnSp>
-              <mc:AlternateContent xmlns:mc="http://schemas.openxmlformats.org/markup-compatibility/2006" xmlns:a14="http://schemas.microsoft.com/office/drawing/2010/main">
-                <mc:Choice Requires="a14">
-                  <p:sp>
-                    <p:nvSpPr>
-                      <p:cNvPr id="30" name="Rectangle 29">
-                        <a:extLst>
-                          <a:ext uri="{FF2B5EF4-FFF2-40B4-BE49-F238E27FC236}">
-                            <a16:creationId xmlns:a16="http://schemas.microsoft.com/office/drawing/2014/main" id="{630EC946-B333-9A4F-AC44-298CF0F7D91B}"/>
-                          </a:ext>
-                        </a:extLst>
-                      </p:cNvPr>
-                      <p:cNvSpPr/>
-                      <p:nvPr/>
-                    </p:nvSpPr>
-                    <p:spPr>
-                      <a:xfrm>
-                        <a:off x="-1867511" y="2283118"/>
-                        <a:ext cx="838654" cy="1110920"/>
-                      </a:xfrm>
-                      <a:prstGeom prst="rect">
-                        <a:avLst/>
-                      </a:prstGeom>
-                    </p:spPr>
-                    <p:txBody>
-                      <a:bodyPr wrap="square">
-                        <a:spAutoFit/>
-                      </a:bodyPr>
-                      <a:lstStyle/>
-                      <a:p>
-                        <a:pPr/>
-                        <a14:m>
-                          <m:oMathPara xmlns:m="http://schemas.openxmlformats.org/officeDocument/2006/math">
-                            <m:oMathParaPr>
-                              <m:jc m:val="centerGroup"/>
-                            </m:oMathParaPr>
-                            <m:oMath xmlns:m="http://schemas.openxmlformats.org/officeDocument/2006/math">
-                              <m:r>
-                                <a:rPr lang="en-US" i="1">
-                                  <a:latin typeface="Cambria Math" panose="02040503050406030204" pitchFamily="18" charset="0"/>
-                                  <a:cs typeface="Arial" panose="020B0604020202020204" pitchFamily="34" charset="0"/>
-                                </a:rPr>
-                                <m:t>𝑥</m:t>
-                              </m:r>
-                            </m:oMath>
-                          </m:oMathPara>
-                        </a14:m>
-                        <a:endParaRPr lang="en-CA" dirty="0"/>
-                      </a:p>
-                    </p:txBody>
-                  </p:sp>
-                </mc:Choice>
-                <mc:Fallback xmlns="">
-                  <p:sp>
-                    <p:nvSpPr>
-                      <p:cNvPr id="30" name="Rectangle 29">
-                        <a:extLst>
-                          <a:ext uri="{FF2B5EF4-FFF2-40B4-BE49-F238E27FC236}">
-                            <a16:creationId xmlns:a16="http://schemas.microsoft.com/office/drawing/2014/main" id="{630EC946-B333-9A4F-AC44-298CF0F7D91B}"/>
-                          </a:ext>
-                        </a:extLst>
-                      </p:cNvPr>
-                      <p:cNvSpPr>
-                        <a:spLocks noRot="1" noChangeAspect="1" noMove="1" noResize="1" noEditPoints="1" noAdjustHandles="1" noChangeArrowheads="1" noChangeShapeType="1" noTextEdit="1"/>
-                      </p:cNvSpPr>
-                      <p:nvPr/>
-                    </p:nvSpPr>
-                    <p:spPr>
-                      <a:xfrm>
-                        <a:off x="-1867511" y="2283118"/>
-                        <a:ext cx="838654" cy="1110920"/>
-                      </a:xfrm>
-                      <a:prstGeom prst="rect">
-                        <a:avLst/>
-                      </a:prstGeom>
-                      <a:blipFill>
-                        <a:blip r:embed="rId7"/>
-                        <a:stretch>
-                          <a:fillRect/>
-                        </a:stretch>
-                      </a:blipFill>
-                    </p:spPr>
-                    <p:txBody>
-                      <a:bodyPr/>
-                      <a:lstStyle/>
-                      <a:p>
-                        <a:r>
-                          <a:rPr lang="en-US">
-                            <a:noFill/>
-                          </a:rPr>
-                          <a:t> </a:t>
-                        </a:r>
-                      </a:p>
-                    </p:txBody>
-                  </p:sp>
-                </mc:Fallback>
-              </mc:AlternateContent>
-              <mc:AlternateContent xmlns:mc="http://schemas.openxmlformats.org/markup-compatibility/2006" xmlns:a14="http://schemas.microsoft.com/office/drawing/2010/main">
-                <mc:Choice Requires="a14">
-                  <p:sp>
-                    <p:nvSpPr>
-                      <p:cNvPr id="31" name="Rectangle 30">
-                        <a:extLst>
-                          <a:ext uri="{FF2B5EF4-FFF2-40B4-BE49-F238E27FC236}">
-                            <a16:creationId xmlns:a16="http://schemas.microsoft.com/office/drawing/2014/main" id="{E8CDAE90-9434-104D-948E-4A69E3F1300E}"/>
-                          </a:ext>
-                        </a:extLst>
-                      </p:cNvPr>
-                      <p:cNvSpPr/>
-                      <p:nvPr/>
-                    </p:nvSpPr>
-                    <p:spPr>
-                      <a:xfrm>
-                        <a:off x="-731063" y="418772"/>
-                        <a:ext cx="2552716" cy="1110920"/>
-                      </a:xfrm>
-                      <a:prstGeom prst="rect">
-                        <a:avLst/>
-                      </a:prstGeom>
-                    </p:spPr>
-                    <p:txBody>
-                      <a:bodyPr wrap="square">
-                        <a:spAutoFit/>
-                      </a:bodyPr>
-                      <a:lstStyle/>
-                      <a:p>
-                        <a:pPr/>
-                        <a14:m>
-                          <m:oMathPara xmlns:m="http://schemas.openxmlformats.org/officeDocument/2006/math">
-                            <m:oMathParaPr>
-                              <m:jc m:val="centerGroup"/>
-                            </m:oMathParaPr>
-                            <m:oMath xmlns:m="http://schemas.openxmlformats.org/officeDocument/2006/math">
-                              <m:r>
-                                <a:rPr lang="en-US" b="0" i="1" smtClean="0">
-                                  <a:latin typeface="Cambria Math" panose="02040503050406030204" pitchFamily="18" charset="0"/>
-                                </a:rPr>
-                                <m:t>𝑦</m:t>
-                              </m:r>
-                            </m:oMath>
-                          </m:oMathPara>
-                        </a14:m>
-                        <a:endParaRPr lang="en-CA" dirty="0"/>
-                      </a:p>
-                    </p:txBody>
-                  </p:sp>
-                </mc:Choice>
-                <mc:Fallback xmlns="">
-                  <p:sp>
-                    <p:nvSpPr>
-                      <p:cNvPr id="31" name="Rectangle 30">
-                        <a:extLst>
-                          <a:ext uri="{FF2B5EF4-FFF2-40B4-BE49-F238E27FC236}">
-                            <a16:creationId xmlns:a16="http://schemas.microsoft.com/office/drawing/2014/main" id="{E8CDAE90-9434-104D-948E-4A69E3F1300E}"/>
-                          </a:ext>
-                        </a:extLst>
-                      </p:cNvPr>
-                      <p:cNvSpPr>
-                        <a:spLocks noRot="1" noChangeAspect="1" noMove="1" noResize="1" noEditPoints="1" noAdjustHandles="1" noChangeArrowheads="1" noChangeShapeType="1" noTextEdit="1"/>
-                      </p:cNvSpPr>
-                      <p:nvPr/>
-                    </p:nvSpPr>
-                    <p:spPr>
-                      <a:xfrm>
-                        <a:off x="-731063" y="418772"/>
-                        <a:ext cx="2552716" cy="1110920"/>
-                      </a:xfrm>
-                      <a:prstGeom prst="rect">
-                        <a:avLst/>
-                      </a:prstGeom>
-                      <a:blipFill>
-                        <a:blip r:embed="rId8"/>
-                        <a:stretch>
-                          <a:fillRect/>
-                        </a:stretch>
-                      </a:blipFill>
-                    </p:spPr>
-                    <p:txBody>
-                      <a:bodyPr/>
-                      <a:lstStyle/>
-                      <a:p>
-                        <a:r>
-                          <a:rPr lang="en-US">
-                            <a:noFill/>
-                          </a:rPr>
-                          <a:t> </a:t>
-                        </a:r>
-                      </a:p>
-                    </p:txBody>
-                  </p:sp>
-                </mc:Fallback>
-              </mc:AlternateContent>
-              <mc:AlternateContent xmlns:mc="http://schemas.openxmlformats.org/markup-compatibility/2006" xmlns:a14="http://schemas.microsoft.com/office/drawing/2010/main">
-                <mc:Choice Requires="a14">
-                  <p:sp>
-                    <p:nvSpPr>
-                      <p:cNvPr id="32" name="Rectangle 31">
-                        <a:extLst>
-                          <a:ext uri="{FF2B5EF4-FFF2-40B4-BE49-F238E27FC236}">
-                            <a16:creationId xmlns:a16="http://schemas.microsoft.com/office/drawing/2014/main" id="{DA144D58-2321-4F41-B9A4-977538748BB0}"/>
-                          </a:ext>
-                        </a:extLst>
-                      </p:cNvPr>
-                      <p:cNvSpPr/>
-                      <p:nvPr/>
-                    </p:nvSpPr>
-                    <p:spPr>
-                      <a:xfrm>
-                        <a:off x="-865278" y="1896207"/>
-                        <a:ext cx="2341937" cy="1110920"/>
-                      </a:xfrm>
-                      <a:prstGeom prst="rect">
-                        <a:avLst/>
-                      </a:prstGeom>
-                    </p:spPr>
-                    <p:txBody>
-                      <a:bodyPr wrap="square">
-                        <a:spAutoFit/>
-                      </a:bodyPr>
-                      <a:lstStyle/>
-                      <a:p>
-                        <a:pPr/>
-                        <a14:m>
-                          <m:oMathPara xmlns:m="http://schemas.openxmlformats.org/officeDocument/2006/math">
-                            <m:oMathParaPr>
-                              <m:jc m:val="centerGroup"/>
-                            </m:oMathParaPr>
-                            <m:oMath xmlns:m="http://schemas.openxmlformats.org/officeDocument/2006/math">
-                              <m:r>
-                                <a:rPr lang="en-US" b="0" i="1" smtClean="0">
-                                  <a:latin typeface="Cambria Math" panose="02040503050406030204" pitchFamily="18" charset="0"/>
-                                  <a:cs typeface="Arial" panose="020B0604020202020204" pitchFamily="34" charset="0"/>
-                                </a:rPr>
-                                <m:t>0</m:t>
-                              </m:r>
-                            </m:oMath>
-                          </m:oMathPara>
-                        </a14:m>
-                        <a:endParaRPr lang="en-CA" dirty="0"/>
-                      </a:p>
-                    </p:txBody>
-                  </p:sp>
-                </mc:Choice>
-                <mc:Fallback xmlns="">
-                  <p:sp>
-                    <p:nvSpPr>
-                      <p:cNvPr id="32" name="Rectangle 31">
-                        <a:extLst>
-                          <a:ext uri="{FF2B5EF4-FFF2-40B4-BE49-F238E27FC236}">
-                            <a16:creationId xmlns:a16="http://schemas.microsoft.com/office/drawing/2014/main" id="{DA144D58-2321-4F41-B9A4-977538748BB0}"/>
-                          </a:ext>
-                        </a:extLst>
-                      </p:cNvPr>
-                      <p:cNvSpPr>
-                        <a:spLocks noRot="1" noChangeAspect="1" noMove="1" noResize="1" noEditPoints="1" noAdjustHandles="1" noChangeArrowheads="1" noChangeShapeType="1" noTextEdit="1"/>
-                      </p:cNvSpPr>
-                      <p:nvPr/>
-                    </p:nvSpPr>
-                    <p:spPr>
-                      <a:xfrm>
-                        <a:off x="-865278" y="1896207"/>
-                        <a:ext cx="2341937" cy="1110920"/>
-                      </a:xfrm>
-                      <a:prstGeom prst="rect">
-                        <a:avLst/>
-                      </a:prstGeom>
-                      <a:blipFill>
-                        <a:blip r:embed="rId9"/>
-                        <a:stretch>
-                          <a:fillRect/>
-                        </a:stretch>
-                      </a:blipFill>
-                    </p:spPr>
-                    <p:txBody>
-                      <a:bodyPr/>
-                      <a:lstStyle/>
-                      <a:p>
-                        <a:r>
-                          <a:rPr lang="en-US">
-                            <a:noFill/>
-                          </a:rPr>
-                          <a:t> </a:t>
-                        </a:r>
-                      </a:p>
-                    </p:txBody>
-                  </p:sp>
-                </mc:Fallback>
-              </mc:AlternateContent>
-            </p:grpSp>
-            <p:sp>
-              <p:nvSpPr>
-                <p:cNvPr id="27" name="Rectangle 26">
-                  <a:extLst>
-                    <a:ext uri="{FF2B5EF4-FFF2-40B4-BE49-F238E27FC236}">
-                      <a16:creationId xmlns:a16="http://schemas.microsoft.com/office/drawing/2014/main" id="{0ECEF687-1215-6C46-BE49-A29144639DD6}"/>
-                    </a:ext>
-                  </a:extLst>
-                </p:cNvPr>
-                <p:cNvSpPr/>
-                <p:nvPr/>
-              </p:nvSpPr>
-              <p:spPr>
-                <a:xfrm>
-                  <a:off x="1129904" y="1614682"/>
-                  <a:ext cx="184731" cy="369332"/>
-                </a:xfrm>
-                <a:prstGeom prst="rect">
-                  <a:avLst/>
-                </a:prstGeom>
-              </p:spPr>
-              <p:txBody>
-                <a:bodyPr wrap="none">
-                  <a:spAutoFit/>
-                </a:bodyPr>
-                <a:lstStyle/>
-                <a:p>
-                  <a:endParaRPr lang="en-CA" dirty="0"/>
-                </a:p>
-              </p:txBody>
-            </p:sp>
-          </p:grpSp>
-        </p:grpSp>
+            <a:prstGeom prst="rect">
+              <a:avLst/>
+            </a:prstGeom>
+          </p:spPr>
+        </p:pic>
       </p:grpSp>
     </p:spTree>
     <p:extLst>
       <p:ext uri="{BB962C8B-B14F-4D97-AF65-F5344CB8AC3E}">
-        <p14:creationId xmlns:p14="http://schemas.microsoft.com/office/powerpoint/2010/main" val="84189185"/>
+        <p14:creationId xmlns:p14="http://schemas.microsoft.com/office/powerpoint/2010/main" val="1819297336"/>
       </p:ext>
     </p:extLst>
   </p:cSld>

--- a/tex/figures/NewtonsLaws/Figures.pptx
+++ b/tex/figures/NewtonsLaws/Figures.pptx
@@ -249,7 +249,7 @@
           <a:p>
             <a:fld id="{F7249F8D-641B-4CAF-BAE5-10524742F6F1}" type="datetimeFigureOut">
               <a:rPr lang="en-CA" smtClean="0"/>
-              <a:t>2018-07-06</a:t>
+              <a:t>2018-08-21</a:t>
             </a:fld>
             <a:endParaRPr lang="en-CA"/>
           </a:p>
@@ -419,7 +419,7 @@
           <a:p>
             <a:fld id="{F7249F8D-641B-4CAF-BAE5-10524742F6F1}" type="datetimeFigureOut">
               <a:rPr lang="en-CA" smtClean="0"/>
-              <a:t>2018-07-06</a:t>
+              <a:t>2018-08-21</a:t>
             </a:fld>
             <a:endParaRPr lang="en-CA"/>
           </a:p>
@@ -599,7 +599,7 @@
           <a:p>
             <a:fld id="{F7249F8D-641B-4CAF-BAE5-10524742F6F1}" type="datetimeFigureOut">
               <a:rPr lang="en-CA" smtClean="0"/>
-              <a:t>2018-07-06</a:t>
+              <a:t>2018-08-21</a:t>
             </a:fld>
             <a:endParaRPr lang="en-CA"/>
           </a:p>
@@ -769,7 +769,7 @@
           <a:p>
             <a:fld id="{F7249F8D-641B-4CAF-BAE5-10524742F6F1}" type="datetimeFigureOut">
               <a:rPr lang="en-CA" smtClean="0"/>
-              <a:t>2018-07-06</a:t>
+              <a:t>2018-08-21</a:t>
             </a:fld>
             <a:endParaRPr lang="en-CA"/>
           </a:p>
@@ -1015,7 +1015,7 @@
           <a:p>
             <a:fld id="{F7249F8D-641B-4CAF-BAE5-10524742F6F1}" type="datetimeFigureOut">
               <a:rPr lang="en-CA" smtClean="0"/>
-              <a:t>2018-07-06</a:t>
+              <a:t>2018-08-21</a:t>
             </a:fld>
             <a:endParaRPr lang="en-CA"/>
           </a:p>
@@ -1247,7 +1247,7 @@
           <a:p>
             <a:fld id="{F7249F8D-641B-4CAF-BAE5-10524742F6F1}" type="datetimeFigureOut">
               <a:rPr lang="en-CA" smtClean="0"/>
-              <a:t>2018-07-06</a:t>
+              <a:t>2018-08-21</a:t>
             </a:fld>
             <a:endParaRPr lang="en-CA"/>
           </a:p>
@@ -1614,7 +1614,7 @@
           <a:p>
             <a:fld id="{F7249F8D-641B-4CAF-BAE5-10524742F6F1}" type="datetimeFigureOut">
               <a:rPr lang="en-CA" smtClean="0"/>
-              <a:t>2018-07-06</a:t>
+              <a:t>2018-08-21</a:t>
             </a:fld>
             <a:endParaRPr lang="en-CA"/>
           </a:p>
@@ -1732,7 +1732,7 @@
           <a:p>
             <a:fld id="{F7249F8D-641B-4CAF-BAE5-10524742F6F1}" type="datetimeFigureOut">
               <a:rPr lang="en-CA" smtClean="0"/>
-              <a:t>2018-07-06</a:t>
+              <a:t>2018-08-21</a:t>
             </a:fld>
             <a:endParaRPr lang="en-CA"/>
           </a:p>
@@ -1827,7 +1827,7 @@
           <a:p>
             <a:fld id="{F7249F8D-641B-4CAF-BAE5-10524742F6F1}" type="datetimeFigureOut">
               <a:rPr lang="en-CA" smtClean="0"/>
-              <a:t>2018-07-06</a:t>
+              <a:t>2018-08-21</a:t>
             </a:fld>
             <a:endParaRPr lang="en-CA"/>
           </a:p>
@@ -2104,7 +2104,7 @@
           <a:p>
             <a:fld id="{F7249F8D-641B-4CAF-BAE5-10524742F6F1}" type="datetimeFigureOut">
               <a:rPr lang="en-CA" smtClean="0"/>
-              <a:t>2018-07-06</a:t>
+              <a:t>2018-08-21</a:t>
             </a:fld>
             <a:endParaRPr lang="en-CA"/>
           </a:p>
@@ -2357,7 +2357,7 @@
           <a:p>
             <a:fld id="{F7249F8D-641B-4CAF-BAE5-10524742F6F1}" type="datetimeFigureOut">
               <a:rPr lang="en-CA" smtClean="0"/>
-              <a:t>2018-07-06</a:t>
+              <a:t>2018-08-21</a:t>
             </a:fld>
             <a:endParaRPr lang="en-CA"/>
           </a:p>
@@ -2570,7 +2570,7 @@
           <a:p>
             <a:fld id="{F7249F8D-641B-4CAF-BAE5-10524742F6F1}" type="datetimeFigureOut">
               <a:rPr lang="en-CA" smtClean="0"/>
-              <a:t>2018-07-06</a:t>
+              <a:t>2018-08-21</a:t>
             </a:fld>
             <a:endParaRPr lang="en-CA"/>
           </a:p>
@@ -3110,7 +3110,7 @@
                           <m:sSubPr>
                             <m:ctrlPr>
                               <a:rPr lang="en-US" sz="2000" b="0" i="1" smtClean="0">
-                                <a:latin typeface="Cambria Math" charset="0"/>
+                                <a:latin typeface="Cambria Math" panose="02040503050406030204" pitchFamily="18" charset="0"/>
                                 <a:cs typeface="Arial" panose="020B0604020202020204" pitchFamily="34" charset="0"/>
                               </a:rPr>
                             </m:ctrlPr>
@@ -3121,7 +3121,7 @@
                                 <m:chr m:val="⃗"/>
                                 <m:ctrlPr>
                                   <a:rPr lang="en-US" sz="2000" b="0" i="1" smtClean="0">
-                                    <a:latin typeface="Cambria Math" charset="0"/>
+                                    <a:latin typeface="Cambria Math" panose="02040503050406030204" pitchFamily="18" charset="0"/>
                                     <a:cs typeface="Arial" panose="020B0604020202020204" pitchFamily="34" charset="0"/>
                                   </a:rPr>
                                 </m:ctrlPr>
@@ -3334,7 +3334,7 @@
                             <m:chr m:val="⃗"/>
                             <m:ctrlPr>
                               <a:rPr lang="en-US" sz="2000" b="0" i="1" smtClean="0">
-                                <a:latin typeface="Cambria Math" charset="0"/>
+                                <a:latin typeface="Cambria Math" panose="02040503050406030204" pitchFamily="18" charset="0"/>
                                 <a:cs typeface="Arial" panose="020B0604020202020204" pitchFamily="34" charset="0"/>
                               </a:rPr>
                             </m:ctrlPr>
@@ -3586,7 +3586,7 @@
                             <m:chr m:val="⃗"/>
                             <m:ctrlPr>
                               <a:rPr lang="en-US" sz="2000" b="0" i="1" smtClean="0">
-                                <a:latin typeface="Cambria Math" charset="0"/>
+                                <a:latin typeface="Cambria Math" panose="02040503050406030204" pitchFamily="18" charset="0"/>
                                 <a:cs typeface="Arial" panose="020B0604020202020204" pitchFamily="34" charset="0"/>
                               </a:rPr>
                             </m:ctrlPr>
@@ -4114,908 +4114,6 @@
             </a:p>
           </p:txBody>
         </p:sp>
-      </p:grpSp>
-      <p:grpSp>
-        <p:nvGrpSpPr>
-          <p:cNvPr id="68" name="Group 67"/>
-          <p:cNvGrpSpPr/>
-          <p:nvPr/>
-        </p:nvGrpSpPr>
-        <p:grpSpPr>
-          <a:xfrm>
-            <a:off x="5578981" y="2790432"/>
-            <a:ext cx="2741238" cy="1152860"/>
-            <a:chOff x="5560793" y="3188617"/>
-            <a:chExt cx="2741238" cy="1152860"/>
-          </a:xfrm>
-        </p:grpSpPr>
-        <p:grpSp>
-          <p:nvGrpSpPr>
-            <p:cNvPr id="25" name="Group 24"/>
-            <p:cNvGrpSpPr/>
-            <p:nvPr/>
-          </p:nvGrpSpPr>
-          <p:grpSpPr>
-            <a:xfrm>
-              <a:off x="5560793" y="3198006"/>
-              <a:ext cx="1064667" cy="1143471"/>
-              <a:chOff x="5045603" y="2979123"/>
-              <a:chExt cx="1064667" cy="1143471"/>
-            </a:xfrm>
-          </p:grpSpPr>
-          <p:grpSp>
-            <p:nvGrpSpPr>
-              <p:cNvPr id="45" name="Group 44"/>
-              <p:cNvGrpSpPr/>
-              <p:nvPr/>
-            </p:nvGrpSpPr>
-            <p:grpSpPr>
-              <a:xfrm>
-                <a:off x="5442824" y="2979123"/>
-                <a:ext cx="667446" cy="1108967"/>
-                <a:chOff x="5678875" y="3201951"/>
-                <a:chExt cx="667446" cy="1108967"/>
-              </a:xfrm>
-            </p:grpSpPr>
-            <p:sp>
-              <p:nvSpPr>
-                <p:cNvPr id="48" name="Rectangle 47"/>
-                <p:cNvSpPr/>
-                <p:nvPr/>
-              </p:nvSpPr>
-              <p:spPr>
-                <a:xfrm>
-                  <a:off x="5678875" y="3671801"/>
-                  <a:ext cx="569343" cy="629728"/>
-                </a:xfrm>
-                <a:prstGeom prst="rect">
-                  <a:avLst/>
-                </a:prstGeom>
-                <a:solidFill>
-                  <a:schemeClr val="bg2">
-                    <a:lumMod val="90000"/>
-                  </a:schemeClr>
-                </a:solidFill>
-                <a:ln w="38100">
-                  <a:solidFill>
-                    <a:schemeClr val="tx1"/>
-                  </a:solidFill>
-                </a:ln>
-              </p:spPr>
-              <p:style>
-                <a:lnRef idx="2">
-                  <a:schemeClr val="accent1">
-                    <a:shade val="50000"/>
-                  </a:schemeClr>
-                </a:lnRef>
-                <a:fillRef idx="1">
-                  <a:schemeClr val="accent1"/>
-                </a:fillRef>
-                <a:effectRef idx="0">
-                  <a:schemeClr val="accent1"/>
-                </a:effectRef>
-                <a:fontRef idx="minor">
-                  <a:schemeClr val="lt1"/>
-                </a:fontRef>
-              </p:style>
-              <p:txBody>
-                <a:bodyPr rtlCol="0" anchor="ctr"/>
-                <a:lstStyle/>
-                <a:p>
-                  <a:pPr algn="ctr"/>
-                  <a:endParaRPr lang="en-US"/>
-                </a:p>
-              </p:txBody>
-            </p:sp>
-            <p:cxnSp>
-              <p:nvCxnSpPr>
-                <p:cNvPr id="49" name="Straight Arrow Connector 48"/>
-                <p:cNvCxnSpPr/>
-                <p:nvPr/>
-              </p:nvCxnSpPr>
-              <p:spPr>
-                <a:xfrm flipV="1">
-                  <a:off x="5963546" y="3201951"/>
-                  <a:ext cx="0" cy="1108967"/>
-                </a:xfrm>
-                <a:prstGeom prst="straightConnector1">
-                  <a:avLst/>
-                </a:prstGeom>
-                <a:ln w="38100">
-                  <a:solidFill>
-                    <a:schemeClr val="tx1"/>
-                  </a:solidFill>
-                  <a:tailEnd type="triangle"/>
-                </a:ln>
-              </p:spPr>
-              <p:style>
-                <a:lnRef idx="1">
-                  <a:schemeClr val="accent1"/>
-                </a:lnRef>
-                <a:fillRef idx="0">
-                  <a:schemeClr val="accent1"/>
-                </a:fillRef>
-                <a:effectRef idx="0">
-                  <a:schemeClr val="accent1"/>
-                </a:effectRef>
-                <a:fontRef idx="minor">
-                  <a:schemeClr val="tx1"/>
-                </a:fontRef>
-              </p:style>
-            </p:cxnSp>
-            <mc:AlternateContent xmlns:mc="http://schemas.openxmlformats.org/markup-compatibility/2006" xmlns:a14="http://schemas.microsoft.com/office/drawing/2010/main">
-              <mc:Choice Requires="a14">
-                <p:sp>
-                  <p:nvSpPr>
-                    <p:cNvPr id="50" name="TextBox 49"/>
-                    <p:cNvSpPr txBox="1"/>
-                    <p:nvPr/>
-                  </p:nvSpPr>
-                  <p:spPr>
-                    <a:xfrm>
-                      <a:off x="6081954" y="3289533"/>
-                      <a:ext cx="264367" cy="345159"/>
-                    </a:xfrm>
-                    <a:prstGeom prst="rect">
-                      <a:avLst/>
-                    </a:prstGeom>
-                    <a:noFill/>
-                  </p:spPr>
-                  <p:txBody>
-                    <a:bodyPr wrap="none" lIns="0" tIns="0" rIns="0" bIns="0" rtlCol="0">
-                      <a:spAutoFit/>
-                    </a:bodyPr>
-                    <a:lstStyle/>
-                    <a:p>
-                      <a:pPr/>
-                      <a14:m>
-                        <m:oMathPara xmlns:m="http://schemas.openxmlformats.org/officeDocument/2006/math">
-                          <m:oMathParaPr>
-                            <m:jc m:val="centerGroup"/>
-                          </m:oMathParaPr>
-                          <m:oMath xmlns:m="http://schemas.openxmlformats.org/officeDocument/2006/math">
-                            <m:acc>
-                              <m:accPr>
-                                <m:chr m:val="⃗"/>
-                                <m:ctrlPr>
-                                  <a:rPr lang="en-US" sz="2000" b="0" i="1" smtClean="0">
-                                    <a:latin typeface="Cambria Math" charset="0"/>
-                                    <a:cs typeface="Arial" panose="020B0604020202020204" pitchFamily="34" charset="0"/>
-                                  </a:rPr>
-                                </m:ctrlPr>
-                              </m:accPr>
-                              <m:e>
-                                <m:r>
-                                  <a:rPr lang="en-US" sz="2000" b="0" i="1" smtClean="0">
-                                    <a:latin typeface="Cambria Math" panose="02040503050406030204" pitchFamily="18" charset="0"/>
-                                    <a:cs typeface="Arial" panose="020B0604020202020204" pitchFamily="34" charset="0"/>
-                                  </a:rPr>
-                                  <m:t>𝑁</m:t>
-                                </m:r>
-                              </m:e>
-                            </m:acc>
-                          </m:oMath>
-                        </m:oMathPara>
-                      </a14:m>
-                      <a:endParaRPr lang="en-US" sz="2000" dirty="0">
-                        <a:latin typeface="Arial" panose="020B0604020202020204" pitchFamily="34" charset="0"/>
-                        <a:cs typeface="Arial" panose="020B0604020202020204" pitchFamily="34" charset="0"/>
-                      </a:endParaRPr>
-                    </a:p>
-                  </p:txBody>
-                </p:sp>
-              </mc:Choice>
-              <mc:Fallback xmlns="">
-                <p:sp>
-                  <p:nvSpPr>
-                    <p:cNvPr id="33" name="TextBox 32"/>
-                    <p:cNvSpPr txBox="1">
-                      <a:spLocks noRot="1" noChangeAspect="1" noMove="1" noResize="1" noEditPoints="1" noAdjustHandles="1" noChangeArrowheads="1" noChangeShapeType="1" noTextEdit="1"/>
-                    </p:cNvSpPr>
-                    <p:nvPr/>
-                  </p:nvSpPr>
-                  <p:spPr>
-                    <a:xfrm>
-                      <a:off x="6081954" y="3289533"/>
-                      <a:ext cx="264367" cy="345159"/>
-                    </a:xfrm>
-                    <a:prstGeom prst="rect">
-                      <a:avLst/>
-                    </a:prstGeom>
-                    <a:blipFill>
-                      <a:blip r:embed="rId11"/>
-                      <a:stretch>
-                        <a:fillRect l="-20930" r="-18605" b="-8929"/>
-                      </a:stretch>
-                    </a:blipFill>
-                  </p:spPr>
-                  <p:txBody>
-                    <a:bodyPr/>
-                    <a:lstStyle/>
-                    <a:p>
-                      <a:r>
-                        <a:rPr lang="en-US">
-                          <a:noFill/>
-                        </a:rPr>
-                        <a:t> </a:t>
-                      </a:r>
-                    </a:p>
-                  </p:txBody>
-                </p:sp>
-              </mc:Fallback>
-            </mc:AlternateContent>
-          </p:grpSp>
-          <p:cxnSp>
-            <p:nvCxnSpPr>
-              <p:cNvPr id="57" name="Straight Arrow Connector 56"/>
-              <p:cNvCxnSpPr/>
-              <p:nvPr/>
-            </p:nvCxnSpPr>
-            <p:spPr>
-              <a:xfrm flipH="1">
-                <a:off x="5045603" y="4113777"/>
-                <a:ext cx="675316" cy="8817"/>
-              </a:xfrm>
-              <a:prstGeom prst="straightConnector1">
-                <a:avLst/>
-              </a:prstGeom>
-              <a:ln w="38100">
-                <a:solidFill>
-                  <a:schemeClr val="tx1"/>
-                </a:solidFill>
-                <a:tailEnd type="triangle"/>
-              </a:ln>
-            </p:spPr>
-            <p:style>
-              <a:lnRef idx="1">
-                <a:schemeClr val="accent1"/>
-              </a:lnRef>
-              <a:fillRef idx="0">
-                <a:schemeClr val="accent1"/>
-              </a:fillRef>
-              <a:effectRef idx="0">
-                <a:schemeClr val="accent1"/>
-              </a:effectRef>
-              <a:fontRef idx="minor">
-                <a:schemeClr val="tx1"/>
-              </a:fontRef>
-            </p:style>
-          </p:cxnSp>
-          <mc:AlternateContent xmlns:mc="http://schemas.openxmlformats.org/markup-compatibility/2006" xmlns:a14="http://schemas.microsoft.com/office/drawing/2010/main">
-            <mc:Choice Requires="a14">
-              <p:sp>
-                <p:nvSpPr>
-                  <p:cNvPr id="58" name="TextBox 57"/>
-                  <p:cNvSpPr txBox="1"/>
-                  <p:nvPr/>
-                </p:nvSpPr>
-                <p:spPr>
-                  <a:xfrm>
-                    <a:off x="5104599" y="3658110"/>
-                    <a:ext cx="301493" cy="354071"/>
-                  </a:xfrm>
-                  <a:prstGeom prst="rect">
-                    <a:avLst/>
-                  </a:prstGeom>
-                  <a:noFill/>
-                </p:spPr>
-                <p:txBody>
-                  <a:bodyPr wrap="none" lIns="0" tIns="0" rIns="0" bIns="0" rtlCol="0">
-                    <a:spAutoFit/>
-                  </a:bodyPr>
-                  <a:lstStyle/>
-                  <a:p>
-                    <a:pPr/>
-                    <a14:m>
-                      <m:oMathPara xmlns:m="http://schemas.openxmlformats.org/officeDocument/2006/math">
-                        <m:oMathParaPr>
-                          <m:jc m:val="centerGroup"/>
-                        </m:oMathParaPr>
-                        <m:oMath xmlns:m="http://schemas.openxmlformats.org/officeDocument/2006/math">
-                          <m:sSub>
-                            <m:sSubPr>
-                              <m:ctrlPr>
-                                <a:rPr lang="en-US" sz="2000" b="0" i="1" smtClean="0">
-                                  <a:latin typeface="Cambria Math" charset="0"/>
-                                  <a:cs typeface="Arial" panose="020B0604020202020204" pitchFamily="34" charset="0"/>
-                                </a:rPr>
-                              </m:ctrlPr>
-                            </m:sSubPr>
-                            <m:e>
-                              <m:acc>
-                                <m:accPr>
-                                  <m:chr m:val="⃗"/>
-                                  <m:ctrlPr>
-                                    <a:rPr lang="en-US" sz="2000" b="0" i="1" smtClean="0">
-                                      <a:latin typeface="Cambria Math" charset="0"/>
-                                      <a:cs typeface="Arial" panose="020B0604020202020204" pitchFamily="34" charset="0"/>
-                                    </a:rPr>
-                                  </m:ctrlPr>
-                                </m:accPr>
-                                <m:e>
-                                  <m:r>
-                                    <a:rPr lang="en-US" sz="2000" b="0" i="1" smtClean="0">
-                                      <a:latin typeface="Cambria Math" panose="02040503050406030204" pitchFamily="18" charset="0"/>
-                                      <a:cs typeface="Arial" panose="020B0604020202020204" pitchFamily="34" charset="0"/>
-                                    </a:rPr>
-                                    <m:t>𝑓</m:t>
-                                  </m:r>
-                                </m:e>
-                              </m:acc>
-                            </m:e>
-                            <m:sub>
-                              <m:r>
-                                <a:rPr lang="en-US" sz="2000" b="0" i="1" smtClean="0">
-                                  <a:latin typeface="Cambria Math" panose="02040503050406030204" pitchFamily="18" charset="0"/>
-                                  <a:cs typeface="Arial" panose="020B0604020202020204" pitchFamily="34" charset="0"/>
-                                </a:rPr>
-                                <m:t>𝑘</m:t>
-                              </m:r>
-                            </m:sub>
-                          </m:sSub>
-                        </m:oMath>
-                      </m:oMathPara>
-                    </a14:m>
-                    <a:endParaRPr lang="en-US" sz="2000" dirty="0">
-                      <a:latin typeface="Arial" panose="020B0604020202020204" pitchFamily="34" charset="0"/>
-                      <a:cs typeface="Arial" panose="020B0604020202020204" pitchFamily="34" charset="0"/>
-                    </a:endParaRPr>
-                  </a:p>
-                </p:txBody>
-              </p:sp>
-            </mc:Choice>
-            <mc:Fallback xmlns="">
-              <p:sp>
-                <p:nvSpPr>
-                  <p:cNvPr id="58" name="TextBox 57"/>
-                  <p:cNvSpPr txBox="1">
-                    <a:spLocks noRot="1" noChangeAspect="1" noMove="1" noResize="1" noEditPoints="1" noAdjustHandles="1" noChangeArrowheads="1" noChangeShapeType="1" noTextEdit="1"/>
-                  </p:cNvSpPr>
-                  <p:nvPr/>
-                </p:nvSpPr>
-                <p:spPr>
-                  <a:xfrm>
-                    <a:off x="5104599" y="3658110"/>
-                    <a:ext cx="301493" cy="354071"/>
-                  </a:xfrm>
-                  <a:prstGeom prst="rect">
-                    <a:avLst/>
-                  </a:prstGeom>
-                  <a:blipFill>
-                    <a:blip r:embed="rId13"/>
-                    <a:stretch>
-                      <a:fillRect l="-28571" t="-34483" r="-73469" b="-31034"/>
-                    </a:stretch>
-                  </a:blipFill>
-                </p:spPr>
-                <p:txBody>
-                  <a:bodyPr/>
-                  <a:lstStyle/>
-                  <a:p>
-                    <a:r>
-                      <a:rPr lang="en-US">
-                        <a:noFill/>
-                      </a:rPr>
-                      <a:t> </a:t>
-                    </a:r>
-                  </a:p>
-                </p:txBody>
-              </p:sp>
-            </mc:Fallback>
-          </mc:AlternateContent>
-        </p:grpSp>
-        <p:grpSp>
-          <p:nvGrpSpPr>
-            <p:cNvPr id="59" name="Group 58"/>
-            <p:cNvGrpSpPr/>
-            <p:nvPr/>
-          </p:nvGrpSpPr>
-          <p:grpSpPr>
-            <a:xfrm>
-              <a:off x="7209222" y="3188617"/>
-              <a:ext cx="1092809" cy="1134606"/>
-              <a:chOff x="5017461" y="2979123"/>
-              <a:chExt cx="1092809" cy="1134606"/>
-            </a:xfrm>
-          </p:grpSpPr>
-          <p:grpSp>
-            <p:nvGrpSpPr>
-              <p:cNvPr id="60" name="Group 59"/>
-              <p:cNvGrpSpPr/>
-              <p:nvPr/>
-            </p:nvGrpSpPr>
-            <p:grpSpPr>
-              <a:xfrm>
-                <a:off x="5442824" y="2979123"/>
-                <a:ext cx="667446" cy="1108967"/>
-                <a:chOff x="5678875" y="3201951"/>
-                <a:chExt cx="667446" cy="1108967"/>
-              </a:xfrm>
-            </p:grpSpPr>
-            <p:sp>
-              <p:nvSpPr>
-                <p:cNvPr id="63" name="Rectangle 62"/>
-                <p:cNvSpPr/>
-                <p:nvPr/>
-              </p:nvSpPr>
-              <p:spPr>
-                <a:xfrm>
-                  <a:off x="5678875" y="3671801"/>
-                  <a:ext cx="569343" cy="629728"/>
-                </a:xfrm>
-                <a:prstGeom prst="rect">
-                  <a:avLst/>
-                </a:prstGeom>
-                <a:solidFill>
-                  <a:schemeClr val="bg2">
-                    <a:lumMod val="90000"/>
-                  </a:schemeClr>
-                </a:solidFill>
-                <a:ln w="38100">
-                  <a:solidFill>
-                    <a:schemeClr val="tx1"/>
-                  </a:solidFill>
-                </a:ln>
-              </p:spPr>
-              <p:style>
-                <a:lnRef idx="2">
-                  <a:schemeClr val="accent1">
-                    <a:shade val="50000"/>
-                  </a:schemeClr>
-                </a:lnRef>
-                <a:fillRef idx="1">
-                  <a:schemeClr val="accent1"/>
-                </a:fillRef>
-                <a:effectRef idx="0">
-                  <a:schemeClr val="accent1"/>
-                </a:effectRef>
-                <a:fontRef idx="minor">
-                  <a:schemeClr val="lt1"/>
-                </a:fontRef>
-              </p:style>
-              <p:txBody>
-                <a:bodyPr rtlCol="0" anchor="ctr"/>
-                <a:lstStyle/>
-                <a:p>
-                  <a:pPr algn="ctr"/>
-                  <a:endParaRPr lang="en-US"/>
-                </a:p>
-              </p:txBody>
-            </p:sp>
-            <p:cxnSp>
-              <p:nvCxnSpPr>
-                <p:cNvPr id="64" name="Straight Arrow Connector 63"/>
-                <p:cNvCxnSpPr/>
-                <p:nvPr/>
-              </p:nvCxnSpPr>
-              <p:spPr>
-                <a:xfrm flipV="1">
-                  <a:off x="5963546" y="3201951"/>
-                  <a:ext cx="0" cy="1108967"/>
-                </a:xfrm>
-                <a:prstGeom prst="straightConnector1">
-                  <a:avLst/>
-                </a:prstGeom>
-                <a:ln w="38100">
-                  <a:solidFill>
-                    <a:schemeClr val="tx1"/>
-                  </a:solidFill>
-                  <a:tailEnd type="triangle"/>
-                </a:ln>
-              </p:spPr>
-              <p:style>
-                <a:lnRef idx="1">
-                  <a:schemeClr val="accent1"/>
-                </a:lnRef>
-                <a:fillRef idx="0">
-                  <a:schemeClr val="accent1"/>
-                </a:fillRef>
-                <a:effectRef idx="0">
-                  <a:schemeClr val="accent1"/>
-                </a:effectRef>
-                <a:fontRef idx="minor">
-                  <a:schemeClr val="tx1"/>
-                </a:fontRef>
-              </p:style>
-            </p:cxnSp>
-            <mc:AlternateContent xmlns:mc="http://schemas.openxmlformats.org/markup-compatibility/2006" xmlns:a14="http://schemas.microsoft.com/office/drawing/2010/main">
-              <mc:Choice Requires="a14">
-                <p:sp>
-                  <p:nvSpPr>
-                    <p:cNvPr id="65" name="TextBox 64"/>
-                    <p:cNvSpPr txBox="1"/>
-                    <p:nvPr/>
-                  </p:nvSpPr>
-                  <p:spPr>
-                    <a:xfrm>
-                      <a:off x="6081954" y="3289533"/>
-                      <a:ext cx="264367" cy="345159"/>
-                    </a:xfrm>
-                    <a:prstGeom prst="rect">
-                      <a:avLst/>
-                    </a:prstGeom>
-                    <a:noFill/>
-                  </p:spPr>
-                  <p:txBody>
-                    <a:bodyPr wrap="none" lIns="0" tIns="0" rIns="0" bIns="0" rtlCol="0">
-                      <a:spAutoFit/>
-                    </a:bodyPr>
-                    <a:lstStyle/>
-                    <a:p>
-                      <a:pPr/>
-                      <a14:m>
-                        <m:oMathPara xmlns:m="http://schemas.openxmlformats.org/officeDocument/2006/math">
-                          <m:oMathParaPr>
-                            <m:jc m:val="centerGroup"/>
-                          </m:oMathParaPr>
-                          <m:oMath xmlns:m="http://schemas.openxmlformats.org/officeDocument/2006/math">
-                            <m:acc>
-                              <m:accPr>
-                                <m:chr m:val="⃗"/>
-                                <m:ctrlPr>
-                                  <a:rPr lang="en-US" sz="2000" b="0" i="1" smtClean="0">
-                                    <a:latin typeface="Cambria Math" charset="0"/>
-                                    <a:cs typeface="Arial" panose="020B0604020202020204" pitchFamily="34" charset="0"/>
-                                  </a:rPr>
-                                </m:ctrlPr>
-                              </m:accPr>
-                              <m:e>
-                                <m:r>
-                                  <a:rPr lang="en-US" sz="2000" b="0" i="1" smtClean="0">
-                                    <a:latin typeface="Cambria Math" panose="02040503050406030204" pitchFamily="18" charset="0"/>
-                                    <a:cs typeface="Arial" panose="020B0604020202020204" pitchFamily="34" charset="0"/>
-                                  </a:rPr>
-                                  <m:t>𝑁</m:t>
-                                </m:r>
-                              </m:e>
-                            </m:acc>
-                          </m:oMath>
-                        </m:oMathPara>
-                      </a14:m>
-                      <a:endParaRPr lang="en-US" sz="2000" dirty="0">
-                        <a:latin typeface="Arial" panose="020B0604020202020204" pitchFamily="34" charset="0"/>
-                        <a:cs typeface="Arial" panose="020B0604020202020204" pitchFamily="34" charset="0"/>
-                      </a:endParaRPr>
-                    </a:p>
-                  </p:txBody>
-                </p:sp>
-              </mc:Choice>
-              <mc:Fallback xmlns="">
-                <p:sp>
-                  <p:nvSpPr>
-                    <p:cNvPr id="33" name="TextBox 32"/>
-                    <p:cNvSpPr txBox="1">
-                      <a:spLocks noRot="1" noChangeAspect="1" noMove="1" noResize="1" noEditPoints="1" noAdjustHandles="1" noChangeArrowheads="1" noChangeShapeType="1" noTextEdit="1"/>
-                    </p:cNvSpPr>
-                    <p:nvPr/>
-                  </p:nvSpPr>
-                  <p:spPr>
-                    <a:xfrm>
-                      <a:off x="6081954" y="3289533"/>
-                      <a:ext cx="264367" cy="345159"/>
-                    </a:xfrm>
-                    <a:prstGeom prst="rect">
-                      <a:avLst/>
-                    </a:prstGeom>
-                    <a:blipFill>
-                      <a:blip r:embed="rId11"/>
-                      <a:stretch>
-                        <a:fillRect l="-20930" r="-18605" b="-8929"/>
-                      </a:stretch>
-                    </a:blipFill>
-                  </p:spPr>
-                  <p:txBody>
-                    <a:bodyPr/>
-                    <a:lstStyle/>
-                    <a:p>
-                      <a:r>
-                        <a:rPr lang="en-US">
-                          <a:noFill/>
-                        </a:rPr>
-                        <a:t> </a:t>
-                      </a:r>
-                    </a:p>
-                  </p:txBody>
-                </p:sp>
-              </mc:Fallback>
-            </mc:AlternateContent>
-          </p:grpSp>
-          <p:cxnSp>
-            <p:nvCxnSpPr>
-              <p:cNvPr id="61" name="Straight Arrow Connector 60"/>
-              <p:cNvCxnSpPr/>
-              <p:nvPr/>
-            </p:nvCxnSpPr>
-            <p:spPr>
-              <a:xfrm flipH="1" flipV="1">
-                <a:off x="5017461" y="4112290"/>
-                <a:ext cx="710034" cy="1439"/>
-              </a:xfrm>
-              <a:prstGeom prst="straightConnector1">
-                <a:avLst/>
-              </a:prstGeom>
-              <a:ln w="38100">
-                <a:solidFill>
-                  <a:schemeClr val="tx1"/>
-                </a:solidFill>
-                <a:tailEnd type="triangle"/>
-              </a:ln>
-            </p:spPr>
-            <p:style>
-              <a:lnRef idx="1">
-                <a:schemeClr val="accent1"/>
-              </a:lnRef>
-              <a:fillRef idx="0">
-                <a:schemeClr val="accent1"/>
-              </a:fillRef>
-              <a:effectRef idx="0">
-                <a:schemeClr val="accent1"/>
-              </a:effectRef>
-              <a:fontRef idx="minor">
-                <a:schemeClr val="tx1"/>
-              </a:fontRef>
-            </p:style>
-          </p:cxnSp>
-          <mc:AlternateContent xmlns:mc="http://schemas.openxmlformats.org/markup-compatibility/2006" xmlns:a14="http://schemas.microsoft.com/office/drawing/2010/main">
-            <mc:Choice Requires="a14">
-              <p:sp>
-                <p:nvSpPr>
-                  <p:cNvPr id="62" name="TextBox 61"/>
-                  <p:cNvSpPr txBox="1"/>
-                  <p:nvPr/>
-                </p:nvSpPr>
-                <p:spPr>
-                  <a:xfrm>
-                    <a:off x="5104599" y="3658110"/>
-                    <a:ext cx="267381" cy="354071"/>
-                  </a:xfrm>
-                  <a:prstGeom prst="rect">
-                    <a:avLst/>
-                  </a:prstGeom>
-                  <a:noFill/>
-                </p:spPr>
-                <p:txBody>
-                  <a:bodyPr wrap="none" lIns="0" tIns="0" rIns="0" bIns="0" rtlCol="0">
-                    <a:spAutoFit/>
-                  </a:bodyPr>
-                  <a:lstStyle/>
-                  <a:p>
-                    <a:pPr/>
-                    <a14:m>
-                      <m:oMathPara xmlns:m="http://schemas.openxmlformats.org/officeDocument/2006/math">
-                        <m:oMathParaPr>
-                          <m:jc m:val="centerGroup"/>
-                        </m:oMathParaPr>
-                        <m:oMath xmlns:m="http://schemas.openxmlformats.org/officeDocument/2006/math">
-                          <m:sSub>
-                            <m:sSubPr>
-                              <m:ctrlPr>
-                                <a:rPr lang="en-US" sz="2000" b="0" i="1" smtClean="0">
-                                  <a:latin typeface="Cambria Math" charset="0"/>
-                                  <a:cs typeface="Arial" panose="020B0604020202020204" pitchFamily="34" charset="0"/>
-                                </a:rPr>
-                              </m:ctrlPr>
-                            </m:sSubPr>
-                            <m:e>
-                              <m:acc>
-                                <m:accPr>
-                                  <m:chr m:val="⃗"/>
-                                  <m:ctrlPr>
-                                    <a:rPr lang="en-US" sz="2000" b="0" i="1" smtClean="0">
-                                      <a:latin typeface="Cambria Math" charset="0"/>
-                                      <a:cs typeface="Arial" panose="020B0604020202020204" pitchFamily="34" charset="0"/>
-                                    </a:rPr>
-                                  </m:ctrlPr>
-                                </m:accPr>
-                                <m:e>
-                                  <m:r>
-                                    <a:rPr lang="en-US" sz="2000" b="0" i="1" smtClean="0">
-                                      <a:latin typeface="Cambria Math" panose="02040503050406030204" pitchFamily="18" charset="0"/>
-                                      <a:cs typeface="Arial" panose="020B0604020202020204" pitchFamily="34" charset="0"/>
-                                    </a:rPr>
-                                    <m:t>𝑓</m:t>
-                                  </m:r>
-                                </m:e>
-                              </m:acc>
-                            </m:e>
-                            <m:sub>
-                              <m:r>
-                                <a:rPr lang="en-US" sz="2000" b="0" i="1" smtClean="0">
-                                  <a:latin typeface="Cambria Math" panose="02040503050406030204" pitchFamily="18" charset="0"/>
-                                  <a:cs typeface="Arial" panose="020B0604020202020204" pitchFamily="34" charset="0"/>
-                                </a:rPr>
-                                <m:t>𝑠</m:t>
-                              </m:r>
-                            </m:sub>
-                          </m:sSub>
-                        </m:oMath>
-                      </m:oMathPara>
-                    </a14:m>
-                    <a:endParaRPr lang="en-US" sz="2000" dirty="0">
-                      <a:latin typeface="Arial" panose="020B0604020202020204" pitchFamily="34" charset="0"/>
-                      <a:cs typeface="Arial" panose="020B0604020202020204" pitchFamily="34" charset="0"/>
-                    </a:endParaRPr>
-                  </a:p>
-                </p:txBody>
-              </p:sp>
-            </mc:Choice>
-            <mc:Fallback xmlns="">
-              <p:sp>
-                <p:nvSpPr>
-                  <p:cNvPr id="62" name="TextBox 61"/>
-                  <p:cNvSpPr txBox="1">
-                    <a:spLocks noRot="1" noChangeAspect="1" noMove="1" noResize="1" noEditPoints="1" noAdjustHandles="1" noChangeArrowheads="1" noChangeShapeType="1" noTextEdit="1"/>
-                  </p:cNvSpPr>
-                  <p:nvPr/>
-                </p:nvSpPr>
-                <p:spPr>
-                  <a:xfrm>
-                    <a:off x="5104599" y="3658110"/>
-                    <a:ext cx="267381" cy="354071"/>
-                  </a:xfrm>
-                  <a:prstGeom prst="rect">
-                    <a:avLst/>
-                  </a:prstGeom>
-                  <a:blipFill>
-                    <a:blip r:embed="rId14"/>
-                    <a:stretch>
-                      <a:fillRect l="-31818" t="-32759" r="-81818" b="-32759"/>
-                    </a:stretch>
-                  </a:blipFill>
-                </p:spPr>
-                <p:txBody>
-                  <a:bodyPr/>
-                  <a:lstStyle/>
-                  <a:p>
-                    <a:r>
-                      <a:rPr lang="en-US">
-                        <a:noFill/>
-                      </a:rPr>
-                      <a:t> </a:t>
-                    </a:r>
-                  </a:p>
-                </p:txBody>
-              </p:sp>
-            </mc:Fallback>
-          </mc:AlternateContent>
-        </p:grpSp>
-        <p:cxnSp>
-          <p:nvCxnSpPr>
-            <p:cNvPr id="66" name="Straight Arrow Connector 65"/>
-            <p:cNvCxnSpPr/>
-            <p:nvPr/>
-          </p:nvCxnSpPr>
-          <p:spPr>
-            <a:xfrm flipV="1">
-              <a:off x="6961582" y="3841319"/>
-              <a:ext cx="673003" cy="3452"/>
-            </a:xfrm>
-            <a:prstGeom prst="straightConnector1">
-              <a:avLst/>
-            </a:prstGeom>
-            <a:ln w="38100">
-              <a:solidFill>
-                <a:schemeClr val="tx1"/>
-              </a:solidFill>
-              <a:tailEnd type="triangle"/>
-            </a:ln>
-          </p:spPr>
-          <p:style>
-            <a:lnRef idx="1">
-              <a:schemeClr val="accent1"/>
-            </a:lnRef>
-            <a:fillRef idx="0">
-              <a:schemeClr val="accent1"/>
-            </a:fillRef>
-            <a:effectRef idx="0">
-              <a:schemeClr val="accent1"/>
-            </a:effectRef>
-            <a:fontRef idx="minor">
-              <a:schemeClr val="tx1"/>
-            </a:fontRef>
-          </p:style>
-        </p:cxnSp>
-        <mc:AlternateContent xmlns:mc="http://schemas.openxmlformats.org/markup-compatibility/2006" xmlns:a14="http://schemas.microsoft.com/office/drawing/2010/main">
-          <mc:Choice Requires="a14">
-            <p:sp>
-              <p:nvSpPr>
-                <p:cNvPr id="67" name="TextBox 66"/>
-                <p:cNvSpPr txBox="1"/>
-                <p:nvPr/>
-              </p:nvSpPr>
-              <p:spPr>
-                <a:xfrm>
-                  <a:off x="7198735" y="3458167"/>
-                  <a:ext cx="237629" cy="345159"/>
-                </a:xfrm>
-                <a:prstGeom prst="rect">
-                  <a:avLst/>
-                </a:prstGeom>
-                <a:noFill/>
-              </p:spPr>
-              <p:txBody>
-                <a:bodyPr wrap="none" lIns="0" tIns="0" rIns="0" bIns="0" rtlCol="0">
-                  <a:spAutoFit/>
-                </a:bodyPr>
-                <a:lstStyle/>
-                <a:p>
-                  <a:pPr/>
-                  <a14:m>
-                    <m:oMathPara xmlns:m="http://schemas.openxmlformats.org/officeDocument/2006/math">
-                      <m:oMathParaPr>
-                        <m:jc m:val="centerGroup"/>
-                      </m:oMathParaPr>
-                      <m:oMath xmlns:m="http://schemas.openxmlformats.org/officeDocument/2006/math">
-                        <m:acc>
-                          <m:accPr>
-                            <m:chr m:val="⃗"/>
-                            <m:ctrlPr>
-                              <a:rPr lang="en-US" sz="2000" b="0" i="1" smtClean="0">
-                                <a:latin typeface="Cambria Math" charset="0"/>
-                                <a:cs typeface="Arial" panose="020B0604020202020204" pitchFamily="34" charset="0"/>
-                              </a:rPr>
-                            </m:ctrlPr>
-                          </m:accPr>
-                          <m:e>
-                            <m:r>
-                              <a:rPr lang="en-US" sz="2000" b="0" i="1" smtClean="0">
-                                <a:latin typeface="Cambria Math" panose="02040503050406030204" pitchFamily="18" charset="0"/>
-                                <a:cs typeface="Arial" panose="020B0604020202020204" pitchFamily="34" charset="0"/>
-                              </a:rPr>
-                              <m:t>𝐹</m:t>
-                            </m:r>
-                          </m:e>
-                        </m:acc>
-                      </m:oMath>
-                    </m:oMathPara>
-                  </a14:m>
-                  <a:endParaRPr lang="en-US" sz="2000" dirty="0">
-                    <a:latin typeface="Arial" panose="020B0604020202020204" pitchFamily="34" charset="0"/>
-                    <a:cs typeface="Arial" panose="020B0604020202020204" pitchFamily="34" charset="0"/>
-                  </a:endParaRPr>
-                </a:p>
-              </p:txBody>
-            </p:sp>
-          </mc:Choice>
-          <mc:Fallback xmlns="">
-            <p:sp>
-              <p:nvSpPr>
-                <p:cNvPr id="67" name="TextBox 66"/>
-                <p:cNvSpPr txBox="1">
-                  <a:spLocks noRot="1" noChangeAspect="1" noMove="1" noResize="1" noEditPoints="1" noAdjustHandles="1" noChangeArrowheads="1" noChangeShapeType="1" noTextEdit="1"/>
-                </p:cNvSpPr>
-                <p:nvPr/>
-              </p:nvSpPr>
-              <p:spPr>
-                <a:xfrm>
-                  <a:off x="7198735" y="3458167"/>
-                  <a:ext cx="237629" cy="345159"/>
-                </a:xfrm>
-                <a:prstGeom prst="rect">
-                  <a:avLst/>
-                </a:prstGeom>
-                <a:blipFill>
-                  <a:blip r:embed="rId15"/>
-                  <a:stretch>
-                    <a:fillRect l="-23077" t="-35088" r="-89744" b="-7018"/>
-                  </a:stretch>
-                </a:blipFill>
-              </p:spPr>
-              <p:txBody>
-                <a:bodyPr/>
-                <a:lstStyle/>
-                <a:p>
-                  <a:r>
-                    <a:rPr lang="en-US">
-                      <a:noFill/>
-                    </a:rPr>
-                    <a:t> </a:t>
-                  </a:r>
-                </a:p>
-              </p:txBody>
-            </p:sp>
-          </mc:Fallback>
-        </mc:AlternateContent>
       </p:grpSp>
       <p:grpSp>
         <p:nvGrpSpPr>
@@ -5829,7 +4927,7 @@
                             <m:chr m:val="⃗"/>
                             <m:ctrlPr>
                               <a:rPr lang="en-US" sz="2000" b="0" i="1" smtClean="0">
-                                <a:latin typeface="Cambria Math" charset="0"/>
+                                <a:latin typeface="Cambria Math" panose="02040503050406030204" pitchFamily="18" charset="0"/>
                                 <a:cs typeface="Arial" panose="020B0604020202020204" pitchFamily="34" charset="0"/>
                               </a:rPr>
                             </m:ctrlPr>
@@ -5966,7 +5064,7 @@
                             <m:chr m:val="⃗"/>
                             <m:ctrlPr>
                               <a:rPr lang="en-US" sz="2000" b="0" i="1" smtClean="0">
-                                <a:latin typeface="Cambria Math" charset="0"/>
+                                <a:latin typeface="Cambria Math" panose="02040503050406030204" pitchFamily="18" charset="0"/>
                                 <a:cs typeface="Arial" panose="020B0604020202020204" pitchFamily="34" charset="0"/>
                               </a:rPr>
                             </m:ctrlPr>
@@ -6013,6 +5111,1059 @@
                   <a:blip r:embed="rId17"/>
                   <a:stretch>
                     <a:fillRect l="-21053" r="-21053" b="-8929"/>
+                  </a:stretch>
+                </a:blipFill>
+              </p:spPr>
+              <p:txBody>
+                <a:bodyPr/>
+                <a:lstStyle/>
+                <a:p>
+                  <a:r>
+                    <a:rPr lang="en-US">
+                      <a:noFill/>
+                    </a:rPr>
+                    <a:t> </a:t>
+                  </a:r>
+                </a:p>
+              </p:txBody>
+            </p:sp>
+          </mc:Fallback>
+        </mc:AlternateContent>
+      </p:grpSp>
+      <p:grpSp>
+        <p:nvGrpSpPr>
+          <p:cNvPr id="6" name="Group 5"/>
+          <p:cNvGrpSpPr/>
+          <p:nvPr/>
+        </p:nvGrpSpPr>
+        <p:grpSpPr>
+          <a:xfrm>
+            <a:off x="5578981" y="2341851"/>
+            <a:ext cx="2741238" cy="1601441"/>
+            <a:chOff x="5578981" y="2341851"/>
+            <a:chExt cx="2741238" cy="1601441"/>
+          </a:xfrm>
+        </p:grpSpPr>
+        <p:grpSp>
+          <p:nvGrpSpPr>
+            <p:cNvPr id="68" name="Group 67"/>
+            <p:cNvGrpSpPr/>
+            <p:nvPr/>
+          </p:nvGrpSpPr>
+          <p:grpSpPr>
+            <a:xfrm>
+              <a:off x="5578981" y="2790432"/>
+              <a:ext cx="2741238" cy="1152860"/>
+              <a:chOff x="5560793" y="3188617"/>
+              <a:chExt cx="2741238" cy="1152860"/>
+            </a:xfrm>
+          </p:grpSpPr>
+          <p:grpSp>
+            <p:nvGrpSpPr>
+              <p:cNvPr id="25" name="Group 24"/>
+              <p:cNvGrpSpPr/>
+              <p:nvPr/>
+            </p:nvGrpSpPr>
+            <p:grpSpPr>
+              <a:xfrm>
+                <a:off x="5560793" y="3198006"/>
+                <a:ext cx="1064667" cy="1143471"/>
+                <a:chOff x="5045603" y="2979123"/>
+                <a:chExt cx="1064667" cy="1143471"/>
+              </a:xfrm>
+            </p:grpSpPr>
+            <p:grpSp>
+              <p:nvGrpSpPr>
+                <p:cNvPr id="45" name="Group 44"/>
+                <p:cNvGrpSpPr/>
+                <p:nvPr/>
+              </p:nvGrpSpPr>
+              <p:grpSpPr>
+                <a:xfrm>
+                  <a:off x="5442824" y="2979123"/>
+                  <a:ext cx="667446" cy="1108967"/>
+                  <a:chOff x="5678875" y="3201951"/>
+                  <a:chExt cx="667446" cy="1108967"/>
+                </a:xfrm>
+              </p:grpSpPr>
+              <p:sp>
+                <p:nvSpPr>
+                  <p:cNvPr id="48" name="Rectangle 47"/>
+                  <p:cNvSpPr/>
+                  <p:nvPr/>
+                </p:nvSpPr>
+                <p:spPr>
+                  <a:xfrm>
+                    <a:off x="5678875" y="3671801"/>
+                    <a:ext cx="569343" cy="629728"/>
+                  </a:xfrm>
+                  <a:prstGeom prst="rect">
+                    <a:avLst/>
+                  </a:prstGeom>
+                  <a:solidFill>
+                    <a:schemeClr val="bg2">
+                      <a:lumMod val="90000"/>
+                    </a:schemeClr>
+                  </a:solidFill>
+                  <a:ln w="38100">
+                    <a:solidFill>
+                      <a:schemeClr val="tx1"/>
+                    </a:solidFill>
+                  </a:ln>
+                </p:spPr>
+                <p:style>
+                  <a:lnRef idx="2">
+                    <a:schemeClr val="accent1">
+                      <a:shade val="50000"/>
+                    </a:schemeClr>
+                  </a:lnRef>
+                  <a:fillRef idx="1">
+                    <a:schemeClr val="accent1"/>
+                  </a:fillRef>
+                  <a:effectRef idx="0">
+                    <a:schemeClr val="accent1"/>
+                  </a:effectRef>
+                  <a:fontRef idx="minor">
+                    <a:schemeClr val="lt1"/>
+                  </a:fontRef>
+                </p:style>
+                <p:txBody>
+                  <a:bodyPr rtlCol="0" anchor="ctr"/>
+                  <a:lstStyle/>
+                  <a:p>
+                    <a:pPr algn="ctr"/>
+                    <a:endParaRPr lang="en-US"/>
+                  </a:p>
+                </p:txBody>
+              </p:sp>
+              <p:cxnSp>
+                <p:nvCxnSpPr>
+                  <p:cNvPr id="49" name="Straight Arrow Connector 48"/>
+                  <p:cNvCxnSpPr/>
+                  <p:nvPr/>
+                </p:nvCxnSpPr>
+                <p:spPr>
+                  <a:xfrm flipV="1">
+                    <a:off x="5963546" y="3201951"/>
+                    <a:ext cx="0" cy="1108967"/>
+                  </a:xfrm>
+                  <a:prstGeom prst="straightConnector1">
+                    <a:avLst/>
+                  </a:prstGeom>
+                  <a:ln w="38100">
+                    <a:solidFill>
+                      <a:schemeClr val="tx1"/>
+                    </a:solidFill>
+                    <a:tailEnd type="triangle"/>
+                  </a:ln>
+                </p:spPr>
+                <p:style>
+                  <a:lnRef idx="1">
+                    <a:schemeClr val="accent1"/>
+                  </a:lnRef>
+                  <a:fillRef idx="0">
+                    <a:schemeClr val="accent1"/>
+                  </a:fillRef>
+                  <a:effectRef idx="0">
+                    <a:schemeClr val="accent1"/>
+                  </a:effectRef>
+                  <a:fontRef idx="minor">
+                    <a:schemeClr val="tx1"/>
+                  </a:fontRef>
+                </p:style>
+              </p:cxnSp>
+              <mc:AlternateContent xmlns:mc="http://schemas.openxmlformats.org/markup-compatibility/2006" xmlns:a14="http://schemas.microsoft.com/office/drawing/2010/main">
+                <mc:Choice Requires="a14">
+                  <p:sp>
+                    <p:nvSpPr>
+                      <p:cNvPr id="50" name="TextBox 49"/>
+                      <p:cNvSpPr txBox="1"/>
+                      <p:nvPr/>
+                    </p:nvSpPr>
+                    <p:spPr>
+                      <a:xfrm>
+                        <a:off x="6081954" y="3289533"/>
+                        <a:ext cx="264367" cy="345159"/>
+                      </a:xfrm>
+                      <a:prstGeom prst="rect">
+                        <a:avLst/>
+                      </a:prstGeom>
+                      <a:noFill/>
+                    </p:spPr>
+                    <p:txBody>
+                      <a:bodyPr wrap="none" lIns="0" tIns="0" rIns="0" bIns="0" rtlCol="0">
+                        <a:spAutoFit/>
+                      </a:bodyPr>
+                      <a:lstStyle/>
+                      <a:p>
+                        <a:pPr/>
+                        <a14:m>
+                          <m:oMathPara xmlns:m="http://schemas.openxmlformats.org/officeDocument/2006/math">
+                            <m:oMathParaPr>
+                              <m:jc m:val="centerGroup"/>
+                            </m:oMathParaPr>
+                            <m:oMath xmlns:m="http://schemas.openxmlformats.org/officeDocument/2006/math">
+                              <m:acc>
+                                <m:accPr>
+                                  <m:chr m:val="⃗"/>
+                                  <m:ctrlPr>
+                                    <a:rPr lang="en-US" sz="2000" b="0" i="1" smtClean="0">
+                                      <a:latin typeface="Cambria Math" panose="02040503050406030204" pitchFamily="18" charset="0"/>
+                                      <a:cs typeface="Arial" panose="020B0604020202020204" pitchFamily="34" charset="0"/>
+                                    </a:rPr>
+                                  </m:ctrlPr>
+                                </m:accPr>
+                                <m:e>
+                                  <m:r>
+                                    <a:rPr lang="en-US" sz="2000" b="0" i="1" smtClean="0">
+                                      <a:latin typeface="Cambria Math" panose="02040503050406030204" pitchFamily="18" charset="0"/>
+                                      <a:cs typeface="Arial" panose="020B0604020202020204" pitchFamily="34" charset="0"/>
+                                    </a:rPr>
+                                    <m:t>𝑁</m:t>
+                                  </m:r>
+                                </m:e>
+                              </m:acc>
+                            </m:oMath>
+                          </m:oMathPara>
+                        </a14:m>
+                        <a:endParaRPr lang="en-US" sz="2000" dirty="0">
+                          <a:latin typeface="Arial" panose="020B0604020202020204" pitchFamily="34" charset="0"/>
+                          <a:cs typeface="Arial" panose="020B0604020202020204" pitchFamily="34" charset="0"/>
+                        </a:endParaRPr>
+                      </a:p>
+                    </p:txBody>
+                  </p:sp>
+                </mc:Choice>
+                <mc:Fallback xmlns="">
+                  <p:sp>
+                    <p:nvSpPr>
+                      <p:cNvPr id="33" name="TextBox 32"/>
+                      <p:cNvSpPr txBox="1">
+                        <a:spLocks noRot="1" noChangeAspect="1" noMove="1" noResize="1" noEditPoints="1" noAdjustHandles="1" noChangeArrowheads="1" noChangeShapeType="1" noTextEdit="1"/>
+                      </p:cNvSpPr>
+                      <p:nvPr/>
+                    </p:nvSpPr>
+                    <p:spPr>
+                      <a:xfrm>
+                        <a:off x="6081954" y="3289533"/>
+                        <a:ext cx="264367" cy="345159"/>
+                      </a:xfrm>
+                      <a:prstGeom prst="rect">
+                        <a:avLst/>
+                      </a:prstGeom>
+                      <a:blipFill>
+                        <a:blip r:embed="rId11"/>
+                        <a:stretch>
+                          <a:fillRect l="-20930" r="-18605" b="-8929"/>
+                        </a:stretch>
+                      </a:blipFill>
+                    </p:spPr>
+                    <p:txBody>
+                      <a:bodyPr/>
+                      <a:lstStyle/>
+                      <a:p>
+                        <a:r>
+                          <a:rPr lang="en-US">
+                            <a:noFill/>
+                          </a:rPr>
+                          <a:t> </a:t>
+                        </a:r>
+                      </a:p>
+                    </p:txBody>
+                  </p:sp>
+                </mc:Fallback>
+              </mc:AlternateContent>
+            </p:grpSp>
+            <p:cxnSp>
+              <p:nvCxnSpPr>
+                <p:cNvPr id="57" name="Straight Arrow Connector 56"/>
+                <p:cNvCxnSpPr/>
+                <p:nvPr/>
+              </p:nvCxnSpPr>
+              <p:spPr>
+                <a:xfrm flipH="1">
+                  <a:off x="5045603" y="4113777"/>
+                  <a:ext cx="675316" cy="8817"/>
+                </a:xfrm>
+                <a:prstGeom prst="straightConnector1">
+                  <a:avLst/>
+                </a:prstGeom>
+                <a:ln w="38100">
+                  <a:solidFill>
+                    <a:schemeClr val="tx1"/>
+                  </a:solidFill>
+                  <a:tailEnd type="triangle"/>
+                </a:ln>
+              </p:spPr>
+              <p:style>
+                <a:lnRef idx="1">
+                  <a:schemeClr val="accent1"/>
+                </a:lnRef>
+                <a:fillRef idx="0">
+                  <a:schemeClr val="accent1"/>
+                </a:fillRef>
+                <a:effectRef idx="0">
+                  <a:schemeClr val="accent1"/>
+                </a:effectRef>
+                <a:fontRef idx="minor">
+                  <a:schemeClr val="tx1"/>
+                </a:fontRef>
+              </p:style>
+            </p:cxnSp>
+            <mc:AlternateContent xmlns:mc="http://schemas.openxmlformats.org/markup-compatibility/2006" xmlns:a14="http://schemas.microsoft.com/office/drawing/2010/main">
+              <mc:Choice Requires="a14">
+                <p:sp>
+                  <p:nvSpPr>
+                    <p:cNvPr id="58" name="TextBox 57"/>
+                    <p:cNvSpPr txBox="1"/>
+                    <p:nvPr/>
+                  </p:nvSpPr>
+                  <p:spPr>
+                    <a:xfrm>
+                      <a:off x="5104599" y="3658110"/>
+                      <a:ext cx="301493" cy="354071"/>
+                    </a:xfrm>
+                    <a:prstGeom prst="rect">
+                      <a:avLst/>
+                    </a:prstGeom>
+                    <a:noFill/>
+                  </p:spPr>
+                  <p:txBody>
+                    <a:bodyPr wrap="none" lIns="0" tIns="0" rIns="0" bIns="0" rtlCol="0">
+                      <a:spAutoFit/>
+                    </a:bodyPr>
+                    <a:lstStyle/>
+                    <a:p>
+                      <a:pPr/>
+                      <a14:m>
+                        <m:oMathPara xmlns:m="http://schemas.openxmlformats.org/officeDocument/2006/math">
+                          <m:oMathParaPr>
+                            <m:jc m:val="centerGroup"/>
+                          </m:oMathParaPr>
+                          <m:oMath xmlns:m="http://schemas.openxmlformats.org/officeDocument/2006/math">
+                            <m:sSub>
+                              <m:sSubPr>
+                                <m:ctrlPr>
+                                  <a:rPr lang="en-US" sz="2000" b="0" i="1" smtClean="0">
+                                    <a:latin typeface="Cambria Math" panose="02040503050406030204" pitchFamily="18" charset="0"/>
+                                    <a:cs typeface="Arial" panose="020B0604020202020204" pitchFamily="34" charset="0"/>
+                                  </a:rPr>
+                                </m:ctrlPr>
+                              </m:sSubPr>
+                              <m:e>
+                                <m:acc>
+                                  <m:accPr>
+                                    <m:chr m:val="⃗"/>
+                                    <m:ctrlPr>
+                                      <a:rPr lang="en-US" sz="2000" b="0" i="1" smtClean="0">
+                                        <a:latin typeface="Cambria Math" panose="02040503050406030204" pitchFamily="18" charset="0"/>
+                                        <a:cs typeface="Arial" panose="020B0604020202020204" pitchFamily="34" charset="0"/>
+                                      </a:rPr>
+                                    </m:ctrlPr>
+                                  </m:accPr>
+                                  <m:e>
+                                    <m:r>
+                                      <a:rPr lang="en-US" sz="2000" b="0" i="1" smtClean="0">
+                                        <a:latin typeface="Cambria Math" panose="02040503050406030204" pitchFamily="18" charset="0"/>
+                                        <a:cs typeface="Arial" panose="020B0604020202020204" pitchFamily="34" charset="0"/>
+                                      </a:rPr>
+                                      <m:t>𝑓</m:t>
+                                    </m:r>
+                                  </m:e>
+                                </m:acc>
+                              </m:e>
+                              <m:sub>
+                                <m:r>
+                                  <a:rPr lang="en-US" sz="2000" b="0" i="1" smtClean="0">
+                                    <a:latin typeface="Cambria Math" panose="02040503050406030204" pitchFamily="18" charset="0"/>
+                                    <a:cs typeface="Arial" panose="020B0604020202020204" pitchFamily="34" charset="0"/>
+                                  </a:rPr>
+                                  <m:t>𝑘</m:t>
+                                </m:r>
+                              </m:sub>
+                            </m:sSub>
+                          </m:oMath>
+                        </m:oMathPara>
+                      </a14:m>
+                      <a:endParaRPr lang="en-US" sz="2000" dirty="0">
+                        <a:latin typeface="Arial" panose="020B0604020202020204" pitchFamily="34" charset="0"/>
+                        <a:cs typeface="Arial" panose="020B0604020202020204" pitchFamily="34" charset="0"/>
+                      </a:endParaRPr>
+                    </a:p>
+                  </p:txBody>
+                </p:sp>
+              </mc:Choice>
+              <mc:Fallback xmlns="">
+                <p:sp>
+                  <p:nvSpPr>
+                    <p:cNvPr id="58" name="TextBox 57"/>
+                    <p:cNvSpPr txBox="1">
+                      <a:spLocks noRot="1" noChangeAspect="1" noMove="1" noResize="1" noEditPoints="1" noAdjustHandles="1" noChangeArrowheads="1" noChangeShapeType="1" noTextEdit="1"/>
+                    </p:cNvSpPr>
+                    <p:nvPr/>
+                  </p:nvSpPr>
+                  <p:spPr>
+                    <a:xfrm>
+                      <a:off x="5104599" y="3658110"/>
+                      <a:ext cx="301493" cy="354071"/>
+                    </a:xfrm>
+                    <a:prstGeom prst="rect">
+                      <a:avLst/>
+                    </a:prstGeom>
+                    <a:blipFill>
+                      <a:blip r:embed="rId13"/>
+                      <a:stretch>
+                        <a:fillRect l="-28571" t="-34483" r="-73469" b="-31034"/>
+                      </a:stretch>
+                    </a:blipFill>
+                  </p:spPr>
+                  <p:txBody>
+                    <a:bodyPr/>
+                    <a:lstStyle/>
+                    <a:p>
+                      <a:r>
+                        <a:rPr lang="en-US">
+                          <a:noFill/>
+                        </a:rPr>
+                        <a:t> </a:t>
+                      </a:r>
+                    </a:p>
+                  </p:txBody>
+                </p:sp>
+              </mc:Fallback>
+            </mc:AlternateContent>
+          </p:grpSp>
+          <p:grpSp>
+            <p:nvGrpSpPr>
+              <p:cNvPr id="59" name="Group 58"/>
+              <p:cNvGrpSpPr/>
+              <p:nvPr/>
+            </p:nvGrpSpPr>
+            <p:grpSpPr>
+              <a:xfrm>
+                <a:off x="7209222" y="3188617"/>
+                <a:ext cx="1092809" cy="1134606"/>
+                <a:chOff x="5017461" y="2979123"/>
+                <a:chExt cx="1092809" cy="1134606"/>
+              </a:xfrm>
+            </p:grpSpPr>
+            <p:grpSp>
+              <p:nvGrpSpPr>
+                <p:cNvPr id="60" name="Group 59"/>
+                <p:cNvGrpSpPr/>
+                <p:nvPr/>
+              </p:nvGrpSpPr>
+              <p:grpSpPr>
+                <a:xfrm>
+                  <a:off x="5442824" y="2979123"/>
+                  <a:ext cx="667446" cy="1108967"/>
+                  <a:chOff x="5678875" y="3201951"/>
+                  <a:chExt cx="667446" cy="1108967"/>
+                </a:xfrm>
+              </p:grpSpPr>
+              <p:sp>
+                <p:nvSpPr>
+                  <p:cNvPr id="63" name="Rectangle 62"/>
+                  <p:cNvSpPr/>
+                  <p:nvPr/>
+                </p:nvSpPr>
+                <p:spPr>
+                  <a:xfrm>
+                    <a:off x="5678875" y="3671801"/>
+                    <a:ext cx="569343" cy="629728"/>
+                  </a:xfrm>
+                  <a:prstGeom prst="rect">
+                    <a:avLst/>
+                  </a:prstGeom>
+                  <a:solidFill>
+                    <a:schemeClr val="bg2">
+                      <a:lumMod val="90000"/>
+                    </a:schemeClr>
+                  </a:solidFill>
+                  <a:ln w="38100">
+                    <a:solidFill>
+                      <a:schemeClr val="tx1"/>
+                    </a:solidFill>
+                  </a:ln>
+                </p:spPr>
+                <p:style>
+                  <a:lnRef idx="2">
+                    <a:schemeClr val="accent1">
+                      <a:shade val="50000"/>
+                    </a:schemeClr>
+                  </a:lnRef>
+                  <a:fillRef idx="1">
+                    <a:schemeClr val="accent1"/>
+                  </a:fillRef>
+                  <a:effectRef idx="0">
+                    <a:schemeClr val="accent1"/>
+                  </a:effectRef>
+                  <a:fontRef idx="minor">
+                    <a:schemeClr val="lt1"/>
+                  </a:fontRef>
+                </p:style>
+                <p:txBody>
+                  <a:bodyPr rtlCol="0" anchor="ctr"/>
+                  <a:lstStyle/>
+                  <a:p>
+                    <a:pPr algn="ctr"/>
+                    <a:endParaRPr lang="en-US"/>
+                  </a:p>
+                </p:txBody>
+              </p:sp>
+              <p:cxnSp>
+                <p:nvCxnSpPr>
+                  <p:cNvPr id="64" name="Straight Arrow Connector 63"/>
+                  <p:cNvCxnSpPr/>
+                  <p:nvPr/>
+                </p:nvCxnSpPr>
+                <p:spPr>
+                  <a:xfrm flipV="1">
+                    <a:off x="5963546" y="3201951"/>
+                    <a:ext cx="0" cy="1108967"/>
+                  </a:xfrm>
+                  <a:prstGeom prst="straightConnector1">
+                    <a:avLst/>
+                  </a:prstGeom>
+                  <a:ln w="38100">
+                    <a:solidFill>
+                      <a:schemeClr val="tx1"/>
+                    </a:solidFill>
+                    <a:tailEnd type="triangle"/>
+                  </a:ln>
+                </p:spPr>
+                <p:style>
+                  <a:lnRef idx="1">
+                    <a:schemeClr val="accent1"/>
+                  </a:lnRef>
+                  <a:fillRef idx="0">
+                    <a:schemeClr val="accent1"/>
+                  </a:fillRef>
+                  <a:effectRef idx="0">
+                    <a:schemeClr val="accent1"/>
+                  </a:effectRef>
+                  <a:fontRef idx="minor">
+                    <a:schemeClr val="tx1"/>
+                  </a:fontRef>
+                </p:style>
+              </p:cxnSp>
+              <mc:AlternateContent xmlns:mc="http://schemas.openxmlformats.org/markup-compatibility/2006" xmlns:a14="http://schemas.microsoft.com/office/drawing/2010/main">
+                <mc:Choice Requires="a14">
+                  <p:sp>
+                    <p:nvSpPr>
+                      <p:cNvPr id="65" name="TextBox 64"/>
+                      <p:cNvSpPr txBox="1"/>
+                      <p:nvPr/>
+                    </p:nvSpPr>
+                    <p:spPr>
+                      <a:xfrm>
+                        <a:off x="6081954" y="3289533"/>
+                        <a:ext cx="264367" cy="345159"/>
+                      </a:xfrm>
+                      <a:prstGeom prst="rect">
+                        <a:avLst/>
+                      </a:prstGeom>
+                      <a:noFill/>
+                    </p:spPr>
+                    <p:txBody>
+                      <a:bodyPr wrap="none" lIns="0" tIns="0" rIns="0" bIns="0" rtlCol="0">
+                        <a:spAutoFit/>
+                      </a:bodyPr>
+                      <a:lstStyle/>
+                      <a:p>
+                        <a:pPr/>
+                        <a14:m>
+                          <m:oMathPara xmlns:m="http://schemas.openxmlformats.org/officeDocument/2006/math">
+                            <m:oMathParaPr>
+                              <m:jc m:val="centerGroup"/>
+                            </m:oMathParaPr>
+                            <m:oMath xmlns:m="http://schemas.openxmlformats.org/officeDocument/2006/math">
+                              <m:acc>
+                                <m:accPr>
+                                  <m:chr m:val="⃗"/>
+                                  <m:ctrlPr>
+                                    <a:rPr lang="en-US" sz="2000" b="0" i="1" smtClean="0">
+                                      <a:latin typeface="Cambria Math" panose="02040503050406030204" pitchFamily="18" charset="0"/>
+                                      <a:cs typeface="Arial" panose="020B0604020202020204" pitchFamily="34" charset="0"/>
+                                    </a:rPr>
+                                  </m:ctrlPr>
+                                </m:accPr>
+                                <m:e>
+                                  <m:r>
+                                    <a:rPr lang="en-US" sz="2000" b="0" i="1" smtClean="0">
+                                      <a:latin typeface="Cambria Math" panose="02040503050406030204" pitchFamily="18" charset="0"/>
+                                      <a:cs typeface="Arial" panose="020B0604020202020204" pitchFamily="34" charset="0"/>
+                                    </a:rPr>
+                                    <m:t>𝑁</m:t>
+                                  </m:r>
+                                </m:e>
+                              </m:acc>
+                            </m:oMath>
+                          </m:oMathPara>
+                        </a14:m>
+                        <a:endParaRPr lang="en-US" sz="2000" dirty="0">
+                          <a:latin typeface="Arial" panose="020B0604020202020204" pitchFamily="34" charset="0"/>
+                          <a:cs typeface="Arial" panose="020B0604020202020204" pitchFamily="34" charset="0"/>
+                        </a:endParaRPr>
+                      </a:p>
+                    </p:txBody>
+                  </p:sp>
+                </mc:Choice>
+                <mc:Fallback xmlns="">
+                  <p:sp>
+                    <p:nvSpPr>
+                      <p:cNvPr id="33" name="TextBox 32"/>
+                      <p:cNvSpPr txBox="1">
+                        <a:spLocks noRot="1" noChangeAspect="1" noMove="1" noResize="1" noEditPoints="1" noAdjustHandles="1" noChangeArrowheads="1" noChangeShapeType="1" noTextEdit="1"/>
+                      </p:cNvSpPr>
+                      <p:nvPr/>
+                    </p:nvSpPr>
+                    <p:spPr>
+                      <a:xfrm>
+                        <a:off x="6081954" y="3289533"/>
+                        <a:ext cx="264367" cy="345159"/>
+                      </a:xfrm>
+                      <a:prstGeom prst="rect">
+                        <a:avLst/>
+                      </a:prstGeom>
+                      <a:blipFill>
+                        <a:blip r:embed="rId11"/>
+                        <a:stretch>
+                          <a:fillRect l="-20930" r="-18605" b="-8929"/>
+                        </a:stretch>
+                      </a:blipFill>
+                    </p:spPr>
+                    <p:txBody>
+                      <a:bodyPr/>
+                      <a:lstStyle/>
+                      <a:p>
+                        <a:r>
+                          <a:rPr lang="en-US">
+                            <a:noFill/>
+                          </a:rPr>
+                          <a:t> </a:t>
+                        </a:r>
+                      </a:p>
+                    </p:txBody>
+                  </p:sp>
+                </mc:Fallback>
+              </mc:AlternateContent>
+            </p:grpSp>
+            <p:cxnSp>
+              <p:nvCxnSpPr>
+                <p:cNvPr id="61" name="Straight Arrow Connector 60"/>
+                <p:cNvCxnSpPr/>
+                <p:nvPr/>
+              </p:nvCxnSpPr>
+              <p:spPr>
+                <a:xfrm flipH="1" flipV="1">
+                  <a:off x="5017461" y="4112290"/>
+                  <a:ext cx="710034" cy="1439"/>
+                </a:xfrm>
+                <a:prstGeom prst="straightConnector1">
+                  <a:avLst/>
+                </a:prstGeom>
+                <a:ln w="38100">
+                  <a:solidFill>
+                    <a:schemeClr val="tx1"/>
+                  </a:solidFill>
+                  <a:tailEnd type="triangle"/>
+                </a:ln>
+              </p:spPr>
+              <p:style>
+                <a:lnRef idx="1">
+                  <a:schemeClr val="accent1"/>
+                </a:lnRef>
+                <a:fillRef idx="0">
+                  <a:schemeClr val="accent1"/>
+                </a:fillRef>
+                <a:effectRef idx="0">
+                  <a:schemeClr val="accent1"/>
+                </a:effectRef>
+                <a:fontRef idx="minor">
+                  <a:schemeClr val="tx1"/>
+                </a:fontRef>
+              </p:style>
+            </p:cxnSp>
+            <mc:AlternateContent xmlns:mc="http://schemas.openxmlformats.org/markup-compatibility/2006" xmlns:a14="http://schemas.microsoft.com/office/drawing/2010/main">
+              <mc:Choice Requires="a14">
+                <p:sp>
+                  <p:nvSpPr>
+                    <p:cNvPr id="62" name="TextBox 61"/>
+                    <p:cNvSpPr txBox="1"/>
+                    <p:nvPr/>
+                  </p:nvSpPr>
+                  <p:spPr>
+                    <a:xfrm>
+                      <a:off x="5104599" y="3658110"/>
+                      <a:ext cx="267381" cy="354071"/>
+                    </a:xfrm>
+                    <a:prstGeom prst="rect">
+                      <a:avLst/>
+                    </a:prstGeom>
+                    <a:noFill/>
+                  </p:spPr>
+                  <p:txBody>
+                    <a:bodyPr wrap="none" lIns="0" tIns="0" rIns="0" bIns="0" rtlCol="0">
+                      <a:spAutoFit/>
+                    </a:bodyPr>
+                    <a:lstStyle/>
+                    <a:p>
+                      <a:pPr/>
+                      <a14:m>
+                        <m:oMathPara xmlns:m="http://schemas.openxmlformats.org/officeDocument/2006/math">
+                          <m:oMathParaPr>
+                            <m:jc m:val="centerGroup"/>
+                          </m:oMathParaPr>
+                          <m:oMath xmlns:m="http://schemas.openxmlformats.org/officeDocument/2006/math">
+                            <m:sSub>
+                              <m:sSubPr>
+                                <m:ctrlPr>
+                                  <a:rPr lang="en-US" sz="2000" b="0" i="1" smtClean="0">
+                                    <a:latin typeface="Cambria Math" panose="02040503050406030204" pitchFamily="18" charset="0"/>
+                                    <a:cs typeface="Arial" panose="020B0604020202020204" pitchFamily="34" charset="0"/>
+                                  </a:rPr>
+                                </m:ctrlPr>
+                              </m:sSubPr>
+                              <m:e>
+                                <m:acc>
+                                  <m:accPr>
+                                    <m:chr m:val="⃗"/>
+                                    <m:ctrlPr>
+                                      <a:rPr lang="en-US" sz="2000" b="0" i="1" smtClean="0">
+                                        <a:latin typeface="Cambria Math" panose="02040503050406030204" pitchFamily="18" charset="0"/>
+                                        <a:cs typeface="Arial" panose="020B0604020202020204" pitchFamily="34" charset="0"/>
+                                      </a:rPr>
+                                    </m:ctrlPr>
+                                  </m:accPr>
+                                  <m:e>
+                                    <m:r>
+                                      <a:rPr lang="en-US" sz="2000" b="0" i="1" smtClean="0">
+                                        <a:latin typeface="Cambria Math" panose="02040503050406030204" pitchFamily="18" charset="0"/>
+                                        <a:cs typeface="Arial" panose="020B0604020202020204" pitchFamily="34" charset="0"/>
+                                      </a:rPr>
+                                      <m:t>𝑓</m:t>
+                                    </m:r>
+                                  </m:e>
+                                </m:acc>
+                              </m:e>
+                              <m:sub>
+                                <m:r>
+                                  <a:rPr lang="en-US" sz="2000" b="0" i="1" smtClean="0">
+                                    <a:latin typeface="Cambria Math" panose="02040503050406030204" pitchFamily="18" charset="0"/>
+                                    <a:cs typeface="Arial" panose="020B0604020202020204" pitchFamily="34" charset="0"/>
+                                  </a:rPr>
+                                  <m:t>𝑠</m:t>
+                                </m:r>
+                              </m:sub>
+                            </m:sSub>
+                          </m:oMath>
+                        </m:oMathPara>
+                      </a14:m>
+                      <a:endParaRPr lang="en-US" sz="2000" dirty="0">
+                        <a:latin typeface="Arial" panose="020B0604020202020204" pitchFamily="34" charset="0"/>
+                        <a:cs typeface="Arial" panose="020B0604020202020204" pitchFamily="34" charset="0"/>
+                      </a:endParaRPr>
+                    </a:p>
+                  </p:txBody>
+                </p:sp>
+              </mc:Choice>
+              <mc:Fallback xmlns="">
+                <p:sp>
+                  <p:nvSpPr>
+                    <p:cNvPr id="62" name="TextBox 61"/>
+                    <p:cNvSpPr txBox="1">
+                      <a:spLocks noRot="1" noChangeAspect="1" noMove="1" noResize="1" noEditPoints="1" noAdjustHandles="1" noChangeArrowheads="1" noChangeShapeType="1" noTextEdit="1"/>
+                    </p:cNvSpPr>
+                    <p:nvPr/>
+                  </p:nvSpPr>
+                  <p:spPr>
+                    <a:xfrm>
+                      <a:off x="5104599" y="3658110"/>
+                      <a:ext cx="267381" cy="354071"/>
+                    </a:xfrm>
+                    <a:prstGeom prst="rect">
+                      <a:avLst/>
+                    </a:prstGeom>
+                    <a:blipFill>
+                      <a:blip r:embed="rId14"/>
+                      <a:stretch>
+                        <a:fillRect l="-31818" t="-32759" r="-81818" b="-32759"/>
+                      </a:stretch>
+                    </a:blipFill>
+                  </p:spPr>
+                  <p:txBody>
+                    <a:bodyPr/>
+                    <a:lstStyle/>
+                    <a:p>
+                      <a:r>
+                        <a:rPr lang="en-US">
+                          <a:noFill/>
+                        </a:rPr>
+                        <a:t> </a:t>
+                      </a:r>
+                    </a:p>
+                  </p:txBody>
+                </p:sp>
+              </mc:Fallback>
+            </mc:AlternateContent>
+          </p:grpSp>
+          <p:cxnSp>
+            <p:nvCxnSpPr>
+              <p:cNvPr id="66" name="Straight Arrow Connector 65"/>
+              <p:cNvCxnSpPr/>
+              <p:nvPr/>
+            </p:nvCxnSpPr>
+            <p:spPr>
+              <a:xfrm flipV="1">
+                <a:off x="6961582" y="3841319"/>
+                <a:ext cx="673003" cy="3452"/>
+              </a:xfrm>
+              <a:prstGeom prst="straightConnector1">
+                <a:avLst/>
+              </a:prstGeom>
+              <a:ln w="38100">
+                <a:solidFill>
+                  <a:schemeClr val="tx1"/>
+                </a:solidFill>
+                <a:tailEnd type="triangle"/>
+              </a:ln>
+            </p:spPr>
+            <p:style>
+              <a:lnRef idx="1">
+                <a:schemeClr val="accent1"/>
+              </a:lnRef>
+              <a:fillRef idx="0">
+                <a:schemeClr val="accent1"/>
+              </a:fillRef>
+              <a:effectRef idx="0">
+                <a:schemeClr val="accent1"/>
+              </a:effectRef>
+              <a:fontRef idx="minor">
+                <a:schemeClr val="tx1"/>
+              </a:fontRef>
+            </p:style>
+          </p:cxnSp>
+          <mc:AlternateContent xmlns:mc="http://schemas.openxmlformats.org/markup-compatibility/2006" xmlns:a14="http://schemas.microsoft.com/office/drawing/2010/main">
+            <mc:Choice Requires="a14">
+              <p:sp>
+                <p:nvSpPr>
+                  <p:cNvPr id="67" name="TextBox 66"/>
+                  <p:cNvSpPr txBox="1"/>
+                  <p:nvPr/>
+                </p:nvSpPr>
+                <p:spPr>
+                  <a:xfrm>
+                    <a:off x="7198735" y="3458167"/>
+                    <a:ext cx="237629" cy="345159"/>
+                  </a:xfrm>
+                  <a:prstGeom prst="rect">
+                    <a:avLst/>
+                  </a:prstGeom>
+                  <a:noFill/>
+                </p:spPr>
+                <p:txBody>
+                  <a:bodyPr wrap="none" lIns="0" tIns="0" rIns="0" bIns="0" rtlCol="0">
+                    <a:spAutoFit/>
+                  </a:bodyPr>
+                  <a:lstStyle/>
+                  <a:p>
+                    <a:pPr/>
+                    <a14:m>
+                      <m:oMathPara xmlns:m="http://schemas.openxmlformats.org/officeDocument/2006/math">
+                        <m:oMathParaPr>
+                          <m:jc m:val="centerGroup"/>
+                        </m:oMathParaPr>
+                        <m:oMath xmlns:m="http://schemas.openxmlformats.org/officeDocument/2006/math">
+                          <m:acc>
+                            <m:accPr>
+                              <m:chr m:val="⃗"/>
+                              <m:ctrlPr>
+                                <a:rPr lang="en-US" sz="2000" b="0" i="1" smtClean="0">
+                                  <a:latin typeface="Cambria Math" panose="02040503050406030204" pitchFamily="18" charset="0"/>
+                                  <a:cs typeface="Arial" panose="020B0604020202020204" pitchFamily="34" charset="0"/>
+                                </a:rPr>
+                              </m:ctrlPr>
+                            </m:accPr>
+                            <m:e>
+                              <m:r>
+                                <a:rPr lang="en-US" sz="2000" b="0" i="1" smtClean="0">
+                                  <a:latin typeface="Cambria Math" panose="02040503050406030204" pitchFamily="18" charset="0"/>
+                                  <a:cs typeface="Arial" panose="020B0604020202020204" pitchFamily="34" charset="0"/>
+                                </a:rPr>
+                                <m:t>𝐹</m:t>
+                              </m:r>
+                            </m:e>
+                          </m:acc>
+                        </m:oMath>
+                      </m:oMathPara>
+                    </a14:m>
+                    <a:endParaRPr lang="en-US" sz="2000" dirty="0">
+                      <a:latin typeface="Arial" panose="020B0604020202020204" pitchFamily="34" charset="0"/>
+                      <a:cs typeface="Arial" panose="020B0604020202020204" pitchFamily="34" charset="0"/>
+                    </a:endParaRPr>
+                  </a:p>
+                </p:txBody>
+              </p:sp>
+            </mc:Choice>
+            <mc:Fallback xmlns="">
+              <p:sp>
+                <p:nvSpPr>
+                  <p:cNvPr id="67" name="TextBox 66"/>
+                  <p:cNvSpPr txBox="1">
+                    <a:spLocks noRot="1" noChangeAspect="1" noMove="1" noResize="1" noEditPoints="1" noAdjustHandles="1" noChangeArrowheads="1" noChangeShapeType="1" noTextEdit="1"/>
+                  </p:cNvSpPr>
+                  <p:nvPr/>
+                </p:nvSpPr>
+                <p:spPr>
+                  <a:xfrm>
+                    <a:off x="7198735" y="3458167"/>
+                    <a:ext cx="237629" cy="345159"/>
+                  </a:xfrm>
+                  <a:prstGeom prst="rect">
+                    <a:avLst/>
+                  </a:prstGeom>
+                  <a:blipFill>
+                    <a:blip r:embed="rId15"/>
+                    <a:stretch>
+                      <a:fillRect l="-23077" t="-35088" r="-89744" b="-7018"/>
+                    </a:stretch>
+                  </a:blipFill>
+                </p:spPr>
+                <p:txBody>
+                  <a:bodyPr/>
+                  <a:lstStyle/>
+                  <a:p>
+                    <a:r>
+                      <a:rPr lang="en-US">
+                        <a:noFill/>
+                      </a:rPr>
+                      <a:t> </a:t>
+                    </a:r>
+                  </a:p>
+                </p:txBody>
+              </p:sp>
+            </mc:Fallback>
+          </mc:AlternateContent>
+        </p:grpSp>
+        <p:cxnSp>
+          <p:nvCxnSpPr>
+            <p:cNvPr id="3" name="Straight Arrow Connector 2"/>
+            <p:cNvCxnSpPr/>
+            <p:nvPr/>
+          </p:nvCxnSpPr>
+          <p:spPr>
+            <a:xfrm flipV="1">
+              <a:off x="5976202" y="2661920"/>
+              <a:ext cx="569343" cy="10160"/>
+            </a:xfrm>
+            <a:prstGeom prst="straightConnector1">
+              <a:avLst/>
+            </a:prstGeom>
+            <a:ln w="38100">
+              <a:solidFill>
+                <a:schemeClr val="tx1"/>
+              </a:solidFill>
+              <a:tailEnd type="triangle"/>
+            </a:ln>
+          </p:spPr>
+          <p:style>
+            <a:lnRef idx="1">
+              <a:schemeClr val="accent1"/>
+            </a:lnRef>
+            <a:fillRef idx="0">
+              <a:schemeClr val="accent1"/>
+            </a:fillRef>
+            <a:effectRef idx="0">
+              <a:schemeClr val="accent1"/>
+            </a:effectRef>
+            <a:fontRef idx="minor">
+              <a:schemeClr val="tx1"/>
+            </a:fontRef>
+          </p:style>
+        </p:cxnSp>
+        <mc:AlternateContent xmlns:mc="http://schemas.openxmlformats.org/markup-compatibility/2006">
+          <mc:Choice xmlns:a14="http://schemas.microsoft.com/office/drawing/2010/main" Requires="a14">
+            <p:sp>
+              <p:nvSpPr>
+                <p:cNvPr id="5" name="TextBox 4"/>
+                <p:cNvSpPr txBox="1"/>
+                <p:nvPr/>
+              </p:nvSpPr>
+              <p:spPr>
+                <a:xfrm>
+                  <a:off x="6145549" y="2341851"/>
+                  <a:ext cx="217495" cy="307777"/>
+                </a:xfrm>
+                <a:prstGeom prst="rect">
+                  <a:avLst/>
+                </a:prstGeom>
+                <a:noFill/>
+              </p:spPr>
+              <p:txBody>
+                <a:bodyPr wrap="none" lIns="0" tIns="0" rIns="0" bIns="0" rtlCol="0">
+                  <a:spAutoFit/>
+                </a:bodyPr>
+                <a:lstStyle/>
+                <a:p>
+                  <a14:m>
+                    <m:oMathPara xmlns:m="http://schemas.openxmlformats.org/officeDocument/2006/math">
+                      <m:oMathParaPr>
+                        <m:jc m:val="centerGroup"/>
+                      </m:oMathParaPr>
+                      <m:oMath xmlns:m="http://schemas.openxmlformats.org/officeDocument/2006/math">
+                        <m:acc>
+                          <m:accPr>
+                            <m:chr m:val="⃗"/>
+                            <m:ctrlPr>
+                              <a:rPr lang="en-US" sz="2000" b="0" i="1" smtClean="0">
+                                <a:latin typeface="Cambria Math" panose="02040503050406030204" pitchFamily="18" charset="0"/>
+                                <a:cs typeface="Arial" panose="020B0604020202020204" pitchFamily="34" charset="0"/>
+                              </a:rPr>
+                            </m:ctrlPr>
+                          </m:accPr>
+                          <m:e>
+                            <m:r>
+                              <a:rPr lang="en-US" sz="2000" b="0" i="1" smtClean="0">
+                                <a:latin typeface="Cambria Math" panose="02040503050406030204" pitchFamily="18" charset="0"/>
+                                <a:cs typeface="Arial" panose="020B0604020202020204" pitchFamily="34" charset="0"/>
+                              </a:rPr>
+                              <m:t>𝑣</m:t>
+                            </m:r>
+                          </m:e>
+                        </m:acc>
+                      </m:oMath>
+                    </m:oMathPara>
+                  </a14:m>
+                  <a:endParaRPr lang="en-US" sz="2000" dirty="0" smtClean="0">
+                    <a:latin typeface="Arial" panose="020B0604020202020204" pitchFamily="34" charset="0"/>
+                    <a:cs typeface="Arial" panose="020B0604020202020204" pitchFamily="34" charset="0"/>
+                  </a:endParaRPr>
+                </a:p>
+              </p:txBody>
+            </p:sp>
+          </mc:Choice>
+          <mc:Fallback>
+            <p:sp>
+              <p:nvSpPr>
+                <p:cNvPr id="5" name="TextBox 4"/>
+                <p:cNvSpPr txBox="1">
+                  <a:spLocks noRot="1" noChangeAspect="1" noMove="1" noResize="1" noEditPoints="1" noAdjustHandles="1" noChangeArrowheads="1" noChangeShapeType="1" noTextEdit="1"/>
+                </p:cNvSpPr>
+                <p:nvPr/>
+              </p:nvSpPr>
+              <p:spPr>
+                <a:xfrm>
+                  <a:off x="6145549" y="2341851"/>
+                  <a:ext cx="217495" cy="307777"/>
+                </a:xfrm>
+                <a:prstGeom prst="rect">
+                  <a:avLst/>
+                </a:prstGeom>
+                <a:blipFill>
+                  <a:blip r:embed="rId18"/>
+                  <a:stretch>
+                    <a:fillRect l="-19444" t="-33333" r="-94444" b="-5882"/>
                   </a:stretch>
                 </a:blipFill>
               </p:spPr>
@@ -7864,7 +8015,7 @@
                                 <a:solidFill>
                                   <a:srgbClr val="FF0000"/>
                                 </a:solidFill>
-                                <a:latin typeface="Cambria Math" charset="0"/>
+                                <a:latin typeface="Cambria Math" panose="02040503050406030204" pitchFamily="18" charset="0"/>
                                 <a:cs typeface="Arial" panose="020B0604020202020204" pitchFamily="34" charset="0"/>
                               </a:rPr>
                             </m:ctrlPr>
@@ -7974,7 +8125,7 @@
                                 <a:solidFill>
                                   <a:srgbClr val="FF0000"/>
                                 </a:solidFill>
-                                <a:latin typeface="Cambria Math" charset="0"/>
+                                <a:latin typeface="Cambria Math" panose="02040503050406030204" pitchFamily="18" charset="0"/>
                                 <a:cs typeface="Arial" panose="020B0604020202020204" pitchFamily="34" charset="0"/>
                               </a:rPr>
                             </m:ctrlPr>
@@ -8374,7 +8525,7 @@
                             <m:chr m:val="⃗"/>
                             <m:ctrlPr>
                               <a:rPr lang="en-US" sz="2000" b="0" i="1" smtClean="0">
-                                <a:latin typeface="Cambria Math" charset="0"/>
+                                <a:latin typeface="Cambria Math" panose="02040503050406030204" pitchFamily="18" charset="0"/>
                                 <a:cs typeface="Arial" panose="020B0604020202020204" pitchFamily="34" charset="0"/>
                               </a:rPr>
                             </m:ctrlPr>
@@ -8697,7 +8848,7 @@
                           <m:sSubPr>
                             <m:ctrlPr>
                               <a:rPr lang="en-US" sz="2000" b="0" i="1" smtClean="0">
-                                <a:latin typeface="Cambria Math" charset="0"/>
+                                <a:latin typeface="Cambria Math" panose="02040503050406030204" pitchFamily="18" charset="0"/>
                                 <a:cs typeface="Arial" panose="020B0604020202020204" pitchFamily="34" charset="0"/>
                               </a:rPr>
                             </m:ctrlPr>
@@ -8708,7 +8859,7 @@
                                 <m:chr m:val="⃗"/>
                                 <m:ctrlPr>
                                   <a:rPr lang="en-US" sz="2000" b="0" i="1" smtClean="0">
-                                    <a:latin typeface="Cambria Math" charset="0"/>
+                                    <a:latin typeface="Cambria Math" panose="02040503050406030204" pitchFamily="18" charset="0"/>
                                     <a:cs typeface="Arial" panose="020B0604020202020204" pitchFamily="34" charset="0"/>
                                   </a:rPr>
                                 </m:ctrlPr>
@@ -8819,7 +8970,7 @@
                           <m:sSubPr>
                             <m:ctrlPr>
                               <a:rPr lang="en-US" sz="2000" b="0" i="1" smtClean="0">
-                                <a:latin typeface="Cambria Math" charset="0"/>
+                                <a:latin typeface="Cambria Math" panose="02040503050406030204" pitchFamily="18" charset="0"/>
                                 <a:cs typeface="Arial" panose="020B0604020202020204" pitchFamily="34" charset="0"/>
                               </a:rPr>
                             </m:ctrlPr>
@@ -8830,7 +8981,7 @@
                                 <m:chr m:val="⃗"/>
                                 <m:ctrlPr>
                                   <a:rPr lang="en-US" sz="2000" b="0" i="1" smtClean="0">
-                                    <a:latin typeface="Cambria Math" charset="0"/>
+                                    <a:latin typeface="Cambria Math" panose="02040503050406030204" pitchFamily="18" charset="0"/>
                                     <a:cs typeface="Arial" panose="020B0604020202020204" pitchFamily="34" charset="0"/>
                                   </a:rPr>
                                 </m:ctrlPr>
@@ -8957,7 +9108,7 @@
                             <m:chr m:val="⃗"/>
                             <m:ctrlPr>
                               <a:rPr lang="en-US" sz="2000" b="0" i="1" smtClean="0">
-                                <a:latin typeface="Cambria Math" charset="0"/>
+                                <a:latin typeface="Cambria Math" panose="02040503050406030204" pitchFamily="18" charset="0"/>
                                 <a:cs typeface="Arial" panose="020B0604020202020204" pitchFamily="34" charset="0"/>
                               </a:rPr>
                             </m:ctrlPr>
@@ -9244,7 +9395,7 @@
                           <m:sSubPr>
                             <m:ctrlPr>
                               <a:rPr lang="en-US" sz="2000" b="0" i="1" smtClean="0">
-                                <a:latin typeface="Cambria Math" charset="0"/>
+                                <a:latin typeface="Cambria Math" panose="02040503050406030204" pitchFamily="18" charset="0"/>
                                 <a:cs typeface="Arial" panose="020B0604020202020204" pitchFamily="34" charset="0"/>
                               </a:rPr>
                             </m:ctrlPr>
@@ -9255,7 +9406,7 @@
                                 <m:chr m:val="⃗"/>
                                 <m:ctrlPr>
                                   <a:rPr lang="en-US" sz="2000" b="0" i="1" smtClean="0">
-                                    <a:latin typeface="Cambria Math" charset="0"/>
+                                    <a:latin typeface="Cambria Math" panose="02040503050406030204" pitchFamily="18" charset="0"/>
                                     <a:cs typeface="Arial" panose="020B0604020202020204" pitchFamily="34" charset="0"/>
                                   </a:rPr>
                                 </m:ctrlPr>
@@ -9953,7 +10104,7 @@
                           <m:sSubSupPr>
                             <m:ctrlPr>
                               <a:rPr lang="en-US" sz="2000" b="0" i="1" smtClean="0">
-                                <a:latin typeface="Cambria Math" charset="0"/>
+                                <a:latin typeface="Cambria Math" panose="02040503050406030204" pitchFamily="18" charset="0"/>
                                 <a:cs typeface="Arial" panose="020B0604020202020204" pitchFamily="34" charset="0"/>
                               </a:rPr>
                             </m:ctrlPr>
@@ -9964,7 +10115,7 @@
                                 <m:chr m:val="⃗"/>
                                 <m:ctrlPr>
                                   <a:rPr lang="en-US" sz="2000" b="0" i="1" smtClean="0">
-                                    <a:latin typeface="Cambria Math" charset="0"/>
+                                    <a:latin typeface="Cambria Math" panose="02040503050406030204" pitchFamily="18" charset="0"/>
                                     <a:cs typeface="Arial" panose="020B0604020202020204" pitchFamily="34" charset="0"/>
                                   </a:rPr>
                                 </m:ctrlPr>
@@ -10120,7 +10271,7 @@
                           <m:sSupPr>
                             <m:ctrlPr>
                               <a:rPr lang="en-US" sz="2000" b="0" i="1" smtClean="0">
-                                <a:latin typeface="Cambria Math" charset="0"/>
+                                <a:latin typeface="Cambria Math" panose="02040503050406030204" pitchFamily="18" charset="0"/>
                                 <a:cs typeface="Arial" panose="020B0604020202020204" pitchFamily="34" charset="0"/>
                               </a:rPr>
                             </m:ctrlPr>
@@ -10131,7 +10282,7 @@
                                 <m:chr m:val="⃗"/>
                                 <m:ctrlPr>
                                   <a:rPr lang="en-US" sz="2000" b="0" i="1" smtClean="0">
-                                    <a:latin typeface="Cambria Math" charset="0"/>
+                                    <a:latin typeface="Cambria Math" panose="02040503050406030204" pitchFamily="18" charset="0"/>
                                     <a:cs typeface="Arial" panose="020B0604020202020204" pitchFamily="34" charset="0"/>
                                   </a:rPr>
                                 </m:ctrlPr>
@@ -10278,7 +10429,7 @@
                           <m:sSubSupPr>
                             <m:ctrlPr>
                               <a:rPr lang="en-US" sz="2000" b="0" i="1" smtClean="0">
-                                <a:latin typeface="Cambria Math" charset="0"/>
+                                <a:latin typeface="Cambria Math" panose="02040503050406030204" pitchFamily="18" charset="0"/>
                                 <a:cs typeface="Arial" panose="020B0604020202020204" pitchFamily="34" charset="0"/>
                               </a:rPr>
                             </m:ctrlPr>
@@ -10289,7 +10440,7 @@
                                 <m:chr m:val="⃗"/>
                                 <m:ctrlPr>
                                   <a:rPr lang="en-US" sz="2000" b="0" i="1" smtClean="0">
-                                    <a:latin typeface="Cambria Math" charset="0"/>
+                                    <a:latin typeface="Cambria Math" panose="02040503050406030204" pitchFamily="18" charset="0"/>
                                     <a:cs typeface="Arial" panose="020B0604020202020204" pitchFamily="34" charset="0"/>
                                   </a:rPr>
                                 </m:ctrlPr>
@@ -10556,7 +10707,7 @@
                                 <a:solidFill>
                                   <a:schemeClr val="tx1"/>
                                 </a:solidFill>
-                                <a:latin typeface="Cambria Math" charset="0"/>
+                                <a:latin typeface="Cambria Math" panose="02040503050406030204" pitchFamily="18" charset="0"/>
                                 <a:cs typeface="Arial" panose="020B0604020202020204" pitchFamily="34" charset="0"/>
                               </a:rPr>
                             </m:ctrlPr>
@@ -10570,7 +10721,7 @@
                                     <a:solidFill>
                                       <a:schemeClr val="tx1"/>
                                     </a:solidFill>
-                                    <a:latin typeface="Cambria Math" charset="0"/>
+                                    <a:latin typeface="Cambria Math" panose="02040503050406030204" pitchFamily="18" charset="0"/>
                                     <a:cs typeface="Arial" panose="020B0604020202020204" pitchFamily="34" charset="0"/>
                                   </a:rPr>
                                 </m:ctrlPr>
@@ -10705,7 +10856,7 @@
                                 <a:solidFill>
                                   <a:schemeClr val="tx1"/>
                                 </a:solidFill>
-                                <a:latin typeface="Cambria Math" charset="0"/>
+                                <a:latin typeface="Cambria Math" panose="02040503050406030204" pitchFamily="18" charset="0"/>
                                 <a:cs typeface="Arial" panose="020B0604020202020204" pitchFamily="34" charset="0"/>
                               </a:rPr>
                             </m:ctrlPr>
@@ -10719,7 +10870,7 @@
                                     <a:solidFill>
                                       <a:schemeClr val="tx1"/>
                                     </a:solidFill>
-                                    <a:latin typeface="Cambria Math" charset="0"/>
+                                    <a:latin typeface="Cambria Math" panose="02040503050406030204" pitchFamily="18" charset="0"/>
                                     <a:cs typeface="Arial" panose="020B0604020202020204" pitchFamily="34" charset="0"/>
                                   </a:rPr>
                                 </m:ctrlPr>
@@ -10854,7 +11005,7 @@
                                 <a:solidFill>
                                   <a:schemeClr val="tx1"/>
                                 </a:solidFill>
-                                <a:latin typeface="Cambria Math" charset="0"/>
+                                <a:latin typeface="Cambria Math" panose="02040503050406030204" pitchFamily="18" charset="0"/>
                                 <a:cs typeface="Arial" panose="020B0604020202020204" pitchFamily="34" charset="0"/>
                               </a:rPr>
                             </m:ctrlPr>
@@ -10868,7 +11019,7 @@
                                     <a:solidFill>
                                       <a:schemeClr val="tx1"/>
                                     </a:solidFill>
-                                    <a:latin typeface="Cambria Math" charset="0"/>
+                                    <a:latin typeface="Cambria Math" panose="02040503050406030204" pitchFamily="18" charset="0"/>
                                     <a:cs typeface="Arial" panose="020B0604020202020204" pitchFamily="34" charset="0"/>
                                   </a:rPr>
                                 </m:ctrlPr>
@@ -10991,7 +11142,7 @@
                                 <a:solidFill>
                                   <a:schemeClr val="tx1"/>
                                 </a:solidFill>
-                                <a:latin typeface="Cambria Math" charset="0"/>
+                                <a:latin typeface="Cambria Math" panose="02040503050406030204" pitchFamily="18" charset="0"/>
                                 <a:cs typeface="Arial" panose="020B0604020202020204" pitchFamily="34" charset="0"/>
                               </a:rPr>
                             </m:ctrlPr>
@@ -11005,7 +11156,7 @@
                                     <a:solidFill>
                                       <a:schemeClr val="tx1"/>
                                     </a:solidFill>
-                                    <a:latin typeface="Cambria Math" charset="0"/>
+                                    <a:latin typeface="Cambria Math" panose="02040503050406030204" pitchFamily="18" charset="0"/>
                                     <a:cs typeface="Arial" panose="020B0604020202020204" pitchFamily="34" charset="0"/>
                                   </a:rPr>
                                 </m:ctrlPr>
@@ -11347,7 +11498,7 @@
                                 <a:solidFill>
                                   <a:schemeClr val="tx1"/>
                                 </a:solidFill>
-                                <a:latin typeface="Cambria Math" charset="0"/>
+                                <a:latin typeface="Cambria Math" panose="02040503050406030204" pitchFamily="18" charset="0"/>
                                 <a:cs typeface="Arial" panose="020B0604020202020204" pitchFamily="34" charset="0"/>
                               </a:rPr>
                             </m:ctrlPr>
@@ -11361,7 +11512,7 @@
                                     <a:solidFill>
                                       <a:schemeClr val="tx1"/>
                                     </a:solidFill>
-                                    <a:latin typeface="Cambria Math" charset="0"/>
+                                    <a:latin typeface="Cambria Math" panose="02040503050406030204" pitchFamily="18" charset="0"/>
                                     <a:cs typeface="Arial" panose="020B0604020202020204" pitchFamily="34" charset="0"/>
                                   </a:rPr>
                                 </m:ctrlPr>
@@ -11496,7 +11647,7 @@
                                 <a:solidFill>
                                   <a:schemeClr val="tx1"/>
                                 </a:solidFill>
-                                <a:latin typeface="Cambria Math" charset="0"/>
+                                <a:latin typeface="Cambria Math" panose="02040503050406030204" pitchFamily="18" charset="0"/>
                                 <a:cs typeface="Arial" panose="020B0604020202020204" pitchFamily="34" charset="0"/>
                               </a:rPr>
                             </m:ctrlPr>
@@ -11510,7 +11661,7 @@
                                     <a:solidFill>
                                       <a:schemeClr val="tx1"/>
                                     </a:solidFill>
-                                    <a:latin typeface="Cambria Math" charset="0"/>
+                                    <a:latin typeface="Cambria Math" panose="02040503050406030204" pitchFamily="18" charset="0"/>
                                     <a:cs typeface="Arial" panose="020B0604020202020204" pitchFamily="34" charset="0"/>
                                   </a:rPr>
                                 </m:ctrlPr>
@@ -11645,7 +11796,7 @@
                                 <a:solidFill>
                                   <a:schemeClr val="tx1"/>
                                 </a:solidFill>
-                                <a:latin typeface="Cambria Math" charset="0"/>
+                                <a:latin typeface="Cambria Math" panose="02040503050406030204" pitchFamily="18" charset="0"/>
                                 <a:cs typeface="Arial" panose="020B0604020202020204" pitchFamily="34" charset="0"/>
                               </a:rPr>
                             </m:ctrlPr>
@@ -11659,7 +11810,7 @@
                                     <a:solidFill>
                                       <a:schemeClr val="tx1"/>
                                     </a:solidFill>
-                                    <a:latin typeface="Cambria Math" charset="0"/>
+                                    <a:latin typeface="Cambria Math" panose="02040503050406030204" pitchFamily="18" charset="0"/>
                                     <a:cs typeface="Arial" panose="020B0604020202020204" pitchFamily="34" charset="0"/>
                                   </a:rPr>
                                 </m:ctrlPr>
@@ -11782,7 +11933,7 @@
                                 <a:solidFill>
                                   <a:schemeClr val="tx1"/>
                                 </a:solidFill>
-                                <a:latin typeface="Cambria Math" charset="0"/>
+                                <a:latin typeface="Cambria Math" panose="02040503050406030204" pitchFamily="18" charset="0"/>
                                 <a:cs typeface="Arial" panose="020B0604020202020204" pitchFamily="34" charset="0"/>
                               </a:rPr>
                             </m:ctrlPr>
@@ -11796,7 +11947,7 @@
                                     <a:solidFill>
                                       <a:schemeClr val="tx1"/>
                                     </a:solidFill>
-                                    <a:latin typeface="Cambria Math" charset="0"/>
+                                    <a:latin typeface="Cambria Math" panose="02040503050406030204" pitchFamily="18" charset="0"/>
                                     <a:cs typeface="Arial" panose="020B0604020202020204" pitchFamily="34" charset="0"/>
                                   </a:rPr>
                                 </m:ctrlPr>
@@ -12060,7 +12211,7 @@
                           <m:sSubSupPr>
                             <m:ctrlPr>
                               <a:rPr lang="en-US" sz="2000" b="0" i="1" smtClean="0">
-                                <a:latin typeface="Cambria Math" charset="0"/>
+                                <a:latin typeface="Cambria Math" panose="02040503050406030204" pitchFamily="18" charset="0"/>
                                 <a:cs typeface="Arial" panose="020B0604020202020204" pitchFamily="34" charset="0"/>
                               </a:rPr>
                             </m:ctrlPr>
@@ -12071,7 +12222,7 @@
                                 <m:chr m:val="⃗"/>
                                 <m:ctrlPr>
                                   <a:rPr lang="en-US" sz="2000" b="0" i="1" smtClean="0">
-                                    <a:latin typeface="Cambria Math" charset="0"/>
+                                    <a:latin typeface="Cambria Math" panose="02040503050406030204" pitchFamily="18" charset="0"/>
                                     <a:cs typeface="Arial" panose="020B0604020202020204" pitchFamily="34" charset="0"/>
                                   </a:rPr>
                                 </m:ctrlPr>
@@ -12227,7 +12378,7 @@
                           <m:sSupPr>
                             <m:ctrlPr>
                               <a:rPr lang="en-US" sz="2000" b="0" i="1" smtClean="0">
-                                <a:latin typeface="Cambria Math" charset="0"/>
+                                <a:latin typeface="Cambria Math" panose="02040503050406030204" pitchFamily="18" charset="0"/>
                                 <a:cs typeface="Arial" panose="020B0604020202020204" pitchFamily="34" charset="0"/>
                               </a:rPr>
                             </m:ctrlPr>
@@ -12238,7 +12389,7 @@
                                 <m:chr m:val="⃗"/>
                                 <m:ctrlPr>
                                   <a:rPr lang="en-US" sz="2000" b="0" i="1" smtClean="0">
-                                    <a:latin typeface="Cambria Math" charset="0"/>
+                                    <a:latin typeface="Cambria Math" panose="02040503050406030204" pitchFamily="18" charset="0"/>
                                     <a:cs typeface="Arial" panose="020B0604020202020204" pitchFamily="34" charset="0"/>
                                   </a:rPr>
                                 </m:ctrlPr>
@@ -12385,7 +12536,7 @@
                           <m:sSubSupPr>
                             <m:ctrlPr>
                               <a:rPr lang="en-US" sz="2000" b="0" i="1" smtClean="0">
-                                <a:latin typeface="Cambria Math" charset="0"/>
+                                <a:latin typeface="Cambria Math" panose="02040503050406030204" pitchFamily="18" charset="0"/>
                                 <a:cs typeface="Arial" panose="020B0604020202020204" pitchFamily="34" charset="0"/>
                               </a:rPr>
                             </m:ctrlPr>
@@ -12396,7 +12547,7 @@
                                 <m:chr m:val="⃗"/>
                                 <m:ctrlPr>
                                   <a:rPr lang="en-US" sz="2000" b="0" i="1" smtClean="0">
-                                    <a:latin typeface="Cambria Math" charset="0"/>
+                                    <a:latin typeface="Cambria Math" panose="02040503050406030204" pitchFamily="18" charset="0"/>
                                     <a:cs typeface="Arial" panose="020B0604020202020204" pitchFamily="34" charset="0"/>
                                   </a:rPr>
                                 </m:ctrlPr>
@@ -12675,7 +12826,7 @@
                             <m:sSubPr>
                               <m:ctrlPr>
                                 <a:rPr lang="en-US" sz="2000" b="0" i="1" smtClean="0">
-                                  <a:latin typeface="Cambria Math" charset="0"/>
+                                  <a:latin typeface="Cambria Math" panose="02040503050406030204" pitchFamily="18" charset="0"/>
                                   <a:cs typeface="Arial" panose="020B0604020202020204" pitchFamily="34" charset="0"/>
                                 </a:rPr>
                               </m:ctrlPr>
@@ -12834,7 +12985,7 @@
                             <m:sSubPr>
                               <m:ctrlPr>
                                 <a:rPr lang="en-US" sz="2000" b="0" i="1" smtClean="0">
-                                  <a:latin typeface="Cambria Math" charset="0"/>
+                                  <a:latin typeface="Cambria Math" panose="02040503050406030204" pitchFamily="18" charset="0"/>
                                   <a:cs typeface="Arial" panose="020B0604020202020204" pitchFamily="34" charset="0"/>
                                 </a:rPr>
                               </m:ctrlPr>
@@ -13114,7 +13265,7 @@
                             <m:chr m:val="⃗"/>
                             <m:ctrlPr>
                               <a:rPr lang="en-US" sz="2000" b="0" i="1" smtClean="0">
-                                <a:latin typeface="Cambria Math" charset="0"/>
+                                <a:latin typeface="Cambria Math" panose="02040503050406030204" pitchFamily="18" charset="0"/>
                                 <a:cs typeface="Arial" panose="020B0604020202020204" pitchFamily="34" charset="0"/>
                               </a:rPr>
                             </m:ctrlPr>
@@ -13627,7 +13778,7 @@
                             <m:sSubPr>
                               <m:ctrlPr>
                                 <a:rPr lang="en-US" sz="2000" b="0" i="1" smtClean="0">
-                                  <a:latin typeface="Cambria Math" charset="0"/>
+                                  <a:latin typeface="Cambria Math" panose="02040503050406030204" pitchFamily="18" charset="0"/>
                                   <a:cs typeface="Arial" panose="020B0604020202020204" pitchFamily="34" charset="0"/>
                                 </a:rPr>
                               </m:ctrlPr>
@@ -13638,7 +13789,7 @@
                                   <m:chr m:val="⃗"/>
                                   <m:ctrlPr>
                                     <a:rPr lang="en-US" sz="2000" b="0" i="1" smtClean="0">
-                                      <a:latin typeface="Cambria Math" charset="0"/>
+                                      <a:latin typeface="Cambria Math" panose="02040503050406030204" pitchFamily="18" charset="0"/>
                                       <a:cs typeface="Arial" panose="020B0604020202020204" pitchFamily="34" charset="0"/>
                                     </a:rPr>
                                   </m:ctrlPr>
@@ -13756,7 +13907,7 @@
                             <m:sSubPr>
                               <m:ctrlPr>
                                 <a:rPr lang="en-US" sz="2000" b="0" i="1" smtClean="0">
-                                  <a:latin typeface="Cambria Math" charset="0"/>
+                                  <a:latin typeface="Cambria Math" panose="02040503050406030204" pitchFamily="18" charset="0"/>
                                   <a:cs typeface="Arial" panose="020B0604020202020204" pitchFamily="34" charset="0"/>
                                 </a:rPr>
                               </m:ctrlPr>
@@ -13767,7 +13918,7 @@
                                   <m:chr m:val="⃗"/>
                                   <m:ctrlPr>
                                     <a:rPr lang="en-US" sz="2000" b="0" i="1" smtClean="0">
-                                      <a:latin typeface="Cambria Math" charset="0"/>
+                                      <a:latin typeface="Cambria Math" panose="02040503050406030204" pitchFamily="18" charset="0"/>
                                       <a:cs typeface="Arial" panose="020B0604020202020204" pitchFamily="34" charset="0"/>
                                     </a:rPr>
                                   </m:ctrlPr>
@@ -13878,7 +14029,7 @@
                             <m:sSubPr>
                               <m:ctrlPr>
                                 <a:rPr lang="en-US" sz="2000" b="0" i="1" smtClean="0">
-                                  <a:latin typeface="Cambria Math" charset="0"/>
+                                  <a:latin typeface="Cambria Math" panose="02040503050406030204" pitchFamily="18" charset="0"/>
                                   <a:cs typeface="Arial" panose="020B0604020202020204" pitchFamily="34" charset="0"/>
                                 </a:rPr>
                               </m:ctrlPr>
@@ -13889,7 +14040,7 @@
                                   <m:chr m:val="⃗"/>
                                   <m:ctrlPr>
                                     <a:rPr lang="en-US" sz="2000" b="0" i="1" smtClean="0">
-                                      <a:latin typeface="Cambria Math" charset="0"/>
+                                      <a:latin typeface="Cambria Math" panose="02040503050406030204" pitchFamily="18" charset="0"/>
                                       <a:cs typeface="Arial" panose="020B0604020202020204" pitchFamily="34" charset="0"/>
                                     </a:rPr>
                                   </m:ctrlPr>
@@ -14000,7 +14151,7 @@
                             <m:sSubPr>
                               <m:ctrlPr>
                                 <a:rPr lang="en-US" sz="2000" b="0" i="1" smtClean="0">
-                                  <a:latin typeface="Cambria Math" charset="0"/>
+                                  <a:latin typeface="Cambria Math" panose="02040503050406030204" pitchFamily="18" charset="0"/>
                                   <a:cs typeface="Arial" panose="020B0604020202020204" pitchFamily="34" charset="0"/>
                                 </a:rPr>
                               </m:ctrlPr>
@@ -14011,7 +14162,7 @@
                                   <m:chr m:val="⃗"/>
                                   <m:ctrlPr>
                                     <a:rPr lang="en-US" sz="2000" b="0" i="1" smtClean="0">
-                                      <a:latin typeface="Cambria Math" charset="0"/>
+                                      <a:latin typeface="Cambria Math" panose="02040503050406030204" pitchFamily="18" charset="0"/>
                                       <a:cs typeface="Arial" panose="020B0604020202020204" pitchFamily="34" charset="0"/>
                                     </a:rPr>
                                   </m:ctrlPr>
@@ -14129,7 +14280,7 @@
                             <m:sSubPr>
                               <m:ctrlPr>
                                 <a:rPr lang="en-US" sz="2000" b="0" i="1" smtClean="0">
-                                  <a:latin typeface="Cambria Math" charset="0"/>
+                                  <a:latin typeface="Cambria Math" panose="02040503050406030204" pitchFamily="18" charset="0"/>
                                   <a:cs typeface="Arial" panose="020B0604020202020204" pitchFamily="34" charset="0"/>
                                 </a:rPr>
                               </m:ctrlPr>
@@ -14140,7 +14291,7 @@
                                   <m:chr m:val="⃗"/>
                                   <m:ctrlPr>
                                     <a:rPr lang="en-US" sz="2000" b="0" i="1" smtClean="0">
-                                      <a:latin typeface="Cambria Math" charset="0"/>
+                                      <a:latin typeface="Cambria Math" panose="02040503050406030204" pitchFamily="18" charset="0"/>
                                       <a:cs typeface="Arial" panose="020B0604020202020204" pitchFamily="34" charset="0"/>
                                     </a:rPr>
                                   </m:ctrlPr>
@@ -14258,7 +14409,7 @@
                             <m:sSubPr>
                               <m:ctrlPr>
                                 <a:rPr lang="en-US" sz="2000" b="0" i="1" smtClean="0">
-                                  <a:latin typeface="Cambria Math" charset="0"/>
+                                  <a:latin typeface="Cambria Math" panose="02040503050406030204" pitchFamily="18" charset="0"/>
                                   <a:cs typeface="Arial" panose="020B0604020202020204" pitchFamily="34" charset="0"/>
                                 </a:rPr>
                               </m:ctrlPr>
@@ -14269,7 +14420,7 @@
                                   <m:chr m:val="⃗"/>
                                   <m:ctrlPr>
                                     <a:rPr lang="en-US" sz="2000" b="0" i="1" smtClean="0">
-                                      <a:latin typeface="Cambria Math" charset="0"/>
+                                      <a:latin typeface="Cambria Math" panose="02040503050406030204" pitchFamily="18" charset="0"/>
                                       <a:cs typeface="Arial" panose="020B0604020202020204" pitchFamily="34" charset="0"/>
                                     </a:rPr>
                                   </m:ctrlPr>
@@ -14388,7 +14539,7 @@
                               <m:chr m:val="⃗"/>
                               <m:ctrlPr>
                                 <a:rPr lang="en-US" sz="2000" b="0" i="1" smtClean="0">
-                                  <a:latin typeface="Cambria Math" charset="0"/>
+                                  <a:latin typeface="Cambria Math" panose="02040503050406030204" pitchFamily="18" charset="0"/>
                                   <a:cs typeface="Arial" panose="020B0604020202020204" pitchFamily="34" charset="0"/>
                                 </a:rPr>
                               </m:ctrlPr>
@@ -14496,7 +14647,7 @@
                               <m:chr m:val="⃗"/>
                               <m:ctrlPr>
                                 <a:rPr lang="en-US" sz="2000" b="0" i="1" smtClean="0">
-                                  <a:latin typeface="Cambria Math" charset="0"/>
+                                  <a:latin typeface="Cambria Math" panose="02040503050406030204" pitchFamily="18" charset="0"/>
                                   <a:cs typeface="Arial" panose="020B0604020202020204" pitchFamily="34" charset="0"/>
                                 </a:rPr>
                               </m:ctrlPr>
@@ -14596,7 +14747,7 @@
                             <m:sSubPr>
                               <m:ctrlPr>
                                 <a:rPr lang="en-US" sz="2000" b="0" i="1" smtClean="0">
-                                  <a:latin typeface="Cambria Math" charset="0"/>
+                                  <a:latin typeface="Cambria Math" panose="02040503050406030204" pitchFamily="18" charset="0"/>
                                   <a:cs typeface="Arial" panose="020B0604020202020204" pitchFamily="34" charset="0"/>
                                 </a:rPr>
                               </m:ctrlPr>
@@ -14705,7 +14856,7 @@
                             <m:sSubPr>
                               <m:ctrlPr>
                                 <a:rPr lang="en-US" sz="2000" b="0" i="1" smtClean="0">
-                                  <a:latin typeface="Cambria Math" charset="0"/>
+                                  <a:latin typeface="Cambria Math" panose="02040503050406030204" pitchFamily="18" charset="0"/>
                                   <a:cs typeface="Arial" panose="020B0604020202020204" pitchFamily="34" charset="0"/>
                                 </a:rPr>
                               </m:ctrlPr>
@@ -14863,7 +15014,7 @@
                               <m:chr m:val="⃗"/>
                               <m:ctrlPr>
                                 <a:rPr lang="en-US" sz="2000" b="0" i="1" smtClean="0">
-                                  <a:latin typeface="Cambria Math" charset="0"/>
+                                  <a:latin typeface="Cambria Math" panose="02040503050406030204" pitchFamily="18" charset="0"/>
                                   <a:cs typeface="Arial" panose="020B0604020202020204" pitchFamily="34" charset="0"/>
                                 </a:rPr>
                               </m:ctrlPr>
@@ -15012,7 +15163,7 @@
                               <m:chr m:val="⃗"/>
                               <m:ctrlPr>
                                 <a:rPr lang="en-US" sz="2000" b="0" i="1" smtClean="0">
-                                  <a:latin typeface="Cambria Math" charset="0"/>
+                                  <a:latin typeface="Cambria Math" panose="02040503050406030204" pitchFamily="18" charset="0"/>
                                   <a:cs typeface="Arial" panose="020B0604020202020204" pitchFamily="34" charset="0"/>
                                 </a:rPr>
                               </m:ctrlPr>
@@ -15544,7 +15695,7 @@
                         <m:sSubPr>
                           <m:ctrlPr>
                             <a:rPr lang="en-US" sz="2000" b="0" i="1" smtClean="0">
-                              <a:latin typeface="Cambria Math" charset="0"/>
+                              <a:latin typeface="Cambria Math" panose="02040503050406030204" pitchFamily="18" charset="0"/>
                               <a:cs typeface="Arial" panose="020B0604020202020204" pitchFamily="34" charset="0"/>
                             </a:rPr>
                           </m:ctrlPr>
@@ -15555,7 +15706,7 @@
                               <m:chr m:val="⃗"/>
                               <m:ctrlPr>
                                 <a:rPr lang="en-US" sz="2000" b="0" i="1" smtClean="0">
-                                  <a:latin typeface="Cambria Math" charset="0"/>
+                                  <a:latin typeface="Cambria Math" panose="02040503050406030204" pitchFamily="18" charset="0"/>
                                   <a:cs typeface="Arial" panose="020B0604020202020204" pitchFamily="34" charset="0"/>
                                 </a:rPr>
                               </m:ctrlPr>
@@ -15666,7 +15817,7 @@
                         <m:sSubPr>
                           <m:ctrlPr>
                             <a:rPr lang="en-US" sz="2000" b="0" i="1" smtClean="0">
-                              <a:latin typeface="Cambria Math" charset="0"/>
+                              <a:latin typeface="Cambria Math" panose="02040503050406030204" pitchFamily="18" charset="0"/>
                               <a:cs typeface="Arial" panose="020B0604020202020204" pitchFamily="34" charset="0"/>
                             </a:rPr>
                           </m:ctrlPr>
@@ -15677,7 +15828,7 @@
                               <m:chr m:val="⃗"/>
                               <m:ctrlPr>
                                 <a:rPr lang="en-US" sz="2000" b="0" i="1" smtClean="0">
-                                  <a:latin typeface="Cambria Math" charset="0"/>
+                                  <a:latin typeface="Cambria Math" panose="02040503050406030204" pitchFamily="18" charset="0"/>
                                   <a:cs typeface="Arial" panose="020B0604020202020204" pitchFamily="34" charset="0"/>
                                 </a:rPr>
                               </m:ctrlPr>
@@ -15795,7 +15946,7 @@
                         <m:sSubPr>
                           <m:ctrlPr>
                             <a:rPr lang="en-US" sz="2000" b="0" i="1" smtClean="0">
-                              <a:latin typeface="Cambria Math" charset="0"/>
+                              <a:latin typeface="Cambria Math" panose="02040503050406030204" pitchFamily="18" charset="0"/>
                               <a:cs typeface="Arial" panose="020B0604020202020204" pitchFamily="34" charset="0"/>
                             </a:rPr>
                           </m:ctrlPr>
@@ -15806,7 +15957,7 @@
                               <m:chr m:val="⃗"/>
                               <m:ctrlPr>
                                 <a:rPr lang="en-US" sz="2000" b="0" i="1" smtClean="0">
-                                  <a:latin typeface="Cambria Math" charset="0"/>
+                                  <a:latin typeface="Cambria Math" panose="02040503050406030204" pitchFamily="18" charset="0"/>
                                   <a:cs typeface="Arial" panose="020B0604020202020204" pitchFamily="34" charset="0"/>
                                 </a:rPr>
                               </m:ctrlPr>
@@ -15932,7 +16083,7 @@
                           <m:chr m:val="⃗"/>
                           <m:ctrlPr>
                             <a:rPr lang="en-US" sz="2000" b="0" i="1" smtClean="0">
-                              <a:latin typeface="Cambria Math" charset="0"/>
+                              <a:latin typeface="Cambria Math" panose="02040503050406030204" pitchFamily="18" charset="0"/>
                               <a:cs typeface="Arial" panose="020B0604020202020204" pitchFamily="34" charset="0"/>
                             </a:rPr>
                           </m:ctrlPr>
@@ -16032,7 +16183,7 @@
                         <m:sSubPr>
                           <m:ctrlPr>
                             <a:rPr lang="en-US" sz="2000" b="0" i="1" smtClean="0">
-                              <a:latin typeface="Cambria Math" charset="0"/>
+                              <a:latin typeface="Cambria Math" panose="02040503050406030204" pitchFamily="18" charset="0"/>
                               <a:cs typeface="Arial" panose="020B0604020202020204" pitchFamily="34" charset="0"/>
                             </a:rPr>
                           </m:ctrlPr>
@@ -16190,7 +16341,7 @@
                           <m:chr m:val="⃗"/>
                           <m:ctrlPr>
                             <a:rPr lang="en-US" sz="2000" b="0" i="1" smtClean="0">
-                              <a:latin typeface="Cambria Math" charset="0"/>
+                              <a:latin typeface="Cambria Math" panose="02040503050406030204" pitchFamily="18" charset="0"/>
                               <a:cs typeface="Arial" panose="020B0604020202020204" pitchFamily="34" charset="0"/>
                             </a:rPr>
                           </m:ctrlPr>
@@ -16993,7 +17144,7 @@
                           <m:sSubPr>
                             <m:ctrlPr>
                               <a:rPr lang="en-US" sz="2000" b="0" i="1" smtClean="0">
-                                <a:latin typeface="Cambria Math" charset="0"/>
+                                <a:latin typeface="Cambria Math" panose="02040503050406030204" pitchFamily="18" charset="0"/>
                                 <a:cs typeface="Arial" panose="020B0604020202020204" pitchFamily="34" charset="0"/>
                               </a:rPr>
                             </m:ctrlPr>
@@ -17004,7 +17155,7 @@
                                 <m:chr m:val="⃗"/>
                                 <m:ctrlPr>
                                   <a:rPr lang="en-US" sz="2000" b="0" i="1" smtClean="0">
-                                    <a:latin typeface="Cambria Math" charset="0"/>
+                                    <a:latin typeface="Cambria Math" panose="02040503050406030204" pitchFamily="18" charset="0"/>
                                     <a:cs typeface="Arial" panose="020B0604020202020204" pitchFamily="34" charset="0"/>
                                   </a:rPr>
                                 </m:ctrlPr>
@@ -17122,7 +17273,7 @@
                           <m:sSubPr>
                             <m:ctrlPr>
                               <a:rPr lang="en-US" sz="2000" b="0" i="1" smtClean="0">
-                                <a:latin typeface="Cambria Math" charset="0"/>
+                                <a:latin typeface="Cambria Math" panose="02040503050406030204" pitchFamily="18" charset="0"/>
                                 <a:cs typeface="Arial" panose="020B0604020202020204" pitchFamily="34" charset="0"/>
                               </a:rPr>
                             </m:ctrlPr>
@@ -17133,7 +17284,7 @@
                                 <m:chr m:val="⃗"/>
                                 <m:ctrlPr>
                                   <a:rPr lang="en-US" sz="2000" b="0" i="1" smtClean="0">
-                                    <a:latin typeface="Cambria Math" charset="0"/>
+                                    <a:latin typeface="Cambria Math" panose="02040503050406030204" pitchFamily="18" charset="0"/>
                                     <a:cs typeface="Arial" panose="020B0604020202020204" pitchFamily="34" charset="0"/>
                                   </a:rPr>
                                 </m:ctrlPr>
@@ -17244,7 +17395,7 @@
                           <m:sSubPr>
                             <m:ctrlPr>
                               <a:rPr lang="en-US" sz="2000" b="0" i="1" smtClean="0">
-                                <a:latin typeface="Cambria Math" charset="0"/>
+                                <a:latin typeface="Cambria Math" panose="02040503050406030204" pitchFamily="18" charset="0"/>
                                 <a:cs typeface="Arial" panose="020B0604020202020204" pitchFamily="34" charset="0"/>
                               </a:rPr>
                             </m:ctrlPr>
@@ -17255,7 +17406,7 @@
                                 <m:chr m:val="⃗"/>
                                 <m:ctrlPr>
                                   <a:rPr lang="en-US" sz="2000" b="0" i="1" smtClean="0">
-                                    <a:latin typeface="Cambria Math" charset="0"/>
+                                    <a:latin typeface="Cambria Math" panose="02040503050406030204" pitchFamily="18" charset="0"/>
                                     <a:cs typeface="Arial" panose="020B0604020202020204" pitchFamily="34" charset="0"/>
                                   </a:rPr>
                                 </m:ctrlPr>
@@ -17374,7 +17525,7 @@
                             <m:chr m:val="⃗"/>
                             <m:ctrlPr>
                               <a:rPr lang="en-US" sz="2000" b="0" i="1" smtClean="0">
-                                <a:latin typeface="Cambria Math" charset="0"/>
+                                <a:latin typeface="Cambria Math" panose="02040503050406030204" pitchFamily="18" charset="0"/>
                                 <a:cs typeface="Arial" panose="020B0604020202020204" pitchFamily="34" charset="0"/>
                               </a:rPr>
                             </m:ctrlPr>
@@ -17474,7 +17625,7 @@
                           <m:sSubPr>
                             <m:ctrlPr>
                               <a:rPr lang="en-US" sz="2000" b="0" i="1" smtClean="0">
-                                <a:latin typeface="Cambria Math" charset="0"/>
+                                <a:latin typeface="Cambria Math" panose="02040503050406030204" pitchFamily="18" charset="0"/>
                                 <a:cs typeface="Arial" panose="020B0604020202020204" pitchFamily="34" charset="0"/>
                               </a:rPr>
                             </m:ctrlPr>
@@ -17632,7 +17783,7 @@
                             <m:chr m:val="⃗"/>
                             <m:ctrlPr>
                               <a:rPr lang="en-US" sz="2000" b="0" i="1" smtClean="0">
-                                <a:latin typeface="Cambria Math" charset="0"/>
+                                <a:latin typeface="Cambria Math" panose="02040503050406030204" pitchFamily="18" charset="0"/>
                                 <a:cs typeface="Arial" panose="020B0604020202020204" pitchFamily="34" charset="0"/>
                               </a:rPr>
                             </m:ctrlPr>
@@ -18693,7 +18844,7 @@
                           <m:sSubPr>
                             <m:ctrlPr>
                               <a:rPr lang="en-US" sz="2000" b="0" i="1" smtClean="0">
-                                <a:latin typeface="Cambria Math" charset="0"/>
+                                <a:latin typeface="Cambria Math" panose="02040503050406030204" pitchFamily="18" charset="0"/>
                                 <a:cs typeface="Arial" panose="020B0604020202020204" pitchFamily="34" charset="0"/>
                               </a:rPr>
                             </m:ctrlPr>
@@ -18802,7 +18953,7 @@
                           <m:sSubPr>
                             <m:ctrlPr>
                               <a:rPr lang="en-US" sz="2000" b="0" i="1" smtClean="0">
-                                <a:latin typeface="Cambria Math" charset="0"/>
+                                <a:latin typeface="Cambria Math" panose="02040503050406030204" pitchFamily="18" charset="0"/>
                                 <a:cs typeface="Arial" panose="020B0604020202020204" pitchFamily="34" charset="0"/>
                               </a:rPr>
                             </m:ctrlPr>
@@ -19007,7 +19158,7 @@
                           <m:sSubPr>
                             <m:ctrlPr>
                               <a:rPr lang="en-US" sz="2000" b="0" i="1" smtClean="0">
-                                <a:latin typeface="Cambria Math" charset="0"/>
+                                <a:latin typeface="Cambria Math" panose="02040503050406030204" pitchFamily="18" charset="0"/>
                                 <a:cs typeface="Arial" panose="020B0604020202020204" pitchFamily="34" charset="0"/>
                               </a:rPr>
                             </m:ctrlPr>
@@ -19018,7 +19169,7 @@
                                 <m:chr m:val="⃗"/>
                                 <m:ctrlPr>
                                   <a:rPr lang="en-US" sz="2000" b="0" i="1" smtClean="0">
-                                    <a:latin typeface="Cambria Math" charset="0"/>
+                                    <a:latin typeface="Cambria Math" panose="02040503050406030204" pitchFamily="18" charset="0"/>
                                     <a:cs typeface="Arial" panose="020B0604020202020204" pitchFamily="34" charset="0"/>
                                   </a:rPr>
                                 </m:ctrlPr>
@@ -19129,7 +19280,7 @@
                           <m:sSubPr>
                             <m:ctrlPr>
                               <a:rPr lang="en-US" sz="2000" b="0" i="1" smtClean="0">
-                                <a:latin typeface="Cambria Math" charset="0"/>
+                                <a:latin typeface="Cambria Math" panose="02040503050406030204" pitchFamily="18" charset="0"/>
                                 <a:cs typeface="Arial" panose="020B0604020202020204" pitchFamily="34" charset="0"/>
                               </a:rPr>
                             </m:ctrlPr>
@@ -19140,7 +19291,7 @@
                                 <m:chr m:val="⃗"/>
                                 <m:ctrlPr>
                                   <a:rPr lang="en-US" sz="2000" b="0" i="1" smtClean="0">
-                                    <a:latin typeface="Cambria Math" charset="0"/>
+                                    <a:latin typeface="Cambria Math" panose="02040503050406030204" pitchFamily="18" charset="0"/>
                                     <a:cs typeface="Arial" panose="020B0604020202020204" pitchFamily="34" charset="0"/>
                                   </a:rPr>
                                 </m:ctrlPr>
@@ -19546,7 +19697,7 @@
                           <m:sSubPr>
                             <m:ctrlPr>
                               <a:rPr lang="en-US" sz="2000" b="0" i="1" smtClean="0">
-                                <a:latin typeface="Cambria Math" charset="0"/>
+                                <a:latin typeface="Cambria Math" panose="02040503050406030204" pitchFamily="18" charset="0"/>
                                 <a:cs typeface="Arial" panose="020B0604020202020204" pitchFamily="34" charset="0"/>
                               </a:rPr>
                             </m:ctrlPr>
@@ -19557,7 +19708,7 @@
                                 <m:chr m:val="⃗"/>
                                 <m:ctrlPr>
                                   <a:rPr lang="en-US" sz="2000" b="0" i="1" smtClean="0">
-                                    <a:latin typeface="Cambria Math" charset="0"/>
+                                    <a:latin typeface="Cambria Math" panose="02040503050406030204" pitchFamily="18" charset="0"/>
                                     <a:cs typeface="Arial" panose="020B0604020202020204" pitchFamily="34" charset="0"/>
                                   </a:rPr>
                                 </m:ctrlPr>
@@ -19675,7 +19826,7 @@
                           <m:sSubPr>
                             <m:ctrlPr>
                               <a:rPr lang="en-US" sz="2000" b="0" i="1" smtClean="0">
-                                <a:latin typeface="Cambria Math" charset="0"/>
+                                <a:latin typeface="Cambria Math" panose="02040503050406030204" pitchFamily="18" charset="0"/>
                                 <a:cs typeface="Arial" panose="020B0604020202020204" pitchFamily="34" charset="0"/>
                               </a:rPr>
                             </m:ctrlPr>
@@ -19686,7 +19837,7 @@
                                 <m:chr m:val="⃗"/>
                                 <m:ctrlPr>
                                   <a:rPr lang="en-US" sz="2000" b="0" i="1" smtClean="0">
-                                    <a:latin typeface="Cambria Math" charset="0"/>
+                                    <a:latin typeface="Cambria Math" panose="02040503050406030204" pitchFamily="18" charset="0"/>
                                     <a:cs typeface="Arial" panose="020B0604020202020204" pitchFamily="34" charset="0"/>
                                   </a:rPr>
                                 </m:ctrlPr>
@@ -19797,7 +19948,7 @@
                           <m:sSubPr>
                             <m:ctrlPr>
                               <a:rPr lang="en-US" sz="2000" b="0" i="1" smtClean="0">
-                                <a:latin typeface="Cambria Math" charset="0"/>
+                                <a:latin typeface="Cambria Math" panose="02040503050406030204" pitchFamily="18" charset="0"/>
                                 <a:cs typeface="Arial" panose="020B0604020202020204" pitchFamily="34" charset="0"/>
                               </a:rPr>
                             </m:ctrlPr>
@@ -19808,7 +19959,7 @@
                                 <m:chr m:val="⃗"/>
                                 <m:ctrlPr>
                                   <a:rPr lang="en-US" sz="2000" b="0" i="1" smtClean="0">
-                                    <a:latin typeface="Cambria Math" charset="0"/>
+                                    <a:latin typeface="Cambria Math" panose="02040503050406030204" pitchFamily="18" charset="0"/>
                                     <a:cs typeface="Arial" panose="020B0604020202020204" pitchFamily="34" charset="0"/>
                                   </a:rPr>
                                 </m:ctrlPr>
@@ -19926,7 +20077,7 @@
                           <m:sSubPr>
                             <m:ctrlPr>
                               <a:rPr lang="en-US" sz="2000" b="0" i="1" smtClean="0">
-                                <a:latin typeface="Cambria Math" charset="0"/>
+                                <a:latin typeface="Cambria Math" panose="02040503050406030204" pitchFamily="18" charset="0"/>
                                 <a:cs typeface="Arial" panose="020B0604020202020204" pitchFamily="34" charset="0"/>
                               </a:rPr>
                             </m:ctrlPr>
@@ -19937,7 +20088,7 @@
                                 <m:chr m:val="⃗"/>
                                 <m:ctrlPr>
                                   <a:rPr lang="en-US" sz="2000" b="0" i="1" smtClean="0">
-                                    <a:latin typeface="Cambria Math" charset="0"/>
+                                    <a:latin typeface="Cambria Math" panose="02040503050406030204" pitchFamily="18" charset="0"/>
                                     <a:cs typeface="Arial" panose="020B0604020202020204" pitchFamily="34" charset="0"/>
                                   </a:rPr>
                                 </m:ctrlPr>
@@ -20048,7 +20199,7 @@
                           <m:sSubPr>
                             <m:ctrlPr>
                               <a:rPr lang="en-US" sz="2000" b="0" i="1" smtClean="0">
-                                <a:latin typeface="Cambria Math" charset="0"/>
+                                <a:latin typeface="Cambria Math" panose="02040503050406030204" pitchFamily="18" charset="0"/>
                                 <a:cs typeface="Arial" panose="020B0604020202020204" pitchFamily="34" charset="0"/>
                               </a:rPr>
                             </m:ctrlPr>
@@ -20130,8 +20281,8 @@
           </p:nvCxnSpPr>
           <p:spPr>
             <a:xfrm flipH="1" flipV="1">
-              <a:off x="3903002" y="5182906"/>
-              <a:ext cx="469975" cy="693833"/>
+              <a:off x="3903003" y="5182907"/>
+              <a:ext cx="434363" cy="747212"/>
             </a:xfrm>
             <a:prstGeom prst="line">
               <a:avLst/>
@@ -20702,7 +20853,7 @@
                           <m:sSubPr>
                             <m:ctrlPr>
                               <a:rPr lang="en-US" sz="2000" b="0" i="1" smtClean="0">
-                                <a:latin typeface="Cambria Math" charset="0"/>
+                                <a:latin typeface="Cambria Math" panose="02040503050406030204" pitchFamily="18" charset="0"/>
                                 <a:cs typeface="Arial" panose="020B0604020202020204" pitchFamily="34" charset="0"/>
                               </a:rPr>
                             </m:ctrlPr>
@@ -20713,7 +20864,7 @@
                                 <m:chr m:val="⃗"/>
                                 <m:ctrlPr>
                                   <a:rPr lang="en-US" sz="2000" b="0" i="1" smtClean="0">
-                                    <a:latin typeface="Cambria Math" charset="0"/>
+                                    <a:latin typeface="Cambria Math" panose="02040503050406030204" pitchFamily="18" charset="0"/>
                                     <a:cs typeface="Arial" panose="020B0604020202020204" pitchFamily="34" charset="0"/>
                                   </a:rPr>
                                 </m:ctrlPr>
@@ -20839,7 +20990,7 @@
                           <m:sSubPr>
                             <m:ctrlPr>
                               <a:rPr lang="en-US" sz="2000" b="0" i="1" smtClean="0">
-                                <a:latin typeface="Cambria Math" charset="0"/>
+                                <a:latin typeface="Cambria Math" panose="02040503050406030204" pitchFamily="18" charset="0"/>
                                 <a:cs typeface="Arial" panose="020B0604020202020204" pitchFamily="34" charset="0"/>
                               </a:rPr>
                             </m:ctrlPr>
@@ -20850,7 +21001,7 @@
                                 <m:chr m:val="⃗"/>
                                 <m:ctrlPr>
                                   <a:rPr lang="en-US" sz="2000" b="0" i="1" smtClean="0">
-                                    <a:latin typeface="Cambria Math" charset="0"/>
+                                    <a:latin typeface="Cambria Math" panose="02040503050406030204" pitchFamily="18" charset="0"/>
                                     <a:cs typeface="Arial" panose="020B0604020202020204" pitchFamily="34" charset="0"/>
                                   </a:rPr>
                                 </m:ctrlPr>
@@ -21181,7 +21332,7 @@
                               <m:sSubPr>
                                 <m:ctrlPr>
                                   <a:rPr lang="en-US" sz="2000" b="0" i="1" smtClean="0">
-                                    <a:latin typeface="Cambria Math" charset="0"/>
+                                    <a:latin typeface="Cambria Math" panose="02040503050406030204" pitchFamily="18" charset="0"/>
                                     <a:cs typeface="Arial" panose="020B0604020202020204" pitchFamily="34" charset="0"/>
                                   </a:rPr>
                                 </m:ctrlPr>
@@ -21192,7 +21343,7 @@
                                     <m:chr m:val="⃗"/>
                                     <m:ctrlPr>
                                       <a:rPr lang="en-US" sz="2000" b="0" i="1" smtClean="0">
-                                        <a:latin typeface="Cambria Math" charset="0"/>
+                                        <a:latin typeface="Cambria Math" panose="02040503050406030204" pitchFamily="18" charset="0"/>
                                         <a:cs typeface="Arial" panose="020B0604020202020204" pitchFamily="34" charset="0"/>
                                       </a:rPr>
                                     </m:ctrlPr>
@@ -21303,7 +21454,7 @@
                               <m:sSubPr>
                                 <m:ctrlPr>
                                   <a:rPr lang="en-US" sz="2000" b="0" i="1" smtClean="0">
-                                    <a:latin typeface="Cambria Math" charset="0"/>
+                                    <a:latin typeface="Cambria Math" panose="02040503050406030204" pitchFamily="18" charset="0"/>
                                     <a:cs typeface="Arial" panose="020B0604020202020204" pitchFamily="34" charset="0"/>
                                   </a:rPr>
                                 </m:ctrlPr>
@@ -21314,7 +21465,7 @@
                                     <m:chr m:val="⃗"/>
                                     <m:ctrlPr>
                                       <a:rPr lang="en-US" sz="2000" b="0" i="1" smtClean="0">
-                                        <a:latin typeface="Cambria Math" charset="0"/>
+                                        <a:latin typeface="Cambria Math" panose="02040503050406030204" pitchFamily="18" charset="0"/>
                                         <a:cs typeface="Arial" panose="020B0604020202020204" pitchFamily="34" charset="0"/>
                                       </a:rPr>
                                     </m:ctrlPr>
@@ -21432,7 +21583,7 @@
                               <m:sSubPr>
                                 <m:ctrlPr>
                                   <a:rPr lang="en-US" sz="2000" b="0" i="1" smtClean="0">
-                                    <a:latin typeface="Cambria Math" charset="0"/>
+                                    <a:latin typeface="Cambria Math" panose="02040503050406030204" pitchFamily="18" charset="0"/>
                                     <a:cs typeface="Arial" panose="020B0604020202020204" pitchFamily="34" charset="0"/>
                                   </a:rPr>
                                 </m:ctrlPr>
@@ -21443,7 +21594,7 @@
                                     <m:chr m:val="⃗"/>
                                     <m:ctrlPr>
                                       <a:rPr lang="en-US" sz="2000" b="0" i="1" smtClean="0">
-                                        <a:latin typeface="Cambria Math" charset="0"/>
+                                        <a:latin typeface="Cambria Math" panose="02040503050406030204" pitchFamily="18" charset="0"/>
                                         <a:cs typeface="Arial" panose="020B0604020202020204" pitchFamily="34" charset="0"/>
                                       </a:rPr>
                                     </m:ctrlPr>
@@ -21561,7 +21712,7 @@
                               <m:sSubPr>
                                 <m:ctrlPr>
                                   <a:rPr lang="en-US" sz="2000" b="0" i="1" smtClean="0">
-                                    <a:latin typeface="Cambria Math" charset="0"/>
+                                    <a:latin typeface="Cambria Math" panose="02040503050406030204" pitchFamily="18" charset="0"/>
                                     <a:cs typeface="Arial" panose="020B0604020202020204" pitchFamily="34" charset="0"/>
                                   </a:rPr>
                                 </m:ctrlPr>
@@ -21670,7 +21821,7 @@
                               <m:sSubPr>
                                 <m:ctrlPr>
                                   <a:rPr lang="en-US" sz="2000" b="0" i="1" smtClean="0">
-                                    <a:latin typeface="Cambria Math" charset="0"/>
+                                    <a:latin typeface="Cambria Math" panose="02040503050406030204" pitchFamily="18" charset="0"/>
                                     <a:cs typeface="Arial" panose="020B0604020202020204" pitchFamily="34" charset="0"/>
                                   </a:rPr>
                                 </m:ctrlPr>
@@ -21681,7 +21832,7 @@
                                     <m:chr m:val="⃗"/>
                                     <m:ctrlPr>
                                       <a:rPr lang="en-US" sz="2000" b="0" i="1" smtClean="0">
-                                        <a:latin typeface="Cambria Math" charset="0"/>
+                                        <a:latin typeface="Cambria Math" panose="02040503050406030204" pitchFamily="18" charset="0"/>
                                         <a:cs typeface="Arial" panose="020B0604020202020204" pitchFamily="34" charset="0"/>
                                       </a:rPr>
                                     </m:ctrlPr>
@@ -22657,7 +22808,7 @@
                             <m:chr m:val="⃗"/>
                             <m:ctrlPr>
                               <a:rPr lang="en-US" sz="2000" b="0" i="1" smtClean="0">
-                                <a:latin typeface="Cambria Math" charset="0"/>
+                                <a:latin typeface="Cambria Math" panose="02040503050406030204" pitchFamily="18" charset="0"/>
                                 <a:cs typeface="Arial" panose="020B0604020202020204" pitchFamily="34" charset="0"/>
                               </a:rPr>
                             </m:ctrlPr>
@@ -22995,7 +23146,7 @@
                               <m:chr m:val="⃗"/>
                               <m:ctrlPr>
                                 <a:rPr lang="en-US" sz="2000" b="0" i="1" smtClean="0">
-                                  <a:latin typeface="Cambria Math" charset="0"/>
+                                  <a:latin typeface="Cambria Math" panose="02040503050406030204" pitchFamily="18" charset="0"/>
                                   <a:cs typeface="Arial" panose="020B0604020202020204" pitchFamily="34" charset="0"/>
                                 </a:rPr>
                               </m:ctrlPr>
@@ -23095,7 +23246,7 @@
                             <m:sSubPr>
                               <m:ctrlPr>
                                 <a:rPr lang="en-US" sz="2000" b="0" i="1" smtClean="0">
-                                  <a:latin typeface="Cambria Math" charset="0"/>
+                                  <a:latin typeface="Cambria Math" panose="02040503050406030204" pitchFamily="18" charset="0"/>
                                   <a:cs typeface="Arial" panose="020B0604020202020204" pitchFamily="34" charset="0"/>
                                 </a:rPr>
                               </m:ctrlPr>
@@ -23106,7 +23257,7 @@
                                   <m:chr m:val="⃗"/>
                                   <m:ctrlPr>
                                     <a:rPr lang="en-US" sz="2000" b="0" i="1" smtClean="0">
-                                      <a:latin typeface="Cambria Math" charset="0"/>
+                                      <a:latin typeface="Cambria Math" panose="02040503050406030204" pitchFamily="18" charset="0"/>
                                       <a:cs typeface="Arial" panose="020B0604020202020204" pitchFamily="34" charset="0"/>
                                     </a:rPr>
                                   </m:ctrlPr>
@@ -23266,7 +23417,7 @@
                               <m:chr m:val="⃗"/>
                               <m:ctrlPr>
                                 <a:rPr lang="en-US" sz="2000" b="0" i="1" smtClean="0">
-                                  <a:latin typeface="Cambria Math" charset="0"/>
+                                  <a:latin typeface="Cambria Math" panose="02040503050406030204" pitchFamily="18" charset="0"/>
                                   <a:cs typeface="Arial" panose="020B0604020202020204" pitchFamily="34" charset="0"/>
                                 </a:rPr>
                               </m:ctrlPr>
@@ -24047,7 +24198,7 @@
                                   <m:chr m:val="⃗"/>
                                   <m:ctrlPr>
                                     <a:rPr lang="en-US" sz="2000" b="0" i="1" smtClean="0">
-                                      <a:latin typeface="Cambria Math" charset="0"/>
+                                      <a:latin typeface="Cambria Math" panose="02040503050406030204" pitchFamily="18" charset="0"/>
                                       <a:cs typeface="Arial" panose="020B0604020202020204" pitchFamily="34" charset="0"/>
                                     </a:rPr>
                                   </m:ctrlPr>
@@ -24147,7 +24298,7 @@
                                 <m:sSubPr>
                                   <m:ctrlPr>
                                     <a:rPr lang="en-US" sz="2000" b="0" i="1" smtClean="0">
-                                      <a:latin typeface="Cambria Math" charset="0"/>
+                                      <a:latin typeface="Cambria Math" panose="02040503050406030204" pitchFamily="18" charset="0"/>
                                       <a:cs typeface="Arial" panose="020B0604020202020204" pitchFamily="34" charset="0"/>
                                     </a:rPr>
                                   </m:ctrlPr>
@@ -24158,7 +24309,7 @@
                                       <m:chr m:val="⃗"/>
                                       <m:ctrlPr>
                                         <a:rPr lang="en-US" sz="2000" b="0" i="1" smtClean="0">
-                                          <a:latin typeface="Cambria Math" charset="0"/>
+                                          <a:latin typeface="Cambria Math" panose="02040503050406030204" pitchFamily="18" charset="0"/>
                                           <a:cs typeface="Arial" panose="020B0604020202020204" pitchFamily="34" charset="0"/>
                                         </a:rPr>
                                       </m:ctrlPr>
@@ -24746,8 +24897,8 @@
             </p:nvCxnSpPr>
             <p:spPr>
               <a:xfrm flipH="1">
-                <a:off x="7812469" y="2161926"/>
-                <a:ext cx="560313" cy="21608"/>
+                <a:off x="7827344" y="2163831"/>
+                <a:ext cx="529920" cy="0"/>
               </a:xfrm>
               <a:prstGeom prst="straightConnector1">
                 <a:avLst/>
@@ -24809,7 +24960,7 @@
                             <m:sSubPr>
                               <m:ctrlPr>
                                 <a:rPr lang="en-US" sz="2000" b="0" i="1" smtClean="0">
-                                  <a:latin typeface="Cambria Math" charset="0"/>
+                                  <a:latin typeface="Cambria Math" panose="02040503050406030204" pitchFamily="18" charset="0"/>
                                   <a:cs typeface="Arial" panose="020B0604020202020204" pitchFamily="34" charset="0"/>
                                 </a:rPr>
                               </m:ctrlPr>
@@ -24820,7 +24971,7 @@
                                   <m:chr m:val="⃗"/>
                                   <m:ctrlPr>
                                     <a:rPr lang="en-US" sz="2000" b="0" i="1" smtClean="0">
-                                      <a:latin typeface="Cambria Math" charset="0"/>
+                                      <a:latin typeface="Cambria Math" panose="02040503050406030204" pitchFamily="18" charset="0"/>
                                       <a:cs typeface="Arial" panose="020B0604020202020204" pitchFamily="34" charset="0"/>
                                     </a:rPr>
                                   </m:ctrlPr>
@@ -25161,7 +25312,7 @@
                             <m:sSubPr>
                               <m:ctrlPr>
                                 <a:rPr lang="en-US" sz="2000" b="0" i="1" smtClean="0">
-                                  <a:latin typeface="Cambria Math" charset="0"/>
+                                  <a:latin typeface="Cambria Math" panose="02040503050406030204" pitchFamily="18" charset="0"/>
                                   <a:cs typeface="Arial" panose="020B0604020202020204" pitchFamily="34" charset="0"/>
                                 </a:rPr>
                               </m:ctrlPr>
@@ -25172,7 +25323,7 @@
                                   <m:chr m:val="⃗"/>
                                   <m:ctrlPr>
                                     <a:rPr lang="en-US" sz="2000" b="0" i="1" smtClean="0">
-                                      <a:latin typeface="Cambria Math" charset="0"/>
+                                      <a:latin typeface="Cambria Math" panose="02040503050406030204" pitchFamily="18" charset="0"/>
                                       <a:cs typeface="Arial" panose="020B0604020202020204" pitchFamily="34" charset="0"/>
                                     </a:rPr>
                                   </m:ctrlPr>
@@ -25355,7 +25506,7 @@
                             <m:sSubPr>
                               <m:ctrlPr>
                                 <a:rPr lang="en-US" sz="2000" b="0" i="1" smtClean="0">
-                                  <a:latin typeface="Cambria Math" charset="0"/>
+                                  <a:latin typeface="Cambria Math" panose="02040503050406030204" pitchFamily="18" charset="0"/>
                                   <a:cs typeface="Arial" panose="020B0604020202020204" pitchFamily="34" charset="0"/>
                                 </a:rPr>
                               </m:ctrlPr>
@@ -25366,7 +25517,7 @@
                                   <m:chr m:val="⃗"/>
                                   <m:ctrlPr>
                                     <a:rPr lang="en-US" sz="2000" b="0" i="1" smtClean="0">
-                                      <a:latin typeface="Cambria Math" charset="0"/>
+                                      <a:latin typeface="Cambria Math" panose="02040503050406030204" pitchFamily="18" charset="0"/>
                                       <a:cs typeface="Arial" panose="020B0604020202020204" pitchFamily="34" charset="0"/>
                                     </a:rPr>
                                   </m:ctrlPr>
@@ -25478,7 +25629,7 @@
                               <m:chr m:val="⃗"/>
                               <m:ctrlPr>
                                 <a:rPr lang="en-US" sz="2000" b="0" i="1" smtClean="0">
-                                  <a:latin typeface="Cambria Math" charset="0"/>
+                                  <a:latin typeface="Cambria Math" panose="02040503050406030204" pitchFamily="18" charset="0"/>
                                   <a:cs typeface="Arial" panose="020B0604020202020204" pitchFamily="34" charset="0"/>
                                 </a:rPr>
                               </m:ctrlPr>
@@ -25972,7 +26123,7 @@
             <p:cNvPr id="18" name="Right Triangle 17">
               <a:extLst>
                 <a:ext uri="{FF2B5EF4-FFF2-40B4-BE49-F238E27FC236}">
-                  <a16:creationId xmlns="" xmlns:a16="http://schemas.microsoft.com/office/drawing/2014/main" id="{928BF4D9-398D-AB45-BE56-AFD737E099AB}"/>
+                  <a16:creationId xmlns:a16="http://schemas.microsoft.com/office/drawing/2014/main" id="{928BF4D9-398D-AB45-BE56-AFD737E099AB}"/>
                 </a:ext>
               </a:extLst>
             </p:cNvPr>
@@ -26119,7 +26270,7 @@
             <p:nvPr/>
           </p:nvPicPr>
           <p:blipFill rotWithShape="1">
-            <a:blip r:embed="rId3">
+            <a:blip r:embed="rId3" cstate="print">
               <a:extLst>
                 <a:ext uri="{28A0092B-C50C-407E-A947-70E740481C1C}">
                   <a14:useLocalDpi xmlns:a14="http://schemas.microsoft.com/office/drawing/2010/main" val="0"/>

--- a/tex/figures/NewtonsLaws/Figures.pptx
+++ b/tex/figures/NewtonsLaws/Figures.pptx
@@ -12,6 +12,7 @@
     <p:sldId id="267" r:id="rId6"/>
     <p:sldId id="270" r:id="rId7"/>
     <p:sldId id="268" r:id="rId8"/>
+    <p:sldId id="271" r:id="rId9"/>
   </p:sldIdLst>
   <p:sldSz cx="12192000" cy="6858000"/>
   <p:notesSz cx="6858000" cy="9144000"/>
@@ -26112,7 +26113,7 @@
         </p:nvGrpSpPr>
         <p:grpSpPr>
           <a:xfrm>
-            <a:off x="2303814" y="1344335"/>
+            <a:off x="272805" y="1802960"/>
             <a:ext cx="4350574" cy="3176135"/>
             <a:chOff x="2303814" y="1344335"/>
             <a:chExt cx="4350574" cy="3176135"/>
@@ -26291,10 +26292,3633 @@
           </p:spPr>
         </p:pic>
       </p:grpSp>
+      <p:grpSp>
+        <p:nvGrpSpPr>
+          <p:cNvPr id="46" name="Group 45"/>
+          <p:cNvGrpSpPr/>
+          <p:nvPr/>
+        </p:nvGrpSpPr>
+        <p:grpSpPr>
+          <a:xfrm>
+            <a:off x="6687665" y="1551245"/>
+            <a:ext cx="2282928" cy="2681324"/>
+            <a:chOff x="6687665" y="1551245"/>
+            <a:chExt cx="2282928" cy="2681324"/>
+          </a:xfrm>
+        </p:grpSpPr>
+        <p:sp>
+          <p:nvSpPr>
+            <p:cNvPr id="10" name="Oval 9"/>
+            <p:cNvSpPr/>
+            <p:nvPr/>
+          </p:nvSpPr>
+          <p:spPr>
+            <a:xfrm>
+              <a:off x="8138829" y="3063633"/>
+              <a:ext cx="120943" cy="119766"/>
+            </a:xfrm>
+            <a:prstGeom prst="ellipse">
+              <a:avLst/>
+            </a:prstGeom>
+            <a:solidFill>
+              <a:schemeClr val="tx1"/>
+            </a:solidFill>
+            <a:ln w="38100">
+              <a:solidFill>
+                <a:schemeClr val="tx1"/>
+              </a:solidFill>
+            </a:ln>
+          </p:spPr>
+          <p:style>
+            <a:lnRef idx="2">
+              <a:schemeClr val="accent1">
+                <a:shade val="50000"/>
+              </a:schemeClr>
+            </a:lnRef>
+            <a:fillRef idx="1">
+              <a:schemeClr val="accent1"/>
+            </a:fillRef>
+            <a:effectRef idx="0">
+              <a:schemeClr val="accent1"/>
+            </a:effectRef>
+            <a:fontRef idx="minor">
+              <a:schemeClr val="lt1"/>
+            </a:fontRef>
+          </p:style>
+          <p:txBody>
+            <a:bodyPr rtlCol="0" anchor="ctr"/>
+            <a:lstStyle/>
+            <a:p>
+              <a:pPr algn="ctr"/>
+              <a:endParaRPr lang="en-US"/>
+            </a:p>
+          </p:txBody>
+        </p:sp>
+        <p:cxnSp>
+          <p:nvCxnSpPr>
+            <p:cNvPr id="11" name="Straight Arrow Connector 10"/>
+            <p:cNvCxnSpPr/>
+            <p:nvPr/>
+          </p:nvCxnSpPr>
+          <p:spPr>
+            <a:xfrm>
+              <a:off x="8190908" y="3149103"/>
+              <a:ext cx="9502" cy="924411"/>
+            </a:xfrm>
+            <a:prstGeom prst="straightConnector1">
+              <a:avLst/>
+            </a:prstGeom>
+            <a:ln w="38100">
+              <a:solidFill>
+                <a:schemeClr val="tx1"/>
+              </a:solidFill>
+              <a:tailEnd type="triangle"/>
+            </a:ln>
+          </p:spPr>
+          <p:style>
+            <a:lnRef idx="1">
+              <a:schemeClr val="accent1"/>
+            </a:lnRef>
+            <a:fillRef idx="0">
+              <a:schemeClr val="accent1"/>
+            </a:fillRef>
+            <a:effectRef idx="0">
+              <a:schemeClr val="accent1"/>
+            </a:effectRef>
+            <a:fontRef idx="minor">
+              <a:schemeClr val="tx1"/>
+            </a:fontRef>
+          </p:style>
+        </p:cxnSp>
+        <p:cxnSp>
+          <p:nvCxnSpPr>
+            <p:cNvPr id="12" name="Straight Arrow Connector 11"/>
+            <p:cNvCxnSpPr/>
+            <p:nvPr/>
+          </p:nvCxnSpPr>
+          <p:spPr>
+            <a:xfrm flipH="1" flipV="1">
+              <a:off x="7800631" y="2331688"/>
+              <a:ext cx="367265" cy="789897"/>
+            </a:xfrm>
+            <a:prstGeom prst="straightConnector1">
+              <a:avLst/>
+            </a:prstGeom>
+            <a:ln w="38100">
+              <a:solidFill>
+                <a:schemeClr val="tx1"/>
+              </a:solidFill>
+              <a:tailEnd type="triangle"/>
+            </a:ln>
+          </p:spPr>
+          <p:style>
+            <a:lnRef idx="1">
+              <a:schemeClr val="accent1"/>
+            </a:lnRef>
+            <a:fillRef idx="0">
+              <a:schemeClr val="accent1"/>
+            </a:fillRef>
+            <a:effectRef idx="0">
+              <a:schemeClr val="accent1"/>
+            </a:effectRef>
+            <a:fontRef idx="minor">
+              <a:schemeClr val="tx1"/>
+            </a:fontRef>
+          </p:style>
+        </p:cxnSp>
+        <mc:AlternateContent xmlns:mc="http://schemas.openxmlformats.org/markup-compatibility/2006">
+          <mc:Choice xmlns:a14="http://schemas.microsoft.com/office/drawing/2010/main" Requires="a14">
+            <p:sp>
+              <p:nvSpPr>
+                <p:cNvPr id="13" name="TextBox 12"/>
+                <p:cNvSpPr txBox="1"/>
+                <p:nvPr/>
+              </p:nvSpPr>
+              <p:spPr>
+                <a:xfrm>
+                  <a:off x="7995404" y="2368295"/>
+                  <a:ext cx="264368" cy="345159"/>
+                </a:xfrm>
+                <a:prstGeom prst="rect">
+                  <a:avLst/>
+                </a:prstGeom>
+                <a:noFill/>
+              </p:spPr>
+              <p:txBody>
+                <a:bodyPr wrap="none" lIns="0" tIns="0" rIns="0" bIns="0" rtlCol="0">
+                  <a:spAutoFit/>
+                </a:bodyPr>
+                <a:lstStyle/>
+                <a:p>
+                  <a:pPr/>
+                  <a14:m>
+                    <m:oMathPara xmlns:m="http://schemas.openxmlformats.org/officeDocument/2006/math">
+                      <m:oMathParaPr>
+                        <m:jc m:val="centerGroup"/>
+                      </m:oMathParaPr>
+                      <m:oMath xmlns:m="http://schemas.openxmlformats.org/officeDocument/2006/math">
+                        <m:acc>
+                          <m:accPr>
+                            <m:chr m:val="⃗"/>
+                            <m:ctrlPr>
+                              <a:rPr lang="en-US" sz="2000" b="0" i="1" smtClean="0">
+                                <a:latin typeface="Cambria Math" panose="02040503050406030204" pitchFamily="18" charset="0"/>
+                                <a:cs typeface="Arial" panose="020B0604020202020204" pitchFamily="34" charset="0"/>
+                              </a:rPr>
+                            </m:ctrlPr>
+                          </m:accPr>
+                          <m:e>
+                            <m:r>
+                              <a:rPr lang="en-US" sz="2000" b="0" i="1" smtClean="0">
+                                <a:latin typeface="Cambria Math" panose="02040503050406030204" pitchFamily="18" charset="0"/>
+                                <a:cs typeface="Arial" panose="020B0604020202020204" pitchFamily="34" charset="0"/>
+                              </a:rPr>
+                              <m:t>𝑁</m:t>
+                            </m:r>
+                          </m:e>
+                        </m:acc>
+                      </m:oMath>
+                    </m:oMathPara>
+                  </a14:m>
+                  <a:endParaRPr lang="en-US" sz="2000" b="0" dirty="0" smtClean="0">
+                    <a:latin typeface="Arial" panose="020B0604020202020204" pitchFamily="34" charset="0"/>
+                    <a:cs typeface="Arial" panose="020B0604020202020204" pitchFamily="34" charset="0"/>
+                  </a:endParaRPr>
+                </a:p>
+              </p:txBody>
+            </p:sp>
+          </mc:Choice>
+          <mc:Fallback>
+            <p:sp>
+              <p:nvSpPr>
+                <p:cNvPr id="13" name="TextBox 12"/>
+                <p:cNvSpPr txBox="1">
+                  <a:spLocks noRot="1" noChangeAspect="1" noMove="1" noResize="1" noEditPoints="1" noAdjustHandles="1" noChangeArrowheads="1" noChangeShapeType="1" noTextEdit="1"/>
+                </p:cNvSpPr>
+                <p:nvPr/>
+              </p:nvSpPr>
+              <p:spPr>
+                <a:xfrm>
+                  <a:off x="7995404" y="2368295"/>
+                  <a:ext cx="264368" cy="345159"/>
+                </a:xfrm>
+                <a:prstGeom prst="rect">
+                  <a:avLst/>
+                </a:prstGeom>
+                <a:blipFill>
+                  <a:blip r:embed="rId4"/>
+                  <a:stretch>
+                    <a:fillRect l="-20930" r="-18605" b="-8772"/>
+                  </a:stretch>
+                </a:blipFill>
+              </p:spPr>
+              <p:txBody>
+                <a:bodyPr/>
+                <a:lstStyle/>
+                <a:p>
+                  <a:r>
+                    <a:rPr lang="en-US">
+                      <a:noFill/>
+                    </a:rPr>
+                    <a:t> </a:t>
+                  </a:r>
+                </a:p>
+              </p:txBody>
+            </p:sp>
+          </mc:Fallback>
+        </mc:AlternateContent>
+        <mc:AlternateContent xmlns:mc="http://schemas.openxmlformats.org/markup-compatibility/2006">
+          <mc:Choice xmlns:a14="http://schemas.microsoft.com/office/drawing/2010/main" Requires="a14">
+            <p:sp>
+              <p:nvSpPr>
+                <p:cNvPr id="14" name="TextBox 13"/>
+                <p:cNvSpPr txBox="1"/>
+                <p:nvPr/>
+              </p:nvSpPr>
+              <p:spPr>
+                <a:xfrm>
+                  <a:off x="7921602" y="3855350"/>
+                  <a:ext cx="237639" cy="377219"/>
+                </a:xfrm>
+                <a:prstGeom prst="rect">
+                  <a:avLst/>
+                </a:prstGeom>
+                <a:noFill/>
+              </p:spPr>
+              <p:txBody>
+                <a:bodyPr wrap="square" lIns="0" tIns="0" rIns="0" bIns="0" rtlCol="0">
+                  <a:spAutoFit/>
+                </a:bodyPr>
+                <a:lstStyle/>
+                <a:p>
+                  <a:pPr/>
+                  <a14:m>
+                    <m:oMathPara xmlns:m="http://schemas.openxmlformats.org/officeDocument/2006/math">
+                      <m:oMathParaPr>
+                        <m:jc m:val="centerGroup"/>
+                      </m:oMathParaPr>
+                      <m:oMath xmlns:m="http://schemas.openxmlformats.org/officeDocument/2006/math">
+                        <m:sSub>
+                          <m:sSubPr>
+                            <m:ctrlPr>
+                              <a:rPr lang="en-US" sz="2000" b="0" i="1" smtClean="0">
+                                <a:latin typeface="Cambria Math" panose="02040503050406030204" pitchFamily="18" charset="0"/>
+                                <a:cs typeface="Arial" panose="020B0604020202020204" pitchFamily="34" charset="0"/>
+                              </a:rPr>
+                            </m:ctrlPr>
+                          </m:sSubPr>
+                          <m:e>
+                            <m:acc>
+                              <m:accPr>
+                                <m:chr m:val="⃗"/>
+                                <m:ctrlPr>
+                                  <a:rPr lang="en-US" sz="2000" b="0" i="1" smtClean="0">
+                                    <a:latin typeface="Cambria Math" panose="02040503050406030204" pitchFamily="18" charset="0"/>
+                                    <a:cs typeface="Arial" panose="020B0604020202020204" pitchFamily="34" charset="0"/>
+                                  </a:rPr>
+                                </m:ctrlPr>
+                              </m:accPr>
+                              <m:e>
+                                <m:r>
+                                  <a:rPr lang="en-US" sz="2000" b="0" i="1" smtClean="0">
+                                    <a:latin typeface="Cambria Math" panose="02040503050406030204" pitchFamily="18" charset="0"/>
+                                    <a:cs typeface="Arial" panose="020B0604020202020204" pitchFamily="34" charset="0"/>
+                                  </a:rPr>
+                                  <m:t>𝐹</m:t>
+                                </m:r>
+                              </m:e>
+                            </m:acc>
+                          </m:e>
+                          <m:sub>
+                            <m:r>
+                              <a:rPr lang="en-US" sz="2000" b="0" i="1" smtClean="0">
+                                <a:latin typeface="Cambria Math" panose="02040503050406030204" pitchFamily="18" charset="0"/>
+                                <a:cs typeface="Arial" panose="020B0604020202020204" pitchFamily="34" charset="0"/>
+                              </a:rPr>
+                              <m:t>𝑔</m:t>
+                            </m:r>
+                          </m:sub>
+                        </m:sSub>
+                      </m:oMath>
+                    </m:oMathPara>
+                  </a14:m>
+                  <a:endParaRPr lang="en-US" sz="2000" dirty="0" smtClean="0">
+                    <a:latin typeface="Arial" panose="020B0604020202020204" pitchFamily="34" charset="0"/>
+                    <a:cs typeface="Arial" panose="020B0604020202020204" pitchFamily="34" charset="0"/>
+                  </a:endParaRPr>
+                </a:p>
+              </p:txBody>
+            </p:sp>
+          </mc:Choice>
+          <mc:Fallback>
+            <p:sp>
+              <p:nvSpPr>
+                <p:cNvPr id="14" name="TextBox 13"/>
+                <p:cNvSpPr txBox="1">
+                  <a:spLocks noRot="1" noChangeAspect="1" noMove="1" noResize="1" noEditPoints="1" noAdjustHandles="1" noChangeArrowheads="1" noChangeShapeType="1" noTextEdit="1"/>
+                </p:cNvSpPr>
+                <p:nvPr/>
+              </p:nvSpPr>
+              <p:spPr>
+                <a:xfrm>
+                  <a:off x="7921602" y="3855350"/>
+                  <a:ext cx="237639" cy="377219"/>
+                </a:xfrm>
+                <a:prstGeom prst="rect">
+                  <a:avLst/>
+                </a:prstGeom>
+                <a:blipFill>
+                  <a:blip r:embed="rId5"/>
+                  <a:stretch>
+                    <a:fillRect l="-35897" t="-30645" r="-76923" b="-17742"/>
+                  </a:stretch>
+                </a:blipFill>
+              </p:spPr>
+              <p:txBody>
+                <a:bodyPr/>
+                <a:lstStyle/>
+                <a:p>
+                  <a:r>
+                    <a:rPr lang="en-US">
+                      <a:noFill/>
+                    </a:rPr>
+                    <a:t> </a:t>
+                  </a:r>
+                </a:p>
+              </p:txBody>
+            </p:sp>
+          </mc:Fallback>
+        </mc:AlternateContent>
+        <p:sp>
+          <p:nvSpPr>
+            <p:cNvPr id="15" name="Right Arrow 14"/>
+            <p:cNvSpPr/>
+            <p:nvPr/>
+          </p:nvSpPr>
+          <p:spPr>
+            <a:xfrm rot="9311415">
+              <a:off x="7091714" y="2026101"/>
+              <a:ext cx="700928" cy="118979"/>
+            </a:xfrm>
+            <a:prstGeom prst="rightArrow">
+              <a:avLst/>
+            </a:prstGeom>
+            <a:solidFill>
+              <a:schemeClr val="tx1"/>
+            </a:solidFill>
+            <a:ln w="38100">
+              <a:solidFill>
+                <a:schemeClr val="tx1"/>
+              </a:solidFill>
+            </a:ln>
+          </p:spPr>
+          <p:style>
+            <a:lnRef idx="2">
+              <a:schemeClr val="accent1">
+                <a:shade val="50000"/>
+              </a:schemeClr>
+            </a:lnRef>
+            <a:fillRef idx="1">
+              <a:schemeClr val="accent1"/>
+            </a:fillRef>
+            <a:effectRef idx="0">
+              <a:schemeClr val="accent1"/>
+            </a:effectRef>
+            <a:fontRef idx="minor">
+              <a:schemeClr val="lt1"/>
+            </a:fontRef>
+          </p:style>
+          <p:txBody>
+            <a:bodyPr rtlCol="0" anchor="ctr"/>
+            <a:lstStyle/>
+            <a:p>
+              <a:pPr algn="ctr"/>
+              <a:endParaRPr lang="en-US" dirty="0"/>
+            </a:p>
+          </p:txBody>
+        </p:sp>
+        <mc:AlternateContent xmlns:mc="http://schemas.openxmlformats.org/markup-compatibility/2006">
+          <mc:Choice xmlns:a14="http://schemas.microsoft.com/office/drawing/2010/main" Requires="a14">
+            <p:sp>
+              <p:nvSpPr>
+                <p:cNvPr id="16" name="TextBox 15"/>
+                <p:cNvSpPr txBox="1"/>
+                <p:nvPr/>
+              </p:nvSpPr>
+              <p:spPr>
+                <a:xfrm>
+                  <a:off x="7247730" y="1551245"/>
+                  <a:ext cx="219483" cy="307777"/>
+                </a:xfrm>
+                <a:prstGeom prst="rect">
+                  <a:avLst/>
+                </a:prstGeom>
+                <a:noFill/>
+              </p:spPr>
+              <p:txBody>
+                <a:bodyPr wrap="none" lIns="0" tIns="0" rIns="0" bIns="0" rtlCol="0">
+                  <a:spAutoFit/>
+                </a:bodyPr>
+                <a:lstStyle/>
+                <a:p>
+                  <a:pPr/>
+                  <a14:m>
+                    <m:oMathPara xmlns:m="http://schemas.openxmlformats.org/officeDocument/2006/math">
+                      <m:oMathParaPr>
+                        <m:jc m:val="centerGroup"/>
+                      </m:oMathParaPr>
+                      <m:oMath xmlns:m="http://schemas.openxmlformats.org/officeDocument/2006/math">
+                        <m:acc>
+                          <m:accPr>
+                            <m:chr m:val="⃗"/>
+                            <m:ctrlPr>
+                              <a:rPr lang="en-US" sz="2000" b="0" i="1" smtClean="0">
+                                <a:latin typeface="Cambria Math" panose="02040503050406030204" pitchFamily="18" charset="0"/>
+                                <a:cs typeface="Arial" panose="020B0604020202020204" pitchFamily="34" charset="0"/>
+                              </a:rPr>
+                            </m:ctrlPr>
+                          </m:accPr>
+                          <m:e>
+                            <m:r>
+                              <a:rPr lang="en-US" sz="2000" b="0" i="1" smtClean="0">
+                                <a:latin typeface="Cambria Math" panose="02040503050406030204" pitchFamily="18" charset="0"/>
+                                <a:cs typeface="Arial" panose="020B0604020202020204" pitchFamily="34" charset="0"/>
+                              </a:rPr>
+                              <m:t>𝑎</m:t>
+                            </m:r>
+                          </m:e>
+                        </m:acc>
+                      </m:oMath>
+                    </m:oMathPara>
+                  </a14:m>
+                  <a:endParaRPr lang="en-US" sz="2000" dirty="0" smtClean="0">
+                    <a:latin typeface="Arial" panose="020B0604020202020204" pitchFamily="34" charset="0"/>
+                    <a:cs typeface="Arial" panose="020B0604020202020204" pitchFamily="34" charset="0"/>
+                  </a:endParaRPr>
+                </a:p>
+              </p:txBody>
+            </p:sp>
+          </mc:Choice>
+          <mc:Fallback>
+            <p:sp>
+              <p:nvSpPr>
+                <p:cNvPr id="16" name="TextBox 15"/>
+                <p:cNvSpPr txBox="1">
+                  <a:spLocks noRot="1" noChangeAspect="1" noMove="1" noResize="1" noEditPoints="1" noAdjustHandles="1" noChangeArrowheads="1" noChangeShapeType="1" noTextEdit="1"/>
+                </p:cNvSpPr>
+                <p:nvPr/>
+              </p:nvSpPr>
+              <p:spPr>
+                <a:xfrm>
+                  <a:off x="7247730" y="1551245"/>
+                  <a:ext cx="219483" cy="307777"/>
+                </a:xfrm>
+                <a:prstGeom prst="rect">
+                  <a:avLst/>
+                </a:prstGeom>
+                <a:blipFill>
+                  <a:blip r:embed="rId6"/>
+                  <a:stretch>
+                    <a:fillRect l="-22222" t="-33333" r="-91667" b="-5882"/>
+                  </a:stretch>
+                </a:blipFill>
+              </p:spPr>
+              <p:txBody>
+                <a:bodyPr/>
+                <a:lstStyle/>
+                <a:p>
+                  <a:r>
+                    <a:rPr lang="en-US">
+                      <a:noFill/>
+                    </a:rPr>
+                    <a:t> </a:t>
+                  </a:r>
+                </a:p>
+              </p:txBody>
+            </p:sp>
+          </mc:Fallback>
+        </mc:AlternateContent>
+        <p:grpSp>
+          <p:nvGrpSpPr>
+            <p:cNvPr id="17" name="Group 16"/>
+            <p:cNvGrpSpPr/>
+            <p:nvPr/>
+          </p:nvGrpSpPr>
+          <p:grpSpPr>
+            <a:xfrm rot="20189690">
+              <a:off x="6687665" y="2602372"/>
+              <a:ext cx="816522" cy="699150"/>
+              <a:chOff x="-163549" y="708040"/>
+              <a:chExt cx="2358479" cy="2102984"/>
+            </a:xfrm>
+          </p:grpSpPr>
+          <p:grpSp>
+            <p:nvGrpSpPr>
+              <p:cNvPr id="19" name="Group 18"/>
+              <p:cNvGrpSpPr/>
+              <p:nvPr/>
+            </p:nvGrpSpPr>
+            <p:grpSpPr>
+              <a:xfrm>
+                <a:off x="-163549" y="708040"/>
+                <a:ext cx="2358479" cy="2102984"/>
+                <a:chOff x="-136254" y="680744"/>
+                <a:chExt cx="2358479" cy="2102984"/>
+              </a:xfrm>
+            </p:grpSpPr>
+            <p:cxnSp>
+              <p:nvCxnSpPr>
+                <p:cNvPr id="21" name="Straight Arrow Connector 20"/>
+                <p:cNvCxnSpPr/>
+                <p:nvPr/>
+              </p:nvCxnSpPr>
+              <p:spPr>
+                <a:xfrm flipV="1">
+                  <a:off x="1516583" y="680744"/>
+                  <a:ext cx="7683" cy="1859535"/>
+                </a:xfrm>
+                <a:prstGeom prst="straightConnector1">
+                  <a:avLst/>
+                </a:prstGeom>
+                <a:ln w="38100">
+                  <a:solidFill>
+                    <a:schemeClr val="tx1"/>
+                  </a:solidFill>
+                  <a:tailEnd type="triangle"/>
+                </a:ln>
+              </p:spPr>
+              <p:style>
+                <a:lnRef idx="1">
+                  <a:schemeClr val="accent1"/>
+                </a:lnRef>
+                <a:fillRef idx="0">
+                  <a:schemeClr val="accent1"/>
+                </a:fillRef>
+                <a:effectRef idx="0">
+                  <a:schemeClr val="accent1"/>
+                </a:effectRef>
+                <a:fontRef idx="minor">
+                  <a:schemeClr val="tx1"/>
+                </a:fontRef>
+              </p:style>
+            </p:cxnSp>
+            <p:cxnSp>
+              <p:nvCxnSpPr>
+                <p:cNvPr id="22" name="Straight Arrow Connector 21"/>
+                <p:cNvCxnSpPr/>
+                <p:nvPr/>
+              </p:nvCxnSpPr>
+              <p:spPr>
+                <a:xfrm flipH="1" flipV="1">
+                  <a:off x="-136254" y="2504314"/>
+                  <a:ext cx="1652837" cy="3"/>
+                </a:xfrm>
+                <a:prstGeom prst="straightConnector1">
+                  <a:avLst/>
+                </a:prstGeom>
+                <a:ln w="38100">
+                  <a:solidFill>
+                    <a:schemeClr val="tx1"/>
+                  </a:solidFill>
+                  <a:tailEnd type="triangle"/>
+                </a:ln>
+              </p:spPr>
+              <p:style>
+                <a:lnRef idx="1">
+                  <a:schemeClr val="accent1"/>
+                </a:lnRef>
+                <a:fillRef idx="0">
+                  <a:schemeClr val="accent1"/>
+                </a:fillRef>
+                <a:effectRef idx="0">
+                  <a:schemeClr val="accent1"/>
+                </a:effectRef>
+                <a:fontRef idx="minor">
+                  <a:schemeClr val="tx1"/>
+                </a:fontRef>
+              </p:style>
+            </p:cxnSp>
+            <mc:AlternateContent xmlns:mc="http://schemas.openxmlformats.org/markup-compatibility/2006">
+              <mc:Choice xmlns:a14="http://schemas.microsoft.com/office/drawing/2010/main" Requires="a14">
+                <p:sp>
+                  <p:nvSpPr>
+                    <p:cNvPr id="23" name="Rectangle 22"/>
+                    <p:cNvSpPr/>
+                    <p:nvPr/>
+                  </p:nvSpPr>
+                  <p:spPr>
+                    <a:xfrm>
+                      <a:off x="307645" y="2414395"/>
+                      <a:ext cx="367985" cy="369333"/>
+                    </a:xfrm>
+                    <a:prstGeom prst="rect">
+                      <a:avLst/>
+                    </a:prstGeom>
+                  </p:spPr>
+                  <p:txBody>
+                    <a:bodyPr wrap="none">
+                      <a:spAutoFit/>
+                    </a:bodyPr>
+                    <a:lstStyle/>
+                    <a:p>
+                      <a:pPr/>
+                      <a14:m>
+                        <m:oMathPara xmlns:m="http://schemas.openxmlformats.org/officeDocument/2006/math">
+                          <m:oMathParaPr>
+                            <m:jc m:val="centerGroup"/>
+                          </m:oMathParaPr>
+                          <m:oMath xmlns:m="http://schemas.openxmlformats.org/officeDocument/2006/math">
+                            <m:r>
+                              <a:rPr lang="en-US" i="1">
+                                <a:latin typeface="Cambria Math" panose="02040503050406030204" pitchFamily="18" charset="0"/>
+                                <a:cs typeface="Arial" panose="020B0604020202020204" pitchFamily="34" charset="0"/>
+                              </a:rPr>
+                              <m:t>𝑥</m:t>
+                            </m:r>
+                          </m:oMath>
+                        </m:oMathPara>
+                      </a14:m>
+                      <a:endParaRPr lang="en-CA" dirty="0"/>
+                    </a:p>
+                  </p:txBody>
+                </p:sp>
+              </mc:Choice>
+              <mc:Fallback>
+                <p:sp>
+                  <p:nvSpPr>
+                    <p:cNvPr id="23" name="Rectangle 22"/>
+                    <p:cNvSpPr>
+                      <a:spLocks noRot="1" noChangeAspect="1" noMove="1" noResize="1" noEditPoints="1" noAdjustHandles="1" noChangeArrowheads="1" noChangeShapeType="1" noTextEdit="1"/>
+                    </p:cNvSpPr>
+                    <p:nvPr/>
+                  </p:nvSpPr>
+                  <p:spPr>
+                    <a:xfrm>
+                      <a:off x="307645" y="2414395"/>
+                      <a:ext cx="367985" cy="369333"/>
+                    </a:xfrm>
+                    <a:prstGeom prst="rect">
+                      <a:avLst/>
+                    </a:prstGeom>
+                    <a:blipFill>
+                      <a:blip r:embed="rId7"/>
+                      <a:stretch>
+                        <a:fillRect r="-107143" b="-103571"/>
+                      </a:stretch>
+                    </a:blipFill>
+                  </p:spPr>
+                  <p:txBody>
+                    <a:bodyPr/>
+                    <a:lstStyle/>
+                    <a:p>
+                      <a:r>
+                        <a:rPr lang="en-US">
+                          <a:noFill/>
+                        </a:rPr>
+                        <a:t> </a:t>
+                      </a:r>
+                    </a:p>
+                  </p:txBody>
+                </p:sp>
+              </mc:Fallback>
+            </mc:AlternateContent>
+            <mc:AlternateContent xmlns:mc="http://schemas.openxmlformats.org/markup-compatibility/2006">
+              <mc:Choice xmlns:a14="http://schemas.microsoft.com/office/drawing/2010/main" Requires="a14">
+                <p:sp>
+                  <p:nvSpPr>
+                    <p:cNvPr id="24" name="Rectangle 23"/>
+                    <p:cNvSpPr/>
+                    <p:nvPr/>
+                  </p:nvSpPr>
+                  <p:spPr>
+                    <a:xfrm>
+                      <a:off x="1563356" y="680744"/>
+                      <a:ext cx="658869" cy="1110919"/>
+                    </a:xfrm>
+                    <a:prstGeom prst="rect">
+                      <a:avLst/>
+                    </a:prstGeom>
+                  </p:spPr>
+                  <p:txBody>
+                    <a:bodyPr wrap="square">
+                      <a:spAutoFit/>
+                    </a:bodyPr>
+                    <a:lstStyle/>
+                    <a:p>
+                      <a:pPr/>
+                      <a14:m>
+                        <m:oMathPara xmlns:m="http://schemas.openxmlformats.org/officeDocument/2006/math">
+                          <m:oMathParaPr>
+                            <m:jc m:val="centerGroup"/>
+                          </m:oMathParaPr>
+                          <m:oMath xmlns:m="http://schemas.openxmlformats.org/officeDocument/2006/math">
+                            <m:r>
+                              <a:rPr lang="en-US" b="0" i="1" smtClean="0">
+                                <a:latin typeface="Cambria Math" panose="02040503050406030204" pitchFamily="18" charset="0"/>
+                              </a:rPr>
+                              <m:t>𝑦</m:t>
+                            </m:r>
+                          </m:oMath>
+                        </m:oMathPara>
+                      </a14:m>
+                      <a:endParaRPr lang="en-CA" dirty="0"/>
+                    </a:p>
+                  </p:txBody>
+                </p:sp>
+              </mc:Choice>
+              <mc:Fallback>
+                <p:sp>
+                  <p:nvSpPr>
+                    <p:cNvPr id="24" name="Rectangle 23"/>
+                    <p:cNvSpPr>
+                      <a:spLocks noRot="1" noChangeAspect="1" noMove="1" noResize="1" noEditPoints="1" noAdjustHandles="1" noChangeArrowheads="1" noChangeShapeType="1" noTextEdit="1"/>
+                    </p:cNvSpPr>
+                    <p:nvPr/>
+                  </p:nvSpPr>
+                  <p:spPr>
+                    <a:xfrm>
+                      <a:off x="1563356" y="680744"/>
+                      <a:ext cx="658869" cy="1110919"/>
+                    </a:xfrm>
+                    <a:prstGeom prst="rect">
+                      <a:avLst/>
+                    </a:prstGeom>
+                    <a:blipFill>
+                      <a:blip r:embed="rId8"/>
+                      <a:stretch>
+                        <a:fillRect r="-22034" b="-2778"/>
+                      </a:stretch>
+                    </a:blipFill>
+                  </p:spPr>
+                  <p:txBody>
+                    <a:bodyPr/>
+                    <a:lstStyle/>
+                    <a:p>
+                      <a:r>
+                        <a:rPr lang="en-US">
+                          <a:noFill/>
+                        </a:rPr>
+                        <a:t> </a:t>
+                      </a:r>
+                    </a:p>
+                  </p:txBody>
+                </p:sp>
+              </mc:Fallback>
+            </mc:AlternateContent>
+            <mc:AlternateContent xmlns:mc="http://schemas.openxmlformats.org/markup-compatibility/2006">
+              <mc:Choice xmlns:a14="http://schemas.microsoft.com/office/drawing/2010/main" Requires="a14">
+                <p:sp>
+                  <p:nvSpPr>
+                    <p:cNvPr id="25" name="Rectangle 24"/>
+                    <p:cNvSpPr/>
+                    <p:nvPr/>
+                  </p:nvSpPr>
+                  <p:spPr>
+                    <a:xfrm>
+                      <a:off x="1518657" y="2229730"/>
+                      <a:ext cx="367985" cy="369333"/>
+                    </a:xfrm>
+                    <a:prstGeom prst="rect">
+                      <a:avLst/>
+                    </a:prstGeom>
+                  </p:spPr>
+                  <p:txBody>
+                    <a:bodyPr wrap="none">
+                      <a:spAutoFit/>
+                    </a:bodyPr>
+                    <a:lstStyle/>
+                    <a:p>
+                      <a:pPr/>
+                      <a14:m>
+                        <m:oMathPara xmlns:m="http://schemas.openxmlformats.org/officeDocument/2006/math">
+                          <m:oMathParaPr>
+                            <m:jc m:val="centerGroup"/>
+                          </m:oMathParaPr>
+                          <m:oMath xmlns:m="http://schemas.openxmlformats.org/officeDocument/2006/math">
+                            <m:r>
+                              <a:rPr lang="en-US" b="0" i="1" smtClean="0">
+                                <a:latin typeface="Cambria Math" panose="02040503050406030204" pitchFamily="18" charset="0"/>
+                                <a:cs typeface="Arial" panose="020B0604020202020204" pitchFamily="34" charset="0"/>
+                              </a:rPr>
+                              <m:t>0</m:t>
+                            </m:r>
+                          </m:oMath>
+                        </m:oMathPara>
+                      </a14:m>
+                      <a:endParaRPr lang="en-CA" dirty="0"/>
+                    </a:p>
+                  </p:txBody>
+                </p:sp>
+              </mc:Choice>
+              <mc:Fallback>
+                <p:sp>
+                  <p:nvSpPr>
+                    <p:cNvPr id="25" name="Rectangle 24"/>
+                    <p:cNvSpPr>
+                      <a:spLocks noRot="1" noChangeAspect="1" noMove="1" noResize="1" noEditPoints="1" noAdjustHandles="1" noChangeArrowheads="1" noChangeShapeType="1" noTextEdit="1"/>
+                    </p:cNvSpPr>
+                    <p:nvPr/>
+                  </p:nvSpPr>
+                  <p:spPr>
+                    <a:xfrm>
+                      <a:off x="1518657" y="2229730"/>
+                      <a:ext cx="367985" cy="369333"/>
+                    </a:xfrm>
+                    <a:prstGeom prst="rect">
+                      <a:avLst/>
+                    </a:prstGeom>
+                    <a:blipFill>
+                      <a:blip r:embed="rId9"/>
+                      <a:stretch>
+                        <a:fillRect t="-3704" r="-128571" b="-125926"/>
+                      </a:stretch>
+                    </a:blipFill>
+                  </p:spPr>
+                  <p:txBody>
+                    <a:bodyPr/>
+                    <a:lstStyle/>
+                    <a:p>
+                      <a:r>
+                        <a:rPr lang="en-US">
+                          <a:noFill/>
+                        </a:rPr>
+                        <a:t> </a:t>
+                      </a:r>
+                    </a:p>
+                  </p:txBody>
+                </p:sp>
+              </mc:Fallback>
+            </mc:AlternateContent>
+          </p:grpSp>
+          <p:sp>
+            <p:nvSpPr>
+              <p:cNvPr id="20" name="Rectangle 19"/>
+              <p:cNvSpPr/>
+              <p:nvPr/>
+            </p:nvSpPr>
+            <p:spPr>
+              <a:xfrm>
+                <a:off x="1129904" y="1614682"/>
+                <a:ext cx="184731" cy="369332"/>
+              </a:xfrm>
+              <a:prstGeom prst="rect">
+                <a:avLst/>
+              </a:prstGeom>
+            </p:spPr>
+            <p:txBody>
+              <a:bodyPr wrap="none">
+                <a:spAutoFit/>
+              </a:bodyPr>
+              <a:lstStyle/>
+              <a:p>
+                <a:endParaRPr lang="en-CA" dirty="0"/>
+              </a:p>
+            </p:txBody>
+          </p:sp>
+        </p:grpSp>
+        <p:cxnSp>
+          <p:nvCxnSpPr>
+            <p:cNvPr id="8" name="Straight Connector 7"/>
+            <p:cNvCxnSpPr/>
+            <p:nvPr/>
+          </p:nvCxnSpPr>
+          <p:spPr>
+            <a:xfrm flipH="1" flipV="1">
+              <a:off x="8187493" y="3080337"/>
+              <a:ext cx="410477" cy="745348"/>
+            </a:xfrm>
+            <a:prstGeom prst="line">
+              <a:avLst/>
+            </a:prstGeom>
+            <a:ln w="28575">
+              <a:solidFill>
+                <a:schemeClr val="tx1"/>
+              </a:solidFill>
+              <a:prstDash val="sysDot"/>
+            </a:ln>
+          </p:spPr>
+          <p:style>
+            <a:lnRef idx="1">
+              <a:schemeClr val="accent1"/>
+            </a:lnRef>
+            <a:fillRef idx="0">
+              <a:schemeClr val="accent1"/>
+            </a:fillRef>
+            <a:effectRef idx="0">
+              <a:schemeClr val="accent1"/>
+            </a:effectRef>
+            <a:fontRef idx="minor">
+              <a:schemeClr val="tx1"/>
+            </a:fontRef>
+          </p:style>
+        </p:cxnSp>
+        <mc:AlternateContent xmlns:mc="http://schemas.openxmlformats.org/markup-compatibility/2006">
+          <mc:Choice xmlns:a14="http://schemas.microsoft.com/office/drawing/2010/main" Requires="a14">
+            <p:sp>
+              <p:nvSpPr>
+                <p:cNvPr id="9" name="TextBox 8"/>
+                <p:cNvSpPr txBox="1"/>
+                <p:nvPr/>
+              </p:nvSpPr>
+              <p:spPr>
+                <a:xfrm>
+                  <a:off x="8216136" y="3436152"/>
+                  <a:ext cx="222304" cy="307777"/>
+                </a:xfrm>
+                <a:prstGeom prst="rect">
+                  <a:avLst/>
+                </a:prstGeom>
+                <a:noFill/>
+              </p:spPr>
+              <p:txBody>
+                <a:bodyPr wrap="none" lIns="0" tIns="0" rIns="0" bIns="0" rtlCol="0">
+                  <a:spAutoFit/>
+                </a:bodyPr>
+                <a:lstStyle/>
+                <a:p>
+                  <a:pPr/>
+                  <a14:m>
+                    <m:oMathPara xmlns:m="http://schemas.openxmlformats.org/officeDocument/2006/math">
+                      <m:oMathParaPr>
+                        <m:jc m:val="centerGroup"/>
+                      </m:oMathParaPr>
+                      <m:oMath xmlns:m="http://schemas.openxmlformats.org/officeDocument/2006/math">
+                        <m:r>
+                          <a:rPr lang="en-US" sz="2000" b="0" i="1" smtClean="0">
+                            <a:latin typeface="Cambria Math" panose="02040503050406030204" pitchFamily="18" charset="0"/>
+                            <a:cs typeface="Arial" panose="020B0604020202020204" pitchFamily="34" charset="0"/>
+                          </a:rPr>
+                          <m:t>𝜃</m:t>
+                        </m:r>
+                      </m:oMath>
+                    </m:oMathPara>
+                  </a14:m>
+                  <a:endParaRPr lang="en-US" sz="2000" dirty="0" smtClean="0">
+                    <a:latin typeface="Arial" panose="020B0604020202020204" pitchFamily="34" charset="0"/>
+                    <a:cs typeface="Arial" panose="020B0604020202020204" pitchFamily="34" charset="0"/>
+                  </a:endParaRPr>
+                </a:p>
+              </p:txBody>
+            </p:sp>
+          </mc:Choice>
+          <mc:Fallback>
+            <p:sp>
+              <p:nvSpPr>
+                <p:cNvPr id="9" name="TextBox 8"/>
+                <p:cNvSpPr txBox="1">
+                  <a:spLocks noRot="1" noChangeAspect="1" noMove="1" noResize="1" noEditPoints="1" noAdjustHandles="1" noChangeArrowheads="1" noChangeShapeType="1" noTextEdit="1"/>
+                </p:cNvSpPr>
+                <p:nvPr/>
+              </p:nvSpPr>
+              <p:spPr>
+                <a:xfrm>
+                  <a:off x="8216136" y="3436152"/>
+                  <a:ext cx="222304" cy="307777"/>
+                </a:xfrm>
+                <a:prstGeom prst="rect">
+                  <a:avLst/>
+                </a:prstGeom>
+                <a:blipFill>
+                  <a:blip r:embed="rId10"/>
+                  <a:stretch>
+                    <a:fillRect l="-25000" r="-25000" b="-12000"/>
+                  </a:stretch>
+                </a:blipFill>
+              </p:spPr>
+              <p:txBody>
+                <a:bodyPr/>
+                <a:lstStyle/>
+                <a:p>
+                  <a:r>
+                    <a:rPr lang="en-US">
+                      <a:noFill/>
+                    </a:rPr>
+                    <a:t> </a:t>
+                  </a:r>
+                </a:p>
+              </p:txBody>
+            </p:sp>
+          </mc:Fallback>
+        </mc:AlternateContent>
+        <p:cxnSp>
+          <p:nvCxnSpPr>
+            <p:cNvPr id="27" name="Straight Arrow Connector 26"/>
+            <p:cNvCxnSpPr/>
+            <p:nvPr/>
+          </p:nvCxnSpPr>
+          <p:spPr>
+            <a:xfrm flipV="1">
+              <a:off x="8259772" y="2898213"/>
+              <a:ext cx="452865" cy="195527"/>
+            </a:xfrm>
+            <a:prstGeom prst="straightConnector1">
+              <a:avLst/>
+            </a:prstGeom>
+            <a:ln w="38100">
+              <a:solidFill>
+                <a:schemeClr val="tx1"/>
+              </a:solidFill>
+              <a:tailEnd type="triangle"/>
+            </a:ln>
+          </p:spPr>
+          <p:style>
+            <a:lnRef idx="1">
+              <a:schemeClr val="accent1"/>
+            </a:lnRef>
+            <a:fillRef idx="0">
+              <a:schemeClr val="accent1"/>
+            </a:fillRef>
+            <a:effectRef idx="0">
+              <a:schemeClr val="accent1"/>
+            </a:effectRef>
+            <a:fontRef idx="minor">
+              <a:schemeClr val="tx1"/>
+            </a:fontRef>
+          </p:style>
+        </p:cxnSp>
+        <mc:AlternateContent xmlns:mc="http://schemas.openxmlformats.org/markup-compatibility/2006">
+          <mc:Choice xmlns:a14="http://schemas.microsoft.com/office/drawing/2010/main" Requires="a14">
+            <p:sp>
+              <p:nvSpPr>
+                <p:cNvPr id="33" name="TextBox 32"/>
+                <p:cNvSpPr txBox="1"/>
+                <p:nvPr/>
+              </p:nvSpPr>
+              <p:spPr>
+                <a:xfrm>
+                  <a:off x="8669100" y="2866508"/>
+                  <a:ext cx="301493" cy="354071"/>
+                </a:xfrm>
+                <a:prstGeom prst="rect">
+                  <a:avLst/>
+                </a:prstGeom>
+                <a:noFill/>
+              </p:spPr>
+              <p:txBody>
+                <a:bodyPr wrap="none" lIns="0" tIns="0" rIns="0" bIns="0" rtlCol="0">
+                  <a:spAutoFit/>
+                </a:bodyPr>
+                <a:lstStyle/>
+                <a:p>
+                  <a14:m>
+                    <m:oMathPara xmlns:m="http://schemas.openxmlformats.org/officeDocument/2006/math">
+                      <m:oMathParaPr>
+                        <m:jc m:val="centerGroup"/>
+                      </m:oMathParaPr>
+                      <m:oMath xmlns:m="http://schemas.openxmlformats.org/officeDocument/2006/math">
+                        <m:sSub>
+                          <m:sSubPr>
+                            <m:ctrlPr>
+                              <a:rPr lang="en-US" sz="2000" b="0" i="1" smtClean="0">
+                                <a:latin typeface="Cambria Math" panose="02040503050406030204" pitchFamily="18" charset="0"/>
+                                <a:cs typeface="Arial" panose="020B0604020202020204" pitchFamily="34" charset="0"/>
+                              </a:rPr>
+                            </m:ctrlPr>
+                          </m:sSubPr>
+                          <m:e>
+                            <m:acc>
+                              <m:accPr>
+                                <m:chr m:val="⃗"/>
+                                <m:ctrlPr>
+                                  <a:rPr lang="en-US" sz="2000" b="0" i="1" smtClean="0">
+                                    <a:latin typeface="Cambria Math" panose="02040503050406030204" pitchFamily="18" charset="0"/>
+                                    <a:cs typeface="Arial" panose="020B0604020202020204" pitchFamily="34" charset="0"/>
+                                  </a:rPr>
+                                </m:ctrlPr>
+                              </m:accPr>
+                              <m:e>
+                                <m:r>
+                                  <a:rPr lang="en-US" sz="2000" b="0" i="1" smtClean="0">
+                                    <a:latin typeface="Cambria Math" panose="02040503050406030204" pitchFamily="18" charset="0"/>
+                                    <a:cs typeface="Arial" panose="020B0604020202020204" pitchFamily="34" charset="0"/>
+                                  </a:rPr>
+                                  <m:t>𝑓</m:t>
+                                </m:r>
+                              </m:e>
+                            </m:acc>
+                          </m:e>
+                          <m:sub>
+                            <m:r>
+                              <a:rPr lang="en-US" sz="2000" b="0" i="1" smtClean="0">
+                                <a:latin typeface="Cambria Math" panose="02040503050406030204" pitchFamily="18" charset="0"/>
+                                <a:cs typeface="Arial" panose="020B0604020202020204" pitchFamily="34" charset="0"/>
+                              </a:rPr>
+                              <m:t>𝑘</m:t>
+                            </m:r>
+                          </m:sub>
+                        </m:sSub>
+                      </m:oMath>
+                    </m:oMathPara>
+                  </a14:m>
+                  <a:endParaRPr lang="en-US" sz="2000" dirty="0" smtClean="0">
+                    <a:latin typeface="Arial" panose="020B0604020202020204" pitchFamily="34" charset="0"/>
+                    <a:cs typeface="Arial" panose="020B0604020202020204" pitchFamily="34" charset="0"/>
+                  </a:endParaRPr>
+                </a:p>
+              </p:txBody>
+            </p:sp>
+          </mc:Choice>
+          <mc:Fallback>
+            <p:sp>
+              <p:nvSpPr>
+                <p:cNvPr id="33" name="TextBox 32"/>
+                <p:cNvSpPr txBox="1">
+                  <a:spLocks noRot="1" noChangeAspect="1" noMove="1" noResize="1" noEditPoints="1" noAdjustHandles="1" noChangeArrowheads="1" noChangeShapeType="1" noTextEdit="1"/>
+                </p:cNvSpPr>
+                <p:nvPr/>
+              </p:nvSpPr>
+              <p:spPr>
+                <a:xfrm>
+                  <a:off x="8669100" y="2866508"/>
+                  <a:ext cx="301493" cy="354071"/>
+                </a:xfrm>
+                <a:prstGeom prst="rect">
+                  <a:avLst/>
+                </a:prstGeom>
+                <a:blipFill>
+                  <a:blip r:embed="rId11"/>
+                  <a:stretch>
+                    <a:fillRect l="-26000" t="-32759" r="-72000" b="-32759"/>
+                  </a:stretch>
+                </a:blipFill>
+              </p:spPr>
+              <p:txBody>
+                <a:bodyPr/>
+                <a:lstStyle/>
+                <a:p>
+                  <a:r>
+                    <a:rPr lang="en-US">
+                      <a:noFill/>
+                    </a:rPr>
+                    <a:t> </a:t>
+                  </a:r>
+                </a:p>
+              </p:txBody>
+            </p:sp>
+          </mc:Fallback>
+        </mc:AlternateContent>
+      </p:grpSp>
     </p:spTree>
     <p:extLst>
       <p:ext uri="{BB962C8B-B14F-4D97-AF65-F5344CB8AC3E}">
         <p14:creationId xmlns:p14="http://schemas.microsoft.com/office/powerpoint/2010/main" val="1819297336"/>
+      </p:ext>
+    </p:extLst>
+  </p:cSld>
+  <p:clrMapOvr>
+    <a:masterClrMapping/>
+  </p:clrMapOvr>
+</p:sld>
+</file>
+
+<file path=ppt/slides/slide8.xml><?xml version="1.0" encoding="utf-8"?>
+<p:sld xmlns:a="http://schemas.openxmlformats.org/drawingml/2006/main" xmlns:r="http://schemas.openxmlformats.org/officeDocument/2006/relationships" xmlns:p="http://schemas.openxmlformats.org/presentationml/2006/main">
+  <p:cSld>
+    <p:spTree>
+      <p:nvGrpSpPr>
+        <p:cNvPr id="1" name=""/>
+        <p:cNvGrpSpPr/>
+        <p:nvPr/>
+      </p:nvGrpSpPr>
+      <p:grpSpPr>
+        <a:xfrm>
+          <a:off x="0" y="0"/>
+          <a:ext cx="0" cy="0"/>
+          <a:chOff x="0" y="0"/>
+          <a:chExt cx="0" cy="0"/>
+        </a:xfrm>
+      </p:grpSpPr>
+      <p:grpSp>
+        <p:nvGrpSpPr>
+          <p:cNvPr id="41" name="Group 40"/>
+          <p:cNvGrpSpPr/>
+          <p:nvPr/>
+        </p:nvGrpSpPr>
+        <p:grpSpPr>
+          <a:xfrm>
+            <a:off x="6358270" y="1096628"/>
+            <a:ext cx="2056843" cy="1466498"/>
+            <a:chOff x="6645349" y="3995527"/>
+            <a:chExt cx="2056843" cy="1466498"/>
+          </a:xfrm>
+        </p:grpSpPr>
+        <p:grpSp>
+          <p:nvGrpSpPr>
+            <p:cNvPr id="32" name="Group 31"/>
+            <p:cNvGrpSpPr/>
+            <p:nvPr/>
+          </p:nvGrpSpPr>
+          <p:grpSpPr>
+            <a:xfrm>
+              <a:off x="6767237" y="4591917"/>
+              <a:ext cx="1934955" cy="870108"/>
+              <a:chOff x="6767237" y="4591917"/>
+              <a:chExt cx="1934955" cy="870108"/>
+            </a:xfrm>
+          </p:grpSpPr>
+          <p:sp>
+            <p:nvSpPr>
+              <p:cNvPr id="33" name="Rectangle 32"/>
+              <p:cNvSpPr/>
+              <p:nvPr/>
+            </p:nvSpPr>
+            <p:spPr>
+              <a:xfrm>
+                <a:off x="7292243" y="4591917"/>
+                <a:ext cx="884940" cy="629728"/>
+              </a:xfrm>
+              <a:prstGeom prst="rect">
+                <a:avLst/>
+              </a:prstGeom>
+              <a:solidFill>
+                <a:schemeClr val="bg2">
+                  <a:lumMod val="90000"/>
+                </a:schemeClr>
+              </a:solidFill>
+              <a:ln w="38100">
+                <a:solidFill>
+                  <a:schemeClr val="tx1"/>
+                </a:solidFill>
+              </a:ln>
+            </p:spPr>
+            <p:style>
+              <a:lnRef idx="2">
+                <a:schemeClr val="accent1">
+                  <a:shade val="50000"/>
+                </a:schemeClr>
+              </a:lnRef>
+              <a:fillRef idx="1">
+                <a:schemeClr val="accent1"/>
+              </a:fillRef>
+              <a:effectRef idx="0">
+                <a:schemeClr val="accent1"/>
+              </a:effectRef>
+              <a:fontRef idx="minor">
+                <a:schemeClr val="lt1"/>
+              </a:fontRef>
+            </p:style>
+            <p:txBody>
+              <a:bodyPr rtlCol="0" anchor="ctr"/>
+              <a:lstStyle/>
+              <a:p>
+                <a:pPr algn="ctr"/>
+                <a:endParaRPr lang="en-US"/>
+              </a:p>
+            </p:txBody>
+          </p:sp>
+          <p:sp>
+            <p:nvSpPr>
+              <p:cNvPr id="34" name="Rectangle 33"/>
+              <p:cNvSpPr/>
+              <p:nvPr/>
+            </p:nvSpPr>
+            <p:spPr>
+              <a:xfrm>
+                <a:off x="6767237" y="5223169"/>
+                <a:ext cx="1934955" cy="238856"/>
+              </a:xfrm>
+              <a:prstGeom prst="rect">
+                <a:avLst/>
+              </a:prstGeom>
+              <a:solidFill>
+                <a:schemeClr val="bg2">
+                  <a:lumMod val="50000"/>
+                </a:schemeClr>
+              </a:solidFill>
+              <a:ln w="38100">
+                <a:solidFill>
+                  <a:schemeClr val="tx1"/>
+                </a:solidFill>
+              </a:ln>
+            </p:spPr>
+            <p:style>
+              <a:lnRef idx="2">
+                <a:schemeClr val="accent1">
+                  <a:shade val="50000"/>
+                </a:schemeClr>
+              </a:lnRef>
+              <a:fillRef idx="1">
+                <a:schemeClr val="accent1"/>
+              </a:fillRef>
+              <a:effectRef idx="0">
+                <a:schemeClr val="accent1"/>
+              </a:effectRef>
+              <a:fontRef idx="minor">
+                <a:schemeClr val="lt1"/>
+              </a:fontRef>
+            </p:style>
+            <p:txBody>
+              <a:bodyPr rtlCol="0" anchor="ctr"/>
+              <a:lstStyle/>
+              <a:p>
+                <a:pPr algn="ctr"/>
+                <a:endParaRPr lang="en-US"/>
+              </a:p>
+            </p:txBody>
+          </p:sp>
+        </p:grpSp>
+        <p:sp>
+          <p:nvSpPr>
+            <p:cNvPr id="35" name="Rectangle 34"/>
+            <p:cNvSpPr/>
+            <p:nvPr/>
+          </p:nvSpPr>
+          <p:spPr>
+            <a:xfrm>
+              <a:off x="7513755" y="4256943"/>
+              <a:ext cx="441917" cy="334974"/>
+            </a:xfrm>
+            <a:prstGeom prst="rect">
+              <a:avLst/>
+            </a:prstGeom>
+            <a:solidFill>
+              <a:schemeClr val="bg2">
+                <a:lumMod val="90000"/>
+              </a:schemeClr>
+            </a:solidFill>
+            <a:ln w="38100">
+              <a:solidFill>
+                <a:schemeClr val="tx1"/>
+              </a:solidFill>
+            </a:ln>
+          </p:spPr>
+          <p:style>
+            <a:lnRef idx="2">
+              <a:schemeClr val="accent1">
+                <a:shade val="50000"/>
+              </a:schemeClr>
+            </a:lnRef>
+            <a:fillRef idx="1">
+              <a:schemeClr val="accent1"/>
+            </a:fillRef>
+            <a:effectRef idx="0">
+              <a:schemeClr val="accent1"/>
+            </a:effectRef>
+            <a:fontRef idx="minor">
+              <a:schemeClr val="lt1"/>
+            </a:fontRef>
+          </p:style>
+          <p:txBody>
+            <a:bodyPr rtlCol="0" anchor="ctr"/>
+            <a:lstStyle/>
+            <a:p>
+              <a:pPr algn="ctr"/>
+              <a:endParaRPr lang="en-US"/>
+            </a:p>
+          </p:txBody>
+        </p:sp>
+        <p:cxnSp>
+          <p:nvCxnSpPr>
+            <p:cNvPr id="37" name="Straight Arrow Connector 36"/>
+            <p:cNvCxnSpPr>
+              <a:endCxn id="35" idx="1"/>
+            </p:cNvCxnSpPr>
+            <p:nvPr/>
+          </p:nvCxnSpPr>
+          <p:spPr>
+            <a:xfrm>
+              <a:off x="6645349" y="4424430"/>
+              <a:ext cx="868406" cy="0"/>
+            </a:xfrm>
+            <a:prstGeom prst="straightConnector1">
+              <a:avLst/>
+            </a:prstGeom>
+            <a:ln w="38100">
+              <a:solidFill>
+                <a:schemeClr val="tx1"/>
+              </a:solidFill>
+              <a:tailEnd type="triangle"/>
+            </a:ln>
+          </p:spPr>
+          <p:style>
+            <a:lnRef idx="1">
+              <a:schemeClr val="accent1"/>
+            </a:lnRef>
+            <a:fillRef idx="0">
+              <a:schemeClr val="accent1"/>
+            </a:fillRef>
+            <a:effectRef idx="0">
+              <a:schemeClr val="accent1"/>
+            </a:effectRef>
+            <a:fontRef idx="minor">
+              <a:schemeClr val="tx1"/>
+            </a:fontRef>
+          </p:style>
+        </p:cxnSp>
+        <mc:AlternateContent xmlns:mc="http://schemas.openxmlformats.org/markup-compatibility/2006">
+          <mc:Choice xmlns:a14="http://schemas.microsoft.com/office/drawing/2010/main" Requires="a14">
+            <p:sp>
+              <p:nvSpPr>
+                <p:cNvPr id="38" name="TextBox 37"/>
+                <p:cNvSpPr txBox="1"/>
+                <p:nvPr/>
+              </p:nvSpPr>
+              <p:spPr>
+                <a:xfrm>
+                  <a:off x="6960737" y="3995527"/>
+                  <a:ext cx="237629" cy="345159"/>
+                </a:xfrm>
+                <a:prstGeom prst="rect">
+                  <a:avLst/>
+                </a:prstGeom>
+                <a:noFill/>
+              </p:spPr>
+              <p:txBody>
+                <a:bodyPr wrap="none" lIns="0" tIns="0" rIns="0" bIns="0" rtlCol="0">
+                  <a:spAutoFit/>
+                </a:bodyPr>
+                <a:lstStyle/>
+                <a:p>
+                  <a14:m>
+                    <m:oMathPara xmlns:m="http://schemas.openxmlformats.org/officeDocument/2006/math">
+                      <m:oMathParaPr>
+                        <m:jc m:val="centerGroup"/>
+                      </m:oMathParaPr>
+                      <m:oMath xmlns:m="http://schemas.openxmlformats.org/officeDocument/2006/math">
+                        <m:acc>
+                          <m:accPr>
+                            <m:chr m:val="⃗"/>
+                            <m:ctrlPr>
+                              <a:rPr lang="en-US" sz="2000" b="0" i="1" smtClean="0">
+                                <a:latin typeface="Cambria Math" panose="02040503050406030204" pitchFamily="18" charset="0"/>
+                                <a:cs typeface="Arial" panose="020B0604020202020204" pitchFamily="34" charset="0"/>
+                              </a:rPr>
+                            </m:ctrlPr>
+                          </m:accPr>
+                          <m:e>
+                            <m:r>
+                              <a:rPr lang="en-US" sz="2000" b="0" i="1" smtClean="0">
+                                <a:latin typeface="Cambria Math" panose="02040503050406030204" pitchFamily="18" charset="0"/>
+                                <a:cs typeface="Arial" panose="020B0604020202020204" pitchFamily="34" charset="0"/>
+                              </a:rPr>
+                              <m:t>𝐹</m:t>
+                            </m:r>
+                          </m:e>
+                        </m:acc>
+                      </m:oMath>
+                    </m:oMathPara>
+                  </a14:m>
+                  <a:endParaRPr lang="en-US" sz="2000" dirty="0" smtClean="0">
+                    <a:latin typeface="Arial" panose="020B0604020202020204" pitchFamily="34" charset="0"/>
+                    <a:cs typeface="Arial" panose="020B0604020202020204" pitchFamily="34" charset="0"/>
+                  </a:endParaRPr>
+                </a:p>
+              </p:txBody>
+            </p:sp>
+          </mc:Choice>
+          <mc:Fallback>
+            <p:sp>
+              <p:nvSpPr>
+                <p:cNvPr id="38" name="TextBox 37"/>
+                <p:cNvSpPr txBox="1">
+                  <a:spLocks noRot="1" noChangeAspect="1" noMove="1" noResize="1" noEditPoints="1" noAdjustHandles="1" noChangeArrowheads="1" noChangeShapeType="1" noTextEdit="1"/>
+                </p:cNvSpPr>
+                <p:nvPr/>
+              </p:nvSpPr>
+              <p:spPr>
+                <a:xfrm>
+                  <a:off x="6960737" y="3995527"/>
+                  <a:ext cx="237629" cy="345159"/>
+                </a:xfrm>
+                <a:prstGeom prst="rect">
+                  <a:avLst/>
+                </a:prstGeom>
+                <a:blipFill>
+                  <a:blip r:embed="rId2"/>
+                  <a:stretch>
+                    <a:fillRect l="-23077" t="-35088" r="-89744" b="-7018"/>
+                  </a:stretch>
+                </a:blipFill>
+              </p:spPr>
+              <p:txBody>
+                <a:bodyPr/>
+                <a:lstStyle/>
+                <a:p>
+                  <a:r>
+                    <a:rPr lang="en-US">
+                      <a:noFill/>
+                    </a:rPr>
+                    <a:t> </a:t>
+                  </a:r>
+                </a:p>
+              </p:txBody>
+            </p:sp>
+          </mc:Fallback>
+        </mc:AlternateContent>
+        <mc:AlternateContent xmlns:mc="http://schemas.openxmlformats.org/markup-compatibility/2006">
+          <mc:Choice xmlns:a14="http://schemas.microsoft.com/office/drawing/2010/main" Requires="a14">
+            <p:sp>
+              <p:nvSpPr>
+                <p:cNvPr id="39" name="TextBox 38"/>
+                <p:cNvSpPr txBox="1"/>
+                <p:nvPr/>
+              </p:nvSpPr>
+              <p:spPr>
+                <a:xfrm>
+                  <a:off x="7628113" y="4291390"/>
+                  <a:ext cx="213200" cy="307777"/>
+                </a:xfrm>
+                <a:prstGeom prst="rect">
+                  <a:avLst/>
+                </a:prstGeom>
+                <a:noFill/>
+              </p:spPr>
+              <p:txBody>
+                <a:bodyPr wrap="none" lIns="0" tIns="0" rIns="0" bIns="0" rtlCol="0">
+                  <a:spAutoFit/>
+                </a:bodyPr>
+                <a:lstStyle/>
+                <a:p>
+                  <a14:m>
+                    <m:oMathPara xmlns:m="http://schemas.openxmlformats.org/officeDocument/2006/math">
+                      <m:oMathParaPr>
+                        <m:jc m:val="centerGroup"/>
+                      </m:oMathParaPr>
+                      <m:oMath xmlns:m="http://schemas.openxmlformats.org/officeDocument/2006/math">
+                        <m:r>
+                          <a:rPr lang="en-US" sz="2000" b="0" i="1" smtClean="0">
+                            <a:latin typeface="Cambria Math" panose="02040503050406030204" pitchFamily="18" charset="0"/>
+                            <a:cs typeface="Arial" panose="020B0604020202020204" pitchFamily="34" charset="0"/>
+                          </a:rPr>
+                          <m:t>2</m:t>
+                        </m:r>
+                      </m:oMath>
+                    </m:oMathPara>
+                  </a14:m>
+                  <a:endParaRPr lang="en-US" sz="2000" dirty="0" smtClean="0">
+                    <a:latin typeface="Arial" panose="020B0604020202020204" pitchFamily="34" charset="0"/>
+                    <a:cs typeface="Arial" panose="020B0604020202020204" pitchFamily="34" charset="0"/>
+                  </a:endParaRPr>
+                </a:p>
+              </p:txBody>
+            </p:sp>
+          </mc:Choice>
+          <mc:Fallback>
+            <p:sp>
+              <p:nvSpPr>
+                <p:cNvPr id="39" name="TextBox 38"/>
+                <p:cNvSpPr txBox="1">
+                  <a:spLocks noRot="1" noChangeAspect="1" noMove="1" noResize="1" noEditPoints="1" noAdjustHandles="1" noChangeArrowheads="1" noChangeShapeType="1" noTextEdit="1"/>
+                </p:cNvSpPr>
+                <p:nvPr/>
+              </p:nvSpPr>
+              <p:spPr>
+                <a:xfrm>
+                  <a:off x="7628113" y="4291390"/>
+                  <a:ext cx="213200" cy="307777"/>
+                </a:xfrm>
+                <a:prstGeom prst="rect">
+                  <a:avLst/>
+                </a:prstGeom>
+                <a:blipFill>
+                  <a:blip r:embed="rId3"/>
+                  <a:stretch>
+                    <a:fillRect l="-22857" r="-25714" b="-9804"/>
+                  </a:stretch>
+                </a:blipFill>
+              </p:spPr>
+              <p:txBody>
+                <a:bodyPr/>
+                <a:lstStyle/>
+                <a:p>
+                  <a:r>
+                    <a:rPr lang="en-US">
+                      <a:noFill/>
+                    </a:rPr>
+                    <a:t> </a:t>
+                  </a:r>
+                </a:p>
+              </p:txBody>
+            </p:sp>
+          </mc:Fallback>
+        </mc:AlternateContent>
+        <mc:AlternateContent xmlns:mc="http://schemas.openxmlformats.org/markup-compatibility/2006">
+          <mc:Choice xmlns:a14="http://schemas.microsoft.com/office/drawing/2010/main" Requires="a14">
+            <p:sp>
+              <p:nvSpPr>
+                <p:cNvPr id="40" name="TextBox 39"/>
+                <p:cNvSpPr txBox="1"/>
+                <p:nvPr/>
+              </p:nvSpPr>
+              <p:spPr>
+                <a:xfrm>
+                  <a:off x="7628113" y="4738555"/>
+                  <a:ext cx="213200" cy="307777"/>
+                </a:xfrm>
+                <a:prstGeom prst="rect">
+                  <a:avLst/>
+                </a:prstGeom>
+                <a:noFill/>
+              </p:spPr>
+              <p:txBody>
+                <a:bodyPr wrap="none" lIns="0" tIns="0" rIns="0" bIns="0" rtlCol="0">
+                  <a:spAutoFit/>
+                </a:bodyPr>
+                <a:lstStyle/>
+                <a:p>
+                  <a14:m>
+                    <m:oMathPara xmlns:m="http://schemas.openxmlformats.org/officeDocument/2006/math">
+                      <m:oMathParaPr>
+                        <m:jc m:val="centerGroup"/>
+                      </m:oMathParaPr>
+                      <m:oMath xmlns:m="http://schemas.openxmlformats.org/officeDocument/2006/math">
+                        <m:r>
+                          <a:rPr lang="en-US" sz="2000" b="0" i="1" smtClean="0">
+                            <a:latin typeface="Cambria Math" panose="02040503050406030204" pitchFamily="18" charset="0"/>
+                            <a:cs typeface="Arial" panose="020B0604020202020204" pitchFamily="34" charset="0"/>
+                          </a:rPr>
+                          <m:t>1</m:t>
+                        </m:r>
+                      </m:oMath>
+                    </m:oMathPara>
+                  </a14:m>
+                  <a:endParaRPr lang="en-US" sz="2000" dirty="0" smtClean="0">
+                    <a:latin typeface="Arial" panose="020B0604020202020204" pitchFamily="34" charset="0"/>
+                    <a:cs typeface="Arial" panose="020B0604020202020204" pitchFamily="34" charset="0"/>
+                  </a:endParaRPr>
+                </a:p>
+              </p:txBody>
+            </p:sp>
+          </mc:Choice>
+          <mc:Fallback>
+            <p:sp>
+              <p:nvSpPr>
+                <p:cNvPr id="40" name="TextBox 39"/>
+                <p:cNvSpPr txBox="1">
+                  <a:spLocks noRot="1" noChangeAspect="1" noMove="1" noResize="1" noEditPoints="1" noAdjustHandles="1" noChangeArrowheads="1" noChangeShapeType="1" noTextEdit="1"/>
+                </p:cNvSpPr>
+                <p:nvPr/>
+              </p:nvSpPr>
+              <p:spPr>
+                <a:xfrm>
+                  <a:off x="7628113" y="4738555"/>
+                  <a:ext cx="213200" cy="307777"/>
+                </a:xfrm>
+                <a:prstGeom prst="rect">
+                  <a:avLst/>
+                </a:prstGeom>
+                <a:blipFill>
+                  <a:blip r:embed="rId4"/>
+                  <a:stretch>
+                    <a:fillRect l="-22857" r="-25714" b="-10000"/>
+                  </a:stretch>
+                </a:blipFill>
+              </p:spPr>
+              <p:txBody>
+                <a:bodyPr/>
+                <a:lstStyle/>
+                <a:p>
+                  <a:r>
+                    <a:rPr lang="en-US">
+                      <a:noFill/>
+                    </a:rPr>
+                    <a:t> </a:t>
+                  </a:r>
+                </a:p>
+              </p:txBody>
+            </p:sp>
+          </mc:Fallback>
+        </mc:AlternateContent>
+      </p:grpSp>
+      <p:grpSp>
+        <p:nvGrpSpPr>
+          <p:cNvPr id="64" name="Group 63"/>
+          <p:cNvGrpSpPr/>
+          <p:nvPr/>
+        </p:nvGrpSpPr>
+        <p:grpSpPr>
+          <a:xfrm>
+            <a:off x="972707" y="1257870"/>
+            <a:ext cx="4019548" cy="3812153"/>
+            <a:chOff x="972707" y="1257870"/>
+            <a:chExt cx="4019548" cy="3812153"/>
+          </a:xfrm>
+        </p:grpSpPr>
+        <p:sp>
+          <p:nvSpPr>
+            <p:cNvPr id="14" name="Oval 13"/>
+            <p:cNvSpPr/>
+            <p:nvPr/>
+          </p:nvSpPr>
+          <p:spPr>
+            <a:xfrm>
+              <a:off x="1846544" y="3434738"/>
+              <a:ext cx="120943" cy="119766"/>
+            </a:xfrm>
+            <a:prstGeom prst="ellipse">
+              <a:avLst/>
+            </a:prstGeom>
+            <a:solidFill>
+              <a:schemeClr val="tx1"/>
+            </a:solidFill>
+            <a:ln w="38100">
+              <a:solidFill>
+                <a:schemeClr val="tx1"/>
+              </a:solidFill>
+            </a:ln>
+          </p:spPr>
+          <p:style>
+            <a:lnRef idx="2">
+              <a:schemeClr val="accent1">
+                <a:shade val="50000"/>
+              </a:schemeClr>
+            </a:lnRef>
+            <a:fillRef idx="1">
+              <a:schemeClr val="accent1"/>
+            </a:fillRef>
+            <a:effectRef idx="0">
+              <a:schemeClr val="accent1"/>
+            </a:effectRef>
+            <a:fontRef idx="minor">
+              <a:schemeClr val="lt1"/>
+            </a:fontRef>
+          </p:style>
+          <p:txBody>
+            <a:bodyPr rtlCol="0" anchor="ctr"/>
+            <a:lstStyle/>
+            <a:p>
+              <a:pPr algn="ctr"/>
+              <a:endParaRPr lang="en-US"/>
+            </a:p>
+          </p:txBody>
+        </p:sp>
+        <p:cxnSp>
+          <p:nvCxnSpPr>
+            <p:cNvPr id="15" name="Straight Arrow Connector 14"/>
+            <p:cNvCxnSpPr/>
+            <p:nvPr/>
+          </p:nvCxnSpPr>
+          <p:spPr>
+            <a:xfrm>
+              <a:off x="1912364" y="3543871"/>
+              <a:ext cx="5284" cy="1040756"/>
+            </a:xfrm>
+            <a:prstGeom prst="straightConnector1">
+              <a:avLst/>
+            </a:prstGeom>
+            <a:ln w="38100">
+              <a:solidFill>
+                <a:schemeClr val="tx1"/>
+              </a:solidFill>
+              <a:tailEnd type="triangle"/>
+            </a:ln>
+          </p:spPr>
+          <p:style>
+            <a:lnRef idx="1">
+              <a:schemeClr val="accent1"/>
+            </a:lnRef>
+            <a:fillRef idx="0">
+              <a:schemeClr val="accent1"/>
+            </a:fillRef>
+            <a:effectRef idx="0">
+              <a:schemeClr val="accent1"/>
+            </a:effectRef>
+            <a:fontRef idx="minor">
+              <a:schemeClr val="tx1"/>
+            </a:fontRef>
+          </p:style>
+        </p:cxnSp>
+        <mc:AlternateContent xmlns:mc="http://schemas.openxmlformats.org/markup-compatibility/2006">
+          <mc:Choice xmlns:a14="http://schemas.microsoft.com/office/drawing/2010/main" Requires="a14">
+            <p:sp>
+              <p:nvSpPr>
+                <p:cNvPr id="16" name="TextBox 15"/>
+                <p:cNvSpPr txBox="1"/>
+                <p:nvPr/>
+              </p:nvSpPr>
+              <p:spPr>
+                <a:xfrm>
+                  <a:off x="1409538" y="3907447"/>
+                  <a:ext cx="445891" cy="377219"/>
+                </a:xfrm>
+                <a:prstGeom prst="rect">
+                  <a:avLst/>
+                </a:prstGeom>
+                <a:noFill/>
+              </p:spPr>
+              <p:txBody>
+                <a:bodyPr wrap="none" lIns="0" tIns="0" rIns="0" bIns="0" rtlCol="0">
+                  <a:spAutoFit/>
+                </a:bodyPr>
+                <a:lstStyle/>
+                <a:p>
+                  <a:pPr/>
+                  <a14:m>
+                    <m:oMathPara xmlns:m="http://schemas.openxmlformats.org/officeDocument/2006/math">
+                      <m:oMathParaPr>
+                        <m:jc m:val="centerGroup"/>
+                      </m:oMathParaPr>
+                      <m:oMath xmlns:m="http://schemas.openxmlformats.org/officeDocument/2006/math">
+                        <m:sSub>
+                          <m:sSubPr>
+                            <m:ctrlPr>
+                              <a:rPr lang="en-US" sz="2000" b="0" i="1" smtClean="0">
+                                <a:latin typeface="Cambria Math" panose="02040503050406030204" pitchFamily="18" charset="0"/>
+                                <a:cs typeface="Arial" panose="020B0604020202020204" pitchFamily="34" charset="0"/>
+                              </a:rPr>
+                            </m:ctrlPr>
+                          </m:sSubPr>
+                          <m:e>
+                            <m:acc>
+                              <m:accPr>
+                                <m:chr m:val="⃗"/>
+                                <m:ctrlPr>
+                                  <a:rPr lang="en-US" sz="2000" b="0" i="1" smtClean="0">
+                                    <a:latin typeface="Cambria Math" panose="02040503050406030204" pitchFamily="18" charset="0"/>
+                                    <a:cs typeface="Arial" panose="020B0604020202020204" pitchFamily="34" charset="0"/>
+                                  </a:rPr>
+                                </m:ctrlPr>
+                              </m:accPr>
+                              <m:e>
+                                <m:r>
+                                  <a:rPr lang="en-US" sz="2000" b="0" i="1" smtClean="0">
+                                    <a:latin typeface="Cambria Math" panose="02040503050406030204" pitchFamily="18" charset="0"/>
+                                    <a:cs typeface="Arial" panose="020B0604020202020204" pitchFamily="34" charset="0"/>
+                                  </a:rPr>
+                                  <m:t>𝐹</m:t>
+                                </m:r>
+                              </m:e>
+                            </m:acc>
+                          </m:e>
+                          <m:sub>
+                            <m:r>
+                              <a:rPr lang="en-US" sz="2000" b="0" i="1" smtClean="0">
+                                <a:latin typeface="Cambria Math" panose="02040503050406030204" pitchFamily="18" charset="0"/>
+                                <a:cs typeface="Arial" panose="020B0604020202020204" pitchFamily="34" charset="0"/>
+                              </a:rPr>
+                              <m:t>2</m:t>
+                            </m:r>
+                            <m:r>
+                              <a:rPr lang="en-US" sz="2000" b="0" i="1" smtClean="0">
+                                <a:latin typeface="Cambria Math" panose="02040503050406030204" pitchFamily="18" charset="0"/>
+                                <a:cs typeface="Arial" panose="020B0604020202020204" pitchFamily="34" charset="0"/>
+                              </a:rPr>
+                              <m:t>𝑔</m:t>
+                            </m:r>
+                          </m:sub>
+                        </m:sSub>
+                      </m:oMath>
+                    </m:oMathPara>
+                  </a14:m>
+                  <a:endParaRPr lang="en-US" sz="2000" dirty="0" smtClean="0">
+                    <a:latin typeface="Arial" panose="020B0604020202020204" pitchFamily="34" charset="0"/>
+                    <a:cs typeface="Arial" panose="020B0604020202020204" pitchFamily="34" charset="0"/>
+                  </a:endParaRPr>
+                </a:p>
+              </p:txBody>
+            </p:sp>
+          </mc:Choice>
+          <mc:Fallback>
+            <p:sp>
+              <p:nvSpPr>
+                <p:cNvPr id="16" name="TextBox 15"/>
+                <p:cNvSpPr txBox="1">
+                  <a:spLocks noRot="1" noChangeAspect="1" noMove="1" noResize="1" noEditPoints="1" noAdjustHandles="1" noChangeArrowheads="1" noChangeShapeType="1" noTextEdit="1"/>
+                </p:cNvSpPr>
+                <p:nvPr/>
+              </p:nvSpPr>
+              <p:spPr>
+                <a:xfrm>
+                  <a:off x="1409538" y="3907447"/>
+                  <a:ext cx="445891" cy="377219"/>
+                </a:xfrm>
+                <a:prstGeom prst="rect">
+                  <a:avLst/>
+                </a:prstGeom>
+                <a:blipFill>
+                  <a:blip r:embed="rId5"/>
+                  <a:stretch>
+                    <a:fillRect l="-10959" t="-32258" r="-36986" b="-20968"/>
+                  </a:stretch>
+                </a:blipFill>
+              </p:spPr>
+              <p:txBody>
+                <a:bodyPr/>
+                <a:lstStyle/>
+                <a:p>
+                  <a:r>
+                    <a:rPr lang="en-US">
+                      <a:noFill/>
+                    </a:rPr>
+                    <a:t> </a:t>
+                  </a:r>
+                </a:p>
+              </p:txBody>
+            </p:sp>
+          </mc:Fallback>
+        </mc:AlternateContent>
+        <p:cxnSp>
+          <p:nvCxnSpPr>
+            <p:cNvPr id="18" name="Straight Arrow Connector 17"/>
+            <p:cNvCxnSpPr/>
+            <p:nvPr/>
+          </p:nvCxnSpPr>
+          <p:spPr>
+            <a:xfrm flipV="1">
+              <a:off x="1912364" y="2401195"/>
+              <a:ext cx="0" cy="1046156"/>
+            </a:xfrm>
+            <a:prstGeom prst="straightConnector1">
+              <a:avLst/>
+            </a:prstGeom>
+            <a:ln w="38100">
+              <a:solidFill>
+                <a:schemeClr val="tx1"/>
+              </a:solidFill>
+              <a:tailEnd type="triangle"/>
+            </a:ln>
+          </p:spPr>
+          <p:style>
+            <a:lnRef idx="1">
+              <a:schemeClr val="accent1"/>
+            </a:lnRef>
+            <a:fillRef idx="0">
+              <a:schemeClr val="accent1"/>
+            </a:fillRef>
+            <a:effectRef idx="0">
+              <a:schemeClr val="accent1"/>
+            </a:effectRef>
+            <a:fontRef idx="minor">
+              <a:schemeClr val="tx1"/>
+            </a:fontRef>
+          </p:style>
+        </p:cxnSp>
+        <mc:AlternateContent xmlns:mc="http://schemas.openxmlformats.org/markup-compatibility/2006">
+          <mc:Choice xmlns:a14="http://schemas.microsoft.com/office/drawing/2010/main" Requires="a14">
+            <p:sp>
+              <p:nvSpPr>
+                <p:cNvPr id="20" name="TextBox 19"/>
+                <p:cNvSpPr txBox="1"/>
+                <p:nvPr/>
+              </p:nvSpPr>
+              <p:spPr>
+                <a:xfrm>
+                  <a:off x="2007060" y="2956363"/>
+                  <a:ext cx="256847" cy="345159"/>
+                </a:xfrm>
+                <a:prstGeom prst="rect">
+                  <a:avLst/>
+                </a:prstGeom>
+                <a:noFill/>
+              </p:spPr>
+              <p:txBody>
+                <a:bodyPr wrap="square" lIns="0" tIns="0" rIns="0" bIns="0" rtlCol="0">
+                  <a:spAutoFit/>
+                </a:bodyPr>
+                <a:lstStyle/>
+                <a:p>
+                  <a:pPr/>
+                  <a14:m>
+                    <m:oMathPara xmlns:m="http://schemas.openxmlformats.org/officeDocument/2006/math">
+                      <m:oMathParaPr>
+                        <m:jc m:val="centerGroup"/>
+                      </m:oMathParaPr>
+                      <m:oMath xmlns:m="http://schemas.openxmlformats.org/officeDocument/2006/math">
+                        <m:sSub>
+                          <m:sSubPr>
+                            <m:ctrlPr>
+                              <a:rPr lang="en-US" sz="2000" b="0" i="0" smtClean="0">
+                                <a:latin typeface="Cambria Math" panose="02040503050406030204" pitchFamily="18" charset="0"/>
+                                <a:cs typeface="Arial" panose="020B0604020202020204" pitchFamily="34" charset="0"/>
+                              </a:rPr>
+                            </m:ctrlPr>
+                          </m:sSubPr>
+                          <m:e>
+                            <m:acc>
+                              <m:accPr>
+                                <m:chr m:val="⃗"/>
+                                <m:ctrlPr>
+                                  <a:rPr lang="en-US" sz="2000" b="0" i="1" smtClean="0">
+                                    <a:latin typeface="Cambria Math" panose="02040503050406030204" pitchFamily="18" charset="0"/>
+                                    <a:cs typeface="Arial" panose="020B0604020202020204" pitchFamily="34" charset="0"/>
+                                  </a:rPr>
+                                </m:ctrlPr>
+                              </m:accPr>
+                              <m:e>
+                                <m:r>
+                                  <a:rPr lang="en-US" sz="2000" b="0" i="1" smtClean="0">
+                                    <a:latin typeface="Cambria Math" panose="02040503050406030204" pitchFamily="18" charset="0"/>
+                                    <a:cs typeface="Arial" panose="020B0604020202020204" pitchFamily="34" charset="0"/>
+                                  </a:rPr>
+                                  <m:t>𝑁</m:t>
+                                </m:r>
+                              </m:e>
+                            </m:acc>
+                          </m:e>
+                          <m:sub>
+                            <m:r>
+                              <a:rPr lang="en-US" sz="2000" b="0" i="0" smtClean="0">
+                                <a:latin typeface="Cambria Math" panose="02040503050406030204" pitchFamily="18" charset="0"/>
+                                <a:cs typeface="Arial" panose="020B0604020202020204" pitchFamily="34" charset="0"/>
+                              </a:rPr>
+                              <m:t>2</m:t>
+                            </m:r>
+                          </m:sub>
+                        </m:sSub>
+                      </m:oMath>
+                    </m:oMathPara>
+                  </a14:m>
+                  <a:endParaRPr lang="en-US" sz="2000" dirty="0" smtClean="0">
+                    <a:latin typeface="Arial" panose="020B0604020202020204" pitchFamily="34" charset="0"/>
+                    <a:cs typeface="Arial" panose="020B0604020202020204" pitchFamily="34" charset="0"/>
+                  </a:endParaRPr>
+                </a:p>
+              </p:txBody>
+            </p:sp>
+          </mc:Choice>
+          <mc:Fallback>
+            <p:sp>
+              <p:nvSpPr>
+                <p:cNvPr id="20" name="TextBox 19"/>
+                <p:cNvSpPr txBox="1">
+                  <a:spLocks noRot="1" noChangeAspect="1" noMove="1" noResize="1" noEditPoints="1" noAdjustHandles="1" noChangeArrowheads="1" noChangeShapeType="1" noTextEdit="1"/>
+                </p:cNvSpPr>
+                <p:nvPr/>
+              </p:nvSpPr>
+              <p:spPr>
+                <a:xfrm>
+                  <a:off x="2007060" y="2956363"/>
+                  <a:ext cx="256847" cy="345159"/>
+                </a:xfrm>
+                <a:prstGeom prst="rect">
+                  <a:avLst/>
+                </a:prstGeom>
+                <a:blipFill>
+                  <a:blip r:embed="rId6"/>
+                  <a:stretch>
+                    <a:fillRect l="-33333" r="-35714" b="-15789"/>
+                  </a:stretch>
+                </a:blipFill>
+              </p:spPr>
+              <p:txBody>
+                <a:bodyPr/>
+                <a:lstStyle/>
+                <a:p>
+                  <a:r>
+                    <a:rPr lang="en-US">
+                      <a:noFill/>
+                    </a:rPr>
+                    <a:t> </a:t>
+                  </a:r>
+                </a:p>
+              </p:txBody>
+            </p:sp>
+          </mc:Fallback>
+        </mc:AlternateContent>
+        <p:grpSp>
+          <p:nvGrpSpPr>
+            <p:cNvPr id="6" name="Group 5"/>
+            <p:cNvGrpSpPr/>
+            <p:nvPr/>
+          </p:nvGrpSpPr>
+          <p:grpSpPr>
+            <a:xfrm>
+              <a:off x="1029025" y="4360028"/>
+              <a:ext cx="898789" cy="709995"/>
+              <a:chOff x="758520" y="708040"/>
+              <a:chExt cx="2596102" cy="2135605"/>
+            </a:xfrm>
+          </p:grpSpPr>
+          <p:grpSp>
+            <p:nvGrpSpPr>
+              <p:cNvPr id="7" name="Group 6"/>
+              <p:cNvGrpSpPr/>
+              <p:nvPr/>
+            </p:nvGrpSpPr>
+            <p:grpSpPr>
+              <a:xfrm>
+                <a:off x="758520" y="708040"/>
+                <a:ext cx="2596102" cy="2135605"/>
+                <a:chOff x="785815" y="680744"/>
+                <a:chExt cx="2596102" cy="2135605"/>
+              </a:xfrm>
+            </p:grpSpPr>
+            <p:cxnSp>
+              <p:nvCxnSpPr>
+                <p:cNvPr id="9" name="Straight Arrow Connector 8"/>
+                <p:cNvCxnSpPr/>
+                <p:nvPr/>
+              </p:nvCxnSpPr>
+              <p:spPr>
+                <a:xfrm flipV="1">
+                  <a:off x="1516583" y="680744"/>
+                  <a:ext cx="7683" cy="1859535"/>
+                </a:xfrm>
+                <a:prstGeom prst="straightConnector1">
+                  <a:avLst/>
+                </a:prstGeom>
+                <a:ln w="38100">
+                  <a:solidFill>
+                    <a:schemeClr val="tx1"/>
+                  </a:solidFill>
+                  <a:tailEnd type="triangle"/>
+                </a:ln>
+              </p:spPr>
+              <p:style>
+                <a:lnRef idx="1">
+                  <a:schemeClr val="accent1"/>
+                </a:lnRef>
+                <a:fillRef idx="0">
+                  <a:schemeClr val="accent1"/>
+                </a:fillRef>
+                <a:effectRef idx="0">
+                  <a:schemeClr val="accent1"/>
+                </a:effectRef>
+                <a:fontRef idx="minor">
+                  <a:schemeClr val="tx1"/>
+                </a:fontRef>
+              </p:style>
+            </p:cxnSp>
+            <p:cxnSp>
+              <p:nvCxnSpPr>
+                <p:cNvPr id="10" name="Straight Arrow Connector 9"/>
+                <p:cNvCxnSpPr/>
+                <p:nvPr/>
+              </p:nvCxnSpPr>
+              <p:spPr>
+                <a:xfrm flipV="1">
+                  <a:off x="1507013" y="2535259"/>
+                  <a:ext cx="1874904" cy="1"/>
+                </a:xfrm>
+                <a:prstGeom prst="straightConnector1">
+                  <a:avLst/>
+                </a:prstGeom>
+                <a:ln w="38100">
+                  <a:solidFill>
+                    <a:schemeClr val="tx1"/>
+                  </a:solidFill>
+                  <a:tailEnd type="triangle"/>
+                </a:ln>
+              </p:spPr>
+              <p:style>
+                <a:lnRef idx="1">
+                  <a:schemeClr val="accent1"/>
+                </a:lnRef>
+                <a:fillRef idx="0">
+                  <a:schemeClr val="accent1"/>
+                </a:fillRef>
+                <a:effectRef idx="0">
+                  <a:schemeClr val="accent1"/>
+                </a:effectRef>
+                <a:fontRef idx="minor">
+                  <a:schemeClr val="tx1"/>
+                </a:fontRef>
+              </p:style>
+            </p:cxnSp>
+            <mc:AlternateContent xmlns:mc="http://schemas.openxmlformats.org/markup-compatibility/2006" xmlns:a14="http://schemas.microsoft.com/office/drawing/2010/main">
+              <mc:Choice Requires="a14">
+                <p:sp>
+                  <p:nvSpPr>
+                    <p:cNvPr id="11" name="Rectangle 10"/>
+                    <p:cNvSpPr/>
+                    <p:nvPr/>
+                  </p:nvSpPr>
+                  <p:spPr>
+                    <a:xfrm>
+                      <a:off x="2697555" y="2447016"/>
+                      <a:ext cx="367985" cy="369333"/>
+                    </a:xfrm>
+                    <a:prstGeom prst="rect">
+                      <a:avLst/>
+                    </a:prstGeom>
+                  </p:spPr>
+                  <p:txBody>
+                    <a:bodyPr wrap="none">
+                      <a:spAutoFit/>
+                    </a:bodyPr>
+                    <a:lstStyle/>
+                    <a:p>
+                      <a:pPr/>
+                      <a14:m>
+                        <m:oMathPara xmlns:m="http://schemas.openxmlformats.org/officeDocument/2006/math">
+                          <m:oMathParaPr>
+                            <m:jc m:val="centerGroup"/>
+                          </m:oMathParaPr>
+                          <m:oMath xmlns:m="http://schemas.openxmlformats.org/officeDocument/2006/math">
+                            <m:r>
+                              <a:rPr lang="en-US" i="1">
+                                <a:latin typeface="Cambria Math" panose="02040503050406030204" pitchFamily="18" charset="0"/>
+                                <a:cs typeface="Arial" panose="020B0604020202020204" pitchFamily="34" charset="0"/>
+                              </a:rPr>
+                              <m:t>𝑥</m:t>
+                            </m:r>
+                          </m:oMath>
+                        </m:oMathPara>
+                      </a14:m>
+                      <a:endParaRPr lang="en-CA" dirty="0"/>
+                    </a:p>
+                  </p:txBody>
+                </p:sp>
+              </mc:Choice>
+              <mc:Fallback xmlns="">
+                <p:sp>
+                  <p:nvSpPr>
+                    <p:cNvPr id="107" name="Rectangle 106"/>
+                    <p:cNvSpPr>
+                      <a:spLocks noRot="1" noChangeAspect="1" noMove="1" noResize="1" noEditPoints="1" noAdjustHandles="1" noChangeArrowheads="1" noChangeShapeType="1" noTextEdit="1"/>
+                    </p:cNvSpPr>
+                    <p:nvPr/>
+                  </p:nvSpPr>
+                  <p:spPr>
+                    <a:xfrm>
+                      <a:off x="2697555" y="2447016"/>
+                      <a:ext cx="367985" cy="369333"/>
+                    </a:xfrm>
+                    <a:prstGeom prst="rect">
+                      <a:avLst/>
+                    </a:prstGeom>
+                    <a:blipFill>
+                      <a:blip r:embed="rId27"/>
+                      <a:stretch>
+                        <a:fillRect r="-95238" b="-160000"/>
+                      </a:stretch>
+                    </a:blipFill>
+                  </p:spPr>
+                  <p:txBody>
+                    <a:bodyPr/>
+                    <a:lstStyle/>
+                    <a:p>
+                      <a:r>
+                        <a:rPr lang="en-US">
+                          <a:noFill/>
+                        </a:rPr>
+                        <a:t> </a:t>
+                      </a:r>
+                    </a:p>
+                  </p:txBody>
+                </p:sp>
+              </mc:Fallback>
+            </mc:AlternateContent>
+            <mc:AlternateContent xmlns:mc="http://schemas.openxmlformats.org/markup-compatibility/2006" xmlns:a14="http://schemas.microsoft.com/office/drawing/2010/main">
+              <mc:Choice Requires="a14">
+                <p:sp>
+                  <p:nvSpPr>
+                    <p:cNvPr id="12" name="Rectangle 11"/>
+                    <p:cNvSpPr/>
+                    <p:nvPr/>
+                  </p:nvSpPr>
+                  <p:spPr>
+                    <a:xfrm>
+                      <a:off x="785815" y="912420"/>
+                      <a:ext cx="371385" cy="369333"/>
+                    </a:xfrm>
+                    <a:prstGeom prst="rect">
+                      <a:avLst/>
+                    </a:prstGeom>
+                  </p:spPr>
+                  <p:txBody>
+                    <a:bodyPr wrap="none">
+                      <a:spAutoFit/>
+                    </a:bodyPr>
+                    <a:lstStyle/>
+                    <a:p>
+                      <a:pPr/>
+                      <a14:m>
+                        <m:oMathPara xmlns:m="http://schemas.openxmlformats.org/officeDocument/2006/math">
+                          <m:oMathParaPr>
+                            <m:jc m:val="centerGroup"/>
+                          </m:oMathParaPr>
+                          <m:oMath xmlns:m="http://schemas.openxmlformats.org/officeDocument/2006/math">
+                            <m:r>
+                              <a:rPr lang="en-US" b="0" i="1" smtClean="0">
+                                <a:latin typeface="Cambria Math" panose="02040503050406030204" pitchFamily="18" charset="0"/>
+                              </a:rPr>
+                              <m:t>𝑦</m:t>
+                            </m:r>
+                          </m:oMath>
+                        </m:oMathPara>
+                      </a14:m>
+                      <a:endParaRPr lang="en-CA" dirty="0"/>
+                    </a:p>
+                  </p:txBody>
+                </p:sp>
+              </mc:Choice>
+              <mc:Fallback xmlns="">
+                <p:sp>
+                  <p:nvSpPr>
+                    <p:cNvPr id="108" name="Rectangle 107"/>
+                    <p:cNvSpPr>
+                      <a:spLocks noRot="1" noChangeAspect="1" noMove="1" noResize="1" noEditPoints="1" noAdjustHandles="1" noChangeArrowheads="1" noChangeShapeType="1" noTextEdit="1"/>
+                    </p:cNvSpPr>
+                    <p:nvPr/>
+                  </p:nvSpPr>
+                  <p:spPr>
+                    <a:xfrm>
+                      <a:off x="785815" y="912420"/>
+                      <a:ext cx="371385" cy="369333"/>
+                    </a:xfrm>
+                    <a:prstGeom prst="rect">
+                      <a:avLst/>
+                    </a:prstGeom>
+                    <a:blipFill>
+                      <a:blip r:embed="rId28"/>
+                      <a:stretch>
+                        <a:fillRect l="-19048" r="-114286" b="-220000"/>
+                      </a:stretch>
+                    </a:blipFill>
+                  </p:spPr>
+                  <p:txBody>
+                    <a:bodyPr/>
+                    <a:lstStyle/>
+                    <a:p>
+                      <a:r>
+                        <a:rPr lang="en-US">
+                          <a:noFill/>
+                        </a:rPr>
+                        <a:t> </a:t>
+                      </a:r>
+                    </a:p>
+                  </p:txBody>
+                </p:sp>
+              </mc:Fallback>
+            </mc:AlternateContent>
+            <mc:AlternateContent xmlns:mc="http://schemas.openxmlformats.org/markup-compatibility/2006" xmlns:a14="http://schemas.microsoft.com/office/drawing/2010/main">
+              <mc:Choice Requires="a14">
+                <p:sp>
+                  <p:nvSpPr>
+                    <p:cNvPr id="13" name="Rectangle 12"/>
+                    <p:cNvSpPr/>
+                    <p:nvPr/>
+                  </p:nvSpPr>
+                  <p:spPr>
+                    <a:xfrm>
+                      <a:off x="1006642" y="2350591"/>
+                      <a:ext cx="367985" cy="369333"/>
+                    </a:xfrm>
+                    <a:prstGeom prst="rect">
+                      <a:avLst/>
+                    </a:prstGeom>
+                  </p:spPr>
+                  <p:txBody>
+                    <a:bodyPr wrap="none">
+                      <a:spAutoFit/>
+                    </a:bodyPr>
+                    <a:lstStyle/>
+                    <a:p>
+                      <a:pPr/>
+                      <a14:m>
+                        <m:oMathPara xmlns:m="http://schemas.openxmlformats.org/officeDocument/2006/math">
+                          <m:oMathParaPr>
+                            <m:jc m:val="centerGroup"/>
+                          </m:oMathParaPr>
+                          <m:oMath xmlns:m="http://schemas.openxmlformats.org/officeDocument/2006/math">
+                            <m:r>
+                              <a:rPr lang="en-US" b="0" i="1" smtClean="0">
+                                <a:latin typeface="Cambria Math" panose="02040503050406030204" pitchFamily="18" charset="0"/>
+                                <a:cs typeface="Arial" panose="020B0604020202020204" pitchFamily="34" charset="0"/>
+                              </a:rPr>
+                              <m:t>0</m:t>
+                            </m:r>
+                          </m:oMath>
+                        </m:oMathPara>
+                      </a14:m>
+                      <a:endParaRPr lang="en-CA" dirty="0"/>
+                    </a:p>
+                  </p:txBody>
+                </p:sp>
+              </mc:Choice>
+              <mc:Fallback xmlns="">
+                <p:sp>
+                  <p:nvSpPr>
+                    <p:cNvPr id="109" name="Rectangle 108"/>
+                    <p:cNvSpPr>
+                      <a:spLocks noRot="1" noChangeAspect="1" noMove="1" noResize="1" noEditPoints="1" noAdjustHandles="1" noChangeArrowheads="1" noChangeShapeType="1" noTextEdit="1"/>
+                    </p:cNvSpPr>
+                    <p:nvPr/>
+                  </p:nvSpPr>
+                  <p:spPr>
+                    <a:xfrm>
+                      <a:off x="1006642" y="2350591"/>
+                      <a:ext cx="367985" cy="369333"/>
+                    </a:xfrm>
+                    <a:prstGeom prst="rect">
+                      <a:avLst/>
+                    </a:prstGeom>
+                    <a:blipFill>
+                      <a:blip r:embed="rId29"/>
+                      <a:stretch>
+                        <a:fillRect l="-14286" r="-114286" b="-180000"/>
+                      </a:stretch>
+                    </a:blipFill>
+                  </p:spPr>
+                  <p:txBody>
+                    <a:bodyPr/>
+                    <a:lstStyle/>
+                    <a:p>
+                      <a:r>
+                        <a:rPr lang="en-US">
+                          <a:noFill/>
+                        </a:rPr>
+                        <a:t> </a:t>
+                      </a:r>
+                    </a:p>
+                  </p:txBody>
+                </p:sp>
+              </mc:Fallback>
+            </mc:AlternateContent>
+          </p:grpSp>
+          <p:sp>
+            <p:nvSpPr>
+              <p:cNvPr id="8" name="Rectangle 7"/>
+              <p:cNvSpPr/>
+              <p:nvPr/>
+            </p:nvSpPr>
+            <p:spPr>
+              <a:xfrm>
+                <a:off x="1129904" y="1614682"/>
+                <a:ext cx="184731" cy="369332"/>
+              </a:xfrm>
+              <a:prstGeom prst="rect">
+                <a:avLst/>
+              </a:prstGeom>
+            </p:spPr>
+            <p:txBody>
+              <a:bodyPr wrap="none">
+                <a:spAutoFit/>
+              </a:bodyPr>
+              <a:lstStyle/>
+              <a:p>
+                <a:endParaRPr lang="en-CA" dirty="0"/>
+              </a:p>
+            </p:txBody>
+          </p:sp>
+        </p:grpSp>
+        <p:cxnSp>
+          <p:nvCxnSpPr>
+            <p:cNvPr id="22" name="Straight Arrow Connector 21"/>
+            <p:cNvCxnSpPr/>
+            <p:nvPr/>
+          </p:nvCxnSpPr>
+          <p:spPr>
+            <a:xfrm>
+              <a:off x="1956010" y="3503100"/>
+              <a:ext cx="694693" cy="14123"/>
+            </a:xfrm>
+            <a:prstGeom prst="straightConnector1">
+              <a:avLst/>
+            </a:prstGeom>
+            <a:ln w="38100">
+              <a:solidFill>
+                <a:schemeClr val="tx1"/>
+              </a:solidFill>
+              <a:tailEnd type="triangle"/>
+            </a:ln>
+          </p:spPr>
+          <p:style>
+            <a:lnRef idx="1">
+              <a:schemeClr val="accent1"/>
+            </a:lnRef>
+            <a:fillRef idx="0">
+              <a:schemeClr val="accent1"/>
+            </a:fillRef>
+            <a:effectRef idx="0">
+              <a:schemeClr val="accent1"/>
+            </a:effectRef>
+            <a:fontRef idx="minor">
+              <a:schemeClr val="tx1"/>
+            </a:fontRef>
+          </p:style>
+        </p:cxnSp>
+        <mc:AlternateContent xmlns:mc="http://schemas.openxmlformats.org/markup-compatibility/2006">
+          <mc:Choice xmlns:a14="http://schemas.microsoft.com/office/drawing/2010/main" Requires="a14">
+            <p:sp>
+              <p:nvSpPr>
+                <p:cNvPr id="23" name="TextBox 22"/>
+                <p:cNvSpPr txBox="1"/>
+                <p:nvPr/>
+              </p:nvSpPr>
+              <p:spPr>
+                <a:xfrm>
+                  <a:off x="2326893" y="3623509"/>
+                  <a:ext cx="237629" cy="345159"/>
+                </a:xfrm>
+                <a:prstGeom prst="rect">
+                  <a:avLst/>
+                </a:prstGeom>
+                <a:noFill/>
+              </p:spPr>
+              <p:txBody>
+                <a:bodyPr wrap="none" lIns="0" tIns="0" rIns="0" bIns="0" rtlCol="0">
+                  <a:spAutoFit/>
+                </a:bodyPr>
+                <a:lstStyle/>
+                <a:p>
+                  <a14:m>
+                    <m:oMathPara xmlns:m="http://schemas.openxmlformats.org/officeDocument/2006/math">
+                      <m:oMathParaPr>
+                        <m:jc m:val="centerGroup"/>
+                      </m:oMathParaPr>
+                      <m:oMath xmlns:m="http://schemas.openxmlformats.org/officeDocument/2006/math">
+                        <m:acc>
+                          <m:accPr>
+                            <m:chr m:val="⃗"/>
+                            <m:ctrlPr>
+                              <a:rPr lang="en-US" sz="2000" b="0" i="1" smtClean="0">
+                                <a:latin typeface="Cambria Math" panose="02040503050406030204" pitchFamily="18" charset="0"/>
+                                <a:cs typeface="Arial" panose="020B0604020202020204" pitchFamily="34" charset="0"/>
+                              </a:rPr>
+                            </m:ctrlPr>
+                          </m:accPr>
+                          <m:e>
+                            <m:r>
+                              <a:rPr lang="en-US" sz="2000" b="0" i="1" smtClean="0">
+                                <a:latin typeface="Cambria Math" panose="02040503050406030204" pitchFamily="18" charset="0"/>
+                                <a:cs typeface="Arial" panose="020B0604020202020204" pitchFamily="34" charset="0"/>
+                              </a:rPr>
+                              <m:t>𝐹</m:t>
+                            </m:r>
+                          </m:e>
+                        </m:acc>
+                      </m:oMath>
+                    </m:oMathPara>
+                  </a14:m>
+                  <a:endParaRPr lang="en-US" sz="2000" dirty="0" smtClean="0">
+                    <a:latin typeface="Arial" panose="020B0604020202020204" pitchFamily="34" charset="0"/>
+                    <a:cs typeface="Arial" panose="020B0604020202020204" pitchFamily="34" charset="0"/>
+                  </a:endParaRPr>
+                </a:p>
+              </p:txBody>
+            </p:sp>
+          </mc:Choice>
+          <mc:Fallback>
+            <p:sp>
+              <p:nvSpPr>
+                <p:cNvPr id="23" name="TextBox 22"/>
+                <p:cNvSpPr txBox="1">
+                  <a:spLocks noRot="1" noChangeAspect="1" noMove="1" noResize="1" noEditPoints="1" noAdjustHandles="1" noChangeArrowheads="1" noChangeShapeType="1" noTextEdit="1"/>
+                </p:cNvSpPr>
+                <p:nvPr/>
+              </p:nvSpPr>
+              <p:spPr>
+                <a:xfrm>
+                  <a:off x="2326893" y="3623509"/>
+                  <a:ext cx="237629" cy="345159"/>
+                </a:xfrm>
+                <a:prstGeom prst="rect">
+                  <a:avLst/>
+                </a:prstGeom>
+                <a:blipFill>
+                  <a:blip r:embed="rId30"/>
+                  <a:stretch>
+                    <a:fillRect l="-23077" t="-33333" r="-89744" b="-8772"/>
+                  </a:stretch>
+                </a:blipFill>
+              </p:spPr>
+              <p:txBody>
+                <a:bodyPr/>
+                <a:lstStyle/>
+                <a:p>
+                  <a:r>
+                    <a:rPr lang="en-US">
+                      <a:noFill/>
+                    </a:rPr>
+                    <a:t> </a:t>
+                  </a:r>
+                </a:p>
+              </p:txBody>
+            </p:sp>
+          </mc:Fallback>
+        </mc:AlternateContent>
+        <p:sp>
+          <p:nvSpPr>
+            <p:cNvPr id="24" name="Oval 23"/>
+            <p:cNvSpPr/>
+            <p:nvPr/>
+          </p:nvSpPr>
+          <p:spPr>
+            <a:xfrm>
+              <a:off x="3853787" y="3416046"/>
+              <a:ext cx="120943" cy="119766"/>
+            </a:xfrm>
+            <a:prstGeom prst="ellipse">
+              <a:avLst/>
+            </a:prstGeom>
+            <a:solidFill>
+              <a:schemeClr val="tx1"/>
+            </a:solidFill>
+            <a:ln w="38100">
+              <a:solidFill>
+                <a:schemeClr val="tx1"/>
+              </a:solidFill>
+            </a:ln>
+          </p:spPr>
+          <p:style>
+            <a:lnRef idx="2">
+              <a:schemeClr val="accent1">
+                <a:shade val="50000"/>
+              </a:schemeClr>
+            </a:lnRef>
+            <a:fillRef idx="1">
+              <a:schemeClr val="accent1"/>
+            </a:fillRef>
+            <a:effectRef idx="0">
+              <a:schemeClr val="accent1"/>
+            </a:effectRef>
+            <a:fontRef idx="minor">
+              <a:schemeClr val="lt1"/>
+            </a:fontRef>
+          </p:style>
+          <p:txBody>
+            <a:bodyPr rtlCol="0" anchor="ctr"/>
+            <a:lstStyle/>
+            <a:p>
+              <a:pPr algn="ctr"/>
+              <a:endParaRPr lang="en-US"/>
+            </a:p>
+          </p:txBody>
+        </p:sp>
+        <p:cxnSp>
+          <p:nvCxnSpPr>
+            <p:cNvPr id="25" name="Straight Arrow Connector 24"/>
+            <p:cNvCxnSpPr/>
+            <p:nvPr/>
+          </p:nvCxnSpPr>
+          <p:spPr>
+            <a:xfrm>
+              <a:off x="3865214" y="3510509"/>
+              <a:ext cx="3815" cy="1158626"/>
+            </a:xfrm>
+            <a:prstGeom prst="straightConnector1">
+              <a:avLst/>
+            </a:prstGeom>
+            <a:ln w="38100">
+              <a:solidFill>
+                <a:schemeClr val="tx1"/>
+              </a:solidFill>
+              <a:tailEnd type="triangle"/>
+            </a:ln>
+          </p:spPr>
+          <p:style>
+            <a:lnRef idx="1">
+              <a:schemeClr val="accent1"/>
+            </a:lnRef>
+            <a:fillRef idx="0">
+              <a:schemeClr val="accent1"/>
+            </a:fillRef>
+            <a:effectRef idx="0">
+              <a:schemeClr val="accent1"/>
+            </a:effectRef>
+            <a:fontRef idx="minor">
+              <a:schemeClr val="tx1"/>
+            </a:fontRef>
+          </p:style>
+        </p:cxnSp>
+        <mc:AlternateContent xmlns:mc="http://schemas.openxmlformats.org/markup-compatibility/2006">
+          <mc:Choice xmlns:a14="http://schemas.microsoft.com/office/drawing/2010/main" Requires="a14">
+            <p:sp>
+              <p:nvSpPr>
+                <p:cNvPr id="26" name="TextBox 25"/>
+                <p:cNvSpPr txBox="1"/>
+                <p:nvPr/>
+              </p:nvSpPr>
+              <p:spPr>
+                <a:xfrm>
+                  <a:off x="3161036" y="3909893"/>
+                  <a:ext cx="445891" cy="377219"/>
+                </a:xfrm>
+                <a:prstGeom prst="rect">
+                  <a:avLst/>
+                </a:prstGeom>
+                <a:noFill/>
+              </p:spPr>
+              <p:txBody>
+                <a:bodyPr wrap="none" lIns="0" tIns="0" rIns="0" bIns="0" rtlCol="0">
+                  <a:spAutoFit/>
+                </a:bodyPr>
+                <a:lstStyle/>
+                <a:p>
+                  <a:pPr/>
+                  <a14:m>
+                    <m:oMathPara xmlns:m="http://schemas.openxmlformats.org/officeDocument/2006/math">
+                      <m:oMathParaPr>
+                        <m:jc m:val="centerGroup"/>
+                      </m:oMathParaPr>
+                      <m:oMath xmlns:m="http://schemas.openxmlformats.org/officeDocument/2006/math">
+                        <m:sSub>
+                          <m:sSubPr>
+                            <m:ctrlPr>
+                              <a:rPr lang="en-US" sz="2000" b="0" i="1" smtClean="0">
+                                <a:latin typeface="Cambria Math" panose="02040503050406030204" pitchFamily="18" charset="0"/>
+                                <a:cs typeface="Arial" panose="020B0604020202020204" pitchFamily="34" charset="0"/>
+                              </a:rPr>
+                            </m:ctrlPr>
+                          </m:sSubPr>
+                          <m:e>
+                            <m:acc>
+                              <m:accPr>
+                                <m:chr m:val="⃗"/>
+                                <m:ctrlPr>
+                                  <a:rPr lang="en-US" sz="2000" b="0" i="1" smtClean="0">
+                                    <a:latin typeface="Cambria Math" panose="02040503050406030204" pitchFamily="18" charset="0"/>
+                                    <a:cs typeface="Arial" panose="020B0604020202020204" pitchFamily="34" charset="0"/>
+                                  </a:rPr>
+                                </m:ctrlPr>
+                              </m:accPr>
+                              <m:e>
+                                <m:r>
+                                  <a:rPr lang="en-US" sz="2000" b="0" i="1" smtClean="0">
+                                    <a:latin typeface="Cambria Math" panose="02040503050406030204" pitchFamily="18" charset="0"/>
+                                    <a:cs typeface="Arial" panose="020B0604020202020204" pitchFamily="34" charset="0"/>
+                                  </a:rPr>
+                                  <m:t>𝐹</m:t>
+                                </m:r>
+                              </m:e>
+                            </m:acc>
+                          </m:e>
+                          <m:sub>
+                            <m:r>
+                              <a:rPr lang="en-US" sz="2000" b="0" i="1" smtClean="0">
+                                <a:latin typeface="Cambria Math" panose="02040503050406030204" pitchFamily="18" charset="0"/>
+                                <a:cs typeface="Arial" panose="020B0604020202020204" pitchFamily="34" charset="0"/>
+                              </a:rPr>
+                              <m:t>1</m:t>
+                            </m:r>
+                            <m:r>
+                              <a:rPr lang="en-US" sz="2000" b="0" i="1" smtClean="0">
+                                <a:latin typeface="Cambria Math" panose="02040503050406030204" pitchFamily="18" charset="0"/>
+                                <a:cs typeface="Arial" panose="020B0604020202020204" pitchFamily="34" charset="0"/>
+                              </a:rPr>
+                              <m:t>𝑔</m:t>
+                            </m:r>
+                          </m:sub>
+                        </m:sSub>
+                      </m:oMath>
+                    </m:oMathPara>
+                  </a14:m>
+                  <a:endParaRPr lang="en-US" sz="2000" dirty="0" smtClean="0">
+                    <a:latin typeface="Arial" panose="020B0604020202020204" pitchFamily="34" charset="0"/>
+                    <a:cs typeface="Arial" panose="020B0604020202020204" pitchFamily="34" charset="0"/>
+                  </a:endParaRPr>
+                </a:p>
+              </p:txBody>
+            </p:sp>
+          </mc:Choice>
+          <mc:Fallback>
+            <p:sp>
+              <p:nvSpPr>
+                <p:cNvPr id="26" name="TextBox 25"/>
+                <p:cNvSpPr txBox="1">
+                  <a:spLocks noRot="1" noChangeAspect="1" noMove="1" noResize="1" noEditPoints="1" noAdjustHandles="1" noChangeArrowheads="1" noChangeShapeType="1" noTextEdit="1"/>
+                </p:cNvSpPr>
+                <p:nvPr/>
+              </p:nvSpPr>
+              <p:spPr>
+                <a:xfrm>
+                  <a:off x="3161036" y="3909893"/>
+                  <a:ext cx="445891" cy="377219"/>
+                </a:xfrm>
+                <a:prstGeom prst="rect">
+                  <a:avLst/>
+                </a:prstGeom>
+                <a:blipFill>
+                  <a:blip r:embed="rId31"/>
+                  <a:stretch>
+                    <a:fillRect l="-12329" t="-30645" r="-35616" b="-20968"/>
+                  </a:stretch>
+                </a:blipFill>
+              </p:spPr>
+              <p:txBody>
+                <a:bodyPr/>
+                <a:lstStyle/>
+                <a:p>
+                  <a:r>
+                    <a:rPr lang="en-US">
+                      <a:noFill/>
+                    </a:rPr>
+                    <a:t> </a:t>
+                  </a:r>
+                </a:p>
+              </p:txBody>
+            </p:sp>
+          </mc:Fallback>
+        </mc:AlternateContent>
+        <p:cxnSp>
+          <p:nvCxnSpPr>
+            <p:cNvPr id="27" name="Straight Arrow Connector 26"/>
+            <p:cNvCxnSpPr/>
+            <p:nvPr/>
+          </p:nvCxnSpPr>
+          <p:spPr>
+            <a:xfrm flipV="1">
+              <a:off x="3905770" y="1257870"/>
+              <a:ext cx="0" cy="2184980"/>
+            </a:xfrm>
+            <a:prstGeom prst="straightConnector1">
+              <a:avLst/>
+            </a:prstGeom>
+            <a:ln w="38100">
+              <a:solidFill>
+                <a:schemeClr val="tx1"/>
+              </a:solidFill>
+              <a:tailEnd type="triangle"/>
+            </a:ln>
+          </p:spPr>
+          <p:style>
+            <a:lnRef idx="1">
+              <a:schemeClr val="accent1"/>
+            </a:lnRef>
+            <a:fillRef idx="0">
+              <a:schemeClr val="accent1"/>
+            </a:fillRef>
+            <a:effectRef idx="0">
+              <a:schemeClr val="accent1"/>
+            </a:effectRef>
+            <a:fontRef idx="minor">
+              <a:schemeClr val="tx1"/>
+            </a:fontRef>
+          </p:style>
+        </p:cxnSp>
+        <mc:AlternateContent xmlns:mc="http://schemas.openxmlformats.org/markup-compatibility/2006">
+          <mc:Choice xmlns:a14="http://schemas.microsoft.com/office/drawing/2010/main" Requires="a14">
+            <p:sp>
+              <p:nvSpPr>
+                <p:cNvPr id="28" name="TextBox 27"/>
+                <p:cNvSpPr txBox="1"/>
+                <p:nvPr/>
+              </p:nvSpPr>
+              <p:spPr>
+                <a:xfrm>
+                  <a:off x="4003242" y="2177780"/>
+                  <a:ext cx="256847" cy="345159"/>
+                </a:xfrm>
+                <a:prstGeom prst="rect">
+                  <a:avLst/>
+                </a:prstGeom>
+                <a:noFill/>
+              </p:spPr>
+              <p:txBody>
+                <a:bodyPr wrap="square" lIns="0" tIns="0" rIns="0" bIns="0" rtlCol="0">
+                  <a:spAutoFit/>
+                </a:bodyPr>
+                <a:lstStyle/>
+                <a:p>
+                  <a:pPr/>
+                  <a14:m>
+                    <m:oMathPara xmlns:m="http://schemas.openxmlformats.org/officeDocument/2006/math">
+                      <m:oMathParaPr>
+                        <m:jc m:val="centerGroup"/>
+                      </m:oMathParaPr>
+                      <m:oMath xmlns:m="http://schemas.openxmlformats.org/officeDocument/2006/math">
+                        <m:sSub>
+                          <m:sSubPr>
+                            <m:ctrlPr>
+                              <a:rPr lang="en-US" sz="2000" b="0" i="0" smtClean="0">
+                                <a:latin typeface="Cambria Math" panose="02040503050406030204" pitchFamily="18" charset="0"/>
+                                <a:cs typeface="Arial" panose="020B0604020202020204" pitchFamily="34" charset="0"/>
+                              </a:rPr>
+                            </m:ctrlPr>
+                          </m:sSubPr>
+                          <m:e>
+                            <m:acc>
+                              <m:accPr>
+                                <m:chr m:val="⃗"/>
+                                <m:ctrlPr>
+                                  <a:rPr lang="en-US" sz="2000" b="0" i="1" smtClean="0">
+                                    <a:latin typeface="Cambria Math" panose="02040503050406030204" pitchFamily="18" charset="0"/>
+                                    <a:cs typeface="Arial" panose="020B0604020202020204" pitchFamily="34" charset="0"/>
+                                  </a:rPr>
+                                </m:ctrlPr>
+                              </m:accPr>
+                              <m:e>
+                                <m:r>
+                                  <a:rPr lang="en-US" sz="2000" b="0" i="1" smtClean="0">
+                                    <a:latin typeface="Cambria Math" panose="02040503050406030204" pitchFamily="18" charset="0"/>
+                                    <a:cs typeface="Arial" panose="020B0604020202020204" pitchFamily="34" charset="0"/>
+                                  </a:rPr>
+                                  <m:t>𝑁</m:t>
+                                </m:r>
+                              </m:e>
+                            </m:acc>
+                          </m:e>
+                          <m:sub>
+                            <m:r>
+                              <a:rPr lang="en-US" sz="2000" b="0" i="0" smtClean="0">
+                                <a:latin typeface="Cambria Math" panose="02040503050406030204" pitchFamily="18" charset="0"/>
+                                <a:cs typeface="Arial" panose="020B0604020202020204" pitchFamily="34" charset="0"/>
+                              </a:rPr>
+                              <m:t>1</m:t>
+                            </m:r>
+                          </m:sub>
+                        </m:sSub>
+                      </m:oMath>
+                    </m:oMathPara>
+                  </a14:m>
+                  <a:endParaRPr lang="en-US" sz="2000" dirty="0" smtClean="0">
+                    <a:latin typeface="Arial" panose="020B0604020202020204" pitchFamily="34" charset="0"/>
+                    <a:cs typeface="Arial" panose="020B0604020202020204" pitchFamily="34" charset="0"/>
+                  </a:endParaRPr>
+                </a:p>
+              </p:txBody>
+            </p:sp>
+          </mc:Choice>
+          <mc:Fallback>
+            <p:sp>
+              <p:nvSpPr>
+                <p:cNvPr id="28" name="TextBox 27"/>
+                <p:cNvSpPr txBox="1">
+                  <a:spLocks noRot="1" noChangeAspect="1" noMove="1" noResize="1" noEditPoints="1" noAdjustHandles="1" noChangeArrowheads="1" noChangeShapeType="1" noTextEdit="1"/>
+                </p:cNvSpPr>
+                <p:nvPr/>
+              </p:nvSpPr>
+              <p:spPr>
+                <a:xfrm>
+                  <a:off x="4003242" y="2177780"/>
+                  <a:ext cx="256847" cy="345159"/>
+                </a:xfrm>
+                <a:prstGeom prst="rect">
+                  <a:avLst/>
+                </a:prstGeom>
+                <a:blipFill>
+                  <a:blip r:embed="rId32"/>
+                  <a:stretch>
+                    <a:fillRect l="-35714" r="-30952" b="-15789"/>
+                  </a:stretch>
+                </a:blipFill>
+              </p:spPr>
+              <p:txBody>
+                <a:bodyPr/>
+                <a:lstStyle/>
+                <a:p>
+                  <a:r>
+                    <a:rPr lang="en-US">
+                      <a:noFill/>
+                    </a:rPr>
+                    <a:t> </a:t>
+                  </a:r>
+                </a:p>
+              </p:txBody>
+            </p:sp>
+          </mc:Fallback>
+        </mc:AlternateContent>
+        <p:cxnSp>
+          <p:nvCxnSpPr>
+            <p:cNvPr id="29" name="Straight Arrow Connector 28"/>
+            <p:cNvCxnSpPr/>
+            <p:nvPr/>
+          </p:nvCxnSpPr>
+          <p:spPr>
+            <a:xfrm flipV="1">
+              <a:off x="3937669" y="3494621"/>
+              <a:ext cx="654456" cy="4989"/>
+            </a:xfrm>
+            <a:prstGeom prst="straightConnector1">
+              <a:avLst/>
+            </a:prstGeom>
+            <a:ln w="38100">
+              <a:solidFill>
+                <a:schemeClr val="tx1"/>
+              </a:solidFill>
+              <a:tailEnd type="triangle"/>
+            </a:ln>
+          </p:spPr>
+          <p:style>
+            <a:lnRef idx="1">
+              <a:schemeClr val="accent1"/>
+            </a:lnRef>
+            <a:fillRef idx="0">
+              <a:schemeClr val="accent1"/>
+            </a:fillRef>
+            <a:effectRef idx="0">
+              <a:schemeClr val="accent1"/>
+            </a:effectRef>
+            <a:fontRef idx="minor">
+              <a:schemeClr val="tx1"/>
+            </a:fontRef>
+          </p:style>
+        </p:cxnSp>
+        <mc:AlternateContent xmlns:mc="http://schemas.openxmlformats.org/markup-compatibility/2006">
+          <mc:Choice xmlns:a14="http://schemas.microsoft.com/office/drawing/2010/main" Requires="a14">
+            <p:sp>
+              <p:nvSpPr>
+                <p:cNvPr id="30" name="TextBox 29"/>
+                <p:cNvSpPr txBox="1"/>
+                <p:nvPr/>
+              </p:nvSpPr>
+              <p:spPr>
+                <a:xfrm>
+                  <a:off x="4413507" y="3473736"/>
+                  <a:ext cx="578748" cy="354071"/>
+                </a:xfrm>
+                <a:prstGeom prst="rect">
+                  <a:avLst/>
+                </a:prstGeom>
+                <a:noFill/>
+              </p:spPr>
+              <p:txBody>
+                <a:bodyPr wrap="none" lIns="0" tIns="0" rIns="0" bIns="0" rtlCol="0">
+                  <a:spAutoFit/>
+                </a:bodyPr>
+                <a:lstStyle/>
+                <a:p>
+                  <a14:m>
+                    <m:oMathPara xmlns:m="http://schemas.openxmlformats.org/officeDocument/2006/math">
+                      <m:oMathParaPr>
+                        <m:jc m:val="centerGroup"/>
+                      </m:oMathParaPr>
+                      <m:oMath xmlns:m="http://schemas.openxmlformats.org/officeDocument/2006/math">
+                        <m:r>
+                          <a:rPr lang="en-US" sz="2000" b="0" i="1" smtClean="0">
+                            <a:latin typeface="Cambria Math" panose="02040503050406030204" pitchFamily="18" charset="0"/>
+                            <a:cs typeface="Arial" panose="020B0604020202020204" pitchFamily="34" charset="0"/>
+                          </a:rPr>
+                          <m:t>−</m:t>
+                        </m:r>
+                        <m:sSub>
+                          <m:sSubPr>
+                            <m:ctrlPr>
+                              <a:rPr lang="en-US" sz="2000" b="0" i="1" smtClean="0">
+                                <a:latin typeface="Cambria Math" panose="02040503050406030204" pitchFamily="18" charset="0"/>
+                                <a:cs typeface="Arial" panose="020B0604020202020204" pitchFamily="34" charset="0"/>
+                              </a:rPr>
+                            </m:ctrlPr>
+                          </m:sSubPr>
+                          <m:e>
+                            <m:acc>
+                              <m:accPr>
+                                <m:chr m:val="⃗"/>
+                                <m:ctrlPr>
+                                  <a:rPr lang="en-US" sz="2000" b="0" i="1" smtClean="0">
+                                    <a:latin typeface="Cambria Math" panose="02040503050406030204" pitchFamily="18" charset="0"/>
+                                    <a:cs typeface="Arial" panose="020B0604020202020204" pitchFamily="34" charset="0"/>
+                                  </a:rPr>
+                                </m:ctrlPr>
+                              </m:accPr>
+                              <m:e>
+                                <m:r>
+                                  <a:rPr lang="en-US" sz="2000" b="0" i="1" smtClean="0">
+                                    <a:latin typeface="Cambria Math" panose="02040503050406030204" pitchFamily="18" charset="0"/>
+                                    <a:cs typeface="Arial" panose="020B0604020202020204" pitchFamily="34" charset="0"/>
+                                  </a:rPr>
+                                  <m:t>𝑓</m:t>
+                                </m:r>
+                              </m:e>
+                            </m:acc>
+                          </m:e>
+                          <m:sub>
+                            <m:r>
+                              <a:rPr lang="en-US" sz="2000" b="0" i="1" smtClean="0">
+                                <a:latin typeface="Cambria Math" panose="02040503050406030204" pitchFamily="18" charset="0"/>
+                                <a:cs typeface="Arial" panose="020B0604020202020204" pitchFamily="34" charset="0"/>
+                              </a:rPr>
+                              <m:t>2</m:t>
+                            </m:r>
+                            <m:r>
+                              <a:rPr lang="en-US" sz="2000" b="0" i="1" smtClean="0">
+                                <a:latin typeface="Cambria Math" panose="02040503050406030204" pitchFamily="18" charset="0"/>
+                                <a:cs typeface="Arial" panose="020B0604020202020204" pitchFamily="34" charset="0"/>
+                              </a:rPr>
+                              <m:t>𝑠</m:t>
+                            </m:r>
+                          </m:sub>
+                        </m:sSub>
+                      </m:oMath>
+                    </m:oMathPara>
+                  </a14:m>
+                  <a:endParaRPr lang="en-US" sz="2000" dirty="0" smtClean="0">
+                    <a:latin typeface="Arial" panose="020B0604020202020204" pitchFamily="34" charset="0"/>
+                    <a:cs typeface="Arial" panose="020B0604020202020204" pitchFamily="34" charset="0"/>
+                  </a:endParaRPr>
+                </a:p>
+              </p:txBody>
+            </p:sp>
+          </mc:Choice>
+          <mc:Fallback>
+            <p:sp>
+              <p:nvSpPr>
+                <p:cNvPr id="30" name="TextBox 29"/>
+                <p:cNvSpPr txBox="1">
+                  <a:spLocks noRot="1" noChangeAspect="1" noMove="1" noResize="1" noEditPoints="1" noAdjustHandles="1" noChangeArrowheads="1" noChangeShapeType="1" noTextEdit="1"/>
+                </p:cNvSpPr>
+                <p:nvPr/>
+              </p:nvSpPr>
+              <p:spPr>
+                <a:xfrm>
+                  <a:off x="4413507" y="3473736"/>
+                  <a:ext cx="578748" cy="354071"/>
+                </a:xfrm>
+                <a:prstGeom prst="rect">
+                  <a:avLst/>
+                </a:prstGeom>
+                <a:blipFill>
+                  <a:blip r:embed="rId33"/>
+                  <a:stretch>
+                    <a:fillRect l="-1053" t="-34483" r="-37895" b="-31034"/>
+                  </a:stretch>
+                </a:blipFill>
+              </p:spPr>
+              <p:txBody>
+                <a:bodyPr/>
+                <a:lstStyle/>
+                <a:p>
+                  <a:r>
+                    <a:rPr lang="en-US">
+                      <a:noFill/>
+                    </a:rPr>
+                    <a:t> </a:t>
+                  </a:r>
+                </a:p>
+              </p:txBody>
+            </p:sp>
+          </mc:Fallback>
+        </mc:AlternateContent>
+        <p:cxnSp>
+          <p:nvCxnSpPr>
+            <p:cNvPr id="42" name="Straight Arrow Connector 41"/>
+            <p:cNvCxnSpPr/>
+            <p:nvPr/>
+          </p:nvCxnSpPr>
+          <p:spPr>
+            <a:xfrm flipH="1" flipV="1">
+              <a:off x="1215215" y="3486785"/>
+              <a:ext cx="631329" cy="10463"/>
+            </a:xfrm>
+            <a:prstGeom prst="straightConnector1">
+              <a:avLst/>
+            </a:prstGeom>
+            <a:ln w="38100">
+              <a:solidFill>
+                <a:schemeClr val="tx1"/>
+              </a:solidFill>
+              <a:tailEnd type="triangle"/>
+            </a:ln>
+          </p:spPr>
+          <p:style>
+            <a:lnRef idx="1">
+              <a:schemeClr val="accent1"/>
+            </a:lnRef>
+            <a:fillRef idx="0">
+              <a:schemeClr val="accent1"/>
+            </a:fillRef>
+            <a:effectRef idx="0">
+              <a:schemeClr val="accent1"/>
+            </a:effectRef>
+            <a:fontRef idx="minor">
+              <a:schemeClr val="tx1"/>
+            </a:fontRef>
+          </p:style>
+        </p:cxnSp>
+        <mc:AlternateContent xmlns:mc="http://schemas.openxmlformats.org/markup-compatibility/2006">
+          <mc:Choice xmlns:a14="http://schemas.microsoft.com/office/drawing/2010/main" Requires="a14">
+            <p:sp>
+              <p:nvSpPr>
+                <p:cNvPr id="44" name="TextBox 43"/>
+                <p:cNvSpPr txBox="1"/>
+                <p:nvPr/>
+              </p:nvSpPr>
+              <p:spPr>
+                <a:xfrm>
+                  <a:off x="972707" y="3046248"/>
+                  <a:ext cx="386388" cy="354071"/>
+                </a:xfrm>
+                <a:prstGeom prst="rect">
+                  <a:avLst/>
+                </a:prstGeom>
+                <a:noFill/>
+              </p:spPr>
+              <p:txBody>
+                <a:bodyPr wrap="none" lIns="0" tIns="0" rIns="0" bIns="0" rtlCol="0">
+                  <a:spAutoFit/>
+                </a:bodyPr>
+                <a:lstStyle/>
+                <a:p>
+                  <a14:m>
+                    <m:oMathPara xmlns:m="http://schemas.openxmlformats.org/officeDocument/2006/math">
+                      <m:oMathParaPr>
+                        <m:jc m:val="centerGroup"/>
+                      </m:oMathParaPr>
+                      <m:oMath xmlns:m="http://schemas.openxmlformats.org/officeDocument/2006/math">
+                        <m:sSub>
+                          <m:sSubPr>
+                            <m:ctrlPr>
+                              <a:rPr lang="en-US" sz="2000" b="0" i="1" smtClean="0">
+                                <a:latin typeface="Cambria Math" panose="02040503050406030204" pitchFamily="18" charset="0"/>
+                                <a:cs typeface="Arial" panose="020B0604020202020204" pitchFamily="34" charset="0"/>
+                              </a:rPr>
+                            </m:ctrlPr>
+                          </m:sSubPr>
+                          <m:e>
+                            <m:acc>
+                              <m:accPr>
+                                <m:chr m:val="⃗"/>
+                                <m:ctrlPr>
+                                  <a:rPr lang="en-US" sz="2000" b="0" i="1" smtClean="0">
+                                    <a:latin typeface="Cambria Math" panose="02040503050406030204" pitchFamily="18" charset="0"/>
+                                    <a:cs typeface="Arial" panose="020B0604020202020204" pitchFamily="34" charset="0"/>
+                                  </a:rPr>
+                                </m:ctrlPr>
+                              </m:accPr>
+                              <m:e>
+                                <m:r>
+                                  <a:rPr lang="en-US" sz="2000" b="0" i="1" smtClean="0">
+                                    <a:latin typeface="Cambria Math" panose="02040503050406030204" pitchFamily="18" charset="0"/>
+                                    <a:cs typeface="Arial" panose="020B0604020202020204" pitchFamily="34" charset="0"/>
+                                  </a:rPr>
+                                  <m:t>𝑓</m:t>
+                                </m:r>
+                              </m:e>
+                            </m:acc>
+                          </m:e>
+                          <m:sub>
+                            <m:r>
+                              <a:rPr lang="en-US" sz="2000" b="0" i="1" smtClean="0">
+                                <a:latin typeface="Cambria Math" panose="02040503050406030204" pitchFamily="18" charset="0"/>
+                                <a:cs typeface="Arial" panose="020B0604020202020204" pitchFamily="34" charset="0"/>
+                              </a:rPr>
+                              <m:t>2</m:t>
+                            </m:r>
+                            <m:r>
+                              <a:rPr lang="en-US" sz="2000" b="0" i="1" smtClean="0">
+                                <a:latin typeface="Cambria Math" panose="02040503050406030204" pitchFamily="18" charset="0"/>
+                                <a:cs typeface="Arial" panose="020B0604020202020204" pitchFamily="34" charset="0"/>
+                              </a:rPr>
+                              <m:t>𝑠</m:t>
+                            </m:r>
+                          </m:sub>
+                        </m:sSub>
+                      </m:oMath>
+                    </m:oMathPara>
+                  </a14:m>
+                  <a:endParaRPr lang="en-US" sz="2000" dirty="0" smtClean="0">
+                    <a:latin typeface="Arial" panose="020B0604020202020204" pitchFamily="34" charset="0"/>
+                    <a:cs typeface="Arial" panose="020B0604020202020204" pitchFamily="34" charset="0"/>
+                  </a:endParaRPr>
+                </a:p>
+              </p:txBody>
+            </p:sp>
+          </mc:Choice>
+          <mc:Fallback>
+            <p:sp>
+              <p:nvSpPr>
+                <p:cNvPr id="44" name="TextBox 43"/>
+                <p:cNvSpPr txBox="1">
+                  <a:spLocks noRot="1" noChangeAspect="1" noMove="1" noResize="1" noEditPoints="1" noAdjustHandles="1" noChangeArrowheads="1" noChangeShapeType="1" noTextEdit="1"/>
+                </p:cNvSpPr>
+                <p:nvPr/>
+              </p:nvSpPr>
+              <p:spPr>
+                <a:xfrm>
+                  <a:off x="972707" y="3046248"/>
+                  <a:ext cx="386388" cy="354071"/>
+                </a:xfrm>
+                <a:prstGeom prst="rect">
+                  <a:avLst/>
+                </a:prstGeom>
+                <a:blipFill>
+                  <a:blip r:embed="rId34"/>
+                  <a:stretch>
+                    <a:fillRect l="-22222" t="-34483" r="-57143" b="-31034"/>
+                  </a:stretch>
+                </a:blipFill>
+              </p:spPr>
+              <p:txBody>
+                <a:bodyPr/>
+                <a:lstStyle/>
+                <a:p>
+                  <a:r>
+                    <a:rPr lang="en-US">
+                      <a:noFill/>
+                    </a:rPr>
+                    <a:t> </a:t>
+                  </a:r>
+                </a:p>
+              </p:txBody>
+            </p:sp>
+          </mc:Fallback>
+        </mc:AlternateContent>
+        <p:cxnSp>
+          <p:nvCxnSpPr>
+            <p:cNvPr id="46" name="Straight Arrow Connector 45"/>
+            <p:cNvCxnSpPr/>
+            <p:nvPr/>
+          </p:nvCxnSpPr>
+          <p:spPr>
+            <a:xfrm flipH="1" flipV="1">
+              <a:off x="3213644" y="3486784"/>
+              <a:ext cx="631329" cy="10463"/>
+            </a:xfrm>
+            <a:prstGeom prst="straightConnector1">
+              <a:avLst/>
+            </a:prstGeom>
+            <a:ln w="38100">
+              <a:solidFill>
+                <a:schemeClr val="tx1"/>
+              </a:solidFill>
+              <a:tailEnd type="triangle"/>
+            </a:ln>
+          </p:spPr>
+          <p:style>
+            <a:lnRef idx="1">
+              <a:schemeClr val="accent1"/>
+            </a:lnRef>
+            <a:fillRef idx="0">
+              <a:schemeClr val="accent1"/>
+            </a:fillRef>
+            <a:effectRef idx="0">
+              <a:schemeClr val="accent1"/>
+            </a:effectRef>
+            <a:fontRef idx="minor">
+              <a:schemeClr val="tx1"/>
+            </a:fontRef>
+          </p:style>
+        </p:cxnSp>
+        <mc:AlternateContent xmlns:mc="http://schemas.openxmlformats.org/markup-compatibility/2006">
+          <mc:Choice xmlns:a14="http://schemas.microsoft.com/office/drawing/2010/main" Requires="a14">
+            <p:sp>
+              <p:nvSpPr>
+                <p:cNvPr id="47" name="TextBox 46"/>
+                <p:cNvSpPr txBox="1"/>
+                <p:nvPr/>
+              </p:nvSpPr>
+              <p:spPr>
+                <a:xfrm>
+                  <a:off x="2971136" y="3046247"/>
+                  <a:ext cx="386388" cy="354071"/>
+                </a:xfrm>
+                <a:prstGeom prst="rect">
+                  <a:avLst/>
+                </a:prstGeom>
+                <a:noFill/>
+              </p:spPr>
+              <p:txBody>
+                <a:bodyPr wrap="none" lIns="0" tIns="0" rIns="0" bIns="0" rtlCol="0">
+                  <a:spAutoFit/>
+                </a:bodyPr>
+                <a:lstStyle/>
+                <a:p>
+                  <a14:m>
+                    <m:oMathPara xmlns:m="http://schemas.openxmlformats.org/officeDocument/2006/math">
+                      <m:oMathParaPr>
+                        <m:jc m:val="centerGroup"/>
+                      </m:oMathParaPr>
+                      <m:oMath xmlns:m="http://schemas.openxmlformats.org/officeDocument/2006/math">
+                        <m:sSub>
+                          <m:sSubPr>
+                            <m:ctrlPr>
+                              <a:rPr lang="en-US" sz="2000" b="0" i="1" smtClean="0">
+                                <a:latin typeface="Cambria Math" panose="02040503050406030204" pitchFamily="18" charset="0"/>
+                                <a:cs typeface="Arial" panose="020B0604020202020204" pitchFamily="34" charset="0"/>
+                              </a:rPr>
+                            </m:ctrlPr>
+                          </m:sSubPr>
+                          <m:e>
+                            <m:acc>
+                              <m:accPr>
+                                <m:chr m:val="⃗"/>
+                                <m:ctrlPr>
+                                  <a:rPr lang="en-US" sz="2000" b="0" i="1" smtClean="0">
+                                    <a:latin typeface="Cambria Math" panose="02040503050406030204" pitchFamily="18" charset="0"/>
+                                    <a:cs typeface="Arial" panose="020B0604020202020204" pitchFamily="34" charset="0"/>
+                                  </a:rPr>
+                                </m:ctrlPr>
+                              </m:accPr>
+                              <m:e>
+                                <m:r>
+                                  <a:rPr lang="en-US" sz="2000" b="0" i="1" smtClean="0">
+                                    <a:latin typeface="Cambria Math" panose="02040503050406030204" pitchFamily="18" charset="0"/>
+                                    <a:cs typeface="Arial" panose="020B0604020202020204" pitchFamily="34" charset="0"/>
+                                  </a:rPr>
+                                  <m:t>𝑓</m:t>
+                                </m:r>
+                              </m:e>
+                            </m:acc>
+                          </m:e>
+                          <m:sub>
+                            <m:r>
+                              <a:rPr lang="en-US" sz="2000" b="0" i="1" smtClean="0">
+                                <a:latin typeface="Cambria Math" panose="02040503050406030204" pitchFamily="18" charset="0"/>
+                                <a:cs typeface="Arial" panose="020B0604020202020204" pitchFamily="34" charset="0"/>
+                              </a:rPr>
+                              <m:t>1</m:t>
+                            </m:r>
+                            <m:r>
+                              <a:rPr lang="en-US" sz="2000" b="0" i="1" smtClean="0">
+                                <a:latin typeface="Cambria Math" panose="02040503050406030204" pitchFamily="18" charset="0"/>
+                                <a:cs typeface="Arial" panose="020B0604020202020204" pitchFamily="34" charset="0"/>
+                              </a:rPr>
+                              <m:t>𝑠</m:t>
+                            </m:r>
+                          </m:sub>
+                        </m:sSub>
+                      </m:oMath>
+                    </m:oMathPara>
+                  </a14:m>
+                  <a:endParaRPr lang="en-US" sz="2000" dirty="0" smtClean="0">
+                    <a:latin typeface="Arial" panose="020B0604020202020204" pitchFamily="34" charset="0"/>
+                    <a:cs typeface="Arial" panose="020B0604020202020204" pitchFamily="34" charset="0"/>
+                  </a:endParaRPr>
+                </a:p>
+              </p:txBody>
+            </p:sp>
+          </mc:Choice>
+          <mc:Fallback>
+            <p:sp>
+              <p:nvSpPr>
+                <p:cNvPr id="47" name="TextBox 46"/>
+                <p:cNvSpPr txBox="1">
+                  <a:spLocks noRot="1" noChangeAspect="1" noMove="1" noResize="1" noEditPoints="1" noAdjustHandles="1" noChangeArrowheads="1" noChangeShapeType="1" noTextEdit="1"/>
+                </p:cNvSpPr>
+                <p:nvPr/>
+              </p:nvSpPr>
+              <p:spPr>
+                <a:xfrm>
+                  <a:off x="2971136" y="3046247"/>
+                  <a:ext cx="386388" cy="354071"/>
+                </a:xfrm>
+                <a:prstGeom prst="rect">
+                  <a:avLst/>
+                </a:prstGeom>
+                <a:blipFill>
+                  <a:blip r:embed="rId35"/>
+                  <a:stretch>
+                    <a:fillRect l="-20313" t="-34483" r="-56250" b="-31034"/>
+                  </a:stretch>
+                </a:blipFill>
+              </p:spPr>
+              <p:txBody>
+                <a:bodyPr/>
+                <a:lstStyle/>
+                <a:p>
+                  <a:r>
+                    <a:rPr lang="en-US">
+                      <a:noFill/>
+                    </a:rPr>
+                    <a:t> </a:t>
+                  </a:r>
+                </a:p>
+              </p:txBody>
+            </p:sp>
+          </mc:Fallback>
+        </mc:AlternateContent>
+        <p:cxnSp>
+          <p:nvCxnSpPr>
+            <p:cNvPr id="55" name="Straight Arrow Connector 54"/>
+            <p:cNvCxnSpPr/>
+            <p:nvPr/>
+          </p:nvCxnSpPr>
+          <p:spPr>
+            <a:xfrm>
+              <a:off x="3969446" y="3521328"/>
+              <a:ext cx="5284" cy="1040756"/>
+            </a:xfrm>
+            <a:prstGeom prst="straightConnector1">
+              <a:avLst/>
+            </a:prstGeom>
+            <a:ln w="38100">
+              <a:solidFill>
+                <a:schemeClr val="tx1"/>
+              </a:solidFill>
+              <a:tailEnd type="triangle"/>
+            </a:ln>
+          </p:spPr>
+          <p:style>
+            <a:lnRef idx="1">
+              <a:schemeClr val="accent1"/>
+            </a:lnRef>
+            <a:fillRef idx="0">
+              <a:schemeClr val="accent1"/>
+            </a:fillRef>
+            <a:effectRef idx="0">
+              <a:schemeClr val="accent1"/>
+            </a:effectRef>
+            <a:fontRef idx="minor">
+              <a:schemeClr val="tx1"/>
+            </a:fontRef>
+          </p:style>
+        </p:cxnSp>
+        <mc:AlternateContent xmlns:mc="http://schemas.openxmlformats.org/markup-compatibility/2006">
+          <mc:Choice xmlns:a14="http://schemas.microsoft.com/office/drawing/2010/main" Requires="a14">
+            <p:sp>
+              <p:nvSpPr>
+                <p:cNvPr id="59" name="TextBox 58"/>
+                <p:cNvSpPr txBox="1"/>
+                <p:nvPr/>
+              </p:nvSpPr>
+              <p:spPr>
+                <a:xfrm>
+                  <a:off x="4095819" y="3968668"/>
+                  <a:ext cx="256847" cy="345159"/>
+                </a:xfrm>
+                <a:prstGeom prst="rect">
+                  <a:avLst/>
+                </a:prstGeom>
+                <a:noFill/>
+              </p:spPr>
+              <p:txBody>
+                <a:bodyPr wrap="square" lIns="0" tIns="0" rIns="0" bIns="0" rtlCol="0">
+                  <a:spAutoFit/>
+                </a:bodyPr>
+                <a:lstStyle/>
+                <a:p>
+                  <a:pPr/>
+                  <a14:m>
+                    <m:oMathPara xmlns:m="http://schemas.openxmlformats.org/officeDocument/2006/math">
+                      <m:oMathParaPr>
+                        <m:jc m:val="centerGroup"/>
+                      </m:oMathParaPr>
+                      <m:oMath xmlns:m="http://schemas.openxmlformats.org/officeDocument/2006/math">
+                        <m:sSub>
+                          <m:sSubPr>
+                            <m:ctrlPr>
+                              <a:rPr lang="en-US" sz="2000" b="0" i="0" smtClean="0">
+                                <a:latin typeface="Cambria Math" panose="02040503050406030204" pitchFamily="18" charset="0"/>
+                                <a:cs typeface="Arial" panose="020B0604020202020204" pitchFamily="34" charset="0"/>
+                              </a:rPr>
+                            </m:ctrlPr>
+                          </m:sSubPr>
+                          <m:e>
+                            <m:r>
+                              <a:rPr lang="en-US" sz="2000" b="0" i="1" smtClean="0">
+                                <a:latin typeface="Cambria Math" panose="02040503050406030204" pitchFamily="18" charset="0"/>
+                                <a:cs typeface="Arial" panose="020B0604020202020204" pitchFamily="34" charset="0"/>
+                              </a:rPr>
+                              <m:t>−</m:t>
+                            </m:r>
+                            <m:acc>
+                              <m:accPr>
+                                <m:chr m:val="⃗"/>
+                                <m:ctrlPr>
+                                  <a:rPr lang="en-US" sz="2000" b="0" i="1" smtClean="0">
+                                    <a:latin typeface="Cambria Math" panose="02040503050406030204" pitchFamily="18" charset="0"/>
+                                    <a:cs typeface="Arial" panose="020B0604020202020204" pitchFamily="34" charset="0"/>
+                                  </a:rPr>
+                                </m:ctrlPr>
+                              </m:accPr>
+                              <m:e>
+                                <m:r>
+                                  <a:rPr lang="en-US" sz="2000" b="0" i="1" smtClean="0">
+                                    <a:latin typeface="Cambria Math" panose="02040503050406030204" pitchFamily="18" charset="0"/>
+                                    <a:cs typeface="Arial" panose="020B0604020202020204" pitchFamily="34" charset="0"/>
+                                  </a:rPr>
+                                  <m:t>𝑁</m:t>
+                                </m:r>
+                              </m:e>
+                            </m:acc>
+                          </m:e>
+                          <m:sub>
+                            <m:r>
+                              <a:rPr lang="en-US" sz="2000" b="0" i="0" smtClean="0">
+                                <a:latin typeface="Cambria Math" panose="02040503050406030204" pitchFamily="18" charset="0"/>
+                                <a:cs typeface="Arial" panose="020B0604020202020204" pitchFamily="34" charset="0"/>
+                              </a:rPr>
+                              <m:t>2</m:t>
+                            </m:r>
+                          </m:sub>
+                        </m:sSub>
+                      </m:oMath>
+                    </m:oMathPara>
+                  </a14:m>
+                  <a:endParaRPr lang="en-US" sz="2000" dirty="0" smtClean="0">
+                    <a:latin typeface="Arial" panose="020B0604020202020204" pitchFamily="34" charset="0"/>
+                    <a:cs typeface="Arial" panose="020B0604020202020204" pitchFamily="34" charset="0"/>
+                  </a:endParaRPr>
+                </a:p>
+              </p:txBody>
+            </p:sp>
+          </mc:Choice>
+          <mc:Fallback>
+            <p:sp>
+              <p:nvSpPr>
+                <p:cNvPr id="59" name="TextBox 58"/>
+                <p:cNvSpPr txBox="1">
+                  <a:spLocks noRot="1" noChangeAspect="1" noMove="1" noResize="1" noEditPoints="1" noAdjustHandles="1" noChangeArrowheads="1" noChangeShapeType="1" noTextEdit="1"/>
+                </p:cNvSpPr>
+                <p:nvPr/>
+              </p:nvSpPr>
+              <p:spPr>
+                <a:xfrm>
+                  <a:off x="4095819" y="3968668"/>
+                  <a:ext cx="256847" cy="345159"/>
+                </a:xfrm>
+                <a:prstGeom prst="rect">
+                  <a:avLst/>
+                </a:prstGeom>
+                <a:blipFill>
+                  <a:blip r:embed="rId36"/>
+                  <a:stretch>
+                    <a:fillRect l="-19048" r="-107143" b="-17544"/>
+                  </a:stretch>
+                </a:blipFill>
+              </p:spPr>
+              <p:txBody>
+                <a:bodyPr/>
+                <a:lstStyle/>
+                <a:p>
+                  <a:r>
+                    <a:rPr lang="en-US">
+                      <a:noFill/>
+                    </a:rPr>
+                    <a:t> </a:t>
+                  </a:r>
+                </a:p>
+              </p:txBody>
+            </p:sp>
+          </mc:Fallback>
+        </mc:AlternateContent>
+      </p:grpSp>
+    </p:spTree>
+    <p:extLst>
+      <p:ext uri="{BB962C8B-B14F-4D97-AF65-F5344CB8AC3E}">
+        <p14:creationId xmlns:p14="http://schemas.microsoft.com/office/powerpoint/2010/main" val="2045662198"/>
       </p:ext>
     </p:extLst>
   </p:cSld>
